--- a/3-level.pptx
+++ b/3-level.pptx
@@ -108,6 +108,11 @@
       </a:defRPr>
     </a:lvl9pPr>
   </p:defaultTextStyle>
+  <p:extLst>
+    <p:ext uri="{EFAFB233-063F-42B5-8137-9DF3F51BA10A}">
+      <p15:sldGuideLst xmlns:p15="http://schemas.microsoft.com/office/powerpoint/2012/main"/>
+    </p:ext>
+  </p:extLst>
 </p:presentation>
 </file>
 
@@ -258,7 +263,7 @@
           <a:p>
             <a:fld id="{540C0B17-285F-4B24-A15E-231AC8C41BCD}" type="datetimeFigureOut">
               <a:rPr lang="en-US" smtClean="0"/>
-              <a:t>8/2/2018</a:t>
+              <a:t>8/3/2018</a:t>
             </a:fld>
             <a:endParaRPr lang="en-US"/>
           </a:p>
@@ -456,7 +461,7 @@
           <a:p>
             <a:fld id="{540C0B17-285F-4B24-A15E-231AC8C41BCD}" type="datetimeFigureOut">
               <a:rPr lang="en-US" smtClean="0"/>
-              <a:t>8/2/2018</a:t>
+              <a:t>8/3/2018</a:t>
             </a:fld>
             <a:endParaRPr lang="en-US"/>
           </a:p>
@@ -664,7 +669,7 @@
           <a:p>
             <a:fld id="{540C0B17-285F-4B24-A15E-231AC8C41BCD}" type="datetimeFigureOut">
               <a:rPr lang="en-US" smtClean="0"/>
-              <a:t>8/2/2018</a:t>
+              <a:t>8/3/2018</a:t>
             </a:fld>
             <a:endParaRPr lang="en-US"/>
           </a:p>
@@ -862,7 +867,7 @@
           <a:p>
             <a:fld id="{540C0B17-285F-4B24-A15E-231AC8C41BCD}" type="datetimeFigureOut">
               <a:rPr lang="en-US" smtClean="0"/>
-              <a:t>8/2/2018</a:t>
+              <a:t>8/3/2018</a:t>
             </a:fld>
             <a:endParaRPr lang="en-US"/>
           </a:p>
@@ -1137,7 +1142,7 @@
           <a:p>
             <a:fld id="{540C0B17-285F-4B24-A15E-231AC8C41BCD}" type="datetimeFigureOut">
               <a:rPr lang="en-US" smtClean="0"/>
-              <a:t>8/2/2018</a:t>
+              <a:t>8/3/2018</a:t>
             </a:fld>
             <a:endParaRPr lang="en-US"/>
           </a:p>
@@ -1402,7 +1407,7 @@
           <a:p>
             <a:fld id="{540C0B17-285F-4B24-A15E-231AC8C41BCD}" type="datetimeFigureOut">
               <a:rPr lang="en-US" smtClean="0"/>
-              <a:t>8/2/2018</a:t>
+              <a:t>8/3/2018</a:t>
             </a:fld>
             <a:endParaRPr lang="en-US"/>
           </a:p>
@@ -1814,7 +1819,7 @@
           <a:p>
             <a:fld id="{540C0B17-285F-4B24-A15E-231AC8C41BCD}" type="datetimeFigureOut">
               <a:rPr lang="en-US" smtClean="0"/>
-              <a:t>8/2/2018</a:t>
+              <a:t>8/3/2018</a:t>
             </a:fld>
             <a:endParaRPr lang="en-US"/>
           </a:p>
@@ -1955,7 +1960,7 @@
           <a:p>
             <a:fld id="{540C0B17-285F-4B24-A15E-231AC8C41BCD}" type="datetimeFigureOut">
               <a:rPr lang="en-US" smtClean="0"/>
-              <a:t>8/2/2018</a:t>
+              <a:t>8/3/2018</a:t>
             </a:fld>
             <a:endParaRPr lang="en-US"/>
           </a:p>
@@ -2068,7 +2073,7 @@
           <a:p>
             <a:fld id="{540C0B17-285F-4B24-A15E-231AC8C41BCD}" type="datetimeFigureOut">
               <a:rPr lang="en-US" smtClean="0"/>
-              <a:t>8/2/2018</a:t>
+              <a:t>8/3/2018</a:t>
             </a:fld>
             <a:endParaRPr lang="en-US"/>
           </a:p>
@@ -2379,7 +2384,7 @@
           <a:p>
             <a:fld id="{540C0B17-285F-4B24-A15E-231AC8C41BCD}" type="datetimeFigureOut">
               <a:rPr lang="en-US" smtClean="0"/>
-              <a:t>8/2/2018</a:t>
+              <a:t>8/3/2018</a:t>
             </a:fld>
             <a:endParaRPr lang="en-US"/>
           </a:p>
@@ -2667,7 +2672,7 @@
           <a:p>
             <a:fld id="{540C0B17-285F-4B24-A15E-231AC8C41BCD}" type="datetimeFigureOut">
               <a:rPr lang="en-US" smtClean="0"/>
-              <a:t>8/2/2018</a:t>
+              <a:t>8/3/2018</a:t>
             </a:fld>
             <a:endParaRPr lang="en-US"/>
           </a:p>
@@ -2908,7 +2913,7 @@
           <a:p>
             <a:fld id="{540C0B17-285F-4B24-A15E-231AC8C41BCD}" type="datetimeFigureOut">
               <a:rPr lang="en-US" smtClean="0"/>
-              <a:t>8/2/2018</a:t>
+              <a:t>8/3/2018</a:t>
             </a:fld>
             <a:endParaRPr lang="en-US"/>
           </a:p>
@@ -3516,8 +3521,8 @@
           </a:fontRef>
         </p:style>
       </p:cxnSp>
-      <mc:AlternateContent xmlns:mc="http://schemas.openxmlformats.org/markup-compatibility/2006">
-        <mc:Choice xmlns:a14="http://schemas.microsoft.com/office/drawing/2010/main" Requires="a14">
+      <mc:AlternateContent xmlns:mc="http://schemas.openxmlformats.org/markup-compatibility/2006" xmlns:a14="http://schemas.microsoft.com/office/drawing/2010/main">
+        <mc:Choice Requires="a14">
           <p:sp>
             <p:nvSpPr>
               <p:cNvPr id="14" name="TextBox 13">
@@ -3546,6 +3551,7 @@
               </a:bodyPr>
               <a:lstStyle/>
               <a:p>
+                <a:pPr/>
                 <a14:m>
                   <m:oMathPara xmlns:m="http://schemas.openxmlformats.org/officeDocument/2006/math">
                     <m:oMathParaPr>
@@ -3585,7 +3591,7 @@
             </p:txBody>
           </p:sp>
         </mc:Choice>
-        <mc:Fallback>
+        <mc:Fallback xmlns="">
           <p:sp>
             <p:nvSpPr>
               <p:cNvPr id="14" name="TextBox 13">
@@ -3630,8 +3636,8 @@
           </p:sp>
         </mc:Fallback>
       </mc:AlternateContent>
-      <mc:AlternateContent xmlns:mc="http://schemas.openxmlformats.org/markup-compatibility/2006">
-        <mc:Choice xmlns:a14="http://schemas.microsoft.com/office/drawing/2010/main" Requires="a14">
+      <mc:AlternateContent xmlns:mc="http://schemas.openxmlformats.org/markup-compatibility/2006" xmlns:a14="http://schemas.microsoft.com/office/drawing/2010/main">
+        <mc:Choice Requires="a14">
           <p:sp>
             <p:nvSpPr>
               <p:cNvPr id="15" name="TextBox 14">
@@ -3660,6 +3666,7 @@
               </a:bodyPr>
               <a:lstStyle/>
               <a:p>
+                <a:pPr/>
                 <a14:m>
                   <m:oMathPara xmlns:m="http://schemas.openxmlformats.org/officeDocument/2006/math">
                     <m:oMathParaPr>
@@ -3699,7 +3706,7 @@
             </p:txBody>
           </p:sp>
         </mc:Choice>
-        <mc:Fallback>
+        <mc:Fallback xmlns="">
           <p:sp>
             <p:nvSpPr>
               <p:cNvPr id="15" name="TextBox 14">
@@ -3744,8 +3751,8 @@
           </p:sp>
         </mc:Fallback>
       </mc:AlternateContent>
-      <mc:AlternateContent xmlns:mc="http://schemas.openxmlformats.org/markup-compatibility/2006">
-        <mc:Choice xmlns:a14="http://schemas.microsoft.com/office/drawing/2010/main" Requires="a14">
+      <mc:AlternateContent xmlns:mc="http://schemas.openxmlformats.org/markup-compatibility/2006" xmlns:a14="http://schemas.microsoft.com/office/drawing/2010/main">
+        <mc:Choice Requires="a14">
           <p:sp>
             <p:nvSpPr>
               <p:cNvPr id="19" name="TextBox 18">
@@ -3774,6 +3781,7 @@
               </a:bodyPr>
               <a:lstStyle/>
               <a:p>
+                <a:pPr/>
                 <a14:m>
                   <m:oMathPara xmlns:m="http://schemas.openxmlformats.org/officeDocument/2006/math">
                     <m:oMathParaPr>
@@ -3813,7 +3821,7 @@
             </p:txBody>
           </p:sp>
         </mc:Choice>
-        <mc:Fallback>
+        <mc:Fallback xmlns="">
           <p:sp>
             <p:nvSpPr>
               <p:cNvPr id="19" name="TextBox 18">
@@ -3858,8 +3866,8 @@
           </p:sp>
         </mc:Fallback>
       </mc:AlternateContent>
-      <mc:AlternateContent xmlns:mc="http://schemas.openxmlformats.org/markup-compatibility/2006">
-        <mc:Choice xmlns:a14="http://schemas.microsoft.com/office/drawing/2010/main" Requires="a14">
+      <mc:AlternateContent xmlns:mc="http://schemas.openxmlformats.org/markup-compatibility/2006" xmlns:a14="http://schemas.microsoft.com/office/drawing/2010/main">
+        <mc:Choice Requires="a14">
           <p:sp>
             <p:nvSpPr>
               <p:cNvPr id="21" name="TextBox 20">
@@ -3888,6 +3896,7 @@
               </a:bodyPr>
               <a:lstStyle/>
               <a:p>
+                <a:pPr/>
                 <a14:m>
                   <m:oMathPara xmlns:m="http://schemas.openxmlformats.org/officeDocument/2006/math">
                     <m:oMathParaPr>
@@ -3927,7 +3936,7 @@
             </p:txBody>
           </p:sp>
         </mc:Choice>
-        <mc:Fallback>
+        <mc:Fallback xmlns="">
           <p:sp>
             <p:nvSpPr>
               <p:cNvPr id="21" name="TextBox 20">
@@ -3972,8 +3981,8 @@
           </p:sp>
         </mc:Fallback>
       </mc:AlternateContent>
-      <mc:AlternateContent xmlns:mc="http://schemas.openxmlformats.org/markup-compatibility/2006">
-        <mc:Choice xmlns:a14="http://schemas.microsoft.com/office/drawing/2010/main" Requires="a14">
+      <mc:AlternateContent xmlns:mc="http://schemas.openxmlformats.org/markup-compatibility/2006" xmlns:a14="http://schemas.microsoft.com/office/drawing/2010/main">
+        <mc:Choice Requires="a14">
           <p:sp>
             <p:nvSpPr>
               <p:cNvPr id="22" name="TextBox 21">
@@ -4002,6 +4011,7 @@
               </a:bodyPr>
               <a:lstStyle/>
               <a:p>
+                <a:pPr/>
                 <a14:m>
                   <m:oMathPara xmlns:m="http://schemas.openxmlformats.org/officeDocument/2006/math">
                     <m:oMathParaPr>
@@ -4041,7 +4051,7 @@
             </p:txBody>
           </p:sp>
         </mc:Choice>
-        <mc:Fallback>
+        <mc:Fallback xmlns="">
           <p:sp>
             <p:nvSpPr>
               <p:cNvPr id="22" name="TextBox 21">
@@ -4086,8 +4096,8 @@
           </p:sp>
         </mc:Fallback>
       </mc:AlternateContent>
-      <mc:AlternateContent xmlns:mc="http://schemas.openxmlformats.org/markup-compatibility/2006">
-        <mc:Choice xmlns:a14="http://schemas.microsoft.com/office/drawing/2010/main" Requires="a14">
+      <mc:AlternateContent xmlns:mc="http://schemas.openxmlformats.org/markup-compatibility/2006" xmlns:a14="http://schemas.microsoft.com/office/drawing/2010/main">
+        <mc:Choice Requires="a14">
           <p:sp>
             <p:nvSpPr>
               <p:cNvPr id="23" name="TextBox 22">
@@ -4226,7 +4236,7 @@
             </p:txBody>
           </p:sp>
         </mc:Choice>
-        <mc:Fallback>
+        <mc:Fallback xmlns="">
           <p:sp>
             <p:nvSpPr>
               <p:cNvPr id="23" name="TextBox 22">
@@ -4288,7 +4298,7 @@
             <p:spPr>
               <a:xfrm>
                 <a:off x="483268" y="4514201"/>
-                <a:ext cx="11546305" cy="2000163"/>
+                <a:ext cx="11546305" cy="2095958"/>
               </a:xfrm>
               <a:prstGeom prst="rect">
                 <a:avLst/>
@@ -4385,6 +4395,69 @@
                       </a:rPr>
                       <m:t>→</m:t>
                     </m:r>
+                    <m:rad>
+                      <m:radPr>
+                        <m:degHide m:val="on"/>
+                        <m:ctrlPr>
+                          <a:rPr lang="en-US" sz="3600" b="0" i="1" smtClean="0">
+                            <a:latin typeface="Cambria Math" panose="02040503050406030204" pitchFamily="18" charset="0"/>
+                          </a:rPr>
+                        </m:ctrlPr>
+                      </m:radPr>
+                      <m:deg/>
+                      <m:e>
+                        <m:sSub>
+                          <m:sSubPr>
+                            <m:ctrlPr>
+                              <a:rPr lang="en-US" sz="3600" b="0" i="1" smtClean="0">
+                                <a:latin typeface="Cambria Math" panose="02040503050406030204" pitchFamily="18" charset="0"/>
+                              </a:rPr>
+                            </m:ctrlPr>
+                          </m:sSubPr>
+                          <m:e>
+                            <m:r>
+                              <a:rPr lang="en-US" sz="3600" b="0" i="1" smtClean="0">
+                                <a:latin typeface="Cambria Math" panose="02040503050406030204" pitchFamily="18" charset="0"/>
+                              </a:rPr>
+                              <m:t>𝛾</m:t>
+                            </m:r>
+                          </m:e>
+                          <m:sub>
+                            <m:r>
+                              <a:rPr lang="en-US" sz="3600" b="0" i="1" smtClean="0">
+                                <a:latin typeface="Cambria Math" panose="02040503050406030204" pitchFamily="18" charset="0"/>
+                              </a:rPr>
+                              <m:t>𝑖</m:t>
+                            </m:r>
+                          </m:sub>
+                        </m:sSub>
+                        <m:sSub>
+                          <m:sSubPr>
+                            <m:ctrlPr>
+                              <a:rPr lang="en-US" sz="3600" b="0" i="1" smtClean="0">
+                                <a:latin typeface="Cambria Math" panose="02040503050406030204" pitchFamily="18" charset="0"/>
+                              </a:rPr>
+                            </m:ctrlPr>
+                          </m:sSubPr>
+                          <m:e>
+                            <m:r>
+                              <a:rPr lang="en-US" sz="3600" b="0" i="1" smtClean="0">
+                                <a:latin typeface="Cambria Math" panose="02040503050406030204" pitchFamily="18" charset="0"/>
+                              </a:rPr>
+                              <m:t>𝛾</m:t>
+                            </m:r>
+                          </m:e>
+                          <m:sub>
+                            <m:r>
+                              <a:rPr lang="en-US" sz="3600" b="0" i="1" smtClean="0">
+                                <a:latin typeface="Cambria Math" panose="02040503050406030204" pitchFamily="18" charset="0"/>
+                              </a:rPr>
+                              <m:t>𝑗</m:t>
+                            </m:r>
+                          </m:sub>
+                        </m:sSub>
+                      </m:e>
+                    </m:rad>
                     <m:sSup>
                       <m:sSupPr>
                         <m:ctrlPr>
@@ -4592,6 +4665,7 @@
                 <a:endParaRPr lang="en-US" sz="3600" b="0" dirty="0"/>
               </a:p>
               <a:p>
+                <a:pPr/>
                 <a14:m>
                   <m:oMathPara xmlns:m="http://schemas.openxmlformats.org/officeDocument/2006/math">
                     <m:oMathParaPr>
@@ -4676,6 +4750,69 @@
                         </a:rPr>
                         <m:t>→</m:t>
                       </m:r>
+                      <m:rad>
+                        <m:radPr>
+                          <m:degHide m:val="on"/>
+                          <m:ctrlPr>
+                            <a:rPr lang="en-US" sz="3600" i="1">
+                              <a:latin typeface="Cambria Math" panose="02040503050406030204" pitchFamily="18" charset="0"/>
+                            </a:rPr>
+                          </m:ctrlPr>
+                        </m:radPr>
+                        <m:deg/>
+                        <m:e>
+                          <m:sSub>
+                            <m:sSubPr>
+                              <m:ctrlPr>
+                                <a:rPr lang="en-US" sz="3600" i="1">
+                                  <a:latin typeface="Cambria Math" panose="02040503050406030204" pitchFamily="18" charset="0"/>
+                                </a:rPr>
+                              </m:ctrlPr>
+                            </m:sSubPr>
+                            <m:e>
+                              <m:r>
+                                <a:rPr lang="en-US" sz="3600" i="1">
+                                  <a:latin typeface="Cambria Math" panose="02040503050406030204" pitchFamily="18" charset="0"/>
+                                </a:rPr>
+                                <m:t>𝛾</m:t>
+                              </m:r>
+                            </m:e>
+                            <m:sub>
+                              <m:r>
+                                <a:rPr lang="en-US" sz="3600" i="1">
+                                  <a:latin typeface="Cambria Math" panose="02040503050406030204" pitchFamily="18" charset="0"/>
+                                </a:rPr>
+                                <m:t>𝑖</m:t>
+                              </m:r>
+                            </m:sub>
+                          </m:sSub>
+                          <m:sSub>
+                            <m:sSubPr>
+                              <m:ctrlPr>
+                                <a:rPr lang="en-US" sz="3600" i="1">
+                                  <a:latin typeface="Cambria Math" panose="02040503050406030204" pitchFamily="18" charset="0"/>
+                                </a:rPr>
+                              </m:ctrlPr>
+                            </m:sSubPr>
+                            <m:e>
+                              <m:r>
+                                <a:rPr lang="en-US" sz="3600" i="1">
+                                  <a:latin typeface="Cambria Math" panose="02040503050406030204" pitchFamily="18" charset="0"/>
+                                </a:rPr>
+                                <m:t>𝛾</m:t>
+                              </m:r>
+                            </m:e>
+                            <m:sub>
+                              <m:r>
+                                <a:rPr lang="en-US" sz="3600" i="1">
+                                  <a:latin typeface="Cambria Math" panose="02040503050406030204" pitchFamily="18" charset="0"/>
+                                </a:rPr>
+                                <m:t>𝑗</m:t>
+                              </m:r>
+                            </m:sub>
+                          </m:sSub>
+                        </m:e>
+                      </m:rad>
                       <m:sSup>
                         <m:sSupPr>
                           <m:ctrlPr>
@@ -5044,7 +5181,7 @@
             <p:spPr>
               <a:xfrm>
                 <a:off x="483268" y="4514201"/>
-                <a:ext cx="11546305" cy="2000163"/>
+                <a:ext cx="11546305" cy="2095958"/>
               </a:xfrm>
               <a:prstGeom prst="rect">
                 <a:avLst/>
@@ -5052,7 +5189,7 @@
               <a:blipFill>
                 <a:blip r:embed="rId8"/>
                 <a:stretch>
-                  <a:fillRect l="-1584" t="-1829" b="-10671"/>
+                  <a:fillRect l="-1584" t="-1749" b="-10496"/>
                 </a:stretch>
               </a:blipFill>
             </p:spPr>
@@ -5071,8 +5208,8 @@
           </p:sp>
         </mc:Fallback>
       </mc:AlternateContent>
-      <mc:AlternateContent xmlns:mc="http://schemas.openxmlformats.org/markup-compatibility/2006">
-        <mc:Choice xmlns:a14="http://schemas.microsoft.com/office/drawing/2010/main" Requires="a14">
+      <mc:AlternateContent xmlns:mc="http://schemas.openxmlformats.org/markup-compatibility/2006" xmlns:a14="http://schemas.microsoft.com/office/drawing/2010/main">
+        <mc:Choice Requires="a14">
           <p:sp>
             <p:nvSpPr>
               <p:cNvPr id="27" name="TextBox 26">
@@ -5173,7 +5310,7 @@
             </p:txBody>
           </p:sp>
         </mc:Choice>
-        <mc:Fallback>
+        <mc:Fallback xmlns="">
           <p:sp>
             <p:nvSpPr>
               <p:cNvPr id="27" name="TextBox 26">
@@ -5358,7 +5495,7 @@
                     <m:sSup>
                       <m:sSupPr>
                         <m:ctrlPr>
-                          <a:rPr lang="en-US" sz="2800" b="0" i="0" smtClean="0">
+                          <a:rPr lang="en-US" sz="2800" b="0" i="1" smtClean="0">
                             <a:latin typeface="Cambria Math" panose="02040503050406030204" pitchFamily="18" charset="0"/>
                           </a:rPr>
                         </m:ctrlPr>
@@ -5415,7 +5552,7 @@
                     <m:sSup>
                       <m:sSupPr>
                         <m:ctrlPr>
-                          <a:rPr lang="en-US" sz="2800" b="0" i="0" smtClean="0">
+                          <a:rPr lang="en-US" sz="2800" b="0" i="1" smtClean="0">
                             <a:latin typeface="Cambria Math" panose="02040503050406030204" pitchFamily="18" charset="0"/>
                           </a:rPr>
                         </m:ctrlPr>
@@ -5474,13 +5611,19 @@
                       <a:rPr lang="en-US" sz="2800" b="0" i="0" smtClean="0">
                         <a:latin typeface="Cambria Math" panose="02040503050406030204" pitchFamily="18" charset="0"/>
                       </a:rPr>
-                      <m:t> </m:t>
+                      <m:t> )/</m:t>
+                    </m:r>
+                    <m:r>
+                      <a:rPr lang="en-US" sz="2800" i="1">
+                        <a:latin typeface="Cambria Math" panose="02040503050406030204" pitchFamily="18" charset="0"/>
+                      </a:rPr>
+                      <m:t>√</m:t>
                     </m:r>
                     <m:r>
                       <a:rPr lang="en-US" sz="2800" b="0" i="0" smtClean="0">
                         <a:latin typeface="Cambria Math" panose="02040503050406030204" pitchFamily="18" charset="0"/>
                       </a:rPr>
-                      <m:t>)/(1+2</m:t>
+                      <m:t>1+2</m:t>
                     </m:r>
                     <m:sSup>
                       <m:sSupPr>
@@ -5510,12 +5653,6 @@
                         </m:r>
                       </m:sup>
                     </m:sSup>
-                    <m:r>
-                      <a:rPr lang="en-US" sz="2800" b="0" i="0" smtClean="0">
-                        <a:latin typeface="Cambria Math" panose="02040503050406030204" pitchFamily="18" charset="0"/>
-                      </a:rPr>
-                      <m:t>)</m:t>
-                    </m:r>
                   </m:oMath>
                 </a14:m>
                 <a:r>
@@ -5636,7 +5773,7 @@
               <a:blipFill>
                 <a:blip r:embed="rId2"/>
                 <a:stretch>
-                  <a:fillRect l="-2419" t="-1706" b="-4096"/>
+                  <a:fillRect l="-2419" t="-1706" b="-4949"/>
                 </a:stretch>
               </a:blipFill>
             </p:spPr>
@@ -5865,7 +6002,7 @@
                       <m:dPr>
                         <m:endChr m:val="⟩"/>
                         <m:ctrlPr>
-                          <a:rPr lang="en-US" sz="2800" b="0" i="0" smtClean="0">
+                          <a:rPr lang="en-US" sz="2800" b="0" i="1" smtClean="0">
                             <a:latin typeface="Cambria Math" panose="02040503050406030204" pitchFamily="18" charset="0"/>
                           </a:rPr>
                         </m:ctrlPr>
@@ -5933,18 +6070,24 @@
                       <a:rPr lang="en-US" sz="2800" b="0" i="0" smtClean="0">
                         <a:latin typeface="Cambria Math" panose="02040503050406030204" pitchFamily="18" charset="0"/>
                       </a:rPr>
-                      <m:t> </m:t>
+                      <m:t> )/</m:t>
+                    </m:r>
+                    <m:r>
+                      <a:rPr lang="en-US" sz="2800" i="1">
+                        <a:latin typeface="Cambria Math" panose="02040503050406030204" pitchFamily="18" charset="0"/>
+                      </a:rPr>
+                      <m:t>√</m:t>
                     </m:r>
                     <m:r>
                       <a:rPr lang="en-US" sz="2800" b="0" i="0" smtClean="0">
                         <a:latin typeface="Cambria Math" panose="02040503050406030204" pitchFamily="18" charset="0"/>
                       </a:rPr>
-                      <m:t>)/(1+2</m:t>
+                      <m:t>1+2</m:t>
                     </m:r>
                     <m:sSup>
                       <m:sSupPr>
                         <m:ctrlPr>
-                          <a:rPr lang="en-US" sz="2800" b="0" i="0" smtClean="0">
+                          <a:rPr lang="en-US" sz="2800" b="0" i="1" smtClean="0">
                             <a:latin typeface="Cambria Math" panose="02040503050406030204" pitchFamily="18" charset="0"/>
                           </a:rPr>
                         </m:ctrlPr>
@@ -5969,12 +6112,6 @@
                         </m:r>
                       </m:sup>
                     </m:sSup>
-                    <m:r>
-                      <a:rPr lang="en-US" sz="2800" b="0" i="0" smtClean="0">
-                        <a:latin typeface="Cambria Math" panose="02040503050406030204" pitchFamily="18" charset="0"/>
-                      </a:rPr>
-                      <m:t>)</m:t>
-                    </m:r>
                   </m:oMath>
                 </a14:m>
                 <a:r>

--- a/3-level.pptx
+++ b/3-level.pptx
@@ -7,9 +7,9 @@
   <p:sldIdLst>
     <p:sldId id="256" r:id="rId2"/>
     <p:sldId id="261" r:id="rId3"/>
-    <p:sldId id="258" r:id="rId4"/>
-    <p:sldId id="259" r:id="rId5"/>
-    <p:sldId id="260" r:id="rId6"/>
+    <p:sldId id="263" r:id="rId4"/>
+    <p:sldId id="264" r:id="rId5"/>
+    <p:sldId id="258" r:id="rId6"/>
   </p:sldIdLst>
   <p:sldSz cx="12192000" cy="6858000"/>
   <p:notesSz cx="6858000" cy="9144000"/>
@@ -263,7 +263,7 @@
           <a:p>
             <a:fld id="{540C0B17-285F-4B24-A15E-231AC8C41BCD}" type="datetimeFigureOut">
               <a:rPr lang="en-US" smtClean="0"/>
-              <a:t>8/3/2018</a:t>
+              <a:t>8/6/2018</a:t>
             </a:fld>
             <a:endParaRPr lang="en-US"/>
           </a:p>
@@ -461,7 +461,7 @@
           <a:p>
             <a:fld id="{540C0B17-285F-4B24-A15E-231AC8C41BCD}" type="datetimeFigureOut">
               <a:rPr lang="en-US" smtClean="0"/>
-              <a:t>8/3/2018</a:t>
+              <a:t>8/6/2018</a:t>
             </a:fld>
             <a:endParaRPr lang="en-US"/>
           </a:p>
@@ -669,7 +669,7 @@
           <a:p>
             <a:fld id="{540C0B17-285F-4B24-A15E-231AC8C41BCD}" type="datetimeFigureOut">
               <a:rPr lang="en-US" smtClean="0"/>
-              <a:t>8/3/2018</a:t>
+              <a:t>8/6/2018</a:t>
             </a:fld>
             <a:endParaRPr lang="en-US"/>
           </a:p>
@@ -867,7 +867,7 @@
           <a:p>
             <a:fld id="{540C0B17-285F-4B24-A15E-231AC8C41BCD}" type="datetimeFigureOut">
               <a:rPr lang="en-US" smtClean="0"/>
-              <a:t>8/3/2018</a:t>
+              <a:t>8/6/2018</a:t>
             </a:fld>
             <a:endParaRPr lang="en-US"/>
           </a:p>
@@ -1142,7 +1142,7 @@
           <a:p>
             <a:fld id="{540C0B17-285F-4B24-A15E-231AC8C41BCD}" type="datetimeFigureOut">
               <a:rPr lang="en-US" smtClean="0"/>
-              <a:t>8/3/2018</a:t>
+              <a:t>8/6/2018</a:t>
             </a:fld>
             <a:endParaRPr lang="en-US"/>
           </a:p>
@@ -1407,7 +1407,7 @@
           <a:p>
             <a:fld id="{540C0B17-285F-4B24-A15E-231AC8C41BCD}" type="datetimeFigureOut">
               <a:rPr lang="en-US" smtClean="0"/>
-              <a:t>8/3/2018</a:t>
+              <a:t>8/6/2018</a:t>
             </a:fld>
             <a:endParaRPr lang="en-US"/>
           </a:p>
@@ -1819,7 +1819,7 @@
           <a:p>
             <a:fld id="{540C0B17-285F-4B24-A15E-231AC8C41BCD}" type="datetimeFigureOut">
               <a:rPr lang="en-US" smtClean="0"/>
-              <a:t>8/3/2018</a:t>
+              <a:t>8/6/2018</a:t>
             </a:fld>
             <a:endParaRPr lang="en-US"/>
           </a:p>
@@ -1960,7 +1960,7 @@
           <a:p>
             <a:fld id="{540C0B17-285F-4B24-A15E-231AC8C41BCD}" type="datetimeFigureOut">
               <a:rPr lang="en-US" smtClean="0"/>
-              <a:t>8/3/2018</a:t>
+              <a:t>8/6/2018</a:t>
             </a:fld>
             <a:endParaRPr lang="en-US"/>
           </a:p>
@@ -2073,7 +2073,7 @@
           <a:p>
             <a:fld id="{540C0B17-285F-4B24-A15E-231AC8C41BCD}" type="datetimeFigureOut">
               <a:rPr lang="en-US" smtClean="0"/>
-              <a:t>8/3/2018</a:t>
+              <a:t>8/6/2018</a:t>
             </a:fld>
             <a:endParaRPr lang="en-US"/>
           </a:p>
@@ -2384,7 +2384,7 @@
           <a:p>
             <a:fld id="{540C0B17-285F-4B24-A15E-231AC8C41BCD}" type="datetimeFigureOut">
               <a:rPr lang="en-US" smtClean="0"/>
-              <a:t>8/3/2018</a:t>
+              <a:t>8/6/2018</a:t>
             </a:fld>
             <a:endParaRPr lang="en-US"/>
           </a:p>
@@ -2672,7 +2672,7 @@
           <a:p>
             <a:fld id="{540C0B17-285F-4B24-A15E-231AC8C41BCD}" type="datetimeFigureOut">
               <a:rPr lang="en-US" smtClean="0"/>
-              <a:t>8/3/2018</a:t>
+              <a:t>8/6/2018</a:t>
             </a:fld>
             <a:endParaRPr lang="en-US"/>
           </a:p>
@@ -2913,7 +2913,7 @@
           <a:p>
             <a:fld id="{540C0B17-285F-4B24-A15E-231AC8C41BCD}" type="datetimeFigureOut">
               <a:rPr lang="en-US" smtClean="0"/>
-              <a:t>8/3/2018</a:t>
+              <a:t>8/6/2018</a:t>
             </a:fld>
             <a:endParaRPr lang="en-US"/>
           </a:p>
@@ -4096,8 +4096,8 @@
           </p:sp>
         </mc:Fallback>
       </mc:AlternateContent>
-      <mc:AlternateContent xmlns:mc="http://schemas.openxmlformats.org/markup-compatibility/2006" xmlns:a14="http://schemas.microsoft.com/office/drawing/2010/main">
-        <mc:Choice Requires="a14">
+      <mc:AlternateContent xmlns:mc="http://schemas.openxmlformats.org/markup-compatibility/2006">
+        <mc:Choice xmlns:a14="http://schemas.microsoft.com/office/drawing/2010/main" Requires="a14">
           <p:sp>
             <p:nvSpPr>
               <p:cNvPr id="23" name="TextBox 22">
@@ -4113,7 +4113,7 @@
             <p:spPr>
               <a:xfrm>
                 <a:off x="783688" y="3403796"/>
-                <a:ext cx="8303748" cy="1077218"/>
+                <a:ext cx="10276468" cy="1077218"/>
               </a:xfrm>
               <a:prstGeom prst="rect">
                 <a:avLst/>
@@ -4221,6 +4221,200 @@
                     </m:sSub>
                   </m:oMath>
                 </a14:m>
+                <a:r>
+                  <a:rPr lang="en-US" sz="3200" dirty="0"/>
+                  <a:t>, </a:t>
+                </a:r>
+                <a14:m>
+                  <m:oMath xmlns:m="http://schemas.openxmlformats.org/officeDocument/2006/math">
+                    <m:sSub>
+                      <m:sSubPr>
+                        <m:ctrlPr>
+                          <a:rPr lang="en-US" sz="3200" b="0" i="1" smtClean="0">
+                            <a:latin typeface="Cambria Math" panose="02040503050406030204" pitchFamily="18" charset="0"/>
+                          </a:rPr>
+                        </m:ctrlPr>
+                      </m:sSubPr>
+                      <m:e>
+                        <m:r>
+                          <a:rPr lang="en-US" sz="3200" b="0" i="1" smtClean="0">
+                            <a:latin typeface="Cambria Math" panose="02040503050406030204" pitchFamily="18" charset="0"/>
+                          </a:rPr>
+                          <m:t>𝜔</m:t>
+                        </m:r>
+                      </m:e>
+                      <m:sub>
+                        <m:r>
+                          <a:rPr lang="en-US" sz="3200" b="0" i="1" smtClean="0">
+                            <a:latin typeface="Cambria Math" panose="02040503050406030204" pitchFamily="18" charset="0"/>
+                          </a:rPr>
+                          <m:t>𝑎𝑏</m:t>
+                        </m:r>
+                      </m:sub>
+                    </m:sSub>
+                    <m:r>
+                      <a:rPr lang="en-US" sz="3200" b="0" i="1" smtClean="0">
+                        <a:latin typeface="Cambria Math" panose="02040503050406030204" pitchFamily="18" charset="0"/>
+                      </a:rPr>
+                      <m:t>−</m:t>
+                    </m:r>
+                    <m:sSub>
+                      <m:sSubPr>
+                        <m:ctrlPr>
+                          <a:rPr lang="en-US" sz="3200" b="0" i="1" smtClean="0">
+                            <a:latin typeface="Cambria Math" panose="02040503050406030204" pitchFamily="18" charset="0"/>
+                          </a:rPr>
+                        </m:ctrlPr>
+                      </m:sSubPr>
+                      <m:e>
+                        <m:r>
+                          <a:rPr lang="en-US" sz="3200" b="0" i="1" smtClean="0">
+                            <a:latin typeface="Cambria Math" panose="02040503050406030204" pitchFamily="18" charset="0"/>
+                          </a:rPr>
+                          <m:t>𝜔</m:t>
+                        </m:r>
+                      </m:e>
+                      <m:sub>
+                        <m:r>
+                          <a:rPr lang="en-US" sz="3200" b="0" i="1" smtClean="0">
+                            <a:latin typeface="Cambria Math" panose="02040503050406030204" pitchFamily="18" charset="0"/>
+                          </a:rPr>
+                          <m:t>𝑏𝑐</m:t>
+                        </m:r>
+                      </m:sub>
+                    </m:sSub>
+                    <m:r>
+                      <a:rPr lang="en-US" sz="3200" b="0" i="1" smtClean="0">
+                        <a:latin typeface="Cambria Math" panose="02040503050406030204" pitchFamily="18" charset="0"/>
+                      </a:rPr>
+                      <m:t>≪</m:t>
+                    </m:r>
+                    <m:sSub>
+                      <m:sSubPr>
+                        <m:ctrlPr>
+                          <a:rPr lang="en-US" sz="3200" b="0" i="1" smtClean="0">
+                            <a:latin typeface="Cambria Math" panose="02040503050406030204" pitchFamily="18" charset="0"/>
+                          </a:rPr>
+                        </m:ctrlPr>
+                      </m:sSubPr>
+                      <m:e>
+                        <m:r>
+                          <a:rPr lang="en-US" sz="3200" b="0" i="1" smtClean="0">
+                            <a:latin typeface="Cambria Math" panose="02040503050406030204" pitchFamily="18" charset="0"/>
+                          </a:rPr>
+                          <m:t>𝜔</m:t>
+                        </m:r>
+                      </m:e>
+                      <m:sub>
+                        <m:r>
+                          <a:rPr lang="en-US" sz="3200" b="0" i="1" smtClean="0">
+                            <a:latin typeface="Cambria Math" panose="02040503050406030204" pitchFamily="18" charset="0"/>
+                          </a:rPr>
+                          <m:t>𝑎𝑐</m:t>
+                        </m:r>
+                      </m:sub>
+                    </m:sSub>
+                  </m:oMath>
+                </a14:m>
+                <a:r>
+                  <a:rPr lang="en-US" sz="3200" dirty="0"/>
+                  <a:t> so </a:t>
+                </a:r>
+                <a14:m>
+                  <m:oMath xmlns:m="http://schemas.openxmlformats.org/officeDocument/2006/math">
+                    <m:r>
+                      <a:rPr lang="en-US" sz="3200" b="0" i="1" smtClean="0">
+                        <a:latin typeface="Cambria Math" panose="02040503050406030204" pitchFamily="18" charset="0"/>
+                      </a:rPr>
+                      <m:t>𝑁</m:t>
+                    </m:r>
+                    <m:d>
+                      <m:dPr>
+                        <m:ctrlPr>
+                          <a:rPr lang="en-US" sz="3200" b="0" i="1" smtClean="0">
+                            <a:latin typeface="Cambria Math" panose="02040503050406030204" pitchFamily="18" charset="0"/>
+                          </a:rPr>
+                        </m:ctrlPr>
+                      </m:dPr>
+                      <m:e>
+                        <m:sSub>
+                          <m:sSubPr>
+                            <m:ctrlPr>
+                              <a:rPr lang="en-US" sz="3200" b="0" i="1" smtClean="0">
+                                <a:latin typeface="Cambria Math" panose="02040503050406030204" pitchFamily="18" charset="0"/>
+                              </a:rPr>
+                            </m:ctrlPr>
+                          </m:sSubPr>
+                          <m:e>
+                            <m:r>
+                              <a:rPr lang="en-US" sz="3200" b="0" i="1" smtClean="0">
+                                <a:latin typeface="Cambria Math" panose="02040503050406030204" pitchFamily="18" charset="0"/>
+                              </a:rPr>
+                              <m:t>𝜔</m:t>
+                            </m:r>
+                          </m:e>
+                          <m:sub>
+                            <m:r>
+                              <a:rPr lang="en-US" sz="3200" b="0" i="1" smtClean="0">
+                                <a:latin typeface="Cambria Math" panose="02040503050406030204" pitchFamily="18" charset="0"/>
+                              </a:rPr>
+                              <m:t>𝑎𝑏</m:t>
+                            </m:r>
+                          </m:sub>
+                        </m:sSub>
+                      </m:e>
+                    </m:d>
+                    <m:r>
+                      <a:rPr lang="en-US" sz="3200" b="0" i="1" smtClean="0">
+                        <a:latin typeface="Cambria Math" panose="02040503050406030204" pitchFamily="18" charset="0"/>
+                      </a:rPr>
+                      <m:t>≈</m:t>
+                    </m:r>
+                    <m:r>
+                      <a:rPr lang="en-US" sz="3200" b="0" i="1" smtClean="0">
+                        <a:latin typeface="Cambria Math" panose="02040503050406030204" pitchFamily="18" charset="0"/>
+                      </a:rPr>
+                      <m:t>𝑁</m:t>
+                    </m:r>
+                    <m:r>
+                      <a:rPr lang="en-US" sz="3200" b="0" i="1" smtClean="0">
+                        <a:latin typeface="Cambria Math" panose="02040503050406030204" pitchFamily="18" charset="0"/>
+                      </a:rPr>
+                      <m:t>(</m:t>
+                    </m:r>
+                    <m:sSub>
+                      <m:sSubPr>
+                        <m:ctrlPr>
+                          <a:rPr lang="en-US" sz="3200" b="0" i="1" smtClean="0">
+                            <a:latin typeface="Cambria Math" panose="02040503050406030204" pitchFamily="18" charset="0"/>
+                          </a:rPr>
+                        </m:ctrlPr>
+                      </m:sSubPr>
+                      <m:e>
+                        <m:r>
+                          <a:rPr lang="en-US" sz="3200" b="0" i="1" smtClean="0">
+                            <a:latin typeface="Cambria Math" panose="02040503050406030204" pitchFamily="18" charset="0"/>
+                          </a:rPr>
+                          <m:t>𝜔</m:t>
+                        </m:r>
+                      </m:e>
+                      <m:sub>
+                        <m:r>
+                          <a:rPr lang="en-US" sz="3200" b="0" i="1" smtClean="0">
+                            <a:latin typeface="Cambria Math" panose="02040503050406030204" pitchFamily="18" charset="0"/>
+                          </a:rPr>
+                          <m:t>𝑏𝑐</m:t>
+                        </m:r>
+                      </m:sub>
+                    </m:sSub>
+                    <m:r>
+                      <a:rPr lang="en-US" sz="3200" b="0" i="1" smtClean="0">
+                        <a:latin typeface="Cambria Math" panose="02040503050406030204" pitchFamily="18" charset="0"/>
+                      </a:rPr>
+                      <m:t>)</m:t>
+                    </m:r>
+                  </m:oMath>
+                </a14:m>
                 <a:endParaRPr lang="en-US" sz="3200" dirty="0"/>
               </a:p>
               <a:p>
@@ -4236,7 +4430,7 @@
             </p:txBody>
           </p:sp>
         </mc:Choice>
-        <mc:Fallback xmlns="">
+        <mc:Fallback>
           <p:sp>
             <p:nvSpPr>
               <p:cNvPr id="23" name="TextBox 22">
@@ -4254,7 +4448,7 @@
             <p:spPr>
               <a:xfrm>
                 <a:off x="783688" y="3403796"/>
-                <a:ext cx="8303748" cy="1077218"/>
+                <a:ext cx="10276468" cy="1077218"/>
               </a:xfrm>
               <a:prstGeom prst="rect">
                 <a:avLst/>
@@ -4262,7 +4456,7 @@
               <a:blipFill>
                 <a:blip r:embed="rId7"/>
                 <a:stretch>
-                  <a:fillRect l="-1689" r="-514" b="-17514"/>
+                  <a:fillRect l="-1365" t="-6780" b="-17514"/>
                 </a:stretch>
               </a:blipFill>
             </p:spPr>
@@ -4298,7 +4492,7 @@
             <p:spPr>
               <a:xfrm>
                 <a:off x="483268" y="4514201"/>
-                <a:ext cx="11546305" cy="2095958"/>
+                <a:ext cx="11546305" cy="2122441"/>
               </a:xfrm>
               <a:prstGeom prst="rect">
                 <a:avLst/>
@@ -4393,7 +4587,7 @@
                       <a:rPr lang="en-US" sz="3600" b="0" i="1" smtClean="0">
                         <a:latin typeface="Cambria Math" panose="02040503050406030204" pitchFamily="18" charset="0"/>
                       </a:rPr>
-                      <m:t>→</m:t>
+                      <m:t>→ </m:t>
                     </m:r>
                     <m:rad>
                       <m:radPr>
@@ -5181,7 +5375,7 @@
             <p:spPr>
               <a:xfrm>
                 <a:off x="483268" y="4514201"/>
-                <a:ext cx="11546305" cy="2095958"/>
+                <a:ext cx="11546305" cy="2122441"/>
               </a:xfrm>
               <a:prstGeom prst="rect">
                 <a:avLst/>
@@ -5189,7 +5383,7 @@
               <a:blipFill>
                 <a:blip r:embed="rId8"/>
                 <a:stretch>
-                  <a:fillRect l="-1584" t="-1749" b="-10496"/>
+                  <a:fillRect l="-1584" t="-1724" b="-8908"/>
                 </a:stretch>
               </a:blipFill>
             </p:spPr>
@@ -5440,8 +5634,8 @@
           </a:p>
         </p:txBody>
       </p:sp>
-      <mc:AlternateContent xmlns:mc="http://schemas.openxmlformats.org/markup-compatibility/2006">
-        <mc:Choice xmlns:a14="http://schemas.microsoft.com/office/drawing/2010/main" Requires="a14">
+      <mc:AlternateContent xmlns:mc="http://schemas.openxmlformats.org/markup-compatibility/2006" xmlns:a14="http://schemas.microsoft.com/office/drawing/2010/main">
+        <mc:Choice Requires="a14">
           <p:sp>
             <p:nvSpPr>
               <p:cNvPr id="3" name="TextBox 2">
@@ -5747,7 +5941,7 @@
             </p:txBody>
           </p:sp>
         </mc:Choice>
-        <mc:Fallback>
+        <mc:Fallback xmlns="">
           <p:sp>
             <p:nvSpPr>
               <p:cNvPr id="3" name="TextBox 2">
@@ -5792,8 +5986,8 @@
           </p:sp>
         </mc:Fallback>
       </mc:AlternateContent>
-      <mc:AlternateContent xmlns:mc="http://schemas.openxmlformats.org/markup-compatibility/2006">
-        <mc:Choice xmlns:a14="http://schemas.microsoft.com/office/drawing/2010/main" Requires="a14">
+      <mc:AlternateContent xmlns:mc="http://schemas.openxmlformats.org/markup-compatibility/2006" xmlns:a14="http://schemas.microsoft.com/office/drawing/2010/main">
+        <mc:Choice Requires="a14">
           <p:sp>
             <p:nvSpPr>
               <p:cNvPr id="4" name="TextBox 3">
@@ -6129,7 +6323,7 @@
             </p:txBody>
           </p:sp>
         </mc:Choice>
-        <mc:Fallback>
+        <mc:Fallback xmlns="">
           <p:sp>
             <p:nvSpPr>
               <p:cNvPr id="4" name="TextBox 3">
@@ -6223,6 +6417,3252 @@
 </file>
 
 <file path=ppt/slides/slide3.xml><?xml version="1.0" encoding="utf-8"?>
+<p:sld xmlns:a="http://schemas.openxmlformats.org/drawingml/2006/main" xmlns:r="http://schemas.openxmlformats.org/officeDocument/2006/relationships" xmlns:p="http://schemas.openxmlformats.org/presentationml/2006/main">
+  <p:cSld>
+    <p:spTree>
+      <p:nvGrpSpPr>
+        <p:cNvPr id="1" name=""/>
+        <p:cNvGrpSpPr/>
+        <p:nvPr/>
+      </p:nvGrpSpPr>
+      <p:grpSpPr>
+        <a:xfrm>
+          <a:off x="0" y="0"/>
+          <a:ext cx="0" cy="0"/>
+          <a:chOff x="0" y="0"/>
+          <a:chExt cx="0" cy="0"/>
+        </a:xfrm>
+      </p:grpSpPr>
+      <p:cxnSp>
+        <p:nvCxnSpPr>
+          <p:cNvPr id="5" name="Straight Connector 4">
+            <a:extLst>
+              <a:ext uri="{FF2B5EF4-FFF2-40B4-BE49-F238E27FC236}">
+                <a16:creationId xmlns:a16="http://schemas.microsoft.com/office/drawing/2014/main" id="{CD2DB9A7-CC8B-4AC0-897D-769765A933B8}"/>
+              </a:ext>
+            </a:extLst>
+          </p:cNvPr>
+          <p:cNvCxnSpPr/>
+          <p:nvPr/>
+        </p:nvCxnSpPr>
+        <p:spPr>
+          <a:xfrm>
+            <a:off x="1395663" y="2847474"/>
+            <a:ext cx="1275348" cy="0"/>
+          </a:xfrm>
+          <a:prstGeom prst="line">
+            <a:avLst/>
+          </a:prstGeom>
+          <a:ln w="38100"/>
+        </p:spPr>
+        <p:style>
+          <a:lnRef idx="1">
+            <a:schemeClr val="dk1"/>
+          </a:lnRef>
+          <a:fillRef idx="0">
+            <a:schemeClr val="dk1"/>
+          </a:fillRef>
+          <a:effectRef idx="0">
+            <a:schemeClr val="dk1"/>
+          </a:effectRef>
+          <a:fontRef idx="minor">
+            <a:schemeClr val="tx1"/>
+          </a:fontRef>
+        </p:style>
+      </p:cxnSp>
+      <p:cxnSp>
+        <p:nvCxnSpPr>
+          <p:cNvPr id="6" name="Straight Connector 5">
+            <a:extLst>
+              <a:ext uri="{FF2B5EF4-FFF2-40B4-BE49-F238E27FC236}">
+                <a16:creationId xmlns:a16="http://schemas.microsoft.com/office/drawing/2014/main" id="{26D8791F-94DE-4C8A-97F0-F53A48E67239}"/>
+              </a:ext>
+            </a:extLst>
+          </p:cNvPr>
+          <p:cNvCxnSpPr/>
+          <p:nvPr/>
+        </p:nvCxnSpPr>
+        <p:spPr>
+          <a:xfrm>
+            <a:off x="312821" y="1804737"/>
+            <a:ext cx="1275348" cy="0"/>
+          </a:xfrm>
+          <a:prstGeom prst="line">
+            <a:avLst/>
+          </a:prstGeom>
+          <a:ln w="38100"/>
+        </p:spPr>
+        <p:style>
+          <a:lnRef idx="1">
+            <a:schemeClr val="dk1"/>
+          </a:lnRef>
+          <a:fillRef idx="0">
+            <a:schemeClr val="dk1"/>
+          </a:fillRef>
+          <a:effectRef idx="0">
+            <a:schemeClr val="dk1"/>
+          </a:effectRef>
+          <a:fontRef idx="minor">
+            <a:schemeClr val="tx1"/>
+          </a:fontRef>
+        </p:style>
+      </p:cxnSp>
+      <p:cxnSp>
+        <p:nvCxnSpPr>
+          <p:cNvPr id="7" name="Straight Connector 6">
+            <a:extLst>
+              <a:ext uri="{FF2B5EF4-FFF2-40B4-BE49-F238E27FC236}">
+                <a16:creationId xmlns:a16="http://schemas.microsoft.com/office/drawing/2014/main" id="{A35008F8-BE7D-42AB-A40C-B2B7EA7B0895}"/>
+              </a:ext>
+            </a:extLst>
+          </p:cNvPr>
+          <p:cNvCxnSpPr/>
+          <p:nvPr/>
+        </p:nvCxnSpPr>
+        <p:spPr>
+          <a:xfrm>
+            <a:off x="2119193" y="280738"/>
+            <a:ext cx="1275348" cy="0"/>
+          </a:xfrm>
+          <a:prstGeom prst="line">
+            <a:avLst/>
+          </a:prstGeom>
+          <a:ln w="38100"/>
+        </p:spPr>
+        <p:style>
+          <a:lnRef idx="1">
+            <a:schemeClr val="dk1"/>
+          </a:lnRef>
+          <a:fillRef idx="0">
+            <a:schemeClr val="dk1"/>
+          </a:fillRef>
+          <a:effectRef idx="0">
+            <a:schemeClr val="dk1"/>
+          </a:effectRef>
+          <a:fontRef idx="minor">
+            <a:schemeClr val="tx1"/>
+          </a:fontRef>
+        </p:style>
+      </p:cxnSp>
+      <p:cxnSp>
+        <p:nvCxnSpPr>
+          <p:cNvPr id="9" name="Straight Arrow Connector 8">
+            <a:extLst>
+              <a:ext uri="{FF2B5EF4-FFF2-40B4-BE49-F238E27FC236}">
+                <a16:creationId xmlns:a16="http://schemas.microsoft.com/office/drawing/2014/main" id="{08C4EA5E-92A7-4F10-8D19-BCCC12A67E7D}"/>
+              </a:ext>
+            </a:extLst>
+          </p:cNvPr>
+          <p:cNvCxnSpPr/>
+          <p:nvPr/>
+        </p:nvCxnSpPr>
+        <p:spPr>
+          <a:xfrm flipH="1" flipV="1">
+            <a:off x="1010653" y="1804737"/>
+            <a:ext cx="938463" cy="1042737"/>
+          </a:xfrm>
+          <a:prstGeom prst="straightConnector1">
+            <a:avLst/>
+          </a:prstGeom>
+          <a:ln w="28575">
+            <a:tailEnd type="triangle"/>
+          </a:ln>
+        </p:spPr>
+        <p:style>
+          <a:lnRef idx="1">
+            <a:schemeClr val="accent1"/>
+          </a:lnRef>
+          <a:fillRef idx="0">
+            <a:schemeClr val="accent1"/>
+          </a:fillRef>
+          <a:effectRef idx="0">
+            <a:schemeClr val="accent1"/>
+          </a:effectRef>
+          <a:fontRef idx="minor">
+            <a:schemeClr val="tx1"/>
+          </a:fontRef>
+        </p:style>
+      </p:cxnSp>
+      <p:cxnSp>
+        <p:nvCxnSpPr>
+          <p:cNvPr id="11" name="Straight Arrow Connector 10">
+            <a:extLst>
+              <a:ext uri="{FF2B5EF4-FFF2-40B4-BE49-F238E27FC236}">
+                <a16:creationId xmlns:a16="http://schemas.microsoft.com/office/drawing/2014/main" id="{F1BC596E-79DB-490F-A48C-19244BF63801}"/>
+              </a:ext>
+            </a:extLst>
+          </p:cNvPr>
+          <p:cNvCxnSpPr>
+            <a:cxnSpLocks/>
+          </p:cNvCxnSpPr>
+          <p:nvPr/>
+        </p:nvCxnSpPr>
+        <p:spPr>
+          <a:xfrm flipV="1">
+            <a:off x="2188723" y="280739"/>
+            <a:ext cx="482288" cy="2566735"/>
+          </a:xfrm>
+          <a:prstGeom prst="straightConnector1">
+            <a:avLst/>
+          </a:prstGeom>
+          <a:ln w="28575">
+            <a:tailEnd type="triangle"/>
+          </a:ln>
+        </p:spPr>
+        <p:style>
+          <a:lnRef idx="1">
+            <a:schemeClr val="accent1"/>
+          </a:lnRef>
+          <a:fillRef idx="0">
+            <a:schemeClr val="accent1"/>
+          </a:fillRef>
+          <a:effectRef idx="0">
+            <a:schemeClr val="accent1"/>
+          </a:effectRef>
+          <a:fontRef idx="minor">
+            <a:schemeClr val="tx1"/>
+          </a:fontRef>
+        </p:style>
+      </p:cxnSp>
+      <mc:AlternateContent xmlns:mc="http://schemas.openxmlformats.org/markup-compatibility/2006">
+        <mc:Choice xmlns:a14="http://schemas.microsoft.com/office/drawing/2010/main" Requires="a14">
+          <p:sp>
+            <p:nvSpPr>
+              <p:cNvPr id="14" name="TextBox 13">
+                <a:extLst>
+                  <a:ext uri="{FF2B5EF4-FFF2-40B4-BE49-F238E27FC236}">
+                    <a16:creationId xmlns:a16="http://schemas.microsoft.com/office/drawing/2014/main" id="{D0536E66-E1BE-4F3A-8DCF-6428D0645E84}"/>
+                  </a:ext>
+                </a:extLst>
+              </p:cNvPr>
+              <p:cNvSpPr txBox="1"/>
+              <p:nvPr/>
+            </p:nvSpPr>
+            <p:spPr>
+              <a:xfrm>
+                <a:off x="1716206" y="544672"/>
+                <a:ext cx="777200" cy="584775"/>
+              </a:xfrm>
+              <a:prstGeom prst="rect">
+                <a:avLst/>
+              </a:prstGeom>
+              <a:noFill/>
+            </p:spPr>
+            <p:txBody>
+              <a:bodyPr wrap="none" rtlCol="0">
+                <a:spAutoFit/>
+              </a:bodyPr>
+              <a:lstStyle/>
+              <a:p>
+                <a:pPr/>
+                <a14:m>
+                  <m:oMathPara xmlns:m="http://schemas.openxmlformats.org/officeDocument/2006/math">
+                    <m:oMathParaPr>
+                      <m:jc m:val="centerGroup"/>
+                    </m:oMathParaPr>
+                    <m:oMath xmlns:m="http://schemas.openxmlformats.org/officeDocument/2006/math">
+                      <m:sSup>
+                        <m:sSupPr>
+                          <m:ctrlPr>
+                            <a:rPr lang="en-US" sz="3200" b="0" i="1" smtClean="0">
+                              <a:latin typeface="Cambria Math" panose="02040503050406030204" pitchFamily="18" charset="0"/>
+                            </a:rPr>
+                          </m:ctrlPr>
+                        </m:sSupPr>
+                        <m:e>
+                          <m:r>
+                            <a:rPr lang="en-US" sz="3200" b="0" i="1" smtClean="0">
+                              <a:latin typeface="Cambria Math" panose="02040503050406030204" pitchFamily="18" charset="0"/>
+                            </a:rPr>
+                            <m:t>𝜎</m:t>
+                          </m:r>
+                        </m:e>
+                        <m:sup>
+                          <m:r>
+                            <a:rPr lang="en-US" sz="3200" b="0" i="1" smtClean="0">
+                              <a:latin typeface="Cambria Math" panose="02040503050406030204" pitchFamily="18" charset="0"/>
+                            </a:rPr>
+                            <m:t>+</m:t>
+                          </m:r>
+                        </m:sup>
+                      </m:sSup>
+                    </m:oMath>
+                  </m:oMathPara>
+                </a14:m>
+                <a:endParaRPr lang="en-US" sz="3200" dirty="0"/>
+              </a:p>
+            </p:txBody>
+          </p:sp>
+        </mc:Choice>
+        <mc:Fallback>
+          <p:sp>
+            <p:nvSpPr>
+              <p:cNvPr id="14" name="TextBox 13">
+                <a:extLst>
+                  <a:ext uri="{FF2B5EF4-FFF2-40B4-BE49-F238E27FC236}">
+                    <a16:creationId xmlns:a16="http://schemas.microsoft.com/office/drawing/2014/main" id="{D0536E66-E1BE-4F3A-8DCF-6428D0645E84}"/>
+                  </a:ext>
+                </a:extLst>
+              </p:cNvPr>
+              <p:cNvSpPr txBox="1">
+                <a:spLocks noRot="1" noChangeAspect="1" noMove="1" noResize="1" noEditPoints="1" noAdjustHandles="1" noChangeArrowheads="1" noChangeShapeType="1" noTextEdit="1"/>
+              </p:cNvSpPr>
+              <p:nvPr/>
+            </p:nvSpPr>
+            <p:spPr>
+              <a:xfrm>
+                <a:off x="1716206" y="544672"/>
+                <a:ext cx="777200" cy="584775"/>
+              </a:xfrm>
+              <a:prstGeom prst="rect">
+                <a:avLst/>
+              </a:prstGeom>
+              <a:blipFill>
+                <a:blip r:embed="rId2"/>
+                <a:stretch>
+                  <a:fillRect/>
+                </a:stretch>
+              </a:blipFill>
+            </p:spPr>
+            <p:txBody>
+              <a:bodyPr/>
+              <a:lstStyle/>
+              <a:p>
+                <a:r>
+                  <a:rPr lang="en-US">
+                    <a:noFill/>
+                  </a:rPr>
+                  <a:t> </a:t>
+                </a:r>
+              </a:p>
+            </p:txBody>
+          </p:sp>
+        </mc:Fallback>
+      </mc:AlternateContent>
+      <mc:AlternateContent xmlns:mc="http://schemas.openxmlformats.org/markup-compatibility/2006" xmlns:a14="http://schemas.microsoft.com/office/drawing/2010/main">
+        <mc:Choice Requires="a14">
+          <p:sp>
+            <p:nvSpPr>
+              <p:cNvPr id="15" name="TextBox 14">
+                <a:extLst>
+                  <a:ext uri="{FF2B5EF4-FFF2-40B4-BE49-F238E27FC236}">
+                    <a16:creationId xmlns:a16="http://schemas.microsoft.com/office/drawing/2014/main" id="{7F7F6BB2-3C26-498B-B504-98B4B9DE3CEE}"/>
+                  </a:ext>
+                </a:extLst>
+              </p:cNvPr>
+              <p:cNvSpPr txBox="1"/>
+              <p:nvPr/>
+            </p:nvSpPr>
+            <p:spPr>
+              <a:xfrm>
+                <a:off x="314086" y="2062174"/>
+                <a:ext cx="777199" cy="584775"/>
+              </a:xfrm>
+              <a:prstGeom prst="rect">
+                <a:avLst/>
+              </a:prstGeom>
+              <a:noFill/>
+            </p:spPr>
+            <p:txBody>
+              <a:bodyPr wrap="none" rtlCol="0">
+                <a:spAutoFit/>
+              </a:bodyPr>
+              <a:lstStyle/>
+              <a:p>
+                <a:pPr/>
+                <a14:m>
+                  <m:oMathPara xmlns:m="http://schemas.openxmlformats.org/officeDocument/2006/math">
+                    <m:oMathParaPr>
+                      <m:jc m:val="centerGroup"/>
+                    </m:oMathParaPr>
+                    <m:oMath xmlns:m="http://schemas.openxmlformats.org/officeDocument/2006/math">
+                      <m:sSup>
+                        <m:sSupPr>
+                          <m:ctrlPr>
+                            <a:rPr lang="en-US" sz="3200" b="0" i="1" smtClean="0">
+                              <a:latin typeface="Cambria Math" panose="02040503050406030204" pitchFamily="18" charset="0"/>
+                            </a:rPr>
+                          </m:ctrlPr>
+                        </m:sSupPr>
+                        <m:e>
+                          <m:r>
+                            <a:rPr lang="en-US" sz="3200" b="0" i="1" smtClean="0">
+                              <a:latin typeface="Cambria Math" panose="02040503050406030204" pitchFamily="18" charset="0"/>
+                            </a:rPr>
+                            <m:t>𝜎</m:t>
+                          </m:r>
+                        </m:e>
+                        <m:sup>
+                          <m:r>
+                            <a:rPr lang="en-US" sz="3200" b="0" i="1" smtClean="0">
+                              <a:latin typeface="Cambria Math" panose="02040503050406030204" pitchFamily="18" charset="0"/>
+                            </a:rPr>
+                            <m:t>−</m:t>
+                          </m:r>
+                        </m:sup>
+                      </m:sSup>
+                    </m:oMath>
+                  </m:oMathPara>
+                </a14:m>
+                <a:endParaRPr lang="en-US" sz="3200" dirty="0"/>
+              </a:p>
+            </p:txBody>
+          </p:sp>
+        </mc:Choice>
+        <mc:Fallback xmlns="">
+          <p:sp>
+            <p:nvSpPr>
+              <p:cNvPr id="15" name="TextBox 14">
+                <a:extLst>
+                  <a:ext uri="{FF2B5EF4-FFF2-40B4-BE49-F238E27FC236}">
+                    <a16:creationId xmlns:a16="http://schemas.microsoft.com/office/drawing/2014/main" id="{7F7F6BB2-3C26-498B-B504-98B4B9DE3CEE}"/>
+                  </a:ext>
+                </a:extLst>
+              </p:cNvPr>
+              <p:cNvSpPr txBox="1">
+                <a:spLocks noRot="1" noChangeAspect="1" noMove="1" noResize="1" noEditPoints="1" noAdjustHandles="1" noChangeArrowheads="1" noChangeShapeType="1" noTextEdit="1"/>
+              </p:cNvSpPr>
+              <p:nvPr/>
+            </p:nvSpPr>
+            <p:spPr>
+              <a:xfrm>
+                <a:off x="314086" y="2062174"/>
+                <a:ext cx="777199" cy="584775"/>
+              </a:xfrm>
+              <a:prstGeom prst="rect">
+                <a:avLst/>
+              </a:prstGeom>
+              <a:blipFill>
+                <a:blip r:embed="rId3"/>
+                <a:stretch>
+                  <a:fillRect/>
+                </a:stretch>
+              </a:blipFill>
+            </p:spPr>
+            <p:txBody>
+              <a:bodyPr/>
+              <a:lstStyle/>
+              <a:p>
+                <a:r>
+                  <a:rPr lang="en-US">
+                    <a:noFill/>
+                  </a:rPr>
+                  <a:t> </a:t>
+                </a:r>
+              </a:p>
+            </p:txBody>
+          </p:sp>
+        </mc:Fallback>
+      </mc:AlternateContent>
+      <mc:AlternateContent xmlns:mc="http://schemas.openxmlformats.org/markup-compatibility/2006" xmlns:a14="http://schemas.microsoft.com/office/drawing/2010/main">
+        <mc:Choice Requires="a14">
+          <p:sp>
+            <p:nvSpPr>
+              <p:cNvPr id="19" name="TextBox 18">
+                <a:extLst>
+                  <a:ext uri="{FF2B5EF4-FFF2-40B4-BE49-F238E27FC236}">
+                    <a16:creationId xmlns:a16="http://schemas.microsoft.com/office/drawing/2014/main" id="{90D9BDC6-34C2-44F5-9094-31B1842D47C7}"/>
+                  </a:ext>
+                </a:extLst>
+              </p:cNvPr>
+              <p:cNvSpPr txBox="1"/>
+              <p:nvPr/>
+            </p:nvSpPr>
+            <p:spPr>
+              <a:xfrm>
+                <a:off x="3368843" y="4393"/>
+                <a:ext cx="771686" cy="584775"/>
+              </a:xfrm>
+              <a:prstGeom prst="rect">
+                <a:avLst/>
+              </a:prstGeom>
+              <a:noFill/>
+            </p:spPr>
+            <p:txBody>
+              <a:bodyPr wrap="none" rtlCol="0">
+                <a:spAutoFit/>
+              </a:bodyPr>
+              <a:lstStyle/>
+              <a:p>
+                <a:pPr/>
+                <a14:m>
+                  <m:oMathPara xmlns:m="http://schemas.openxmlformats.org/officeDocument/2006/math">
+                    <m:oMathParaPr>
+                      <m:jc m:val="centerGroup"/>
+                    </m:oMathParaPr>
+                    <m:oMath xmlns:m="http://schemas.openxmlformats.org/officeDocument/2006/math">
+                      <m:sSub>
+                        <m:sSubPr>
+                          <m:ctrlPr>
+                            <a:rPr lang="en-US" sz="3200" b="0" i="1" smtClean="0">
+                              <a:latin typeface="Cambria Math" panose="02040503050406030204" pitchFamily="18" charset="0"/>
+                            </a:rPr>
+                          </m:ctrlPr>
+                        </m:sSubPr>
+                        <m:e>
+                          <m:r>
+                            <a:rPr lang="en-US" sz="3200" b="0" i="1" smtClean="0">
+                              <a:latin typeface="Cambria Math" panose="02040503050406030204" pitchFamily="18" charset="0"/>
+                            </a:rPr>
+                            <m:t>𝜔</m:t>
+                          </m:r>
+                        </m:e>
+                        <m:sub>
+                          <m:r>
+                            <a:rPr lang="en-US" sz="3200" b="0" i="1" smtClean="0">
+                              <a:latin typeface="Cambria Math" panose="02040503050406030204" pitchFamily="18" charset="0"/>
+                            </a:rPr>
+                            <m:t>𝑎</m:t>
+                          </m:r>
+                        </m:sub>
+                      </m:sSub>
+                    </m:oMath>
+                  </m:oMathPara>
+                </a14:m>
+                <a:endParaRPr lang="en-US" sz="3200" dirty="0"/>
+              </a:p>
+            </p:txBody>
+          </p:sp>
+        </mc:Choice>
+        <mc:Fallback xmlns="">
+          <p:sp>
+            <p:nvSpPr>
+              <p:cNvPr id="19" name="TextBox 18">
+                <a:extLst>
+                  <a:ext uri="{FF2B5EF4-FFF2-40B4-BE49-F238E27FC236}">
+                    <a16:creationId xmlns:a16="http://schemas.microsoft.com/office/drawing/2014/main" id="{90D9BDC6-34C2-44F5-9094-31B1842D47C7}"/>
+                  </a:ext>
+                </a:extLst>
+              </p:cNvPr>
+              <p:cNvSpPr txBox="1">
+                <a:spLocks noRot="1" noChangeAspect="1" noMove="1" noResize="1" noEditPoints="1" noAdjustHandles="1" noChangeArrowheads="1" noChangeShapeType="1" noTextEdit="1"/>
+              </p:cNvSpPr>
+              <p:nvPr/>
+            </p:nvSpPr>
+            <p:spPr>
+              <a:xfrm>
+                <a:off x="3368843" y="4393"/>
+                <a:ext cx="771686" cy="584775"/>
+              </a:xfrm>
+              <a:prstGeom prst="rect">
+                <a:avLst/>
+              </a:prstGeom>
+              <a:blipFill>
+                <a:blip r:embed="rId4"/>
+                <a:stretch>
+                  <a:fillRect/>
+                </a:stretch>
+              </a:blipFill>
+            </p:spPr>
+            <p:txBody>
+              <a:bodyPr/>
+              <a:lstStyle/>
+              <a:p>
+                <a:r>
+                  <a:rPr lang="en-US">
+                    <a:noFill/>
+                  </a:rPr>
+                  <a:t> </a:t>
+                </a:r>
+              </a:p>
+            </p:txBody>
+          </p:sp>
+        </mc:Fallback>
+      </mc:AlternateContent>
+      <mc:AlternateContent xmlns:mc="http://schemas.openxmlformats.org/markup-compatibility/2006">
+        <mc:Choice xmlns:a14="http://schemas.microsoft.com/office/drawing/2010/main" Requires="a14">
+          <p:sp>
+            <p:nvSpPr>
+              <p:cNvPr id="21" name="TextBox 20">
+                <a:extLst>
+                  <a:ext uri="{FF2B5EF4-FFF2-40B4-BE49-F238E27FC236}">
+                    <a16:creationId xmlns:a16="http://schemas.microsoft.com/office/drawing/2014/main" id="{EAC73FA7-462A-4E11-8C51-C726490734EF}"/>
+                  </a:ext>
+                </a:extLst>
+              </p:cNvPr>
+              <p:cNvSpPr txBox="1"/>
+              <p:nvPr/>
+            </p:nvSpPr>
+            <p:spPr>
+              <a:xfrm>
+                <a:off x="620450" y="1180829"/>
+                <a:ext cx="780405" cy="584775"/>
+              </a:xfrm>
+              <a:prstGeom prst="rect">
+                <a:avLst/>
+              </a:prstGeom>
+              <a:noFill/>
+            </p:spPr>
+            <p:txBody>
+              <a:bodyPr wrap="none" rtlCol="0">
+                <a:spAutoFit/>
+              </a:bodyPr>
+              <a:lstStyle/>
+              <a:p>
+                <a:pPr/>
+                <a14:m>
+                  <m:oMathPara xmlns:m="http://schemas.openxmlformats.org/officeDocument/2006/math">
+                    <m:oMathParaPr>
+                      <m:jc m:val="centerGroup"/>
+                    </m:oMathParaPr>
+                    <m:oMath xmlns:m="http://schemas.openxmlformats.org/officeDocument/2006/math">
+                      <m:sSub>
+                        <m:sSubPr>
+                          <m:ctrlPr>
+                            <a:rPr lang="en-US" sz="3200" b="0" i="1" smtClean="0">
+                              <a:latin typeface="Cambria Math" panose="02040503050406030204" pitchFamily="18" charset="0"/>
+                            </a:rPr>
+                          </m:ctrlPr>
+                        </m:sSubPr>
+                        <m:e>
+                          <m:r>
+                            <a:rPr lang="en-US" sz="3200" b="0" i="1" smtClean="0">
+                              <a:latin typeface="Cambria Math" panose="02040503050406030204" pitchFamily="18" charset="0"/>
+                            </a:rPr>
+                            <m:t>𝜔</m:t>
+                          </m:r>
+                        </m:e>
+                        <m:sub>
+                          <m:r>
+                            <a:rPr lang="en-US" sz="3200" b="0" i="1" smtClean="0">
+                              <a:latin typeface="Cambria Math" panose="02040503050406030204" pitchFamily="18" charset="0"/>
+                            </a:rPr>
+                            <m:t>𝑏</m:t>
+                          </m:r>
+                        </m:sub>
+                      </m:sSub>
+                    </m:oMath>
+                  </m:oMathPara>
+                </a14:m>
+                <a:endParaRPr lang="en-US" sz="3200" dirty="0"/>
+              </a:p>
+            </p:txBody>
+          </p:sp>
+        </mc:Choice>
+        <mc:Fallback>
+          <p:sp>
+            <p:nvSpPr>
+              <p:cNvPr id="21" name="TextBox 20">
+                <a:extLst>
+                  <a:ext uri="{FF2B5EF4-FFF2-40B4-BE49-F238E27FC236}">
+                    <a16:creationId xmlns:a16="http://schemas.microsoft.com/office/drawing/2014/main" id="{EAC73FA7-462A-4E11-8C51-C726490734EF}"/>
+                  </a:ext>
+                </a:extLst>
+              </p:cNvPr>
+              <p:cNvSpPr txBox="1">
+                <a:spLocks noRot="1" noChangeAspect="1" noMove="1" noResize="1" noEditPoints="1" noAdjustHandles="1" noChangeArrowheads="1" noChangeShapeType="1" noTextEdit="1"/>
+              </p:cNvSpPr>
+              <p:nvPr/>
+            </p:nvSpPr>
+            <p:spPr>
+              <a:xfrm>
+                <a:off x="620450" y="1180829"/>
+                <a:ext cx="780405" cy="584775"/>
+              </a:xfrm>
+              <a:prstGeom prst="rect">
+                <a:avLst/>
+              </a:prstGeom>
+              <a:blipFill>
+                <a:blip r:embed="rId5"/>
+                <a:stretch>
+                  <a:fillRect/>
+                </a:stretch>
+              </a:blipFill>
+            </p:spPr>
+            <p:txBody>
+              <a:bodyPr/>
+              <a:lstStyle/>
+              <a:p>
+                <a:r>
+                  <a:rPr lang="en-US">
+                    <a:noFill/>
+                  </a:rPr>
+                  <a:t> </a:t>
+                </a:r>
+              </a:p>
+            </p:txBody>
+          </p:sp>
+        </mc:Fallback>
+      </mc:AlternateContent>
+      <mc:AlternateContent xmlns:mc="http://schemas.openxmlformats.org/markup-compatibility/2006" xmlns:a14="http://schemas.microsoft.com/office/drawing/2010/main">
+        <mc:Choice Requires="a14">
+          <p:sp>
+            <p:nvSpPr>
+              <p:cNvPr id="22" name="TextBox 21">
+                <a:extLst>
+                  <a:ext uri="{FF2B5EF4-FFF2-40B4-BE49-F238E27FC236}">
+                    <a16:creationId xmlns:a16="http://schemas.microsoft.com/office/drawing/2014/main" id="{1A0E70DE-3EBC-44B1-B159-829EB91F833F}"/>
+                  </a:ext>
+                </a:extLst>
+              </p:cNvPr>
+              <p:cNvSpPr txBox="1"/>
+              <p:nvPr/>
+            </p:nvSpPr>
+            <p:spPr>
+              <a:xfrm>
+                <a:off x="3377562" y="2442793"/>
+                <a:ext cx="736997" cy="584775"/>
+              </a:xfrm>
+              <a:prstGeom prst="rect">
+                <a:avLst/>
+              </a:prstGeom>
+              <a:noFill/>
+            </p:spPr>
+            <p:txBody>
+              <a:bodyPr wrap="none" rtlCol="0">
+                <a:spAutoFit/>
+              </a:bodyPr>
+              <a:lstStyle/>
+              <a:p>
+                <a:pPr/>
+                <a14:m>
+                  <m:oMathPara xmlns:m="http://schemas.openxmlformats.org/officeDocument/2006/math">
+                    <m:oMathParaPr>
+                      <m:jc m:val="centerGroup"/>
+                    </m:oMathParaPr>
+                    <m:oMath xmlns:m="http://schemas.openxmlformats.org/officeDocument/2006/math">
+                      <m:sSub>
+                        <m:sSubPr>
+                          <m:ctrlPr>
+                            <a:rPr lang="en-US" sz="3200" b="0" i="1" smtClean="0">
+                              <a:latin typeface="Cambria Math" panose="02040503050406030204" pitchFamily="18" charset="0"/>
+                            </a:rPr>
+                          </m:ctrlPr>
+                        </m:sSubPr>
+                        <m:e>
+                          <m:r>
+                            <a:rPr lang="en-US" sz="3200" b="0" i="1" smtClean="0">
+                              <a:latin typeface="Cambria Math" panose="02040503050406030204" pitchFamily="18" charset="0"/>
+                            </a:rPr>
+                            <m:t>𝜔</m:t>
+                          </m:r>
+                        </m:e>
+                        <m:sub>
+                          <m:r>
+                            <a:rPr lang="en-US" sz="3200" b="0" i="1" smtClean="0">
+                              <a:latin typeface="Cambria Math" panose="02040503050406030204" pitchFamily="18" charset="0"/>
+                            </a:rPr>
+                            <m:t>𝑐</m:t>
+                          </m:r>
+                        </m:sub>
+                      </m:sSub>
+                    </m:oMath>
+                  </m:oMathPara>
+                </a14:m>
+                <a:endParaRPr lang="en-US" sz="3200" dirty="0"/>
+              </a:p>
+            </p:txBody>
+          </p:sp>
+        </mc:Choice>
+        <mc:Fallback xmlns="">
+          <p:sp>
+            <p:nvSpPr>
+              <p:cNvPr id="22" name="TextBox 21">
+                <a:extLst>
+                  <a:ext uri="{FF2B5EF4-FFF2-40B4-BE49-F238E27FC236}">
+                    <a16:creationId xmlns:a16="http://schemas.microsoft.com/office/drawing/2014/main" id="{1A0E70DE-3EBC-44B1-B159-829EB91F833F}"/>
+                  </a:ext>
+                </a:extLst>
+              </p:cNvPr>
+              <p:cNvSpPr txBox="1">
+                <a:spLocks noRot="1" noChangeAspect="1" noMove="1" noResize="1" noEditPoints="1" noAdjustHandles="1" noChangeArrowheads="1" noChangeShapeType="1" noTextEdit="1"/>
+              </p:cNvSpPr>
+              <p:nvPr/>
+            </p:nvSpPr>
+            <p:spPr>
+              <a:xfrm>
+                <a:off x="3377562" y="2442793"/>
+                <a:ext cx="736997" cy="584775"/>
+              </a:xfrm>
+              <a:prstGeom prst="rect">
+                <a:avLst/>
+              </a:prstGeom>
+              <a:blipFill>
+                <a:blip r:embed="rId6"/>
+                <a:stretch>
+                  <a:fillRect/>
+                </a:stretch>
+              </a:blipFill>
+            </p:spPr>
+            <p:txBody>
+              <a:bodyPr/>
+              <a:lstStyle/>
+              <a:p>
+                <a:r>
+                  <a:rPr lang="en-US">
+                    <a:noFill/>
+                  </a:rPr>
+                  <a:t> </a:t>
+                </a:r>
+              </a:p>
+            </p:txBody>
+          </p:sp>
+        </mc:Fallback>
+      </mc:AlternateContent>
+      <mc:AlternateContent xmlns:mc="http://schemas.openxmlformats.org/markup-compatibility/2006">
+        <mc:Choice xmlns:a14="http://schemas.microsoft.com/office/drawing/2010/main" Requires="a14">
+          <p:sp>
+            <p:nvSpPr>
+              <p:cNvPr id="23" name="TextBox 22">
+                <a:extLst>
+                  <a:ext uri="{FF2B5EF4-FFF2-40B4-BE49-F238E27FC236}">
+                    <a16:creationId xmlns:a16="http://schemas.microsoft.com/office/drawing/2014/main" id="{220CE897-4960-42CF-B9D9-DBBA1CFF40B4}"/>
+                  </a:ext>
+                </a:extLst>
+              </p:cNvPr>
+              <p:cNvSpPr txBox="1"/>
+              <p:nvPr/>
+            </p:nvSpPr>
+            <p:spPr>
+              <a:xfrm>
+                <a:off x="783688" y="3403796"/>
+                <a:ext cx="8303748" cy="1077218"/>
+              </a:xfrm>
+              <a:prstGeom prst="rect">
+                <a:avLst/>
+              </a:prstGeom>
+              <a:noFill/>
+            </p:spPr>
+            <p:txBody>
+              <a:bodyPr wrap="none" rtlCol="0">
+                <a:spAutoFit/>
+              </a:bodyPr>
+              <a:lstStyle/>
+              <a:p>
+                <a:pPr marL="457200" indent="-457200">
+                  <a:buFont typeface="Arial" panose="020B0604020202020204" pitchFamily="34" charset="0"/>
+                  <a:buChar char="•"/>
+                </a:pPr>
+                <a14:m>
+                  <m:oMath xmlns:m="http://schemas.openxmlformats.org/officeDocument/2006/math">
+                    <m:sSub>
+                      <m:sSubPr>
+                        <m:ctrlPr>
+                          <a:rPr lang="en-US" sz="3200" b="0" i="1" smtClean="0">
+                            <a:latin typeface="Cambria Math" panose="02040503050406030204" pitchFamily="18" charset="0"/>
+                          </a:rPr>
+                        </m:ctrlPr>
+                      </m:sSubPr>
+                      <m:e>
+                        <m:r>
+                          <a:rPr lang="en-US" sz="3200" b="0" i="1" smtClean="0">
+                            <a:latin typeface="Cambria Math" panose="02040503050406030204" pitchFamily="18" charset="0"/>
+                          </a:rPr>
+                          <m:t>𝜔</m:t>
+                        </m:r>
+                      </m:e>
+                      <m:sub>
+                        <m:r>
+                          <a:rPr lang="en-US" sz="3200" b="0" i="1" smtClean="0">
+                            <a:latin typeface="Cambria Math" panose="02040503050406030204" pitchFamily="18" charset="0"/>
+                          </a:rPr>
+                          <m:t>𝑎</m:t>
+                        </m:r>
+                      </m:sub>
+                    </m:sSub>
+                    <m:r>
+                      <a:rPr lang="en-US" sz="3200" b="0" i="1" smtClean="0">
+                        <a:latin typeface="Cambria Math" panose="02040503050406030204" pitchFamily="18" charset="0"/>
+                      </a:rPr>
+                      <m:t>+</m:t>
+                    </m:r>
+                    <m:sSub>
+                      <m:sSubPr>
+                        <m:ctrlPr>
+                          <a:rPr lang="en-US" sz="3200" b="0" i="1" smtClean="0">
+                            <a:latin typeface="Cambria Math" panose="02040503050406030204" pitchFamily="18" charset="0"/>
+                          </a:rPr>
+                        </m:ctrlPr>
+                      </m:sSubPr>
+                      <m:e>
+                        <m:r>
+                          <a:rPr lang="en-US" sz="3200" b="0" i="1" smtClean="0">
+                            <a:latin typeface="Cambria Math" panose="02040503050406030204" pitchFamily="18" charset="0"/>
+                          </a:rPr>
+                          <m:t>𝜔</m:t>
+                        </m:r>
+                      </m:e>
+                      <m:sub>
+                        <m:r>
+                          <a:rPr lang="en-US" sz="3200" b="0" i="1" smtClean="0">
+                            <a:latin typeface="Cambria Math" panose="02040503050406030204" pitchFamily="18" charset="0"/>
+                          </a:rPr>
+                          <m:t>𝑏</m:t>
+                        </m:r>
+                      </m:sub>
+                    </m:sSub>
+                    <m:r>
+                      <a:rPr lang="en-US" sz="3200" b="0" i="1" smtClean="0">
+                        <a:latin typeface="Cambria Math" panose="02040503050406030204" pitchFamily="18" charset="0"/>
+                      </a:rPr>
+                      <m:t>=2</m:t>
+                    </m:r>
+                    <m:sSub>
+                      <m:sSubPr>
+                        <m:ctrlPr>
+                          <a:rPr lang="en-US" sz="3200" b="0" i="1" smtClean="0">
+                            <a:latin typeface="Cambria Math" panose="02040503050406030204" pitchFamily="18" charset="0"/>
+                          </a:rPr>
+                        </m:ctrlPr>
+                      </m:sSubPr>
+                      <m:e>
+                        <m:r>
+                          <a:rPr lang="en-US" sz="3200" b="0" i="1" smtClean="0">
+                            <a:latin typeface="Cambria Math" panose="02040503050406030204" pitchFamily="18" charset="0"/>
+                          </a:rPr>
+                          <m:t>𝑘</m:t>
+                        </m:r>
+                      </m:e>
+                      <m:sub>
+                        <m:r>
+                          <a:rPr lang="en-US" sz="3200" b="0" i="1" smtClean="0">
+                            <a:latin typeface="Cambria Math" panose="02040503050406030204" pitchFamily="18" charset="0"/>
+                          </a:rPr>
+                          <m:t>0</m:t>
+                        </m:r>
+                      </m:sub>
+                    </m:sSub>
+                  </m:oMath>
+                </a14:m>
+                <a:endParaRPr lang="en-US" sz="3200" dirty="0"/>
+              </a:p>
+              <a:p>
+                <a:pPr marL="457200" indent="-457200">
+                  <a:buFont typeface="Arial" panose="020B0604020202020204" pitchFamily="34" charset="0"/>
+                  <a:buChar char="•"/>
+                </a:pPr>
+                <a:r>
+                  <a:rPr lang="en-US" sz="3200" dirty="0"/>
+                  <a:t>Type II polarization correlation(perpendicular)</a:t>
+                </a:r>
+              </a:p>
+            </p:txBody>
+          </p:sp>
+        </mc:Choice>
+        <mc:Fallback>
+          <p:sp>
+            <p:nvSpPr>
+              <p:cNvPr id="23" name="TextBox 22">
+                <a:extLst>
+                  <a:ext uri="{FF2B5EF4-FFF2-40B4-BE49-F238E27FC236}">
+                    <a16:creationId xmlns:a16="http://schemas.microsoft.com/office/drawing/2014/main" id="{220CE897-4960-42CF-B9D9-DBBA1CFF40B4}"/>
+                  </a:ext>
+                </a:extLst>
+              </p:cNvPr>
+              <p:cNvSpPr txBox="1">
+                <a:spLocks noRot="1" noChangeAspect="1" noMove="1" noResize="1" noEditPoints="1" noAdjustHandles="1" noChangeArrowheads="1" noChangeShapeType="1" noTextEdit="1"/>
+              </p:cNvSpPr>
+              <p:nvPr/>
+            </p:nvSpPr>
+            <p:spPr>
+              <a:xfrm>
+                <a:off x="783688" y="3403796"/>
+                <a:ext cx="8303748" cy="1077218"/>
+              </a:xfrm>
+              <a:prstGeom prst="rect">
+                <a:avLst/>
+              </a:prstGeom>
+              <a:blipFill>
+                <a:blip r:embed="rId7"/>
+                <a:stretch>
+                  <a:fillRect l="-1689" r="-514" b="-17514"/>
+                </a:stretch>
+              </a:blipFill>
+            </p:spPr>
+            <p:txBody>
+              <a:bodyPr/>
+              <a:lstStyle/>
+              <a:p>
+                <a:r>
+                  <a:rPr lang="en-US">
+                    <a:noFill/>
+                  </a:rPr>
+                  <a:t> </a:t>
+                </a:r>
+              </a:p>
+            </p:txBody>
+          </p:sp>
+        </mc:Fallback>
+      </mc:AlternateContent>
+      <mc:AlternateContent xmlns:mc="http://schemas.openxmlformats.org/markup-compatibility/2006" xmlns:a14="http://schemas.microsoft.com/office/drawing/2010/main">
+        <mc:Choice Requires="a14">
+          <p:sp>
+            <p:nvSpPr>
+              <p:cNvPr id="26" name="TextBox 25">
+                <a:extLst>
+                  <a:ext uri="{FF2B5EF4-FFF2-40B4-BE49-F238E27FC236}">
+                    <a16:creationId xmlns:a16="http://schemas.microsoft.com/office/drawing/2014/main" id="{4145F6CC-61D8-488E-982E-F7B4B385C603}"/>
+                  </a:ext>
+                </a:extLst>
+              </p:cNvPr>
+              <p:cNvSpPr txBox="1"/>
+              <p:nvPr/>
+            </p:nvSpPr>
+            <p:spPr>
+              <a:xfrm>
+                <a:off x="483268" y="4514201"/>
+                <a:ext cx="11546305" cy="2095958"/>
+              </a:xfrm>
+              <a:prstGeom prst="rect">
+                <a:avLst/>
+              </a:prstGeom>
+              <a:noFill/>
+            </p:spPr>
+            <p:txBody>
+              <a:bodyPr wrap="square" rtlCol="0">
+                <a:spAutoFit/>
+              </a:bodyPr>
+              <a:lstStyle/>
+              <a:p>
+                <a:r>
+                  <a:rPr lang="en-US" sz="3600" dirty="0"/>
+                  <a:t>Equation: </a:t>
+                </a:r>
+                <a14:m>
+                  <m:oMath xmlns:m="http://schemas.openxmlformats.org/officeDocument/2006/math">
+                    <m:sSubSup>
+                      <m:sSubSupPr>
+                        <m:ctrlPr>
+                          <a:rPr lang="en-US" sz="3600" b="0" i="1" smtClean="0">
+                            <a:latin typeface="Cambria Math" panose="02040503050406030204" pitchFamily="18" charset="0"/>
+                          </a:rPr>
+                        </m:ctrlPr>
+                      </m:sSubSupPr>
+                      <m:e>
+                        <m:r>
+                          <a:rPr lang="en-US" sz="3600" b="0" i="1" smtClean="0">
+                            <a:latin typeface="Cambria Math" panose="02040503050406030204" pitchFamily="18" charset="0"/>
+                          </a:rPr>
+                          <m:t>𝑆</m:t>
+                        </m:r>
+                      </m:e>
+                      <m:sub>
+                        <m:r>
+                          <a:rPr lang="en-US" sz="3600" b="0" i="1" smtClean="0">
+                            <a:latin typeface="Cambria Math" panose="02040503050406030204" pitchFamily="18" charset="0"/>
+                          </a:rPr>
+                          <m:t>𝑖</m:t>
+                        </m:r>
+                      </m:sub>
+                      <m:sup>
+                        <m:r>
+                          <a:rPr lang="en-US" sz="3600" b="0" i="1" smtClean="0">
+                            <a:latin typeface="Cambria Math" panose="02040503050406030204" pitchFamily="18" charset="0"/>
+                          </a:rPr>
+                          <m:t>+</m:t>
+                        </m:r>
+                      </m:sup>
+                    </m:sSubSup>
+                    <m:sSubSup>
+                      <m:sSubSupPr>
+                        <m:ctrlPr>
+                          <a:rPr lang="en-US" sz="3600" b="0" i="1" smtClean="0">
+                            <a:latin typeface="Cambria Math" panose="02040503050406030204" pitchFamily="18" charset="0"/>
+                          </a:rPr>
+                        </m:ctrlPr>
+                      </m:sSubSupPr>
+                      <m:e>
+                        <m:r>
+                          <a:rPr lang="en-US" sz="3600" b="0" i="1" smtClean="0">
+                            <a:latin typeface="Cambria Math" panose="02040503050406030204" pitchFamily="18" charset="0"/>
+                          </a:rPr>
+                          <m:t>𝑆</m:t>
+                        </m:r>
+                      </m:e>
+                      <m:sub>
+                        <m:r>
+                          <a:rPr lang="en-US" sz="3600" b="0" i="1" smtClean="0">
+                            <a:latin typeface="Cambria Math" panose="02040503050406030204" pitchFamily="18" charset="0"/>
+                          </a:rPr>
+                          <m:t>𝑗</m:t>
+                        </m:r>
+                      </m:sub>
+                      <m:sup>
+                        <m:r>
+                          <a:rPr lang="en-US" sz="3600" b="0" i="1" smtClean="0">
+                            <a:latin typeface="Cambria Math" panose="02040503050406030204" pitchFamily="18" charset="0"/>
+                          </a:rPr>
+                          <m:t>+</m:t>
+                        </m:r>
+                      </m:sup>
+                    </m:sSubSup>
+                    <m:r>
+                      <a:rPr lang="en-US" sz="3600" b="0" i="1" smtClean="0">
+                        <a:latin typeface="Cambria Math" panose="02040503050406030204" pitchFamily="18" charset="0"/>
+                      </a:rPr>
+                      <m:t>𝜌</m:t>
+                    </m:r>
+                    <m:r>
+                      <a:rPr lang="en-US" sz="3600" b="0" i="1" smtClean="0">
+                        <a:latin typeface="Cambria Math" panose="02040503050406030204" pitchFamily="18" charset="0"/>
+                      </a:rPr>
+                      <m:t>→</m:t>
+                    </m:r>
+                    <m:rad>
+                      <m:radPr>
+                        <m:degHide m:val="on"/>
+                        <m:ctrlPr>
+                          <a:rPr lang="en-US" sz="3600" b="0" i="1" smtClean="0">
+                            <a:latin typeface="Cambria Math" panose="02040503050406030204" pitchFamily="18" charset="0"/>
+                          </a:rPr>
+                        </m:ctrlPr>
+                      </m:radPr>
+                      <m:deg/>
+                      <m:e>
+                        <m:sSub>
+                          <m:sSubPr>
+                            <m:ctrlPr>
+                              <a:rPr lang="en-US" sz="3600" b="0" i="1" smtClean="0">
+                                <a:latin typeface="Cambria Math" panose="02040503050406030204" pitchFamily="18" charset="0"/>
+                              </a:rPr>
+                            </m:ctrlPr>
+                          </m:sSubPr>
+                          <m:e>
+                            <m:r>
+                              <a:rPr lang="en-US" sz="3600" b="0" i="1" smtClean="0">
+                                <a:latin typeface="Cambria Math" panose="02040503050406030204" pitchFamily="18" charset="0"/>
+                              </a:rPr>
+                              <m:t>𝛾</m:t>
+                            </m:r>
+                          </m:e>
+                          <m:sub>
+                            <m:r>
+                              <a:rPr lang="en-US" sz="3600" b="0" i="1" smtClean="0">
+                                <a:latin typeface="Cambria Math" panose="02040503050406030204" pitchFamily="18" charset="0"/>
+                              </a:rPr>
+                              <m:t>𝑖</m:t>
+                            </m:r>
+                          </m:sub>
+                        </m:sSub>
+                        <m:sSub>
+                          <m:sSubPr>
+                            <m:ctrlPr>
+                              <a:rPr lang="en-US" sz="3600" b="0" i="1" smtClean="0">
+                                <a:latin typeface="Cambria Math" panose="02040503050406030204" pitchFamily="18" charset="0"/>
+                              </a:rPr>
+                            </m:ctrlPr>
+                          </m:sSubPr>
+                          <m:e>
+                            <m:r>
+                              <a:rPr lang="en-US" sz="3600" b="0" i="1" smtClean="0">
+                                <a:latin typeface="Cambria Math" panose="02040503050406030204" pitchFamily="18" charset="0"/>
+                              </a:rPr>
+                              <m:t>𝛾</m:t>
+                            </m:r>
+                          </m:e>
+                          <m:sub>
+                            <m:r>
+                              <a:rPr lang="en-US" sz="3600" b="0" i="1" smtClean="0">
+                                <a:latin typeface="Cambria Math" panose="02040503050406030204" pitchFamily="18" charset="0"/>
+                              </a:rPr>
+                              <m:t>𝑗</m:t>
+                            </m:r>
+                          </m:sub>
+                        </m:sSub>
+                      </m:e>
+                    </m:rad>
+                    <m:sSup>
+                      <m:sSupPr>
+                        <m:ctrlPr>
+                          <a:rPr lang="en-US" sz="3600" b="0" i="1" smtClean="0">
+                            <a:latin typeface="Cambria Math" panose="02040503050406030204" pitchFamily="18" charset="0"/>
+                          </a:rPr>
+                        </m:ctrlPr>
+                      </m:sSupPr>
+                      <m:e>
+                        <m:r>
+                          <a:rPr lang="en-US" sz="3600" b="0" i="1" smtClean="0">
+                            <a:latin typeface="Cambria Math" panose="02040503050406030204" pitchFamily="18" charset="0"/>
+                          </a:rPr>
+                          <m:t>𝑒</m:t>
+                        </m:r>
+                      </m:e>
+                      <m:sup>
+                        <m:r>
+                          <a:rPr lang="en-US" sz="3600" b="0" i="1" smtClean="0">
+                            <a:latin typeface="Cambria Math" panose="02040503050406030204" pitchFamily="18" charset="0"/>
+                          </a:rPr>
+                          <m:t>𝑖</m:t>
+                        </m:r>
+                        <m:r>
+                          <a:rPr lang="en-US" sz="3600" b="0" i="1" smtClean="0">
+                            <a:latin typeface="Cambria Math" panose="02040503050406030204" pitchFamily="18" charset="0"/>
+                          </a:rPr>
+                          <m:t>(</m:t>
+                        </m:r>
+                        <m:sSub>
+                          <m:sSubPr>
+                            <m:ctrlPr>
+                              <a:rPr lang="en-US" sz="3600" b="0" i="1" smtClean="0">
+                                <a:latin typeface="Cambria Math" panose="02040503050406030204" pitchFamily="18" charset="0"/>
+                              </a:rPr>
+                            </m:ctrlPr>
+                          </m:sSubPr>
+                          <m:e>
+                            <m:r>
+                              <a:rPr lang="en-US" sz="3600" b="0" i="1" smtClean="0">
+                                <a:latin typeface="Cambria Math" panose="02040503050406030204" pitchFamily="18" charset="0"/>
+                              </a:rPr>
+                              <m:t>𝜔</m:t>
+                            </m:r>
+                          </m:e>
+                          <m:sub>
+                            <m:r>
+                              <a:rPr lang="en-US" sz="3600" b="0" i="1" smtClean="0">
+                                <a:latin typeface="Cambria Math" panose="02040503050406030204" pitchFamily="18" charset="0"/>
+                              </a:rPr>
+                              <m:t>𝑖</m:t>
+                            </m:r>
+                          </m:sub>
+                        </m:sSub>
+                        <m:r>
+                          <a:rPr lang="en-US" sz="3600" b="0" i="1" smtClean="0">
+                            <a:latin typeface="Cambria Math" panose="02040503050406030204" pitchFamily="18" charset="0"/>
+                          </a:rPr>
+                          <m:t>+</m:t>
+                        </m:r>
+                        <m:sSub>
+                          <m:sSubPr>
+                            <m:ctrlPr>
+                              <a:rPr lang="en-US" sz="3600" b="0" i="1" smtClean="0">
+                                <a:latin typeface="Cambria Math" panose="02040503050406030204" pitchFamily="18" charset="0"/>
+                              </a:rPr>
+                            </m:ctrlPr>
+                          </m:sSubPr>
+                          <m:e>
+                            <m:r>
+                              <a:rPr lang="en-US" sz="3600" b="0" i="1" smtClean="0">
+                                <a:latin typeface="Cambria Math" panose="02040503050406030204" pitchFamily="18" charset="0"/>
+                              </a:rPr>
+                              <m:t>𝜔</m:t>
+                            </m:r>
+                          </m:e>
+                          <m:sub>
+                            <m:r>
+                              <a:rPr lang="en-US" sz="3600" b="0" i="1" smtClean="0">
+                                <a:latin typeface="Cambria Math" panose="02040503050406030204" pitchFamily="18" charset="0"/>
+                              </a:rPr>
+                              <m:t>𝑗</m:t>
+                            </m:r>
+                          </m:sub>
+                        </m:sSub>
+                        <m:r>
+                          <a:rPr lang="en-US" sz="3600" b="0" i="1" smtClean="0">
+                            <a:latin typeface="Cambria Math" panose="02040503050406030204" pitchFamily="18" charset="0"/>
+                          </a:rPr>
+                          <m:t>−2</m:t>
+                        </m:r>
+                        <m:sSub>
+                          <m:sSubPr>
+                            <m:ctrlPr>
+                              <a:rPr lang="en-US" sz="3600" b="0" i="1" smtClean="0">
+                                <a:latin typeface="Cambria Math" panose="02040503050406030204" pitchFamily="18" charset="0"/>
+                              </a:rPr>
+                            </m:ctrlPr>
+                          </m:sSubPr>
+                          <m:e>
+                            <m:r>
+                              <a:rPr lang="en-US" sz="3600" b="0" i="1" smtClean="0">
+                                <a:latin typeface="Cambria Math" panose="02040503050406030204" pitchFamily="18" charset="0"/>
+                              </a:rPr>
+                              <m:t>𝑘</m:t>
+                            </m:r>
+                          </m:e>
+                          <m:sub>
+                            <m:r>
+                              <a:rPr lang="en-US" sz="3600" b="0" i="1" smtClean="0">
+                                <a:latin typeface="Cambria Math" panose="02040503050406030204" pitchFamily="18" charset="0"/>
+                              </a:rPr>
+                              <m:t>0</m:t>
+                            </m:r>
+                          </m:sub>
+                        </m:sSub>
+                        <m:r>
+                          <a:rPr lang="en-US" sz="3600" b="0" i="1" smtClean="0">
+                            <a:latin typeface="Cambria Math" panose="02040503050406030204" pitchFamily="18" charset="0"/>
+                          </a:rPr>
+                          <m:t>)</m:t>
+                        </m:r>
+                        <m:r>
+                          <a:rPr lang="en-US" sz="3600" b="0" i="1" smtClean="0">
+                            <a:latin typeface="Cambria Math" panose="02040503050406030204" pitchFamily="18" charset="0"/>
+                          </a:rPr>
+                          <m:t>𝑡</m:t>
+                        </m:r>
+                      </m:sup>
+                    </m:sSup>
+                    <m:sSubSup>
+                      <m:sSubSupPr>
+                        <m:ctrlPr>
+                          <a:rPr lang="en-US" sz="3600" b="0" i="1" smtClean="0">
+                            <a:latin typeface="Cambria Math" panose="02040503050406030204" pitchFamily="18" charset="0"/>
+                          </a:rPr>
+                        </m:ctrlPr>
+                      </m:sSubSupPr>
+                      <m:e>
+                        <m:r>
+                          <a:rPr lang="en-US" sz="3600" b="0" i="1" smtClean="0">
+                            <a:latin typeface="Cambria Math" panose="02040503050406030204" pitchFamily="18" charset="0"/>
+                          </a:rPr>
+                          <m:t>𝑆</m:t>
+                        </m:r>
+                      </m:e>
+                      <m:sub>
+                        <m:r>
+                          <a:rPr lang="en-US" sz="3600" b="0" i="1" smtClean="0">
+                            <a:latin typeface="Cambria Math" panose="02040503050406030204" pitchFamily="18" charset="0"/>
+                          </a:rPr>
+                          <m:t>𝑖</m:t>
+                        </m:r>
+                      </m:sub>
+                      <m:sup>
+                        <m:r>
+                          <a:rPr lang="en-US" sz="3600" b="0" i="1" smtClean="0">
+                            <a:latin typeface="Cambria Math" panose="02040503050406030204" pitchFamily="18" charset="0"/>
+                          </a:rPr>
+                          <m:t>+</m:t>
+                        </m:r>
+                      </m:sup>
+                    </m:sSubSup>
+                    <m:sSubSup>
+                      <m:sSubSupPr>
+                        <m:ctrlPr>
+                          <a:rPr lang="en-US" sz="3600" b="0" i="1" smtClean="0">
+                            <a:latin typeface="Cambria Math" panose="02040503050406030204" pitchFamily="18" charset="0"/>
+                          </a:rPr>
+                        </m:ctrlPr>
+                      </m:sSubSupPr>
+                      <m:e>
+                        <m:r>
+                          <a:rPr lang="en-US" sz="3600" b="0" i="1" smtClean="0">
+                            <a:latin typeface="Cambria Math" panose="02040503050406030204" pitchFamily="18" charset="0"/>
+                          </a:rPr>
+                          <m:t>𝑆</m:t>
+                        </m:r>
+                      </m:e>
+                      <m:sub>
+                        <m:r>
+                          <a:rPr lang="en-US" sz="3600" b="0" i="1" smtClean="0">
+                            <a:latin typeface="Cambria Math" panose="02040503050406030204" pitchFamily="18" charset="0"/>
+                          </a:rPr>
+                          <m:t>𝑗</m:t>
+                        </m:r>
+                      </m:sub>
+                      <m:sup>
+                        <m:r>
+                          <a:rPr lang="en-US" sz="3600" b="0" i="1" smtClean="0">
+                            <a:latin typeface="Cambria Math" panose="02040503050406030204" pitchFamily="18" charset="0"/>
+                          </a:rPr>
+                          <m:t>+</m:t>
+                        </m:r>
+                      </m:sup>
+                    </m:sSubSup>
+                    <m:r>
+                      <a:rPr lang="en-US" sz="3600" b="0" i="1" smtClean="0">
+                        <a:latin typeface="Cambria Math" panose="02040503050406030204" pitchFamily="18" charset="0"/>
+                      </a:rPr>
+                      <m:t>𝜌</m:t>
+                    </m:r>
+                  </m:oMath>
+                </a14:m>
+                <a:endParaRPr lang="en-US" sz="3600" b="0" dirty="0"/>
+              </a:p>
+              <a:p>
+                <a:pPr/>
+                <a14:m>
+                  <m:oMathPara xmlns:m="http://schemas.openxmlformats.org/officeDocument/2006/math">
+                    <m:oMathParaPr>
+                      <m:jc m:val="centerGroup"/>
+                    </m:oMathParaPr>
+                    <m:oMath xmlns:m="http://schemas.openxmlformats.org/officeDocument/2006/math">
+                      <m:sSubSup>
+                        <m:sSubSupPr>
+                          <m:ctrlPr>
+                            <a:rPr lang="en-US" sz="3600" b="0" i="1" smtClean="0">
+                              <a:latin typeface="Cambria Math" panose="02040503050406030204" pitchFamily="18" charset="0"/>
+                            </a:rPr>
+                          </m:ctrlPr>
+                        </m:sSubSupPr>
+                        <m:e>
+                          <m:r>
+                            <a:rPr lang="en-US" sz="3600" b="0" i="1" smtClean="0">
+                              <a:latin typeface="Cambria Math" panose="02040503050406030204" pitchFamily="18" charset="0"/>
+                            </a:rPr>
+                            <m:t>𝑆</m:t>
+                          </m:r>
+                        </m:e>
+                        <m:sub>
+                          <m:r>
+                            <a:rPr lang="en-US" sz="3600" b="0" i="1" smtClean="0">
+                              <a:latin typeface="Cambria Math" panose="02040503050406030204" pitchFamily="18" charset="0"/>
+                            </a:rPr>
+                            <m:t>𝑖</m:t>
+                          </m:r>
+                        </m:sub>
+                        <m:sup>
+                          <m:r>
+                            <a:rPr lang="en-US" sz="3600" b="0" i="1" smtClean="0">
+                              <a:latin typeface="Cambria Math" panose="02040503050406030204" pitchFamily="18" charset="0"/>
+                            </a:rPr>
+                            <m:t>+</m:t>
+                          </m:r>
+                        </m:sup>
+                      </m:sSubSup>
+                      <m:sSubSup>
+                        <m:sSubSupPr>
+                          <m:ctrlPr>
+                            <a:rPr lang="en-US" sz="3600" b="0" i="1" smtClean="0">
+                              <a:latin typeface="Cambria Math" panose="02040503050406030204" pitchFamily="18" charset="0"/>
+                            </a:rPr>
+                          </m:ctrlPr>
+                        </m:sSubSupPr>
+                        <m:e>
+                          <m:r>
+                            <a:rPr lang="en-US" sz="3600" b="0" i="1" smtClean="0">
+                              <a:latin typeface="Cambria Math" panose="02040503050406030204" pitchFamily="18" charset="0"/>
+                            </a:rPr>
+                            <m:t>𝑆</m:t>
+                          </m:r>
+                        </m:e>
+                        <m:sub>
+                          <m:r>
+                            <a:rPr lang="en-US" sz="3600" b="0" i="1" smtClean="0">
+                              <a:latin typeface="Cambria Math" panose="02040503050406030204" pitchFamily="18" charset="0"/>
+                            </a:rPr>
+                            <m:t>𝑗</m:t>
+                          </m:r>
+                        </m:sub>
+                        <m:sup>
+                          <m:r>
+                            <a:rPr lang="en-US" sz="3600" b="0" i="1" smtClean="0">
+                              <a:latin typeface="Cambria Math" panose="02040503050406030204" pitchFamily="18" charset="0"/>
+                            </a:rPr>
+                            <m:t>−</m:t>
+                          </m:r>
+                        </m:sup>
+                      </m:sSubSup>
+                      <m:r>
+                        <a:rPr lang="en-US" sz="3600" b="0" i="1" smtClean="0">
+                          <a:latin typeface="Cambria Math" panose="02040503050406030204" pitchFamily="18" charset="0"/>
+                        </a:rPr>
+                        <m:t>𝜌</m:t>
+                      </m:r>
+                      <m:r>
+                        <a:rPr lang="en-US" sz="3600" b="0" i="1" smtClean="0">
+                          <a:latin typeface="Cambria Math" panose="02040503050406030204" pitchFamily="18" charset="0"/>
+                        </a:rPr>
+                        <m:t>→</m:t>
+                      </m:r>
+                      <m:rad>
+                        <m:radPr>
+                          <m:degHide m:val="on"/>
+                          <m:ctrlPr>
+                            <a:rPr lang="en-US" sz="3600" i="1">
+                              <a:latin typeface="Cambria Math" panose="02040503050406030204" pitchFamily="18" charset="0"/>
+                            </a:rPr>
+                          </m:ctrlPr>
+                        </m:radPr>
+                        <m:deg/>
+                        <m:e>
+                          <m:sSub>
+                            <m:sSubPr>
+                              <m:ctrlPr>
+                                <a:rPr lang="en-US" sz="3600" i="1">
+                                  <a:latin typeface="Cambria Math" panose="02040503050406030204" pitchFamily="18" charset="0"/>
+                                </a:rPr>
+                              </m:ctrlPr>
+                            </m:sSubPr>
+                            <m:e>
+                              <m:r>
+                                <a:rPr lang="en-US" sz="3600" i="1">
+                                  <a:latin typeface="Cambria Math" panose="02040503050406030204" pitchFamily="18" charset="0"/>
+                                </a:rPr>
+                                <m:t>𝛾</m:t>
+                              </m:r>
+                            </m:e>
+                            <m:sub>
+                              <m:r>
+                                <a:rPr lang="en-US" sz="3600" i="1">
+                                  <a:latin typeface="Cambria Math" panose="02040503050406030204" pitchFamily="18" charset="0"/>
+                                </a:rPr>
+                                <m:t>𝑖</m:t>
+                              </m:r>
+                            </m:sub>
+                          </m:sSub>
+                          <m:sSub>
+                            <m:sSubPr>
+                              <m:ctrlPr>
+                                <a:rPr lang="en-US" sz="3600" i="1">
+                                  <a:latin typeface="Cambria Math" panose="02040503050406030204" pitchFamily="18" charset="0"/>
+                                </a:rPr>
+                              </m:ctrlPr>
+                            </m:sSubPr>
+                            <m:e>
+                              <m:r>
+                                <a:rPr lang="en-US" sz="3600" i="1">
+                                  <a:latin typeface="Cambria Math" panose="02040503050406030204" pitchFamily="18" charset="0"/>
+                                </a:rPr>
+                                <m:t>𝛾</m:t>
+                              </m:r>
+                            </m:e>
+                            <m:sub>
+                              <m:r>
+                                <a:rPr lang="en-US" sz="3600" i="1">
+                                  <a:latin typeface="Cambria Math" panose="02040503050406030204" pitchFamily="18" charset="0"/>
+                                </a:rPr>
+                                <m:t>𝑗</m:t>
+                              </m:r>
+                            </m:sub>
+                          </m:sSub>
+                        </m:e>
+                      </m:rad>
+                      <m:sSup>
+                        <m:sSupPr>
+                          <m:ctrlPr>
+                            <a:rPr lang="en-US" sz="3600" b="0" i="1" smtClean="0">
+                              <a:latin typeface="Cambria Math" panose="02040503050406030204" pitchFamily="18" charset="0"/>
+                            </a:rPr>
+                          </m:ctrlPr>
+                        </m:sSupPr>
+                        <m:e>
+                          <m:r>
+                            <a:rPr lang="en-US" sz="3600" b="0" i="1" smtClean="0">
+                              <a:latin typeface="Cambria Math" panose="02040503050406030204" pitchFamily="18" charset="0"/>
+                            </a:rPr>
+                            <m:t>𝑒</m:t>
+                          </m:r>
+                        </m:e>
+                        <m:sup>
+                          <m:r>
+                            <a:rPr lang="en-US" sz="3600" b="0" i="1" smtClean="0">
+                              <a:latin typeface="Cambria Math" panose="02040503050406030204" pitchFamily="18" charset="0"/>
+                            </a:rPr>
+                            <m:t>𝑖</m:t>
+                          </m:r>
+                          <m:r>
+                            <a:rPr lang="en-US" sz="3600" b="0" i="1" smtClean="0">
+                              <a:latin typeface="Cambria Math" panose="02040503050406030204" pitchFamily="18" charset="0"/>
+                            </a:rPr>
+                            <m:t>(</m:t>
+                          </m:r>
+                          <m:sSub>
+                            <m:sSubPr>
+                              <m:ctrlPr>
+                                <a:rPr lang="en-US" sz="3600" b="0" i="1" smtClean="0">
+                                  <a:latin typeface="Cambria Math" panose="02040503050406030204" pitchFamily="18" charset="0"/>
+                                </a:rPr>
+                              </m:ctrlPr>
+                            </m:sSubPr>
+                            <m:e>
+                              <m:r>
+                                <a:rPr lang="en-US" sz="3600" b="0" i="1" smtClean="0">
+                                  <a:latin typeface="Cambria Math" panose="02040503050406030204" pitchFamily="18" charset="0"/>
+                                </a:rPr>
+                                <m:t>𝜔</m:t>
+                              </m:r>
+                            </m:e>
+                            <m:sub>
+                              <m:r>
+                                <a:rPr lang="en-US" sz="3600" b="0" i="1" smtClean="0">
+                                  <a:latin typeface="Cambria Math" panose="02040503050406030204" pitchFamily="18" charset="0"/>
+                                </a:rPr>
+                                <m:t>𝑖</m:t>
+                              </m:r>
+                            </m:sub>
+                          </m:sSub>
+                          <m:r>
+                            <a:rPr lang="en-US" sz="3600" b="0" i="1" smtClean="0">
+                              <a:latin typeface="Cambria Math" panose="02040503050406030204" pitchFamily="18" charset="0"/>
+                            </a:rPr>
+                            <m:t>−</m:t>
+                          </m:r>
+                          <m:sSub>
+                            <m:sSubPr>
+                              <m:ctrlPr>
+                                <a:rPr lang="en-US" sz="3600" b="0" i="1" smtClean="0">
+                                  <a:latin typeface="Cambria Math" panose="02040503050406030204" pitchFamily="18" charset="0"/>
+                                </a:rPr>
+                              </m:ctrlPr>
+                            </m:sSubPr>
+                            <m:e>
+                              <m:r>
+                                <a:rPr lang="en-US" sz="3600" b="0" i="1" smtClean="0">
+                                  <a:latin typeface="Cambria Math" panose="02040503050406030204" pitchFamily="18" charset="0"/>
+                                </a:rPr>
+                                <m:t>𝜔</m:t>
+                              </m:r>
+                            </m:e>
+                            <m:sub>
+                              <m:r>
+                                <a:rPr lang="en-US" sz="3600" b="0" i="1" smtClean="0">
+                                  <a:latin typeface="Cambria Math" panose="02040503050406030204" pitchFamily="18" charset="0"/>
+                                </a:rPr>
+                                <m:t>𝑗</m:t>
+                              </m:r>
+                            </m:sub>
+                          </m:sSub>
+                          <m:r>
+                            <a:rPr lang="en-US" sz="3600" b="0" i="1" smtClean="0">
+                              <a:latin typeface="Cambria Math" panose="02040503050406030204" pitchFamily="18" charset="0"/>
+                            </a:rPr>
+                            <m:t>)</m:t>
+                          </m:r>
+                          <m:r>
+                            <a:rPr lang="en-US" sz="3600" b="0" i="1" smtClean="0">
+                              <a:latin typeface="Cambria Math" panose="02040503050406030204" pitchFamily="18" charset="0"/>
+                            </a:rPr>
+                            <m:t>𝑡</m:t>
+                          </m:r>
+                        </m:sup>
+                      </m:sSup>
+                      <m:sSubSup>
+                        <m:sSubSupPr>
+                          <m:ctrlPr>
+                            <a:rPr lang="en-US" sz="3600" b="0" i="1" smtClean="0">
+                              <a:latin typeface="Cambria Math" panose="02040503050406030204" pitchFamily="18" charset="0"/>
+                            </a:rPr>
+                          </m:ctrlPr>
+                        </m:sSubSupPr>
+                        <m:e>
+                          <m:r>
+                            <a:rPr lang="en-US" sz="3600" b="0" i="1" smtClean="0">
+                              <a:latin typeface="Cambria Math" panose="02040503050406030204" pitchFamily="18" charset="0"/>
+                            </a:rPr>
+                            <m:t>𝑆</m:t>
+                          </m:r>
+                        </m:e>
+                        <m:sub>
+                          <m:r>
+                            <a:rPr lang="en-US" sz="3600" b="0" i="1" smtClean="0">
+                              <a:latin typeface="Cambria Math" panose="02040503050406030204" pitchFamily="18" charset="0"/>
+                            </a:rPr>
+                            <m:t>𝑖</m:t>
+                          </m:r>
+                        </m:sub>
+                        <m:sup>
+                          <m:r>
+                            <a:rPr lang="en-US" sz="3600" b="0" i="1" smtClean="0">
+                              <a:latin typeface="Cambria Math" panose="02040503050406030204" pitchFamily="18" charset="0"/>
+                            </a:rPr>
+                            <m:t>+</m:t>
+                          </m:r>
+                        </m:sup>
+                      </m:sSubSup>
+                      <m:sSubSup>
+                        <m:sSubSupPr>
+                          <m:ctrlPr>
+                            <a:rPr lang="en-US" sz="3600" b="0" i="1" smtClean="0">
+                              <a:latin typeface="Cambria Math" panose="02040503050406030204" pitchFamily="18" charset="0"/>
+                            </a:rPr>
+                          </m:ctrlPr>
+                        </m:sSubSupPr>
+                        <m:e>
+                          <m:r>
+                            <a:rPr lang="en-US" sz="3600" b="0" i="1" smtClean="0">
+                              <a:latin typeface="Cambria Math" panose="02040503050406030204" pitchFamily="18" charset="0"/>
+                            </a:rPr>
+                            <m:t>𝑆</m:t>
+                          </m:r>
+                        </m:e>
+                        <m:sub>
+                          <m:r>
+                            <a:rPr lang="en-US" sz="3600" b="0" i="1" smtClean="0">
+                              <a:latin typeface="Cambria Math" panose="02040503050406030204" pitchFamily="18" charset="0"/>
+                            </a:rPr>
+                            <m:t>𝑗</m:t>
+                          </m:r>
+                        </m:sub>
+                        <m:sup>
+                          <m:r>
+                            <a:rPr lang="en-US" sz="3600" b="0" i="1" smtClean="0">
+                              <a:latin typeface="Cambria Math" panose="02040503050406030204" pitchFamily="18" charset="0"/>
+                            </a:rPr>
+                            <m:t>−</m:t>
+                          </m:r>
+                        </m:sup>
+                      </m:sSubSup>
+                      <m:r>
+                        <a:rPr lang="en-US" sz="3600" b="0" i="1" smtClean="0">
+                          <a:latin typeface="Cambria Math" panose="02040503050406030204" pitchFamily="18" charset="0"/>
+                        </a:rPr>
+                        <m:t>𝜌</m:t>
+                      </m:r>
+                    </m:oMath>
+                  </m:oMathPara>
+                </a14:m>
+                <a:endParaRPr lang="en-US" sz="3600" dirty="0"/>
+              </a:p>
+              <a:p>
+                <a:r>
+                  <a:rPr lang="en-US" sz="3600" dirty="0"/>
+                  <a:t>After </a:t>
+                </a:r>
+                <a:r>
+                  <a:rPr lang="en-US" sz="3600" dirty="0" err="1"/>
+                  <a:t>RWA</a:t>
+                </a:r>
+                <a:r>
+                  <a:rPr lang="en-US" sz="3600" dirty="0"/>
+                  <a:t>, the only remaining term is </a:t>
+                </a:r>
+                <a14:m>
+                  <m:oMath xmlns:m="http://schemas.openxmlformats.org/officeDocument/2006/math">
+                    <m:sSubSup>
+                      <m:sSubSupPr>
+                        <m:ctrlPr>
+                          <a:rPr lang="en-US" sz="3600" b="0" i="1" smtClean="0">
+                            <a:latin typeface="Cambria Math" panose="02040503050406030204" pitchFamily="18" charset="0"/>
+                          </a:rPr>
+                        </m:ctrlPr>
+                      </m:sSubSupPr>
+                      <m:e>
+                        <m:r>
+                          <a:rPr lang="en-US" sz="3600" b="0" i="1" smtClean="0">
+                            <a:latin typeface="Cambria Math" panose="02040503050406030204" pitchFamily="18" charset="0"/>
+                          </a:rPr>
+                          <m:t>𝑆</m:t>
+                        </m:r>
+                      </m:e>
+                      <m:sub>
+                        <m:r>
+                          <a:rPr lang="en-US" sz="3600" b="0" i="1" smtClean="0">
+                            <a:latin typeface="Cambria Math" panose="02040503050406030204" pitchFamily="18" charset="0"/>
+                          </a:rPr>
+                          <m:t>𝑖</m:t>
+                        </m:r>
+                      </m:sub>
+                      <m:sup>
+                        <m:r>
+                          <a:rPr lang="en-US" sz="3600" b="0" i="1" smtClean="0">
+                            <a:latin typeface="Cambria Math" panose="02040503050406030204" pitchFamily="18" charset="0"/>
+                          </a:rPr>
+                          <m:t>+</m:t>
+                        </m:r>
+                      </m:sup>
+                    </m:sSubSup>
+                    <m:sSubSup>
+                      <m:sSubSupPr>
+                        <m:ctrlPr>
+                          <a:rPr lang="en-US" sz="3600" b="0" i="1" smtClean="0">
+                            <a:latin typeface="Cambria Math" panose="02040503050406030204" pitchFamily="18" charset="0"/>
+                          </a:rPr>
+                        </m:ctrlPr>
+                      </m:sSubSupPr>
+                      <m:e>
+                        <m:r>
+                          <a:rPr lang="en-US" sz="3600" b="0" i="1" smtClean="0">
+                            <a:latin typeface="Cambria Math" panose="02040503050406030204" pitchFamily="18" charset="0"/>
+                          </a:rPr>
+                          <m:t>𝑆</m:t>
+                        </m:r>
+                      </m:e>
+                      <m:sub>
+                        <m:r>
+                          <a:rPr lang="en-US" sz="3600" b="0" i="1" smtClean="0">
+                            <a:latin typeface="Cambria Math" panose="02040503050406030204" pitchFamily="18" charset="0"/>
+                          </a:rPr>
+                          <m:t>𝑖</m:t>
+                        </m:r>
+                      </m:sub>
+                      <m:sup>
+                        <m:r>
+                          <a:rPr lang="en-US" sz="3600" b="0" i="1" smtClean="0">
+                            <a:latin typeface="Cambria Math" panose="02040503050406030204" pitchFamily="18" charset="0"/>
+                          </a:rPr>
+                          <m:t>−</m:t>
+                        </m:r>
+                      </m:sup>
+                    </m:sSubSup>
+                    <m:r>
+                      <a:rPr lang="en-US" sz="3600" b="0" i="1" smtClean="0">
+                        <a:latin typeface="Cambria Math" panose="02040503050406030204" pitchFamily="18" charset="0"/>
+                      </a:rPr>
+                      <m:t>𝜌</m:t>
+                    </m:r>
+                  </m:oMath>
+                </a14:m>
+                <a:r>
+                  <a:rPr lang="en-US" sz="3600" dirty="0"/>
+                  <a:t> and </a:t>
+                </a:r>
+                <a14:m>
+                  <m:oMath xmlns:m="http://schemas.openxmlformats.org/officeDocument/2006/math">
+                    <m:sSubSup>
+                      <m:sSubSupPr>
+                        <m:ctrlPr>
+                          <a:rPr lang="en-US" sz="3600" b="0" i="1" smtClean="0">
+                            <a:latin typeface="Cambria Math" panose="02040503050406030204" pitchFamily="18" charset="0"/>
+                          </a:rPr>
+                        </m:ctrlPr>
+                      </m:sSubSupPr>
+                      <m:e>
+                        <m:r>
+                          <a:rPr lang="en-US" sz="3600" b="0" i="1" smtClean="0">
+                            <a:latin typeface="Cambria Math" panose="02040503050406030204" pitchFamily="18" charset="0"/>
+                          </a:rPr>
+                          <m:t>𝑆</m:t>
+                        </m:r>
+                      </m:e>
+                      <m:sub>
+                        <m:r>
+                          <a:rPr lang="en-US" sz="3600" b="0" i="1" smtClean="0">
+                            <a:latin typeface="Cambria Math" panose="02040503050406030204" pitchFamily="18" charset="0"/>
+                          </a:rPr>
+                          <m:t>𝑎𝑏</m:t>
+                        </m:r>
+                      </m:sub>
+                      <m:sup>
+                        <m:r>
+                          <a:rPr lang="en-US" sz="3600" b="0" i="1" smtClean="0">
+                            <a:latin typeface="Cambria Math" panose="02040503050406030204" pitchFamily="18" charset="0"/>
+                          </a:rPr>
+                          <m:t>+</m:t>
+                        </m:r>
+                      </m:sup>
+                    </m:sSubSup>
+                    <m:sSubSup>
+                      <m:sSubSupPr>
+                        <m:ctrlPr>
+                          <a:rPr lang="en-US" sz="3600" b="0" i="1" smtClean="0">
+                            <a:latin typeface="Cambria Math" panose="02040503050406030204" pitchFamily="18" charset="0"/>
+                          </a:rPr>
+                        </m:ctrlPr>
+                      </m:sSubSupPr>
+                      <m:e>
+                        <m:r>
+                          <a:rPr lang="en-US" sz="3600" b="0" i="1" smtClean="0">
+                            <a:latin typeface="Cambria Math" panose="02040503050406030204" pitchFamily="18" charset="0"/>
+                          </a:rPr>
+                          <m:t>𝑆</m:t>
+                        </m:r>
+                      </m:e>
+                      <m:sub>
+                        <m:r>
+                          <a:rPr lang="en-US" sz="3600" b="0" i="1" smtClean="0">
+                            <a:latin typeface="Cambria Math" panose="02040503050406030204" pitchFamily="18" charset="0"/>
+                          </a:rPr>
+                          <m:t>𝑏𝑐</m:t>
+                        </m:r>
+                      </m:sub>
+                      <m:sup>
+                        <m:r>
+                          <a:rPr lang="en-US" sz="3600" b="0" i="1" smtClean="0">
+                            <a:latin typeface="Cambria Math" panose="02040503050406030204" pitchFamily="18" charset="0"/>
+                          </a:rPr>
+                          <m:t>+</m:t>
+                        </m:r>
+                      </m:sup>
+                    </m:sSubSup>
+                    <m:r>
+                      <a:rPr lang="en-US" sz="3600" b="0" i="1" smtClean="0">
+                        <a:latin typeface="Cambria Math" panose="02040503050406030204" pitchFamily="18" charset="0"/>
+                      </a:rPr>
+                      <m:t>𝜌</m:t>
+                    </m:r>
+                  </m:oMath>
+                </a14:m>
+                <a:endParaRPr lang="en-US" sz="3600" dirty="0"/>
+              </a:p>
+            </p:txBody>
+          </p:sp>
+        </mc:Choice>
+        <mc:Fallback xmlns="">
+          <p:sp>
+            <p:nvSpPr>
+              <p:cNvPr id="26" name="TextBox 25">
+                <a:extLst>
+                  <a:ext uri="{FF2B5EF4-FFF2-40B4-BE49-F238E27FC236}">
+                    <a16:creationId xmlns:a16="http://schemas.microsoft.com/office/drawing/2014/main" id="{4145F6CC-61D8-488E-982E-F7B4B385C603}"/>
+                  </a:ext>
+                </a:extLst>
+              </p:cNvPr>
+              <p:cNvSpPr txBox="1">
+                <a:spLocks noRot="1" noChangeAspect="1" noMove="1" noResize="1" noEditPoints="1" noAdjustHandles="1" noChangeArrowheads="1" noChangeShapeType="1" noTextEdit="1"/>
+              </p:cNvSpPr>
+              <p:nvPr/>
+            </p:nvSpPr>
+            <p:spPr>
+              <a:xfrm>
+                <a:off x="483268" y="4514201"/>
+                <a:ext cx="11546305" cy="2095958"/>
+              </a:xfrm>
+              <a:prstGeom prst="rect">
+                <a:avLst/>
+              </a:prstGeom>
+              <a:blipFill>
+                <a:blip r:embed="rId8"/>
+                <a:stretch>
+                  <a:fillRect l="-1584" t="-1749" b="-10496"/>
+                </a:stretch>
+              </a:blipFill>
+            </p:spPr>
+            <p:txBody>
+              <a:bodyPr/>
+              <a:lstStyle/>
+              <a:p>
+                <a:r>
+                  <a:rPr lang="en-US">
+                    <a:noFill/>
+                  </a:rPr>
+                  <a:t> </a:t>
+                </a:r>
+              </a:p>
+            </p:txBody>
+          </p:sp>
+        </mc:Fallback>
+      </mc:AlternateContent>
+      <mc:AlternateContent xmlns:mc="http://schemas.openxmlformats.org/markup-compatibility/2006" xmlns:a14="http://schemas.microsoft.com/office/drawing/2010/main">
+        <mc:Choice Requires="a14">
+          <p:sp>
+            <p:nvSpPr>
+              <p:cNvPr id="27" name="TextBox 26">
+                <a:extLst>
+                  <a:ext uri="{FF2B5EF4-FFF2-40B4-BE49-F238E27FC236}">
+                    <a16:creationId xmlns:a16="http://schemas.microsoft.com/office/drawing/2014/main" id="{4E691E59-AAEF-4E5B-9C54-9E302C8B58D3}"/>
+                  </a:ext>
+                </a:extLst>
+              </p:cNvPr>
+              <p:cNvSpPr txBox="1"/>
+              <p:nvPr/>
+            </p:nvSpPr>
+            <p:spPr>
+              <a:xfrm>
+                <a:off x="5900122" y="873133"/>
+                <a:ext cx="5542697" cy="2062103"/>
+              </a:xfrm>
+              <a:prstGeom prst="rect">
+                <a:avLst/>
+              </a:prstGeom>
+              <a:noFill/>
+            </p:spPr>
+            <p:txBody>
+              <a:bodyPr wrap="square" rtlCol="0">
+                <a:spAutoFit/>
+              </a:bodyPr>
+              <a:lstStyle/>
+              <a:p>
+                <a:r>
+                  <a:rPr lang="en-US" sz="3200" dirty="0"/>
+                  <a:t>The equation is the same with type I output and parallel dipole direction (just because of </a:t>
+                </a:r>
+                <a14:m>
+                  <m:oMath xmlns:m="http://schemas.openxmlformats.org/officeDocument/2006/math">
+                    <m:sSup>
+                      <m:sSupPr>
+                        <m:ctrlPr>
+                          <a:rPr lang="en-US" sz="3200" b="0" i="1" smtClean="0">
+                            <a:latin typeface="Cambria Math" panose="02040503050406030204" pitchFamily="18" charset="0"/>
+                          </a:rPr>
+                        </m:ctrlPr>
+                      </m:sSupPr>
+                      <m:e>
+                        <m:r>
+                          <a:rPr lang="en-US" sz="3200" b="0" i="1" smtClean="0">
+                            <a:latin typeface="Cambria Math" panose="02040503050406030204" pitchFamily="18" charset="0"/>
+                          </a:rPr>
+                          <m:t>𝑎</m:t>
+                        </m:r>
+                      </m:e>
+                      <m:sup>
+                        <m:r>
+                          <a:rPr lang="en-US" sz="3200" b="0" i="1" smtClean="0">
+                            <a:latin typeface="Cambria Math" panose="02040503050406030204" pitchFamily="18" charset="0"/>
+                          </a:rPr>
+                          <m:t>+</m:t>
+                        </m:r>
+                      </m:sup>
+                    </m:sSup>
+                    <m:sSup>
+                      <m:sSupPr>
+                        <m:ctrlPr>
+                          <a:rPr lang="en-US" sz="3200" b="0" i="1" smtClean="0">
+                            <a:latin typeface="Cambria Math" panose="02040503050406030204" pitchFamily="18" charset="0"/>
+                          </a:rPr>
+                        </m:ctrlPr>
+                      </m:sSupPr>
+                      <m:e>
+                        <m:r>
+                          <a:rPr lang="en-US" sz="3200" b="0" i="1" smtClean="0">
+                            <a:latin typeface="Cambria Math" panose="02040503050406030204" pitchFamily="18" charset="0"/>
+                          </a:rPr>
+                          <m:t>𝑎</m:t>
+                        </m:r>
+                      </m:e>
+                      <m:sup>
+                        <m:r>
+                          <a:rPr lang="en-US" sz="3200" b="0" i="1" smtClean="0">
+                            <a:latin typeface="Cambria Math" panose="02040503050406030204" pitchFamily="18" charset="0"/>
+                          </a:rPr>
+                          <m:t>+</m:t>
+                        </m:r>
+                      </m:sup>
+                    </m:sSup>
+                    <m:r>
+                      <a:rPr lang="en-US" sz="3200" b="0" i="1" smtClean="0">
+                        <a:latin typeface="Cambria Math" panose="02040503050406030204" pitchFamily="18" charset="0"/>
+                      </a:rPr>
+                      <m:t>≠0</m:t>
+                    </m:r>
+                  </m:oMath>
+                </a14:m>
+                <a:r>
+                  <a:rPr lang="en-US" sz="3200" dirty="0"/>
+                  <a:t>?)</a:t>
+                </a:r>
+              </a:p>
+            </p:txBody>
+          </p:sp>
+        </mc:Choice>
+        <mc:Fallback xmlns="">
+          <p:sp>
+            <p:nvSpPr>
+              <p:cNvPr id="27" name="TextBox 26">
+                <a:extLst>
+                  <a:ext uri="{FF2B5EF4-FFF2-40B4-BE49-F238E27FC236}">
+                    <a16:creationId xmlns:a16="http://schemas.microsoft.com/office/drawing/2014/main" id="{4E691E59-AAEF-4E5B-9C54-9E302C8B58D3}"/>
+                  </a:ext>
+                </a:extLst>
+              </p:cNvPr>
+              <p:cNvSpPr txBox="1">
+                <a:spLocks noRot="1" noChangeAspect="1" noMove="1" noResize="1" noEditPoints="1" noAdjustHandles="1" noChangeArrowheads="1" noChangeShapeType="1" noTextEdit="1"/>
+              </p:cNvSpPr>
+              <p:nvPr/>
+            </p:nvSpPr>
+            <p:spPr>
+              <a:xfrm>
+                <a:off x="5900122" y="873133"/>
+                <a:ext cx="5542697" cy="2062103"/>
+              </a:xfrm>
+              <a:prstGeom prst="rect">
+                <a:avLst/>
+              </a:prstGeom>
+              <a:blipFill>
+                <a:blip r:embed="rId9"/>
+                <a:stretch>
+                  <a:fillRect l="-2860" t="-3835" r="-3520" b="-8850"/>
+                </a:stretch>
+              </a:blipFill>
+            </p:spPr>
+            <p:txBody>
+              <a:bodyPr/>
+              <a:lstStyle/>
+              <a:p>
+                <a:r>
+                  <a:rPr lang="en-US">
+                    <a:noFill/>
+                  </a:rPr>
+                  <a:t> </a:t>
+                </a:r>
+              </a:p>
+            </p:txBody>
+          </p:sp>
+        </mc:Fallback>
+      </mc:AlternateContent>
+    </p:spTree>
+    <p:extLst>
+      <p:ext uri="{BB962C8B-B14F-4D97-AF65-F5344CB8AC3E}">
+        <p14:creationId xmlns:p14="http://schemas.microsoft.com/office/powerpoint/2010/main" val="3396556860"/>
+      </p:ext>
+    </p:extLst>
+  </p:cSld>
+  <p:clrMapOvr>
+    <a:masterClrMapping/>
+  </p:clrMapOvr>
+</p:sld>
+</file>
+
+<file path=ppt/slides/slide4.xml><?xml version="1.0" encoding="utf-8"?>
+<p:sld xmlns:a="http://schemas.openxmlformats.org/drawingml/2006/main" xmlns:r="http://schemas.openxmlformats.org/officeDocument/2006/relationships" xmlns:p="http://schemas.openxmlformats.org/presentationml/2006/main">
+  <p:cSld>
+    <p:spTree>
+      <p:nvGrpSpPr>
+        <p:cNvPr id="1" name=""/>
+        <p:cNvGrpSpPr/>
+        <p:nvPr/>
+      </p:nvGrpSpPr>
+      <p:grpSpPr>
+        <a:xfrm>
+          <a:off x="0" y="0"/>
+          <a:ext cx="0" cy="0"/>
+          <a:chOff x="0" y="0"/>
+          <a:chExt cx="0" cy="0"/>
+        </a:xfrm>
+      </p:grpSpPr>
+      <mc:AlternateContent xmlns:mc="http://schemas.openxmlformats.org/markup-compatibility/2006">
+        <mc:Choice xmlns:a14="http://schemas.microsoft.com/office/drawing/2010/main" Requires="a14">
+          <p:sp>
+            <p:nvSpPr>
+              <p:cNvPr id="3" name="TextBox 2">
+                <a:extLst>
+                  <a:ext uri="{FF2B5EF4-FFF2-40B4-BE49-F238E27FC236}">
+                    <a16:creationId xmlns:a16="http://schemas.microsoft.com/office/drawing/2014/main" id="{E540FA91-4BF6-4A2A-BB3B-5DE238C8AF72}"/>
+                  </a:ext>
+                </a:extLst>
+              </p:cNvPr>
+              <p:cNvSpPr txBox="1"/>
+              <p:nvPr/>
+            </p:nvSpPr>
+            <p:spPr>
+              <a:xfrm>
+                <a:off x="515270" y="957862"/>
+                <a:ext cx="10835035" cy="6361485"/>
+              </a:xfrm>
+              <a:prstGeom prst="rect">
+                <a:avLst/>
+              </a:prstGeom>
+              <a:noFill/>
+            </p:spPr>
+            <p:txBody>
+              <a:bodyPr wrap="square" rtlCol="0">
+                <a:spAutoFit/>
+              </a:bodyPr>
+              <a:lstStyle/>
+              <a:p>
+                <a:r>
+                  <a:rPr lang="en-US" sz="2800" dirty="0"/>
+                  <a:t>Squeezed vacuum:</a:t>
+                </a:r>
+              </a:p>
+              <a:p>
+                <a:pPr marL="457200" indent="-457200">
+                  <a:buFont typeface="Arial" panose="020B0604020202020204" pitchFamily="34" charset="0"/>
+                  <a:buChar char="•"/>
+                </a:pPr>
+                <a14:m>
+                  <m:oMath xmlns:m="http://schemas.openxmlformats.org/officeDocument/2006/math">
+                    <m:m>
+                      <m:mPr>
+                        <m:mcs>
+                          <m:mc>
+                            <m:mcPr>
+                              <m:count m:val="3"/>
+                              <m:mcJc m:val="center"/>
+                            </m:mcPr>
+                          </m:mc>
+                        </m:mcs>
+                        <m:ctrlPr>
+                          <a:rPr lang="en-US" sz="2800" i="1">
+                            <a:latin typeface="Cambria Math" panose="02040503050406030204" pitchFamily="18" charset="0"/>
+                          </a:rPr>
+                        </m:ctrlPr>
+                      </m:mPr>
+                      <m:mr>
+                        <m:e>
+                          <m:r>
+                            <m:rPr>
+                              <m:brk m:alnAt="7"/>
+                            </m:rPr>
+                            <a:rPr lang="en-US" sz="2800" i="1">
+                              <a:latin typeface="Cambria Math" panose="02040503050406030204" pitchFamily="18" charset="0"/>
+                            </a:rPr>
+                            <m:t>𝑠</m:t>
+                          </m:r>
+                          <m:sSup>
+                            <m:sSupPr>
+                              <m:ctrlPr>
+                                <a:rPr lang="en-US" sz="2800" i="1">
+                                  <a:latin typeface="Cambria Math" panose="02040503050406030204" pitchFamily="18" charset="0"/>
+                                </a:rPr>
+                              </m:ctrlPr>
+                            </m:sSupPr>
+                            <m:e>
+                              <m:r>
+                                <a:rPr lang="en-US" sz="2800" i="1">
+                                  <a:latin typeface="Cambria Math" panose="02040503050406030204" pitchFamily="18" charset="0"/>
+                                </a:rPr>
+                                <m:t>h</m:t>
+                              </m:r>
+                            </m:e>
+                            <m:sup>
+                              <m:r>
+                                <a:rPr lang="en-US" sz="2800" i="1">
+                                  <a:latin typeface="Cambria Math" panose="02040503050406030204" pitchFamily="18" charset="0"/>
+                                </a:rPr>
+                                <m:t>2</m:t>
+                              </m:r>
+                            </m:sup>
+                          </m:sSup>
+                          <m:r>
+                            <a:rPr lang="en-US" sz="2800" i="1">
+                              <a:latin typeface="Cambria Math" panose="02040503050406030204" pitchFamily="18" charset="0"/>
+                            </a:rPr>
+                            <m:t>/(</m:t>
+                          </m:r>
+                          <m:r>
+                            <a:rPr lang="en-US" sz="2800" b="0" i="1" smtClean="0">
+                              <a:latin typeface="Cambria Math" panose="02040503050406030204" pitchFamily="18" charset="0"/>
+                            </a:rPr>
+                            <m:t>1</m:t>
+                          </m:r>
+                          <m:r>
+                            <a:rPr lang="en-US" sz="2800" i="1">
+                              <a:latin typeface="Cambria Math" panose="02040503050406030204" pitchFamily="18" charset="0"/>
+                            </a:rPr>
+                            <m:t>+</m:t>
+                          </m:r>
+                          <m:r>
+                            <a:rPr lang="en-US" sz="2800" b="0" i="1" smtClean="0">
+                              <a:latin typeface="Cambria Math" panose="02040503050406030204" pitchFamily="18" charset="0"/>
+                            </a:rPr>
+                            <m:t>3</m:t>
+                          </m:r>
+                          <m:r>
+                            <a:rPr lang="en-US" sz="2800" i="1">
+                              <a:latin typeface="Cambria Math" panose="02040503050406030204" pitchFamily="18" charset="0"/>
+                            </a:rPr>
+                            <m:t>𝑠</m:t>
+                          </m:r>
+                          <m:sSup>
+                            <m:sSupPr>
+                              <m:ctrlPr>
+                                <a:rPr lang="en-US" sz="2800" i="1">
+                                  <a:latin typeface="Cambria Math" panose="02040503050406030204" pitchFamily="18" charset="0"/>
+                                </a:rPr>
+                              </m:ctrlPr>
+                            </m:sSupPr>
+                            <m:e>
+                              <m:r>
+                                <a:rPr lang="en-US" sz="2800" i="1">
+                                  <a:latin typeface="Cambria Math" panose="02040503050406030204" pitchFamily="18" charset="0"/>
+                                </a:rPr>
+                                <m:t>h</m:t>
+                              </m:r>
+                            </m:e>
+                            <m:sup>
+                              <m:r>
+                                <a:rPr lang="en-US" sz="2800" i="1">
+                                  <a:latin typeface="Cambria Math" panose="02040503050406030204" pitchFamily="18" charset="0"/>
+                                </a:rPr>
+                                <m:t>2</m:t>
+                              </m:r>
+                            </m:sup>
+                          </m:sSup>
+                          <m:r>
+                            <a:rPr lang="en-US" sz="2800" i="1">
+                              <a:latin typeface="Cambria Math" panose="02040503050406030204" pitchFamily="18" charset="0"/>
+                            </a:rPr>
+                            <m:t>)</m:t>
+                          </m:r>
+                        </m:e>
+                        <m:e>
+                          <m:r>
+                            <a:rPr lang="en-US" sz="2800" b="0" i="1" smtClean="0">
+                              <a:latin typeface="Cambria Math" panose="02040503050406030204" pitchFamily="18" charset="0"/>
+                            </a:rPr>
+                            <m:t>0</m:t>
+                          </m:r>
+                        </m:e>
+                        <m:e/>
+                      </m:mr>
+                      <m:mr>
+                        <m:e>
+                          <m:r>
+                            <a:rPr lang="en-US" sz="2800" b="0" i="1" smtClean="0">
+                              <a:latin typeface="Cambria Math" panose="02040503050406030204" pitchFamily="18" charset="0"/>
+                            </a:rPr>
+                            <m:t>0</m:t>
+                          </m:r>
+                        </m:e>
+                        <m:e>
+                          <m:r>
+                            <m:rPr>
+                              <m:brk m:alnAt="7"/>
+                            </m:rPr>
+                            <a:rPr lang="en-US" sz="2800" i="1">
+                              <a:latin typeface="Cambria Math" panose="02040503050406030204" pitchFamily="18" charset="0"/>
+                            </a:rPr>
+                            <m:t>𝑠</m:t>
+                          </m:r>
+                          <m:sSup>
+                            <m:sSupPr>
+                              <m:ctrlPr>
+                                <a:rPr lang="en-US" sz="2800" i="1">
+                                  <a:latin typeface="Cambria Math" panose="02040503050406030204" pitchFamily="18" charset="0"/>
+                                </a:rPr>
+                              </m:ctrlPr>
+                            </m:sSupPr>
+                            <m:e>
+                              <m:r>
+                                <a:rPr lang="en-US" sz="2800" i="1">
+                                  <a:latin typeface="Cambria Math" panose="02040503050406030204" pitchFamily="18" charset="0"/>
+                                </a:rPr>
+                                <m:t>h</m:t>
+                              </m:r>
+                            </m:e>
+                            <m:sup>
+                              <m:r>
+                                <a:rPr lang="en-US" sz="2800" i="1">
+                                  <a:latin typeface="Cambria Math" panose="02040503050406030204" pitchFamily="18" charset="0"/>
+                                </a:rPr>
+                                <m:t>2</m:t>
+                              </m:r>
+                            </m:sup>
+                          </m:sSup>
+                          <m:r>
+                            <a:rPr lang="en-US" sz="2800" i="1">
+                              <a:latin typeface="Cambria Math" panose="02040503050406030204" pitchFamily="18" charset="0"/>
+                            </a:rPr>
+                            <m:t>/(</m:t>
+                          </m:r>
+                          <m:r>
+                            <a:rPr lang="en-US" sz="2800" i="1">
+                              <a:latin typeface="Cambria Math" panose="02040503050406030204" pitchFamily="18" charset="0"/>
+                            </a:rPr>
+                            <m:t>1</m:t>
+                          </m:r>
+                          <m:r>
+                            <a:rPr lang="en-US" sz="2800" i="1">
+                              <a:latin typeface="Cambria Math" panose="02040503050406030204" pitchFamily="18" charset="0"/>
+                            </a:rPr>
+                            <m:t>+</m:t>
+                          </m:r>
+                          <m:r>
+                            <a:rPr lang="en-US" sz="2800" i="1">
+                              <a:latin typeface="Cambria Math" panose="02040503050406030204" pitchFamily="18" charset="0"/>
+                            </a:rPr>
+                            <m:t>3</m:t>
+                          </m:r>
+                          <m:r>
+                            <a:rPr lang="en-US" sz="2800" i="1">
+                              <a:latin typeface="Cambria Math" panose="02040503050406030204" pitchFamily="18" charset="0"/>
+                            </a:rPr>
+                            <m:t>𝑠</m:t>
+                          </m:r>
+                          <m:sSup>
+                            <m:sSupPr>
+                              <m:ctrlPr>
+                                <a:rPr lang="en-US" sz="2800" i="1">
+                                  <a:latin typeface="Cambria Math" panose="02040503050406030204" pitchFamily="18" charset="0"/>
+                                </a:rPr>
+                              </m:ctrlPr>
+                            </m:sSupPr>
+                            <m:e>
+                              <m:r>
+                                <a:rPr lang="en-US" sz="2800" i="1">
+                                  <a:latin typeface="Cambria Math" panose="02040503050406030204" pitchFamily="18" charset="0"/>
+                                </a:rPr>
+                                <m:t>h</m:t>
+                              </m:r>
+                            </m:e>
+                            <m:sup>
+                              <m:r>
+                                <a:rPr lang="en-US" sz="2800" i="1">
+                                  <a:latin typeface="Cambria Math" panose="02040503050406030204" pitchFamily="18" charset="0"/>
+                                </a:rPr>
+                                <m:t>2</m:t>
+                              </m:r>
+                            </m:sup>
+                          </m:sSup>
+                          <m:r>
+                            <a:rPr lang="en-US" sz="2800" i="1">
+                              <a:latin typeface="Cambria Math" panose="02040503050406030204" pitchFamily="18" charset="0"/>
+                            </a:rPr>
+                            <m:t>)</m:t>
+                          </m:r>
+                        </m:e>
+                        <m:e/>
+                      </m:mr>
+                      <m:mr>
+                        <m:e/>
+                        <m:e/>
+                        <m:e>
+                          <m:r>
+                            <a:rPr lang="en-US" sz="2800" i="1">
+                              <a:latin typeface="Cambria Math" panose="02040503050406030204" pitchFamily="18" charset="0"/>
+                            </a:rPr>
+                            <m:t>𝑐</m:t>
+                          </m:r>
+                          <m:sSup>
+                            <m:sSupPr>
+                              <m:ctrlPr>
+                                <a:rPr lang="en-US" sz="2800" i="1">
+                                  <a:latin typeface="Cambria Math" panose="02040503050406030204" pitchFamily="18" charset="0"/>
+                                </a:rPr>
+                              </m:ctrlPr>
+                            </m:sSupPr>
+                            <m:e>
+                              <m:r>
+                                <a:rPr lang="en-US" sz="2800" i="1">
+                                  <a:latin typeface="Cambria Math" panose="02040503050406030204" pitchFamily="18" charset="0"/>
+                                </a:rPr>
+                                <m:t>h</m:t>
+                              </m:r>
+                            </m:e>
+                            <m:sup>
+                              <m:r>
+                                <a:rPr lang="en-US" sz="2800" i="1">
+                                  <a:latin typeface="Cambria Math" panose="02040503050406030204" pitchFamily="18" charset="0"/>
+                                </a:rPr>
+                                <m:t>2</m:t>
+                              </m:r>
+                            </m:sup>
+                          </m:sSup>
+                          <m:r>
+                            <a:rPr lang="en-US" sz="2800" i="1">
+                              <a:latin typeface="Cambria Math" panose="02040503050406030204" pitchFamily="18" charset="0"/>
+                            </a:rPr>
+                            <m:t>/(</m:t>
+                          </m:r>
+                          <m:r>
+                            <a:rPr lang="en-US" sz="2800" b="0" i="1" smtClean="0">
+                              <a:latin typeface="Cambria Math" panose="02040503050406030204" pitchFamily="18" charset="0"/>
+                            </a:rPr>
+                            <m:t>1</m:t>
+                          </m:r>
+                          <m:r>
+                            <a:rPr lang="en-US" sz="2800" i="1">
+                              <a:latin typeface="Cambria Math" panose="02040503050406030204" pitchFamily="18" charset="0"/>
+                            </a:rPr>
+                            <m:t>+</m:t>
+                          </m:r>
+                          <m:r>
+                            <a:rPr lang="en-US" sz="2800" b="0" i="1" smtClean="0">
+                              <a:latin typeface="Cambria Math" panose="02040503050406030204" pitchFamily="18" charset="0"/>
+                            </a:rPr>
+                            <m:t>3</m:t>
+                          </m:r>
+                          <m:r>
+                            <a:rPr lang="en-US" sz="2800" i="1">
+                              <a:latin typeface="Cambria Math" panose="02040503050406030204" pitchFamily="18" charset="0"/>
+                            </a:rPr>
+                            <m:t>𝑠</m:t>
+                          </m:r>
+                          <m:sSup>
+                            <m:sSupPr>
+                              <m:ctrlPr>
+                                <a:rPr lang="en-US" sz="2800" i="1">
+                                  <a:latin typeface="Cambria Math" panose="02040503050406030204" pitchFamily="18" charset="0"/>
+                                </a:rPr>
+                              </m:ctrlPr>
+                            </m:sSupPr>
+                            <m:e>
+                              <m:r>
+                                <a:rPr lang="en-US" sz="2800" i="1">
+                                  <a:latin typeface="Cambria Math" panose="02040503050406030204" pitchFamily="18" charset="0"/>
+                                </a:rPr>
+                                <m:t>h</m:t>
+                              </m:r>
+                            </m:e>
+                            <m:sup>
+                              <m:r>
+                                <a:rPr lang="en-US" sz="2800" i="1">
+                                  <a:latin typeface="Cambria Math" panose="02040503050406030204" pitchFamily="18" charset="0"/>
+                                </a:rPr>
+                                <m:t>2</m:t>
+                              </m:r>
+                            </m:sup>
+                          </m:sSup>
+                          <m:r>
+                            <a:rPr lang="en-US" sz="2800" i="1">
+                              <a:latin typeface="Cambria Math" panose="02040503050406030204" pitchFamily="18" charset="0"/>
+                            </a:rPr>
+                            <m:t>)</m:t>
+                          </m:r>
+                        </m:e>
+                      </m:mr>
+                    </m:m>
+                  </m:oMath>
+                </a14:m>
+                <a:endParaRPr lang="en-US" sz="2800" dirty="0"/>
+              </a:p>
+              <a:p>
+                <a:r>
+                  <a:rPr lang="en-US" sz="2800" dirty="0"/>
+                  <a:t>(This is also the result for thermal)</a:t>
+                </a:r>
+              </a:p>
+              <a:p>
+                <a:r>
+                  <a:rPr lang="en-US" sz="2800" dirty="0"/>
+                  <a:t>time evolution: for a-b, the evolution is identical, for ac, </a:t>
+                </a:r>
+                <a:r>
+                  <a:rPr lang="en-US" sz="2800" dirty="0" err="1"/>
+                  <a:t>bc</a:t>
+                </a:r>
+                <a:r>
+                  <a:rPr lang="en-US" sz="2800" dirty="0"/>
+                  <a:t>, the dephasing is faster/slower</a:t>
+                </a:r>
+              </a:p>
+              <a:p>
+                <a:endParaRPr lang="en-US" sz="2800" dirty="0"/>
+              </a:p>
+              <a:p>
+                <a:endParaRPr lang="en-US" sz="2800" dirty="0"/>
+              </a:p>
+              <a:p>
+                <a:r>
+                  <a:rPr lang="en-US" sz="2800" dirty="0"/>
+                  <a:t>equal energy gap: (the same for thermal)</a:t>
+                </a:r>
+              </a:p>
+              <a:p>
+                <a:pPr marL="457200" indent="-457200">
+                  <a:buFont typeface="Arial" panose="020B0604020202020204" pitchFamily="34" charset="0"/>
+                  <a:buChar char="•"/>
+                </a:pPr>
+                <a14:m>
+                  <m:oMath xmlns:m="http://schemas.openxmlformats.org/officeDocument/2006/math">
+                    <m:m>
+                      <m:mPr>
+                        <m:mcs>
+                          <m:mc>
+                            <m:mcPr>
+                              <m:count m:val="3"/>
+                              <m:mcJc m:val="center"/>
+                            </m:mcPr>
+                          </m:mc>
+                        </m:mcs>
+                        <m:ctrlPr>
+                          <a:rPr lang="en-US" sz="2800" i="1" smtClean="0">
+                            <a:latin typeface="Cambria Math" panose="02040503050406030204" pitchFamily="18" charset="0"/>
+                          </a:rPr>
+                        </m:ctrlPr>
+                      </m:mPr>
+                      <m:mr>
+                        <m:e>
+                          <m:r>
+                            <m:rPr>
+                              <m:brk m:alnAt="7"/>
+                            </m:rPr>
+                            <a:rPr lang="en-US" sz="2800" b="0" i="1" smtClean="0">
+                              <a:latin typeface="Cambria Math" panose="02040503050406030204" pitchFamily="18" charset="0"/>
+                            </a:rPr>
+                            <m:t>𝑠</m:t>
+                          </m:r>
+                          <m:sSup>
+                            <m:sSupPr>
+                              <m:ctrlPr>
+                                <a:rPr lang="en-US" sz="2800" i="1">
+                                  <a:latin typeface="Cambria Math" panose="02040503050406030204" pitchFamily="18" charset="0"/>
+                                </a:rPr>
+                              </m:ctrlPr>
+                            </m:sSupPr>
+                            <m:e>
+                              <m:r>
+                                <a:rPr lang="en-US" sz="2800" i="1">
+                                  <a:latin typeface="Cambria Math" panose="02040503050406030204" pitchFamily="18" charset="0"/>
+                                </a:rPr>
+                                <m:t>h</m:t>
+                              </m:r>
+                            </m:e>
+                            <m:sup>
+                              <m:r>
+                                <a:rPr lang="en-US" sz="2800" i="1">
+                                  <a:latin typeface="Cambria Math" panose="02040503050406030204" pitchFamily="18" charset="0"/>
+                                </a:rPr>
+                                <m:t>2</m:t>
+                              </m:r>
+                            </m:sup>
+                          </m:sSup>
+                          <m:r>
+                            <a:rPr lang="en-US" sz="2800" i="1">
+                              <a:latin typeface="Cambria Math" panose="02040503050406030204" pitchFamily="18" charset="0"/>
+                            </a:rPr>
+                            <m:t>/</m:t>
+                          </m:r>
+                          <m:r>
+                            <a:rPr lang="en-US" sz="2800" b="0" i="1" smtClean="0">
+                              <a:latin typeface="Cambria Math" panose="02040503050406030204" pitchFamily="18" charset="0"/>
+                            </a:rPr>
+                            <m:t>2</m:t>
+                          </m:r>
+                          <m:r>
+                            <a:rPr lang="en-US" sz="2800" i="1">
+                              <a:latin typeface="Cambria Math" panose="02040503050406030204" pitchFamily="18" charset="0"/>
+                            </a:rPr>
+                            <m:t>(</m:t>
+                          </m:r>
+                          <m:r>
+                            <a:rPr lang="en-US" sz="2800" i="1">
+                              <a:latin typeface="Cambria Math" panose="02040503050406030204" pitchFamily="18" charset="0"/>
+                            </a:rPr>
+                            <m:t>𝑐</m:t>
+                          </m:r>
+                          <m:sSup>
+                            <m:sSupPr>
+                              <m:ctrlPr>
+                                <a:rPr lang="en-US" sz="2800" i="1">
+                                  <a:latin typeface="Cambria Math" panose="02040503050406030204" pitchFamily="18" charset="0"/>
+                                </a:rPr>
+                              </m:ctrlPr>
+                            </m:sSupPr>
+                            <m:e>
+                              <m:r>
+                                <a:rPr lang="en-US" sz="2800" i="1">
+                                  <a:latin typeface="Cambria Math" panose="02040503050406030204" pitchFamily="18" charset="0"/>
+                                </a:rPr>
+                                <m:t>h</m:t>
+                              </m:r>
+                            </m:e>
+                            <m:sup>
+                              <m:r>
+                                <a:rPr lang="en-US" sz="2800" i="1">
+                                  <a:latin typeface="Cambria Math" panose="02040503050406030204" pitchFamily="18" charset="0"/>
+                                </a:rPr>
+                                <m:t>2</m:t>
+                              </m:r>
+                            </m:sup>
+                          </m:sSup>
+                          <m:r>
+                            <a:rPr lang="en-US" sz="2800" i="1">
+                              <a:latin typeface="Cambria Math" panose="02040503050406030204" pitchFamily="18" charset="0"/>
+                            </a:rPr>
+                            <m:t>+</m:t>
+                          </m:r>
+                          <m:r>
+                            <a:rPr lang="en-US" sz="2800" i="1">
+                              <a:latin typeface="Cambria Math" panose="02040503050406030204" pitchFamily="18" charset="0"/>
+                            </a:rPr>
+                            <m:t>𝑠</m:t>
+                          </m:r>
+                          <m:sSup>
+                            <m:sSupPr>
+                              <m:ctrlPr>
+                                <a:rPr lang="en-US" sz="2800" i="1">
+                                  <a:latin typeface="Cambria Math" panose="02040503050406030204" pitchFamily="18" charset="0"/>
+                                </a:rPr>
+                              </m:ctrlPr>
+                            </m:sSupPr>
+                            <m:e>
+                              <m:r>
+                                <a:rPr lang="en-US" sz="2800" i="1">
+                                  <a:latin typeface="Cambria Math" panose="02040503050406030204" pitchFamily="18" charset="0"/>
+                                </a:rPr>
+                                <m:t>h</m:t>
+                              </m:r>
+                            </m:e>
+                            <m:sup>
+                              <m:r>
+                                <a:rPr lang="en-US" sz="2800" i="1">
+                                  <a:latin typeface="Cambria Math" panose="02040503050406030204" pitchFamily="18" charset="0"/>
+                                </a:rPr>
+                                <m:t>2</m:t>
+                              </m:r>
+                            </m:sup>
+                          </m:sSup>
+                          <m:r>
+                            <a:rPr lang="en-US" sz="2800" b="0" i="1" smtClean="0">
+                              <a:latin typeface="Cambria Math" panose="02040503050406030204" pitchFamily="18" charset="0"/>
+                            </a:rPr>
+                            <m:t>)</m:t>
+                          </m:r>
+                        </m:e>
+                        <m:e>
+                          <m:r>
+                            <m:rPr>
+                              <m:brk m:alnAt="7"/>
+                            </m:rPr>
+                            <a:rPr lang="en-US" sz="2800" i="1">
+                              <a:latin typeface="Cambria Math" panose="02040503050406030204" pitchFamily="18" charset="0"/>
+                            </a:rPr>
+                            <m:t>𝑠</m:t>
+                          </m:r>
+                          <m:sSup>
+                            <m:sSupPr>
+                              <m:ctrlPr>
+                                <a:rPr lang="en-US" sz="2800" i="1">
+                                  <a:latin typeface="Cambria Math" panose="02040503050406030204" pitchFamily="18" charset="0"/>
+                                </a:rPr>
+                              </m:ctrlPr>
+                            </m:sSupPr>
+                            <m:e>
+                              <m:r>
+                                <a:rPr lang="en-US" sz="2800" i="1">
+                                  <a:latin typeface="Cambria Math" panose="02040503050406030204" pitchFamily="18" charset="0"/>
+                                </a:rPr>
+                                <m:t>h</m:t>
+                              </m:r>
+                            </m:e>
+                            <m:sup>
+                              <m:r>
+                                <a:rPr lang="en-US" sz="2800" i="1">
+                                  <a:latin typeface="Cambria Math" panose="02040503050406030204" pitchFamily="18" charset="0"/>
+                                </a:rPr>
+                                <m:t>2</m:t>
+                              </m:r>
+                            </m:sup>
+                          </m:sSup>
+                          <m:r>
+                            <a:rPr lang="en-US" sz="2800" i="1">
+                              <a:latin typeface="Cambria Math" panose="02040503050406030204" pitchFamily="18" charset="0"/>
+                            </a:rPr>
+                            <m:t>/</m:t>
+                          </m:r>
+                          <m:r>
+                            <a:rPr lang="en-US" sz="2800" i="1">
+                              <a:latin typeface="Cambria Math" panose="02040503050406030204" pitchFamily="18" charset="0"/>
+                            </a:rPr>
+                            <m:t>2</m:t>
+                          </m:r>
+                          <m:r>
+                            <a:rPr lang="en-US" sz="2800" i="1">
+                              <a:latin typeface="Cambria Math" panose="02040503050406030204" pitchFamily="18" charset="0"/>
+                            </a:rPr>
+                            <m:t>(</m:t>
+                          </m:r>
+                          <m:r>
+                            <a:rPr lang="en-US" sz="2800" i="1">
+                              <a:latin typeface="Cambria Math" panose="02040503050406030204" pitchFamily="18" charset="0"/>
+                            </a:rPr>
+                            <m:t>𝑐</m:t>
+                          </m:r>
+                          <m:sSup>
+                            <m:sSupPr>
+                              <m:ctrlPr>
+                                <a:rPr lang="en-US" sz="2800" i="1">
+                                  <a:latin typeface="Cambria Math" panose="02040503050406030204" pitchFamily="18" charset="0"/>
+                                </a:rPr>
+                              </m:ctrlPr>
+                            </m:sSupPr>
+                            <m:e>
+                              <m:r>
+                                <a:rPr lang="en-US" sz="2800" i="1">
+                                  <a:latin typeface="Cambria Math" panose="02040503050406030204" pitchFamily="18" charset="0"/>
+                                </a:rPr>
+                                <m:t>h</m:t>
+                              </m:r>
+                            </m:e>
+                            <m:sup>
+                              <m:r>
+                                <a:rPr lang="en-US" sz="2800" i="1">
+                                  <a:latin typeface="Cambria Math" panose="02040503050406030204" pitchFamily="18" charset="0"/>
+                                </a:rPr>
+                                <m:t>2</m:t>
+                              </m:r>
+                            </m:sup>
+                          </m:sSup>
+                          <m:r>
+                            <a:rPr lang="en-US" sz="2800" i="1">
+                              <a:latin typeface="Cambria Math" panose="02040503050406030204" pitchFamily="18" charset="0"/>
+                            </a:rPr>
+                            <m:t>+</m:t>
+                          </m:r>
+                          <m:r>
+                            <a:rPr lang="en-US" sz="2800" i="1">
+                              <a:latin typeface="Cambria Math" panose="02040503050406030204" pitchFamily="18" charset="0"/>
+                            </a:rPr>
+                            <m:t>𝑠</m:t>
+                          </m:r>
+                          <m:sSup>
+                            <m:sSupPr>
+                              <m:ctrlPr>
+                                <a:rPr lang="en-US" sz="2800" i="1">
+                                  <a:latin typeface="Cambria Math" panose="02040503050406030204" pitchFamily="18" charset="0"/>
+                                </a:rPr>
+                              </m:ctrlPr>
+                            </m:sSupPr>
+                            <m:e>
+                              <m:r>
+                                <a:rPr lang="en-US" sz="2800" i="1">
+                                  <a:latin typeface="Cambria Math" panose="02040503050406030204" pitchFamily="18" charset="0"/>
+                                </a:rPr>
+                                <m:t>h</m:t>
+                              </m:r>
+                            </m:e>
+                            <m:sup>
+                              <m:r>
+                                <a:rPr lang="en-US" sz="2800" i="1">
+                                  <a:latin typeface="Cambria Math" panose="02040503050406030204" pitchFamily="18" charset="0"/>
+                                </a:rPr>
+                                <m:t>2</m:t>
+                              </m:r>
+                            </m:sup>
+                          </m:sSup>
+                          <m:r>
+                            <a:rPr lang="en-US" sz="2800" i="1">
+                              <a:latin typeface="Cambria Math" panose="02040503050406030204" pitchFamily="18" charset="0"/>
+                            </a:rPr>
+                            <m:t>)</m:t>
+                          </m:r>
+                        </m:e>
+                        <m:e/>
+                      </m:mr>
+                      <m:mr>
+                        <m:e>
+                          <m:r>
+                            <m:rPr>
+                              <m:brk m:alnAt="7"/>
+                            </m:rPr>
+                            <a:rPr lang="en-US" sz="2800" i="1">
+                              <a:latin typeface="Cambria Math" panose="02040503050406030204" pitchFamily="18" charset="0"/>
+                            </a:rPr>
+                            <m:t>𝑠</m:t>
+                          </m:r>
+                          <m:sSup>
+                            <m:sSupPr>
+                              <m:ctrlPr>
+                                <a:rPr lang="en-US" sz="2800" i="1">
+                                  <a:latin typeface="Cambria Math" panose="02040503050406030204" pitchFamily="18" charset="0"/>
+                                </a:rPr>
+                              </m:ctrlPr>
+                            </m:sSupPr>
+                            <m:e>
+                              <m:r>
+                                <a:rPr lang="en-US" sz="2800" i="1">
+                                  <a:latin typeface="Cambria Math" panose="02040503050406030204" pitchFamily="18" charset="0"/>
+                                </a:rPr>
+                                <m:t>h</m:t>
+                              </m:r>
+                            </m:e>
+                            <m:sup>
+                              <m:r>
+                                <a:rPr lang="en-US" sz="2800" i="1">
+                                  <a:latin typeface="Cambria Math" panose="02040503050406030204" pitchFamily="18" charset="0"/>
+                                </a:rPr>
+                                <m:t>2</m:t>
+                              </m:r>
+                            </m:sup>
+                          </m:sSup>
+                          <m:r>
+                            <a:rPr lang="en-US" sz="2800" i="1">
+                              <a:latin typeface="Cambria Math" panose="02040503050406030204" pitchFamily="18" charset="0"/>
+                            </a:rPr>
+                            <m:t>/</m:t>
+                          </m:r>
+                          <m:r>
+                            <a:rPr lang="en-US" sz="2800" i="1">
+                              <a:latin typeface="Cambria Math" panose="02040503050406030204" pitchFamily="18" charset="0"/>
+                            </a:rPr>
+                            <m:t>2</m:t>
+                          </m:r>
+                          <m:r>
+                            <a:rPr lang="en-US" sz="2800" i="1">
+                              <a:latin typeface="Cambria Math" panose="02040503050406030204" pitchFamily="18" charset="0"/>
+                            </a:rPr>
+                            <m:t>(</m:t>
+                          </m:r>
+                          <m:r>
+                            <a:rPr lang="en-US" sz="2800" i="1">
+                              <a:latin typeface="Cambria Math" panose="02040503050406030204" pitchFamily="18" charset="0"/>
+                            </a:rPr>
+                            <m:t>𝑐</m:t>
+                          </m:r>
+                          <m:sSup>
+                            <m:sSupPr>
+                              <m:ctrlPr>
+                                <a:rPr lang="en-US" sz="2800" i="1">
+                                  <a:latin typeface="Cambria Math" panose="02040503050406030204" pitchFamily="18" charset="0"/>
+                                </a:rPr>
+                              </m:ctrlPr>
+                            </m:sSupPr>
+                            <m:e>
+                              <m:r>
+                                <a:rPr lang="en-US" sz="2800" i="1">
+                                  <a:latin typeface="Cambria Math" panose="02040503050406030204" pitchFamily="18" charset="0"/>
+                                </a:rPr>
+                                <m:t>h</m:t>
+                              </m:r>
+                            </m:e>
+                            <m:sup>
+                              <m:r>
+                                <a:rPr lang="en-US" sz="2800" i="1">
+                                  <a:latin typeface="Cambria Math" panose="02040503050406030204" pitchFamily="18" charset="0"/>
+                                </a:rPr>
+                                <m:t>2</m:t>
+                              </m:r>
+                            </m:sup>
+                          </m:sSup>
+                          <m:r>
+                            <a:rPr lang="en-US" sz="2800" i="1">
+                              <a:latin typeface="Cambria Math" panose="02040503050406030204" pitchFamily="18" charset="0"/>
+                            </a:rPr>
+                            <m:t>+</m:t>
+                          </m:r>
+                          <m:r>
+                            <a:rPr lang="en-US" sz="2800" i="1">
+                              <a:latin typeface="Cambria Math" panose="02040503050406030204" pitchFamily="18" charset="0"/>
+                            </a:rPr>
+                            <m:t>𝑠</m:t>
+                          </m:r>
+                          <m:sSup>
+                            <m:sSupPr>
+                              <m:ctrlPr>
+                                <a:rPr lang="en-US" sz="2800" i="1">
+                                  <a:latin typeface="Cambria Math" panose="02040503050406030204" pitchFamily="18" charset="0"/>
+                                </a:rPr>
+                              </m:ctrlPr>
+                            </m:sSupPr>
+                            <m:e>
+                              <m:r>
+                                <a:rPr lang="en-US" sz="2800" i="1">
+                                  <a:latin typeface="Cambria Math" panose="02040503050406030204" pitchFamily="18" charset="0"/>
+                                </a:rPr>
+                                <m:t>h</m:t>
+                              </m:r>
+                            </m:e>
+                            <m:sup>
+                              <m:r>
+                                <a:rPr lang="en-US" sz="2800" i="1">
+                                  <a:latin typeface="Cambria Math" panose="02040503050406030204" pitchFamily="18" charset="0"/>
+                                </a:rPr>
+                                <m:t>2</m:t>
+                              </m:r>
+                            </m:sup>
+                          </m:sSup>
+                          <m:r>
+                            <a:rPr lang="en-US" sz="2800" i="1">
+                              <a:latin typeface="Cambria Math" panose="02040503050406030204" pitchFamily="18" charset="0"/>
+                            </a:rPr>
+                            <m:t>)</m:t>
+                          </m:r>
+                        </m:e>
+                        <m:e>
+                          <m:r>
+                            <m:rPr>
+                              <m:brk m:alnAt="7"/>
+                            </m:rPr>
+                            <a:rPr lang="en-US" sz="2800" i="1">
+                              <a:latin typeface="Cambria Math" panose="02040503050406030204" pitchFamily="18" charset="0"/>
+                            </a:rPr>
+                            <m:t>𝑠</m:t>
+                          </m:r>
+                          <m:sSup>
+                            <m:sSupPr>
+                              <m:ctrlPr>
+                                <a:rPr lang="en-US" sz="2800" i="1">
+                                  <a:latin typeface="Cambria Math" panose="02040503050406030204" pitchFamily="18" charset="0"/>
+                                </a:rPr>
+                              </m:ctrlPr>
+                            </m:sSupPr>
+                            <m:e>
+                              <m:r>
+                                <a:rPr lang="en-US" sz="2800" i="1">
+                                  <a:latin typeface="Cambria Math" panose="02040503050406030204" pitchFamily="18" charset="0"/>
+                                </a:rPr>
+                                <m:t>h</m:t>
+                              </m:r>
+                            </m:e>
+                            <m:sup>
+                              <m:r>
+                                <a:rPr lang="en-US" sz="2800" i="1">
+                                  <a:latin typeface="Cambria Math" panose="02040503050406030204" pitchFamily="18" charset="0"/>
+                                </a:rPr>
+                                <m:t>2</m:t>
+                              </m:r>
+                            </m:sup>
+                          </m:sSup>
+                          <m:r>
+                            <a:rPr lang="en-US" sz="2800" i="1">
+                              <a:latin typeface="Cambria Math" panose="02040503050406030204" pitchFamily="18" charset="0"/>
+                            </a:rPr>
+                            <m:t>/</m:t>
+                          </m:r>
+                          <m:r>
+                            <a:rPr lang="en-US" sz="2800" i="1">
+                              <a:latin typeface="Cambria Math" panose="02040503050406030204" pitchFamily="18" charset="0"/>
+                            </a:rPr>
+                            <m:t>2</m:t>
+                          </m:r>
+                          <m:r>
+                            <a:rPr lang="en-US" sz="2800" i="1">
+                              <a:latin typeface="Cambria Math" panose="02040503050406030204" pitchFamily="18" charset="0"/>
+                            </a:rPr>
+                            <m:t>(</m:t>
+                          </m:r>
+                          <m:r>
+                            <a:rPr lang="en-US" sz="2800" i="1">
+                              <a:latin typeface="Cambria Math" panose="02040503050406030204" pitchFamily="18" charset="0"/>
+                            </a:rPr>
+                            <m:t>𝑐</m:t>
+                          </m:r>
+                          <m:sSup>
+                            <m:sSupPr>
+                              <m:ctrlPr>
+                                <a:rPr lang="en-US" sz="2800" i="1">
+                                  <a:latin typeface="Cambria Math" panose="02040503050406030204" pitchFamily="18" charset="0"/>
+                                </a:rPr>
+                              </m:ctrlPr>
+                            </m:sSupPr>
+                            <m:e>
+                              <m:r>
+                                <a:rPr lang="en-US" sz="2800" i="1">
+                                  <a:latin typeface="Cambria Math" panose="02040503050406030204" pitchFamily="18" charset="0"/>
+                                </a:rPr>
+                                <m:t>h</m:t>
+                              </m:r>
+                            </m:e>
+                            <m:sup>
+                              <m:r>
+                                <a:rPr lang="en-US" sz="2800" i="1">
+                                  <a:latin typeface="Cambria Math" panose="02040503050406030204" pitchFamily="18" charset="0"/>
+                                </a:rPr>
+                                <m:t>2</m:t>
+                              </m:r>
+                            </m:sup>
+                          </m:sSup>
+                          <m:r>
+                            <a:rPr lang="en-US" sz="2800" i="1">
+                              <a:latin typeface="Cambria Math" panose="02040503050406030204" pitchFamily="18" charset="0"/>
+                            </a:rPr>
+                            <m:t>+</m:t>
+                          </m:r>
+                          <m:r>
+                            <a:rPr lang="en-US" sz="2800" i="1">
+                              <a:latin typeface="Cambria Math" panose="02040503050406030204" pitchFamily="18" charset="0"/>
+                            </a:rPr>
+                            <m:t>𝑠</m:t>
+                          </m:r>
+                          <m:sSup>
+                            <m:sSupPr>
+                              <m:ctrlPr>
+                                <a:rPr lang="en-US" sz="2800" i="1">
+                                  <a:latin typeface="Cambria Math" panose="02040503050406030204" pitchFamily="18" charset="0"/>
+                                </a:rPr>
+                              </m:ctrlPr>
+                            </m:sSupPr>
+                            <m:e>
+                              <m:r>
+                                <a:rPr lang="en-US" sz="2800" i="1">
+                                  <a:latin typeface="Cambria Math" panose="02040503050406030204" pitchFamily="18" charset="0"/>
+                                </a:rPr>
+                                <m:t>h</m:t>
+                              </m:r>
+                            </m:e>
+                            <m:sup>
+                              <m:r>
+                                <a:rPr lang="en-US" sz="2800" i="1">
+                                  <a:latin typeface="Cambria Math" panose="02040503050406030204" pitchFamily="18" charset="0"/>
+                                </a:rPr>
+                                <m:t>2</m:t>
+                              </m:r>
+                            </m:sup>
+                          </m:sSup>
+                          <m:r>
+                            <a:rPr lang="en-US" sz="2800" i="1">
+                              <a:latin typeface="Cambria Math" panose="02040503050406030204" pitchFamily="18" charset="0"/>
+                            </a:rPr>
+                            <m:t>)</m:t>
+                          </m:r>
+                        </m:e>
+                        <m:e/>
+                      </m:mr>
+                      <m:mr>
+                        <m:e/>
+                        <m:e/>
+                        <m:e>
+                          <m:r>
+                            <a:rPr lang="en-US" sz="2800" b="0" i="1" smtClean="0">
+                              <a:latin typeface="Cambria Math" panose="02040503050406030204" pitchFamily="18" charset="0"/>
+                            </a:rPr>
+                            <m:t>𝑐</m:t>
+                          </m:r>
+                          <m:sSup>
+                            <m:sSupPr>
+                              <m:ctrlPr>
+                                <a:rPr lang="en-US" sz="2800" b="0" i="1" smtClean="0">
+                                  <a:latin typeface="Cambria Math" panose="02040503050406030204" pitchFamily="18" charset="0"/>
+                                </a:rPr>
+                              </m:ctrlPr>
+                            </m:sSupPr>
+                            <m:e>
+                              <m:r>
+                                <a:rPr lang="en-US" sz="2800" b="0" i="1" smtClean="0">
+                                  <a:latin typeface="Cambria Math" panose="02040503050406030204" pitchFamily="18" charset="0"/>
+                                </a:rPr>
+                                <m:t>h</m:t>
+                              </m:r>
+                            </m:e>
+                            <m:sup>
+                              <m:r>
+                                <a:rPr lang="en-US" sz="2800" b="0" i="1" smtClean="0">
+                                  <a:latin typeface="Cambria Math" panose="02040503050406030204" pitchFamily="18" charset="0"/>
+                                </a:rPr>
+                                <m:t>2</m:t>
+                              </m:r>
+                            </m:sup>
+                          </m:sSup>
+                          <m:r>
+                            <a:rPr lang="en-US" sz="2800" b="0" i="1" smtClean="0">
+                              <a:latin typeface="Cambria Math" panose="02040503050406030204" pitchFamily="18" charset="0"/>
+                            </a:rPr>
+                            <m:t>/(</m:t>
+                          </m:r>
+                          <m:r>
+                            <a:rPr lang="en-US" sz="2800" b="0" i="1" smtClean="0">
+                              <a:latin typeface="Cambria Math" panose="02040503050406030204" pitchFamily="18" charset="0"/>
+                            </a:rPr>
+                            <m:t>𝑐</m:t>
+                          </m:r>
+                          <m:sSup>
+                            <m:sSupPr>
+                              <m:ctrlPr>
+                                <a:rPr lang="en-US" sz="2800" b="0" i="1" smtClean="0">
+                                  <a:latin typeface="Cambria Math" panose="02040503050406030204" pitchFamily="18" charset="0"/>
+                                </a:rPr>
+                              </m:ctrlPr>
+                            </m:sSupPr>
+                            <m:e>
+                              <m:r>
+                                <a:rPr lang="en-US" sz="2800" b="0" i="1" smtClean="0">
+                                  <a:latin typeface="Cambria Math" panose="02040503050406030204" pitchFamily="18" charset="0"/>
+                                </a:rPr>
+                                <m:t>h</m:t>
+                              </m:r>
+                            </m:e>
+                            <m:sup>
+                              <m:r>
+                                <a:rPr lang="en-US" sz="2800" b="0" i="1" smtClean="0">
+                                  <a:latin typeface="Cambria Math" panose="02040503050406030204" pitchFamily="18" charset="0"/>
+                                </a:rPr>
+                                <m:t>2</m:t>
+                              </m:r>
+                            </m:sup>
+                          </m:sSup>
+                          <m:r>
+                            <a:rPr lang="en-US" sz="2800" b="0" i="1" smtClean="0">
+                              <a:latin typeface="Cambria Math" panose="02040503050406030204" pitchFamily="18" charset="0"/>
+                            </a:rPr>
+                            <m:t>+</m:t>
+                          </m:r>
+                          <m:r>
+                            <a:rPr lang="en-US" sz="2800" b="0" i="1" smtClean="0">
+                              <a:latin typeface="Cambria Math" panose="02040503050406030204" pitchFamily="18" charset="0"/>
+                            </a:rPr>
+                            <m:t>𝑠</m:t>
+                          </m:r>
+                          <m:sSup>
+                            <m:sSupPr>
+                              <m:ctrlPr>
+                                <a:rPr lang="en-US" sz="2800" b="0" i="1" smtClean="0">
+                                  <a:latin typeface="Cambria Math" panose="02040503050406030204" pitchFamily="18" charset="0"/>
+                                </a:rPr>
+                              </m:ctrlPr>
+                            </m:sSupPr>
+                            <m:e>
+                              <m:r>
+                                <a:rPr lang="en-US" sz="2800" b="0" i="1" smtClean="0">
+                                  <a:latin typeface="Cambria Math" panose="02040503050406030204" pitchFamily="18" charset="0"/>
+                                </a:rPr>
+                                <m:t>h</m:t>
+                              </m:r>
+                            </m:e>
+                            <m:sup>
+                              <m:r>
+                                <a:rPr lang="en-US" sz="2800" b="0" i="1" smtClean="0">
+                                  <a:latin typeface="Cambria Math" panose="02040503050406030204" pitchFamily="18" charset="0"/>
+                                </a:rPr>
+                                <m:t>2</m:t>
+                              </m:r>
+                            </m:sup>
+                          </m:sSup>
+                          <m:r>
+                            <a:rPr lang="en-US" sz="2800" b="0" i="1" smtClean="0">
+                              <a:latin typeface="Cambria Math" panose="02040503050406030204" pitchFamily="18" charset="0"/>
+                            </a:rPr>
+                            <m:t>)</m:t>
+                          </m:r>
+                        </m:e>
+                      </m:mr>
+                    </m:m>
+                  </m:oMath>
+                </a14:m>
+                <a:endParaRPr lang="en-US" sz="2800" dirty="0"/>
+              </a:p>
+              <a:p>
+                <a:r>
+                  <a:rPr lang="en-US" sz="2800" dirty="0"/>
+                  <a:t>i.e., mixed state of c and |a&gt;+|b&gt; </a:t>
+                </a:r>
+              </a:p>
+            </p:txBody>
+          </p:sp>
+        </mc:Choice>
+        <mc:Fallback>
+          <p:sp>
+            <p:nvSpPr>
+              <p:cNvPr id="3" name="TextBox 2">
+                <a:extLst>
+                  <a:ext uri="{FF2B5EF4-FFF2-40B4-BE49-F238E27FC236}">
+                    <a16:creationId xmlns:a16="http://schemas.microsoft.com/office/drawing/2014/main" id="{E540FA91-4BF6-4A2A-BB3B-5DE238C8AF72}"/>
+                  </a:ext>
+                </a:extLst>
+              </p:cNvPr>
+              <p:cNvSpPr txBox="1">
+                <a:spLocks noRot="1" noChangeAspect="1" noMove="1" noResize="1" noEditPoints="1" noAdjustHandles="1" noChangeArrowheads="1" noChangeShapeType="1" noTextEdit="1"/>
+              </p:cNvSpPr>
+              <p:nvPr/>
+            </p:nvSpPr>
+            <p:spPr>
+              <a:xfrm>
+                <a:off x="515270" y="957862"/>
+                <a:ext cx="10835035" cy="6361485"/>
+              </a:xfrm>
+              <a:prstGeom prst="rect">
+                <a:avLst/>
+              </a:prstGeom>
+              <a:blipFill>
+                <a:blip r:embed="rId2"/>
+                <a:stretch>
+                  <a:fillRect l="-1182" t="-862" r="-1913" b="-1724"/>
+                </a:stretch>
+              </a:blipFill>
+            </p:spPr>
+            <p:txBody>
+              <a:bodyPr/>
+              <a:lstStyle/>
+              <a:p>
+                <a:r>
+                  <a:rPr lang="en-US">
+                    <a:noFill/>
+                  </a:rPr>
+                  <a:t> </a:t>
+                </a:r>
+              </a:p>
+            </p:txBody>
+          </p:sp>
+        </mc:Fallback>
+      </mc:AlternateContent>
+      <p:sp>
+        <p:nvSpPr>
+          <p:cNvPr id="5" name="TextBox 4">
+            <a:extLst>
+              <a:ext uri="{FF2B5EF4-FFF2-40B4-BE49-F238E27FC236}">
+                <a16:creationId xmlns:a16="http://schemas.microsoft.com/office/drawing/2014/main" id="{C6904B07-D254-4960-A5B7-DB69CC717B73}"/>
+              </a:ext>
+            </a:extLst>
+          </p:cNvPr>
+          <p:cNvSpPr txBox="1"/>
+          <p:nvPr/>
+        </p:nvSpPr>
+        <p:spPr>
+          <a:xfrm>
+            <a:off x="4110527" y="196554"/>
+            <a:ext cx="2735557" cy="830997"/>
+          </a:xfrm>
+          <a:prstGeom prst="rect">
+            <a:avLst/>
+          </a:prstGeom>
+          <a:noFill/>
+        </p:spPr>
+        <p:txBody>
+          <a:bodyPr wrap="none" rtlCol="0">
+            <a:spAutoFit/>
+          </a:bodyPr>
+          <a:lstStyle/>
+          <a:p>
+            <a:r>
+              <a:rPr lang="en-US" sz="4800" dirty="0"/>
+              <a:t>Final state</a:t>
+            </a:r>
+          </a:p>
+        </p:txBody>
+      </p:sp>
+    </p:spTree>
+    <p:extLst>
+      <p:ext uri="{BB962C8B-B14F-4D97-AF65-F5344CB8AC3E}">
+        <p14:creationId xmlns:p14="http://schemas.microsoft.com/office/powerpoint/2010/main" val="40500817"/>
+      </p:ext>
+    </p:extLst>
+  </p:cSld>
+  <p:clrMapOvr>
+    <a:masterClrMapping/>
+  </p:clrMapOvr>
+</p:sld>
+</file>
+
+<file path=ppt/slides/slide5.xml><?xml version="1.0" encoding="utf-8"?>
 <p:sld xmlns:a="http://schemas.openxmlformats.org/drawingml/2006/main" xmlns:r="http://schemas.openxmlformats.org/officeDocument/2006/relationships" xmlns:p="http://schemas.openxmlformats.org/presentationml/2006/main">
   <p:cSld>
     <p:spTree>
@@ -6434,66 +9874,6 @@
     <p:extLst>
       <p:ext uri="{BB962C8B-B14F-4D97-AF65-F5344CB8AC3E}">
         <p14:creationId xmlns:p14="http://schemas.microsoft.com/office/powerpoint/2010/main" val="2227723480"/>
-      </p:ext>
-    </p:extLst>
-  </p:cSld>
-  <p:clrMapOvr>
-    <a:masterClrMapping/>
-  </p:clrMapOvr>
-</p:sld>
-</file>
-
-<file path=ppt/slides/slide4.xml><?xml version="1.0" encoding="utf-8"?>
-<p:sld xmlns:a="http://schemas.openxmlformats.org/drawingml/2006/main" xmlns:r="http://schemas.openxmlformats.org/officeDocument/2006/relationships" xmlns:p="http://schemas.openxmlformats.org/presentationml/2006/main">
-  <p:cSld>
-    <p:spTree>
-      <p:nvGrpSpPr>
-        <p:cNvPr id="1" name=""/>
-        <p:cNvGrpSpPr/>
-        <p:nvPr/>
-      </p:nvGrpSpPr>
-      <p:grpSpPr>
-        <a:xfrm>
-          <a:off x="0" y="0"/>
-          <a:ext cx="0" cy="0"/>
-          <a:chOff x="0" y="0"/>
-          <a:chExt cx="0" cy="0"/>
-        </a:xfrm>
-      </p:grpSpPr>
-    </p:spTree>
-    <p:extLst>
-      <p:ext uri="{BB962C8B-B14F-4D97-AF65-F5344CB8AC3E}">
-        <p14:creationId xmlns:p14="http://schemas.microsoft.com/office/powerpoint/2010/main" val="1954148173"/>
-      </p:ext>
-    </p:extLst>
-  </p:cSld>
-  <p:clrMapOvr>
-    <a:masterClrMapping/>
-  </p:clrMapOvr>
-</p:sld>
-</file>
-
-<file path=ppt/slides/slide5.xml><?xml version="1.0" encoding="utf-8"?>
-<p:sld xmlns:a="http://schemas.openxmlformats.org/drawingml/2006/main" xmlns:r="http://schemas.openxmlformats.org/officeDocument/2006/relationships" xmlns:p="http://schemas.openxmlformats.org/presentationml/2006/main">
-  <p:cSld>
-    <p:spTree>
-      <p:nvGrpSpPr>
-        <p:cNvPr id="1" name=""/>
-        <p:cNvGrpSpPr/>
-        <p:nvPr/>
-      </p:nvGrpSpPr>
-      <p:grpSpPr>
-        <a:xfrm>
-          <a:off x="0" y="0"/>
-          <a:ext cx="0" cy="0"/>
-          <a:chOff x="0" y="0"/>
-          <a:chExt cx="0" cy="0"/>
-        </a:xfrm>
-      </p:grpSpPr>
-    </p:spTree>
-    <p:extLst>
-      <p:ext uri="{BB962C8B-B14F-4D97-AF65-F5344CB8AC3E}">
-        <p14:creationId xmlns:p14="http://schemas.microsoft.com/office/powerpoint/2010/main" val="2300569082"/>
       </p:ext>
     </p:extLst>
   </p:cSld>

--- a/3-level.pptx
+++ b/3-level.pptx
@@ -9,7 +9,9 @@
     <p:sldId id="261" r:id="rId3"/>
     <p:sldId id="263" r:id="rId4"/>
     <p:sldId id="264" r:id="rId5"/>
-    <p:sldId id="258" r:id="rId6"/>
+    <p:sldId id="266" r:id="rId6"/>
+    <p:sldId id="265" r:id="rId7"/>
+    <p:sldId id="258" r:id="rId8"/>
   </p:sldIdLst>
   <p:sldSz cx="12192000" cy="6858000"/>
   <p:notesSz cx="6858000" cy="9144000"/>
@@ -263,7 +265,7 @@
           <a:p>
             <a:fld id="{540C0B17-285F-4B24-A15E-231AC8C41BCD}" type="datetimeFigureOut">
               <a:rPr lang="en-US" smtClean="0"/>
-              <a:t>8/6/2018</a:t>
+              <a:t>8/8/2018</a:t>
             </a:fld>
             <a:endParaRPr lang="en-US"/>
           </a:p>
@@ -461,7 +463,7 @@
           <a:p>
             <a:fld id="{540C0B17-285F-4B24-A15E-231AC8C41BCD}" type="datetimeFigureOut">
               <a:rPr lang="en-US" smtClean="0"/>
-              <a:t>8/6/2018</a:t>
+              <a:t>8/8/2018</a:t>
             </a:fld>
             <a:endParaRPr lang="en-US"/>
           </a:p>
@@ -669,7 +671,7 @@
           <a:p>
             <a:fld id="{540C0B17-285F-4B24-A15E-231AC8C41BCD}" type="datetimeFigureOut">
               <a:rPr lang="en-US" smtClean="0"/>
-              <a:t>8/6/2018</a:t>
+              <a:t>8/8/2018</a:t>
             </a:fld>
             <a:endParaRPr lang="en-US"/>
           </a:p>
@@ -867,7 +869,7 @@
           <a:p>
             <a:fld id="{540C0B17-285F-4B24-A15E-231AC8C41BCD}" type="datetimeFigureOut">
               <a:rPr lang="en-US" smtClean="0"/>
-              <a:t>8/6/2018</a:t>
+              <a:t>8/8/2018</a:t>
             </a:fld>
             <a:endParaRPr lang="en-US"/>
           </a:p>
@@ -1142,7 +1144,7 @@
           <a:p>
             <a:fld id="{540C0B17-285F-4B24-A15E-231AC8C41BCD}" type="datetimeFigureOut">
               <a:rPr lang="en-US" smtClean="0"/>
-              <a:t>8/6/2018</a:t>
+              <a:t>8/8/2018</a:t>
             </a:fld>
             <a:endParaRPr lang="en-US"/>
           </a:p>
@@ -1407,7 +1409,7 @@
           <a:p>
             <a:fld id="{540C0B17-285F-4B24-A15E-231AC8C41BCD}" type="datetimeFigureOut">
               <a:rPr lang="en-US" smtClean="0"/>
-              <a:t>8/6/2018</a:t>
+              <a:t>8/8/2018</a:t>
             </a:fld>
             <a:endParaRPr lang="en-US"/>
           </a:p>
@@ -1819,7 +1821,7 @@
           <a:p>
             <a:fld id="{540C0B17-285F-4B24-A15E-231AC8C41BCD}" type="datetimeFigureOut">
               <a:rPr lang="en-US" smtClean="0"/>
-              <a:t>8/6/2018</a:t>
+              <a:t>8/8/2018</a:t>
             </a:fld>
             <a:endParaRPr lang="en-US"/>
           </a:p>
@@ -1960,7 +1962,7 @@
           <a:p>
             <a:fld id="{540C0B17-285F-4B24-A15E-231AC8C41BCD}" type="datetimeFigureOut">
               <a:rPr lang="en-US" smtClean="0"/>
-              <a:t>8/6/2018</a:t>
+              <a:t>8/8/2018</a:t>
             </a:fld>
             <a:endParaRPr lang="en-US"/>
           </a:p>
@@ -2073,7 +2075,7 @@
           <a:p>
             <a:fld id="{540C0B17-285F-4B24-A15E-231AC8C41BCD}" type="datetimeFigureOut">
               <a:rPr lang="en-US" smtClean="0"/>
-              <a:t>8/6/2018</a:t>
+              <a:t>8/8/2018</a:t>
             </a:fld>
             <a:endParaRPr lang="en-US"/>
           </a:p>
@@ -2384,7 +2386,7 @@
           <a:p>
             <a:fld id="{540C0B17-285F-4B24-A15E-231AC8C41BCD}" type="datetimeFigureOut">
               <a:rPr lang="en-US" smtClean="0"/>
-              <a:t>8/6/2018</a:t>
+              <a:t>8/8/2018</a:t>
             </a:fld>
             <a:endParaRPr lang="en-US"/>
           </a:p>
@@ -2672,7 +2674,7 @@
           <a:p>
             <a:fld id="{540C0B17-285F-4B24-A15E-231AC8C41BCD}" type="datetimeFigureOut">
               <a:rPr lang="en-US" smtClean="0"/>
-              <a:t>8/6/2018</a:t>
+              <a:t>8/8/2018</a:t>
             </a:fld>
             <a:endParaRPr lang="en-US"/>
           </a:p>
@@ -2913,7 +2915,7 @@
           <a:p>
             <a:fld id="{540C0B17-285F-4B24-A15E-231AC8C41BCD}" type="datetimeFigureOut">
               <a:rPr lang="en-US" smtClean="0"/>
-              <a:t>8/6/2018</a:t>
+              <a:t>8/8/2018</a:t>
             </a:fld>
             <a:endParaRPr lang="en-US"/>
           </a:p>
@@ -4096,8 +4098,8 @@
           </p:sp>
         </mc:Fallback>
       </mc:AlternateContent>
-      <mc:AlternateContent xmlns:mc="http://schemas.openxmlformats.org/markup-compatibility/2006">
-        <mc:Choice xmlns:a14="http://schemas.microsoft.com/office/drawing/2010/main" Requires="a14">
+      <mc:AlternateContent xmlns:mc="http://schemas.openxmlformats.org/markup-compatibility/2006" xmlns:a14="http://schemas.microsoft.com/office/drawing/2010/main">
+        <mc:Choice Requires="a14">
           <p:sp>
             <p:nvSpPr>
               <p:cNvPr id="23" name="TextBox 22">
@@ -4430,7 +4432,7 @@
             </p:txBody>
           </p:sp>
         </mc:Choice>
-        <mc:Fallback>
+        <mc:Fallback xmlns="">
           <p:sp>
             <p:nvSpPr>
               <p:cNvPr id="23" name="TextBox 22">
@@ -4475,8 +4477,8 @@
           </p:sp>
         </mc:Fallback>
       </mc:AlternateContent>
-      <mc:AlternateContent xmlns:mc="http://schemas.openxmlformats.org/markup-compatibility/2006">
-        <mc:Choice xmlns:a14="http://schemas.microsoft.com/office/drawing/2010/main" Requires="a14">
+      <mc:AlternateContent xmlns:mc="http://schemas.openxmlformats.org/markup-compatibility/2006" xmlns:a14="http://schemas.microsoft.com/office/drawing/2010/main">
+        <mc:Choice Requires="a14">
           <p:sp>
             <p:nvSpPr>
               <p:cNvPr id="26" name="TextBox 25">
@@ -5357,7 +5359,7 @@
             </p:txBody>
           </p:sp>
         </mc:Choice>
-        <mc:Fallback>
+        <mc:Fallback xmlns="">
           <p:sp>
             <p:nvSpPr>
               <p:cNvPr id="26" name="TextBox 25">
@@ -6624,8 +6626,8 @@
           </a:fontRef>
         </p:style>
       </p:cxnSp>
-      <mc:AlternateContent xmlns:mc="http://schemas.openxmlformats.org/markup-compatibility/2006">
-        <mc:Choice xmlns:a14="http://schemas.microsoft.com/office/drawing/2010/main" Requires="a14">
+      <mc:AlternateContent xmlns:mc="http://schemas.openxmlformats.org/markup-compatibility/2006" xmlns:a14="http://schemas.microsoft.com/office/drawing/2010/main">
+        <mc:Choice Requires="a14">
           <p:sp>
             <p:nvSpPr>
               <p:cNvPr id="14" name="TextBox 13">
@@ -6694,7 +6696,7 @@
             </p:txBody>
           </p:sp>
         </mc:Choice>
-        <mc:Fallback>
+        <mc:Fallback xmlns="">
           <p:sp>
             <p:nvSpPr>
               <p:cNvPr id="14" name="TextBox 13">
@@ -6969,8 +6971,8 @@
           </p:sp>
         </mc:Fallback>
       </mc:AlternateContent>
-      <mc:AlternateContent xmlns:mc="http://schemas.openxmlformats.org/markup-compatibility/2006">
-        <mc:Choice xmlns:a14="http://schemas.microsoft.com/office/drawing/2010/main" Requires="a14">
+      <mc:AlternateContent xmlns:mc="http://schemas.openxmlformats.org/markup-compatibility/2006" xmlns:a14="http://schemas.microsoft.com/office/drawing/2010/main">
+        <mc:Choice Requires="a14">
           <p:sp>
             <p:nvSpPr>
               <p:cNvPr id="21" name="TextBox 20">
@@ -7039,7 +7041,7 @@
             </p:txBody>
           </p:sp>
         </mc:Choice>
-        <mc:Fallback>
+        <mc:Fallback xmlns="">
           <p:sp>
             <p:nvSpPr>
               <p:cNvPr id="21" name="TextBox 20">
@@ -7199,8 +7201,8 @@
           </p:sp>
         </mc:Fallback>
       </mc:AlternateContent>
-      <mc:AlternateContent xmlns:mc="http://schemas.openxmlformats.org/markup-compatibility/2006">
-        <mc:Choice xmlns:a14="http://schemas.microsoft.com/office/drawing/2010/main" Requires="a14">
+      <mc:AlternateContent xmlns:mc="http://schemas.openxmlformats.org/markup-compatibility/2006" xmlns:a14="http://schemas.microsoft.com/office/drawing/2010/main">
+        <mc:Choice Requires="a14">
           <p:sp>
             <p:nvSpPr>
               <p:cNvPr id="23" name="TextBox 22">
@@ -7339,7 +7341,7 @@
             </p:txBody>
           </p:sp>
         </mc:Choice>
-        <mc:Fallback>
+        <mc:Fallback xmlns="">
           <p:sp>
             <p:nvSpPr>
               <p:cNvPr id="23" name="TextBox 22">
@@ -8488,8 +8490,8 @@
           <a:chExt cx="0" cy="0"/>
         </a:xfrm>
       </p:grpSpPr>
-      <mc:AlternateContent xmlns:mc="http://schemas.openxmlformats.org/markup-compatibility/2006">
-        <mc:Choice xmlns:a14="http://schemas.microsoft.com/office/drawing/2010/main" Requires="a14">
+      <mc:AlternateContent xmlns:mc="http://schemas.openxmlformats.org/markup-compatibility/2006" xmlns:a14="http://schemas.microsoft.com/office/drawing/2010/main">
+        <mc:Choice Requires="a14">
           <p:sp>
             <p:nvSpPr>
               <p:cNvPr id="3" name="TextBox 2">
@@ -8702,25 +8704,7 @@
                             <a:rPr lang="en-US" sz="2800" i="1">
                               <a:latin typeface="Cambria Math" panose="02040503050406030204" pitchFamily="18" charset="0"/>
                             </a:rPr>
-                            <m:t>/(</m:t>
-                          </m:r>
-                          <m:r>
-                            <a:rPr lang="en-US" sz="2800" i="1">
-                              <a:latin typeface="Cambria Math" panose="02040503050406030204" pitchFamily="18" charset="0"/>
-                            </a:rPr>
-                            <m:t>1</m:t>
-                          </m:r>
-                          <m:r>
-                            <a:rPr lang="en-US" sz="2800" i="1">
-                              <a:latin typeface="Cambria Math" panose="02040503050406030204" pitchFamily="18" charset="0"/>
-                            </a:rPr>
-                            <m:t>+</m:t>
-                          </m:r>
-                          <m:r>
-                            <a:rPr lang="en-US" sz="2800" i="1">
-                              <a:latin typeface="Cambria Math" panose="02040503050406030204" pitchFamily="18" charset="0"/>
-                            </a:rPr>
-                            <m:t>3</m:t>
+                            <m:t>/(1+3</m:t>
                           </m:r>
                           <m:r>
                             <a:rPr lang="en-US" sz="2800" i="1">
@@ -9088,19 +9072,7 @@
                             <a:rPr lang="en-US" sz="2800" i="1">
                               <a:latin typeface="Cambria Math" panose="02040503050406030204" pitchFamily="18" charset="0"/>
                             </a:rPr>
-                            <m:t>/</m:t>
-                          </m:r>
-                          <m:r>
-                            <a:rPr lang="en-US" sz="2800" i="1">
-                              <a:latin typeface="Cambria Math" panose="02040503050406030204" pitchFamily="18" charset="0"/>
-                            </a:rPr>
-                            <m:t>2</m:t>
-                          </m:r>
-                          <m:r>
-                            <a:rPr lang="en-US" sz="2800" i="1">
-                              <a:latin typeface="Cambria Math" panose="02040503050406030204" pitchFamily="18" charset="0"/>
-                            </a:rPr>
-                            <m:t>(</m:t>
+                            <m:t>/2(</m:t>
                           </m:r>
                           <m:r>
                             <a:rPr lang="en-US" sz="2800" i="1">
@@ -9219,19 +9191,7 @@
                             <a:rPr lang="en-US" sz="2800" i="1">
                               <a:latin typeface="Cambria Math" panose="02040503050406030204" pitchFamily="18" charset="0"/>
                             </a:rPr>
-                            <m:t>/</m:t>
-                          </m:r>
-                          <m:r>
-                            <a:rPr lang="en-US" sz="2800" i="1">
-                              <a:latin typeface="Cambria Math" panose="02040503050406030204" pitchFamily="18" charset="0"/>
-                            </a:rPr>
-                            <m:t>2</m:t>
-                          </m:r>
-                          <m:r>
-                            <a:rPr lang="en-US" sz="2800" i="1">
-                              <a:latin typeface="Cambria Math" panose="02040503050406030204" pitchFamily="18" charset="0"/>
-                            </a:rPr>
-                            <m:t>(</m:t>
+                            <m:t>/2(</m:t>
                           </m:r>
                           <m:r>
                             <a:rPr lang="en-US" sz="2800" i="1">
@@ -9347,19 +9307,7 @@
                             <a:rPr lang="en-US" sz="2800" i="1">
                               <a:latin typeface="Cambria Math" panose="02040503050406030204" pitchFamily="18" charset="0"/>
                             </a:rPr>
-                            <m:t>/</m:t>
-                          </m:r>
-                          <m:r>
-                            <a:rPr lang="en-US" sz="2800" i="1">
-                              <a:latin typeface="Cambria Math" panose="02040503050406030204" pitchFamily="18" charset="0"/>
-                            </a:rPr>
-                            <m:t>2</m:t>
-                          </m:r>
-                          <m:r>
-                            <a:rPr lang="en-US" sz="2800" i="1">
-                              <a:latin typeface="Cambria Math" panose="02040503050406030204" pitchFamily="18" charset="0"/>
-                            </a:rPr>
-                            <m:t>(</m:t>
+                            <m:t>/2(</m:t>
                           </m:r>
                           <m:r>
                             <a:rPr lang="en-US" sz="2800" i="1">
@@ -9569,7 +9517,7 @@
             </p:txBody>
           </p:sp>
         </mc:Choice>
-        <mc:Fallback>
+        <mc:Fallback xmlns="">
           <p:sp>
             <p:nvSpPr>
               <p:cNvPr id="3" name="TextBox 2">
@@ -9663,6 +9611,2288 @@
 </file>
 
 <file path=ppt/slides/slide5.xml><?xml version="1.0" encoding="utf-8"?>
+<p:sld xmlns:a="http://schemas.openxmlformats.org/drawingml/2006/main" xmlns:r="http://schemas.openxmlformats.org/officeDocument/2006/relationships" xmlns:p="http://schemas.openxmlformats.org/presentationml/2006/main">
+  <p:cSld>
+    <p:spTree>
+      <p:nvGrpSpPr>
+        <p:cNvPr id="1" name=""/>
+        <p:cNvGrpSpPr/>
+        <p:nvPr/>
+      </p:nvGrpSpPr>
+      <p:grpSpPr>
+        <a:xfrm>
+          <a:off x="0" y="0"/>
+          <a:ext cx="0" cy="0"/>
+          <a:chOff x="0" y="0"/>
+          <a:chExt cx="0" cy="0"/>
+        </a:xfrm>
+      </p:grpSpPr>
+      <p:sp>
+        <p:nvSpPr>
+          <p:cNvPr id="2" name="Title 1">
+            <a:extLst>
+              <a:ext uri="{FF2B5EF4-FFF2-40B4-BE49-F238E27FC236}">
+                <a16:creationId xmlns:a16="http://schemas.microsoft.com/office/drawing/2014/main" id="{439BE43A-EDC6-440A-8E76-B587AB82BEA7}"/>
+              </a:ext>
+            </a:extLst>
+          </p:cNvPr>
+          <p:cNvSpPr>
+            <a:spLocks noGrp="1"/>
+          </p:cNvSpPr>
+          <p:nvPr>
+            <p:ph type="title"/>
+          </p:nvPr>
+        </p:nvSpPr>
+        <p:spPr/>
+        <p:txBody>
+          <a:bodyPr/>
+          <a:lstStyle/>
+          <a:p>
+            <a:endParaRPr lang="en-US"/>
+          </a:p>
+        </p:txBody>
+      </p:sp>
+      <p:graphicFrame>
+        <p:nvGraphicFramePr>
+          <p:cNvPr id="4" name="Content Placeholder 3">
+            <a:extLst>
+              <a:ext uri="{FF2B5EF4-FFF2-40B4-BE49-F238E27FC236}">
+                <a16:creationId xmlns:a16="http://schemas.microsoft.com/office/drawing/2014/main" id="{C6F8E5CA-B8E0-4E55-B366-BEE07623C12F}"/>
+              </a:ext>
+            </a:extLst>
+          </p:cNvPr>
+          <p:cNvGraphicFramePr>
+            <a:graphicFrameLocks noGrp="1"/>
+          </p:cNvGraphicFramePr>
+          <p:nvPr>
+            <p:ph idx="1"/>
+            <p:extLst>
+              <p:ext uri="{D42A27DB-BD31-4B8C-83A1-F6EECF244321}">
+                <p14:modId xmlns:p14="http://schemas.microsoft.com/office/powerpoint/2010/main" val="3222800067"/>
+              </p:ext>
+            </p:extLst>
+          </p:nvPr>
+        </p:nvGraphicFramePr>
+        <p:xfrm>
+          <a:off x="838200" y="1825625"/>
+          <a:ext cx="3238850" cy="731520"/>
+        </p:xfrm>
+        <a:graphic>
+          <a:graphicData uri="http://schemas.openxmlformats.org/drawingml/2006/table">
+            <a:tbl>
+              <a:tblPr firstRow="1" bandRow="1">
+                <a:tableStyleId>{5940675A-B579-460E-94D1-54222C63F5DA}</a:tableStyleId>
+              </a:tblPr>
+              <a:tblGrid>
+                <a:gridCol w="1619425">
+                  <a:extLst>
+                    <a:ext uri="{9D8B030D-6E8A-4147-A177-3AD203B41FA5}">
+                      <a16:colId xmlns:a16="http://schemas.microsoft.com/office/drawing/2014/main" val="3005177339"/>
+                    </a:ext>
+                  </a:extLst>
+                </a:gridCol>
+                <a:gridCol w="1619425">
+                  <a:extLst>
+                    <a:ext uri="{9D8B030D-6E8A-4147-A177-3AD203B41FA5}">
+                      <a16:colId xmlns:a16="http://schemas.microsoft.com/office/drawing/2014/main" val="3953555935"/>
+                    </a:ext>
+                  </a:extLst>
+                </a:gridCol>
+              </a:tblGrid>
+              <a:tr h="236479">
+                <a:tc>
+                  <a:txBody>
+                    <a:bodyPr/>
+                    <a:lstStyle/>
+                    <a:p>
+                      <a:r>
+                        <a:rPr lang="en-US" dirty="0"/>
+                        <a:t>Cos(2ri)</a:t>
+                      </a:r>
+                    </a:p>
+                  </a:txBody>
+                  <a:tcPr/>
+                </a:tc>
+                <a:tc>
+                  <a:txBody>
+                    <a:bodyPr/>
+                    <a:lstStyle/>
+                    <a:p>
+                      <a:r>
+                        <a:rPr lang="en-US" dirty="0"/>
+                        <a:t>Cos(</a:t>
+                      </a:r>
+                      <a:r>
+                        <a:rPr lang="en-US" dirty="0" err="1"/>
+                        <a:t>ri+rj</a:t>
+                      </a:r>
+                      <a:r>
+                        <a:rPr lang="en-US" dirty="0"/>
+                        <a:t>)</a:t>
+                      </a:r>
+                    </a:p>
+                  </a:txBody>
+                  <a:tcPr/>
+                </a:tc>
+                <a:extLst>
+                  <a:ext uri="{0D108BD9-81ED-4DB2-BD59-A6C34878D82A}">
+                    <a16:rowId xmlns:a16="http://schemas.microsoft.com/office/drawing/2014/main" val="3624501296"/>
+                  </a:ext>
+                </a:extLst>
+              </a:tr>
+              <a:tr h="236479">
+                <a:tc>
+                  <a:txBody>
+                    <a:bodyPr/>
+                    <a:lstStyle/>
+                    <a:p>
+                      <a:r>
+                        <a:rPr lang="en-US" dirty="0"/>
+                        <a:t>1</a:t>
+                      </a:r>
+                    </a:p>
+                  </a:txBody>
+                  <a:tcPr/>
+                </a:tc>
+                <a:tc>
+                  <a:txBody>
+                    <a:bodyPr/>
+                    <a:lstStyle/>
+                    <a:p>
+                      <a:r>
+                        <a:rPr lang="en-US" dirty="0"/>
+                        <a:t>Cos(</a:t>
+                      </a:r>
+                      <a:r>
+                        <a:rPr lang="en-US" dirty="0" err="1"/>
+                        <a:t>ri-rj</a:t>
+                      </a:r>
+                      <a:r>
+                        <a:rPr lang="en-US" dirty="0"/>
+                        <a:t>)</a:t>
+                      </a:r>
+                    </a:p>
+                  </a:txBody>
+                  <a:tcPr/>
+                </a:tc>
+                <a:extLst>
+                  <a:ext uri="{0D108BD9-81ED-4DB2-BD59-A6C34878D82A}">
+                    <a16:rowId xmlns:a16="http://schemas.microsoft.com/office/drawing/2014/main" val="3145824418"/>
+                  </a:ext>
+                </a:extLst>
+              </a:tr>
+            </a:tbl>
+          </a:graphicData>
+        </a:graphic>
+      </p:graphicFrame>
+      <mc:AlternateContent xmlns:mc="http://schemas.openxmlformats.org/markup-compatibility/2006">
+        <mc:Choice xmlns:a14="http://schemas.microsoft.com/office/drawing/2010/main" Requires="a14">
+          <p:sp>
+            <p:nvSpPr>
+              <p:cNvPr id="5" name="TextBox 4">
+                <a:extLst>
+                  <a:ext uri="{FF2B5EF4-FFF2-40B4-BE49-F238E27FC236}">
+                    <a16:creationId xmlns:a16="http://schemas.microsoft.com/office/drawing/2014/main" id="{45BDAFCD-E99B-49AD-B260-3C1818E6A443}"/>
+                  </a:ext>
+                </a:extLst>
+              </p:cNvPr>
+              <p:cNvSpPr txBox="1"/>
+              <p:nvPr/>
+            </p:nvSpPr>
+            <p:spPr>
+              <a:xfrm>
+                <a:off x="838200" y="3061982"/>
+                <a:ext cx="5215915" cy="461473"/>
+              </a:xfrm>
+              <a:prstGeom prst="rect">
+                <a:avLst/>
+              </a:prstGeom>
+              <a:noFill/>
+            </p:spPr>
+            <p:txBody>
+              <a:bodyPr wrap="none" rtlCol="0">
+                <a:spAutoFit/>
+              </a:bodyPr>
+              <a:lstStyle/>
+              <a:p>
+                <a:r>
+                  <a:rPr lang="en-US" dirty="0"/>
+                  <a:t>1, </a:t>
+                </a:r>
+                <a14:m>
+                  <m:oMath xmlns:m="http://schemas.openxmlformats.org/officeDocument/2006/math">
+                    <m:sSubSup>
+                      <m:sSubSupPr>
+                        <m:ctrlPr>
+                          <a:rPr lang="en-US" b="0" i="1" smtClean="0">
+                            <a:latin typeface="Cambria Math" panose="02040503050406030204" pitchFamily="18" charset="0"/>
+                          </a:rPr>
+                        </m:ctrlPr>
+                      </m:sSubSupPr>
+                      <m:e>
+                        <m:r>
+                          <a:rPr lang="en-US" b="0" i="1" smtClean="0">
+                            <a:latin typeface="Cambria Math" panose="02040503050406030204" pitchFamily="18" charset="0"/>
+                          </a:rPr>
+                          <m:t>𝛾</m:t>
+                        </m:r>
+                      </m:e>
+                      <m:sub>
+                        <m:r>
+                          <a:rPr lang="en-US" b="0" i="1" smtClean="0">
+                            <a:latin typeface="Cambria Math" panose="02040503050406030204" pitchFamily="18" charset="0"/>
+                          </a:rPr>
+                          <m:t>𝑖𝑖</m:t>
+                        </m:r>
+                      </m:sub>
+                      <m:sup>
+                        <m:r>
+                          <a:rPr lang="en-US" b="0" i="1" smtClean="0">
+                            <a:latin typeface="Cambria Math" panose="02040503050406030204" pitchFamily="18" charset="0"/>
+                          </a:rPr>
+                          <m:t>′</m:t>
+                        </m:r>
+                      </m:sup>
+                    </m:sSubSup>
+                    <m:r>
+                      <a:rPr lang="en-US" b="0" i="1" smtClean="0">
+                        <a:latin typeface="Cambria Math" panose="02040503050406030204" pitchFamily="18" charset="0"/>
+                      </a:rPr>
+                      <m:t>=0→</m:t>
+                    </m:r>
+                    <m:sSub>
+                      <m:sSubPr>
+                        <m:ctrlPr>
+                          <a:rPr lang="en-US" b="0" i="1" smtClean="0">
+                            <a:latin typeface="Cambria Math" panose="02040503050406030204" pitchFamily="18" charset="0"/>
+                          </a:rPr>
+                        </m:ctrlPr>
+                      </m:sSubPr>
+                      <m:e>
+                        <m:r>
+                          <a:rPr lang="en-US" b="0" i="1" smtClean="0">
+                            <a:latin typeface="Cambria Math" panose="02040503050406030204" pitchFamily="18" charset="0"/>
+                          </a:rPr>
+                          <m:t>𝑟</m:t>
+                        </m:r>
+                      </m:e>
+                      <m:sub>
+                        <m:r>
+                          <a:rPr lang="en-US" b="0" i="1" smtClean="0">
+                            <a:latin typeface="Cambria Math" panose="02040503050406030204" pitchFamily="18" charset="0"/>
+                          </a:rPr>
+                          <m:t>𝑖</m:t>
+                        </m:r>
+                      </m:sub>
+                    </m:sSub>
+                    <m:r>
+                      <a:rPr lang="en-US" b="0" i="1" smtClean="0">
+                        <a:latin typeface="Cambria Math" panose="02040503050406030204" pitchFamily="18" charset="0"/>
+                      </a:rPr>
+                      <m:t>=</m:t>
+                    </m:r>
+                    <m:f>
+                      <m:fPr>
+                        <m:ctrlPr>
+                          <a:rPr lang="en-US" b="0" i="1" smtClean="0">
+                            <a:latin typeface="Cambria Math" panose="02040503050406030204" pitchFamily="18" charset="0"/>
+                          </a:rPr>
+                        </m:ctrlPr>
+                      </m:fPr>
+                      <m:num>
+                        <m:r>
+                          <a:rPr lang="en-US" b="0" i="1" smtClean="0">
+                            <a:latin typeface="Cambria Math" panose="02040503050406030204" pitchFamily="18" charset="0"/>
+                          </a:rPr>
+                          <m:t>𝜋</m:t>
+                        </m:r>
+                      </m:num>
+                      <m:den>
+                        <m:r>
+                          <a:rPr lang="en-US" b="0" i="1" smtClean="0">
+                            <a:latin typeface="Cambria Math" panose="02040503050406030204" pitchFamily="18" charset="0"/>
+                          </a:rPr>
+                          <m:t>4</m:t>
+                        </m:r>
+                      </m:den>
+                    </m:f>
+                    <m:r>
+                      <a:rPr lang="en-US" b="0" i="1" smtClean="0">
+                        <a:latin typeface="Cambria Math" panose="02040503050406030204" pitchFamily="18" charset="0"/>
+                      </a:rPr>
+                      <m:t>+</m:t>
+                    </m:r>
+                    <m:f>
+                      <m:fPr>
+                        <m:ctrlPr>
+                          <a:rPr lang="en-US" b="0" i="1" smtClean="0">
+                            <a:latin typeface="Cambria Math" panose="02040503050406030204" pitchFamily="18" charset="0"/>
+                          </a:rPr>
+                        </m:ctrlPr>
+                      </m:fPr>
+                      <m:num>
+                        <m:r>
+                          <a:rPr lang="en-US" b="0" i="1" smtClean="0">
+                            <a:latin typeface="Cambria Math" panose="02040503050406030204" pitchFamily="18" charset="0"/>
+                          </a:rPr>
+                          <m:t>𝑛</m:t>
+                        </m:r>
+                        <m:r>
+                          <a:rPr lang="en-US" b="0" i="1" smtClean="0">
+                            <a:latin typeface="Cambria Math" panose="02040503050406030204" pitchFamily="18" charset="0"/>
+                          </a:rPr>
+                          <m:t>𝜋</m:t>
+                        </m:r>
+                      </m:num>
+                      <m:den>
+                        <m:r>
+                          <a:rPr lang="en-US" b="0" i="1" smtClean="0">
+                            <a:latin typeface="Cambria Math" panose="02040503050406030204" pitchFamily="18" charset="0"/>
+                          </a:rPr>
+                          <m:t>2</m:t>
+                        </m:r>
+                      </m:den>
+                    </m:f>
+                    <m:r>
+                      <a:rPr lang="en-US" b="0" i="1" smtClean="0">
+                        <a:latin typeface="Cambria Math" panose="02040503050406030204" pitchFamily="18" charset="0"/>
+                      </a:rPr>
+                      <m:t>→</m:t>
+                    </m:r>
+                    <m:sSubSup>
+                      <m:sSubSupPr>
+                        <m:ctrlPr>
+                          <a:rPr lang="en-US" b="0" i="1" smtClean="0">
+                            <a:latin typeface="Cambria Math" panose="02040503050406030204" pitchFamily="18" charset="0"/>
+                          </a:rPr>
+                        </m:ctrlPr>
+                      </m:sSubSupPr>
+                      <m:e>
+                        <m:r>
+                          <a:rPr lang="en-US" b="0" i="1" smtClean="0">
+                            <a:latin typeface="Cambria Math" panose="02040503050406030204" pitchFamily="18" charset="0"/>
+                          </a:rPr>
+                          <m:t>𝛾</m:t>
+                        </m:r>
+                      </m:e>
+                      <m:sub>
+                        <m:r>
+                          <a:rPr lang="en-US" b="0" i="1" smtClean="0">
+                            <a:latin typeface="Cambria Math" panose="02040503050406030204" pitchFamily="18" charset="0"/>
+                          </a:rPr>
+                          <m:t>𝑖𝑗</m:t>
+                        </m:r>
+                      </m:sub>
+                      <m:sup>
+                        <m:r>
+                          <a:rPr lang="en-US" b="0" i="1" smtClean="0">
+                            <a:latin typeface="Cambria Math" panose="02040503050406030204" pitchFamily="18" charset="0"/>
+                          </a:rPr>
+                          <m:t>′</m:t>
+                        </m:r>
+                      </m:sup>
+                    </m:sSubSup>
+                    <m:r>
+                      <a:rPr lang="en-US" b="0" i="1" smtClean="0">
+                        <a:latin typeface="Cambria Math" panose="02040503050406030204" pitchFamily="18" charset="0"/>
+                      </a:rPr>
+                      <m:t>=0 </m:t>
+                    </m:r>
+                    <m:r>
+                      <a:rPr lang="en-US" b="0" i="1" smtClean="0">
+                        <a:latin typeface="Cambria Math" panose="02040503050406030204" pitchFamily="18" charset="0"/>
+                      </a:rPr>
+                      <m:t>𝑜𝑟</m:t>
+                    </m:r>
+                    <m:r>
+                      <a:rPr lang="en-US" b="0" i="1" smtClean="0">
+                        <a:latin typeface="Cambria Math" panose="02040503050406030204" pitchFamily="18" charset="0"/>
+                      </a:rPr>
+                      <m:t>±1→</m:t>
+                    </m:r>
+                    <m:sSub>
+                      <m:sSubPr>
+                        <m:ctrlPr>
+                          <a:rPr lang="en-US" b="0" i="1" smtClean="0">
+                            <a:latin typeface="Cambria Math" panose="02040503050406030204" pitchFamily="18" charset="0"/>
+                          </a:rPr>
+                        </m:ctrlPr>
+                      </m:sSubPr>
+                      <m:e>
+                        <m:r>
+                          <a:rPr lang="en-US" b="0" i="1" smtClean="0">
+                            <a:latin typeface="Cambria Math" panose="02040503050406030204" pitchFamily="18" charset="0"/>
+                          </a:rPr>
+                          <m:t>𝛾</m:t>
+                        </m:r>
+                      </m:e>
+                      <m:sub>
+                        <m:r>
+                          <a:rPr lang="en-US" b="0" i="1" smtClean="0">
+                            <a:latin typeface="Cambria Math" panose="02040503050406030204" pitchFamily="18" charset="0"/>
+                          </a:rPr>
+                          <m:t>𝑖𝑗</m:t>
+                        </m:r>
+                      </m:sub>
+                    </m:sSub>
+                    <m:r>
+                      <a:rPr lang="en-US" b="0" i="1" smtClean="0">
+                        <a:latin typeface="Cambria Math" panose="02040503050406030204" pitchFamily="18" charset="0"/>
+                      </a:rPr>
+                      <m:t>=0</m:t>
+                    </m:r>
+                  </m:oMath>
+                </a14:m>
+                <a:endParaRPr lang="en-US" dirty="0"/>
+              </a:p>
+            </p:txBody>
+          </p:sp>
+        </mc:Choice>
+        <mc:Fallback>
+          <p:sp>
+            <p:nvSpPr>
+              <p:cNvPr id="5" name="TextBox 4">
+                <a:extLst>
+                  <a:ext uri="{FF2B5EF4-FFF2-40B4-BE49-F238E27FC236}">
+                    <a16:creationId xmlns:a16="http://schemas.microsoft.com/office/drawing/2014/main" id="{45BDAFCD-E99B-49AD-B260-3C1818E6A443}"/>
+                  </a:ext>
+                </a:extLst>
+              </p:cNvPr>
+              <p:cNvSpPr txBox="1">
+                <a:spLocks noRot="1" noChangeAspect="1" noMove="1" noResize="1" noEditPoints="1" noAdjustHandles="1" noChangeArrowheads="1" noChangeShapeType="1" noTextEdit="1"/>
+              </p:cNvSpPr>
+              <p:nvPr/>
+            </p:nvSpPr>
+            <p:spPr>
+              <a:xfrm>
+                <a:off x="838200" y="3061982"/>
+                <a:ext cx="5215915" cy="461473"/>
+              </a:xfrm>
+              <a:prstGeom prst="rect">
+                <a:avLst/>
+              </a:prstGeom>
+              <a:blipFill>
+                <a:blip r:embed="rId2"/>
+                <a:stretch>
+                  <a:fillRect l="-1053" b="-7895"/>
+                </a:stretch>
+              </a:blipFill>
+            </p:spPr>
+            <p:txBody>
+              <a:bodyPr/>
+              <a:lstStyle/>
+              <a:p>
+                <a:r>
+                  <a:rPr lang="en-US">
+                    <a:noFill/>
+                  </a:rPr>
+                  <a:t> </a:t>
+                </a:r>
+              </a:p>
+            </p:txBody>
+          </p:sp>
+        </mc:Fallback>
+      </mc:AlternateContent>
+    </p:spTree>
+    <p:extLst>
+      <p:ext uri="{BB962C8B-B14F-4D97-AF65-F5344CB8AC3E}">
+        <p14:creationId xmlns:p14="http://schemas.microsoft.com/office/powerpoint/2010/main" val="2348086398"/>
+      </p:ext>
+    </p:extLst>
+  </p:cSld>
+  <p:clrMapOvr>
+    <a:masterClrMapping/>
+  </p:clrMapOvr>
+</p:sld>
+</file>
+
+<file path=ppt/slides/slide6.xml><?xml version="1.0" encoding="utf-8"?>
+<p:sld xmlns:a="http://schemas.openxmlformats.org/drawingml/2006/main" xmlns:r="http://schemas.openxmlformats.org/officeDocument/2006/relationships" xmlns:p="http://schemas.openxmlformats.org/presentationml/2006/main">
+  <p:cSld>
+    <p:spTree>
+      <p:nvGrpSpPr>
+        <p:cNvPr id="1" name=""/>
+        <p:cNvGrpSpPr/>
+        <p:nvPr/>
+      </p:nvGrpSpPr>
+      <p:grpSpPr>
+        <a:xfrm>
+          <a:off x="0" y="0"/>
+          <a:ext cx="0" cy="0"/>
+          <a:chOff x="0" y="0"/>
+          <a:chExt cx="0" cy="0"/>
+        </a:xfrm>
+      </p:grpSpPr>
+      <p:cxnSp>
+        <p:nvCxnSpPr>
+          <p:cNvPr id="4" name="Straight Connector 3">
+            <a:extLst>
+              <a:ext uri="{FF2B5EF4-FFF2-40B4-BE49-F238E27FC236}">
+                <a16:creationId xmlns:a16="http://schemas.microsoft.com/office/drawing/2014/main" id="{4B7937B4-4B41-4866-A927-19D189C5F67E}"/>
+              </a:ext>
+            </a:extLst>
+          </p:cNvPr>
+          <p:cNvCxnSpPr/>
+          <p:nvPr/>
+        </p:nvCxnSpPr>
+        <p:spPr>
+          <a:xfrm>
+            <a:off x="650380" y="2615532"/>
+            <a:ext cx="1275348" cy="0"/>
+          </a:xfrm>
+          <a:prstGeom prst="line">
+            <a:avLst/>
+          </a:prstGeom>
+          <a:ln w="38100"/>
+        </p:spPr>
+        <p:style>
+          <a:lnRef idx="1">
+            <a:schemeClr val="dk1"/>
+          </a:lnRef>
+          <a:fillRef idx="0">
+            <a:schemeClr val="dk1"/>
+          </a:fillRef>
+          <a:effectRef idx="0">
+            <a:schemeClr val="dk1"/>
+          </a:effectRef>
+          <a:fontRef idx="minor">
+            <a:schemeClr val="tx1"/>
+          </a:fontRef>
+        </p:style>
+      </p:cxnSp>
+      <p:cxnSp>
+        <p:nvCxnSpPr>
+          <p:cNvPr id="5" name="Straight Connector 4">
+            <a:extLst>
+              <a:ext uri="{FF2B5EF4-FFF2-40B4-BE49-F238E27FC236}">
+                <a16:creationId xmlns:a16="http://schemas.microsoft.com/office/drawing/2014/main" id="{37B80BAA-10C2-430E-AE55-BBB63ED5623B}"/>
+              </a:ext>
+            </a:extLst>
+          </p:cNvPr>
+          <p:cNvCxnSpPr/>
+          <p:nvPr/>
+        </p:nvCxnSpPr>
+        <p:spPr>
+          <a:xfrm>
+            <a:off x="650380" y="1518856"/>
+            <a:ext cx="1275348" cy="0"/>
+          </a:xfrm>
+          <a:prstGeom prst="line">
+            <a:avLst/>
+          </a:prstGeom>
+          <a:ln w="38100"/>
+        </p:spPr>
+        <p:style>
+          <a:lnRef idx="1">
+            <a:schemeClr val="dk1"/>
+          </a:lnRef>
+          <a:fillRef idx="0">
+            <a:schemeClr val="dk1"/>
+          </a:fillRef>
+          <a:effectRef idx="0">
+            <a:schemeClr val="dk1"/>
+          </a:effectRef>
+          <a:fontRef idx="minor">
+            <a:schemeClr val="tx1"/>
+          </a:fontRef>
+        </p:style>
+      </p:cxnSp>
+      <p:cxnSp>
+        <p:nvCxnSpPr>
+          <p:cNvPr id="6" name="Straight Connector 5">
+            <a:extLst>
+              <a:ext uri="{FF2B5EF4-FFF2-40B4-BE49-F238E27FC236}">
+                <a16:creationId xmlns:a16="http://schemas.microsoft.com/office/drawing/2014/main" id="{EE50877D-2124-488E-AC07-5323D4969402}"/>
+              </a:ext>
+            </a:extLst>
+          </p:cNvPr>
+          <p:cNvCxnSpPr/>
+          <p:nvPr/>
+        </p:nvCxnSpPr>
+        <p:spPr>
+          <a:xfrm>
+            <a:off x="2929705" y="422694"/>
+            <a:ext cx="1275348" cy="0"/>
+          </a:xfrm>
+          <a:prstGeom prst="line">
+            <a:avLst/>
+          </a:prstGeom>
+          <a:ln w="38100"/>
+        </p:spPr>
+        <p:style>
+          <a:lnRef idx="1">
+            <a:schemeClr val="dk1"/>
+          </a:lnRef>
+          <a:fillRef idx="0">
+            <a:schemeClr val="dk1"/>
+          </a:fillRef>
+          <a:effectRef idx="0">
+            <a:schemeClr val="dk1"/>
+          </a:effectRef>
+          <a:fontRef idx="minor">
+            <a:schemeClr val="tx1"/>
+          </a:fontRef>
+        </p:style>
+      </p:cxnSp>
+      <p:cxnSp>
+        <p:nvCxnSpPr>
+          <p:cNvPr id="7" name="Straight Arrow Connector 6">
+            <a:extLst>
+              <a:ext uri="{FF2B5EF4-FFF2-40B4-BE49-F238E27FC236}">
+                <a16:creationId xmlns:a16="http://schemas.microsoft.com/office/drawing/2014/main" id="{645962D4-01B1-4EC5-BD0A-29264380C96C}"/>
+              </a:ext>
+            </a:extLst>
+          </p:cNvPr>
+          <p:cNvCxnSpPr>
+            <a:cxnSpLocks/>
+          </p:cNvCxnSpPr>
+          <p:nvPr/>
+        </p:nvCxnSpPr>
+        <p:spPr>
+          <a:xfrm flipV="1">
+            <a:off x="1060987" y="1518856"/>
+            <a:ext cx="1" cy="1096676"/>
+          </a:xfrm>
+          <a:prstGeom prst="straightConnector1">
+            <a:avLst/>
+          </a:prstGeom>
+          <a:ln w="28575">
+            <a:tailEnd type="triangle"/>
+          </a:ln>
+        </p:spPr>
+        <p:style>
+          <a:lnRef idx="1">
+            <a:schemeClr val="accent1"/>
+          </a:lnRef>
+          <a:fillRef idx="0">
+            <a:schemeClr val="accent1"/>
+          </a:fillRef>
+          <a:effectRef idx="0">
+            <a:schemeClr val="accent1"/>
+          </a:effectRef>
+          <a:fontRef idx="minor">
+            <a:schemeClr val="tx1"/>
+          </a:fontRef>
+        </p:style>
+      </p:cxnSp>
+      <p:cxnSp>
+        <p:nvCxnSpPr>
+          <p:cNvPr id="8" name="Straight Arrow Connector 7">
+            <a:extLst>
+              <a:ext uri="{FF2B5EF4-FFF2-40B4-BE49-F238E27FC236}">
+                <a16:creationId xmlns:a16="http://schemas.microsoft.com/office/drawing/2014/main" id="{1122626F-B8B6-4C5E-BF7D-86DDDD1DD82C}"/>
+              </a:ext>
+            </a:extLst>
+          </p:cNvPr>
+          <p:cNvCxnSpPr>
+            <a:cxnSpLocks/>
+          </p:cNvCxnSpPr>
+          <p:nvPr/>
+        </p:nvCxnSpPr>
+        <p:spPr>
+          <a:xfrm flipV="1">
+            <a:off x="3567379" y="442561"/>
+            <a:ext cx="0" cy="2122858"/>
+          </a:xfrm>
+          <a:prstGeom prst="straightConnector1">
+            <a:avLst/>
+          </a:prstGeom>
+          <a:ln w="28575">
+            <a:tailEnd type="triangle"/>
+          </a:ln>
+        </p:spPr>
+        <p:style>
+          <a:lnRef idx="1">
+            <a:schemeClr val="accent1"/>
+          </a:lnRef>
+          <a:fillRef idx="0">
+            <a:schemeClr val="accent1"/>
+          </a:fillRef>
+          <a:effectRef idx="0">
+            <a:schemeClr val="accent1"/>
+          </a:effectRef>
+          <a:fontRef idx="minor">
+            <a:schemeClr val="tx1"/>
+          </a:fontRef>
+        </p:style>
+      </p:cxnSp>
+      <mc:AlternateContent xmlns:mc="http://schemas.openxmlformats.org/markup-compatibility/2006">
+        <mc:Choice xmlns:a14="http://schemas.microsoft.com/office/drawing/2010/main" Requires="a14">
+          <p:sp>
+            <p:nvSpPr>
+              <p:cNvPr id="11" name="TextBox 10">
+                <a:extLst>
+                  <a:ext uri="{FF2B5EF4-FFF2-40B4-BE49-F238E27FC236}">
+                    <a16:creationId xmlns:a16="http://schemas.microsoft.com/office/drawing/2014/main" id="{FB141668-134A-4942-8AD9-C578F5F3B1D7}"/>
+                  </a:ext>
+                </a:extLst>
+              </p:cNvPr>
+              <p:cNvSpPr txBox="1"/>
+              <p:nvPr/>
+            </p:nvSpPr>
+            <p:spPr>
+              <a:xfrm>
+                <a:off x="1598009" y="1701876"/>
+                <a:ext cx="756489" cy="584775"/>
+              </a:xfrm>
+              <a:prstGeom prst="rect">
+                <a:avLst/>
+              </a:prstGeom>
+              <a:noFill/>
+            </p:spPr>
+            <p:txBody>
+              <a:bodyPr wrap="none" rtlCol="0">
+                <a:spAutoFit/>
+              </a:bodyPr>
+              <a:lstStyle/>
+              <a:p>
+                <a:pPr/>
+                <a14:m>
+                  <m:oMathPara xmlns:m="http://schemas.openxmlformats.org/officeDocument/2006/math">
+                    <m:oMathParaPr>
+                      <m:jc m:val="centerGroup"/>
+                    </m:oMathParaPr>
+                    <m:oMath xmlns:m="http://schemas.openxmlformats.org/officeDocument/2006/math">
+                      <m:sSub>
+                        <m:sSubPr>
+                          <m:ctrlPr>
+                            <a:rPr lang="en-US" sz="3200" b="0" i="1" smtClean="0">
+                              <a:latin typeface="Cambria Math" panose="02040503050406030204" pitchFamily="18" charset="0"/>
+                            </a:rPr>
+                          </m:ctrlPr>
+                        </m:sSubPr>
+                        <m:e>
+                          <m:r>
+                            <a:rPr lang="en-US" sz="3200" b="0" i="1" smtClean="0">
+                              <a:latin typeface="Cambria Math" panose="02040503050406030204" pitchFamily="18" charset="0"/>
+                            </a:rPr>
+                            <m:t>𝜔</m:t>
+                          </m:r>
+                        </m:e>
+                        <m:sub>
+                          <m:r>
+                            <a:rPr lang="en-US" sz="3200" b="0" i="1" smtClean="0">
+                              <a:latin typeface="Cambria Math" panose="02040503050406030204" pitchFamily="18" charset="0"/>
+                            </a:rPr>
+                            <m:t>1</m:t>
+                          </m:r>
+                        </m:sub>
+                      </m:sSub>
+                    </m:oMath>
+                  </m:oMathPara>
+                </a14:m>
+                <a:endParaRPr lang="en-US" sz="3200" dirty="0"/>
+              </a:p>
+            </p:txBody>
+          </p:sp>
+        </mc:Choice>
+        <mc:Fallback>
+          <p:sp>
+            <p:nvSpPr>
+              <p:cNvPr id="11" name="TextBox 10">
+                <a:extLst>
+                  <a:ext uri="{FF2B5EF4-FFF2-40B4-BE49-F238E27FC236}">
+                    <a16:creationId xmlns:a16="http://schemas.microsoft.com/office/drawing/2014/main" id="{FB141668-134A-4942-8AD9-C578F5F3B1D7}"/>
+                  </a:ext>
+                </a:extLst>
+              </p:cNvPr>
+              <p:cNvSpPr txBox="1">
+                <a:spLocks noRot="1" noChangeAspect="1" noMove="1" noResize="1" noEditPoints="1" noAdjustHandles="1" noChangeArrowheads="1" noChangeShapeType="1" noTextEdit="1"/>
+              </p:cNvSpPr>
+              <p:nvPr/>
+            </p:nvSpPr>
+            <p:spPr>
+              <a:xfrm>
+                <a:off x="1598009" y="1701876"/>
+                <a:ext cx="756489" cy="584775"/>
+              </a:xfrm>
+              <a:prstGeom prst="rect">
+                <a:avLst/>
+              </a:prstGeom>
+              <a:blipFill>
+                <a:blip r:embed="rId2"/>
+                <a:stretch>
+                  <a:fillRect/>
+                </a:stretch>
+              </a:blipFill>
+            </p:spPr>
+            <p:txBody>
+              <a:bodyPr/>
+              <a:lstStyle/>
+              <a:p>
+                <a:r>
+                  <a:rPr lang="en-US">
+                    <a:noFill/>
+                  </a:rPr>
+                  <a:t> </a:t>
+                </a:r>
+              </a:p>
+            </p:txBody>
+          </p:sp>
+        </mc:Fallback>
+      </mc:AlternateContent>
+      <mc:AlternateContent xmlns:mc="http://schemas.openxmlformats.org/markup-compatibility/2006">
+        <mc:Choice xmlns:a14="http://schemas.microsoft.com/office/drawing/2010/main" Requires="a14">
+          <p:sp>
+            <p:nvSpPr>
+              <p:cNvPr id="12" name="TextBox 11">
+                <a:extLst>
+                  <a:ext uri="{FF2B5EF4-FFF2-40B4-BE49-F238E27FC236}">
+                    <a16:creationId xmlns:a16="http://schemas.microsoft.com/office/drawing/2014/main" id="{84171435-997B-43F2-A5AF-2CDD3B3D1DD5}"/>
+                  </a:ext>
+                </a:extLst>
+              </p:cNvPr>
+              <p:cNvSpPr txBox="1"/>
+              <p:nvPr/>
+            </p:nvSpPr>
+            <p:spPr>
+              <a:xfrm>
+                <a:off x="3687206" y="1409489"/>
+                <a:ext cx="765979" cy="584775"/>
+              </a:xfrm>
+              <a:prstGeom prst="rect">
+                <a:avLst/>
+              </a:prstGeom>
+              <a:noFill/>
+            </p:spPr>
+            <p:txBody>
+              <a:bodyPr wrap="none" rtlCol="0">
+                <a:spAutoFit/>
+              </a:bodyPr>
+              <a:lstStyle/>
+              <a:p>
+                <a:pPr/>
+                <a14:m>
+                  <m:oMathPara xmlns:m="http://schemas.openxmlformats.org/officeDocument/2006/math">
+                    <m:oMathParaPr>
+                      <m:jc m:val="centerGroup"/>
+                    </m:oMathParaPr>
+                    <m:oMath xmlns:m="http://schemas.openxmlformats.org/officeDocument/2006/math">
+                      <m:sSub>
+                        <m:sSubPr>
+                          <m:ctrlPr>
+                            <a:rPr lang="en-US" sz="3200" b="0" i="1" smtClean="0">
+                              <a:latin typeface="Cambria Math" panose="02040503050406030204" pitchFamily="18" charset="0"/>
+                            </a:rPr>
+                          </m:ctrlPr>
+                        </m:sSubPr>
+                        <m:e>
+                          <m:r>
+                            <a:rPr lang="en-US" sz="3200" b="0" i="1" smtClean="0">
+                              <a:latin typeface="Cambria Math" panose="02040503050406030204" pitchFamily="18" charset="0"/>
+                            </a:rPr>
+                            <m:t>𝜔</m:t>
+                          </m:r>
+                        </m:e>
+                        <m:sub>
+                          <m:r>
+                            <a:rPr lang="en-US" sz="3200" b="0" i="1" smtClean="0">
+                              <a:latin typeface="Cambria Math" panose="02040503050406030204" pitchFamily="18" charset="0"/>
+                            </a:rPr>
+                            <m:t>2</m:t>
+                          </m:r>
+                        </m:sub>
+                      </m:sSub>
+                    </m:oMath>
+                  </m:oMathPara>
+                </a14:m>
+                <a:endParaRPr lang="en-US" sz="3200" dirty="0"/>
+              </a:p>
+            </p:txBody>
+          </p:sp>
+        </mc:Choice>
+        <mc:Fallback>
+          <p:sp>
+            <p:nvSpPr>
+              <p:cNvPr id="12" name="TextBox 11">
+                <a:extLst>
+                  <a:ext uri="{FF2B5EF4-FFF2-40B4-BE49-F238E27FC236}">
+                    <a16:creationId xmlns:a16="http://schemas.microsoft.com/office/drawing/2014/main" id="{84171435-997B-43F2-A5AF-2CDD3B3D1DD5}"/>
+                  </a:ext>
+                </a:extLst>
+              </p:cNvPr>
+              <p:cNvSpPr txBox="1">
+                <a:spLocks noRot="1" noChangeAspect="1" noMove="1" noResize="1" noEditPoints="1" noAdjustHandles="1" noChangeArrowheads="1" noChangeShapeType="1" noTextEdit="1"/>
+              </p:cNvSpPr>
+              <p:nvPr/>
+            </p:nvSpPr>
+            <p:spPr>
+              <a:xfrm>
+                <a:off x="3687206" y="1409489"/>
+                <a:ext cx="765979" cy="584775"/>
+              </a:xfrm>
+              <a:prstGeom prst="rect">
+                <a:avLst/>
+              </a:prstGeom>
+              <a:blipFill>
+                <a:blip r:embed="rId3"/>
+                <a:stretch>
+                  <a:fillRect/>
+                </a:stretch>
+              </a:blipFill>
+            </p:spPr>
+            <p:txBody>
+              <a:bodyPr/>
+              <a:lstStyle/>
+              <a:p>
+                <a:r>
+                  <a:rPr lang="en-US">
+                    <a:noFill/>
+                  </a:rPr>
+                  <a:t> </a:t>
+                </a:r>
+              </a:p>
+            </p:txBody>
+          </p:sp>
+        </mc:Fallback>
+      </mc:AlternateContent>
+      <p:cxnSp>
+        <p:nvCxnSpPr>
+          <p:cNvPr id="15" name="Straight Connector 14">
+            <a:extLst>
+              <a:ext uri="{FF2B5EF4-FFF2-40B4-BE49-F238E27FC236}">
+                <a16:creationId xmlns:a16="http://schemas.microsoft.com/office/drawing/2014/main" id="{CD198E80-FD6B-419A-989C-2A645F8B5BD1}"/>
+              </a:ext>
+            </a:extLst>
+          </p:cNvPr>
+          <p:cNvCxnSpPr/>
+          <p:nvPr/>
+        </p:nvCxnSpPr>
+        <p:spPr>
+          <a:xfrm>
+            <a:off x="2803790" y="2565419"/>
+            <a:ext cx="1275348" cy="0"/>
+          </a:xfrm>
+          <a:prstGeom prst="line">
+            <a:avLst/>
+          </a:prstGeom>
+          <a:ln w="38100"/>
+        </p:spPr>
+        <p:style>
+          <a:lnRef idx="1">
+            <a:schemeClr val="dk1"/>
+          </a:lnRef>
+          <a:fillRef idx="0">
+            <a:schemeClr val="dk1"/>
+          </a:fillRef>
+          <a:effectRef idx="0">
+            <a:schemeClr val="dk1"/>
+          </a:effectRef>
+          <a:fontRef idx="minor">
+            <a:schemeClr val="tx1"/>
+          </a:fontRef>
+        </p:style>
+      </p:cxnSp>
+      <mc:AlternateContent xmlns:mc="http://schemas.openxmlformats.org/markup-compatibility/2006">
+        <mc:Choice xmlns:a14="http://schemas.microsoft.com/office/drawing/2010/main" Requires="a14">
+          <p:sp>
+            <p:nvSpPr>
+              <p:cNvPr id="17" name="TextBox 16">
+                <a:extLst>
+                  <a:ext uri="{FF2B5EF4-FFF2-40B4-BE49-F238E27FC236}">
+                    <a16:creationId xmlns:a16="http://schemas.microsoft.com/office/drawing/2014/main" id="{5DD17030-E769-400D-B703-67A1D0B6B0AC}"/>
+                  </a:ext>
+                </a:extLst>
+              </p:cNvPr>
+              <p:cNvSpPr txBox="1"/>
+              <p:nvPr/>
+            </p:nvSpPr>
+            <p:spPr>
+              <a:xfrm>
+                <a:off x="783688" y="3403796"/>
+                <a:ext cx="10276468" cy="584775"/>
+              </a:xfrm>
+              <a:prstGeom prst="rect">
+                <a:avLst/>
+              </a:prstGeom>
+              <a:noFill/>
+            </p:spPr>
+            <p:txBody>
+              <a:bodyPr wrap="none" rtlCol="0">
+                <a:spAutoFit/>
+              </a:bodyPr>
+              <a:lstStyle/>
+              <a:p>
+                <a:pPr marL="457200" indent="-457200">
+                  <a:buFont typeface="Arial" panose="020B0604020202020204" pitchFamily="34" charset="0"/>
+                  <a:buChar char="•"/>
+                </a:pPr>
+                <a14:m>
+                  <m:oMath xmlns:m="http://schemas.openxmlformats.org/officeDocument/2006/math">
+                    <m:sSub>
+                      <m:sSubPr>
+                        <m:ctrlPr>
+                          <a:rPr lang="en-US" sz="3200" b="0" i="1" smtClean="0">
+                            <a:latin typeface="Cambria Math" panose="02040503050406030204" pitchFamily="18" charset="0"/>
+                          </a:rPr>
+                        </m:ctrlPr>
+                      </m:sSubPr>
+                      <m:e>
+                        <m:r>
+                          <a:rPr lang="en-US" sz="3200" b="0" i="1" smtClean="0">
+                            <a:latin typeface="Cambria Math" panose="02040503050406030204" pitchFamily="18" charset="0"/>
+                          </a:rPr>
+                          <m:t>𝜔</m:t>
+                        </m:r>
+                      </m:e>
+                      <m:sub>
+                        <m:r>
+                          <a:rPr lang="en-US" sz="3200" b="0" i="1" smtClean="0">
+                            <a:latin typeface="Cambria Math" panose="02040503050406030204" pitchFamily="18" charset="0"/>
+                          </a:rPr>
+                          <m:t>𝑎</m:t>
+                        </m:r>
+                      </m:sub>
+                    </m:sSub>
+                    <m:r>
+                      <a:rPr lang="en-US" sz="3200" b="0" i="1" smtClean="0">
+                        <a:latin typeface="Cambria Math" panose="02040503050406030204" pitchFamily="18" charset="0"/>
+                      </a:rPr>
+                      <m:t>−</m:t>
+                    </m:r>
+                    <m:sSub>
+                      <m:sSubPr>
+                        <m:ctrlPr>
+                          <a:rPr lang="en-US" sz="3200" b="0" i="1" smtClean="0">
+                            <a:latin typeface="Cambria Math" panose="02040503050406030204" pitchFamily="18" charset="0"/>
+                          </a:rPr>
+                        </m:ctrlPr>
+                      </m:sSubPr>
+                      <m:e>
+                        <m:r>
+                          <a:rPr lang="en-US" sz="3200" b="0" i="1" smtClean="0">
+                            <a:latin typeface="Cambria Math" panose="02040503050406030204" pitchFamily="18" charset="0"/>
+                          </a:rPr>
+                          <m:t>𝜔</m:t>
+                        </m:r>
+                      </m:e>
+                      <m:sub>
+                        <m:r>
+                          <a:rPr lang="en-US" sz="3200" b="0" i="1" smtClean="0">
+                            <a:latin typeface="Cambria Math" panose="02040503050406030204" pitchFamily="18" charset="0"/>
+                          </a:rPr>
+                          <m:t>𝑐</m:t>
+                        </m:r>
+                      </m:sub>
+                    </m:sSub>
+                    <m:r>
+                      <a:rPr lang="en-US" sz="3200" b="0" i="1" smtClean="0">
+                        <a:latin typeface="Cambria Math" panose="02040503050406030204" pitchFamily="18" charset="0"/>
+                      </a:rPr>
+                      <m:t>=2</m:t>
+                    </m:r>
+                    <m:sSub>
+                      <m:sSubPr>
+                        <m:ctrlPr>
+                          <a:rPr lang="en-US" sz="3200" b="0" i="1" smtClean="0">
+                            <a:latin typeface="Cambria Math" panose="02040503050406030204" pitchFamily="18" charset="0"/>
+                          </a:rPr>
+                        </m:ctrlPr>
+                      </m:sSubPr>
+                      <m:e>
+                        <m:r>
+                          <a:rPr lang="en-US" sz="3200" b="0" i="1" smtClean="0">
+                            <a:latin typeface="Cambria Math" panose="02040503050406030204" pitchFamily="18" charset="0"/>
+                          </a:rPr>
+                          <m:t>𝑘</m:t>
+                        </m:r>
+                      </m:e>
+                      <m:sub>
+                        <m:r>
+                          <a:rPr lang="en-US" sz="3200" b="0" i="1" smtClean="0">
+                            <a:latin typeface="Cambria Math" panose="02040503050406030204" pitchFamily="18" charset="0"/>
+                          </a:rPr>
+                          <m:t>0</m:t>
+                        </m:r>
+                      </m:sub>
+                    </m:sSub>
+                  </m:oMath>
+                </a14:m>
+                <a:r>
+                  <a:rPr lang="en-US" sz="3200" dirty="0"/>
+                  <a:t>, </a:t>
+                </a:r>
+                <a14:m>
+                  <m:oMath xmlns:m="http://schemas.openxmlformats.org/officeDocument/2006/math">
+                    <m:sSub>
+                      <m:sSubPr>
+                        <m:ctrlPr>
+                          <a:rPr lang="en-US" sz="3200" b="0" i="1" smtClean="0">
+                            <a:latin typeface="Cambria Math" panose="02040503050406030204" pitchFamily="18" charset="0"/>
+                          </a:rPr>
+                        </m:ctrlPr>
+                      </m:sSubPr>
+                      <m:e>
+                        <m:r>
+                          <a:rPr lang="en-US" sz="3200" b="0" i="1" smtClean="0">
+                            <a:latin typeface="Cambria Math" panose="02040503050406030204" pitchFamily="18" charset="0"/>
+                          </a:rPr>
+                          <m:t>𝜔</m:t>
+                        </m:r>
+                      </m:e>
+                      <m:sub>
+                        <m:r>
+                          <a:rPr lang="en-US" sz="3200" b="0" i="1" smtClean="0">
+                            <a:latin typeface="Cambria Math" panose="02040503050406030204" pitchFamily="18" charset="0"/>
+                          </a:rPr>
+                          <m:t>𝑎𝑏</m:t>
+                        </m:r>
+                      </m:sub>
+                    </m:sSub>
+                    <m:r>
+                      <a:rPr lang="en-US" sz="3200" b="0" i="1" smtClean="0">
+                        <a:latin typeface="Cambria Math" panose="02040503050406030204" pitchFamily="18" charset="0"/>
+                      </a:rPr>
+                      <m:t>−</m:t>
+                    </m:r>
+                    <m:sSub>
+                      <m:sSubPr>
+                        <m:ctrlPr>
+                          <a:rPr lang="en-US" sz="3200" b="0" i="1" smtClean="0">
+                            <a:latin typeface="Cambria Math" panose="02040503050406030204" pitchFamily="18" charset="0"/>
+                          </a:rPr>
+                        </m:ctrlPr>
+                      </m:sSubPr>
+                      <m:e>
+                        <m:r>
+                          <a:rPr lang="en-US" sz="3200" b="0" i="1" smtClean="0">
+                            <a:latin typeface="Cambria Math" panose="02040503050406030204" pitchFamily="18" charset="0"/>
+                          </a:rPr>
+                          <m:t>𝜔</m:t>
+                        </m:r>
+                      </m:e>
+                      <m:sub>
+                        <m:r>
+                          <a:rPr lang="en-US" sz="3200" b="0" i="1" smtClean="0">
+                            <a:latin typeface="Cambria Math" panose="02040503050406030204" pitchFamily="18" charset="0"/>
+                          </a:rPr>
+                          <m:t>𝑏𝑐</m:t>
+                        </m:r>
+                      </m:sub>
+                    </m:sSub>
+                    <m:r>
+                      <a:rPr lang="en-US" sz="3200" b="0" i="1" smtClean="0">
+                        <a:latin typeface="Cambria Math" panose="02040503050406030204" pitchFamily="18" charset="0"/>
+                      </a:rPr>
+                      <m:t>≪</m:t>
+                    </m:r>
+                    <m:sSub>
+                      <m:sSubPr>
+                        <m:ctrlPr>
+                          <a:rPr lang="en-US" sz="3200" b="0" i="1" smtClean="0">
+                            <a:latin typeface="Cambria Math" panose="02040503050406030204" pitchFamily="18" charset="0"/>
+                          </a:rPr>
+                        </m:ctrlPr>
+                      </m:sSubPr>
+                      <m:e>
+                        <m:r>
+                          <a:rPr lang="en-US" sz="3200" b="0" i="1" smtClean="0">
+                            <a:latin typeface="Cambria Math" panose="02040503050406030204" pitchFamily="18" charset="0"/>
+                          </a:rPr>
+                          <m:t>𝜔</m:t>
+                        </m:r>
+                      </m:e>
+                      <m:sub>
+                        <m:r>
+                          <a:rPr lang="en-US" sz="3200" b="0" i="1" smtClean="0">
+                            <a:latin typeface="Cambria Math" panose="02040503050406030204" pitchFamily="18" charset="0"/>
+                          </a:rPr>
+                          <m:t>𝑎𝑐</m:t>
+                        </m:r>
+                      </m:sub>
+                    </m:sSub>
+                  </m:oMath>
+                </a14:m>
+                <a:r>
+                  <a:rPr lang="en-US" sz="3200" dirty="0"/>
+                  <a:t> so </a:t>
+                </a:r>
+                <a14:m>
+                  <m:oMath xmlns:m="http://schemas.openxmlformats.org/officeDocument/2006/math">
+                    <m:r>
+                      <a:rPr lang="en-US" sz="3200" b="0" i="1" smtClean="0">
+                        <a:latin typeface="Cambria Math" panose="02040503050406030204" pitchFamily="18" charset="0"/>
+                      </a:rPr>
+                      <m:t>𝑁</m:t>
+                    </m:r>
+                    <m:d>
+                      <m:dPr>
+                        <m:ctrlPr>
+                          <a:rPr lang="en-US" sz="3200" b="0" i="1" smtClean="0">
+                            <a:latin typeface="Cambria Math" panose="02040503050406030204" pitchFamily="18" charset="0"/>
+                          </a:rPr>
+                        </m:ctrlPr>
+                      </m:dPr>
+                      <m:e>
+                        <m:sSub>
+                          <m:sSubPr>
+                            <m:ctrlPr>
+                              <a:rPr lang="en-US" sz="3200" b="0" i="1" smtClean="0">
+                                <a:latin typeface="Cambria Math" panose="02040503050406030204" pitchFamily="18" charset="0"/>
+                              </a:rPr>
+                            </m:ctrlPr>
+                          </m:sSubPr>
+                          <m:e>
+                            <m:r>
+                              <a:rPr lang="en-US" sz="3200" b="0" i="1" smtClean="0">
+                                <a:latin typeface="Cambria Math" panose="02040503050406030204" pitchFamily="18" charset="0"/>
+                              </a:rPr>
+                              <m:t>𝜔</m:t>
+                            </m:r>
+                          </m:e>
+                          <m:sub>
+                            <m:r>
+                              <a:rPr lang="en-US" sz="3200" b="0" i="1" smtClean="0">
+                                <a:latin typeface="Cambria Math" panose="02040503050406030204" pitchFamily="18" charset="0"/>
+                              </a:rPr>
+                              <m:t>𝑎𝑏</m:t>
+                            </m:r>
+                          </m:sub>
+                        </m:sSub>
+                      </m:e>
+                    </m:d>
+                    <m:r>
+                      <a:rPr lang="en-US" sz="3200" b="0" i="1" smtClean="0">
+                        <a:latin typeface="Cambria Math" panose="02040503050406030204" pitchFamily="18" charset="0"/>
+                      </a:rPr>
+                      <m:t>≈</m:t>
+                    </m:r>
+                    <m:r>
+                      <a:rPr lang="en-US" sz="3200" b="0" i="1" smtClean="0">
+                        <a:latin typeface="Cambria Math" panose="02040503050406030204" pitchFamily="18" charset="0"/>
+                      </a:rPr>
+                      <m:t>𝑁</m:t>
+                    </m:r>
+                    <m:r>
+                      <a:rPr lang="en-US" sz="3200" b="0" i="1" smtClean="0">
+                        <a:latin typeface="Cambria Math" panose="02040503050406030204" pitchFamily="18" charset="0"/>
+                      </a:rPr>
+                      <m:t>(</m:t>
+                    </m:r>
+                    <m:sSub>
+                      <m:sSubPr>
+                        <m:ctrlPr>
+                          <a:rPr lang="en-US" sz="3200" b="0" i="1" smtClean="0">
+                            <a:latin typeface="Cambria Math" panose="02040503050406030204" pitchFamily="18" charset="0"/>
+                          </a:rPr>
+                        </m:ctrlPr>
+                      </m:sSubPr>
+                      <m:e>
+                        <m:r>
+                          <a:rPr lang="en-US" sz="3200" b="0" i="1" smtClean="0">
+                            <a:latin typeface="Cambria Math" panose="02040503050406030204" pitchFamily="18" charset="0"/>
+                          </a:rPr>
+                          <m:t>𝜔</m:t>
+                        </m:r>
+                      </m:e>
+                      <m:sub>
+                        <m:r>
+                          <a:rPr lang="en-US" sz="3200" b="0" i="1" smtClean="0">
+                            <a:latin typeface="Cambria Math" panose="02040503050406030204" pitchFamily="18" charset="0"/>
+                          </a:rPr>
+                          <m:t>𝑏𝑐</m:t>
+                        </m:r>
+                      </m:sub>
+                    </m:sSub>
+                    <m:r>
+                      <a:rPr lang="en-US" sz="3200" b="0" i="1" smtClean="0">
+                        <a:latin typeface="Cambria Math" panose="02040503050406030204" pitchFamily="18" charset="0"/>
+                      </a:rPr>
+                      <m:t>)</m:t>
+                    </m:r>
+                  </m:oMath>
+                </a14:m>
+                <a:endParaRPr lang="en-US" sz="3200" dirty="0"/>
+              </a:p>
+            </p:txBody>
+          </p:sp>
+        </mc:Choice>
+        <mc:Fallback>
+          <p:sp>
+            <p:nvSpPr>
+              <p:cNvPr id="17" name="TextBox 16">
+                <a:extLst>
+                  <a:ext uri="{FF2B5EF4-FFF2-40B4-BE49-F238E27FC236}">
+                    <a16:creationId xmlns:a16="http://schemas.microsoft.com/office/drawing/2014/main" id="{5DD17030-E769-400D-B703-67A1D0B6B0AC}"/>
+                  </a:ext>
+                </a:extLst>
+              </p:cNvPr>
+              <p:cNvSpPr txBox="1">
+                <a:spLocks noRot="1" noChangeAspect="1" noMove="1" noResize="1" noEditPoints="1" noAdjustHandles="1" noChangeArrowheads="1" noChangeShapeType="1" noTextEdit="1"/>
+              </p:cNvSpPr>
+              <p:nvPr/>
+            </p:nvSpPr>
+            <p:spPr>
+              <a:xfrm>
+                <a:off x="783688" y="3403796"/>
+                <a:ext cx="10276468" cy="584775"/>
+              </a:xfrm>
+              <a:prstGeom prst="rect">
+                <a:avLst/>
+              </a:prstGeom>
+              <a:blipFill>
+                <a:blip r:embed="rId4"/>
+                <a:stretch>
+                  <a:fillRect t="-12500" b="-34375"/>
+                </a:stretch>
+              </a:blipFill>
+            </p:spPr>
+            <p:txBody>
+              <a:bodyPr/>
+              <a:lstStyle/>
+              <a:p>
+                <a:r>
+                  <a:rPr lang="en-US">
+                    <a:noFill/>
+                  </a:rPr>
+                  <a:t> </a:t>
+                </a:r>
+              </a:p>
+            </p:txBody>
+          </p:sp>
+        </mc:Fallback>
+      </mc:AlternateContent>
+      <mc:AlternateContent xmlns:mc="http://schemas.openxmlformats.org/markup-compatibility/2006">
+        <mc:Choice xmlns:a14="http://schemas.microsoft.com/office/drawing/2010/main" Requires="a14">
+          <p:sp>
+            <p:nvSpPr>
+              <p:cNvPr id="18" name="TextBox 17">
+                <a:extLst>
+                  <a:ext uri="{FF2B5EF4-FFF2-40B4-BE49-F238E27FC236}">
+                    <a16:creationId xmlns:a16="http://schemas.microsoft.com/office/drawing/2014/main" id="{0B3E3616-4A72-48E6-9919-04D640AFD943}"/>
+                  </a:ext>
+                </a:extLst>
+              </p:cNvPr>
+              <p:cNvSpPr txBox="1"/>
+              <p:nvPr/>
+            </p:nvSpPr>
+            <p:spPr>
+              <a:xfrm>
+                <a:off x="543492" y="4312865"/>
+                <a:ext cx="11546305" cy="2122441"/>
+              </a:xfrm>
+              <a:prstGeom prst="rect">
+                <a:avLst/>
+              </a:prstGeom>
+              <a:noFill/>
+            </p:spPr>
+            <p:txBody>
+              <a:bodyPr wrap="square" rtlCol="0">
+                <a:spAutoFit/>
+              </a:bodyPr>
+              <a:lstStyle/>
+              <a:p>
+                <a:r>
+                  <a:rPr lang="en-US" sz="3600" dirty="0"/>
+                  <a:t>Equation: </a:t>
+                </a:r>
+                <a14:m>
+                  <m:oMath xmlns:m="http://schemas.openxmlformats.org/officeDocument/2006/math">
+                    <m:sSubSup>
+                      <m:sSubSupPr>
+                        <m:ctrlPr>
+                          <a:rPr lang="en-US" sz="3600" b="0" i="1" smtClean="0">
+                            <a:latin typeface="Cambria Math" panose="02040503050406030204" pitchFamily="18" charset="0"/>
+                          </a:rPr>
+                        </m:ctrlPr>
+                      </m:sSubSupPr>
+                      <m:e>
+                        <m:r>
+                          <a:rPr lang="en-US" sz="3600" b="0" i="1" smtClean="0">
+                            <a:latin typeface="Cambria Math" panose="02040503050406030204" pitchFamily="18" charset="0"/>
+                          </a:rPr>
+                          <m:t>𝑆</m:t>
+                        </m:r>
+                      </m:e>
+                      <m:sub>
+                        <m:r>
+                          <a:rPr lang="en-US" sz="3600" b="0" i="1" smtClean="0">
+                            <a:latin typeface="Cambria Math" panose="02040503050406030204" pitchFamily="18" charset="0"/>
+                          </a:rPr>
+                          <m:t>𝑖</m:t>
+                        </m:r>
+                      </m:sub>
+                      <m:sup>
+                        <m:r>
+                          <a:rPr lang="en-US" sz="3600" b="0" i="1" smtClean="0">
+                            <a:latin typeface="Cambria Math" panose="02040503050406030204" pitchFamily="18" charset="0"/>
+                          </a:rPr>
+                          <m:t>+</m:t>
+                        </m:r>
+                      </m:sup>
+                    </m:sSubSup>
+                    <m:sSubSup>
+                      <m:sSubSupPr>
+                        <m:ctrlPr>
+                          <a:rPr lang="en-US" sz="3600" b="0" i="1" smtClean="0">
+                            <a:latin typeface="Cambria Math" panose="02040503050406030204" pitchFamily="18" charset="0"/>
+                          </a:rPr>
+                        </m:ctrlPr>
+                      </m:sSubSupPr>
+                      <m:e>
+                        <m:r>
+                          <a:rPr lang="en-US" sz="3600" b="0" i="1" smtClean="0">
+                            <a:latin typeface="Cambria Math" panose="02040503050406030204" pitchFamily="18" charset="0"/>
+                          </a:rPr>
+                          <m:t>𝑆</m:t>
+                        </m:r>
+                      </m:e>
+                      <m:sub>
+                        <m:r>
+                          <a:rPr lang="en-US" sz="3600" b="0" i="1" smtClean="0">
+                            <a:latin typeface="Cambria Math" panose="02040503050406030204" pitchFamily="18" charset="0"/>
+                          </a:rPr>
+                          <m:t>𝑗</m:t>
+                        </m:r>
+                      </m:sub>
+                      <m:sup>
+                        <m:r>
+                          <a:rPr lang="en-US" sz="3600" b="0" i="1" smtClean="0">
+                            <a:latin typeface="Cambria Math" panose="02040503050406030204" pitchFamily="18" charset="0"/>
+                          </a:rPr>
+                          <m:t>+</m:t>
+                        </m:r>
+                      </m:sup>
+                    </m:sSubSup>
+                    <m:r>
+                      <a:rPr lang="en-US" sz="3600" b="0" i="1" smtClean="0">
+                        <a:latin typeface="Cambria Math" panose="02040503050406030204" pitchFamily="18" charset="0"/>
+                      </a:rPr>
+                      <m:t>𝜌</m:t>
+                    </m:r>
+                    <m:r>
+                      <a:rPr lang="en-US" sz="3600" b="0" i="1" smtClean="0">
+                        <a:latin typeface="Cambria Math" panose="02040503050406030204" pitchFamily="18" charset="0"/>
+                      </a:rPr>
+                      <m:t>→ </m:t>
+                    </m:r>
+                    <m:rad>
+                      <m:radPr>
+                        <m:degHide m:val="on"/>
+                        <m:ctrlPr>
+                          <a:rPr lang="en-US" sz="3600" b="0" i="1" smtClean="0">
+                            <a:latin typeface="Cambria Math" panose="02040503050406030204" pitchFamily="18" charset="0"/>
+                          </a:rPr>
+                        </m:ctrlPr>
+                      </m:radPr>
+                      <m:deg/>
+                      <m:e>
+                        <m:sSub>
+                          <m:sSubPr>
+                            <m:ctrlPr>
+                              <a:rPr lang="en-US" sz="3600" b="0" i="1" smtClean="0">
+                                <a:latin typeface="Cambria Math" panose="02040503050406030204" pitchFamily="18" charset="0"/>
+                              </a:rPr>
+                            </m:ctrlPr>
+                          </m:sSubPr>
+                          <m:e>
+                            <m:r>
+                              <a:rPr lang="en-US" sz="3600" b="0" i="1" smtClean="0">
+                                <a:latin typeface="Cambria Math" panose="02040503050406030204" pitchFamily="18" charset="0"/>
+                              </a:rPr>
+                              <m:t>𝛾</m:t>
+                            </m:r>
+                          </m:e>
+                          <m:sub>
+                            <m:r>
+                              <a:rPr lang="en-US" sz="3600" b="0" i="1" smtClean="0">
+                                <a:latin typeface="Cambria Math" panose="02040503050406030204" pitchFamily="18" charset="0"/>
+                              </a:rPr>
+                              <m:t>𝑖</m:t>
+                            </m:r>
+                          </m:sub>
+                        </m:sSub>
+                        <m:sSub>
+                          <m:sSubPr>
+                            <m:ctrlPr>
+                              <a:rPr lang="en-US" sz="3600" b="0" i="1" smtClean="0">
+                                <a:latin typeface="Cambria Math" panose="02040503050406030204" pitchFamily="18" charset="0"/>
+                              </a:rPr>
+                            </m:ctrlPr>
+                          </m:sSubPr>
+                          <m:e>
+                            <m:r>
+                              <a:rPr lang="en-US" sz="3600" b="0" i="1" smtClean="0">
+                                <a:latin typeface="Cambria Math" panose="02040503050406030204" pitchFamily="18" charset="0"/>
+                              </a:rPr>
+                              <m:t>𝛾</m:t>
+                            </m:r>
+                          </m:e>
+                          <m:sub>
+                            <m:r>
+                              <a:rPr lang="en-US" sz="3600" b="0" i="1" smtClean="0">
+                                <a:latin typeface="Cambria Math" panose="02040503050406030204" pitchFamily="18" charset="0"/>
+                              </a:rPr>
+                              <m:t>𝑗</m:t>
+                            </m:r>
+                          </m:sub>
+                        </m:sSub>
+                      </m:e>
+                    </m:rad>
+                    <m:sSup>
+                      <m:sSupPr>
+                        <m:ctrlPr>
+                          <a:rPr lang="en-US" sz="3600" b="0" i="1" smtClean="0">
+                            <a:latin typeface="Cambria Math" panose="02040503050406030204" pitchFamily="18" charset="0"/>
+                          </a:rPr>
+                        </m:ctrlPr>
+                      </m:sSupPr>
+                      <m:e>
+                        <m:r>
+                          <a:rPr lang="en-US" sz="3600" b="0" i="1" smtClean="0">
+                            <a:latin typeface="Cambria Math" panose="02040503050406030204" pitchFamily="18" charset="0"/>
+                          </a:rPr>
+                          <m:t>𝑒</m:t>
+                        </m:r>
+                      </m:e>
+                      <m:sup>
+                        <m:r>
+                          <a:rPr lang="en-US" sz="3600" b="0" i="1" smtClean="0">
+                            <a:latin typeface="Cambria Math" panose="02040503050406030204" pitchFamily="18" charset="0"/>
+                          </a:rPr>
+                          <m:t>𝑖</m:t>
+                        </m:r>
+                        <m:r>
+                          <a:rPr lang="en-US" sz="3600" b="0" i="1" smtClean="0">
+                            <a:latin typeface="Cambria Math" panose="02040503050406030204" pitchFamily="18" charset="0"/>
+                          </a:rPr>
+                          <m:t>(</m:t>
+                        </m:r>
+                        <m:sSub>
+                          <m:sSubPr>
+                            <m:ctrlPr>
+                              <a:rPr lang="en-US" sz="3600" b="0" i="1" smtClean="0">
+                                <a:latin typeface="Cambria Math" panose="02040503050406030204" pitchFamily="18" charset="0"/>
+                              </a:rPr>
+                            </m:ctrlPr>
+                          </m:sSubPr>
+                          <m:e>
+                            <m:r>
+                              <a:rPr lang="en-US" sz="3600" b="0" i="1" smtClean="0">
+                                <a:latin typeface="Cambria Math" panose="02040503050406030204" pitchFamily="18" charset="0"/>
+                              </a:rPr>
+                              <m:t>𝜔</m:t>
+                            </m:r>
+                          </m:e>
+                          <m:sub>
+                            <m:r>
+                              <a:rPr lang="en-US" sz="3600" b="0" i="1" smtClean="0">
+                                <a:latin typeface="Cambria Math" panose="02040503050406030204" pitchFamily="18" charset="0"/>
+                              </a:rPr>
+                              <m:t>𝑖</m:t>
+                            </m:r>
+                          </m:sub>
+                        </m:sSub>
+                        <m:r>
+                          <a:rPr lang="en-US" sz="3600" b="0" i="1" smtClean="0">
+                            <a:latin typeface="Cambria Math" panose="02040503050406030204" pitchFamily="18" charset="0"/>
+                          </a:rPr>
+                          <m:t>+</m:t>
+                        </m:r>
+                        <m:sSub>
+                          <m:sSubPr>
+                            <m:ctrlPr>
+                              <a:rPr lang="en-US" sz="3600" b="0" i="1" smtClean="0">
+                                <a:latin typeface="Cambria Math" panose="02040503050406030204" pitchFamily="18" charset="0"/>
+                              </a:rPr>
+                            </m:ctrlPr>
+                          </m:sSubPr>
+                          <m:e>
+                            <m:r>
+                              <a:rPr lang="en-US" sz="3600" b="0" i="1" smtClean="0">
+                                <a:latin typeface="Cambria Math" panose="02040503050406030204" pitchFamily="18" charset="0"/>
+                              </a:rPr>
+                              <m:t>𝜔</m:t>
+                            </m:r>
+                          </m:e>
+                          <m:sub>
+                            <m:r>
+                              <a:rPr lang="en-US" sz="3600" b="0" i="1" smtClean="0">
+                                <a:latin typeface="Cambria Math" panose="02040503050406030204" pitchFamily="18" charset="0"/>
+                              </a:rPr>
+                              <m:t>𝑗</m:t>
+                            </m:r>
+                          </m:sub>
+                        </m:sSub>
+                        <m:r>
+                          <a:rPr lang="en-US" sz="3600" b="0" i="1" smtClean="0">
+                            <a:latin typeface="Cambria Math" panose="02040503050406030204" pitchFamily="18" charset="0"/>
+                          </a:rPr>
+                          <m:t>−2</m:t>
+                        </m:r>
+                        <m:sSub>
+                          <m:sSubPr>
+                            <m:ctrlPr>
+                              <a:rPr lang="en-US" sz="3600" b="0" i="1" smtClean="0">
+                                <a:latin typeface="Cambria Math" panose="02040503050406030204" pitchFamily="18" charset="0"/>
+                              </a:rPr>
+                            </m:ctrlPr>
+                          </m:sSubPr>
+                          <m:e>
+                            <m:r>
+                              <a:rPr lang="en-US" sz="3600" b="0" i="1" smtClean="0">
+                                <a:latin typeface="Cambria Math" panose="02040503050406030204" pitchFamily="18" charset="0"/>
+                              </a:rPr>
+                              <m:t>𝑘</m:t>
+                            </m:r>
+                          </m:e>
+                          <m:sub>
+                            <m:r>
+                              <a:rPr lang="en-US" sz="3600" b="0" i="1" smtClean="0">
+                                <a:latin typeface="Cambria Math" panose="02040503050406030204" pitchFamily="18" charset="0"/>
+                              </a:rPr>
+                              <m:t>0</m:t>
+                            </m:r>
+                          </m:sub>
+                        </m:sSub>
+                        <m:r>
+                          <a:rPr lang="en-US" sz="3600" b="0" i="1" smtClean="0">
+                            <a:latin typeface="Cambria Math" panose="02040503050406030204" pitchFamily="18" charset="0"/>
+                          </a:rPr>
+                          <m:t>)</m:t>
+                        </m:r>
+                        <m:r>
+                          <a:rPr lang="en-US" sz="3600" b="0" i="1" smtClean="0">
+                            <a:latin typeface="Cambria Math" panose="02040503050406030204" pitchFamily="18" charset="0"/>
+                          </a:rPr>
+                          <m:t>𝑡</m:t>
+                        </m:r>
+                      </m:sup>
+                    </m:sSup>
+                    <m:sSubSup>
+                      <m:sSubSupPr>
+                        <m:ctrlPr>
+                          <a:rPr lang="en-US" sz="3600" b="0" i="1" smtClean="0">
+                            <a:latin typeface="Cambria Math" panose="02040503050406030204" pitchFamily="18" charset="0"/>
+                          </a:rPr>
+                        </m:ctrlPr>
+                      </m:sSubSupPr>
+                      <m:e>
+                        <m:r>
+                          <a:rPr lang="en-US" sz="3600" b="0" i="1" smtClean="0">
+                            <a:latin typeface="Cambria Math" panose="02040503050406030204" pitchFamily="18" charset="0"/>
+                          </a:rPr>
+                          <m:t>𝑆</m:t>
+                        </m:r>
+                      </m:e>
+                      <m:sub>
+                        <m:r>
+                          <a:rPr lang="en-US" sz="3600" b="0" i="1" smtClean="0">
+                            <a:latin typeface="Cambria Math" panose="02040503050406030204" pitchFamily="18" charset="0"/>
+                          </a:rPr>
+                          <m:t>𝑖</m:t>
+                        </m:r>
+                      </m:sub>
+                      <m:sup>
+                        <m:r>
+                          <a:rPr lang="en-US" sz="3600" b="0" i="1" smtClean="0">
+                            <a:latin typeface="Cambria Math" panose="02040503050406030204" pitchFamily="18" charset="0"/>
+                          </a:rPr>
+                          <m:t>+</m:t>
+                        </m:r>
+                      </m:sup>
+                    </m:sSubSup>
+                    <m:sSubSup>
+                      <m:sSubSupPr>
+                        <m:ctrlPr>
+                          <a:rPr lang="en-US" sz="3600" b="0" i="1" smtClean="0">
+                            <a:latin typeface="Cambria Math" panose="02040503050406030204" pitchFamily="18" charset="0"/>
+                          </a:rPr>
+                        </m:ctrlPr>
+                      </m:sSubSupPr>
+                      <m:e>
+                        <m:r>
+                          <a:rPr lang="en-US" sz="3600" b="0" i="1" smtClean="0">
+                            <a:latin typeface="Cambria Math" panose="02040503050406030204" pitchFamily="18" charset="0"/>
+                          </a:rPr>
+                          <m:t>𝑆</m:t>
+                        </m:r>
+                      </m:e>
+                      <m:sub>
+                        <m:r>
+                          <a:rPr lang="en-US" sz="3600" b="0" i="1" smtClean="0">
+                            <a:latin typeface="Cambria Math" panose="02040503050406030204" pitchFamily="18" charset="0"/>
+                          </a:rPr>
+                          <m:t>𝑗</m:t>
+                        </m:r>
+                      </m:sub>
+                      <m:sup>
+                        <m:r>
+                          <a:rPr lang="en-US" sz="3600" b="0" i="1" smtClean="0">
+                            <a:latin typeface="Cambria Math" panose="02040503050406030204" pitchFamily="18" charset="0"/>
+                          </a:rPr>
+                          <m:t>+</m:t>
+                        </m:r>
+                      </m:sup>
+                    </m:sSubSup>
+                    <m:r>
+                      <a:rPr lang="en-US" sz="3600" b="0" i="1" smtClean="0">
+                        <a:latin typeface="Cambria Math" panose="02040503050406030204" pitchFamily="18" charset="0"/>
+                      </a:rPr>
+                      <m:t>𝜌</m:t>
+                    </m:r>
+                  </m:oMath>
+                </a14:m>
+                <a:endParaRPr lang="en-US" sz="3600" b="0" dirty="0"/>
+              </a:p>
+              <a:p>
+                <a:pPr/>
+                <a14:m>
+                  <m:oMathPara xmlns:m="http://schemas.openxmlformats.org/officeDocument/2006/math">
+                    <m:oMathParaPr>
+                      <m:jc m:val="centerGroup"/>
+                    </m:oMathParaPr>
+                    <m:oMath xmlns:m="http://schemas.openxmlformats.org/officeDocument/2006/math">
+                      <m:sSubSup>
+                        <m:sSubSupPr>
+                          <m:ctrlPr>
+                            <a:rPr lang="en-US" sz="3600" b="0" i="1" smtClean="0">
+                              <a:latin typeface="Cambria Math" panose="02040503050406030204" pitchFamily="18" charset="0"/>
+                            </a:rPr>
+                          </m:ctrlPr>
+                        </m:sSubSupPr>
+                        <m:e>
+                          <m:r>
+                            <a:rPr lang="en-US" sz="3600" b="0" i="1" smtClean="0">
+                              <a:latin typeface="Cambria Math" panose="02040503050406030204" pitchFamily="18" charset="0"/>
+                            </a:rPr>
+                            <m:t>𝑆</m:t>
+                          </m:r>
+                        </m:e>
+                        <m:sub>
+                          <m:r>
+                            <a:rPr lang="en-US" sz="3600" b="0" i="1" smtClean="0">
+                              <a:latin typeface="Cambria Math" panose="02040503050406030204" pitchFamily="18" charset="0"/>
+                            </a:rPr>
+                            <m:t>𝑖</m:t>
+                          </m:r>
+                        </m:sub>
+                        <m:sup>
+                          <m:r>
+                            <a:rPr lang="en-US" sz="3600" b="0" i="1" smtClean="0">
+                              <a:latin typeface="Cambria Math" panose="02040503050406030204" pitchFamily="18" charset="0"/>
+                            </a:rPr>
+                            <m:t>+</m:t>
+                          </m:r>
+                        </m:sup>
+                      </m:sSubSup>
+                      <m:sSubSup>
+                        <m:sSubSupPr>
+                          <m:ctrlPr>
+                            <a:rPr lang="en-US" sz="3600" b="0" i="1" smtClean="0">
+                              <a:latin typeface="Cambria Math" panose="02040503050406030204" pitchFamily="18" charset="0"/>
+                            </a:rPr>
+                          </m:ctrlPr>
+                        </m:sSubSupPr>
+                        <m:e>
+                          <m:r>
+                            <a:rPr lang="en-US" sz="3600" b="0" i="1" smtClean="0">
+                              <a:latin typeface="Cambria Math" panose="02040503050406030204" pitchFamily="18" charset="0"/>
+                            </a:rPr>
+                            <m:t>𝑆</m:t>
+                          </m:r>
+                        </m:e>
+                        <m:sub>
+                          <m:r>
+                            <a:rPr lang="en-US" sz="3600" b="0" i="1" smtClean="0">
+                              <a:latin typeface="Cambria Math" panose="02040503050406030204" pitchFamily="18" charset="0"/>
+                            </a:rPr>
+                            <m:t>𝑗</m:t>
+                          </m:r>
+                        </m:sub>
+                        <m:sup>
+                          <m:r>
+                            <a:rPr lang="en-US" sz="3600" b="0" i="1" smtClean="0">
+                              <a:latin typeface="Cambria Math" panose="02040503050406030204" pitchFamily="18" charset="0"/>
+                            </a:rPr>
+                            <m:t>−</m:t>
+                          </m:r>
+                        </m:sup>
+                      </m:sSubSup>
+                      <m:r>
+                        <a:rPr lang="en-US" sz="3600" b="0" i="1" smtClean="0">
+                          <a:latin typeface="Cambria Math" panose="02040503050406030204" pitchFamily="18" charset="0"/>
+                        </a:rPr>
+                        <m:t>𝜌</m:t>
+                      </m:r>
+                      <m:r>
+                        <a:rPr lang="en-US" sz="3600" b="0" i="1" smtClean="0">
+                          <a:latin typeface="Cambria Math" panose="02040503050406030204" pitchFamily="18" charset="0"/>
+                        </a:rPr>
+                        <m:t>→</m:t>
+                      </m:r>
+                      <m:rad>
+                        <m:radPr>
+                          <m:degHide m:val="on"/>
+                          <m:ctrlPr>
+                            <a:rPr lang="en-US" sz="3600" i="1">
+                              <a:latin typeface="Cambria Math" panose="02040503050406030204" pitchFamily="18" charset="0"/>
+                            </a:rPr>
+                          </m:ctrlPr>
+                        </m:radPr>
+                        <m:deg/>
+                        <m:e>
+                          <m:sSub>
+                            <m:sSubPr>
+                              <m:ctrlPr>
+                                <a:rPr lang="en-US" sz="3600" i="1">
+                                  <a:latin typeface="Cambria Math" panose="02040503050406030204" pitchFamily="18" charset="0"/>
+                                </a:rPr>
+                              </m:ctrlPr>
+                            </m:sSubPr>
+                            <m:e>
+                              <m:r>
+                                <a:rPr lang="en-US" sz="3600" i="1">
+                                  <a:latin typeface="Cambria Math" panose="02040503050406030204" pitchFamily="18" charset="0"/>
+                                </a:rPr>
+                                <m:t>𝛾</m:t>
+                              </m:r>
+                            </m:e>
+                            <m:sub>
+                              <m:r>
+                                <a:rPr lang="en-US" sz="3600" i="1">
+                                  <a:latin typeface="Cambria Math" panose="02040503050406030204" pitchFamily="18" charset="0"/>
+                                </a:rPr>
+                                <m:t>𝑖</m:t>
+                              </m:r>
+                            </m:sub>
+                          </m:sSub>
+                          <m:sSub>
+                            <m:sSubPr>
+                              <m:ctrlPr>
+                                <a:rPr lang="en-US" sz="3600" i="1">
+                                  <a:latin typeface="Cambria Math" panose="02040503050406030204" pitchFamily="18" charset="0"/>
+                                </a:rPr>
+                              </m:ctrlPr>
+                            </m:sSubPr>
+                            <m:e>
+                              <m:r>
+                                <a:rPr lang="en-US" sz="3600" i="1">
+                                  <a:latin typeface="Cambria Math" panose="02040503050406030204" pitchFamily="18" charset="0"/>
+                                </a:rPr>
+                                <m:t>𝛾</m:t>
+                              </m:r>
+                            </m:e>
+                            <m:sub>
+                              <m:r>
+                                <a:rPr lang="en-US" sz="3600" i="1">
+                                  <a:latin typeface="Cambria Math" panose="02040503050406030204" pitchFamily="18" charset="0"/>
+                                </a:rPr>
+                                <m:t>𝑗</m:t>
+                              </m:r>
+                            </m:sub>
+                          </m:sSub>
+                        </m:e>
+                      </m:rad>
+                      <m:sSup>
+                        <m:sSupPr>
+                          <m:ctrlPr>
+                            <a:rPr lang="en-US" sz="3600" b="0" i="1" smtClean="0">
+                              <a:latin typeface="Cambria Math" panose="02040503050406030204" pitchFamily="18" charset="0"/>
+                            </a:rPr>
+                          </m:ctrlPr>
+                        </m:sSupPr>
+                        <m:e>
+                          <m:r>
+                            <a:rPr lang="en-US" sz="3600" b="0" i="1" smtClean="0">
+                              <a:latin typeface="Cambria Math" panose="02040503050406030204" pitchFamily="18" charset="0"/>
+                            </a:rPr>
+                            <m:t>𝑒</m:t>
+                          </m:r>
+                        </m:e>
+                        <m:sup>
+                          <m:r>
+                            <a:rPr lang="en-US" sz="3600" b="0" i="1" smtClean="0">
+                              <a:latin typeface="Cambria Math" panose="02040503050406030204" pitchFamily="18" charset="0"/>
+                            </a:rPr>
+                            <m:t>𝑖</m:t>
+                          </m:r>
+                          <m:r>
+                            <a:rPr lang="en-US" sz="3600" b="0" i="1" smtClean="0">
+                              <a:latin typeface="Cambria Math" panose="02040503050406030204" pitchFamily="18" charset="0"/>
+                            </a:rPr>
+                            <m:t>(</m:t>
+                          </m:r>
+                          <m:sSub>
+                            <m:sSubPr>
+                              <m:ctrlPr>
+                                <a:rPr lang="en-US" sz="3600" b="0" i="1" smtClean="0">
+                                  <a:latin typeface="Cambria Math" panose="02040503050406030204" pitchFamily="18" charset="0"/>
+                                </a:rPr>
+                              </m:ctrlPr>
+                            </m:sSubPr>
+                            <m:e>
+                              <m:r>
+                                <a:rPr lang="en-US" sz="3600" b="0" i="1" smtClean="0">
+                                  <a:latin typeface="Cambria Math" panose="02040503050406030204" pitchFamily="18" charset="0"/>
+                                </a:rPr>
+                                <m:t>𝜔</m:t>
+                              </m:r>
+                            </m:e>
+                            <m:sub>
+                              <m:r>
+                                <a:rPr lang="en-US" sz="3600" b="0" i="1" smtClean="0">
+                                  <a:latin typeface="Cambria Math" panose="02040503050406030204" pitchFamily="18" charset="0"/>
+                                </a:rPr>
+                                <m:t>𝑖</m:t>
+                              </m:r>
+                            </m:sub>
+                          </m:sSub>
+                          <m:r>
+                            <a:rPr lang="en-US" sz="3600" b="0" i="1" smtClean="0">
+                              <a:latin typeface="Cambria Math" panose="02040503050406030204" pitchFamily="18" charset="0"/>
+                            </a:rPr>
+                            <m:t>−</m:t>
+                          </m:r>
+                          <m:sSub>
+                            <m:sSubPr>
+                              <m:ctrlPr>
+                                <a:rPr lang="en-US" sz="3600" b="0" i="1" smtClean="0">
+                                  <a:latin typeface="Cambria Math" panose="02040503050406030204" pitchFamily="18" charset="0"/>
+                                </a:rPr>
+                              </m:ctrlPr>
+                            </m:sSubPr>
+                            <m:e>
+                              <m:r>
+                                <a:rPr lang="en-US" sz="3600" b="0" i="1" smtClean="0">
+                                  <a:latin typeface="Cambria Math" panose="02040503050406030204" pitchFamily="18" charset="0"/>
+                                </a:rPr>
+                                <m:t>𝜔</m:t>
+                              </m:r>
+                            </m:e>
+                            <m:sub>
+                              <m:r>
+                                <a:rPr lang="en-US" sz="3600" b="0" i="1" smtClean="0">
+                                  <a:latin typeface="Cambria Math" panose="02040503050406030204" pitchFamily="18" charset="0"/>
+                                </a:rPr>
+                                <m:t>𝑗</m:t>
+                              </m:r>
+                            </m:sub>
+                          </m:sSub>
+                          <m:r>
+                            <a:rPr lang="en-US" sz="3600" b="0" i="1" smtClean="0">
+                              <a:latin typeface="Cambria Math" panose="02040503050406030204" pitchFamily="18" charset="0"/>
+                            </a:rPr>
+                            <m:t>)</m:t>
+                          </m:r>
+                          <m:r>
+                            <a:rPr lang="en-US" sz="3600" b="0" i="1" smtClean="0">
+                              <a:latin typeface="Cambria Math" panose="02040503050406030204" pitchFamily="18" charset="0"/>
+                            </a:rPr>
+                            <m:t>𝑡</m:t>
+                          </m:r>
+                        </m:sup>
+                      </m:sSup>
+                      <m:sSubSup>
+                        <m:sSubSupPr>
+                          <m:ctrlPr>
+                            <a:rPr lang="en-US" sz="3600" b="0" i="1" smtClean="0">
+                              <a:latin typeface="Cambria Math" panose="02040503050406030204" pitchFamily="18" charset="0"/>
+                            </a:rPr>
+                          </m:ctrlPr>
+                        </m:sSubSupPr>
+                        <m:e>
+                          <m:r>
+                            <a:rPr lang="en-US" sz="3600" b="0" i="1" smtClean="0">
+                              <a:latin typeface="Cambria Math" panose="02040503050406030204" pitchFamily="18" charset="0"/>
+                            </a:rPr>
+                            <m:t>𝑆</m:t>
+                          </m:r>
+                        </m:e>
+                        <m:sub>
+                          <m:r>
+                            <a:rPr lang="en-US" sz="3600" b="0" i="1" smtClean="0">
+                              <a:latin typeface="Cambria Math" panose="02040503050406030204" pitchFamily="18" charset="0"/>
+                            </a:rPr>
+                            <m:t>𝑖</m:t>
+                          </m:r>
+                        </m:sub>
+                        <m:sup>
+                          <m:r>
+                            <a:rPr lang="en-US" sz="3600" b="0" i="1" smtClean="0">
+                              <a:latin typeface="Cambria Math" panose="02040503050406030204" pitchFamily="18" charset="0"/>
+                            </a:rPr>
+                            <m:t>+</m:t>
+                          </m:r>
+                        </m:sup>
+                      </m:sSubSup>
+                      <m:sSubSup>
+                        <m:sSubSupPr>
+                          <m:ctrlPr>
+                            <a:rPr lang="en-US" sz="3600" b="0" i="1" smtClean="0">
+                              <a:latin typeface="Cambria Math" panose="02040503050406030204" pitchFamily="18" charset="0"/>
+                            </a:rPr>
+                          </m:ctrlPr>
+                        </m:sSubSupPr>
+                        <m:e>
+                          <m:r>
+                            <a:rPr lang="en-US" sz="3600" b="0" i="1" smtClean="0">
+                              <a:latin typeface="Cambria Math" panose="02040503050406030204" pitchFamily="18" charset="0"/>
+                            </a:rPr>
+                            <m:t>𝑆</m:t>
+                          </m:r>
+                        </m:e>
+                        <m:sub>
+                          <m:r>
+                            <a:rPr lang="en-US" sz="3600" b="0" i="1" smtClean="0">
+                              <a:latin typeface="Cambria Math" panose="02040503050406030204" pitchFamily="18" charset="0"/>
+                            </a:rPr>
+                            <m:t>𝑗</m:t>
+                          </m:r>
+                        </m:sub>
+                        <m:sup>
+                          <m:r>
+                            <a:rPr lang="en-US" sz="3600" b="0" i="1" smtClean="0">
+                              <a:latin typeface="Cambria Math" panose="02040503050406030204" pitchFamily="18" charset="0"/>
+                            </a:rPr>
+                            <m:t>−</m:t>
+                          </m:r>
+                        </m:sup>
+                      </m:sSubSup>
+                      <m:r>
+                        <a:rPr lang="en-US" sz="3600" b="0" i="1" smtClean="0">
+                          <a:latin typeface="Cambria Math" panose="02040503050406030204" pitchFamily="18" charset="0"/>
+                        </a:rPr>
+                        <m:t>𝜌</m:t>
+                      </m:r>
+                    </m:oMath>
+                  </m:oMathPara>
+                </a14:m>
+                <a:endParaRPr lang="en-US" sz="3600" dirty="0"/>
+              </a:p>
+              <a:p>
+                <a:r>
+                  <a:rPr lang="en-US" sz="3600" dirty="0"/>
+                  <a:t>After </a:t>
+                </a:r>
+                <a:r>
+                  <a:rPr lang="en-US" sz="3600" dirty="0" err="1"/>
+                  <a:t>RWA</a:t>
+                </a:r>
+                <a:r>
+                  <a:rPr lang="en-US" sz="3600" dirty="0"/>
+                  <a:t>, the only remaining term is </a:t>
+                </a:r>
+                <a14:m>
+                  <m:oMath xmlns:m="http://schemas.openxmlformats.org/officeDocument/2006/math">
+                    <m:sSubSup>
+                      <m:sSubSupPr>
+                        <m:ctrlPr>
+                          <a:rPr lang="en-US" sz="3600" b="0" i="1" smtClean="0">
+                            <a:latin typeface="Cambria Math" panose="02040503050406030204" pitchFamily="18" charset="0"/>
+                          </a:rPr>
+                        </m:ctrlPr>
+                      </m:sSubSupPr>
+                      <m:e>
+                        <m:r>
+                          <a:rPr lang="en-US" sz="3600" b="0" i="1" smtClean="0">
+                            <a:latin typeface="Cambria Math" panose="02040503050406030204" pitchFamily="18" charset="0"/>
+                          </a:rPr>
+                          <m:t>𝑆</m:t>
+                        </m:r>
+                      </m:e>
+                      <m:sub>
+                        <m:r>
+                          <a:rPr lang="en-US" sz="3600" b="0" i="1" smtClean="0">
+                            <a:latin typeface="Cambria Math" panose="02040503050406030204" pitchFamily="18" charset="0"/>
+                          </a:rPr>
+                          <m:t>𝑖</m:t>
+                        </m:r>
+                      </m:sub>
+                      <m:sup>
+                        <m:r>
+                          <a:rPr lang="en-US" sz="3600" b="0" i="1" smtClean="0">
+                            <a:latin typeface="Cambria Math" panose="02040503050406030204" pitchFamily="18" charset="0"/>
+                          </a:rPr>
+                          <m:t>+</m:t>
+                        </m:r>
+                      </m:sup>
+                    </m:sSubSup>
+                    <m:sSubSup>
+                      <m:sSubSupPr>
+                        <m:ctrlPr>
+                          <a:rPr lang="en-US" sz="3600" b="0" i="1" smtClean="0">
+                            <a:latin typeface="Cambria Math" panose="02040503050406030204" pitchFamily="18" charset="0"/>
+                          </a:rPr>
+                        </m:ctrlPr>
+                      </m:sSubSupPr>
+                      <m:e>
+                        <m:r>
+                          <a:rPr lang="en-US" sz="3600" b="0" i="1" smtClean="0">
+                            <a:latin typeface="Cambria Math" panose="02040503050406030204" pitchFamily="18" charset="0"/>
+                          </a:rPr>
+                          <m:t>𝑆</m:t>
+                        </m:r>
+                      </m:e>
+                      <m:sub>
+                        <m:r>
+                          <a:rPr lang="en-US" sz="3600" b="0" i="1" smtClean="0">
+                            <a:latin typeface="Cambria Math" panose="02040503050406030204" pitchFamily="18" charset="0"/>
+                          </a:rPr>
+                          <m:t>𝑖</m:t>
+                        </m:r>
+                      </m:sub>
+                      <m:sup>
+                        <m:r>
+                          <a:rPr lang="en-US" sz="3600" b="0" i="1" smtClean="0">
+                            <a:latin typeface="Cambria Math" panose="02040503050406030204" pitchFamily="18" charset="0"/>
+                          </a:rPr>
+                          <m:t>−</m:t>
+                        </m:r>
+                      </m:sup>
+                    </m:sSubSup>
+                    <m:r>
+                      <a:rPr lang="en-US" sz="3600" b="0" i="1" smtClean="0">
+                        <a:latin typeface="Cambria Math" panose="02040503050406030204" pitchFamily="18" charset="0"/>
+                      </a:rPr>
+                      <m:t>𝜌</m:t>
+                    </m:r>
+                  </m:oMath>
+                </a14:m>
+                <a:r>
+                  <a:rPr lang="en-US" sz="3600" dirty="0"/>
+                  <a:t> and </a:t>
+                </a:r>
+                <a14:m>
+                  <m:oMath xmlns:m="http://schemas.openxmlformats.org/officeDocument/2006/math">
+                    <m:sSubSup>
+                      <m:sSubSupPr>
+                        <m:ctrlPr>
+                          <a:rPr lang="en-US" sz="3600" b="0" i="1" smtClean="0">
+                            <a:latin typeface="Cambria Math" panose="02040503050406030204" pitchFamily="18" charset="0"/>
+                          </a:rPr>
+                        </m:ctrlPr>
+                      </m:sSubSupPr>
+                      <m:e>
+                        <m:r>
+                          <a:rPr lang="en-US" sz="3600" b="0" i="1" smtClean="0">
+                            <a:latin typeface="Cambria Math" panose="02040503050406030204" pitchFamily="18" charset="0"/>
+                          </a:rPr>
+                          <m:t>𝑆</m:t>
+                        </m:r>
+                      </m:e>
+                      <m:sub>
+                        <m:r>
+                          <a:rPr lang="en-US" sz="3600" b="0" i="1" smtClean="0">
+                            <a:latin typeface="Cambria Math" panose="02040503050406030204" pitchFamily="18" charset="0"/>
+                          </a:rPr>
+                          <m:t>1</m:t>
+                        </m:r>
+                      </m:sub>
+                      <m:sup>
+                        <m:r>
+                          <a:rPr lang="en-US" sz="3600" b="0" i="1" smtClean="0">
+                            <a:latin typeface="Cambria Math" panose="02040503050406030204" pitchFamily="18" charset="0"/>
+                          </a:rPr>
+                          <m:t>+</m:t>
+                        </m:r>
+                      </m:sup>
+                    </m:sSubSup>
+                    <m:sSubSup>
+                      <m:sSubSupPr>
+                        <m:ctrlPr>
+                          <a:rPr lang="en-US" sz="3600" b="0" i="1" smtClean="0">
+                            <a:latin typeface="Cambria Math" panose="02040503050406030204" pitchFamily="18" charset="0"/>
+                          </a:rPr>
+                        </m:ctrlPr>
+                      </m:sSubSupPr>
+                      <m:e>
+                        <m:r>
+                          <a:rPr lang="en-US" sz="3600" b="0" i="1" smtClean="0">
+                            <a:latin typeface="Cambria Math" panose="02040503050406030204" pitchFamily="18" charset="0"/>
+                          </a:rPr>
+                          <m:t>𝑆</m:t>
+                        </m:r>
+                      </m:e>
+                      <m:sub>
+                        <m:r>
+                          <a:rPr lang="en-US" sz="3600" b="0" i="1" smtClean="0">
+                            <a:latin typeface="Cambria Math" panose="02040503050406030204" pitchFamily="18" charset="0"/>
+                          </a:rPr>
+                          <m:t>2</m:t>
+                        </m:r>
+                      </m:sub>
+                      <m:sup>
+                        <m:r>
+                          <a:rPr lang="en-US" sz="3600" b="0" i="1" smtClean="0">
+                            <a:latin typeface="Cambria Math" panose="02040503050406030204" pitchFamily="18" charset="0"/>
+                          </a:rPr>
+                          <m:t>+</m:t>
+                        </m:r>
+                      </m:sup>
+                    </m:sSubSup>
+                    <m:r>
+                      <a:rPr lang="en-US" sz="3600" b="0" i="1" smtClean="0">
+                        <a:latin typeface="Cambria Math" panose="02040503050406030204" pitchFamily="18" charset="0"/>
+                      </a:rPr>
+                      <m:t>𝜌</m:t>
+                    </m:r>
+                  </m:oMath>
+                </a14:m>
+                <a:endParaRPr lang="en-US" sz="3600" dirty="0"/>
+              </a:p>
+            </p:txBody>
+          </p:sp>
+        </mc:Choice>
+        <mc:Fallback>
+          <p:sp>
+            <p:nvSpPr>
+              <p:cNvPr id="18" name="TextBox 17">
+                <a:extLst>
+                  <a:ext uri="{FF2B5EF4-FFF2-40B4-BE49-F238E27FC236}">
+                    <a16:creationId xmlns:a16="http://schemas.microsoft.com/office/drawing/2014/main" id="{0B3E3616-4A72-48E6-9919-04D640AFD943}"/>
+                  </a:ext>
+                </a:extLst>
+              </p:cNvPr>
+              <p:cNvSpPr txBox="1">
+                <a:spLocks noRot="1" noChangeAspect="1" noMove="1" noResize="1" noEditPoints="1" noAdjustHandles="1" noChangeArrowheads="1" noChangeShapeType="1" noTextEdit="1"/>
+              </p:cNvSpPr>
+              <p:nvPr/>
+            </p:nvSpPr>
+            <p:spPr>
+              <a:xfrm>
+                <a:off x="543492" y="4312865"/>
+                <a:ext cx="11546305" cy="2122441"/>
+              </a:xfrm>
+              <a:prstGeom prst="rect">
+                <a:avLst/>
+              </a:prstGeom>
+              <a:blipFill>
+                <a:blip r:embed="rId5"/>
+                <a:stretch>
+                  <a:fillRect l="-1584" t="-1433" b="-8596"/>
+                </a:stretch>
+              </a:blipFill>
+            </p:spPr>
+            <p:txBody>
+              <a:bodyPr/>
+              <a:lstStyle/>
+              <a:p>
+                <a:r>
+                  <a:rPr lang="en-US">
+                    <a:noFill/>
+                  </a:rPr>
+                  <a:t> </a:t>
+                </a:r>
+              </a:p>
+            </p:txBody>
+          </p:sp>
+        </mc:Fallback>
+      </mc:AlternateContent>
+    </p:spTree>
+    <p:extLst>
+      <p:ext uri="{BB962C8B-B14F-4D97-AF65-F5344CB8AC3E}">
+        <p14:creationId xmlns:p14="http://schemas.microsoft.com/office/powerpoint/2010/main" val="895230168"/>
+      </p:ext>
+    </p:extLst>
+  </p:cSld>
+  <p:clrMapOvr>
+    <a:masterClrMapping/>
+  </p:clrMapOvr>
+</p:sld>
+</file>
+
+<file path=ppt/slides/slide7.xml><?xml version="1.0" encoding="utf-8"?>
 <p:sld xmlns:a="http://schemas.openxmlformats.org/drawingml/2006/main" xmlns:r="http://schemas.openxmlformats.org/officeDocument/2006/relationships" xmlns:p="http://schemas.openxmlformats.org/presentationml/2006/main">
   <p:cSld>
     <p:spTree>

--- a/3-level.pptx
+++ b/3-level.pptx
@@ -15,13 +15,14 @@
     <p:sldId id="256" r:id="rId9"/>
     <p:sldId id="261" r:id="rId10"/>
     <p:sldId id="273" r:id="rId11"/>
-    <p:sldId id="276" r:id="rId12"/>
-    <p:sldId id="277" r:id="rId13"/>
-    <p:sldId id="263" r:id="rId14"/>
-    <p:sldId id="264" r:id="rId15"/>
-    <p:sldId id="266" r:id="rId16"/>
-    <p:sldId id="265" r:id="rId17"/>
-    <p:sldId id="258" r:id="rId18"/>
+    <p:sldId id="278" r:id="rId12"/>
+    <p:sldId id="276" r:id="rId13"/>
+    <p:sldId id="277" r:id="rId14"/>
+    <p:sldId id="263" r:id="rId15"/>
+    <p:sldId id="264" r:id="rId16"/>
+    <p:sldId id="266" r:id="rId17"/>
+    <p:sldId id="265" r:id="rId18"/>
+    <p:sldId id="258" r:id="rId19"/>
   </p:sldIdLst>
   <p:sldSz cx="12192000" cy="6858000"/>
   <p:notesSz cx="6858000" cy="9144000"/>
@@ -3713,8 +3714,8 @@
           <a:chExt cx="0" cy="0"/>
         </a:xfrm>
       </p:grpSpPr>
-      <mc:AlternateContent xmlns:mc="http://schemas.openxmlformats.org/markup-compatibility/2006">
-        <mc:Choice xmlns:a14="http://schemas.microsoft.com/office/drawing/2010/main" Requires="a14">
+      <mc:AlternateContent xmlns:mc="http://schemas.openxmlformats.org/markup-compatibility/2006" xmlns:a14="http://schemas.microsoft.com/office/drawing/2010/main">
+        <mc:Choice Requires="a14">
           <p:sp>
             <p:nvSpPr>
               <p:cNvPr id="4" name="TextBox 3">
@@ -3792,7 +3793,7 @@
             </p:txBody>
           </p:sp>
         </mc:Choice>
-        <mc:Fallback>
+        <mc:Fallback xmlns="">
           <p:sp>
             <p:nvSpPr>
               <p:cNvPr id="4" name="TextBox 3">
@@ -4805,207 +4806,14 @@
           <a:chExt cx="0" cy="0"/>
         </a:xfrm>
       </p:grpSpPr>
-      <p:cxnSp>
-        <p:nvCxnSpPr>
-          <p:cNvPr id="5" name="Straight Connector 4">
-            <a:extLst>
-              <a:ext uri="{FF2B5EF4-FFF2-40B4-BE49-F238E27FC236}">
-                <a16:creationId xmlns:a16="http://schemas.microsoft.com/office/drawing/2014/main" id="{CD2DB9A7-CC8B-4AC0-897D-769765A933B8}"/>
-              </a:ext>
-            </a:extLst>
-          </p:cNvPr>
-          <p:cNvCxnSpPr/>
-          <p:nvPr/>
-        </p:nvCxnSpPr>
-        <p:spPr>
-          <a:xfrm>
-            <a:off x="1395663" y="2847474"/>
-            <a:ext cx="1275348" cy="0"/>
-          </a:xfrm>
-          <a:prstGeom prst="line">
-            <a:avLst/>
-          </a:prstGeom>
-          <a:ln w="38100"/>
-        </p:spPr>
-        <p:style>
-          <a:lnRef idx="1">
-            <a:schemeClr val="dk1"/>
-          </a:lnRef>
-          <a:fillRef idx="0">
-            <a:schemeClr val="dk1"/>
-          </a:fillRef>
-          <a:effectRef idx="0">
-            <a:schemeClr val="dk1"/>
-          </a:effectRef>
-          <a:fontRef idx="minor">
-            <a:schemeClr val="tx1"/>
-          </a:fontRef>
-        </p:style>
-      </p:cxnSp>
-      <p:cxnSp>
-        <p:nvCxnSpPr>
-          <p:cNvPr id="6" name="Straight Connector 5">
-            <a:extLst>
-              <a:ext uri="{FF2B5EF4-FFF2-40B4-BE49-F238E27FC236}">
-                <a16:creationId xmlns:a16="http://schemas.microsoft.com/office/drawing/2014/main" id="{26D8791F-94DE-4C8A-97F0-F53A48E67239}"/>
-              </a:ext>
-            </a:extLst>
-          </p:cNvPr>
-          <p:cNvCxnSpPr/>
-          <p:nvPr/>
-        </p:nvCxnSpPr>
-        <p:spPr>
-          <a:xfrm>
-            <a:off x="312821" y="1804737"/>
-            <a:ext cx="1275348" cy="0"/>
-          </a:xfrm>
-          <a:prstGeom prst="line">
-            <a:avLst/>
-          </a:prstGeom>
-          <a:ln w="38100"/>
-        </p:spPr>
-        <p:style>
-          <a:lnRef idx="1">
-            <a:schemeClr val="dk1"/>
-          </a:lnRef>
-          <a:fillRef idx="0">
-            <a:schemeClr val="dk1"/>
-          </a:fillRef>
-          <a:effectRef idx="0">
-            <a:schemeClr val="dk1"/>
-          </a:effectRef>
-          <a:fontRef idx="minor">
-            <a:schemeClr val="tx1"/>
-          </a:fontRef>
-        </p:style>
-      </p:cxnSp>
-      <p:cxnSp>
-        <p:nvCxnSpPr>
-          <p:cNvPr id="7" name="Straight Connector 6">
-            <a:extLst>
-              <a:ext uri="{FF2B5EF4-FFF2-40B4-BE49-F238E27FC236}">
-                <a16:creationId xmlns:a16="http://schemas.microsoft.com/office/drawing/2014/main" id="{A35008F8-BE7D-42AB-A40C-B2B7EA7B0895}"/>
-              </a:ext>
-            </a:extLst>
-          </p:cNvPr>
-          <p:cNvCxnSpPr/>
-          <p:nvPr/>
-        </p:nvCxnSpPr>
-        <p:spPr>
-          <a:xfrm>
-            <a:off x="1210456" y="280738"/>
-            <a:ext cx="1275348" cy="0"/>
-          </a:xfrm>
-          <a:prstGeom prst="line">
-            <a:avLst/>
-          </a:prstGeom>
-          <a:ln w="38100"/>
-        </p:spPr>
-        <p:style>
-          <a:lnRef idx="1">
-            <a:schemeClr val="dk1"/>
-          </a:lnRef>
-          <a:fillRef idx="0">
-            <a:schemeClr val="dk1"/>
-          </a:fillRef>
-          <a:effectRef idx="0">
-            <a:schemeClr val="dk1"/>
-          </a:effectRef>
-          <a:fontRef idx="minor">
-            <a:schemeClr val="tx1"/>
-          </a:fontRef>
-        </p:style>
-      </p:cxnSp>
-      <p:cxnSp>
-        <p:nvCxnSpPr>
-          <p:cNvPr id="9" name="Straight Arrow Connector 8">
-            <a:extLst>
-              <a:ext uri="{FF2B5EF4-FFF2-40B4-BE49-F238E27FC236}">
-                <a16:creationId xmlns:a16="http://schemas.microsoft.com/office/drawing/2014/main" id="{08C4EA5E-92A7-4F10-8D19-BCCC12A67E7D}"/>
-              </a:ext>
-            </a:extLst>
-          </p:cNvPr>
-          <p:cNvCxnSpPr>
-            <a:cxnSpLocks/>
-          </p:cNvCxnSpPr>
-          <p:nvPr/>
-        </p:nvCxnSpPr>
-        <p:spPr>
-          <a:xfrm flipH="1">
-            <a:off x="1010655" y="280737"/>
-            <a:ext cx="745854" cy="1524001"/>
-          </a:xfrm>
-          <a:prstGeom prst="straightConnector1">
-            <a:avLst/>
-          </a:prstGeom>
-          <a:ln w="28575">
-            <a:tailEnd type="triangle"/>
-          </a:ln>
-        </p:spPr>
-        <p:style>
-          <a:lnRef idx="1">
-            <a:schemeClr val="accent1"/>
-          </a:lnRef>
-          <a:fillRef idx="0">
-            <a:schemeClr val="accent1"/>
-          </a:fillRef>
-          <a:effectRef idx="0">
-            <a:schemeClr val="accent1"/>
-          </a:effectRef>
-          <a:fontRef idx="minor">
-            <a:schemeClr val="tx1"/>
-          </a:fontRef>
-        </p:style>
-      </p:cxnSp>
-      <p:cxnSp>
-        <p:nvCxnSpPr>
-          <p:cNvPr id="11" name="Straight Arrow Connector 10">
-            <a:extLst>
-              <a:ext uri="{FF2B5EF4-FFF2-40B4-BE49-F238E27FC236}">
-                <a16:creationId xmlns:a16="http://schemas.microsoft.com/office/drawing/2014/main" id="{F1BC596E-79DB-490F-A48C-19244BF63801}"/>
-              </a:ext>
-            </a:extLst>
-          </p:cNvPr>
-          <p:cNvCxnSpPr>
-            <a:cxnSpLocks/>
-          </p:cNvCxnSpPr>
-          <p:nvPr/>
-        </p:nvCxnSpPr>
-        <p:spPr>
-          <a:xfrm flipH="1" flipV="1">
-            <a:off x="1775464" y="280737"/>
-            <a:ext cx="413259" cy="2566738"/>
-          </a:xfrm>
-          <a:prstGeom prst="straightConnector1">
-            <a:avLst/>
-          </a:prstGeom>
-          <a:ln w="28575">
-            <a:tailEnd type="triangle"/>
-          </a:ln>
-        </p:spPr>
-        <p:style>
-          <a:lnRef idx="1">
-            <a:schemeClr val="accent1"/>
-          </a:lnRef>
-          <a:fillRef idx="0">
-            <a:schemeClr val="accent1"/>
-          </a:fillRef>
-          <a:effectRef idx="0">
-            <a:schemeClr val="accent1"/>
-          </a:effectRef>
-          <a:fontRef idx="minor">
-            <a:schemeClr val="tx1"/>
-          </a:fontRef>
-        </p:style>
-      </p:cxnSp>
       <mc:AlternateContent xmlns:mc="http://schemas.openxmlformats.org/markup-compatibility/2006">
         <mc:Choice xmlns:a14="http://schemas.microsoft.com/office/drawing/2010/main" Requires="a14">
           <p:sp>
             <p:nvSpPr>
-              <p:cNvPr id="19" name="TextBox 18">
+              <p:cNvPr id="4" name="TextBox 3">
                 <a:extLst>
                   <a:ext uri="{FF2B5EF4-FFF2-40B4-BE49-F238E27FC236}">
-                    <a16:creationId xmlns:a16="http://schemas.microsoft.com/office/drawing/2014/main" id="{90D9BDC6-34C2-44F5-9094-31B1842D47C7}"/>
+                    <a16:creationId xmlns:a16="http://schemas.microsoft.com/office/drawing/2014/main" id="{7E7F5514-EBAC-4443-AA2C-A75FAB32B067}"/>
                   </a:ext>
                 </a:extLst>
               </p:cNvPr>
@@ -5014,534 +4822,8 @@
             </p:nvSpPr>
             <p:spPr>
               <a:xfrm>
-                <a:off x="2700900" y="-77447"/>
-                <a:ext cx="607539" cy="582836"/>
-              </a:xfrm>
-              <a:prstGeom prst="rect">
-                <a:avLst/>
-              </a:prstGeom>
-              <a:noFill/>
-            </p:spPr>
-            <p:txBody>
-              <a:bodyPr wrap="square" rtlCol="0">
-                <a:spAutoFit/>
-              </a:bodyPr>
-              <a:lstStyle/>
-              <a:p>
-                <a:pPr/>
-                <a14:m>
-                  <m:oMathPara xmlns:m="http://schemas.openxmlformats.org/officeDocument/2006/math">
-                    <m:oMathParaPr>
-                      <m:jc m:val="centerGroup"/>
-                    </m:oMathParaPr>
-                    <m:oMath xmlns:m="http://schemas.openxmlformats.org/officeDocument/2006/math">
-                      <m:sSub>
-                        <m:sSubPr>
-                          <m:ctrlPr>
-                            <a:rPr lang="en-US" sz="3200" b="0" i="1" smtClean="0">
-                              <a:latin typeface="Cambria Math" panose="02040503050406030204" pitchFamily="18" charset="0"/>
-                            </a:rPr>
-                          </m:ctrlPr>
-                        </m:sSubPr>
-                        <m:e>
-                          <m:r>
-                            <a:rPr lang="en-US" sz="3200" b="0" i="1" smtClean="0">
-                              <a:latin typeface="Cambria Math" panose="02040503050406030204" pitchFamily="18" charset="0"/>
-                            </a:rPr>
-                            <m:t>𝜔</m:t>
-                          </m:r>
-                        </m:e>
-                        <m:sub>
-                          <m:r>
-                            <a:rPr lang="en-US" sz="3200" b="0" i="1" smtClean="0">
-                              <a:latin typeface="Cambria Math" panose="02040503050406030204" pitchFamily="18" charset="0"/>
-                            </a:rPr>
-                            <m:t>𝑎</m:t>
-                          </m:r>
-                        </m:sub>
-                      </m:sSub>
-                    </m:oMath>
-                  </m:oMathPara>
-                </a14:m>
-                <a:endParaRPr lang="en-US" sz="3200" dirty="0"/>
-              </a:p>
-            </p:txBody>
-          </p:sp>
-        </mc:Choice>
-        <mc:Fallback>
-          <p:sp>
-            <p:nvSpPr>
-              <p:cNvPr id="19" name="TextBox 18">
-                <a:extLst>
-                  <a:ext uri="{FF2B5EF4-FFF2-40B4-BE49-F238E27FC236}">
-                    <a16:creationId xmlns:a16="http://schemas.microsoft.com/office/drawing/2014/main" id="{90D9BDC6-34C2-44F5-9094-31B1842D47C7}"/>
-                  </a:ext>
-                </a:extLst>
-              </p:cNvPr>
-              <p:cNvSpPr txBox="1">
-                <a:spLocks noRot="1" noChangeAspect="1" noMove="1" noResize="1" noEditPoints="1" noAdjustHandles="1" noChangeArrowheads="1" noChangeShapeType="1" noTextEdit="1"/>
-              </p:cNvSpPr>
-              <p:nvPr/>
-            </p:nvSpPr>
-            <p:spPr>
-              <a:xfrm>
-                <a:off x="2700900" y="-77447"/>
-                <a:ext cx="607539" cy="582836"/>
-              </a:xfrm>
-              <a:prstGeom prst="rect">
-                <a:avLst/>
-              </a:prstGeom>
-              <a:blipFill>
-                <a:blip r:embed="rId2"/>
-                <a:stretch>
-                  <a:fillRect/>
-                </a:stretch>
-              </a:blipFill>
-            </p:spPr>
-            <p:txBody>
-              <a:bodyPr/>
-              <a:lstStyle/>
-              <a:p>
-                <a:r>
-                  <a:rPr lang="en-US">
-                    <a:noFill/>
-                  </a:rPr>
-                  <a:t> </a:t>
-                </a:r>
-              </a:p>
-            </p:txBody>
-          </p:sp>
-        </mc:Fallback>
-      </mc:AlternateContent>
-      <mc:AlternateContent xmlns:mc="http://schemas.openxmlformats.org/markup-compatibility/2006">
-        <mc:Choice xmlns:a14="http://schemas.microsoft.com/office/drawing/2010/main" Requires="a14">
-          <p:sp>
-            <p:nvSpPr>
-              <p:cNvPr id="21" name="TextBox 20">
-                <a:extLst>
-                  <a:ext uri="{FF2B5EF4-FFF2-40B4-BE49-F238E27FC236}">
-                    <a16:creationId xmlns:a16="http://schemas.microsoft.com/office/drawing/2014/main" id="{EAC73FA7-462A-4E11-8C51-C726490734EF}"/>
-                  </a:ext>
-                </a:extLst>
-              </p:cNvPr>
-              <p:cNvSpPr txBox="1"/>
-              <p:nvPr/>
-            </p:nvSpPr>
-            <p:spPr>
-              <a:xfrm>
-                <a:off x="93065" y="1199238"/>
-                <a:ext cx="780405" cy="584775"/>
-              </a:xfrm>
-              <a:prstGeom prst="rect">
-                <a:avLst/>
-              </a:prstGeom>
-              <a:noFill/>
-            </p:spPr>
-            <p:txBody>
-              <a:bodyPr wrap="none" rtlCol="0">
-                <a:spAutoFit/>
-              </a:bodyPr>
-              <a:lstStyle/>
-              <a:p>
-                <a:pPr/>
-                <a14:m>
-                  <m:oMathPara xmlns:m="http://schemas.openxmlformats.org/officeDocument/2006/math">
-                    <m:oMathParaPr>
-                      <m:jc m:val="centerGroup"/>
-                    </m:oMathParaPr>
-                    <m:oMath xmlns:m="http://schemas.openxmlformats.org/officeDocument/2006/math">
-                      <m:sSub>
-                        <m:sSubPr>
-                          <m:ctrlPr>
-                            <a:rPr lang="en-US" sz="3200" b="0" i="1" smtClean="0">
-                              <a:latin typeface="Cambria Math" panose="02040503050406030204" pitchFamily="18" charset="0"/>
-                            </a:rPr>
-                          </m:ctrlPr>
-                        </m:sSubPr>
-                        <m:e>
-                          <m:r>
-                            <a:rPr lang="en-US" sz="3200" b="0" i="1" smtClean="0">
-                              <a:latin typeface="Cambria Math" panose="02040503050406030204" pitchFamily="18" charset="0"/>
-                            </a:rPr>
-                            <m:t>𝜔</m:t>
-                          </m:r>
-                        </m:e>
-                        <m:sub>
-                          <m:r>
-                            <a:rPr lang="en-US" sz="3200" b="0" i="1" smtClean="0">
-                              <a:latin typeface="Cambria Math" panose="02040503050406030204" pitchFamily="18" charset="0"/>
-                            </a:rPr>
-                            <m:t>𝑏</m:t>
-                          </m:r>
-                        </m:sub>
-                      </m:sSub>
-                    </m:oMath>
-                  </m:oMathPara>
-                </a14:m>
-                <a:endParaRPr lang="en-US" sz="3200" dirty="0"/>
-              </a:p>
-            </p:txBody>
-          </p:sp>
-        </mc:Choice>
-        <mc:Fallback>
-          <p:sp>
-            <p:nvSpPr>
-              <p:cNvPr id="21" name="TextBox 20">
-                <a:extLst>
-                  <a:ext uri="{FF2B5EF4-FFF2-40B4-BE49-F238E27FC236}">
-                    <a16:creationId xmlns:a16="http://schemas.microsoft.com/office/drawing/2014/main" id="{EAC73FA7-462A-4E11-8C51-C726490734EF}"/>
-                  </a:ext>
-                </a:extLst>
-              </p:cNvPr>
-              <p:cNvSpPr txBox="1">
-                <a:spLocks noRot="1" noChangeAspect="1" noMove="1" noResize="1" noEditPoints="1" noAdjustHandles="1" noChangeArrowheads="1" noChangeShapeType="1" noTextEdit="1"/>
-              </p:cNvSpPr>
-              <p:nvPr/>
-            </p:nvSpPr>
-            <p:spPr>
-              <a:xfrm>
-                <a:off x="93065" y="1199238"/>
-                <a:ext cx="780405" cy="584775"/>
-              </a:xfrm>
-              <a:prstGeom prst="rect">
-                <a:avLst/>
-              </a:prstGeom>
-              <a:blipFill>
-                <a:blip r:embed="rId3"/>
-                <a:stretch>
-                  <a:fillRect/>
-                </a:stretch>
-              </a:blipFill>
-            </p:spPr>
-            <p:txBody>
-              <a:bodyPr/>
-              <a:lstStyle/>
-              <a:p>
-                <a:r>
-                  <a:rPr lang="en-US">
-                    <a:noFill/>
-                  </a:rPr>
-                  <a:t> </a:t>
-                </a:r>
-              </a:p>
-            </p:txBody>
-          </p:sp>
-        </mc:Fallback>
-      </mc:AlternateContent>
-      <mc:AlternateContent xmlns:mc="http://schemas.openxmlformats.org/markup-compatibility/2006">
-        <mc:Choice xmlns:a14="http://schemas.microsoft.com/office/drawing/2010/main" Requires="a14">
-          <p:sp>
-            <p:nvSpPr>
-              <p:cNvPr id="22" name="TextBox 21">
-                <a:extLst>
-                  <a:ext uri="{FF2B5EF4-FFF2-40B4-BE49-F238E27FC236}">
-                    <a16:creationId xmlns:a16="http://schemas.microsoft.com/office/drawing/2014/main" id="{1A0E70DE-3EBC-44B1-B159-829EB91F833F}"/>
-                  </a:ext>
-                </a:extLst>
-              </p:cNvPr>
-              <p:cNvSpPr txBox="1"/>
-              <p:nvPr/>
-            </p:nvSpPr>
-            <p:spPr>
-              <a:xfrm>
-                <a:off x="2754447" y="2440597"/>
-                <a:ext cx="736997" cy="584775"/>
-              </a:xfrm>
-              <a:prstGeom prst="rect">
-                <a:avLst/>
-              </a:prstGeom>
-              <a:noFill/>
-            </p:spPr>
-            <p:txBody>
-              <a:bodyPr wrap="none" rtlCol="0">
-                <a:spAutoFit/>
-              </a:bodyPr>
-              <a:lstStyle/>
-              <a:p>
-                <a:pPr/>
-                <a14:m>
-                  <m:oMathPara xmlns:m="http://schemas.openxmlformats.org/officeDocument/2006/math">
-                    <m:oMathParaPr>
-                      <m:jc m:val="centerGroup"/>
-                    </m:oMathParaPr>
-                    <m:oMath xmlns:m="http://schemas.openxmlformats.org/officeDocument/2006/math">
-                      <m:sSub>
-                        <m:sSubPr>
-                          <m:ctrlPr>
-                            <a:rPr lang="en-US" sz="3200" b="0" i="1" smtClean="0">
-                              <a:latin typeface="Cambria Math" panose="02040503050406030204" pitchFamily="18" charset="0"/>
-                            </a:rPr>
-                          </m:ctrlPr>
-                        </m:sSubPr>
-                        <m:e>
-                          <m:r>
-                            <a:rPr lang="en-US" sz="3200" b="0" i="1" smtClean="0">
-                              <a:latin typeface="Cambria Math" panose="02040503050406030204" pitchFamily="18" charset="0"/>
-                            </a:rPr>
-                            <m:t>𝜔</m:t>
-                          </m:r>
-                        </m:e>
-                        <m:sub>
-                          <m:r>
-                            <a:rPr lang="en-US" sz="3200" b="0" i="1" smtClean="0">
-                              <a:latin typeface="Cambria Math" panose="02040503050406030204" pitchFamily="18" charset="0"/>
-                            </a:rPr>
-                            <m:t>𝑐</m:t>
-                          </m:r>
-                        </m:sub>
-                      </m:sSub>
-                    </m:oMath>
-                  </m:oMathPara>
-                </a14:m>
-                <a:endParaRPr lang="en-US" sz="3200" dirty="0"/>
-              </a:p>
-            </p:txBody>
-          </p:sp>
-        </mc:Choice>
-        <mc:Fallback>
-          <p:sp>
-            <p:nvSpPr>
-              <p:cNvPr id="22" name="TextBox 21">
-                <a:extLst>
-                  <a:ext uri="{FF2B5EF4-FFF2-40B4-BE49-F238E27FC236}">
-                    <a16:creationId xmlns:a16="http://schemas.microsoft.com/office/drawing/2014/main" id="{1A0E70DE-3EBC-44B1-B159-829EB91F833F}"/>
-                  </a:ext>
-                </a:extLst>
-              </p:cNvPr>
-              <p:cNvSpPr txBox="1">
-                <a:spLocks noRot="1" noChangeAspect="1" noMove="1" noResize="1" noEditPoints="1" noAdjustHandles="1" noChangeArrowheads="1" noChangeShapeType="1" noTextEdit="1"/>
-              </p:cNvSpPr>
-              <p:nvPr/>
-            </p:nvSpPr>
-            <p:spPr>
-              <a:xfrm>
-                <a:off x="2754447" y="2440597"/>
-                <a:ext cx="736997" cy="584775"/>
-              </a:xfrm>
-              <a:prstGeom prst="rect">
-                <a:avLst/>
-              </a:prstGeom>
-              <a:blipFill>
-                <a:blip r:embed="rId4"/>
-                <a:stretch>
-                  <a:fillRect/>
-                </a:stretch>
-              </a:blipFill>
-            </p:spPr>
-            <p:txBody>
-              <a:bodyPr/>
-              <a:lstStyle/>
-              <a:p>
-                <a:r>
-                  <a:rPr lang="en-US">
-                    <a:noFill/>
-                  </a:rPr>
-                  <a:t> </a:t>
-                </a:r>
-              </a:p>
-            </p:txBody>
-          </p:sp>
-        </mc:Fallback>
-      </mc:AlternateContent>
-      <mc:AlternateContent xmlns:mc="http://schemas.openxmlformats.org/markup-compatibility/2006">
-        <mc:Choice xmlns:a14="http://schemas.microsoft.com/office/drawing/2010/main" Requires="a14">
-          <p:sp>
-            <p:nvSpPr>
-              <p:cNvPr id="23" name="TextBox 22">
-                <a:extLst>
-                  <a:ext uri="{FF2B5EF4-FFF2-40B4-BE49-F238E27FC236}">
-                    <a16:creationId xmlns:a16="http://schemas.microsoft.com/office/drawing/2014/main" id="{220CE897-4960-42CF-B9D9-DBBA1CFF40B4}"/>
-                  </a:ext>
-                </a:extLst>
-              </p:cNvPr>
-              <p:cNvSpPr txBox="1"/>
-              <p:nvPr/>
-            </p:nvSpPr>
-            <p:spPr>
-              <a:xfrm>
-                <a:off x="783688" y="3403796"/>
-                <a:ext cx="3650102" cy="584775"/>
-              </a:xfrm>
-              <a:prstGeom prst="rect">
-                <a:avLst/>
-              </a:prstGeom>
-              <a:noFill/>
-            </p:spPr>
-            <p:txBody>
-              <a:bodyPr wrap="none" rtlCol="0">
-                <a:spAutoFit/>
-              </a:bodyPr>
-              <a:lstStyle/>
-              <a:p>
-                <a:pPr marL="457200" indent="-457200">
-                  <a:buFont typeface="Arial" panose="020B0604020202020204" pitchFamily="34" charset="0"/>
-                  <a:buChar char="•"/>
-                </a:pPr>
-                <a14:m>
-                  <m:oMath xmlns:m="http://schemas.openxmlformats.org/officeDocument/2006/math">
-                    <m:sSub>
-                      <m:sSubPr>
-                        <m:ctrlPr>
-                          <a:rPr lang="en-US" sz="3200" b="0" i="1" smtClean="0">
-                            <a:latin typeface="Cambria Math" panose="02040503050406030204" pitchFamily="18" charset="0"/>
-                          </a:rPr>
-                        </m:ctrlPr>
-                      </m:sSubPr>
-                      <m:e>
-                        <m:r>
-                          <a:rPr lang="en-US" sz="3200" b="0" i="1" smtClean="0">
-                            <a:latin typeface="Cambria Math" panose="02040503050406030204" pitchFamily="18" charset="0"/>
-                          </a:rPr>
-                          <m:t>𝜔</m:t>
-                        </m:r>
-                      </m:e>
-                      <m:sub>
-                        <m:r>
-                          <a:rPr lang="en-US" sz="3200" b="0" i="1" smtClean="0">
-                            <a:latin typeface="Cambria Math" panose="02040503050406030204" pitchFamily="18" charset="0"/>
-                          </a:rPr>
-                          <m:t>𝑎</m:t>
-                        </m:r>
-                        <m:r>
-                          <a:rPr lang="en-US" sz="3200" b="0" i="1" smtClean="0">
-                            <a:latin typeface="Cambria Math" panose="02040503050406030204" pitchFamily="18" charset="0"/>
-                          </a:rPr>
-                          <m:t>𝑐</m:t>
-                        </m:r>
-                      </m:sub>
-                    </m:sSub>
-                    <m:r>
-                      <a:rPr lang="en-US" sz="3200" b="0" i="1" smtClean="0">
-                        <a:latin typeface="Cambria Math" panose="02040503050406030204" pitchFamily="18" charset="0"/>
-                      </a:rPr>
-                      <m:t>+</m:t>
-                    </m:r>
-                    <m:sSub>
-                      <m:sSubPr>
-                        <m:ctrlPr>
-                          <a:rPr lang="en-US" sz="3200" b="0" i="1" smtClean="0">
-                            <a:latin typeface="Cambria Math" panose="02040503050406030204" pitchFamily="18" charset="0"/>
-                          </a:rPr>
-                        </m:ctrlPr>
-                      </m:sSubPr>
-                      <m:e>
-                        <m:r>
-                          <a:rPr lang="en-US" sz="3200" b="0" i="1" smtClean="0">
-                            <a:latin typeface="Cambria Math" panose="02040503050406030204" pitchFamily="18" charset="0"/>
-                          </a:rPr>
-                          <m:t>𝜔</m:t>
-                        </m:r>
-                      </m:e>
-                      <m:sub>
-                        <m:r>
-                          <a:rPr lang="en-US" sz="3200" b="0" i="1" smtClean="0">
-                            <a:latin typeface="Cambria Math" panose="02040503050406030204" pitchFamily="18" charset="0"/>
-                          </a:rPr>
-                          <m:t>𝑎𝑏</m:t>
-                        </m:r>
-                      </m:sub>
-                    </m:sSub>
-                    <m:r>
-                      <a:rPr lang="en-US" sz="3200" b="0" i="1" smtClean="0">
-                        <a:latin typeface="Cambria Math" panose="02040503050406030204" pitchFamily="18" charset="0"/>
-                      </a:rPr>
-                      <m:t>=2</m:t>
-                    </m:r>
-                    <m:sSub>
-                      <m:sSubPr>
-                        <m:ctrlPr>
-                          <a:rPr lang="en-US" sz="3200" b="0" i="1" smtClean="0">
-                            <a:latin typeface="Cambria Math" panose="02040503050406030204" pitchFamily="18" charset="0"/>
-                          </a:rPr>
-                        </m:ctrlPr>
-                      </m:sSubPr>
-                      <m:e>
-                        <m:r>
-                          <a:rPr lang="en-US" sz="3200" b="0" i="1" smtClean="0">
-                            <a:latin typeface="Cambria Math" panose="02040503050406030204" pitchFamily="18" charset="0"/>
-                          </a:rPr>
-                          <m:t>𝑘</m:t>
-                        </m:r>
-                      </m:e>
-                      <m:sub>
-                        <m:r>
-                          <a:rPr lang="en-US" sz="3200" b="0" i="1" smtClean="0">
-                            <a:latin typeface="Cambria Math" panose="02040503050406030204" pitchFamily="18" charset="0"/>
-                          </a:rPr>
-                          <m:t>0</m:t>
-                        </m:r>
-                      </m:sub>
-                    </m:sSub>
-                  </m:oMath>
-                </a14:m>
-                <a:endParaRPr lang="en-US" sz="3200" dirty="0"/>
-              </a:p>
-            </p:txBody>
-          </p:sp>
-        </mc:Choice>
-        <mc:Fallback>
-          <p:sp>
-            <p:nvSpPr>
-              <p:cNvPr id="23" name="TextBox 22">
-                <a:extLst>
-                  <a:ext uri="{FF2B5EF4-FFF2-40B4-BE49-F238E27FC236}">
-                    <a16:creationId xmlns:a16="http://schemas.microsoft.com/office/drawing/2014/main" id="{220CE897-4960-42CF-B9D9-DBBA1CFF40B4}"/>
-                  </a:ext>
-                </a:extLst>
-              </p:cNvPr>
-              <p:cNvSpPr txBox="1">
-                <a:spLocks noRot="1" noChangeAspect="1" noMove="1" noResize="1" noEditPoints="1" noAdjustHandles="1" noChangeArrowheads="1" noChangeShapeType="1" noTextEdit="1"/>
-              </p:cNvSpPr>
-              <p:nvPr/>
-            </p:nvSpPr>
-            <p:spPr>
-              <a:xfrm>
-                <a:off x="783688" y="3403796"/>
-                <a:ext cx="3650102" cy="584775"/>
-              </a:xfrm>
-              <a:prstGeom prst="rect">
-                <a:avLst/>
-              </a:prstGeom>
-              <a:blipFill>
-                <a:blip r:embed="rId5"/>
-                <a:stretch>
-                  <a:fillRect/>
-                </a:stretch>
-              </a:blipFill>
-            </p:spPr>
-            <p:txBody>
-              <a:bodyPr/>
-              <a:lstStyle/>
-              <a:p>
-                <a:r>
-                  <a:rPr lang="en-US">
-                    <a:noFill/>
-                  </a:rPr>
-                  <a:t> </a:t>
-                </a:r>
-              </a:p>
-            </p:txBody>
-          </p:sp>
-        </mc:Fallback>
-      </mc:AlternateContent>
-      <mc:AlternateContent xmlns:mc="http://schemas.openxmlformats.org/markup-compatibility/2006" xmlns:a14="http://schemas.microsoft.com/office/drawing/2010/main">
-        <mc:Choice Requires="a14">
-          <p:sp>
-            <p:nvSpPr>
-              <p:cNvPr id="26" name="TextBox 25">
-                <a:extLst>
-                  <a:ext uri="{FF2B5EF4-FFF2-40B4-BE49-F238E27FC236}">
-                    <a16:creationId xmlns:a16="http://schemas.microsoft.com/office/drawing/2014/main" id="{4145F6CC-61D8-488E-982E-F7B4B385C603}"/>
-                  </a:ext>
-                </a:extLst>
-              </p:cNvPr>
-              <p:cNvSpPr txBox="1"/>
-              <p:nvPr/>
-            </p:nvSpPr>
-            <p:spPr>
-              <a:xfrm>
-                <a:off x="483268" y="4514201"/>
-                <a:ext cx="11546305" cy="2095958"/>
+                <a:off x="711200" y="476250"/>
+                <a:ext cx="6343650" cy="3166829"/>
               </a:xfrm>
               <a:prstGeom prst="rect">
                 <a:avLst/>
@@ -5555,864 +4837,370 @@
               <a:lstStyle/>
               <a:p>
                 <a:r>
-                  <a:rPr lang="en-US" sz="3600" dirty="0"/>
-                  <a:t>Equation: </a:t>
+                  <a:rPr lang="en-US" sz="2800" dirty="0"/>
+                  <a:t>Steady state:</a:t>
                 </a:r>
-                <a14:m>
-                  <m:oMath xmlns:m="http://schemas.openxmlformats.org/officeDocument/2006/math">
-                    <m:sSubSup>
-                      <m:sSubSupPr>
-                        <m:ctrlPr>
-                          <a:rPr lang="en-US" sz="3600" b="0" i="1" smtClean="0">
-                            <a:latin typeface="Cambria Math" panose="02040503050406030204" pitchFamily="18" charset="0"/>
-                          </a:rPr>
-                        </m:ctrlPr>
-                      </m:sSubSupPr>
-                      <m:e>
-                        <m:r>
-                          <a:rPr lang="en-US" sz="3600" b="0" i="1" smtClean="0">
-                            <a:latin typeface="Cambria Math" panose="02040503050406030204" pitchFamily="18" charset="0"/>
-                          </a:rPr>
-                          <m:t>𝑆</m:t>
-                        </m:r>
-                      </m:e>
-                      <m:sub>
-                        <m:r>
-                          <a:rPr lang="en-US" sz="3600" b="0" i="1" smtClean="0">
-                            <a:latin typeface="Cambria Math" panose="02040503050406030204" pitchFamily="18" charset="0"/>
-                          </a:rPr>
-                          <m:t>𝑖</m:t>
-                        </m:r>
-                      </m:sub>
-                      <m:sup>
-                        <m:r>
-                          <a:rPr lang="en-US" sz="3600" b="0" i="1" smtClean="0">
-                            <a:latin typeface="Cambria Math" panose="02040503050406030204" pitchFamily="18" charset="0"/>
-                          </a:rPr>
-                          <m:t>+</m:t>
-                        </m:r>
-                      </m:sup>
-                    </m:sSubSup>
-                    <m:sSubSup>
-                      <m:sSubSupPr>
-                        <m:ctrlPr>
-                          <a:rPr lang="en-US" sz="3600" b="0" i="1" smtClean="0">
-                            <a:latin typeface="Cambria Math" panose="02040503050406030204" pitchFamily="18" charset="0"/>
-                          </a:rPr>
-                        </m:ctrlPr>
-                      </m:sSubSupPr>
-                      <m:e>
-                        <m:r>
-                          <a:rPr lang="en-US" sz="3600" b="0" i="1" smtClean="0">
-                            <a:latin typeface="Cambria Math" panose="02040503050406030204" pitchFamily="18" charset="0"/>
-                          </a:rPr>
-                          <m:t>𝑆</m:t>
-                        </m:r>
-                      </m:e>
-                      <m:sub>
-                        <m:r>
-                          <a:rPr lang="en-US" sz="3600" b="0" i="1" smtClean="0">
-                            <a:latin typeface="Cambria Math" panose="02040503050406030204" pitchFamily="18" charset="0"/>
-                          </a:rPr>
-                          <m:t>𝑗</m:t>
-                        </m:r>
-                      </m:sub>
-                      <m:sup>
-                        <m:r>
-                          <a:rPr lang="en-US" sz="3600" b="0" i="1" smtClean="0">
-                            <a:latin typeface="Cambria Math" panose="02040503050406030204" pitchFamily="18" charset="0"/>
-                          </a:rPr>
-                          <m:t>+</m:t>
-                        </m:r>
-                      </m:sup>
-                    </m:sSubSup>
-                    <m:r>
-                      <a:rPr lang="en-US" sz="3600" b="0" i="1" smtClean="0">
-                        <a:latin typeface="Cambria Math" panose="02040503050406030204" pitchFamily="18" charset="0"/>
-                      </a:rPr>
-                      <m:t>𝜌</m:t>
-                    </m:r>
-                    <m:r>
-                      <a:rPr lang="en-US" sz="3600" b="0" i="1" smtClean="0">
-                        <a:latin typeface="Cambria Math" panose="02040503050406030204" pitchFamily="18" charset="0"/>
-                      </a:rPr>
-                      <m:t>→</m:t>
-                    </m:r>
-                    <m:rad>
-                      <m:radPr>
-                        <m:degHide m:val="on"/>
-                        <m:ctrlPr>
-                          <a:rPr lang="en-US" sz="3600" b="0" i="1" smtClean="0">
-                            <a:latin typeface="Cambria Math" panose="02040503050406030204" pitchFamily="18" charset="0"/>
-                          </a:rPr>
-                        </m:ctrlPr>
-                      </m:radPr>
-                      <m:deg/>
-                      <m:e>
-                        <m:sSub>
-                          <m:sSubPr>
-                            <m:ctrlPr>
-                              <a:rPr lang="en-US" sz="3600" b="0" i="1" smtClean="0">
-                                <a:latin typeface="Cambria Math" panose="02040503050406030204" pitchFamily="18" charset="0"/>
-                              </a:rPr>
-                            </m:ctrlPr>
-                          </m:sSubPr>
-                          <m:e>
-                            <m:r>
-                              <a:rPr lang="en-US" sz="3600" b="0" i="1" smtClean="0">
-                                <a:latin typeface="Cambria Math" panose="02040503050406030204" pitchFamily="18" charset="0"/>
-                              </a:rPr>
-                              <m:t>𝛾</m:t>
-                            </m:r>
-                          </m:e>
-                          <m:sub>
-                            <m:r>
-                              <a:rPr lang="en-US" sz="3600" b="0" i="1" smtClean="0">
-                                <a:latin typeface="Cambria Math" panose="02040503050406030204" pitchFamily="18" charset="0"/>
-                              </a:rPr>
-                              <m:t>𝑖</m:t>
-                            </m:r>
-                          </m:sub>
-                        </m:sSub>
-                        <m:sSub>
-                          <m:sSubPr>
-                            <m:ctrlPr>
-                              <a:rPr lang="en-US" sz="3600" b="0" i="1" smtClean="0">
-                                <a:latin typeface="Cambria Math" panose="02040503050406030204" pitchFamily="18" charset="0"/>
-                              </a:rPr>
-                            </m:ctrlPr>
-                          </m:sSubPr>
-                          <m:e>
-                            <m:r>
-                              <a:rPr lang="en-US" sz="3600" b="0" i="1" smtClean="0">
-                                <a:latin typeface="Cambria Math" panose="02040503050406030204" pitchFamily="18" charset="0"/>
-                              </a:rPr>
-                              <m:t>𝛾</m:t>
-                            </m:r>
-                          </m:e>
-                          <m:sub>
-                            <m:r>
-                              <a:rPr lang="en-US" sz="3600" b="0" i="1" smtClean="0">
-                                <a:latin typeface="Cambria Math" panose="02040503050406030204" pitchFamily="18" charset="0"/>
-                              </a:rPr>
-                              <m:t>𝑗</m:t>
-                            </m:r>
-                          </m:sub>
-                        </m:sSub>
-                      </m:e>
-                    </m:rad>
-                    <m:sSup>
-                      <m:sSupPr>
-                        <m:ctrlPr>
-                          <a:rPr lang="en-US" sz="3600" b="0" i="1" smtClean="0">
-                            <a:latin typeface="Cambria Math" panose="02040503050406030204" pitchFamily="18" charset="0"/>
-                          </a:rPr>
-                        </m:ctrlPr>
-                      </m:sSupPr>
-                      <m:e>
-                        <m:r>
-                          <a:rPr lang="en-US" sz="3600" b="0" i="1" smtClean="0">
-                            <a:latin typeface="Cambria Math" panose="02040503050406030204" pitchFamily="18" charset="0"/>
-                          </a:rPr>
-                          <m:t>𝑒</m:t>
-                        </m:r>
-                      </m:e>
-                      <m:sup>
-                        <m:r>
-                          <a:rPr lang="en-US" sz="3600" b="0" i="1" smtClean="0">
-                            <a:latin typeface="Cambria Math" panose="02040503050406030204" pitchFamily="18" charset="0"/>
-                          </a:rPr>
-                          <m:t>𝑖</m:t>
-                        </m:r>
-                        <m:r>
-                          <a:rPr lang="en-US" sz="3600" b="0" i="1" smtClean="0">
-                            <a:latin typeface="Cambria Math" panose="02040503050406030204" pitchFamily="18" charset="0"/>
-                          </a:rPr>
-                          <m:t>(</m:t>
-                        </m:r>
-                        <m:sSub>
-                          <m:sSubPr>
-                            <m:ctrlPr>
-                              <a:rPr lang="en-US" sz="3600" b="0" i="1" smtClean="0">
-                                <a:latin typeface="Cambria Math" panose="02040503050406030204" pitchFamily="18" charset="0"/>
-                              </a:rPr>
-                            </m:ctrlPr>
-                          </m:sSubPr>
-                          <m:e>
-                            <m:r>
-                              <a:rPr lang="en-US" sz="3600" b="0" i="1" smtClean="0">
-                                <a:latin typeface="Cambria Math" panose="02040503050406030204" pitchFamily="18" charset="0"/>
-                              </a:rPr>
-                              <m:t>𝜔</m:t>
-                            </m:r>
-                          </m:e>
-                          <m:sub>
-                            <m:r>
-                              <a:rPr lang="en-US" sz="3600" b="0" i="1" smtClean="0">
-                                <a:latin typeface="Cambria Math" panose="02040503050406030204" pitchFamily="18" charset="0"/>
-                              </a:rPr>
-                              <m:t>𝑖</m:t>
-                            </m:r>
-                          </m:sub>
-                        </m:sSub>
-                        <m:r>
-                          <a:rPr lang="en-US" sz="3600" b="0" i="1" smtClean="0">
-                            <a:latin typeface="Cambria Math" panose="02040503050406030204" pitchFamily="18" charset="0"/>
-                          </a:rPr>
-                          <m:t>+</m:t>
-                        </m:r>
-                        <m:sSub>
-                          <m:sSubPr>
-                            <m:ctrlPr>
-                              <a:rPr lang="en-US" sz="3600" b="0" i="1" smtClean="0">
-                                <a:latin typeface="Cambria Math" panose="02040503050406030204" pitchFamily="18" charset="0"/>
-                              </a:rPr>
-                            </m:ctrlPr>
-                          </m:sSubPr>
-                          <m:e>
-                            <m:r>
-                              <a:rPr lang="en-US" sz="3600" b="0" i="1" smtClean="0">
-                                <a:latin typeface="Cambria Math" panose="02040503050406030204" pitchFamily="18" charset="0"/>
-                              </a:rPr>
-                              <m:t>𝜔</m:t>
-                            </m:r>
-                          </m:e>
-                          <m:sub>
-                            <m:r>
-                              <a:rPr lang="en-US" sz="3600" b="0" i="1" smtClean="0">
-                                <a:latin typeface="Cambria Math" panose="02040503050406030204" pitchFamily="18" charset="0"/>
-                              </a:rPr>
-                              <m:t>𝑗</m:t>
-                            </m:r>
-                          </m:sub>
-                        </m:sSub>
-                        <m:r>
-                          <a:rPr lang="en-US" sz="3600" b="0" i="1" smtClean="0">
-                            <a:latin typeface="Cambria Math" panose="02040503050406030204" pitchFamily="18" charset="0"/>
-                          </a:rPr>
-                          <m:t>−2</m:t>
-                        </m:r>
-                        <m:sSub>
-                          <m:sSubPr>
-                            <m:ctrlPr>
-                              <a:rPr lang="en-US" sz="3600" b="0" i="1" smtClean="0">
-                                <a:latin typeface="Cambria Math" panose="02040503050406030204" pitchFamily="18" charset="0"/>
-                              </a:rPr>
-                            </m:ctrlPr>
-                          </m:sSubPr>
-                          <m:e>
-                            <m:r>
-                              <a:rPr lang="en-US" sz="3600" b="0" i="1" smtClean="0">
-                                <a:latin typeface="Cambria Math" panose="02040503050406030204" pitchFamily="18" charset="0"/>
-                              </a:rPr>
-                              <m:t>𝑘</m:t>
-                            </m:r>
-                          </m:e>
-                          <m:sub>
-                            <m:r>
-                              <a:rPr lang="en-US" sz="3600" b="0" i="1" smtClean="0">
-                                <a:latin typeface="Cambria Math" panose="02040503050406030204" pitchFamily="18" charset="0"/>
-                              </a:rPr>
-                              <m:t>0</m:t>
-                            </m:r>
-                          </m:sub>
-                        </m:sSub>
-                        <m:r>
-                          <a:rPr lang="en-US" sz="3600" b="0" i="1" smtClean="0">
-                            <a:latin typeface="Cambria Math" panose="02040503050406030204" pitchFamily="18" charset="0"/>
-                          </a:rPr>
-                          <m:t>)</m:t>
-                        </m:r>
-                        <m:r>
-                          <a:rPr lang="en-US" sz="3600" b="0" i="1" smtClean="0">
-                            <a:latin typeface="Cambria Math" panose="02040503050406030204" pitchFamily="18" charset="0"/>
-                          </a:rPr>
-                          <m:t>𝑡</m:t>
-                        </m:r>
-                      </m:sup>
-                    </m:sSup>
-                    <m:sSubSup>
-                      <m:sSubSupPr>
-                        <m:ctrlPr>
-                          <a:rPr lang="en-US" sz="3600" b="0" i="1" smtClean="0">
-                            <a:latin typeface="Cambria Math" panose="02040503050406030204" pitchFamily="18" charset="0"/>
-                          </a:rPr>
-                        </m:ctrlPr>
-                      </m:sSubSupPr>
-                      <m:e>
-                        <m:r>
-                          <a:rPr lang="en-US" sz="3600" b="0" i="1" smtClean="0">
-                            <a:latin typeface="Cambria Math" panose="02040503050406030204" pitchFamily="18" charset="0"/>
-                          </a:rPr>
-                          <m:t>𝑆</m:t>
-                        </m:r>
-                      </m:e>
-                      <m:sub>
-                        <m:r>
-                          <a:rPr lang="en-US" sz="3600" b="0" i="1" smtClean="0">
-                            <a:latin typeface="Cambria Math" panose="02040503050406030204" pitchFamily="18" charset="0"/>
-                          </a:rPr>
-                          <m:t>𝑖</m:t>
-                        </m:r>
-                      </m:sub>
-                      <m:sup>
-                        <m:r>
-                          <a:rPr lang="en-US" sz="3600" b="0" i="1" smtClean="0">
-                            <a:latin typeface="Cambria Math" panose="02040503050406030204" pitchFamily="18" charset="0"/>
-                          </a:rPr>
-                          <m:t>+</m:t>
-                        </m:r>
-                      </m:sup>
-                    </m:sSubSup>
-                    <m:sSubSup>
-                      <m:sSubSupPr>
-                        <m:ctrlPr>
-                          <a:rPr lang="en-US" sz="3600" b="0" i="1" smtClean="0">
-                            <a:latin typeface="Cambria Math" panose="02040503050406030204" pitchFamily="18" charset="0"/>
-                          </a:rPr>
-                        </m:ctrlPr>
-                      </m:sSubSupPr>
-                      <m:e>
-                        <m:r>
-                          <a:rPr lang="en-US" sz="3600" b="0" i="1" smtClean="0">
-                            <a:latin typeface="Cambria Math" panose="02040503050406030204" pitchFamily="18" charset="0"/>
-                          </a:rPr>
-                          <m:t>𝑆</m:t>
-                        </m:r>
-                      </m:e>
-                      <m:sub>
-                        <m:r>
-                          <a:rPr lang="en-US" sz="3600" b="0" i="1" smtClean="0">
-                            <a:latin typeface="Cambria Math" panose="02040503050406030204" pitchFamily="18" charset="0"/>
-                          </a:rPr>
-                          <m:t>𝑗</m:t>
-                        </m:r>
-                      </m:sub>
-                      <m:sup>
-                        <m:r>
-                          <a:rPr lang="en-US" sz="3600" b="0" i="1" smtClean="0">
-                            <a:latin typeface="Cambria Math" panose="02040503050406030204" pitchFamily="18" charset="0"/>
-                          </a:rPr>
-                          <m:t>+</m:t>
-                        </m:r>
-                      </m:sup>
-                    </m:sSubSup>
-                    <m:r>
-                      <a:rPr lang="en-US" sz="3600" b="0" i="1" smtClean="0">
-                        <a:latin typeface="Cambria Math" panose="02040503050406030204" pitchFamily="18" charset="0"/>
-                      </a:rPr>
-                      <m:t>𝜌</m:t>
-                    </m:r>
-                  </m:oMath>
-                </a14:m>
-                <a:endParaRPr lang="en-US" sz="3600" b="0" dirty="0"/>
               </a:p>
               <a:p>
-                <a:pPr/>
+                <a:endParaRPr lang="en-US" sz="2800" dirty="0"/>
+              </a:p>
+              <a:p>
+                <a:r>
+                  <a:rPr lang="en-US" sz="2800" dirty="0"/>
+                  <a:t>Two level atom in the squeezed vacuum:</a:t>
+                </a:r>
+              </a:p>
+              <a:p>
                 <a14:m>
                   <m:oMathPara xmlns:m="http://schemas.openxmlformats.org/officeDocument/2006/math">
                     <m:oMathParaPr>
                       <m:jc m:val="centerGroup"/>
                     </m:oMathParaPr>
                     <m:oMath xmlns:m="http://schemas.openxmlformats.org/officeDocument/2006/math">
-                      <m:sSubSup>
-                        <m:sSubSupPr>
+                      <m:m>
+                        <m:mPr>
+                          <m:mcs>
+                            <m:mc>
+                              <m:mcPr>
+                                <m:count m:val="2"/>
+                                <m:mcJc m:val="center"/>
+                              </m:mcPr>
+                            </m:mc>
+                          </m:mcs>
                           <m:ctrlPr>
-                            <a:rPr lang="en-US" sz="3600" b="0" i="1" smtClean="0">
+                            <a:rPr lang="en-US" sz="2800" i="1" smtClean="0">
                               <a:latin typeface="Cambria Math" panose="02040503050406030204" pitchFamily="18" charset="0"/>
                             </a:rPr>
                           </m:ctrlPr>
-                        </m:sSubSupPr>
-                        <m:e>
-                          <m:r>
-                            <a:rPr lang="en-US" sz="3600" b="0" i="1" smtClean="0">
-                              <a:latin typeface="Cambria Math" panose="02040503050406030204" pitchFamily="18" charset="0"/>
-                            </a:rPr>
-                            <m:t>𝑆</m:t>
-                          </m:r>
-                        </m:e>
-                        <m:sub>
-                          <m:r>
-                            <a:rPr lang="en-US" sz="3600" b="0" i="1" smtClean="0">
-                              <a:latin typeface="Cambria Math" panose="02040503050406030204" pitchFamily="18" charset="0"/>
-                            </a:rPr>
-                            <m:t>𝑖</m:t>
-                          </m:r>
-                        </m:sub>
-                        <m:sup>
-                          <m:r>
-                            <a:rPr lang="en-US" sz="3600" b="0" i="1" smtClean="0">
-                              <a:latin typeface="Cambria Math" panose="02040503050406030204" pitchFamily="18" charset="0"/>
-                            </a:rPr>
-                            <m:t>+</m:t>
-                          </m:r>
-                        </m:sup>
-                      </m:sSubSup>
-                      <m:sSubSup>
-                        <m:sSubSupPr>
-                          <m:ctrlPr>
-                            <a:rPr lang="en-US" sz="3600" b="0" i="1" smtClean="0">
-                              <a:latin typeface="Cambria Math" panose="02040503050406030204" pitchFamily="18" charset="0"/>
-                            </a:rPr>
-                          </m:ctrlPr>
-                        </m:sSubSupPr>
-                        <m:e>
-                          <m:r>
-                            <a:rPr lang="en-US" sz="3600" b="0" i="1" smtClean="0">
-                              <a:latin typeface="Cambria Math" panose="02040503050406030204" pitchFamily="18" charset="0"/>
-                            </a:rPr>
-                            <m:t>𝑆</m:t>
-                          </m:r>
-                        </m:e>
-                        <m:sub>
-                          <m:r>
-                            <a:rPr lang="en-US" sz="3600" b="0" i="1" smtClean="0">
-                              <a:latin typeface="Cambria Math" panose="02040503050406030204" pitchFamily="18" charset="0"/>
-                            </a:rPr>
-                            <m:t>𝑗</m:t>
-                          </m:r>
-                        </m:sub>
-                        <m:sup>
-                          <m:r>
-                            <a:rPr lang="en-US" sz="3600" b="0" i="1" smtClean="0">
-                              <a:latin typeface="Cambria Math" panose="02040503050406030204" pitchFamily="18" charset="0"/>
-                            </a:rPr>
-                            <m:t>−</m:t>
-                          </m:r>
-                        </m:sup>
-                      </m:sSubSup>
-                      <m:r>
-                        <a:rPr lang="en-US" sz="3600" b="0" i="1" smtClean="0">
-                          <a:latin typeface="Cambria Math" panose="02040503050406030204" pitchFamily="18" charset="0"/>
-                        </a:rPr>
-                        <m:t>𝜌</m:t>
-                      </m:r>
-                      <m:r>
-                        <a:rPr lang="en-US" sz="3600" b="0" i="1" smtClean="0">
-                          <a:latin typeface="Cambria Math" panose="02040503050406030204" pitchFamily="18" charset="0"/>
-                        </a:rPr>
-                        <m:t>→</m:t>
-                      </m:r>
-                      <m:rad>
-                        <m:radPr>
-                          <m:degHide m:val="on"/>
-                          <m:ctrlPr>
-                            <a:rPr lang="en-US" sz="3600" i="1">
-                              <a:latin typeface="Cambria Math" panose="02040503050406030204" pitchFamily="18" charset="0"/>
-                            </a:rPr>
-                          </m:ctrlPr>
-                        </m:radPr>
-                        <m:deg/>
-                        <m:e>
-                          <m:sSub>
-                            <m:sSubPr>
-                              <m:ctrlPr>
-                                <a:rPr lang="en-US" sz="3600" i="1">
-                                  <a:latin typeface="Cambria Math" panose="02040503050406030204" pitchFamily="18" charset="0"/>
-                                </a:rPr>
-                              </m:ctrlPr>
-                            </m:sSubPr>
-                            <m:e>
-                              <m:r>
-                                <a:rPr lang="en-US" sz="3600" i="1">
-                                  <a:latin typeface="Cambria Math" panose="02040503050406030204" pitchFamily="18" charset="0"/>
-                                </a:rPr>
-                                <m:t>𝛾</m:t>
-                              </m:r>
-                            </m:e>
-                            <m:sub>
-                              <m:r>
-                                <a:rPr lang="en-US" sz="3600" i="1">
-                                  <a:latin typeface="Cambria Math" panose="02040503050406030204" pitchFamily="18" charset="0"/>
-                                </a:rPr>
-                                <m:t>𝑖</m:t>
-                              </m:r>
-                            </m:sub>
-                          </m:sSub>
-                          <m:sSub>
-                            <m:sSubPr>
-                              <m:ctrlPr>
-                                <a:rPr lang="en-US" sz="3600" i="1">
-                                  <a:latin typeface="Cambria Math" panose="02040503050406030204" pitchFamily="18" charset="0"/>
-                                </a:rPr>
-                              </m:ctrlPr>
-                            </m:sSubPr>
-                            <m:e>
-                              <m:r>
-                                <a:rPr lang="en-US" sz="3600" i="1">
-                                  <a:latin typeface="Cambria Math" panose="02040503050406030204" pitchFamily="18" charset="0"/>
-                                </a:rPr>
-                                <m:t>𝛾</m:t>
-                              </m:r>
-                            </m:e>
-                            <m:sub>
-                              <m:r>
-                                <a:rPr lang="en-US" sz="3600" i="1">
-                                  <a:latin typeface="Cambria Math" panose="02040503050406030204" pitchFamily="18" charset="0"/>
-                                </a:rPr>
-                                <m:t>𝑗</m:t>
-                              </m:r>
-                            </m:sub>
-                          </m:sSub>
-                        </m:e>
-                      </m:rad>
-                      <m:sSup>
-                        <m:sSupPr>
-                          <m:ctrlPr>
-                            <a:rPr lang="en-US" sz="3600" b="0" i="1" smtClean="0">
-                              <a:latin typeface="Cambria Math" panose="02040503050406030204" pitchFamily="18" charset="0"/>
-                            </a:rPr>
-                          </m:ctrlPr>
-                        </m:sSupPr>
-                        <m:e>
-                          <m:r>
-                            <a:rPr lang="en-US" sz="3600" b="0" i="1" smtClean="0">
-                              <a:latin typeface="Cambria Math" panose="02040503050406030204" pitchFamily="18" charset="0"/>
-                            </a:rPr>
-                            <m:t>𝑒</m:t>
-                          </m:r>
-                        </m:e>
-                        <m:sup>
-                          <m:r>
-                            <a:rPr lang="en-US" sz="3600" b="0" i="1" smtClean="0">
-                              <a:latin typeface="Cambria Math" panose="02040503050406030204" pitchFamily="18" charset="0"/>
-                            </a:rPr>
-                            <m:t>𝑖</m:t>
-                          </m:r>
-                          <m:r>
-                            <a:rPr lang="en-US" sz="3600" b="0" i="1" smtClean="0">
-                              <a:latin typeface="Cambria Math" panose="02040503050406030204" pitchFamily="18" charset="0"/>
-                            </a:rPr>
-                            <m:t>(</m:t>
-                          </m:r>
-                          <m:sSub>
-                            <m:sSubPr>
-                              <m:ctrlPr>
-                                <a:rPr lang="en-US" sz="3600" b="0" i="1" smtClean="0">
-                                  <a:latin typeface="Cambria Math" panose="02040503050406030204" pitchFamily="18" charset="0"/>
-                                </a:rPr>
-                              </m:ctrlPr>
-                            </m:sSubPr>
-                            <m:e>
-                              <m:r>
-                                <a:rPr lang="en-US" sz="3600" b="0" i="1" smtClean="0">
-                                  <a:latin typeface="Cambria Math" panose="02040503050406030204" pitchFamily="18" charset="0"/>
-                                </a:rPr>
-                                <m:t>𝜔</m:t>
-                              </m:r>
-                            </m:e>
-                            <m:sub>
-                              <m:r>
-                                <a:rPr lang="en-US" sz="3600" b="0" i="1" smtClean="0">
-                                  <a:latin typeface="Cambria Math" panose="02040503050406030204" pitchFamily="18" charset="0"/>
-                                </a:rPr>
-                                <m:t>𝑖</m:t>
-                              </m:r>
-                            </m:sub>
-                          </m:sSub>
-                          <m:r>
-                            <a:rPr lang="en-US" sz="3600" b="0" i="1" smtClean="0">
-                              <a:latin typeface="Cambria Math" panose="02040503050406030204" pitchFamily="18" charset="0"/>
-                            </a:rPr>
-                            <m:t>−</m:t>
-                          </m:r>
-                          <m:sSub>
-                            <m:sSubPr>
-                              <m:ctrlPr>
-                                <a:rPr lang="en-US" sz="3600" b="0" i="1" smtClean="0">
-                                  <a:latin typeface="Cambria Math" panose="02040503050406030204" pitchFamily="18" charset="0"/>
-                                </a:rPr>
-                              </m:ctrlPr>
-                            </m:sSubPr>
-                            <m:e>
-                              <m:r>
-                                <a:rPr lang="en-US" sz="3600" b="0" i="1" smtClean="0">
-                                  <a:latin typeface="Cambria Math" panose="02040503050406030204" pitchFamily="18" charset="0"/>
-                                </a:rPr>
-                                <m:t>𝜔</m:t>
-                              </m:r>
-                            </m:e>
-                            <m:sub>
-                              <m:r>
-                                <a:rPr lang="en-US" sz="3600" b="0" i="1" smtClean="0">
-                                  <a:latin typeface="Cambria Math" panose="02040503050406030204" pitchFamily="18" charset="0"/>
-                                </a:rPr>
-                                <m:t>𝑗</m:t>
-                              </m:r>
-                            </m:sub>
-                          </m:sSub>
-                          <m:r>
-                            <a:rPr lang="en-US" sz="3600" b="0" i="1" smtClean="0">
-                              <a:latin typeface="Cambria Math" panose="02040503050406030204" pitchFamily="18" charset="0"/>
-                            </a:rPr>
-                            <m:t>)</m:t>
-                          </m:r>
-                          <m:r>
-                            <a:rPr lang="en-US" sz="3600" b="0" i="1" smtClean="0">
-                              <a:latin typeface="Cambria Math" panose="02040503050406030204" pitchFamily="18" charset="0"/>
-                            </a:rPr>
-                            <m:t>𝑡</m:t>
-                          </m:r>
-                        </m:sup>
-                      </m:sSup>
-                      <m:sSubSup>
-                        <m:sSubSupPr>
-                          <m:ctrlPr>
-                            <a:rPr lang="en-US" sz="3600" b="0" i="1" smtClean="0">
-                              <a:latin typeface="Cambria Math" panose="02040503050406030204" pitchFamily="18" charset="0"/>
-                            </a:rPr>
-                          </m:ctrlPr>
-                        </m:sSubSupPr>
-                        <m:e>
-                          <m:r>
-                            <a:rPr lang="en-US" sz="3600" b="0" i="1" smtClean="0">
-                              <a:latin typeface="Cambria Math" panose="02040503050406030204" pitchFamily="18" charset="0"/>
-                            </a:rPr>
-                            <m:t>𝑆</m:t>
-                          </m:r>
-                        </m:e>
-                        <m:sub>
-                          <m:r>
-                            <a:rPr lang="en-US" sz="3600" b="0" i="1" smtClean="0">
-                              <a:latin typeface="Cambria Math" panose="02040503050406030204" pitchFamily="18" charset="0"/>
-                            </a:rPr>
-                            <m:t>𝑖</m:t>
-                          </m:r>
-                        </m:sub>
-                        <m:sup>
-                          <m:r>
-                            <a:rPr lang="en-US" sz="3600" b="0" i="1" smtClean="0">
-                              <a:latin typeface="Cambria Math" panose="02040503050406030204" pitchFamily="18" charset="0"/>
-                            </a:rPr>
-                            <m:t>+</m:t>
-                          </m:r>
-                        </m:sup>
-                      </m:sSubSup>
-                      <m:sSubSup>
-                        <m:sSubSupPr>
-                          <m:ctrlPr>
-                            <a:rPr lang="en-US" sz="3600" b="0" i="1" smtClean="0">
-                              <a:latin typeface="Cambria Math" panose="02040503050406030204" pitchFamily="18" charset="0"/>
-                            </a:rPr>
-                          </m:ctrlPr>
-                        </m:sSubSupPr>
-                        <m:e>
-                          <m:r>
-                            <a:rPr lang="en-US" sz="3600" b="0" i="1" smtClean="0">
-                              <a:latin typeface="Cambria Math" panose="02040503050406030204" pitchFamily="18" charset="0"/>
-                            </a:rPr>
-                            <m:t>𝑆</m:t>
-                          </m:r>
-                        </m:e>
-                        <m:sub>
-                          <m:r>
-                            <a:rPr lang="en-US" sz="3600" b="0" i="1" smtClean="0">
-                              <a:latin typeface="Cambria Math" panose="02040503050406030204" pitchFamily="18" charset="0"/>
-                            </a:rPr>
-                            <m:t>𝑗</m:t>
-                          </m:r>
-                        </m:sub>
-                        <m:sup>
-                          <m:r>
-                            <a:rPr lang="en-US" sz="3600" b="0" i="1" smtClean="0">
-                              <a:latin typeface="Cambria Math" panose="02040503050406030204" pitchFamily="18" charset="0"/>
-                            </a:rPr>
-                            <m:t>−</m:t>
-                          </m:r>
-                        </m:sup>
-                      </m:sSubSup>
-                      <m:r>
-                        <a:rPr lang="en-US" sz="3600" b="0" i="1" smtClean="0">
-                          <a:latin typeface="Cambria Math" panose="02040503050406030204" pitchFamily="18" charset="0"/>
-                        </a:rPr>
-                        <m:t>𝜌</m:t>
-                      </m:r>
+                        </m:mPr>
+                        <m:mr>
+                          <m:e>
+                            <m:r>
+                              <a:rPr lang="en-US" sz="2800" b="0" i="1" smtClean="0">
+                                <a:latin typeface="Cambria Math" panose="02040503050406030204" pitchFamily="18" charset="0"/>
+                              </a:rPr>
+                              <m:t>𝑠</m:t>
+                            </m:r>
+                            <m:sSup>
+                              <m:sSupPr>
+                                <m:ctrlPr>
+                                  <a:rPr lang="en-US" sz="2800" b="0" i="1" smtClean="0">
+                                    <a:latin typeface="Cambria Math" panose="02040503050406030204" pitchFamily="18" charset="0"/>
+                                  </a:rPr>
+                                </m:ctrlPr>
+                              </m:sSupPr>
+                              <m:e>
+                                <m:r>
+                                  <m:rPr>
+                                    <m:brk m:alnAt="7"/>
+                                  </m:rPr>
+                                  <a:rPr lang="en-US" sz="2800" b="0" i="1" smtClean="0">
+                                    <a:latin typeface="Cambria Math" panose="02040503050406030204" pitchFamily="18" charset="0"/>
+                                  </a:rPr>
+                                  <m:t>h</m:t>
+                                </m:r>
+                              </m:e>
+                              <m:sup>
+                                <m:r>
+                                  <m:rPr>
+                                    <m:brk m:alnAt="7"/>
+                                  </m:rPr>
+                                  <a:rPr lang="en-US" sz="2800" b="0" i="1" smtClean="0">
+                                    <a:latin typeface="Cambria Math" panose="02040503050406030204" pitchFamily="18" charset="0"/>
+                                  </a:rPr>
+                                  <m:t>2</m:t>
+                                </m:r>
+                              </m:sup>
+                            </m:sSup>
+                            <m:r>
+                              <m:rPr>
+                                <m:brk m:alnAt="7"/>
+                              </m:rPr>
+                              <a:rPr lang="en-US" sz="2800" b="0" i="1" smtClean="0">
+                                <a:latin typeface="Cambria Math" panose="02040503050406030204" pitchFamily="18" charset="0"/>
+                              </a:rPr>
+                              <m:t>/(</m:t>
+                            </m:r>
+                            <m:r>
+                              <a:rPr lang="en-US" sz="2800" b="0" i="1" smtClean="0">
+                                <a:latin typeface="Cambria Math" panose="02040503050406030204" pitchFamily="18" charset="0"/>
+                              </a:rPr>
+                              <m:t>𝑐</m:t>
+                            </m:r>
+                            <m:sSup>
+                              <m:sSupPr>
+                                <m:ctrlPr>
+                                  <a:rPr lang="en-US" sz="2800" b="0" i="1" smtClean="0">
+                                    <a:latin typeface="Cambria Math" panose="02040503050406030204" pitchFamily="18" charset="0"/>
+                                  </a:rPr>
+                                </m:ctrlPr>
+                              </m:sSupPr>
+                              <m:e>
+                                <m:r>
+                                  <m:rPr>
+                                    <m:brk m:alnAt="7"/>
+                                  </m:rPr>
+                                  <a:rPr lang="en-US" sz="2800" b="0" i="1" smtClean="0">
+                                    <a:latin typeface="Cambria Math" panose="02040503050406030204" pitchFamily="18" charset="0"/>
+                                  </a:rPr>
+                                  <m:t>h</m:t>
+                                </m:r>
+                              </m:e>
+                              <m:sup>
+                                <m:r>
+                                  <m:rPr>
+                                    <m:brk m:alnAt="7"/>
+                                  </m:rPr>
+                                  <a:rPr lang="en-US" sz="2800" b="0" i="1" smtClean="0">
+                                    <a:latin typeface="Cambria Math" panose="02040503050406030204" pitchFamily="18" charset="0"/>
+                                  </a:rPr>
+                                  <m:t>2</m:t>
+                                </m:r>
+                              </m:sup>
+                            </m:sSup>
+                            <m:r>
+                              <m:rPr>
+                                <m:brk m:alnAt="7"/>
+                              </m:rPr>
+                              <a:rPr lang="en-US" sz="2800" b="0" i="1" smtClean="0">
+                                <a:latin typeface="Cambria Math" panose="02040503050406030204" pitchFamily="18" charset="0"/>
+                              </a:rPr>
+                              <m:t>+</m:t>
+                            </m:r>
+                            <m:r>
+                              <a:rPr lang="en-US" sz="2800" b="0" i="1" smtClean="0">
+                                <a:latin typeface="Cambria Math" panose="02040503050406030204" pitchFamily="18" charset="0"/>
+                              </a:rPr>
+                              <m:t>𝑠</m:t>
+                            </m:r>
+                            <m:sSup>
+                              <m:sSupPr>
+                                <m:ctrlPr>
+                                  <a:rPr lang="en-US" sz="2800" b="0" i="1" smtClean="0">
+                                    <a:latin typeface="Cambria Math" panose="02040503050406030204" pitchFamily="18" charset="0"/>
+                                  </a:rPr>
+                                </m:ctrlPr>
+                              </m:sSupPr>
+                              <m:e>
+                                <m:r>
+                                  <m:rPr>
+                                    <m:brk m:alnAt="7"/>
+                                  </m:rPr>
+                                  <a:rPr lang="en-US" sz="2800" b="0" i="1" smtClean="0">
+                                    <a:latin typeface="Cambria Math" panose="02040503050406030204" pitchFamily="18" charset="0"/>
+                                  </a:rPr>
+                                  <m:t>h</m:t>
+                                </m:r>
+                              </m:e>
+                              <m:sup>
+                                <m:r>
+                                  <m:rPr>
+                                    <m:brk m:alnAt="7"/>
+                                  </m:rPr>
+                                  <a:rPr lang="en-US" sz="2800" b="0" i="1" smtClean="0">
+                                    <a:latin typeface="Cambria Math" panose="02040503050406030204" pitchFamily="18" charset="0"/>
+                                  </a:rPr>
+                                  <m:t>2</m:t>
+                                </m:r>
+                              </m:sup>
+                            </m:sSup>
+                            <m:r>
+                              <m:rPr>
+                                <m:brk m:alnAt="7"/>
+                              </m:rPr>
+                              <a:rPr lang="en-US" sz="2800" b="0" i="1" smtClean="0">
+                                <a:latin typeface="Cambria Math" panose="02040503050406030204" pitchFamily="18" charset="0"/>
+                              </a:rPr>
+                              <m:t>)</m:t>
+                            </m:r>
+                          </m:e>
+                          <m:e>
+                            <m:r>
+                              <a:rPr lang="en-US" sz="2800" b="0" i="1" smtClean="0">
+                                <a:latin typeface="Cambria Math" panose="02040503050406030204" pitchFamily="18" charset="0"/>
+                              </a:rPr>
+                              <m:t>0</m:t>
+                            </m:r>
+                          </m:e>
+                        </m:mr>
+                        <m:mr>
+                          <m:e>
+                            <m:r>
+                              <a:rPr lang="en-US" sz="2800" b="0" i="1" smtClean="0">
+                                <a:latin typeface="Cambria Math" panose="02040503050406030204" pitchFamily="18" charset="0"/>
+                              </a:rPr>
+                              <m:t>0</m:t>
+                            </m:r>
+                          </m:e>
+                          <m:e>
+                            <m:r>
+                              <a:rPr lang="en-US" sz="2800" b="0" i="1" smtClean="0">
+                                <a:latin typeface="Cambria Math" panose="02040503050406030204" pitchFamily="18" charset="0"/>
+                              </a:rPr>
+                              <m:t>𝑐</m:t>
+                            </m:r>
+                            <m:sSup>
+                              <m:sSupPr>
+                                <m:ctrlPr>
+                                  <a:rPr lang="en-US" sz="2800" i="1">
+                                    <a:latin typeface="Cambria Math" panose="02040503050406030204" pitchFamily="18" charset="0"/>
+                                  </a:rPr>
+                                </m:ctrlPr>
+                              </m:sSupPr>
+                              <m:e>
+                                <m:r>
+                                  <m:rPr>
+                                    <m:brk m:alnAt="7"/>
+                                  </m:rPr>
+                                  <a:rPr lang="en-US" sz="2800" i="1">
+                                    <a:latin typeface="Cambria Math" panose="02040503050406030204" pitchFamily="18" charset="0"/>
+                                  </a:rPr>
+                                  <m:t>h</m:t>
+                                </m:r>
+                              </m:e>
+                              <m:sup>
+                                <m:r>
+                                  <m:rPr>
+                                    <m:brk m:alnAt="7"/>
+                                  </m:rPr>
+                                  <a:rPr lang="en-US" sz="2800" i="1">
+                                    <a:latin typeface="Cambria Math" panose="02040503050406030204" pitchFamily="18" charset="0"/>
+                                  </a:rPr>
+                                  <m:t>2</m:t>
+                                </m:r>
+                              </m:sup>
+                            </m:sSup>
+                            <m:r>
+                              <m:rPr>
+                                <m:brk m:alnAt="7"/>
+                              </m:rPr>
+                              <a:rPr lang="en-US" sz="2800" i="1">
+                                <a:latin typeface="Cambria Math" panose="02040503050406030204" pitchFamily="18" charset="0"/>
+                              </a:rPr>
+                              <m:t>/</m:t>
+                            </m:r>
+                            <m:r>
+                              <a:rPr lang="en-US" sz="2800" i="1">
+                                <a:latin typeface="Cambria Math" panose="02040503050406030204" pitchFamily="18" charset="0"/>
+                              </a:rPr>
+                              <m:t>(</m:t>
+                            </m:r>
+                            <m:r>
+                              <a:rPr lang="en-US" sz="2800" i="1">
+                                <a:latin typeface="Cambria Math" panose="02040503050406030204" pitchFamily="18" charset="0"/>
+                              </a:rPr>
+                              <m:t>𝑐</m:t>
+                            </m:r>
+                            <m:sSup>
+                              <m:sSupPr>
+                                <m:ctrlPr>
+                                  <a:rPr lang="en-US" sz="2800" i="1">
+                                    <a:latin typeface="Cambria Math" panose="02040503050406030204" pitchFamily="18" charset="0"/>
+                                  </a:rPr>
+                                </m:ctrlPr>
+                              </m:sSupPr>
+                              <m:e>
+                                <m:r>
+                                  <m:rPr>
+                                    <m:brk m:alnAt="7"/>
+                                  </m:rPr>
+                                  <a:rPr lang="en-US" sz="2800" i="1">
+                                    <a:latin typeface="Cambria Math" panose="02040503050406030204" pitchFamily="18" charset="0"/>
+                                  </a:rPr>
+                                  <m:t>h</m:t>
+                                </m:r>
+                              </m:e>
+                              <m:sup>
+                                <m:r>
+                                  <m:rPr>
+                                    <m:brk m:alnAt="7"/>
+                                  </m:rPr>
+                                  <a:rPr lang="en-US" sz="2800" i="1">
+                                    <a:latin typeface="Cambria Math" panose="02040503050406030204" pitchFamily="18" charset="0"/>
+                                  </a:rPr>
+                                  <m:t>2</m:t>
+                                </m:r>
+                              </m:sup>
+                            </m:sSup>
+                            <m:r>
+                              <m:rPr>
+                                <m:brk m:alnAt="7"/>
+                              </m:rPr>
+                              <a:rPr lang="en-US" sz="2800" i="1">
+                                <a:latin typeface="Cambria Math" panose="02040503050406030204" pitchFamily="18" charset="0"/>
+                              </a:rPr>
+                              <m:t>+</m:t>
+                            </m:r>
+                            <m:r>
+                              <a:rPr lang="en-US" sz="2800" i="1">
+                                <a:latin typeface="Cambria Math" panose="02040503050406030204" pitchFamily="18" charset="0"/>
+                              </a:rPr>
+                              <m:t>𝑠</m:t>
+                            </m:r>
+                            <m:sSup>
+                              <m:sSupPr>
+                                <m:ctrlPr>
+                                  <a:rPr lang="en-US" sz="2800" i="1">
+                                    <a:latin typeface="Cambria Math" panose="02040503050406030204" pitchFamily="18" charset="0"/>
+                                  </a:rPr>
+                                </m:ctrlPr>
+                              </m:sSupPr>
+                              <m:e>
+                                <m:r>
+                                  <m:rPr>
+                                    <m:brk m:alnAt="7"/>
+                                  </m:rPr>
+                                  <a:rPr lang="en-US" sz="2800" i="1">
+                                    <a:latin typeface="Cambria Math" panose="02040503050406030204" pitchFamily="18" charset="0"/>
+                                  </a:rPr>
+                                  <m:t>h</m:t>
+                                </m:r>
+                              </m:e>
+                              <m:sup>
+                                <m:r>
+                                  <m:rPr>
+                                    <m:brk m:alnAt="7"/>
+                                  </m:rPr>
+                                  <a:rPr lang="en-US" sz="2800" i="1">
+                                    <a:latin typeface="Cambria Math" panose="02040503050406030204" pitchFamily="18" charset="0"/>
+                                  </a:rPr>
+                                  <m:t>2</m:t>
+                                </m:r>
+                              </m:sup>
+                            </m:sSup>
+                            <m:r>
+                              <m:rPr>
+                                <m:brk m:alnAt="7"/>
+                              </m:rPr>
+                              <a:rPr lang="en-US" sz="2800" i="1">
+                                <a:latin typeface="Cambria Math" panose="02040503050406030204" pitchFamily="18" charset="0"/>
+                              </a:rPr>
+                              <m:t>)</m:t>
+                            </m:r>
+                          </m:e>
+                        </m:mr>
+                      </m:m>
                     </m:oMath>
                   </m:oMathPara>
                 </a14:m>
-                <a:endParaRPr lang="en-US" sz="3600" dirty="0"/>
+                <a:endParaRPr lang="en-US" sz="2800" dirty="0"/>
               </a:p>
               <a:p>
-                <a:r>
-                  <a:rPr lang="en-US" sz="3600" dirty="0"/>
-                  <a:t>After </a:t>
-                </a:r>
-                <a:r>
-                  <a:rPr lang="en-US" sz="3600" dirty="0" err="1"/>
-                  <a:t>RWA</a:t>
-                </a:r>
-                <a:r>
-                  <a:rPr lang="en-US" sz="3600" dirty="0"/>
-                  <a:t>, the only remaining term is </a:t>
-                </a:r>
-                <a14:m>
-                  <m:oMath xmlns:m="http://schemas.openxmlformats.org/officeDocument/2006/math">
-                    <m:sSubSup>
-                      <m:sSubSupPr>
-                        <m:ctrlPr>
-                          <a:rPr lang="en-US" sz="3600" b="0" i="1" smtClean="0">
-                            <a:latin typeface="Cambria Math" panose="02040503050406030204" pitchFamily="18" charset="0"/>
-                          </a:rPr>
-                        </m:ctrlPr>
-                      </m:sSubSupPr>
-                      <m:e>
-                        <m:r>
-                          <a:rPr lang="en-US" sz="3600" b="0" i="1" smtClean="0">
-                            <a:latin typeface="Cambria Math" panose="02040503050406030204" pitchFamily="18" charset="0"/>
-                          </a:rPr>
-                          <m:t>𝑆</m:t>
-                        </m:r>
-                      </m:e>
-                      <m:sub>
-                        <m:r>
-                          <a:rPr lang="en-US" sz="3600" b="0" i="1" smtClean="0">
-                            <a:latin typeface="Cambria Math" panose="02040503050406030204" pitchFamily="18" charset="0"/>
-                          </a:rPr>
-                          <m:t>𝑖</m:t>
-                        </m:r>
-                      </m:sub>
-                      <m:sup>
-                        <m:r>
-                          <a:rPr lang="en-US" sz="3600" b="0" i="1" smtClean="0">
-                            <a:latin typeface="Cambria Math" panose="02040503050406030204" pitchFamily="18" charset="0"/>
-                          </a:rPr>
-                          <m:t>+</m:t>
-                        </m:r>
-                      </m:sup>
-                    </m:sSubSup>
-                    <m:sSubSup>
-                      <m:sSubSupPr>
-                        <m:ctrlPr>
-                          <a:rPr lang="en-US" sz="3600" b="0" i="1" smtClean="0">
-                            <a:latin typeface="Cambria Math" panose="02040503050406030204" pitchFamily="18" charset="0"/>
-                          </a:rPr>
-                        </m:ctrlPr>
-                      </m:sSubSupPr>
-                      <m:e>
-                        <m:r>
-                          <a:rPr lang="en-US" sz="3600" b="0" i="1" smtClean="0">
-                            <a:latin typeface="Cambria Math" panose="02040503050406030204" pitchFamily="18" charset="0"/>
-                          </a:rPr>
-                          <m:t>𝑆</m:t>
-                        </m:r>
-                      </m:e>
-                      <m:sub>
-                        <m:r>
-                          <a:rPr lang="en-US" sz="3600" b="0" i="1" smtClean="0">
-                            <a:latin typeface="Cambria Math" panose="02040503050406030204" pitchFamily="18" charset="0"/>
-                          </a:rPr>
-                          <m:t>𝑖</m:t>
-                        </m:r>
-                      </m:sub>
-                      <m:sup>
-                        <m:r>
-                          <a:rPr lang="en-US" sz="3600" b="0" i="1" smtClean="0">
-                            <a:latin typeface="Cambria Math" panose="02040503050406030204" pitchFamily="18" charset="0"/>
-                          </a:rPr>
-                          <m:t>−</m:t>
-                        </m:r>
-                      </m:sup>
-                    </m:sSubSup>
-                    <m:r>
-                      <a:rPr lang="en-US" sz="3600" b="0" i="1" smtClean="0">
-                        <a:latin typeface="Cambria Math" panose="02040503050406030204" pitchFamily="18" charset="0"/>
-                      </a:rPr>
-                      <m:t>𝜌</m:t>
-                    </m:r>
-                  </m:oMath>
-                </a14:m>
-                <a:r>
-                  <a:rPr lang="en-US" sz="3600" dirty="0"/>
-                  <a:t> and </a:t>
-                </a:r>
-                <a14:m>
-                  <m:oMath xmlns:m="http://schemas.openxmlformats.org/officeDocument/2006/math">
-                    <m:sSubSup>
-                      <m:sSubSupPr>
-                        <m:ctrlPr>
-                          <a:rPr lang="en-US" sz="3600" b="0" i="1" smtClean="0">
-                            <a:latin typeface="Cambria Math" panose="02040503050406030204" pitchFamily="18" charset="0"/>
-                          </a:rPr>
-                        </m:ctrlPr>
-                      </m:sSubSupPr>
-                      <m:e>
-                        <m:r>
-                          <a:rPr lang="en-US" sz="3600" b="0" i="1" smtClean="0">
-                            <a:latin typeface="Cambria Math" panose="02040503050406030204" pitchFamily="18" charset="0"/>
-                          </a:rPr>
-                          <m:t>𝑆</m:t>
-                        </m:r>
-                      </m:e>
-                      <m:sub>
-                        <m:r>
-                          <a:rPr lang="en-US" sz="3600" b="0" i="1" smtClean="0">
-                            <a:latin typeface="Cambria Math" panose="02040503050406030204" pitchFamily="18" charset="0"/>
-                          </a:rPr>
-                          <m:t>𝑎𝑏</m:t>
-                        </m:r>
-                      </m:sub>
-                      <m:sup>
-                        <m:r>
-                          <a:rPr lang="en-US" sz="3600" b="0" i="1" smtClean="0">
-                            <a:latin typeface="Cambria Math" panose="02040503050406030204" pitchFamily="18" charset="0"/>
-                          </a:rPr>
-                          <m:t>+</m:t>
-                        </m:r>
-                      </m:sup>
-                    </m:sSubSup>
-                    <m:sSubSup>
-                      <m:sSubSupPr>
-                        <m:ctrlPr>
-                          <a:rPr lang="en-US" sz="3600" b="0" i="1" smtClean="0">
-                            <a:latin typeface="Cambria Math" panose="02040503050406030204" pitchFamily="18" charset="0"/>
-                          </a:rPr>
-                        </m:ctrlPr>
-                      </m:sSubSupPr>
-                      <m:e>
-                        <m:r>
-                          <a:rPr lang="en-US" sz="3600" b="0" i="1" smtClean="0">
-                            <a:latin typeface="Cambria Math" panose="02040503050406030204" pitchFamily="18" charset="0"/>
-                          </a:rPr>
-                          <m:t>𝑆</m:t>
-                        </m:r>
-                      </m:e>
-                      <m:sub>
-                        <m:r>
-                          <a:rPr lang="en-US" sz="3600" b="0" i="1" smtClean="0">
-                            <a:latin typeface="Cambria Math" panose="02040503050406030204" pitchFamily="18" charset="0"/>
-                          </a:rPr>
-                          <m:t>𝑏𝑐</m:t>
-                        </m:r>
-                      </m:sub>
-                      <m:sup>
-                        <m:r>
-                          <a:rPr lang="en-US" sz="3600" b="0" i="1" smtClean="0">
-                            <a:latin typeface="Cambria Math" panose="02040503050406030204" pitchFamily="18" charset="0"/>
-                          </a:rPr>
-                          <m:t>+</m:t>
-                        </m:r>
-                      </m:sup>
-                    </m:sSubSup>
-                    <m:r>
-                      <a:rPr lang="en-US" sz="3600" b="0" i="1" smtClean="0">
-                        <a:latin typeface="Cambria Math" panose="02040503050406030204" pitchFamily="18" charset="0"/>
-                      </a:rPr>
-                      <m:t>𝜌</m:t>
-                    </m:r>
-                  </m:oMath>
-                </a14:m>
-                <a:endParaRPr lang="en-US" sz="3600" dirty="0"/>
+                <a:endParaRPr lang="en-US" sz="2800" dirty="0"/>
+              </a:p>
+              <a:p>
+                <a:endParaRPr lang="en-US" sz="2800" dirty="0"/>
               </a:p>
             </p:txBody>
           </p:sp>
         </mc:Choice>
-        <mc:Fallback xmlns="">
+        <mc:Fallback>
           <p:sp>
             <p:nvSpPr>
-              <p:cNvPr id="26" name="TextBox 25">
+              <p:cNvPr id="4" name="TextBox 3">
                 <a:extLst>
                   <a:ext uri="{FF2B5EF4-FFF2-40B4-BE49-F238E27FC236}">
-                    <a16:creationId xmlns:a16="http://schemas.microsoft.com/office/drawing/2014/main" id="{4145F6CC-61D8-488E-982E-F7B4B385C603}"/>
+                    <a16:creationId xmlns:a16="http://schemas.microsoft.com/office/drawing/2014/main" id="{7E7F5514-EBAC-4443-AA2C-A75FAB32B067}"/>
                   </a:ext>
                 </a:extLst>
               </p:cNvPr>
@@ -6423,159 +5211,16 @@
             </p:nvSpPr>
             <p:spPr>
               <a:xfrm>
-                <a:off x="483268" y="4514201"/>
-                <a:ext cx="11546305" cy="2095958"/>
+                <a:off x="711200" y="476250"/>
+                <a:ext cx="6343650" cy="3166829"/>
               </a:xfrm>
               <a:prstGeom prst="rect">
                 <a:avLst/>
               </a:prstGeom>
               <a:blipFill>
-                <a:blip r:embed="rId8"/>
+                <a:blip r:embed="rId2"/>
                 <a:stretch>
-                  <a:fillRect l="-1584" t="-1749" b="-10496"/>
-                </a:stretch>
-              </a:blipFill>
-            </p:spPr>
-            <p:txBody>
-              <a:bodyPr/>
-              <a:lstStyle/>
-              <a:p>
-                <a:r>
-                  <a:rPr lang="en-US">
-                    <a:noFill/>
-                  </a:rPr>
-                  <a:t> </a:t>
-                </a:r>
-              </a:p>
-            </p:txBody>
-          </p:sp>
-        </mc:Fallback>
-      </mc:AlternateContent>
-      <mc:AlternateContent xmlns:mc="http://schemas.openxmlformats.org/markup-compatibility/2006">
-        <mc:Choice xmlns:a14="http://schemas.microsoft.com/office/drawing/2010/main" Requires="a14">
-          <p:sp>
-            <p:nvSpPr>
-              <p:cNvPr id="8" name="TextBox 7">
-                <a:extLst>
-                  <a:ext uri="{FF2B5EF4-FFF2-40B4-BE49-F238E27FC236}">
-                    <a16:creationId xmlns:a16="http://schemas.microsoft.com/office/drawing/2014/main" id="{CDFAC2CE-B434-438A-B75F-804D8C96E08B}"/>
-                  </a:ext>
-                </a:extLst>
-              </p:cNvPr>
-              <p:cNvSpPr txBox="1"/>
-              <p:nvPr/>
-            </p:nvSpPr>
-            <p:spPr>
-              <a:xfrm>
-                <a:off x="6367244" y="781127"/>
-                <a:ext cx="3758268" cy="523220"/>
-              </a:xfrm>
-              <a:prstGeom prst="rect">
-                <a:avLst/>
-              </a:prstGeom>
-              <a:noFill/>
-            </p:spPr>
-            <p:txBody>
-              <a:bodyPr wrap="square" rtlCol="0">
-                <a:spAutoFit/>
-              </a:bodyPr>
-              <a:lstStyle/>
-              <a:p>
-                <a14:m>
-                  <m:oMath xmlns:m="http://schemas.openxmlformats.org/officeDocument/2006/math">
-                    <m:sSub>
-                      <m:sSubPr>
-                        <m:ctrlPr>
-                          <a:rPr lang="en-US" sz="2800" b="0" i="1" smtClean="0">
-                            <a:latin typeface="Cambria Math" panose="02040503050406030204" pitchFamily="18" charset="0"/>
-                          </a:rPr>
-                        </m:ctrlPr>
-                      </m:sSubPr>
-                      <m:e>
-                        <m:r>
-                          <a:rPr lang="en-US" sz="2800" b="0" i="1" smtClean="0">
-                            <a:latin typeface="Cambria Math" panose="02040503050406030204" pitchFamily="18" charset="0"/>
-                          </a:rPr>
-                          <m:t>𝜔</m:t>
-                        </m:r>
-                      </m:e>
-                      <m:sub>
-                        <m:r>
-                          <a:rPr lang="en-US" sz="2800" b="0" i="1" smtClean="0">
-                            <a:latin typeface="Cambria Math" panose="02040503050406030204" pitchFamily="18" charset="0"/>
-                          </a:rPr>
-                          <m:t>𝑏𝑐</m:t>
-                        </m:r>
-                      </m:sub>
-                    </m:sSub>
-                    <m:r>
-                      <a:rPr lang="en-US" sz="2800" b="0" i="1" smtClean="0">
-                        <a:latin typeface="Cambria Math" panose="02040503050406030204" pitchFamily="18" charset="0"/>
-                      </a:rPr>
-                      <m:t>≪</m:t>
-                    </m:r>
-                    <m:sSub>
-                      <m:sSubPr>
-                        <m:ctrlPr>
-                          <a:rPr lang="en-US" sz="2800" b="0" i="1" smtClean="0">
-                            <a:latin typeface="Cambria Math" panose="02040503050406030204" pitchFamily="18" charset="0"/>
-                          </a:rPr>
-                        </m:ctrlPr>
-                      </m:sSubPr>
-                      <m:e>
-                        <m:r>
-                          <a:rPr lang="en-US" sz="2800" b="0" i="1" smtClean="0">
-                            <a:latin typeface="Cambria Math" panose="02040503050406030204" pitchFamily="18" charset="0"/>
-                          </a:rPr>
-                          <m:t>𝜔</m:t>
-                        </m:r>
-                      </m:e>
-                      <m:sub>
-                        <m:r>
-                          <a:rPr lang="en-US" sz="2800" b="0" i="1" smtClean="0">
-                            <a:latin typeface="Cambria Math" panose="02040503050406030204" pitchFamily="18" charset="0"/>
-                          </a:rPr>
-                          <m:t>𝑎𝑐</m:t>
-                        </m:r>
-                      </m:sub>
-                    </m:sSub>
-                  </m:oMath>
-                </a14:m>
-                <a:r>
-                  <a:rPr lang="en-US" sz="2800" dirty="0"/>
-                  <a:t>, LWI</a:t>
-                </a:r>
-              </a:p>
-            </p:txBody>
-          </p:sp>
-        </mc:Choice>
-        <mc:Fallback>
-          <p:sp>
-            <p:nvSpPr>
-              <p:cNvPr id="8" name="TextBox 7">
-                <a:extLst>
-                  <a:ext uri="{FF2B5EF4-FFF2-40B4-BE49-F238E27FC236}">
-                    <a16:creationId xmlns:a16="http://schemas.microsoft.com/office/drawing/2014/main" id="{CDFAC2CE-B434-438A-B75F-804D8C96E08B}"/>
-                  </a:ext>
-                </a:extLst>
-              </p:cNvPr>
-              <p:cNvSpPr txBox="1">
-                <a:spLocks noRot="1" noChangeAspect="1" noMove="1" noResize="1" noEditPoints="1" noAdjustHandles="1" noChangeArrowheads="1" noChangeShapeType="1" noTextEdit="1"/>
-              </p:cNvSpPr>
-              <p:nvPr/>
-            </p:nvSpPr>
-            <p:spPr>
-              <a:xfrm>
-                <a:off x="6367244" y="781127"/>
-                <a:ext cx="3758268" cy="523220"/>
-              </a:xfrm>
-              <a:prstGeom prst="rect">
-                <a:avLst/>
-              </a:prstGeom>
-              <a:blipFill>
-                <a:blip r:embed="rId9"/>
-                <a:stretch>
-                  <a:fillRect t="-10465" b="-32558"/>
+                  <a:fillRect l="-2019" t="-1731"/>
                 </a:stretch>
               </a:blipFill>
             </p:spPr>
@@ -6597,7 +5242,7 @@
     </p:spTree>
     <p:extLst>
       <p:ext uri="{BB962C8B-B14F-4D97-AF65-F5344CB8AC3E}">
-        <p14:creationId xmlns:p14="http://schemas.microsoft.com/office/powerpoint/2010/main" val="860375084"/>
+        <p14:creationId xmlns:p14="http://schemas.microsoft.com/office/powerpoint/2010/main" val="1174210868"/>
       </p:ext>
     </p:extLst>
   </p:cSld>
@@ -6817,8 +5462,8 @@
           </a:fontRef>
         </p:style>
       </p:cxnSp>
-      <mc:AlternateContent xmlns:mc="http://schemas.openxmlformats.org/markup-compatibility/2006">
-        <mc:Choice xmlns:a14="http://schemas.microsoft.com/office/drawing/2010/main" Requires="a14">
+      <mc:AlternateContent xmlns:mc="http://schemas.openxmlformats.org/markup-compatibility/2006" xmlns:a14="http://schemas.microsoft.com/office/drawing/2010/main">
+        <mc:Choice Requires="a14">
           <p:sp>
             <p:nvSpPr>
               <p:cNvPr id="19" name="TextBox 18">
@@ -6887,7 +5532,7 @@
             </p:txBody>
           </p:sp>
         </mc:Choice>
-        <mc:Fallback>
+        <mc:Fallback xmlns="">
           <p:sp>
             <p:nvSpPr>
               <p:cNvPr id="19" name="TextBox 18">
@@ -6932,8 +5577,8 @@
           </p:sp>
         </mc:Fallback>
       </mc:AlternateContent>
-      <mc:AlternateContent xmlns:mc="http://schemas.openxmlformats.org/markup-compatibility/2006">
-        <mc:Choice xmlns:a14="http://schemas.microsoft.com/office/drawing/2010/main" Requires="a14">
+      <mc:AlternateContent xmlns:mc="http://schemas.openxmlformats.org/markup-compatibility/2006" xmlns:a14="http://schemas.microsoft.com/office/drawing/2010/main">
+        <mc:Choice Requires="a14">
           <p:sp>
             <p:nvSpPr>
               <p:cNvPr id="21" name="TextBox 20">
@@ -7002,7 +5647,7 @@
             </p:txBody>
           </p:sp>
         </mc:Choice>
-        <mc:Fallback>
+        <mc:Fallback xmlns="">
           <p:sp>
             <p:nvSpPr>
               <p:cNvPr id="21" name="TextBox 20">
@@ -7047,8 +5692,8 @@
           </p:sp>
         </mc:Fallback>
       </mc:AlternateContent>
-      <mc:AlternateContent xmlns:mc="http://schemas.openxmlformats.org/markup-compatibility/2006">
-        <mc:Choice xmlns:a14="http://schemas.microsoft.com/office/drawing/2010/main" Requires="a14">
+      <mc:AlternateContent xmlns:mc="http://schemas.openxmlformats.org/markup-compatibility/2006" xmlns:a14="http://schemas.microsoft.com/office/drawing/2010/main">
+        <mc:Choice Requires="a14">
           <p:sp>
             <p:nvSpPr>
               <p:cNvPr id="22" name="TextBox 21">
@@ -7117,7 +5762,7 @@
             </p:txBody>
           </p:sp>
         </mc:Choice>
-        <mc:Fallback>
+        <mc:Fallback xmlns="">
           <p:sp>
             <p:nvSpPr>
               <p:cNvPr id="22" name="TextBox 21">
@@ -7162,8 +5807,8 @@
           </p:sp>
         </mc:Fallback>
       </mc:AlternateContent>
-      <mc:AlternateContent xmlns:mc="http://schemas.openxmlformats.org/markup-compatibility/2006">
-        <mc:Choice xmlns:a14="http://schemas.microsoft.com/office/drawing/2010/main" Requires="a14">
+      <mc:AlternateContent xmlns:mc="http://schemas.openxmlformats.org/markup-compatibility/2006" xmlns:a14="http://schemas.microsoft.com/office/drawing/2010/main">
+        <mc:Choice Requires="a14">
           <p:sp>
             <p:nvSpPr>
               <p:cNvPr id="23" name="TextBox 22">
@@ -7178,8 +5823,8 @@
             </p:nvSpPr>
             <p:spPr>
               <a:xfrm>
-                <a:off x="483267" y="3388450"/>
-                <a:ext cx="3309689" cy="584775"/>
+                <a:off x="783688" y="3403796"/>
+                <a:ext cx="3650102" cy="584775"/>
               </a:xfrm>
               <a:prstGeom prst="rect">
                 <a:avLst/>
@@ -7219,7 +5864,7 @@
                           <a:rPr lang="en-US" sz="3200" b="0" i="1" smtClean="0">
                             <a:latin typeface="Cambria Math" panose="02040503050406030204" pitchFamily="18" charset="0"/>
                           </a:rPr>
-                          <m:t>𝑎</m:t>
+                          <m:t>𝑎𝑐</m:t>
                         </m:r>
                       </m:sub>
                     </m:sSub>
@@ -7227,7 +5872,7 @@
                       <a:rPr lang="en-US" sz="3200" b="0" i="1" smtClean="0">
                         <a:latin typeface="Cambria Math" panose="02040503050406030204" pitchFamily="18" charset="0"/>
                       </a:rPr>
-                      <m:t>−</m:t>
+                      <m:t>+</m:t>
                     </m:r>
                     <m:sSub>
                       <m:sSubPr>
@@ -7250,7 +5895,7 @@
                           <a:rPr lang="en-US" sz="3200" b="0" i="1" smtClean="0">
                             <a:latin typeface="Cambria Math" panose="02040503050406030204" pitchFamily="18" charset="0"/>
                           </a:rPr>
-                          <m:t>𝑏</m:t>
+                          <m:t>𝑎𝑏</m:t>
                         </m:r>
                       </m:sub>
                     </m:sSub>
@@ -7292,7 +5937,7 @@
             </p:txBody>
           </p:sp>
         </mc:Choice>
-        <mc:Fallback>
+        <mc:Fallback xmlns="">
           <p:sp>
             <p:nvSpPr>
               <p:cNvPr id="23" name="TextBox 22">
@@ -7309,8 +5954,8 @@
             </p:nvSpPr>
             <p:spPr>
               <a:xfrm>
-                <a:off x="483267" y="3388450"/>
-                <a:ext cx="3309689" cy="584775"/>
+                <a:off x="783688" y="3403796"/>
+                <a:ext cx="3650102" cy="584775"/>
               </a:xfrm>
               <a:prstGeom prst="rect">
                 <a:avLst/>
@@ -7337,8 +5982,8 @@
           </p:sp>
         </mc:Fallback>
       </mc:AlternateContent>
-      <mc:AlternateContent xmlns:mc="http://schemas.openxmlformats.org/markup-compatibility/2006">
-        <mc:Choice xmlns:a14="http://schemas.microsoft.com/office/drawing/2010/main" Requires="a14">
+      <mc:AlternateContent xmlns:mc="http://schemas.openxmlformats.org/markup-compatibility/2006" xmlns:a14="http://schemas.microsoft.com/office/drawing/2010/main">
+        <mc:Choice Requires="a14">
           <p:sp>
             <p:nvSpPr>
               <p:cNvPr id="26" name="TextBox 25">
@@ -7354,7 +5999,7 @@
             <p:spPr>
               <a:xfrm>
                 <a:off x="483268" y="4514201"/>
-                <a:ext cx="11546305" cy="2153090"/>
+                <a:ext cx="11546305" cy="2095958"/>
               </a:xfrm>
               <a:prstGeom prst="rect">
                 <a:avLst/>
@@ -7435,7 +6080,7 @@
                           <a:rPr lang="en-US" sz="3600" b="0" i="1" smtClean="0">
                             <a:latin typeface="Cambria Math" panose="02040503050406030204" pitchFamily="18" charset="0"/>
                           </a:rPr>
-                          <m:t>−</m:t>
+                          <m:t>+</m:t>
                         </m:r>
                       </m:sup>
                     </m:sSubSup>
@@ -7572,7 +6217,7 @@
                           <a:rPr lang="en-US" sz="3600" b="0" i="1" smtClean="0">
                             <a:latin typeface="Cambria Math" panose="02040503050406030204" pitchFamily="18" charset="0"/>
                           </a:rPr>
-                          <m:t>−</m:t>
+                          <m:t>+</m:t>
                         </m:r>
                         <m:sSub>
                           <m:sSubPr>
@@ -8114,6 +6759,1819 @@
                           <a:rPr lang="en-US" sz="3600" b="0" i="1" smtClean="0">
                             <a:latin typeface="Cambria Math" panose="02040503050406030204" pitchFamily="18" charset="0"/>
                           </a:rPr>
+                          <m:t>𝑖</m:t>
+                        </m:r>
+                      </m:sub>
+                      <m:sup>
+                        <m:r>
+                          <a:rPr lang="en-US" sz="3600" b="0" i="1" smtClean="0">
+                            <a:latin typeface="Cambria Math" panose="02040503050406030204" pitchFamily="18" charset="0"/>
+                          </a:rPr>
+                          <m:t>−</m:t>
+                        </m:r>
+                      </m:sup>
+                    </m:sSubSup>
+                    <m:r>
+                      <a:rPr lang="en-US" sz="3600" b="0" i="1" smtClean="0">
+                        <a:latin typeface="Cambria Math" panose="02040503050406030204" pitchFamily="18" charset="0"/>
+                      </a:rPr>
+                      <m:t>𝜌</m:t>
+                    </m:r>
+                  </m:oMath>
+                </a14:m>
+                <a:r>
+                  <a:rPr lang="en-US" sz="3600" dirty="0"/>
+                  <a:t> and </a:t>
+                </a:r>
+                <a14:m>
+                  <m:oMath xmlns:m="http://schemas.openxmlformats.org/officeDocument/2006/math">
+                    <m:sSubSup>
+                      <m:sSubSupPr>
+                        <m:ctrlPr>
+                          <a:rPr lang="en-US" sz="3600" b="0" i="1" smtClean="0">
+                            <a:latin typeface="Cambria Math" panose="02040503050406030204" pitchFamily="18" charset="0"/>
+                          </a:rPr>
+                        </m:ctrlPr>
+                      </m:sSubSupPr>
+                      <m:e>
+                        <m:r>
+                          <a:rPr lang="en-US" sz="3600" b="0" i="1" smtClean="0">
+                            <a:latin typeface="Cambria Math" panose="02040503050406030204" pitchFamily="18" charset="0"/>
+                          </a:rPr>
+                          <m:t>𝑆</m:t>
+                        </m:r>
+                      </m:e>
+                      <m:sub>
+                        <m:r>
+                          <a:rPr lang="en-US" sz="3600" b="0" i="1" smtClean="0">
+                            <a:latin typeface="Cambria Math" panose="02040503050406030204" pitchFamily="18" charset="0"/>
+                          </a:rPr>
+                          <m:t>𝑎𝑏</m:t>
+                        </m:r>
+                      </m:sub>
+                      <m:sup>
+                        <m:r>
+                          <a:rPr lang="en-US" sz="3600" b="0" i="1" smtClean="0">
+                            <a:latin typeface="Cambria Math" panose="02040503050406030204" pitchFamily="18" charset="0"/>
+                          </a:rPr>
+                          <m:t>+</m:t>
+                        </m:r>
+                      </m:sup>
+                    </m:sSubSup>
+                    <m:sSubSup>
+                      <m:sSubSupPr>
+                        <m:ctrlPr>
+                          <a:rPr lang="en-US" sz="3600" b="0" i="1" smtClean="0">
+                            <a:latin typeface="Cambria Math" panose="02040503050406030204" pitchFamily="18" charset="0"/>
+                          </a:rPr>
+                        </m:ctrlPr>
+                      </m:sSubSupPr>
+                      <m:e>
+                        <m:r>
+                          <a:rPr lang="en-US" sz="3600" b="0" i="1" smtClean="0">
+                            <a:latin typeface="Cambria Math" panose="02040503050406030204" pitchFamily="18" charset="0"/>
+                          </a:rPr>
+                          <m:t>𝑆</m:t>
+                        </m:r>
+                      </m:e>
+                      <m:sub>
+                        <m:r>
+                          <a:rPr lang="en-US" sz="3600" b="0" i="1" smtClean="0">
+                            <a:latin typeface="Cambria Math" panose="02040503050406030204" pitchFamily="18" charset="0"/>
+                          </a:rPr>
+                          <m:t>𝑏𝑐</m:t>
+                        </m:r>
+                      </m:sub>
+                      <m:sup>
+                        <m:r>
+                          <a:rPr lang="en-US" sz="3600" b="0" i="1" smtClean="0">
+                            <a:latin typeface="Cambria Math" panose="02040503050406030204" pitchFamily="18" charset="0"/>
+                          </a:rPr>
+                          <m:t>+</m:t>
+                        </m:r>
+                      </m:sup>
+                    </m:sSubSup>
+                    <m:r>
+                      <a:rPr lang="en-US" sz="3600" b="0" i="1" smtClean="0">
+                        <a:latin typeface="Cambria Math" panose="02040503050406030204" pitchFamily="18" charset="0"/>
+                      </a:rPr>
+                      <m:t>𝜌</m:t>
+                    </m:r>
+                  </m:oMath>
+                </a14:m>
+                <a:endParaRPr lang="en-US" sz="3600" dirty="0"/>
+              </a:p>
+            </p:txBody>
+          </p:sp>
+        </mc:Choice>
+        <mc:Fallback xmlns="">
+          <p:sp>
+            <p:nvSpPr>
+              <p:cNvPr id="26" name="TextBox 25">
+                <a:extLst>
+                  <a:ext uri="{FF2B5EF4-FFF2-40B4-BE49-F238E27FC236}">
+                    <a16:creationId xmlns:a16="http://schemas.microsoft.com/office/drawing/2014/main" id="{4145F6CC-61D8-488E-982E-F7B4B385C603}"/>
+                  </a:ext>
+                </a:extLst>
+              </p:cNvPr>
+              <p:cNvSpPr txBox="1">
+                <a:spLocks noRot="1" noChangeAspect="1" noMove="1" noResize="1" noEditPoints="1" noAdjustHandles="1" noChangeArrowheads="1" noChangeShapeType="1" noTextEdit="1"/>
+              </p:cNvSpPr>
+              <p:nvPr/>
+            </p:nvSpPr>
+            <p:spPr>
+              <a:xfrm>
+                <a:off x="483268" y="4514201"/>
+                <a:ext cx="11546305" cy="2095958"/>
+              </a:xfrm>
+              <a:prstGeom prst="rect">
+                <a:avLst/>
+              </a:prstGeom>
+              <a:blipFill>
+                <a:blip r:embed="rId8"/>
+                <a:stretch>
+                  <a:fillRect l="-1584" t="-1749" b="-10496"/>
+                </a:stretch>
+              </a:blipFill>
+            </p:spPr>
+            <p:txBody>
+              <a:bodyPr/>
+              <a:lstStyle/>
+              <a:p>
+                <a:r>
+                  <a:rPr lang="en-US">
+                    <a:noFill/>
+                  </a:rPr>
+                  <a:t> </a:t>
+                </a:r>
+              </a:p>
+            </p:txBody>
+          </p:sp>
+        </mc:Fallback>
+      </mc:AlternateContent>
+      <mc:AlternateContent xmlns:mc="http://schemas.openxmlformats.org/markup-compatibility/2006" xmlns:a14="http://schemas.microsoft.com/office/drawing/2010/main">
+        <mc:Choice Requires="a14">
+          <p:sp>
+            <p:nvSpPr>
+              <p:cNvPr id="8" name="TextBox 7">
+                <a:extLst>
+                  <a:ext uri="{FF2B5EF4-FFF2-40B4-BE49-F238E27FC236}">
+                    <a16:creationId xmlns:a16="http://schemas.microsoft.com/office/drawing/2014/main" id="{CDFAC2CE-B434-438A-B75F-804D8C96E08B}"/>
+                  </a:ext>
+                </a:extLst>
+              </p:cNvPr>
+              <p:cNvSpPr txBox="1"/>
+              <p:nvPr/>
+            </p:nvSpPr>
+            <p:spPr>
+              <a:xfrm>
+                <a:off x="6367244" y="781127"/>
+                <a:ext cx="3758268" cy="523220"/>
+              </a:xfrm>
+              <a:prstGeom prst="rect">
+                <a:avLst/>
+              </a:prstGeom>
+              <a:noFill/>
+            </p:spPr>
+            <p:txBody>
+              <a:bodyPr wrap="square" rtlCol="0">
+                <a:spAutoFit/>
+              </a:bodyPr>
+              <a:lstStyle/>
+              <a:p>
+                <a14:m>
+                  <m:oMath xmlns:m="http://schemas.openxmlformats.org/officeDocument/2006/math">
+                    <m:sSub>
+                      <m:sSubPr>
+                        <m:ctrlPr>
+                          <a:rPr lang="en-US" sz="2800" b="0" i="1" smtClean="0">
+                            <a:latin typeface="Cambria Math" panose="02040503050406030204" pitchFamily="18" charset="0"/>
+                          </a:rPr>
+                        </m:ctrlPr>
+                      </m:sSubPr>
+                      <m:e>
+                        <m:r>
+                          <a:rPr lang="en-US" sz="2800" b="0" i="1" smtClean="0">
+                            <a:latin typeface="Cambria Math" panose="02040503050406030204" pitchFamily="18" charset="0"/>
+                          </a:rPr>
+                          <m:t>𝜔</m:t>
+                        </m:r>
+                      </m:e>
+                      <m:sub>
+                        <m:r>
+                          <a:rPr lang="en-US" sz="2800" b="0" i="1" smtClean="0">
+                            <a:latin typeface="Cambria Math" panose="02040503050406030204" pitchFamily="18" charset="0"/>
+                          </a:rPr>
+                          <m:t>𝑏𝑐</m:t>
+                        </m:r>
+                      </m:sub>
+                    </m:sSub>
+                    <m:r>
+                      <a:rPr lang="en-US" sz="2800" b="0" i="1" smtClean="0">
+                        <a:latin typeface="Cambria Math" panose="02040503050406030204" pitchFamily="18" charset="0"/>
+                      </a:rPr>
+                      <m:t>≪</m:t>
+                    </m:r>
+                    <m:sSub>
+                      <m:sSubPr>
+                        <m:ctrlPr>
+                          <a:rPr lang="en-US" sz="2800" b="0" i="1" smtClean="0">
+                            <a:latin typeface="Cambria Math" panose="02040503050406030204" pitchFamily="18" charset="0"/>
+                          </a:rPr>
+                        </m:ctrlPr>
+                      </m:sSubPr>
+                      <m:e>
+                        <m:r>
+                          <a:rPr lang="en-US" sz="2800" b="0" i="1" smtClean="0">
+                            <a:latin typeface="Cambria Math" panose="02040503050406030204" pitchFamily="18" charset="0"/>
+                          </a:rPr>
+                          <m:t>𝜔</m:t>
+                        </m:r>
+                      </m:e>
+                      <m:sub>
+                        <m:r>
+                          <a:rPr lang="en-US" sz="2800" b="0" i="1" smtClean="0">
+                            <a:latin typeface="Cambria Math" panose="02040503050406030204" pitchFamily="18" charset="0"/>
+                          </a:rPr>
+                          <m:t>𝑎𝑐</m:t>
+                        </m:r>
+                      </m:sub>
+                    </m:sSub>
+                  </m:oMath>
+                </a14:m>
+                <a:r>
+                  <a:rPr lang="en-US" sz="2800" dirty="0"/>
+                  <a:t>, LWI</a:t>
+                </a:r>
+              </a:p>
+            </p:txBody>
+          </p:sp>
+        </mc:Choice>
+        <mc:Fallback xmlns="">
+          <p:sp>
+            <p:nvSpPr>
+              <p:cNvPr id="8" name="TextBox 7">
+                <a:extLst>
+                  <a:ext uri="{FF2B5EF4-FFF2-40B4-BE49-F238E27FC236}">
+                    <a16:creationId xmlns:a16="http://schemas.microsoft.com/office/drawing/2014/main" id="{CDFAC2CE-B434-438A-B75F-804D8C96E08B}"/>
+                  </a:ext>
+                </a:extLst>
+              </p:cNvPr>
+              <p:cNvSpPr txBox="1">
+                <a:spLocks noRot="1" noChangeAspect="1" noMove="1" noResize="1" noEditPoints="1" noAdjustHandles="1" noChangeArrowheads="1" noChangeShapeType="1" noTextEdit="1"/>
+              </p:cNvSpPr>
+              <p:nvPr/>
+            </p:nvSpPr>
+            <p:spPr>
+              <a:xfrm>
+                <a:off x="6367244" y="781127"/>
+                <a:ext cx="3758268" cy="523220"/>
+              </a:xfrm>
+              <a:prstGeom prst="rect">
+                <a:avLst/>
+              </a:prstGeom>
+              <a:blipFill>
+                <a:blip r:embed="rId9"/>
+                <a:stretch>
+                  <a:fillRect t="-10465" b="-32558"/>
+                </a:stretch>
+              </a:blipFill>
+            </p:spPr>
+            <p:txBody>
+              <a:bodyPr/>
+              <a:lstStyle/>
+              <a:p>
+                <a:r>
+                  <a:rPr lang="en-US">
+                    <a:noFill/>
+                  </a:rPr>
+                  <a:t> </a:t>
+                </a:r>
+              </a:p>
+            </p:txBody>
+          </p:sp>
+        </mc:Fallback>
+      </mc:AlternateContent>
+    </p:spTree>
+    <p:extLst>
+      <p:ext uri="{BB962C8B-B14F-4D97-AF65-F5344CB8AC3E}">
+        <p14:creationId xmlns:p14="http://schemas.microsoft.com/office/powerpoint/2010/main" val="860375084"/>
+      </p:ext>
+    </p:extLst>
+  </p:cSld>
+  <p:clrMapOvr>
+    <a:masterClrMapping/>
+  </p:clrMapOvr>
+</p:sld>
+</file>
+
+<file path=ppt/slides/slide13.xml><?xml version="1.0" encoding="utf-8"?>
+<p:sld xmlns:a="http://schemas.openxmlformats.org/drawingml/2006/main" xmlns:r="http://schemas.openxmlformats.org/officeDocument/2006/relationships" xmlns:p="http://schemas.openxmlformats.org/presentationml/2006/main">
+  <p:cSld>
+    <p:spTree>
+      <p:nvGrpSpPr>
+        <p:cNvPr id="1" name=""/>
+        <p:cNvGrpSpPr/>
+        <p:nvPr/>
+      </p:nvGrpSpPr>
+      <p:grpSpPr>
+        <a:xfrm>
+          <a:off x="0" y="0"/>
+          <a:ext cx="0" cy="0"/>
+          <a:chOff x="0" y="0"/>
+          <a:chExt cx="0" cy="0"/>
+        </a:xfrm>
+      </p:grpSpPr>
+      <p:cxnSp>
+        <p:nvCxnSpPr>
+          <p:cNvPr id="5" name="Straight Connector 4">
+            <a:extLst>
+              <a:ext uri="{FF2B5EF4-FFF2-40B4-BE49-F238E27FC236}">
+                <a16:creationId xmlns:a16="http://schemas.microsoft.com/office/drawing/2014/main" id="{CD2DB9A7-CC8B-4AC0-897D-769765A933B8}"/>
+              </a:ext>
+            </a:extLst>
+          </p:cNvPr>
+          <p:cNvCxnSpPr/>
+          <p:nvPr/>
+        </p:nvCxnSpPr>
+        <p:spPr>
+          <a:xfrm>
+            <a:off x="1395663" y="2847474"/>
+            <a:ext cx="1275348" cy="0"/>
+          </a:xfrm>
+          <a:prstGeom prst="line">
+            <a:avLst/>
+          </a:prstGeom>
+          <a:ln w="38100"/>
+        </p:spPr>
+        <p:style>
+          <a:lnRef idx="1">
+            <a:schemeClr val="dk1"/>
+          </a:lnRef>
+          <a:fillRef idx="0">
+            <a:schemeClr val="dk1"/>
+          </a:fillRef>
+          <a:effectRef idx="0">
+            <a:schemeClr val="dk1"/>
+          </a:effectRef>
+          <a:fontRef idx="minor">
+            <a:schemeClr val="tx1"/>
+          </a:fontRef>
+        </p:style>
+      </p:cxnSp>
+      <p:cxnSp>
+        <p:nvCxnSpPr>
+          <p:cNvPr id="6" name="Straight Connector 5">
+            <a:extLst>
+              <a:ext uri="{FF2B5EF4-FFF2-40B4-BE49-F238E27FC236}">
+                <a16:creationId xmlns:a16="http://schemas.microsoft.com/office/drawing/2014/main" id="{26D8791F-94DE-4C8A-97F0-F53A48E67239}"/>
+              </a:ext>
+            </a:extLst>
+          </p:cNvPr>
+          <p:cNvCxnSpPr/>
+          <p:nvPr/>
+        </p:nvCxnSpPr>
+        <p:spPr>
+          <a:xfrm>
+            <a:off x="312821" y="1804737"/>
+            <a:ext cx="1275348" cy="0"/>
+          </a:xfrm>
+          <a:prstGeom prst="line">
+            <a:avLst/>
+          </a:prstGeom>
+          <a:ln w="38100"/>
+        </p:spPr>
+        <p:style>
+          <a:lnRef idx="1">
+            <a:schemeClr val="dk1"/>
+          </a:lnRef>
+          <a:fillRef idx="0">
+            <a:schemeClr val="dk1"/>
+          </a:fillRef>
+          <a:effectRef idx="0">
+            <a:schemeClr val="dk1"/>
+          </a:effectRef>
+          <a:fontRef idx="minor">
+            <a:schemeClr val="tx1"/>
+          </a:fontRef>
+        </p:style>
+      </p:cxnSp>
+      <p:cxnSp>
+        <p:nvCxnSpPr>
+          <p:cNvPr id="7" name="Straight Connector 6">
+            <a:extLst>
+              <a:ext uri="{FF2B5EF4-FFF2-40B4-BE49-F238E27FC236}">
+                <a16:creationId xmlns:a16="http://schemas.microsoft.com/office/drawing/2014/main" id="{A35008F8-BE7D-42AB-A40C-B2B7EA7B0895}"/>
+              </a:ext>
+            </a:extLst>
+          </p:cNvPr>
+          <p:cNvCxnSpPr/>
+          <p:nvPr/>
+        </p:nvCxnSpPr>
+        <p:spPr>
+          <a:xfrm>
+            <a:off x="1210456" y="280738"/>
+            <a:ext cx="1275348" cy="0"/>
+          </a:xfrm>
+          <a:prstGeom prst="line">
+            <a:avLst/>
+          </a:prstGeom>
+          <a:ln w="38100"/>
+        </p:spPr>
+        <p:style>
+          <a:lnRef idx="1">
+            <a:schemeClr val="dk1"/>
+          </a:lnRef>
+          <a:fillRef idx="0">
+            <a:schemeClr val="dk1"/>
+          </a:fillRef>
+          <a:effectRef idx="0">
+            <a:schemeClr val="dk1"/>
+          </a:effectRef>
+          <a:fontRef idx="minor">
+            <a:schemeClr val="tx1"/>
+          </a:fontRef>
+        </p:style>
+      </p:cxnSp>
+      <p:cxnSp>
+        <p:nvCxnSpPr>
+          <p:cNvPr id="9" name="Straight Arrow Connector 8">
+            <a:extLst>
+              <a:ext uri="{FF2B5EF4-FFF2-40B4-BE49-F238E27FC236}">
+                <a16:creationId xmlns:a16="http://schemas.microsoft.com/office/drawing/2014/main" id="{08C4EA5E-92A7-4F10-8D19-BCCC12A67E7D}"/>
+              </a:ext>
+            </a:extLst>
+          </p:cNvPr>
+          <p:cNvCxnSpPr>
+            <a:cxnSpLocks/>
+          </p:cNvCxnSpPr>
+          <p:nvPr/>
+        </p:nvCxnSpPr>
+        <p:spPr>
+          <a:xfrm flipH="1">
+            <a:off x="1010655" y="280737"/>
+            <a:ext cx="745854" cy="1524001"/>
+          </a:xfrm>
+          <a:prstGeom prst="straightConnector1">
+            <a:avLst/>
+          </a:prstGeom>
+          <a:ln w="28575">
+            <a:tailEnd type="triangle"/>
+          </a:ln>
+        </p:spPr>
+        <p:style>
+          <a:lnRef idx="1">
+            <a:schemeClr val="accent1"/>
+          </a:lnRef>
+          <a:fillRef idx="0">
+            <a:schemeClr val="accent1"/>
+          </a:fillRef>
+          <a:effectRef idx="0">
+            <a:schemeClr val="accent1"/>
+          </a:effectRef>
+          <a:fontRef idx="minor">
+            <a:schemeClr val="tx1"/>
+          </a:fontRef>
+        </p:style>
+      </p:cxnSp>
+      <p:cxnSp>
+        <p:nvCxnSpPr>
+          <p:cNvPr id="11" name="Straight Arrow Connector 10">
+            <a:extLst>
+              <a:ext uri="{FF2B5EF4-FFF2-40B4-BE49-F238E27FC236}">
+                <a16:creationId xmlns:a16="http://schemas.microsoft.com/office/drawing/2014/main" id="{F1BC596E-79DB-490F-A48C-19244BF63801}"/>
+              </a:ext>
+            </a:extLst>
+          </p:cNvPr>
+          <p:cNvCxnSpPr>
+            <a:cxnSpLocks/>
+          </p:cNvCxnSpPr>
+          <p:nvPr/>
+        </p:nvCxnSpPr>
+        <p:spPr>
+          <a:xfrm flipH="1" flipV="1">
+            <a:off x="1775464" y="280737"/>
+            <a:ext cx="413259" cy="2566738"/>
+          </a:xfrm>
+          <a:prstGeom prst="straightConnector1">
+            <a:avLst/>
+          </a:prstGeom>
+          <a:ln w="28575">
+            <a:tailEnd type="triangle"/>
+          </a:ln>
+        </p:spPr>
+        <p:style>
+          <a:lnRef idx="1">
+            <a:schemeClr val="accent1"/>
+          </a:lnRef>
+          <a:fillRef idx="0">
+            <a:schemeClr val="accent1"/>
+          </a:fillRef>
+          <a:effectRef idx="0">
+            <a:schemeClr val="accent1"/>
+          </a:effectRef>
+          <a:fontRef idx="minor">
+            <a:schemeClr val="tx1"/>
+          </a:fontRef>
+        </p:style>
+      </p:cxnSp>
+      <mc:AlternateContent xmlns:mc="http://schemas.openxmlformats.org/markup-compatibility/2006" xmlns:a14="http://schemas.microsoft.com/office/drawing/2010/main">
+        <mc:Choice Requires="a14">
+          <p:sp>
+            <p:nvSpPr>
+              <p:cNvPr id="19" name="TextBox 18">
+                <a:extLst>
+                  <a:ext uri="{FF2B5EF4-FFF2-40B4-BE49-F238E27FC236}">
+                    <a16:creationId xmlns:a16="http://schemas.microsoft.com/office/drawing/2014/main" id="{90D9BDC6-34C2-44F5-9094-31B1842D47C7}"/>
+                  </a:ext>
+                </a:extLst>
+              </p:cNvPr>
+              <p:cNvSpPr txBox="1"/>
+              <p:nvPr/>
+            </p:nvSpPr>
+            <p:spPr>
+              <a:xfrm>
+                <a:off x="2700900" y="-77447"/>
+                <a:ext cx="607539" cy="582836"/>
+              </a:xfrm>
+              <a:prstGeom prst="rect">
+                <a:avLst/>
+              </a:prstGeom>
+              <a:noFill/>
+            </p:spPr>
+            <p:txBody>
+              <a:bodyPr wrap="square" rtlCol="0">
+                <a:spAutoFit/>
+              </a:bodyPr>
+              <a:lstStyle/>
+              <a:p>
+                <a:pPr/>
+                <a14:m>
+                  <m:oMathPara xmlns:m="http://schemas.openxmlformats.org/officeDocument/2006/math">
+                    <m:oMathParaPr>
+                      <m:jc m:val="centerGroup"/>
+                    </m:oMathParaPr>
+                    <m:oMath xmlns:m="http://schemas.openxmlformats.org/officeDocument/2006/math">
+                      <m:sSub>
+                        <m:sSubPr>
+                          <m:ctrlPr>
+                            <a:rPr lang="en-US" sz="3200" b="0" i="1" smtClean="0">
+                              <a:latin typeface="Cambria Math" panose="02040503050406030204" pitchFamily="18" charset="0"/>
+                            </a:rPr>
+                          </m:ctrlPr>
+                        </m:sSubPr>
+                        <m:e>
+                          <m:r>
+                            <a:rPr lang="en-US" sz="3200" b="0" i="1" smtClean="0">
+                              <a:latin typeface="Cambria Math" panose="02040503050406030204" pitchFamily="18" charset="0"/>
+                            </a:rPr>
+                            <m:t>𝜔</m:t>
+                          </m:r>
+                        </m:e>
+                        <m:sub>
+                          <m:r>
+                            <a:rPr lang="en-US" sz="3200" b="0" i="1" smtClean="0">
+                              <a:latin typeface="Cambria Math" panose="02040503050406030204" pitchFamily="18" charset="0"/>
+                            </a:rPr>
+                            <m:t>𝑎</m:t>
+                          </m:r>
+                        </m:sub>
+                      </m:sSub>
+                    </m:oMath>
+                  </m:oMathPara>
+                </a14:m>
+                <a:endParaRPr lang="en-US" sz="3200" dirty="0"/>
+              </a:p>
+            </p:txBody>
+          </p:sp>
+        </mc:Choice>
+        <mc:Fallback xmlns="">
+          <p:sp>
+            <p:nvSpPr>
+              <p:cNvPr id="19" name="TextBox 18">
+                <a:extLst>
+                  <a:ext uri="{FF2B5EF4-FFF2-40B4-BE49-F238E27FC236}">
+                    <a16:creationId xmlns:a16="http://schemas.microsoft.com/office/drawing/2014/main" id="{90D9BDC6-34C2-44F5-9094-31B1842D47C7}"/>
+                  </a:ext>
+                </a:extLst>
+              </p:cNvPr>
+              <p:cNvSpPr txBox="1">
+                <a:spLocks noRot="1" noChangeAspect="1" noMove="1" noResize="1" noEditPoints="1" noAdjustHandles="1" noChangeArrowheads="1" noChangeShapeType="1" noTextEdit="1"/>
+              </p:cNvSpPr>
+              <p:nvPr/>
+            </p:nvSpPr>
+            <p:spPr>
+              <a:xfrm>
+                <a:off x="2700900" y="-77447"/>
+                <a:ext cx="607539" cy="582836"/>
+              </a:xfrm>
+              <a:prstGeom prst="rect">
+                <a:avLst/>
+              </a:prstGeom>
+              <a:blipFill>
+                <a:blip r:embed="rId2"/>
+                <a:stretch>
+                  <a:fillRect/>
+                </a:stretch>
+              </a:blipFill>
+            </p:spPr>
+            <p:txBody>
+              <a:bodyPr/>
+              <a:lstStyle/>
+              <a:p>
+                <a:r>
+                  <a:rPr lang="en-US">
+                    <a:noFill/>
+                  </a:rPr>
+                  <a:t> </a:t>
+                </a:r>
+              </a:p>
+            </p:txBody>
+          </p:sp>
+        </mc:Fallback>
+      </mc:AlternateContent>
+      <mc:AlternateContent xmlns:mc="http://schemas.openxmlformats.org/markup-compatibility/2006" xmlns:a14="http://schemas.microsoft.com/office/drawing/2010/main">
+        <mc:Choice Requires="a14">
+          <p:sp>
+            <p:nvSpPr>
+              <p:cNvPr id="21" name="TextBox 20">
+                <a:extLst>
+                  <a:ext uri="{FF2B5EF4-FFF2-40B4-BE49-F238E27FC236}">
+                    <a16:creationId xmlns:a16="http://schemas.microsoft.com/office/drawing/2014/main" id="{EAC73FA7-462A-4E11-8C51-C726490734EF}"/>
+                  </a:ext>
+                </a:extLst>
+              </p:cNvPr>
+              <p:cNvSpPr txBox="1"/>
+              <p:nvPr/>
+            </p:nvSpPr>
+            <p:spPr>
+              <a:xfrm>
+                <a:off x="93065" y="1199238"/>
+                <a:ext cx="780405" cy="584775"/>
+              </a:xfrm>
+              <a:prstGeom prst="rect">
+                <a:avLst/>
+              </a:prstGeom>
+              <a:noFill/>
+            </p:spPr>
+            <p:txBody>
+              <a:bodyPr wrap="none" rtlCol="0">
+                <a:spAutoFit/>
+              </a:bodyPr>
+              <a:lstStyle/>
+              <a:p>
+                <a:pPr/>
+                <a14:m>
+                  <m:oMathPara xmlns:m="http://schemas.openxmlformats.org/officeDocument/2006/math">
+                    <m:oMathParaPr>
+                      <m:jc m:val="centerGroup"/>
+                    </m:oMathParaPr>
+                    <m:oMath xmlns:m="http://schemas.openxmlformats.org/officeDocument/2006/math">
+                      <m:sSub>
+                        <m:sSubPr>
+                          <m:ctrlPr>
+                            <a:rPr lang="en-US" sz="3200" b="0" i="1" smtClean="0">
+                              <a:latin typeface="Cambria Math" panose="02040503050406030204" pitchFamily="18" charset="0"/>
+                            </a:rPr>
+                          </m:ctrlPr>
+                        </m:sSubPr>
+                        <m:e>
+                          <m:r>
+                            <a:rPr lang="en-US" sz="3200" b="0" i="1" smtClean="0">
+                              <a:latin typeface="Cambria Math" panose="02040503050406030204" pitchFamily="18" charset="0"/>
+                            </a:rPr>
+                            <m:t>𝜔</m:t>
+                          </m:r>
+                        </m:e>
+                        <m:sub>
+                          <m:r>
+                            <a:rPr lang="en-US" sz="3200" b="0" i="1" smtClean="0">
+                              <a:latin typeface="Cambria Math" panose="02040503050406030204" pitchFamily="18" charset="0"/>
+                            </a:rPr>
+                            <m:t>𝑏</m:t>
+                          </m:r>
+                        </m:sub>
+                      </m:sSub>
+                    </m:oMath>
+                  </m:oMathPara>
+                </a14:m>
+                <a:endParaRPr lang="en-US" sz="3200" dirty="0"/>
+              </a:p>
+            </p:txBody>
+          </p:sp>
+        </mc:Choice>
+        <mc:Fallback xmlns="">
+          <p:sp>
+            <p:nvSpPr>
+              <p:cNvPr id="21" name="TextBox 20">
+                <a:extLst>
+                  <a:ext uri="{FF2B5EF4-FFF2-40B4-BE49-F238E27FC236}">
+                    <a16:creationId xmlns:a16="http://schemas.microsoft.com/office/drawing/2014/main" id="{EAC73FA7-462A-4E11-8C51-C726490734EF}"/>
+                  </a:ext>
+                </a:extLst>
+              </p:cNvPr>
+              <p:cNvSpPr txBox="1">
+                <a:spLocks noRot="1" noChangeAspect="1" noMove="1" noResize="1" noEditPoints="1" noAdjustHandles="1" noChangeArrowheads="1" noChangeShapeType="1" noTextEdit="1"/>
+              </p:cNvSpPr>
+              <p:nvPr/>
+            </p:nvSpPr>
+            <p:spPr>
+              <a:xfrm>
+                <a:off x="93065" y="1199238"/>
+                <a:ext cx="780405" cy="584775"/>
+              </a:xfrm>
+              <a:prstGeom prst="rect">
+                <a:avLst/>
+              </a:prstGeom>
+              <a:blipFill>
+                <a:blip r:embed="rId3"/>
+                <a:stretch>
+                  <a:fillRect/>
+                </a:stretch>
+              </a:blipFill>
+            </p:spPr>
+            <p:txBody>
+              <a:bodyPr/>
+              <a:lstStyle/>
+              <a:p>
+                <a:r>
+                  <a:rPr lang="en-US">
+                    <a:noFill/>
+                  </a:rPr>
+                  <a:t> </a:t>
+                </a:r>
+              </a:p>
+            </p:txBody>
+          </p:sp>
+        </mc:Fallback>
+      </mc:AlternateContent>
+      <mc:AlternateContent xmlns:mc="http://schemas.openxmlformats.org/markup-compatibility/2006" xmlns:a14="http://schemas.microsoft.com/office/drawing/2010/main">
+        <mc:Choice Requires="a14">
+          <p:sp>
+            <p:nvSpPr>
+              <p:cNvPr id="22" name="TextBox 21">
+                <a:extLst>
+                  <a:ext uri="{FF2B5EF4-FFF2-40B4-BE49-F238E27FC236}">
+                    <a16:creationId xmlns:a16="http://schemas.microsoft.com/office/drawing/2014/main" id="{1A0E70DE-3EBC-44B1-B159-829EB91F833F}"/>
+                  </a:ext>
+                </a:extLst>
+              </p:cNvPr>
+              <p:cNvSpPr txBox="1"/>
+              <p:nvPr/>
+            </p:nvSpPr>
+            <p:spPr>
+              <a:xfrm>
+                <a:off x="2754447" y="2440597"/>
+                <a:ext cx="736997" cy="584775"/>
+              </a:xfrm>
+              <a:prstGeom prst="rect">
+                <a:avLst/>
+              </a:prstGeom>
+              <a:noFill/>
+            </p:spPr>
+            <p:txBody>
+              <a:bodyPr wrap="none" rtlCol="0">
+                <a:spAutoFit/>
+              </a:bodyPr>
+              <a:lstStyle/>
+              <a:p>
+                <a:pPr/>
+                <a14:m>
+                  <m:oMathPara xmlns:m="http://schemas.openxmlformats.org/officeDocument/2006/math">
+                    <m:oMathParaPr>
+                      <m:jc m:val="centerGroup"/>
+                    </m:oMathParaPr>
+                    <m:oMath xmlns:m="http://schemas.openxmlformats.org/officeDocument/2006/math">
+                      <m:sSub>
+                        <m:sSubPr>
+                          <m:ctrlPr>
+                            <a:rPr lang="en-US" sz="3200" b="0" i="1" smtClean="0">
+                              <a:latin typeface="Cambria Math" panose="02040503050406030204" pitchFamily="18" charset="0"/>
+                            </a:rPr>
+                          </m:ctrlPr>
+                        </m:sSubPr>
+                        <m:e>
+                          <m:r>
+                            <a:rPr lang="en-US" sz="3200" b="0" i="1" smtClean="0">
+                              <a:latin typeface="Cambria Math" panose="02040503050406030204" pitchFamily="18" charset="0"/>
+                            </a:rPr>
+                            <m:t>𝜔</m:t>
+                          </m:r>
+                        </m:e>
+                        <m:sub>
+                          <m:r>
+                            <a:rPr lang="en-US" sz="3200" b="0" i="1" smtClean="0">
+                              <a:latin typeface="Cambria Math" panose="02040503050406030204" pitchFamily="18" charset="0"/>
+                            </a:rPr>
+                            <m:t>𝑐</m:t>
+                          </m:r>
+                        </m:sub>
+                      </m:sSub>
+                    </m:oMath>
+                  </m:oMathPara>
+                </a14:m>
+                <a:endParaRPr lang="en-US" sz="3200" dirty="0"/>
+              </a:p>
+            </p:txBody>
+          </p:sp>
+        </mc:Choice>
+        <mc:Fallback xmlns="">
+          <p:sp>
+            <p:nvSpPr>
+              <p:cNvPr id="22" name="TextBox 21">
+                <a:extLst>
+                  <a:ext uri="{FF2B5EF4-FFF2-40B4-BE49-F238E27FC236}">
+                    <a16:creationId xmlns:a16="http://schemas.microsoft.com/office/drawing/2014/main" id="{1A0E70DE-3EBC-44B1-B159-829EB91F833F}"/>
+                  </a:ext>
+                </a:extLst>
+              </p:cNvPr>
+              <p:cNvSpPr txBox="1">
+                <a:spLocks noRot="1" noChangeAspect="1" noMove="1" noResize="1" noEditPoints="1" noAdjustHandles="1" noChangeArrowheads="1" noChangeShapeType="1" noTextEdit="1"/>
+              </p:cNvSpPr>
+              <p:nvPr/>
+            </p:nvSpPr>
+            <p:spPr>
+              <a:xfrm>
+                <a:off x="2754447" y="2440597"/>
+                <a:ext cx="736997" cy="584775"/>
+              </a:xfrm>
+              <a:prstGeom prst="rect">
+                <a:avLst/>
+              </a:prstGeom>
+              <a:blipFill>
+                <a:blip r:embed="rId4"/>
+                <a:stretch>
+                  <a:fillRect/>
+                </a:stretch>
+              </a:blipFill>
+            </p:spPr>
+            <p:txBody>
+              <a:bodyPr/>
+              <a:lstStyle/>
+              <a:p>
+                <a:r>
+                  <a:rPr lang="en-US">
+                    <a:noFill/>
+                  </a:rPr>
+                  <a:t> </a:t>
+                </a:r>
+              </a:p>
+            </p:txBody>
+          </p:sp>
+        </mc:Fallback>
+      </mc:AlternateContent>
+      <mc:AlternateContent xmlns:mc="http://schemas.openxmlformats.org/markup-compatibility/2006" xmlns:a14="http://schemas.microsoft.com/office/drawing/2010/main">
+        <mc:Choice Requires="a14">
+          <p:sp>
+            <p:nvSpPr>
+              <p:cNvPr id="23" name="TextBox 22">
+                <a:extLst>
+                  <a:ext uri="{FF2B5EF4-FFF2-40B4-BE49-F238E27FC236}">
+                    <a16:creationId xmlns:a16="http://schemas.microsoft.com/office/drawing/2014/main" id="{220CE897-4960-42CF-B9D9-DBBA1CFF40B4}"/>
+                  </a:ext>
+                </a:extLst>
+              </p:cNvPr>
+              <p:cNvSpPr txBox="1"/>
+              <p:nvPr/>
+            </p:nvSpPr>
+            <p:spPr>
+              <a:xfrm>
+                <a:off x="483267" y="3388450"/>
+                <a:ext cx="3309689" cy="584775"/>
+              </a:xfrm>
+              <a:prstGeom prst="rect">
+                <a:avLst/>
+              </a:prstGeom>
+              <a:noFill/>
+            </p:spPr>
+            <p:txBody>
+              <a:bodyPr wrap="none" rtlCol="0">
+                <a:spAutoFit/>
+              </a:bodyPr>
+              <a:lstStyle/>
+              <a:p>
+                <a:pPr marL="457200" indent="-457200">
+                  <a:buFont typeface="Arial" panose="020B0604020202020204" pitchFamily="34" charset="0"/>
+                  <a:buChar char="•"/>
+                </a:pPr>
+                <a14:m>
+                  <m:oMath xmlns:m="http://schemas.openxmlformats.org/officeDocument/2006/math">
+                    <m:sSub>
+                      <m:sSubPr>
+                        <m:ctrlPr>
+                          <a:rPr lang="en-US" sz="3200" b="0" i="1" smtClean="0">
+                            <a:latin typeface="Cambria Math" panose="02040503050406030204" pitchFamily="18" charset="0"/>
+                          </a:rPr>
+                        </m:ctrlPr>
+                      </m:sSubPr>
+                      <m:e>
+                        <m:r>
+                          <a:rPr lang="en-US" sz="3200" b="0" i="1" smtClean="0">
+                            <a:latin typeface="Cambria Math" panose="02040503050406030204" pitchFamily="18" charset="0"/>
+                          </a:rPr>
+                          <m:t>𝜔</m:t>
+                        </m:r>
+                      </m:e>
+                      <m:sub>
+                        <m:r>
+                          <a:rPr lang="en-US" sz="3200" b="0" i="1" smtClean="0">
+                            <a:latin typeface="Cambria Math" panose="02040503050406030204" pitchFamily="18" charset="0"/>
+                          </a:rPr>
+                          <m:t>𝑎</m:t>
+                        </m:r>
+                      </m:sub>
+                    </m:sSub>
+                    <m:r>
+                      <a:rPr lang="en-US" sz="3200" b="0" i="1" smtClean="0">
+                        <a:latin typeface="Cambria Math" panose="02040503050406030204" pitchFamily="18" charset="0"/>
+                      </a:rPr>
+                      <m:t>−</m:t>
+                    </m:r>
+                    <m:sSub>
+                      <m:sSubPr>
+                        <m:ctrlPr>
+                          <a:rPr lang="en-US" sz="3200" b="0" i="1" smtClean="0">
+                            <a:latin typeface="Cambria Math" panose="02040503050406030204" pitchFamily="18" charset="0"/>
+                          </a:rPr>
+                        </m:ctrlPr>
+                      </m:sSubPr>
+                      <m:e>
+                        <m:r>
+                          <a:rPr lang="en-US" sz="3200" b="0" i="1" smtClean="0">
+                            <a:latin typeface="Cambria Math" panose="02040503050406030204" pitchFamily="18" charset="0"/>
+                          </a:rPr>
+                          <m:t>𝜔</m:t>
+                        </m:r>
+                      </m:e>
+                      <m:sub>
+                        <m:r>
+                          <a:rPr lang="en-US" sz="3200" b="0" i="1" smtClean="0">
+                            <a:latin typeface="Cambria Math" panose="02040503050406030204" pitchFamily="18" charset="0"/>
+                          </a:rPr>
+                          <m:t>𝑏</m:t>
+                        </m:r>
+                      </m:sub>
+                    </m:sSub>
+                    <m:r>
+                      <a:rPr lang="en-US" sz="3200" b="0" i="1" smtClean="0">
+                        <a:latin typeface="Cambria Math" panose="02040503050406030204" pitchFamily="18" charset="0"/>
+                      </a:rPr>
+                      <m:t>=2</m:t>
+                    </m:r>
+                    <m:sSub>
+                      <m:sSubPr>
+                        <m:ctrlPr>
+                          <a:rPr lang="en-US" sz="3200" b="0" i="1" smtClean="0">
+                            <a:latin typeface="Cambria Math" panose="02040503050406030204" pitchFamily="18" charset="0"/>
+                          </a:rPr>
+                        </m:ctrlPr>
+                      </m:sSubPr>
+                      <m:e>
+                        <m:r>
+                          <a:rPr lang="en-US" sz="3200" b="0" i="1" smtClean="0">
+                            <a:latin typeface="Cambria Math" panose="02040503050406030204" pitchFamily="18" charset="0"/>
+                          </a:rPr>
+                          <m:t>𝑘</m:t>
+                        </m:r>
+                      </m:e>
+                      <m:sub>
+                        <m:r>
+                          <a:rPr lang="en-US" sz="3200" b="0" i="1" smtClean="0">
+                            <a:latin typeface="Cambria Math" panose="02040503050406030204" pitchFamily="18" charset="0"/>
+                          </a:rPr>
+                          <m:t>0</m:t>
+                        </m:r>
+                      </m:sub>
+                    </m:sSub>
+                  </m:oMath>
+                </a14:m>
+                <a:endParaRPr lang="en-US" sz="3200" dirty="0"/>
+              </a:p>
+            </p:txBody>
+          </p:sp>
+        </mc:Choice>
+        <mc:Fallback xmlns="">
+          <p:sp>
+            <p:nvSpPr>
+              <p:cNvPr id="23" name="TextBox 22">
+                <a:extLst>
+                  <a:ext uri="{FF2B5EF4-FFF2-40B4-BE49-F238E27FC236}">
+                    <a16:creationId xmlns:a16="http://schemas.microsoft.com/office/drawing/2014/main" id="{220CE897-4960-42CF-B9D9-DBBA1CFF40B4}"/>
+                  </a:ext>
+                </a:extLst>
+              </p:cNvPr>
+              <p:cNvSpPr txBox="1">
+                <a:spLocks noRot="1" noChangeAspect="1" noMove="1" noResize="1" noEditPoints="1" noAdjustHandles="1" noChangeArrowheads="1" noChangeShapeType="1" noTextEdit="1"/>
+              </p:cNvSpPr>
+              <p:nvPr/>
+            </p:nvSpPr>
+            <p:spPr>
+              <a:xfrm>
+                <a:off x="483267" y="3388450"/>
+                <a:ext cx="3309689" cy="584775"/>
+              </a:xfrm>
+              <a:prstGeom prst="rect">
+                <a:avLst/>
+              </a:prstGeom>
+              <a:blipFill>
+                <a:blip r:embed="rId5"/>
+                <a:stretch>
+                  <a:fillRect/>
+                </a:stretch>
+              </a:blipFill>
+            </p:spPr>
+            <p:txBody>
+              <a:bodyPr/>
+              <a:lstStyle/>
+              <a:p>
+                <a:r>
+                  <a:rPr lang="en-US">
+                    <a:noFill/>
+                  </a:rPr>
+                  <a:t> </a:t>
+                </a:r>
+              </a:p>
+            </p:txBody>
+          </p:sp>
+        </mc:Fallback>
+      </mc:AlternateContent>
+      <mc:AlternateContent xmlns:mc="http://schemas.openxmlformats.org/markup-compatibility/2006" xmlns:a14="http://schemas.microsoft.com/office/drawing/2010/main">
+        <mc:Choice Requires="a14">
+          <p:sp>
+            <p:nvSpPr>
+              <p:cNvPr id="26" name="TextBox 25">
+                <a:extLst>
+                  <a:ext uri="{FF2B5EF4-FFF2-40B4-BE49-F238E27FC236}">
+                    <a16:creationId xmlns:a16="http://schemas.microsoft.com/office/drawing/2014/main" id="{4145F6CC-61D8-488E-982E-F7B4B385C603}"/>
+                  </a:ext>
+                </a:extLst>
+              </p:cNvPr>
+              <p:cNvSpPr txBox="1"/>
+              <p:nvPr/>
+            </p:nvSpPr>
+            <p:spPr>
+              <a:xfrm>
+                <a:off x="483268" y="4514201"/>
+                <a:ext cx="11546305" cy="2153090"/>
+              </a:xfrm>
+              <a:prstGeom prst="rect">
+                <a:avLst/>
+              </a:prstGeom>
+              <a:noFill/>
+            </p:spPr>
+            <p:txBody>
+              <a:bodyPr wrap="square" rtlCol="0">
+                <a:spAutoFit/>
+              </a:bodyPr>
+              <a:lstStyle/>
+              <a:p>
+                <a:r>
+                  <a:rPr lang="en-US" sz="3600" dirty="0"/>
+                  <a:t>Equation: </a:t>
+                </a:r>
+                <a14:m>
+                  <m:oMath xmlns:m="http://schemas.openxmlformats.org/officeDocument/2006/math">
+                    <m:sSubSup>
+                      <m:sSubSupPr>
+                        <m:ctrlPr>
+                          <a:rPr lang="en-US" sz="3600" b="0" i="1" smtClean="0">
+                            <a:latin typeface="Cambria Math" panose="02040503050406030204" pitchFamily="18" charset="0"/>
+                          </a:rPr>
+                        </m:ctrlPr>
+                      </m:sSubSupPr>
+                      <m:e>
+                        <m:r>
+                          <a:rPr lang="en-US" sz="3600" b="0" i="1" smtClean="0">
+                            <a:latin typeface="Cambria Math" panose="02040503050406030204" pitchFamily="18" charset="0"/>
+                          </a:rPr>
+                          <m:t>𝑆</m:t>
+                        </m:r>
+                      </m:e>
+                      <m:sub>
+                        <m:r>
+                          <a:rPr lang="en-US" sz="3600" b="0" i="1" smtClean="0">
+                            <a:latin typeface="Cambria Math" panose="02040503050406030204" pitchFamily="18" charset="0"/>
+                          </a:rPr>
+                          <m:t>𝑖</m:t>
+                        </m:r>
+                      </m:sub>
+                      <m:sup>
+                        <m:r>
+                          <a:rPr lang="en-US" sz="3600" b="0" i="1" smtClean="0">
+                            <a:latin typeface="Cambria Math" panose="02040503050406030204" pitchFamily="18" charset="0"/>
+                          </a:rPr>
+                          <m:t>+</m:t>
+                        </m:r>
+                      </m:sup>
+                    </m:sSubSup>
+                    <m:sSubSup>
+                      <m:sSubSupPr>
+                        <m:ctrlPr>
+                          <a:rPr lang="en-US" sz="3600" b="0" i="1" smtClean="0">
+                            <a:latin typeface="Cambria Math" panose="02040503050406030204" pitchFamily="18" charset="0"/>
+                          </a:rPr>
+                        </m:ctrlPr>
+                      </m:sSubSupPr>
+                      <m:e>
+                        <m:r>
+                          <a:rPr lang="en-US" sz="3600" b="0" i="1" smtClean="0">
+                            <a:latin typeface="Cambria Math" panose="02040503050406030204" pitchFamily="18" charset="0"/>
+                          </a:rPr>
+                          <m:t>𝑆</m:t>
+                        </m:r>
+                      </m:e>
+                      <m:sub>
+                        <m:r>
+                          <a:rPr lang="en-US" sz="3600" b="0" i="1" smtClean="0">
+                            <a:latin typeface="Cambria Math" panose="02040503050406030204" pitchFamily="18" charset="0"/>
+                          </a:rPr>
+                          <m:t>𝑗</m:t>
+                        </m:r>
+                      </m:sub>
+                      <m:sup>
+                        <m:r>
+                          <a:rPr lang="en-US" sz="3600" b="0" i="1" smtClean="0">
+                            <a:latin typeface="Cambria Math" panose="02040503050406030204" pitchFamily="18" charset="0"/>
+                          </a:rPr>
+                          <m:t>−</m:t>
+                        </m:r>
+                      </m:sup>
+                    </m:sSubSup>
+                    <m:r>
+                      <a:rPr lang="en-US" sz="3600" b="0" i="1" smtClean="0">
+                        <a:latin typeface="Cambria Math" panose="02040503050406030204" pitchFamily="18" charset="0"/>
+                      </a:rPr>
+                      <m:t>𝜌</m:t>
+                    </m:r>
+                    <m:r>
+                      <a:rPr lang="en-US" sz="3600" b="0" i="1" smtClean="0">
+                        <a:latin typeface="Cambria Math" panose="02040503050406030204" pitchFamily="18" charset="0"/>
+                      </a:rPr>
+                      <m:t>→</m:t>
+                    </m:r>
+                    <m:rad>
+                      <m:radPr>
+                        <m:degHide m:val="on"/>
+                        <m:ctrlPr>
+                          <a:rPr lang="en-US" sz="3600" b="0" i="1" smtClean="0">
+                            <a:latin typeface="Cambria Math" panose="02040503050406030204" pitchFamily="18" charset="0"/>
+                          </a:rPr>
+                        </m:ctrlPr>
+                      </m:radPr>
+                      <m:deg/>
+                      <m:e>
+                        <m:sSub>
+                          <m:sSubPr>
+                            <m:ctrlPr>
+                              <a:rPr lang="en-US" sz="3600" b="0" i="1" smtClean="0">
+                                <a:latin typeface="Cambria Math" panose="02040503050406030204" pitchFamily="18" charset="0"/>
+                              </a:rPr>
+                            </m:ctrlPr>
+                          </m:sSubPr>
+                          <m:e>
+                            <m:r>
+                              <a:rPr lang="en-US" sz="3600" b="0" i="1" smtClean="0">
+                                <a:latin typeface="Cambria Math" panose="02040503050406030204" pitchFamily="18" charset="0"/>
+                              </a:rPr>
+                              <m:t>𝛾</m:t>
+                            </m:r>
+                          </m:e>
+                          <m:sub>
+                            <m:r>
+                              <a:rPr lang="en-US" sz="3600" b="0" i="1" smtClean="0">
+                                <a:latin typeface="Cambria Math" panose="02040503050406030204" pitchFamily="18" charset="0"/>
+                              </a:rPr>
+                              <m:t>𝑖</m:t>
+                            </m:r>
+                          </m:sub>
+                        </m:sSub>
+                        <m:sSub>
+                          <m:sSubPr>
+                            <m:ctrlPr>
+                              <a:rPr lang="en-US" sz="3600" b="0" i="1" smtClean="0">
+                                <a:latin typeface="Cambria Math" panose="02040503050406030204" pitchFamily="18" charset="0"/>
+                              </a:rPr>
+                            </m:ctrlPr>
+                          </m:sSubPr>
+                          <m:e>
+                            <m:r>
+                              <a:rPr lang="en-US" sz="3600" b="0" i="1" smtClean="0">
+                                <a:latin typeface="Cambria Math" panose="02040503050406030204" pitchFamily="18" charset="0"/>
+                              </a:rPr>
+                              <m:t>𝛾</m:t>
+                            </m:r>
+                          </m:e>
+                          <m:sub>
+                            <m:r>
+                              <a:rPr lang="en-US" sz="3600" b="0" i="1" smtClean="0">
+                                <a:latin typeface="Cambria Math" panose="02040503050406030204" pitchFamily="18" charset="0"/>
+                              </a:rPr>
+                              <m:t>𝑗</m:t>
+                            </m:r>
+                          </m:sub>
+                        </m:sSub>
+                      </m:e>
+                    </m:rad>
+                    <m:sSup>
+                      <m:sSupPr>
+                        <m:ctrlPr>
+                          <a:rPr lang="en-US" sz="3600" b="0" i="1" smtClean="0">
+                            <a:latin typeface="Cambria Math" panose="02040503050406030204" pitchFamily="18" charset="0"/>
+                          </a:rPr>
+                        </m:ctrlPr>
+                      </m:sSupPr>
+                      <m:e>
+                        <m:r>
+                          <a:rPr lang="en-US" sz="3600" b="0" i="1" smtClean="0">
+                            <a:latin typeface="Cambria Math" panose="02040503050406030204" pitchFamily="18" charset="0"/>
+                          </a:rPr>
+                          <m:t>𝑒</m:t>
+                        </m:r>
+                      </m:e>
+                      <m:sup>
+                        <m:r>
+                          <a:rPr lang="en-US" sz="3600" b="0" i="1" smtClean="0">
+                            <a:latin typeface="Cambria Math" panose="02040503050406030204" pitchFamily="18" charset="0"/>
+                          </a:rPr>
+                          <m:t>𝑖</m:t>
+                        </m:r>
+                        <m:r>
+                          <a:rPr lang="en-US" sz="3600" b="0" i="1" smtClean="0">
+                            <a:latin typeface="Cambria Math" panose="02040503050406030204" pitchFamily="18" charset="0"/>
+                          </a:rPr>
+                          <m:t>(</m:t>
+                        </m:r>
+                        <m:sSub>
+                          <m:sSubPr>
+                            <m:ctrlPr>
+                              <a:rPr lang="en-US" sz="3600" b="0" i="1" smtClean="0">
+                                <a:latin typeface="Cambria Math" panose="02040503050406030204" pitchFamily="18" charset="0"/>
+                              </a:rPr>
+                            </m:ctrlPr>
+                          </m:sSubPr>
+                          <m:e>
+                            <m:r>
+                              <a:rPr lang="en-US" sz="3600" b="0" i="1" smtClean="0">
+                                <a:latin typeface="Cambria Math" panose="02040503050406030204" pitchFamily="18" charset="0"/>
+                              </a:rPr>
+                              <m:t>𝜔</m:t>
+                            </m:r>
+                          </m:e>
+                          <m:sub>
+                            <m:r>
+                              <a:rPr lang="en-US" sz="3600" b="0" i="1" smtClean="0">
+                                <a:latin typeface="Cambria Math" panose="02040503050406030204" pitchFamily="18" charset="0"/>
+                              </a:rPr>
+                              <m:t>𝑖</m:t>
+                            </m:r>
+                          </m:sub>
+                        </m:sSub>
+                        <m:r>
+                          <a:rPr lang="en-US" sz="3600" b="0" i="1" smtClean="0">
+                            <a:latin typeface="Cambria Math" panose="02040503050406030204" pitchFamily="18" charset="0"/>
+                          </a:rPr>
+                          <m:t>−</m:t>
+                        </m:r>
+                        <m:sSub>
+                          <m:sSubPr>
+                            <m:ctrlPr>
+                              <a:rPr lang="en-US" sz="3600" b="0" i="1" smtClean="0">
+                                <a:latin typeface="Cambria Math" panose="02040503050406030204" pitchFamily="18" charset="0"/>
+                              </a:rPr>
+                            </m:ctrlPr>
+                          </m:sSubPr>
+                          <m:e>
+                            <m:r>
+                              <a:rPr lang="en-US" sz="3600" b="0" i="1" smtClean="0">
+                                <a:latin typeface="Cambria Math" panose="02040503050406030204" pitchFamily="18" charset="0"/>
+                              </a:rPr>
+                              <m:t>𝜔</m:t>
+                            </m:r>
+                          </m:e>
+                          <m:sub>
+                            <m:r>
+                              <a:rPr lang="en-US" sz="3600" b="0" i="1" smtClean="0">
+                                <a:latin typeface="Cambria Math" panose="02040503050406030204" pitchFamily="18" charset="0"/>
+                              </a:rPr>
+                              <m:t>𝑗</m:t>
+                            </m:r>
+                          </m:sub>
+                        </m:sSub>
+                        <m:r>
+                          <a:rPr lang="en-US" sz="3600" b="0" i="1" smtClean="0">
+                            <a:latin typeface="Cambria Math" panose="02040503050406030204" pitchFamily="18" charset="0"/>
+                          </a:rPr>
+                          <m:t>−2</m:t>
+                        </m:r>
+                        <m:sSub>
+                          <m:sSubPr>
+                            <m:ctrlPr>
+                              <a:rPr lang="en-US" sz="3600" b="0" i="1" smtClean="0">
+                                <a:latin typeface="Cambria Math" panose="02040503050406030204" pitchFamily="18" charset="0"/>
+                              </a:rPr>
+                            </m:ctrlPr>
+                          </m:sSubPr>
+                          <m:e>
+                            <m:r>
+                              <a:rPr lang="en-US" sz="3600" b="0" i="1" smtClean="0">
+                                <a:latin typeface="Cambria Math" panose="02040503050406030204" pitchFamily="18" charset="0"/>
+                              </a:rPr>
+                              <m:t>𝑘</m:t>
+                            </m:r>
+                          </m:e>
+                          <m:sub>
+                            <m:r>
+                              <a:rPr lang="en-US" sz="3600" b="0" i="1" smtClean="0">
+                                <a:latin typeface="Cambria Math" panose="02040503050406030204" pitchFamily="18" charset="0"/>
+                              </a:rPr>
+                              <m:t>0</m:t>
+                            </m:r>
+                          </m:sub>
+                        </m:sSub>
+                        <m:r>
+                          <a:rPr lang="en-US" sz="3600" b="0" i="1" smtClean="0">
+                            <a:latin typeface="Cambria Math" panose="02040503050406030204" pitchFamily="18" charset="0"/>
+                          </a:rPr>
+                          <m:t>)</m:t>
+                        </m:r>
+                        <m:r>
+                          <a:rPr lang="en-US" sz="3600" b="0" i="1" smtClean="0">
+                            <a:latin typeface="Cambria Math" panose="02040503050406030204" pitchFamily="18" charset="0"/>
+                          </a:rPr>
+                          <m:t>𝑡</m:t>
+                        </m:r>
+                      </m:sup>
+                    </m:sSup>
+                    <m:sSubSup>
+                      <m:sSubSupPr>
+                        <m:ctrlPr>
+                          <a:rPr lang="en-US" sz="3600" b="0" i="1" smtClean="0">
+                            <a:latin typeface="Cambria Math" panose="02040503050406030204" pitchFamily="18" charset="0"/>
+                          </a:rPr>
+                        </m:ctrlPr>
+                      </m:sSubSupPr>
+                      <m:e>
+                        <m:r>
+                          <a:rPr lang="en-US" sz="3600" b="0" i="1" smtClean="0">
+                            <a:latin typeface="Cambria Math" panose="02040503050406030204" pitchFamily="18" charset="0"/>
+                          </a:rPr>
+                          <m:t>𝑆</m:t>
+                        </m:r>
+                      </m:e>
+                      <m:sub>
+                        <m:r>
+                          <a:rPr lang="en-US" sz="3600" b="0" i="1" smtClean="0">
+                            <a:latin typeface="Cambria Math" panose="02040503050406030204" pitchFamily="18" charset="0"/>
+                          </a:rPr>
+                          <m:t>𝑖</m:t>
+                        </m:r>
+                      </m:sub>
+                      <m:sup>
+                        <m:r>
+                          <a:rPr lang="en-US" sz="3600" b="0" i="1" smtClean="0">
+                            <a:latin typeface="Cambria Math" panose="02040503050406030204" pitchFamily="18" charset="0"/>
+                          </a:rPr>
+                          <m:t>+</m:t>
+                        </m:r>
+                      </m:sup>
+                    </m:sSubSup>
+                    <m:sSubSup>
+                      <m:sSubSupPr>
+                        <m:ctrlPr>
+                          <a:rPr lang="en-US" sz="3600" b="0" i="1" smtClean="0">
+                            <a:latin typeface="Cambria Math" panose="02040503050406030204" pitchFamily="18" charset="0"/>
+                          </a:rPr>
+                        </m:ctrlPr>
+                      </m:sSubSupPr>
+                      <m:e>
+                        <m:r>
+                          <a:rPr lang="en-US" sz="3600" b="0" i="1" smtClean="0">
+                            <a:latin typeface="Cambria Math" panose="02040503050406030204" pitchFamily="18" charset="0"/>
+                          </a:rPr>
+                          <m:t>𝑆</m:t>
+                        </m:r>
+                      </m:e>
+                      <m:sub>
+                        <m:r>
+                          <a:rPr lang="en-US" sz="3600" b="0" i="1" smtClean="0">
+                            <a:latin typeface="Cambria Math" panose="02040503050406030204" pitchFamily="18" charset="0"/>
+                          </a:rPr>
+                          <m:t>𝑗</m:t>
+                        </m:r>
+                      </m:sub>
+                      <m:sup>
+                        <m:r>
+                          <a:rPr lang="en-US" sz="3600" b="0" i="1" smtClean="0">
+                            <a:latin typeface="Cambria Math" panose="02040503050406030204" pitchFamily="18" charset="0"/>
+                          </a:rPr>
+                          <m:t>+</m:t>
+                        </m:r>
+                      </m:sup>
+                    </m:sSubSup>
+                    <m:r>
+                      <a:rPr lang="en-US" sz="3600" b="0" i="1" smtClean="0">
+                        <a:latin typeface="Cambria Math" panose="02040503050406030204" pitchFamily="18" charset="0"/>
+                      </a:rPr>
+                      <m:t>𝜌</m:t>
+                    </m:r>
+                  </m:oMath>
+                </a14:m>
+                <a:endParaRPr lang="en-US" sz="3600" b="0" dirty="0"/>
+              </a:p>
+              <a:p>
+                <a:pPr/>
+                <a14:m>
+                  <m:oMathPara xmlns:m="http://schemas.openxmlformats.org/officeDocument/2006/math">
+                    <m:oMathParaPr>
+                      <m:jc m:val="centerGroup"/>
+                    </m:oMathParaPr>
+                    <m:oMath xmlns:m="http://schemas.openxmlformats.org/officeDocument/2006/math">
+                      <m:sSubSup>
+                        <m:sSubSupPr>
+                          <m:ctrlPr>
+                            <a:rPr lang="en-US" sz="3600" b="0" i="1" smtClean="0">
+                              <a:latin typeface="Cambria Math" panose="02040503050406030204" pitchFamily="18" charset="0"/>
+                            </a:rPr>
+                          </m:ctrlPr>
+                        </m:sSubSupPr>
+                        <m:e>
+                          <m:r>
+                            <a:rPr lang="en-US" sz="3600" b="0" i="1" smtClean="0">
+                              <a:latin typeface="Cambria Math" panose="02040503050406030204" pitchFamily="18" charset="0"/>
+                            </a:rPr>
+                            <m:t>𝑆</m:t>
+                          </m:r>
+                        </m:e>
+                        <m:sub>
+                          <m:r>
+                            <a:rPr lang="en-US" sz="3600" b="0" i="1" smtClean="0">
+                              <a:latin typeface="Cambria Math" panose="02040503050406030204" pitchFamily="18" charset="0"/>
+                            </a:rPr>
+                            <m:t>𝑖</m:t>
+                          </m:r>
+                        </m:sub>
+                        <m:sup>
+                          <m:r>
+                            <a:rPr lang="en-US" sz="3600" b="0" i="1" smtClean="0">
+                              <a:latin typeface="Cambria Math" panose="02040503050406030204" pitchFamily="18" charset="0"/>
+                            </a:rPr>
+                            <m:t>+</m:t>
+                          </m:r>
+                        </m:sup>
+                      </m:sSubSup>
+                      <m:sSubSup>
+                        <m:sSubSupPr>
+                          <m:ctrlPr>
+                            <a:rPr lang="en-US" sz="3600" b="0" i="1" smtClean="0">
+                              <a:latin typeface="Cambria Math" panose="02040503050406030204" pitchFamily="18" charset="0"/>
+                            </a:rPr>
+                          </m:ctrlPr>
+                        </m:sSubSupPr>
+                        <m:e>
+                          <m:r>
+                            <a:rPr lang="en-US" sz="3600" b="0" i="1" smtClean="0">
+                              <a:latin typeface="Cambria Math" panose="02040503050406030204" pitchFamily="18" charset="0"/>
+                            </a:rPr>
+                            <m:t>𝑆</m:t>
+                          </m:r>
+                        </m:e>
+                        <m:sub>
+                          <m:r>
+                            <a:rPr lang="en-US" sz="3600" b="0" i="1" smtClean="0">
+                              <a:latin typeface="Cambria Math" panose="02040503050406030204" pitchFamily="18" charset="0"/>
+                            </a:rPr>
+                            <m:t>𝑗</m:t>
+                          </m:r>
+                        </m:sub>
+                        <m:sup>
+                          <m:r>
+                            <a:rPr lang="en-US" sz="3600" b="0" i="1" smtClean="0">
+                              <a:latin typeface="Cambria Math" panose="02040503050406030204" pitchFamily="18" charset="0"/>
+                            </a:rPr>
+                            <m:t>−</m:t>
+                          </m:r>
+                        </m:sup>
+                      </m:sSubSup>
+                      <m:r>
+                        <a:rPr lang="en-US" sz="3600" b="0" i="1" smtClean="0">
+                          <a:latin typeface="Cambria Math" panose="02040503050406030204" pitchFamily="18" charset="0"/>
+                        </a:rPr>
+                        <m:t>𝜌</m:t>
+                      </m:r>
+                      <m:r>
+                        <a:rPr lang="en-US" sz="3600" b="0" i="1" smtClean="0">
+                          <a:latin typeface="Cambria Math" panose="02040503050406030204" pitchFamily="18" charset="0"/>
+                        </a:rPr>
+                        <m:t>→</m:t>
+                      </m:r>
+                      <m:rad>
+                        <m:radPr>
+                          <m:degHide m:val="on"/>
+                          <m:ctrlPr>
+                            <a:rPr lang="en-US" sz="3600" i="1">
+                              <a:latin typeface="Cambria Math" panose="02040503050406030204" pitchFamily="18" charset="0"/>
+                            </a:rPr>
+                          </m:ctrlPr>
+                        </m:radPr>
+                        <m:deg/>
+                        <m:e>
+                          <m:sSub>
+                            <m:sSubPr>
+                              <m:ctrlPr>
+                                <a:rPr lang="en-US" sz="3600" i="1">
+                                  <a:latin typeface="Cambria Math" panose="02040503050406030204" pitchFamily="18" charset="0"/>
+                                </a:rPr>
+                              </m:ctrlPr>
+                            </m:sSubPr>
+                            <m:e>
+                              <m:r>
+                                <a:rPr lang="en-US" sz="3600" i="1">
+                                  <a:latin typeface="Cambria Math" panose="02040503050406030204" pitchFamily="18" charset="0"/>
+                                </a:rPr>
+                                <m:t>𝛾</m:t>
+                              </m:r>
+                            </m:e>
+                            <m:sub>
+                              <m:r>
+                                <a:rPr lang="en-US" sz="3600" i="1">
+                                  <a:latin typeface="Cambria Math" panose="02040503050406030204" pitchFamily="18" charset="0"/>
+                                </a:rPr>
+                                <m:t>𝑖</m:t>
+                              </m:r>
+                            </m:sub>
+                          </m:sSub>
+                          <m:sSub>
+                            <m:sSubPr>
+                              <m:ctrlPr>
+                                <a:rPr lang="en-US" sz="3600" i="1">
+                                  <a:latin typeface="Cambria Math" panose="02040503050406030204" pitchFamily="18" charset="0"/>
+                                </a:rPr>
+                              </m:ctrlPr>
+                            </m:sSubPr>
+                            <m:e>
+                              <m:r>
+                                <a:rPr lang="en-US" sz="3600" i="1">
+                                  <a:latin typeface="Cambria Math" panose="02040503050406030204" pitchFamily="18" charset="0"/>
+                                </a:rPr>
+                                <m:t>𝛾</m:t>
+                              </m:r>
+                            </m:e>
+                            <m:sub>
+                              <m:r>
+                                <a:rPr lang="en-US" sz="3600" i="1">
+                                  <a:latin typeface="Cambria Math" panose="02040503050406030204" pitchFamily="18" charset="0"/>
+                                </a:rPr>
+                                <m:t>𝑗</m:t>
+                              </m:r>
+                            </m:sub>
+                          </m:sSub>
+                        </m:e>
+                      </m:rad>
+                      <m:sSup>
+                        <m:sSupPr>
+                          <m:ctrlPr>
+                            <a:rPr lang="en-US" sz="3600" b="0" i="1" smtClean="0">
+                              <a:latin typeface="Cambria Math" panose="02040503050406030204" pitchFamily="18" charset="0"/>
+                            </a:rPr>
+                          </m:ctrlPr>
+                        </m:sSupPr>
+                        <m:e>
+                          <m:r>
+                            <a:rPr lang="en-US" sz="3600" b="0" i="1" smtClean="0">
+                              <a:latin typeface="Cambria Math" panose="02040503050406030204" pitchFamily="18" charset="0"/>
+                            </a:rPr>
+                            <m:t>𝑒</m:t>
+                          </m:r>
+                        </m:e>
+                        <m:sup>
+                          <m:r>
+                            <a:rPr lang="en-US" sz="3600" b="0" i="1" smtClean="0">
+                              <a:latin typeface="Cambria Math" panose="02040503050406030204" pitchFamily="18" charset="0"/>
+                            </a:rPr>
+                            <m:t>𝑖</m:t>
+                          </m:r>
+                          <m:r>
+                            <a:rPr lang="en-US" sz="3600" b="0" i="1" smtClean="0">
+                              <a:latin typeface="Cambria Math" panose="02040503050406030204" pitchFamily="18" charset="0"/>
+                            </a:rPr>
+                            <m:t>(</m:t>
+                          </m:r>
+                          <m:sSub>
+                            <m:sSubPr>
+                              <m:ctrlPr>
+                                <a:rPr lang="en-US" sz="3600" b="0" i="1" smtClean="0">
+                                  <a:latin typeface="Cambria Math" panose="02040503050406030204" pitchFamily="18" charset="0"/>
+                                </a:rPr>
+                              </m:ctrlPr>
+                            </m:sSubPr>
+                            <m:e>
+                              <m:r>
+                                <a:rPr lang="en-US" sz="3600" b="0" i="1" smtClean="0">
+                                  <a:latin typeface="Cambria Math" panose="02040503050406030204" pitchFamily="18" charset="0"/>
+                                </a:rPr>
+                                <m:t>𝜔</m:t>
+                              </m:r>
+                            </m:e>
+                            <m:sub>
+                              <m:r>
+                                <a:rPr lang="en-US" sz="3600" b="0" i="1" smtClean="0">
+                                  <a:latin typeface="Cambria Math" panose="02040503050406030204" pitchFamily="18" charset="0"/>
+                                </a:rPr>
+                                <m:t>𝑖</m:t>
+                              </m:r>
+                            </m:sub>
+                          </m:sSub>
+                          <m:r>
+                            <a:rPr lang="en-US" sz="3600" b="0" i="1" smtClean="0">
+                              <a:latin typeface="Cambria Math" panose="02040503050406030204" pitchFamily="18" charset="0"/>
+                            </a:rPr>
+                            <m:t>−</m:t>
+                          </m:r>
+                          <m:sSub>
+                            <m:sSubPr>
+                              <m:ctrlPr>
+                                <a:rPr lang="en-US" sz="3600" b="0" i="1" smtClean="0">
+                                  <a:latin typeface="Cambria Math" panose="02040503050406030204" pitchFamily="18" charset="0"/>
+                                </a:rPr>
+                              </m:ctrlPr>
+                            </m:sSubPr>
+                            <m:e>
+                              <m:r>
+                                <a:rPr lang="en-US" sz="3600" b="0" i="1" smtClean="0">
+                                  <a:latin typeface="Cambria Math" panose="02040503050406030204" pitchFamily="18" charset="0"/>
+                                </a:rPr>
+                                <m:t>𝜔</m:t>
+                              </m:r>
+                            </m:e>
+                            <m:sub>
+                              <m:r>
+                                <a:rPr lang="en-US" sz="3600" b="0" i="1" smtClean="0">
+                                  <a:latin typeface="Cambria Math" panose="02040503050406030204" pitchFamily="18" charset="0"/>
+                                </a:rPr>
+                                <m:t>𝑗</m:t>
+                              </m:r>
+                            </m:sub>
+                          </m:sSub>
+                          <m:r>
+                            <a:rPr lang="en-US" sz="3600" b="0" i="1" smtClean="0">
+                              <a:latin typeface="Cambria Math" panose="02040503050406030204" pitchFamily="18" charset="0"/>
+                            </a:rPr>
+                            <m:t>)</m:t>
+                          </m:r>
+                          <m:r>
+                            <a:rPr lang="en-US" sz="3600" b="0" i="1" smtClean="0">
+                              <a:latin typeface="Cambria Math" panose="02040503050406030204" pitchFamily="18" charset="0"/>
+                            </a:rPr>
+                            <m:t>𝑡</m:t>
+                          </m:r>
+                        </m:sup>
+                      </m:sSup>
+                      <m:sSubSup>
+                        <m:sSubSupPr>
+                          <m:ctrlPr>
+                            <a:rPr lang="en-US" sz="3600" b="0" i="1" smtClean="0">
+                              <a:latin typeface="Cambria Math" panose="02040503050406030204" pitchFamily="18" charset="0"/>
+                            </a:rPr>
+                          </m:ctrlPr>
+                        </m:sSubSupPr>
+                        <m:e>
+                          <m:r>
+                            <a:rPr lang="en-US" sz="3600" b="0" i="1" smtClean="0">
+                              <a:latin typeface="Cambria Math" panose="02040503050406030204" pitchFamily="18" charset="0"/>
+                            </a:rPr>
+                            <m:t>𝑆</m:t>
+                          </m:r>
+                        </m:e>
+                        <m:sub>
+                          <m:r>
+                            <a:rPr lang="en-US" sz="3600" b="0" i="1" smtClean="0">
+                              <a:latin typeface="Cambria Math" panose="02040503050406030204" pitchFamily="18" charset="0"/>
+                            </a:rPr>
+                            <m:t>𝑖</m:t>
+                          </m:r>
+                        </m:sub>
+                        <m:sup>
+                          <m:r>
+                            <a:rPr lang="en-US" sz="3600" b="0" i="1" smtClean="0">
+                              <a:latin typeface="Cambria Math" panose="02040503050406030204" pitchFamily="18" charset="0"/>
+                            </a:rPr>
+                            <m:t>+</m:t>
+                          </m:r>
+                        </m:sup>
+                      </m:sSubSup>
+                      <m:sSubSup>
+                        <m:sSubSupPr>
+                          <m:ctrlPr>
+                            <a:rPr lang="en-US" sz="3600" b="0" i="1" smtClean="0">
+                              <a:latin typeface="Cambria Math" panose="02040503050406030204" pitchFamily="18" charset="0"/>
+                            </a:rPr>
+                          </m:ctrlPr>
+                        </m:sSubSupPr>
+                        <m:e>
+                          <m:r>
+                            <a:rPr lang="en-US" sz="3600" b="0" i="1" smtClean="0">
+                              <a:latin typeface="Cambria Math" panose="02040503050406030204" pitchFamily="18" charset="0"/>
+                            </a:rPr>
+                            <m:t>𝑆</m:t>
+                          </m:r>
+                        </m:e>
+                        <m:sub>
+                          <m:r>
+                            <a:rPr lang="en-US" sz="3600" b="0" i="1" smtClean="0">
+                              <a:latin typeface="Cambria Math" panose="02040503050406030204" pitchFamily="18" charset="0"/>
+                            </a:rPr>
+                            <m:t>𝑗</m:t>
+                          </m:r>
+                        </m:sub>
+                        <m:sup>
+                          <m:r>
+                            <a:rPr lang="en-US" sz="3600" b="0" i="1" smtClean="0">
+                              <a:latin typeface="Cambria Math" panose="02040503050406030204" pitchFamily="18" charset="0"/>
+                            </a:rPr>
+                            <m:t>−</m:t>
+                          </m:r>
+                        </m:sup>
+                      </m:sSubSup>
+                      <m:r>
+                        <a:rPr lang="en-US" sz="3600" b="0" i="1" smtClean="0">
+                          <a:latin typeface="Cambria Math" panose="02040503050406030204" pitchFamily="18" charset="0"/>
+                        </a:rPr>
+                        <m:t>𝜌</m:t>
+                      </m:r>
+                    </m:oMath>
+                  </m:oMathPara>
+                </a14:m>
+                <a:endParaRPr lang="en-US" sz="3600" dirty="0"/>
+              </a:p>
+              <a:p>
+                <a:r>
+                  <a:rPr lang="en-US" sz="3600" dirty="0"/>
+                  <a:t>After </a:t>
+                </a:r>
+                <a:r>
+                  <a:rPr lang="en-US" sz="3600" dirty="0" err="1"/>
+                  <a:t>RWA</a:t>
+                </a:r>
+                <a:r>
+                  <a:rPr lang="en-US" sz="3600" dirty="0"/>
+                  <a:t>, the only remaining term is </a:t>
+                </a:r>
+                <a14:m>
+                  <m:oMath xmlns:m="http://schemas.openxmlformats.org/officeDocument/2006/math">
+                    <m:sSubSup>
+                      <m:sSubSupPr>
+                        <m:ctrlPr>
+                          <a:rPr lang="en-US" sz="3600" b="0" i="1" smtClean="0">
+                            <a:latin typeface="Cambria Math" panose="02040503050406030204" pitchFamily="18" charset="0"/>
+                          </a:rPr>
+                        </m:ctrlPr>
+                      </m:sSubSupPr>
+                      <m:e>
+                        <m:r>
+                          <a:rPr lang="en-US" sz="3600" b="0" i="1" smtClean="0">
+                            <a:latin typeface="Cambria Math" panose="02040503050406030204" pitchFamily="18" charset="0"/>
+                          </a:rPr>
+                          <m:t>𝑆</m:t>
+                        </m:r>
+                      </m:e>
+                      <m:sub>
+                        <m:r>
+                          <a:rPr lang="en-US" sz="3600" b="0" i="1" smtClean="0">
+                            <a:latin typeface="Cambria Math" panose="02040503050406030204" pitchFamily="18" charset="0"/>
+                          </a:rPr>
+                          <m:t>𝑖</m:t>
+                        </m:r>
+                      </m:sub>
+                      <m:sup>
+                        <m:r>
+                          <a:rPr lang="en-US" sz="3600" b="0" i="1" smtClean="0">
+                            <a:latin typeface="Cambria Math" panose="02040503050406030204" pitchFamily="18" charset="0"/>
+                          </a:rPr>
+                          <m:t>+</m:t>
+                        </m:r>
+                      </m:sup>
+                    </m:sSubSup>
+                    <m:sSubSup>
+                      <m:sSubSupPr>
+                        <m:ctrlPr>
+                          <a:rPr lang="en-US" sz="3600" b="0" i="1" smtClean="0">
+                            <a:latin typeface="Cambria Math" panose="02040503050406030204" pitchFamily="18" charset="0"/>
+                          </a:rPr>
+                        </m:ctrlPr>
+                      </m:sSubSupPr>
+                      <m:e>
+                        <m:r>
+                          <a:rPr lang="en-US" sz="3600" b="0" i="1" smtClean="0">
+                            <a:latin typeface="Cambria Math" panose="02040503050406030204" pitchFamily="18" charset="0"/>
+                          </a:rPr>
+                          <m:t>𝑆</m:t>
+                        </m:r>
+                      </m:e>
+                      <m:sub>
+                        <m:r>
+                          <a:rPr lang="en-US" sz="3600" b="0" i="1" smtClean="0">
+                            <a:latin typeface="Cambria Math" panose="02040503050406030204" pitchFamily="18" charset="0"/>
+                          </a:rPr>
                           <m:t>𝑗</m:t>
                         </m:r>
                       </m:sub>
@@ -8142,7 +8600,7 @@
             </p:txBody>
           </p:sp>
         </mc:Choice>
-        <mc:Fallback>
+        <mc:Fallback xmlns="">
           <p:sp>
             <p:nvSpPr>
               <p:cNvPr id="26" name="TextBox 25">
@@ -8200,7 +8658,7 @@
 </p:sld>
 </file>
 
-<file path=ppt/slides/slide13.xml><?xml version="1.0" encoding="utf-8"?>
+<file path=ppt/slides/slide14.xml><?xml version="1.0" encoding="utf-8"?>
 <p:sld xmlns:a="http://schemas.openxmlformats.org/drawingml/2006/main" xmlns:r="http://schemas.openxmlformats.org/officeDocument/2006/relationships" xmlns:p="http://schemas.openxmlformats.org/presentationml/2006/main">
   <p:cSld>
     <p:spTree>
@@ -10255,7 +10713,7 @@
 </p:sld>
 </file>
 
-<file path=ppt/slides/slide14.xml><?xml version="1.0" encoding="utf-8"?>
+<file path=ppt/slides/slide15.xml><?xml version="1.0" encoding="utf-8"?>
 <p:sld xmlns:a="http://schemas.openxmlformats.org/drawingml/2006/main" xmlns:r="http://schemas.openxmlformats.org/officeDocument/2006/relationships" xmlns:p="http://schemas.openxmlformats.org/presentationml/2006/main">
   <p:cSld>
     <p:spTree>
@@ -11392,7 +11850,7 @@
 </p:sld>
 </file>
 
-<file path=ppt/slides/slide15.xml><?xml version="1.0" encoding="utf-8"?>
+<file path=ppt/slides/slide16.xml><?xml version="1.0" encoding="utf-8"?>
 <p:sld xmlns:a="http://schemas.openxmlformats.org/drawingml/2006/main" xmlns:r="http://schemas.openxmlformats.org/officeDocument/2006/relationships" xmlns:p="http://schemas.openxmlformats.org/presentationml/2006/main">
   <p:cSld>
     <p:spTree>
@@ -11888,7 +12346,7 @@
 </p:sld>
 </file>
 
-<file path=ppt/slides/slide16.xml><?xml version="1.0" encoding="utf-8"?>
+<file path=ppt/slides/slide17.xml><?xml version="1.0" encoding="utf-8"?>
 <p:sld xmlns:a="http://schemas.openxmlformats.org/drawingml/2006/main" xmlns:r="http://schemas.openxmlformats.org/officeDocument/2006/relationships" xmlns:p="http://schemas.openxmlformats.org/presentationml/2006/main">
   <p:cSld>
     <p:spTree>
@@ -13674,7 +14132,7 @@
 </p:sld>
 </file>
 
-<file path=ppt/slides/slide17.xml><?xml version="1.0" encoding="utf-8"?>
+<file path=ppt/slides/slide18.xml><?xml version="1.0" encoding="utf-8"?>
 <p:sld xmlns:a="http://schemas.openxmlformats.org/drawingml/2006/main" xmlns:r="http://schemas.openxmlformats.org/officeDocument/2006/relationships" xmlns:p="http://schemas.openxmlformats.org/presentationml/2006/main">
   <p:cSld>
     <p:spTree>
@@ -15281,8 +15739,8 @@
           </a:prstGeom>
         </p:spPr>
       </p:pic>
-      <mc:AlternateContent xmlns:mc="http://schemas.openxmlformats.org/markup-compatibility/2006">
-        <mc:Choice xmlns:a14="http://schemas.microsoft.com/office/drawing/2010/main" Requires="a14">
+      <mc:AlternateContent xmlns:mc="http://schemas.openxmlformats.org/markup-compatibility/2006" xmlns:a14="http://schemas.microsoft.com/office/drawing/2010/main">
+        <mc:Choice Requires="a14">
           <p:sp>
             <p:nvSpPr>
               <p:cNvPr id="6" name="TextBox 5">
@@ -15368,13 +15826,7 @@
                             <a:rPr lang="en-US" b="0" i="1" smtClean="0">
                               <a:latin typeface="Cambria Math" panose="02040503050406030204" pitchFamily="18" charset="0"/>
                             </a:rPr>
-                            <m:t>1</m:t>
-                          </m:r>
-                          <m:r>
-                            <a:rPr lang="en-US" b="0" i="1" smtClean="0">
-                              <a:latin typeface="Cambria Math" panose="02040503050406030204" pitchFamily="18" charset="0"/>
-                            </a:rPr>
-                            <m:t>±</m:t>
+                            <m:t>1±</m:t>
                           </m:r>
                           <m:sSub>
                             <m:sSubPr>
@@ -15803,7 +16255,7 @@
             </p:txBody>
           </p:sp>
         </mc:Choice>
-        <mc:Fallback>
+        <mc:Fallback xmlns="">
           <p:sp>
             <p:nvSpPr>
               <p:cNvPr id="6" name="TextBox 5">

--- a/3-level.pptx
+++ b/3-level.pptx
@@ -277,7 +277,7 @@
           <a:p>
             <a:fld id="{540C0B17-285F-4B24-A15E-231AC8C41BCD}" type="datetimeFigureOut">
               <a:rPr lang="en-US" smtClean="0"/>
-              <a:t>8/29/2018</a:t>
+              <a:t>9/3/2018</a:t>
             </a:fld>
             <a:endParaRPr lang="en-US"/>
           </a:p>
@@ -475,7 +475,7 @@
           <a:p>
             <a:fld id="{540C0B17-285F-4B24-A15E-231AC8C41BCD}" type="datetimeFigureOut">
               <a:rPr lang="en-US" smtClean="0"/>
-              <a:t>8/29/2018</a:t>
+              <a:t>9/3/2018</a:t>
             </a:fld>
             <a:endParaRPr lang="en-US"/>
           </a:p>
@@ -683,7 +683,7 @@
           <a:p>
             <a:fld id="{540C0B17-285F-4B24-A15E-231AC8C41BCD}" type="datetimeFigureOut">
               <a:rPr lang="en-US" smtClean="0"/>
-              <a:t>8/29/2018</a:t>
+              <a:t>9/3/2018</a:t>
             </a:fld>
             <a:endParaRPr lang="en-US"/>
           </a:p>
@@ -881,7 +881,7 @@
           <a:p>
             <a:fld id="{540C0B17-285F-4B24-A15E-231AC8C41BCD}" type="datetimeFigureOut">
               <a:rPr lang="en-US" smtClean="0"/>
-              <a:t>8/29/2018</a:t>
+              <a:t>9/3/2018</a:t>
             </a:fld>
             <a:endParaRPr lang="en-US"/>
           </a:p>
@@ -1156,7 +1156,7 @@
           <a:p>
             <a:fld id="{540C0B17-285F-4B24-A15E-231AC8C41BCD}" type="datetimeFigureOut">
               <a:rPr lang="en-US" smtClean="0"/>
-              <a:t>8/29/2018</a:t>
+              <a:t>9/3/2018</a:t>
             </a:fld>
             <a:endParaRPr lang="en-US"/>
           </a:p>
@@ -1421,7 +1421,7 @@
           <a:p>
             <a:fld id="{540C0B17-285F-4B24-A15E-231AC8C41BCD}" type="datetimeFigureOut">
               <a:rPr lang="en-US" smtClean="0"/>
-              <a:t>8/29/2018</a:t>
+              <a:t>9/3/2018</a:t>
             </a:fld>
             <a:endParaRPr lang="en-US"/>
           </a:p>
@@ -1833,7 +1833,7 @@
           <a:p>
             <a:fld id="{540C0B17-285F-4B24-A15E-231AC8C41BCD}" type="datetimeFigureOut">
               <a:rPr lang="en-US" smtClean="0"/>
-              <a:t>8/29/2018</a:t>
+              <a:t>9/3/2018</a:t>
             </a:fld>
             <a:endParaRPr lang="en-US"/>
           </a:p>
@@ -1974,7 +1974,7 @@
           <a:p>
             <a:fld id="{540C0B17-285F-4B24-A15E-231AC8C41BCD}" type="datetimeFigureOut">
               <a:rPr lang="en-US" smtClean="0"/>
-              <a:t>8/29/2018</a:t>
+              <a:t>9/3/2018</a:t>
             </a:fld>
             <a:endParaRPr lang="en-US"/>
           </a:p>
@@ -2087,7 +2087,7 @@
           <a:p>
             <a:fld id="{540C0B17-285F-4B24-A15E-231AC8C41BCD}" type="datetimeFigureOut">
               <a:rPr lang="en-US" smtClean="0"/>
-              <a:t>8/29/2018</a:t>
+              <a:t>9/3/2018</a:t>
             </a:fld>
             <a:endParaRPr lang="en-US"/>
           </a:p>
@@ -2398,7 +2398,7 @@
           <a:p>
             <a:fld id="{540C0B17-285F-4B24-A15E-231AC8C41BCD}" type="datetimeFigureOut">
               <a:rPr lang="en-US" smtClean="0"/>
-              <a:t>8/29/2018</a:t>
+              <a:t>9/3/2018</a:t>
             </a:fld>
             <a:endParaRPr lang="en-US"/>
           </a:p>
@@ -2686,7 +2686,7 @@
           <a:p>
             <a:fld id="{540C0B17-285F-4B24-A15E-231AC8C41BCD}" type="datetimeFigureOut">
               <a:rPr lang="en-US" smtClean="0"/>
-              <a:t>8/29/2018</a:t>
+              <a:t>9/3/2018</a:t>
             </a:fld>
             <a:endParaRPr lang="en-US"/>
           </a:p>
@@ -2927,7 +2927,7 @@
           <a:p>
             <a:fld id="{540C0B17-285F-4B24-A15E-231AC8C41BCD}" type="datetimeFigureOut">
               <a:rPr lang="en-US" smtClean="0"/>
-              <a:t>8/29/2018</a:t>
+              <a:t>9/3/2018</a:t>
             </a:fld>
             <a:endParaRPr lang="en-US"/>
           </a:p>
@@ -3908,8 +3908,8 @@
           </a:fontRef>
         </p:style>
       </p:cxnSp>
-      <mc:AlternateContent xmlns:mc="http://schemas.openxmlformats.org/markup-compatibility/2006">
-        <mc:Choice xmlns:a14="http://schemas.microsoft.com/office/drawing/2010/main" Requires="a14">
+      <mc:AlternateContent xmlns:mc="http://schemas.openxmlformats.org/markup-compatibility/2006" xmlns:a14="http://schemas.microsoft.com/office/drawing/2010/main">
+        <mc:Choice Requires="a14">
           <p:sp>
             <p:nvSpPr>
               <p:cNvPr id="19" name="TextBox 18">
@@ -3978,7 +3978,7 @@
             </p:txBody>
           </p:sp>
         </mc:Choice>
-        <mc:Fallback>
+        <mc:Fallback xmlns="">
           <p:sp>
             <p:nvSpPr>
               <p:cNvPr id="19" name="TextBox 18">
@@ -4023,8 +4023,8 @@
           </p:sp>
         </mc:Fallback>
       </mc:AlternateContent>
-      <mc:AlternateContent xmlns:mc="http://schemas.openxmlformats.org/markup-compatibility/2006">
-        <mc:Choice xmlns:a14="http://schemas.microsoft.com/office/drawing/2010/main" Requires="a14">
+      <mc:AlternateContent xmlns:mc="http://schemas.openxmlformats.org/markup-compatibility/2006" xmlns:a14="http://schemas.microsoft.com/office/drawing/2010/main">
+        <mc:Choice Requires="a14">
           <p:sp>
             <p:nvSpPr>
               <p:cNvPr id="21" name="TextBox 20">
@@ -4093,7 +4093,7 @@
             </p:txBody>
           </p:sp>
         </mc:Choice>
-        <mc:Fallback>
+        <mc:Fallback xmlns="">
           <p:sp>
             <p:nvSpPr>
               <p:cNvPr id="21" name="TextBox 20">
@@ -4138,8 +4138,8 @@
           </p:sp>
         </mc:Fallback>
       </mc:AlternateContent>
-      <mc:AlternateContent xmlns:mc="http://schemas.openxmlformats.org/markup-compatibility/2006">
-        <mc:Choice xmlns:a14="http://schemas.microsoft.com/office/drawing/2010/main" Requires="a14">
+      <mc:AlternateContent xmlns:mc="http://schemas.openxmlformats.org/markup-compatibility/2006" xmlns:a14="http://schemas.microsoft.com/office/drawing/2010/main">
+        <mc:Choice Requires="a14">
           <p:sp>
             <p:nvSpPr>
               <p:cNvPr id="22" name="TextBox 21">
@@ -4208,7 +4208,7 @@
             </p:txBody>
           </p:sp>
         </mc:Choice>
-        <mc:Fallback>
+        <mc:Fallback xmlns="">
           <p:sp>
             <p:nvSpPr>
               <p:cNvPr id="22" name="TextBox 21">
@@ -4253,8 +4253,8 @@
           </p:sp>
         </mc:Fallback>
       </mc:AlternateContent>
-      <mc:AlternateContent xmlns:mc="http://schemas.openxmlformats.org/markup-compatibility/2006">
-        <mc:Choice xmlns:a14="http://schemas.microsoft.com/office/drawing/2010/main" Requires="a14">
+      <mc:AlternateContent xmlns:mc="http://schemas.openxmlformats.org/markup-compatibility/2006" xmlns:a14="http://schemas.microsoft.com/office/drawing/2010/main">
+        <mc:Choice Requires="a14">
           <p:sp>
             <p:nvSpPr>
               <p:cNvPr id="23" name="TextBox 22">
@@ -4383,7 +4383,7 @@
             </p:txBody>
           </p:sp>
         </mc:Choice>
-        <mc:Fallback>
+        <mc:Fallback xmlns="">
           <p:sp>
             <p:nvSpPr>
               <p:cNvPr id="23" name="TextBox 22">
@@ -6074,8 +6074,8 @@
           </p:sp>
         </mc:Fallback>
       </mc:AlternateContent>
-      <mc:AlternateContent xmlns:mc="http://schemas.openxmlformats.org/markup-compatibility/2006">
-        <mc:Choice xmlns:a14="http://schemas.microsoft.com/office/drawing/2010/main" Requires="a14">
+      <mc:AlternateContent xmlns:mc="http://schemas.openxmlformats.org/markup-compatibility/2006" xmlns:a14="http://schemas.microsoft.com/office/drawing/2010/main">
+        <mc:Choice Requires="a14">
           <p:sp>
             <p:nvSpPr>
               <p:cNvPr id="23" name="TextBox 22">
@@ -6204,7 +6204,7 @@
             </p:txBody>
           </p:sp>
         </mc:Choice>
-        <mc:Fallback>
+        <mc:Fallback xmlns="">
           <p:sp>
             <p:nvSpPr>
               <p:cNvPr id="23" name="TextBox 22">
@@ -6249,8 +6249,8 @@
           </p:sp>
         </mc:Fallback>
       </mc:AlternateContent>
-      <mc:AlternateContent xmlns:mc="http://schemas.openxmlformats.org/markup-compatibility/2006">
-        <mc:Choice xmlns:a14="http://schemas.microsoft.com/office/drawing/2010/main" Requires="a14">
+      <mc:AlternateContent xmlns:mc="http://schemas.openxmlformats.org/markup-compatibility/2006" xmlns:a14="http://schemas.microsoft.com/office/drawing/2010/main">
+        <mc:Choice Requires="a14">
           <p:sp>
             <p:nvSpPr>
               <p:cNvPr id="26" name="TextBox 25">
@@ -7131,7 +7131,7 @@
             </p:txBody>
           </p:sp>
         </mc:Choice>
-        <mc:Fallback>
+        <mc:Fallback xmlns="">
           <p:sp>
             <p:nvSpPr>
               <p:cNvPr id="26" name="TextBox 25">
@@ -14036,8 +14036,8 @@
           </p:sp>
         </mc:Fallback>
       </mc:AlternateContent>
-      <mc:AlternateContent xmlns:mc="http://schemas.openxmlformats.org/markup-compatibility/2006">
-        <mc:Choice xmlns:a14="http://schemas.microsoft.com/office/drawing/2010/main" Requires="a14">
+      <mc:AlternateContent xmlns:mc="http://schemas.openxmlformats.org/markup-compatibility/2006" xmlns:a14="http://schemas.microsoft.com/office/drawing/2010/main">
+        <mc:Choice Requires="a14">
           <p:sp>
             <p:nvSpPr>
               <p:cNvPr id="15" name="TextBox 14">
@@ -14246,7 +14246,7 @@
             </p:txBody>
           </p:sp>
         </mc:Choice>
-        <mc:Fallback>
+        <mc:Fallback xmlns="">
           <p:sp>
             <p:nvSpPr>
               <p:cNvPr id="15" name="TextBox 14">
@@ -14291,8 +14291,8 @@
           </p:sp>
         </mc:Fallback>
       </mc:AlternateContent>
-      <mc:AlternateContent xmlns:mc="http://schemas.openxmlformats.org/markup-compatibility/2006">
-        <mc:Choice xmlns:a14="http://schemas.microsoft.com/office/drawing/2010/main" Requires="a14">
+      <mc:AlternateContent xmlns:mc="http://schemas.openxmlformats.org/markup-compatibility/2006" xmlns:a14="http://schemas.microsoft.com/office/drawing/2010/main">
+        <mc:Choice Requires="a14">
           <p:sp>
             <p:nvSpPr>
               <p:cNvPr id="16" name="TextBox 15">
@@ -14513,7 +14513,7 @@
             </p:txBody>
           </p:sp>
         </mc:Choice>
-        <mc:Fallback>
+        <mc:Fallback xmlns="">
           <p:sp>
             <p:nvSpPr>
               <p:cNvPr id="16" name="TextBox 15">
@@ -14705,8 +14705,8 @@
           </a:prstGeom>
         </p:spPr>
       </p:pic>
-      <mc:AlternateContent xmlns:mc="http://schemas.openxmlformats.org/markup-compatibility/2006">
-        <mc:Choice xmlns:a14="http://schemas.microsoft.com/office/drawing/2010/main" Requires="a14">
+      <mc:AlternateContent xmlns:mc="http://schemas.openxmlformats.org/markup-compatibility/2006" xmlns:a14="http://schemas.microsoft.com/office/drawing/2010/main">
+        <mc:Choice Requires="a14">
           <p:sp>
             <p:nvSpPr>
               <p:cNvPr id="9" name="Rectangle 8">
@@ -14839,7 +14839,7 @@
             </p:txBody>
           </p:sp>
         </mc:Choice>
-        <mc:Fallback>
+        <mc:Fallback xmlns="">
           <p:sp>
             <p:nvSpPr>
               <p:cNvPr id="9" name="Rectangle 8">
@@ -20929,8 +20929,8 @@
           <a:chExt cx="0" cy="0"/>
         </a:xfrm>
       </p:grpSpPr>
-      <mc:AlternateContent xmlns:mc="http://schemas.openxmlformats.org/markup-compatibility/2006">
-        <mc:Choice xmlns:a14="http://schemas.microsoft.com/office/drawing/2010/main" Requires="a14">
+      <mc:AlternateContent xmlns:mc="http://schemas.openxmlformats.org/markup-compatibility/2006" xmlns:a14="http://schemas.microsoft.com/office/drawing/2010/main">
+        <mc:Choice Requires="a14">
           <p:sp>
             <p:nvSpPr>
               <p:cNvPr id="4" name="TextBox 3">
@@ -20998,7 +20998,7 @@
             </p:txBody>
           </p:sp>
         </mc:Choice>
-        <mc:Fallback>
+        <mc:Fallback xmlns="">
           <p:sp>
             <p:nvSpPr>
               <p:cNvPr id="4" name="TextBox 3">
@@ -21981,8 +21981,8 @@
           </p:sp>
         </mc:Fallback>
       </mc:AlternateContent>
-      <mc:AlternateContent xmlns:mc="http://schemas.openxmlformats.org/markup-compatibility/2006">
-        <mc:Choice xmlns:a14="http://schemas.microsoft.com/office/drawing/2010/main" Requires="a14">
+      <mc:AlternateContent xmlns:mc="http://schemas.openxmlformats.org/markup-compatibility/2006" xmlns:a14="http://schemas.microsoft.com/office/drawing/2010/main">
+        <mc:Choice Requires="a14">
           <p:sp>
             <p:nvSpPr>
               <p:cNvPr id="2" name="TextBox 1">
@@ -22206,7 +22206,7 @@
             </p:txBody>
           </p:sp>
         </mc:Choice>
-        <mc:Fallback>
+        <mc:Fallback xmlns="">
           <p:sp>
             <p:nvSpPr>
               <p:cNvPr id="2" name="TextBox 1">
@@ -22474,8 +22474,8 @@
           </a:fontRef>
         </p:style>
       </p:cxnSp>
-      <mc:AlternateContent xmlns:mc="http://schemas.openxmlformats.org/markup-compatibility/2006">
-        <mc:Choice xmlns:a14="http://schemas.microsoft.com/office/drawing/2010/main" Requires="a14">
+      <mc:AlternateContent xmlns:mc="http://schemas.openxmlformats.org/markup-compatibility/2006" xmlns:a14="http://schemas.microsoft.com/office/drawing/2010/main">
+        <mc:Choice Requires="a14">
           <p:sp>
             <p:nvSpPr>
               <p:cNvPr id="19" name="TextBox 18">
@@ -22544,7 +22544,7 @@
             </p:txBody>
           </p:sp>
         </mc:Choice>
-        <mc:Fallback>
+        <mc:Fallback xmlns="">
           <p:sp>
             <p:nvSpPr>
               <p:cNvPr id="19" name="TextBox 18">
@@ -22589,8 +22589,8 @@
           </p:sp>
         </mc:Fallback>
       </mc:AlternateContent>
-      <mc:AlternateContent xmlns:mc="http://schemas.openxmlformats.org/markup-compatibility/2006">
-        <mc:Choice xmlns:a14="http://schemas.microsoft.com/office/drawing/2010/main" Requires="a14">
+      <mc:AlternateContent xmlns:mc="http://schemas.openxmlformats.org/markup-compatibility/2006" xmlns:a14="http://schemas.microsoft.com/office/drawing/2010/main">
+        <mc:Choice Requires="a14">
           <p:sp>
             <p:nvSpPr>
               <p:cNvPr id="21" name="TextBox 20">
@@ -22659,7 +22659,7 @@
             </p:txBody>
           </p:sp>
         </mc:Choice>
-        <mc:Fallback>
+        <mc:Fallback xmlns="">
           <p:sp>
             <p:nvSpPr>
               <p:cNvPr id="21" name="TextBox 20">
@@ -22704,8 +22704,8 @@
           </p:sp>
         </mc:Fallback>
       </mc:AlternateContent>
-      <mc:AlternateContent xmlns:mc="http://schemas.openxmlformats.org/markup-compatibility/2006">
-        <mc:Choice xmlns:a14="http://schemas.microsoft.com/office/drawing/2010/main" Requires="a14">
+      <mc:AlternateContent xmlns:mc="http://schemas.openxmlformats.org/markup-compatibility/2006" xmlns:a14="http://schemas.microsoft.com/office/drawing/2010/main">
+        <mc:Choice Requires="a14">
           <p:sp>
             <p:nvSpPr>
               <p:cNvPr id="22" name="TextBox 21">
@@ -22774,7 +22774,7 @@
             </p:txBody>
           </p:sp>
         </mc:Choice>
-        <mc:Fallback>
+        <mc:Fallback xmlns="">
           <p:sp>
             <p:nvSpPr>
               <p:cNvPr id="22" name="TextBox 21">
@@ -22819,8 +22819,8 @@
           </p:sp>
         </mc:Fallback>
       </mc:AlternateContent>
-      <mc:AlternateContent xmlns:mc="http://schemas.openxmlformats.org/markup-compatibility/2006">
-        <mc:Choice xmlns:a14="http://schemas.microsoft.com/office/drawing/2010/main" Requires="a14">
+      <mc:AlternateContent xmlns:mc="http://schemas.openxmlformats.org/markup-compatibility/2006" xmlns:a14="http://schemas.microsoft.com/office/drawing/2010/main">
+        <mc:Choice Requires="a14">
           <p:sp>
             <p:nvSpPr>
               <p:cNvPr id="23" name="TextBox 22">
@@ -22949,7 +22949,7 @@
             </p:txBody>
           </p:sp>
         </mc:Choice>
-        <mc:Fallback>
+        <mc:Fallback xmlns="">
           <p:sp>
             <p:nvSpPr>
               <p:cNvPr id="23" name="TextBox 22">
@@ -23938,7 +23938,7 @@
             <p:spPr>
               <a:xfrm>
                 <a:off x="6454329" y="1129470"/>
-                <a:ext cx="3758268" cy="523220"/>
+                <a:ext cx="3758268" cy="1384995"/>
               </a:xfrm>
               <a:prstGeom prst="rect">
                 <a:avLst/>
@@ -24013,7 +24013,7 @@
                 </a14:m>
                 <a:r>
                   <a:rPr lang="en-US" sz="2800" dirty="0"/>
-                  <a:t>, LWI</a:t>
+                  <a:t>, LWI. However, the pump rate is too low</a:t>
                 </a:r>
               </a:p>
             </p:txBody>
@@ -24037,7 +24037,7 @@
             <p:spPr>
               <a:xfrm>
                 <a:off x="6454329" y="1129470"/>
-                <a:ext cx="3758268" cy="523220"/>
+                <a:ext cx="3758268" cy="1384995"/>
               </a:xfrm>
               <a:prstGeom prst="rect">
                 <a:avLst/>
@@ -24045,7 +24045,7 @@
               <a:blipFill>
                 <a:blip r:embed="rId9"/>
                 <a:stretch>
-                  <a:fillRect t="-10465" b="-32558"/>
+                  <a:fillRect l="-3409" t="-3965" r="-3409" b="-11894"/>
                 </a:stretch>
               </a:blipFill>
             </p:spPr>

--- a/3-level.pptx
+++ b/3-level.pptx
@@ -4,6 +4,9 @@
   <p:sldMasterIdLst>
     <p:sldMasterId id="2147483648" r:id="rId1"/>
   </p:sldMasterIdLst>
+  <p:notesMasterIdLst>
+    <p:notesMasterId r:id="rId24"/>
+  </p:notesMasterIdLst>
   <p:sldIdLst>
     <p:sldId id="281" r:id="rId2"/>
     <p:sldId id="267" r:id="rId3"/>
@@ -17,15 +20,16 @@
     <p:sldId id="256" r:id="rId11"/>
     <p:sldId id="273" r:id="rId12"/>
     <p:sldId id="276" r:id="rId13"/>
-    <p:sldId id="277" r:id="rId14"/>
-    <p:sldId id="263" r:id="rId15"/>
-    <p:sldId id="279" r:id="rId16"/>
-    <p:sldId id="264" r:id="rId17"/>
-    <p:sldId id="261" r:id="rId18"/>
-    <p:sldId id="278" r:id="rId19"/>
-    <p:sldId id="266" r:id="rId20"/>
-    <p:sldId id="265" r:id="rId21"/>
-    <p:sldId id="258" r:id="rId22"/>
+    <p:sldId id="282" r:id="rId14"/>
+    <p:sldId id="279" r:id="rId15"/>
+    <p:sldId id="277" r:id="rId16"/>
+    <p:sldId id="263" r:id="rId17"/>
+    <p:sldId id="264" r:id="rId18"/>
+    <p:sldId id="261" r:id="rId19"/>
+    <p:sldId id="278" r:id="rId20"/>
+    <p:sldId id="266" r:id="rId21"/>
+    <p:sldId id="265" r:id="rId22"/>
+    <p:sldId id="258" r:id="rId23"/>
   </p:sldIdLst>
   <p:sldSz cx="12192000" cy="6858000"/>
   <p:notesSz cx="6858000" cy="9144000"/>
@@ -130,6 +134,439 @@
     </p:ext>
   </p:extLst>
 </p:presentation>
+</file>
+
+<file path=ppt/notesMasters/notesMaster1.xml><?xml version="1.0" encoding="utf-8"?>
+<p:notesMaster xmlns:a="http://schemas.openxmlformats.org/drawingml/2006/main" xmlns:r="http://schemas.openxmlformats.org/officeDocument/2006/relationships" xmlns:p="http://schemas.openxmlformats.org/presentationml/2006/main">
+  <p:cSld>
+    <p:bg>
+      <p:bgRef idx="1001">
+        <a:schemeClr val="bg1"/>
+      </p:bgRef>
+    </p:bg>
+    <p:spTree>
+      <p:nvGrpSpPr>
+        <p:cNvPr id="1" name=""/>
+        <p:cNvGrpSpPr/>
+        <p:nvPr/>
+      </p:nvGrpSpPr>
+      <p:grpSpPr>
+        <a:xfrm>
+          <a:off x="0" y="0"/>
+          <a:ext cx="0" cy="0"/>
+          <a:chOff x="0" y="0"/>
+          <a:chExt cx="0" cy="0"/>
+        </a:xfrm>
+      </p:grpSpPr>
+      <p:sp>
+        <p:nvSpPr>
+          <p:cNvPr id="2" name="Header Placeholder 1"/>
+          <p:cNvSpPr>
+            <a:spLocks noGrp="1"/>
+          </p:cNvSpPr>
+          <p:nvPr>
+            <p:ph type="hdr" sz="quarter"/>
+          </p:nvPr>
+        </p:nvSpPr>
+        <p:spPr>
+          <a:xfrm>
+            <a:off x="0" y="0"/>
+            <a:ext cx="2971800" cy="458788"/>
+          </a:xfrm>
+          <a:prstGeom prst="rect">
+            <a:avLst/>
+          </a:prstGeom>
+        </p:spPr>
+        <p:txBody>
+          <a:bodyPr vert="horz" lIns="91440" tIns="45720" rIns="91440" bIns="45720" rtlCol="0"/>
+          <a:lstStyle>
+            <a:lvl1pPr algn="l">
+              <a:defRPr sz="1200"/>
+            </a:lvl1pPr>
+          </a:lstStyle>
+          <a:p>
+            <a:endParaRPr lang="en-US"/>
+          </a:p>
+        </p:txBody>
+      </p:sp>
+      <p:sp>
+        <p:nvSpPr>
+          <p:cNvPr id="3" name="Date Placeholder 2"/>
+          <p:cNvSpPr>
+            <a:spLocks noGrp="1"/>
+          </p:cNvSpPr>
+          <p:nvPr>
+            <p:ph type="dt" idx="1"/>
+          </p:nvPr>
+        </p:nvSpPr>
+        <p:spPr>
+          <a:xfrm>
+            <a:off x="3884613" y="0"/>
+            <a:ext cx="2971800" cy="458788"/>
+          </a:xfrm>
+          <a:prstGeom prst="rect">
+            <a:avLst/>
+          </a:prstGeom>
+        </p:spPr>
+        <p:txBody>
+          <a:bodyPr vert="horz" lIns="91440" tIns="45720" rIns="91440" bIns="45720" rtlCol="0"/>
+          <a:lstStyle>
+            <a:lvl1pPr algn="r">
+              <a:defRPr sz="1200"/>
+            </a:lvl1pPr>
+          </a:lstStyle>
+          <a:p>
+            <a:fld id="{D398D3D8-E180-45F1-973D-9CDE3FC68687}" type="datetimeFigureOut">
+              <a:rPr lang="en-US" smtClean="0"/>
+              <a:t>9/19/2018</a:t>
+            </a:fld>
+            <a:endParaRPr lang="en-US"/>
+          </a:p>
+        </p:txBody>
+      </p:sp>
+      <p:sp>
+        <p:nvSpPr>
+          <p:cNvPr id="4" name="Slide Image Placeholder 3"/>
+          <p:cNvSpPr>
+            <a:spLocks noGrp="1" noRot="1" noChangeAspect="1"/>
+          </p:cNvSpPr>
+          <p:nvPr>
+            <p:ph type="sldImg" idx="2"/>
+          </p:nvPr>
+        </p:nvSpPr>
+        <p:spPr>
+          <a:xfrm>
+            <a:off x="685800" y="1143000"/>
+            <a:ext cx="5486400" cy="3086100"/>
+          </a:xfrm>
+          <a:prstGeom prst="rect">
+            <a:avLst/>
+          </a:prstGeom>
+          <a:noFill/>
+          <a:ln w="12700">
+            <a:solidFill>
+              <a:prstClr val="black"/>
+            </a:solidFill>
+          </a:ln>
+        </p:spPr>
+        <p:txBody>
+          <a:bodyPr vert="horz" lIns="91440" tIns="45720" rIns="91440" bIns="45720" rtlCol="0" anchor="ctr"/>
+          <a:lstStyle/>
+          <a:p>
+            <a:endParaRPr lang="en-US"/>
+          </a:p>
+        </p:txBody>
+      </p:sp>
+      <p:sp>
+        <p:nvSpPr>
+          <p:cNvPr id="5" name="Notes Placeholder 4"/>
+          <p:cNvSpPr>
+            <a:spLocks noGrp="1"/>
+          </p:cNvSpPr>
+          <p:nvPr>
+            <p:ph type="body" sz="quarter" idx="3"/>
+          </p:nvPr>
+        </p:nvSpPr>
+        <p:spPr>
+          <a:xfrm>
+            <a:off x="685800" y="4400550"/>
+            <a:ext cx="5486400" cy="3600450"/>
+          </a:xfrm>
+          <a:prstGeom prst="rect">
+            <a:avLst/>
+          </a:prstGeom>
+        </p:spPr>
+        <p:txBody>
+          <a:bodyPr vert="horz" lIns="91440" tIns="45720" rIns="91440" bIns="45720" rtlCol="0"/>
+          <a:lstStyle/>
+          <a:p>
+            <a:pPr lvl="0"/>
+            <a:r>
+              <a:rPr lang="en-US"/>
+              <a:t>Edit Master text styles</a:t>
+            </a:r>
+          </a:p>
+          <a:p>
+            <a:pPr lvl="1"/>
+            <a:r>
+              <a:rPr lang="en-US"/>
+              <a:t>Second level</a:t>
+            </a:r>
+          </a:p>
+          <a:p>
+            <a:pPr lvl="2"/>
+            <a:r>
+              <a:rPr lang="en-US"/>
+              <a:t>Third level</a:t>
+            </a:r>
+          </a:p>
+          <a:p>
+            <a:pPr lvl="3"/>
+            <a:r>
+              <a:rPr lang="en-US"/>
+              <a:t>Fourth level</a:t>
+            </a:r>
+          </a:p>
+          <a:p>
+            <a:pPr lvl="4"/>
+            <a:r>
+              <a:rPr lang="en-US"/>
+              <a:t>Fifth level</a:t>
+            </a:r>
+          </a:p>
+        </p:txBody>
+      </p:sp>
+      <p:sp>
+        <p:nvSpPr>
+          <p:cNvPr id="6" name="Footer Placeholder 5"/>
+          <p:cNvSpPr>
+            <a:spLocks noGrp="1"/>
+          </p:cNvSpPr>
+          <p:nvPr>
+            <p:ph type="ftr" sz="quarter" idx="4"/>
+          </p:nvPr>
+        </p:nvSpPr>
+        <p:spPr>
+          <a:xfrm>
+            <a:off x="0" y="8685213"/>
+            <a:ext cx="2971800" cy="458787"/>
+          </a:xfrm>
+          <a:prstGeom prst="rect">
+            <a:avLst/>
+          </a:prstGeom>
+        </p:spPr>
+        <p:txBody>
+          <a:bodyPr vert="horz" lIns="91440" tIns="45720" rIns="91440" bIns="45720" rtlCol="0" anchor="b"/>
+          <a:lstStyle>
+            <a:lvl1pPr algn="l">
+              <a:defRPr sz="1200"/>
+            </a:lvl1pPr>
+          </a:lstStyle>
+          <a:p>
+            <a:endParaRPr lang="en-US"/>
+          </a:p>
+        </p:txBody>
+      </p:sp>
+      <p:sp>
+        <p:nvSpPr>
+          <p:cNvPr id="7" name="Slide Number Placeholder 6"/>
+          <p:cNvSpPr>
+            <a:spLocks noGrp="1"/>
+          </p:cNvSpPr>
+          <p:nvPr>
+            <p:ph type="sldNum" sz="quarter" idx="5"/>
+          </p:nvPr>
+        </p:nvSpPr>
+        <p:spPr>
+          <a:xfrm>
+            <a:off x="3884613" y="8685213"/>
+            <a:ext cx="2971800" cy="458787"/>
+          </a:xfrm>
+          <a:prstGeom prst="rect">
+            <a:avLst/>
+          </a:prstGeom>
+        </p:spPr>
+        <p:txBody>
+          <a:bodyPr vert="horz" lIns="91440" tIns="45720" rIns="91440" bIns="45720" rtlCol="0" anchor="b"/>
+          <a:lstStyle>
+            <a:lvl1pPr algn="r">
+              <a:defRPr sz="1200"/>
+            </a:lvl1pPr>
+          </a:lstStyle>
+          <a:p>
+            <a:fld id="{1FA194A6-28BC-4112-91F9-9CFC2A9249E9}" type="slidenum">
+              <a:rPr lang="en-US" smtClean="0"/>
+              <a:t>‹#›</a:t>
+            </a:fld>
+            <a:endParaRPr lang="en-US"/>
+          </a:p>
+        </p:txBody>
+      </p:sp>
+    </p:spTree>
+    <p:extLst>
+      <p:ext uri="{BB962C8B-B14F-4D97-AF65-F5344CB8AC3E}">
+        <p14:creationId xmlns:p14="http://schemas.microsoft.com/office/powerpoint/2010/main" val="3707171102"/>
+      </p:ext>
+    </p:extLst>
+  </p:cSld>
+  <p:clrMap bg1="lt1" tx1="dk1" bg2="lt2" tx2="dk2" accent1="accent1" accent2="accent2" accent3="accent3" accent4="accent4" accent5="accent5" accent6="accent6" hlink="hlink" folHlink="folHlink"/>
+  <p:notesStyle>
+    <a:lvl1pPr marL="0" algn="l" defTabSz="914400" rtl="0" eaLnBrk="1" latinLnBrk="0" hangingPunct="1">
+      <a:defRPr sz="1200" kern="1200">
+        <a:solidFill>
+          <a:schemeClr val="tx1"/>
+        </a:solidFill>
+        <a:latin typeface="+mn-lt"/>
+        <a:ea typeface="+mn-ea"/>
+        <a:cs typeface="+mn-cs"/>
+      </a:defRPr>
+    </a:lvl1pPr>
+    <a:lvl2pPr marL="457200" algn="l" defTabSz="914400" rtl="0" eaLnBrk="1" latinLnBrk="0" hangingPunct="1">
+      <a:defRPr sz="1200" kern="1200">
+        <a:solidFill>
+          <a:schemeClr val="tx1"/>
+        </a:solidFill>
+        <a:latin typeface="+mn-lt"/>
+        <a:ea typeface="+mn-ea"/>
+        <a:cs typeface="+mn-cs"/>
+      </a:defRPr>
+    </a:lvl2pPr>
+    <a:lvl3pPr marL="914400" algn="l" defTabSz="914400" rtl="0" eaLnBrk="1" latinLnBrk="0" hangingPunct="1">
+      <a:defRPr sz="1200" kern="1200">
+        <a:solidFill>
+          <a:schemeClr val="tx1"/>
+        </a:solidFill>
+        <a:latin typeface="+mn-lt"/>
+        <a:ea typeface="+mn-ea"/>
+        <a:cs typeface="+mn-cs"/>
+      </a:defRPr>
+    </a:lvl3pPr>
+    <a:lvl4pPr marL="1371600" algn="l" defTabSz="914400" rtl="0" eaLnBrk="1" latinLnBrk="0" hangingPunct="1">
+      <a:defRPr sz="1200" kern="1200">
+        <a:solidFill>
+          <a:schemeClr val="tx1"/>
+        </a:solidFill>
+        <a:latin typeface="+mn-lt"/>
+        <a:ea typeface="+mn-ea"/>
+        <a:cs typeface="+mn-cs"/>
+      </a:defRPr>
+    </a:lvl4pPr>
+    <a:lvl5pPr marL="1828800" algn="l" defTabSz="914400" rtl="0" eaLnBrk="1" latinLnBrk="0" hangingPunct="1">
+      <a:defRPr sz="1200" kern="1200">
+        <a:solidFill>
+          <a:schemeClr val="tx1"/>
+        </a:solidFill>
+        <a:latin typeface="+mn-lt"/>
+        <a:ea typeface="+mn-ea"/>
+        <a:cs typeface="+mn-cs"/>
+      </a:defRPr>
+    </a:lvl5pPr>
+    <a:lvl6pPr marL="2286000" algn="l" defTabSz="914400" rtl="0" eaLnBrk="1" latinLnBrk="0" hangingPunct="1">
+      <a:defRPr sz="1200" kern="1200">
+        <a:solidFill>
+          <a:schemeClr val="tx1"/>
+        </a:solidFill>
+        <a:latin typeface="+mn-lt"/>
+        <a:ea typeface="+mn-ea"/>
+        <a:cs typeface="+mn-cs"/>
+      </a:defRPr>
+    </a:lvl6pPr>
+    <a:lvl7pPr marL="2743200" algn="l" defTabSz="914400" rtl="0" eaLnBrk="1" latinLnBrk="0" hangingPunct="1">
+      <a:defRPr sz="1200" kern="1200">
+        <a:solidFill>
+          <a:schemeClr val="tx1"/>
+        </a:solidFill>
+        <a:latin typeface="+mn-lt"/>
+        <a:ea typeface="+mn-ea"/>
+        <a:cs typeface="+mn-cs"/>
+      </a:defRPr>
+    </a:lvl7pPr>
+    <a:lvl8pPr marL="3200400" algn="l" defTabSz="914400" rtl="0" eaLnBrk="1" latinLnBrk="0" hangingPunct="1">
+      <a:defRPr sz="1200" kern="1200">
+        <a:solidFill>
+          <a:schemeClr val="tx1"/>
+        </a:solidFill>
+        <a:latin typeface="+mn-lt"/>
+        <a:ea typeface="+mn-ea"/>
+        <a:cs typeface="+mn-cs"/>
+      </a:defRPr>
+    </a:lvl8pPr>
+    <a:lvl9pPr marL="3657600" algn="l" defTabSz="914400" rtl="0" eaLnBrk="1" latinLnBrk="0" hangingPunct="1">
+      <a:defRPr sz="1200" kern="1200">
+        <a:solidFill>
+          <a:schemeClr val="tx1"/>
+        </a:solidFill>
+        <a:latin typeface="+mn-lt"/>
+        <a:ea typeface="+mn-ea"/>
+        <a:cs typeface="+mn-cs"/>
+      </a:defRPr>
+    </a:lvl9pPr>
+  </p:notesStyle>
+</p:notesMaster>
+</file>
+
+<file path=ppt/notesSlides/notesSlide1.xml><?xml version="1.0" encoding="utf-8"?>
+<p:notes xmlns:a="http://schemas.openxmlformats.org/drawingml/2006/main" xmlns:r="http://schemas.openxmlformats.org/officeDocument/2006/relationships" xmlns:p="http://schemas.openxmlformats.org/presentationml/2006/main">
+  <p:cSld>
+    <p:spTree>
+      <p:nvGrpSpPr>
+        <p:cNvPr id="1" name=""/>
+        <p:cNvGrpSpPr/>
+        <p:nvPr/>
+      </p:nvGrpSpPr>
+      <p:grpSpPr>
+        <a:xfrm>
+          <a:off x="0" y="0"/>
+          <a:ext cx="0" cy="0"/>
+          <a:chOff x="0" y="0"/>
+          <a:chExt cx="0" cy="0"/>
+        </a:xfrm>
+      </p:grpSpPr>
+      <p:sp>
+        <p:nvSpPr>
+          <p:cNvPr id="2" name="Slide Image Placeholder 1"/>
+          <p:cNvSpPr>
+            <a:spLocks noGrp="1" noRot="1" noChangeAspect="1"/>
+          </p:cNvSpPr>
+          <p:nvPr>
+            <p:ph type="sldImg"/>
+          </p:nvPr>
+        </p:nvSpPr>
+        <p:spPr/>
+      </p:sp>
+      <p:sp>
+        <p:nvSpPr>
+          <p:cNvPr id="3" name="Notes Placeholder 2"/>
+          <p:cNvSpPr>
+            <a:spLocks noGrp="1"/>
+          </p:cNvSpPr>
+          <p:nvPr>
+            <p:ph type="body" idx="1"/>
+          </p:nvPr>
+        </p:nvSpPr>
+        <p:spPr/>
+        <p:txBody>
+          <a:bodyPr/>
+          <a:lstStyle/>
+          <a:p>
+            <a:endParaRPr lang="en-US" dirty="0"/>
+          </a:p>
+        </p:txBody>
+      </p:sp>
+      <p:sp>
+        <p:nvSpPr>
+          <p:cNvPr id="4" name="Slide Number Placeholder 3"/>
+          <p:cNvSpPr>
+            <a:spLocks noGrp="1"/>
+          </p:cNvSpPr>
+          <p:nvPr>
+            <p:ph type="sldNum" sz="quarter" idx="10"/>
+          </p:nvPr>
+        </p:nvSpPr>
+        <p:spPr/>
+        <p:txBody>
+          <a:bodyPr/>
+          <a:lstStyle/>
+          <a:p>
+            <a:fld id="{1FA194A6-28BC-4112-91F9-9CFC2A9249E9}" type="slidenum">
+              <a:rPr lang="en-US" smtClean="0"/>
+              <a:t>11</a:t>
+            </a:fld>
+            <a:endParaRPr lang="en-US"/>
+          </a:p>
+        </p:txBody>
+      </p:sp>
+    </p:spTree>
+    <p:extLst>
+      <p:ext uri="{BB962C8B-B14F-4D97-AF65-F5344CB8AC3E}">
+        <p14:creationId xmlns:p14="http://schemas.microsoft.com/office/powerpoint/2010/main" val="2589470762"/>
+      </p:ext>
+    </p:extLst>
+  </p:cSld>
+  <p:clrMapOvr>
+    <a:masterClrMapping/>
+  </p:clrMapOvr>
+</p:notes>
 </file>
 
 <file path=ppt/slideLayouts/slideLayout1.xml><?xml version="1.0" encoding="utf-8"?>
@@ -3443,7 +3880,7 @@
         </p:nvCxnSpPr>
         <p:spPr>
           <a:xfrm>
-            <a:off x="1395663" y="2847474"/>
+            <a:off x="3570912" y="2843081"/>
             <a:ext cx="1275348" cy="0"/>
           </a:xfrm>
           <a:prstGeom prst="line">
@@ -3480,7 +3917,7 @@
         </p:nvCxnSpPr>
         <p:spPr>
           <a:xfrm>
-            <a:off x="312821" y="1804737"/>
+            <a:off x="2488070" y="1800344"/>
             <a:ext cx="1275348" cy="0"/>
           </a:xfrm>
           <a:prstGeom prst="line">
@@ -3517,7 +3954,7 @@
         </p:nvCxnSpPr>
         <p:spPr>
           <a:xfrm>
-            <a:off x="2119193" y="280738"/>
+            <a:off x="4294442" y="276345"/>
             <a:ext cx="1275348" cy="0"/>
           </a:xfrm>
           <a:prstGeom prst="line">
@@ -3554,7 +3991,7 @@
         </p:nvCxnSpPr>
         <p:spPr>
           <a:xfrm flipH="1" flipV="1">
-            <a:off x="1010653" y="1804737"/>
+            <a:off x="3185902" y="1800344"/>
             <a:ext cx="938463" cy="1042737"/>
           </a:xfrm>
           <a:prstGeom prst="straightConnector1">
@@ -3595,7 +4032,7 @@
         </p:nvCxnSpPr>
         <p:spPr>
           <a:xfrm flipV="1">
-            <a:off x="1010653" y="280738"/>
+            <a:off x="3185902" y="276345"/>
             <a:ext cx="1660358" cy="1523999"/>
           </a:xfrm>
           <a:prstGeom prst="straightConnector1">
@@ -3620,14 +4057,14 @@
           </a:fontRef>
         </p:style>
       </p:cxnSp>
-      <mc:AlternateContent xmlns:mc="http://schemas.openxmlformats.org/markup-compatibility/2006" xmlns:a14="http://schemas.microsoft.com/office/drawing/2010/main">
-        <mc:Choice Requires="a14">
+      <mc:AlternateContent xmlns:mc="http://schemas.openxmlformats.org/markup-compatibility/2006">
+        <mc:Choice xmlns:a14="http://schemas.microsoft.com/office/drawing/2010/main" Requires="a14">
           <p:sp>
             <p:nvSpPr>
-              <p:cNvPr id="14" name="TextBox 13">
+              <p:cNvPr id="19" name="TextBox 18">
                 <a:extLst>
                   <a:ext uri="{FF2B5EF4-FFF2-40B4-BE49-F238E27FC236}">
-                    <a16:creationId xmlns:a16="http://schemas.microsoft.com/office/drawing/2014/main" id="{D0536E66-E1BE-4F3A-8DCF-6428D0645E84}"/>
+                    <a16:creationId xmlns:a16="http://schemas.microsoft.com/office/drawing/2014/main" id="{90D9BDC6-34C2-44F5-9094-31B1842D47C7}"/>
                   </a:ext>
                 </a:extLst>
               </p:cNvPr>
@@ -3636,8 +4073,8 @@
             </p:nvSpPr>
             <p:spPr>
               <a:xfrm>
-                <a:off x="1237720" y="469612"/>
-                <a:ext cx="777200" cy="584775"/>
+                <a:off x="3232060" y="-180094"/>
+                <a:ext cx="771686" cy="584775"/>
               </a:xfrm>
               <a:prstGeom prst="rect">
                 <a:avLst/>
@@ -3657,31 +4094,31 @@
                       <m:jc m:val="centerGroup"/>
                     </m:oMathParaPr>
                     <m:oMath xmlns:m="http://schemas.openxmlformats.org/officeDocument/2006/math">
-                      <m:sSup>
-                        <m:sSupPr>
+                      <m:sSub>
+                        <m:sSubPr>
                           <m:ctrlPr>
                             <a:rPr lang="en-US" sz="3200" b="0" i="1" smtClean="0">
                               <a:latin typeface="Cambria Math" panose="02040503050406030204" pitchFamily="18" charset="0"/>
                             </a:rPr>
                           </m:ctrlPr>
-                        </m:sSupPr>
+                        </m:sSubPr>
                         <m:e>
                           <m:r>
                             <a:rPr lang="en-US" sz="3200" b="0" i="1" smtClean="0">
                               <a:latin typeface="Cambria Math" panose="02040503050406030204" pitchFamily="18" charset="0"/>
                             </a:rPr>
-                            <m:t>𝜎</m:t>
+                            <m:t>𝜔</m:t>
                           </m:r>
                         </m:e>
-                        <m:sup>
+                        <m:sub>
                           <m:r>
                             <a:rPr lang="en-US" sz="3200" b="0" i="1" smtClean="0">
                               <a:latin typeface="Cambria Math" panose="02040503050406030204" pitchFamily="18" charset="0"/>
                             </a:rPr>
-                            <m:t>+</m:t>
+                            <m:t>𝑎</m:t>
                           </m:r>
-                        </m:sup>
-                      </m:sSup>
+                        </m:sub>
+                      </m:sSub>
                     </m:oMath>
                   </m:oMathPara>
                 </a14:m>
@@ -3690,13 +4127,13 @@
             </p:txBody>
           </p:sp>
         </mc:Choice>
-        <mc:Fallback xmlns="">
+        <mc:Fallback>
           <p:sp>
             <p:nvSpPr>
-              <p:cNvPr id="14" name="TextBox 13">
+              <p:cNvPr id="19" name="TextBox 18">
                 <a:extLst>
                   <a:ext uri="{FF2B5EF4-FFF2-40B4-BE49-F238E27FC236}">
-                    <a16:creationId xmlns:a16="http://schemas.microsoft.com/office/drawing/2014/main" id="{D0536E66-E1BE-4F3A-8DCF-6428D0645E84}"/>
+                    <a16:creationId xmlns:a16="http://schemas.microsoft.com/office/drawing/2014/main" id="{90D9BDC6-34C2-44F5-9094-31B1842D47C7}"/>
                   </a:ext>
                 </a:extLst>
               </p:cNvPr>
@@ -3707,8 +4144,8 @@
             </p:nvSpPr>
             <p:spPr>
               <a:xfrm>
-                <a:off x="1237720" y="469612"/>
-                <a:ext cx="777200" cy="584775"/>
+                <a:off x="3232060" y="-180094"/>
+                <a:ext cx="771686" cy="584775"/>
               </a:xfrm>
               <a:prstGeom prst="rect">
                 <a:avLst/>
@@ -3735,14 +4172,14 @@
           </p:sp>
         </mc:Fallback>
       </mc:AlternateContent>
-      <mc:AlternateContent xmlns:mc="http://schemas.openxmlformats.org/markup-compatibility/2006" xmlns:a14="http://schemas.microsoft.com/office/drawing/2010/main">
-        <mc:Choice Requires="a14">
+      <mc:AlternateContent xmlns:mc="http://schemas.openxmlformats.org/markup-compatibility/2006">
+        <mc:Choice xmlns:a14="http://schemas.microsoft.com/office/drawing/2010/main" Requires="a14">
           <p:sp>
             <p:nvSpPr>
-              <p:cNvPr id="15" name="TextBox 14">
+              <p:cNvPr id="21" name="TextBox 20">
                 <a:extLst>
                   <a:ext uri="{FF2B5EF4-FFF2-40B4-BE49-F238E27FC236}">
-                    <a16:creationId xmlns:a16="http://schemas.microsoft.com/office/drawing/2014/main" id="{7F7F6BB2-3C26-498B-B504-98B4B9DE3CEE}"/>
+                    <a16:creationId xmlns:a16="http://schemas.microsoft.com/office/drawing/2014/main" id="{EAC73FA7-462A-4E11-8C51-C726490734EF}"/>
                   </a:ext>
                 </a:extLst>
               </p:cNvPr>
@@ -3751,8 +4188,8 @@
             </p:nvSpPr>
             <p:spPr>
               <a:xfrm>
-                <a:off x="314086" y="2062174"/>
-                <a:ext cx="777199" cy="584775"/>
+                <a:off x="1552911" y="1425094"/>
+                <a:ext cx="780405" cy="584775"/>
               </a:xfrm>
               <a:prstGeom prst="rect">
                 <a:avLst/>
@@ -3772,31 +4209,31 @@
                       <m:jc m:val="centerGroup"/>
                     </m:oMathParaPr>
                     <m:oMath xmlns:m="http://schemas.openxmlformats.org/officeDocument/2006/math">
-                      <m:sSup>
-                        <m:sSupPr>
+                      <m:sSub>
+                        <m:sSubPr>
                           <m:ctrlPr>
                             <a:rPr lang="en-US" sz="3200" b="0" i="1" smtClean="0">
                               <a:latin typeface="Cambria Math" panose="02040503050406030204" pitchFamily="18" charset="0"/>
                             </a:rPr>
                           </m:ctrlPr>
-                        </m:sSupPr>
+                        </m:sSubPr>
                         <m:e>
                           <m:r>
                             <a:rPr lang="en-US" sz="3200" b="0" i="1" smtClean="0">
                               <a:latin typeface="Cambria Math" panose="02040503050406030204" pitchFamily="18" charset="0"/>
                             </a:rPr>
-                            <m:t>𝜎</m:t>
+                            <m:t>𝜔</m:t>
                           </m:r>
                         </m:e>
-                        <m:sup>
+                        <m:sub>
                           <m:r>
                             <a:rPr lang="en-US" sz="3200" b="0" i="1" smtClean="0">
                               <a:latin typeface="Cambria Math" panose="02040503050406030204" pitchFamily="18" charset="0"/>
                             </a:rPr>
-                            <m:t>−</m:t>
+                            <m:t>𝑏</m:t>
                           </m:r>
-                        </m:sup>
-                      </m:sSup>
+                        </m:sub>
+                      </m:sSub>
                     </m:oMath>
                   </m:oMathPara>
                 </a14:m>
@@ -3805,13 +4242,13 @@
             </p:txBody>
           </p:sp>
         </mc:Choice>
-        <mc:Fallback xmlns="">
+        <mc:Fallback>
           <p:sp>
             <p:nvSpPr>
-              <p:cNvPr id="15" name="TextBox 14">
+              <p:cNvPr id="21" name="TextBox 20">
                 <a:extLst>
                   <a:ext uri="{FF2B5EF4-FFF2-40B4-BE49-F238E27FC236}">
-                    <a16:creationId xmlns:a16="http://schemas.microsoft.com/office/drawing/2014/main" id="{7F7F6BB2-3C26-498B-B504-98B4B9DE3CEE}"/>
+                    <a16:creationId xmlns:a16="http://schemas.microsoft.com/office/drawing/2014/main" id="{EAC73FA7-462A-4E11-8C51-C726490734EF}"/>
                   </a:ext>
                 </a:extLst>
               </p:cNvPr>
@@ -3822,8 +4259,8 @@
             </p:nvSpPr>
             <p:spPr>
               <a:xfrm>
-                <a:off x="314086" y="2062174"/>
-                <a:ext cx="777199" cy="584775"/>
+                <a:off x="1552911" y="1425094"/>
+                <a:ext cx="780405" cy="584775"/>
               </a:xfrm>
               <a:prstGeom prst="rect">
                 <a:avLst/>
@@ -3850,14 +4287,14 @@
           </p:sp>
         </mc:Fallback>
       </mc:AlternateContent>
-      <mc:AlternateContent xmlns:mc="http://schemas.openxmlformats.org/markup-compatibility/2006" xmlns:a14="http://schemas.microsoft.com/office/drawing/2010/main">
-        <mc:Choice Requires="a14">
+      <mc:AlternateContent xmlns:mc="http://schemas.openxmlformats.org/markup-compatibility/2006">
+        <mc:Choice xmlns:a14="http://schemas.microsoft.com/office/drawing/2010/main" Requires="a14">
           <p:sp>
             <p:nvSpPr>
-              <p:cNvPr id="19" name="TextBox 18">
+              <p:cNvPr id="22" name="TextBox 21">
                 <a:extLst>
                   <a:ext uri="{FF2B5EF4-FFF2-40B4-BE49-F238E27FC236}">
-                    <a16:creationId xmlns:a16="http://schemas.microsoft.com/office/drawing/2014/main" id="{90D9BDC6-34C2-44F5-9094-31B1842D47C7}"/>
+                    <a16:creationId xmlns:a16="http://schemas.microsoft.com/office/drawing/2014/main" id="{1A0E70DE-3EBC-44B1-B159-829EB91F833F}"/>
                   </a:ext>
                 </a:extLst>
               </p:cNvPr>
@@ -3866,8 +4303,8 @@
             </p:nvSpPr>
             <p:spPr>
               <a:xfrm>
-                <a:off x="3368843" y="4393"/>
-                <a:ext cx="771686" cy="584775"/>
+                <a:off x="2863562" y="2464198"/>
+                <a:ext cx="736997" cy="584775"/>
               </a:xfrm>
               <a:prstGeom prst="rect">
                 <a:avLst/>
@@ -3908,7 +4345,7 @@
                             <a:rPr lang="en-US" sz="3200" b="0" i="1" smtClean="0">
                               <a:latin typeface="Cambria Math" panose="02040503050406030204" pitchFamily="18" charset="0"/>
                             </a:rPr>
-                            <m:t>𝑎</m:t>
+                            <m:t>𝑐</m:t>
                           </m:r>
                         </m:sub>
                       </m:sSub>
@@ -3920,13 +4357,13 @@
             </p:txBody>
           </p:sp>
         </mc:Choice>
-        <mc:Fallback xmlns="">
+        <mc:Fallback>
           <p:sp>
             <p:nvSpPr>
-              <p:cNvPr id="19" name="TextBox 18">
+              <p:cNvPr id="22" name="TextBox 21">
                 <a:extLst>
                   <a:ext uri="{FF2B5EF4-FFF2-40B4-BE49-F238E27FC236}">
-                    <a16:creationId xmlns:a16="http://schemas.microsoft.com/office/drawing/2014/main" id="{90D9BDC6-34C2-44F5-9094-31B1842D47C7}"/>
+                    <a16:creationId xmlns:a16="http://schemas.microsoft.com/office/drawing/2014/main" id="{1A0E70DE-3EBC-44B1-B159-829EB91F833F}"/>
                   </a:ext>
                 </a:extLst>
               </p:cNvPr>
@@ -3937,8 +4374,8 @@
             </p:nvSpPr>
             <p:spPr>
               <a:xfrm>
-                <a:off x="3368843" y="4393"/>
-                <a:ext cx="771686" cy="584775"/>
+                <a:off x="2863562" y="2464198"/>
+                <a:ext cx="736997" cy="584775"/>
               </a:xfrm>
               <a:prstGeom prst="rect">
                 <a:avLst/>
@@ -3965,238 +4402,8 @@
           </p:sp>
         </mc:Fallback>
       </mc:AlternateContent>
-      <mc:AlternateContent xmlns:mc="http://schemas.openxmlformats.org/markup-compatibility/2006" xmlns:a14="http://schemas.microsoft.com/office/drawing/2010/main">
-        <mc:Choice Requires="a14">
-          <p:sp>
-            <p:nvSpPr>
-              <p:cNvPr id="21" name="TextBox 20">
-                <a:extLst>
-                  <a:ext uri="{FF2B5EF4-FFF2-40B4-BE49-F238E27FC236}">
-                    <a16:creationId xmlns:a16="http://schemas.microsoft.com/office/drawing/2014/main" id="{EAC73FA7-462A-4E11-8C51-C726490734EF}"/>
-                  </a:ext>
-                </a:extLst>
-              </p:cNvPr>
-              <p:cNvSpPr txBox="1"/>
-              <p:nvPr/>
-            </p:nvSpPr>
-            <p:spPr>
-              <a:xfrm>
-                <a:off x="3368843" y="1477399"/>
-                <a:ext cx="780405" cy="584775"/>
-              </a:xfrm>
-              <a:prstGeom prst="rect">
-                <a:avLst/>
-              </a:prstGeom>
-              <a:noFill/>
-            </p:spPr>
-            <p:txBody>
-              <a:bodyPr wrap="none" rtlCol="0">
-                <a:spAutoFit/>
-              </a:bodyPr>
-              <a:lstStyle/>
-              <a:p>
-                <a:pPr/>
-                <a14:m>
-                  <m:oMathPara xmlns:m="http://schemas.openxmlformats.org/officeDocument/2006/math">
-                    <m:oMathParaPr>
-                      <m:jc m:val="centerGroup"/>
-                    </m:oMathParaPr>
-                    <m:oMath xmlns:m="http://schemas.openxmlformats.org/officeDocument/2006/math">
-                      <m:sSub>
-                        <m:sSubPr>
-                          <m:ctrlPr>
-                            <a:rPr lang="en-US" sz="3200" b="0" i="1" smtClean="0">
-                              <a:latin typeface="Cambria Math" panose="02040503050406030204" pitchFamily="18" charset="0"/>
-                            </a:rPr>
-                          </m:ctrlPr>
-                        </m:sSubPr>
-                        <m:e>
-                          <m:r>
-                            <a:rPr lang="en-US" sz="3200" b="0" i="1" smtClean="0">
-                              <a:latin typeface="Cambria Math" panose="02040503050406030204" pitchFamily="18" charset="0"/>
-                            </a:rPr>
-                            <m:t>𝜔</m:t>
-                          </m:r>
-                        </m:e>
-                        <m:sub>
-                          <m:r>
-                            <a:rPr lang="en-US" sz="3200" b="0" i="1" smtClean="0">
-                              <a:latin typeface="Cambria Math" panose="02040503050406030204" pitchFamily="18" charset="0"/>
-                            </a:rPr>
-                            <m:t>𝑏</m:t>
-                          </m:r>
-                        </m:sub>
-                      </m:sSub>
-                    </m:oMath>
-                  </m:oMathPara>
-                </a14:m>
-                <a:endParaRPr lang="en-US" sz="3200" dirty="0"/>
-              </a:p>
-            </p:txBody>
-          </p:sp>
-        </mc:Choice>
-        <mc:Fallback xmlns="">
-          <p:sp>
-            <p:nvSpPr>
-              <p:cNvPr id="21" name="TextBox 20">
-                <a:extLst>
-                  <a:ext uri="{FF2B5EF4-FFF2-40B4-BE49-F238E27FC236}">
-                    <a16:creationId xmlns:a16="http://schemas.microsoft.com/office/drawing/2014/main" id="{EAC73FA7-462A-4E11-8C51-C726490734EF}"/>
-                  </a:ext>
-                </a:extLst>
-              </p:cNvPr>
-              <p:cNvSpPr txBox="1">
-                <a:spLocks noRot="1" noChangeAspect="1" noMove="1" noResize="1" noEditPoints="1" noAdjustHandles="1" noChangeArrowheads="1" noChangeShapeType="1" noTextEdit="1"/>
-              </p:cNvSpPr>
-              <p:nvPr/>
-            </p:nvSpPr>
-            <p:spPr>
-              <a:xfrm>
-                <a:off x="3368843" y="1477399"/>
-                <a:ext cx="780405" cy="584775"/>
-              </a:xfrm>
-              <a:prstGeom prst="rect">
-                <a:avLst/>
-              </a:prstGeom>
-              <a:blipFill>
-                <a:blip r:embed="rId5"/>
-                <a:stretch>
-                  <a:fillRect/>
-                </a:stretch>
-              </a:blipFill>
-            </p:spPr>
-            <p:txBody>
-              <a:bodyPr/>
-              <a:lstStyle/>
-              <a:p>
-                <a:r>
-                  <a:rPr lang="en-US">
-                    <a:noFill/>
-                  </a:rPr>
-                  <a:t> </a:t>
-                </a:r>
-              </a:p>
-            </p:txBody>
-          </p:sp>
-        </mc:Fallback>
-      </mc:AlternateContent>
-      <mc:AlternateContent xmlns:mc="http://schemas.openxmlformats.org/markup-compatibility/2006" xmlns:a14="http://schemas.microsoft.com/office/drawing/2010/main">
-        <mc:Choice Requires="a14">
-          <p:sp>
-            <p:nvSpPr>
-              <p:cNvPr id="22" name="TextBox 21">
-                <a:extLst>
-                  <a:ext uri="{FF2B5EF4-FFF2-40B4-BE49-F238E27FC236}">
-                    <a16:creationId xmlns:a16="http://schemas.microsoft.com/office/drawing/2014/main" id="{1A0E70DE-3EBC-44B1-B159-829EB91F833F}"/>
-                  </a:ext>
-                </a:extLst>
-              </p:cNvPr>
-              <p:cNvSpPr txBox="1"/>
-              <p:nvPr/>
-            </p:nvSpPr>
-            <p:spPr>
-              <a:xfrm>
-                <a:off x="3377562" y="2442793"/>
-                <a:ext cx="736997" cy="584775"/>
-              </a:xfrm>
-              <a:prstGeom prst="rect">
-                <a:avLst/>
-              </a:prstGeom>
-              <a:noFill/>
-            </p:spPr>
-            <p:txBody>
-              <a:bodyPr wrap="none" rtlCol="0">
-                <a:spAutoFit/>
-              </a:bodyPr>
-              <a:lstStyle/>
-              <a:p>
-                <a:pPr/>
-                <a14:m>
-                  <m:oMathPara xmlns:m="http://schemas.openxmlformats.org/officeDocument/2006/math">
-                    <m:oMathParaPr>
-                      <m:jc m:val="centerGroup"/>
-                    </m:oMathParaPr>
-                    <m:oMath xmlns:m="http://schemas.openxmlformats.org/officeDocument/2006/math">
-                      <m:sSub>
-                        <m:sSubPr>
-                          <m:ctrlPr>
-                            <a:rPr lang="en-US" sz="3200" b="0" i="1" smtClean="0">
-                              <a:latin typeface="Cambria Math" panose="02040503050406030204" pitchFamily="18" charset="0"/>
-                            </a:rPr>
-                          </m:ctrlPr>
-                        </m:sSubPr>
-                        <m:e>
-                          <m:r>
-                            <a:rPr lang="en-US" sz="3200" b="0" i="1" smtClean="0">
-                              <a:latin typeface="Cambria Math" panose="02040503050406030204" pitchFamily="18" charset="0"/>
-                            </a:rPr>
-                            <m:t>𝜔</m:t>
-                          </m:r>
-                        </m:e>
-                        <m:sub>
-                          <m:r>
-                            <a:rPr lang="en-US" sz="3200" b="0" i="1" smtClean="0">
-                              <a:latin typeface="Cambria Math" panose="02040503050406030204" pitchFamily="18" charset="0"/>
-                            </a:rPr>
-                            <m:t>𝑐</m:t>
-                          </m:r>
-                        </m:sub>
-                      </m:sSub>
-                    </m:oMath>
-                  </m:oMathPara>
-                </a14:m>
-                <a:endParaRPr lang="en-US" sz="3200" dirty="0"/>
-              </a:p>
-            </p:txBody>
-          </p:sp>
-        </mc:Choice>
-        <mc:Fallback xmlns="">
-          <p:sp>
-            <p:nvSpPr>
-              <p:cNvPr id="22" name="TextBox 21">
-                <a:extLst>
-                  <a:ext uri="{FF2B5EF4-FFF2-40B4-BE49-F238E27FC236}">
-                    <a16:creationId xmlns:a16="http://schemas.microsoft.com/office/drawing/2014/main" id="{1A0E70DE-3EBC-44B1-B159-829EB91F833F}"/>
-                  </a:ext>
-                </a:extLst>
-              </p:cNvPr>
-              <p:cNvSpPr txBox="1">
-                <a:spLocks noRot="1" noChangeAspect="1" noMove="1" noResize="1" noEditPoints="1" noAdjustHandles="1" noChangeArrowheads="1" noChangeShapeType="1" noTextEdit="1"/>
-              </p:cNvSpPr>
-              <p:nvPr/>
-            </p:nvSpPr>
-            <p:spPr>
-              <a:xfrm>
-                <a:off x="3377562" y="2442793"/>
-                <a:ext cx="736997" cy="584775"/>
-              </a:xfrm>
-              <a:prstGeom prst="rect">
-                <a:avLst/>
-              </a:prstGeom>
-              <a:blipFill>
-                <a:blip r:embed="rId6"/>
-                <a:stretch>
-                  <a:fillRect/>
-                </a:stretch>
-              </a:blipFill>
-            </p:spPr>
-            <p:txBody>
-              <a:bodyPr/>
-              <a:lstStyle/>
-              <a:p>
-                <a:r>
-                  <a:rPr lang="en-US">
-                    <a:noFill/>
-                  </a:rPr>
-                  <a:t> </a:t>
-                </a:r>
-              </a:p>
-            </p:txBody>
-          </p:sp>
-        </mc:Fallback>
-      </mc:AlternateContent>
-      <mc:AlternateContent xmlns:mc="http://schemas.openxmlformats.org/markup-compatibility/2006" xmlns:a14="http://schemas.microsoft.com/office/drawing/2010/main">
-        <mc:Choice Requires="a14">
+      <mc:AlternateContent xmlns:mc="http://schemas.openxmlformats.org/markup-compatibility/2006">
+        <mc:Choice xmlns:a14="http://schemas.microsoft.com/office/drawing/2010/main" Requires="a14">
           <p:sp>
             <p:nvSpPr>
               <p:cNvPr id="23" name="TextBox 22">
@@ -4212,7 +4419,7 @@
             <p:spPr>
               <a:xfrm>
                 <a:off x="783688" y="3403796"/>
-                <a:ext cx="10276468" cy="1077218"/>
+                <a:ext cx="6155596" cy="584775"/>
               </a:xfrm>
               <a:prstGeom prst="rect">
                 <a:avLst/>
@@ -4231,157 +4438,12 @@
                 </a:pPr>
                 <a14:m>
                   <m:oMath xmlns:m="http://schemas.openxmlformats.org/officeDocument/2006/math">
-                    <m:sSub>
-                      <m:sSubPr>
-                        <m:ctrlPr>
-                          <a:rPr lang="en-US" sz="3200" b="0" i="1" smtClean="0">
-                            <a:latin typeface="Cambria Math" panose="02040503050406030204" pitchFamily="18" charset="0"/>
-                          </a:rPr>
-                        </m:ctrlPr>
-                      </m:sSubPr>
-                      <m:e>
-                        <m:r>
-                          <a:rPr lang="en-US" sz="3200" b="0" i="1" smtClean="0">
-                            <a:latin typeface="Cambria Math" panose="02040503050406030204" pitchFamily="18" charset="0"/>
-                          </a:rPr>
-                          <m:t>𝜔</m:t>
-                        </m:r>
-                      </m:e>
-                      <m:sub>
-                        <m:r>
-                          <a:rPr lang="en-US" sz="3200" b="0" i="1" smtClean="0">
-                            <a:latin typeface="Cambria Math" panose="02040503050406030204" pitchFamily="18" charset="0"/>
-                          </a:rPr>
-                          <m:t>𝑎</m:t>
-                        </m:r>
-                      </m:sub>
-                    </m:sSub>
                     <m:r>
                       <a:rPr lang="en-US" sz="3200" b="0" i="1" smtClean="0">
                         <a:latin typeface="Cambria Math" panose="02040503050406030204" pitchFamily="18" charset="0"/>
                       </a:rPr>
-                      <m:t>−</m:t>
+                      <m:t>𝛿𝜔</m:t>
                     </m:r>
-                    <m:sSub>
-                      <m:sSubPr>
-                        <m:ctrlPr>
-                          <a:rPr lang="en-US" sz="3200" b="0" i="1" smtClean="0">
-                            <a:latin typeface="Cambria Math" panose="02040503050406030204" pitchFamily="18" charset="0"/>
-                          </a:rPr>
-                        </m:ctrlPr>
-                      </m:sSubPr>
-                      <m:e>
-                        <m:r>
-                          <a:rPr lang="en-US" sz="3200" b="0" i="1" smtClean="0">
-                            <a:latin typeface="Cambria Math" panose="02040503050406030204" pitchFamily="18" charset="0"/>
-                          </a:rPr>
-                          <m:t>𝜔</m:t>
-                        </m:r>
-                      </m:e>
-                      <m:sub>
-                        <m:r>
-                          <a:rPr lang="en-US" sz="3200" b="0" i="1" smtClean="0">
-                            <a:latin typeface="Cambria Math" panose="02040503050406030204" pitchFamily="18" charset="0"/>
-                          </a:rPr>
-                          <m:t>𝑐</m:t>
-                        </m:r>
-                      </m:sub>
-                    </m:sSub>
-                    <m:r>
-                      <a:rPr lang="en-US" sz="3200" b="0" i="1" smtClean="0">
-                        <a:latin typeface="Cambria Math" panose="02040503050406030204" pitchFamily="18" charset="0"/>
-                      </a:rPr>
-                      <m:t>=2</m:t>
-                    </m:r>
-                    <m:sSub>
-                      <m:sSubPr>
-                        <m:ctrlPr>
-                          <a:rPr lang="en-US" sz="3200" b="0" i="1" smtClean="0">
-                            <a:latin typeface="Cambria Math" panose="02040503050406030204" pitchFamily="18" charset="0"/>
-                          </a:rPr>
-                        </m:ctrlPr>
-                      </m:sSubPr>
-                      <m:e>
-                        <m:r>
-                          <a:rPr lang="en-US" sz="3200" b="0" i="1" smtClean="0">
-                            <a:latin typeface="Cambria Math" panose="02040503050406030204" pitchFamily="18" charset="0"/>
-                          </a:rPr>
-                          <m:t>𝑘</m:t>
-                        </m:r>
-                      </m:e>
-                      <m:sub>
-                        <m:r>
-                          <a:rPr lang="en-US" sz="3200" b="0" i="1" smtClean="0">
-                            <a:latin typeface="Cambria Math" panose="02040503050406030204" pitchFamily="18" charset="0"/>
-                          </a:rPr>
-                          <m:t>0</m:t>
-                        </m:r>
-                      </m:sub>
-                    </m:sSub>
-                  </m:oMath>
-                </a14:m>
-                <a:r>
-                  <a:rPr lang="en-US" sz="3200" dirty="0"/>
-                  <a:t>, </a:t>
-                </a:r>
-                <a14:m>
-                  <m:oMath xmlns:m="http://schemas.openxmlformats.org/officeDocument/2006/math">
-                    <m:sSub>
-                      <m:sSubPr>
-                        <m:ctrlPr>
-                          <a:rPr lang="en-US" sz="3200" b="0" i="1" smtClean="0">
-                            <a:latin typeface="Cambria Math" panose="02040503050406030204" pitchFamily="18" charset="0"/>
-                          </a:rPr>
-                        </m:ctrlPr>
-                      </m:sSubPr>
-                      <m:e>
-                        <m:r>
-                          <a:rPr lang="en-US" sz="3200" b="0" i="1" smtClean="0">
-                            <a:latin typeface="Cambria Math" panose="02040503050406030204" pitchFamily="18" charset="0"/>
-                          </a:rPr>
-                          <m:t>𝜔</m:t>
-                        </m:r>
-                      </m:e>
-                      <m:sub>
-                        <m:r>
-                          <a:rPr lang="en-US" sz="3200" b="0" i="1" smtClean="0">
-                            <a:latin typeface="Cambria Math" panose="02040503050406030204" pitchFamily="18" charset="0"/>
-                          </a:rPr>
-                          <m:t>𝑎𝑏</m:t>
-                        </m:r>
-                      </m:sub>
-                    </m:sSub>
-                    <m:r>
-                      <a:rPr lang="en-US" sz="3200" b="0" i="1" smtClean="0">
-                        <a:latin typeface="Cambria Math" panose="02040503050406030204" pitchFamily="18" charset="0"/>
-                      </a:rPr>
-                      <m:t>−</m:t>
-                    </m:r>
-                    <m:sSub>
-                      <m:sSubPr>
-                        <m:ctrlPr>
-                          <a:rPr lang="en-US" sz="3200" b="0" i="1" smtClean="0">
-                            <a:latin typeface="Cambria Math" panose="02040503050406030204" pitchFamily="18" charset="0"/>
-                          </a:rPr>
-                        </m:ctrlPr>
-                      </m:sSubPr>
-                      <m:e>
-                        <m:r>
-                          <a:rPr lang="en-US" sz="3200" b="0" i="1" smtClean="0">
-                            <a:latin typeface="Cambria Math" panose="02040503050406030204" pitchFamily="18" charset="0"/>
-                          </a:rPr>
-                          <m:t>𝜔</m:t>
-                        </m:r>
-                      </m:e>
-                      <m:sub>
-                        <m:r>
-                          <a:rPr lang="en-US" sz="3200" b="0" i="1" smtClean="0">
-                            <a:latin typeface="Cambria Math" panose="02040503050406030204" pitchFamily="18" charset="0"/>
-                          </a:rPr>
-                          <m:t>𝑏𝑐</m:t>
-                        </m:r>
-                      </m:sub>
-                    </m:sSub>
                     <m:r>
                       <a:rPr lang="en-US" sz="3200" b="0" i="1" smtClean="0">
                         <a:latin typeface="Cambria Math" panose="02040503050406030204" pitchFamily="18" charset="0"/>
@@ -4516,20 +4578,10 @@
                 </a14:m>
                 <a:endParaRPr lang="en-US" sz="3200" dirty="0"/>
               </a:p>
-              <a:p>
-                <a:pPr marL="457200" indent="-457200">
-                  <a:buFont typeface="Arial" panose="020B0604020202020204" pitchFamily="34" charset="0"/>
-                  <a:buChar char="•"/>
-                </a:pPr>
-                <a:r>
-                  <a:rPr lang="en-US" sz="3200" dirty="0"/>
-                  <a:t>Type II polarization correlation(perpendicular)</a:t>
-                </a:r>
-              </a:p>
             </p:txBody>
           </p:sp>
         </mc:Choice>
-        <mc:Fallback xmlns="">
+        <mc:Fallback>
           <p:sp>
             <p:nvSpPr>
               <p:cNvPr id="23" name="TextBox 22">
@@ -4547,15 +4599,15 @@
             <p:spPr>
               <a:xfrm>
                 <a:off x="783688" y="3403796"/>
-                <a:ext cx="10276468" cy="1077218"/>
+                <a:ext cx="6155596" cy="584775"/>
               </a:xfrm>
               <a:prstGeom prst="rect">
                 <a:avLst/>
               </a:prstGeom>
               <a:blipFill>
-                <a:blip r:embed="rId7"/>
+                <a:blip r:embed="rId5"/>
                 <a:stretch>
-                  <a:fillRect l="-1365" t="-6780" b="-17514"/>
+                  <a:fillRect t="-12500" b="-34375"/>
                 </a:stretch>
               </a:blipFill>
             </p:spPr>
@@ -4574,8 +4626,8 @@
           </p:sp>
         </mc:Fallback>
       </mc:AlternateContent>
-      <mc:AlternateContent xmlns:mc="http://schemas.openxmlformats.org/markup-compatibility/2006" xmlns:a14="http://schemas.microsoft.com/office/drawing/2010/main">
-        <mc:Choice Requires="a14">
+      <mc:AlternateContent xmlns:mc="http://schemas.openxmlformats.org/markup-compatibility/2006">
+        <mc:Choice xmlns:a14="http://schemas.microsoft.com/office/drawing/2010/main" Requires="a14">
           <p:sp>
             <p:nvSpPr>
               <p:cNvPr id="26" name="TextBox 25">
@@ -4590,7 +4642,7 @@
             </p:nvSpPr>
             <p:spPr>
               <a:xfrm>
-                <a:off x="483268" y="4514201"/>
+                <a:off x="483268" y="4400356"/>
                 <a:ext cx="11546305" cy="2122441"/>
               </a:xfrm>
               <a:prstGeom prst="rect">
@@ -5456,7 +5508,7 @@
             </p:txBody>
           </p:sp>
         </mc:Choice>
-        <mc:Fallback xmlns="">
+        <mc:Fallback>
           <p:sp>
             <p:nvSpPr>
               <p:cNvPr id="26" name="TextBox 25">
@@ -5473,14 +5525,14 @@
             </p:nvSpPr>
             <p:spPr>
               <a:xfrm>
-                <a:off x="483268" y="4514201"/>
+                <a:off x="483268" y="4400356"/>
                 <a:ext cx="11546305" cy="2122441"/>
               </a:xfrm>
               <a:prstGeom prst="rect">
                 <a:avLst/>
               </a:prstGeom>
               <a:blipFill>
-                <a:blip r:embed="rId8"/>
+                <a:blip r:embed="rId6"/>
                 <a:stretch>
                   <a:fillRect l="-1584" t="-1724" b="-8908"/>
                 </a:stretch>
@@ -5501,14 +5553,146 @@
           </p:sp>
         </mc:Fallback>
       </mc:AlternateContent>
-      <mc:AlternateContent xmlns:mc="http://schemas.openxmlformats.org/markup-compatibility/2006" xmlns:a14="http://schemas.microsoft.com/office/drawing/2010/main">
-        <mc:Choice Requires="a14">
+      <p:cxnSp>
+        <p:nvCxnSpPr>
+          <p:cNvPr id="3" name="Straight Arrow Connector 2">
+            <a:extLst>
+              <a:ext uri="{FF2B5EF4-FFF2-40B4-BE49-F238E27FC236}">
+                <a16:creationId xmlns:a16="http://schemas.microsoft.com/office/drawing/2014/main" id="{28CBAA6C-520C-4061-BC6E-2EB142E517AD}"/>
+              </a:ext>
+            </a:extLst>
+          </p:cNvPr>
+          <p:cNvCxnSpPr>
+            <a:cxnSpLocks/>
+          </p:cNvCxnSpPr>
+          <p:nvPr/>
+        </p:nvCxnSpPr>
+        <p:spPr>
+          <a:xfrm>
+            <a:off x="5849888" y="276345"/>
+            <a:ext cx="56890" cy="2566736"/>
+          </a:xfrm>
+          <a:prstGeom prst="straightConnector1">
+            <a:avLst/>
+          </a:prstGeom>
+          <a:ln w="38100">
+            <a:headEnd type="triangle"/>
+            <a:tailEnd type="triangle"/>
+          </a:ln>
+        </p:spPr>
+        <p:style>
+          <a:lnRef idx="3">
+            <a:schemeClr val="accent5"/>
+          </a:lnRef>
+          <a:fillRef idx="0">
+            <a:schemeClr val="accent5"/>
+          </a:fillRef>
+          <a:effectRef idx="2">
+            <a:schemeClr val="accent5"/>
+          </a:effectRef>
+          <a:fontRef idx="minor">
+            <a:schemeClr val="tx1"/>
+          </a:fontRef>
+        </p:style>
+      </p:cxnSp>
+      <p:cxnSp>
+        <p:nvCxnSpPr>
+          <p:cNvPr id="17" name="Straight Arrow Connector 16">
+            <a:extLst>
+              <a:ext uri="{FF2B5EF4-FFF2-40B4-BE49-F238E27FC236}">
+                <a16:creationId xmlns:a16="http://schemas.microsoft.com/office/drawing/2014/main" id="{78CDC9CA-C015-46EB-A715-915186A62CD4}"/>
+              </a:ext>
+            </a:extLst>
+          </p:cNvPr>
+          <p:cNvCxnSpPr>
+            <a:cxnSpLocks/>
+          </p:cNvCxnSpPr>
+          <p:nvPr/>
+        </p:nvCxnSpPr>
+        <p:spPr>
+          <a:xfrm>
+            <a:off x="5190214" y="318185"/>
+            <a:ext cx="0" cy="1399296"/>
+          </a:xfrm>
+          <a:prstGeom prst="straightConnector1">
+            <a:avLst/>
+          </a:prstGeom>
+          <a:ln w="38100">
+            <a:solidFill>
+              <a:srgbClr val="FF0000"/>
+            </a:solidFill>
+            <a:headEnd type="triangle"/>
+            <a:tailEnd type="triangle"/>
+          </a:ln>
+        </p:spPr>
+        <p:style>
+          <a:lnRef idx="3">
+            <a:schemeClr val="accent5"/>
+          </a:lnRef>
+          <a:fillRef idx="0">
+            <a:schemeClr val="accent5"/>
+          </a:fillRef>
+          <a:effectRef idx="2">
+            <a:schemeClr val="accent5"/>
+          </a:effectRef>
+          <a:fontRef idx="minor">
+            <a:schemeClr val="tx1"/>
+          </a:fontRef>
+        </p:style>
+      </p:cxnSp>
+      <p:cxnSp>
+        <p:nvCxnSpPr>
+          <p:cNvPr id="20" name="Straight Arrow Connector 19">
+            <a:extLst>
+              <a:ext uri="{FF2B5EF4-FFF2-40B4-BE49-F238E27FC236}">
+                <a16:creationId xmlns:a16="http://schemas.microsoft.com/office/drawing/2014/main" id="{D641F844-A1A3-4043-BAAB-9CF756BD0DA3}"/>
+              </a:ext>
+            </a:extLst>
+          </p:cNvPr>
+          <p:cNvCxnSpPr>
+            <a:cxnSpLocks/>
+          </p:cNvCxnSpPr>
+          <p:nvPr/>
+        </p:nvCxnSpPr>
+        <p:spPr>
+          <a:xfrm>
+            <a:off x="5203294" y="1717481"/>
+            <a:ext cx="27976" cy="1125600"/>
+          </a:xfrm>
+          <a:prstGeom prst="straightConnector1">
+            <a:avLst/>
+          </a:prstGeom>
+          <a:ln w="38100">
+            <a:solidFill>
+              <a:srgbClr val="92D050"/>
+            </a:solidFill>
+            <a:headEnd type="triangle"/>
+            <a:tailEnd type="triangle"/>
+          </a:ln>
+        </p:spPr>
+        <p:style>
+          <a:lnRef idx="3">
+            <a:schemeClr val="accent5"/>
+          </a:lnRef>
+          <a:fillRef idx="0">
+            <a:schemeClr val="accent5"/>
+          </a:fillRef>
+          <a:effectRef idx="2">
+            <a:schemeClr val="accent5"/>
+          </a:effectRef>
+          <a:fontRef idx="minor">
+            <a:schemeClr val="tx1"/>
+          </a:fontRef>
+        </p:style>
+      </p:cxnSp>
+      <mc:AlternateContent xmlns:mc="http://schemas.openxmlformats.org/markup-compatibility/2006">
+        <mc:Choice xmlns:a14="http://schemas.microsoft.com/office/drawing/2010/main" Requires="a14">
           <p:sp>
             <p:nvSpPr>
-              <p:cNvPr id="27" name="TextBox 26">
+              <p:cNvPr id="24" name="TextBox 23">
                 <a:extLst>
                   <a:ext uri="{FF2B5EF4-FFF2-40B4-BE49-F238E27FC236}">
-                    <a16:creationId xmlns:a16="http://schemas.microsoft.com/office/drawing/2014/main" id="{4E691E59-AAEF-4E5B-9C54-9E302C8B58D3}"/>
+                    <a16:creationId xmlns:a16="http://schemas.microsoft.com/office/drawing/2014/main" id="{2165162F-C3FD-4E1E-AD58-FD47956E9302}"/>
                   </a:ext>
                 </a:extLst>
               </p:cNvPr>
@@ -5517,8 +5701,8 @@
             </p:nvSpPr>
             <p:spPr>
               <a:xfrm>
-                <a:off x="5900122" y="873133"/>
-                <a:ext cx="5542697" cy="2062103"/>
+                <a:off x="6091081" y="1017833"/>
+                <a:ext cx="993605" cy="584775"/>
               </a:xfrm>
               <a:prstGeom prst="rect">
                 <a:avLst/>
@@ -5526,90 +5710,64 @@
               <a:noFill/>
             </p:spPr>
             <p:txBody>
-              <a:bodyPr wrap="square" rtlCol="0">
+              <a:bodyPr wrap="none" rtlCol="0">
                 <a:spAutoFit/>
               </a:bodyPr>
               <a:lstStyle/>
               <a:p>
-                <a:r>
-                  <a:rPr lang="en-US" sz="3200" dirty="0"/>
-                  <a:t>The equation is the same with type I output and parallel dipole direction (just because of </a:t>
-                </a:r>
+                <a:pPr/>
                 <a14:m>
-                  <m:oMath xmlns:m="http://schemas.openxmlformats.org/officeDocument/2006/math">
-                    <m:sSup>
-                      <m:sSupPr>
-                        <m:ctrlPr>
-                          <a:rPr lang="en-US" sz="3200" b="0" i="1" smtClean="0">
-                            <a:latin typeface="Cambria Math" panose="02040503050406030204" pitchFamily="18" charset="0"/>
-                          </a:rPr>
-                        </m:ctrlPr>
-                      </m:sSupPr>
-                      <m:e>
-                        <m:r>
-                          <a:rPr lang="en-US" sz="3200" b="0" i="1" smtClean="0">
-                            <a:latin typeface="Cambria Math" panose="02040503050406030204" pitchFamily="18" charset="0"/>
-                          </a:rPr>
-                          <m:t>𝑎</m:t>
-                        </m:r>
-                      </m:e>
-                      <m:sup>
-                        <m:r>
-                          <a:rPr lang="en-US" sz="3200" b="0" i="1" smtClean="0">
-                            <a:latin typeface="Cambria Math" panose="02040503050406030204" pitchFamily="18" charset="0"/>
-                          </a:rPr>
-                          <m:t>+</m:t>
-                        </m:r>
-                      </m:sup>
-                    </m:sSup>
-                    <m:sSup>
-                      <m:sSupPr>
-                        <m:ctrlPr>
-                          <a:rPr lang="en-US" sz="3200" b="0" i="1" smtClean="0">
-                            <a:latin typeface="Cambria Math" panose="02040503050406030204" pitchFamily="18" charset="0"/>
-                          </a:rPr>
-                        </m:ctrlPr>
-                      </m:sSupPr>
-                      <m:e>
-                        <m:r>
-                          <a:rPr lang="en-US" sz="3200" b="0" i="1" smtClean="0">
-                            <a:latin typeface="Cambria Math" panose="02040503050406030204" pitchFamily="18" charset="0"/>
-                          </a:rPr>
-                          <m:t>𝑎</m:t>
-                        </m:r>
-                      </m:e>
-                      <m:sup>
-                        <m:r>
-                          <a:rPr lang="en-US" sz="3200" b="0" i="1" smtClean="0">
-                            <a:latin typeface="Cambria Math" panose="02040503050406030204" pitchFamily="18" charset="0"/>
-                          </a:rPr>
-                          <m:t>+</m:t>
-                        </m:r>
-                      </m:sup>
-                    </m:sSup>
-                    <m:r>
-                      <a:rPr lang="en-US" sz="3200" b="0" i="1" smtClean="0">
-                        <a:latin typeface="Cambria Math" panose="02040503050406030204" pitchFamily="18" charset="0"/>
-                      </a:rPr>
-                      <m:t>≠0</m:t>
-                    </m:r>
-                  </m:oMath>
+                  <m:oMathPara xmlns:m="http://schemas.openxmlformats.org/officeDocument/2006/math">
+                    <m:oMathParaPr>
+                      <m:jc m:val="centerGroup"/>
+                    </m:oMathParaPr>
+                    <m:oMath xmlns:m="http://schemas.openxmlformats.org/officeDocument/2006/math">
+                      <m:sSub>
+                        <m:sSubPr>
+                          <m:ctrlPr>
+                            <a:rPr lang="en-US" sz="3200" b="0" i="1" smtClean="0">
+                              <a:latin typeface="Cambria Math" panose="02040503050406030204" pitchFamily="18" charset="0"/>
+                            </a:rPr>
+                          </m:ctrlPr>
+                        </m:sSubPr>
+                        <m:e>
+                          <m:r>
+                            <a:rPr lang="en-US" sz="3200" b="0" i="1" smtClean="0">
+                              <a:latin typeface="Cambria Math" panose="02040503050406030204" pitchFamily="18" charset="0"/>
+                            </a:rPr>
+                            <m:t>2</m:t>
+                          </m:r>
+                          <m:r>
+                            <a:rPr lang="en-US" sz="3200" b="0" i="1" smtClean="0">
+                              <a:latin typeface="Cambria Math" panose="02040503050406030204" pitchFamily="18" charset="0"/>
+                            </a:rPr>
+                            <m:t>𝜔</m:t>
+                          </m:r>
+                        </m:e>
+                        <m:sub>
+                          <m:r>
+                            <a:rPr lang="en-US" sz="3200" b="0" i="1" smtClean="0">
+                              <a:latin typeface="Cambria Math" panose="02040503050406030204" pitchFamily="18" charset="0"/>
+                            </a:rPr>
+                            <m:t>0</m:t>
+                          </m:r>
+                        </m:sub>
+                      </m:sSub>
+                    </m:oMath>
+                  </m:oMathPara>
                 </a14:m>
-                <a:r>
-                  <a:rPr lang="en-US" sz="3200" dirty="0"/>
-                  <a:t>?)</a:t>
-                </a:r>
+                <a:endParaRPr lang="en-US" sz="3200" dirty="0"/>
               </a:p>
             </p:txBody>
           </p:sp>
         </mc:Choice>
-        <mc:Fallback xmlns="">
+        <mc:Fallback>
           <p:sp>
             <p:nvSpPr>
-              <p:cNvPr id="27" name="TextBox 26">
+              <p:cNvPr id="24" name="TextBox 23">
                 <a:extLst>
                   <a:ext uri="{FF2B5EF4-FFF2-40B4-BE49-F238E27FC236}">
-                    <a16:creationId xmlns:a16="http://schemas.microsoft.com/office/drawing/2014/main" id="{4E691E59-AAEF-4E5B-9C54-9E302C8B58D3}"/>
+                    <a16:creationId xmlns:a16="http://schemas.microsoft.com/office/drawing/2014/main" id="{2165162F-C3FD-4E1E-AD58-FD47956E9302}"/>
                   </a:ext>
                 </a:extLst>
               </p:cNvPr>
@@ -5620,8 +5778,262 @@
             </p:nvSpPr>
             <p:spPr>
               <a:xfrm>
-                <a:off x="5900122" y="873133"/>
-                <a:ext cx="5542697" cy="2062103"/>
+                <a:off x="6091081" y="1017833"/>
+                <a:ext cx="993605" cy="584775"/>
+              </a:xfrm>
+              <a:prstGeom prst="rect">
+                <a:avLst/>
+              </a:prstGeom>
+              <a:blipFill>
+                <a:blip r:embed="rId7"/>
+                <a:stretch>
+                  <a:fillRect/>
+                </a:stretch>
+              </a:blipFill>
+            </p:spPr>
+            <p:txBody>
+              <a:bodyPr/>
+              <a:lstStyle/>
+              <a:p>
+                <a:r>
+                  <a:rPr lang="en-US">
+                    <a:noFill/>
+                  </a:rPr>
+                  <a:t> </a:t>
+                </a:r>
+              </a:p>
+            </p:txBody>
+          </p:sp>
+        </mc:Fallback>
+      </mc:AlternateContent>
+      <mc:AlternateContent xmlns:mc="http://schemas.openxmlformats.org/markup-compatibility/2006">
+        <mc:Choice xmlns:a14="http://schemas.microsoft.com/office/drawing/2010/main" Requires="a14">
+          <p:sp>
+            <p:nvSpPr>
+              <p:cNvPr id="25" name="TextBox 24">
+                <a:extLst>
+                  <a:ext uri="{FF2B5EF4-FFF2-40B4-BE49-F238E27FC236}">
+                    <a16:creationId xmlns:a16="http://schemas.microsoft.com/office/drawing/2014/main" id="{C8EE8516-6A8F-46BC-A836-BA7C55A9E94D}"/>
+                  </a:ext>
+                </a:extLst>
+              </p:cNvPr>
+              <p:cNvSpPr txBox="1"/>
+              <p:nvPr/>
+            </p:nvSpPr>
+            <p:spPr>
+              <a:xfrm>
+                <a:off x="3938511" y="897789"/>
+                <a:ext cx="1782924" cy="584775"/>
+              </a:xfrm>
+              <a:prstGeom prst="rect">
+                <a:avLst/>
+              </a:prstGeom>
+              <a:noFill/>
+            </p:spPr>
+            <p:txBody>
+              <a:bodyPr wrap="none" rtlCol="0">
+                <a:spAutoFit/>
+              </a:bodyPr>
+              <a:lstStyle/>
+              <a:p>
+                <a:pPr/>
+                <a14:m>
+                  <m:oMathPara xmlns:m="http://schemas.openxmlformats.org/officeDocument/2006/math">
+                    <m:oMathParaPr>
+                      <m:jc m:val="centerGroup"/>
+                    </m:oMathParaPr>
+                    <m:oMath xmlns:m="http://schemas.openxmlformats.org/officeDocument/2006/math">
+                      <m:sSub>
+                        <m:sSubPr>
+                          <m:ctrlPr>
+                            <a:rPr lang="en-US" sz="3200" b="0" i="1" smtClean="0">
+                              <a:latin typeface="Cambria Math" panose="02040503050406030204" pitchFamily="18" charset="0"/>
+                            </a:rPr>
+                          </m:ctrlPr>
+                        </m:sSubPr>
+                        <m:e>
+                          <m:r>
+                            <a:rPr lang="en-US" sz="3200" b="0" i="1" smtClean="0">
+                              <a:latin typeface="Cambria Math" panose="02040503050406030204" pitchFamily="18" charset="0"/>
+                            </a:rPr>
+                            <m:t>𝜔</m:t>
+                          </m:r>
+                        </m:e>
+                        <m:sub>
+                          <m:r>
+                            <a:rPr lang="en-US" sz="3200" b="0" i="1" smtClean="0">
+                              <a:latin typeface="Cambria Math" panose="02040503050406030204" pitchFamily="18" charset="0"/>
+                            </a:rPr>
+                            <m:t>0</m:t>
+                          </m:r>
+                        </m:sub>
+                      </m:sSub>
+                      <m:r>
+                        <a:rPr lang="en-US" sz="3200" b="0" i="1" smtClean="0">
+                          <a:latin typeface="Cambria Math" panose="02040503050406030204" pitchFamily="18" charset="0"/>
+                        </a:rPr>
+                        <m:t>+</m:t>
+                      </m:r>
+                      <m:r>
+                        <a:rPr lang="en-US" sz="3200" b="0" i="1" smtClean="0">
+                          <a:latin typeface="Cambria Math" panose="02040503050406030204" pitchFamily="18" charset="0"/>
+                        </a:rPr>
+                        <m:t>𝛿𝜔</m:t>
+                      </m:r>
+                    </m:oMath>
+                  </m:oMathPara>
+                </a14:m>
+                <a:endParaRPr lang="en-US" sz="3200" dirty="0"/>
+              </a:p>
+            </p:txBody>
+          </p:sp>
+        </mc:Choice>
+        <mc:Fallback>
+          <p:sp>
+            <p:nvSpPr>
+              <p:cNvPr id="25" name="TextBox 24">
+                <a:extLst>
+                  <a:ext uri="{FF2B5EF4-FFF2-40B4-BE49-F238E27FC236}">
+                    <a16:creationId xmlns:a16="http://schemas.microsoft.com/office/drawing/2014/main" id="{C8EE8516-6A8F-46BC-A836-BA7C55A9E94D}"/>
+                  </a:ext>
+                </a:extLst>
+              </p:cNvPr>
+              <p:cNvSpPr txBox="1">
+                <a:spLocks noRot="1" noChangeAspect="1" noMove="1" noResize="1" noEditPoints="1" noAdjustHandles="1" noChangeArrowheads="1" noChangeShapeType="1" noTextEdit="1"/>
+              </p:cNvSpPr>
+              <p:nvPr/>
+            </p:nvSpPr>
+            <p:spPr>
+              <a:xfrm>
+                <a:off x="3938511" y="897789"/>
+                <a:ext cx="1782924" cy="584775"/>
+              </a:xfrm>
+              <a:prstGeom prst="rect">
+                <a:avLst/>
+              </a:prstGeom>
+              <a:blipFill>
+                <a:blip r:embed="rId8"/>
+                <a:stretch>
+                  <a:fillRect/>
+                </a:stretch>
+              </a:blipFill>
+            </p:spPr>
+            <p:txBody>
+              <a:bodyPr/>
+              <a:lstStyle/>
+              <a:p>
+                <a:r>
+                  <a:rPr lang="en-US">
+                    <a:noFill/>
+                  </a:rPr>
+                  <a:t> </a:t>
+                </a:r>
+              </a:p>
+            </p:txBody>
+          </p:sp>
+        </mc:Fallback>
+      </mc:AlternateContent>
+      <mc:AlternateContent xmlns:mc="http://schemas.openxmlformats.org/markup-compatibility/2006">
+        <mc:Choice xmlns:a14="http://schemas.microsoft.com/office/drawing/2010/main" Requires="a14">
+          <p:sp>
+            <p:nvSpPr>
+              <p:cNvPr id="28" name="TextBox 27">
+                <a:extLst>
+                  <a:ext uri="{FF2B5EF4-FFF2-40B4-BE49-F238E27FC236}">
+                    <a16:creationId xmlns:a16="http://schemas.microsoft.com/office/drawing/2014/main" id="{D27BF16A-42DD-4046-800A-60468DBBC31D}"/>
+                  </a:ext>
+                </a:extLst>
+              </p:cNvPr>
+              <p:cNvSpPr txBox="1"/>
+              <p:nvPr/>
+            </p:nvSpPr>
+            <p:spPr>
+              <a:xfrm>
+                <a:off x="3880657" y="1985807"/>
+                <a:ext cx="1782924" cy="584775"/>
+              </a:xfrm>
+              <a:prstGeom prst="rect">
+                <a:avLst/>
+              </a:prstGeom>
+              <a:noFill/>
+            </p:spPr>
+            <p:txBody>
+              <a:bodyPr wrap="none" rtlCol="0">
+                <a:spAutoFit/>
+              </a:bodyPr>
+              <a:lstStyle/>
+              <a:p>
+                <a:pPr/>
+                <a14:m>
+                  <m:oMathPara xmlns:m="http://schemas.openxmlformats.org/officeDocument/2006/math">
+                    <m:oMathParaPr>
+                      <m:jc m:val="centerGroup"/>
+                    </m:oMathParaPr>
+                    <m:oMath xmlns:m="http://schemas.openxmlformats.org/officeDocument/2006/math">
+                      <m:sSub>
+                        <m:sSubPr>
+                          <m:ctrlPr>
+                            <a:rPr lang="en-US" sz="3200" b="0" i="1" smtClean="0">
+                              <a:latin typeface="Cambria Math" panose="02040503050406030204" pitchFamily="18" charset="0"/>
+                            </a:rPr>
+                          </m:ctrlPr>
+                        </m:sSubPr>
+                        <m:e>
+                          <m:r>
+                            <a:rPr lang="en-US" sz="3200" b="0" i="1" smtClean="0">
+                              <a:latin typeface="Cambria Math" panose="02040503050406030204" pitchFamily="18" charset="0"/>
+                            </a:rPr>
+                            <m:t>𝜔</m:t>
+                          </m:r>
+                        </m:e>
+                        <m:sub>
+                          <m:r>
+                            <a:rPr lang="en-US" sz="3200" b="0" i="1" smtClean="0">
+                              <a:latin typeface="Cambria Math" panose="02040503050406030204" pitchFamily="18" charset="0"/>
+                            </a:rPr>
+                            <m:t>0</m:t>
+                          </m:r>
+                        </m:sub>
+                      </m:sSub>
+                      <m:r>
+                        <a:rPr lang="en-US" sz="3200" b="0" i="1" smtClean="0">
+                          <a:latin typeface="Cambria Math" panose="02040503050406030204" pitchFamily="18" charset="0"/>
+                        </a:rPr>
+                        <m:t>−</m:t>
+                      </m:r>
+                      <m:r>
+                        <a:rPr lang="en-US" sz="3200" b="0" i="1" smtClean="0">
+                          <a:latin typeface="Cambria Math" panose="02040503050406030204" pitchFamily="18" charset="0"/>
+                        </a:rPr>
+                        <m:t>𝛿𝜔</m:t>
+                      </m:r>
+                    </m:oMath>
+                  </m:oMathPara>
+                </a14:m>
+                <a:endParaRPr lang="en-US" sz="3200" dirty="0"/>
+              </a:p>
+            </p:txBody>
+          </p:sp>
+        </mc:Choice>
+        <mc:Fallback>
+          <p:sp>
+            <p:nvSpPr>
+              <p:cNvPr id="28" name="TextBox 27">
+                <a:extLst>
+                  <a:ext uri="{FF2B5EF4-FFF2-40B4-BE49-F238E27FC236}">
+                    <a16:creationId xmlns:a16="http://schemas.microsoft.com/office/drawing/2014/main" id="{D27BF16A-42DD-4046-800A-60468DBBC31D}"/>
+                  </a:ext>
+                </a:extLst>
+              </p:cNvPr>
+              <p:cNvSpPr txBox="1">
+                <a:spLocks noRot="1" noChangeAspect="1" noMove="1" noResize="1" noEditPoints="1" noAdjustHandles="1" noChangeArrowheads="1" noChangeShapeType="1" noTextEdit="1"/>
+              </p:cNvSpPr>
+              <p:nvPr/>
+            </p:nvSpPr>
+            <p:spPr>
+              <a:xfrm>
+                <a:off x="3880657" y="1985807"/>
+                <a:ext cx="1782924" cy="584775"/>
               </a:xfrm>
               <a:prstGeom prst="rect">
                 <a:avLst/>
@@ -5629,7 +6041,7 @@
               <a:blipFill>
                 <a:blip r:embed="rId9"/>
                 <a:stretch>
-                  <a:fillRect l="-2860" t="-3835" r="-3520" b="-8850"/>
+                  <a:fillRect/>
                 </a:stretch>
               </a:blipFill>
             </p:spPr>
@@ -5771,7 +6183,7 @@
                 <a:avLst/>
               </a:prstGeom>
               <a:blipFill>
-                <a:blip r:embed="rId2"/>
+                <a:blip r:embed="rId3"/>
                 <a:stretch>
                   <a:fillRect l="-1594" t="-2600" r="-1663" b="-5600"/>
                 </a:stretch>
@@ -6016,7 +6428,7 @@
                 <a:avLst/>
               </a:prstGeom>
               <a:blipFill>
-                <a:blip r:embed="rId3"/>
+                <a:blip r:embed="rId4"/>
                 <a:stretch>
                   <a:fillRect/>
                 </a:stretch>
@@ -6173,7 +6585,7 @@
                 <a:avLst/>
               </a:prstGeom>
               <a:blipFill>
-                <a:blip r:embed="rId4"/>
+                <a:blip r:embed="rId5"/>
                 <a:stretch>
                   <a:fillRect/>
                 </a:stretch>
@@ -6479,7 +6891,7 @@
                 <a:avLst/>
               </a:prstGeom>
               <a:blipFill>
-                <a:blip r:embed="rId5"/>
+                <a:blip r:embed="rId6"/>
                 <a:stretch>
                   <a:fillRect/>
                 </a:stretch>
@@ -6594,7 +7006,7 @@
                 <a:avLst/>
               </a:prstGeom>
               <a:blipFill>
-                <a:blip r:embed="rId6"/>
+                <a:blip r:embed="rId7"/>
                 <a:stretch>
                   <a:fillRect/>
                 </a:stretch>
@@ -6709,7 +7121,7 @@
                 <a:avLst/>
               </a:prstGeom>
               <a:blipFill>
-                <a:blip r:embed="rId7"/>
+                <a:blip r:embed="rId8"/>
                 <a:stretch>
                   <a:fillRect/>
                 </a:stretch>
@@ -6979,7 +7391,7 @@
                 <a:avLst/>
               </a:prstGeom>
               <a:blipFill>
-                <a:blip r:embed="rId8"/>
+                <a:blip r:embed="rId9"/>
                 <a:stretch>
                   <a:fillRect l="-2500" t="-3053"/>
                 </a:stretch>
@@ -8670,8 +9082,8 @@
           </p:sp>
         </mc:Fallback>
       </mc:AlternateContent>
-      <mc:AlternateContent xmlns:mc="http://schemas.openxmlformats.org/markup-compatibility/2006" xmlns:a14="http://schemas.microsoft.com/office/drawing/2010/main">
-        <mc:Choice Requires="a14">
+      <mc:AlternateContent xmlns:mc="http://schemas.openxmlformats.org/markup-compatibility/2006">
+        <mc:Choice xmlns:a14="http://schemas.microsoft.com/office/drawing/2010/main" Requires="a14">
           <p:sp>
             <p:nvSpPr>
               <p:cNvPr id="8" name="TextBox 7">
@@ -8686,8 +9098,8 @@
             </p:nvSpPr>
             <p:spPr>
               <a:xfrm>
-                <a:off x="6454329" y="1129470"/>
-                <a:ext cx="3758268" cy="1384995"/>
+                <a:off x="6715586" y="1095561"/>
+                <a:ext cx="4325368" cy="954107"/>
               </a:xfrm>
               <a:prstGeom prst="rect">
                 <a:avLst/>
@@ -8762,13 +9174,19 @@
                 </a14:m>
                 <a:r>
                   <a:rPr lang="en-US" sz="2800" dirty="0"/>
-                  <a:t>, LWI. However, the pump rate is too low</a:t>
+                  <a:t>, </a:t>
+                </a:r>
+              </a:p>
+              <a:p>
+                <a:r>
+                  <a:rPr lang="en-US" sz="2800" dirty="0"/>
+                  <a:t>final state is thermal state</a:t>
                 </a:r>
               </a:p>
             </p:txBody>
           </p:sp>
         </mc:Choice>
-        <mc:Fallback xmlns="">
+        <mc:Fallback>
           <p:sp>
             <p:nvSpPr>
               <p:cNvPr id="8" name="TextBox 7">
@@ -8785,8 +9203,8 @@
             </p:nvSpPr>
             <p:spPr>
               <a:xfrm>
-                <a:off x="6454329" y="1129470"/>
-                <a:ext cx="3758268" cy="1384995"/>
+                <a:off x="6715586" y="1095561"/>
+                <a:ext cx="4325368" cy="954107"/>
               </a:xfrm>
               <a:prstGeom prst="rect">
                 <a:avLst/>
@@ -8794,7 +9212,7 @@
               <a:blipFill>
                 <a:blip r:embed="rId9"/>
                 <a:stretch>
-                  <a:fillRect l="-3409" t="-3965" r="-3409" b="-11894"/>
+                  <a:fillRect l="-2962" t="-6410" b="-17949"/>
                 </a:stretch>
               </a:blipFill>
             </p:spPr>
@@ -8827,6 +9245,166 @@
 </file>
 
 <file path=ppt/slides/slide13.xml><?xml version="1.0" encoding="utf-8"?>
+<p:sld xmlns:a="http://schemas.openxmlformats.org/drawingml/2006/main" xmlns:r="http://schemas.openxmlformats.org/officeDocument/2006/relationships" xmlns:p="http://schemas.openxmlformats.org/presentationml/2006/main">
+  <p:cSld>
+    <p:spTree>
+      <p:nvGrpSpPr>
+        <p:cNvPr id="1" name=""/>
+        <p:cNvGrpSpPr/>
+        <p:nvPr/>
+      </p:nvGrpSpPr>
+      <p:grpSpPr>
+        <a:xfrm>
+          <a:off x="0" y="0"/>
+          <a:ext cx="0" cy="0"/>
+          <a:chOff x="0" y="0"/>
+          <a:chExt cx="0" cy="0"/>
+        </a:xfrm>
+      </p:grpSpPr>
+      <p:sp>
+        <p:nvSpPr>
+          <p:cNvPr id="2" name="Title 1">
+            <a:extLst>
+              <a:ext uri="{FF2B5EF4-FFF2-40B4-BE49-F238E27FC236}">
+                <a16:creationId xmlns:a16="http://schemas.microsoft.com/office/drawing/2014/main" id="{6714EAB4-2097-43D1-B00F-6E842D0ABC6B}"/>
+              </a:ext>
+            </a:extLst>
+          </p:cNvPr>
+          <p:cNvSpPr>
+            <a:spLocks noGrp="1"/>
+          </p:cNvSpPr>
+          <p:nvPr>
+            <p:ph type="title"/>
+          </p:nvPr>
+        </p:nvSpPr>
+        <p:spPr/>
+        <p:txBody>
+          <a:bodyPr/>
+          <a:lstStyle/>
+          <a:p>
+            <a:endParaRPr lang="en-US"/>
+          </a:p>
+        </p:txBody>
+      </p:sp>
+      <p:sp>
+        <p:nvSpPr>
+          <p:cNvPr id="3" name="Content Placeholder 2">
+            <a:extLst>
+              <a:ext uri="{FF2B5EF4-FFF2-40B4-BE49-F238E27FC236}">
+                <a16:creationId xmlns:a16="http://schemas.microsoft.com/office/drawing/2014/main" id="{92FD1612-2A05-4F6A-BBCF-B5D06CD1D3D3}"/>
+              </a:ext>
+            </a:extLst>
+          </p:cNvPr>
+          <p:cNvSpPr>
+            <a:spLocks noGrp="1"/>
+          </p:cNvSpPr>
+          <p:nvPr>
+            <p:ph idx="1"/>
+          </p:nvPr>
+        </p:nvSpPr>
+        <p:spPr/>
+        <p:txBody>
+          <a:bodyPr/>
+          <a:lstStyle/>
+          <a:p>
+            <a:endParaRPr lang="en-US"/>
+          </a:p>
+        </p:txBody>
+      </p:sp>
+    </p:spTree>
+    <p:extLst>
+      <p:ext uri="{BB962C8B-B14F-4D97-AF65-F5344CB8AC3E}">
+        <p14:creationId xmlns:p14="http://schemas.microsoft.com/office/powerpoint/2010/main" val="1343626298"/>
+      </p:ext>
+    </p:extLst>
+  </p:cSld>
+  <p:clrMapOvr>
+    <a:masterClrMapping/>
+  </p:clrMapOvr>
+</p:sld>
+</file>
+
+<file path=ppt/slides/slide14.xml><?xml version="1.0" encoding="utf-8"?>
+<p:sld xmlns:a="http://schemas.openxmlformats.org/drawingml/2006/main" xmlns:r="http://schemas.openxmlformats.org/officeDocument/2006/relationships" xmlns:p="http://schemas.openxmlformats.org/presentationml/2006/main">
+  <p:cSld>
+    <p:spTree>
+      <p:nvGrpSpPr>
+        <p:cNvPr id="1" name=""/>
+        <p:cNvGrpSpPr/>
+        <p:nvPr/>
+      </p:nvGrpSpPr>
+      <p:grpSpPr>
+        <a:xfrm>
+          <a:off x="0" y="0"/>
+          <a:ext cx="0" cy="0"/>
+          <a:chOff x="0" y="0"/>
+          <a:chExt cx="0" cy="0"/>
+        </a:xfrm>
+      </p:grpSpPr>
+      <p:sp>
+        <p:nvSpPr>
+          <p:cNvPr id="2" name="Title 1">
+            <a:extLst>
+              <a:ext uri="{FF2B5EF4-FFF2-40B4-BE49-F238E27FC236}">
+                <a16:creationId xmlns:a16="http://schemas.microsoft.com/office/drawing/2014/main" id="{C4502E88-B665-48CE-B882-E800D25C9F7D}"/>
+              </a:ext>
+            </a:extLst>
+          </p:cNvPr>
+          <p:cNvSpPr>
+            <a:spLocks noGrp="1"/>
+          </p:cNvSpPr>
+          <p:nvPr>
+            <p:ph type="title"/>
+          </p:nvPr>
+        </p:nvSpPr>
+        <p:spPr/>
+        <p:txBody>
+          <a:bodyPr/>
+          <a:lstStyle/>
+          <a:p>
+            <a:endParaRPr lang="en-US"/>
+          </a:p>
+        </p:txBody>
+      </p:sp>
+      <p:sp>
+        <p:nvSpPr>
+          <p:cNvPr id="3" name="Content Placeholder 2">
+            <a:extLst>
+              <a:ext uri="{FF2B5EF4-FFF2-40B4-BE49-F238E27FC236}">
+                <a16:creationId xmlns:a16="http://schemas.microsoft.com/office/drawing/2014/main" id="{66353345-2868-4043-AB45-E0A73D8F14CB}"/>
+              </a:ext>
+            </a:extLst>
+          </p:cNvPr>
+          <p:cNvSpPr>
+            <a:spLocks noGrp="1"/>
+          </p:cNvSpPr>
+          <p:nvPr>
+            <p:ph idx="1"/>
+          </p:nvPr>
+        </p:nvSpPr>
+        <p:spPr/>
+        <p:txBody>
+          <a:bodyPr/>
+          <a:lstStyle/>
+          <a:p>
+            <a:endParaRPr lang="en-US"/>
+          </a:p>
+        </p:txBody>
+      </p:sp>
+    </p:spTree>
+    <p:extLst>
+      <p:ext uri="{BB962C8B-B14F-4D97-AF65-F5344CB8AC3E}">
+        <p14:creationId xmlns:p14="http://schemas.microsoft.com/office/powerpoint/2010/main" val="3778568974"/>
+      </p:ext>
+    </p:extLst>
+  </p:cSld>
+  <p:clrMapOvr>
+    <a:masterClrMapping/>
+  </p:clrMapOvr>
+</p:sld>
+</file>
+
+<file path=ppt/slides/slide15.xml><?xml version="1.0" encoding="utf-8"?>
 <p:sld xmlns:a="http://schemas.openxmlformats.org/drawingml/2006/main" xmlns:r="http://schemas.openxmlformats.org/officeDocument/2006/relationships" xmlns:p="http://schemas.openxmlformats.org/presentationml/2006/main">
   <p:cSld>
     <p:spTree>
@@ -10419,7 +10997,7 @@
 </p:sld>
 </file>
 
-<file path=ppt/slides/slide14.xml><?xml version="1.0" encoding="utf-8"?>
+<file path=ppt/slides/slide16.xml><?xml version="1.0" encoding="utf-8"?>
 <p:sld xmlns:a="http://schemas.openxmlformats.org/drawingml/2006/main" xmlns:r="http://schemas.openxmlformats.org/officeDocument/2006/relationships" xmlns:p="http://schemas.openxmlformats.org/presentationml/2006/main">
   <p:cSld>
     <p:spTree>
@@ -12317,87 +12895,7 @@
 </p:sld>
 </file>
 
-<file path=ppt/slides/slide15.xml><?xml version="1.0" encoding="utf-8"?>
-<p:sld xmlns:a="http://schemas.openxmlformats.org/drawingml/2006/main" xmlns:r="http://schemas.openxmlformats.org/officeDocument/2006/relationships" xmlns:p="http://schemas.openxmlformats.org/presentationml/2006/main">
-  <p:cSld>
-    <p:spTree>
-      <p:nvGrpSpPr>
-        <p:cNvPr id="1" name=""/>
-        <p:cNvGrpSpPr/>
-        <p:nvPr/>
-      </p:nvGrpSpPr>
-      <p:grpSpPr>
-        <a:xfrm>
-          <a:off x="0" y="0"/>
-          <a:ext cx="0" cy="0"/>
-          <a:chOff x="0" y="0"/>
-          <a:chExt cx="0" cy="0"/>
-        </a:xfrm>
-      </p:grpSpPr>
-      <p:sp>
-        <p:nvSpPr>
-          <p:cNvPr id="2" name="Title 1">
-            <a:extLst>
-              <a:ext uri="{FF2B5EF4-FFF2-40B4-BE49-F238E27FC236}">
-                <a16:creationId xmlns:a16="http://schemas.microsoft.com/office/drawing/2014/main" id="{C4502E88-B665-48CE-B882-E800D25C9F7D}"/>
-              </a:ext>
-            </a:extLst>
-          </p:cNvPr>
-          <p:cNvSpPr>
-            <a:spLocks noGrp="1"/>
-          </p:cNvSpPr>
-          <p:nvPr>
-            <p:ph type="title"/>
-          </p:nvPr>
-        </p:nvSpPr>
-        <p:spPr/>
-        <p:txBody>
-          <a:bodyPr/>
-          <a:lstStyle/>
-          <a:p>
-            <a:endParaRPr lang="en-US"/>
-          </a:p>
-        </p:txBody>
-      </p:sp>
-      <p:sp>
-        <p:nvSpPr>
-          <p:cNvPr id="3" name="Content Placeholder 2">
-            <a:extLst>
-              <a:ext uri="{FF2B5EF4-FFF2-40B4-BE49-F238E27FC236}">
-                <a16:creationId xmlns:a16="http://schemas.microsoft.com/office/drawing/2014/main" id="{66353345-2868-4043-AB45-E0A73D8F14CB}"/>
-              </a:ext>
-            </a:extLst>
-          </p:cNvPr>
-          <p:cNvSpPr>
-            <a:spLocks noGrp="1"/>
-          </p:cNvSpPr>
-          <p:nvPr>
-            <p:ph idx="1"/>
-          </p:nvPr>
-        </p:nvSpPr>
-        <p:spPr/>
-        <p:txBody>
-          <a:bodyPr/>
-          <a:lstStyle/>
-          <a:p>
-            <a:endParaRPr lang="en-US"/>
-          </a:p>
-        </p:txBody>
-      </p:sp>
-    </p:spTree>
-    <p:extLst>
-      <p:ext uri="{BB962C8B-B14F-4D97-AF65-F5344CB8AC3E}">
-        <p14:creationId xmlns:p14="http://schemas.microsoft.com/office/powerpoint/2010/main" val="3778568974"/>
-      </p:ext>
-    </p:extLst>
-  </p:cSld>
-  <p:clrMapOvr>
-    <a:masterClrMapping/>
-  </p:clrMapOvr>
-</p:sld>
-</file>
-
-<file path=ppt/slides/slide16.xml><?xml version="1.0" encoding="utf-8"?>
+<file path=ppt/slides/slide17.xml><?xml version="1.0" encoding="utf-8"?>
 <p:sld xmlns:a="http://schemas.openxmlformats.org/drawingml/2006/main" xmlns:r="http://schemas.openxmlformats.org/officeDocument/2006/relationships" xmlns:p="http://schemas.openxmlformats.org/presentationml/2006/main">
   <p:cSld>
     <p:spTree>
@@ -13534,7 +14032,7 @@
 </p:sld>
 </file>
 
-<file path=ppt/slides/slide17.xml><?xml version="1.0" encoding="utf-8"?>
+<file path=ppt/slides/slide18.xml><?xml version="1.0" encoding="utf-8"?>
 <p:sld xmlns:a="http://schemas.openxmlformats.org/drawingml/2006/main" xmlns:r="http://schemas.openxmlformats.org/officeDocument/2006/relationships" xmlns:p="http://schemas.openxmlformats.org/presentationml/2006/main">
   <p:cSld>
     <p:spTree>
@@ -14395,7 +14893,7 @@
 </p:sld>
 </file>
 
-<file path=ppt/slides/slide18.xml><?xml version="1.0" encoding="utf-8"?>
+<file path=ppt/slides/slide19.xml><?xml version="1.0" encoding="utf-8"?>
 <p:sld xmlns:a="http://schemas.openxmlformats.org/drawingml/2006/main" xmlns:r="http://schemas.openxmlformats.org/officeDocument/2006/relationships" xmlns:p="http://schemas.openxmlformats.org/presentationml/2006/main">
   <p:cSld>
     <p:spTree>
@@ -14856,502 +15354,6 @@
     <p:extLst>
       <p:ext uri="{BB962C8B-B14F-4D97-AF65-F5344CB8AC3E}">
         <p14:creationId xmlns:p14="http://schemas.microsoft.com/office/powerpoint/2010/main" val="1174210868"/>
-      </p:ext>
-    </p:extLst>
-  </p:cSld>
-  <p:clrMapOvr>
-    <a:masterClrMapping/>
-  </p:clrMapOvr>
-</p:sld>
-</file>
-
-<file path=ppt/slides/slide19.xml><?xml version="1.0" encoding="utf-8"?>
-<p:sld xmlns:a="http://schemas.openxmlformats.org/drawingml/2006/main" xmlns:r="http://schemas.openxmlformats.org/officeDocument/2006/relationships" xmlns:p="http://schemas.openxmlformats.org/presentationml/2006/main">
-  <p:cSld>
-    <p:spTree>
-      <p:nvGrpSpPr>
-        <p:cNvPr id="1" name=""/>
-        <p:cNvGrpSpPr/>
-        <p:nvPr/>
-      </p:nvGrpSpPr>
-      <p:grpSpPr>
-        <a:xfrm>
-          <a:off x="0" y="0"/>
-          <a:ext cx="0" cy="0"/>
-          <a:chOff x="0" y="0"/>
-          <a:chExt cx="0" cy="0"/>
-        </a:xfrm>
-      </p:grpSpPr>
-      <p:sp>
-        <p:nvSpPr>
-          <p:cNvPr id="2" name="Title 1">
-            <a:extLst>
-              <a:ext uri="{FF2B5EF4-FFF2-40B4-BE49-F238E27FC236}">
-                <a16:creationId xmlns:a16="http://schemas.microsoft.com/office/drawing/2014/main" id="{439BE43A-EDC6-440A-8E76-B587AB82BEA7}"/>
-              </a:ext>
-            </a:extLst>
-          </p:cNvPr>
-          <p:cNvSpPr>
-            <a:spLocks noGrp="1"/>
-          </p:cNvSpPr>
-          <p:nvPr>
-            <p:ph type="title"/>
-          </p:nvPr>
-        </p:nvSpPr>
-        <p:spPr/>
-        <p:txBody>
-          <a:bodyPr/>
-          <a:lstStyle/>
-          <a:p>
-            <a:endParaRPr lang="en-US"/>
-          </a:p>
-        </p:txBody>
-      </p:sp>
-      <p:graphicFrame>
-        <p:nvGraphicFramePr>
-          <p:cNvPr id="4" name="Content Placeholder 3">
-            <a:extLst>
-              <a:ext uri="{FF2B5EF4-FFF2-40B4-BE49-F238E27FC236}">
-                <a16:creationId xmlns:a16="http://schemas.microsoft.com/office/drawing/2014/main" id="{C6F8E5CA-B8E0-4E55-B366-BEE07623C12F}"/>
-              </a:ext>
-            </a:extLst>
-          </p:cNvPr>
-          <p:cNvGraphicFramePr>
-            <a:graphicFrameLocks noGrp="1"/>
-          </p:cNvGraphicFramePr>
-          <p:nvPr>
-            <p:ph idx="1"/>
-            <p:extLst>
-              <p:ext uri="{D42A27DB-BD31-4B8C-83A1-F6EECF244321}">
-                <p14:modId xmlns:p14="http://schemas.microsoft.com/office/powerpoint/2010/main" val="3222800067"/>
-              </p:ext>
-            </p:extLst>
-          </p:nvPr>
-        </p:nvGraphicFramePr>
-        <p:xfrm>
-          <a:off x="838200" y="1825625"/>
-          <a:ext cx="3238850" cy="731520"/>
-        </p:xfrm>
-        <a:graphic>
-          <a:graphicData uri="http://schemas.openxmlformats.org/drawingml/2006/table">
-            <a:tbl>
-              <a:tblPr firstRow="1" bandRow="1">
-                <a:tableStyleId>{5940675A-B579-460E-94D1-54222C63F5DA}</a:tableStyleId>
-              </a:tblPr>
-              <a:tblGrid>
-                <a:gridCol w="1619425">
-                  <a:extLst>
-                    <a:ext uri="{9D8B030D-6E8A-4147-A177-3AD203B41FA5}">
-                      <a16:colId xmlns:a16="http://schemas.microsoft.com/office/drawing/2014/main" val="3005177339"/>
-                    </a:ext>
-                  </a:extLst>
-                </a:gridCol>
-                <a:gridCol w="1619425">
-                  <a:extLst>
-                    <a:ext uri="{9D8B030D-6E8A-4147-A177-3AD203B41FA5}">
-                      <a16:colId xmlns:a16="http://schemas.microsoft.com/office/drawing/2014/main" val="3953555935"/>
-                    </a:ext>
-                  </a:extLst>
-                </a:gridCol>
-              </a:tblGrid>
-              <a:tr h="236479">
-                <a:tc>
-                  <a:txBody>
-                    <a:bodyPr/>
-                    <a:lstStyle/>
-                    <a:p>
-                      <a:r>
-                        <a:rPr lang="en-US" dirty="0"/>
-                        <a:t>Cos(2ri)</a:t>
-                      </a:r>
-                    </a:p>
-                  </a:txBody>
-                  <a:tcPr/>
-                </a:tc>
-                <a:tc>
-                  <a:txBody>
-                    <a:bodyPr/>
-                    <a:lstStyle/>
-                    <a:p>
-                      <a:r>
-                        <a:rPr lang="en-US" dirty="0"/>
-                        <a:t>Cos(</a:t>
-                      </a:r>
-                      <a:r>
-                        <a:rPr lang="en-US" dirty="0" err="1"/>
-                        <a:t>ri+rj</a:t>
-                      </a:r>
-                      <a:r>
-                        <a:rPr lang="en-US" dirty="0"/>
-                        <a:t>)</a:t>
-                      </a:r>
-                    </a:p>
-                  </a:txBody>
-                  <a:tcPr/>
-                </a:tc>
-                <a:extLst>
-                  <a:ext uri="{0D108BD9-81ED-4DB2-BD59-A6C34878D82A}">
-                    <a16:rowId xmlns:a16="http://schemas.microsoft.com/office/drawing/2014/main" val="3624501296"/>
-                  </a:ext>
-                </a:extLst>
-              </a:tr>
-              <a:tr h="236479">
-                <a:tc>
-                  <a:txBody>
-                    <a:bodyPr/>
-                    <a:lstStyle/>
-                    <a:p>
-                      <a:r>
-                        <a:rPr lang="en-US" dirty="0"/>
-                        <a:t>1</a:t>
-                      </a:r>
-                    </a:p>
-                  </a:txBody>
-                  <a:tcPr/>
-                </a:tc>
-                <a:tc>
-                  <a:txBody>
-                    <a:bodyPr/>
-                    <a:lstStyle/>
-                    <a:p>
-                      <a:r>
-                        <a:rPr lang="en-US" dirty="0"/>
-                        <a:t>Cos(</a:t>
-                      </a:r>
-                      <a:r>
-                        <a:rPr lang="en-US" dirty="0" err="1"/>
-                        <a:t>ri-rj</a:t>
-                      </a:r>
-                      <a:r>
-                        <a:rPr lang="en-US" dirty="0"/>
-                        <a:t>)</a:t>
-                      </a:r>
-                    </a:p>
-                  </a:txBody>
-                  <a:tcPr/>
-                </a:tc>
-                <a:extLst>
-                  <a:ext uri="{0D108BD9-81ED-4DB2-BD59-A6C34878D82A}">
-                    <a16:rowId xmlns:a16="http://schemas.microsoft.com/office/drawing/2014/main" val="3145824418"/>
-                  </a:ext>
-                </a:extLst>
-              </a:tr>
-            </a:tbl>
-          </a:graphicData>
-        </a:graphic>
-      </p:graphicFrame>
-      <mc:AlternateContent xmlns:mc="http://schemas.openxmlformats.org/markup-compatibility/2006" xmlns:a14="http://schemas.microsoft.com/office/drawing/2010/main">
-        <mc:Choice Requires="a14">
-          <p:sp>
-            <p:nvSpPr>
-              <p:cNvPr id="5" name="TextBox 4">
-                <a:extLst>
-                  <a:ext uri="{FF2B5EF4-FFF2-40B4-BE49-F238E27FC236}">
-                    <a16:creationId xmlns:a16="http://schemas.microsoft.com/office/drawing/2014/main" id="{45BDAFCD-E99B-49AD-B260-3C1818E6A443}"/>
-                  </a:ext>
-                </a:extLst>
-              </p:cNvPr>
-              <p:cNvSpPr txBox="1"/>
-              <p:nvPr/>
-            </p:nvSpPr>
-            <p:spPr>
-              <a:xfrm>
-                <a:off x="838200" y="3061982"/>
-                <a:ext cx="5215915" cy="461473"/>
-              </a:xfrm>
-              <a:prstGeom prst="rect">
-                <a:avLst/>
-              </a:prstGeom>
-              <a:noFill/>
-            </p:spPr>
-            <p:txBody>
-              <a:bodyPr wrap="none" rtlCol="0">
-                <a:spAutoFit/>
-              </a:bodyPr>
-              <a:lstStyle/>
-              <a:p>
-                <a:r>
-                  <a:rPr lang="en-US" dirty="0"/>
-                  <a:t>1, </a:t>
-                </a:r>
-                <a14:m>
-                  <m:oMath xmlns:m="http://schemas.openxmlformats.org/officeDocument/2006/math">
-                    <m:sSubSup>
-                      <m:sSubSupPr>
-                        <m:ctrlPr>
-                          <a:rPr lang="en-US" b="0" i="1" smtClean="0">
-                            <a:latin typeface="Cambria Math" panose="02040503050406030204" pitchFamily="18" charset="0"/>
-                          </a:rPr>
-                        </m:ctrlPr>
-                      </m:sSubSupPr>
-                      <m:e>
-                        <m:r>
-                          <a:rPr lang="en-US" b="0" i="1" smtClean="0">
-                            <a:latin typeface="Cambria Math" panose="02040503050406030204" pitchFamily="18" charset="0"/>
-                          </a:rPr>
-                          <m:t>𝛾</m:t>
-                        </m:r>
-                      </m:e>
-                      <m:sub>
-                        <m:r>
-                          <a:rPr lang="en-US" b="0" i="1" smtClean="0">
-                            <a:latin typeface="Cambria Math" panose="02040503050406030204" pitchFamily="18" charset="0"/>
-                          </a:rPr>
-                          <m:t>𝑖𝑖</m:t>
-                        </m:r>
-                      </m:sub>
-                      <m:sup>
-                        <m:r>
-                          <a:rPr lang="en-US" b="0" i="1" smtClean="0">
-                            <a:latin typeface="Cambria Math" panose="02040503050406030204" pitchFamily="18" charset="0"/>
-                          </a:rPr>
-                          <m:t>′</m:t>
-                        </m:r>
-                      </m:sup>
-                    </m:sSubSup>
-                    <m:r>
-                      <a:rPr lang="en-US" b="0" i="1" smtClean="0">
-                        <a:latin typeface="Cambria Math" panose="02040503050406030204" pitchFamily="18" charset="0"/>
-                      </a:rPr>
-                      <m:t>=0→</m:t>
-                    </m:r>
-                    <m:sSub>
-                      <m:sSubPr>
-                        <m:ctrlPr>
-                          <a:rPr lang="en-US" b="0" i="1" smtClean="0">
-                            <a:latin typeface="Cambria Math" panose="02040503050406030204" pitchFamily="18" charset="0"/>
-                          </a:rPr>
-                        </m:ctrlPr>
-                      </m:sSubPr>
-                      <m:e>
-                        <m:r>
-                          <a:rPr lang="en-US" b="0" i="1" smtClean="0">
-                            <a:latin typeface="Cambria Math" panose="02040503050406030204" pitchFamily="18" charset="0"/>
-                          </a:rPr>
-                          <m:t>𝑟</m:t>
-                        </m:r>
-                      </m:e>
-                      <m:sub>
-                        <m:r>
-                          <a:rPr lang="en-US" b="0" i="1" smtClean="0">
-                            <a:latin typeface="Cambria Math" panose="02040503050406030204" pitchFamily="18" charset="0"/>
-                          </a:rPr>
-                          <m:t>𝑖</m:t>
-                        </m:r>
-                      </m:sub>
-                    </m:sSub>
-                    <m:r>
-                      <a:rPr lang="en-US" b="0" i="1" smtClean="0">
-                        <a:latin typeface="Cambria Math" panose="02040503050406030204" pitchFamily="18" charset="0"/>
-                      </a:rPr>
-                      <m:t>=</m:t>
-                    </m:r>
-                    <m:f>
-                      <m:fPr>
-                        <m:ctrlPr>
-                          <a:rPr lang="en-US" b="0" i="1" smtClean="0">
-                            <a:latin typeface="Cambria Math" panose="02040503050406030204" pitchFamily="18" charset="0"/>
-                          </a:rPr>
-                        </m:ctrlPr>
-                      </m:fPr>
-                      <m:num>
-                        <m:r>
-                          <a:rPr lang="en-US" b="0" i="1" smtClean="0">
-                            <a:latin typeface="Cambria Math" panose="02040503050406030204" pitchFamily="18" charset="0"/>
-                          </a:rPr>
-                          <m:t>𝜋</m:t>
-                        </m:r>
-                      </m:num>
-                      <m:den>
-                        <m:r>
-                          <a:rPr lang="en-US" b="0" i="1" smtClean="0">
-                            <a:latin typeface="Cambria Math" panose="02040503050406030204" pitchFamily="18" charset="0"/>
-                          </a:rPr>
-                          <m:t>4</m:t>
-                        </m:r>
-                      </m:den>
-                    </m:f>
-                    <m:r>
-                      <a:rPr lang="en-US" b="0" i="1" smtClean="0">
-                        <a:latin typeface="Cambria Math" panose="02040503050406030204" pitchFamily="18" charset="0"/>
-                      </a:rPr>
-                      <m:t>+</m:t>
-                    </m:r>
-                    <m:f>
-                      <m:fPr>
-                        <m:ctrlPr>
-                          <a:rPr lang="en-US" b="0" i="1" smtClean="0">
-                            <a:latin typeface="Cambria Math" panose="02040503050406030204" pitchFamily="18" charset="0"/>
-                          </a:rPr>
-                        </m:ctrlPr>
-                      </m:fPr>
-                      <m:num>
-                        <m:r>
-                          <a:rPr lang="en-US" b="0" i="1" smtClean="0">
-                            <a:latin typeface="Cambria Math" panose="02040503050406030204" pitchFamily="18" charset="0"/>
-                          </a:rPr>
-                          <m:t>𝑛</m:t>
-                        </m:r>
-                        <m:r>
-                          <a:rPr lang="en-US" b="0" i="1" smtClean="0">
-                            <a:latin typeface="Cambria Math" panose="02040503050406030204" pitchFamily="18" charset="0"/>
-                          </a:rPr>
-                          <m:t>𝜋</m:t>
-                        </m:r>
-                      </m:num>
-                      <m:den>
-                        <m:r>
-                          <a:rPr lang="en-US" b="0" i="1" smtClean="0">
-                            <a:latin typeface="Cambria Math" panose="02040503050406030204" pitchFamily="18" charset="0"/>
-                          </a:rPr>
-                          <m:t>2</m:t>
-                        </m:r>
-                      </m:den>
-                    </m:f>
-                    <m:r>
-                      <a:rPr lang="en-US" b="0" i="1" smtClean="0">
-                        <a:latin typeface="Cambria Math" panose="02040503050406030204" pitchFamily="18" charset="0"/>
-                      </a:rPr>
-                      <m:t>→</m:t>
-                    </m:r>
-                    <m:sSubSup>
-                      <m:sSubSupPr>
-                        <m:ctrlPr>
-                          <a:rPr lang="en-US" b="0" i="1" smtClean="0">
-                            <a:latin typeface="Cambria Math" panose="02040503050406030204" pitchFamily="18" charset="0"/>
-                          </a:rPr>
-                        </m:ctrlPr>
-                      </m:sSubSupPr>
-                      <m:e>
-                        <m:r>
-                          <a:rPr lang="en-US" b="0" i="1" smtClean="0">
-                            <a:latin typeface="Cambria Math" panose="02040503050406030204" pitchFamily="18" charset="0"/>
-                          </a:rPr>
-                          <m:t>𝛾</m:t>
-                        </m:r>
-                      </m:e>
-                      <m:sub>
-                        <m:r>
-                          <a:rPr lang="en-US" b="0" i="1" smtClean="0">
-                            <a:latin typeface="Cambria Math" panose="02040503050406030204" pitchFamily="18" charset="0"/>
-                          </a:rPr>
-                          <m:t>𝑖𝑗</m:t>
-                        </m:r>
-                      </m:sub>
-                      <m:sup>
-                        <m:r>
-                          <a:rPr lang="en-US" b="0" i="1" smtClean="0">
-                            <a:latin typeface="Cambria Math" panose="02040503050406030204" pitchFamily="18" charset="0"/>
-                          </a:rPr>
-                          <m:t>′</m:t>
-                        </m:r>
-                      </m:sup>
-                    </m:sSubSup>
-                    <m:r>
-                      <a:rPr lang="en-US" b="0" i="1" smtClean="0">
-                        <a:latin typeface="Cambria Math" panose="02040503050406030204" pitchFamily="18" charset="0"/>
-                      </a:rPr>
-                      <m:t>=0 </m:t>
-                    </m:r>
-                    <m:r>
-                      <a:rPr lang="en-US" b="0" i="1" smtClean="0">
-                        <a:latin typeface="Cambria Math" panose="02040503050406030204" pitchFamily="18" charset="0"/>
-                      </a:rPr>
-                      <m:t>𝑜𝑟</m:t>
-                    </m:r>
-                    <m:r>
-                      <a:rPr lang="en-US" b="0" i="1" smtClean="0">
-                        <a:latin typeface="Cambria Math" panose="02040503050406030204" pitchFamily="18" charset="0"/>
-                      </a:rPr>
-                      <m:t>±1→</m:t>
-                    </m:r>
-                    <m:sSub>
-                      <m:sSubPr>
-                        <m:ctrlPr>
-                          <a:rPr lang="en-US" b="0" i="1" smtClean="0">
-                            <a:latin typeface="Cambria Math" panose="02040503050406030204" pitchFamily="18" charset="0"/>
-                          </a:rPr>
-                        </m:ctrlPr>
-                      </m:sSubPr>
-                      <m:e>
-                        <m:r>
-                          <a:rPr lang="en-US" b="0" i="1" smtClean="0">
-                            <a:latin typeface="Cambria Math" panose="02040503050406030204" pitchFamily="18" charset="0"/>
-                          </a:rPr>
-                          <m:t>𝛾</m:t>
-                        </m:r>
-                      </m:e>
-                      <m:sub>
-                        <m:r>
-                          <a:rPr lang="en-US" b="0" i="1" smtClean="0">
-                            <a:latin typeface="Cambria Math" panose="02040503050406030204" pitchFamily="18" charset="0"/>
-                          </a:rPr>
-                          <m:t>𝑖𝑗</m:t>
-                        </m:r>
-                      </m:sub>
-                    </m:sSub>
-                    <m:r>
-                      <a:rPr lang="en-US" b="0" i="1" smtClean="0">
-                        <a:latin typeface="Cambria Math" panose="02040503050406030204" pitchFamily="18" charset="0"/>
-                      </a:rPr>
-                      <m:t>=0</m:t>
-                    </m:r>
-                  </m:oMath>
-                </a14:m>
-                <a:endParaRPr lang="en-US" dirty="0"/>
-              </a:p>
-            </p:txBody>
-          </p:sp>
-        </mc:Choice>
-        <mc:Fallback xmlns="">
-          <p:sp>
-            <p:nvSpPr>
-              <p:cNvPr id="5" name="TextBox 4">
-                <a:extLst>
-                  <a:ext uri="{FF2B5EF4-FFF2-40B4-BE49-F238E27FC236}">
-                    <a16:creationId xmlns:a16="http://schemas.microsoft.com/office/drawing/2014/main" id="{45BDAFCD-E99B-49AD-B260-3C1818E6A443}"/>
-                  </a:ext>
-                </a:extLst>
-              </p:cNvPr>
-              <p:cNvSpPr txBox="1">
-                <a:spLocks noRot="1" noChangeAspect="1" noMove="1" noResize="1" noEditPoints="1" noAdjustHandles="1" noChangeArrowheads="1" noChangeShapeType="1" noTextEdit="1"/>
-              </p:cNvSpPr>
-              <p:nvPr/>
-            </p:nvSpPr>
-            <p:spPr>
-              <a:xfrm>
-                <a:off x="838200" y="3061982"/>
-                <a:ext cx="5215915" cy="461473"/>
-              </a:xfrm>
-              <a:prstGeom prst="rect">
-                <a:avLst/>
-              </a:prstGeom>
-              <a:blipFill>
-                <a:blip r:embed="rId2"/>
-                <a:stretch>
-                  <a:fillRect l="-1053" b="-7895"/>
-                </a:stretch>
-              </a:blipFill>
-            </p:spPr>
-            <p:txBody>
-              <a:bodyPr/>
-              <a:lstStyle/>
-              <a:p>
-                <a:r>
-                  <a:rPr lang="en-US">
-                    <a:noFill/>
-                  </a:rPr>
-                  <a:t> </a:t>
-                </a:r>
-              </a:p>
-            </p:txBody>
-          </p:sp>
-        </mc:Fallback>
-      </mc:AlternateContent>
-    </p:spTree>
-    <p:extLst>
-      <p:ext uri="{BB962C8B-B14F-4D97-AF65-F5344CB8AC3E}">
-        <p14:creationId xmlns:p14="http://schemas.microsoft.com/office/powerpoint/2010/main" val="2348086398"/>
       </p:ext>
     </p:extLst>
   </p:cSld>
@@ -15749,6 +15751,502 @@
           <a:chExt cx="0" cy="0"/>
         </a:xfrm>
       </p:grpSpPr>
+      <p:sp>
+        <p:nvSpPr>
+          <p:cNvPr id="2" name="Title 1">
+            <a:extLst>
+              <a:ext uri="{FF2B5EF4-FFF2-40B4-BE49-F238E27FC236}">
+                <a16:creationId xmlns:a16="http://schemas.microsoft.com/office/drawing/2014/main" id="{439BE43A-EDC6-440A-8E76-B587AB82BEA7}"/>
+              </a:ext>
+            </a:extLst>
+          </p:cNvPr>
+          <p:cNvSpPr>
+            <a:spLocks noGrp="1"/>
+          </p:cNvSpPr>
+          <p:nvPr>
+            <p:ph type="title"/>
+          </p:nvPr>
+        </p:nvSpPr>
+        <p:spPr/>
+        <p:txBody>
+          <a:bodyPr/>
+          <a:lstStyle/>
+          <a:p>
+            <a:endParaRPr lang="en-US"/>
+          </a:p>
+        </p:txBody>
+      </p:sp>
+      <p:graphicFrame>
+        <p:nvGraphicFramePr>
+          <p:cNvPr id="4" name="Content Placeholder 3">
+            <a:extLst>
+              <a:ext uri="{FF2B5EF4-FFF2-40B4-BE49-F238E27FC236}">
+                <a16:creationId xmlns:a16="http://schemas.microsoft.com/office/drawing/2014/main" id="{C6F8E5CA-B8E0-4E55-B366-BEE07623C12F}"/>
+              </a:ext>
+            </a:extLst>
+          </p:cNvPr>
+          <p:cNvGraphicFramePr>
+            <a:graphicFrameLocks noGrp="1"/>
+          </p:cNvGraphicFramePr>
+          <p:nvPr>
+            <p:ph idx="1"/>
+            <p:extLst>
+              <p:ext uri="{D42A27DB-BD31-4B8C-83A1-F6EECF244321}">
+                <p14:modId xmlns:p14="http://schemas.microsoft.com/office/powerpoint/2010/main" val="3222800067"/>
+              </p:ext>
+            </p:extLst>
+          </p:nvPr>
+        </p:nvGraphicFramePr>
+        <p:xfrm>
+          <a:off x="838200" y="1825625"/>
+          <a:ext cx="3238850" cy="731520"/>
+        </p:xfrm>
+        <a:graphic>
+          <a:graphicData uri="http://schemas.openxmlformats.org/drawingml/2006/table">
+            <a:tbl>
+              <a:tblPr firstRow="1" bandRow="1">
+                <a:tableStyleId>{5940675A-B579-460E-94D1-54222C63F5DA}</a:tableStyleId>
+              </a:tblPr>
+              <a:tblGrid>
+                <a:gridCol w="1619425">
+                  <a:extLst>
+                    <a:ext uri="{9D8B030D-6E8A-4147-A177-3AD203B41FA5}">
+                      <a16:colId xmlns:a16="http://schemas.microsoft.com/office/drawing/2014/main" val="3005177339"/>
+                    </a:ext>
+                  </a:extLst>
+                </a:gridCol>
+                <a:gridCol w="1619425">
+                  <a:extLst>
+                    <a:ext uri="{9D8B030D-6E8A-4147-A177-3AD203B41FA5}">
+                      <a16:colId xmlns:a16="http://schemas.microsoft.com/office/drawing/2014/main" val="3953555935"/>
+                    </a:ext>
+                  </a:extLst>
+                </a:gridCol>
+              </a:tblGrid>
+              <a:tr h="236479">
+                <a:tc>
+                  <a:txBody>
+                    <a:bodyPr/>
+                    <a:lstStyle/>
+                    <a:p>
+                      <a:r>
+                        <a:rPr lang="en-US" dirty="0"/>
+                        <a:t>Cos(2ri)</a:t>
+                      </a:r>
+                    </a:p>
+                  </a:txBody>
+                  <a:tcPr/>
+                </a:tc>
+                <a:tc>
+                  <a:txBody>
+                    <a:bodyPr/>
+                    <a:lstStyle/>
+                    <a:p>
+                      <a:r>
+                        <a:rPr lang="en-US" dirty="0"/>
+                        <a:t>Cos(</a:t>
+                      </a:r>
+                      <a:r>
+                        <a:rPr lang="en-US" dirty="0" err="1"/>
+                        <a:t>ri+rj</a:t>
+                      </a:r>
+                      <a:r>
+                        <a:rPr lang="en-US" dirty="0"/>
+                        <a:t>)</a:t>
+                      </a:r>
+                    </a:p>
+                  </a:txBody>
+                  <a:tcPr/>
+                </a:tc>
+                <a:extLst>
+                  <a:ext uri="{0D108BD9-81ED-4DB2-BD59-A6C34878D82A}">
+                    <a16:rowId xmlns:a16="http://schemas.microsoft.com/office/drawing/2014/main" val="3624501296"/>
+                  </a:ext>
+                </a:extLst>
+              </a:tr>
+              <a:tr h="236479">
+                <a:tc>
+                  <a:txBody>
+                    <a:bodyPr/>
+                    <a:lstStyle/>
+                    <a:p>
+                      <a:r>
+                        <a:rPr lang="en-US" dirty="0"/>
+                        <a:t>1</a:t>
+                      </a:r>
+                    </a:p>
+                  </a:txBody>
+                  <a:tcPr/>
+                </a:tc>
+                <a:tc>
+                  <a:txBody>
+                    <a:bodyPr/>
+                    <a:lstStyle/>
+                    <a:p>
+                      <a:r>
+                        <a:rPr lang="en-US" dirty="0"/>
+                        <a:t>Cos(</a:t>
+                      </a:r>
+                      <a:r>
+                        <a:rPr lang="en-US" dirty="0" err="1"/>
+                        <a:t>ri-rj</a:t>
+                      </a:r>
+                      <a:r>
+                        <a:rPr lang="en-US" dirty="0"/>
+                        <a:t>)</a:t>
+                      </a:r>
+                    </a:p>
+                  </a:txBody>
+                  <a:tcPr/>
+                </a:tc>
+                <a:extLst>
+                  <a:ext uri="{0D108BD9-81ED-4DB2-BD59-A6C34878D82A}">
+                    <a16:rowId xmlns:a16="http://schemas.microsoft.com/office/drawing/2014/main" val="3145824418"/>
+                  </a:ext>
+                </a:extLst>
+              </a:tr>
+            </a:tbl>
+          </a:graphicData>
+        </a:graphic>
+      </p:graphicFrame>
+      <mc:AlternateContent xmlns:mc="http://schemas.openxmlformats.org/markup-compatibility/2006" xmlns:a14="http://schemas.microsoft.com/office/drawing/2010/main">
+        <mc:Choice Requires="a14">
+          <p:sp>
+            <p:nvSpPr>
+              <p:cNvPr id="5" name="TextBox 4">
+                <a:extLst>
+                  <a:ext uri="{FF2B5EF4-FFF2-40B4-BE49-F238E27FC236}">
+                    <a16:creationId xmlns:a16="http://schemas.microsoft.com/office/drawing/2014/main" id="{45BDAFCD-E99B-49AD-B260-3C1818E6A443}"/>
+                  </a:ext>
+                </a:extLst>
+              </p:cNvPr>
+              <p:cNvSpPr txBox="1"/>
+              <p:nvPr/>
+            </p:nvSpPr>
+            <p:spPr>
+              <a:xfrm>
+                <a:off x="838200" y="3061982"/>
+                <a:ext cx="5215915" cy="461473"/>
+              </a:xfrm>
+              <a:prstGeom prst="rect">
+                <a:avLst/>
+              </a:prstGeom>
+              <a:noFill/>
+            </p:spPr>
+            <p:txBody>
+              <a:bodyPr wrap="none" rtlCol="0">
+                <a:spAutoFit/>
+              </a:bodyPr>
+              <a:lstStyle/>
+              <a:p>
+                <a:r>
+                  <a:rPr lang="en-US" dirty="0"/>
+                  <a:t>1, </a:t>
+                </a:r>
+                <a14:m>
+                  <m:oMath xmlns:m="http://schemas.openxmlformats.org/officeDocument/2006/math">
+                    <m:sSubSup>
+                      <m:sSubSupPr>
+                        <m:ctrlPr>
+                          <a:rPr lang="en-US" b="0" i="1" smtClean="0">
+                            <a:latin typeface="Cambria Math" panose="02040503050406030204" pitchFamily="18" charset="0"/>
+                          </a:rPr>
+                        </m:ctrlPr>
+                      </m:sSubSupPr>
+                      <m:e>
+                        <m:r>
+                          <a:rPr lang="en-US" b="0" i="1" smtClean="0">
+                            <a:latin typeface="Cambria Math" panose="02040503050406030204" pitchFamily="18" charset="0"/>
+                          </a:rPr>
+                          <m:t>𝛾</m:t>
+                        </m:r>
+                      </m:e>
+                      <m:sub>
+                        <m:r>
+                          <a:rPr lang="en-US" b="0" i="1" smtClean="0">
+                            <a:latin typeface="Cambria Math" panose="02040503050406030204" pitchFamily="18" charset="0"/>
+                          </a:rPr>
+                          <m:t>𝑖𝑖</m:t>
+                        </m:r>
+                      </m:sub>
+                      <m:sup>
+                        <m:r>
+                          <a:rPr lang="en-US" b="0" i="1" smtClean="0">
+                            <a:latin typeface="Cambria Math" panose="02040503050406030204" pitchFamily="18" charset="0"/>
+                          </a:rPr>
+                          <m:t>′</m:t>
+                        </m:r>
+                      </m:sup>
+                    </m:sSubSup>
+                    <m:r>
+                      <a:rPr lang="en-US" b="0" i="1" smtClean="0">
+                        <a:latin typeface="Cambria Math" panose="02040503050406030204" pitchFamily="18" charset="0"/>
+                      </a:rPr>
+                      <m:t>=0→</m:t>
+                    </m:r>
+                    <m:sSub>
+                      <m:sSubPr>
+                        <m:ctrlPr>
+                          <a:rPr lang="en-US" b="0" i="1" smtClean="0">
+                            <a:latin typeface="Cambria Math" panose="02040503050406030204" pitchFamily="18" charset="0"/>
+                          </a:rPr>
+                        </m:ctrlPr>
+                      </m:sSubPr>
+                      <m:e>
+                        <m:r>
+                          <a:rPr lang="en-US" b="0" i="1" smtClean="0">
+                            <a:latin typeface="Cambria Math" panose="02040503050406030204" pitchFamily="18" charset="0"/>
+                          </a:rPr>
+                          <m:t>𝑟</m:t>
+                        </m:r>
+                      </m:e>
+                      <m:sub>
+                        <m:r>
+                          <a:rPr lang="en-US" b="0" i="1" smtClean="0">
+                            <a:latin typeface="Cambria Math" panose="02040503050406030204" pitchFamily="18" charset="0"/>
+                          </a:rPr>
+                          <m:t>𝑖</m:t>
+                        </m:r>
+                      </m:sub>
+                    </m:sSub>
+                    <m:r>
+                      <a:rPr lang="en-US" b="0" i="1" smtClean="0">
+                        <a:latin typeface="Cambria Math" panose="02040503050406030204" pitchFamily="18" charset="0"/>
+                      </a:rPr>
+                      <m:t>=</m:t>
+                    </m:r>
+                    <m:f>
+                      <m:fPr>
+                        <m:ctrlPr>
+                          <a:rPr lang="en-US" b="0" i="1" smtClean="0">
+                            <a:latin typeface="Cambria Math" panose="02040503050406030204" pitchFamily="18" charset="0"/>
+                          </a:rPr>
+                        </m:ctrlPr>
+                      </m:fPr>
+                      <m:num>
+                        <m:r>
+                          <a:rPr lang="en-US" b="0" i="1" smtClean="0">
+                            <a:latin typeface="Cambria Math" panose="02040503050406030204" pitchFamily="18" charset="0"/>
+                          </a:rPr>
+                          <m:t>𝜋</m:t>
+                        </m:r>
+                      </m:num>
+                      <m:den>
+                        <m:r>
+                          <a:rPr lang="en-US" b="0" i="1" smtClean="0">
+                            <a:latin typeface="Cambria Math" panose="02040503050406030204" pitchFamily="18" charset="0"/>
+                          </a:rPr>
+                          <m:t>4</m:t>
+                        </m:r>
+                      </m:den>
+                    </m:f>
+                    <m:r>
+                      <a:rPr lang="en-US" b="0" i="1" smtClean="0">
+                        <a:latin typeface="Cambria Math" panose="02040503050406030204" pitchFamily="18" charset="0"/>
+                      </a:rPr>
+                      <m:t>+</m:t>
+                    </m:r>
+                    <m:f>
+                      <m:fPr>
+                        <m:ctrlPr>
+                          <a:rPr lang="en-US" b="0" i="1" smtClean="0">
+                            <a:latin typeface="Cambria Math" panose="02040503050406030204" pitchFamily="18" charset="0"/>
+                          </a:rPr>
+                        </m:ctrlPr>
+                      </m:fPr>
+                      <m:num>
+                        <m:r>
+                          <a:rPr lang="en-US" b="0" i="1" smtClean="0">
+                            <a:latin typeface="Cambria Math" panose="02040503050406030204" pitchFamily="18" charset="0"/>
+                          </a:rPr>
+                          <m:t>𝑛</m:t>
+                        </m:r>
+                        <m:r>
+                          <a:rPr lang="en-US" b="0" i="1" smtClean="0">
+                            <a:latin typeface="Cambria Math" panose="02040503050406030204" pitchFamily="18" charset="0"/>
+                          </a:rPr>
+                          <m:t>𝜋</m:t>
+                        </m:r>
+                      </m:num>
+                      <m:den>
+                        <m:r>
+                          <a:rPr lang="en-US" b="0" i="1" smtClean="0">
+                            <a:latin typeface="Cambria Math" panose="02040503050406030204" pitchFamily="18" charset="0"/>
+                          </a:rPr>
+                          <m:t>2</m:t>
+                        </m:r>
+                      </m:den>
+                    </m:f>
+                    <m:r>
+                      <a:rPr lang="en-US" b="0" i="1" smtClean="0">
+                        <a:latin typeface="Cambria Math" panose="02040503050406030204" pitchFamily="18" charset="0"/>
+                      </a:rPr>
+                      <m:t>→</m:t>
+                    </m:r>
+                    <m:sSubSup>
+                      <m:sSubSupPr>
+                        <m:ctrlPr>
+                          <a:rPr lang="en-US" b="0" i="1" smtClean="0">
+                            <a:latin typeface="Cambria Math" panose="02040503050406030204" pitchFamily="18" charset="0"/>
+                          </a:rPr>
+                        </m:ctrlPr>
+                      </m:sSubSupPr>
+                      <m:e>
+                        <m:r>
+                          <a:rPr lang="en-US" b="0" i="1" smtClean="0">
+                            <a:latin typeface="Cambria Math" panose="02040503050406030204" pitchFamily="18" charset="0"/>
+                          </a:rPr>
+                          <m:t>𝛾</m:t>
+                        </m:r>
+                      </m:e>
+                      <m:sub>
+                        <m:r>
+                          <a:rPr lang="en-US" b="0" i="1" smtClean="0">
+                            <a:latin typeface="Cambria Math" panose="02040503050406030204" pitchFamily="18" charset="0"/>
+                          </a:rPr>
+                          <m:t>𝑖𝑗</m:t>
+                        </m:r>
+                      </m:sub>
+                      <m:sup>
+                        <m:r>
+                          <a:rPr lang="en-US" b="0" i="1" smtClean="0">
+                            <a:latin typeface="Cambria Math" panose="02040503050406030204" pitchFamily="18" charset="0"/>
+                          </a:rPr>
+                          <m:t>′</m:t>
+                        </m:r>
+                      </m:sup>
+                    </m:sSubSup>
+                    <m:r>
+                      <a:rPr lang="en-US" b="0" i="1" smtClean="0">
+                        <a:latin typeface="Cambria Math" panose="02040503050406030204" pitchFamily="18" charset="0"/>
+                      </a:rPr>
+                      <m:t>=0 </m:t>
+                    </m:r>
+                    <m:r>
+                      <a:rPr lang="en-US" b="0" i="1" smtClean="0">
+                        <a:latin typeface="Cambria Math" panose="02040503050406030204" pitchFamily="18" charset="0"/>
+                      </a:rPr>
+                      <m:t>𝑜𝑟</m:t>
+                    </m:r>
+                    <m:r>
+                      <a:rPr lang="en-US" b="0" i="1" smtClean="0">
+                        <a:latin typeface="Cambria Math" panose="02040503050406030204" pitchFamily="18" charset="0"/>
+                      </a:rPr>
+                      <m:t>±1→</m:t>
+                    </m:r>
+                    <m:sSub>
+                      <m:sSubPr>
+                        <m:ctrlPr>
+                          <a:rPr lang="en-US" b="0" i="1" smtClean="0">
+                            <a:latin typeface="Cambria Math" panose="02040503050406030204" pitchFamily="18" charset="0"/>
+                          </a:rPr>
+                        </m:ctrlPr>
+                      </m:sSubPr>
+                      <m:e>
+                        <m:r>
+                          <a:rPr lang="en-US" b="0" i="1" smtClean="0">
+                            <a:latin typeface="Cambria Math" panose="02040503050406030204" pitchFamily="18" charset="0"/>
+                          </a:rPr>
+                          <m:t>𝛾</m:t>
+                        </m:r>
+                      </m:e>
+                      <m:sub>
+                        <m:r>
+                          <a:rPr lang="en-US" b="0" i="1" smtClean="0">
+                            <a:latin typeface="Cambria Math" panose="02040503050406030204" pitchFamily="18" charset="0"/>
+                          </a:rPr>
+                          <m:t>𝑖𝑗</m:t>
+                        </m:r>
+                      </m:sub>
+                    </m:sSub>
+                    <m:r>
+                      <a:rPr lang="en-US" b="0" i="1" smtClean="0">
+                        <a:latin typeface="Cambria Math" panose="02040503050406030204" pitchFamily="18" charset="0"/>
+                      </a:rPr>
+                      <m:t>=0</m:t>
+                    </m:r>
+                  </m:oMath>
+                </a14:m>
+                <a:endParaRPr lang="en-US" dirty="0"/>
+              </a:p>
+            </p:txBody>
+          </p:sp>
+        </mc:Choice>
+        <mc:Fallback xmlns="">
+          <p:sp>
+            <p:nvSpPr>
+              <p:cNvPr id="5" name="TextBox 4">
+                <a:extLst>
+                  <a:ext uri="{FF2B5EF4-FFF2-40B4-BE49-F238E27FC236}">
+                    <a16:creationId xmlns:a16="http://schemas.microsoft.com/office/drawing/2014/main" id="{45BDAFCD-E99B-49AD-B260-3C1818E6A443}"/>
+                  </a:ext>
+                </a:extLst>
+              </p:cNvPr>
+              <p:cNvSpPr txBox="1">
+                <a:spLocks noRot="1" noChangeAspect="1" noMove="1" noResize="1" noEditPoints="1" noAdjustHandles="1" noChangeArrowheads="1" noChangeShapeType="1" noTextEdit="1"/>
+              </p:cNvSpPr>
+              <p:nvPr/>
+            </p:nvSpPr>
+            <p:spPr>
+              <a:xfrm>
+                <a:off x="838200" y="3061982"/>
+                <a:ext cx="5215915" cy="461473"/>
+              </a:xfrm>
+              <a:prstGeom prst="rect">
+                <a:avLst/>
+              </a:prstGeom>
+              <a:blipFill>
+                <a:blip r:embed="rId2"/>
+                <a:stretch>
+                  <a:fillRect l="-1053" b="-7895"/>
+                </a:stretch>
+              </a:blipFill>
+            </p:spPr>
+            <p:txBody>
+              <a:bodyPr/>
+              <a:lstStyle/>
+              <a:p>
+                <a:r>
+                  <a:rPr lang="en-US">
+                    <a:noFill/>
+                  </a:rPr>
+                  <a:t> </a:t>
+                </a:r>
+              </a:p>
+            </p:txBody>
+          </p:sp>
+        </mc:Fallback>
+      </mc:AlternateContent>
+    </p:spTree>
+    <p:extLst>
+      <p:ext uri="{BB962C8B-B14F-4D97-AF65-F5344CB8AC3E}">
+        <p14:creationId xmlns:p14="http://schemas.microsoft.com/office/powerpoint/2010/main" val="2348086398"/>
+      </p:ext>
+    </p:extLst>
+  </p:cSld>
+  <p:clrMapOvr>
+    <a:masterClrMapping/>
+  </p:clrMapOvr>
+</p:sld>
+</file>
+
+<file path=ppt/slides/slide21.xml><?xml version="1.0" encoding="utf-8"?>
+<p:sld xmlns:a="http://schemas.openxmlformats.org/drawingml/2006/main" xmlns:r="http://schemas.openxmlformats.org/officeDocument/2006/relationships" xmlns:p="http://schemas.openxmlformats.org/presentationml/2006/main">
+  <p:cSld>
+    <p:spTree>
+      <p:nvGrpSpPr>
+        <p:cNvPr id="1" name=""/>
+        <p:cNvGrpSpPr/>
+        <p:nvPr/>
+      </p:nvGrpSpPr>
+      <p:grpSpPr>
+        <a:xfrm>
+          <a:off x="0" y="0"/>
+          <a:ext cx="0" cy="0"/>
+          <a:chOff x="0" y="0"/>
+          <a:chExt cx="0" cy="0"/>
+        </a:xfrm>
+      </p:grpSpPr>
       <p:cxnSp>
         <p:nvCxnSpPr>
           <p:cNvPr id="4" name="Straight Connector 3">
@@ -17518,7 +18016,7 @@
 </p:sld>
 </file>
 
-<file path=ppt/slides/slide21.xml><?xml version="1.0" encoding="utf-8"?>
+<file path=ppt/slides/slide22.xml><?xml version="1.0" encoding="utf-8"?>
 <p:sld xmlns:a="http://schemas.openxmlformats.org/drawingml/2006/main" xmlns:r="http://schemas.openxmlformats.org/officeDocument/2006/relationships" xmlns:p="http://schemas.openxmlformats.org/presentationml/2006/main">
   <p:cSld>
     <p:spTree>
@@ -17865,8 +18363,8 @@
           </a:p>
         </p:txBody>
       </p:sp>
-      <mc:AlternateContent xmlns:mc="http://schemas.openxmlformats.org/markup-compatibility/2006">
-        <mc:Choice xmlns:a14="http://schemas.microsoft.com/office/drawing/2010/main" Requires="a14">
+      <mc:AlternateContent xmlns:mc="http://schemas.openxmlformats.org/markup-compatibility/2006" xmlns:a14="http://schemas.microsoft.com/office/drawing/2010/main">
+        <mc:Choice Requires="a14">
           <p:sp>
             <p:nvSpPr>
               <p:cNvPr id="7" name="TextBox 6">
@@ -17895,7 +18393,6 @@
               </a:bodyPr>
               <a:lstStyle/>
               <a:p>
-                <a:pPr/>
                 <a14:m>
                   <m:oMath xmlns:m="http://schemas.openxmlformats.org/officeDocument/2006/math">
                     <m:sSubSup>
@@ -17980,7 +18477,7 @@
             </p:txBody>
           </p:sp>
         </mc:Choice>
-        <mc:Fallback>
+        <mc:Fallback xmlns="">
           <p:sp>
             <p:nvSpPr>
               <p:cNvPr id="7" name="TextBox 6">
@@ -19553,8 +20050,8 @@
           </a:prstGeom>
         </p:spPr>
       </p:pic>
-      <mc:AlternateContent xmlns:mc="http://schemas.openxmlformats.org/markup-compatibility/2006">
-        <mc:Choice xmlns:a14="http://schemas.microsoft.com/office/drawing/2010/main" Requires="a14">
+      <mc:AlternateContent xmlns:mc="http://schemas.openxmlformats.org/markup-compatibility/2006" xmlns:a14="http://schemas.microsoft.com/office/drawing/2010/main">
+        <mc:Choice Requires="a14">
           <p:sp>
             <p:nvSpPr>
               <p:cNvPr id="9" name="Rectangle 8">
@@ -19703,7 +20200,7 @@
             </p:txBody>
           </p:sp>
         </mc:Choice>
-        <mc:Fallback>
+        <mc:Fallback xmlns="">
           <p:sp>
             <p:nvSpPr>
               <p:cNvPr id="9" name="Rectangle 8">
@@ -24542,4 +25039,299 @@
     </a:ext>
   </a:extLst>
 </a:theme>
+</file>
+
+<file path=ppt/theme/theme2.xml><?xml version="1.0" encoding="utf-8"?>
+<a:theme xmlns:a="http://schemas.openxmlformats.org/drawingml/2006/main" name="Office Theme">
+  <a:themeElements>
+    <a:clrScheme name="Office">
+      <a:dk1>
+        <a:sysClr val="windowText" lastClr="000000"/>
+      </a:dk1>
+      <a:lt1>
+        <a:sysClr val="window" lastClr="FFFFFF"/>
+      </a:lt1>
+      <a:dk2>
+        <a:srgbClr val="44546A"/>
+      </a:dk2>
+      <a:lt2>
+        <a:srgbClr val="E7E6E6"/>
+      </a:lt2>
+      <a:accent1>
+        <a:srgbClr val="4472C4"/>
+      </a:accent1>
+      <a:accent2>
+        <a:srgbClr val="ED7D31"/>
+      </a:accent2>
+      <a:accent3>
+        <a:srgbClr val="A5A5A5"/>
+      </a:accent3>
+      <a:accent4>
+        <a:srgbClr val="FFC000"/>
+      </a:accent4>
+      <a:accent5>
+        <a:srgbClr val="5B9BD5"/>
+      </a:accent5>
+      <a:accent6>
+        <a:srgbClr val="70AD47"/>
+      </a:accent6>
+      <a:hlink>
+        <a:srgbClr val="0563C1"/>
+      </a:hlink>
+      <a:folHlink>
+        <a:srgbClr val="954F72"/>
+      </a:folHlink>
+    </a:clrScheme>
+    <a:fontScheme name="Office">
+      <a:majorFont>
+        <a:latin typeface="Calibri Light" panose="020F0302020204030204"/>
+        <a:ea typeface=""/>
+        <a:cs typeface=""/>
+        <a:font script="Jpan" typeface="游ゴシック Light"/>
+        <a:font script="Hang" typeface="맑은 고딕"/>
+        <a:font script="Hans" typeface="等线 Light"/>
+        <a:font script="Hant" typeface="新細明體"/>
+        <a:font script="Arab" typeface="Times New Roman"/>
+        <a:font script="Hebr" typeface="Times New Roman"/>
+        <a:font script="Thai" typeface="Angsana New"/>
+        <a:font script="Ethi" typeface="Nyala"/>
+        <a:font script="Beng" typeface="Vrinda"/>
+        <a:font script="Gujr" typeface="Shruti"/>
+        <a:font script="Khmr" typeface="MoolBoran"/>
+        <a:font script="Knda" typeface="Tunga"/>
+        <a:font script="Guru" typeface="Raavi"/>
+        <a:font script="Cans" typeface="Euphemia"/>
+        <a:font script="Cher" typeface="Plantagenet Cherokee"/>
+        <a:font script="Yiii" typeface="Microsoft Yi Baiti"/>
+        <a:font script="Tibt" typeface="Microsoft Himalaya"/>
+        <a:font script="Thaa" typeface="MV Boli"/>
+        <a:font script="Deva" typeface="Mangal"/>
+        <a:font script="Telu" typeface="Gautami"/>
+        <a:font script="Taml" typeface="Latha"/>
+        <a:font script="Syrc" typeface="Estrangelo Edessa"/>
+        <a:font script="Orya" typeface="Kalinga"/>
+        <a:font script="Mlym" typeface="Kartika"/>
+        <a:font script="Laoo" typeface="DokChampa"/>
+        <a:font script="Sinh" typeface="Iskoola Pota"/>
+        <a:font script="Mong" typeface="Mongolian Baiti"/>
+        <a:font script="Viet" typeface="Times New Roman"/>
+        <a:font script="Uigh" typeface="Microsoft Uighur"/>
+        <a:font script="Geor" typeface="Sylfaen"/>
+        <a:font script="Armn" typeface="Arial"/>
+        <a:font script="Bugi" typeface="Leelawadee UI"/>
+        <a:font script="Bopo" typeface="Microsoft JhengHei"/>
+        <a:font script="Java" typeface="Javanese Text"/>
+        <a:font script="Lisu" typeface="Segoe UI"/>
+        <a:font script="Mymr" typeface="Myanmar Text"/>
+        <a:font script="Nkoo" typeface="Ebrima"/>
+        <a:font script="Olck" typeface="Nirmala UI"/>
+        <a:font script="Osma" typeface="Ebrima"/>
+        <a:font script="Phag" typeface="Phagspa"/>
+        <a:font script="Syrn" typeface="Estrangelo Edessa"/>
+        <a:font script="Syrj" typeface="Estrangelo Edessa"/>
+        <a:font script="Syre" typeface="Estrangelo Edessa"/>
+        <a:font script="Sora" typeface="Nirmala UI"/>
+        <a:font script="Tale" typeface="Microsoft Tai Le"/>
+        <a:font script="Talu" typeface="Microsoft New Tai Lue"/>
+        <a:font script="Tfng" typeface="Ebrima"/>
+      </a:majorFont>
+      <a:minorFont>
+        <a:latin typeface="Calibri" panose="020F0502020204030204"/>
+        <a:ea typeface=""/>
+        <a:cs typeface=""/>
+        <a:font script="Jpan" typeface="游ゴシック"/>
+        <a:font script="Hang" typeface="맑은 고딕"/>
+        <a:font script="Hans" typeface="等线"/>
+        <a:font script="Hant" typeface="新細明體"/>
+        <a:font script="Arab" typeface="Arial"/>
+        <a:font script="Hebr" typeface="Arial"/>
+        <a:font script="Thai" typeface="Cordia New"/>
+        <a:font script="Ethi" typeface="Nyala"/>
+        <a:font script="Beng" typeface="Vrinda"/>
+        <a:font script="Gujr" typeface="Shruti"/>
+        <a:font script="Khmr" typeface="DaunPenh"/>
+        <a:font script="Knda" typeface="Tunga"/>
+        <a:font script="Guru" typeface="Raavi"/>
+        <a:font script="Cans" typeface="Euphemia"/>
+        <a:font script="Cher" typeface="Plantagenet Cherokee"/>
+        <a:font script="Yiii" typeface="Microsoft Yi Baiti"/>
+        <a:font script="Tibt" typeface="Microsoft Himalaya"/>
+        <a:font script="Thaa" typeface="MV Boli"/>
+        <a:font script="Deva" typeface="Mangal"/>
+        <a:font script="Telu" typeface="Gautami"/>
+        <a:font script="Taml" typeface="Latha"/>
+        <a:font script="Syrc" typeface="Estrangelo Edessa"/>
+        <a:font script="Orya" typeface="Kalinga"/>
+        <a:font script="Mlym" typeface="Kartika"/>
+        <a:font script="Laoo" typeface="DokChampa"/>
+        <a:font script="Sinh" typeface="Iskoola Pota"/>
+        <a:font script="Mong" typeface="Mongolian Baiti"/>
+        <a:font script="Viet" typeface="Arial"/>
+        <a:font script="Uigh" typeface="Microsoft Uighur"/>
+        <a:font script="Geor" typeface="Sylfaen"/>
+        <a:font script="Armn" typeface="Arial"/>
+        <a:font script="Bugi" typeface="Leelawadee UI"/>
+        <a:font script="Bopo" typeface="Microsoft JhengHei"/>
+        <a:font script="Java" typeface="Javanese Text"/>
+        <a:font script="Lisu" typeface="Segoe UI"/>
+        <a:font script="Mymr" typeface="Myanmar Text"/>
+        <a:font script="Nkoo" typeface="Ebrima"/>
+        <a:font script="Olck" typeface="Nirmala UI"/>
+        <a:font script="Osma" typeface="Ebrima"/>
+        <a:font script="Phag" typeface="Phagspa"/>
+        <a:font script="Syrn" typeface="Estrangelo Edessa"/>
+        <a:font script="Syrj" typeface="Estrangelo Edessa"/>
+        <a:font script="Syre" typeface="Estrangelo Edessa"/>
+        <a:font script="Sora" typeface="Nirmala UI"/>
+        <a:font script="Tale" typeface="Microsoft Tai Le"/>
+        <a:font script="Talu" typeface="Microsoft New Tai Lue"/>
+        <a:font script="Tfng" typeface="Ebrima"/>
+      </a:minorFont>
+    </a:fontScheme>
+    <a:fmtScheme name="Office">
+      <a:fillStyleLst>
+        <a:solidFill>
+          <a:schemeClr val="phClr"/>
+        </a:solidFill>
+        <a:gradFill rotWithShape="1">
+          <a:gsLst>
+            <a:gs pos="0">
+              <a:schemeClr val="phClr">
+                <a:lumMod val="110000"/>
+                <a:satMod val="105000"/>
+                <a:tint val="67000"/>
+              </a:schemeClr>
+            </a:gs>
+            <a:gs pos="50000">
+              <a:schemeClr val="phClr">
+                <a:lumMod val="105000"/>
+                <a:satMod val="103000"/>
+                <a:tint val="73000"/>
+              </a:schemeClr>
+            </a:gs>
+            <a:gs pos="100000">
+              <a:schemeClr val="phClr">
+                <a:lumMod val="105000"/>
+                <a:satMod val="109000"/>
+                <a:tint val="81000"/>
+              </a:schemeClr>
+            </a:gs>
+          </a:gsLst>
+          <a:lin ang="5400000" scaled="0"/>
+        </a:gradFill>
+        <a:gradFill rotWithShape="1">
+          <a:gsLst>
+            <a:gs pos="0">
+              <a:schemeClr val="phClr">
+                <a:satMod val="103000"/>
+                <a:lumMod val="102000"/>
+                <a:tint val="94000"/>
+              </a:schemeClr>
+            </a:gs>
+            <a:gs pos="50000">
+              <a:schemeClr val="phClr">
+                <a:satMod val="110000"/>
+                <a:lumMod val="100000"/>
+                <a:shade val="100000"/>
+              </a:schemeClr>
+            </a:gs>
+            <a:gs pos="100000">
+              <a:schemeClr val="phClr">
+                <a:lumMod val="99000"/>
+                <a:satMod val="120000"/>
+                <a:shade val="78000"/>
+              </a:schemeClr>
+            </a:gs>
+          </a:gsLst>
+          <a:lin ang="5400000" scaled="0"/>
+        </a:gradFill>
+      </a:fillStyleLst>
+      <a:lnStyleLst>
+        <a:ln w="6350" cap="flat" cmpd="sng" algn="ctr">
+          <a:solidFill>
+            <a:schemeClr val="phClr"/>
+          </a:solidFill>
+          <a:prstDash val="solid"/>
+          <a:miter lim="800000"/>
+        </a:ln>
+        <a:ln w="12700" cap="flat" cmpd="sng" algn="ctr">
+          <a:solidFill>
+            <a:schemeClr val="phClr"/>
+          </a:solidFill>
+          <a:prstDash val="solid"/>
+          <a:miter lim="800000"/>
+        </a:ln>
+        <a:ln w="19050" cap="flat" cmpd="sng" algn="ctr">
+          <a:solidFill>
+            <a:schemeClr val="phClr"/>
+          </a:solidFill>
+          <a:prstDash val="solid"/>
+          <a:miter lim="800000"/>
+        </a:ln>
+      </a:lnStyleLst>
+      <a:effectStyleLst>
+        <a:effectStyle>
+          <a:effectLst/>
+        </a:effectStyle>
+        <a:effectStyle>
+          <a:effectLst/>
+        </a:effectStyle>
+        <a:effectStyle>
+          <a:effectLst>
+            <a:outerShdw blurRad="57150" dist="19050" dir="5400000" algn="ctr" rotWithShape="0">
+              <a:srgbClr val="000000">
+                <a:alpha val="63000"/>
+              </a:srgbClr>
+            </a:outerShdw>
+          </a:effectLst>
+        </a:effectStyle>
+      </a:effectStyleLst>
+      <a:bgFillStyleLst>
+        <a:solidFill>
+          <a:schemeClr val="phClr"/>
+        </a:solidFill>
+        <a:solidFill>
+          <a:schemeClr val="phClr">
+            <a:tint val="95000"/>
+            <a:satMod val="170000"/>
+          </a:schemeClr>
+        </a:solidFill>
+        <a:gradFill rotWithShape="1">
+          <a:gsLst>
+            <a:gs pos="0">
+              <a:schemeClr val="phClr">
+                <a:tint val="93000"/>
+                <a:satMod val="150000"/>
+                <a:shade val="98000"/>
+                <a:lumMod val="102000"/>
+              </a:schemeClr>
+            </a:gs>
+            <a:gs pos="50000">
+              <a:schemeClr val="phClr">
+                <a:tint val="98000"/>
+                <a:satMod val="130000"/>
+                <a:shade val="90000"/>
+                <a:lumMod val="103000"/>
+              </a:schemeClr>
+            </a:gs>
+            <a:gs pos="100000">
+              <a:schemeClr val="phClr">
+                <a:shade val="63000"/>
+                <a:satMod val="120000"/>
+              </a:schemeClr>
+            </a:gs>
+          </a:gsLst>
+          <a:lin ang="5400000" scaled="0"/>
+        </a:gradFill>
+      </a:bgFillStyleLst>
+    </a:fmtScheme>
+  </a:themeElements>
+  <a:objectDefaults/>
+  <a:extraClrSchemeLst/>
+  <a:extLst>
+    <a:ext uri="{05A4C25C-085E-4340-85A3-A5531E510DB2}">
+      <thm15:themeFamily xmlns:thm15="http://schemas.microsoft.com/office/thememl/2012/main" name="Office Theme" id="{62F939B6-93AF-4DB8-9C6B-D6C7DFDC589F}" vid="{4A3C46E8-61CC-4603-A589-7422A47A8E4A}"/>
+    </a:ext>
+  </a:extLst>
+</a:theme>
 </file>
--- a/3-level.pptx
+++ b/3-level.pptx
@@ -136,6 +136,18 @@
 </p:presentation>
 </file>
 
+<file path=ppt/commentAuthors.xml><?xml version="1.0" encoding="utf-8"?>
+<p:cmAuthorLst xmlns:a="http://schemas.openxmlformats.org/drawingml/2006/main" xmlns:r="http://schemas.openxmlformats.org/officeDocument/2006/relationships" xmlns:p="http://schemas.openxmlformats.org/presentationml/2006/main">
+  <p:cmAuthor id="1" name="Jieyu You" initials="JY" lastIdx="1" clrIdx="0">
+    <p:extLst>
+      <p:ext uri="{19B8F6BF-5375-455C-9EA6-DF929625EA0E}">
+        <p15:presenceInfo xmlns:p15="http://schemas.microsoft.com/office/powerpoint/2012/main" userId="1d51df9180450c5f" providerId="Windows Live"/>
+      </p:ext>
+    </p:extLst>
+  </p:cmAuthor>
+</p:cmAuthorLst>
+</file>
+
 <file path=ppt/notesMasters/notesMaster1.xml><?xml version="1.0" encoding="utf-8"?>
 <p:notesMaster xmlns:a="http://schemas.openxmlformats.org/drawingml/2006/main" xmlns:r="http://schemas.openxmlformats.org/officeDocument/2006/relationships" xmlns:p="http://schemas.openxmlformats.org/presentationml/2006/main">
   <p:cSld>
@@ -218,7 +230,7 @@
           <a:p>
             <a:fld id="{D398D3D8-E180-45F1-973D-9CDE3FC68687}" type="datetimeFigureOut">
               <a:rPr lang="en-US" smtClean="0"/>
-              <a:t>9/19/2018</a:t>
+              <a:t>9/20/2018</a:t>
             </a:fld>
             <a:endParaRPr lang="en-US"/>
           </a:p>
@@ -540,6 +552,90 @@
             <a:spLocks noGrp="1"/>
           </p:cNvSpPr>
           <p:nvPr>
+            <p:ph type="sldNum" sz="quarter" idx="5"/>
+          </p:nvPr>
+        </p:nvSpPr>
+        <p:spPr/>
+        <p:txBody>
+          <a:bodyPr/>
+          <a:lstStyle/>
+          <a:p>
+            <a:fld id="{1FA194A6-28BC-4112-91F9-9CFC2A9249E9}" type="slidenum">
+              <a:rPr lang="en-US" smtClean="0"/>
+              <a:t>4</a:t>
+            </a:fld>
+            <a:endParaRPr lang="en-US"/>
+          </a:p>
+        </p:txBody>
+      </p:sp>
+    </p:spTree>
+    <p:extLst>
+      <p:ext uri="{BB962C8B-B14F-4D97-AF65-F5344CB8AC3E}">
+        <p14:creationId xmlns:p14="http://schemas.microsoft.com/office/powerpoint/2010/main" val="2191982076"/>
+      </p:ext>
+    </p:extLst>
+  </p:cSld>
+  <p:clrMapOvr>
+    <a:masterClrMapping/>
+  </p:clrMapOvr>
+</p:notes>
+</file>
+
+<file path=ppt/notesSlides/notesSlide2.xml><?xml version="1.0" encoding="utf-8"?>
+<p:notes xmlns:a="http://schemas.openxmlformats.org/drawingml/2006/main" xmlns:r="http://schemas.openxmlformats.org/officeDocument/2006/relationships" xmlns:p="http://schemas.openxmlformats.org/presentationml/2006/main">
+  <p:cSld>
+    <p:spTree>
+      <p:nvGrpSpPr>
+        <p:cNvPr id="1" name=""/>
+        <p:cNvGrpSpPr/>
+        <p:nvPr/>
+      </p:nvGrpSpPr>
+      <p:grpSpPr>
+        <a:xfrm>
+          <a:off x="0" y="0"/>
+          <a:ext cx="0" cy="0"/>
+          <a:chOff x="0" y="0"/>
+          <a:chExt cx="0" cy="0"/>
+        </a:xfrm>
+      </p:grpSpPr>
+      <p:sp>
+        <p:nvSpPr>
+          <p:cNvPr id="2" name="Slide Image Placeholder 1"/>
+          <p:cNvSpPr>
+            <a:spLocks noGrp="1" noRot="1" noChangeAspect="1"/>
+          </p:cNvSpPr>
+          <p:nvPr>
+            <p:ph type="sldImg"/>
+          </p:nvPr>
+        </p:nvSpPr>
+        <p:spPr/>
+      </p:sp>
+      <p:sp>
+        <p:nvSpPr>
+          <p:cNvPr id="3" name="Notes Placeholder 2"/>
+          <p:cNvSpPr>
+            <a:spLocks noGrp="1"/>
+          </p:cNvSpPr>
+          <p:nvPr>
+            <p:ph type="body" idx="1"/>
+          </p:nvPr>
+        </p:nvSpPr>
+        <p:spPr/>
+        <p:txBody>
+          <a:bodyPr/>
+          <a:lstStyle/>
+          <a:p>
+            <a:endParaRPr lang="en-US" dirty="0"/>
+          </a:p>
+        </p:txBody>
+      </p:sp>
+      <p:sp>
+        <p:nvSpPr>
+          <p:cNvPr id="4" name="Slide Number Placeholder 3"/>
+          <p:cNvSpPr>
+            <a:spLocks noGrp="1"/>
+          </p:cNvSpPr>
+          <p:nvPr>
             <p:ph type="sldNum" sz="quarter" idx="10"/>
           </p:nvPr>
         </p:nvSpPr>
@@ -716,7 +812,7 @@
           <a:p>
             <a:fld id="{540C0B17-285F-4B24-A15E-231AC8C41BCD}" type="datetimeFigureOut">
               <a:rPr lang="en-US" smtClean="0"/>
-              <a:t>9/19/2018</a:t>
+              <a:t>9/20/2018</a:t>
             </a:fld>
             <a:endParaRPr lang="en-US"/>
           </a:p>
@@ -914,7 +1010,7 @@
           <a:p>
             <a:fld id="{540C0B17-285F-4B24-A15E-231AC8C41BCD}" type="datetimeFigureOut">
               <a:rPr lang="en-US" smtClean="0"/>
-              <a:t>9/19/2018</a:t>
+              <a:t>9/20/2018</a:t>
             </a:fld>
             <a:endParaRPr lang="en-US"/>
           </a:p>
@@ -1122,7 +1218,7 @@
           <a:p>
             <a:fld id="{540C0B17-285F-4B24-A15E-231AC8C41BCD}" type="datetimeFigureOut">
               <a:rPr lang="en-US" smtClean="0"/>
-              <a:t>9/19/2018</a:t>
+              <a:t>9/20/2018</a:t>
             </a:fld>
             <a:endParaRPr lang="en-US"/>
           </a:p>
@@ -1320,7 +1416,7 @@
           <a:p>
             <a:fld id="{540C0B17-285F-4B24-A15E-231AC8C41BCD}" type="datetimeFigureOut">
               <a:rPr lang="en-US" smtClean="0"/>
-              <a:t>9/19/2018</a:t>
+              <a:t>9/20/2018</a:t>
             </a:fld>
             <a:endParaRPr lang="en-US"/>
           </a:p>
@@ -1595,7 +1691,7 @@
           <a:p>
             <a:fld id="{540C0B17-285F-4B24-A15E-231AC8C41BCD}" type="datetimeFigureOut">
               <a:rPr lang="en-US" smtClean="0"/>
-              <a:t>9/19/2018</a:t>
+              <a:t>9/20/2018</a:t>
             </a:fld>
             <a:endParaRPr lang="en-US"/>
           </a:p>
@@ -1860,7 +1956,7 @@
           <a:p>
             <a:fld id="{540C0B17-285F-4B24-A15E-231AC8C41BCD}" type="datetimeFigureOut">
               <a:rPr lang="en-US" smtClean="0"/>
-              <a:t>9/19/2018</a:t>
+              <a:t>9/20/2018</a:t>
             </a:fld>
             <a:endParaRPr lang="en-US"/>
           </a:p>
@@ -2272,7 +2368,7 @@
           <a:p>
             <a:fld id="{540C0B17-285F-4B24-A15E-231AC8C41BCD}" type="datetimeFigureOut">
               <a:rPr lang="en-US" smtClean="0"/>
-              <a:t>9/19/2018</a:t>
+              <a:t>9/20/2018</a:t>
             </a:fld>
             <a:endParaRPr lang="en-US"/>
           </a:p>
@@ -2413,7 +2509,7 @@
           <a:p>
             <a:fld id="{540C0B17-285F-4B24-A15E-231AC8C41BCD}" type="datetimeFigureOut">
               <a:rPr lang="en-US" smtClean="0"/>
-              <a:t>9/19/2018</a:t>
+              <a:t>9/20/2018</a:t>
             </a:fld>
             <a:endParaRPr lang="en-US"/>
           </a:p>
@@ -2526,7 +2622,7 @@
           <a:p>
             <a:fld id="{540C0B17-285F-4B24-A15E-231AC8C41BCD}" type="datetimeFigureOut">
               <a:rPr lang="en-US" smtClean="0"/>
-              <a:t>9/19/2018</a:t>
+              <a:t>9/20/2018</a:t>
             </a:fld>
             <a:endParaRPr lang="en-US"/>
           </a:p>
@@ -2837,7 +2933,7 @@
           <a:p>
             <a:fld id="{540C0B17-285F-4B24-A15E-231AC8C41BCD}" type="datetimeFigureOut">
               <a:rPr lang="en-US" smtClean="0"/>
-              <a:t>9/19/2018</a:t>
+              <a:t>9/20/2018</a:t>
             </a:fld>
             <a:endParaRPr lang="en-US"/>
           </a:p>
@@ -3125,7 +3221,7 @@
           <a:p>
             <a:fld id="{540C0B17-285F-4B24-A15E-231AC8C41BCD}" type="datetimeFigureOut">
               <a:rPr lang="en-US" smtClean="0"/>
-              <a:t>9/19/2018</a:t>
+              <a:t>9/20/2018</a:t>
             </a:fld>
             <a:endParaRPr lang="en-US"/>
           </a:p>
@@ -3366,7 +3462,7 @@
           <a:p>
             <a:fld id="{540C0B17-285F-4B24-A15E-231AC8C41BCD}" type="datetimeFigureOut">
               <a:rPr lang="en-US" smtClean="0"/>
-              <a:t>9/19/2018</a:t>
+              <a:t>9/20/2018</a:t>
             </a:fld>
             <a:endParaRPr lang="en-US"/>
           </a:p>
@@ -4057,8 +4153,8 @@
           </a:fontRef>
         </p:style>
       </p:cxnSp>
-      <mc:AlternateContent xmlns:mc="http://schemas.openxmlformats.org/markup-compatibility/2006">
-        <mc:Choice xmlns:a14="http://schemas.microsoft.com/office/drawing/2010/main" Requires="a14">
+      <mc:AlternateContent xmlns:mc="http://schemas.openxmlformats.org/markup-compatibility/2006" xmlns:a14="http://schemas.microsoft.com/office/drawing/2010/main">
+        <mc:Choice Requires="a14">
           <p:sp>
             <p:nvSpPr>
               <p:cNvPr id="19" name="TextBox 18">
@@ -4127,7 +4223,7 @@
             </p:txBody>
           </p:sp>
         </mc:Choice>
-        <mc:Fallback>
+        <mc:Fallback xmlns="">
           <p:sp>
             <p:nvSpPr>
               <p:cNvPr id="19" name="TextBox 18">
@@ -4172,8 +4268,8 @@
           </p:sp>
         </mc:Fallback>
       </mc:AlternateContent>
-      <mc:AlternateContent xmlns:mc="http://schemas.openxmlformats.org/markup-compatibility/2006">
-        <mc:Choice xmlns:a14="http://schemas.microsoft.com/office/drawing/2010/main" Requires="a14">
+      <mc:AlternateContent xmlns:mc="http://schemas.openxmlformats.org/markup-compatibility/2006" xmlns:a14="http://schemas.microsoft.com/office/drawing/2010/main">
+        <mc:Choice Requires="a14">
           <p:sp>
             <p:nvSpPr>
               <p:cNvPr id="21" name="TextBox 20">
@@ -4242,7 +4338,7 @@
             </p:txBody>
           </p:sp>
         </mc:Choice>
-        <mc:Fallback>
+        <mc:Fallback xmlns="">
           <p:sp>
             <p:nvSpPr>
               <p:cNvPr id="21" name="TextBox 20">
@@ -4287,8 +4383,8 @@
           </p:sp>
         </mc:Fallback>
       </mc:AlternateContent>
-      <mc:AlternateContent xmlns:mc="http://schemas.openxmlformats.org/markup-compatibility/2006">
-        <mc:Choice xmlns:a14="http://schemas.microsoft.com/office/drawing/2010/main" Requires="a14">
+      <mc:AlternateContent xmlns:mc="http://schemas.openxmlformats.org/markup-compatibility/2006" xmlns:a14="http://schemas.microsoft.com/office/drawing/2010/main">
+        <mc:Choice Requires="a14">
           <p:sp>
             <p:nvSpPr>
               <p:cNvPr id="22" name="TextBox 21">
@@ -4357,7 +4453,7 @@
             </p:txBody>
           </p:sp>
         </mc:Choice>
-        <mc:Fallback>
+        <mc:Fallback xmlns="">
           <p:sp>
             <p:nvSpPr>
               <p:cNvPr id="22" name="TextBox 21">
@@ -4402,8 +4498,8 @@
           </p:sp>
         </mc:Fallback>
       </mc:AlternateContent>
-      <mc:AlternateContent xmlns:mc="http://schemas.openxmlformats.org/markup-compatibility/2006">
-        <mc:Choice xmlns:a14="http://schemas.microsoft.com/office/drawing/2010/main" Requires="a14">
+      <mc:AlternateContent xmlns:mc="http://schemas.openxmlformats.org/markup-compatibility/2006" xmlns:a14="http://schemas.microsoft.com/office/drawing/2010/main">
+        <mc:Choice Requires="a14">
           <p:sp>
             <p:nvSpPr>
               <p:cNvPr id="23" name="TextBox 22">
@@ -4581,7 +4677,7 @@
             </p:txBody>
           </p:sp>
         </mc:Choice>
-        <mc:Fallback>
+        <mc:Fallback xmlns="">
           <p:sp>
             <p:nvSpPr>
               <p:cNvPr id="23" name="TextBox 22">
@@ -4626,8 +4722,8 @@
           </p:sp>
         </mc:Fallback>
       </mc:AlternateContent>
-      <mc:AlternateContent xmlns:mc="http://schemas.openxmlformats.org/markup-compatibility/2006">
-        <mc:Choice xmlns:a14="http://schemas.microsoft.com/office/drawing/2010/main" Requires="a14">
+      <mc:AlternateContent xmlns:mc="http://schemas.openxmlformats.org/markup-compatibility/2006" xmlns:a14="http://schemas.microsoft.com/office/drawing/2010/main">
+        <mc:Choice Requires="a14">
           <p:sp>
             <p:nvSpPr>
               <p:cNvPr id="26" name="TextBox 25">
@@ -5508,7 +5604,7 @@
             </p:txBody>
           </p:sp>
         </mc:Choice>
-        <mc:Fallback>
+        <mc:Fallback xmlns="">
           <p:sp>
             <p:nvSpPr>
               <p:cNvPr id="26" name="TextBox 25">
@@ -5685,8 +5781,8 @@
           </a:fontRef>
         </p:style>
       </p:cxnSp>
-      <mc:AlternateContent xmlns:mc="http://schemas.openxmlformats.org/markup-compatibility/2006">
-        <mc:Choice xmlns:a14="http://schemas.microsoft.com/office/drawing/2010/main" Requires="a14">
+      <mc:AlternateContent xmlns:mc="http://schemas.openxmlformats.org/markup-compatibility/2006" xmlns:a14="http://schemas.microsoft.com/office/drawing/2010/main">
+        <mc:Choice Requires="a14">
           <p:sp>
             <p:nvSpPr>
               <p:cNvPr id="24" name="TextBox 23">
@@ -5761,7 +5857,7 @@
             </p:txBody>
           </p:sp>
         </mc:Choice>
-        <mc:Fallback>
+        <mc:Fallback xmlns="">
           <p:sp>
             <p:nvSpPr>
               <p:cNvPr id="24" name="TextBox 23">
@@ -5806,8 +5902,8 @@
           </p:sp>
         </mc:Fallback>
       </mc:AlternateContent>
-      <mc:AlternateContent xmlns:mc="http://schemas.openxmlformats.org/markup-compatibility/2006">
-        <mc:Choice xmlns:a14="http://schemas.microsoft.com/office/drawing/2010/main" Requires="a14">
+      <mc:AlternateContent xmlns:mc="http://schemas.openxmlformats.org/markup-compatibility/2006" xmlns:a14="http://schemas.microsoft.com/office/drawing/2010/main">
+        <mc:Choice Requires="a14">
           <p:sp>
             <p:nvSpPr>
               <p:cNvPr id="25" name="TextBox 24">
@@ -5888,7 +5984,7 @@
             </p:txBody>
           </p:sp>
         </mc:Choice>
-        <mc:Fallback>
+        <mc:Fallback xmlns="">
           <p:sp>
             <p:nvSpPr>
               <p:cNvPr id="25" name="TextBox 24">
@@ -5933,8 +6029,8 @@
           </p:sp>
         </mc:Fallback>
       </mc:AlternateContent>
-      <mc:AlternateContent xmlns:mc="http://schemas.openxmlformats.org/markup-compatibility/2006">
-        <mc:Choice xmlns:a14="http://schemas.microsoft.com/office/drawing/2010/main" Requires="a14">
+      <mc:AlternateContent xmlns:mc="http://schemas.openxmlformats.org/markup-compatibility/2006" xmlns:a14="http://schemas.microsoft.com/office/drawing/2010/main">
+        <mc:Choice Requires="a14">
           <p:sp>
             <p:nvSpPr>
               <p:cNvPr id="28" name="TextBox 27">
@@ -6015,7 +6111,7 @@
             </p:txBody>
           </p:sp>
         </mc:Choice>
-        <mc:Fallback>
+        <mc:Fallback xmlns="">
           <p:sp>
             <p:nvSpPr>
               <p:cNvPr id="28" name="TextBox 27">
@@ -9082,8 +9178,8 @@
           </p:sp>
         </mc:Fallback>
       </mc:AlternateContent>
-      <mc:AlternateContent xmlns:mc="http://schemas.openxmlformats.org/markup-compatibility/2006">
-        <mc:Choice xmlns:a14="http://schemas.microsoft.com/office/drawing/2010/main" Requires="a14">
+      <mc:AlternateContent xmlns:mc="http://schemas.openxmlformats.org/markup-compatibility/2006" xmlns:a14="http://schemas.microsoft.com/office/drawing/2010/main">
+        <mc:Choice Requires="a14">
           <p:sp>
             <p:nvSpPr>
               <p:cNvPr id="8" name="TextBox 7">
@@ -9186,7 +9282,7 @@
             </p:txBody>
           </p:sp>
         </mc:Choice>
-        <mc:Fallback>
+        <mc:Fallback xmlns="">
           <p:sp>
             <p:nvSpPr>
               <p:cNvPr id="8" name="TextBox 7">
@@ -18363,8 +18459,8 @@
           </a:p>
         </p:txBody>
       </p:sp>
-      <mc:AlternateContent xmlns:mc="http://schemas.openxmlformats.org/markup-compatibility/2006" xmlns:a14="http://schemas.microsoft.com/office/drawing/2010/main">
-        <mc:Choice Requires="a14">
+      <mc:AlternateContent xmlns:mc="http://schemas.openxmlformats.org/markup-compatibility/2006">
+        <mc:Choice xmlns:a14="http://schemas.microsoft.com/office/drawing/2010/main" Requires="a14">
           <p:sp>
             <p:nvSpPr>
               <p:cNvPr id="7" name="TextBox 6">
@@ -18380,7 +18476,7 @@
             <p:spPr>
               <a:xfrm>
                 <a:off x="7810478" y="5341777"/>
-                <a:ext cx="2769284" cy="640816"/>
+                <a:ext cx="1765803" cy="640816"/>
               </a:xfrm>
               <a:prstGeom prst="rect">
                 <a:avLst/>
@@ -18394,90 +18490,84 @@
               <a:lstStyle/>
               <a:p>
                 <a14:m>
-                  <m:oMath xmlns:m="http://schemas.openxmlformats.org/officeDocument/2006/math">
-                    <m:sSubSup>
-                      <m:sSubSupPr>
-                        <m:ctrlPr>
-                          <a:rPr lang="en-US" sz="3200" b="0" i="1" smtClean="0">
-                            <a:latin typeface="Cambria Math" panose="02040503050406030204" pitchFamily="18" charset="0"/>
-                          </a:rPr>
-                        </m:ctrlPr>
-                      </m:sSubSupPr>
-                      <m:e>
-                        <m:r>
-                          <a:rPr lang="en-US" sz="3200" b="0" i="1" smtClean="0">
-                            <a:latin typeface="Cambria Math" panose="02040503050406030204" pitchFamily="18" charset="0"/>
-                          </a:rPr>
-                          <m:t>𝛾</m:t>
-                        </m:r>
-                      </m:e>
-                      <m:sub>
-                        <m:r>
-                          <a:rPr lang="en-US" sz="3200" b="0" i="1" smtClean="0">
-                            <a:latin typeface="Cambria Math" panose="02040503050406030204" pitchFamily="18" charset="0"/>
-                          </a:rPr>
-                          <m:t>𝑖𝑗</m:t>
-                        </m:r>
-                      </m:sub>
-                      <m:sup>
-                        <m:r>
-                          <a:rPr lang="en-US" sz="3200" b="0" i="1" smtClean="0">
-                            <a:latin typeface="Cambria Math" panose="02040503050406030204" pitchFamily="18" charset="0"/>
-                          </a:rPr>
-                          <m:t>′</m:t>
-                        </m:r>
-                      </m:sup>
-                    </m:sSubSup>
-                    <m:r>
-                      <a:rPr lang="en-US" sz="3200" b="0" i="1" smtClean="0">
-                        <a:latin typeface="Cambria Math" panose="02040503050406030204" pitchFamily="18" charset="0"/>
-                      </a:rPr>
-                      <m:t>=</m:t>
-                    </m:r>
-                    <m:sSub>
-                      <m:sSubPr>
-                        <m:ctrlPr>
-                          <a:rPr lang="en-US" sz="3200" b="0" i="1" smtClean="0">
-                            <a:latin typeface="Cambria Math" panose="02040503050406030204" pitchFamily="18" charset="0"/>
-                          </a:rPr>
-                        </m:ctrlPr>
-                      </m:sSubPr>
-                      <m:e>
-                        <m:r>
-                          <a:rPr lang="en-US" sz="3200" b="0" i="1" smtClean="0">
-                            <a:latin typeface="Cambria Math" panose="02040503050406030204" pitchFamily="18" charset="0"/>
-                          </a:rPr>
-                          <m:t>𝛾</m:t>
-                        </m:r>
-                      </m:e>
-                      <m:sub>
-                        <m:r>
-                          <a:rPr lang="en-US" sz="3200" b="0" i="1" smtClean="0">
-                            <a:latin typeface="Cambria Math" panose="02040503050406030204" pitchFamily="18" charset="0"/>
-                          </a:rPr>
-                          <m:t>𝑖𝑗</m:t>
-                        </m:r>
-                      </m:sub>
-                    </m:sSub>
-                  </m:oMath>
+                  <m:oMathPara xmlns:m="http://schemas.openxmlformats.org/officeDocument/2006/math">
+                    <m:oMathParaPr>
+                      <m:jc m:val="centerGroup"/>
+                    </m:oMathParaPr>
+                    <m:oMath xmlns:m="http://schemas.openxmlformats.org/officeDocument/2006/math">
+                      <m:sSubSup>
+                        <m:sSubSupPr>
+                          <m:ctrlPr>
+                            <a:rPr lang="en-US" sz="3200" b="0" i="1" smtClean="0">
+                              <a:latin typeface="Cambria Math" panose="02040503050406030204" pitchFamily="18" charset="0"/>
+                            </a:rPr>
+                          </m:ctrlPr>
+                        </m:sSubSupPr>
+                        <m:e>
+                          <m:r>
+                            <a:rPr lang="en-US" sz="3200" b="0" i="1" smtClean="0">
+                              <a:latin typeface="Cambria Math" panose="02040503050406030204" pitchFamily="18" charset="0"/>
+                            </a:rPr>
+                            <m:t>𝛾</m:t>
+                          </m:r>
+                        </m:e>
+                        <m:sub>
+                          <m:r>
+                            <a:rPr lang="en-US" sz="3200" b="0" i="1" smtClean="0">
+                              <a:latin typeface="Cambria Math" panose="02040503050406030204" pitchFamily="18" charset="0"/>
+                            </a:rPr>
+                            <m:t>𝑖𝑗</m:t>
+                          </m:r>
+                        </m:sub>
+                        <m:sup>
+                          <m:r>
+                            <a:rPr lang="en-US" sz="3200" b="0" i="1" smtClean="0">
+                              <a:latin typeface="Cambria Math" panose="02040503050406030204" pitchFamily="18" charset="0"/>
+                            </a:rPr>
+                            <m:t>′</m:t>
+                          </m:r>
+                        </m:sup>
+                      </m:sSubSup>
+                      <m:r>
+                        <a:rPr lang="en-US" sz="3200" b="0" i="1" smtClean="0">
+                          <a:latin typeface="Cambria Math" panose="02040503050406030204" pitchFamily="18" charset="0"/>
+                        </a:rPr>
+                        <m:t>=</m:t>
+                      </m:r>
+                      <m:sSub>
+                        <m:sSubPr>
+                          <m:ctrlPr>
+                            <a:rPr lang="en-US" sz="3200" b="0" i="1" smtClean="0">
+                              <a:latin typeface="Cambria Math" panose="02040503050406030204" pitchFamily="18" charset="0"/>
+                            </a:rPr>
+                          </m:ctrlPr>
+                        </m:sSubPr>
+                        <m:e>
+                          <m:r>
+                            <a:rPr lang="en-US" sz="3200" b="0" i="1" smtClean="0">
+                              <a:latin typeface="Cambria Math" panose="02040503050406030204" pitchFamily="18" charset="0"/>
+                            </a:rPr>
+                            <m:t>𝛾</m:t>
+                          </m:r>
+                        </m:e>
+                        <m:sub>
+                          <m:r>
+                            <a:rPr lang="en-US" sz="3200" b="0" i="1" smtClean="0">
+                              <a:latin typeface="Cambria Math" panose="02040503050406030204" pitchFamily="18" charset="0"/>
+                            </a:rPr>
+                            <m:t>𝑖𝑗</m:t>
+                          </m:r>
+                        </m:sub>
+                      </m:sSub>
+                    </m:oMath>
+                  </m:oMathPara>
                 </a14:m>
-                <a:r>
-                  <a:rPr lang="en-US" sz="3200" dirty="0"/>
-                  <a:t>(</a:t>
-                </a:r>
-                <a:r>
-                  <a:rPr lang="en-US" sz="3200" dirty="0" err="1"/>
-                  <a:t>Ficek</a:t>
-                </a:r>
-                <a:r>
-                  <a:rPr lang="en-US" sz="3200" dirty="0"/>
-                  <a:t>)</a:t>
-                </a:r>
+                <a:endParaRPr lang="en-US" sz="3200" dirty="0"/>
               </a:p>
             </p:txBody>
           </p:sp>
         </mc:Choice>
-        <mc:Fallback xmlns="">
+        <mc:Fallback>
           <p:sp>
             <p:nvSpPr>
               <p:cNvPr id="7" name="TextBox 6">
@@ -18495,7 +18585,7 @@
             <p:spPr>
               <a:xfrm>
                 <a:off x="7810478" y="5341777"/>
-                <a:ext cx="2769284" cy="640816"/>
+                <a:ext cx="1765803" cy="640816"/>
               </a:xfrm>
               <a:prstGeom prst="rect">
                 <a:avLst/>
@@ -18503,7 +18593,7 @@
               <a:blipFill>
                 <a:blip r:embed="rId4"/>
                 <a:stretch>
-                  <a:fillRect t="-11429" r="-4396" b="-22857"/>
+                  <a:fillRect/>
                 </a:stretch>
               </a:blipFill>
             </p:spPr>
@@ -19993,7 +20083,7 @@
           <p:nvPr/>
         </p:nvPicPr>
         <p:blipFill>
-          <a:blip r:embed="rId2">
+          <a:blip r:embed="rId3">
             <a:extLst>
               <a:ext uri="{28A0092B-C50C-407E-A947-70E740481C1C}">
                 <a14:useLocalDpi xmlns:a14="http://schemas.microsoft.com/office/drawing/2010/main" val="0"/>
@@ -20029,7 +20119,7 @@
           <p:nvPr/>
         </p:nvPicPr>
         <p:blipFill>
-          <a:blip r:embed="rId3">
+          <a:blip r:embed="rId4">
             <a:extLst>
               <a:ext uri="{28A0092B-C50C-407E-A947-70E740481C1C}">
                 <a14:useLocalDpi xmlns:a14="http://schemas.microsoft.com/office/drawing/2010/main" val="0"/>
@@ -20050,8 +20140,8 @@
           </a:prstGeom>
         </p:spPr>
       </p:pic>
-      <mc:AlternateContent xmlns:mc="http://schemas.openxmlformats.org/markup-compatibility/2006" xmlns:a14="http://schemas.microsoft.com/office/drawing/2010/main">
-        <mc:Choice Requires="a14">
+      <mc:AlternateContent xmlns:mc="http://schemas.openxmlformats.org/markup-compatibility/2006">
+        <mc:Choice xmlns:a14="http://schemas.microsoft.com/office/drawing/2010/main" Requires="a14">
           <p:sp>
             <p:nvSpPr>
               <p:cNvPr id="9" name="Rectangle 8">
@@ -20067,7 +20157,7 @@
             <p:spPr>
               <a:xfrm>
                 <a:off x="479570" y="3629327"/>
-                <a:ext cx="10810614" cy="1938992"/>
+                <a:ext cx="10810614" cy="1200329"/>
               </a:xfrm>
               <a:prstGeom prst="rect">
                 <a:avLst/>
@@ -20081,15 +20171,7 @@
               <a:p>
                 <a:r>
                   <a:rPr lang="en-US" sz="2400" dirty="0"/>
-                  <a:t>In </a:t>
-                </a:r>
-                <a:r>
-                  <a:rPr lang="en-US" sz="2400" dirty="0" err="1"/>
-                  <a:t>Ficek’s</a:t>
-                </a:r>
-                <a:r>
-                  <a:rPr lang="en-US" sz="2400" dirty="0"/>
-                  <a:t> work, it is stated that NOON state can not be reached with identical atoms, but that’s not correct, the correct conclusion should be: the final steady state cannot be NOON state, but the atom pair can evolve into NOON state and lose the entanglement afterwards. </a:t>
+                  <a:t>The final steady state cannot be NOON state, but the atom pair can evolve into NOON state but lose the entanglement afterwards. </a:t>
                 </a:r>
               </a:p>
               <a:p>
@@ -20200,7 +20282,7 @@
             </p:txBody>
           </p:sp>
         </mc:Choice>
-        <mc:Fallback xmlns="">
+        <mc:Fallback>
           <p:sp>
             <p:nvSpPr>
               <p:cNvPr id="9" name="Rectangle 8">
@@ -20218,15 +20300,15 @@
             <p:spPr>
               <a:xfrm>
                 <a:off x="479570" y="3629327"/>
-                <a:ext cx="10810614" cy="1938992"/>
+                <a:ext cx="10810614" cy="1200329"/>
               </a:xfrm>
               <a:prstGeom prst="rect">
                 <a:avLst/>
               </a:prstGeom>
               <a:blipFill>
-                <a:blip r:embed="rId4"/>
+                <a:blip r:embed="rId5"/>
                 <a:stretch>
-                  <a:fillRect l="-902" t="-2516" b="-6289"/>
+                  <a:fillRect l="-902" t="-4061" r="-1015" b="-10660"/>
                 </a:stretch>
               </a:blipFill>
             </p:spPr>
@@ -20260,14 +20342,14 @@
           <p:nvPr/>
         </p:nvPicPr>
         <p:blipFill>
-          <a:blip r:embed="rId5"/>
+          <a:blip r:embed="rId6"/>
           <a:stretch>
             <a:fillRect/>
           </a:stretch>
         </p:blipFill>
         <p:spPr>
           <a:xfrm>
-            <a:off x="479570" y="5714391"/>
+            <a:off x="479570" y="5152328"/>
             <a:ext cx="4816831" cy="896155"/>
           </a:xfrm>
           <a:prstGeom prst="rect">
@@ -22898,9 +22980,9 @@
           <p:nvPr/>
         </p:nvCxnSpPr>
         <p:spPr>
-          <a:xfrm>
-            <a:off x="9857678" y="975088"/>
-            <a:ext cx="1315844" cy="0"/>
+          <a:xfrm flipH="1" flipV="1">
+            <a:off x="9605176" y="975088"/>
+            <a:ext cx="1710716" cy="13653"/>
           </a:xfrm>
           <a:prstGeom prst="straightConnector1">
             <a:avLst/>
@@ -23442,8 +23524,8 @@
           </p:sp>
         </mc:Fallback>
       </mc:AlternateContent>
-      <mc:AlternateContent xmlns:mc="http://schemas.openxmlformats.org/markup-compatibility/2006" xmlns:a14="http://schemas.microsoft.com/office/drawing/2010/main">
-        <mc:Choice Requires="a14">
+      <mc:AlternateContent xmlns:mc="http://schemas.openxmlformats.org/markup-compatibility/2006">
+        <mc:Choice xmlns:a14="http://schemas.microsoft.com/office/drawing/2010/main" Requires="a14">
           <p:sp>
             <p:nvSpPr>
               <p:cNvPr id="12" name="TextBox 11">
@@ -23560,7 +23642,7 @@
             </p:txBody>
           </p:sp>
         </mc:Choice>
-        <mc:Fallback xmlns="">
+        <mc:Fallback>
           <p:sp>
             <p:nvSpPr>
               <p:cNvPr id="12" name="TextBox 11">
@@ -24733,6 +24815,158 @@
           </a:prstGeom>
         </p:spPr>
       </p:pic>
+      <p:sp>
+        <p:nvSpPr>
+          <p:cNvPr id="2" name="Rectangle 1">
+            <a:extLst>
+              <a:ext uri="{FF2B5EF4-FFF2-40B4-BE49-F238E27FC236}">
+                <a16:creationId xmlns:a16="http://schemas.microsoft.com/office/drawing/2014/main" id="{B6957E1A-B322-412A-8375-E4A93CF46AC7}"/>
+              </a:ext>
+            </a:extLst>
+          </p:cNvPr>
+          <p:cNvSpPr/>
+          <p:nvPr/>
+        </p:nvSpPr>
+        <p:spPr>
+          <a:xfrm>
+            <a:off x="6408413" y="3797086"/>
+            <a:ext cx="439859" cy="477079"/>
+          </a:xfrm>
+          <a:prstGeom prst="rect">
+            <a:avLst/>
+          </a:prstGeom>
+          <a:noFill/>
+          <a:ln>
+            <a:noFill/>
+          </a:ln>
+        </p:spPr>
+        <p:style>
+          <a:lnRef idx="2">
+            <a:schemeClr val="dk1"/>
+          </a:lnRef>
+          <a:fillRef idx="1">
+            <a:schemeClr val="lt1"/>
+          </a:fillRef>
+          <a:effectRef idx="0">
+            <a:schemeClr val="dk1"/>
+          </a:effectRef>
+          <a:fontRef idx="minor">
+            <a:schemeClr val="dk1"/>
+          </a:fontRef>
+        </p:style>
+        <p:txBody>
+          <a:bodyPr rtlCol="0" anchor="ctr"/>
+          <a:lstStyle/>
+          <a:p>
+            <a:pPr algn="ctr"/>
+            <a:endParaRPr lang="en-US" dirty="0"/>
+          </a:p>
+        </p:txBody>
+      </p:sp>
+      <p:sp>
+        <p:nvSpPr>
+          <p:cNvPr id="3" name="Rectangle 2">
+            <a:extLst>
+              <a:ext uri="{FF2B5EF4-FFF2-40B4-BE49-F238E27FC236}">
+                <a16:creationId xmlns:a16="http://schemas.microsoft.com/office/drawing/2014/main" id="{E5F23AE9-A8AC-422D-AD79-336EF443B192}"/>
+              </a:ext>
+            </a:extLst>
+          </p:cNvPr>
+          <p:cNvSpPr/>
+          <p:nvPr/>
+        </p:nvSpPr>
+        <p:spPr>
+          <a:xfrm>
+            <a:off x="6408413" y="3713952"/>
+            <a:ext cx="612842" cy="632297"/>
+          </a:xfrm>
+          <a:prstGeom prst="rect">
+            <a:avLst/>
+          </a:prstGeom>
+          <a:solidFill>
+            <a:schemeClr val="bg1"/>
+          </a:solidFill>
+          <a:ln>
+            <a:noFill/>
+          </a:ln>
+        </p:spPr>
+        <p:style>
+          <a:lnRef idx="2">
+            <a:schemeClr val="accent1">
+              <a:shade val="50000"/>
+            </a:schemeClr>
+          </a:lnRef>
+          <a:fillRef idx="1">
+            <a:schemeClr val="accent1"/>
+          </a:fillRef>
+          <a:effectRef idx="0">
+            <a:schemeClr val="accent1"/>
+          </a:effectRef>
+          <a:fontRef idx="minor">
+            <a:schemeClr val="lt1"/>
+          </a:fontRef>
+        </p:style>
+        <p:txBody>
+          <a:bodyPr rtlCol="0" anchor="ctr"/>
+          <a:lstStyle/>
+          <a:p>
+            <a:pPr algn="ctr"/>
+            <a:endParaRPr lang="en-US"/>
+          </a:p>
+        </p:txBody>
+      </p:sp>
+      <p:sp>
+        <p:nvSpPr>
+          <p:cNvPr id="5" name="Rectangle 4">
+            <a:extLst>
+              <a:ext uri="{FF2B5EF4-FFF2-40B4-BE49-F238E27FC236}">
+                <a16:creationId xmlns:a16="http://schemas.microsoft.com/office/drawing/2014/main" id="{DB242995-0706-4837-B74B-75FE923FB5E7}"/>
+              </a:ext>
+            </a:extLst>
+          </p:cNvPr>
+          <p:cNvSpPr/>
+          <p:nvPr/>
+        </p:nvSpPr>
+        <p:spPr>
+          <a:xfrm>
+            <a:off x="3963528" y="3641868"/>
+            <a:ext cx="1026762" cy="704381"/>
+          </a:xfrm>
+          <a:prstGeom prst="rect">
+            <a:avLst/>
+          </a:prstGeom>
+          <a:solidFill>
+            <a:schemeClr val="bg1"/>
+          </a:solidFill>
+          <a:ln>
+            <a:noFill/>
+          </a:ln>
+        </p:spPr>
+        <p:style>
+          <a:lnRef idx="2">
+            <a:schemeClr val="accent1">
+              <a:shade val="50000"/>
+            </a:schemeClr>
+          </a:lnRef>
+          <a:fillRef idx="1">
+            <a:schemeClr val="accent1"/>
+          </a:fillRef>
+          <a:effectRef idx="0">
+            <a:schemeClr val="accent1"/>
+          </a:effectRef>
+          <a:fontRef idx="minor">
+            <a:schemeClr val="lt1"/>
+          </a:fontRef>
+        </p:style>
+        <p:txBody>
+          <a:bodyPr rtlCol="0" anchor="ctr"/>
+          <a:lstStyle/>
+          <a:p>
+            <a:pPr algn="ctr"/>
+            <a:endParaRPr lang="en-US"/>
+          </a:p>
+        </p:txBody>
+      </p:sp>
     </p:spTree>
     <p:extLst>
       <p:ext uri="{BB962C8B-B14F-4D97-AF65-F5344CB8AC3E}">

--- a/3-level.pptx
+++ b/3-level.pptx
@@ -230,7 +230,7 @@
           <a:p>
             <a:fld id="{D398D3D8-E180-45F1-973D-9CDE3FC68687}" type="datetimeFigureOut">
               <a:rPr lang="en-US" smtClean="0"/>
-              <a:t>9/20/2018</a:t>
+              <a:t>9/25/2018</a:t>
             </a:fld>
             <a:endParaRPr lang="en-US"/>
           </a:p>
@@ -812,7 +812,7 @@
           <a:p>
             <a:fld id="{540C0B17-285F-4B24-A15E-231AC8C41BCD}" type="datetimeFigureOut">
               <a:rPr lang="en-US" smtClean="0"/>
-              <a:t>9/20/2018</a:t>
+              <a:t>9/25/2018</a:t>
             </a:fld>
             <a:endParaRPr lang="en-US"/>
           </a:p>
@@ -1010,7 +1010,7 @@
           <a:p>
             <a:fld id="{540C0B17-285F-4B24-A15E-231AC8C41BCD}" type="datetimeFigureOut">
               <a:rPr lang="en-US" smtClean="0"/>
-              <a:t>9/20/2018</a:t>
+              <a:t>9/25/2018</a:t>
             </a:fld>
             <a:endParaRPr lang="en-US"/>
           </a:p>
@@ -1218,7 +1218,7 @@
           <a:p>
             <a:fld id="{540C0B17-285F-4B24-A15E-231AC8C41BCD}" type="datetimeFigureOut">
               <a:rPr lang="en-US" smtClean="0"/>
-              <a:t>9/20/2018</a:t>
+              <a:t>9/25/2018</a:t>
             </a:fld>
             <a:endParaRPr lang="en-US"/>
           </a:p>
@@ -1416,7 +1416,7 @@
           <a:p>
             <a:fld id="{540C0B17-285F-4B24-A15E-231AC8C41BCD}" type="datetimeFigureOut">
               <a:rPr lang="en-US" smtClean="0"/>
-              <a:t>9/20/2018</a:t>
+              <a:t>9/25/2018</a:t>
             </a:fld>
             <a:endParaRPr lang="en-US"/>
           </a:p>
@@ -1691,7 +1691,7 @@
           <a:p>
             <a:fld id="{540C0B17-285F-4B24-A15E-231AC8C41BCD}" type="datetimeFigureOut">
               <a:rPr lang="en-US" smtClean="0"/>
-              <a:t>9/20/2018</a:t>
+              <a:t>9/25/2018</a:t>
             </a:fld>
             <a:endParaRPr lang="en-US"/>
           </a:p>
@@ -1956,7 +1956,7 @@
           <a:p>
             <a:fld id="{540C0B17-285F-4B24-A15E-231AC8C41BCD}" type="datetimeFigureOut">
               <a:rPr lang="en-US" smtClean="0"/>
-              <a:t>9/20/2018</a:t>
+              <a:t>9/25/2018</a:t>
             </a:fld>
             <a:endParaRPr lang="en-US"/>
           </a:p>
@@ -2368,7 +2368,7 @@
           <a:p>
             <a:fld id="{540C0B17-285F-4B24-A15E-231AC8C41BCD}" type="datetimeFigureOut">
               <a:rPr lang="en-US" smtClean="0"/>
-              <a:t>9/20/2018</a:t>
+              <a:t>9/25/2018</a:t>
             </a:fld>
             <a:endParaRPr lang="en-US"/>
           </a:p>
@@ -2509,7 +2509,7 @@
           <a:p>
             <a:fld id="{540C0B17-285F-4B24-A15E-231AC8C41BCD}" type="datetimeFigureOut">
               <a:rPr lang="en-US" smtClean="0"/>
-              <a:t>9/20/2018</a:t>
+              <a:t>9/25/2018</a:t>
             </a:fld>
             <a:endParaRPr lang="en-US"/>
           </a:p>
@@ -2622,7 +2622,7 @@
           <a:p>
             <a:fld id="{540C0B17-285F-4B24-A15E-231AC8C41BCD}" type="datetimeFigureOut">
               <a:rPr lang="en-US" smtClean="0"/>
-              <a:t>9/20/2018</a:t>
+              <a:t>9/25/2018</a:t>
             </a:fld>
             <a:endParaRPr lang="en-US"/>
           </a:p>
@@ -2933,7 +2933,7 @@
           <a:p>
             <a:fld id="{540C0B17-285F-4B24-A15E-231AC8C41BCD}" type="datetimeFigureOut">
               <a:rPr lang="en-US" smtClean="0"/>
-              <a:t>9/20/2018</a:t>
+              <a:t>9/25/2018</a:t>
             </a:fld>
             <a:endParaRPr lang="en-US"/>
           </a:p>
@@ -3221,7 +3221,7 @@
           <a:p>
             <a:fld id="{540C0B17-285F-4B24-A15E-231AC8C41BCD}" type="datetimeFigureOut">
               <a:rPr lang="en-US" smtClean="0"/>
-              <a:t>9/20/2018</a:t>
+              <a:t>9/25/2018</a:t>
             </a:fld>
             <a:endParaRPr lang="en-US"/>
           </a:p>
@@ -3462,7 +3462,7 @@
           <a:p>
             <a:fld id="{540C0B17-285F-4B24-A15E-231AC8C41BCD}" type="datetimeFigureOut">
               <a:rPr lang="en-US" smtClean="0"/>
-              <a:t>9/20/2018</a:t>
+              <a:t>9/25/2018</a:t>
             </a:fld>
             <a:endParaRPr lang="en-US"/>
           </a:p>
@@ -3962,542 +3962,6 @@
           <a:chExt cx="0" cy="0"/>
         </a:xfrm>
       </p:grpSpPr>
-      <p:cxnSp>
-        <p:nvCxnSpPr>
-          <p:cNvPr id="5" name="Straight Connector 4">
-            <a:extLst>
-              <a:ext uri="{FF2B5EF4-FFF2-40B4-BE49-F238E27FC236}">
-                <a16:creationId xmlns:a16="http://schemas.microsoft.com/office/drawing/2014/main" id="{CD2DB9A7-CC8B-4AC0-897D-769765A933B8}"/>
-              </a:ext>
-            </a:extLst>
-          </p:cNvPr>
-          <p:cNvCxnSpPr/>
-          <p:nvPr/>
-        </p:nvCxnSpPr>
-        <p:spPr>
-          <a:xfrm>
-            <a:off x="3570912" y="2843081"/>
-            <a:ext cx="1275348" cy="0"/>
-          </a:xfrm>
-          <a:prstGeom prst="line">
-            <a:avLst/>
-          </a:prstGeom>
-          <a:ln w="38100"/>
-        </p:spPr>
-        <p:style>
-          <a:lnRef idx="1">
-            <a:schemeClr val="dk1"/>
-          </a:lnRef>
-          <a:fillRef idx="0">
-            <a:schemeClr val="dk1"/>
-          </a:fillRef>
-          <a:effectRef idx="0">
-            <a:schemeClr val="dk1"/>
-          </a:effectRef>
-          <a:fontRef idx="minor">
-            <a:schemeClr val="tx1"/>
-          </a:fontRef>
-        </p:style>
-      </p:cxnSp>
-      <p:cxnSp>
-        <p:nvCxnSpPr>
-          <p:cNvPr id="6" name="Straight Connector 5">
-            <a:extLst>
-              <a:ext uri="{FF2B5EF4-FFF2-40B4-BE49-F238E27FC236}">
-                <a16:creationId xmlns:a16="http://schemas.microsoft.com/office/drawing/2014/main" id="{26D8791F-94DE-4C8A-97F0-F53A48E67239}"/>
-              </a:ext>
-            </a:extLst>
-          </p:cNvPr>
-          <p:cNvCxnSpPr/>
-          <p:nvPr/>
-        </p:nvCxnSpPr>
-        <p:spPr>
-          <a:xfrm>
-            <a:off x="2488070" y="1800344"/>
-            <a:ext cx="1275348" cy="0"/>
-          </a:xfrm>
-          <a:prstGeom prst="line">
-            <a:avLst/>
-          </a:prstGeom>
-          <a:ln w="38100"/>
-        </p:spPr>
-        <p:style>
-          <a:lnRef idx="1">
-            <a:schemeClr val="dk1"/>
-          </a:lnRef>
-          <a:fillRef idx="0">
-            <a:schemeClr val="dk1"/>
-          </a:fillRef>
-          <a:effectRef idx="0">
-            <a:schemeClr val="dk1"/>
-          </a:effectRef>
-          <a:fontRef idx="minor">
-            <a:schemeClr val="tx1"/>
-          </a:fontRef>
-        </p:style>
-      </p:cxnSp>
-      <p:cxnSp>
-        <p:nvCxnSpPr>
-          <p:cNvPr id="7" name="Straight Connector 6">
-            <a:extLst>
-              <a:ext uri="{FF2B5EF4-FFF2-40B4-BE49-F238E27FC236}">
-                <a16:creationId xmlns:a16="http://schemas.microsoft.com/office/drawing/2014/main" id="{A35008F8-BE7D-42AB-A40C-B2B7EA7B0895}"/>
-              </a:ext>
-            </a:extLst>
-          </p:cNvPr>
-          <p:cNvCxnSpPr/>
-          <p:nvPr/>
-        </p:nvCxnSpPr>
-        <p:spPr>
-          <a:xfrm>
-            <a:off x="4294442" y="276345"/>
-            <a:ext cx="1275348" cy="0"/>
-          </a:xfrm>
-          <a:prstGeom prst="line">
-            <a:avLst/>
-          </a:prstGeom>
-          <a:ln w="38100"/>
-        </p:spPr>
-        <p:style>
-          <a:lnRef idx="1">
-            <a:schemeClr val="dk1"/>
-          </a:lnRef>
-          <a:fillRef idx="0">
-            <a:schemeClr val="dk1"/>
-          </a:fillRef>
-          <a:effectRef idx="0">
-            <a:schemeClr val="dk1"/>
-          </a:effectRef>
-          <a:fontRef idx="minor">
-            <a:schemeClr val="tx1"/>
-          </a:fontRef>
-        </p:style>
-      </p:cxnSp>
-      <p:cxnSp>
-        <p:nvCxnSpPr>
-          <p:cNvPr id="9" name="Straight Arrow Connector 8">
-            <a:extLst>
-              <a:ext uri="{FF2B5EF4-FFF2-40B4-BE49-F238E27FC236}">
-                <a16:creationId xmlns:a16="http://schemas.microsoft.com/office/drawing/2014/main" id="{08C4EA5E-92A7-4F10-8D19-BCCC12A67E7D}"/>
-              </a:ext>
-            </a:extLst>
-          </p:cNvPr>
-          <p:cNvCxnSpPr/>
-          <p:nvPr/>
-        </p:nvCxnSpPr>
-        <p:spPr>
-          <a:xfrm flipH="1" flipV="1">
-            <a:off x="3185902" y="1800344"/>
-            <a:ext cx="938463" cy="1042737"/>
-          </a:xfrm>
-          <a:prstGeom prst="straightConnector1">
-            <a:avLst/>
-          </a:prstGeom>
-          <a:ln w="28575">
-            <a:tailEnd type="triangle"/>
-          </a:ln>
-        </p:spPr>
-        <p:style>
-          <a:lnRef idx="1">
-            <a:schemeClr val="accent1"/>
-          </a:lnRef>
-          <a:fillRef idx="0">
-            <a:schemeClr val="accent1"/>
-          </a:fillRef>
-          <a:effectRef idx="0">
-            <a:schemeClr val="accent1"/>
-          </a:effectRef>
-          <a:fontRef idx="minor">
-            <a:schemeClr val="tx1"/>
-          </a:fontRef>
-        </p:style>
-      </p:cxnSp>
-      <p:cxnSp>
-        <p:nvCxnSpPr>
-          <p:cNvPr id="11" name="Straight Arrow Connector 10">
-            <a:extLst>
-              <a:ext uri="{FF2B5EF4-FFF2-40B4-BE49-F238E27FC236}">
-                <a16:creationId xmlns:a16="http://schemas.microsoft.com/office/drawing/2014/main" id="{F1BC596E-79DB-490F-A48C-19244BF63801}"/>
-              </a:ext>
-            </a:extLst>
-          </p:cNvPr>
-          <p:cNvCxnSpPr>
-            <a:cxnSpLocks/>
-          </p:cNvCxnSpPr>
-          <p:nvPr/>
-        </p:nvCxnSpPr>
-        <p:spPr>
-          <a:xfrm flipV="1">
-            <a:off x="3185902" y="276345"/>
-            <a:ext cx="1660358" cy="1523999"/>
-          </a:xfrm>
-          <a:prstGeom prst="straightConnector1">
-            <a:avLst/>
-          </a:prstGeom>
-          <a:ln w="28575">
-            <a:tailEnd type="triangle"/>
-          </a:ln>
-        </p:spPr>
-        <p:style>
-          <a:lnRef idx="1">
-            <a:schemeClr val="accent1"/>
-          </a:lnRef>
-          <a:fillRef idx="0">
-            <a:schemeClr val="accent1"/>
-          </a:fillRef>
-          <a:effectRef idx="0">
-            <a:schemeClr val="accent1"/>
-          </a:effectRef>
-          <a:fontRef idx="minor">
-            <a:schemeClr val="tx1"/>
-          </a:fontRef>
-        </p:style>
-      </p:cxnSp>
-      <mc:AlternateContent xmlns:mc="http://schemas.openxmlformats.org/markup-compatibility/2006" xmlns:a14="http://schemas.microsoft.com/office/drawing/2010/main">
-        <mc:Choice Requires="a14">
-          <p:sp>
-            <p:nvSpPr>
-              <p:cNvPr id="19" name="TextBox 18">
-                <a:extLst>
-                  <a:ext uri="{FF2B5EF4-FFF2-40B4-BE49-F238E27FC236}">
-                    <a16:creationId xmlns:a16="http://schemas.microsoft.com/office/drawing/2014/main" id="{90D9BDC6-34C2-44F5-9094-31B1842D47C7}"/>
-                  </a:ext>
-                </a:extLst>
-              </p:cNvPr>
-              <p:cNvSpPr txBox="1"/>
-              <p:nvPr/>
-            </p:nvSpPr>
-            <p:spPr>
-              <a:xfrm>
-                <a:off x="3232060" y="-180094"/>
-                <a:ext cx="771686" cy="584775"/>
-              </a:xfrm>
-              <a:prstGeom prst="rect">
-                <a:avLst/>
-              </a:prstGeom>
-              <a:noFill/>
-            </p:spPr>
-            <p:txBody>
-              <a:bodyPr wrap="none" rtlCol="0">
-                <a:spAutoFit/>
-              </a:bodyPr>
-              <a:lstStyle/>
-              <a:p>
-                <a:pPr/>
-                <a14:m>
-                  <m:oMathPara xmlns:m="http://schemas.openxmlformats.org/officeDocument/2006/math">
-                    <m:oMathParaPr>
-                      <m:jc m:val="centerGroup"/>
-                    </m:oMathParaPr>
-                    <m:oMath xmlns:m="http://schemas.openxmlformats.org/officeDocument/2006/math">
-                      <m:sSub>
-                        <m:sSubPr>
-                          <m:ctrlPr>
-                            <a:rPr lang="en-US" sz="3200" b="0" i="1" smtClean="0">
-                              <a:latin typeface="Cambria Math" panose="02040503050406030204" pitchFamily="18" charset="0"/>
-                            </a:rPr>
-                          </m:ctrlPr>
-                        </m:sSubPr>
-                        <m:e>
-                          <m:r>
-                            <a:rPr lang="en-US" sz="3200" b="0" i="1" smtClean="0">
-                              <a:latin typeface="Cambria Math" panose="02040503050406030204" pitchFamily="18" charset="0"/>
-                            </a:rPr>
-                            <m:t>𝜔</m:t>
-                          </m:r>
-                        </m:e>
-                        <m:sub>
-                          <m:r>
-                            <a:rPr lang="en-US" sz="3200" b="0" i="1" smtClean="0">
-                              <a:latin typeface="Cambria Math" panose="02040503050406030204" pitchFamily="18" charset="0"/>
-                            </a:rPr>
-                            <m:t>𝑎</m:t>
-                          </m:r>
-                        </m:sub>
-                      </m:sSub>
-                    </m:oMath>
-                  </m:oMathPara>
-                </a14:m>
-                <a:endParaRPr lang="en-US" sz="3200" dirty="0"/>
-              </a:p>
-            </p:txBody>
-          </p:sp>
-        </mc:Choice>
-        <mc:Fallback xmlns="">
-          <p:sp>
-            <p:nvSpPr>
-              <p:cNvPr id="19" name="TextBox 18">
-                <a:extLst>
-                  <a:ext uri="{FF2B5EF4-FFF2-40B4-BE49-F238E27FC236}">
-                    <a16:creationId xmlns:a16="http://schemas.microsoft.com/office/drawing/2014/main" id="{90D9BDC6-34C2-44F5-9094-31B1842D47C7}"/>
-                  </a:ext>
-                </a:extLst>
-              </p:cNvPr>
-              <p:cNvSpPr txBox="1">
-                <a:spLocks noRot="1" noChangeAspect="1" noMove="1" noResize="1" noEditPoints="1" noAdjustHandles="1" noChangeArrowheads="1" noChangeShapeType="1" noTextEdit="1"/>
-              </p:cNvSpPr>
-              <p:nvPr/>
-            </p:nvSpPr>
-            <p:spPr>
-              <a:xfrm>
-                <a:off x="3232060" y="-180094"/>
-                <a:ext cx="771686" cy="584775"/>
-              </a:xfrm>
-              <a:prstGeom prst="rect">
-                <a:avLst/>
-              </a:prstGeom>
-              <a:blipFill>
-                <a:blip r:embed="rId2"/>
-                <a:stretch>
-                  <a:fillRect/>
-                </a:stretch>
-              </a:blipFill>
-            </p:spPr>
-            <p:txBody>
-              <a:bodyPr/>
-              <a:lstStyle/>
-              <a:p>
-                <a:r>
-                  <a:rPr lang="en-US">
-                    <a:noFill/>
-                  </a:rPr>
-                  <a:t> </a:t>
-                </a:r>
-              </a:p>
-            </p:txBody>
-          </p:sp>
-        </mc:Fallback>
-      </mc:AlternateContent>
-      <mc:AlternateContent xmlns:mc="http://schemas.openxmlformats.org/markup-compatibility/2006" xmlns:a14="http://schemas.microsoft.com/office/drawing/2010/main">
-        <mc:Choice Requires="a14">
-          <p:sp>
-            <p:nvSpPr>
-              <p:cNvPr id="21" name="TextBox 20">
-                <a:extLst>
-                  <a:ext uri="{FF2B5EF4-FFF2-40B4-BE49-F238E27FC236}">
-                    <a16:creationId xmlns:a16="http://schemas.microsoft.com/office/drawing/2014/main" id="{EAC73FA7-462A-4E11-8C51-C726490734EF}"/>
-                  </a:ext>
-                </a:extLst>
-              </p:cNvPr>
-              <p:cNvSpPr txBox="1"/>
-              <p:nvPr/>
-            </p:nvSpPr>
-            <p:spPr>
-              <a:xfrm>
-                <a:off x="1552911" y="1425094"/>
-                <a:ext cx="780405" cy="584775"/>
-              </a:xfrm>
-              <a:prstGeom prst="rect">
-                <a:avLst/>
-              </a:prstGeom>
-              <a:noFill/>
-            </p:spPr>
-            <p:txBody>
-              <a:bodyPr wrap="none" rtlCol="0">
-                <a:spAutoFit/>
-              </a:bodyPr>
-              <a:lstStyle/>
-              <a:p>
-                <a:pPr/>
-                <a14:m>
-                  <m:oMathPara xmlns:m="http://schemas.openxmlformats.org/officeDocument/2006/math">
-                    <m:oMathParaPr>
-                      <m:jc m:val="centerGroup"/>
-                    </m:oMathParaPr>
-                    <m:oMath xmlns:m="http://schemas.openxmlformats.org/officeDocument/2006/math">
-                      <m:sSub>
-                        <m:sSubPr>
-                          <m:ctrlPr>
-                            <a:rPr lang="en-US" sz="3200" b="0" i="1" smtClean="0">
-                              <a:latin typeface="Cambria Math" panose="02040503050406030204" pitchFamily="18" charset="0"/>
-                            </a:rPr>
-                          </m:ctrlPr>
-                        </m:sSubPr>
-                        <m:e>
-                          <m:r>
-                            <a:rPr lang="en-US" sz="3200" b="0" i="1" smtClean="0">
-                              <a:latin typeface="Cambria Math" panose="02040503050406030204" pitchFamily="18" charset="0"/>
-                            </a:rPr>
-                            <m:t>𝜔</m:t>
-                          </m:r>
-                        </m:e>
-                        <m:sub>
-                          <m:r>
-                            <a:rPr lang="en-US" sz="3200" b="0" i="1" smtClean="0">
-                              <a:latin typeface="Cambria Math" panose="02040503050406030204" pitchFamily="18" charset="0"/>
-                            </a:rPr>
-                            <m:t>𝑏</m:t>
-                          </m:r>
-                        </m:sub>
-                      </m:sSub>
-                    </m:oMath>
-                  </m:oMathPara>
-                </a14:m>
-                <a:endParaRPr lang="en-US" sz="3200" dirty="0"/>
-              </a:p>
-            </p:txBody>
-          </p:sp>
-        </mc:Choice>
-        <mc:Fallback xmlns="">
-          <p:sp>
-            <p:nvSpPr>
-              <p:cNvPr id="21" name="TextBox 20">
-                <a:extLst>
-                  <a:ext uri="{FF2B5EF4-FFF2-40B4-BE49-F238E27FC236}">
-                    <a16:creationId xmlns:a16="http://schemas.microsoft.com/office/drawing/2014/main" id="{EAC73FA7-462A-4E11-8C51-C726490734EF}"/>
-                  </a:ext>
-                </a:extLst>
-              </p:cNvPr>
-              <p:cNvSpPr txBox="1">
-                <a:spLocks noRot="1" noChangeAspect="1" noMove="1" noResize="1" noEditPoints="1" noAdjustHandles="1" noChangeArrowheads="1" noChangeShapeType="1" noTextEdit="1"/>
-              </p:cNvSpPr>
-              <p:nvPr/>
-            </p:nvSpPr>
-            <p:spPr>
-              <a:xfrm>
-                <a:off x="1552911" y="1425094"/>
-                <a:ext cx="780405" cy="584775"/>
-              </a:xfrm>
-              <a:prstGeom prst="rect">
-                <a:avLst/>
-              </a:prstGeom>
-              <a:blipFill>
-                <a:blip r:embed="rId3"/>
-                <a:stretch>
-                  <a:fillRect/>
-                </a:stretch>
-              </a:blipFill>
-            </p:spPr>
-            <p:txBody>
-              <a:bodyPr/>
-              <a:lstStyle/>
-              <a:p>
-                <a:r>
-                  <a:rPr lang="en-US">
-                    <a:noFill/>
-                  </a:rPr>
-                  <a:t> </a:t>
-                </a:r>
-              </a:p>
-            </p:txBody>
-          </p:sp>
-        </mc:Fallback>
-      </mc:AlternateContent>
-      <mc:AlternateContent xmlns:mc="http://schemas.openxmlformats.org/markup-compatibility/2006" xmlns:a14="http://schemas.microsoft.com/office/drawing/2010/main">
-        <mc:Choice Requires="a14">
-          <p:sp>
-            <p:nvSpPr>
-              <p:cNvPr id="22" name="TextBox 21">
-                <a:extLst>
-                  <a:ext uri="{FF2B5EF4-FFF2-40B4-BE49-F238E27FC236}">
-                    <a16:creationId xmlns:a16="http://schemas.microsoft.com/office/drawing/2014/main" id="{1A0E70DE-3EBC-44B1-B159-829EB91F833F}"/>
-                  </a:ext>
-                </a:extLst>
-              </p:cNvPr>
-              <p:cNvSpPr txBox="1"/>
-              <p:nvPr/>
-            </p:nvSpPr>
-            <p:spPr>
-              <a:xfrm>
-                <a:off x="2863562" y="2464198"/>
-                <a:ext cx="736997" cy="584775"/>
-              </a:xfrm>
-              <a:prstGeom prst="rect">
-                <a:avLst/>
-              </a:prstGeom>
-              <a:noFill/>
-            </p:spPr>
-            <p:txBody>
-              <a:bodyPr wrap="none" rtlCol="0">
-                <a:spAutoFit/>
-              </a:bodyPr>
-              <a:lstStyle/>
-              <a:p>
-                <a:pPr/>
-                <a14:m>
-                  <m:oMathPara xmlns:m="http://schemas.openxmlformats.org/officeDocument/2006/math">
-                    <m:oMathParaPr>
-                      <m:jc m:val="centerGroup"/>
-                    </m:oMathParaPr>
-                    <m:oMath xmlns:m="http://schemas.openxmlformats.org/officeDocument/2006/math">
-                      <m:sSub>
-                        <m:sSubPr>
-                          <m:ctrlPr>
-                            <a:rPr lang="en-US" sz="3200" b="0" i="1" smtClean="0">
-                              <a:latin typeface="Cambria Math" panose="02040503050406030204" pitchFamily="18" charset="0"/>
-                            </a:rPr>
-                          </m:ctrlPr>
-                        </m:sSubPr>
-                        <m:e>
-                          <m:r>
-                            <a:rPr lang="en-US" sz="3200" b="0" i="1" smtClean="0">
-                              <a:latin typeface="Cambria Math" panose="02040503050406030204" pitchFamily="18" charset="0"/>
-                            </a:rPr>
-                            <m:t>𝜔</m:t>
-                          </m:r>
-                        </m:e>
-                        <m:sub>
-                          <m:r>
-                            <a:rPr lang="en-US" sz="3200" b="0" i="1" smtClean="0">
-                              <a:latin typeface="Cambria Math" panose="02040503050406030204" pitchFamily="18" charset="0"/>
-                            </a:rPr>
-                            <m:t>𝑐</m:t>
-                          </m:r>
-                        </m:sub>
-                      </m:sSub>
-                    </m:oMath>
-                  </m:oMathPara>
-                </a14:m>
-                <a:endParaRPr lang="en-US" sz="3200" dirty="0"/>
-              </a:p>
-            </p:txBody>
-          </p:sp>
-        </mc:Choice>
-        <mc:Fallback xmlns="">
-          <p:sp>
-            <p:nvSpPr>
-              <p:cNvPr id="22" name="TextBox 21">
-                <a:extLst>
-                  <a:ext uri="{FF2B5EF4-FFF2-40B4-BE49-F238E27FC236}">
-                    <a16:creationId xmlns:a16="http://schemas.microsoft.com/office/drawing/2014/main" id="{1A0E70DE-3EBC-44B1-B159-829EB91F833F}"/>
-                  </a:ext>
-                </a:extLst>
-              </p:cNvPr>
-              <p:cNvSpPr txBox="1">
-                <a:spLocks noRot="1" noChangeAspect="1" noMove="1" noResize="1" noEditPoints="1" noAdjustHandles="1" noChangeArrowheads="1" noChangeShapeType="1" noTextEdit="1"/>
-              </p:cNvSpPr>
-              <p:nvPr/>
-            </p:nvSpPr>
-            <p:spPr>
-              <a:xfrm>
-                <a:off x="2863562" y="2464198"/>
-                <a:ext cx="736997" cy="584775"/>
-              </a:xfrm>
-              <a:prstGeom prst="rect">
-                <a:avLst/>
-              </a:prstGeom>
-              <a:blipFill>
-                <a:blip r:embed="rId4"/>
-                <a:stretch>
-                  <a:fillRect/>
-                </a:stretch>
-              </a:blipFill>
-            </p:spPr>
-            <p:txBody>
-              <a:bodyPr/>
-              <a:lstStyle/>
-              <a:p>
-                <a:r>
-                  <a:rPr lang="en-US">
-                    <a:noFill/>
-                  </a:rPr>
-                  <a:t> </a:t>
-                </a:r>
-              </a:p>
-            </p:txBody>
-          </p:sp>
-        </mc:Fallback>
-      </mc:AlternateContent>
       <mc:AlternateContent xmlns:mc="http://schemas.openxmlformats.org/markup-compatibility/2006" xmlns:a14="http://schemas.microsoft.com/office/drawing/2010/main">
         <mc:Choice Requires="a14">
           <p:sp>
@@ -5649,513 +5113,1091 @@
           </p:sp>
         </mc:Fallback>
       </mc:AlternateContent>
-      <p:cxnSp>
-        <p:nvCxnSpPr>
-          <p:cNvPr id="3" name="Straight Arrow Connector 2">
+      <p:grpSp>
+        <p:nvGrpSpPr>
+          <p:cNvPr id="4" name="Group 3">
             <a:extLst>
               <a:ext uri="{FF2B5EF4-FFF2-40B4-BE49-F238E27FC236}">
-                <a16:creationId xmlns:a16="http://schemas.microsoft.com/office/drawing/2014/main" id="{28CBAA6C-520C-4061-BC6E-2EB142E517AD}"/>
+                <a16:creationId xmlns:a16="http://schemas.microsoft.com/office/drawing/2014/main" id="{BF8E8910-09EB-45E3-9D08-AEECE6080FE9}"/>
               </a:ext>
             </a:extLst>
           </p:cNvPr>
-          <p:cNvCxnSpPr>
-            <a:cxnSpLocks/>
-          </p:cNvCxnSpPr>
+          <p:cNvGrpSpPr/>
           <p:nvPr/>
-        </p:nvCxnSpPr>
-        <p:spPr>
+        </p:nvGrpSpPr>
+        <p:grpSpPr>
           <a:xfrm>
-            <a:off x="5849888" y="276345"/>
-            <a:ext cx="56890" cy="2566736"/>
+            <a:off x="1620869" y="-176491"/>
+            <a:ext cx="5531775" cy="3172105"/>
+            <a:chOff x="1407509" y="-180094"/>
+            <a:chExt cx="5531775" cy="3172105"/>
           </a:xfrm>
-          <a:prstGeom prst="straightConnector1">
-            <a:avLst/>
-          </a:prstGeom>
-          <a:ln w="38100">
-            <a:headEnd type="triangle"/>
-            <a:tailEnd type="triangle"/>
-          </a:ln>
-        </p:spPr>
-        <p:style>
-          <a:lnRef idx="3">
-            <a:schemeClr val="accent5"/>
-          </a:lnRef>
-          <a:fillRef idx="0">
-            <a:schemeClr val="accent5"/>
-          </a:fillRef>
-          <a:effectRef idx="2">
-            <a:schemeClr val="accent5"/>
-          </a:effectRef>
-          <a:fontRef idx="minor">
-            <a:schemeClr val="tx1"/>
-          </a:fontRef>
-        </p:style>
-      </p:cxnSp>
-      <p:cxnSp>
-        <p:nvCxnSpPr>
-          <p:cNvPr id="17" name="Straight Arrow Connector 16">
-            <a:extLst>
-              <a:ext uri="{FF2B5EF4-FFF2-40B4-BE49-F238E27FC236}">
-                <a16:creationId xmlns:a16="http://schemas.microsoft.com/office/drawing/2014/main" id="{78CDC9CA-C015-46EB-A715-915186A62CD4}"/>
-              </a:ext>
-            </a:extLst>
-          </p:cNvPr>
-          <p:cNvCxnSpPr>
-            <a:cxnSpLocks/>
-          </p:cNvCxnSpPr>
-          <p:nvPr/>
-        </p:nvCxnSpPr>
-        <p:spPr>
-          <a:xfrm>
-            <a:off x="5190214" y="318185"/>
-            <a:ext cx="0" cy="1399296"/>
-          </a:xfrm>
-          <a:prstGeom prst="straightConnector1">
-            <a:avLst/>
-          </a:prstGeom>
-          <a:ln w="38100">
-            <a:solidFill>
-              <a:srgbClr val="FF0000"/>
-            </a:solidFill>
-            <a:headEnd type="triangle"/>
-            <a:tailEnd type="triangle"/>
-          </a:ln>
-        </p:spPr>
-        <p:style>
-          <a:lnRef idx="3">
-            <a:schemeClr val="accent5"/>
-          </a:lnRef>
-          <a:fillRef idx="0">
-            <a:schemeClr val="accent5"/>
-          </a:fillRef>
-          <a:effectRef idx="2">
-            <a:schemeClr val="accent5"/>
-          </a:effectRef>
-          <a:fontRef idx="minor">
-            <a:schemeClr val="tx1"/>
-          </a:fontRef>
-        </p:style>
-      </p:cxnSp>
-      <p:cxnSp>
-        <p:nvCxnSpPr>
-          <p:cNvPr id="20" name="Straight Arrow Connector 19">
-            <a:extLst>
-              <a:ext uri="{FF2B5EF4-FFF2-40B4-BE49-F238E27FC236}">
-                <a16:creationId xmlns:a16="http://schemas.microsoft.com/office/drawing/2014/main" id="{D641F844-A1A3-4043-BAAB-9CF756BD0DA3}"/>
-              </a:ext>
-            </a:extLst>
-          </p:cNvPr>
-          <p:cNvCxnSpPr>
-            <a:cxnSpLocks/>
-          </p:cNvCxnSpPr>
-          <p:nvPr/>
-        </p:nvCxnSpPr>
-        <p:spPr>
-          <a:xfrm>
-            <a:off x="5203294" y="1717481"/>
-            <a:ext cx="27976" cy="1125600"/>
-          </a:xfrm>
-          <a:prstGeom prst="straightConnector1">
-            <a:avLst/>
-          </a:prstGeom>
-          <a:ln w="38100">
-            <a:solidFill>
-              <a:srgbClr val="92D050"/>
-            </a:solidFill>
-            <a:headEnd type="triangle"/>
-            <a:tailEnd type="triangle"/>
-          </a:ln>
-        </p:spPr>
-        <p:style>
-          <a:lnRef idx="3">
-            <a:schemeClr val="accent5"/>
-          </a:lnRef>
-          <a:fillRef idx="0">
-            <a:schemeClr val="accent5"/>
-          </a:fillRef>
-          <a:effectRef idx="2">
-            <a:schemeClr val="accent5"/>
-          </a:effectRef>
-          <a:fontRef idx="minor">
-            <a:schemeClr val="tx1"/>
-          </a:fontRef>
-        </p:style>
-      </p:cxnSp>
-      <mc:AlternateContent xmlns:mc="http://schemas.openxmlformats.org/markup-compatibility/2006" xmlns:a14="http://schemas.microsoft.com/office/drawing/2010/main">
-        <mc:Choice Requires="a14">
-          <p:sp>
-            <p:nvSpPr>
-              <p:cNvPr id="24" name="TextBox 23">
+        </p:grpSpPr>
+        <mc:AlternateContent xmlns:mc="http://schemas.openxmlformats.org/markup-compatibility/2006">
+          <mc:Choice xmlns:a14="http://schemas.microsoft.com/office/drawing/2010/main" Requires="a14">
+            <p:sp>
+              <p:nvSpPr>
+                <p:cNvPr id="19" name="TextBox 18">
+                  <a:extLst>
+                    <a:ext uri="{FF2B5EF4-FFF2-40B4-BE49-F238E27FC236}">
+                      <a16:creationId xmlns:a16="http://schemas.microsoft.com/office/drawing/2014/main" id="{90D9BDC6-34C2-44F5-9094-31B1842D47C7}"/>
+                    </a:ext>
+                  </a:extLst>
+                </p:cNvPr>
+                <p:cNvSpPr txBox="1"/>
+                <p:nvPr/>
+              </p:nvSpPr>
+              <p:spPr>
+                <a:xfrm>
+                  <a:off x="3232060" y="-180094"/>
+                  <a:ext cx="771686" cy="584775"/>
+                </a:xfrm>
+                <a:prstGeom prst="rect">
+                  <a:avLst/>
+                </a:prstGeom>
+                <a:noFill/>
+              </p:spPr>
+              <p:txBody>
+                <a:bodyPr wrap="none" rtlCol="0">
+                  <a:spAutoFit/>
+                </a:bodyPr>
+                <a:lstStyle/>
+                <a:p>
+                  <a:pPr/>
+                  <a14:m>
+                    <m:oMathPara xmlns:m="http://schemas.openxmlformats.org/officeDocument/2006/math">
+                      <m:oMathParaPr>
+                        <m:jc m:val="centerGroup"/>
+                      </m:oMathParaPr>
+                      <m:oMath xmlns:m="http://schemas.openxmlformats.org/officeDocument/2006/math">
+                        <m:sSub>
+                          <m:sSubPr>
+                            <m:ctrlPr>
+                              <a:rPr lang="en-US" sz="3200" b="0" i="1" smtClean="0">
+                                <a:latin typeface="Cambria Math" panose="02040503050406030204" pitchFamily="18" charset="0"/>
+                              </a:rPr>
+                            </m:ctrlPr>
+                          </m:sSubPr>
+                          <m:e>
+                            <m:r>
+                              <a:rPr lang="en-US" sz="3200" b="0" i="1" smtClean="0">
+                                <a:latin typeface="Cambria Math" panose="02040503050406030204" pitchFamily="18" charset="0"/>
+                              </a:rPr>
+                              <m:t>𝜔</m:t>
+                            </m:r>
+                          </m:e>
+                          <m:sub>
+                            <m:r>
+                              <a:rPr lang="en-US" sz="3200" b="0" i="1" smtClean="0">
+                                <a:latin typeface="Cambria Math" panose="02040503050406030204" pitchFamily="18" charset="0"/>
+                              </a:rPr>
+                              <m:t>𝑎</m:t>
+                            </m:r>
+                          </m:sub>
+                        </m:sSub>
+                      </m:oMath>
+                    </m:oMathPara>
+                  </a14:m>
+                  <a:endParaRPr lang="en-US" sz="3200" dirty="0"/>
+                </a:p>
+              </p:txBody>
+            </p:sp>
+          </mc:Choice>
+          <mc:Fallback>
+            <p:sp>
+              <p:nvSpPr>
+                <p:cNvPr id="19" name="TextBox 18">
+                  <a:extLst>
+                    <a:ext uri="{FF2B5EF4-FFF2-40B4-BE49-F238E27FC236}">
+                      <a16:creationId xmlns:a16="http://schemas.microsoft.com/office/drawing/2014/main" id="{90D9BDC6-34C2-44F5-9094-31B1842D47C7}"/>
+                    </a:ext>
+                  </a:extLst>
+                </p:cNvPr>
+                <p:cNvSpPr txBox="1">
+                  <a:spLocks noRot="1" noChangeAspect="1" noMove="1" noResize="1" noEditPoints="1" noAdjustHandles="1" noChangeArrowheads="1" noChangeShapeType="1" noTextEdit="1"/>
+                </p:cNvSpPr>
+                <p:nvPr/>
+              </p:nvSpPr>
+              <p:spPr>
+                <a:xfrm>
+                  <a:off x="3232060" y="-180094"/>
+                  <a:ext cx="771686" cy="584775"/>
+                </a:xfrm>
+                <a:prstGeom prst="rect">
+                  <a:avLst/>
+                </a:prstGeom>
+                <a:blipFill>
+                  <a:blip r:embed="rId7"/>
+                  <a:stretch>
+                    <a:fillRect/>
+                  </a:stretch>
+                </a:blipFill>
+              </p:spPr>
+              <p:txBody>
+                <a:bodyPr/>
+                <a:lstStyle/>
+                <a:p>
+                  <a:r>
+                    <a:rPr lang="en-US">
+                      <a:noFill/>
+                    </a:rPr>
+                    <a:t> </a:t>
+                  </a:r>
+                </a:p>
+              </p:txBody>
+            </p:sp>
+          </mc:Fallback>
+        </mc:AlternateContent>
+        <p:grpSp>
+          <p:nvGrpSpPr>
+            <p:cNvPr id="2" name="Group 1">
+              <a:extLst>
+                <a:ext uri="{FF2B5EF4-FFF2-40B4-BE49-F238E27FC236}">
+                  <a16:creationId xmlns:a16="http://schemas.microsoft.com/office/drawing/2014/main" id="{3F331D25-79C9-42F0-A363-F3023CB2D083}"/>
+                </a:ext>
+              </a:extLst>
+            </p:cNvPr>
+            <p:cNvGrpSpPr/>
+            <p:nvPr/>
+          </p:nvGrpSpPr>
+          <p:grpSpPr>
+            <a:xfrm>
+              <a:off x="1407509" y="219383"/>
+              <a:ext cx="5531775" cy="2772628"/>
+              <a:chOff x="1552911" y="276345"/>
+              <a:chExt cx="5531775" cy="2772628"/>
+            </a:xfrm>
+          </p:grpSpPr>
+          <p:cxnSp>
+            <p:nvCxnSpPr>
+              <p:cNvPr id="5" name="Straight Connector 4">
                 <a:extLst>
                   <a:ext uri="{FF2B5EF4-FFF2-40B4-BE49-F238E27FC236}">
-                    <a16:creationId xmlns:a16="http://schemas.microsoft.com/office/drawing/2014/main" id="{2165162F-C3FD-4E1E-AD58-FD47956E9302}"/>
+                    <a16:creationId xmlns:a16="http://schemas.microsoft.com/office/drawing/2014/main" id="{CD2DB9A7-CC8B-4AC0-897D-769765A933B8}"/>
                   </a:ext>
                 </a:extLst>
               </p:cNvPr>
-              <p:cNvSpPr txBox="1"/>
+              <p:cNvCxnSpPr/>
               <p:nvPr/>
-            </p:nvSpPr>
+            </p:nvCxnSpPr>
             <p:spPr>
               <a:xfrm>
-                <a:off x="6091081" y="1017833"/>
-                <a:ext cx="993605" cy="584775"/>
+                <a:off x="3570912" y="2843081"/>
+                <a:ext cx="1275348" cy="0"/>
               </a:xfrm>
-              <a:prstGeom prst="rect">
+              <a:prstGeom prst="line">
                 <a:avLst/>
               </a:prstGeom>
-              <a:noFill/>
+              <a:ln w="38100"/>
             </p:spPr>
-            <p:txBody>
-              <a:bodyPr wrap="none" rtlCol="0">
-                <a:spAutoFit/>
-              </a:bodyPr>
-              <a:lstStyle/>
-              <a:p>
-                <a:pPr/>
-                <a14:m>
-                  <m:oMathPara xmlns:m="http://schemas.openxmlformats.org/officeDocument/2006/math">
-                    <m:oMathParaPr>
-                      <m:jc m:val="centerGroup"/>
-                    </m:oMathParaPr>
-                    <m:oMath xmlns:m="http://schemas.openxmlformats.org/officeDocument/2006/math">
-                      <m:sSub>
-                        <m:sSubPr>
-                          <m:ctrlPr>
-                            <a:rPr lang="en-US" sz="3200" b="0" i="1" smtClean="0">
-                              <a:latin typeface="Cambria Math" panose="02040503050406030204" pitchFamily="18" charset="0"/>
-                            </a:rPr>
-                          </m:ctrlPr>
-                        </m:sSubPr>
-                        <m:e>
+            <p:style>
+              <a:lnRef idx="1">
+                <a:schemeClr val="dk1"/>
+              </a:lnRef>
+              <a:fillRef idx="0">
+                <a:schemeClr val="dk1"/>
+              </a:fillRef>
+              <a:effectRef idx="0">
+                <a:schemeClr val="dk1"/>
+              </a:effectRef>
+              <a:fontRef idx="minor">
+                <a:schemeClr val="tx1"/>
+              </a:fontRef>
+            </p:style>
+          </p:cxnSp>
+          <p:cxnSp>
+            <p:nvCxnSpPr>
+              <p:cNvPr id="6" name="Straight Connector 5">
+                <a:extLst>
+                  <a:ext uri="{FF2B5EF4-FFF2-40B4-BE49-F238E27FC236}">
+                    <a16:creationId xmlns:a16="http://schemas.microsoft.com/office/drawing/2014/main" id="{26D8791F-94DE-4C8A-97F0-F53A48E67239}"/>
+                  </a:ext>
+                </a:extLst>
+              </p:cNvPr>
+              <p:cNvCxnSpPr/>
+              <p:nvPr/>
+            </p:nvCxnSpPr>
+            <p:spPr>
+              <a:xfrm>
+                <a:off x="2488070" y="1800344"/>
+                <a:ext cx="1275348" cy="0"/>
+              </a:xfrm>
+              <a:prstGeom prst="line">
+                <a:avLst/>
+              </a:prstGeom>
+              <a:ln w="38100"/>
+            </p:spPr>
+            <p:style>
+              <a:lnRef idx="1">
+                <a:schemeClr val="dk1"/>
+              </a:lnRef>
+              <a:fillRef idx="0">
+                <a:schemeClr val="dk1"/>
+              </a:fillRef>
+              <a:effectRef idx="0">
+                <a:schemeClr val="dk1"/>
+              </a:effectRef>
+              <a:fontRef idx="minor">
+                <a:schemeClr val="tx1"/>
+              </a:fontRef>
+            </p:style>
+          </p:cxnSp>
+          <p:cxnSp>
+            <p:nvCxnSpPr>
+              <p:cNvPr id="7" name="Straight Connector 6">
+                <a:extLst>
+                  <a:ext uri="{FF2B5EF4-FFF2-40B4-BE49-F238E27FC236}">
+                    <a16:creationId xmlns:a16="http://schemas.microsoft.com/office/drawing/2014/main" id="{A35008F8-BE7D-42AB-A40C-B2B7EA7B0895}"/>
+                  </a:ext>
+                </a:extLst>
+              </p:cNvPr>
+              <p:cNvCxnSpPr/>
+              <p:nvPr/>
+            </p:nvCxnSpPr>
+            <p:spPr>
+              <a:xfrm>
+                <a:off x="4294442" y="276345"/>
+                <a:ext cx="1275348" cy="0"/>
+              </a:xfrm>
+              <a:prstGeom prst="line">
+                <a:avLst/>
+              </a:prstGeom>
+              <a:ln w="38100"/>
+            </p:spPr>
+            <p:style>
+              <a:lnRef idx="1">
+                <a:schemeClr val="dk1"/>
+              </a:lnRef>
+              <a:fillRef idx="0">
+                <a:schemeClr val="dk1"/>
+              </a:fillRef>
+              <a:effectRef idx="0">
+                <a:schemeClr val="dk1"/>
+              </a:effectRef>
+              <a:fontRef idx="minor">
+                <a:schemeClr val="tx1"/>
+              </a:fontRef>
+            </p:style>
+          </p:cxnSp>
+          <p:cxnSp>
+            <p:nvCxnSpPr>
+              <p:cNvPr id="9" name="Straight Arrow Connector 8">
+                <a:extLst>
+                  <a:ext uri="{FF2B5EF4-FFF2-40B4-BE49-F238E27FC236}">
+                    <a16:creationId xmlns:a16="http://schemas.microsoft.com/office/drawing/2014/main" id="{08C4EA5E-92A7-4F10-8D19-BCCC12A67E7D}"/>
+                  </a:ext>
+                </a:extLst>
+              </p:cNvPr>
+              <p:cNvCxnSpPr/>
+              <p:nvPr/>
+            </p:nvCxnSpPr>
+            <p:spPr>
+              <a:xfrm flipH="1" flipV="1">
+                <a:off x="3185902" y="1800344"/>
+                <a:ext cx="938463" cy="1042737"/>
+              </a:xfrm>
+              <a:prstGeom prst="straightConnector1">
+                <a:avLst/>
+              </a:prstGeom>
+              <a:ln w="28575">
+                <a:tailEnd type="triangle"/>
+              </a:ln>
+            </p:spPr>
+            <p:style>
+              <a:lnRef idx="1">
+                <a:schemeClr val="accent1"/>
+              </a:lnRef>
+              <a:fillRef idx="0">
+                <a:schemeClr val="accent1"/>
+              </a:fillRef>
+              <a:effectRef idx="0">
+                <a:schemeClr val="accent1"/>
+              </a:effectRef>
+              <a:fontRef idx="minor">
+                <a:schemeClr val="tx1"/>
+              </a:fontRef>
+            </p:style>
+          </p:cxnSp>
+          <p:cxnSp>
+            <p:nvCxnSpPr>
+              <p:cNvPr id="11" name="Straight Arrow Connector 10">
+                <a:extLst>
+                  <a:ext uri="{FF2B5EF4-FFF2-40B4-BE49-F238E27FC236}">
+                    <a16:creationId xmlns:a16="http://schemas.microsoft.com/office/drawing/2014/main" id="{F1BC596E-79DB-490F-A48C-19244BF63801}"/>
+                  </a:ext>
+                </a:extLst>
+              </p:cNvPr>
+              <p:cNvCxnSpPr>
+                <a:cxnSpLocks/>
+              </p:cNvCxnSpPr>
+              <p:nvPr/>
+            </p:nvCxnSpPr>
+            <p:spPr>
+              <a:xfrm flipV="1">
+                <a:off x="3185902" y="276345"/>
+                <a:ext cx="1660358" cy="1523999"/>
+              </a:xfrm>
+              <a:prstGeom prst="straightConnector1">
+                <a:avLst/>
+              </a:prstGeom>
+              <a:ln w="28575">
+                <a:tailEnd type="triangle"/>
+              </a:ln>
+            </p:spPr>
+            <p:style>
+              <a:lnRef idx="1">
+                <a:schemeClr val="accent1"/>
+              </a:lnRef>
+              <a:fillRef idx="0">
+                <a:schemeClr val="accent1"/>
+              </a:fillRef>
+              <a:effectRef idx="0">
+                <a:schemeClr val="accent1"/>
+              </a:effectRef>
+              <a:fontRef idx="minor">
+                <a:schemeClr val="tx1"/>
+              </a:fontRef>
+            </p:style>
+          </p:cxnSp>
+          <mc:AlternateContent xmlns:mc="http://schemas.openxmlformats.org/markup-compatibility/2006">
+            <mc:Choice xmlns:a14="http://schemas.microsoft.com/office/drawing/2010/main" Requires="a14">
+              <p:sp>
+                <p:nvSpPr>
+                  <p:cNvPr id="21" name="TextBox 20">
+                    <a:extLst>
+                      <a:ext uri="{FF2B5EF4-FFF2-40B4-BE49-F238E27FC236}">
+                        <a16:creationId xmlns:a16="http://schemas.microsoft.com/office/drawing/2014/main" id="{EAC73FA7-462A-4E11-8C51-C726490734EF}"/>
+                      </a:ext>
+                    </a:extLst>
+                  </p:cNvPr>
+                  <p:cNvSpPr txBox="1"/>
+                  <p:nvPr/>
+                </p:nvSpPr>
+                <p:spPr>
+                  <a:xfrm>
+                    <a:off x="1552911" y="1425094"/>
+                    <a:ext cx="780405" cy="584775"/>
+                  </a:xfrm>
+                  <a:prstGeom prst="rect">
+                    <a:avLst/>
+                  </a:prstGeom>
+                  <a:noFill/>
+                </p:spPr>
+                <p:txBody>
+                  <a:bodyPr wrap="none" rtlCol="0">
+                    <a:spAutoFit/>
+                  </a:bodyPr>
+                  <a:lstStyle/>
+                  <a:p>
+                    <a:pPr/>
+                    <a14:m>
+                      <m:oMathPara xmlns:m="http://schemas.openxmlformats.org/officeDocument/2006/math">
+                        <m:oMathParaPr>
+                          <m:jc m:val="centerGroup"/>
+                        </m:oMathParaPr>
+                        <m:oMath xmlns:m="http://schemas.openxmlformats.org/officeDocument/2006/math">
+                          <m:sSub>
+                            <m:sSubPr>
+                              <m:ctrlPr>
+                                <a:rPr lang="en-US" sz="3200" b="0" i="1" smtClean="0">
+                                  <a:latin typeface="Cambria Math" panose="02040503050406030204" pitchFamily="18" charset="0"/>
+                                </a:rPr>
+                              </m:ctrlPr>
+                            </m:sSubPr>
+                            <m:e>
+                              <m:r>
+                                <a:rPr lang="en-US" sz="3200" b="0" i="1" smtClean="0">
+                                  <a:latin typeface="Cambria Math" panose="02040503050406030204" pitchFamily="18" charset="0"/>
+                                </a:rPr>
+                                <m:t>𝜔</m:t>
+                              </m:r>
+                            </m:e>
+                            <m:sub>
+                              <m:r>
+                                <a:rPr lang="en-US" sz="3200" b="0" i="1" smtClean="0">
+                                  <a:latin typeface="Cambria Math" panose="02040503050406030204" pitchFamily="18" charset="0"/>
+                                </a:rPr>
+                                <m:t>𝑏</m:t>
+                              </m:r>
+                            </m:sub>
+                          </m:sSub>
+                        </m:oMath>
+                      </m:oMathPara>
+                    </a14:m>
+                    <a:endParaRPr lang="en-US" sz="3200" dirty="0"/>
+                  </a:p>
+                </p:txBody>
+              </p:sp>
+            </mc:Choice>
+            <mc:Fallback>
+              <p:sp>
+                <p:nvSpPr>
+                  <p:cNvPr id="21" name="TextBox 20">
+                    <a:extLst>
+                      <a:ext uri="{FF2B5EF4-FFF2-40B4-BE49-F238E27FC236}">
+                        <a16:creationId xmlns:a16="http://schemas.microsoft.com/office/drawing/2014/main" id="{EAC73FA7-462A-4E11-8C51-C726490734EF}"/>
+                      </a:ext>
+                    </a:extLst>
+                  </p:cNvPr>
+                  <p:cNvSpPr txBox="1">
+                    <a:spLocks noRot="1" noChangeAspect="1" noMove="1" noResize="1" noEditPoints="1" noAdjustHandles="1" noChangeArrowheads="1" noChangeShapeType="1" noTextEdit="1"/>
+                  </p:cNvSpPr>
+                  <p:nvPr/>
+                </p:nvSpPr>
+                <p:spPr>
+                  <a:xfrm>
+                    <a:off x="1552911" y="1425094"/>
+                    <a:ext cx="780405" cy="584775"/>
+                  </a:xfrm>
+                  <a:prstGeom prst="rect">
+                    <a:avLst/>
+                  </a:prstGeom>
+                  <a:blipFill>
+                    <a:blip r:embed="rId8"/>
+                    <a:stretch>
+                      <a:fillRect/>
+                    </a:stretch>
+                  </a:blipFill>
+                </p:spPr>
+                <p:txBody>
+                  <a:bodyPr/>
+                  <a:lstStyle/>
+                  <a:p>
+                    <a:r>
+                      <a:rPr lang="en-US">
+                        <a:noFill/>
+                      </a:rPr>
+                      <a:t> </a:t>
+                    </a:r>
+                  </a:p>
+                </p:txBody>
+              </p:sp>
+            </mc:Fallback>
+          </mc:AlternateContent>
+          <mc:AlternateContent xmlns:mc="http://schemas.openxmlformats.org/markup-compatibility/2006">
+            <mc:Choice xmlns:a14="http://schemas.microsoft.com/office/drawing/2010/main" Requires="a14">
+              <p:sp>
+                <p:nvSpPr>
+                  <p:cNvPr id="22" name="TextBox 21">
+                    <a:extLst>
+                      <a:ext uri="{FF2B5EF4-FFF2-40B4-BE49-F238E27FC236}">
+                        <a16:creationId xmlns:a16="http://schemas.microsoft.com/office/drawing/2014/main" id="{1A0E70DE-3EBC-44B1-B159-829EB91F833F}"/>
+                      </a:ext>
+                    </a:extLst>
+                  </p:cNvPr>
+                  <p:cNvSpPr txBox="1"/>
+                  <p:nvPr/>
+                </p:nvSpPr>
+                <p:spPr>
+                  <a:xfrm>
+                    <a:off x="2863562" y="2464198"/>
+                    <a:ext cx="736997" cy="584775"/>
+                  </a:xfrm>
+                  <a:prstGeom prst="rect">
+                    <a:avLst/>
+                  </a:prstGeom>
+                  <a:noFill/>
+                </p:spPr>
+                <p:txBody>
+                  <a:bodyPr wrap="none" rtlCol="0">
+                    <a:spAutoFit/>
+                  </a:bodyPr>
+                  <a:lstStyle/>
+                  <a:p>
+                    <a:pPr/>
+                    <a14:m>
+                      <m:oMathPara xmlns:m="http://schemas.openxmlformats.org/officeDocument/2006/math">
+                        <m:oMathParaPr>
+                          <m:jc m:val="centerGroup"/>
+                        </m:oMathParaPr>
+                        <m:oMath xmlns:m="http://schemas.openxmlformats.org/officeDocument/2006/math">
+                          <m:sSub>
+                            <m:sSubPr>
+                              <m:ctrlPr>
+                                <a:rPr lang="en-US" sz="3200" b="0" i="1" smtClean="0">
+                                  <a:latin typeface="Cambria Math" panose="02040503050406030204" pitchFamily="18" charset="0"/>
+                                </a:rPr>
+                              </m:ctrlPr>
+                            </m:sSubPr>
+                            <m:e>
+                              <m:r>
+                                <a:rPr lang="en-US" sz="3200" b="0" i="1" smtClean="0">
+                                  <a:latin typeface="Cambria Math" panose="02040503050406030204" pitchFamily="18" charset="0"/>
+                                </a:rPr>
+                                <m:t>𝜔</m:t>
+                              </m:r>
+                            </m:e>
+                            <m:sub>
+                              <m:r>
+                                <a:rPr lang="en-US" sz="3200" b="0" i="1" smtClean="0">
+                                  <a:latin typeface="Cambria Math" panose="02040503050406030204" pitchFamily="18" charset="0"/>
+                                </a:rPr>
+                                <m:t>𝑐</m:t>
+                              </m:r>
+                            </m:sub>
+                          </m:sSub>
+                        </m:oMath>
+                      </m:oMathPara>
+                    </a14:m>
+                    <a:endParaRPr lang="en-US" sz="3200" dirty="0"/>
+                  </a:p>
+                </p:txBody>
+              </p:sp>
+            </mc:Choice>
+            <mc:Fallback>
+              <p:sp>
+                <p:nvSpPr>
+                  <p:cNvPr id="22" name="TextBox 21">
+                    <a:extLst>
+                      <a:ext uri="{FF2B5EF4-FFF2-40B4-BE49-F238E27FC236}">
+                        <a16:creationId xmlns:a16="http://schemas.microsoft.com/office/drawing/2014/main" id="{1A0E70DE-3EBC-44B1-B159-829EB91F833F}"/>
+                      </a:ext>
+                    </a:extLst>
+                  </p:cNvPr>
+                  <p:cNvSpPr txBox="1">
+                    <a:spLocks noRot="1" noChangeAspect="1" noMove="1" noResize="1" noEditPoints="1" noAdjustHandles="1" noChangeArrowheads="1" noChangeShapeType="1" noTextEdit="1"/>
+                  </p:cNvSpPr>
+                  <p:nvPr/>
+                </p:nvSpPr>
+                <p:spPr>
+                  <a:xfrm>
+                    <a:off x="2863562" y="2464198"/>
+                    <a:ext cx="736997" cy="584775"/>
+                  </a:xfrm>
+                  <a:prstGeom prst="rect">
+                    <a:avLst/>
+                  </a:prstGeom>
+                  <a:blipFill>
+                    <a:blip r:embed="rId9"/>
+                    <a:stretch>
+                      <a:fillRect/>
+                    </a:stretch>
+                  </a:blipFill>
+                </p:spPr>
+                <p:txBody>
+                  <a:bodyPr/>
+                  <a:lstStyle/>
+                  <a:p>
+                    <a:r>
+                      <a:rPr lang="en-US">
+                        <a:noFill/>
+                      </a:rPr>
+                      <a:t> </a:t>
+                    </a:r>
+                  </a:p>
+                </p:txBody>
+              </p:sp>
+            </mc:Fallback>
+          </mc:AlternateContent>
+          <p:cxnSp>
+            <p:nvCxnSpPr>
+              <p:cNvPr id="3" name="Straight Arrow Connector 2">
+                <a:extLst>
+                  <a:ext uri="{FF2B5EF4-FFF2-40B4-BE49-F238E27FC236}">
+                    <a16:creationId xmlns:a16="http://schemas.microsoft.com/office/drawing/2014/main" id="{28CBAA6C-520C-4061-BC6E-2EB142E517AD}"/>
+                  </a:ext>
+                </a:extLst>
+              </p:cNvPr>
+              <p:cNvCxnSpPr>
+                <a:cxnSpLocks/>
+              </p:cNvCxnSpPr>
+              <p:nvPr/>
+            </p:nvCxnSpPr>
+            <p:spPr>
+              <a:xfrm>
+                <a:off x="5849888" y="276345"/>
+                <a:ext cx="56890" cy="2566736"/>
+              </a:xfrm>
+              <a:prstGeom prst="straightConnector1">
+                <a:avLst/>
+              </a:prstGeom>
+              <a:ln w="38100">
+                <a:headEnd type="triangle"/>
+                <a:tailEnd type="triangle"/>
+              </a:ln>
+            </p:spPr>
+            <p:style>
+              <a:lnRef idx="3">
+                <a:schemeClr val="accent5"/>
+              </a:lnRef>
+              <a:fillRef idx="0">
+                <a:schemeClr val="accent5"/>
+              </a:fillRef>
+              <a:effectRef idx="2">
+                <a:schemeClr val="accent5"/>
+              </a:effectRef>
+              <a:fontRef idx="minor">
+                <a:schemeClr val="tx1"/>
+              </a:fontRef>
+            </p:style>
+          </p:cxnSp>
+          <p:cxnSp>
+            <p:nvCxnSpPr>
+              <p:cNvPr id="17" name="Straight Arrow Connector 16">
+                <a:extLst>
+                  <a:ext uri="{FF2B5EF4-FFF2-40B4-BE49-F238E27FC236}">
+                    <a16:creationId xmlns:a16="http://schemas.microsoft.com/office/drawing/2014/main" id="{78CDC9CA-C015-46EB-A715-915186A62CD4}"/>
+                  </a:ext>
+                </a:extLst>
+              </p:cNvPr>
+              <p:cNvCxnSpPr>
+                <a:cxnSpLocks/>
+              </p:cNvCxnSpPr>
+              <p:nvPr/>
+            </p:nvCxnSpPr>
+            <p:spPr>
+              <a:xfrm>
+                <a:off x="5190214" y="318185"/>
+                <a:ext cx="0" cy="1399296"/>
+              </a:xfrm>
+              <a:prstGeom prst="straightConnector1">
+                <a:avLst/>
+              </a:prstGeom>
+              <a:ln w="38100">
+                <a:solidFill>
+                  <a:srgbClr val="FF0000"/>
+                </a:solidFill>
+                <a:headEnd type="triangle"/>
+                <a:tailEnd type="triangle"/>
+              </a:ln>
+            </p:spPr>
+            <p:style>
+              <a:lnRef idx="3">
+                <a:schemeClr val="accent5"/>
+              </a:lnRef>
+              <a:fillRef idx="0">
+                <a:schemeClr val="accent5"/>
+              </a:fillRef>
+              <a:effectRef idx="2">
+                <a:schemeClr val="accent5"/>
+              </a:effectRef>
+              <a:fontRef idx="minor">
+                <a:schemeClr val="tx1"/>
+              </a:fontRef>
+            </p:style>
+          </p:cxnSp>
+          <p:cxnSp>
+            <p:nvCxnSpPr>
+              <p:cNvPr id="20" name="Straight Arrow Connector 19">
+                <a:extLst>
+                  <a:ext uri="{FF2B5EF4-FFF2-40B4-BE49-F238E27FC236}">
+                    <a16:creationId xmlns:a16="http://schemas.microsoft.com/office/drawing/2014/main" id="{D641F844-A1A3-4043-BAAB-9CF756BD0DA3}"/>
+                  </a:ext>
+                </a:extLst>
+              </p:cNvPr>
+              <p:cNvCxnSpPr>
+                <a:cxnSpLocks/>
+              </p:cNvCxnSpPr>
+              <p:nvPr/>
+            </p:nvCxnSpPr>
+            <p:spPr>
+              <a:xfrm>
+                <a:off x="5203294" y="1717481"/>
+                <a:ext cx="27976" cy="1125600"/>
+              </a:xfrm>
+              <a:prstGeom prst="straightConnector1">
+                <a:avLst/>
+              </a:prstGeom>
+              <a:ln w="38100">
+                <a:solidFill>
+                  <a:srgbClr val="92D050"/>
+                </a:solidFill>
+                <a:headEnd type="triangle"/>
+                <a:tailEnd type="triangle"/>
+              </a:ln>
+            </p:spPr>
+            <p:style>
+              <a:lnRef idx="3">
+                <a:schemeClr val="accent5"/>
+              </a:lnRef>
+              <a:fillRef idx="0">
+                <a:schemeClr val="accent5"/>
+              </a:fillRef>
+              <a:effectRef idx="2">
+                <a:schemeClr val="accent5"/>
+              </a:effectRef>
+              <a:fontRef idx="minor">
+                <a:schemeClr val="tx1"/>
+              </a:fontRef>
+            </p:style>
+          </p:cxnSp>
+          <mc:AlternateContent xmlns:mc="http://schemas.openxmlformats.org/markup-compatibility/2006">
+            <mc:Choice xmlns:a14="http://schemas.microsoft.com/office/drawing/2010/main" Requires="a14">
+              <p:sp>
+                <p:nvSpPr>
+                  <p:cNvPr id="24" name="TextBox 23">
+                    <a:extLst>
+                      <a:ext uri="{FF2B5EF4-FFF2-40B4-BE49-F238E27FC236}">
+                        <a16:creationId xmlns:a16="http://schemas.microsoft.com/office/drawing/2014/main" id="{2165162F-C3FD-4E1E-AD58-FD47956E9302}"/>
+                      </a:ext>
+                    </a:extLst>
+                  </p:cNvPr>
+                  <p:cNvSpPr txBox="1"/>
+                  <p:nvPr/>
+                </p:nvSpPr>
+                <p:spPr>
+                  <a:xfrm>
+                    <a:off x="6091081" y="1017833"/>
+                    <a:ext cx="993605" cy="584775"/>
+                  </a:xfrm>
+                  <a:prstGeom prst="rect">
+                    <a:avLst/>
+                  </a:prstGeom>
+                  <a:noFill/>
+                </p:spPr>
+                <p:txBody>
+                  <a:bodyPr wrap="none" rtlCol="0">
+                    <a:spAutoFit/>
+                  </a:bodyPr>
+                  <a:lstStyle/>
+                  <a:p>
+                    <a:pPr/>
+                    <a14:m>
+                      <m:oMathPara xmlns:m="http://schemas.openxmlformats.org/officeDocument/2006/math">
+                        <m:oMathParaPr>
+                          <m:jc m:val="centerGroup"/>
+                        </m:oMathParaPr>
+                        <m:oMath xmlns:m="http://schemas.openxmlformats.org/officeDocument/2006/math">
+                          <m:sSub>
+                            <m:sSubPr>
+                              <m:ctrlPr>
+                                <a:rPr lang="en-US" sz="3200" b="0" i="1" smtClean="0">
+                                  <a:latin typeface="Cambria Math" panose="02040503050406030204" pitchFamily="18" charset="0"/>
+                                </a:rPr>
+                              </m:ctrlPr>
+                            </m:sSubPr>
+                            <m:e>
+                              <m:r>
+                                <a:rPr lang="en-US" sz="3200" b="0" i="1" smtClean="0">
+                                  <a:latin typeface="Cambria Math" panose="02040503050406030204" pitchFamily="18" charset="0"/>
+                                </a:rPr>
+                                <m:t>2</m:t>
+                              </m:r>
+                              <m:r>
+                                <a:rPr lang="en-US" sz="3200" b="0" i="1" smtClean="0">
+                                  <a:latin typeface="Cambria Math" panose="02040503050406030204" pitchFamily="18" charset="0"/>
+                                </a:rPr>
+                                <m:t>𝜔</m:t>
+                              </m:r>
+                            </m:e>
+                            <m:sub>
+                              <m:r>
+                                <a:rPr lang="en-US" sz="3200" b="0" i="1" smtClean="0">
+                                  <a:latin typeface="Cambria Math" panose="02040503050406030204" pitchFamily="18" charset="0"/>
+                                </a:rPr>
+                                <m:t>0</m:t>
+                              </m:r>
+                            </m:sub>
+                          </m:sSub>
+                        </m:oMath>
+                      </m:oMathPara>
+                    </a14:m>
+                    <a:endParaRPr lang="en-US" sz="3200" dirty="0"/>
+                  </a:p>
+                </p:txBody>
+              </p:sp>
+            </mc:Choice>
+            <mc:Fallback>
+              <p:sp>
+                <p:nvSpPr>
+                  <p:cNvPr id="24" name="TextBox 23">
+                    <a:extLst>
+                      <a:ext uri="{FF2B5EF4-FFF2-40B4-BE49-F238E27FC236}">
+                        <a16:creationId xmlns:a16="http://schemas.microsoft.com/office/drawing/2014/main" id="{2165162F-C3FD-4E1E-AD58-FD47956E9302}"/>
+                      </a:ext>
+                    </a:extLst>
+                  </p:cNvPr>
+                  <p:cNvSpPr txBox="1">
+                    <a:spLocks noRot="1" noChangeAspect="1" noMove="1" noResize="1" noEditPoints="1" noAdjustHandles="1" noChangeArrowheads="1" noChangeShapeType="1" noTextEdit="1"/>
+                  </p:cNvSpPr>
+                  <p:nvPr/>
+                </p:nvSpPr>
+                <p:spPr>
+                  <a:xfrm>
+                    <a:off x="6091081" y="1017833"/>
+                    <a:ext cx="993605" cy="584775"/>
+                  </a:xfrm>
+                  <a:prstGeom prst="rect">
+                    <a:avLst/>
+                  </a:prstGeom>
+                  <a:blipFill>
+                    <a:blip r:embed="rId10"/>
+                    <a:stretch>
+                      <a:fillRect/>
+                    </a:stretch>
+                  </a:blipFill>
+                </p:spPr>
+                <p:txBody>
+                  <a:bodyPr/>
+                  <a:lstStyle/>
+                  <a:p>
+                    <a:r>
+                      <a:rPr lang="en-US">
+                        <a:noFill/>
+                      </a:rPr>
+                      <a:t> </a:t>
+                    </a:r>
+                  </a:p>
+                </p:txBody>
+              </p:sp>
+            </mc:Fallback>
+          </mc:AlternateContent>
+          <mc:AlternateContent xmlns:mc="http://schemas.openxmlformats.org/markup-compatibility/2006">
+            <mc:Choice xmlns:a14="http://schemas.microsoft.com/office/drawing/2010/main" Requires="a14">
+              <p:sp>
+                <p:nvSpPr>
+                  <p:cNvPr id="25" name="TextBox 24">
+                    <a:extLst>
+                      <a:ext uri="{FF2B5EF4-FFF2-40B4-BE49-F238E27FC236}">
+                        <a16:creationId xmlns:a16="http://schemas.microsoft.com/office/drawing/2014/main" id="{C8EE8516-6A8F-46BC-A836-BA7C55A9E94D}"/>
+                      </a:ext>
+                    </a:extLst>
+                  </p:cNvPr>
+                  <p:cNvSpPr txBox="1"/>
+                  <p:nvPr/>
+                </p:nvSpPr>
+                <p:spPr>
+                  <a:xfrm>
+                    <a:off x="3938511" y="897789"/>
+                    <a:ext cx="1782924" cy="584775"/>
+                  </a:xfrm>
+                  <a:prstGeom prst="rect">
+                    <a:avLst/>
+                  </a:prstGeom>
+                  <a:noFill/>
+                </p:spPr>
+                <p:txBody>
+                  <a:bodyPr wrap="none" rtlCol="0">
+                    <a:spAutoFit/>
+                  </a:bodyPr>
+                  <a:lstStyle/>
+                  <a:p>
+                    <a:pPr/>
+                    <a14:m>
+                      <m:oMathPara xmlns:m="http://schemas.openxmlformats.org/officeDocument/2006/math">
+                        <m:oMathParaPr>
+                          <m:jc m:val="centerGroup"/>
+                        </m:oMathParaPr>
+                        <m:oMath xmlns:m="http://schemas.openxmlformats.org/officeDocument/2006/math">
+                          <m:sSub>
+                            <m:sSubPr>
+                              <m:ctrlPr>
+                                <a:rPr lang="en-US" sz="3200" b="0" i="1" smtClean="0">
+                                  <a:latin typeface="Cambria Math" panose="02040503050406030204" pitchFamily="18" charset="0"/>
+                                </a:rPr>
+                              </m:ctrlPr>
+                            </m:sSubPr>
+                            <m:e>
+                              <m:r>
+                                <a:rPr lang="en-US" sz="3200" b="0" i="1" smtClean="0">
+                                  <a:latin typeface="Cambria Math" panose="02040503050406030204" pitchFamily="18" charset="0"/>
+                                </a:rPr>
+                                <m:t>𝜔</m:t>
+                              </m:r>
+                            </m:e>
+                            <m:sub>
+                              <m:r>
+                                <a:rPr lang="en-US" sz="3200" b="0" i="1" smtClean="0">
+                                  <a:latin typeface="Cambria Math" panose="02040503050406030204" pitchFamily="18" charset="0"/>
+                                </a:rPr>
+                                <m:t>0</m:t>
+                              </m:r>
+                            </m:sub>
+                          </m:sSub>
                           <m:r>
                             <a:rPr lang="en-US" sz="3200" b="0" i="1" smtClean="0">
                               <a:latin typeface="Cambria Math" panose="02040503050406030204" pitchFamily="18" charset="0"/>
                             </a:rPr>
-                            <m:t>2</m:t>
+                            <m:t>+</m:t>
                           </m:r>
                           <m:r>
                             <a:rPr lang="en-US" sz="3200" b="0" i="1" smtClean="0">
                               <a:latin typeface="Cambria Math" panose="02040503050406030204" pitchFamily="18" charset="0"/>
                             </a:rPr>
-                            <m:t>𝜔</m:t>
+                            <m:t>𝛿𝜔</m:t>
                           </m:r>
-                        </m:e>
-                        <m:sub>
+                        </m:oMath>
+                      </m:oMathPara>
+                    </a14:m>
+                    <a:endParaRPr lang="en-US" sz="3200" dirty="0"/>
+                  </a:p>
+                </p:txBody>
+              </p:sp>
+            </mc:Choice>
+            <mc:Fallback>
+              <p:sp>
+                <p:nvSpPr>
+                  <p:cNvPr id="25" name="TextBox 24">
+                    <a:extLst>
+                      <a:ext uri="{FF2B5EF4-FFF2-40B4-BE49-F238E27FC236}">
+                        <a16:creationId xmlns:a16="http://schemas.microsoft.com/office/drawing/2014/main" id="{C8EE8516-6A8F-46BC-A836-BA7C55A9E94D}"/>
+                      </a:ext>
+                    </a:extLst>
+                  </p:cNvPr>
+                  <p:cNvSpPr txBox="1">
+                    <a:spLocks noRot="1" noChangeAspect="1" noMove="1" noResize="1" noEditPoints="1" noAdjustHandles="1" noChangeArrowheads="1" noChangeShapeType="1" noTextEdit="1"/>
+                  </p:cNvSpPr>
+                  <p:nvPr/>
+                </p:nvSpPr>
+                <p:spPr>
+                  <a:xfrm>
+                    <a:off x="3938511" y="897789"/>
+                    <a:ext cx="1782924" cy="584775"/>
+                  </a:xfrm>
+                  <a:prstGeom prst="rect">
+                    <a:avLst/>
+                  </a:prstGeom>
+                  <a:blipFill>
+                    <a:blip r:embed="rId11"/>
+                    <a:stretch>
+                      <a:fillRect/>
+                    </a:stretch>
+                  </a:blipFill>
+                </p:spPr>
+                <p:txBody>
+                  <a:bodyPr/>
+                  <a:lstStyle/>
+                  <a:p>
+                    <a:r>
+                      <a:rPr lang="en-US">
+                        <a:noFill/>
+                      </a:rPr>
+                      <a:t> </a:t>
+                    </a:r>
+                  </a:p>
+                </p:txBody>
+              </p:sp>
+            </mc:Fallback>
+          </mc:AlternateContent>
+          <mc:AlternateContent xmlns:mc="http://schemas.openxmlformats.org/markup-compatibility/2006">
+            <mc:Choice xmlns:a14="http://schemas.microsoft.com/office/drawing/2010/main" Requires="a14">
+              <p:sp>
+                <p:nvSpPr>
+                  <p:cNvPr id="28" name="TextBox 27">
+                    <a:extLst>
+                      <a:ext uri="{FF2B5EF4-FFF2-40B4-BE49-F238E27FC236}">
+                        <a16:creationId xmlns:a16="http://schemas.microsoft.com/office/drawing/2014/main" id="{D27BF16A-42DD-4046-800A-60468DBBC31D}"/>
+                      </a:ext>
+                    </a:extLst>
+                  </p:cNvPr>
+                  <p:cNvSpPr txBox="1"/>
+                  <p:nvPr/>
+                </p:nvSpPr>
+                <p:spPr>
+                  <a:xfrm>
+                    <a:off x="3880657" y="1985807"/>
+                    <a:ext cx="1782924" cy="584775"/>
+                  </a:xfrm>
+                  <a:prstGeom prst="rect">
+                    <a:avLst/>
+                  </a:prstGeom>
+                  <a:noFill/>
+                </p:spPr>
+                <p:txBody>
+                  <a:bodyPr wrap="none" rtlCol="0">
+                    <a:spAutoFit/>
+                  </a:bodyPr>
+                  <a:lstStyle/>
+                  <a:p>
+                    <a:pPr/>
+                    <a14:m>
+                      <m:oMathPara xmlns:m="http://schemas.openxmlformats.org/officeDocument/2006/math">
+                        <m:oMathParaPr>
+                          <m:jc m:val="centerGroup"/>
+                        </m:oMathParaPr>
+                        <m:oMath xmlns:m="http://schemas.openxmlformats.org/officeDocument/2006/math">
+                          <m:sSub>
+                            <m:sSubPr>
+                              <m:ctrlPr>
+                                <a:rPr lang="en-US" sz="3200" b="0" i="1" smtClean="0">
+                                  <a:latin typeface="Cambria Math" panose="02040503050406030204" pitchFamily="18" charset="0"/>
+                                </a:rPr>
+                              </m:ctrlPr>
+                            </m:sSubPr>
+                            <m:e>
+                              <m:r>
+                                <a:rPr lang="en-US" sz="3200" b="0" i="1" smtClean="0">
+                                  <a:latin typeface="Cambria Math" panose="02040503050406030204" pitchFamily="18" charset="0"/>
+                                </a:rPr>
+                                <m:t>𝜔</m:t>
+                              </m:r>
+                            </m:e>
+                            <m:sub>
+                              <m:r>
+                                <a:rPr lang="en-US" sz="3200" b="0" i="1" smtClean="0">
+                                  <a:latin typeface="Cambria Math" panose="02040503050406030204" pitchFamily="18" charset="0"/>
+                                </a:rPr>
+                                <m:t>0</m:t>
+                              </m:r>
+                            </m:sub>
+                          </m:sSub>
                           <m:r>
                             <a:rPr lang="en-US" sz="3200" b="0" i="1" smtClean="0">
                               <a:latin typeface="Cambria Math" panose="02040503050406030204" pitchFamily="18" charset="0"/>
                             </a:rPr>
-                            <m:t>0</m:t>
+                            <m:t>−</m:t>
                           </m:r>
-                        </m:sub>
-                      </m:sSub>
-                    </m:oMath>
-                  </m:oMathPara>
-                </a14:m>
-                <a:endParaRPr lang="en-US" sz="3200" dirty="0"/>
-              </a:p>
-            </p:txBody>
-          </p:sp>
-        </mc:Choice>
-        <mc:Fallback xmlns="">
-          <p:sp>
-            <p:nvSpPr>
-              <p:cNvPr id="24" name="TextBox 23">
-                <a:extLst>
-                  <a:ext uri="{FF2B5EF4-FFF2-40B4-BE49-F238E27FC236}">
-                    <a16:creationId xmlns:a16="http://schemas.microsoft.com/office/drawing/2014/main" id="{2165162F-C3FD-4E1E-AD58-FD47956E9302}"/>
-                  </a:ext>
-                </a:extLst>
-              </p:cNvPr>
-              <p:cNvSpPr txBox="1">
-                <a:spLocks noRot="1" noChangeAspect="1" noMove="1" noResize="1" noEditPoints="1" noAdjustHandles="1" noChangeArrowheads="1" noChangeShapeType="1" noTextEdit="1"/>
-              </p:cNvSpPr>
-              <p:nvPr/>
-            </p:nvSpPr>
-            <p:spPr>
-              <a:xfrm>
-                <a:off x="6091081" y="1017833"/>
-                <a:ext cx="993605" cy="584775"/>
-              </a:xfrm>
-              <a:prstGeom prst="rect">
-                <a:avLst/>
-              </a:prstGeom>
-              <a:blipFill>
-                <a:blip r:embed="rId7"/>
-                <a:stretch>
-                  <a:fillRect/>
-                </a:stretch>
-              </a:blipFill>
-            </p:spPr>
-            <p:txBody>
-              <a:bodyPr/>
-              <a:lstStyle/>
-              <a:p>
-                <a:r>
-                  <a:rPr lang="en-US">
-                    <a:noFill/>
-                  </a:rPr>
-                  <a:t> </a:t>
-                </a:r>
-              </a:p>
-            </p:txBody>
-          </p:sp>
-        </mc:Fallback>
-      </mc:AlternateContent>
-      <mc:AlternateContent xmlns:mc="http://schemas.openxmlformats.org/markup-compatibility/2006" xmlns:a14="http://schemas.microsoft.com/office/drawing/2010/main">
-        <mc:Choice Requires="a14">
-          <p:sp>
-            <p:nvSpPr>
-              <p:cNvPr id="25" name="TextBox 24">
-                <a:extLst>
-                  <a:ext uri="{FF2B5EF4-FFF2-40B4-BE49-F238E27FC236}">
-                    <a16:creationId xmlns:a16="http://schemas.microsoft.com/office/drawing/2014/main" id="{C8EE8516-6A8F-46BC-A836-BA7C55A9E94D}"/>
-                  </a:ext>
-                </a:extLst>
-              </p:cNvPr>
-              <p:cNvSpPr txBox="1"/>
-              <p:nvPr/>
-            </p:nvSpPr>
-            <p:spPr>
-              <a:xfrm>
-                <a:off x="3938511" y="897789"/>
-                <a:ext cx="1782924" cy="584775"/>
-              </a:xfrm>
-              <a:prstGeom prst="rect">
-                <a:avLst/>
-              </a:prstGeom>
-              <a:noFill/>
-            </p:spPr>
-            <p:txBody>
-              <a:bodyPr wrap="none" rtlCol="0">
-                <a:spAutoFit/>
-              </a:bodyPr>
-              <a:lstStyle/>
-              <a:p>
-                <a:pPr/>
-                <a14:m>
-                  <m:oMathPara xmlns:m="http://schemas.openxmlformats.org/officeDocument/2006/math">
-                    <m:oMathParaPr>
-                      <m:jc m:val="centerGroup"/>
-                    </m:oMathParaPr>
-                    <m:oMath xmlns:m="http://schemas.openxmlformats.org/officeDocument/2006/math">
-                      <m:sSub>
-                        <m:sSubPr>
-                          <m:ctrlPr>
-                            <a:rPr lang="en-US" sz="3200" b="0" i="1" smtClean="0">
-                              <a:latin typeface="Cambria Math" panose="02040503050406030204" pitchFamily="18" charset="0"/>
-                            </a:rPr>
-                          </m:ctrlPr>
-                        </m:sSubPr>
-                        <m:e>
                           <m:r>
                             <a:rPr lang="en-US" sz="3200" b="0" i="1" smtClean="0">
                               <a:latin typeface="Cambria Math" panose="02040503050406030204" pitchFamily="18" charset="0"/>
                             </a:rPr>
-                            <m:t>𝜔</m:t>
+                            <m:t>𝛿𝜔</m:t>
                           </m:r>
-                        </m:e>
-                        <m:sub>
-                          <m:r>
-                            <a:rPr lang="en-US" sz="3200" b="0" i="1" smtClean="0">
-                              <a:latin typeface="Cambria Math" panose="02040503050406030204" pitchFamily="18" charset="0"/>
-                            </a:rPr>
-                            <m:t>0</m:t>
-                          </m:r>
-                        </m:sub>
-                      </m:sSub>
-                      <m:r>
-                        <a:rPr lang="en-US" sz="3200" b="0" i="1" smtClean="0">
-                          <a:latin typeface="Cambria Math" panose="02040503050406030204" pitchFamily="18" charset="0"/>
-                        </a:rPr>
-                        <m:t>+</m:t>
-                      </m:r>
-                      <m:r>
-                        <a:rPr lang="en-US" sz="3200" b="0" i="1" smtClean="0">
-                          <a:latin typeface="Cambria Math" panose="02040503050406030204" pitchFamily="18" charset="0"/>
-                        </a:rPr>
-                        <m:t>𝛿𝜔</m:t>
-                      </m:r>
-                    </m:oMath>
-                  </m:oMathPara>
-                </a14:m>
-                <a:endParaRPr lang="en-US" sz="3200" dirty="0"/>
-              </a:p>
-            </p:txBody>
-          </p:sp>
-        </mc:Choice>
-        <mc:Fallback xmlns="">
-          <p:sp>
-            <p:nvSpPr>
-              <p:cNvPr id="25" name="TextBox 24">
-                <a:extLst>
-                  <a:ext uri="{FF2B5EF4-FFF2-40B4-BE49-F238E27FC236}">
-                    <a16:creationId xmlns:a16="http://schemas.microsoft.com/office/drawing/2014/main" id="{C8EE8516-6A8F-46BC-A836-BA7C55A9E94D}"/>
-                  </a:ext>
-                </a:extLst>
-              </p:cNvPr>
-              <p:cNvSpPr txBox="1">
-                <a:spLocks noRot="1" noChangeAspect="1" noMove="1" noResize="1" noEditPoints="1" noAdjustHandles="1" noChangeArrowheads="1" noChangeShapeType="1" noTextEdit="1"/>
-              </p:cNvSpPr>
-              <p:nvPr/>
-            </p:nvSpPr>
-            <p:spPr>
-              <a:xfrm>
-                <a:off x="3938511" y="897789"/>
-                <a:ext cx="1782924" cy="584775"/>
-              </a:xfrm>
-              <a:prstGeom prst="rect">
-                <a:avLst/>
-              </a:prstGeom>
-              <a:blipFill>
-                <a:blip r:embed="rId8"/>
-                <a:stretch>
-                  <a:fillRect/>
-                </a:stretch>
-              </a:blipFill>
-            </p:spPr>
-            <p:txBody>
-              <a:bodyPr/>
-              <a:lstStyle/>
-              <a:p>
-                <a:r>
-                  <a:rPr lang="en-US">
-                    <a:noFill/>
-                  </a:rPr>
-                  <a:t> </a:t>
-                </a:r>
-              </a:p>
-            </p:txBody>
-          </p:sp>
-        </mc:Fallback>
-      </mc:AlternateContent>
-      <mc:AlternateContent xmlns:mc="http://schemas.openxmlformats.org/markup-compatibility/2006" xmlns:a14="http://schemas.microsoft.com/office/drawing/2010/main">
-        <mc:Choice Requires="a14">
-          <p:sp>
-            <p:nvSpPr>
-              <p:cNvPr id="28" name="TextBox 27">
-                <a:extLst>
-                  <a:ext uri="{FF2B5EF4-FFF2-40B4-BE49-F238E27FC236}">
-                    <a16:creationId xmlns:a16="http://schemas.microsoft.com/office/drawing/2014/main" id="{D27BF16A-42DD-4046-800A-60468DBBC31D}"/>
-                  </a:ext>
-                </a:extLst>
-              </p:cNvPr>
-              <p:cNvSpPr txBox="1"/>
-              <p:nvPr/>
-            </p:nvSpPr>
-            <p:spPr>
-              <a:xfrm>
-                <a:off x="3880657" y="1985807"/>
-                <a:ext cx="1782924" cy="584775"/>
-              </a:xfrm>
-              <a:prstGeom prst="rect">
-                <a:avLst/>
-              </a:prstGeom>
-              <a:noFill/>
-            </p:spPr>
-            <p:txBody>
-              <a:bodyPr wrap="none" rtlCol="0">
-                <a:spAutoFit/>
-              </a:bodyPr>
-              <a:lstStyle/>
-              <a:p>
-                <a:pPr/>
-                <a14:m>
-                  <m:oMathPara xmlns:m="http://schemas.openxmlformats.org/officeDocument/2006/math">
-                    <m:oMathParaPr>
-                      <m:jc m:val="centerGroup"/>
-                    </m:oMathParaPr>
-                    <m:oMath xmlns:m="http://schemas.openxmlformats.org/officeDocument/2006/math">
-                      <m:sSub>
-                        <m:sSubPr>
-                          <m:ctrlPr>
-                            <a:rPr lang="en-US" sz="3200" b="0" i="1" smtClean="0">
-                              <a:latin typeface="Cambria Math" panose="02040503050406030204" pitchFamily="18" charset="0"/>
-                            </a:rPr>
-                          </m:ctrlPr>
-                        </m:sSubPr>
-                        <m:e>
-                          <m:r>
-                            <a:rPr lang="en-US" sz="3200" b="0" i="1" smtClean="0">
-                              <a:latin typeface="Cambria Math" panose="02040503050406030204" pitchFamily="18" charset="0"/>
-                            </a:rPr>
-                            <m:t>𝜔</m:t>
-                          </m:r>
-                        </m:e>
-                        <m:sub>
-                          <m:r>
-                            <a:rPr lang="en-US" sz="3200" b="0" i="1" smtClean="0">
-                              <a:latin typeface="Cambria Math" panose="02040503050406030204" pitchFamily="18" charset="0"/>
-                            </a:rPr>
-                            <m:t>0</m:t>
-                          </m:r>
-                        </m:sub>
-                      </m:sSub>
-                      <m:r>
-                        <a:rPr lang="en-US" sz="3200" b="0" i="1" smtClean="0">
-                          <a:latin typeface="Cambria Math" panose="02040503050406030204" pitchFamily="18" charset="0"/>
-                        </a:rPr>
-                        <m:t>−</m:t>
-                      </m:r>
-                      <m:r>
-                        <a:rPr lang="en-US" sz="3200" b="0" i="1" smtClean="0">
-                          <a:latin typeface="Cambria Math" panose="02040503050406030204" pitchFamily="18" charset="0"/>
-                        </a:rPr>
-                        <m:t>𝛿𝜔</m:t>
-                      </m:r>
-                    </m:oMath>
-                  </m:oMathPara>
-                </a14:m>
-                <a:endParaRPr lang="en-US" sz="3200" dirty="0"/>
-              </a:p>
-            </p:txBody>
-          </p:sp>
-        </mc:Choice>
-        <mc:Fallback xmlns="">
-          <p:sp>
-            <p:nvSpPr>
-              <p:cNvPr id="28" name="TextBox 27">
-                <a:extLst>
-                  <a:ext uri="{FF2B5EF4-FFF2-40B4-BE49-F238E27FC236}">
-                    <a16:creationId xmlns:a16="http://schemas.microsoft.com/office/drawing/2014/main" id="{D27BF16A-42DD-4046-800A-60468DBBC31D}"/>
-                  </a:ext>
-                </a:extLst>
-              </p:cNvPr>
-              <p:cNvSpPr txBox="1">
-                <a:spLocks noRot="1" noChangeAspect="1" noMove="1" noResize="1" noEditPoints="1" noAdjustHandles="1" noChangeArrowheads="1" noChangeShapeType="1" noTextEdit="1"/>
-              </p:cNvSpPr>
-              <p:nvPr/>
-            </p:nvSpPr>
-            <p:spPr>
-              <a:xfrm>
-                <a:off x="3880657" y="1985807"/>
-                <a:ext cx="1782924" cy="584775"/>
-              </a:xfrm>
-              <a:prstGeom prst="rect">
-                <a:avLst/>
-              </a:prstGeom>
-              <a:blipFill>
-                <a:blip r:embed="rId9"/>
-                <a:stretch>
-                  <a:fillRect/>
-                </a:stretch>
-              </a:blipFill>
-            </p:spPr>
-            <p:txBody>
-              <a:bodyPr/>
-              <a:lstStyle/>
-              <a:p>
-                <a:r>
-                  <a:rPr lang="en-US">
-                    <a:noFill/>
-                  </a:rPr>
-                  <a:t> </a:t>
-                </a:r>
-              </a:p>
-            </p:txBody>
-          </p:sp>
-        </mc:Fallback>
-      </mc:AlternateContent>
+                        </m:oMath>
+                      </m:oMathPara>
+                    </a14:m>
+                    <a:endParaRPr lang="en-US" sz="3200" dirty="0"/>
+                  </a:p>
+                </p:txBody>
+              </p:sp>
+            </mc:Choice>
+            <mc:Fallback>
+              <p:sp>
+                <p:nvSpPr>
+                  <p:cNvPr id="28" name="TextBox 27">
+                    <a:extLst>
+                      <a:ext uri="{FF2B5EF4-FFF2-40B4-BE49-F238E27FC236}">
+                        <a16:creationId xmlns:a16="http://schemas.microsoft.com/office/drawing/2014/main" id="{D27BF16A-42DD-4046-800A-60468DBBC31D}"/>
+                      </a:ext>
+                    </a:extLst>
+                  </p:cNvPr>
+                  <p:cNvSpPr txBox="1">
+                    <a:spLocks noRot="1" noChangeAspect="1" noMove="1" noResize="1" noEditPoints="1" noAdjustHandles="1" noChangeArrowheads="1" noChangeShapeType="1" noTextEdit="1"/>
+                  </p:cNvSpPr>
+                  <p:nvPr/>
+                </p:nvSpPr>
+                <p:spPr>
+                  <a:xfrm>
+                    <a:off x="3880657" y="1985807"/>
+                    <a:ext cx="1782924" cy="584775"/>
+                  </a:xfrm>
+                  <a:prstGeom prst="rect">
+                    <a:avLst/>
+                  </a:prstGeom>
+                  <a:blipFill>
+                    <a:blip r:embed="rId12"/>
+                    <a:stretch>
+                      <a:fillRect/>
+                    </a:stretch>
+                  </a:blipFill>
+                </p:spPr>
+                <p:txBody>
+                  <a:bodyPr/>
+                  <a:lstStyle/>
+                  <a:p>
+                    <a:r>
+                      <a:rPr lang="en-US">
+                        <a:noFill/>
+                      </a:rPr>
+                      <a:t> </a:t>
+                    </a:r>
+                  </a:p>
+                </p:txBody>
+              </p:sp>
+            </mc:Fallback>
+          </mc:AlternateContent>
+        </p:grpSp>
+      </p:grpSp>
     </p:spTree>
     <p:extLst>
       <p:ext uri="{BB962C8B-B14F-4D97-AF65-F5344CB8AC3E}">
@@ -18459,8 +18501,8 @@
           </a:p>
         </p:txBody>
       </p:sp>
-      <mc:AlternateContent xmlns:mc="http://schemas.openxmlformats.org/markup-compatibility/2006">
-        <mc:Choice xmlns:a14="http://schemas.microsoft.com/office/drawing/2010/main" Requires="a14">
+      <mc:AlternateContent xmlns:mc="http://schemas.openxmlformats.org/markup-compatibility/2006" xmlns:a14="http://schemas.microsoft.com/office/drawing/2010/main">
+        <mc:Choice Requires="a14">
           <p:sp>
             <p:nvSpPr>
               <p:cNvPr id="7" name="TextBox 6">
@@ -18489,6 +18531,7 @@
               </a:bodyPr>
               <a:lstStyle/>
               <a:p>
+                <a:pPr/>
                 <a14:m>
                   <m:oMathPara xmlns:m="http://schemas.openxmlformats.org/officeDocument/2006/math">
                     <m:oMathParaPr>
@@ -18567,7 +18610,7 @@
             </p:txBody>
           </p:sp>
         </mc:Choice>
-        <mc:Fallback>
+        <mc:Fallback xmlns="">
           <p:sp>
             <p:nvSpPr>
               <p:cNvPr id="7" name="TextBox 6">
@@ -20140,8 +20183,8 @@
           </a:prstGeom>
         </p:spPr>
       </p:pic>
-      <mc:AlternateContent xmlns:mc="http://schemas.openxmlformats.org/markup-compatibility/2006">
-        <mc:Choice xmlns:a14="http://schemas.microsoft.com/office/drawing/2010/main" Requires="a14">
+      <mc:AlternateContent xmlns:mc="http://schemas.openxmlformats.org/markup-compatibility/2006" xmlns:a14="http://schemas.microsoft.com/office/drawing/2010/main">
+        <mc:Choice Requires="a14">
           <p:sp>
             <p:nvSpPr>
               <p:cNvPr id="9" name="Rectangle 8">
@@ -20282,7 +20325,7 @@
             </p:txBody>
           </p:sp>
         </mc:Choice>
-        <mc:Fallback>
+        <mc:Fallback xmlns="">
           <p:sp>
             <p:nvSpPr>
               <p:cNvPr id="9" name="Rectangle 8">
@@ -23524,8 +23567,8 @@
           </p:sp>
         </mc:Fallback>
       </mc:AlternateContent>
-      <mc:AlternateContent xmlns:mc="http://schemas.openxmlformats.org/markup-compatibility/2006">
-        <mc:Choice xmlns:a14="http://schemas.microsoft.com/office/drawing/2010/main" Requires="a14">
+      <mc:AlternateContent xmlns:mc="http://schemas.openxmlformats.org/markup-compatibility/2006" xmlns:a14="http://schemas.microsoft.com/office/drawing/2010/main">
+        <mc:Choice Requires="a14">
           <p:sp>
             <p:nvSpPr>
               <p:cNvPr id="12" name="TextBox 11">
@@ -23642,7 +23685,7 @@
             </p:txBody>
           </p:sp>
         </mc:Choice>
-        <mc:Fallback>
+        <mc:Fallback xmlns="">
           <p:sp>
             <p:nvSpPr>
               <p:cNvPr id="12" name="TextBox 11">
@@ -24785,188 +24828,209 @@
           <a:chExt cx="0" cy="0"/>
         </a:xfrm>
       </p:grpSpPr>
-      <p:pic>
-        <p:nvPicPr>
-          <p:cNvPr id="4" name="Picture 3">
+      <p:grpSp>
+        <p:nvGrpSpPr>
+          <p:cNvPr id="6" name="Group 5">
             <a:extLst>
               <a:ext uri="{FF2B5EF4-FFF2-40B4-BE49-F238E27FC236}">
-                <a16:creationId xmlns:a16="http://schemas.microsoft.com/office/drawing/2014/main" id="{44B08358-C048-4D81-B296-DF47D311D3CD}"/>
+                <a16:creationId xmlns:a16="http://schemas.microsoft.com/office/drawing/2014/main" id="{EB38E6E8-5604-4A4C-943E-BA70D1AD1293}"/>
               </a:ext>
             </a:extLst>
           </p:cNvPr>
-          <p:cNvPicPr>
-            <a:picLocks noChangeAspect="1"/>
-          </p:cNvPicPr>
+          <p:cNvGrpSpPr/>
           <p:nvPr/>
-        </p:nvPicPr>
-        <p:blipFill>
-          <a:blip r:embed="rId2"/>
-          <a:stretch>
-            <a:fillRect/>
-          </a:stretch>
-        </p:blipFill>
-        <p:spPr>
+        </p:nvGrpSpPr>
+        <p:grpSpPr>
           <a:xfrm>
             <a:off x="979029" y="2743823"/>
             <a:ext cx="9508041" cy="1940259"/>
+            <a:chOff x="979029" y="2743823"/>
+            <a:chExt cx="9508041" cy="1940259"/>
           </a:xfrm>
-          <a:prstGeom prst="rect">
-            <a:avLst/>
-          </a:prstGeom>
-        </p:spPr>
-      </p:pic>
-      <p:sp>
-        <p:nvSpPr>
-          <p:cNvPr id="2" name="Rectangle 1">
-            <a:extLst>
-              <a:ext uri="{FF2B5EF4-FFF2-40B4-BE49-F238E27FC236}">
-                <a16:creationId xmlns:a16="http://schemas.microsoft.com/office/drawing/2014/main" id="{B6957E1A-B322-412A-8375-E4A93CF46AC7}"/>
-              </a:ext>
-            </a:extLst>
-          </p:cNvPr>
-          <p:cNvSpPr/>
-          <p:nvPr/>
-        </p:nvSpPr>
-        <p:spPr>
-          <a:xfrm>
-            <a:off x="6408413" y="3797086"/>
-            <a:ext cx="439859" cy="477079"/>
-          </a:xfrm>
-          <a:prstGeom prst="rect">
-            <a:avLst/>
-          </a:prstGeom>
-          <a:noFill/>
-          <a:ln>
+        </p:grpSpPr>
+        <p:pic>
+          <p:nvPicPr>
+            <p:cNvPr id="4" name="Picture 3">
+              <a:extLst>
+                <a:ext uri="{FF2B5EF4-FFF2-40B4-BE49-F238E27FC236}">
+                  <a16:creationId xmlns:a16="http://schemas.microsoft.com/office/drawing/2014/main" id="{44B08358-C048-4D81-B296-DF47D311D3CD}"/>
+                </a:ext>
+              </a:extLst>
+            </p:cNvPr>
+            <p:cNvPicPr>
+              <a:picLocks noChangeAspect="1"/>
+            </p:cNvPicPr>
+            <p:nvPr/>
+          </p:nvPicPr>
+          <p:blipFill>
+            <a:blip r:embed="rId2"/>
+            <a:stretch>
+              <a:fillRect/>
+            </a:stretch>
+          </p:blipFill>
+          <p:spPr>
+            <a:xfrm>
+              <a:off x="979029" y="2743823"/>
+              <a:ext cx="9508041" cy="1940259"/>
+            </a:xfrm>
+            <a:prstGeom prst="rect">
+              <a:avLst/>
+            </a:prstGeom>
+          </p:spPr>
+        </p:pic>
+        <p:sp>
+          <p:nvSpPr>
+            <p:cNvPr id="2" name="Rectangle 1">
+              <a:extLst>
+                <a:ext uri="{FF2B5EF4-FFF2-40B4-BE49-F238E27FC236}">
+                  <a16:creationId xmlns:a16="http://schemas.microsoft.com/office/drawing/2014/main" id="{B6957E1A-B322-412A-8375-E4A93CF46AC7}"/>
+                </a:ext>
+              </a:extLst>
+            </p:cNvPr>
+            <p:cNvSpPr/>
+            <p:nvPr/>
+          </p:nvSpPr>
+          <p:spPr>
+            <a:xfrm>
+              <a:off x="6408413" y="3797086"/>
+              <a:ext cx="439859" cy="477079"/>
+            </a:xfrm>
+            <a:prstGeom prst="rect">
+              <a:avLst/>
+            </a:prstGeom>
             <a:noFill/>
-          </a:ln>
-        </p:spPr>
-        <p:style>
-          <a:lnRef idx="2">
-            <a:schemeClr val="dk1"/>
-          </a:lnRef>
-          <a:fillRef idx="1">
-            <a:schemeClr val="lt1"/>
-          </a:fillRef>
-          <a:effectRef idx="0">
-            <a:schemeClr val="dk1"/>
-          </a:effectRef>
-          <a:fontRef idx="minor">
-            <a:schemeClr val="dk1"/>
-          </a:fontRef>
-        </p:style>
-        <p:txBody>
-          <a:bodyPr rtlCol="0" anchor="ctr"/>
-          <a:lstStyle/>
-          <a:p>
-            <a:pPr algn="ctr"/>
-            <a:endParaRPr lang="en-US" dirty="0"/>
-          </a:p>
-        </p:txBody>
-      </p:sp>
-      <p:sp>
-        <p:nvSpPr>
-          <p:cNvPr id="3" name="Rectangle 2">
-            <a:extLst>
-              <a:ext uri="{FF2B5EF4-FFF2-40B4-BE49-F238E27FC236}">
-                <a16:creationId xmlns:a16="http://schemas.microsoft.com/office/drawing/2014/main" id="{E5F23AE9-A8AC-422D-AD79-336EF443B192}"/>
-              </a:ext>
-            </a:extLst>
-          </p:cNvPr>
-          <p:cNvSpPr/>
-          <p:nvPr/>
-        </p:nvSpPr>
-        <p:spPr>
-          <a:xfrm>
-            <a:off x="6408413" y="3713952"/>
-            <a:ext cx="612842" cy="632297"/>
-          </a:xfrm>
-          <a:prstGeom prst="rect">
-            <a:avLst/>
-          </a:prstGeom>
-          <a:solidFill>
-            <a:schemeClr val="bg1"/>
-          </a:solidFill>
-          <a:ln>
-            <a:noFill/>
-          </a:ln>
-        </p:spPr>
-        <p:style>
-          <a:lnRef idx="2">
-            <a:schemeClr val="accent1">
-              <a:shade val="50000"/>
-            </a:schemeClr>
-          </a:lnRef>
-          <a:fillRef idx="1">
-            <a:schemeClr val="accent1"/>
-          </a:fillRef>
-          <a:effectRef idx="0">
-            <a:schemeClr val="accent1"/>
-          </a:effectRef>
-          <a:fontRef idx="minor">
-            <a:schemeClr val="lt1"/>
-          </a:fontRef>
-        </p:style>
-        <p:txBody>
-          <a:bodyPr rtlCol="0" anchor="ctr"/>
-          <a:lstStyle/>
-          <a:p>
-            <a:pPr algn="ctr"/>
-            <a:endParaRPr lang="en-US"/>
-          </a:p>
-        </p:txBody>
-      </p:sp>
-      <p:sp>
-        <p:nvSpPr>
-          <p:cNvPr id="5" name="Rectangle 4">
-            <a:extLst>
-              <a:ext uri="{FF2B5EF4-FFF2-40B4-BE49-F238E27FC236}">
-                <a16:creationId xmlns:a16="http://schemas.microsoft.com/office/drawing/2014/main" id="{DB242995-0706-4837-B74B-75FE923FB5E7}"/>
-              </a:ext>
-            </a:extLst>
-          </p:cNvPr>
-          <p:cNvSpPr/>
-          <p:nvPr/>
-        </p:nvSpPr>
-        <p:spPr>
-          <a:xfrm>
-            <a:off x="3963528" y="3641868"/>
-            <a:ext cx="1026762" cy="704381"/>
-          </a:xfrm>
-          <a:prstGeom prst="rect">
-            <a:avLst/>
-          </a:prstGeom>
-          <a:solidFill>
-            <a:schemeClr val="bg1"/>
-          </a:solidFill>
-          <a:ln>
-            <a:noFill/>
-          </a:ln>
-        </p:spPr>
-        <p:style>
-          <a:lnRef idx="2">
-            <a:schemeClr val="accent1">
-              <a:shade val="50000"/>
-            </a:schemeClr>
-          </a:lnRef>
-          <a:fillRef idx="1">
-            <a:schemeClr val="accent1"/>
-          </a:fillRef>
-          <a:effectRef idx="0">
-            <a:schemeClr val="accent1"/>
-          </a:effectRef>
-          <a:fontRef idx="minor">
-            <a:schemeClr val="lt1"/>
-          </a:fontRef>
-        </p:style>
-        <p:txBody>
-          <a:bodyPr rtlCol="0" anchor="ctr"/>
-          <a:lstStyle/>
-          <a:p>
-            <a:pPr algn="ctr"/>
-            <a:endParaRPr lang="en-US"/>
-          </a:p>
-        </p:txBody>
-      </p:sp>
+            <a:ln>
+              <a:noFill/>
+            </a:ln>
+          </p:spPr>
+          <p:style>
+            <a:lnRef idx="2">
+              <a:schemeClr val="dk1"/>
+            </a:lnRef>
+            <a:fillRef idx="1">
+              <a:schemeClr val="lt1"/>
+            </a:fillRef>
+            <a:effectRef idx="0">
+              <a:schemeClr val="dk1"/>
+            </a:effectRef>
+            <a:fontRef idx="minor">
+              <a:schemeClr val="dk1"/>
+            </a:fontRef>
+          </p:style>
+          <p:txBody>
+            <a:bodyPr rtlCol="0" anchor="ctr"/>
+            <a:lstStyle/>
+            <a:p>
+              <a:pPr algn="ctr"/>
+              <a:endParaRPr lang="en-US" dirty="0"/>
+            </a:p>
+          </p:txBody>
+        </p:sp>
+        <p:sp>
+          <p:nvSpPr>
+            <p:cNvPr id="3" name="Rectangle 2">
+              <a:extLst>
+                <a:ext uri="{FF2B5EF4-FFF2-40B4-BE49-F238E27FC236}">
+                  <a16:creationId xmlns:a16="http://schemas.microsoft.com/office/drawing/2014/main" id="{E5F23AE9-A8AC-422D-AD79-336EF443B192}"/>
+                </a:ext>
+              </a:extLst>
+            </p:cNvPr>
+            <p:cNvSpPr/>
+            <p:nvPr/>
+          </p:nvSpPr>
+          <p:spPr>
+            <a:xfrm>
+              <a:off x="6408413" y="3713952"/>
+              <a:ext cx="612842" cy="632297"/>
+            </a:xfrm>
+            <a:prstGeom prst="rect">
+              <a:avLst/>
+            </a:prstGeom>
+            <a:solidFill>
+              <a:schemeClr val="bg1"/>
+            </a:solidFill>
+            <a:ln>
+              <a:noFill/>
+            </a:ln>
+          </p:spPr>
+          <p:style>
+            <a:lnRef idx="2">
+              <a:schemeClr val="accent1">
+                <a:shade val="50000"/>
+              </a:schemeClr>
+            </a:lnRef>
+            <a:fillRef idx="1">
+              <a:schemeClr val="accent1"/>
+            </a:fillRef>
+            <a:effectRef idx="0">
+              <a:schemeClr val="accent1"/>
+            </a:effectRef>
+            <a:fontRef idx="minor">
+              <a:schemeClr val="lt1"/>
+            </a:fontRef>
+          </p:style>
+          <p:txBody>
+            <a:bodyPr rtlCol="0" anchor="ctr"/>
+            <a:lstStyle/>
+            <a:p>
+              <a:pPr algn="ctr"/>
+              <a:endParaRPr lang="en-US"/>
+            </a:p>
+          </p:txBody>
+        </p:sp>
+        <p:sp>
+          <p:nvSpPr>
+            <p:cNvPr id="5" name="Rectangle 4">
+              <a:extLst>
+                <a:ext uri="{FF2B5EF4-FFF2-40B4-BE49-F238E27FC236}">
+                  <a16:creationId xmlns:a16="http://schemas.microsoft.com/office/drawing/2014/main" id="{DB242995-0706-4837-B74B-75FE923FB5E7}"/>
+                </a:ext>
+              </a:extLst>
+            </p:cNvPr>
+            <p:cNvSpPr/>
+            <p:nvPr/>
+          </p:nvSpPr>
+          <p:spPr>
+            <a:xfrm>
+              <a:off x="3963528" y="3641868"/>
+              <a:ext cx="1026762" cy="704381"/>
+            </a:xfrm>
+            <a:prstGeom prst="rect">
+              <a:avLst/>
+            </a:prstGeom>
+            <a:solidFill>
+              <a:schemeClr val="bg1"/>
+            </a:solidFill>
+            <a:ln>
+              <a:noFill/>
+            </a:ln>
+          </p:spPr>
+          <p:style>
+            <a:lnRef idx="2">
+              <a:schemeClr val="accent1">
+                <a:shade val="50000"/>
+              </a:schemeClr>
+            </a:lnRef>
+            <a:fillRef idx="1">
+              <a:schemeClr val="accent1"/>
+            </a:fillRef>
+            <a:effectRef idx="0">
+              <a:schemeClr val="accent1"/>
+            </a:effectRef>
+            <a:fontRef idx="minor">
+              <a:schemeClr val="lt1"/>
+            </a:fontRef>
+          </p:style>
+          <p:txBody>
+            <a:bodyPr rtlCol="0" anchor="ctr"/>
+            <a:lstStyle/>
+            <a:p>
+              <a:pPr algn="ctr"/>
+              <a:endParaRPr lang="en-US"/>
+            </a:p>
+          </p:txBody>
+        </p:sp>
+      </p:grpSp>
     </p:spTree>
     <p:extLst>
       <p:ext uri="{BB962C8B-B14F-4D97-AF65-F5344CB8AC3E}">

--- a/3-level.pptx
+++ b/3-level.pptx
@@ -230,7 +230,7 @@
           <a:p>
             <a:fld id="{D398D3D8-E180-45F1-973D-9CDE3FC68687}" type="datetimeFigureOut">
               <a:rPr lang="en-US" smtClean="0"/>
-              <a:t>9/25/2018</a:t>
+              <a:t>9/27/2018</a:t>
             </a:fld>
             <a:endParaRPr lang="en-US"/>
           </a:p>
@@ -812,7 +812,7 @@
           <a:p>
             <a:fld id="{540C0B17-285F-4B24-A15E-231AC8C41BCD}" type="datetimeFigureOut">
               <a:rPr lang="en-US" smtClean="0"/>
-              <a:t>9/25/2018</a:t>
+              <a:t>9/27/2018</a:t>
             </a:fld>
             <a:endParaRPr lang="en-US"/>
           </a:p>
@@ -1010,7 +1010,7 @@
           <a:p>
             <a:fld id="{540C0B17-285F-4B24-A15E-231AC8C41BCD}" type="datetimeFigureOut">
               <a:rPr lang="en-US" smtClean="0"/>
-              <a:t>9/25/2018</a:t>
+              <a:t>9/27/2018</a:t>
             </a:fld>
             <a:endParaRPr lang="en-US"/>
           </a:p>
@@ -1218,7 +1218,7 @@
           <a:p>
             <a:fld id="{540C0B17-285F-4B24-A15E-231AC8C41BCD}" type="datetimeFigureOut">
               <a:rPr lang="en-US" smtClean="0"/>
-              <a:t>9/25/2018</a:t>
+              <a:t>9/27/2018</a:t>
             </a:fld>
             <a:endParaRPr lang="en-US"/>
           </a:p>
@@ -1416,7 +1416,7 @@
           <a:p>
             <a:fld id="{540C0B17-285F-4B24-A15E-231AC8C41BCD}" type="datetimeFigureOut">
               <a:rPr lang="en-US" smtClean="0"/>
-              <a:t>9/25/2018</a:t>
+              <a:t>9/27/2018</a:t>
             </a:fld>
             <a:endParaRPr lang="en-US"/>
           </a:p>
@@ -1691,7 +1691,7 @@
           <a:p>
             <a:fld id="{540C0B17-285F-4B24-A15E-231AC8C41BCD}" type="datetimeFigureOut">
               <a:rPr lang="en-US" smtClean="0"/>
-              <a:t>9/25/2018</a:t>
+              <a:t>9/27/2018</a:t>
             </a:fld>
             <a:endParaRPr lang="en-US"/>
           </a:p>
@@ -1956,7 +1956,7 @@
           <a:p>
             <a:fld id="{540C0B17-285F-4B24-A15E-231AC8C41BCD}" type="datetimeFigureOut">
               <a:rPr lang="en-US" smtClean="0"/>
-              <a:t>9/25/2018</a:t>
+              <a:t>9/27/2018</a:t>
             </a:fld>
             <a:endParaRPr lang="en-US"/>
           </a:p>
@@ -2368,7 +2368,7 @@
           <a:p>
             <a:fld id="{540C0B17-285F-4B24-A15E-231AC8C41BCD}" type="datetimeFigureOut">
               <a:rPr lang="en-US" smtClean="0"/>
-              <a:t>9/25/2018</a:t>
+              <a:t>9/27/2018</a:t>
             </a:fld>
             <a:endParaRPr lang="en-US"/>
           </a:p>
@@ -2509,7 +2509,7 @@
           <a:p>
             <a:fld id="{540C0B17-285F-4B24-A15E-231AC8C41BCD}" type="datetimeFigureOut">
               <a:rPr lang="en-US" smtClean="0"/>
-              <a:t>9/25/2018</a:t>
+              <a:t>9/27/2018</a:t>
             </a:fld>
             <a:endParaRPr lang="en-US"/>
           </a:p>
@@ -2622,7 +2622,7 @@
           <a:p>
             <a:fld id="{540C0B17-285F-4B24-A15E-231AC8C41BCD}" type="datetimeFigureOut">
               <a:rPr lang="en-US" smtClean="0"/>
-              <a:t>9/25/2018</a:t>
+              <a:t>9/27/2018</a:t>
             </a:fld>
             <a:endParaRPr lang="en-US"/>
           </a:p>
@@ -2933,7 +2933,7 @@
           <a:p>
             <a:fld id="{540C0B17-285F-4B24-A15E-231AC8C41BCD}" type="datetimeFigureOut">
               <a:rPr lang="en-US" smtClean="0"/>
-              <a:t>9/25/2018</a:t>
+              <a:t>9/27/2018</a:t>
             </a:fld>
             <a:endParaRPr lang="en-US"/>
           </a:p>
@@ -3221,7 +3221,7 @@
           <a:p>
             <a:fld id="{540C0B17-285F-4B24-A15E-231AC8C41BCD}" type="datetimeFigureOut">
               <a:rPr lang="en-US" smtClean="0"/>
-              <a:t>9/25/2018</a:t>
+              <a:t>9/27/2018</a:t>
             </a:fld>
             <a:endParaRPr lang="en-US"/>
           </a:p>
@@ -3462,7 +3462,7 @@
           <a:p>
             <a:fld id="{540C0B17-285F-4B24-A15E-231AC8C41BCD}" type="datetimeFigureOut">
               <a:rPr lang="en-US" smtClean="0"/>
-              <a:t>9/25/2018</a:t>
+              <a:t>9/27/2018</a:t>
             </a:fld>
             <a:endParaRPr lang="en-US"/>
           </a:p>
@@ -5133,8 +5133,8 @@
             <a:chExt cx="5531775" cy="3172105"/>
           </a:xfrm>
         </p:grpSpPr>
-        <mc:AlternateContent xmlns:mc="http://schemas.openxmlformats.org/markup-compatibility/2006">
-          <mc:Choice xmlns:a14="http://schemas.microsoft.com/office/drawing/2010/main" Requires="a14">
+        <mc:AlternateContent xmlns:mc="http://schemas.openxmlformats.org/markup-compatibility/2006" xmlns:a14="http://schemas.microsoft.com/office/drawing/2010/main">
+          <mc:Choice Requires="a14">
             <p:sp>
               <p:nvSpPr>
                 <p:cNvPr id="19" name="TextBox 18">
@@ -5203,7 +5203,7 @@
               </p:txBody>
             </p:sp>
           </mc:Choice>
-          <mc:Fallback>
+          <mc:Fallback xmlns="">
             <p:sp>
               <p:nvSpPr>
                 <p:cNvPr id="19" name="TextBox 18">
@@ -5459,8 +5459,8 @@
               </a:fontRef>
             </p:style>
           </p:cxnSp>
-          <mc:AlternateContent xmlns:mc="http://schemas.openxmlformats.org/markup-compatibility/2006">
-            <mc:Choice xmlns:a14="http://schemas.microsoft.com/office/drawing/2010/main" Requires="a14">
+          <mc:AlternateContent xmlns:mc="http://schemas.openxmlformats.org/markup-compatibility/2006" xmlns:a14="http://schemas.microsoft.com/office/drawing/2010/main">
+            <mc:Choice Requires="a14">
               <p:sp>
                 <p:nvSpPr>
                   <p:cNvPr id="21" name="TextBox 20">
@@ -5529,7 +5529,7 @@
                 </p:txBody>
               </p:sp>
             </mc:Choice>
-            <mc:Fallback>
+            <mc:Fallback xmlns="">
               <p:sp>
                 <p:nvSpPr>
                   <p:cNvPr id="21" name="TextBox 20">
@@ -5574,8 +5574,8 @@
               </p:sp>
             </mc:Fallback>
           </mc:AlternateContent>
-          <mc:AlternateContent xmlns:mc="http://schemas.openxmlformats.org/markup-compatibility/2006">
-            <mc:Choice xmlns:a14="http://schemas.microsoft.com/office/drawing/2010/main" Requires="a14">
+          <mc:AlternateContent xmlns:mc="http://schemas.openxmlformats.org/markup-compatibility/2006" xmlns:a14="http://schemas.microsoft.com/office/drawing/2010/main">
+            <mc:Choice Requires="a14">
               <p:sp>
                 <p:nvSpPr>
                   <p:cNvPr id="22" name="TextBox 21">
@@ -5644,7 +5644,7 @@
                 </p:txBody>
               </p:sp>
             </mc:Choice>
-            <mc:Fallback>
+            <mc:Fallback xmlns="">
               <p:sp>
                 <p:nvSpPr>
                   <p:cNvPr id="22" name="TextBox 21">
@@ -5821,8 +5821,8 @@
               </a:fontRef>
             </p:style>
           </p:cxnSp>
-          <mc:AlternateContent xmlns:mc="http://schemas.openxmlformats.org/markup-compatibility/2006">
-            <mc:Choice xmlns:a14="http://schemas.microsoft.com/office/drawing/2010/main" Requires="a14">
+          <mc:AlternateContent xmlns:mc="http://schemas.openxmlformats.org/markup-compatibility/2006" xmlns:a14="http://schemas.microsoft.com/office/drawing/2010/main">
+            <mc:Choice Requires="a14">
               <p:sp>
                 <p:nvSpPr>
                   <p:cNvPr id="24" name="TextBox 23">
@@ -5897,7 +5897,7 @@
                 </p:txBody>
               </p:sp>
             </mc:Choice>
-            <mc:Fallback>
+            <mc:Fallback xmlns="">
               <p:sp>
                 <p:nvSpPr>
                   <p:cNvPr id="24" name="TextBox 23">
@@ -5942,8 +5942,8 @@
               </p:sp>
             </mc:Fallback>
           </mc:AlternateContent>
-          <mc:AlternateContent xmlns:mc="http://schemas.openxmlformats.org/markup-compatibility/2006">
-            <mc:Choice xmlns:a14="http://schemas.microsoft.com/office/drawing/2010/main" Requires="a14">
+          <mc:AlternateContent xmlns:mc="http://schemas.openxmlformats.org/markup-compatibility/2006" xmlns:a14="http://schemas.microsoft.com/office/drawing/2010/main">
+            <mc:Choice Requires="a14">
               <p:sp>
                 <p:nvSpPr>
                   <p:cNvPr id="25" name="TextBox 24">
@@ -6024,7 +6024,7 @@
                 </p:txBody>
               </p:sp>
             </mc:Choice>
-            <mc:Fallback>
+            <mc:Fallback xmlns="">
               <p:sp>
                 <p:nvSpPr>
                   <p:cNvPr id="25" name="TextBox 24">
@@ -6069,8 +6069,8 @@
               </p:sp>
             </mc:Fallback>
           </mc:AlternateContent>
-          <mc:AlternateContent xmlns:mc="http://schemas.openxmlformats.org/markup-compatibility/2006">
-            <mc:Choice xmlns:a14="http://schemas.microsoft.com/office/drawing/2010/main" Requires="a14">
+          <mc:AlternateContent xmlns:mc="http://schemas.openxmlformats.org/markup-compatibility/2006" xmlns:a14="http://schemas.microsoft.com/office/drawing/2010/main">
+            <mc:Choice Requires="a14">
               <p:sp>
                 <p:nvSpPr>
                   <p:cNvPr id="28" name="TextBox 27">
@@ -6151,7 +6151,7 @@
                 </p:txBody>
               </p:sp>
             </mc:Choice>
-            <mc:Fallback>
+            <mc:Fallback xmlns="">
               <p:sp>
                 <p:nvSpPr>
                   <p:cNvPr id="28" name="TextBox 27">
@@ -9399,56 +9399,1304 @@
           <a:chExt cx="0" cy="0"/>
         </a:xfrm>
       </p:grpSpPr>
-      <p:sp>
-        <p:nvSpPr>
-          <p:cNvPr id="2" name="Title 1">
+      <p:pic>
+        <p:nvPicPr>
+          <p:cNvPr id="4" name="Picture 3">
             <a:extLst>
               <a:ext uri="{FF2B5EF4-FFF2-40B4-BE49-F238E27FC236}">
-                <a16:creationId xmlns:a16="http://schemas.microsoft.com/office/drawing/2014/main" id="{6714EAB4-2097-43D1-B00F-6E842D0ABC6B}"/>
+                <a16:creationId xmlns:a16="http://schemas.microsoft.com/office/drawing/2014/main" id="{DEE7644E-8277-41C1-8319-56FCF8AC9087}"/>
               </a:ext>
             </a:extLst>
           </p:cNvPr>
-          <p:cNvSpPr>
-            <a:spLocks noGrp="1"/>
-          </p:cNvSpPr>
-          <p:nvPr>
-            <p:ph type="title"/>
-          </p:nvPr>
-        </p:nvSpPr>
-        <p:spPr/>
-        <p:txBody>
-          <a:bodyPr/>
-          <a:lstStyle/>
-          <a:p>
-            <a:endParaRPr lang="en-US"/>
-          </a:p>
-        </p:txBody>
-      </p:sp>
-      <p:sp>
-        <p:nvSpPr>
-          <p:cNvPr id="3" name="Content Placeholder 2">
+          <p:cNvPicPr>
+            <a:picLocks noChangeAspect="1"/>
+          </p:cNvPicPr>
+          <p:nvPr/>
+        </p:nvPicPr>
+        <p:blipFill>
+          <a:blip r:embed="rId2"/>
+          <a:stretch>
+            <a:fillRect/>
+          </a:stretch>
+        </p:blipFill>
+        <p:spPr>
+          <a:xfrm>
+            <a:off x="487680" y="298945"/>
+            <a:ext cx="7620000" cy="3008437"/>
+          </a:xfrm>
+          <a:prstGeom prst="rect">
+            <a:avLst/>
+          </a:prstGeom>
+        </p:spPr>
+      </p:pic>
+      <p:grpSp>
+        <p:nvGrpSpPr>
+          <p:cNvPr id="41" name="Group 40">
             <a:extLst>
               <a:ext uri="{FF2B5EF4-FFF2-40B4-BE49-F238E27FC236}">
-                <a16:creationId xmlns:a16="http://schemas.microsoft.com/office/drawing/2014/main" id="{92FD1612-2A05-4F6A-BBCF-B5D06CD1D3D3}"/>
+                <a16:creationId xmlns:a16="http://schemas.microsoft.com/office/drawing/2014/main" id="{D6C4F0BB-D687-4623-84E2-6E3F81EF3D96}"/>
               </a:ext>
             </a:extLst>
           </p:cNvPr>
-          <p:cNvSpPr>
-            <a:spLocks noGrp="1"/>
-          </p:cNvSpPr>
-          <p:nvPr>
-            <p:ph idx="1"/>
-          </p:nvPr>
-        </p:nvSpPr>
-        <p:spPr/>
-        <p:txBody>
-          <a:bodyPr/>
-          <a:lstStyle/>
-          <a:p>
-            <a:endParaRPr lang="en-US"/>
-          </a:p>
-        </p:txBody>
-      </p:sp>
+          <p:cNvGrpSpPr/>
+          <p:nvPr/>
+        </p:nvGrpSpPr>
+        <p:grpSpPr>
+          <a:xfrm>
+            <a:off x="883674" y="3775094"/>
+            <a:ext cx="3104429" cy="2072476"/>
+            <a:chOff x="3026928" y="4623292"/>
+            <a:chExt cx="3104429" cy="2072476"/>
+          </a:xfrm>
+        </p:grpSpPr>
+        <p:cxnSp>
+          <p:nvCxnSpPr>
+            <p:cNvPr id="6" name="Straight Connector 5">
+              <a:extLst>
+                <a:ext uri="{FF2B5EF4-FFF2-40B4-BE49-F238E27FC236}">
+                  <a16:creationId xmlns:a16="http://schemas.microsoft.com/office/drawing/2014/main" id="{44D542FF-BC9A-45F0-988E-FE4FD47789E5}"/>
+                </a:ext>
+              </a:extLst>
+            </p:cNvPr>
+            <p:cNvCxnSpPr>
+              <a:cxnSpLocks/>
+            </p:cNvCxnSpPr>
+            <p:nvPr/>
+          </p:nvCxnSpPr>
+          <p:spPr>
+            <a:xfrm>
+              <a:off x="3573780" y="6568440"/>
+              <a:ext cx="985807" cy="0"/>
+            </a:xfrm>
+            <a:prstGeom prst="line">
+              <a:avLst/>
+            </a:prstGeom>
+            <a:ln w="38100"/>
+          </p:spPr>
+          <p:style>
+            <a:lnRef idx="1">
+              <a:schemeClr val="accent1"/>
+            </a:lnRef>
+            <a:fillRef idx="0">
+              <a:schemeClr val="accent1"/>
+            </a:fillRef>
+            <a:effectRef idx="0">
+              <a:schemeClr val="accent1"/>
+            </a:effectRef>
+            <a:fontRef idx="minor">
+              <a:schemeClr val="tx1"/>
+            </a:fontRef>
+          </p:style>
+        </p:cxnSp>
+        <p:cxnSp>
+          <p:nvCxnSpPr>
+            <p:cNvPr id="8" name="Straight Connector 7">
+              <a:extLst>
+                <a:ext uri="{FF2B5EF4-FFF2-40B4-BE49-F238E27FC236}">
+                  <a16:creationId xmlns:a16="http://schemas.microsoft.com/office/drawing/2014/main" id="{8F15EEF5-FCCA-4569-BA1E-765A702ACA77}"/>
+                </a:ext>
+              </a:extLst>
+            </p:cNvPr>
+            <p:cNvCxnSpPr>
+              <a:cxnSpLocks/>
+            </p:cNvCxnSpPr>
+            <p:nvPr/>
+          </p:nvCxnSpPr>
+          <p:spPr>
+            <a:xfrm>
+              <a:off x="3573780" y="4807958"/>
+              <a:ext cx="985807" cy="0"/>
+            </a:xfrm>
+            <a:prstGeom prst="line">
+              <a:avLst/>
+            </a:prstGeom>
+            <a:ln w="38100"/>
+          </p:spPr>
+          <p:style>
+            <a:lnRef idx="1">
+              <a:schemeClr val="accent1"/>
+            </a:lnRef>
+            <a:fillRef idx="0">
+              <a:schemeClr val="accent1"/>
+            </a:fillRef>
+            <a:effectRef idx="0">
+              <a:schemeClr val="accent1"/>
+            </a:effectRef>
+            <a:fontRef idx="minor">
+              <a:schemeClr val="tx1"/>
+            </a:fontRef>
+          </p:style>
+        </p:cxnSp>
+        <p:cxnSp>
+          <p:nvCxnSpPr>
+            <p:cNvPr id="9" name="Straight Connector 8">
+              <a:extLst>
+                <a:ext uri="{FF2B5EF4-FFF2-40B4-BE49-F238E27FC236}">
+                  <a16:creationId xmlns:a16="http://schemas.microsoft.com/office/drawing/2014/main" id="{D13DDB16-2756-4783-81A0-8691CC1AFEB6}"/>
+                </a:ext>
+              </a:extLst>
+            </p:cNvPr>
+            <p:cNvCxnSpPr>
+              <a:cxnSpLocks/>
+            </p:cNvCxnSpPr>
+            <p:nvPr/>
+          </p:nvCxnSpPr>
+          <p:spPr>
+            <a:xfrm>
+              <a:off x="3573780" y="5701336"/>
+              <a:ext cx="1027183" cy="0"/>
+            </a:xfrm>
+            <a:prstGeom prst="line">
+              <a:avLst/>
+            </a:prstGeom>
+            <a:ln w="38100"/>
+          </p:spPr>
+          <p:style>
+            <a:lnRef idx="1">
+              <a:schemeClr val="accent1"/>
+            </a:lnRef>
+            <a:fillRef idx="0">
+              <a:schemeClr val="accent1"/>
+            </a:fillRef>
+            <a:effectRef idx="0">
+              <a:schemeClr val="accent1"/>
+            </a:effectRef>
+            <a:fontRef idx="minor">
+              <a:schemeClr val="tx1"/>
+            </a:fontRef>
+          </p:style>
+        </p:cxnSp>
+        <p:sp>
+          <p:nvSpPr>
+            <p:cNvPr id="10" name="Oval 9">
+              <a:extLst>
+                <a:ext uri="{FF2B5EF4-FFF2-40B4-BE49-F238E27FC236}">
+                  <a16:creationId xmlns:a16="http://schemas.microsoft.com/office/drawing/2014/main" id="{2FFD5965-FC7B-4A88-B740-416B881AC934}"/>
+                </a:ext>
+              </a:extLst>
+            </p:cNvPr>
+            <p:cNvSpPr/>
+            <p:nvPr/>
+          </p:nvSpPr>
+          <p:spPr>
+            <a:xfrm>
+              <a:off x="5176058" y="5341691"/>
+              <a:ext cx="919942" cy="806334"/>
+            </a:xfrm>
+            <a:prstGeom prst="ellipse">
+              <a:avLst/>
+            </a:prstGeom>
+            <a:noFill/>
+          </p:spPr>
+          <p:style>
+            <a:lnRef idx="2">
+              <a:schemeClr val="accent1">
+                <a:shade val="50000"/>
+              </a:schemeClr>
+            </a:lnRef>
+            <a:fillRef idx="1">
+              <a:schemeClr val="accent1"/>
+            </a:fillRef>
+            <a:effectRef idx="0">
+              <a:schemeClr val="accent1"/>
+            </a:effectRef>
+            <a:fontRef idx="minor">
+              <a:schemeClr val="lt1"/>
+            </a:fontRef>
+          </p:style>
+          <p:txBody>
+            <a:bodyPr rtlCol="0" anchor="ctr"/>
+            <a:lstStyle/>
+            <a:p>
+              <a:pPr algn="ctr"/>
+              <a:endParaRPr lang="en-US"/>
+            </a:p>
+          </p:txBody>
+        </p:sp>
+        <mc:AlternateContent xmlns:mc="http://schemas.openxmlformats.org/markup-compatibility/2006">
+          <mc:Choice xmlns:a14="http://schemas.microsoft.com/office/drawing/2010/main" Requires="a14">
+            <p:sp>
+              <p:nvSpPr>
+                <p:cNvPr id="11" name="TextBox 10">
+                  <a:extLst>
+                    <a:ext uri="{FF2B5EF4-FFF2-40B4-BE49-F238E27FC236}">
+                      <a16:creationId xmlns:a16="http://schemas.microsoft.com/office/drawing/2014/main" id="{F601212D-7FAA-47EC-B241-544D09CD7D68}"/>
+                    </a:ext>
+                  </a:extLst>
+                </p:cNvPr>
+                <p:cNvSpPr txBox="1"/>
+                <p:nvPr/>
+              </p:nvSpPr>
+              <p:spPr>
+                <a:xfrm>
+                  <a:off x="3045237" y="4623292"/>
+                  <a:ext cx="528543" cy="369332"/>
+                </a:xfrm>
+                <a:prstGeom prst="rect">
+                  <a:avLst/>
+                </a:prstGeom>
+                <a:noFill/>
+              </p:spPr>
+              <p:txBody>
+                <a:bodyPr wrap="none" rtlCol="0">
+                  <a:spAutoFit/>
+                </a:bodyPr>
+                <a:lstStyle/>
+                <a:p>
+                  <a14:m>
+                    <m:oMathPara xmlns:m="http://schemas.openxmlformats.org/officeDocument/2006/math">
+                      <m:oMathParaPr>
+                        <m:jc m:val="centerGroup"/>
+                      </m:oMathParaPr>
+                      <m:oMath xmlns:m="http://schemas.openxmlformats.org/officeDocument/2006/math">
+                        <m:r>
+                          <a:rPr lang="en-US" b="0" i="1" smtClean="0">
+                            <a:latin typeface="Cambria Math" panose="02040503050406030204" pitchFamily="18" charset="0"/>
+                          </a:rPr>
+                          <m:t>|</m:t>
+                        </m:r>
+                        <m:r>
+                          <a:rPr lang="en-US" b="0" i="1" smtClean="0">
+                            <a:latin typeface="Cambria Math" panose="02040503050406030204" pitchFamily="18" charset="0"/>
+                          </a:rPr>
+                          <m:t>𝑎</m:t>
+                        </m:r>
+                        <m:r>
+                          <a:rPr lang="en-US" b="0" i="1" smtClean="0">
+                            <a:latin typeface="Cambria Math" panose="02040503050406030204" pitchFamily="18" charset="0"/>
+                          </a:rPr>
+                          <m:t>⟩</m:t>
+                        </m:r>
+                      </m:oMath>
+                    </m:oMathPara>
+                  </a14:m>
+                  <a:endParaRPr lang="en-US" dirty="0"/>
+                </a:p>
+              </p:txBody>
+            </p:sp>
+          </mc:Choice>
+          <mc:Fallback>
+            <p:sp>
+              <p:nvSpPr>
+                <p:cNvPr id="11" name="TextBox 10">
+                  <a:extLst>
+                    <a:ext uri="{FF2B5EF4-FFF2-40B4-BE49-F238E27FC236}">
+                      <a16:creationId xmlns:a16="http://schemas.microsoft.com/office/drawing/2014/main" id="{F601212D-7FAA-47EC-B241-544D09CD7D68}"/>
+                    </a:ext>
+                  </a:extLst>
+                </p:cNvPr>
+                <p:cNvSpPr txBox="1">
+                  <a:spLocks noRot="1" noChangeAspect="1" noMove="1" noResize="1" noEditPoints="1" noAdjustHandles="1" noChangeArrowheads="1" noChangeShapeType="1" noTextEdit="1"/>
+                </p:cNvSpPr>
+                <p:nvPr/>
+              </p:nvSpPr>
+              <p:spPr>
+                <a:xfrm>
+                  <a:off x="3045237" y="4623292"/>
+                  <a:ext cx="528543" cy="369332"/>
+                </a:xfrm>
+                <a:prstGeom prst="rect">
+                  <a:avLst/>
+                </a:prstGeom>
+                <a:blipFill>
+                  <a:blip r:embed="rId3"/>
+                  <a:stretch>
+                    <a:fillRect b="-13115"/>
+                  </a:stretch>
+                </a:blipFill>
+              </p:spPr>
+              <p:txBody>
+                <a:bodyPr/>
+                <a:lstStyle/>
+                <a:p>
+                  <a:r>
+                    <a:rPr lang="en-US">
+                      <a:noFill/>
+                    </a:rPr>
+                    <a:t> </a:t>
+                  </a:r>
+                </a:p>
+              </p:txBody>
+            </p:sp>
+          </mc:Fallback>
+        </mc:AlternateContent>
+        <mc:AlternateContent xmlns:mc="http://schemas.openxmlformats.org/markup-compatibility/2006">
+          <mc:Choice xmlns:a14="http://schemas.microsoft.com/office/drawing/2010/main" Requires="a14">
+            <p:sp>
+              <p:nvSpPr>
+                <p:cNvPr id="12" name="TextBox 11">
+                  <a:extLst>
+                    <a:ext uri="{FF2B5EF4-FFF2-40B4-BE49-F238E27FC236}">
+                      <a16:creationId xmlns:a16="http://schemas.microsoft.com/office/drawing/2014/main" id="{CC3405A2-CEFC-4E8B-A895-477EF73C71DD}"/>
+                    </a:ext>
+                  </a:extLst>
+                </p:cNvPr>
+                <p:cNvSpPr txBox="1"/>
+                <p:nvPr/>
+              </p:nvSpPr>
+              <p:spPr>
+                <a:xfrm>
+                  <a:off x="3048760" y="5516670"/>
+                  <a:ext cx="464101" cy="369332"/>
+                </a:xfrm>
+                <a:prstGeom prst="rect">
+                  <a:avLst/>
+                </a:prstGeom>
+                <a:noFill/>
+              </p:spPr>
+              <p:txBody>
+                <a:bodyPr wrap="square" rtlCol="0">
+                  <a:spAutoFit/>
+                </a:bodyPr>
+                <a:lstStyle/>
+                <a:p>
+                  <a14:m>
+                    <m:oMathPara xmlns:m="http://schemas.openxmlformats.org/officeDocument/2006/math">
+                      <m:oMathParaPr>
+                        <m:jc m:val="centerGroup"/>
+                      </m:oMathParaPr>
+                      <m:oMath xmlns:m="http://schemas.openxmlformats.org/officeDocument/2006/math">
+                        <m:r>
+                          <a:rPr lang="en-US" b="0" i="1" smtClean="0">
+                            <a:latin typeface="Cambria Math" panose="02040503050406030204" pitchFamily="18" charset="0"/>
+                          </a:rPr>
+                          <m:t>|</m:t>
+                        </m:r>
+                        <m:r>
+                          <a:rPr lang="en-US" b="0" i="1" smtClean="0">
+                            <a:latin typeface="Cambria Math" panose="02040503050406030204" pitchFamily="18" charset="0"/>
+                          </a:rPr>
+                          <m:t>𝑏</m:t>
+                        </m:r>
+                        <m:r>
+                          <a:rPr lang="en-US" b="0" i="1" smtClean="0">
+                            <a:latin typeface="Cambria Math" panose="02040503050406030204" pitchFamily="18" charset="0"/>
+                          </a:rPr>
+                          <m:t>⟩</m:t>
+                        </m:r>
+                      </m:oMath>
+                    </m:oMathPara>
+                  </a14:m>
+                  <a:endParaRPr lang="en-US" dirty="0"/>
+                </a:p>
+              </p:txBody>
+            </p:sp>
+          </mc:Choice>
+          <mc:Fallback>
+            <p:sp>
+              <p:nvSpPr>
+                <p:cNvPr id="12" name="TextBox 11">
+                  <a:extLst>
+                    <a:ext uri="{FF2B5EF4-FFF2-40B4-BE49-F238E27FC236}">
+                      <a16:creationId xmlns:a16="http://schemas.microsoft.com/office/drawing/2014/main" id="{CC3405A2-CEFC-4E8B-A895-477EF73C71DD}"/>
+                    </a:ext>
+                  </a:extLst>
+                </p:cNvPr>
+                <p:cNvSpPr txBox="1">
+                  <a:spLocks noRot="1" noChangeAspect="1" noMove="1" noResize="1" noEditPoints="1" noAdjustHandles="1" noChangeArrowheads="1" noChangeShapeType="1" noTextEdit="1"/>
+                </p:cNvSpPr>
+                <p:nvPr/>
+              </p:nvSpPr>
+              <p:spPr>
+                <a:xfrm>
+                  <a:off x="3048760" y="5516670"/>
+                  <a:ext cx="464101" cy="369332"/>
+                </a:xfrm>
+                <a:prstGeom prst="rect">
+                  <a:avLst/>
+                </a:prstGeom>
+                <a:blipFill>
+                  <a:blip r:embed="rId4"/>
+                  <a:stretch>
+                    <a:fillRect l="-3947" r="-5263" b="-13333"/>
+                  </a:stretch>
+                </a:blipFill>
+              </p:spPr>
+              <p:txBody>
+                <a:bodyPr/>
+                <a:lstStyle/>
+                <a:p>
+                  <a:r>
+                    <a:rPr lang="en-US">
+                      <a:noFill/>
+                    </a:rPr>
+                    <a:t> </a:t>
+                  </a:r>
+                </a:p>
+              </p:txBody>
+            </p:sp>
+          </mc:Fallback>
+        </mc:AlternateContent>
+        <mc:AlternateContent xmlns:mc="http://schemas.openxmlformats.org/markup-compatibility/2006">
+          <mc:Choice xmlns:a14="http://schemas.microsoft.com/office/drawing/2010/main" Requires="a14">
+            <p:sp>
+              <p:nvSpPr>
+                <p:cNvPr id="13" name="TextBox 12">
+                  <a:extLst>
+                    <a:ext uri="{FF2B5EF4-FFF2-40B4-BE49-F238E27FC236}">
+                      <a16:creationId xmlns:a16="http://schemas.microsoft.com/office/drawing/2014/main" id="{CF26BC0A-4E92-4910-A172-CC0C16D81712}"/>
+                    </a:ext>
+                  </a:extLst>
+                </p:cNvPr>
+                <p:cNvSpPr txBox="1"/>
+                <p:nvPr/>
+              </p:nvSpPr>
+              <p:spPr>
+                <a:xfrm>
+                  <a:off x="3026928" y="6326436"/>
+                  <a:ext cx="507767" cy="369332"/>
+                </a:xfrm>
+                <a:prstGeom prst="rect">
+                  <a:avLst/>
+                </a:prstGeom>
+                <a:noFill/>
+              </p:spPr>
+              <p:txBody>
+                <a:bodyPr wrap="none" rtlCol="0">
+                  <a:spAutoFit/>
+                </a:bodyPr>
+                <a:lstStyle/>
+                <a:p>
+                  <a14:m>
+                    <m:oMathPara xmlns:m="http://schemas.openxmlformats.org/officeDocument/2006/math">
+                      <m:oMathParaPr>
+                        <m:jc m:val="centerGroup"/>
+                      </m:oMathParaPr>
+                      <m:oMath xmlns:m="http://schemas.openxmlformats.org/officeDocument/2006/math">
+                        <m:r>
+                          <a:rPr lang="en-US" b="0" i="1" smtClean="0">
+                            <a:latin typeface="Cambria Math" panose="02040503050406030204" pitchFamily="18" charset="0"/>
+                          </a:rPr>
+                          <m:t>|</m:t>
+                        </m:r>
+                        <m:r>
+                          <a:rPr lang="en-US" b="0" i="1" smtClean="0">
+                            <a:latin typeface="Cambria Math" panose="02040503050406030204" pitchFamily="18" charset="0"/>
+                          </a:rPr>
+                          <m:t>𝑐</m:t>
+                        </m:r>
+                        <m:r>
+                          <a:rPr lang="en-US" b="0" i="1" smtClean="0">
+                            <a:latin typeface="Cambria Math" panose="02040503050406030204" pitchFamily="18" charset="0"/>
+                          </a:rPr>
+                          <m:t>⟩</m:t>
+                        </m:r>
+                      </m:oMath>
+                    </m:oMathPara>
+                  </a14:m>
+                  <a:endParaRPr lang="en-US" dirty="0"/>
+                </a:p>
+              </p:txBody>
+            </p:sp>
+          </mc:Choice>
+          <mc:Fallback>
+            <p:sp>
+              <p:nvSpPr>
+                <p:cNvPr id="13" name="TextBox 12">
+                  <a:extLst>
+                    <a:ext uri="{FF2B5EF4-FFF2-40B4-BE49-F238E27FC236}">
+                      <a16:creationId xmlns:a16="http://schemas.microsoft.com/office/drawing/2014/main" id="{CF26BC0A-4E92-4910-A172-CC0C16D81712}"/>
+                    </a:ext>
+                  </a:extLst>
+                </p:cNvPr>
+                <p:cNvSpPr txBox="1">
+                  <a:spLocks noRot="1" noChangeAspect="1" noMove="1" noResize="1" noEditPoints="1" noAdjustHandles="1" noChangeArrowheads="1" noChangeShapeType="1" noTextEdit="1"/>
+                </p:cNvSpPr>
+                <p:nvPr/>
+              </p:nvSpPr>
+              <p:spPr>
+                <a:xfrm>
+                  <a:off x="3026928" y="6326436"/>
+                  <a:ext cx="507767" cy="369332"/>
+                </a:xfrm>
+                <a:prstGeom prst="rect">
+                  <a:avLst/>
+                </a:prstGeom>
+                <a:blipFill>
+                  <a:blip r:embed="rId5"/>
+                  <a:stretch>
+                    <a:fillRect b="-13333"/>
+                  </a:stretch>
+                </a:blipFill>
+              </p:spPr>
+              <p:txBody>
+                <a:bodyPr/>
+                <a:lstStyle/>
+                <a:p>
+                  <a:r>
+                    <a:rPr lang="en-US">
+                      <a:noFill/>
+                    </a:rPr>
+                    <a:t> </a:t>
+                  </a:r>
+                </a:p>
+              </p:txBody>
+            </p:sp>
+          </mc:Fallback>
+        </mc:AlternateContent>
+        <mc:AlternateContent xmlns:mc="http://schemas.openxmlformats.org/markup-compatibility/2006">
+          <mc:Choice xmlns:a14="http://schemas.microsoft.com/office/drawing/2010/main" Requires="a14">
+            <p:sp>
+              <p:nvSpPr>
+                <p:cNvPr id="14" name="TextBox 13">
+                  <a:extLst>
+                    <a:ext uri="{FF2B5EF4-FFF2-40B4-BE49-F238E27FC236}">
+                      <a16:creationId xmlns:a16="http://schemas.microsoft.com/office/drawing/2014/main" id="{575D2609-533A-4A0D-8CBD-B67D7BE6D063}"/>
+                    </a:ext>
+                  </a:extLst>
+                </p:cNvPr>
+                <p:cNvSpPr txBox="1"/>
+                <p:nvPr/>
+              </p:nvSpPr>
+              <p:spPr>
+                <a:xfrm>
+                  <a:off x="5140701" y="5527092"/>
+                  <a:ext cx="990656" cy="369332"/>
+                </a:xfrm>
+                <a:prstGeom prst="rect">
+                  <a:avLst/>
+                </a:prstGeom>
+                <a:noFill/>
+              </p:spPr>
+              <p:txBody>
+                <a:bodyPr wrap="none" rtlCol="0">
+                  <a:spAutoFit/>
+                </a:bodyPr>
+                <a:lstStyle/>
+                <a:p>
+                  <a14:m>
+                    <m:oMathPara xmlns:m="http://schemas.openxmlformats.org/officeDocument/2006/math">
+                      <m:oMathParaPr>
+                        <m:jc m:val="centerGroup"/>
+                      </m:oMathParaPr>
+                      <m:oMath xmlns:m="http://schemas.openxmlformats.org/officeDocument/2006/math">
+                        <m:r>
+                          <a:rPr lang="en-US" b="0" i="1" smtClean="0">
+                            <a:latin typeface="Cambria Math" panose="02040503050406030204" pitchFamily="18" charset="0"/>
+                          </a:rPr>
+                          <m:t>𝑅𝑒</m:t>
+                        </m:r>
+                        <m:r>
+                          <a:rPr lang="en-US" b="0" i="1" smtClean="0">
+                            <a:latin typeface="Cambria Math" panose="02040503050406030204" pitchFamily="18" charset="0"/>
+                          </a:rPr>
+                          <m:t>[</m:t>
+                        </m:r>
+                        <m:sSub>
+                          <m:sSubPr>
+                            <m:ctrlPr>
+                              <a:rPr lang="en-US" b="0" i="1" smtClean="0">
+                                <a:latin typeface="Cambria Math" panose="02040503050406030204" pitchFamily="18" charset="0"/>
+                              </a:rPr>
+                            </m:ctrlPr>
+                          </m:sSubPr>
+                          <m:e>
+                            <m:r>
+                              <a:rPr lang="en-US" b="0" i="1" smtClean="0">
+                                <a:latin typeface="Cambria Math" panose="02040503050406030204" pitchFamily="18" charset="0"/>
+                              </a:rPr>
+                              <m:t>𝜌</m:t>
+                            </m:r>
+                          </m:e>
+                          <m:sub>
+                            <m:r>
+                              <a:rPr lang="en-US" b="0" i="1" smtClean="0">
+                                <a:latin typeface="Cambria Math" panose="02040503050406030204" pitchFamily="18" charset="0"/>
+                              </a:rPr>
+                              <m:t>𝑎𝑐</m:t>
+                            </m:r>
+                          </m:sub>
+                        </m:sSub>
+                        <m:r>
+                          <a:rPr lang="en-US" b="0" i="1" smtClean="0">
+                            <a:latin typeface="Cambria Math" panose="02040503050406030204" pitchFamily="18" charset="0"/>
+                          </a:rPr>
+                          <m:t>]</m:t>
+                        </m:r>
+                      </m:oMath>
+                    </m:oMathPara>
+                  </a14:m>
+                  <a:endParaRPr lang="en-US" b="0" dirty="0"/>
+                </a:p>
+              </p:txBody>
+            </p:sp>
+          </mc:Choice>
+          <mc:Fallback>
+            <p:sp>
+              <p:nvSpPr>
+                <p:cNvPr id="14" name="TextBox 13">
+                  <a:extLst>
+                    <a:ext uri="{FF2B5EF4-FFF2-40B4-BE49-F238E27FC236}">
+                      <a16:creationId xmlns:a16="http://schemas.microsoft.com/office/drawing/2014/main" id="{575D2609-533A-4A0D-8CBD-B67D7BE6D063}"/>
+                    </a:ext>
+                  </a:extLst>
+                </p:cNvPr>
+                <p:cNvSpPr txBox="1">
+                  <a:spLocks noRot="1" noChangeAspect="1" noMove="1" noResize="1" noEditPoints="1" noAdjustHandles="1" noChangeArrowheads="1" noChangeShapeType="1" noTextEdit="1"/>
+                </p:cNvSpPr>
+                <p:nvPr/>
+              </p:nvSpPr>
+              <p:spPr>
+                <a:xfrm>
+                  <a:off x="5140701" y="5527092"/>
+                  <a:ext cx="990656" cy="369332"/>
+                </a:xfrm>
+                <a:prstGeom prst="rect">
+                  <a:avLst/>
+                </a:prstGeom>
+                <a:blipFill>
+                  <a:blip r:embed="rId6"/>
+                  <a:stretch>
+                    <a:fillRect b="-16667"/>
+                  </a:stretch>
+                </a:blipFill>
+              </p:spPr>
+              <p:txBody>
+                <a:bodyPr/>
+                <a:lstStyle/>
+                <a:p>
+                  <a:r>
+                    <a:rPr lang="en-US">
+                      <a:noFill/>
+                    </a:rPr>
+                    <a:t> </a:t>
+                  </a:r>
+                </a:p>
+              </p:txBody>
+            </p:sp>
+          </mc:Fallback>
+        </mc:AlternateContent>
+        <p:cxnSp>
+          <p:nvCxnSpPr>
+            <p:cNvPr id="16" name="Straight Arrow Connector 15">
+              <a:extLst>
+                <a:ext uri="{FF2B5EF4-FFF2-40B4-BE49-F238E27FC236}">
+                  <a16:creationId xmlns:a16="http://schemas.microsoft.com/office/drawing/2014/main" id="{A908FCE5-A0FC-4E82-A0B8-0F4932F7AE0E}"/>
+                </a:ext>
+              </a:extLst>
+            </p:cNvPr>
+            <p:cNvCxnSpPr>
+              <a:cxnSpLocks/>
+            </p:cNvCxnSpPr>
+            <p:nvPr/>
+          </p:nvCxnSpPr>
+          <p:spPr>
+            <a:xfrm>
+              <a:off x="3938954" y="4807958"/>
+              <a:ext cx="0" cy="893378"/>
+            </a:xfrm>
+            <a:prstGeom prst="straightConnector1">
+              <a:avLst/>
+            </a:prstGeom>
+            <a:ln w="19050">
+              <a:solidFill>
+                <a:schemeClr val="tx1"/>
+              </a:solidFill>
+              <a:tailEnd type="triangle"/>
+            </a:ln>
+          </p:spPr>
+          <p:style>
+            <a:lnRef idx="1">
+              <a:schemeClr val="accent1"/>
+            </a:lnRef>
+            <a:fillRef idx="0">
+              <a:schemeClr val="accent1"/>
+            </a:fillRef>
+            <a:effectRef idx="0">
+              <a:schemeClr val="accent1"/>
+            </a:effectRef>
+            <a:fontRef idx="minor">
+              <a:schemeClr val="tx1"/>
+            </a:fontRef>
+          </p:style>
+        </p:cxnSp>
+        <p:cxnSp>
+          <p:nvCxnSpPr>
+            <p:cNvPr id="20" name="Straight Arrow Connector 19">
+              <a:extLst>
+                <a:ext uri="{FF2B5EF4-FFF2-40B4-BE49-F238E27FC236}">
+                  <a16:creationId xmlns:a16="http://schemas.microsoft.com/office/drawing/2014/main" id="{BC22903B-4730-4343-AE7E-6BFF036FFE35}"/>
+                </a:ext>
+              </a:extLst>
+            </p:cNvPr>
+            <p:cNvCxnSpPr>
+              <a:cxnSpLocks/>
+            </p:cNvCxnSpPr>
+            <p:nvPr/>
+          </p:nvCxnSpPr>
+          <p:spPr>
+            <a:xfrm>
+              <a:off x="4021015" y="5701336"/>
+              <a:ext cx="0" cy="893378"/>
+            </a:xfrm>
+            <a:prstGeom prst="straightConnector1">
+              <a:avLst/>
+            </a:prstGeom>
+            <a:ln w="19050">
+              <a:solidFill>
+                <a:schemeClr val="tx1"/>
+              </a:solidFill>
+              <a:tailEnd type="triangle"/>
+            </a:ln>
+          </p:spPr>
+          <p:style>
+            <a:lnRef idx="1">
+              <a:schemeClr val="accent1"/>
+            </a:lnRef>
+            <a:fillRef idx="0">
+              <a:schemeClr val="accent1"/>
+            </a:fillRef>
+            <a:effectRef idx="0">
+              <a:schemeClr val="accent1"/>
+            </a:effectRef>
+            <a:fontRef idx="minor">
+              <a:schemeClr val="tx1"/>
+            </a:fontRef>
+          </p:style>
+        </p:cxnSp>
+        <p:cxnSp>
+          <p:nvCxnSpPr>
+            <p:cNvPr id="21" name="Straight Arrow Connector 20">
+              <a:extLst>
+                <a:ext uri="{FF2B5EF4-FFF2-40B4-BE49-F238E27FC236}">
+                  <a16:creationId xmlns:a16="http://schemas.microsoft.com/office/drawing/2014/main" id="{27A42B1A-1DD7-4FCF-89CD-2490920A4BC0}"/>
+                </a:ext>
+              </a:extLst>
+            </p:cNvPr>
+            <p:cNvCxnSpPr>
+              <a:cxnSpLocks/>
+            </p:cNvCxnSpPr>
+            <p:nvPr/>
+          </p:nvCxnSpPr>
+          <p:spPr>
+            <a:xfrm flipV="1">
+              <a:off x="4240530" y="5701336"/>
+              <a:ext cx="0" cy="867104"/>
+            </a:xfrm>
+            <a:prstGeom prst="straightConnector1">
+              <a:avLst/>
+            </a:prstGeom>
+            <a:ln w="19050">
+              <a:solidFill>
+                <a:schemeClr val="tx1"/>
+              </a:solidFill>
+              <a:tailEnd type="triangle"/>
+            </a:ln>
+          </p:spPr>
+          <p:style>
+            <a:lnRef idx="1">
+              <a:schemeClr val="accent1"/>
+            </a:lnRef>
+            <a:fillRef idx="0">
+              <a:schemeClr val="accent1"/>
+            </a:fillRef>
+            <a:effectRef idx="0">
+              <a:schemeClr val="accent1"/>
+            </a:effectRef>
+            <a:fontRef idx="minor">
+              <a:schemeClr val="tx1"/>
+            </a:fontRef>
+          </p:style>
+        </p:cxnSp>
+        <p:cxnSp>
+          <p:nvCxnSpPr>
+            <p:cNvPr id="25" name="Straight Arrow Connector 24">
+              <a:extLst>
+                <a:ext uri="{FF2B5EF4-FFF2-40B4-BE49-F238E27FC236}">
+                  <a16:creationId xmlns:a16="http://schemas.microsoft.com/office/drawing/2014/main" id="{02EE7A10-82A5-4C95-915D-5F7B8BD28132}"/>
+                </a:ext>
+              </a:extLst>
+            </p:cNvPr>
+            <p:cNvCxnSpPr>
+              <a:cxnSpLocks/>
+            </p:cNvCxnSpPr>
+            <p:nvPr/>
+          </p:nvCxnSpPr>
+          <p:spPr>
+            <a:xfrm flipV="1">
+              <a:off x="4091354" y="4766465"/>
+              <a:ext cx="0" cy="934871"/>
+            </a:xfrm>
+            <a:prstGeom prst="straightConnector1">
+              <a:avLst/>
+            </a:prstGeom>
+            <a:ln w="19050">
+              <a:solidFill>
+                <a:schemeClr val="tx1"/>
+              </a:solidFill>
+              <a:tailEnd type="triangle"/>
+            </a:ln>
+          </p:spPr>
+          <p:style>
+            <a:lnRef idx="1">
+              <a:schemeClr val="accent1"/>
+            </a:lnRef>
+            <a:fillRef idx="0">
+              <a:schemeClr val="accent1"/>
+            </a:fillRef>
+            <a:effectRef idx="0">
+              <a:schemeClr val="accent1"/>
+            </a:effectRef>
+            <a:fontRef idx="minor">
+              <a:schemeClr val="tx1"/>
+            </a:fontRef>
+          </p:style>
+        </p:cxnSp>
+        <p:cxnSp>
+          <p:nvCxnSpPr>
+            <p:cNvPr id="32" name="Straight Arrow Connector 31">
+              <a:extLst>
+                <a:ext uri="{FF2B5EF4-FFF2-40B4-BE49-F238E27FC236}">
+                  <a16:creationId xmlns:a16="http://schemas.microsoft.com/office/drawing/2014/main" id="{EF6F00C9-6F8D-4DD8-865B-EEFE8DF2FCA2}"/>
+                </a:ext>
+              </a:extLst>
+            </p:cNvPr>
+            <p:cNvCxnSpPr>
+              <a:cxnSpLocks/>
+              <a:stCxn id="10" idx="1"/>
+            </p:cNvCxnSpPr>
+            <p:nvPr/>
+          </p:nvCxnSpPr>
+          <p:spPr>
+            <a:xfrm flipH="1" flipV="1">
+              <a:off x="4515924" y="4766464"/>
+              <a:ext cx="794856" cy="693312"/>
+            </a:xfrm>
+            <a:prstGeom prst="straightConnector1">
+              <a:avLst/>
+            </a:prstGeom>
+            <a:ln w="19050">
+              <a:solidFill>
+                <a:schemeClr val="tx1"/>
+              </a:solidFill>
+              <a:tailEnd type="triangle"/>
+            </a:ln>
+          </p:spPr>
+          <p:style>
+            <a:lnRef idx="1">
+              <a:schemeClr val="accent1"/>
+            </a:lnRef>
+            <a:fillRef idx="0">
+              <a:schemeClr val="accent1"/>
+            </a:fillRef>
+            <a:effectRef idx="0">
+              <a:schemeClr val="accent1"/>
+            </a:effectRef>
+            <a:fontRef idx="minor">
+              <a:schemeClr val="tx1"/>
+            </a:fontRef>
+          </p:style>
+        </p:cxnSp>
+        <p:cxnSp>
+          <p:nvCxnSpPr>
+            <p:cNvPr id="36" name="Straight Arrow Connector 35">
+              <a:extLst>
+                <a:ext uri="{FF2B5EF4-FFF2-40B4-BE49-F238E27FC236}">
+                  <a16:creationId xmlns:a16="http://schemas.microsoft.com/office/drawing/2014/main" id="{17F28AA5-0FA1-4F47-A89B-ED48AF485FB0}"/>
+                </a:ext>
+              </a:extLst>
+            </p:cNvPr>
+            <p:cNvCxnSpPr>
+              <a:cxnSpLocks/>
+              <a:endCxn id="14" idx="1"/>
+            </p:cNvCxnSpPr>
+            <p:nvPr/>
+          </p:nvCxnSpPr>
+          <p:spPr>
+            <a:xfrm>
+              <a:off x="4618642" y="5706547"/>
+              <a:ext cx="522059" cy="5211"/>
+            </a:xfrm>
+            <a:prstGeom prst="straightConnector1">
+              <a:avLst/>
+            </a:prstGeom>
+            <a:ln w="19050">
+              <a:solidFill>
+                <a:schemeClr val="tx1"/>
+              </a:solidFill>
+              <a:tailEnd type="triangle"/>
+            </a:ln>
+          </p:spPr>
+          <p:style>
+            <a:lnRef idx="1">
+              <a:schemeClr val="accent1"/>
+            </a:lnRef>
+            <a:fillRef idx="0">
+              <a:schemeClr val="accent1"/>
+            </a:fillRef>
+            <a:effectRef idx="0">
+              <a:schemeClr val="accent1"/>
+            </a:effectRef>
+            <a:fontRef idx="minor">
+              <a:schemeClr val="tx1"/>
+            </a:fontRef>
+          </p:style>
+        </p:cxnSp>
+        <p:cxnSp>
+          <p:nvCxnSpPr>
+            <p:cNvPr id="39" name="Straight Arrow Connector 38">
+              <a:extLst>
+                <a:ext uri="{FF2B5EF4-FFF2-40B4-BE49-F238E27FC236}">
+                  <a16:creationId xmlns:a16="http://schemas.microsoft.com/office/drawing/2014/main" id="{1A75220E-1ECE-4743-8CCB-648631754269}"/>
+                </a:ext>
+              </a:extLst>
+            </p:cNvPr>
+            <p:cNvCxnSpPr>
+              <a:cxnSpLocks/>
+            </p:cNvCxnSpPr>
+            <p:nvPr/>
+          </p:nvCxnSpPr>
+          <p:spPr>
+            <a:xfrm flipH="1">
+              <a:off x="4515924" y="6069224"/>
+              <a:ext cx="895311" cy="525490"/>
+            </a:xfrm>
+            <a:prstGeom prst="straightConnector1">
+              <a:avLst/>
+            </a:prstGeom>
+            <a:ln w="19050">
+              <a:solidFill>
+                <a:schemeClr val="tx1"/>
+              </a:solidFill>
+              <a:tailEnd type="triangle"/>
+            </a:ln>
+          </p:spPr>
+          <p:style>
+            <a:lnRef idx="1">
+              <a:schemeClr val="accent1"/>
+            </a:lnRef>
+            <a:fillRef idx="0">
+              <a:schemeClr val="accent1"/>
+            </a:fillRef>
+            <a:effectRef idx="0">
+              <a:schemeClr val="accent1"/>
+            </a:effectRef>
+            <a:fontRef idx="minor">
+              <a:schemeClr val="tx1"/>
+            </a:fontRef>
+          </p:style>
+        </p:cxnSp>
+      </p:grpSp>
+      <mc:AlternateContent xmlns:mc="http://schemas.openxmlformats.org/markup-compatibility/2006">
+        <mc:Choice xmlns:a14="http://schemas.microsoft.com/office/drawing/2010/main" Requires="a14">
+          <p:sp>
+            <p:nvSpPr>
+              <p:cNvPr id="44" name="TextBox 43">
+                <a:extLst>
+                  <a:ext uri="{FF2B5EF4-FFF2-40B4-BE49-F238E27FC236}">
+                    <a16:creationId xmlns:a16="http://schemas.microsoft.com/office/drawing/2014/main" id="{5B9EF668-4925-44E7-8D0E-B607E30EC62E}"/>
+                  </a:ext>
+                </a:extLst>
+              </p:cNvPr>
+              <p:cNvSpPr txBox="1"/>
+              <p:nvPr/>
+            </p:nvSpPr>
+            <p:spPr>
+              <a:xfrm>
+                <a:off x="4446519" y="3430642"/>
+                <a:ext cx="4712677" cy="1477328"/>
+              </a:xfrm>
+              <a:prstGeom prst="rect">
+                <a:avLst/>
+              </a:prstGeom>
+              <a:noFill/>
+            </p:spPr>
+            <p:txBody>
+              <a:bodyPr wrap="square" rtlCol="0">
+                <a:spAutoFit/>
+              </a:bodyPr>
+              <a:lstStyle/>
+              <a:p>
+                <a:r>
+                  <a:rPr lang="en-US" dirty="0"/>
+                  <a:t>When </a:t>
+                </a:r>
+                <a14:m>
+                  <m:oMath xmlns:m="http://schemas.openxmlformats.org/officeDocument/2006/math">
+                    <m:sSub>
+                      <m:sSubPr>
+                        <m:ctrlPr>
+                          <a:rPr lang="en-US" b="0" i="1" smtClean="0">
+                            <a:latin typeface="Cambria Math" panose="02040503050406030204" pitchFamily="18" charset="0"/>
+                          </a:rPr>
+                        </m:ctrlPr>
+                      </m:sSubPr>
+                      <m:e>
+                        <m:r>
+                          <a:rPr lang="en-US" b="0" i="1" smtClean="0">
+                            <a:latin typeface="Cambria Math" panose="02040503050406030204" pitchFamily="18" charset="0"/>
+                          </a:rPr>
+                          <m:t>𝑑</m:t>
+                        </m:r>
+                      </m:e>
+                      <m:sub>
+                        <m:r>
+                          <a:rPr lang="en-US" b="0" i="1" smtClean="0">
+                            <a:latin typeface="Cambria Math" panose="02040503050406030204" pitchFamily="18" charset="0"/>
+                          </a:rPr>
+                          <m:t>𝑎𝑏</m:t>
+                        </m:r>
+                      </m:sub>
+                    </m:sSub>
+                    <m:r>
+                      <a:rPr lang="en-US" b="0" i="1" smtClean="0">
+                        <a:latin typeface="Cambria Math" panose="02040503050406030204" pitchFamily="18" charset="0"/>
+                      </a:rPr>
+                      <m:t>≪</m:t>
+                    </m:r>
+                    <m:sSub>
+                      <m:sSubPr>
+                        <m:ctrlPr>
+                          <a:rPr lang="en-US" b="0" i="1" smtClean="0">
+                            <a:latin typeface="Cambria Math" panose="02040503050406030204" pitchFamily="18" charset="0"/>
+                          </a:rPr>
+                        </m:ctrlPr>
+                      </m:sSubPr>
+                      <m:e>
+                        <m:r>
+                          <a:rPr lang="en-US" b="0" i="1" smtClean="0">
+                            <a:latin typeface="Cambria Math" panose="02040503050406030204" pitchFamily="18" charset="0"/>
+                          </a:rPr>
+                          <m:t>𝑑</m:t>
+                        </m:r>
+                      </m:e>
+                      <m:sub>
+                        <m:r>
+                          <a:rPr lang="en-US" b="0" i="1" smtClean="0">
+                            <a:latin typeface="Cambria Math" panose="02040503050406030204" pitchFamily="18" charset="0"/>
+                          </a:rPr>
+                          <m:t>𝑏𝑐</m:t>
+                        </m:r>
+                      </m:sub>
+                    </m:sSub>
+                  </m:oMath>
+                </a14:m>
+                <a:r>
+                  <a:rPr lang="en-US" dirty="0"/>
+                  <a:t>, electrons in the state </a:t>
+                </a:r>
+                <a14:m>
+                  <m:oMath xmlns:m="http://schemas.openxmlformats.org/officeDocument/2006/math">
+                    <m:r>
+                      <a:rPr lang="en-US" b="0" i="1" smtClean="0">
+                        <a:latin typeface="Cambria Math" panose="02040503050406030204" pitchFamily="18" charset="0"/>
+                      </a:rPr>
+                      <m:t>|</m:t>
+                    </m:r>
+                    <m:r>
+                      <a:rPr lang="en-US" b="0" i="1" smtClean="0">
+                        <a:latin typeface="Cambria Math" panose="02040503050406030204" pitchFamily="18" charset="0"/>
+                      </a:rPr>
+                      <m:t>𝑐</m:t>
+                    </m:r>
+                    <m:r>
+                      <a:rPr lang="en-US" b="0" i="1" smtClean="0">
+                        <a:latin typeface="Cambria Math" panose="02040503050406030204" pitchFamily="18" charset="0"/>
+                      </a:rPr>
+                      <m:t>⟩</m:t>
+                    </m:r>
+                  </m:oMath>
+                </a14:m>
+                <a:r>
+                  <a:rPr lang="en-US" dirty="0"/>
+                  <a:t> will be pumped to the state </a:t>
+                </a:r>
+                <a14:m>
+                  <m:oMath xmlns:m="http://schemas.openxmlformats.org/officeDocument/2006/math">
+                    <m:r>
+                      <a:rPr lang="en-US" b="0" i="1" smtClean="0">
+                        <a:latin typeface="Cambria Math" panose="02040503050406030204" pitchFamily="18" charset="0"/>
+                      </a:rPr>
+                      <m:t>|</m:t>
+                    </m:r>
+                    <m:r>
+                      <a:rPr lang="en-US" b="0" i="1" smtClean="0">
+                        <a:latin typeface="Cambria Math" panose="02040503050406030204" pitchFamily="18" charset="0"/>
+                      </a:rPr>
+                      <m:t>𝑎</m:t>
+                    </m:r>
+                    <m:r>
+                      <a:rPr lang="en-US" b="0" i="1" smtClean="0">
+                        <a:latin typeface="Cambria Math" panose="02040503050406030204" pitchFamily="18" charset="0"/>
+                      </a:rPr>
+                      <m:t>⟩</m:t>
+                    </m:r>
+                  </m:oMath>
+                </a14:m>
+                <a:r>
+                  <a:rPr lang="en-US" dirty="0"/>
+                  <a:t> through </a:t>
+                </a:r>
+                <a14:m>
+                  <m:oMath xmlns:m="http://schemas.openxmlformats.org/officeDocument/2006/math">
+                    <m:r>
+                      <a:rPr lang="en-US" b="0" i="1" smtClean="0">
+                        <a:latin typeface="Cambria Math" panose="02040503050406030204" pitchFamily="18" charset="0"/>
+                      </a:rPr>
+                      <m:t>𝑐</m:t>
+                    </m:r>
+                    <m:r>
+                      <a:rPr lang="en-US" b="0" i="1" smtClean="0">
+                        <a:latin typeface="Cambria Math" panose="02040503050406030204" pitchFamily="18" charset="0"/>
+                      </a:rPr>
+                      <m:t>→</m:t>
+                    </m:r>
+                    <m:r>
+                      <a:rPr lang="en-US" b="0" i="1" smtClean="0">
+                        <a:latin typeface="Cambria Math" panose="02040503050406030204" pitchFamily="18" charset="0"/>
+                      </a:rPr>
+                      <m:t>𝑏</m:t>
+                    </m:r>
+                    <m:r>
+                      <a:rPr lang="en-US" b="0" i="1" smtClean="0">
+                        <a:latin typeface="Cambria Math" panose="02040503050406030204" pitchFamily="18" charset="0"/>
+                      </a:rPr>
+                      <m:t>→</m:t>
+                    </m:r>
+                    <m:sSub>
+                      <m:sSubPr>
+                        <m:ctrlPr>
+                          <a:rPr lang="en-US" b="0" i="1" smtClean="0">
+                            <a:latin typeface="Cambria Math" panose="02040503050406030204" pitchFamily="18" charset="0"/>
+                          </a:rPr>
+                        </m:ctrlPr>
+                      </m:sSubPr>
+                      <m:e>
+                        <m:r>
+                          <a:rPr lang="en-US" b="0" i="1" smtClean="0">
+                            <a:latin typeface="Cambria Math" panose="02040503050406030204" pitchFamily="18" charset="0"/>
+                          </a:rPr>
+                          <m:t>𝜌</m:t>
+                        </m:r>
+                      </m:e>
+                      <m:sub>
+                        <m:r>
+                          <a:rPr lang="en-US" b="0" i="1" smtClean="0">
+                            <a:latin typeface="Cambria Math" panose="02040503050406030204" pitchFamily="18" charset="0"/>
+                          </a:rPr>
+                          <m:t>𝑎𝑐</m:t>
+                        </m:r>
+                      </m:sub>
+                    </m:sSub>
+                    <m:r>
+                      <a:rPr lang="en-US" b="0" i="1" smtClean="0">
+                        <a:latin typeface="Cambria Math" panose="02040503050406030204" pitchFamily="18" charset="0"/>
+                      </a:rPr>
+                      <m:t>→</m:t>
+                    </m:r>
+                    <m:r>
+                      <a:rPr lang="en-US" b="0" i="1" smtClean="0">
+                        <a:latin typeface="Cambria Math" panose="02040503050406030204" pitchFamily="18" charset="0"/>
+                      </a:rPr>
+                      <m:t>𝑎</m:t>
+                    </m:r>
+                  </m:oMath>
+                </a14:m>
+                <a:r>
+                  <a:rPr lang="en-US" dirty="0"/>
+                  <a:t>, since the decay rate from </a:t>
+                </a:r>
+                <a14:m>
+                  <m:oMath xmlns:m="http://schemas.openxmlformats.org/officeDocument/2006/math">
+                    <m:r>
+                      <a:rPr lang="en-US" b="0" i="1" smtClean="0">
+                        <a:latin typeface="Cambria Math" panose="02040503050406030204" pitchFamily="18" charset="0"/>
+                      </a:rPr>
+                      <m:t>|</m:t>
+                    </m:r>
+                    <m:r>
+                      <a:rPr lang="en-US" b="0" i="1" smtClean="0">
+                        <a:latin typeface="Cambria Math" panose="02040503050406030204" pitchFamily="18" charset="0"/>
+                      </a:rPr>
+                      <m:t>𝑎</m:t>
+                    </m:r>
+                    <m:r>
+                      <a:rPr lang="en-US" b="0" i="1" smtClean="0">
+                        <a:latin typeface="Cambria Math" panose="02040503050406030204" pitchFamily="18" charset="0"/>
+                      </a:rPr>
+                      <m:t>⟩</m:t>
+                    </m:r>
+                  </m:oMath>
+                </a14:m>
+                <a:r>
+                  <a:rPr lang="en-US" dirty="0"/>
+                  <a:t> to </a:t>
+                </a:r>
+                <a14:m>
+                  <m:oMath xmlns:m="http://schemas.openxmlformats.org/officeDocument/2006/math">
+                    <m:r>
+                      <a:rPr lang="en-US" b="0" i="1" smtClean="0">
+                        <a:latin typeface="Cambria Math" panose="02040503050406030204" pitchFamily="18" charset="0"/>
+                      </a:rPr>
+                      <m:t>|</m:t>
+                    </m:r>
+                    <m:r>
+                      <a:rPr lang="en-US" b="0" i="1" smtClean="0">
+                        <a:latin typeface="Cambria Math" panose="02040503050406030204" pitchFamily="18" charset="0"/>
+                      </a:rPr>
+                      <m:t>𝑏</m:t>
+                    </m:r>
+                    <m:r>
+                      <a:rPr lang="en-US" b="0" i="1" smtClean="0">
+                        <a:latin typeface="Cambria Math" panose="02040503050406030204" pitchFamily="18" charset="0"/>
+                      </a:rPr>
+                      <m:t>⟩</m:t>
+                    </m:r>
+                  </m:oMath>
+                </a14:m>
+                <a:r>
+                  <a:rPr lang="en-US" dirty="0"/>
+                  <a:t> is slower than this pump rate, most atoms will remain in the excited state:</a:t>
+                </a:r>
+              </a:p>
+            </p:txBody>
+          </p:sp>
+        </mc:Choice>
+        <mc:Fallback>
+          <p:sp>
+            <p:nvSpPr>
+              <p:cNvPr id="44" name="TextBox 43">
+                <a:extLst>
+                  <a:ext uri="{FF2B5EF4-FFF2-40B4-BE49-F238E27FC236}">
+                    <a16:creationId xmlns:a16="http://schemas.microsoft.com/office/drawing/2014/main" id="{5B9EF668-4925-44E7-8D0E-B607E30EC62E}"/>
+                  </a:ext>
+                </a:extLst>
+              </p:cNvPr>
+              <p:cNvSpPr txBox="1">
+                <a:spLocks noRot="1" noChangeAspect="1" noMove="1" noResize="1" noEditPoints="1" noAdjustHandles="1" noChangeArrowheads="1" noChangeShapeType="1" noTextEdit="1"/>
+              </p:cNvSpPr>
+              <p:nvPr/>
+            </p:nvSpPr>
+            <p:spPr>
+              <a:xfrm>
+                <a:off x="4446519" y="3430642"/>
+                <a:ext cx="4712677" cy="1477328"/>
+              </a:xfrm>
+              <a:prstGeom prst="rect">
+                <a:avLst/>
+              </a:prstGeom>
+              <a:blipFill>
+                <a:blip r:embed="rId7"/>
+                <a:stretch>
+                  <a:fillRect l="-1035" t="-2479" b="-5785"/>
+                </a:stretch>
+              </a:blipFill>
+            </p:spPr>
+            <p:txBody>
+              <a:bodyPr/>
+              <a:lstStyle/>
+              <a:p>
+                <a:r>
+                  <a:rPr lang="en-US">
+                    <a:noFill/>
+                  </a:rPr>
+                  <a:t> </a:t>
+                </a:r>
+              </a:p>
+            </p:txBody>
+          </p:sp>
+        </mc:Fallback>
+      </mc:AlternateContent>
     </p:spTree>
     <p:extLst>
       <p:ext uri="{BB962C8B-B14F-4D97-AF65-F5344CB8AC3E}">

--- a/3-level.pptx
+++ b/3-level.pptx
@@ -5,7 +5,7 @@
     <p:sldMasterId id="2147483648" r:id="rId1"/>
   </p:sldMasterIdLst>
   <p:notesMasterIdLst>
-    <p:notesMasterId r:id="rId24"/>
+    <p:notesMasterId r:id="rId25"/>
   </p:notesMasterIdLst>
   <p:sldIdLst>
     <p:sldId id="281" r:id="rId2"/>
@@ -21,15 +21,16 @@
     <p:sldId id="273" r:id="rId12"/>
     <p:sldId id="276" r:id="rId13"/>
     <p:sldId id="282" r:id="rId14"/>
-    <p:sldId id="279" r:id="rId15"/>
-    <p:sldId id="277" r:id="rId16"/>
-    <p:sldId id="263" r:id="rId17"/>
-    <p:sldId id="264" r:id="rId18"/>
-    <p:sldId id="261" r:id="rId19"/>
-    <p:sldId id="278" r:id="rId20"/>
-    <p:sldId id="266" r:id="rId21"/>
-    <p:sldId id="265" r:id="rId22"/>
-    <p:sldId id="258" r:id="rId23"/>
+    <p:sldId id="283" r:id="rId15"/>
+    <p:sldId id="279" r:id="rId16"/>
+    <p:sldId id="277" r:id="rId17"/>
+    <p:sldId id="263" r:id="rId18"/>
+    <p:sldId id="264" r:id="rId19"/>
+    <p:sldId id="261" r:id="rId20"/>
+    <p:sldId id="278" r:id="rId21"/>
+    <p:sldId id="266" r:id="rId22"/>
+    <p:sldId id="265" r:id="rId23"/>
+    <p:sldId id="258" r:id="rId24"/>
   </p:sldIdLst>
   <p:sldSz cx="12192000" cy="6858000"/>
   <p:notesSz cx="6858000" cy="9144000"/>
@@ -230,7 +231,7 @@
           <a:p>
             <a:fld id="{D398D3D8-E180-45F1-973D-9CDE3FC68687}" type="datetimeFigureOut">
               <a:rPr lang="en-US" smtClean="0"/>
-              <a:t>9/27/2018</a:t>
+              <a:t>9/28/2018</a:t>
             </a:fld>
             <a:endParaRPr lang="en-US"/>
           </a:p>
@@ -812,7 +813,7 @@
           <a:p>
             <a:fld id="{540C0B17-285F-4B24-A15E-231AC8C41BCD}" type="datetimeFigureOut">
               <a:rPr lang="en-US" smtClean="0"/>
-              <a:t>9/27/2018</a:t>
+              <a:t>9/28/2018</a:t>
             </a:fld>
             <a:endParaRPr lang="en-US"/>
           </a:p>
@@ -1010,7 +1011,7 @@
           <a:p>
             <a:fld id="{540C0B17-285F-4B24-A15E-231AC8C41BCD}" type="datetimeFigureOut">
               <a:rPr lang="en-US" smtClean="0"/>
-              <a:t>9/27/2018</a:t>
+              <a:t>9/28/2018</a:t>
             </a:fld>
             <a:endParaRPr lang="en-US"/>
           </a:p>
@@ -1218,7 +1219,7 @@
           <a:p>
             <a:fld id="{540C0B17-285F-4B24-A15E-231AC8C41BCD}" type="datetimeFigureOut">
               <a:rPr lang="en-US" smtClean="0"/>
-              <a:t>9/27/2018</a:t>
+              <a:t>9/28/2018</a:t>
             </a:fld>
             <a:endParaRPr lang="en-US"/>
           </a:p>
@@ -1416,7 +1417,7 @@
           <a:p>
             <a:fld id="{540C0B17-285F-4B24-A15E-231AC8C41BCD}" type="datetimeFigureOut">
               <a:rPr lang="en-US" smtClean="0"/>
-              <a:t>9/27/2018</a:t>
+              <a:t>9/28/2018</a:t>
             </a:fld>
             <a:endParaRPr lang="en-US"/>
           </a:p>
@@ -1691,7 +1692,7 @@
           <a:p>
             <a:fld id="{540C0B17-285F-4B24-A15E-231AC8C41BCD}" type="datetimeFigureOut">
               <a:rPr lang="en-US" smtClean="0"/>
-              <a:t>9/27/2018</a:t>
+              <a:t>9/28/2018</a:t>
             </a:fld>
             <a:endParaRPr lang="en-US"/>
           </a:p>
@@ -1956,7 +1957,7 @@
           <a:p>
             <a:fld id="{540C0B17-285F-4B24-A15E-231AC8C41BCD}" type="datetimeFigureOut">
               <a:rPr lang="en-US" smtClean="0"/>
-              <a:t>9/27/2018</a:t>
+              <a:t>9/28/2018</a:t>
             </a:fld>
             <a:endParaRPr lang="en-US"/>
           </a:p>
@@ -2368,7 +2369,7 @@
           <a:p>
             <a:fld id="{540C0B17-285F-4B24-A15E-231AC8C41BCD}" type="datetimeFigureOut">
               <a:rPr lang="en-US" smtClean="0"/>
-              <a:t>9/27/2018</a:t>
+              <a:t>9/28/2018</a:t>
             </a:fld>
             <a:endParaRPr lang="en-US"/>
           </a:p>
@@ -2509,7 +2510,7 @@
           <a:p>
             <a:fld id="{540C0B17-285F-4B24-A15E-231AC8C41BCD}" type="datetimeFigureOut">
               <a:rPr lang="en-US" smtClean="0"/>
-              <a:t>9/27/2018</a:t>
+              <a:t>9/28/2018</a:t>
             </a:fld>
             <a:endParaRPr lang="en-US"/>
           </a:p>
@@ -2622,7 +2623,7 @@
           <a:p>
             <a:fld id="{540C0B17-285F-4B24-A15E-231AC8C41BCD}" type="datetimeFigureOut">
               <a:rPr lang="en-US" smtClean="0"/>
-              <a:t>9/27/2018</a:t>
+              <a:t>9/28/2018</a:t>
             </a:fld>
             <a:endParaRPr lang="en-US"/>
           </a:p>
@@ -2933,7 +2934,7 @@
           <a:p>
             <a:fld id="{540C0B17-285F-4B24-A15E-231AC8C41BCD}" type="datetimeFigureOut">
               <a:rPr lang="en-US" smtClean="0"/>
-              <a:t>9/27/2018</a:t>
+              <a:t>9/28/2018</a:t>
             </a:fld>
             <a:endParaRPr lang="en-US"/>
           </a:p>
@@ -3221,7 +3222,7 @@
           <a:p>
             <a:fld id="{540C0B17-285F-4B24-A15E-231AC8C41BCD}" type="datetimeFigureOut">
               <a:rPr lang="en-US" smtClean="0"/>
-              <a:t>9/27/2018</a:t>
+              <a:t>9/28/2018</a:t>
             </a:fld>
             <a:endParaRPr lang="en-US"/>
           </a:p>
@@ -3462,7 +3463,7 @@
           <a:p>
             <a:fld id="{540C0B17-285F-4B24-A15E-231AC8C41BCD}" type="datetimeFigureOut">
               <a:rPr lang="en-US" smtClean="0"/>
-              <a:t>9/27/2018</a:t>
+              <a:t>9/28/2018</a:t>
             </a:fld>
             <a:endParaRPr lang="en-US"/>
           </a:p>
@@ -9429,954 +9430,6 @@
           </a:prstGeom>
         </p:spPr>
       </p:pic>
-      <p:grpSp>
-        <p:nvGrpSpPr>
-          <p:cNvPr id="41" name="Group 40">
-            <a:extLst>
-              <a:ext uri="{FF2B5EF4-FFF2-40B4-BE49-F238E27FC236}">
-                <a16:creationId xmlns:a16="http://schemas.microsoft.com/office/drawing/2014/main" id="{D6C4F0BB-D687-4623-84E2-6E3F81EF3D96}"/>
-              </a:ext>
-            </a:extLst>
-          </p:cNvPr>
-          <p:cNvGrpSpPr/>
-          <p:nvPr/>
-        </p:nvGrpSpPr>
-        <p:grpSpPr>
-          <a:xfrm>
-            <a:off x="883674" y="3775094"/>
-            <a:ext cx="3104429" cy="2072476"/>
-            <a:chOff x="3026928" y="4623292"/>
-            <a:chExt cx="3104429" cy="2072476"/>
-          </a:xfrm>
-        </p:grpSpPr>
-        <p:cxnSp>
-          <p:nvCxnSpPr>
-            <p:cNvPr id="6" name="Straight Connector 5">
-              <a:extLst>
-                <a:ext uri="{FF2B5EF4-FFF2-40B4-BE49-F238E27FC236}">
-                  <a16:creationId xmlns:a16="http://schemas.microsoft.com/office/drawing/2014/main" id="{44D542FF-BC9A-45F0-988E-FE4FD47789E5}"/>
-                </a:ext>
-              </a:extLst>
-            </p:cNvPr>
-            <p:cNvCxnSpPr>
-              <a:cxnSpLocks/>
-            </p:cNvCxnSpPr>
-            <p:nvPr/>
-          </p:nvCxnSpPr>
-          <p:spPr>
-            <a:xfrm>
-              <a:off x="3573780" y="6568440"/>
-              <a:ext cx="985807" cy="0"/>
-            </a:xfrm>
-            <a:prstGeom prst="line">
-              <a:avLst/>
-            </a:prstGeom>
-            <a:ln w="38100"/>
-          </p:spPr>
-          <p:style>
-            <a:lnRef idx="1">
-              <a:schemeClr val="accent1"/>
-            </a:lnRef>
-            <a:fillRef idx="0">
-              <a:schemeClr val="accent1"/>
-            </a:fillRef>
-            <a:effectRef idx="0">
-              <a:schemeClr val="accent1"/>
-            </a:effectRef>
-            <a:fontRef idx="minor">
-              <a:schemeClr val="tx1"/>
-            </a:fontRef>
-          </p:style>
-        </p:cxnSp>
-        <p:cxnSp>
-          <p:nvCxnSpPr>
-            <p:cNvPr id="8" name="Straight Connector 7">
-              <a:extLst>
-                <a:ext uri="{FF2B5EF4-FFF2-40B4-BE49-F238E27FC236}">
-                  <a16:creationId xmlns:a16="http://schemas.microsoft.com/office/drawing/2014/main" id="{8F15EEF5-FCCA-4569-BA1E-765A702ACA77}"/>
-                </a:ext>
-              </a:extLst>
-            </p:cNvPr>
-            <p:cNvCxnSpPr>
-              <a:cxnSpLocks/>
-            </p:cNvCxnSpPr>
-            <p:nvPr/>
-          </p:nvCxnSpPr>
-          <p:spPr>
-            <a:xfrm>
-              <a:off x="3573780" y="4807958"/>
-              <a:ext cx="985807" cy="0"/>
-            </a:xfrm>
-            <a:prstGeom prst="line">
-              <a:avLst/>
-            </a:prstGeom>
-            <a:ln w="38100"/>
-          </p:spPr>
-          <p:style>
-            <a:lnRef idx="1">
-              <a:schemeClr val="accent1"/>
-            </a:lnRef>
-            <a:fillRef idx="0">
-              <a:schemeClr val="accent1"/>
-            </a:fillRef>
-            <a:effectRef idx="0">
-              <a:schemeClr val="accent1"/>
-            </a:effectRef>
-            <a:fontRef idx="minor">
-              <a:schemeClr val="tx1"/>
-            </a:fontRef>
-          </p:style>
-        </p:cxnSp>
-        <p:cxnSp>
-          <p:nvCxnSpPr>
-            <p:cNvPr id="9" name="Straight Connector 8">
-              <a:extLst>
-                <a:ext uri="{FF2B5EF4-FFF2-40B4-BE49-F238E27FC236}">
-                  <a16:creationId xmlns:a16="http://schemas.microsoft.com/office/drawing/2014/main" id="{D13DDB16-2756-4783-81A0-8691CC1AFEB6}"/>
-                </a:ext>
-              </a:extLst>
-            </p:cNvPr>
-            <p:cNvCxnSpPr>
-              <a:cxnSpLocks/>
-            </p:cNvCxnSpPr>
-            <p:nvPr/>
-          </p:nvCxnSpPr>
-          <p:spPr>
-            <a:xfrm>
-              <a:off x="3573780" y="5701336"/>
-              <a:ext cx="1027183" cy="0"/>
-            </a:xfrm>
-            <a:prstGeom prst="line">
-              <a:avLst/>
-            </a:prstGeom>
-            <a:ln w="38100"/>
-          </p:spPr>
-          <p:style>
-            <a:lnRef idx="1">
-              <a:schemeClr val="accent1"/>
-            </a:lnRef>
-            <a:fillRef idx="0">
-              <a:schemeClr val="accent1"/>
-            </a:fillRef>
-            <a:effectRef idx="0">
-              <a:schemeClr val="accent1"/>
-            </a:effectRef>
-            <a:fontRef idx="minor">
-              <a:schemeClr val="tx1"/>
-            </a:fontRef>
-          </p:style>
-        </p:cxnSp>
-        <p:sp>
-          <p:nvSpPr>
-            <p:cNvPr id="10" name="Oval 9">
-              <a:extLst>
-                <a:ext uri="{FF2B5EF4-FFF2-40B4-BE49-F238E27FC236}">
-                  <a16:creationId xmlns:a16="http://schemas.microsoft.com/office/drawing/2014/main" id="{2FFD5965-FC7B-4A88-B740-416B881AC934}"/>
-                </a:ext>
-              </a:extLst>
-            </p:cNvPr>
-            <p:cNvSpPr/>
-            <p:nvPr/>
-          </p:nvSpPr>
-          <p:spPr>
-            <a:xfrm>
-              <a:off x="5176058" y="5341691"/>
-              <a:ext cx="919942" cy="806334"/>
-            </a:xfrm>
-            <a:prstGeom prst="ellipse">
-              <a:avLst/>
-            </a:prstGeom>
-            <a:noFill/>
-          </p:spPr>
-          <p:style>
-            <a:lnRef idx="2">
-              <a:schemeClr val="accent1">
-                <a:shade val="50000"/>
-              </a:schemeClr>
-            </a:lnRef>
-            <a:fillRef idx="1">
-              <a:schemeClr val="accent1"/>
-            </a:fillRef>
-            <a:effectRef idx="0">
-              <a:schemeClr val="accent1"/>
-            </a:effectRef>
-            <a:fontRef idx="minor">
-              <a:schemeClr val="lt1"/>
-            </a:fontRef>
-          </p:style>
-          <p:txBody>
-            <a:bodyPr rtlCol="0" anchor="ctr"/>
-            <a:lstStyle/>
-            <a:p>
-              <a:pPr algn="ctr"/>
-              <a:endParaRPr lang="en-US"/>
-            </a:p>
-          </p:txBody>
-        </p:sp>
-        <mc:AlternateContent xmlns:mc="http://schemas.openxmlformats.org/markup-compatibility/2006">
-          <mc:Choice xmlns:a14="http://schemas.microsoft.com/office/drawing/2010/main" Requires="a14">
-            <p:sp>
-              <p:nvSpPr>
-                <p:cNvPr id="11" name="TextBox 10">
-                  <a:extLst>
-                    <a:ext uri="{FF2B5EF4-FFF2-40B4-BE49-F238E27FC236}">
-                      <a16:creationId xmlns:a16="http://schemas.microsoft.com/office/drawing/2014/main" id="{F601212D-7FAA-47EC-B241-544D09CD7D68}"/>
-                    </a:ext>
-                  </a:extLst>
-                </p:cNvPr>
-                <p:cNvSpPr txBox="1"/>
-                <p:nvPr/>
-              </p:nvSpPr>
-              <p:spPr>
-                <a:xfrm>
-                  <a:off x="3045237" y="4623292"/>
-                  <a:ext cx="528543" cy="369332"/>
-                </a:xfrm>
-                <a:prstGeom prst="rect">
-                  <a:avLst/>
-                </a:prstGeom>
-                <a:noFill/>
-              </p:spPr>
-              <p:txBody>
-                <a:bodyPr wrap="none" rtlCol="0">
-                  <a:spAutoFit/>
-                </a:bodyPr>
-                <a:lstStyle/>
-                <a:p>
-                  <a14:m>
-                    <m:oMathPara xmlns:m="http://schemas.openxmlformats.org/officeDocument/2006/math">
-                      <m:oMathParaPr>
-                        <m:jc m:val="centerGroup"/>
-                      </m:oMathParaPr>
-                      <m:oMath xmlns:m="http://schemas.openxmlformats.org/officeDocument/2006/math">
-                        <m:r>
-                          <a:rPr lang="en-US" b="0" i="1" smtClean="0">
-                            <a:latin typeface="Cambria Math" panose="02040503050406030204" pitchFamily="18" charset="0"/>
-                          </a:rPr>
-                          <m:t>|</m:t>
-                        </m:r>
-                        <m:r>
-                          <a:rPr lang="en-US" b="0" i="1" smtClean="0">
-                            <a:latin typeface="Cambria Math" panose="02040503050406030204" pitchFamily="18" charset="0"/>
-                          </a:rPr>
-                          <m:t>𝑎</m:t>
-                        </m:r>
-                        <m:r>
-                          <a:rPr lang="en-US" b="0" i="1" smtClean="0">
-                            <a:latin typeface="Cambria Math" panose="02040503050406030204" pitchFamily="18" charset="0"/>
-                          </a:rPr>
-                          <m:t>⟩</m:t>
-                        </m:r>
-                      </m:oMath>
-                    </m:oMathPara>
-                  </a14:m>
-                  <a:endParaRPr lang="en-US" dirty="0"/>
-                </a:p>
-              </p:txBody>
-            </p:sp>
-          </mc:Choice>
-          <mc:Fallback>
-            <p:sp>
-              <p:nvSpPr>
-                <p:cNvPr id="11" name="TextBox 10">
-                  <a:extLst>
-                    <a:ext uri="{FF2B5EF4-FFF2-40B4-BE49-F238E27FC236}">
-                      <a16:creationId xmlns:a16="http://schemas.microsoft.com/office/drawing/2014/main" id="{F601212D-7FAA-47EC-B241-544D09CD7D68}"/>
-                    </a:ext>
-                  </a:extLst>
-                </p:cNvPr>
-                <p:cNvSpPr txBox="1">
-                  <a:spLocks noRot="1" noChangeAspect="1" noMove="1" noResize="1" noEditPoints="1" noAdjustHandles="1" noChangeArrowheads="1" noChangeShapeType="1" noTextEdit="1"/>
-                </p:cNvSpPr>
-                <p:nvPr/>
-              </p:nvSpPr>
-              <p:spPr>
-                <a:xfrm>
-                  <a:off x="3045237" y="4623292"/>
-                  <a:ext cx="528543" cy="369332"/>
-                </a:xfrm>
-                <a:prstGeom prst="rect">
-                  <a:avLst/>
-                </a:prstGeom>
-                <a:blipFill>
-                  <a:blip r:embed="rId3"/>
-                  <a:stretch>
-                    <a:fillRect b="-13115"/>
-                  </a:stretch>
-                </a:blipFill>
-              </p:spPr>
-              <p:txBody>
-                <a:bodyPr/>
-                <a:lstStyle/>
-                <a:p>
-                  <a:r>
-                    <a:rPr lang="en-US">
-                      <a:noFill/>
-                    </a:rPr>
-                    <a:t> </a:t>
-                  </a:r>
-                </a:p>
-              </p:txBody>
-            </p:sp>
-          </mc:Fallback>
-        </mc:AlternateContent>
-        <mc:AlternateContent xmlns:mc="http://schemas.openxmlformats.org/markup-compatibility/2006">
-          <mc:Choice xmlns:a14="http://schemas.microsoft.com/office/drawing/2010/main" Requires="a14">
-            <p:sp>
-              <p:nvSpPr>
-                <p:cNvPr id="12" name="TextBox 11">
-                  <a:extLst>
-                    <a:ext uri="{FF2B5EF4-FFF2-40B4-BE49-F238E27FC236}">
-                      <a16:creationId xmlns:a16="http://schemas.microsoft.com/office/drawing/2014/main" id="{CC3405A2-CEFC-4E8B-A895-477EF73C71DD}"/>
-                    </a:ext>
-                  </a:extLst>
-                </p:cNvPr>
-                <p:cNvSpPr txBox="1"/>
-                <p:nvPr/>
-              </p:nvSpPr>
-              <p:spPr>
-                <a:xfrm>
-                  <a:off x="3048760" y="5516670"/>
-                  <a:ext cx="464101" cy="369332"/>
-                </a:xfrm>
-                <a:prstGeom prst="rect">
-                  <a:avLst/>
-                </a:prstGeom>
-                <a:noFill/>
-              </p:spPr>
-              <p:txBody>
-                <a:bodyPr wrap="square" rtlCol="0">
-                  <a:spAutoFit/>
-                </a:bodyPr>
-                <a:lstStyle/>
-                <a:p>
-                  <a14:m>
-                    <m:oMathPara xmlns:m="http://schemas.openxmlformats.org/officeDocument/2006/math">
-                      <m:oMathParaPr>
-                        <m:jc m:val="centerGroup"/>
-                      </m:oMathParaPr>
-                      <m:oMath xmlns:m="http://schemas.openxmlformats.org/officeDocument/2006/math">
-                        <m:r>
-                          <a:rPr lang="en-US" b="0" i="1" smtClean="0">
-                            <a:latin typeface="Cambria Math" panose="02040503050406030204" pitchFamily="18" charset="0"/>
-                          </a:rPr>
-                          <m:t>|</m:t>
-                        </m:r>
-                        <m:r>
-                          <a:rPr lang="en-US" b="0" i="1" smtClean="0">
-                            <a:latin typeface="Cambria Math" panose="02040503050406030204" pitchFamily="18" charset="0"/>
-                          </a:rPr>
-                          <m:t>𝑏</m:t>
-                        </m:r>
-                        <m:r>
-                          <a:rPr lang="en-US" b="0" i="1" smtClean="0">
-                            <a:latin typeface="Cambria Math" panose="02040503050406030204" pitchFamily="18" charset="0"/>
-                          </a:rPr>
-                          <m:t>⟩</m:t>
-                        </m:r>
-                      </m:oMath>
-                    </m:oMathPara>
-                  </a14:m>
-                  <a:endParaRPr lang="en-US" dirty="0"/>
-                </a:p>
-              </p:txBody>
-            </p:sp>
-          </mc:Choice>
-          <mc:Fallback>
-            <p:sp>
-              <p:nvSpPr>
-                <p:cNvPr id="12" name="TextBox 11">
-                  <a:extLst>
-                    <a:ext uri="{FF2B5EF4-FFF2-40B4-BE49-F238E27FC236}">
-                      <a16:creationId xmlns:a16="http://schemas.microsoft.com/office/drawing/2014/main" id="{CC3405A2-CEFC-4E8B-A895-477EF73C71DD}"/>
-                    </a:ext>
-                  </a:extLst>
-                </p:cNvPr>
-                <p:cNvSpPr txBox="1">
-                  <a:spLocks noRot="1" noChangeAspect="1" noMove="1" noResize="1" noEditPoints="1" noAdjustHandles="1" noChangeArrowheads="1" noChangeShapeType="1" noTextEdit="1"/>
-                </p:cNvSpPr>
-                <p:nvPr/>
-              </p:nvSpPr>
-              <p:spPr>
-                <a:xfrm>
-                  <a:off x="3048760" y="5516670"/>
-                  <a:ext cx="464101" cy="369332"/>
-                </a:xfrm>
-                <a:prstGeom prst="rect">
-                  <a:avLst/>
-                </a:prstGeom>
-                <a:blipFill>
-                  <a:blip r:embed="rId4"/>
-                  <a:stretch>
-                    <a:fillRect l="-3947" r="-5263" b="-13333"/>
-                  </a:stretch>
-                </a:blipFill>
-              </p:spPr>
-              <p:txBody>
-                <a:bodyPr/>
-                <a:lstStyle/>
-                <a:p>
-                  <a:r>
-                    <a:rPr lang="en-US">
-                      <a:noFill/>
-                    </a:rPr>
-                    <a:t> </a:t>
-                  </a:r>
-                </a:p>
-              </p:txBody>
-            </p:sp>
-          </mc:Fallback>
-        </mc:AlternateContent>
-        <mc:AlternateContent xmlns:mc="http://schemas.openxmlformats.org/markup-compatibility/2006">
-          <mc:Choice xmlns:a14="http://schemas.microsoft.com/office/drawing/2010/main" Requires="a14">
-            <p:sp>
-              <p:nvSpPr>
-                <p:cNvPr id="13" name="TextBox 12">
-                  <a:extLst>
-                    <a:ext uri="{FF2B5EF4-FFF2-40B4-BE49-F238E27FC236}">
-                      <a16:creationId xmlns:a16="http://schemas.microsoft.com/office/drawing/2014/main" id="{CF26BC0A-4E92-4910-A172-CC0C16D81712}"/>
-                    </a:ext>
-                  </a:extLst>
-                </p:cNvPr>
-                <p:cNvSpPr txBox="1"/>
-                <p:nvPr/>
-              </p:nvSpPr>
-              <p:spPr>
-                <a:xfrm>
-                  <a:off x="3026928" y="6326436"/>
-                  <a:ext cx="507767" cy="369332"/>
-                </a:xfrm>
-                <a:prstGeom prst="rect">
-                  <a:avLst/>
-                </a:prstGeom>
-                <a:noFill/>
-              </p:spPr>
-              <p:txBody>
-                <a:bodyPr wrap="none" rtlCol="0">
-                  <a:spAutoFit/>
-                </a:bodyPr>
-                <a:lstStyle/>
-                <a:p>
-                  <a14:m>
-                    <m:oMathPara xmlns:m="http://schemas.openxmlformats.org/officeDocument/2006/math">
-                      <m:oMathParaPr>
-                        <m:jc m:val="centerGroup"/>
-                      </m:oMathParaPr>
-                      <m:oMath xmlns:m="http://schemas.openxmlformats.org/officeDocument/2006/math">
-                        <m:r>
-                          <a:rPr lang="en-US" b="0" i="1" smtClean="0">
-                            <a:latin typeface="Cambria Math" panose="02040503050406030204" pitchFamily="18" charset="0"/>
-                          </a:rPr>
-                          <m:t>|</m:t>
-                        </m:r>
-                        <m:r>
-                          <a:rPr lang="en-US" b="0" i="1" smtClean="0">
-                            <a:latin typeface="Cambria Math" panose="02040503050406030204" pitchFamily="18" charset="0"/>
-                          </a:rPr>
-                          <m:t>𝑐</m:t>
-                        </m:r>
-                        <m:r>
-                          <a:rPr lang="en-US" b="0" i="1" smtClean="0">
-                            <a:latin typeface="Cambria Math" panose="02040503050406030204" pitchFamily="18" charset="0"/>
-                          </a:rPr>
-                          <m:t>⟩</m:t>
-                        </m:r>
-                      </m:oMath>
-                    </m:oMathPara>
-                  </a14:m>
-                  <a:endParaRPr lang="en-US" dirty="0"/>
-                </a:p>
-              </p:txBody>
-            </p:sp>
-          </mc:Choice>
-          <mc:Fallback>
-            <p:sp>
-              <p:nvSpPr>
-                <p:cNvPr id="13" name="TextBox 12">
-                  <a:extLst>
-                    <a:ext uri="{FF2B5EF4-FFF2-40B4-BE49-F238E27FC236}">
-                      <a16:creationId xmlns:a16="http://schemas.microsoft.com/office/drawing/2014/main" id="{CF26BC0A-4E92-4910-A172-CC0C16D81712}"/>
-                    </a:ext>
-                  </a:extLst>
-                </p:cNvPr>
-                <p:cNvSpPr txBox="1">
-                  <a:spLocks noRot="1" noChangeAspect="1" noMove="1" noResize="1" noEditPoints="1" noAdjustHandles="1" noChangeArrowheads="1" noChangeShapeType="1" noTextEdit="1"/>
-                </p:cNvSpPr>
-                <p:nvPr/>
-              </p:nvSpPr>
-              <p:spPr>
-                <a:xfrm>
-                  <a:off x="3026928" y="6326436"/>
-                  <a:ext cx="507767" cy="369332"/>
-                </a:xfrm>
-                <a:prstGeom prst="rect">
-                  <a:avLst/>
-                </a:prstGeom>
-                <a:blipFill>
-                  <a:blip r:embed="rId5"/>
-                  <a:stretch>
-                    <a:fillRect b="-13333"/>
-                  </a:stretch>
-                </a:blipFill>
-              </p:spPr>
-              <p:txBody>
-                <a:bodyPr/>
-                <a:lstStyle/>
-                <a:p>
-                  <a:r>
-                    <a:rPr lang="en-US">
-                      <a:noFill/>
-                    </a:rPr>
-                    <a:t> </a:t>
-                  </a:r>
-                </a:p>
-              </p:txBody>
-            </p:sp>
-          </mc:Fallback>
-        </mc:AlternateContent>
-        <mc:AlternateContent xmlns:mc="http://schemas.openxmlformats.org/markup-compatibility/2006">
-          <mc:Choice xmlns:a14="http://schemas.microsoft.com/office/drawing/2010/main" Requires="a14">
-            <p:sp>
-              <p:nvSpPr>
-                <p:cNvPr id="14" name="TextBox 13">
-                  <a:extLst>
-                    <a:ext uri="{FF2B5EF4-FFF2-40B4-BE49-F238E27FC236}">
-                      <a16:creationId xmlns:a16="http://schemas.microsoft.com/office/drawing/2014/main" id="{575D2609-533A-4A0D-8CBD-B67D7BE6D063}"/>
-                    </a:ext>
-                  </a:extLst>
-                </p:cNvPr>
-                <p:cNvSpPr txBox="1"/>
-                <p:nvPr/>
-              </p:nvSpPr>
-              <p:spPr>
-                <a:xfrm>
-                  <a:off x="5140701" y="5527092"/>
-                  <a:ext cx="990656" cy="369332"/>
-                </a:xfrm>
-                <a:prstGeom prst="rect">
-                  <a:avLst/>
-                </a:prstGeom>
-                <a:noFill/>
-              </p:spPr>
-              <p:txBody>
-                <a:bodyPr wrap="none" rtlCol="0">
-                  <a:spAutoFit/>
-                </a:bodyPr>
-                <a:lstStyle/>
-                <a:p>
-                  <a14:m>
-                    <m:oMathPara xmlns:m="http://schemas.openxmlformats.org/officeDocument/2006/math">
-                      <m:oMathParaPr>
-                        <m:jc m:val="centerGroup"/>
-                      </m:oMathParaPr>
-                      <m:oMath xmlns:m="http://schemas.openxmlformats.org/officeDocument/2006/math">
-                        <m:r>
-                          <a:rPr lang="en-US" b="0" i="1" smtClean="0">
-                            <a:latin typeface="Cambria Math" panose="02040503050406030204" pitchFamily="18" charset="0"/>
-                          </a:rPr>
-                          <m:t>𝑅𝑒</m:t>
-                        </m:r>
-                        <m:r>
-                          <a:rPr lang="en-US" b="0" i="1" smtClean="0">
-                            <a:latin typeface="Cambria Math" panose="02040503050406030204" pitchFamily="18" charset="0"/>
-                          </a:rPr>
-                          <m:t>[</m:t>
-                        </m:r>
-                        <m:sSub>
-                          <m:sSubPr>
-                            <m:ctrlPr>
-                              <a:rPr lang="en-US" b="0" i="1" smtClean="0">
-                                <a:latin typeface="Cambria Math" panose="02040503050406030204" pitchFamily="18" charset="0"/>
-                              </a:rPr>
-                            </m:ctrlPr>
-                          </m:sSubPr>
-                          <m:e>
-                            <m:r>
-                              <a:rPr lang="en-US" b="0" i="1" smtClean="0">
-                                <a:latin typeface="Cambria Math" panose="02040503050406030204" pitchFamily="18" charset="0"/>
-                              </a:rPr>
-                              <m:t>𝜌</m:t>
-                            </m:r>
-                          </m:e>
-                          <m:sub>
-                            <m:r>
-                              <a:rPr lang="en-US" b="0" i="1" smtClean="0">
-                                <a:latin typeface="Cambria Math" panose="02040503050406030204" pitchFamily="18" charset="0"/>
-                              </a:rPr>
-                              <m:t>𝑎𝑐</m:t>
-                            </m:r>
-                          </m:sub>
-                        </m:sSub>
-                        <m:r>
-                          <a:rPr lang="en-US" b="0" i="1" smtClean="0">
-                            <a:latin typeface="Cambria Math" panose="02040503050406030204" pitchFamily="18" charset="0"/>
-                          </a:rPr>
-                          <m:t>]</m:t>
-                        </m:r>
-                      </m:oMath>
-                    </m:oMathPara>
-                  </a14:m>
-                  <a:endParaRPr lang="en-US" b="0" dirty="0"/>
-                </a:p>
-              </p:txBody>
-            </p:sp>
-          </mc:Choice>
-          <mc:Fallback>
-            <p:sp>
-              <p:nvSpPr>
-                <p:cNvPr id="14" name="TextBox 13">
-                  <a:extLst>
-                    <a:ext uri="{FF2B5EF4-FFF2-40B4-BE49-F238E27FC236}">
-                      <a16:creationId xmlns:a16="http://schemas.microsoft.com/office/drawing/2014/main" id="{575D2609-533A-4A0D-8CBD-B67D7BE6D063}"/>
-                    </a:ext>
-                  </a:extLst>
-                </p:cNvPr>
-                <p:cNvSpPr txBox="1">
-                  <a:spLocks noRot="1" noChangeAspect="1" noMove="1" noResize="1" noEditPoints="1" noAdjustHandles="1" noChangeArrowheads="1" noChangeShapeType="1" noTextEdit="1"/>
-                </p:cNvSpPr>
-                <p:nvPr/>
-              </p:nvSpPr>
-              <p:spPr>
-                <a:xfrm>
-                  <a:off x="5140701" y="5527092"/>
-                  <a:ext cx="990656" cy="369332"/>
-                </a:xfrm>
-                <a:prstGeom prst="rect">
-                  <a:avLst/>
-                </a:prstGeom>
-                <a:blipFill>
-                  <a:blip r:embed="rId6"/>
-                  <a:stretch>
-                    <a:fillRect b="-16667"/>
-                  </a:stretch>
-                </a:blipFill>
-              </p:spPr>
-              <p:txBody>
-                <a:bodyPr/>
-                <a:lstStyle/>
-                <a:p>
-                  <a:r>
-                    <a:rPr lang="en-US">
-                      <a:noFill/>
-                    </a:rPr>
-                    <a:t> </a:t>
-                  </a:r>
-                </a:p>
-              </p:txBody>
-            </p:sp>
-          </mc:Fallback>
-        </mc:AlternateContent>
-        <p:cxnSp>
-          <p:nvCxnSpPr>
-            <p:cNvPr id="16" name="Straight Arrow Connector 15">
-              <a:extLst>
-                <a:ext uri="{FF2B5EF4-FFF2-40B4-BE49-F238E27FC236}">
-                  <a16:creationId xmlns:a16="http://schemas.microsoft.com/office/drawing/2014/main" id="{A908FCE5-A0FC-4E82-A0B8-0F4932F7AE0E}"/>
-                </a:ext>
-              </a:extLst>
-            </p:cNvPr>
-            <p:cNvCxnSpPr>
-              <a:cxnSpLocks/>
-            </p:cNvCxnSpPr>
-            <p:nvPr/>
-          </p:nvCxnSpPr>
-          <p:spPr>
-            <a:xfrm>
-              <a:off x="3938954" y="4807958"/>
-              <a:ext cx="0" cy="893378"/>
-            </a:xfrm>
-            <a:prstGeom prst="straightConnector1">
-              <a:avLst/>
-            </a:prstGeom>
-            <a:ln w="19050">
-              <a:solidFill>
-                <a:schemeClr val="tx1"/>
-              </a:solidFill>
-              <a:tailEnd type="triangle"/>
-            </a:ln>
-          </p:spPr>
-          <p:style>
-            <a:lnRef idx="1">
-              <a:schemeClr val="accent1"/>
-            </a:lnRef>
-            <a:fillRef idx="0">
-              <a:schemeClr val="accent1"/>
-            </a:fillRef>
-            <a:effectRef idx="0">
-              <a:schemeClr val="accent1"/>
-            </a:effectRef>
-            <a:fontRef idx="minor">
-              <a:schemeClr val="tx1"/>
-            </a:fontRef>
-          </p:style>
-        </p:cxnSp>
-        <p:cxnSp>
-          <p:nvCxnSpPr>
-            <p:cNvPr id="20" name="Straight Arrow Connector 19">
-              <a:extLst>
-                <a:ext uri="{FF2B5EF4-FFF2-40B4-BE49-F238E27FC236}">
-                  <a16:creationId xmlns:a16="http://schemas.microsoft.com/office/drawing/2014/main" id="{BC22903B-4730-4343-AE7E-6BFF036FFE35}"/>
-                </a:ext>
-              </a:extLst>
-            </p:cNvPr>
-            <p:cNvCxnSpPr>
-              <a:cxnSpLocks/>
-            </p:cNvCxnSpPr>
-            <p:nvPr/>
-          </p:nvCxnSpPr>
-          <p:spPr>
-            <a:xfrm>
-              <a:off x="4021015" y="5701336"/>
-              <a:ext cx="0" cy="893378"/>
-            </a:xfrm>
-            <a:prstGeom prst="straightConnector1">
-              <a:avLst/>
-            </a:prstGeom>
-            <a:ln w="19050">
-              <a:solidFill>
-                <a:schemeClr val="tx1"/>
-              </a:solidFill>
-              <a:tailEnd type="triangle"/>
-            </a:ln>
-          </p:spPr>
-          <p:style>
-            <a:lnRef idx="1">
-              <a:schemeClr val="accent1"/>
-            </a:lnRef>
-            <a:fillRef idx="0">
-              <a:schemeClr val="accent1"/>
-            </a:fillRef>
-            <a:effectRef idx="0">
-              <a:schemeClr val="accent1"/>
-            </a:effectRef>
-            <a:fontRef idx="minor">
-              <a:schemeClr val="tx1"/>
-            </a:fontRef>
-          </p:style>
-        </p:cxnSp>
-        <p:cxnSp>
-          <p:nvCxnSpPr>
-            <p:cNvPr id="21" name="Straight Arrow Connector 20">
-              <a:extLst>
-                <a:ext uri="{FF2B5EF4-FFF2-40B4-BE49-F238E27FC236}">
-                  <a16:creationId xmlns:a16="http://schemas.microsoft.com/office/drawing/2014/main" id="{27A42B1A-1DD7-4FCF-89CD-2490920A4BC0}"/>
-                </a:ext>
-              </a:extLst>
-            </p:cNvPr>
-            <p:cNvCxnSpPr>
-              <a:cxnSpLocks/>
-            </p:cNvCxnSpPr>
-            <p:nvPr/>
-          </p:nvCxnSpPr>
-          <p:spPr>
-            <a:xfrm flipV="1">
-              <a:off x="4240530" y="5701336"/>
-              <a:ext cx="0" cy="867104"/>
-            </a:xfrm>
-            <a:prstGeom prst="straightConnector1">
-              <a:avLst/>
-            </a:prstGeom>
-            <a:ln w="19050">
-              <a:solidFill>
-                <a:schemeClr val="tx1"/>
-              </a:solidFill>
-              <a:tailEnd type="triangle"/>
-            </a:ln>
-          </p:spPr>
-          <p:style>
-            <a:lnRef idx="1">
-              <a:schemeClr val="accent1"/>
-            </a:lnRef>
-            <a:fillRef idx="0">
-              <a:schemeClr val="accent1"/>
-            </a:fillRef>
-            <a:effectRef idx="0">
-              <a:schemeClr val="accent1"/>
-            </a:effectRef>
-            <a:fontRef idx="minor">
-              <a:schemeClr val="tx1"/>
-            </a:fontRef>
-          </p:style>
-        </p:cxnSp>
-        <p:cxnSp>
-          <p:nvCxnSpPr>
-            <p:cNvPr id="25" name="Straight Arrow Connector 24">
-              <a:extLst>
-                <a:ext uri="{FF2B5EF4-FFF2-40B4-BE49-F238E27FC236}">
-                  <a16:creationId xmlns:a16="http://schemas.microsoft.com/office/drawing/2014/main" id="{02EE7A10-82A5-4C95-915D-5F7B8BD28132}"/>
-                </a:ext>
-              </a:extLst>
-            </p:cNvPr>
-            <p:cNvCxnSpPr>
-              <a:cxnSpLocks/>
-            </p:cNvCxnSpPr>
-            <p:nvPr/>
-          </p:nvCxnSpPr>
-          <p:spPr>
-            <a:xfrm flipV="1">
-              <a:off x="4091354" y="4766465"/>
-              <a:ext cx="0" cy="934871"/>
-            </a:xfrm>
-            <a:prstGeom prst="straightConnector1">
-              <a:avLst/>
-            </a:prstGeom>
-            <a:ln w="19050">
-              <a:solidFill>
-                <a:schemeClr val="tx1"/>
-              </a:solidFill>
-              <a:tailEnd type="triangle"/>
-            </a:ln>
-          </p:spPr>
-          <p:style>
-            <a:lnRef idx="1">
-              <a:schemeClr val="accent1"/>
-            </a:lnRef>
-            <a:fillRef idx="0">
-              <a:schemeClr val="accent1"/>
-            </a:fillRef>
-            <a:effectRef idx="0">
-              <a:schemeClr val="accent1"/>
-            </a:effectRef>
-            <a:fontRef idx="minor">
-              <a:schemeClr val="tx1"/>
-            </a:fontRef>
-          </p:style>
-        </p:cxnSp>
-        <p:cxnSp>
-          <p:nvCxnSpPr>
-            <p:cNvPr id="32" name="Straight Arrow Connector 31">
-              <a:extLst>
-                <a:ext uri="{FF2B5EF4-FFF2-40B4-BE49-F238E27FC236}">
-                  <a16:creationId xmlns:a16="http://schemas.microsoft.com/office/drawing/2014/main" id="{EF6F00C9-6F8D-4DD8-865B-EEFE8DF2FCA2}"/>
-                </a:ext>
-              </a:extLst>
-            </p:cNvPr>
-            <p:cNvCxnSpPr>
-              <a:cxnSpLocks/>
-              <a:stCxn id="10" idx="1"/>
-            </p:cNvCxnSpPr>
-            <p:nvPr/>
-          </p:nvCxnSpPr>
-          <p:spPr>
-            <a:xfrm flipH="1" flipV="1">
-              <a:off x="4515924" y="4766464"/>
-              <a:ext cx="794856" cy="693312"/>
-            </a:xfrm>
-            <a:prstGeom prst="straightConnector1">
-              <a:avLst/>
-            </a:prstGeom>
-            <a:ln w="19050">
-              <a:solidFill>
-                <a:schemeClr val="tx1"/>
-              </a:solidFill>
-              <a:tailEnd type="triangle"/>
-            </a:ln>
-          </p:spPr>
-          <p:style>
-            <a:lnRef idx="1">
-              <a:schemeClr val="accent1"/>
-            </a:lnRef>
-            <a:fillRef idx="0">
-              <a:schemeClr val="accent1"/>
-            </a:fillRef>
-            <a:effectRef idx="0">
-              <a:schemeClr val="accent1"/>
-            </a:effectRef>
-            <a:fontRef idx="minor">
-              <a:schemeClr val="tx1"/>
-            </a:fontRef>
-          </p:style>
-        </p:cxnSp>
-        <p:cxnSp>
-          <p:nvCxnSpPr>
-            <p:cNvPr id="36" name="Straight Arrow Connector 35">
-              <a:extLst>
-                <a:ext uri="{FF2B5EF4-FFF2-40B4-BE49-F238E27FC236}">
-                  <a16:creationId xmlns:a16="http://schemas.microsoft.com/office/drawing/2014/main" id="{17F28AA5-0FA1-4F47-A89B-ED48AF485FB0}"/>
-                </a:ext>
-              </a:extLst>
-            </p:cNvPr>
-            <p:cNvCxnSpPr>
-              <a:cxnSpLocks/>
-              <a:endCxn id="14" idx="1"/>
-            </p:cNvCxnSpPr>
-            <p:nvPr/>
-          </p:nvCxnSpPr>
-          <p:spPr>
-            <a:xfrm>
-              <a:off x="4618642" y="5706547"/>
-              <a:ext cx="522059" cy="5211"/>
-            </a:xfrm>
-            <a:prstGeom prst="straightConnector1">
-              <a:avLst/>
-            </a:prstGeom>
-            <a:ln w="19050">
-              <a:solidFill>
-                <a:schemeClr val="tx1"/>
-              </a:solidFill>
-              <a:tailEnd type="triangle"/>
-            </a:ln>
-          </p:spPr>
-          <p:style>
-            <a:lnRef idx="1">
-              <a:schemeClr val="accent1"/>
-            </a:lnRef>
-            <a:fillRef idx="0">
-              <a:schemeClr val="accent1"/>
-            </a:fillRef>
-            <a:effectRef idx="0">
-              <a:schemeClr val="accent1"/>
-            </a:effectRef>
-            <a:fontRef idx="minor">
-              <a:schemeClr val="tx1"/>
-            </a:fontRef>
-          </p:style>
-        </p:cxnSp>
-        <p:cxnSp>
-          <p:nvCxnSpPr>
-            <p:cNvPr id="39" name="Straight Arrow Connector 38">
-              <a:extLst>
-                <a:ext uri="{FF2B5EF4-FFF2-40B4-BE49-F238E27FC236}">
-                  <a16:creationId xmlns:a16="http://schemas.microsoft.com/office/drawing/2014/main" id="{1A75220E-1ECE-4743-8CCB-648631754269}"/>
-                </a:ext>
-              </a:extLst>
-            </p:cNvPr>
-            <p:cNvCxnSpPr>
-              <a:cxnSpLocks/>
-            </p:cNvCxnSpPr>
-            <p:nvPr/>
-          </p:nvCxnSpPr>
-          <p:spPr>
-            <a:xfrm flipH="1">
-              <a:off x="4515924" y="6069224"/>
-              <a:ext cx="895311" cy="525490"/>
-            </a:xfrm>
-            <a:prstGeom prst="straightConnector1">
-              <a:avLst/>
-            </a:prstGeom>
-            <a:ln w="19050">
-              <a:solidFill>
-                <a:schemeClr val="tx1"/>
-              </a:solidFill>
-              <a:tailEnd type="triangle"/>
-            </a:ln>
-          </p:spPr>
-          <p:style>
-            <a:lnRef idx="1">
-              <a:schemeClr val="accent1"/>
-            </a:lnRef>
-            <a:fillRef idx="0">
-              <a:schemeClr val="accent1"/>
-            </a:fillRef>
-            <a:effectRef idx="0">
-              <a:schemeClr val="accent1"/>
-            </a:effectRef>
-            <a:fontRef idx="minor">
-              <a:schemeClr val="tx1"/>
-            </a:fontRef>
-          </p:style>
-        </p:cxnSp>
-      </p:grpSp>
       <mc:AlternateContent xmlns:mc="http://schemas.openxmlformats.org/markup-compatibility/2006">
         <mc:Choice xmlns:a14="http://schemas.microsoft.com/office/drawing/2010/main" Requires="a14">
           <p:sp>
@@ -10393,7 +9446,7 @@
             </p:nvSpPr>
             <p:spPr>
               <a:xfrm>
-                <a:off x="4446519" y="3430642"/>
+                <a:off x="5218306" y="3405762"/>
                 <a:ext cx="4712677" cy="1477328"/>
               </a:xfrm>
               <a:prstGeom prst="rect">
@@ -10669,14 +9722,14 @@
             </p:nvSpPr>
             <p:spPr>
               <a:xfrm>
-                <a:off x="4446519" y="3430642"/>
+                <a:off x="5218306" y="3405762"/>
                 <a:ext cx="4712677" cy="1477328"/>
               </a:xfrm>
               <a:prstGeom prst="rect">
                 <a:avLst/>
               </a:prstGeom>
               <a:blipFill>
-                <a:blip r:embed="rId7"/>
+                <a:blip r:embed="rId3"/>
                 <a:stretch>
                   <a:fillRect l="-1035" t="-2479" b="-5785"/>
                 </a:stretch>
@@ -10697,6 +9750,1340 @@
           </p:sp>
         </mc:Fallback>
       </mc:AlternateContent>
+      <p:grpSp>
+        <p:nvGrpSpPr>
+          <p:cNvPr id="22" name="Group 21">
+            <a:extLst>
+              <a:ext uri="{FF2B5EF4-FFF2-40B4-BE49-F238E27FC236}">
+                <a16:creationId xmlns:a16="http://schemas.microsoft.com/office/drawing/2014/main" id="{825FD436-F15C-4034-9106-761201BFCE54}"/>
+              </a:ext>
+            </a:extLst>
+          </p:cNvPr>
+          <p:cNvGrpSpPr/>
+          <p:nvPr/>
+        </p:nvGrpSpPr>
+        <p:grpSpPr>
+          <a:xfrm>
+            <a:off x="573281" y="3673290"/>
+            <a:ext cx="4298760" cy="2885765"/>
+            <a:chOff x="573281" y="3673290"/>
+            <a:chExt cx="4298760" cy="2885765"/>
+          </a:xfrm>
+        </p:grpSpPr>
+        <p:cxnSp>
+          <p:nvCxnSpPr>
+            <p:cNvPr id="6" name="Straight Connector 5">
+              <a:extLst>
+                <a:ext uri="{FF2B5EF4-FFF2-40B4-BE49-F238E27FC236}">
+                  <a16:creationId xmlns:a16="http://schemas.microsoft.com/office/drawing/2014/main" id="{44D542FF-BC9A-45F0-988E-FE4FD47789E5}"/>
+                </a:ext>
+              </a:extLst>
+            </p:cNvPr>
+            <p:cNvCxnSpPr>
+              <a:cxnSpLocks/>
+            </p:cNvCxnSpPr>
+            <p:nvPr/>
+          </p:nvCxnSpPr>
+          <p:spPr>
+            <a:xfrm>
+              <a:off x="1319041" y="6381760"/>
+              <a:ext cx="1344377" cy="0"/>
+            </a:xfrm>
+            <a:prstGeom prst="line">
+              <a:avLst/>
+            </a:prstGeom>
+            <a:ln w="38100"/>
+          </p:spPr>
+          <p:style>
+            <a:lnRef idx="1">
+              <a:schemeClr val="accent1"/>
+            </a:lnRef>
+            <a:fillRef idx="0">
+              <a:schemeClr val="accent1"/>
+            </a:fillRef>
+            <a:effectRef idx="0">
+              <a:schemeClr val="accent1"/>
+            </a:effectRef>
+            <a:fontRef idx="minor">
+              <a:schemeClr val="tx1"/>
+            </a:fontRef>
+          </p:style>
+        </p:cxnSp>
+        <p:cxnSp>
+          <p:nvCxnSpPr>
+            <p:cNvPr id="8" name="Straight Connector 7">
+              <a:extLst>
+                <a:ext uri="{FF2B5EF4-FFF2-40B4-BE49-F238E27FC236}">
+                  <a16:creationId xmlns:a16="http://schemas.microsoft.com/office/drawing/2014/main" id="{8F15EEF5-FCCA-4569-BA1E-765A702ACA77}"/>
+                </a:ext>
+              </a:extLst>
+            </p:cNvPr>
+            <p:cNvCxnSpPr>
+              <a:cxnSpLocks/>
+            </p:cNvCxnSpPr>
+            <p:nvPr/>
+          </p:nvCxnSpPr>
+          <p:spPr>
+            <a:xfrm>
+              <a:off x="1319041" y="3930423"/>
+              <a:ext cx="1344377" cy="0"/>
+            </a:xfrm>
+            <a:prstGeom prst="line">
+              <a:avLst/>
+            </a:prstGeom>
+            <a:ln w="38100"/>
+          </p:spPr>
+          <p:style>
+            <a:lnRef idx="1">
+              <a:schemeClr val="accent1"/>
+            </a:lnRef>
+            <a:fillRef idx="0">
+              <a:schemeClr val="accent1"/>
+            </a:fillRef>
+            <a:effectRef idx="0">
+              <a:schemeClr val="accent1"/>
+            </a:effectRef>
+            <a:fontRef idx="minor">
+              <a:schemeClr val="tx1"/>
+            </a:fontRef>
+          </p:style>
+        </p:cxnSp>
+        <p:cxnSp>
+          <p:nvCxnSpPr>
+            <p:cNvPr id="9" name="Straight Connector 8">
+              <a:extLst>
+                <a:ext uri="{FF2B5EF4-FFF2-40B4-BE49-F238E27FC236}">
+                  <a16:creationId xmlns:a16="http://schemas.microsoft.com/office/drawing/2014/main" id="{D13DDB16-2756-4783-81A0-8691CC1AFEB6}"/>
+                </a:ext>
+              </a:extLst>
+            </p:cNvPr>
+            <p:cNvCxnSpPr>
+              <a:cxnSpLocks/>
+            </p:cNvCxnSpPr>
+            <p:nvPr/>
+          </p:nvCxnSpPr>
+          <p:spPr>
+            <a:xfrm>
+              <a:off x="1319041" y="5174384"/>
+              <a:ext cx="1400803" cy="0"/>
+            </a:xfrm>
+            <a:prstGeom prst="line">
+              <a:avLst/>
+            </a:prstGeom>
+            <a:ln w="38100"/>
+          </p:spPr>
+          <p:style>
+            <a:lnRef idx="1">
+              <a:schemeClr val="accent1"/>
+            </a:lnRef>
+            <a:fillRef idx="0">
+              <a:schemeClr val="accent1"/>
+            </a:fillRef>
+            <a:effectRef idx="0">
+              <a:schemeClr val="accent1"/>
+            </a:effectRef>
+            <a:fontRef idx="minor">
+              <a:schemeClr val="tx1"/>
+            </a:fontRef>
+          </p:style>
+        </p:cxnSp>
+        <p:sp>
+          <p:nvSpPr>
+            <p:cNvPr id="10" name="Oval 9">
+              <a:extLst>
+                <a:ext uri="{FF2B5EF4-FFF2-40B4-BE49-F238E27FC236}">
+                  <a16:creationId xmlns:a16="http://schemas.microsoft.com/office/drawing/2014/main" id="{2FFD5965-FC7B-4A88-B740-416B881AC934}"/>
+                </a:ext>
+              </a:extLst>
+            </p:cNvPr>
+            <p:cNvSpPr/>
+            <p:nvPr/>
+          </p:nvSpPr>
+          <p:spPr>
+            <a:xfrm>
+              <a:off x="3504119" y="4673606"/>
+              <a:ext cx="1254555" cy="1122759"/>
+            </a:xfrm>
+            <a:prstGeom prst="ellipse">
+              <a:avLst/>
+            </a:prstGeom>
+            <a:noFill/>
+            <a:ln w="38100"/>
+          </p:spPr>
+          <p:style>
+            <a:lnRef idx="2">
+              <a:schemeClr val="accent1">
+                <a:shade val="50000"/>
+              </a:schemeClr>
+            </a:lnRef>
+            <a:fillRef idx="1">
+              <a:schemeClr val="accent1"/>
+            </a:fillRef>
+            <a:effectRef idx="0">
+              <a:schemeClr val="accent1"/>
+            </a:effectRef>
+            <a:fontRef idx="minor">
+              <a:schemeClr val="lt1"/>
+            </a:fontRef>
+          </p:style>
+          <p:txBody>
+            <a:bodyPr rtlCol="0" anchor="ctr"/>
+            <a:lstStyle/>
+            <a:p>
+              <a:pPr algn="ctr"/>
+              <a:endParaRPr lang="en-US"/>
+            </a:p>
+          </p:txBody>
+        </p:sp>
+        <mc:AlternateContent xmlns:mc="http://schemas.openxmlformats.org/markup-compatibility/2006">
+          <mc:Choice xmlns:a14="http://schemas.microsoft.com/office/drawing/2010/main" Requires="a14">
+            <p:sp>
+              <p:nvSpPr>
+                <p:cNvPr id="11" name="TextBox 10">
+                  <a:extLst>
+                    <a:ext uri="{FF2B5EF4-FFF2-40B4-BE49-F238E27FC236}">
+                      <a16:creationId xmlns:a16="http://schemas.microsoft.com/office/drawing/2014/main" id="{F601212D-7FAA-47EC-B241-544D09CD7D68}"/>
+                    </a:ext>
+                  </a:extLst>
+                </p:cNvPr>
+                <p:cNvSpPr txBox="1"/>
+                <p:nvPr/>
+              </p:nvSpPr>
+              <p:spPr>
+                <a:xfrm>
+                  <a:off x="598250" y="3673290"/>
+                  <a:ext cx="720791" cy="514267"/>
+                </a:xfrm>
+                <a:prstGeom prst="rect">
+                  <a:avLst/>
+                </a:prstGeom>
+                <a:noFill/>
+              </p:spPr>
+              <p:txBody>
+                <a:bodyPr wrap="none" rtlCol="0">
+                  <a:spAutoFit/>
+                </a:bodyPr>
+                <a:lstStyle/>
+                <a:p>
+                  <a:pPr/>
+                  <a14:m>
+                    <m:oMathPara xmlns:m="http://schemas.openxmlformats.org/officeDocument/2006/math">
+                      <m:oMathParaPr>
+                        <m:jc m:val="centerGroup"/>
+                      </m:oMathParaPr>
+                      <m:oMath xmlns:m="http://schemas.openxmlformats.org/officeDocument/2006/math">
+                        <m:r>
+                          <a:rPr lang="en-US" b="0" i="1" smtClean="0">
+                            <a:latin typeface="Cambria Math" panose="02040503050406030204" pitchFamily="18" charset="0"/>
+                          </a:rPr>
+                          <m:t>|</m:t>
+                        </m:r>
+                        <m:r>
+                          <a:rPr lang="en-US" b="0" i="1" smtClean="0">
+                            <a:latin typeface="Cambria Math" panose="02040503050406030204" pitchFamily="18" charset="0"/>
+                          </a:rPr>
+                          <m:t>𝑎</m:t>
+                        </m:r>
+                        <m:r>
+                          <a:rPr lang="en-US" b="0" i="1" smtClean="0">
+                            <a:latin typeface="Cambria Math" panose="02040503050406030204" pitchFamily="18" charset="0"/>
+                          </a:rPr>
+                          <m:t>⟩</m:t>
+                        </m:r>
+                      </m:oMath>
+                    </m:oMathPara>
+                  </a14:m>
+                  <a:endParaRPr lang="en-US" dirty="0"/>
+                </a:p>
+              </p:txBody>
+            </p:sp>
+          </mc:Choice>
+          <mc:Fallback>
+            <p:sp>
+              <p:nvSpPr>
+                <p:cNvPr id="11" name="TextBox 10">
+                  <a:extLst>
+                    <a:ext uri="{FF2B5EF4-FFF2-40B4-BE49-F238E27FC236}">
+                      <a16:creationId xmlns:a16="http://schemas.microsoft.com/office/drawing/2014/main" id="{F601212D-7FAA-47EC-B241-544D09CD7D68}"/>
+                    </a:ext>
+                  </a:extLst>
+                </p:cNvPr>
+                <p:cNvSpPr txBox="1">
+                  <a:spLocks noRot="1" noChangeAspect="1" noMove="1" noResize="1" noEditPoints="1" noAdjustHandles="1" noChangeArrowheads="1" noChangeShapeType="1" noTextEdit="1"/>
+                </p:cNvSpPr>
+                <p:nvPr/>
+              </p:nvSpPr>
+              <p:spPr>
+                <a:xfrm>
+                  <a:off x="598250" y="3673290"/>
+                  <a:ext cx="720791" cy="514267"/>
+                </a:xfrm>
+                <a:prstGeom prst="rect">
+                  <a:avLst/>
+                </a:prstGeom>
+                <a:blipFill>
+                  <a:blip r:embed="rId4"/>
+                  <a:stretch>
+                    <a:fillRect/>
+                  </a:stretch>
+                </a:blipFill>
+              </p:spPr>
+              <p:txBody>
+                <a:bodyPr/>
+                <a:lstStyle/>
+                <a:p>
+                  <a:r>
+                    <a:rPr lang="en-US">
+                      <a:noFill/>
+                    </a:rPr>
+                    <a:t> </a:t>
+                  </a:r>
+                </a:p>
+              </p:txBody>
+            </p:sp>
+          </mc:Fallback>
+        </mc:AlternateContent>
+        <mc:AlternateContent xmlns:mc="http://schemas.openxmlformats.org/markup-compatibility/2006">
+          <mc:Choice xmlns:a14="http://schemas.microsoft.com/office/drawing/2010/main" Requires="a14">
+            <p:sp>
+              <p:nvSpPr>
+                <p:cNvPr id="12" name="TextBox 11">
+                  <a:extLst>
+                    <a:ext uri="{FF2B5EF4-FFF2-40B4-BE49-F238E27FC236}">
+                      <a16:creationId xmlns:a16="http://schemas.microsoft.com/office/drawing/2014/main" id="{CC3405A2-CEFC-4E8B-A895-477EF73C71DD}"/>
+                    </a:ext>
+                  </a:extLst>
+                </p:cNvPr>
+                <p:cNvSpPr txBox="1"/>
+                <p:nvPr/>
+              </p:nvSpPr>
+              <p:spPr>
+                <a:xfrm>
+                  <a:off x="603054" y="4917251"/>
+                  <a:ext cx="632910" cy="514267"/>
+                </a:xfrm>
+                <a:prstGeom prst="rect">
+                  <a:avLst/>
+                </a:prstGeom>
+                <a:noFill/>
+              </p:spPr>
+              <p:txBody>
+                <a:bodyPr wrap="square" rtlCol="0">
+                  <a:spAutoFit/>
+                </a:bodyPr>
+                <a:lstStyle/>
+                <a:p>
+                  <a:pPr/>
+                  <a14:m>
+                    <m:oMathPara xmlns:m="http://schemas.openxmlformats.org/officeDocument/2006/math">
+                      <m:oMathParaPr>
+                        <m:jc m:val="centerGroup"/>
+                      </m:oMathParaPr>
+                      <m:oMath xmlns:m="http://schemas.openxmlformats.org/officeDocument/2006/math">
+                        <m:r>
+                          <a:rPr lang="en-US" b="0" i="1" smtClean="0">
+                            <a:latin typeface="Cambria Math" panose="02040503050406030204" pitchFamily="18" charset="0"/>
+                          </a:rPr>
+                          <m:t>|</m:t>
+                        </m:r>
+                        <m:r>
+                          <a:rPr lang="en-US" b="0" i="1" smtClean="0">
+                            <a:latin typeface="Cambria Math" panose="02040503050406030204" pitchFamily="18" charset="0"/>
+                          </a:rPr>
+                          <m:t>𝑏</m:t>
+                        </m:r>
+                        <m:r>
+                          <a:rPr lang="en-US" b="0" i="1" smtClean="0">
+                            <a:latin typeface="Cambria Math" panose="02040503050406030204" pitchFamily="18" charset="0"/>
+                          </a:rPr>
+                          <m:t>⟩</m:t>
+                        </m:r>
+                      </m:oMath>
+                    </m:oMathPara>
+                  </a14:m>
+                  <a:endParaRPr lang="en-US" dirty="0"/>
+                </a:p>
+              </p:txBody>
+            </p:sp>
+          </mc:Choice>
+          <mc:Fallback>
+            <p:sp>
+              <p:nvSpPr>
+                <p:cNvPr id="12" name="TextBox 11">
+                  <a:extLst>
+                    <a:ext uri="{FF2B5EF4-FFF2-40B4-BE49-F238E27FC236}">
+                      <a16:creationId xmlns:a16="http://schemas.microsoft.com/office/drawing/2014/main" id="{CC3405A2-CEFC-4E8B-A895-477EF73C71DD}"/>
+                    </a:ext>
+                  </a:extLst>
+                </p:cNvPr>
+                <p:cNvSpPr txBox="1">
+                  <a:spLocks noRot="1" noChangeAspect="1" noMove="1" noResize="1" noEditPoints="1" noAdjustHandles="1" noChangeArrowheads="1" noChangeShapeType="1" noTextEdit="1"/>
+                </p:cNvSpPr>
+                <p:nvPr/>
+              </p:nvSpPr>
+              <p:spPr>
+                <a:xfrm>
+                  <a:off x="603054" y="4917251"/>
+                  <a:ext cx="632910" cy="514267"/>
+                </a:xfrm>
+                <a:prstGeom prst="rect">
+                  <a:avLst/>
+                </a:prstGeom>
+                <a:blipFill>
+                  <a:blip r:embed="rId5"/>
+                  <a:stretch>
+                    <a:fillRect/>
+                  </a:stretch>
+                </a:blipFill>
+              </p:spPr>
+              <p:txBody>
+                <a:bodyPr/>
+                <a:lstStyle/>
+                <a:p>
+                  <a:r>
+                    <a:rPr lang="en-US">
+                      <a:noFill/>
+                    </a:rPr>
+                    <a:t> </a:t>
+                  </a:r>
+                </a:p>
+              </p:txBody>
+            </p:sp>
+          </mc:Fallback>
+        </mc:AlternateContent>
+        <mc:AlternateContent xmlns:mc="http://schemas.openxmlformats.org/markup-compatibility/2006">
+          <mc:Choice xmlns:a14="http://schemas.microsoft.com/office/drawing/2010/main" Requires="a14">
+            <p:sp>
+              <p:nvSpPr>
+                <p:cNvPr id="13" name="TextBox 12">
+                  <a:extLst>
+                    <a:ext uri="{FF2B5EF4-FFF2-40B4-BE49-F238E27FC236}">
+                      <a16:creationId xmlns:a16="http://schemas.microsoft.com/office/drawing/2014/main" id="{CF26BC0A-4E92-4910-A172-CC0C16D81712}"/>
+                    </a:ext>
+                  </a:extLst>
+                </p:cNvPr>
+                <p:cNvSpPr txBox="1"/>
+                <p:nvPr/>
+              </p:nvSpPr>
+              <p:spPr>
+                <a:xfrm>
+                  <a:off x="573281" y="6044788"/>
+                  <a:ext cx="692458" cy="514267"/>
+                </a:xfrm>
+                <a:prstGeom prst="rect">
+                  <a:avLst/>
+                </a:prstGeom>
+                <a:noFill/>
+              </p:spPr>
+              <p:txBody>
+                <a:bodyPr wrap="none" rtlCol="0">
+                  <a:spAutoFit/>
+                </a:bodyPr>
+                <a:lstStyle/>
+                <a:p>
+                  <a:pPr/>
+                  <a14:m>
+                    <m:oMathPara xmlns:m="http://schemas.openxmlformats.org/officeDocument/2006/math">
+                      <m:oMathParaPr>
+                        <m:jc m:val="centerGroup"/>
+                      </m:oMathParaPr>
+                      <m:oMath xmlns:m="http://schemas.openxmlformats.org/officeDocument/2006/math">
+                        <m:r>
+                          <a:rPr lang="en-US" b="0" i="1" smtClean="0">
+                            <a:latin typeface="Cambria Math" panose="02040503050406030204" pitchFamily="18" charset="0"/>
+                          </a:rPr>
+                          <m:t>|</m:t>
+                        </m:r>
+                        <m:r>
+                          <a:rPr lang="en-US" b="0" i="1" smtClean="0">
+                            <a:latin typeface="Cambria Math" panose="02040503050406030204" pitchFamily="18" charset="0"/>
+                          </a:rPr>
+                          <m:t>𝑐</m:t>
+                        </m:r>
+                        <m:r>
+                          <a:rPr lang="en-US" b="0" i="1" smtClean="0">
+                            <a:latin typeface="Cambria Math" panose="02040503050406030204" pitchFamily="18" charset="0"/>
+                          </a:rPr>
+                          <m:t>⟩</m:t>
+                        </m:r>
+                      </m:oMath>
+                    </m:oMathPara>
+                  </a14:m>
+                  <a:endParaRPr lang="en-US" dirty="0"/>
+                </a:p>
+              </p:txBody>
+            </p:sp>
+          </mc:Choice>
+          <mc:Fallback>
+            <p:sp>
+              <p:nvSpPr>
+                <p:cNvPr id="13" name="TextBox 12">
+                  <a:extLst>
+                    <a:ext uri="{FF2B5EF4-FFF2-40B4-BE49-F238E27FC236}">
+                      <a16:creationId xmlns:a16="http://schemas.microsoft.com/office/drawing/2014/main" id="{CF26BC0A-4E92-4910-A172-CC0C16D81712}"/>
+                    </a:ext>
+                  </a:extLst>
+                </p:cNvPr>
+                <p:cNvSpPr txBox="1">
+                  <a:spLocks noRot="1" noChangeAspect="1" noMove="1" noResize="1" noEditPoints="1" noAdjustHandles="1" noChangeArrowheads="1" noChangeShapeType="1" noTextEdit="1"/>
+                </p:cNvSpPr>
+                <p:nvPr/>
+              </p:nvSpPr>
+              <p:spPr>
+                <a:xfrm>
+                  <a:off x="573281" y="6044788"/>
+                  <a:ext cx="692458" cy="514267"/>
+                </a:xfrm>
+                <a:prstGeom prst="rect">
+                  <a:avLst/>
+                </a:prstGeom>
+                <a:blipFill>
+                  <a:blip r:embed="rId6"/>
+                  <a:stretch>
+                    <a:fillRect/>
+                  </a:stretch>
+                </a:blipFill>
+              </p:spPr>
+              <p:txBody>
+                <a:bodyPr/>
+                <a:lstStyle/>
+                <a:p>
+                  <a:r>
+                    <a:rPr lang="en-US">
+                      <a:noFill/>
+                    </a:rPr>
+                    <a:t> </a:t>
+                  </a:r>
+                </a:p>
+              </p:txBody>
+            </p:sp>
+          </mc:Fallback>
+        </mc:AlternateContent>
+        <mc:AlternateContent xmlns:mc="http://schemas.openxmlformats.org/markup-compatibility/2006">
+          <mc:Choice xmlns:a14="http://schemas.microsoft.com/office/drawing/2010/main" Requires="a14">
+            <p:sp>
+              <p:nvSpPr>
+                <p:cNvPr id="14" name="TextBox 13">
+                  <a:extLst>
+                    <a:ext uri="{FF2B5EF4-FFF2-40B4-BE49-F238E27FC236}">
+                      <a16:creationId xmlns:a16="http://schemas.microsoft.com/office/drawing/2014/main" id="{575D2609-533A-4A0D-8CBD-B67D7BE6D063}"/>
+                    </a:ext>
+                  </a:extLst>
+                </p:cNvPr>
+                <p:cNvSpPr txBox="1"/>
+                <p:nvPr/>
+              </p:nvSpPr>
+              <p:spPr>
+                <a:xfrm>
+                  <a:off x="3521051" y="5005201"/>
+                  <a:ext cx="1350990" cy="514267"/>
+                </a:xfrm>
+                <a:prstGeom prst="rect">
+                  <a:avLst/>
+                </a:prstGeom>
+                <a:noFill/>
+              </p:spPr>
+              <p:txBody>
+                <a:bodyPr wrap="none" rtlCol="0">
+                  <a:spAutoFit/>
+                </a:bodyPr>
+                <a:lstStyle/>
+                <a:p>
+                  <a:pPr/>
+                  <a14:m>
+                    <m:oMathPara xmlns:m="http://schemas.openxmlformats.org/officeDocument/2006/math">
+                      <m:oMathParaPr>
+                        <m:jc m:val="centerGroup"/>
+                      </m:oMathParaPr>
+                      <m:oMath xmlns:m="http://schemas.openxmlformats.org/officeDocument/2006/math">
+                        <m:r>
+                          <a:rPr lang="en-US" b="0" i="1" smtClean="0">
+                            <a:latin typeface="Cambria Math" panose="02040503050406030204" pitchFamily="18" charset="0"/>
+                          </a:rPr>
+                          <m:t>𝑅𝑒</m:t>
+                        </m:r>
+                        <m:r>
+                          <a:rPr lang="en-US" b="0" i="1" smtClean="0">
+                            <a:latin typeface="Cambria Math" panose="02040503050406030204" pitchFamily="18" charset="0"/>
+                          </a:rPr>
+                          <m:t>[</m:t>
+                        </m:r>
+                        <m:sSub>
+                          <m:sSubPr>
+                            <m:ctrlPr>
+                              <a:rPr lang="en-US" b="0" i="1" smtClean="0">
+                                <a:latin typeface="Cambria Math" panose="02040503050406030204" pitchFamily="18" charset="0"/>
+                              </a:rPr>
+                            </m:ctrlPr>
+                          </m:sSubPr>
+                          <m:e>
+                            <m:r>
+                              <a:rPr lang="en-US" b="0" i="1" smtClean="0">
+                                <a:latin typeface="Cambria Math" panose="02040503050406030204" pitchFamily="18" charset="0"/>
+                              </a:rPr>
+                              <m:t>𝜌</m:t>
+                            </m:r>
+                          </m:e>
+                          <m:sub>
+                            <m:r>
+                              <a:rPr lang="en-US" b="0" i="1" smtClean="0">
+                                <a:latin typeface="Cambria Math" panose="02040503050406030204" pitchFamily="18" charset="0"/>
+                              </a:rPr>
+                              <m:t>𝑎𝑐</m:t>
+                            </m:r>
+                          </m:sub>
+                        </m:sSub>
+                        <m:r>
+                          <a:rPr lang="en-US" b="0" i="1" smtClean="0">
+                            <a:latin typeface="Cambria Math" panose="02040503050406030204" pitchFamily="18" charset="0"/>
+                          </a:rPr>
+                          <m:t>]</m:t>
+                        </m:r>
+                      </m:oMath>
+                    </m:oMathPara>
+                  </a14:m>
+                  <a:endParaRPr lang="en-US" b="0" dirty="0"/>
+                </a:p>
+              </p:txBody>
+            </p:sp>
+          </mc:Choice>
+          <mc:Fallback>
+            <p:sp>
+              <p:nvSpPr>
+                <p:cNvPr id="14" name="TextBox 13">
+                  <a:extLst>
+                    <a:ext uri="{FF2B5EF4-FFF2-40B4-BE49-F238E27FC236}">
+                      <a16:creationId xmlns:a16="http://schemas.microsoft.com/office/drawing/2014/main" id="{575D2609-533A-4A0D-8CBD-B67D7BE6D063}"/>
+                    </a:ext>
+                  </a:extLst>
+                </p:cNvPr>
+                <p:cNvSpPr txBox="1">
+                  <a:spLocks noRot="1" noChangeAspect="1" noMove="1" noResize="1" noEditPoints="1" noAdjustHandles="1" noChangeArrowheads="1" noChangeShapeType="1" noTextEdit="1"/>
+                </p:cNvSpPr>
+                <p:nvPr/>
+              </p:nvSpPr>
+              <p:spPr>
+                <a:xfrm>
+                  <a:off x="3521051" y="5005201"/>
+                  <a:ext cx="1350990" cy="514267"/>
+                </a:xfrm>
+                <a:prstGeom prst="rect">
+                  <a:avLst/>
+                </a:prstGeom>
+                <a:blipFill>
+                  <a:blip r:embed="rId7"/>
+                  <a:stretch>
+                    <a:fillRect/>
+                  </a:stretch>
+                </a:blipFill>
+              </p:spPr>
+              <p:txBody>
+                <a:bodyPr/>
+                <a:lstStyle/>
+                <a:p>
+                  <a:r>
+                    <a:rPr lang="en-US">
+                      <a:noFill/>
+                    </a:rPr>
+                    <a:t> </a:t>
+                  </a:r>
+                </a:p>
+              </p:txBody>
+            </p:sp>
+          </mc:Fallback>
+        </mc:AlternateContent>
+        <p:cxnSp>
+          <p:nvCxnSpPr>
+            <p:cNvPr id="16" name="Straight Arrow Connector 15">
+              <a:extLst>
+                <a:ext uri="{FF2B5EF4-FFF2-40B4-BE49-F238E27FC236}">
+                  <a16:creationId xmlns:a16="http://schemas.microsoft.com/office/drawing/2014/main" id="{A908FCE5-A0FC-4E82-A0B8-0F4932F7AE0E}"/>
+                </a:ext>
+              </a:extLst>
+            </p:cNvPr>
+            <p:cNvCxnSpPr>
+              <a:cxnSpLocks/>
+            </p:cNvCxnSpPr>
+            <p:nvPr/>
+          </p:nvCxnSpPr>
+          <p:spPr>
+            <a:xfrm>
+              <a:off x="1817040" y="3930423"/>
+              <a:ext cx="0" cy="1243961"/>
+            </a:xfrm>
+            <a:prstGeom prst="straightConnector1">
+              <a:avLst/>
+            </a:prstGeom>
+            <a:ln w="19050">
+              <a:solidFill>
+                <a:schemeClr val="tx1"/>
+              </a:solidFill>
+              <a:tailEnd type="triangle"/>
+            </a:ln>
+          </p:spPr>
+          <p:style>
+            <a:lnRef idx="1">
+              <a:schemeClr val="accent1"/>
+            </a:lnRef>
+            <a:fillRef idx="0">
+              <a:schemeClr val="accent1"/>
+            </a:fillRef>
+            <a:effectRef idx="0">
+              <a:schemeClr val="accent1"/>
+            </a:effectRef>
+            <a:fontRef idx="minor">
+              <a:schemeClr val="tx1"/>
+            </a:fontRef>
+          </p:style>
+        </p:cxnSp>
+        <p:cxnSp>
+          <p:nvCxnSpPr>
+            <p:cNvPr id="20" name="Straight Arrow Connector 19">
+              <a:extLst>
+                <a:ext uri="{FF2B5EF4-FFF2-40B4-BE49-F238E27FC236}">
+                  <a16:creationId xmlns:a16="http://schemas.microsoft.com/office/drawing/2014/main" id="{BC22903B-4730-4343-AE7E-6BFF036FFE35}"/>
+                </a:ext>
+              </a:extLst>
+            </p:cNvPr>
+            <p:cNvCxnSpPr>
+              <a:cxnSpLocks/>
+            </p:cNvCxnSpPr>
+            <p:nvPr/>
+          </p:nvCxnSpPr>
+          <p:spPr>
+            <a:xfrm>
+              <a:off x="1928950" y="5174384"/>
+              <a:ext cx="0" cy="1243961"/>
+            </a:xfrm>
+            <a:prstGeom prst="straightConnector1">
+              <a:avLst/>
+            </a:prstGeom>
+            <a:ln w="19050">
+              <a:solidFill>
+                <a:schemeClr val="tx1"/>
+              </a:solidFill>
+              <a:tailEnd type="triangle"/>
+            </a:ln>
+          </p:spPr>
+          <p:style>
+            <a:lnRef idx="1">
+              <a:schemeClr val="accent1"/>
+            </a:lnRef>
+            <a:fillRef idx="0">
+              <a:schemeClr val="accent1"/>
+            </a:fillRef>
+            <a:effectRef idx="0">
+              <a:schemeClr val="accent1"/>
+            </a:effectRef>
+            <a:fontRef idx="minor">
+              <a:schemeClr val="tx1"/>
+            </a:fontRef>
+          </p:style>
+        </p:cxnSp>
+        <p:cxnSp>
+          <p:nvCxnSpPr>
+            <p:cNvPr id="21" name="Straight Arrow Connector 20">
+              <a:extLst>
+                <a:ext uri="{FF2B5EF4-FFF2-40B4-BE49-F238E27FC236}">
+                  <a16:creationId xmlns:a16="http://schemas.microsoft.com/office/drawing/2014/main" id="{27A42B1A-1DD7-4FCF-89CD-2490920A4BC0}"/>
+                </a:ext>
+              </a:extLst>
+            </p:cNvPr>
+            <p:cNvCxnSpPr>
+              <a:cxnSpLocks/>
+            </p:cNvCxnSpPr>
+            <p:nvPr/>
+          </p:nvCxnSpPr>
+          <p:spPr>
+            <a:xfrm flipV="1">
+              <a:off x="2228309" y="5174384"/>
+              <a:ext cx="0" cy="1207376"/>
+            </a:xfrm>
+            <a:prstGeom prst="straightConnector1">
+              <a:avLst/>
+            </a:prstGeom>
+            <a:ln w="19050">
+              <a:solidFill>
+                <a:schemeClr val="tx1"/>
+              </a:solidFill>
+              <a:tailEnd type="triangle"/>
+            </a:ln>
+          </p:spPr>
+          <p:style>
+            <a:lnRef idx="1">
+              <a:schemeClr val="accent1"/>
+            </a:lnRef>
+            <a:fillRef idx="0">
+              <a:schemeClr val="accent1"/>
+            </a:fillRef>
+            <a:effectRef idx="0">
+              <a:schemeClr val="accent1"/>
+            </a:effectRef>
+            <a:fontRef idx="minor">
+              <a:schemeClr val="tx1"/>
+            </a:fontRef>
+          </p:style>
+        </p:cxnSp>
+        <p:cxnSp>
+          <p:nvCxnSpPr>
+            <p:cNvPr id="25" name="Straight Arrow Connector 24">
+              <a:extLst>
+                <a:ext uri="{FF2B5EF4-FFF2-40B4-BE49-F238E27FC236}">
+                  <a16:creationId xmlns:a16="http://schemas.microsoft.com/office/drawing/2014/main" id="{02EE7A10-82A5-4C95-915D-5F7B8BD28132}"/>
+                </a:ext>
+              </a:extLst>
+            </p:cNvPr>
+            <p:cNvCxnSpPr>
+              <a:cxnSpLocks/>
+            </p:cNvCxnSpPr>
+            <p:nvPr/>
+          </p:nvCxnSpPr>
+          <p:spPr>
+            <a:xfrm flipV="1">
+              <a:off x="2024873" y="3930423"/>
+              <a:ext cx="0" cy="1243963"/>
+            </a:xfrm>
+            <a:prstGeom prst="straightConnector1">
+              <a:avLst/>
+            </a:prstGeom>
+            <a:ln w="19050">
+              <a:solidFill>
+                <a:schemeClr val="tx1"/>
+              </a:solidFill>
+              <a:tailEnd type="triangle"/>
+            </a:ln>
+          </p:spPr>
+          <p:style>
+            <a:lnRef idx="1">
+              <a:schemeClr val="accent1"/>
+            </a:lnRef>
+            <a:fillRef idx="0">
+              <a:schemeClr val="accent1"/>
+            </a:fillRef>
+            <a:effectRef idx="0">
+              <a:schemeClr val="accent1"/>
+            </a:effectRef>
+            <a:fontRef idx="minor">
+              <a:schemeClr val="tx1"/>
+            </a:fontRef>
+          </p:style>
+        </p:cxnSp>
+        <p:cxnSp>
+          <p:nvCxnSpPr>
+            <p:cNvPr id="32" name="Straight Arrow Connector 31">
+              <a:extLst>
+                <a:ext uri="{FF2B5EF4-FFF2-40B4-BE49-F238E27FC236}">
+                  <a16:creationId xmlns:a16="http://schemas.microsoft.com/office/drawing/2014/main" id="{EF6F00C9-6F8D-4DD8-865B-EEFE8DF2FCA2}"/>
+                </a:ext>
+              </a:extLst>
+            </p:cNvPr>
+            <p:cNvCxnSpPr>
+              <a:cxnSpLocks/>
+              <a:stCxn id="10" idx="1"/>
+            </p:cNvCxnSpPr>
+            <p:nvPr/>
+          </p:nvCxnSpPr>
+          <p:spPr>
+            <a:xfrm flipH="1" flipV="1">
+              <a:off x="2623138" y="3962250"/>
+              <a:ext cx="1064706" cy="875780"/>
+            </a:xfrm>
+            <a:prstGeom prst="straightConnector1">
+              <a:avLst/>
+            </a:prstGeom>
+            <a:ln w="19050">
+              <a:solidFill>
+                <a:schemeClr val="tx1"/>
+              </a:solidFill>
+              <a:tailEnd type="triangle"/>
+            </a:ln>
+          </p:spPr>
+          <p:style>
+            <a:lnRef idx="1">
+              <a:schemeClr val="accent1"/>
+            </a:lnRef>
+            <a:fillRef idx="0">
+              <a:schemeClr val="accent1"/>
+            </a:fillRef>
+            <a:effectRef idx="0">
+              <a:schemeClr val="accent1"/>
+            </a:effectRef>
+            <a:fontRef idx="minor">
+              <a:schemeClr val="tx1"/>
+            </a:fontRef>
+          </p:style>
+        </p:cxnSp>
+        <p:cxnSp>
+          <p:nvCxnSpPr>
+            <p:cNvPr id="36" name="Straight Arrow Connector 35">
+              <a:extLst>
+                <a:ext uri="{FF2B5EF4-FFF2-40B4-BE49-F238E27FC236}">
+                  <a16:creationId xmlns:a16="http://schemas.microsoft.com/office/drawing/2014/main" id="{17F28AA5-0FA1-4F47-A89B-ED48AF485FB0}"/>
+                </a:ext>
+              </a:extLst>
+            </p:cNvPr>
+            <p:cNvCxnSpPr>
+              <a:cxnSpLocks/>
+              <a:endCxn id="14" idx="1"/>
+            </p:cNvCxnSpPr>
+            <p:nvPr/>
+          </p:nvCxnSpPr>
+          <p:spPr>
+            <a:xfrm>
+              <a:off x="2698022" y="5169625"/>
+              <a:ext cx="823029" cy="92710"/>
+            </a:xfrm>
+            <a:prstGeom prst="straightConnector1">
+              <a:avLst/>
+            </a:prstGeom>
+            <a:ln w="19050">
+              <a:solidFill>
+                <a:schemeClr val="tx1"/>
+              </a:solidFill>
+              <a:tailEnd type="triangle"/>
+            </a:ln>
+          </p:spPr>
+          <p:style>
+            <a:lnRef idx="1">
+              <a:schemeClr val="accent1"/>
+            </a:lnRef>
+            <a:fillRef idx="0">
+              <a:schemeClr val="accent1"/>
+            </a:fillRef>
+            <a:effectRef idx="0">
+              <a:schemeClr val="accent1"/>
+            </a:effectRef>
+            <a:fontRef idx="minor">
+              <a:schemeClr val="tx1"/>
+            </a:fontRef>
+          </p:style>
+        </p:cxnSp>
+        <p:cxnSp>
+          <p:nvCxnSpPr>
+            <p:cNvPr id="39" name="Straight Arrow Connector 38">
+              <a:extLst>
+                <a:ext uri="{FF2B5EF4-FFF2-40B4-BE49-F238E27FC236}">
+                  <a16:creationId xmlns:a16="http://schemas.microsoft.com/office/drawing/2014/main" id="{1A75220E-1ECE-4743-8CCB-648631754269}"/>
+                </a:ext>
+              </a:extLst>
+            </p:cNvPr>
+            <p:cNvCxnSpPr>
+              <a:cxnSpLocks/>
+              <a:stCxn id="10" idx="3"/>
+            </p:cNvCxnSpPr>
+            <p:nvPr/>
+          </p:nvCxnSpPr>
+          <p:spPr>
+            <a:xfrm flipH="1">
+              <a:off x="2603874" y="5631941"/>
+              <a:ext cx="1083970" cy="786404"/>
+            </a:xfrm>
+            <a:prstGeom prst="straightConnector1">
+              <a:avLst/>
+            </a:prstGeom>
+            <a:ln w="19050">
+              <a:solidFill>
+                <a:schemeClr val="tx1"/>
+              </a:solidFill>
+              <a:tailEnd type="triangle"/>
+            </a:ln>
+          </p:spPr>
+          <p:style>
+            <a:lnRef idx="1">
+              <a:schemeClr val="accent1"/>
+            </a:lnRef>
+            <a:fillRef idx="0">
+              <a:schemeClr val="accent1"/>
+            </a:fillRef>
+            <a:effectRef idx="0">
+              <a:schemeClr val="accent1"/>
+            </a:effectRef>
+            <a:fontRef idx="minor">
+              <a:schemeClr val="tx1"/>
+            </a:fontRef>
+          </p:style>
+        </p:cxnSp>
+        <mc:AlternateContent xmlns:mc="http://schemas.openxmlformats.org/markup-compatibility/2006">
+          <mc:Choice xmlns:a14="http://schemas.microsoft.com/office/drawing/2010/main" Requires="a14">
+            <p:sp>
+              <p:nvSpPr>
+                <p:cNvPr id="18" name="TextBox 17">
+                  <a:extLst>
+                    <a:ext uri="{FF2B5EF4-FFF2-40B4-BE49-F238E27FC236}">
+                      <a16:creationId xmlns:a16="http://schemas.microsoft.com/office/drawing/2014/main" id="{04FC0CD9-8D45-43BA-85BA-6256AC4CEAFF}"/>
+                    </a:ext>
+                  </a:extLst>
+                </p:cNvPr>
+                <p:cNvSpPr txBox="1"/>
+                <p:nvPr/>
+              </p:nvSpPr>
+              <p:spPr>
+                <a:xfrm>
+                  <a:off x="1218776" y="4339245"/>
+                  <a:ext cx="572528" cy="369332"/>
+                </a:xfrm>
+                <a:prstGeom prst="rect">
+                  <a:avLst/>
+                </a:prstGeom>
+                <a:noFill/>
+              </p:spPr>
+              <p:txBody>
+                <a:bodyPr wrap="none" rtlCol="0">
+                  <a:spAutoFit/>
+                </a:bodyPr>
+                <a:lstStyle/>
+                <a:p>
+                  <a14:m>
+                    <m:oMathPara xmlns:m="http://schemas.openxmlformats.org/officeDocument/2006/math">
+                      <m:oMathParaPr>
+                        <m:jc m:val="centerGroup"/>
+                      </m:oMathParaPr>
+                      <m:oMath xmlns:m="http://schemas.openxmlformats.org/officeDocument/2006/math">
+                        <m:sSub>
+                          <m:sSubPr>
+                            <m:ctrlPr>
+                              <a:rPr lang="en-US" b="0" i="1" smtClean="0">
+                                <a:latin typeface="Cambria Math" panose="02040503050406030204" pitchFamily="18" charset="0"/>
+                              </a:rPr>
+                            </m:ctrlPr>
+                          </m:sSubPr>
+                          <m:e>
+                            <m:r>
+                              <a:rPr lang="en-US" b="0" i="1" smtClean="0">
+                                <a:latin typeface="Cambria Math" panose="02040503050406030204" pitchFamily="18" charset="0"/>
+                              </a:rPr>
+                              <m:t>𝛾</m:t>
+                            </m:r>
+                          </m:e>
+                          <m:sub>
+                            <m:r>
+                              <a:rPr lang="en-US" b="0" i="1" smtClean="0">
+                                <a:latin typeface="Cambria Math" panose="02040503050406030204" pitchFamily="18" charset="0"/>
+                              </a:rPr>
+                              <m:t>𝑎𝑏</m:t>
+                            </m:r>
+                          </m:sub>
+                        </m:sSub>
+                      </m:oMath>
+                    </m:oMathPara>
+                  </a14:m>
+                  <a:endParaRPr lang="en-US" dirty="0"/>
+                </a:p>
+              </p:txBody>
+            </p:sp>
+          </mc:Choice>
+          <mc:Fallback>
+            <p:sp>
+              <p:nvSpPr>
+                <p:cNvPr id="18" name="TextBox 17">
+                  <a:extLst>
+                    <a:ext uri="{FF2B5EF4-FFF2-40B4-BE49-F238E27FC236}">
+                      <a16:creationId xmlns:a16="http://schemas.microsoft.com/office/drawing/2014/main" id="{04FC0CD9-8D45-43BA-85BA-6256AC4CEAFF}"/>
+                    </a:ext>
+                  </a:extLst>
+                </p:cNvPr>
+                <p:cNvSpPr txBox="1">
+                  <a:spLocks noRot="1" noChangeAspect="1" noMove="1" noResize="1" noEditPoints="1" noAdjustHandles="1" noChangeArrowheads="1" noChangeShapeType="1" noTextEdit="1"/>
+                </p:cNvSpPr>
+                <p:nvPr/>
+              </p:nvSpPr>
+              <p:spPr>
+                <a:xfrm>
+                  <a:off x="1218776" y="4339245"/>
+                  <a:ext cx="572528" cy="369332"/>
+                </a:xfrm>
+                <a:prstGeom prst="rect">
+                  <a:avLst/>
+                </a:prstGeom>
+                <a:blipFill>
+                  <a:blip r:embed="rId8"/>
+                  <a:stretch>
+                    <a:fillRect b="-5000"/>
+                  </a:stretch>
+                </a:blipFill>
+              </p:spPr>
+              <p:txBody>
+                <a:bodyPr/>
+                <a:lstStyle/>
+                <a:p>
+                  <a:r>
+                    <a:rPr lang="en-US">
+                      <a:noFill/>
+                    </a:rPr>
+                    <a:t> </a:t>
+                  </a:r>
+                </a:p>
+              </p:txBody>
+            </p:sp>
+          </mc:Fallback>
+        </mc:AlternateContent>
+        <mc:AlternateContent xmlns:mc="http://schemas.openxmlformats.org/markup-compatibility/2006">
+          <mc:Choice xmlns:a14="http://schemas.microsoft.com/office/drawing/2010/main" Requires="a14">
+            <p:sp>
+              <p:nvSpPr>
+                <p:cNvPr id="28" name="TextBox 27">
+                  <a:extLst>
+                    <a:ext uri="{FF2B5EF4-FFF2-40B4-BE49-F238E27FC236}">
+                      <a16:creationId xmlns:a16="http://schemas.microsoft.com/office/drawing/2014/main" id="{B0E00CAB-EFCF-47ED-AB81-885AEC45D7A0}"/>
+                    </a:ext>
+                  </a:extLst>
+                </p:cNvPr>
+                <p:cNvSpPr txBox="1"/>
+                <p:nvPr/>
+              </p:nvSpPr>
+              <p:spPr>
+                <a:xfrm>
+                  <a:off x="1246942" y="5546619"/>
+                  <a:ext cx="552524" cy="369332"/>
+                </a:xfrm>
+                <a:prstGeom prst="rect">
+                  <a:avLst/>
+                </a:prstGeom>
+                <a:noFill/>
+              </p:spPr>
+              <p:txBody>
+                <a:bodyPr wrap="none" rtlCol="0">
+                  <a:spAutoFit/>
+                </a:bodyPr>
+                <a:lstStyle/>
+                <a:p>
+                  <a14:m>
+                    <m:oMathPara xmlns:m="http://schemas.openxmlformats.org/officeDocument/2006/math">
+                      <m:oMathParaPr>
+                        <m:jc m:val="centerGroup"/>
+                      </m:oMathParaPr>
+                      <m:oMath xmlns:m="http://schemas.openxmlformats.org/officeDocument/2006/math">
+                        <m:sSub>
+                          <m:sSubPr>
+                            <m:ctrlPr>
+                              <a:rPr lang="en-US" b="0" i="1" smtClean="0">
+                                <a:latin typeface="Cambria Math" panose="02040503050406030204" pitchFamily="18" charset="0"/>
+                              </a:rPr>
+                            </m:ctrlPr>
+                          </m:sSubPr>
+                          <m:e>
+                            <m:r>
+                              <a:rPr lang="en-US" b="0" i="1" smtClean="0">
+                                <a:latin typeface="Cambria Math" panose="02040503050406030204" pitchFamily="18" charset="0"/>
+                              </a:rPr>
+                              <m:t>𝛾</m:t>
+                            </m:r>
+                          </m:e>
+                          <m:sub>
+                            <m:r>
+                              <a:rPr lang="en-US" b="0" i="1" smtClean="0">
+                                <a:latin typeface="Cambria Math" panose="02040503050406030204" pitchFamily="18" charset="0"/>
+                              </a:rPr>
+                              <m:t>𝑏𝑐</m:t>
+                            </m:r>
+                          </m:sub>
+                        </m:sSub>
+                      </m:oMath>
+                    </m:oMathPara>
+                  </a14:m>
+                  <a:endParaRPr lang="en-US" dirty="0"/>
+                </a:p>
+              </p:txBody>
+            </p:sp>
+          </mc:Choice>
+          <mc:Fallback>
+            <p:sp>
+              <p:nvSpPr>
+                <p:cNvPr id="28" name="TextBox 27">
+                  <a:extLst>
+                    <a:ext uri="{FF2B5EF4-FFF2-40B4-BE49-F238E27FC236}">
+                      <a16:creationId xmlns:a16="http://schemas.microsoft.com/office/drawing/2014/main" id="{B0E00CAB-EFCF-47ED-AB81-885AEC45D7A0}"/>
+                    </a:ext>
+                  </a:extLst>
+                </p:cNvPr>
+                <p:cNvSpPr txBox="1">
+                  <a:spLocks noRot="1" noChangeAspect="1" noMove="1" noResize="1" noEditPoints="1" noAdjustHandles="1" noChangeArrowheads="1" noChangeShapeType="1" noTextEdit="1"/>
+                </p:cNvSpPr>
+                <p:nvPr/>
+              </p:nvSpPr>
+              <p:spPr>
+                <a:xfrm>
+                  <a:off x="1246942" y="5546619"/>
+                  <a:ext cx="552524" cy="369332"/>
+                </a:xfrm>
+                <a:prstGeom prst="rect">
+                  <a:avLst/>
+                </a:prstGeom>
+                <a:blipFill>
+                  <a:blip r:embed="rId9"/>
+                  <a:stretch>
+                    <a:fillRect b="-5000"/>
+                  </a:stretch>
+                </a:blipFill>
+              </p:spPr>
+              <p:txBody>
+                <a:bodyPr/>
+                <a:lstStyle/>
+                <a:p>
+                  <a:r>
+                    <a:rPr lang="en-US">
+                      <a:noFill/>
+                    </a:rPr>
+                    <a:t> </a:t>
+                  </a:r>
+                </a:p>
+              </p:txBody>
+            </p:sp>
+          </mc:Fallback>
+        </mc:AlternateContent>
+        <mc:AlternateContent xmlns:mc="http://schemas.openxmlformats.org/markup-compatibility/2006">
+          <mc:Choice xmlns:a14="http://schemas.microsoft.com/office/drawing/2010/main" Requires="a14">
+            <p:sp>
+              <p:nvSpPr>
+                <p:cNvPr id="29" name="TextBox 28">
+                  <a:extLst>
+                    <a:ext uri="{FF2B5EF4-FFF2-40B4-BE49-F238E27FC236}">
+                      <a16:creationId xmlns:a16="http://schemas.microsoft.com/office/drawing/2014/main" id="{78C3B0BB-7F15-40AC-B5B7-898642D81473}"/>
+                    </a:ext>
+                  </a:extLst>
+                </p:cNvPr>
+                <p:cNvSpPr txBox="1"/>
+                <p:nvPr/>
+              </p:nvSpPr>
+              <p:spPr>
+                <a:xfrm>
+                  <a:off x="2344222" y="4596175"/>
+                  <a:ext cx="1039067" cy="370422"/>
+                </a:xfrm>
+                <a:prstGeom prst="rect">
+                  <a:avLst/>
+                </a:prstGeom>
+                <a:noFill/>
+              </p:spPr>
+              <p:txBody>
+                <a:bodyPr wrap="none" rtlCol="0">
+                  <a:spAutoFit/>
+                </a:bodyPr>
+                <a:lstStyle/>
+                <a:p>
+                  <a14:m>
+                    <m:oMathPara xmlns:m="http://schemas.openxmlformats.org/officeDocument/2006/math">
+                      <m:oMathParaPr>
+                        <m:jc m:val="centerGroup"/>
+                      </m:oMathParaPr>
+                      <m:oMath xmlns:m="http://schemas.openxmlformats.org/officeDocument/2006/math">
+                        <m:rad>
+                          <m:radPr>
+                            <m:degHide m:val="on"/>
+                            <m:ctrlPr>
+                              <a:rPr lang="en-US" b="0" i="1" smtClean="0">
+                                <a:latin typeface="Cambria Math" panose="02040503050406030204" pitchFamily="18" charset="0"/>
+                              </a:rPr>
+                            </m:ctrlPr>
+                          </m:radPr>
+                          <m:deg/>
+                          <m:e>
+                            <m:sSub>
+                              <m:sSubPr>
+                                <m:ctrlPr>
+                                  <a:rPr lang="en-US" i="1">
+                                    <a:latin typeface="Cambria Math" panose="02040503050406030204" pitchFamily="18" charset="0"/>
+                                  </a:rPr>
+                                </m:ctrlPr>
+                              </m:sSubPr>
+                              <m:e>
+                                <m:r>
+                                  <a:rPr lang="en-US" i="1">
+                                    <a:latin typeface="Cambria Math" panose="02040503050406030204" pitchFamily="18" charset="0"/>
+                                  </a:rPr>
+                                  <m:t>𝛾</m:t>
+                                </m:r>
+                              </m:e>
+                              <m:sub>
+                                <m:r>
+                                  <a:rPr lang="en-US" i="1">
+                                    <a:latin typeface="Cambria Math" panose="02040503050406030204" pitchFamily="18" charset="0"/>
+                                  </a:rPr>
+                                  <m:t>𝑎𝑏</m:t>
+                                </m:r>
+                              </m:sub>
+                            </m:sSub>
+                            <m:sSub>
+                              <m:sSubPr>
+                                <m:ctrlPr>
+                                  <a:rPr lang="en-US" i="1">
+                                    <a:latin typeface="Cambria Math" panose="02040503050406030204" pitchFamily="18" charset="0"/>
+                                  </a:rPr>
+                                </m:ctrlPr>
+                              </m:sSubPr>
+                              <m:e>
+                                <m:r>
+                                  <a:rPr lang="en-US" i="1">
+                                    <a:latin typeface="Cambria Math" panose="02040503050406030204" pitchFamily="18" charset="0"/>
+                                  </a:rPr>
+                                  <m:t>𝛾</m:t>
+                                </m:r>
+                              </m:e>
+                              <m:sub>
+                                <m:r>
+                                  <a:rPr lang="en-US" b="0" i="1" smtClean="0">
+                                    <a:latin typeface="Cambria Math" panose="02040503050406030204" pitchFamily="18" charset="0"/>
+                                  </a:rPr>
+                                  <m:t>𝑏𝑐</m:t>
+                                </m:r>
+                              </m:sub>
+                            </m:sSub>
+                          </m:e>
+                        </m:rad>
+                      </m:oMath>
+                    </m:oMathPara>
+                  </a14:m>
+                  <a:endParaRPr lang="en-US" dirty="0"/>
+                </a:p>
+              </p:txBody>
+            </p:sp>
+          </mc:Choice>
+          <mc:Fallback>
+            <p:sp>
+              <p:nvSpPr>
+                <p:cNvPr id="29" name="TextBox 28">
+                  <a:extLst>
+                    <a:ext uri="{FF2B5EF4-FFF2-40B4-BE49-F238E27FC236}">
+                      <a16:creationId xmlns:a16="http://schemas.microsoft.com/office/drawing/2014/main" id="{78C3B0BB-7F15-40AC-B5B7-898642D81473}"/>
+                    </a:ext>
+                  </a:extLst>
+                </p:cNvPr>
+                <p:cNvSpPr txBox="1">
+                  <a:spLocks noRot="1" noChangeAspect="1" noMove="1" noResize="1" noEditPoints="1" noAdjustHandles="1" noChangeArrowheads="1" noChangeShapeType="1" noTextEdit="1"/>
+                </p:cNvSpPr>
+                <p:nvPr/>
+              </p:nvSpPr>
+              <p:spPr>
+                <a:xfrm>
+                  <a:off x="2344222" y="4596175"/>
+                  <a:ext cx="1039067" cy="370422"/>
+                </a:xfrm>
+                <a:prstGeom prst="rect">
+                  <a:avLst/>
+                </a:prstGeom>
+                <a:blipFill>
+                  <a:blip r:embed="rId10"/>
+                  <a:stretch>
+                    <a:fillRect b="-3279"/>
+                  </a:stretch>
+                </a:blipFill>
+              </p:spPr>
+              <p:txBody>
+                <a:bodyPr/>
+                <a:lstStyle/>
+                <a:p>
+                  <a:r>
+                    <a:rPr lang="en-US">
+                      <a:noFill/>
+                    </a:rPr>
+                    <a:t> </a:t>
+                  </a:r>
+                </a:p>
+              </p:txBody>
+            </p:sp>
+          </mc:Fallback>
+        </mc:AlternateContent>
+      </p:grpSp>
     </p:spTree>
     <p:extLst>
       <p:ext uri="{BB962C8B-B14F-4D97-AF65-F5344CB8AC3E}">
@@ -10711,6 +11098,86 @@
 </file>
 
 <file path=ppt/slides/slide14.xml><?xml version="1.0" encoding="utf-8"?>
+<p:sld xmlns:a="http://schemas.openxmlformats.org/drawingml/2006/main" xmlns:r="http://schemas.openxmlformats.org/officeDocument/2006/relationships" xmlns:p="http://schemas.openxmlformats.org/presentationml/2006/main">
+  <p:cSld>
+    <p:spTree>
+      <p:nvGrpSpPr>
+        <p:cNvPr id="1" name=""/>
+        <p:cNvGrpSpPr/>
+        <p:nvPr/>
+      </p:nvGrpSpPr>
+      <p:grpSpPr>
+        <a:xfrm>
+          <a:off x="0" y="0"/>
+          <a:ext cx="0" cy="0"/>
+          <a:chOff x="0" y="0"/>
+          <a:chExt cx="0" cy="0"/>
+        </a:xfrm>
+      </p:grpSpPr>
+      <p:sp>
+        <p:nvSpPr>
+          <p:cNvPr id="2" name="Title 1">
+            <a:extLst>
+              <a:ext uri="{FF2B5EF4-FFF2-40B4-BE49-F238E27FC236}">
+                <a16:creationId xmlns:a16="http://schemas.microsoft.com/office/drawing/2014/main" id="{0A15DF78-797B-46E8-B465-DD2C0E5040C4}"/>
+              </a:ext>
+            </a:extLst>
+          </p:cNvPr>
+          <p:cNvSpPr>
+            <a:spLocks noGrp="1"/>
+          </p:cNvSpPr>
+          <p:nvPr>
+            <p:ph type="title"/>
+          </p:nvPr>
+        </p:nvSpPr>
+        <p:spPr/>
+        <p:txBody>
+          <a:bodyPr/>
+          <a:lstStyle/>
+          <a:p>
+            <a:endParaRPr lang="en-US"/>
+          </a:p>
+        </p:txBody>
+      </p:sp>
+      <p:sp>
+        <p:nvSpPr>
+          <p:cNvPr id="3" name="Content Placeholder 2">
+            <a:extLst>
+              <a:ext uri="{FF2B5EF4-FFF2-40B4-BE49-F238E27FC236}">
+                <a16:creationId xmlns:a16="http://schemas.microsoft.com/office/drawing/2014/main" id="{A4009E2B-AD07-4BF6-8CCD-A7F976946CE7}"/>
+              </a:ext>
+            </a:extLst>
+          </p:cNvPr>
+          <p:cNvSpPr>
+            <a:spLocks noGrp="1"/>
+          </p:cNvSpPr>
+          <p:nvPr>
+            <p:ph idx="1"/>
+          </p:nvPr>
+        </p:nvSpPr>
+        <p:spPr/>
+        <p:txBody>
+          <a:bodyPr/>
+          <a:lstStyle/>
+          <a:p>
+            <a:endParaRPr lang="en-US"/>
+          </a:p>
+        </p:txBody>
+      </p:sp>
+    </p:spTree>
+    <p:extLst>
+      <p:ext uri="{BB962C8B-B14F-4D97-AF65-F5344CB8AC3E}">
+        <p14:creationId xmlns:p14="http://schemas.microsoft.com/office/powerpoint/2010/main" val="2386698821"/>
+      </p:ext>
+    </p:extLst>
+  </p:cSld>
+  <p:clrMapOvr>
+    <a:masterClrMapping/>
+  </p:clrMapOvr>
+</p:sld>
+</file>
+
+<file path=ppt/slides/slide15.xml><?xml version="1.0" encoding="utf-8"?>
 <p:sld xmlns:a="http://schemas.openxmlformats.org/drawingml/2006/main" xmlns:r="http://schemas.openxmlformats.org/officeDocument/2006/relationships" xmlns:p="http://schemas.openxmlformats.org/presentationml/2006/main">
   <p:cSld>
     <p:spTree>
@@ -10790,7 +11257,7 @@
 </p:sld>
 </file>
 
-<file path=ppt/slides/slide15.xml><?xml version="1.0" encoding="utf-8"?>
+<file path=ppt/slides/slide16.xml><?xml version="1.0" encoding="utf-8"?>
 <p:sld xmlns:a="http://schemas.openxmlformats.org/drawingml/2006/main" xmlns:r="http://schemas.openxmlformats.org/officeDocument/2006/relationships" xmlns:p="http://schemas.openxmlformats.org/presentationml/2006/main">
   <p:cSld>
     <p:spTree>
@@ -12383,7 +12850,7 @@
 </p:sld>
 </file>
 
-<file path=ppt/slides/slide16.xml><?xml version="1.0" encoding="utf-8"?>
+<file path=ppt/slides/slide17.xml><?xml version="1.0" encoding="utf-8"?>
 <p:sld xmlns:a="http://schemas.openxmlformats.org/drawingml/2006/main" xmlns:r="http://schemas.openxmlformats.org/officeDocument/2006/relationships" xmlns:p="http://schemas.openxmlformats.org/presentationml/2006/main">
   <p:cSld>
     <p:spTree>
@@ -14281,7 +14748,7 @@
 </p:sld>
 </file>
 
-<file path=ppt/slides/slide17.xml><?xml version="1.0" encoding="utf-8"?>
+<file path=ppt/slides/slide18.xml><?xml version="1.0" encoding="utf-8"?>
 <p:sld xmlns:a="http://schemas.openxmlformats.org/drawingml/2006/main" xmlns:r="http://schemas.openxmlformats.org/officeDocument/2006/relationships" xmlns:p="http://schemas.openxmlformats.org/presentationml/2006/main">
   <p:cSld>
     <p:spTree>
@@ -15418,7 +15885,7 @@
 </p:sld>
 </file>
 
-<file path=ppt/slides/slide18.xml><?xml version="1.0" encoding="utf-8"?>
+<file path=ppt/slides/slide19.xml><?xml version="1.0" encoding="utf-8"?>
 <p:sld xmlns:a="http://schemas.openxmlformats.org/drawingml/2006/main" xmlns:r="http://schemas.openxmlformats.org/officeDocument/2006/relationships" xmlns:p="http://schemas.openxmlformats.org/presentationml/2006/main">
   <p:cSld>
     <p:spTree>
@@ -16270,476 +16737,6 @@
     <p:extLst>
       <p:ext uri="{BB962C8B-B14F-4D97-AF65-F5344CB8AC3E}">
         <p14:creationId xmlns:p14="http://schemas.microsoft.com/office/powerpoint/2010/main" val="3857402459"/>
-      </p:ext>
-    </p:extLst>
-  </p:cSld>
-  <p:clrMapOvr>
-    <a:masterClrMapping/>
-  </p:clrMapOvr>
-</p:sld>
-</file>
-
-<file path=ppt/slides/slide19.xml><?xml version="1.0" encoding="utf-8"?>
-<p:sld xmlns:a="http://schemas.openxmlformats.org/drawingml/2006/main" xmlns:r="http://schemas.openxmlformats.org/officeDocument/2006/relationships" xmlns:p="http://schemas.openxmlformats.org/presentationml/2006/main">
-  <p:cSld>
-    <p:spTree>
-      <p:nvGrpSpPr>
-        <p:cNvPr id="1" name=""/>
-        <p:cNvGrpSpPr/>
-        <p:nvPr/>
-      </p:nvGrpSpPr>
-      <p:grpSpPr>
-        <a:xfrm>
-          <a:off x="0" y="0"/>
-          <a:ext cx="0" cy="0"/>
-          <a:chOff x="0" y="0"/>
-          <a:chExt cx="0" cy="0"/>
-        </a:xfrm>
-      </p:grpSpPr>
-      <mc:AlternateContent xmlns:mc="http://schemas.openxmlformats.org/markup-compatibility/2006" xmlns:a14="http://schemas.microsoft.com/office/drawing/2010/main">
-        <mc:Choice Requires="a14">
-          <p:sp>
-            <p:nvSpPr>
-              <p:cNvPr id="4" name="TextBox 3">
-                <a:extLst>
-                  <a:ext uri="{FF2B5EF4-FFF2-40B4-BE49-F238E27FC236}">
-                    <a16:creationId xmlns:a16="http://schemas.microsoft.com/office/drawing/2014/main" id="{7E7F5514-EBAC-4443-AA2C-A75FAB32B067}"/>
-                  </a:ext>
-                </a:extLst>
-              </p:cNvPr>
-              <p:cNvSpPr txBox="1"/>
-              <p:nvPr/>
-            </p:nvSpPr>
-            <p:spPr>
-              <a:xfrm>
-                <a:off x="711200" y="476250"/>
-                <a:ext cx="6343650" cy="3166829"/>
-              </a:xfrm>
-              <a:prstGeom prst="rect">
-                <a:avLst/>
-              </a:prstGeom>
-              <a:noFill/>
-            </p:spPr>
-            <p:txBody>
-              <a:bodyPr wrap="square" rtlCol="0">
-                <a:spAutoFit/>
-              </a:bodyPr>
-              <a:lstStyle/>
-              <a:p>
-                <a:r>
-                  <a:rPr lang="en-US" sz="2800" dirty="0"/>
-                  <a:t>Steady state:</a:t>
-                </a:r>
-              </a:p>
-              <a:p>
-                <a:endParaRPr lang="en-US" sz="2800" dirty="0"/>
-              </a:p>
-              <a:p>
-                <a:r>
-                  <a:rPr lang="en-US" sz="2800" dirty="0"/>
-                  <a:t>Two level atom in the squeezed vacuum:</a:t>
-                </a:r>
-              </a:p>
-              <a:p>
-                <a:pPr/>
-                <a14:m>
-                  <m:oMathPara xmlns:m="http://schemas.openxmlformats.org/officeDocument/2006/math">
-                    <m:oMathParaPr>
-                      <m:jc m:val="centerGroup"/>
-                    </m:oMathParaPr>
-                    <m:oMath xmlns:m="http://schemas.openxmlformats.org/officeDocument/2006/math">
-                      <m:m>
-                        <m:mPr>
-                          <m:mcs>
-                            <m:mc>
-                              <m:mcPr>
-                                <m:count m:val="2"/>
-                                <m:mcJc m:val="center"/>
-                              </m:mcPr>
-                            </m:mc>
-                          </m:mcs>
-                          <m:ctrlPr>
-                            <a:rPr lang="en-US" sz="2800" i="1" smtClean="0">
-                              <a:latin typeface="Cambria Math" panose="02040503050406030204" pitchFamily="18" charset="0"/>
-                            </a:rPr>
-                          </m:ctrlPr>
-                        </m:mPr>
-                        <m:mr>
-                          <m:e>
-                            <m:r>
-                              <a:rPr lang="en-US" sz="2800" b="0" i="1" smtClean="0">
-                                <a:latin typeface="Cambria Math" panose="02040503050406030204" pitchFamily="18" charset="0"/>
-                              </a:rPr>
-                              <m:t>𝑠</m:t>
-                            </m:r>
-                            <m:sSup>
-                              <m:sSupPr>
-                                <m:ctrlPr>
-                                  <a:rPr lang="en-US" sz="2800" b="0" i="1" smtClean="0">
-                                    <a:latin typeface="Cambria Math" panose="02040503050406030204" pitchFamily="18" charset="0"/>
-                                  </a:rPr>
-                                </m:ctrlPr>
-                              </m:sSupPr>
-                              <m:e>
-                                <m:r>
-                                  <m:rPr>
-                                    <m:brk m:alnAt="7"/>
-                                  </m:rPr>
-                                  <a:rPr lang="en-US" sz="2800" b="0" i="1" smtClean="0">
-                                    <a:latin typeface="Cambria Math" panose="02040503050406030204" pitchFamily="18" charset="0"/>
-                                  </a:rPr>
-                                  <m:t>h</m:t>
-                                </m:r>
-                              </m:e>
-                              <m:sup>
-                                <m:r>
-                                  <m:rPr>
-                                    <m:brk m:alnAt="7"/>
-                                  </m:rPr>
-                                  <a:rPr lang="en-US" sz="2800" b="0" i="1" smtClean="0">
-                                    <a:latin typeface="Cambria Math" panose="02040503050406030204" pitchFamily="18" charset="0"/>
-                                  </a:rPr>
-                                  <m:t>2</m:t>
-                                </m:r>
-                              </m:sup>
-                            </m:sSup>
-                            <m:r>
-                              <m:rPr>
-                                <m:brk m:alnAt="7"/>
-                              </m:rPr>
-                              <a:rPr lang="en-US" sz="2800" b="0" i="1" smtClean="0">
-                                <a:latin typeface="Cambria Math" panose="02040503050406030204" pitchFamily="18" charset="0"/>
-                              </a:rPr>
-                              <m:t>/</m:t>
-                            </m:r>
-                            <m:r>
-                              <a:rPr lang="en-US" sz="2800" b="0" i="1" smtClean="0">
-                                <a:latin typeface="Cambria Math" panose="02040503050406030204" pitchFamily="18" charset="0"/>
-                              </a:rPr>
-                              <m:t>(</m:t>
-                            </m:r>
-                            <m:r>
-                              <a:rPr lang="en-US" sz="2800" b="0" i="1" smtClean="0">
-                                <a:latin typeface="Cambria Math" panose="02040503050406030204" pitchFamily="18" charset="0"/>
-                              </a:rPr>
-                              <m:t>𝑐</m:t>
-                            </m:r>
-                            <m:sSup>
-                              <m:sSupPr>
-                                <m:ctrlPr>
-                                  <a:rPr lang="en-US" sz="2800" b="0" i="1" smtClean="0">
-                                    <a:latin typeface="Cambria Math" panose="02040503050406030204" pitchFamily="18" charset="0"/>
-                                  </a:rPr>
-                                </m:ctrlPr>
-                              </m:sSupPr>
-                              <m:e>
-                                <m:r>
-                                  <m:rPr>
-                                    <m:brk m:alnAt="7"/>
-                                  </m:rPr>
-                                  <a:rPr lang="en-US" sz="2800" b="0" i="1" smtClean="0">
-                                    <a:latin typeface="Cambria Math" panose="02040503050406030204" pitchFamily="18" charset="0"/>
-                                  </a:rPr>
-                                  <m:t>h</m:t>
-                                </m:r>
-                              </m:e>
-                              <m:sup>
-                                <m:r>
-                                  <m:rPr>
-                                    <m:brk m:alnAt="7"/>
-                                  </m:rPr>
-                                  <a:rPr lang="en-US" sz="2800" b="0" i="1" smtClean="0">
-                                    <a:latin typeface="Cambria Math" panose="02040503050406030204" pitchFamily="18" charset="0"/>
-                                  </a:rPr>
-                                  <m:t>2</m:t>
-                                </m:r>
-                              </m:sup>
-                            </m:sSup>
-                            <m:r>
-                              <m:rPr>
-                                <m:brk m:alnAt="7"/>
-                              </m:rPr>
-                              <a:rPr lang="en-US" sz="2800" b="0" i="1" smtClean="0">
-                                <a:latin typeface="Cambria Math" panose="02040503050406030204" pitchFamily="18" charset="0"/>
-                              </a:rPr>
-                              <m:t>+</m:t>
-                            </m:r>
-                            <m:r>
-                              <a:rPr lang="en-US" sz="2800" b="0" i="1" smtClean="0">
-                                <a:latin typeface="Cambria Math" panose="02040503050406030204" pitchFamily="18" charset="0"/>
-                              </a:rPr>
-                              <m:t>𝑠</m:t>
-                            </m:r>
-                            <m:sSup>
-                              <m:sSupPr>
-                                <m:ctrlPr>
-                                  <a:rPr lang="en-US" sz="2800" b="0" i="1" smtClean="0">
-                                    <a:latin typeface="Cambria Math" panose="02040503050406030204" pitchFamily="18" charset="0"/>
-                                  </a:rPr>
-                                </m:ctrlPr>
-                              </m:sSupPr>
-                              <m:e>
-                                <m:r>
-                                  <m:rPr>
-                                    <m:brk m:alnAt="7"/>
-                                  </m:rPr>
-                                  <a:rPr lang="en-US" sz="2800" b="0" i="1" smtClean="0">
-                                    <a:latin typeface="Cambria Math" panose="02040503050406030204" pitchFamily="18" charset="0"/>
-                                  </a:rPr>
-                                  <m:t>h</m:t>
-                                </m:r>
-                              </m:e>
-                              <m:sup>
-                                <m:r>
-                                  <m:rPr>
-                                    <m:brk m:alnAt="7"/>
-                                  </m:rPr>
-                                  <a:rPr lang="en-US" sz="2800" b="0" i="1" smtClean="0">
-                                    <a:latin typeface="Cambria Math" panose="02040503050406030204" pitchFamily="18" charset="0"/>
-                                  </a:rPr>
-                                  <m:t>2</m:t>
-                                </m:r>
-                              </m:sup>
-                            </m:sSup>
-                            <m:r>
-                              <m:rPr>
-                                <m:brk m:alnAt="7"/>
-                              </m:rPr>
-                              <a:rPr lang="en-US" sz="2800" b="0" i="1" smtClean="0">
-                                <a:latin typeface="Cambria Math" panose="02040503050406030204" pitchFamily="18" charset="0"/>
-                              </a:rPr>
-                              <m:t>)</m:t>
-                            </m:r>
-                          </m:e>
-                          <m:e>
-                            <m:r>
-                              <a:rPr lang="en-US" sz="2800" b="0" i="1" smtClean="0">
-                                <a:latin typeface="Cambria Math" panose="02040503050406030204" pitchFamily="18" charset="0"/>
-                              </a:rPr>
-                              <m:t>0</m:t>
-                            </m:r>
-                          </m:e>
-                        </m:mr>
-                        <m:mr>
-                          <m:e>
-                            <m:r>
-                              <a:rPr lang="en-US" sz="2800" b="0" i="1" smtClean="0">
-                                <a:latin typeface="Cambria Math" panose="02040503050406030204" pitchFamily="18" charset="0"/>
-                              </a:rPr>
-                              <m:t>0</m:t>
-                            </m:r>
-                          </m:e>
-                          <m:e>
-                            <m:r>
-                              <a:rPr lang="en-US" sz="2800" b="0" i="1" smtClean="0">
-                                <a:latin typeface="Cambria Math" panose="02040503050406030204" pitchFamily="18" charset="0"/>
-                              </a:rPr>
-                              <m:t>𝑐</m:t>
-                            </m:r>
-                            <m:sSup>
-                              <m:sSupPr>
-                                <m:ctrlPr>
-                                  <a:rPr lang="en-US" sz="2800" i="1">
-                                    <a:latin typeface="Cambria Math" panose="02040503050406030204" pitchFamily="18" charset="0"/>
-                                  </a:rPr>
-                                </m:ctrlPr>
-                              </m:sSupPr>
-                              <m:e>
-                                <m:r>
-                                  <m:rPr>
-                                    <m:brk m:alnAt="7"/>
-                                  </m:rPr>
-                                  <a:rPr lang="en-US" sz="2800" i="1">
-                                    <a:latin typeface="Cambria Math" panose="02040503050406030204" pitchFamily="18" charset="0"/>
-                                  </a:rPr>
-                                  <m:t>h</m:t>
-                                </m:r>
-                              </m:e>
-                              <m:sup>
-                                <m:r>
-                                  <m:rPr>
-                                    <m:brk m:alnAt="7"/>
-                                  </m:rPr>
-                                  <a:rPr lang="en-US" sz="2800" i="1">
-                                    <a:latin typeface="Cambria Math" panose="02040503050406030204" pitchFamily="18" charset="0"/>
-                                  </a:rPr>
-                                  <m:t>2</m:t>
-                                </m:r>
-                              </m:sup>
-                            </m:sSup>
-                            <m:r>
-                              <m:rPr>
-                                <m:brk m:alnAt="7"/>
-                              </m:rPr>
-                              <a:rPr lang="en-US" sz="2800" i="1">
-                                <a:latin typeface="Cambria Math" panose="02040503050406030204" pitchFamily="18" charset="0"/>
-                              </a:rPr>
-                              <m:t>/</m:t>
-                            </m:r>
-                            <m:r>
-                              <a:rPr lang="en-US" sz="2800" i="1">
-                                <a:latin typeface="Cambria Math" panose="02040503050406030204" pitchFamily="18" charset="0"/>
-                              </a:rPr>
-                              <m:t>(</m:t>
-                            </m:r>
-                            <m:r>
-                              <a:rPr lang="en-US" sz="2800" i="1">
-                                <a:latin typeface="Cambria Math" panose="02040503050406030204" pitchFamily="18" charset="0"/>
-                              </a:rPr>
-                              <m:t>𝑐</m:t>
-                            </m:r>
-                            <m:sSup>
-                              <m:sSupPr>
-                                <m:ctrlPr>
-                                  <a:rPr lang="en-US" sz="2800" i="1">
-                                    <a:latin typeface="Cambria Math" panose="02040503050406030204" pitchFamily="18" charset="0"/>
-                                  </a:rPr>
-                                </m:ctrlPr>
-                              </m:sSupPr>
-                              <m:e>
-                                <m:r>
-                                  <m:rPr>
-                                    <m:brk m:alnAt="7"/>
-                                  </m:rPr>
-                                  <a:rPr lang="en-US" sz="2800" i="1">
-                                    <a:latin typeface="Cambria Math" panose="02040503050406030204" pitchFamily="18" charset="0"/>
-                                  </a:rPr>
-                                  <m:t>h</m:t>
-                                </m:r>
-                              </m:e>
-                              <m:sup>
-                                <m:r>
-                                  <m:rPr>
-                                    <m:brk m:alnAt="7"/>
-                                  </m:rPr>
-                                  <a:rPr lang="en-US" sz="2800" i="1">
-                                    <a:latin typeface="Cambria Math" panose="02040503050406030204" pitchFamily="18" charset="0"/>
-                                  </a:rPr>
-                                  <m:t>2</m:t>
-                                </m:r>
-                              </m:sup>
-                            </m:sSup>
-                            <m:r>
-                              <m:rPr>
-                                <m:brk m:alnAt="7"/>
-                              </m:rPr>
-                              <a:rPr lang="en-US" sz="2800" i="1">
-                                <a:latin typeface="Cambria Math" panose="02040503050406030204" pitchFamily="18" charset="0"/>
-                              </a:rPr>
-                              <m:t>+</m:t>
-                            </m:r>
-                            <m:r>
-                              <a:rPr lang="en-US" sz="2800" i="1">
-                                <a:latin typeface="Cambria Math" panose="02040503050406030204" pitchFamily="18" charset="0"/>
-                              </a:rPr>
-                              <m:t>𝑠</m:t>
-                            </m:r>
-                            <m:sSup>
-                              <m:sSupPr>
-                                <m:ctrlPr>
-                                  <a:rPr lang="en-US" sz="2800" i="1">
-                                    <a:latin typeface="Cambria Math" panose="02040503050406030204" pitchFamily="18" charset="0"/>
-                                  </a:rPr>
-                                </m:ctrlPr>
-                              </m:sSupPr>
-                              <m:e>
-                                <m:r>
-                                  <m:rPr>
-                                    <m:brk m:alnAt="7"/>
-                                  </m:rPr>
-                                  <a:rPr lang="en-US" sz="2800" i="1">
-                                    <a:latin typeface="Cambria Math" panose="02040503050406030204" pitchFamily="18" charset="0"/>
-                                  </a:rPr>
-                                  <m:t>h</m:t>
-                                </m:r>
-                              </m:e>
-                              <m:sup>
-                                <m:r>
-                                  <m:rPr>
-                                    <m:brk m:alnAt="7"/>
-                                  </m:rPr>
-                                  <a:rPr lang="en-US" sz="2800" i="1">
-                                    <a:latin typeface="Cambria Math" panose="02040503050406030204" pitchFamily="18" charset="0"/>
-                                  </a:rPr>
-                                  <m:t>2</m:t>
-                                </m:r>
-                              </m:sup>
-                            </m:sSup>
-                            <m:r>
-                              <m:rPr>
-                                <m:brk m:alnAt="7"/>
-                              </m:rPr>
-                              <a:rPr lang="en-US" sz="2800" i="1">
-                                <a:latin typeface="Cambria Math" panose="02040503050406030204" pitchFamily="18" charset="0"/>
-                              </a:rPr>
-                              <m:t>)</m:t>
-                            </m:r>
-                          </m:e>
-                        </m:mr>
-                      </m:m>
-                    </m:oMath>
-                  </m:oMathPara>
-                </a14:m>
-                <a:endParaRPr lang="en-US" sz="2800" dirty="0"/>
-              </a:p>
-              <a:p>
-                <a:endParaRPr lang="en-US" sz="2800" dirty="0"/>
-              </a:p>
-              <a:p>
-                <a:endParaRPr lang="en-US" sz="2800" dirty="0"/>
-              </a:p>
-            </p:txBody>
-          </p:sp>
-        </mc:Choice>
-        <mc:Fallback xmlns="">
-          <p:sp>
-            <p:nvSpPr>
-              <p:cNvPr id="4" name="TextBox 3">
-                <a:extLst>
-                  <a:ext uri="{FF2B5EF4-FFF2-40B4-BE49-F238E27FC236}">
-                    <a16:creationId xmlns:a16="http://schemas.microsoft.com/office/drawing/2014/main" id="{7E7F5514-EBAC-4443-AA2C-A75FAB32B067}"/>
-                  </a:ext>
-                </a:extLst>
-              </p:cNvPr>
-              <p:cNvSpPr txBox="1">
-                <a:spLocks noRot="1" noChangeAspect="1" noMove="1" noResize="1" noEditPoints="1" noAdjustHandles="1" noChangeArrowheads="1" noChangeShapeType="1" noTextEdit="1"/>
-              </p:cNvSpPr>
-              <p:nvPr/>
-            </p:nvSpPr>
-            <p:spPr>
-              <a:xfrm>
-                <a:off x="711200" y="476250"/>
-                <a:ext cx="6343650" cy="3166829"/>
-              </a:xfrm>
-              <a:prstGeom prst="rect">
-                <a:avLst/>
-              </a:prstGeom>
-              <a:blipFill>
-                <a:blip r:embed="rId2"/>
-                <a:stretch>
-                  <a:fillRect l="-2019" t="-1731"/>
-                </a:stretch>
-              </a:blipFill>
-            </p:spPr>
-            <p:txBody>
-              <a:bodyPr/>
-              <a:lstStyle/>
-              <a:p>
-                <a:r>
-                  <a:rPr lang="en-US">
-                    <a:noFill/>
-                  </a:rPr>
-                  <a:t> </a:t>
-                </a:r>
-              </a:p>
-            </p:txBody>
-          </p:sp>
-        </mc:Fallback>
-      </mc:AlternateContent>
-    </p:spTree>
-    <p:extLst>
-      <p:ext uri="{BB962C8B-B14F-4D97-AF65-F5344CB8AC3E}">
-        <p14:creationId xmlns:p14="http://schemas.microsoft.com/office/powerpoint/2010/main" val="1174210868"/>
       </p:ext>
     </p:extLst>
   </p:cSld>
@@ -17137,6 +17134,476 @@
           <a:chExt cx="0" cy="0"/>
         </a:xfrm>
       </p:grpSpPr>
+      <mc:AlternateContent xmlns:mc="http://schemas.openxmlformats.org/markup-compatibility/2006" xmlns:a14="http://schemas.microsoft.com/office/drawing/2010/main">
+        <mc:Choice Requires="a14">
+          <p:sp>
+            <p:nvSpPr>
+              <p:cNvPr id="4" name="TextBox 3">
+                <a:extLst>
+                  <a:ext uri="{FF2B5EF4-FFF2-40B4-BE49-F238E27FC236}">
+                    <a16:creationId xmlns:a16="http://schemas.microsoft.com/office/drawing/2014/main" id="{7E7F5514-EBAC-4443-AA2C-A75FAB32B067}"/>
+                  </a:ext>
+                </a:extLst>
+              </p:cNvPr>
+              <p:cNvSpPr txBox="1"/>
+              <p:nvPr/>
+            </p:nvSpPr>
+            <p:spPr>
+              <a:xfrm>
+                <a:off x="711200" y="476250"/>
+                <a:ext cx="6343650" cy="3166829"/>
+              </a:xfrm>
+              <a:prstGeom prst="rect">
+                <a:avLst/>
+              </a:prstGeom>
+              <a:noFill/>
+            </p:spPr>
+            <p:txBody>
+              <a:bodyPr wrap="square" rtlCol="0">
+                <a:spAutoFit/>
+              </a:bodyPr>
+              <a:lstStyle/>
+              <a:p>
+                <a:r>
+                  <a:rPr lang="en-US" sz="2800" dirty="0"/>
+                  <a:t>Steady state:</a:t>
+                </a:r>
+              </a:p>
+              <a:p>
+                <a:endParaRPr lang="en-US" sz="2800" dirty="0"/>
+              </a:p>
+              <a:p>
+                <a:r>
+                  <a:rPr lang="en-US" sz="2800" dirty="0"/>
+                  <a:t>Two level atom in the squeezed vacuum:</a:t>
+                </a:r>
+              </a:p>
+              <a:p>
+                <a:pPr/>
+                <a14:m>
+                  <m:oMathPara xmlns:m="http://schemas.openxmlformats.org/officeDocument/2006/math">
+                    <m:oMathParaPr>
+                      <m:jc m:val="centerGroup"/>
+                    </m:oMathParaPr>
+                    <m:oMath xmlns:m="http://schemas.openxmlformats.org/officeDocument/2006/math">
+                      <m:m>
+                        <m:mPr>
+                          <m:mcs>
+                            <m:mc>
+                              <m:mcPr>
+                                <m:count m:val="2"/>
+                                <m:mcJc m:val="center"/>
+                              </m:mcPr>
+                            </m:mc>
+                          </m:mcs>
+                          <m:ctrlPr>
+                            <a:rPr lang="en-US" sz="2800" i="1" smtClean="0">
+                              <a:latin typeface="Cambria Math" panose="02040503050406030204" pitchFamily="18" charset="0"/>
+                            </a:rPr>
+                          </m:ctrlPr>
+                        </m:mPr>
+                        <m:mr>
+                          <m:e>
+                            <m:r>
+                              <a:rPr lang="en-US" sz="2800" b="0" i="1" smtClean="0">
+                                <a:latin typeface="Cambria Math" panose="02040503050406030204" pitchFamily="18" charset="0"/>
+                              </a:rPr>
+                              <m:t>𝑠</m:t>
+                            </m:r>
+                            <m:sSup>
+                              <m:sSupPr>
+                                <m:ctrlPr>
+                                  <a:rPr lang="en-US" sz="2800" b="0" i="1" smtClean="0">
+                                    <a:latin typeface="Cambria Math" panose="02040503050406030204" pitchFamily="18" charset="0"/>
+                                  </a:rPr>
+                                </m:ctrlPr>
+                              </m:sSupPr>
+                              <m:e>
+                                <m:r>
+                                  <m:rPr>
+                                    <m:brk m:alnAt="7"/>
+                                  </m:rPr>
+                                  <a:rPr lang="en-US" sz="2800" b="0" i="1" smtClean="0">
+                                    <a:latin typeface="Cambria Math" panose="02040503050406030204" pitchFamily="18" charset="0"/>
+                                  </a:rPr>
+                                  <m:t>h</m:t>
+                                </m:r>
+                              </m:e>
+                              <m:sup>
+                                <m:r>
+                                  <m:rPr>
+                                    <m:brk m:alnAt="7"/>
+                                  </m:rPr>
+                                  <a:rPr lang="en-US" sz="2800" b="0" i="1" smtClean="0">
+                                    <a:latin typeface="Cambria Math" panose="02040503050406030204" pitchFamily="18" charset="0"/>
+                                  </a:rPr>
+                                  <m:t>2</m:t>
+                                </m:r>
+                              </m:sup>
+                            </m:sSup>
+                            <m:r>
+                              <m:rPr>
+                                <m:brk m:alnAt="7"/>
+                              </m:rPr>
+                              <a:rPr lang="en-US" sz="2800" b="0" i="1" smtClean="0">
+                                <a:latin typeface="Cambria Math" panose="02040503050406030204" pitchFamily="18" charset="0"/>
+                              </a:rPr>
+                              <m:t>/</m:t>
+                            </m:r>
+                            <m:r>
+                              <a:rPr lang="en-US" sz="2800" b="0" i="1" smtClean="0">
+                                <a:latin typeface="Cambria Math" panose="02040503050406030204" pitchFamily="18" charset="0"/>
+                              </a:rPr>
+                              <m:t>(</m:t>
+                            </m:r>
+                            <m:r>
+                              <a:rPr lang="en-US" sz="2800" b="0" i="1" smtClean="0">
+                                <a:latin typeface="Cambria Math" panose="02040503050406030204" pitchFamily="18" charset="0"/>
+                              </a:rPr>
+                              <m:t>𝑐</m:t>
+                            </m:r>
+                            <m:sSup>
+                              <m:sSupPr>
+                                <m:ctrlPr>
+                                  <a:rPr lang="en-US" sz="2800" b="0" i="1" smtClean="0">
+                                    <a:latin typeface="Cambria Math" panose="02040503050406030204" pitchFamily="18" charset="0"/>
+                                  </a:rPr>
+                                </m:ctrlPr>
+                              </m:sSupPr>
+                              <m:e>
+                                <m:r>
+                                  <m:rPr>
+                                    <m:brk m:alnAt="7"/>
+                                  </m:rPr>
+                                  <a:rPr lang="en-US" sz="2800" b="0" i="1" smtClean="0">
+                                    <a:latin typeface="Cambria Math" panose="02040503050406030204" pitchFamily="18" charset="0"/>
+                                  </a:rPr>
+                                  <m:t>h</m:t>
+                                </m:r>
+                              </m:e>
+                              <m:sup>
+                                <m:r>
+                                  <m:rPr>
+                                    <m:brk m:alnAt="7"/>
+                                  </m:rPr>
+                                  <a:rPr lang="en-US" sz="2800" b="0" i="1" smtClean="0">
+                                    <a:latin typeface="Cambria Math" panose="02040503050406030204" pitchFamily="18" charset="0"/>
+                                  </a:rPr>
+                                  <m:t>2</m:t>
+                                </m:r>
+                              </m:sup>
+                            </m:sSup>
+                            <m:r>
+                              <m:rPr>
+                                <m:brk m:alnAt="7"/>
+                              </m:rPr>
+                              <a:rPr lang="en-US" sz="2800" b="0" i="1" smtClean="0">
+                                <a:latin typeface="Cambria Math" panose="02040503050406030204" pitchFamily="18" charset="0"/>
+                              </a:rPr>
+                              <m:t>+</m:t>
+                            </m:r>
+                            <m:r>
+                              <a:rPr lang="en-US" sz="2800" b="0" i="1" smtClean="0">
+                                <a:latin typeface="Cambria Math" panose="02040503050406030204" pitchFamily="18" charset="0"/>
+                              </a:rPr>
+                              <m:t>𝑠</m:t>
+                            </m:r>
+                            <m:sSup>
+                              <m:sSupPr>
+                                <m:ctrlPr>
+                                  <a:rPr lang="en-US" sz="2800" b="0" i="1" smtClean="0">
+                                    <a:latin typeface="Cambria Math" panose="02040503050406030204" pitchFamily="18" charset="0"/>
+                                  </a:rPr>
+                                </m:ctrlPr>
+                              </m:sSupPr>
+                              <m:e>
+                                <m:r>
+                                  <m:rPr>
+                                    <m:brk m:alnAt="7"/>
+                                  </m:rPr>
+                                  <a:rPr lang="en-US" sz="2800" b="0" i="1" smtClean="0">
+                                    <a:latin typeface="Cambria Math" panose="02040503050406030204" pitchFamily="18" charset="0"/>
+                                  </a:rPr>
+                                  <m:t>h</m:t>
+                                </m:r>
+                              </m:e>
+                              <m:sup>
+                                <m:r>
+                                  <m:rPr>
+                                    <m:brk m:alnAt="7"/>
+                                  </m:rPr>
+                                  <a:rPr lang="en-US" sz="2800" b="0" i="1" smtClean="0">
+                                    <a:latin typeface="Cambria Math" panose="02040503050406030204" pitchFamily="18" charset="0"/>
+                                  </a:rPr>
+                                  <m:t>2</m:t>
+                                </m:r>
+                              </m:sup>
+                            </m:sSup>
+                            <m:r>
+                              <m:rPr>
+                                <m:brk m:alnAt="7"/>
+                              </m:rPr>
+                              <a:rPr lang="en-US" sz="2800" b="0" i="1" smtClean="0">
+                                <a:latin typeface="Cambria Math" panose="02040503050406030204" pitchFamily="18" charset="0"/>
+                              </a:rPr>
+                              <m:t>)</m:t>
+                            </m:r>
+                          </m:e>
+                          <m:e>
+                            <m:r>
+                              <a:rPr lang="en-US" sz="2800" b="0" i="1" smtClean="0">
+                                <a:latin typeface="Cambria Math" panose="02040503050406030204" pitchFamily="18" charset="0"/>
+                              </a:rPr>
+                              <m:t>0</m:t>
+                            </m:r>
+                          </m:e>
+                        </m:mr>
+                        <m:mr>
+                          <m:e>
+                            <m:r>
+                              <a:rPr lang="en-US" sz="2800" b="0" i="1" smtClean="0">
+                                <a:latin typeface="Cambria Math" panose="02040503050406030204" pitchFamily="18" charset="0"/>
+                              </a:rPr>
+                              <m:t>0</m:t>
+                            </m:r>
+                          </m:e>
+                          <m:e>
+                            <m:r>
+                              <a:rPr lang="en-US" sz="2800" b="0" i="1" smtClean="0">
+                                <a:latin typeface="Cambria Math" panose="02040503050406030204" pitchFamily="18" charset="0"/>
+                              </a:rPr>
+                              <m:t>𝑐</m:t>
+                            </m:r>
+                            <m:sSup>
+                              <m:sSupPr>
+                                <m:ctrlPr>
+                                  <a:rPr lang="en-US" sz="2800" i="1">
+                                    <a:latin typeface="Cambria Math" panose="02040503050406030204" pitchFamily="18" charset="0"/>
+                                  </a:rPr>
+                                </m:ctrlPr>
+                              </m:sSupPr>
+                              <m:e>
+                                <m:r>
+                                  <m:rPr>
+                                    <m:brk m:alnAt="7"/>
+                                  </m:rPr>
+                                  <a:rPr lang="en-US" sz="2800" i="1">
+                                    <a:latin typeface="Cambria Math" panose="02040503050406030204" pitchFamily="18" charset="0"/>
+                                  </a:rPr>
+                                  <m:t>h</m:t>
+                                </m:r>
+                              </m:e>
+                              <m:sup>
+                                <m:r>
+                                  <m:rPr>
+                                    <m:brk m:alnAt="7"/>
+                                  </m:rPr>
+                                  <a:rPr lang="en-US" sz="2800" i="1">
+                                    <a:latin typeface="Cambria Math" panose="02040503050406030204" pitchFamily="18" charset="0"/>
+                                  </a:rPr>
+                                  <m:t>2</m:t>
+                                </m:r>
+                              </m:sup>
+                            </m:sSup>
+                            <m:r>
+                              <m:rPr>
+                                <m:brk m:alnAt="7"/>
+                              </m:rPr>
+                              <a:rPr lang="en-US" sz="2800" i="1">
+                                <a:latin typeface="Cambria Math" panose="02040503050406030204" pitchFamily="18" charset="0"/>
+                              </a:rPr>
+                              <m:t>/</m:t>
+                            </m:r>
+                            <m:r>
+                              <a:rPr lang="en-US" sz="2800" i="1">
+                                <a:latin typeface="Cambria Math" panose="02040503050406030204" pitchFamily="18" charset="0"/>
+                              </a:rPr>
+                              <m:t>(</m:t>
+                            </m:r>
+                            <m:r>
+                              <a:rPr lang="en-US" sz="2800" i="1">
+                                <a:latin typeface="Cambria Math" panose="02040503050406030204" pitchFamily="18" charset="0"/>
+                              </a:rPr>
+                              <m:t>𝑐</m:t>
+                            </m:r>
+                            <m:sSup>
+                              <m:sSupPr>
+                                <m:ctrlPr>
+                                  <a:rPr lang="en-US" sz="2800" i="1">
+                                    <a:latin typeface="Cambria Math" panose="02040503050406030204" pitchFamily="18" charset="0"/>
+                                  </a:rPr>
+                                </m:ctrlPr>
+                              </m:sSupPr>
+                              <m:e>
+                                <m:r>
+                                  <m:rPr>
+                                    <m:brk m:alnAt="7"/>
+                                  </m:rPr>
+                                  <a:rPr lang="en-US" sz="2800" i="1">
+                                    <a:latin typeface="Cambria Math" panose="02040503050406030204" pitchFamily="18" charset="0"/>
+                                  </a:rPr>
+                                  <m:t>h</m:t>
+                                </m:r>
+                              </m:e>
+                              <m:sup>
+                                <m:r>
+                                  <m:rPr>
+                                    <m:brk m:alnAt="7"/>
+                                  </m:rPr>
+                                  <a:rPr lang="en-US" sz="2800" i="1">
+                                    <a:latin typeface="Cambria Math" panose="02040503050406030204" pitchFamily="18" charset="0"/>
+                                  </a:rPr>
+                                  <m:t>2</m:t>
+                                </m:r>
+                              </m:sup>
+                            </m:sSup>
+                            <m:r>
+                              <m:rPr>
+                                <m:brk m:alnAt="7"/>
+                              </m:rPr>
+                              <a:rPr lang="en-US" sz="2800" i="1">
+                                <a:latin typeface="Cambria Math" panose="02040503050406030204" pitchFamily="18" charset="0"/>
+                              </a:rPr>
+                              <m:t>+</m:t>
+                            </m:r>
+                            <m:r>
+                              <a:rPr lang="en-US" sz="2800" i="1">
+                                <a:latin typeface="Cambria Math" panose="02040503050406030204" pitchFamily="18" charset="0"/>
+                              </a:rPr>
+                              <m:t>𝑠</m:t>
+                            </m:r>
+                            <m:sSup>
+                              <m:sSupPr>
+                                <m:ctrlPr>
+                                  <a:rPr lang="en-US" sz="2800" i="1">
+                                    <a:latin typeface="Cambria Math" panose="02040503050406030204" pitchFamily="18" charset="0"/>
+                                  </a:rPr>
+                                </m:ctrlPr>
+                              </m:sSupPr>
+                              <m:e>
+                                <m:r>
+                                  <m:rPr>
+                                    <m:brk m:alnAt="7"/>
+                                  </m:rPr>
+                                  <a:rPr lang="en-US" sz="2800" i="1">
+                                    <a:latin typeface="Cambria Math" panose="02040503050406030204" pitchFamily="18" charset="0"/>
+                                  </a:rPr>
+                                  <m:t>h</m:t>
+                                </m:r>
+                              </m:e>
+                              <m:sup>
+                                <m:r>
+                                  <m:rPr>
+                                    <m:brk m:alnAt="7"/>
+                                  </m:rPr>
+                                  <a:rPr lang="en-US" sz="2800" i="1">
+                                    <a:latin typeface="Cambria Math" panose="02040503050406030204" pitchFamily="18" charset="0"/>
+                                  </a:rPr>
+                                  <m:t>2</m:t>
+                                </m:r>
+                              </m:sup>
+                            </m:sSup>
+                            <m:r>
+                              <m:rPr>
+                                <m:brk m:alnAt="7"/>
+                              </m:rPr>
+                              <a:rPr lang="en-US" sz="2800" i="1">
+                                <a:latin typeface="Cambria Math" panose="02040503050406030204" pitchFamily="18" charset="0"/>
+                              </a:rPr>
+                              <m:t>)</m:t>
+                            </m:r>
+                          </m:e>
+                        </m:mr>
+                      </m:m>
+                    </m:oMath>
+                  </m:oMathPara>
+                </a14:m>
+                <a:endParaRPr lang="en-US" sz="2800" dirty="0"/>
+              </a:p>
+              <a:p>
+                <a:endParaRPr lang="en-US" sz="2800" dirty="0"/>
+              </a:p>
+              <a:p>
+                <a:endParaRPr lang="en-US" sz="2800" dirty="0"/>
+              </a:p>
+            </p:txBody>
+          </p:sp>
+        </mc:Choice>
+        <mc:Fallback xmlns="">
+          <p:sp>
+            <p:nvSpPr>
+              <p:cNvPr id="4" name="TextBox 3">
+                <a:extLst>
+                  <a:ext uri="{FF2B5EF4-FFF2-40B4-BE49-F238E27FC236}">
+                    <a16:creationId xmlns:a16="http://schemas.microsoft.com/office/drawing/2014/main" id="{7E7F5514-EBAC-4443-AA2C-A75FAB32B067}"/>
+                  </a:ext>
+                </a:extLst>
+              </p:cNvPr>
+              <p:cNvSpPr txBox="1">
+                <a:spLocks noRot="1" noChangeAspect="1" noMove="1" noResize="1" noEditPoints="1" noAdjustHandles="1" noChangeArrowheads="1" noChangeShapeType="1" noTextEdit="1"/>
+              </p:cNvSpPr>
+              <p:nvPr/>
+            </p:nvSpPr>
+            <p:spPr>
+              <a:xfrm>
+                <a:off x="711200" y="476250"/>
+                <a:ext cx="6343650" cy="3166829"/>
+              </a:xfrm>
+              <a:prstGeom prst="rect">
+                <a:avLst/>
+              </a:prstGeom>
+              <a:blipFill>
+                <a:blip r:embed="rId2"/>
+                <a:stretch>
+                  <a:fillRect l="-2019" t="-1731"/>
+                </a:stretch>
+              </a:blipFill>
+            </p:spPr>
+            <p:txBody>
+              <a:bodyPr/>
+              <a:lstStyle/>
+              <a:p>
+                <a:r>
+                  <a:rPr lang="en-US">
+                    <a:noFill/>
+                  </a:rPr>
+                  <a:t> </a:t>
+                </a:r>
+              </a:p>
+            </p:txBody>
+          </p:sp>
+        </mc:Fallback>
+      </mc:AlternateContent>
+    </p:spTree>
+    <p:extLst>
+      <p:ext uri="{BB962C8B-B14F-4D97-AF65-F5344CB8AC3E}">
+        <p14:creationId xmlns:p14="http://schemas.microsoft.com/office/powerpoint/2010/main" val="1174210868"/>
+      </p:ext>
+    </p:extLst>
+  </p:cSld>
+  <p:clrMapOvr>
+    <a:masterClrMapping/>
+  </p:clrMapOvr>
+</p:sld>
+</file>
+
+<file path=ppt/slides/slide21.xml><?xml version="1.0" encoding="utf-8"?>
+<p:sld xmlns:a="http://schemas.openxmlformats.org/drawingml/2006/main" xmlns:r="http://schemas.openxmlformats.org/officeDocument/2006/relationships" xmlns:p="http://schemas.openxmlformats.org/presentationml/2006/main">
+  <p:cSld>
+    <p:spTree>
+      <p:nvGrpSpPr>
+        <p:cNvPr id="1" name=""/>
+        <p:cNvGrpSpPr/>
+        <p:nvPr/>
+      </p:nvGrpSpPr>
+      <p:grpSpPr>
+        <a:xfrm>
+          <a:off x="0" y="0"/>
+          <a:ext cx="0" cy="0"/>
+          <a:chOff x="0" y="0"/>
+          <a:chExt cx="0" cy="0"/>
+        </a:xfrm>
+      </p:grpSpPr>
       <p:sp>
         <p:nvSpPr>
           <p:cNvPr id="2" name="Title 1">
@@ -17616,7 +18083,7 @@
 </p:sld>
 </file>
 
-<file path=ppt/slides/slide21.xml><?xml version="1.0" encoding="utf-8"?>
+<file path=ppt/slides/slide22.xml><?xml version="1.0" encoding="utf-8"?>
 <p:sld xmlns:a="http://schemas.openxmlformats.org/drawingml/2006/main" xmlns:r="http://schemas.openxmlformats.org/officeDocument/2006/relationships" xmlns:p="http://schemas.openxmlformats.org/presentationml/2006/main">
   <p:cSld>
     <p:spTree>
@@ -19402,7 +19869,7 @@
 </p:sld>
 </file>
 
-<file path=ppt/slides/slide22.xml><?xml version="1.0" encoding="utf-8"?>
+<file path=ppt/slides/slide23.xml><?xml version="1.0" encoding="utf-8"?>
 <p:sld xmlns:a="http://schemas.openxmlformats.org/drawingml/2006/main" xmlns:r="http://schemas.openxmlformats.org/officeDocument/2006/relationships" xmlns:p="http://schemas.openxmlformats.org/presentationml/2006/main">
   <p:cSld>
     <p:spTree>

--- a/3-level.pptx
+++ b/3-level.pptx
@@ -5,7 +5,7 @@
     <p:sldMasterId id="2147483648" r:id="rId1"/>
   </p:sldMasterIdLst>
   <p:notesMasterIdLst>
-    <p:notesMasterId r:id="rId25"/>
+    <p:notesMasterId r:id="rId26"/>
   </p:notesMasterIdLst>
   <p:sldIdLst>
     <p:sldId id="281" r:id="rId2"/>
@@ -21,16 +21,17 @@
     <p:sldId id="273" r:id="rId12"/>
     <p:sldId id="276" r:id="rId13"/>
     <p:sldId id="282" r:id="rId14"/>
-    <p:sldId id="283" r:id="rId15"/>
-    <p:sldId id="279" r:id="rId16"/>
-    <p:sldId id="277" r:id="rId17"/>
-    <p:sldId id="263" r:id="rId18"/>
-    <p:sldId id="264" r:id="rId19"/>
-    <p:sldId id="261" r:id="rId20"/>
-    <p:sldId id="278" r:id="rId21"/>
-    <p:sldId id="266" r:id="rId22"/>
-    <p:sldId id="265" r:id="rId23"/>
-    <p:sldId id="258" r:id="rId24"/>
+    <p:sldId id="284" r:id="rId15"/>
+    <p:sldId id="283" r:id="rId16"/>
+    <p:sldId id="279" r:id="rId17"/>
+    <p:sldId id="277" r:id="rId18"/>
+    <p:sldId id="263" r:id="rId19"/>
+    <p:sldId id="264" r:id="rId20"/>
+    <p:sldId id="261" r:id="rId21"/>
+    <p:sldId id="278" r:id="rId22"/>
+    <p:sldId id="266" r:id="rId23"/>
+    <p:sldId id="265" r:id="rId24"/>
+    <p:sldId id="258" r:id="rId25"/>
   </p:sldIdLst>
   <p:sldSz cx="12192000" cy="6858000"/>
   <p:notesSz cx="6858000" cy="9144000"/>
@@ -231,7 +232,7 @@
           <a:p>
             <a:fld id="{D398D3D8-E180-45F1-973D-9CDE3FC68687}" type="datetimeFigureOut">
               <a:rPr lang="en-US" smtClean="0"/>
-              <a:t>9/28/2018</a:t>
+              <a:t>10/8/2018</a:t>
             </a:fld>
             <a:endParaRPr lang="en-US"/>
           </a:p>
@@ -813,7 +814,7 @@
           <a:p>
             <a:fld id="{540C0B17-285F-4B24-A15E-231AC8C41BCD}" type="datetimeFigureOut">
               <a:rPr lang="en-US" smtClean="0"/>
-              <a:t>9/28/2018</a:t>
+              <a:t>10/8/2018</a:t>
             </a:fld>
             <a:endParaRPr lang="en-US"/>
           </a:p>
@@ -1011,7 +1012,7 @@
           <a:p>
             <a:fld id="{540C0B17-285F-4B24-A15E-231AC8C41BCD}" type="datetimeFigureOut">
               <a:rPr lang="en-US" smtClean="0"/>
-              <a:t>9/28/2018</a:t>
+              <a:t>10/8/2018</a:t>
             </a:fld>
             <a:endParaRPr lang="en-US"/>
           </a:p>
@@ -1219,7 +1220,7 @@
           <a:p>
             <a:fld id="{540C0B17-285F-4B24-A15E-231AC8C41BCD}" type="datetimeFigureOut">
               <a:rPr lang="en-US" smtClean="0"/>
-              <a:t>9/28/2018</a:t>
+              <a:t>10/8/2018</a:t>
             </a:fld>
             <a:endParaRPr lang="en-US"/>
           </a:p>
@@ -1417,7 +1418,7 @@
           <a:p>
             <a:fld id="{540C0B17-285F-4B24-A15E-231AC8C41BCD}" type="datetimeFigureOut">
               <a:rPr lang="en-US" smtClean="0"/>
-              <a:t>9/28/2018</a:t>
+              <a:t>10/8/2018</a:t>
             </a:fld>
             <a:endParaRPr lang="en-US"/>
           </a:p>
@@ -1692,7 +1693,7 @@
           <a:p>
             <a:fld id="{540C0B17-285F-4B24-A15E-231AC8C41BCD}" type="datetimeFigureOut">
               <a:rPr lang="en-US" smtClean="0"/>
-              <a:t>9/28/2018</a:t>
+              <a:t>10/8/2018</a:t>
             </a:fld>
             <a:endParaRPr lang="en-US"/>
           </a:p>
@@ -1957,7 +1958,7 @@
           <a:p>
             <a:fld id="{540C0B17-285F-4B24-A15E-231AC8C41BCD}" type="datetimeFigureOut">
               <a:rPr lang="en-US" smtClean="0"/>
-              <a:t>9/28/2018</a:t>
+              <a:t>10/8/2018</a:t>
             </a:fld>
             <a:endParaRPr lang="en-US"/>
           </a:p>
@@ -2369,7 +2370,7 @@
           <a:p>
             <a:fld id="{540C0B17-285F-4B24-A15E-231AC8C41BCD}" type="datetimeFigureOut">
               <a:rPr lang="en-US" smtClean="0"/>
-              <a:t>9/28/2018</a:t>
+              <a:t>10/8/2018</a:t>
             </a:fld>
             <a:endParaRPr lang="en-US"/>
           </a:p>
@@ -2510,7 +2511,7 @@
           <a:p>
             <a:fld id="{540C0B17-285F-4B24-A15E-231AC8C41BCD}" type="datetimeFigureOut">
               <a:rPr lang="en-US" smtClean="0"/>
-              <a:t>9/28/2018</a:t>
+              <a:t>10/8/2018</a:t>
             </a:fld>
             <a:endParaRPr lang="en-US"/>
           </a:p>
@@ -2623,7 +2624,7 @@
           <a:p>
             <a:fld id="{540C0B17-285F-4B24-A15E-231AC8C41BCD}" type="datetimeFigureOut">
               <a:rPr lang="en-US" smtClean="0"/>
-              <a:t>9/28/2018</a:t>
+              <a:t>10/8/2018</a:t>
             </a:fld>
             <a:endParaRPr lang="en-US"/>
           </a:p>
@@ -2934,7 +2935,7 @@
           <a:p>
             <a:fld id="{540C0B17-285F-4B24-A15E-231AC8C41BCD}" type="datetimeFigureOut">
               <a:rPr lang="en-US" smtClean="0"/>
-              <a:t>9/28/2018</a:t>
+              <a:t>10/8/2018</a:t>
             </a:fld>
             <a:endParaRPr lang="en-US"/>
           </a:p>
@@ -3222,7 +3223,7 @@
           <a:p>
             <a:fld id="{540C0B17-285F-4B24-A15E-231AC8C41BCD}" type="datetimeFigureOut">
               <a:rPr lang="en-US" smtClean="0"/>
-              <a:t>9/28/2018</a:t>
+              <a:t>10/8/2018</a:t>
             </a:fld>
             <a:endParaRPr lang="en-US"/>
           </a:p>
@@ -3463,7 +3464,7 @@
           <a:p>
             <a:fld id="{540C0B17-285F-4B24-A15E-231AC8C41BCD}" type="datetimeFigureOut">
               <a:rPr lang="en-US" smtClean="0"/>
-              <a:t>9/28/2018</a:t>
+              <a:t>10/8/2018</a:t>
             </a:fld>
             <a:endParaRPr lang="en-US"/>
           </a:p>
@@ -9430,8 +9431,8 @@
           </a:prstGeom>
         </p:spPr>
       </p:pic>
-      <mc:AlternateContent xmlns:mc="http://schemas.openxmlformats.org/markup-compatibility/2006">
-        <mc:Choice xmlns:a14="http://schemas.microsoft.com/office/drawing/2010/main" Requires="a14">
+      <mc:AlternateContent xmlns:mc="http://schemas.openxmlformats.org/markup-compatibility/2006" xmlns:a14="http://schemas.microsoft.com/office/drawing/2010/main">
+        <mc:Choice Requires="a14">
           <p:sp>
             <p:nvSpPr>
               <p:cNvPr id="44" name="TextBox 43">
@@ -9705,7 +9706,7 @@
             </p:txBody>
           </p:sp>
         </mc:Choice>
-        <mc:Fallback>
+        <mc:Fallback xmlns="">
           <p:sp>
             <p:nvSpPr>
               <p:cNvPr id="44" name="TextBox 43">
@@ -9935,8 +9936,8 @@
             </a:p>
           </p:txBody>
         </p:sp>
-        <mc:AlternateContent xmlns:mc="http://schemas.openxmlformats.org/markup-compatibility/2006">
-          <mc:Choice xmlns:a14="http://schemas.microsoft.com/office/drawing/2010/main" Requires="a14">
+        <mc:AlternateContent xmlns:mc="http://schemas.openxmlformats.org/markup-compatibility/2006" xmlns:a14="http://schemas.microsoft.com/office/drawing/2010/main">
+          <mc:Choice Requires="a14">
             <p:sp>
               <p:nvSpPr>
                 <p:cNvPr id="11" name="TextBox 10">
@@ -9998,7 +9999,7 @@
               </p:txBody>
             </p:sp>
           </mc:Choice>
-          <mc:Fallback>
+          <mc:Fallback xmlns="">
             <p:sp>
               <p:nvSpPr>
                 <p:cNvPr id="11" name="TextBox 10">
@@ -10043,8 +10044,8 @@
             </p:sp>
           </mc:Fallback>
         </mc:AlternateContent>
-        <mc:AlternateContent xmlns:mc="http://schemas.openxmlformats.org/markup-compatibility/2006">
-          <mc:Choice xmlns:a14="http://schemas.microsoft.com/office/drawing/2010/main" Requires="a14">
+        <mc:AlternateContent xmlns:mc="http://schemas.openxmlformats.org/markup-compatibility/2006" xmlns:a14="http://schemas.microsoft.com/office/drawing/2010/main">
+          <mc:Choice Requires="a14">
             <p:sp>
               <p:nvSpPr>
                 <p:cNvPr id="12" name="TextBox 11">
@@ -10106,7 +10107,7 @@
               </p:txBody>
             </p:sp>
           </mc:Choice>
-          <mc:Fallback>
+          <mc:Fallback xmlns="">
             <p:sp>
               <p:nvSpPr>
                 <p:cNvPr id="12" name="TextBox 11">
@@ -10151,8 +10152,8 @@
             </p:sp>
           </mc:Fallback>
         </mc:AlternateContent>
-        <mc:AlternateContent xmlns:mc="http://schemas.openxmlformats.org/markup-compatibility/2006">
-          <mc:Choice xmlns:a14="http://schemas.microsoft.com/office/drawing/2010/main" Requires="a14">
+        <mc:AlternateContent xmlns:mc="http://schemas.openxmlformats.org/markup-compatibility/2006" xmlns:a14="http://schemas.microsoft.com/office/drawing/2010/main">
+          <mc:Choice Requires="a14">
             <p:sp>
               <p:nvSpPr>
                 <p:cNvPr id="13" name="TextBox 12">
@@ -10214,7 +10215,7 @@
               </p:txBody>
             </p:sp>
           </mc:Choice>
-          <mc:Fallback>
+          <mc:Fallback xmlns="">
             <p:sp>
               <p:nvSpPr>
                 <p:cNvPr id="13" name="TextBox 12">
@@ -10259,8 +10260,8 @@
             </p:sp>
           </mc:Fallback>
         </mc:AlternateContent>
-        <mc:AlternateContent xmlns:mc="http://schemas.openxmlformats.org/markup-compatibility/2006">
-          <mc:Choice xmlns:a14="http://schemas.microsoft.com/office/drawing/2010/main" Requires="a14">
+        <mc:AlternateContent xmlns:mc="http://schemas.openxmlformats.org/markup-compatibility/2006" xmlns:a14="http://schemas.microsoft.com/office/drawing/2010/main">
+          <mc:Choice Requires="a14">
             <p:sp>
               <p:nvSpPr>
                 <p:cNvPr id="14" name="TextBox 13">
@@ -10347,7 +10348,7 @@
               </p:txBody>
             </p:sp>
           </mc:Choice>
-          <mc:Fallback>
+          <mc:Fallback xmlns="">
             <p:sp>
               <p:nvSpPr>
                 <p:cNvPr id="14" name="TextBox 13">
@@ -10703,8 +10704,8 @@
             </a:fontRef>
           </p:style>
         </p:cxnSp>
-        <mc:AlternateContent xmlns:mc="http://schemas.openxmlformats.org/markup-compatibility/2006">
-          <mc:Choice xmlns:a14="http://schemas.microsoft.com/office/drawing/2010/main" Requires="a14">
+        <mc:AlternateContent xmlns:mc="http://schemas.openxmlformats.org/markup-compatibility/2006" xmlns:a14="http://schemas.microsoft.com/office/drawing/2010/main">
+          <mc:Choice Requires="a14">
             <p:sp>
               <p:nvSpPr>
                 <p:cNvPr id="18" name="TextBox 17">
@@ -10733,6 +10734,7 @@
                 </a:bodyPr>
                 <a:lstStyle/>
                 <a:p>
+                  <a:pPr/>
                   <a14:m>
                     <m:oMathPara xmlns:m="http://schemas.openxmlformats.org/officeDocument/2006/math">
                       <m:oMathParaPr>
@@ -10772,7 +10774,7 @@
               </p:txBody>
             </p:sp>
           </mc:Choice>
-          <mc:Fallback>
+          <mc:Fallback xmlns="">
             <p:sp>
               <p:nvSpPr>
                 <p:cNvPr id="18" name="TextBox 17">
@@ -10817,8 +10819,8 @@
             </p:sp>
           </mc:Fallback>
         </mc:AlternateContent>
-        <mc:AlternateContent xmlns:mc="http://schemas.openxmlformats.org/markup-compatibility/2006">
-          <mc:Choice xmlns:a14="http://schemas.microsoft.com/office/drawing/2010/main" Requires="a14">
+        <mc:AlternateContent xmlns:mc="http://schemas.openxmlformats.org/markup-compatibility/2006" xmlns:a14="http://schemas.microsoft.com/office/drawing/2010/main">
+          <mc:Choice Requires="a14">
             <p:sp>
               <p:nvSpPr>
                 <p:cNvPr id="28" name="TextBox 27">
@@ -10847,6 +10849,7 @@
                 </a:bodyPr>
                 <a:lstStyle/>
                 <a:p>
+                  <a:pPr/>
                   <a14:m>
                     <m:oMathPara xmlns:m="http://schemas.openxmlformats.org/officeDocument/2006/math">
                       <m:oMathParaPr>
@@ -10886,7 +10889,7 @@
               </p:txBody>
             </p:sp>
           </mc:Choice>
-          <mc:Fallback>
+          <mc:Fallback xmlns="">
             <p:sp>
               <p:nvSpPr>
                 <p:cNvPr id="28" name="TextBox 27">
@@ -10931,8 +10934,8 @@
             </p:sp>
           </mc:Fallback>
         </mc:AlternateContent>
-        <mc:AlternateContent xmlns:mc="http://schemas.openxmlformats.org/markup-compatibility/2006">
-          <mc:Choice xmlns:a14="http://schemas.microsoft.com/office/drawing/2010/main" Requires="a14">
+        <mc:AlternateContent xmlns:mc="http://schemas.openxmlformats.org/markup-compatibility/2006" xmlns:a14="http://schemas.microsoft.com/office/drawing/2010/main">
+          <mc:Choice Requires="a14">
             <p:sp>
               <p:nvSpPr>
                 <p:cNvPr id="29" name="TextBox 28">
@@ -10961,6 +10964,7 @@
                 </a:bodyPr>
                 <a:lstStyle/>
                 <a:p>
+                  <a:pPr/>
                   <a14:m>
                     <m:oMathPara xmlns:m="http://schemas.openxmlformats.org/officeDocument/2006/math">
                       <m:oMathParaPr>
@@ -11038,7 +11042,7 @@
               </p:txBody>
             </p:sp>
           </mc:Choice>
-          <mc:Fallback>
+          <mc:Fallback xmlns="">
             <p:sp>
               <p:nvSpPr>
                 <p:cNvPr id="29" name="TextBox 28">
@@ -11098,6 +11102,96 @@
 </file>
 
 <file path=ppt/slides/slide14.xml><?xml version="1.0" encoding="utf-8"?>
+<p:sld xmlns:a="http://schemas.openxmlformats.org/drawingml/2006/main" xmlns:r="http://schemas.openxmlformats.org/officeDocument/2006/relationships" xmlns:p="http://schemas.openxmlformats.org/presentationml/2006/main">
+  <p:cSld>
+    <p:spTree>
+      <p:nvGrpSpPr>
+        <p:cNvPr id="1" name=""/>
+        <p:cNvGrpSpPr/>
+        <p:nvPr/>
+      </p:nvGrpSpPr>
+      <p:grpSpPr>
+        <a:xfrm>
+          <a:off x="0" y="0"/>
+          <a:ext cx="0" cy="0"/>
+          <a:chOff x="0" y="0"/>
+          <a:chExt cx="0" cy="0"/>
+        </a:xfrm>
+      </p:grpSpPr>
+      <p:pic>
+        <p:nvPicPr>
+          <p:cNvPr id="4" name="Picture 3">
+            <a:extLst>
+              <a:ext uri="{FF2B5EF4-FFF2-40B4-BE49-F238E27FC236}">
+                <a16:creationId xmlns:a16="http://schemas.microsoft.com/office/drawing/2014/main" id="{1D9B52AE-59E5-44AD-97AF-479EBE3BC739}"/>
+              </a:ext>
+            </a:extLst>
+          </p:cNvPr>
+          <p:cNvPicPr>
+            <a:picLocks noChangeAspect="1"/>
+          </p:cNvPicPr>
+          <p:nvPr/>
+        </p:nvPicPr>
+        <p:blipFill>
+          <a:blip r:embed="rId2"/>
+          <a:stretch>
+            <a:fillRect/>
+          </a:stretch>
+        </p:blipFill>
+        <p:spPr>
+          <a:xfrm>
+            <a:off x="-33446" y="352337"/>
+            <a:ext cx="6275162" cy="4681069"/>
+          </a:xfrm>
+          <a:prstGeom prst="rect">
+            <a:avLst/>
+          </a:prstGeom>
+        </p:spPr>
+      </p:pic>
+      <p:pic>
+        <p:nvPicPr>
+          <p:cNvPr id="5" name="Picture 4">
+            <a:extLst>
+              <a:ext uri="{FF2B5EF4-FFF2-40B4-BE49-F238E27FC236}">
+                <a16:creationId xmlns:a16="http://schemas.microsoft.com/office/drawing/2014/main" id="{9647A7DA-B79B-44B6-A62E-D99813709D4B}"/>
+              </a:ext>
+            </a:extLst>
+          </p:cNvPr>
+          <p:cNvPicPr>
+            <a:picLocks noChangeAspect="1"/>
+          </p:cNvPicPr>
+          <p:nvPr/>
+        </p:nvPicPr>
+        <p:blipFill>
+          <a:blip r:embed="rId3"/>
+          <a:stretch>
+            <a:fillRect/>
+          </a:stretch>
+        </p:blipFill>
+        <p:spPr>
+          <a:xfrm>
+            <a:off x="6096000" y="352337"/>
+            <a:ext cx="6021153" cy="4433582"/>
+          </a:xfrm>
+          <a:prstGeom prst="rect">
+            <a:avLst/>
+          </a:prstGeom>
+        </p:spPr>
+      </p:pic>
+    </p:spTree>
+    <p:extLst>
+      <p:ext uri="{BB962C8B-B14F-4D97-AF65-F5344CB8AC3E}">
+        <p14:creationId xmlns:p14="http://schemas.microsoft.com/office/powerpoint/2010/main" val="502597396"/>
+      </p:ext>
+    </p:extLst>
+  </p:cSld>
+  <p:clrMapOvr>
+    <a:masterClrMapping/>
+  </p:clrMapOvr>
+</p:sld>
+</file>
+
+<file path=ppt/slides/slide15.xml><?xml version="1.0" encoding="utf-8"?>
 <p:sld xmlns:a="http://schemas.openxmlformats.org/drawingml/2006/main" xmlns:r="http://schemas.openxmlformats.org/officeDocument/2006/relationships" xmlns:p="http://schemas.openxmlformats.org/presentationml/2006/main">
   <p:cSld>
     <p:spTree>
@@ -11177,7 +11271,7 @@
 </p:sld>
 </file>
 
-<file path=ppt/slides/slide15.xml><?xml version="1.0" encoding="utf-8"?>
+<file path=ppt/slides/slide16.xml><?xml version="1.0" encoding="utf-8"?>
 <p:sld xmlns:a="http://schemas.openxmlformats.org/drawingml/2006/main" xmlns:r="http://schemas.openxmlformats.org/officeDocument/2006/relationships" xmlns:p="http://schemas.openxmlformats.org/presentationml/2006/main">
   <p:cSld>
     <p:spTree>
@@ -11257,7 +11351,7 @@
 </p:sld>
 </file>
 
-<file path=ppt/slides/slide16.xml><?xml version="1.0" encoding="utf-8"?>
+<file path=ppt/slides/slide17.xml><?xml version="1.0" encoding="utf-8"?>
 <p:sld xmlns:a="http://schemas.openxmlformats.org/drawingml/2006/main" xmlns:r="http://schemas.openxmlformats.org/officeDocument/2006/relationships" xmlns:p="http://schemas.openxmlformats.org/presentationml/2006/main">
   <p:cSld>
     <p:spTree>
@@ -12850,7 +12944,7 @@
 </p:sld>
 </file>
 
-<file path=ppt/slides/slide17.xml><?xml version="1.0" encoding="utf-8"?>
+<file path=ppt/slides/slide18.xml><?xml version="1.0" encoding="utf-8"?>
 <p:sld xmlns:a="http://schemas.openxmlformats.org/drawingml/2006/main" xmlns:r="http://schemas.openxmlformats.org/officeDocument/2006/relationships" xmlns:p="http://schemas.openxmlformats.org/presentationml/2006/main">
   <p:cSld>
     <p:spTree>
@@ -14748,7 +14842,7 @@
 </p:sld>
 </file>
 
-<file path=ppt/slides/slide18.xml><?xml version="1.0" encoding="utf-8"?>
+<file path=ppt/slides/slide19.xml><?xml version="1.0" encoding="utf-8"?>
 <p:sld xmlns:a="http://schemas.openxmlformats.org/drawingml/2006/main" xmlns:r="http://schemas.openxmlformats.org/officeDocument/2006/relationships" xmlns:p="http://schemas.openxmlformats.org/presentationml/2006/main">
   <p:cSld>
     <p:spTree>
@@ -15876,867 +15970,6 @@
     <p:extLst>
       <p:ext uri="{BB962C8B-B14F-4D97-AF65-F5344CB8AC3E}">
         <p14:creationId xmlns:p14="http://schemas.microsoft.com/office/powerpoint/2010/main" val="40500817"/>
-      </p:ext>
-    </p:extLst>
-  </p:cSld>
-  <p:clrMapOvr>
-    <a:masterClrMapping/>
-  </p:clrMapOvr>
-</p:sld>
-</file>
-
-<file path=ppt/slides/slide19.xml><?xml version="1.0" encoding="utf-8"?>
-<p:sld xmlns:a="http://schemas.openxmlformats.org/drawingml/2006/main" xmlns:r="http://schemas.openxmlformats.org/officeDocument/2006/relationships" xmlns:p="http://schemas.openxmlformats.org/presentationml/2006/main">
-  <p:cSld>
-    <p:spTree>
-      <p:nvGrpSpPr>
-        <p:cNvPr id="1" name=""/>
-        <p:cNvGrpSpPr/>
-        <p:nvPr/>
-      </p:nvGrpSpPr>
-      <p:grpSpPr>
-        <a:xfrm>
-          <a:off x="0" y="0"/>
-          <a:ext cx="0" cy="0"/>
-          <a:chOff x="0" y="0"/>
-          <a:chExt cx="0" cy="0"/>
-        </a:xfrm>
-      </p:grpSpPr>
-      <p:sp>
-        <p:nvSpPr>
-          <p:cNvPr id="2" name="TextBox 1">
-            <a:extLst>
-              <a:ext uri="{FF2B5EF4-FFF2-40B4-BE49-F238E27FC236}">
-                <a16:creationId xmlns:a16="http://schemas.microsoft.com/office/drawing/2014/main" id="{E239A1C6-5FF2-439A-A7F5-368FC5A421F6}"/>
-              </a:ext>
-            </a:extLst>
-          </p:cNvPr>
-          <p:cNvSpPr txBox="1"/>
-          <p:nvPr/>
-        </p:nvSpPr>
-        <p:spPr>
-          <a:xfrm>
-            <a:off x="280820" y="1436033"/>
-            <a:ext cx="3986156" cy="1384995"/>
-          </a:xfrm>
-          <a:prstGeom prst="rect">
-            <a:avLst/>
-          </a:prstGeom>
-          <a:noFill/>
-        </p:spPr>
-        <p:txBody>
-          <a:bodyPr wrap="none" rtlCol="0">
-            <a:spAutoFit/>
-          </a:bodyPr>
-          <a:lstStyle/>
-          <a:p>
-            <a:r>
-              <a:rPr lang="en-US" sz="2800" dirty="0"/>
-              <a:t>Thermal:</a:t>
-            </a:r>
-          </a:p>
-          <a:p>
-            <a:pPr marL="457200" indent="-457200">
-              <a:buFont typeface="Arial" panose="020B0604020202020204" pitchFamily="34" charset="0"/>
-              <a:buChar char="•"/>
-            </a:pPr>
-            <a:r>
-              <a:rPr lang="en-US" sz="2800" dirty="0"/>
-              <a:t>Boltzmann distribution</a:t>
-            </a:r>
-          </a:p>
-          <a:p>
-            <a:pPr marL="457200" indent="-457200">
-              <a:buFont typeface="Arial" panose="020B0604020202020204" pitchFamily="34" charset="0"/>
-              <a:buChar char="•"/>
-            </a:pPr>
-            <a:r>
-              <a:rPr lang="en-US" sz="2800" dirty="0"/>
-              <a:t>Mixed state</a:t>
-            </a:r>
-          </a:p>
-        </p:txBody>
-      </p:sp>
-      <mc:AlternateContent xmlns:mc="http://schemas.openxmlformats.org/markup-compatibility/2006" xmlns:a14="http://schemas.microsoft.com/office/drawing/2010/main">
-        <mc:Choice Requires="a14">
-          <p:sp>
-            <p:nvSpPr>
-              <p:cNvPr id="3" name="TextBox 2">
-                <a:extLst>
-                  <a:ext uri="{FF2B5EF4-FFF2-40B4-BE49-F238E27FC236}">
-                    <a16:creationId xmlns:a16="http://schemas.microsoft.com/office/drawing/2014/main" id="{E540FA91-4BF6-4A2A-BB3B-5DE238C8AF72}"/>
-                  </a:ext>
-                </a:extLst>
-              </p:cNvPr>
-              <p:cNvSpPr txBox="1"/>
-              <p:nvPr/>
-            </p:nvSpPr>
-            <p:spPr>
-              <a:xfrm>
-                <a:off x="6771159" y="1436033"/>
-                <a:ext cx="5295504" cy="3576300"/>
-              </a:xfrm>
-              <a:prstGeom prst="rect">
-                <a:avLst/>
-              </a:prstGeom>
-              <a:noFill/>
-            </p:spPr>
-            <p:txBody>
-              <a:bodyPr wrap="square" rtlCol="0">
-                <a:spAutoFit/>
-              </a:bodyPr>
-              <a:lstStyle/>
-              <a:p>
-                <a:r>
-                  <a:rPr lang="en-US" sz="2800" dirty="0"/>
-                  <a:t>Squeezed vacuum:</a:t>
-                </a:r>
-              </a:p>
-              <a:p>
-                <a:pPr marL="457200" indent="-457200">
-                  <a:buFont typeface="Arial" panose="020B0604020202020204" pitchFamily="34" charset="0"/>
-                  <a:buChar char="•"/>
-                </a:pPr>
-                <a:r>
-                  <a:rPr lang="en-US" sz="2800" dirty="0"/>
-                  <a:t>Pure state: </a:t>
-                </a:r>
-                <a14:m>
-                  <m:oMath xmlns:m="http://schemas.openxmlformats.org/officeDocument/2006/math">
-                    <m:r>
-                      <a:rPr lang="en-US" sz="2800" i="1" dirty="0">
-                        <a:latin typeface="Cambria Math" panose="02040503050406030204" pitchFamily="18" charset="0"/>
-                      </a:rPr>
-                      <m:t>(</m:t>
-                    </m:r>
-                    <m:sSup>
-                      <m:sSupPr>
-                        <m:ctrlPr>
-                          <a:rPr lang="en-US" sz="2800" b="0" i="1" smtClean="0">
-                            <a:latin typeface="Cambria Math" panose="02040503050406030204" pitchFamily="18" charset="0"/>
-                          </a:rPr>
-                        </m:ctrlPr>
-                      </m:sSupPr>
-                      <m:e>
-                        <m:r>
-                          <m:rPr>
-                            <m:sty m:val="p"/>
-                          </m:rPr>
-                          <a:rPr lang="en-US" sz="2800" b="0" i="0" smtClean="0">
-                            <a:latin typeface="Cambria Math" panose="02040503050406030204" pitchFamily="18" charset="0"/>
-                          </a:rPr>
-                          <m:t>sinh</m:t>
-                        </m:r>
-                      </m:e>
-                      <m:sup>
-                        <m:r>
-                          <a:rPr lang="en-US" sz="2800" b="0" i="1" smtClean="0">
-                            <a:latin typeface="Cambria Math" panose="02040503050406030204" pitchFamily="18" charset="0"/>
-                          </a:rPr>
-                          <m:t>2</m:t>
-                        </m:r>
-                      </m:sup>
-                    </m:sSup>
-                    <m:r>
-                      <m:rPr>
-                        <m:sty m:val="p"/>
-                      </m:rPr>
-                      <a:rPr lang="en-US" sz="2800" b="0" i="0" smtClean="0">
-                        <a:latin typeface="Cambria Math" panose="02040503050406030204" pitchFamily="18" charset="0"/>
-                      </a:rPr>
-                      <m:t>r</m:t>
-                    </m:r>
-                    <m:r>
-                      <a:rPr lang="en-US" sz="2800" b="0" i="0" smtClean="0">
-                        <a:latin typeface="Cambria Math" panose="02040503050406030204" pitchFamily="18" charset="0"/>
-                      </a:rPr>
-                      <m:t>|</m:t>
-                    </m:r>
-                    <m:r>
-                      <m:rPr>
-                        <m:sty m:val="p"/>
-                      </m:rPr>
-                      <a:rPr lang="en-US" sz="2800" b="0" i="0" smtClean="0">
-                        <a:latin typeface="Cambria Math" panose="02040503050406030204" pitchFamily="18" charset="0"/>
-                      </a:rPr>
-                      <m:t>a</m:t>
-                    </m:r>
-                    <m:r>
-                      <a:rPr lang="en-US" sz="2800" b="0" i="1" smtClean="0">
-                        <a:latin typeface="Cambria Math" panose="02040503050406030204" pitchFamily="18" charset="0"/>
-                      </a:rPr>
-                      <m:t>⟩</m:t>
-                    </m:r>
-                    <m:r>
-                      <a:rPr lang="en-US" sz="2800" b="0" i="0" smtClean="0">
-                        <a:latin typeface="Cambria Math" panose="02040503050406030204" pitchFamily="18" charset="0"/>
-                      </a:rPr>
-                      <m:t>+</m:t>
-                    </m:r>
-                    <m:sSup>
-                      <m:sSupPr>
-                        <m:ctrlPr>
-                          <a:rPr lang="en-US" sz="2800" b="0" i="1" smtClean="0">
-                            <a:latin typeface="Cambria Math" panose="02040503050406030204" pitchFamily="18" charset="0"/>
-                          </a:rPr>
-                        </m:ctrlPr>
-                      </m:sSupPr>
-                      <m:e>
-                        <m:r>
-                          <m:rPr>
-                            <m:sty m:val="p"/>
-                          </m:rPr>
-                          <a:rPr lang="en-US" sz="2800" b="0" i="0" smtClean="0">
-                            <a:latin typeface="Cambria Math" panose="02040503050406030204" pitchFamily="18" charset="0"/>
-                          </a:rPr>
-                          <m:t>cosh</m:t>
-                        </m:r>
-                      </m:e>
-                      <m:sup>
-                        <m:r>
-                          <a:rPr lang="en-US" sz="2800" b="0" i="0" smtClean="0">
-                            <a:latin typeface="Cambria Math" panose="02040503050406030204" pitchFamily="18" charset="0"/>
-                          </a:rPr>
-                          <m:t>2</m:t>
-                        </m:r>
-                      </m:sup>
-                    </m:sSup>
-                    <m:r>
-                      <m:rPr>
-                        <m:sty m:val="p"/>
-                      </m:rPr>
-                      <a:rPr lang="en-US" sz="2800" b="0" i="0" smtClean="0">
-                        <a:latin typeface="Cambria Math" panose="02040503050406030204" pitchFamily="18" charset="0"/>
-                      </a:rPr>
-                      <m:t>r</m:t>
-                    </m:r>
-                    <m:r>
-                      <a:rPr lang="en-US" sz="2800" b="0" i="0" smtClean="0">
-                        <a:latin typeface="Cambria Math" panose="02040503050406030204" pitchFamily="18" charset="0"/>
-                      </a:rPr>
-                      <m:t>|</m:t>
-                    </m:r>
-                    <m:r>
-                      <m:rPr>
-                        <m:sty m:val="p"/>
-                      </m:rPr>
-                      <a:rPr lang="en-US" sz="2800" b="0" i="0" smtClean="0">
-                        <a:latin typeface="Cambria Math" panose="02040503050406030204" pitchFamily="18" charset="0"/>
-                      </a:rPr>
-                      <m:t>c</m:t>
-                    </m:r>
-                    <m:r>
-                      <a:rPr lang="en-US" sz="2800" b="0" i="1" smtClean="0">
-                        <a:latin typeface="Cambria Math" panose="02040503050406030204" pitchFamily="18" charset="0"/>
-                      </a:rPr>
-                      <m:t>⟩</m:t>
-                    </m:r>
-                    <m:r>
-                      <a:rPr lang="en-US" sz="2800" b="0" i="0" smtClean="0">
-                        <a:latin typeface="Cambria Math" panose="02040503050406030204" pitchFamily="18" charset="0"/>
-                      </a:rPr>
-                      <m:t> )/</m:t>
-                    </m:r>
-                    <m:r>
-                      <a:rPr lang="en-US" sz="2800" i="1">
-                        <a:latin typeface="Cambria Math" panose="02040503050406030204" pitchFamily="18" charset="0"/>
-                      </a:rPr>
-                      <m:t>√</m:t>
-                    </m:r>
-                    <m:r>
-                      <a:rPr lang="en-US" sz="2800" b="0" i="0" smtClean="0">
-                        <a:latin typeface="Cambria Math" panose="02040503050406030204" pitchFamily="18" charset="0"/>
-                      </a:rPr>
-                      <m:t>1+2</m:t>
-                    </m:r>
-                    <m:sSup>
-                      <m:sSupPr>
-                        <m:ctrlPr>
-                          <a:rPr lang="en-US" sz="2800" b="0" i="1" smtClean="0">
-                            <a:latin typeface="Cambria Math" panose="02040503050406030204" pitchFamily="18" charset="0"/>
-                          </a:rPr>
-                        </m:ctrlPr>
-                      </m:sSupPr>
-                      <m:e>
-                        <m:r>
-                          <m:rPr>
-                            <m:sty m:val="p"/>
-                          </m:rPr>
-                          <a:rPr lang="en-US" sz="2800" b="0" i="0" smtClean="0">
-                            <a:latin typeface="Cambria Math" panose="02040503050406030204" pitchFamily="18" charset="0"/>
-                          </a:rPr>
-                          <m:t>sh</m:t>
-                        </m:r>
-                      </m:e>
-                      <m:sup>
-                        <m:r>
-                          <a:rPr lang="en-US" sz="2800" b="0" i="0" smtClean="0">
-                            <a:latin typeface="Cambria Math" panose="02040503050406030204" pitchFamily="18" charset="0"/>
-                          </a:rPr>
-                          <m:t>2</m:t>
-                        </m:r>
-                      </m:sup>
-                    </m:sSup>
-                  </m:oMath>
-                </a14:m>
-                <a:r>
-                  <a:rPr lang="en-US" sz="2800" dirty="0"/>
-                  <a:t> </a:t>
-                </a:r>
-              </a:p>
-              <a:p>
-                <a:pPr marL="457200" indent="-457200">
-                  <a:buFont typeface="Arial" panose="020B0604020202020204" pitchFamily="34" charset="0"/>
-                  <a:buChar char="•"/>
-                </a:pPr>
-                <a:endParaRPr lang="en-US" sz="2800" dirty="0"/>
-              </a:p>
-              <a:p>
-                <a:r>
-                  <a:rPr lang="en-US" sz="2800" dirty="0"/>
-                  <a:t>Special case: </a:t>
-                </a:r>
-                <a14:m>
-                  <m:oMath xmlns:m="http://schemas.openxmlformats.org/officeDocument/2006/math">
-                    <m:sSub>
-                      <m:sSubPr>
-                        <m:ctrlPr>
-                          <a:rPr lang="en-US" sz="2800" b="0" i="1" smtClean="0">
-                            <a:latin typeface="Cambria Math" panose="02040503050406030204" pitchFamily="18" charset="0"/>
-                          </a:rPr>
-                        </m:ctrlPr>
-                      </m:sSubPr>
-                      <m:e>
-                        <m:r>
-                          <a:rPr lang="en-US" sz="2800" b="0" i="1" smtClean="0">
-                            <a:latin typeface="Cambria Math" panose="02040503050406030204" pitchFamily="18" charset="0"/>
-                          </a:rPr>
-                          <m:t>𝜔</m:t>
-                        </m:r>
-                      </m:e>
-                      <m:sub>
-                        <m:r>
-                          <a:rPr lang="en-US" sz="2800" b="0" i="1" smtClean="0">
-                            <a:latin typeface="Cambria Math" panose="02040503050406030204" pitchFamily="18" charset="0"/>
-                          </a:rPr>
-                          <m:t>𝑎𝑏</m:t>
-                        </m:r>
-                      </m:sub>
-                    </m:sSub>
-                    <m:r>
-                      <a:rPr lang="en-US" sz="2800" b="0" i="1" smtClean="0">
-                        <a:latin typeface="Cambria Math" panose="02040503050406030204" pitchFamily="18" charset="0"/>
-                      </a:rPr>
-                      <m:t>=</m:t>
-                    </m:r>
-                    <m:sSub>
-                      <m:sSubPr>
-                        <m:ctrlPr>
-                          <a:rPr lang="en-US" sz="2800" b="0" i="1" smtClean="0">
-                            <a:latin typeface="Cambria Math" panose="02040503050406030204" pitchFamily="18" charset="0"/>
-                          </a:rPr>
-                        </m:ctrlPr>
-                      </m:sSubPr>
-                      <m:e>
-                        <m:r>
-                          <a:rPr lang="en-US" sz="2800" b="0" i="1" smtClean="0">
-                            <a:latin typeface="Cambria Math" panose="02040503050406030204" pitchFamily="18" charset="0"/>
-                          </a:rPr>
-                          <m:t>𝜔</m:t>
-                        </m:r>
-                      </m:e>
-                      <m:sub>
-                        <m:r>
-                          <a:rPr lang="en-US" sz="2800" b="0" i="1" smtClean="0">
-                            <a:latin typeface="Cambria Math" panose="02040503050406030204" pitchFamily="18" charset="0"/>
-                          </a:rPr>
-                          <m:t>𝑏𝑐</m:t>
-                        </m:r>
-                      </m:sub>
-                    </m:sSub>
-                  </m:oMath>
-                </a14:m>
-                <a:endParaRPr lang="en-US" sz="2800" dirty="0"/>
-              </a:p>
-              <a:p>
-                <a:pPr marL="457200" indent="-457200">
-                  <a:buFont typeface="Arial" panose="020B0604020202020204" pitchFamily="34" charset="0"/>
-                  <a:buChar char="•"/>
-                </a:pPr>
-                <a:r>
-                  <a:rPr lang="en-US" sz="2800" dirty="0"/>
-                  <a:t>Time evolution is the same as the general case after taking “partial trace” of b</a:t>
-                </a:r>
-              </a:p>
-            </p:txBody>
-          </p:sp>
-        </mc:Choice>
-        <mc:Fallback xmlns="">
-          <p:sp>
-            <p:nvSpPr>
-              <p:cNvPr id="3" name="TextBox 2">
-                <a:extLst>
-                  <a:ext uri="{FF2B5EF4-FFF2-40B4-BE49-F238E27FC236}">
-                    <a16:creationId xmlns:a16="http://schemas.microsoft.com/office/drawing/2014/main" id="{E540FA91-4BF6-4A2A-BB3B-5DE238C8AF72}"/>
-                  </a:ext>
-                </a:extLst>
-              </p:cNvPr>
-              <p:cNvSpPr txBox="1">
-                <a:spLocks noRot="1" noChangeAspect="1" noMove="1" noResize="1" noEditPoints="1" noAdjustHandles="1" noChangeArrowheads="1" noChangeShapeType="1" noTextEdit="1"/>
-              </p:cNvSpPr>
-              <p:nvPr/>
-            </p:nvSpPr>
-            <p:spPr>
-              <a:xfrm>
-                <a:off x="6771159" y="1436033"/>
-                <a:ext cx="5295504" cy="3576300"/>
-              </a:xfrm>
-              <a:prstGeom prst="rect">
-                <a:avLst/>
-              </a:prstGeom>
-              <a:blipFill>
-                <a:blip r:embed="rId2"/>
-                <a:stretch>
-                  <a:fillRect l="-2419" t="-1706" b="-3925"/>
-                </a:stretch>
-              </a:blipFill>
-            </p:spPr>
-            <p:txBody>
-              <a:bodyPr/>
-              <a:lstStyle/>
-              <a:p>
-                <a:r>
-                  <a:rPr lang="en-US">
-                    <a:noFill/>
-                  </a:rPr>
-                  <a:t> </a:t>
-                </a:r>
-              </a:p>
-            </p:txBody>
-          </p:sp>
-        </mc:Fallback>
-      </mc:AlternateContent>
-      <mc:AlternateContent xmlns:mc="http://schemas.openxmlformats.org/markup-compatibility/2006" xmlns:a14="http://schemas.microsoft.com/office/drawing/2010/main">
-        <mc:Choice Requires="a14">
-          <p:sp>
-            <p:nvSpPr>
-              <p:cNvPr id="4" name="TextBox 3">
-                <a:extLst>
-                  <a:ext uri="{FF2B5EF4-FFF2-40B4-BE49-F238E27FC236}">
-                    <a16:creationId xmlns:a16="http://schemas.microsoft.com/office/drawing/2014/main" id="{7DE1A50E-CF5F-4A91-821F-C87C6853A700}"/>
-                  </a:ext>
-                </a:extLst>
-              </p:cNvPr>
-              <p:cNvSpPr txBox="1"/>
-              <p:nvPr/>
-            </p:nvSpPr>
-            <p:spPr>
-              <a:xfrm>
-                <a:off x="280820" y="3429000"/>
-                <a:ext cx="5295504" cy="3145413"/>
-              </a:xfrm>
-              <a:prstGeom prst="rect">
-                <a:avLst/>
-              </a:prstGeom>
-              <a:noFill/>
-            </p:spPr>
-            <p:txBody>
-              <a:bodyPr wrap="square" rtlCol="0">
-                <a:spAutoFit/>
-              </a:bodyPr>
-              <a:lstStyle/>
-              <a:p>
-                <a:r>
-                  <a:rPr lang="en-US" sz="2800" dirty="0"/>
-                  <a:t>One atom with </a:t>
-                </a:r>
-                <a14:m>
-                  <m:oMath xmlns:m="http://schemas.openxmlformats.org/officeDocument/2006/math">
-                    <m:sSub>
-                      <m:sSubPr>
-                        <m:ctrlPr>
-                          <a:rPr lang="en-US" sz="2800" b="0" i="1" smtClean="0">
-                            <a:latin typeface="Cambria Math" panose="02040503050406030204" pitchFamily="18" charset="0"/>
-                          </a:rPr>
-                        </m:ctrlPr>
-                      </m:sSubPr>
-                      <m:e>
-                        <m:r>
-                          <a:rPr lang="en-US" sz="2800" b="0" i="1" smtClean="0">
-                            <a:latin typeface="Cambria Math" panose="02040503050406030204" pitchFamily="18" charset="0"/>
-                          </a:rPr>
-                          <m:t>𝜔</m:t>
-                        </m:r>
-                      </m:e>
-                      <m:sub>
-                        <m:r>
-                          <a:rPr lang="en-US" sz="2800" b="0" i="1" smtClean="0">
-                            <a:latin typeface="Cambria Math" panose="02040503050406030204" pitchFamily="18" charset="0"/>
-                          </a:rPr>
-                          <m:t>0</m:t>
-                        </m:r>
-                      </m:sub>
-                    </m:sSub>
-                    <m:r>
-                      <a:rPr lang="en-US" sz="2800" b="0" i="1" smtClean="0">
-                        <a:latin typeface="Cambria Math" panose="02040503050406030204" pitchFamily="18" charset="0"/>
-                      </a:rPr>
-                      <m:t>=</m:t>
-                    </m:r>
-                    <m:r>
-                      <a:rPr lang="en-US" sz="2800" b="0" i="1" smtClean="0">
-                        <a:latin typeface="Cambria Math" panose="02040503050406030204" pitchFamily="18" charset="0"/>
-                      </a:rPr>
-                      <m:t>𝑐</m:t>
-                    </m:r>
-                    <m:sSub>
-                      <m:sSubPr>
-                        <m:ctrlPr>
-                          <a:rPr lang="en-US" sz="2800" b="0" i="1" smtClean="0">
-                            <a:latin typeface="Cambria Math" panose="02040503050406030204" pitchFamily="18" charset="0"/>
-                          </a:rPr>
-                        </m:ctrlPr>
-                      </m:sSubPr>
-                      <m:e>
-                        <m:r>
-                          <a:rPr lang="en-US" sz="2800" b="0" i="1" smtClean="0">
-                            <a:latin typeface="Cambria Math" panose="02040503050406030204" pitchFamily="18" charset="0"/>
-                          </a:rPr>
-                          <m:t>𝑘</m:t>
-                        </m:r>
-                      </m:e>
-                      <m:sub>
-                        <m:r>
-                          <a:rPr lang="en-US" sz="2800" b="0" i="1" smtClean="0">
-                            <a:latin typeface="Cambria Math" panose="02040503050406030204" pitchFamily="18" charset="0"/>
-                          </a:rPr>
-                          <m:t>0</m:t>
-                        </m:r>
-                      </m:sub>
-                    </m:sSub>
-                  </m:oMath>
-                </a14:m>
-                <a:endParaRPr lang="en-US" sz="2800" dirty="0"/>
-              </a:p>
-              <a:p>
-                <a:pPr marL="457200" indent="-457200">
-                  <a:buFont typeface="Arial" panose="020B0604020202020204" pitchFamily="34" charset="0"/>
-                  <a:buChar char="•"/>
-                </a:pPr>
-                <a:r>
-                  <a:rPr lang="en-US" sz="2800" dirty="0"/>
-                  <a:t>Like thermal state</a:t>
-                </a:r>
-              </a:p>
-              <a:p>
-                <a:pPr marL="457200" indent="-457200">
-                  <a:buFont typeface="Arial" panose="020B0604020202020204" pitchFamily="34" charset="0"/>
-                  <a:buChar char="•"/>
-                </a:pPr>
-                <a:endParaRPr lang="en-US" sz="2800" dirty="0"/>
-              </a:p>
-              <a:p>
-                <a:r>
-                  <a:rPr lang="en-US" sz="2800" dirty="0"/>
-                  <a:t>Two atoms with </a:t>
-                </a:r>
-                <a14:m>
-                  <m:oMath xmlns:m="http://schemas.openxmlformats.org/officeDocument/2006/math">
-                    <m:sSub>
-                      <m:sSubPr>
-                        <m:ctrlPr>
-                          <a:rPr lang="en-US" sz="2800" b="0" i="1" smtClean="0">
-                            <a:latin typeface="Cambria Math" panose="02040503050406030204" pitchFamily="18" charset="0"/>
-                          </a:rPr>
-                        </m:ctrlPr>
-                      </m:sSubPr>
-                      <m:e>
-                        <m:r>
-                          <a:rPr lang="en-US" sz="2800" b="0" i="1" smtClean="0">
-                            <a:latin typeface="Cambria Math" panose="02040503050406030204" pitchFamily="18" charset="0"/>
-                          </a:rPr>
-                          <m:t>𝜔</m:t>
-                        </m:r>
-                      </m:e>
-                      <m:sub>
-                        <m:r>
-                          <a:rPr lang="en-US" sz="2800" b="0" i="1" smtClean="0">
-                            <a:latin typeface="Cambria Math" panose="02040503050406030204" pitchFamily="18" charset="0"/>
-                          </a:rPr>
-                          <m:t>0</m:t>
-                        </m:r>
-                      </m:sub>
-                    </m:sSub>
-                    <m:r>
-                      <a:rPr lang="en-US" sz="2800" b="0" i="1" smtClean="0">
-                        <a:latin typeface="Cambria Math" panose="02040503050406030204" pitchFamily="18" charset="0"/>
-                      </a:rPr>
-                      <m:t>=</m:t>
-                    </m:r>
-                    <m:r>
-                      <a:rPr lang="en-US" sz="2800" b="0" i="1" smtClean="0">
-                        <a:latin typeface="Cambria Math" panose="02040503050406030204" pitchFamily="18" charset="0"/>
-                      </a:rPr>
-                      <m:t>𝑐</m:t>
-                    </m:r>
-                    <m:sSub>
-                      <m:sSubPr>
-                        <m:ctrlPr>
-                          <a:rPr lang="en-US" sz="2800" b="0" i="1" smtClean="0">
-                            <a:latin typeface="Cambria Math" panose="02040503050406030204" pitchFamily="18" charset="0"/>
-                          </a:rPr>
-                        </m:ctrlPr>
-                      </m:sSubPr>
-                      <m:e>
-                        <m:r>
-                          <a:rPr lang="en-US" sz="2800" b="0" i="1" smtClean="0">
-                            <a:latin typeface="Cambria Math" panose="02040503050406030204" pitchFamily="18" charset="0"/>
-                          </a:rPr>
-                          <m:t>𝑘</m:t>
-                        </m:r>
-                      </m:e>
-                      <m:sub>
-                        <m:r>
-                          <a:rPr lang="en-US" sz="2800" b="0" i="1" smtClean="0">
-                            <a:latin typeface="Cambria Math" panose="02040503050406030204" pitchFamily="18" charset="0"/>
-                          </a:rPr>
-                          <m:t>0</m:t>
-                        </m:r>
-                      </m:sub>
-                    </m:sSub>
-                  </m:oMath>
-                </a14:m>
-                <a:r>
-                  <a:rPr lang="en-US" sz="2800" dirty="0"/>
-                  <a:t>, at r=0</a:t>
-                </a:r>
-              </a:p>
-              <a:p>
-                <a:pPr marL="457200" indent="-457200">
-                  <a:buFont typeface="Arial" panose="020B0604020202020204" pitchFamily="34" charset="0"/>
-                  <a:buChar char="•"/>
-                </a:pPr>
-                <a:r>
-                  <a:rPr lang="en-US" sz="2800" dirty="0"/>
-                  <a:t>Pure state: </a:t>
-                </a:r>
-                <a14:m>
-                  <m:oMath xmlns:m="http://schemas.openxmlformats.org/officeDocument/2006/math">
-                    <m:d>
-                      <m:dPr>
-                        <m:endChr m:val="⟩"/>
-                        <m:ctrlPr>
-                          <a:rPr lang="en-US" sz="2800" b="0" i="1" smtClean="0">
-                            <a:latin typeface="Cambria Math" panose="02040503050406030204" pitchFamily="18" charset="0"/>
-                          </a:rPr>
-                        </m:ctrlPr>
-                      </m:dPr>
-                      <m:e>
-                        <m:r>
-                          <m:rPr>
-                            <m:sty m:val="p"/>
-                          </m:rPr>
-                          <a:rPr lang="en-US" sz="2800" b="0" i="0" smtClean="0">
-                            <a:latin typeface="Cambria Math" panose="02040503050406030204" pitchFamily="18" charset="0"/>
-                          </a:rPr>
-                          <m:t>sh</m:t>
-                        </m:r>
-                      </m:e>
-                      <m:e>
-                        <m:r>
-                          <m:rPr>
-                            <m:sty m:val="p"/>
-                          </m:rPr>
-                          <a:rPr lang="en-US" sz="2800" b="0" i="0" smtClean="0">
-                            <a:latin typeface="Cambria Math" panose="02040503050406030204" pitchFamily="18" charset="0"/>
-                          </a:rPr>
-                          <m:t>ee</m:t>
-                        </m:r>
-                      </m:e>
-                    </m:d>
-                    <m:r>
-                      <a:rPr lang="en-US" sz="2800" b="0" i="0" smtClean="0">
-                        <a:latin typeface="Cambria Math" panose="02040503050406030204" pitchFamily="18" charset="0"/>
-                      </a:rPr>
-                      <m:t>+</m:t>
-                    </m:r>
-                    <m:r>
-                      <m:rPr>
-                        <m:sty m:val="p"/>
-                      </m:rPr>
-                      <a:rPr lang="en-US" sz="2800" b="0" i="0" smtClean="0">
-                        <a:latin typeface="Cambria Math" panose="02040503050406030204" pitchFamily="18" charset="0"/>
-                      </a:rPr>
-                      <m:t>ch</m:t>
-                    </m:r>
-                    <m:r>
-                      <a:rPr lang="en-US" sz="2800" b="0" i="0" smtClean="0">
-                        <a:latin typeface="Cambria Math" panose="02040503050406030204" pitchFamily="18" charset="0"/>
-                      </a:rPr>
-                      <m:t>|</m:t>
-                    </m:r>
-                    <m:r>
-                      <m:rPr>
-                        <m:sty m:val="p"/>
-                      </m:rPr>
-                      <a:rPr lang="en-US" sz="2800" b="0" i="0" smtClean="0">
-                        <a:latin typeface="Cambria Math" panose="02040503050406030204" pitchFamily="18" charset="0"/>
-                      </a:rPr>
-                      <m:t>gg</m:t>
-                    </m:r>
-                    <m:r>
-                      <a:rPr lang="en-US" sz="2800" b="0" i="1" smtClean="0">
-                        <a:latin typeface="Cambria Math" panose="02040503050406030204" pitchFamily="18" charset="0"/>
-                      </a:rPr>
-                      <m:t>⟩</m:t>
-                    </m:r>
-                    <m:r>
-                      <a:rPr lang="en-US" sz="2800" b="0" i="0" smtClean="0">
-                        <a:latin typeface="Cambria Math" panose="02040503050406030204" pitchFamily="18" charset="0"/>
-                      </a:rPr>
-                      <m:t> )/</m:t>
-                    </m:r>
-                    <m:r>
-                      <a:rPr lang="en-US" sz="2800" i="1">
-                        <a:latin typeface="Cambria Math" panose="02040503050406030204" pitchFamily="18" charset="0"/>
-                      </a:rPr>
-                      <m:t>√</m:t>
-                    </m:r>
-                    <m:r>
-                      <a:rPr lang="en-US" sz="2800" b="0" i="0" smtClean="0">
-                        <a:latin typeface="Cambria Math" panose="02040503050406030204" pitchFamily="18" charset="0"/>
-                      </a:rPr>
-                      <m:t>1+2</m:t>
-                    </m:r>
-                    <m:sSup>
-                      <m:sSupPr>
-                        <m:ctrlPr>
-                          <a:rPr lang="en-US" sz="2800" b="0" i="1" smtClean="0">
-                            <a:latin typeface="Cambria Math" panose="02040503050406030204" pitchFamily="18" charset="0"/>
-                          </a:rPr>
-                        </m:ctrlPr>
-                      </m:sSupPr>
-                      <m:e>
-                        <m:r>
-                          <m:rPr>
-                            <m:sty m:val="p"/>
-                          </m:rPr>
-                          <a:rPr lang="en-US" sz="2800" b="0" i="0" smtClean="0">
-                            <a:latin typeface="Cambria Math" panose="02040503050406030204" pitchFamily="18" charset="0"/>
-                          </a:rPr>
-                          <m:t>sh</m:t>
-                        </m:r>
-                      </m:e>
-                      <m:sup>
-                        <m:r>
-                          <a:rPr lang="en-US" sz="2800" b="0" i="0" smtClean="0">
-                            <a:latin typeface="Cambria Math" panose="02040503050406030204" pitchFamily="18" charset="0"/>
-                          </a:rPr>
-                          <m:t>2</m:t>
-                        </m:r>
-                      </m:sup>
-                    </m:sSup>
-                  </m:oMath>
-                </a14:m>
-                <a:r>
-                  <a:rPr lang="en-US" sz="2800" dirty="0"/>
-                  <a:t> </a:t>
-                </a:r>
-              </a:p>
-              <a:p>
-                <a:pPr marL="457200" indent="-457200">
-                  <a:buFont typeface="Arial" panose="020B0604020202020204" pitchFamily="34" charset="0"/>
-                  <a:buChar char="•"/>
-                </a:pPr>
-                <a:endParaRPr lang="en-US" sz="2800" dirty="0"/>
-              </a:p>
-            </p:txBody>
-          </p:sp>
-        </mc:Choice>
-        <mc:Fallback xmlns="">
-          <p:sp>
-            <p:nvSpPr>
-              <p:cNvPr id="4" name="TextBox 3">
-                <a:extLst>
-                  <a:ext uri="{FF2B5EF4-FFF2-40B4-BE49-F238E27FC236}">
-                    <a16:creationId xmlns:a16="http://schemas.microsoft.com/office/drawing/2014/main" id="{7DE1A50E-CF5F-4A91-821F-C87C6853A700}"/>
-                  </a:ext>
-                </a:extLst>
-              </p:cNvPr>
-              <p:cNvSpPr txBox="1">
-                <a:spLocks noRot="1" noChangeAspect="1" noMove="1" noResize="1" noEditPoints="1" noAdjustHandles="1" noChangeArrowheads="1" noChangeShapeType="1" noTextEdit="1"/>
-              </p:cNvSpPr>
-              <p:nvPr/>
-            </p:nvSpPr>
-            <p:spPr>
-              <a:xfrm>
-                <a:off x="280820" y="3429000"/>
-                <a:ext cx="5295504" cy="3145413"/>
-              </a:xfrm>
-              <a:prstGeom prst="rect">
-                <a:avLst/>
-              </a:prstGeom>
-              <a:blipFill>
-                <a:blip r:embed="rId3"/>
-                <a:stretch>
-                  <a:fillRect l="-2301" t="-1942"/>
-                </a:stretch>
-              </a:blipFill>
-            </p:spPr>
-            <p:txBody>
-              <a:bodyPr/>
-              <a:lstStyle/>
-              <a:p>
-                <a:r>
-                  <a:rPr lang="en-US">
-                    <a:noFill/>
-                  </a:rPr>
-                  <a:t> </a:t>
-                </a:r>
-              </a:p>
-            </p:txBody>
-          </p:sp>
-        </mc:Fallback>
-      </mc:AlternateContent>
-      <p:sp>
-        <p:nvSpPr>
-          <p:cNvPr id="5" name="TextBox 4">
-            <a:extLst>
-              <a:ext uri="{FF2B5EF4-FFF2-40B4-BE49-F238E27FC236}">
-                <a16:creationId xmlns:a16="http://schemas.microsoft.com/office/drawing/2014/main" id="{C6904B07-D254-4960-A5B7-DB69CC717B73}"/>
-              </a:ext>
-            </a:extLst>
-          </p:cNvPr>
-          <p:cNvSpPr txBox="1"/>
-          <p:nvPr/>
-        </p:nvSpPr>
-        <p:spPr>
-          <a:xfrm>
-            <a:off x="4110527" y="196554"/>
-            <a:ext cx="2735557" cy="830997"/>
-          </a:xfrm>
-          <a:prstGeom prst="rect">
-            <a:avLst/>
-          </a:prstGeom>
-          <a:noFill/>
-        </p:spPr>
-        <p:txBody>
-          <a:bodyPr wrap="none" rtlCol="0">
-            <a:spAutoFit/>
-          </a:bodyPr>
-          <a:lstStyle/>
-          <a:p>
-            <a:r>
-              <a:rPr lang="en-US" sz="4800" dirty="0"/>
-              <a:t>Final state</a:t>
-            </a:r>
-          </a:p>
-        </p:txBody>
-      </p:sp>
-    </p:spTree>
-    <p:extLst>
-      <p:ext uri="{BB962C8B-B14F-4D97-AF65-F5344CB8AC3E}">
-        <p14:creationId xmlns:p14="http://schemas.microsoft.com/office/powerpoint/2010/main" val="3857402459"/>
       </p:ext>
     </p:extLst>
   </p:cSld>
@@ -17134,6 +16367,867 @@
           <a:chExt cx="0" cy="0"/>
         </a:xfrm>
       </p:grpSpPr>
+      <p:sp>
+        <p:nvSpPr>
+          <p:cNvPr id="2" name="TextBox 1">
+            <a:extLst>
+              <a:ext uri="{FF2B5EF4-FFF2-40B4-BE49-F238E27FC236}">
+                <a16:creationId xmlns:a16="http://schemas.microsoft.com/office/drawing/2014/main" id="{E239A1C6-5FF2-439A-A7F5-368FC5A421F6}"/>
+              </a:ext>
+            </a:extLst>
+          </p:cNvPr>
+          <p:cNvSpPr txBox="1"/>
+          <p:nvPr/>
+        </p:nvSpPr>
+        <p:spPr>
+          <a:xfrm>
+            <a:off x="280820" y="1436033"/>
+            <a:ext cx="3986156" cy="1384995"/>
+          </a:xfrm>
+          <a:prstGeom prst="rect">
+            <a:avLst/>
+          </a:prstGeom>
+          <a:noFill/>
+        </p:spPr>
+        <p:txBody>
+          <a:bodyPr wrap="none" rtlCol="0">
+            <a:spAutoFit/>
+          </a:bodyPr>
+          <a:lstStyle/>
+          <a:p>
+            <a:r>
+              <a:rPr lang="en-US" sz="2800" dirty="0"/>
+              <a:t>Thermal:</a:t>
+            </a:r>
+          </a:p>
+          <a:p>
+            <a:pPr marL="457200" indent="-457200">
+              <a:buFont typeface="Arial" panose="020B0604020202020204" pitchFamily="34" charset="0"/>
+              <a:buChar char="•"/>
+            </a:pPr>
+            <a:r>
+              <a:rPr lang="en-US" sz="2800" dirty="0"/>
+              <a:t>Boltzmann distribution</a:t>
+            </a:r>
+          </a:p>
+          <a:p>
+            <a:pPr marL="457200" indent="-457200">
+              <a:buFont typeface="Arial" panose="020B0604020202020204" pitchFamily="34" charset="0"/>
+              <a:buChar char="•"/>
+            </a:pPr>
+            <a:r>
+              <a:rPr lang="en-US" sz="2800" dirty="0"/>
+              <a:t>Mixed state</a:t>
+            </a:r>
+          </a:p>
+        </p:txBody>
+      </p:sp>
+      <mc:AlternateContent xmlns:mc="http://schemas.openxmlformats.org/markup-compatibility/2006" xmlns:a14="http://schemas.microsoft.com/office/drawing/2010/main">
+        <mc:Choice Requires="a14">
+          <p:sp>
+            <p:nvSpPr>
+              <p:cNvPr id="3" name="TextBox 2">
+                <a:extLst>
+                  <a:ext uri="{FF2B5EF4-FFF2-40B4-BE49-F238E27FC236}">
+                    <a16:creationId xmlns:a16="http://schemas.microsoft.com/office/drawing/2014/main" id="{E540FA91-4BF6-4A2A-BB3B-5DE238C8AF72}"/>
+                  </a:ext>
+                </a:extLst>
+              </p:cNvPr>
+              <p:cNvSpPr txBox="1"/>
+              <p:nvPr/>
+            </p:nvSpPr>
+            <p:spPr>
+              <a:xfrm>
+                <a:off x="6771159" y="1436033"/>
+                <a:ext cx="5295504" cy="3576300"/>
+              </a:xfrm>
+              <a:prstGeom prst="rect">
+                <a:avLst/>
+              </a:prstGeom>
+              <a:noFill/>
+            </p:spPr>
+            <p:txBody>
+              <a:bodyPr wrap="square" rtlCol="0">
+                <a:spAutoFit/>
+              </a:bodyPr>
+              <a:lstStyle/>
+              <a:p>
+                <a:r>
+                  <a:rPr lang="en-US" sz="2800" dirty="0"/>
+                  <a:t>Squeezed vacuum:</a:t>
+                </a:r>
+              </a:p>
+              <a:p>
+                <a:pPr marL="457200" indent="-457200">
+                  <a:buFont typeface="Arial" panose="020B0604020202020204" pitchFamily="34" charset="0"/>
+                  <a:buChar char="•"/>
+                </a:pPr>
+                <a:r>
+                  <a:rPr lang="en-US" sz="2800" dirty="0"/>
+                  <a:t>Pure state: </a:t>
+                </a:r>
+                <a14:m>
+                  <m:oMath xmlns:m="http://schemas.openxmlformats.org/officeDocument/2006/math">
+                    <m:r>
+                      <a:rPr lang="en-US" sz="2800" i="1" dirty="0">
+                        <a:latin typeface="Cambria Math" panose="02040503050406030204" pitchFamily="18" charset="0"/>
+                      </a:rPr>
+                      <m:t>(</m:t>
+                    </m:r>
+                    <m:sSup>
+                      <m:sSupPr>
+                        <m:ctrlPr>
+                          <a:rPr lang="en-US" sz="2800" b="0" i="1" smtClean="0">
+                            <a:latin typeface="Cambria Math" panose="02040503050406030204" pitchFamily="18" charset="0"/>
+                          </a:rPr>
+                        </m:ctrlPr>
+                      </m:sSupPr>
+                      <m:e>
+                        <m:r>
+                          <m:rPr>
+                            <m:sty m:val="p"/>
+                          </m:rPr>
+                          <a:rPr lang="en-US" sz="2800" b="0" i="0" smtClean="0">
+                            <a:latin typeface="Cambria Math" panose="02040503050406030204" pitchFamily="18" charset="0"/>
+                          </a:rPr>
+                          <m:t>sinh</m:t>
+                        </m:r>
+                      </m:e>
+                      <m:sup>
+                        <m:r>
+                          <a:rPr lang="en-US" sz="2800" b="0" i="1" smtClean="0">
+                            <a:latin typeface="Cambria Math" panose="02040503050406030204" pitchFamily="18" charset="0"/>
+                          </a:rPr>
+                          <m:t>2</m:t>
+                        </m:r>
+                      </m:sup>
+                    </m:sSup>
+                    <m:r>
+                      <m:rPr>
+                        <m:sty m:val="p"/>
+                      </m:rPr>
+                      <a:rPr lang="en-US" sz="2800" b="0" i="0" smtClean="0">
+                        <a:latin typeface="Cambria Math" panose="02040503050406030204" pitchFamily="18" charset="0"/>
+                      </a:rPr>
+                      <m:t>r</m:t>
+                    </m:r>
+                    <m:r>
+                      <a:rPr lang="en-US" sz="2800" b="0" i="0" smtClean="0">
+                        <a:latin typeface="Cambria Math" panose="02040503050406030204" pitchFamily="18" charset="0"/>
+                      </a:rPr>
+                      <m:t>|</m:t>
+                    </m:r>
+                    <m:r>
+                      <m:rPr>
+                        <m:sty m:val="p"/>
+                      </m:rPr>
+                      <a:rPr lang="en-US" sz="2800" b="0" i="0" smtClean="0">
+                        <a:latin typeface="Cambria Math" panose="02040503050406030204" pitchFamily="18" charset="0"/>
+                      </a:rPr>
+                      <m:t>a</m:t>
+                    </m:r>
+                    <m:r>
+                      <a:rPr lang="en-US" sz="2800" b="0" i="1" smtClean="0">
+                        <a:latin typeface="Cambria Math" panose="02040503050406030204" pitchFamily="18" charset="0"/>
+                      </a:rPr>
+                      <m:t>⟩</m:t>
+                    </m:r>
+                    <m:r>
+                      <a:rPr lang="en-US" sz="2800" b="0" i="0" smtClean="0">
+                        <a:latin typeface="Cambria Math" panose="02040503050406030204" pitchFamily="18" charset="0"/>
+                      </a:rPr>
+                      <m:t>+</m:t>
+                    </m:r>
+                    <m:sSup>
+                      <m:sSupPr>
+                        <m:ctrlPr>
+                          <a:rPr lang="en-US" sz="2800" b="0" i="1" smtClean="0">
+                            <a:latin typeface="Cambria Math" panose="02040503050406030204" pitchFamily="18" charset="0"/>
+                          </a:rPr>
+                        </m:ctrlPr>
+                      </m:sSupPr>
+                      <m:e>
+                        <m:r>
+                          <m:rPr>
+                            <m:sty m:val="p"/>
+                          </m:rPr>
+                          <a:rPr lang="en-US" sz="2800" b="0" i="0" smtClean="0">
+                            <a:latin typeface="Cambria Math" panose="02040503050406030204" pitchFamily="18" charset="0"/>
+                          </a:rPr>
+                          <m:t>cosh</m:t>
+                        </m:r>
+                      </m:e>
+                      <m:sup>
+                        <m:r>
+                          <a:rPr lang="en-US" sz="2800" b="0" i="0" smtClean="0">
+                            <a:latin typeface="Cambria Math" panose="02040503050406030204" pitchFamily="18" charset="0"/>
+                          </a:rPr>
+                          <m:t>2</m:t>
+                        </m:r>
+                      </m:sup>
+                    </m:sSup>
+                    <m:r>
+                      <m:rPr>
+                        <m:sty m:val="p"/>
+                      </m:rPr>
+                      <a:rPr lang="en-US" sz="2800" b="0" i="0" smtClean="0">
+                        <a:latin typeface="Cambria Math" panose="02040503050406030204" pitchFamily="18" charset="0"/>
+                      </a:rPr>
+                      <m:t>r</m:t>
+                    </m:r>
+                    <m:r>
+                      <a:rPr lang="en-US" sz="2800" b="0" i="0" smtClean="0">
+                        <a:latin typeface="Cambria Math" panose="02040503050406030204" pitchFamily="18" charset="0"/>
+                      </a:rPr>
+                      <m:t>|</m:t>
+                    </m:r>
+                    <m:r>
+                      <m:rPr>
+                        <m:sty m:val="p"/>
+                      </m:rPr>
+                      <a:rPr lang="en-US" sz="2800" b="0" i="0" smtClean="0">
+                        <a:latin typeface="Cambria Math" panose="02040503050406030204" pitchFamily="18" charset="0"/>
+                      </a:rPr>
+                      <m:t>c</m:t>
+                    </m:r>
+                    <m:r>
+                      <a:rPr lang="en-US" sz="2800" b="0" i="1" smtClean="0">
+                        <a:latin typeface="Cambria Math" panose="02040503050406030204" pitchFamily="18" charset="0"/>
+                      </a:rPr>
+                      <m:t>⟩</m:t>
+                    </m:r>
+                    <m:r>
+                      <a:rPr lang="en-US" sz="2800" b="0" i="0" smtClean="0">
+                        <a:latin typeface="Cambria Math" panose="02040503050406030204" pitchFamily="18" charset="0"/>
+                      </a:rPr>
+                      <m:t> )/</m:t>
+                    </m:r>
+                    <m:r>
+                      <a:rPr lang="en-US" sz="2800" i="1">
+                        <a:latin typeface="Cambria Math" panose="02040503050406030204" pitchFamily="18" charset="0"/>
+                      </a:rPr>
+                      <m:t>√</m:t>
+                    </m:r>
+                    <m:r>
+                      <a:rPr lang="en-US" sz="2800" b="0" i="0" smtClean="0">
+                        <a:latin typeface="Cambria Math" panose="02040503050406030204" pitchFamily="18" charset="0"/>
+                      </a:rPr>
+                      <m:t>1+2</m:t>
+                    </m:r>
+                    <m:sSup>
+                      <m:sSupPr>
+                        <m:ctrlPr>
+                          <a:rPr lang="en-US" sz="2800" b="0" i="1" smtClean="0">
+                            <a:latin typeface="Cambria Math" panose="02040503050406030204" pitchFamily="18" charset="0"/>
+                          </a:rPr>
+                        </m:ctrlPr>
+                      </m:sSupPr>
+                      <m:e>
+                        <m:r>
+                          <m:rPr>
+                            <m:sty m:val="p"/>
+                          </m:rPr>
+                          <a:rPr lang="en-US" sz="2800" b="0" i="0" smtClean="0">
+                            <a:latin typeface="Cambria Math" panose="02040503050406030204" pitchFamily="18" charset="0"/>
+                          </a:rPr>
+                          <m:t>sh</m:t>
+                        </m:r>
+                      </m:e>
+                      <m:sup>
+                        <m:r>
+                          <a:rPr lang="en-US" sz="2800" b="0" i="0" smtClean="0">
+                            <a:latin typeface="Cambria Math" panose="02040503050406030204" pitchFamily="18" charset="0"/>
+                          </a:rPr>
+                          <m:t>2</m:t>
+                        </m:r>
+                      </m:sup>
+                    </m:sSup>
+                  </m:oMath>
+                </a14:m>
+                <a:r>
+                  <a:rPr lang="en-US" sz="2800" dirty="0"/>
+                  <a:t> </a:t>
+                </a:r>
+              </a:p>
+              <a:p>
+                <a:pPr marL="457200" indent="-457200">
+                  <a:buFont typeface="Arial" panose="020B0604020202020204" pitchFamily="34" charset="0"/>
+                  <a:buChar char="•"/>
+                </a:pPr>
+                <a:endParaRPr lang="en-US" sz="2800" dirty="0"/>
+              </a:p>
+              <a:p>
+                <a:r>
+                  <a:rPr lang="en-US" sz="2800" dirty="0"/>
+                  <a:t>Special case: </a:t>
+                </a:r>
+                <a14:m>
+                  <m:oMath xmlns:m="http://schemas.openxmlformats.org/officeDocument/2006/math">
+                    <m:sSub>
+                      <m:sSubPr>
+                        <m:ctrlPr>
+                          <a:rPr lang="en-US" sz="2800" b="0" i="1" smtClean="0">
+                            <a:latin typeface="Cambria Math" panose="02040503050406030204" pitchFamily="18" charset="0"/>
+                          </a:rPr>
+                        </m:ctrlPr>
+                      </m:sSubPr>
+                      <m:e>
+                        <m:r>
+                          <a:rPr lang="en-US" sz="2800" b="0" i="1" smtClean="0">
+                            <a:latin typeface="Cambria Math" panose="02040503050406030204" pitchFamily="18" charset="0"/>
+                          </a:rPr>
+                          <m:t>𝜔</m:t>
+                        </m:r>
+                      </m:e>
+                      <m:sub>
+                        <m:r>
+                          <a:rPr lang="en-US" sz="2800" b="0" i="1" smtClean="0">
+                            <a:latin typeface="Cambria Math" panose="02040503050406030204" pitchFamily="18" charset="0"/>
+                          </a:rPr>
+                          <m:t>𝑎𝑏</m:t>
+                        </m:r>
+                      </m:sub>
+                    </m:sSub>
+                    <m:r>
+                      <a:rPr lang="en-US" sz="2800" b="0" i="1" smtClean="0">
+                        <a:latin typeface="Cambria Math" panose="02040503050406030204" pitchFamily="18" charset="0"/>
+                      </a:rPr>
+                      <m:t>=</m:t>
+                    </m:r>
+                    <m:sSub>
+                      <m:sSubPr>
+                        <m:ctrlPr>
+                          <a:rPr lang="en-US" sz="2800" b="0" i="1" smtClean="0">
+                            <a:latin typeface="Cambria Math" panose="02040503050406030204" pitchFamily="18" charset="0"/>
+                          </a:rPr>
+                        </m:ctrlPr>
+                      </m:sSubPr>
+                      <m:e>
+                        <m:r>
+                          <a:rPr lang="en-US" sz="2800" b="0" i="1" smtClean="0">
+                            <a:latin typeface="Cambria Math" panose="02040503050406030204" pitchFamily="18" charset="0"/>
+                          </a:rPr>
+                          <m:t>𝜔</m:t>
+                        </m:r>
+                      </m:e>
+                      <m:sub>
+                        <m:r>
+                          <a:rPr lang="en-US" sz="2800" b="0" i="1" smtClean="0">
+                            <a:latin typeface="Cambria Math" panose="02040503050406030204" pitchFamily="18" charset="0"/>
+                          </a:rPr>
+                          <m:t>𝑏𝑐</m:t>
+                        </m:r>
+                      </m:sub>
+                    </m:sSub>
+                  </m:oMath>
+                </a14:m>
+                <a:endParaRPr lang="en-US" sz="2800" dirty="0"/>
+              </a:p>
+              <a:p>
+                <a:pPr marL="457200" indent="-457200">
+                  <a:buFont typeface="Arial" panose="020B0604020202020204" pitchFamily="34" charset="0"/>
+                  <a:buChar char="•"/>
+                </a:pPr>
+                <a:r>
+                  <a:rPr lang="en-US" sz="2800" dirty="0"/>
+                  <a:t>Time evolution is the same as the general case after taking “partial trace” of b</a:t>
+                </a:r>
+              </a:p>
+            </p:txBody>
+          </p:sp>
+        </mc:Choice>
+        <mc:Fallback xmlns="">
+          <p:sp>
+            <p:nvSpPr>
+              <p:cNvPr id="3" name="TextBox 2">
+                <a:extLst>
+                  <a:ext uri="{FF2B5EF4-FFF2-40B4-BE49-F238E27FC236}">
+                    <a16:creationId xmlns:a16="http://schemas.microsoft.com/office/drawing/2014/main" id="{E540FA91-4BF6-4A2A-BB3B-5DE238C8AF72}"/>
+                  </a:ext>
+                </a:extLst>
+              </p:cNvPr>
+              <p:cNvSpPr txBox="1">
+                <a:spLocks noRot="1" noChangeAspect="1" noMove="1" noResize="1" noEditPoints="1" noAdjustHandles="1" noChangeArrowheads="1" noChangeShapeType="1" noTextEdit="1"/>
+              </p:cNvSpPr>
+              <p:nvPr/>
+            </p:nvSpPr>
+            <p:spPr>
+              <a:xfrm>
+                <a:off x="6771159" y="1436033"/>
+                <a:ext cx="5295504" cy="3576300"/>
+              </a:xfrm>
+              <a:prstGeom prst="rect">
+                <a:avLst/>
+              </a:prstGeom>
+              <a:blipFill>
+                <a:blip r:embed="rId2"/>
+                <a:stretch>
+                  <a:fillRect l="-2419" t="-1706" b="-3925"/>
+                </a:stretch>
+              </a:blipFill>
+            </p:spPr>
+            <p:txBody>
+              <a:bodyPr/>
+              <a:lstStyle/>
+              <a:p>
+                <a:r>
+                  <a:rPr lang="en-US">
+                    <a:noFill/>
+                  </a:rPr>
+                  <a:t> </a:t>
+                </a:r>
+              </a:p>
+            </p:txBody>
+          </p:sp>
+        </mc:Fallback>
+      </mc:AlternateContent>
+      <mc:AlternateContent xmlns:mc="http://schemas.openxmlformats.org/markup-compatibility/2006" xmlns:a14="http://schemas.microsoft.com/office/drawing/2010/main">
+        <mc:Choice Requires="a14">
+          <p:sp>
+            <p:nvSpPr>
+              <p:cNvPr id="4" name="TextBox 3">
+                <a:extLst>
+                  <a:ext uri="{FF2B5EF4-FFF2-40B4-BE49-F238E27FC236}">
+                    <a16:creationId xmlns:a16="http://schemas.microsoft.com/office/drawing/2014/main" id="{7DE1A50E-CF5F-4A91-821F-C87C6853A700}"/>
+                  </a:ext>
+                </a:extLst>
+              </p:cNvPr>
+              <p:cNvSpPr txBox="1"/>
+              <p:nvPr/>
+            </p:nvSpPr>
+            <p:spPr>
+              <a:xfrm>
+                <a:off x="280820" y="3429000"/>
+                <a:ext cx="5295504" cy="3145413"/>
+              </a:xfrm>
+              <a:prstGeom prst="rect">
+                <a:avLst/>
+              </a:prstGeom>
+              <a:noFill/>
+            </p:spPr>
+            <p:txBody>
+              <a:bodyPr wrap="square" rtlCol="0">
+                <a:spAutoFit/>
+              </a:bodyPr>
+              <a:lstStyle/>
+              <a:p>
+                <a:r>
+                  <a:rPr lang="en-US" sz="2800" dirty="0"/>
+                  <a:t>One atom with </a:t>
+                </a:r>
+                <a14:m>
+                  <m:oMath xmlns:m="http://schemas.openxmlformats.org/officeDocument/2006/math">
+                    <m:sSub>
+                      <m:sSubPr>
+                        <m:ctrlPr>
+                          <a:rPr lang="en-US" sz="2800" b="0" i="1" smtClean="0">
+                            <a:latin typeface="Cambria Math" panose="02040503050406030204" pitchFamily="18" charset="0"/>
+                          </a:rPr>
+                        </m:ctrlPr>
+                      </m:sSubPr>
+                      <m:e>
+                        <m:r>
+                          <a:rPr lang="en-US" sz="2800" b="0" i="1" smtClean="0">
+                            <a:latin typeface="Cambria Math" panose="02040503050406030204" pitchFamily="18" charset="0"/>
+                          </a:rPr>
+                          <m:t>𝜔</m:t>
+                        </m:r>
+                      </m:e>
+                      <m:sub>
+                        <m:r>
+                          <a:rPr lang="en-US" sz="2800" b="0" i="1" smtClean="0">
+                            <a:latin typeface="Cambria Math" panose="02040503050406030204" pitchFamily="18" charset="0"/>
+                          </a:rPr>
+                          <m:t>0</m:t>
+                        </m:r>
+                      </m:sub>
+                    </m:sSub>
+                    <m:r>
+                      <a:rPr lang="en-US" sz="2800" b="0" i="1" smtClean="0">
+                        <a:latin typeface="Cambria Math" panose="02040503050406030204" pitchFamily="18" charset="0"/>
+                      </a:rPr>
+                      <m:t>=</m:t>
+                    </m:r>
+                    <m:r>
+                      <a:rPr lang="en-US" sz="2800" b="0" i="1" smtClean="0">
+                        <a:latin typeface="Cambria Math" panose="02040503050406030204" pitchFamily="18" charset="0"/>
+                      </a:rPr>
+                      <m:t>𝑐</m:t>
+                    </m:r>
+                    <m:sSub>
+                      <m:sSubPr>
+                        <m:ctrlPr>
+                          <a:rPr lang="en-US" sz="2800" b="0" i="1" smtClean="0">
+                            <a:latin typeface="Cambria Math" panose="02040503050406030204" pitchFamily="18" charset="0"/>
+                          </a:rPr>
+                        </m:ctrlPr>
+                      </m:sSubPr>
+                      <m:e>
+                        <m:r>
+                          <a:rPr lang="en-US" sz="2800" b="0" i="1" smtClean="0">
+                            <a:latin typeface="Cambria Math" panose="02040503050406030204" pitchFamily="18" charset="0"/>
+                          </a:rPr>
+                          <m:t>𝑘</m:t>
+                        </m:r>
+                      </m:e>
+                      <m:sub>
+                        <m:r>
+                          <a:rPr lang="en-US" sz="2800" b="0" i="1" smtClean="0">
+                            <a:latin typeface="Cambria Math" panose="02040503050406030204" pitchFamily="18" charset="0"/>
+                          </a:rPr>
+                          <m:t>0</m:t>
+                        </m:r>
+                      </m:sub>
+                    </m:sSub>
+                  </m:oMath>
+                </a14:m>
+                <a:endParaRPr lang="en-US" sz="2800" dirty="0"/>
+              </a:p>
+              <a:p>
+                <a:pPr marL="457200" indent="-457200">
+                  <a:buFont typeface="Arial" panose="020B0604020202020204" pitchFamily="34" charset="0"/>
+                  <a:buChar char="•"/>
+                </a:pPr>
+                <a:r>
+                  <a:rPr lang="en-US" sz="2800" dirty="0"/>
+                  <a:t>Like thermal state</a:t>
+                </a:r>
+              </a:p>
+              <a:p>
+                <a:pPr marL="457200" indent="-457200">
+                  <a:buFont typeface="Arial" panose="020B0604020202020204" pitchFamily="34" charset="0"/>
+                  <a:buChar char="•"/>
+                </a:pPr>
+                <a:endParaRPr lang="en-US" sz="2800" dirty="0"/>
+              </a:p>
+              <a:p>
+                <a:r>
+                  <a:rPr lang="en-US" sz="2800" dirty="0"/>
+                  <a:t>Two atoms with </a:t>
+                </a:r>
+                <a14:m>
+                  <m:oMath xmlns:m="http://schemas.openxmlformats.org/officeDocument/2006/math">
+                    <m:sSub>
+                      <m:sSubPr>
+                        <m:ctrlPr>
+                          <a:rPr lang="en-US" sz="2800" b="0" i="1" smtClean="0">
+                            <a:latin typeface="Cambria Math" panose="02040503050406030204" pitchFamily="18" charset="0"/>
+                          </a:rPr>
+                        </m:ctrlPr>
+                      </m:sSubPr>
+                      <m:e>
+                        <m:r>
+                          <a:rPr lang="en-US" sz="2800" b="0" i="1" smtClean="0">
+                            <a:latin typeface="Cambria Math" panose="02040503050406030204" pitchFamily="18" charset="0"/>
+                          </a:rPr>
+                          <m:t>𝜔</m:t>
+                        </m:r>
+                      </m:e>
+                      <m:sub>
+                        <m:r>
+                          <a:rPr lang="en-US" sz="2800" b="0" i="1" smtClean="0">
+                            <a:latin typeface="Cambria Math" panose="02040503050406030204" pitchFamily="18" charset="0"/>
+                          </a:rPr>
+                          <m:t>0</m:t>
+                        </m:r>
+                      </m:sub>
+                    </m:sSub>
+                    <m:r>
+                      <a:rPr lang="en-US" sz="2800" b="0" i="1" smtClean="0">
+                        <a:latin typeface="Cambria Math" panose="02040503050406030204" pitchFamily="18" charset="0"/>
+                      </a:rPr>
+                      <m:t>=</m:t>
+                    </m:r>
+                    <m:r>
+                      <a:rPr lang="en-US" sz="2800" b="0" i="1" smtClean="0">
+                        <a:latin typeface="Cambria Math" panose="02040503050406030204" pitchFamily="18" charset="0"/>
+                      </a:rPr>
+                      <m:t>𝑐</m:t>
+                    </m:r>
+                    <m:sSub>
+                      <m:sSubPr>
+                        <m:ctrlPr>
+                          <a:rPr lang="en-US" sz="2800" b="0" i="1" smtClean="0">
+                            <a:latin typeface="Cambria Math" panose="02040503050406030204" pitchFamily="18" charset="0"/>
+                          </a:rPr>
+                        </m:ctrlPr>
+                      </m:sSubPr>
+                      <m:e>
+                        <m:r>
+                          <a:rPr lang="en-US" sz="2800" b="0" i="1" smtClean="0">
+                            <a:latin typeface="Cambria Math" panose="02040503050406030204" pitchFamily="18" charset="0"/>
+                          </a:rPr>
+                          <m:t>𝑘</m:t>
+                        </m:r>
+                      </m:e>
+                      <m:sub>
+                        <m:r>
+                          <a:rPr lang="en-US" sz="2800" b="0" i="1" smtClean="0">
+                            <a:latin typeface="Cambria Math" panose="02040503050406030204" pitchFamily="18" charset="0"/>
+                          </a:rPr>
+                          <m:t>0</m:t>
+                        </m:r>
+                      </m:sub>
+                    </m:sSub>
+                  </m:oMath>
+                </a14:m>
+                <a:r>
+                  <a:rPr lang="en-US" sz="2800" dirty="0"/>
+                  <a:t>, at r=0</a:t>
+                </a:r>
+              </a:p>
+              <a:p>
+                <a:pPr marL="457200" indent="-457200">
+                  <a:buFont typeface="Arial" panose="020B0604020202020204" pitchFamily="34" charset="0"/>
+                  <a:buChar char="•"/>
+                </a:pPr>
+                <a:r>
+                  <a:rPr lang="en-US" sz="2800" dirty="0"/>
+                  <a:t>Pure state: </a:t>
+                </a:r>
+                <a14:m>
+                  <m:oMath xmlns:m="http://schemas.openxmlformats.org/officeDocument/2006/math">
+                    <m:d>
+                      <m:dPr>
+                        <m:endChr m:val="⟩"/>
+                        <m:ctrlPr>
+                          <a:rPr lang="en-US" sz="2800" b="0" i="1" smtClean="0">
+                            <a:latin typeface="Cambria Math" panose="02040503050406030204" pitchFamily="18" charset="0"/>
+                          </a:rPr>
+                        </m:ctrlPr>
+                      </m:dPr>
+                      <m:e>
+                        <m:r>
+                          <m:rPr>
+                            <m:sty m:val="p"/>
+                          </m:rPr>
+                          <a:rPr lang="en-US" sz="2800" b="0" i="0" smtClean="0">
+                            <a:latin typeface="Cambria Math" panose="02040503050406030204" pitchFamily="18" charset="0"/>
+                          </a:rPr>
+                          <m:t>sh</m:t>
+                        </m:r>
+                      </m:e>
+                      <m:e>
+                        <m:r>
+                          <m:rPr>
+                            <m:sty m:val="p"/>
+                          </m:rPr>
+                          <a:rPr lang="en-US" sz="2800" b="0" i="0" smtClean="0">
+                            <a:latin typeface="Cambria Math" panose="02040503050406030204" pitchFamily="18" charset="0"/>
+                          </a:rPr>
+                          <m:t>ee</m:t>
+                        </m:r>
+                      </m:e>
+                    </m:d>
+                    <m:r>
+                      <a:rPr lang="en-US" sz="2800" b="0" i="0" smtClean="0">
+                        <a:latin typeface="Cambria Math" panose="02040503050406030204" pitchFamily="18" charset="0"/>
+                      </a:rPr>
+                      <m:t>+</m:t>
+                    </m:r>
+                    <m:r>
+                      <m:rPr>
+                        <m:sty m:val="p"/>
+                      </m:rPr>
+                      <a:rPr lang="en-US" sz="2800" b="0" i="0" smtClean="0">
+                        <a:latin typeface="Cambria Math" panose="02040503050406030204" pitchFamily="18" charset="0"/>
+                      </a:rPr>
+                      <m:t>ch</m:t>
+                    </m:r>
+                    <m:r>
+                      <a:rPr lang="en-US" sz="2800" b="0" i="0" smtClean="0">
+                        <a:latin typeface="Cambria Math" panose="02040503050406030204" pitchFamily="18" charset="0"/>
+                      </a:rPr>
+                      <m:t>|</m:t>
+                    </m:r>
+                    <m:r>
+                      <m:rPr>
+                        <m:sty m:val="p"/>
+                      </m:rPr>
+                      <a:rPr lang="en-US" sz="2800" b="0" i="0" smtClean="0">
+                        <a:latin typeface="Cambria Math" panose="02040503050406030204" pitchFamily="18" charset="0"/>
+                      </a:rPr>
+                      <m:t>gg</m:t>
+                    </m:r>
+                    <m:r>
+                      <a:rPr lang="en-US" sz="2800" b="0" i="1" smtClean="0">
+                        <a:latin typeface="Cambria Math" panose="02040503050406030204" pitchFamily="18" charset="0"/>
+                      </a:rPr>
+                      <m:t>⟩</m:t>
+                    </m:r>
+                    <m:r>
+                      <a:rPr lang="en-US" sz="2800" b="0" i="0" smtClean="0">
+                        <a:latin typeface="Cambria Math" panose="02040503050406030204" pitchFamily="18" charset="0"/>
+                      </a:rPr>
+                      <m:t> )/</m:t>
+                    </m:r>
+                    <m:r>
+                      <a:rPr lang="en-US" sz="2800" i="1">
+                        <a:latin typeface="Cambria Math" panose="02040503050406030204" pitchFamily="18" charset="0"/>
+                      </a:rPr>
+                      <m:t>√</m:t>
+                    </m:r>
+                    <m:r>
+                      <a:rPr lang="en-US" sz="2800" b="0" i="0" smtClean="0">
+                        <a:latin typeface="Cambria Math" panose="02040503050406030204" pitchFamily="18" charset="0"/>
+                      </a:rPr>
+                      <m:t>1+2</m:t>
+                    </m:r>
+                    <m:sSup>
+                      <m:sSupPr>
+                        <m:ctrlPr>
+                          <a:rPr lang="en-US" sz="2800" b="0" i="1" smtClean="0">
+                            <a:latin typeface="Cambria Math" panose="02040503050406030204" pitchFamily="18" charset="0"/>
+                          </a:rPr>
+                        </m:ctrlPr>
+                      </m:sSupPr>
+                      <m:e>
+                        <m:r>
+                          <m:rPr>
+                            <m:sty m:val="p"/>
+                          </m:rPr>
+                          <a:rPr lang="en-US" sz="2800" b="0" i="0" smtClean="0">
+                            <a:latin typeface="Cambria Math" panose="02040503050406030204" pitchFamily="18" charset="0"/>
+                          </a:rPr>
+                          <m:t>sh</m:t>
+                        </m:r>
+                      </m:e>
+                      <m:sup>
+                        <m:r>
+                          <a:rPr lang="en-US" sz="2800" b="0" i="0" smtClean="0">
+                            <a:latin typeface="Cambria Math" panose="02040503050406030204" pitchFamily="18" charset="0"/>
+                          </a:rPr>
+                          <m:t>2</m:t>
+                        </m:r>
+                      </m:sup>
+                    </m:sSup>
+                  </m:oMath>
+                </a14:m>
+                <a:r>
+                  <a:rPr lang="en-US" sz="2800" dirty="0"/>
+                  <a:t> </a:t>
+                </a:r>
+              </a:p>
+              <a:p>
+                <a:pPr marL="457200" indent="-457200">
+                  <a:buFont typeface="Arial" panose="020B0604020202020204" pitchFamily="34" charset="0"/>
+                  <a:buChar char="•"/>
+                </a:pPr>
+                <a:endParaRPr lang="en-US" sz="2800" dirty="0"/>
+              </a:p>
+            </p:txBody>
+          </p:sp>
+        </mc:Choice>
+        <mc:Fallback xmlns="">
+          <p:sp>
+            <p:nvSpPr>
+              <p:cNvPr id="4" name="TextBox 3">
+                <a:extLst>
+                  <a:ext uri="{FF2B5EF4-FFF2-40B4-BE49-F238E27FC236}">
+                    <a16:creationId xmlns:a16="http://schemas.microsoft.com/office/drawing/2014/main" id="{7DE1A50E-CF5F-4A91-821F-C87C6853A700}"/>
+                  </a:ext>
+                </a:extLst>
+              </p:cNvPr>
+              <p:cNvSpPr txBox="1">
+                <a:spLocks noRot="1" noChangeAspect="1" noMove="1" noResize="1" noEditPoints="1" noAdjustHandles="1" noChangeArrowheads="1" noChangeShapeType="1" noTextEdit="1"/>
+              </p:cNvSpPr>
+              <p:nvPr/>
+            </p:nvSpPr>
+            <p:spPr>
+              <a:xfrm>
+                <a:off x="280820" y="3429000"/>
+                <a:ext cx="5295504" cy="3145413"/>
+              </a:xfrm>
+              <a:prstGeom prst="rect">
+                <a:avLst/>
+              </a:prstGeom>
+              <a:blipFill>
+                <a:blip r:embed="rId3"/>
+                <a:stretch>
+                  <a:fillRect l="-2301" t="-1942"/>
+                </a:stretch>
+              </a:blipFill>
+            </p:spPr>
+            <p:txBody>
+              <a:bodyPr/>
+              <a:lstStyle/>
+              <a:p>
+                <a:r>
+                  <a:rPr lang="en-US">
+                    <a:noFill/>
+                  </a:rPr>
+                  <a:t> </a:t>
+                </a:r>
+              </a:p>
+            </p:txBody>
+          </p:sp>
+        </mc:Fallback>
+      </mc:AlternateContent>
+      <p:sp>
+        <p:nvSpPr>
+          <p:cNvPr id="5" name="TextBox 4">
+            <a:extLst>
+              <a:ext uri="{FF2B5EF4-FFF2-40B4-BE49-F238E27FC236}">
+                <a16:creationId xmlns:a16="http://schemas.microsoft.com/office/drawing/2014/main" id="{C6904B07-D254-4960-A5B7-DB69CC717B73}"/>
+              </a:ext>
+            </a:extLst>
+          </p:cNvPr>
+          <p:cNvSpPr txBox="1"/>
+          <p:nvPr/>
+        </p:nvSpPr>
+        <p:spPr>
+          <a:xfrm>
+            <a:off x="4110527" y="196554"/>
+            <a:ext cx="2735557" cy="830997"/>
+          </a:xfrm>
+          <a:prstGeom prst="rect">
+            <a:avLst/>
+          </a:prstGeom>
+          <a:noFill/>
+        </p:spPr>
+        <p:txBody>
+          <a:bodyPr wrap="none" rtlCol="0">
+            <a:spAutoFit/>
+          </a:bodyPr>
+          <a:lstStyle/>
+          <a:p>
+            <a:r>
+              <a:rPr lang="en-US" sz="4800" dirty="0"/>
+              <a:t>Final state</a:t>
+            </a:r>
+          </a:p>
+        </p:txBody>
+      </p:sp>
+    </p:spTree>
+    <p:extLst>
+      <p:ext uri="{BB962C8B-B14F-4D97-AF65-F5344CB8AC3E}">
+        <p14:creationId xmlns:p14="http://schemas.microsoft.com/office/powerpoint/2010/main" val="3857402459"/>
+      </p:ext>
+    </p:extLst>
+  </p:cSld>
+  <p:clrMapOvr>
+    <a:masterClrMapping/>
+  </p:clrMapOvr>
+</p:sld>
+</file>
+
+<file path=ppt/slides/slide21.xml><?xml version="1.0" encoding="utf-8"?>
+<p:sld xmlns:a="http://schemas.openxmlformats.org/drawingml/2006/main" xmlns:r="http://schemas.openxmlformats.org/officeDocument/2006/relationships" xmlns:p="http://schemas.openxmlformats.org/presentationml/2006/main">
+  <p:cSld>
+    <p:spTree>
+      <p:nvGrpSpPr>
+        <p:cNvPr id="1" name=""/>
+        <p:cNvGrpSpPr/>
+        <p:nvPr/>
+      </p:nvGrpSpPr>
+      <p:grpSpPr>
+        <a:xfrm>
+          <a:off x="0" y="0"/>
+          <a:ext cx="0" cy="0"/>
+          <a:chOff x="0" y="0"/>
+          <a:chExt cx="0" cy="0"/>
+        </a:xfrm>
+      </p:grpSpPr>
       <mc:AlternateContent xmlns:mc="http://schemas.openxmlformats.org/markup-compatibility/2006" xmlns:a14="http://schemas.microsoft.com/office/drawing/2010/main">
         <mc:Choice Requires="a14">
           <p:sp>
@@ -17587,7 +17681,7 @@
 </p:sld>
 </file>
 
-<file path=ppt/slides/slide21.xml><?xml version="1.0" encoding="utf-8"?>
+<file path=ppt/slides/slide22.xml><?xml version="1.0" encoding="utf-8"?>
 <p:sld xmlns:a="http://schemas.openxmlformats.org/drawingml/2006/main" xmlns:r="http://schemas.openxmlformats.org/officeDocument/2006/relationships" xmlns:p="http://schemas.openxmlformats.org/presentationml/2006/main">
   <p:cSld>
     <p:spTree>
@@ -18083,7 +18177,7 @@
 </p:sld>
 </file>
 
-<file path=ppt/slides/slide22.xml><?xml version="1.0" encoding="utf-8"?>
+<file path=ppt/slides/slide23.xml><?xml version="1.0" encoding="utf-8"?>
 <p:sld xmlns:a="http://schemas.openxmlformats.org/drawingml/2006/main" xmlns:r="http://schemas.openxmlformats.org/officeDocument/2006/relationships" xmlns:p="http://schemas.openxmlformats.org/presentationml/2006/main">
   <p:cSld>
     <p:spTree>
@@ -19869,7 +19963,7 @@
 </p:sld>
 </file>
 
-<file path=ppt/slides/slide23.xml><?xml version="1.0" encoding="utf-8"?>
+<file path=ppt/slides/slide24.xml><?xml version="1.0" encoding="utf-8"?>
 <p:sld xmlns:a="http://schemas.openxmlformats.org/drawingml/2006/main" xmlns:r="http://schemas.openxmlformats.org/officeDocument/2006/relationships" xmlns:p="http://schemas.openxmlformats.org/presentationml/2006/main">
   <p:cSld>
     <p:spTree>

--- a/3-level.pptx
+++ b/3-level.pptx
@@ -5,7 +5,7 @@
     <p:sldMasterId id="2147483648" r:id="rId1"/>
   </p:sldMasterIdLst>
   <p:notesMasterIdLst>
-    <p:notesMasterId r:id="rId26"/>
+    <p:notesMasterId r:id="rId27"/>
   </p:notesMasterIdLst>
   <p:sldIdLst>
     <p:sldId id="281" r:id="rId2"/>
@@ -21,17 +21,18 @@
     <p:sldId id="273" r:id="rId12"/>
     <p:sldId id="276" r:id="rId13"/>
     <p:sldId id="282" r:id="rId14"/>
-    <p:sldId id="284" r:id="rId15"/>
-    <p:sldId id="283" r:id="rId16"/>
-    <p:sldId id="279" r:id="rId17"/>
-    <p:sldId id="277" r:id="rId18"/>
-    <p:sldId id="263" r:id="rId19"/>
-    <p:sldId id="264" r:id="rId20"/>
-    <p:sldId id="261" r:id="rId21"/>
-    <p:sldId id="278" r:id="rId22"/>
-    <p:sldId id="266" r:id="rId23"/>
-    <p:sldId id="265" r:id="rId24"/>
-    <p:sldId id="258" r:id="rId25"/>
+    <p:sldId id="285" r:id="rId15"/>
+    <p:sldId id="284" r:id="rId16"/>
+    <p:sldId id="283" r:id="rId17"/>
+    <p:sldId id="279" r:id="rId18"/>
+    <p:sldId id="277" r:id="rId19"/>
+    <p:sldId id="263" r:id="rId20"/>
+    <p:sldId id="264" r:id="rId21"/>
+    <p:sldId id="261" r:id="rId22"/>
+    <p:sldId id="278" r:id="rId23"/>
+    <p:sldId id="266" r:id="rId24"/>
+    <p:sldId id="265" r:id="rId25"/>
+    <p:sldId id="258" r:id="rId26"/>
   </p:sldIdLst>
   <p:sldSz cx="12192000" cy="6858000"/>
   <p:notesSz cx="6858000" cy="9144000"/>
@@ -232,7 +233,7 @@
           <a:p>
             <a:fld id="{D398D3D8-E180-45F1-973D-9CDE3FC68687}" type="datetimeFigureOut">
               <a:rPr lang="en-US" smtClean="0"/>
-              <a:t>10/8/2018</a:t>
+              <a:t>10/11/2018</a:t>
             </a:fld>
             <a:endParaRPr lang="en-US"/>
           </a:p>
@@ -814,7 +815,7 @@
           <a:p>
             <a:fld id="{540C0B17-285F-4B24-A15E-231AC8C41BCD}" type="datetimeFigureOut">
               <a:rPr lang="en-US" smtClean="0"/>
-              <a:t>10/8/2018</a:t>
+              <a:t>10/11/2018</a:t>
             </a:fld>
             <a:endParaRPr lang="en-US"/>
           </a:p>
@@ -1012,7 +1013,7 @@
           <a:p>
             <a:fld id="{540C0B17-285F-4B24-A15E-231AC8C41BCD}" type="datetimeFigureOut">
               <a:rPr lang="en-US" smtClean="0"/>
-              <a:t>10/8/2018</a:t>
+              <a:t>10/11/2018</a:t>
             </a:fld>
             <a:endParaRPr lang="en-US"/>
           </a:p>
@@ -1220,7 +1221,7 @@
           <a:p>
             <a:fld id="{540C0B17-285F-4B24-A15E-231AC8C41BCD}" type="datetimeFigureOut">
               <a:rPr lang="en-US" smtClean="0"/>
-              <a:t>10/8/2018</a:t>
+              <a:t>10/11/2018</a:t>
             </a:fld>
             <a:endParaRPr lang="en-US"/>
           </a:p>
@@ -1418,7 +1419,7 @@
           <a:p>
             <a:fld id="{540C0B17-285F-4B24-A15E-231AC8C41BCD}" type="datetimeFigureOut">
               <a:rPr lang="en-US" smtClean="0"/>
-              <a:t>10/8/2018</a:t>
+              <a:t>10/11/2018</a:t>
             </a:fld>
             <a:endParaRPr lang="en-US"/>
           </a:p>
@@ -1693,7 +1694,7 @@
           <a:p>
             <a:fld id="{540C0B17-285F-4B24-A15E-231AC8C41BCD}" type="datetimeFigureOut">
               <a:rPr lang="en-US" smtClean="0"/>
-              <a:t>10/8/2018</a:t>
+              <a:t>10/11/2018</a:t>
             </a:fld>
             <a:endParaRPr lang="en-US"/>
           </a:p>
@@ -1958,7 +1959,7 @@
           <a:p>
             <a:fld id="{540C0B17-285F-4B24-A15E-231AC8C41BCD}" type="datetimeFigureOut">
               <a:rPr lang="en-US" smtClean="0"/>
-              <a:t>10/8/2018</a:t>
+              <a:t>10/11/2018</a:t>
             </a:fld>
             <a:endParaRPr lang="en-US"/>
           </a:p>
@@ -2370,7 +2371,7 @@
           <a:p>
             <a:fld id="{540C0B17-285F-4B24-A15E-231AC8C41BCD}" type="datetimeFigureOut">
               <a:rPr lang="en-US" smtClean="0"/>
-              <a:t>10/8/2018</a:t>
+              <a:t>10/11/2018</a:t>
             </a:fld>
             <a:endParaRPr lang="en-US"/>
           </a:p>
@@ -2511,7 +2512,7 @@
           <a:p>
             <a:fld id="{540C0B17-285F-4B24-A15E-231AC8C41BCD}" type="datetimeFigureOut">
               <a:rPr lang="en-US" smtClean="0"/>
-              <a:t>10/8/2018</a:t>
+              <a:t>10/11/2018</a:t>
             </a:fld>
             <a:endParaRPr lang="en-US"/>
           </a:p>
@@ -2624,7 +2625,7 @@
           <a:p>
             <a:fld id="{540C0B17-285F-4B24-A15E-231AC8C41BCD}" type="datetimeFigureOut">
               <a:rPr lang="en-US" smtClean="0"/>
-              <a:t>10/8/2018</a:t>
+              <a:t>10/11/2018</a:t>
             </a:fld>
             <a:endParaRPr lang="en-US"/>
           </a:p>
@@ -2935,7 +2936,7 @@
           <a:p>
             <a:fld id="{540C0B17-285F-4B24-A15E-231AC8C41BCD}" type="datetimeFigureOut">
               <a:rPr lang="en-US" smtClean="0"/>
-              <a:t>10/8/2018</a:t>
+              <a:t>10/11/2018</a:t>
             </a:fld>
             <a:endParaRPr lang="en-US"/>
           </a:p>
@@ -3223,7 +3224,7 @@
           <a:p>
             <a:fld id="{540C0B17-285F-4B24-A15E-231AC8C41BCD}" type="datetimeFigureOut">
               <a:rPr lang="en-US" smtClean="0"/>
-              <a:t>10/8/2018</a:t>
+              <a:t>10/11/2018</a:t>
             </a:fld>
             <a:endParaRPr lang="en-US"/>
           </a:p>
@@ -3464,7 +3465,7 @@
           <a:p>
             <a:fld id="{540C0B17-285F-4B24-A15E-231AC8C41BCD}" type="datetimeFigureOut">
               <a:rPr lang="en-US" smtClean="0"/>
-              <a:t>10/8/2018</a:t>
+              <a:t>10/11/2018</a:t>
             </a:fld>
             <a:endParaRPr lang="en-US"/>
           </a:p>
@@ -11123,6 +11124,663 @@
           <p:cNvPr id="4" name="Picture 3">
             <a:extLst>
               <a:ext uri="{FF2B5EF4-FFF2-40B4-BE49-F238E27FC236}">
+                <a16:creationId xmlns:a16="http://schemas.microsoft.com/office/drawing/2014/main" id="{E149468F-F68A-4680-9D91-F31E7482E577}"/>
+              </a:ext>
+            </a:extLst>
+          </p:cNvPr>
+          <p:cNvPicPr>
+            <a:picLocks noChangeAspect="1"/>
+          </p:cNvPicPr>
+          <p:nvPr/>
+        </p:nvPicPr>
+        <p:blipFill>
+          <a:blip r:embed="rId2">
+            <a:extLst>
+              <a:ext uri="{28A0092B-C50C-407E-A947-70E740481C1C}">
+                <a14:useLocalDpi xmlns:a14="http://schemas.microsoft.com/office/drawing/2010/main" val="0"/>
+              </a:ext>
+            </a:extLst>
+          </a:blip>
+          <a:stretch>
+            <a:fillRect/>
+          </a:stretch>
+        </p:blipFill>
+        <p:spPr>
+          <a:xfrm>
+            <a:off x="346745" y="526572"/>
+            <a:ext cx="6649674" cy="6085549"/>
+          </a:xfrm>
+          <a:prstGeom prst="rect">
+            <a:avLst/>
+          </a:prstGeom>
+        </p:spPr>
+      </p:pic>
+      <mc:AlternateContent xmlns:mc="http://schemas.openxmlformats.org/markup-compatibility/2006" xmlns:a14="http://schemas.microsoft.com/office/drawing/2010/main">
+        <mc:Choice Requires="a14">
+          <p:sp>
+            <p:nvSpPr>
+              <p:cNvPr id="6" name="TextBox 5">
+                <a:extLst>
+                  <a:ext uri="{FF2B5EF4-FFF2-40B4-BE49-F238E27FC236}">
+                    <a16:creationId xmlns:a16="http://schemas.microsoft.com/office/drawing/2014/main" id="{1437CBAD-EC67-4783-B70D-34895A257870}"/>
+                  </a:ext>
+                </a:extLst>
+              </p:cNvPr>
+              <p:cNvSpPr txBox="1"/>
+              <p:nvPr/>
+            </p:nvSpPr>
+            <p:spPr>
+              <a:xfrm>
+                <a:off x="7256157" y="658336"/>
+                <a:ext cx="4816831" cy="1835439"/>
+              </a:xfrm>
+              <a:prstGeom prst="rect">
+                <a:avLst/>
+              </a:prstGeom>
+              <a:noFill/>
+            </p:spPr>
+            <p:txBody>
+              <a:bodyPr wrap="square" rtlCol="0">
+                <a:spAutoFit/>
+              </a:bodyPr>
+              <a:lstStyle/>
+              <a:p>
+                <a:pPr/>
+                <a14:m>
+                  <m:oMathPara xmlns:m="http://schemas.openxmlformats.org/officeDocument/2006/math">
+                    <m:oMathParaPr>
+                      <m:jc m:val="left"/>
+                    </m:oMathParaPr>
+                    <m:oMath xmlns:m="http://schemas.openxmlformats.org/officeDocument/2006/math">
+                      <m:sSub>
+                        <m:sSubPr>
+                          <m:ctrlPr>
+                            <a:rPr lang="en-US" b="0" i="1" smtClean="0">
+                              <a:latin typeface="Cambria Math" panose="02040503050406030204" pitchFamily="18" charset="0"/>
+                            </a:rPr>
+                          </m:ctrlPr>
+                        </m:sSubPr>
+                        <m:e>
+                          <m:r>
+                            <a:rPr lang="en-US" b="0" i="1" smtClean="0">
+                              <a:latin typeface="Cambria Math" panose="02040503050406030204" pitchFamily="18" charset="0"/>
+                            </a:rPr>
+                            <m:t>𝛾</m:t>
+                          </m:r>
+                        </m:e>
+                        <m:sub>
+                          <m:r>
+                            <a:rPr lang="en-US" b="0" i="1" smtClean="0">
+                              <a:latin typeface="Cambria Math" panose="02040503050406030204" pitchFamily="18" charset="0"/>
+                            </a:rPr>
+                            <m:t>±</m:t>
+                          </m:r>
+                        </m:sub>
+                      </m:sSub>
+                      <m:r>
+                        <a:rPr lang="en-US" b="0" i="1" smtClean="0">
+                          <a:latin typeface="Cambria Math" panose="02040503050406030204" pitchFamily="18" charset="0"/>
+                        </a:rPr>
+                        <m:t>=</m:t>
+                      </m:r>
+                      <m:r>
+                        <a:rPr lang="en-US" b="0" i="1" smtClean="0">
+                          <a:latin typeface="Cambria Math" panose="02040503050406030204" pitchFamily="18" charset="0"/>
+                        </a:rPr>
+                        <m:t>𝛾</m:t>
+                      </m:r>
+                      <m:d>
+                        <m:dPr>
+                          <m:ctrlPr>
+                            <a:rPr lang="en-US" b="0" i="1" smtClean="0">
+                              <a:latin typeface="Cambria Math" panose="02040503050406030204" pitchFamily="18" charset="0"/>
+                            </a:rPr>
+                          </m:ctrlPr>
+                        </m:dPr>
+                        <m:e>
+                          <m:r>
+                            <a:rPr lang="en-US" b="0" i="1" smtClean="0">
+                              <a:latin typeface="Cambria Math" panose="02040503050406030204" pitchFamily="18" charset="0"/>
+                            </a:rPr>
+                            <m:t>1±</m:t>
+                          </m:r>
+                          <m:sSub>
+                            <m:sSubPr>
+                              <m:ctrlPr>
+                                <a:rPr lang="en-US" b="0" i="1" smtClean="0">
+                                  <a:latin typeface="Cambria Math" panose="02040503050406030204" pitchFamily="18" charset="0"/>
+                                </a:rPr>
+                              </m:ctrlPr>
+                            </m:sSubPr>
+                            <m:e>
+                              <m:r>
+                                <a:rPr lang="en-US" b="0" i="1" smtClean="0">
+                                  <a:latin typeface="Cambria Math" panose="02040503050406030204" pitchFamily="18" charset="0"/>
+                                </a:rPr>
+                                <m:t>𝛾</m:t>
+                              </m:r>
+                            </m:e>
+                            <m:sub>
+                              <m:r>
+                                <a:rPr lang="en-US" b="0" i="1" smtClean="0">
+                                  <a:latin typeface="Cambria Math" panose="02040503050406030204" pitchFamily="18" charset="0"/>
+                                </a:rPr>
+                                <m:t>12</m:t>
+                              </m:r>
+                            </m:sub>
+                          </m:sSub>
+                        </m:e>
+                      </m:d>
+                      <m:r>
+                        <a:rPr lang="en-US" b="0" i="1" smtClean="0">
+                          <a:latin typeface="Cambria Math" panose="02040503050406030204" pitchFamily="18" charset="0"/>
+                        </a:rPr>
+                        <m:t>, </m:t>
+                      </m:r>
+                      <m:sSubSup>
+                        <m:sSubSupPr>
+                          <m:ctrlPr>
+                            <a:rPr lang="en-US" b="0" i="1" smtClean="0">
+                              <a:latin typeface="Cambria Math" panose="02040503050406030204" pitchFamily="18" charset="0"/>
+                            </a:rPr>
+                          </m:ctrlPr>
+                        </m:sSubSupPr>
+                        <m:e>
+                          <m:r>
+                            <a:rPr lang="en-US" b="0" i="1" smtClean="0">
+                              <a:latin typeface="Cambria Math" panose="02040503050406030204" pitchFamily="18" charset="0"/>
+                            </a:rPr>
+                            <m:t>𝛾</m:t>
+                          </m:r>
+                        </m:e>
+                        <m:sub>
+                          <m:r>
+                            <a:rPr lang="en-US" b="0" i="1" smtClean="0">
+                              <a:latin typeface="Cambria Math" panose="02040503050406030204" pitchFamily="18" charset="0"/>
+                            </a:rPr>
+                            <m:t>±</m:t>
+                          </m:r>
+                        </m:sub>
+                        <m:sup>
+                          <m:r>
+                            <a:rPr lang="en-US" b="0" i="1" smtClean="0">
+                              <a:latin typeface="Cambria Math" panose="02040503050406030204" pitchFamily="18" charset="0"/>
+                            </a:rPr>
+                            <m:t>′</m:t>
+                          </m:r>
+                        </m:sup>
+                      </m:sSubSup>
+                      <m:r>
+                        <a:rPr lang="en-US" b="0" i="1" smtClean="0">
+                          <a:latin typeface="Cambria Math" panose="02040503050406030204" pitchFamily="18" charset="0"/>
+                        </a:rPr>
+                        <m:t>=</m:t>
+                      </m:r>
+                      <m:r>
+                        <a:rPr lang="en-US" b="0" i="1" smtClean="0">
+                          <a:latin typeface="Cambria Math" panose="02040503050406030204" pitchFamily="18" charset="0"/>
+                        </a:rPr>
+                        <m:t>𝛾</m:t>
+                      </m:r>
+                      <m:d>
+                        <m:dPr>
+                          <m:ctrlPr>
+                            <a:rPr lang="en-US" b="0" i="1" smtClean="0">
+                              <a:latin typeface="Cambria Math" panose="02040503050406030204" pitchFamily="18" charset="0"/>
+                            </a:rPr>
+                          </m:ctrlPr>
+                        </m:dPr>
+                        <m:e>
+                          <m:sSubSup>
+                            <m:sSubSupPr>
+                              <m:ctrlPr>
+                                <a:rPr lang="en-US" b="0" i="1" smtClean="0">
+                                  <a:latin typeface="Cambria Math" panose="02040503050406030204" pitchFamily="18" charset="0"/>
+                                </a:rPr>
+                              </m:ctrlPr>
+                            </m:sSubSupPr>
+                            <m:e>
+                              <m:r>
+                                <a:rPr lang="en-US" b="0" i="1" smtClean="0">
+                                  <a:latin typeface="Cambria Math" panose="02040503050406030204" pitchFamily="18" charset="0"/>
+                                </a:rPr>
+                                <m:t>𝛾</m:t>
+                              </m:r>
+                            </m:e>
+                            <m:sub>
+                              <m:r>
+                                <a:rPr lang="en-US" b="0" i="1" smtClean="0">
+                                  <a:latin typeface="Cambria Math" panose="02040503050406030204" pitchFamily="18" charset="0"/>
+                                </a:rPr>
+                                <m:t>12</m:t>
+                              </m:r>
+                            </m:sub>
+                            <m:sup>
+                              <m:r>
+                                <a:rPr lang="en-US" b="0" i="1" smtClean="0">
+                                  <a:latin typeface="Cambria Math" panose="02040503050406030204" pitchFamily="18" charset="0"/>
+                                </a:rPr>
+                                <m:t>′</m:t>
+                              </m:r>
+                            </m:sup>
+                          </m:sSubSup>
+                          <m:r>
+                            <a:rPr lang="en-US" b="0" i="1" smtClean="0">
+                              <a:latin typeface="Cambria Math" panose="02040503050406030204" pitchFamily="18" charset="0"/>
+                            </a:rPr>
+                            <m:t>±</m:t>
+                          </m:r>
+                          <m:f>
+                            <m:fPr>
+                              <m:ctrlPr>
+                                <a:rPr lang="en-US" b="0" i="1" smtClean="0">
+                                  <a:latin typeface="Cambria Math" panose="02040503050406030204" pitchFamily="18" charset="0"/>
+                                </a:rPr>
+                              </m:ctrlPr>
+                            </m:fPr>
+                            <m:num>
+                              <m:r>
+                                <a:rPr lang="en-US" b="0" i="1" smtClean="0">
+                                  <a:latin typeface="Cambria Math" panose="02040503050406030204" pitchFamily="18" charset="0"/>
+                                </a:rPr>
+                                <m:t>1</m:t>
+                              </m:r>
+                            </m:num>
+                            <m:den>
+                              <m:r>
+                                <a:rPr lang="en-US" b="0" i="1" smtClean="0">
+                                  <a:latin typeface="Cambria Math" panose="02040503050406030204" pitchFamily="18" charset="0"/>
+                                </a:rPr>
+                                <m:t>2</m:t>
+                              </m:r>
+                            </m:den>
+                          </m:f>
+                          <m:d>
+                            <m:dPr>
+                              <m:ctrlPr>
+                                <a:rPr lang="en-US" b="0" i="1" smtClean="0">
+                                  <a:latin typeface="Cambria Math" panose="02040503050406030204" pitchFamily="18" charset="0"/>
+                                </a:rPr>
+                              </m:ctrlPr>
+                            </m:dPr>
+                            <m:e>
+                              <m:sSubSup>
+                                <m:sSubSupPr>
+                                  <m:ctrlPr>
+                                    <a:rPr lang="en-US" b="0" i="1" smtClean="0">
+                                      <a:latin typeface="Cambria Math" panose="02040503050406030204" pitchFamily="18" charset="0"/>
+                                    </a:rPr>
+                                  </m:ctrlPr>
+                                </m:sSubSupPr>
+                                <m:e>
+                                  <m:r>
+                                    <a:rPr lang="en-US" b="0" i="1" smtClean="0">
+                                      <a:latin typeface="Cambria Math" panose="02040503050406030204" pitchFamily="18" charset="0"/>
+                                    </a:rPr>
+                                    <m:t>𝛾</m:t>
+                                  </m:r>
+                                </m:e>
+                                <m:sub>
+                                  <m:r>
+                                    <a:rPr lang="en-US" b="0" i="1" smtClean="0">
+                                      <a:latin typeface="Cambria Math" panose="02040503050406030204" pitchFamily="18" charset="0"/>
+                                    </a:rPr>
+                                    <m:t>11</m:t>
+                                  </m:r>
+                                </m:sub>
+                                <m:sup>
+                                  <m:r>
+                                    <a:rPr lang="en-US" b="0" i="1" smtClean="0">
+                                      <a:latin typeface="Cambria Math" panose="02040503050406030204" pitchFamily="18" charset="0"/>
+                                    </a:rPr>
+                                    <m:t>′</m:t>
+                                  </m:r>
+                                </m:sup>
+                              </m:sSubSup>
+                              <m:r>
+                                <a:rPr lang="en-US" b="0" i="1" smtClean="0">
+                                  <a:latin typeface="Cambria Math" panose="02040503050406030204" pitchFamily="18" charset="0"/>
+                                </a:rPr>
+                                <m:t>+</m:t>
+                              </m:r>
+                              <m:sSubSup>
+                                <m:sSubSupPr>
+                                  <m:ctrlPr>
+                                    <a:rPr lang="en-US" b="0" i="1" smtClean="0">
+                                      <a:latin typeface="Cambria Math" panose="02040503050406030204" pitchFamily="18" charset="0"/>
+                                    </a:rPr>
+                                  </m:ctrlPr>
+                                </m:sSubSupPr>
+                                <m:e>
+                                  <m:r>
+                                    <a:rPr lang="en-US" b="0" i="1" smtClean="0">
+                                      <a:latin typeface="Cambria Math" panose="02040503050406030204" pitchFamily="18" charset="0"/>
+                                    </a:rPr>
+                                    <m:t>𝛾</m:t>
+                                  </m:r>
+                                </m:e>
+                                <m:sub>
+                                  <m:r>
+                                    <a:rPr lang="en-US" b="0" i="1" smtClean="0">
+                                      <a:latin typeface="Cambria Math" panose="02040503050406030204" pitchFamily="18" charset="0"/>
+                                    </a:rPr>
+                                    <m:t>22</m:t>
+                                  </m:r>
+                                </m:sub>
+                                <m:sup>
+                                  <m:r>
+                                    <a:rPr lang="en-US" b="0" i="1" smtClean="0">
+                                      <a:latin typeface="Cambria Math" panose="02040503050406030204" pitchFamily="18" charset="0"/>
+                                    </a:rPr>
+                                    <m:t>′</m:t>
+                                  </m:r>
+                                </m:sup>
+                              </m:sSubSup>
+                            </m:e>
+                          </m:d>
+                        </m:e>
+                      </m:d>
+                    </m:oMath>
+                  </m:oMathPara>
+                </a14:m>
+                <a:endParaRPr lang="en-US" b="0" dirty="0"/>
+              </a:p>
+              <a:p>
+                <a14:m>
+                  <m:oMath xmlns:m="http://schemas.openxmlformats.org/officeDocument/2006/math">
+                    <m:sSub>
+                      <m:sSubPr>
+                        <m:ctrlPr>
+                          <a:rPr lang="en-US" b="0" i="1" smtClean="0">
+                            <a:latin typeface="Cambria Math" panose="02040503050406030204" pitchFamily="18" charset="0"/>
+                          </a:rPr>
+                        </m:ctrlPr>
+                      </m:sSubPr>
+                      <m:e>
+                        <m:r>
+                          <a:rPr lang="en-US" b="0" i="1" smtClean="0">
+                            <a:latin typeface="Cambria Math" panose="02040503050406030204" pitchFamily="18" charset="0"/>
+                          </a:rPr>
+                          <m:t>𝑟</m:t>
+                        </m:r>
+                      </m:e>
+                      <m:sub>
+                        <m:r>
+                          <a:rPr lang="en-US" b="0" i="1" smtClean="0">
+                            <a:latin typeface="Cambria Math" panose="02040503050406030204" pitchFamily="18" charset="0"/>
+                          </a:rPr>
+                          <m:t>1</m:t>
+                        </m:r>
+                      </m:sub>
+                    </m:sSub>
+                    <m:r>
+                      <a:rPr lang="en-US" b="0" i="1" smtClean="0">
+                        <a:latin typeface="Cambria Math" panose="02040503050406030204" pitchFamily="18" charset="0"/>
+                      </a:rPr>
+                      <m:t>=0,</m:t>
+                    </m:r>
+                    <m:sSub>
+                      <m:sSubPr>
+                        <m:ctrlPr>
+                          <a:rPr lang="en-US" b="0" i="1" smtClean="0">
+                            <a:latin typeface="Cambria Math" panose="02040503050406030204" pitchFamily="18" charset="0"/>
+                          </a:rPr>
+                        </m:ctrlPr>
+                      </m:sSubPr>
+                      <m:e>
+                        <m:r>
+                          <a:rPr lang="en-US" b="0" i="1" smtClean="0">
+                            <a:latin typeface="Cambria Math" panose="02040503050406030204" pitchFamily="18" charset="0"/>
+                          </a:rPr>
+                          <m:t>𝑟</m:t>
+                        </m:r>
+                      </m:e>
+                      <m:sub>
+                        <m:r>
+                          <a:rPr lang="en-US" b="0" i="1" smtClean="0">
+                            <a:latin typeface="Cambria Math" panose="02040503050406030204" pitchFamily="18" charset="0"/>
+                          </a:rPr>
+                          <m:t>2</m:t>
+                        </m:r>
+                      </m:sub>
+                    </m:sSub>
+                    <m:r>
+                      <a:rPr lang="en-US" b="0" i="1" smtClean="0">
+                        <a:latin typeface="Cambria Math" panose="02040503050406030204" pitchFamily="18" charset="0"/>
+                      </a:rPr>
+                      <m:t>=</m:t>
+                    </m:r>
+                    <m:sSub>
+                      <m:sSubPr>
+                        <m:ctrlPr>
+                          <a:rPr lang="en-US" b="0" i="1" smtClean="0">
+                            <a:latin typeface="Cambria Math" panose="02040503050406030204" pitchFamily="18" charset="0"/>
+                          </a:rPr>
+                        </m:ctrlPr>
+                      </m:sSubPr>
+                      <m:e>
+                        <m:r>
+                          <a:rPr lang="en-US" b="0" i="1" smtClean="0">
+                            <a:latin typeface="Cambria Math" panose="02040503050406030204" pitchFamily="18" charset="0"/>
+                          </a:rPr>
+                          <m:t>𝜆</m:t>
+                        </m:r>
+                      </m:e>
+                      <m:sub>
+                        <m:r>
+                          <a:rPr lang="en-US" b="0" i="1" smtClean="0">
+                            <a:latin typeface="Cambria Math" panose="02040503050406030204" pitchFamily="18" charset="0"/>
+                          </a:rPr>
+                          <m:t>0</m:t>
+                        </m:r>
+                      </m:sub>
+                    </m:sSub>
+                  </m:oMath>
+                </a14:m>
+                <a:r>
+                  <a:rPr lang="en-US" dirty="0"/>
+                  <a:t>, r=1.5, initial state is ground state, at t=30, state is: </a:t>
+                </a:r>
+              </a:p>
+              <a:p>
+                <a:pPr/>
+                <a14:m>
+                  <m:oMathPara xmlns:m="http://schemas.openxmlformats.org/officeDocument/2006/math">
+                    <m:oMathParaPr>
+                      <m:jc m:val="left"/>
+                    </m:oMathParaPr>
+                    <m:oMath xmlns:m="http://schemas.openxmlformats.org/officeDocument/2006/math">
+                      <m:sSubSup>
+                        <m:sSubSupPr>
+                          <m:ctrlPr>
+                            <a:rPr lang="en-US" b="0" i="1" smtClean="0">
+                              <a:latin typeface="Cambria Math" panose="02040503050406030204" pitchFamily="18" charset="0"/>
+                            </a:rPr>
+                          </m:ctrlPr>
+                        </m:sSubSupPr>
+                        <m:e>
+                          <m:r>
+                            <a:rPr lang="en-US" b="0" i="1" smtClean="0">
+                              <a:latin typeface="Cambria Math" panose="02040503050406030204" pitchFamily="18" charset="0"/>
+                            </a:rPr>
+                            <m:t>𝛾</m:t>
+                          </m:r>
+                        </m:e>
+                        <m:sub>
+                          <m:r>
+                            <a:rPr lang="en-US" b="0" i="1" smtClean="0">
+                              <a:latin typeface="Cambria Math" panose="02040503050406030204" pitchFamily="18" charset="0"/>
+                            </a:rPr>
+                            <m:t>±</m:t>
+                          </m:r>
+                        </m:sub>
+                        <m:sup>
+                          <m:r>
+                            <a:rPr lang="en-US" b="0" i="1" smtClean="0">
+                              <a:latin typeface="Cambria Math" panose="02040503050406030204" pitchFamily="18" charset="0"/>
+                            </a:rPr>
+                            <m:t>′</m:t>
+                          </m:r>
+                        </m:sup>
+                      </m:sSubSup>
+                      <m:r>
+                        <a:rPr lang="en-US" b="0" i="1" smtClean="0">
+                          <a:latin typeface="Cambria Math" panose="02040503050406030204" pitchFamily="18" charset="0"/>
+                        </a:rPr>
+                        <m:t>≈</m:t>
+                      </m:r>
+                      <m:sSub>
+                        <m:sSubPr>
+                          <m:ctrlPr>
+                            <a:rPr lang="en-US" b="0" i="1" smtClean="0">
+                              <a:latin typeface="Cambria Math" panose="02040503050406030204" pitchFamily="18" charset="0"/>
+                            </a:rPr>
+                          </m:ctrlPr>
+                        </m:sSubPr>
+                        <m:e>
+                          <m:r>
+                            <a:rPr lang="en-US" b="0" i="1" smtClean="0">
+                              <a:latin typeface="Cambria Math" panose="02040503050406030204" pitchFamily="18" charset="0"/>
+                            </a:rPr>
+                            <m:t>𝛾</m:t>
+                          </m:r>
+                        </m:e>
+                        <m:sub>
+                          <m:r>
+                            <a:rPr lang="en-US" b="0" i="1" smtClean="0">
+                              <a:latin typeface="Cambria Math" panose="02040503050406030204" pitchFamily="18" charset="0"/>
+                            </a:rPr>
+                            <m:t>±</m:t>
+                          </m:r>
+                        </m:sub>
+                      </m:sSub>
+                      <m:r>
+                        <a:rPr lang="en-US" b="0" i="1" smtClean="0">
+                          <a:latin typeface="Cambria Math" panose="02040503050406030204" pitchFamily="18" charset="0"/>
+                        </a:rPr>
+                        <m:t>≈0</m:t>
+                      </m:r>
+                    </m:oMath>
+                  </m:oMathPara>
+                </a14:m>
+                <a:endParaRPr lang="en-US" b="0" dirty="0"/>
+              </a:p>
+              <a:p>
+                <a:endParaRPr lang="en-US" dirty="0"/>
+              </a:p>
+            </p:txBody>
+          </p:sp>
+        </mc:Choice>
+        <mc:Fallback xmlns="">
+          <p:sp>
+            <p:nvSpPr>
+              <p:cNvPr id="6" name="TextBox 5">
+                <a:extLst>
+                  <a:ext uri="{FF2B5EF4-FFF2-40B4-BE49-F238E27FC236}">
+                    <a16:creationId xmlns:a16="http://schemas.microsoft.com/office/drawing/2014/main" id="{1437CBAD-EC67-4783-B70D-34895A257870}"/>
+                  </a:ext>
+                </a:extLst>
+              </p:cNvPr>
+              <p:cNvSpPr txBox="1">
+                <a:spLocks noRot="1" noChangeAspect="1" noMove="1" noResize="1" noEditPoints="1" noAdjustHandles="1" noChangeArrowheads="1" noChangeShapeType="1" noTextEdit="1"/>
+              </p:cNvSpPr>
+              <p:nvPr/>
+            </p:nvSpPr>
+            <p:spPr>
+              <a:xfrm>
+                <a:off x="7256157" y="658336"/>
+                <a:ext cx="4816831" cy="1835439"/>
+              </a:xfrm>
+              <a:prstGeom prst="rect">
+                <a:avLst/>
+              </a:prstGeom>
+              <a:blipFill>
+                <a:blip r:embed="rId3"/>
+                <a:stretch>
+                  <a:fillRect l="-1013" r="-1772"/>
+                </a:stretch>
+              </a:blipFill>
+            </p:spPr>
+            <p:txBody>
+              <a:bodyPr/>
+              <a:lstStyle/>
+              <a:p>
+                <a:r>
+                  <a:rPr lang="en-US">
+                    <a:noFill/>
+                  </a:rPr>
+                  <a:t> </a:t>
+                </a:r>
+              </a:p>
+            </p:txBody>
+          </p:sp>
+        </mc:Fallback>
+      </mc:AlternateContent>
+      <p:pic>
+        <p:nvPicPr>
+          <p:cNvPr id="7" name="Picture 6">
+            <a:extLst>
+              <a:ext uri="{FF2B5EF4-FFF2-40B4-BE49-F238E27FC236}">
+                <a16:creationId xmlns:a16="http://schemas.microsoft.com/office/drawing/2014/main" id="{5657AB0F-4144-48B3-840B-8BCFBFDA0AE2}"/>
+              </a:ext>
+            </a:extLst>
+          </p:cNvPr>
+          <p:cNvPicPr>
+            <a:picLocks noChangeAspect="1"/>
+          </p:cNvPicPr>
+          <p:nvPr/>
+        </p:nvPicPr>
+        <p:blipFill>
+          <a:blip r:embed="rId4"/>
+          <a:stretch>
+            <a:fillRect/>
+          </a:stretch>
+        </p:blipFill>
+        <p:spPr>
+          <a:xfrm>
+            <a:off x="7186885" y="2291442"/>
+            <a:ext cx="4816831" cy="896155"/>
+          </a:xfrm>
+          <a:prstGeom prst="rect">
+            <a:avLst/>
+          </a:prstGeom>
+        </p:spPr>
+      </p:pic>
+    </p:spTree>
+    <p:extLst>
+      <p:ext uri="{BB962C8B-B14F-4D97-AF65-F5344CB8AC3E}">
+        <p14:creationId xmlns:p14="http://schemas.microsoft.com/office/powerpoint/2010/main" val="1698735388"/>
+      </p:ext>
+    </p:extLst>
+  </p:cSld>
+  <p:clrMapOvr>
+    <a:masterClrMapping/>
+  </p:clrMapOvr>
+</p:sld>
+</file>
+
+<file path=ppt/slides/slide15.xml><?xml version="1.0" encoding="utf-8"?>
+<p:sld xmlns:a="http://schemas.openxmlformats.org/drawingml/2006/main" xmlns:r="http://schemas.openxmlformats.org/officeDocument/2006/relationships" xmlns:p="http://schemas.openxmlformats.org/presentationml/2006/main">
+  <p:cSld>
+    <p:spTree>
+      <p:nvGrpSpPr>
+        <p:cNvPr id="1" name=""/>
+        <p:cNvGrpSpPr/>
+        <p:nvPr/>
+      </p:nvGrpSpPr>
+      <p:grpSpPr>
+        <a:xfrm>
+          <a:off x="0" y="0"/>
+          <a:ext cx="0" cy="0"/>
+          <a:chOff x="0" y="0"/>
+          <a:chExt cx="0" cy="0"/>
+        </a:xfrm>
+      </p:grpSpPr>
+      <p:pic>
+        <p:nvPicPr>
+          <p:cNvPr id="4" name="Picture 3">
+            <a:extLst>
+              <a:ext uri="{FF2B5EF4-FFF2-40B4-BE49-F238E27FC236}">
                 <a16:creationId xmlns:a16="http://schemas.microsoft.com/office/drawing/2014/main" id="{1D9B52AE-59E5-44AD-97AF-479EBE3BC739}"/>
               </a:ext>
             </a:extLst>
@@ -11191,7 +11849,7 @@
 </p:sld>
 </file>
 
-<file path=ppt/slides/slide15.xml><?xml version="1.0" encoding="utf-8"?>
+<file path=ppt/slides/slide16.xml><?xml version="1.0" encoding="utf-8"?>
 <p:sld xmlns:a="http://schemas.openxmlformats.org/drawingml/2006/main" xmlns:r="http://schemas.openxmlformats.org/officeDocument/2006/relationships" xmlns:p="http://schemas.openxmlformats.org/presentationml/2006/main">
   <p:cSld>
     <p:spTree>
@@ -11271,7 +11929,7 @@
 </p:sld>
 </file>
 
-<file path=ppt/slides/slide16.xml><?xml version="1.0" encoding="utf-8"?>
+<file path=ppt/slides/slide17.xml><?xml version="1.0" encoding="utf-8"?>
 <p:sld xmlns:a="http://schemas.openxmlformats.org/drawingml/2006/main" xmlns:r="http://schemas.openxmlformats.org/officeDocument/2006/relationships" xmlns:p="http://schemas.openxmlformats.org/presentationml/2006/main">
   <p:cSld>
     <p:spTree>
@@ -11351,7 +12009,7 @@
 </p:sld>
 </file>
 
-<file path=ppt/slides/slide17.xml><?xml version="1.0" encoding="utf-8"?>
+<file path=ppt/slides/slide18.xml><?xml version="1.0" encoding="utf-8"?>
 <p:sld xmlns:a="http://schemas.openxmlformats.org/drawingml/2006/main" xmlns:r="http://schemas.openxmlformats.org/officeDocument/2006/relationships" xmlns:p="http://schemas.openxmlformats.org/presentationml/2006/main">
   <p:cSld>
     <p:spTree>
@@ -12944,7 +13602,7 @@
 </p:sld>
 </file>
 
-<file path=ppt/slides/slide18.xml><?xml version="1.0" encoding="utf-8"?>
+<file path=ppt/slides/slide19.xml><?xml version="1.0" encoding="utf-8"?>
 <p:sld xmlns:a="http://schemas.openxmlformats.org/drawingml/2006/main" xmlns:r="http://schemas.openxmlformats.org/officeDocument/2006/relationships" xmlns:p="http://schemas.openxmlformats.org/presentationml/2006/main">
   <p:cSld>
     <p:spTree>
@@ -14833,1143 +15491,6 @@
     <p:extLst>
       <p:ext uri="{BB962C8B-B14F-4D97-AF65-F5344CB8AC3E}">
         <p14:creationId xmlns:p14="http://schemas.microsoft.com/office/powerpoint/2010/main" val="3396556860"/>
-      </p:ext>
-    </p:extLst>
-  </p:cSld>
-  <p:clrMapOvr>
-    <a:masterClrMapping/>
-  </p:clrMapOvr>
-</p:sld>
-</file>
-
-<file path=ppt/slides/slide19.xml><?xml version="1.0" encoding="utf-8"?>
-<p:sld xmlns:a="http://schemas.openxmlformats.org/drawingml/2006/main" xmlns:r="http://schemas.openxmlformats.org/officeDocument/2006/relationships" xmlns:p="http://schemas.openxmlformats.org/presentationml/2006/main">
-  <p:cSld>
-    <p:spTree>
-      <p:nvGrpSpPr>
-        <p:cNvPr id="1" name=""/>
-        <p:cNvGrpSpPr/>
-        <p:nvPr/>
-      </p:nvGrpSpPr>
-      <p:grpSpPr>
-        <a:xfrm>
-          <a:off x="0" y="0"/>
-          <a:ext cx="0" cy="0"/>
-          <a:chOff x="0" y="0"/>
-          <a:chExt cx="0" cy="0"/>
-        </a:xfrm>
-      </p:grpSpPr>
-      <mc:AlternateContent xmlns:mc="http://schemas.openxmlformats.org/markup-compatibility/2006" xmlns:a14="http://schemas.microsoft.com/office/drawing/2010/main">
-        <mc:Choice Requires="a14">
-          <p:sp>
-            <p:nvSpPr>
-              <p:cNvPr id="3" name="TextBox 2">
-                <a:extLst>
-                  <a:ext uri="{FF2B5EF4-FFF2-40B4-BE49-F238E27FC236}">
-                    <a16:creationId xmlns:a16="http://schemas.microsoft.com/office/drawing/2014/main" id="{E540FA91-4BF6-4A2A-BB3B-5DE238C8AF72}"/>
-                  </a:ext>
-                </a:extLst>
-              </p:cNvPr>
-              <p:cNvSpPr txBox="1"/>
-              <p:nvPr/>
-            </p:nvSpPr>
-            <p:spPr>
-              <a:xfrm>
-                <a:off x="515270" y="957862"/>
-                <a:ext cx="10835035" cy="6361485"/>
-              </a:xfrm>
-              <a:prstGeom prst="rect">
-                <a:avLst/>
-              </a:prstGeom>
-              <a:noFill/>
-            </p:spPr>
-            <p:txBody>
-              <a:bodyPr wrap="square" rtlCol="0">
-                <a:spAutoFit/>
-              </a:bodyPr>
-              <a:lstStyle/>
-              <a:p>
-                <a:r>
-                  <a:rPr lang="en-US" sz="2800" dirty="0"/>
-                  <a:t>Squeezed vacuum:</a:t>
-                </a:r>
-              </a:p>
-              <a:p>
-                <a:pPr marL="457200" indent="-457200">
-                  <a:buFont typeface="Arial" panose="020B0604020202020204" pitchFamily="34" charset="0"/>
-                  <a:buChar char="•"/>
-                </a:pPr>
-                <a14:m>
-                  <m:oMath xmlns:m="http://schemas.openxmlformats.org/officeDocument/2006/math">
-                    <m:m>
-                      <m:mPr>
-                        <m:mcs>
-                          <m:mc>
-                            <m:mcPr>
-                              <m:count m:val="3"/>
-                              <m:mcJc m:val="center"/>
-                            </m:mcPr>
-                          </m:mc>
-                        </m:mcs>
-                        <m:ctrlPr>
-                          <a:rPr lang="en-US" sz="2800" i="1">
-                            <a:latin typeface="Cambria Math" panose="02040503050406030204" pitchFamily="18" charset="0"/>
-                          </a:rPr>
-                        </m:ctrlPr>
-                      </m:mPr>
-                      <m:mr>
-                        <m:e>
-                          <m:r>
-                            <m:rPr>
-                              <m:brk m:alnAt="7"/>
-                            </m:rPr>
-                            <a:rPr lang="en-US" sz="2800" i="1">
-                              <a:latin typeface="Cambria Math" panose="02040503050406030204" pitchFamily="18" charset="0"/>
-                            </a:rPr>
-                            <m:t>𝑠</m:t>
-                          </m:r>
-                          <m:sSup>
-                            <m:sSupPr>
-                              <m:ctrlPr>
-                                <a:rPr lang="en-US" sz="2800" i="1">
-                                  <a:latin typeface="Cambria Math" panose="02040503050406030204" pitchFamily="18" charset="0"/>
-                                </a:rPr>
-                              </m:ctrlPr>
-                            </m:sSupPr>
-                            <m:e>
-                              <m:r>
-                                <a:rPr lang="en-US" sz="2800" i="1">
-                                  <a:latin typeface="Cambria Math" panose="02040503050406030204" pitchFamily="18" charset="0"/>
-                                </a:rPr>
-                                <m:t>h</m:t>
-                              </m:r>
-                            </m:e>
-                            <m:sup>
-                              <m:r>
-                                <a:rPr lang="en-US" sz="2800" i="1">
-                                  <a:latin typeface="Cambria Math" panose="02040503050406030204" pitchFamily="18" charset="0"/>
-                                </a:rPr>
-                                <m:t>2</m:t>
-                              </m:r>
-                            </m:sup>
-                          </m:sSup>
-                          <m:r>
-                            <a:rPr lang="en-US" sz="2800" i="1">
-                              <a:latin typeface="Cambria Math" panose="02040503050406030204" pitchFamily="18" charset="0"/>
-                            </a:rPr>
-                            <m:t>/(</m:t>
-                          </m:r>
-                          <m:r>
-                            <a:rPr lang="en-US" sz="2800" b="0" i="1" smtClean="0">
-                              <a:latin typeface="Cambria Math" panose="02040503050406030204" pitchFamily="18" charset="0"/>
-                            </a:rPr>
-                            <m:t>1</m:t>
-                          </m:r>
-                          <m:r>
-                            <a:rPr lang="en-US" sz="2800" i="1">
-                              <a:latin typeface="Cambria Math" panose="02040503050406030204" pitchFamily="18" charset="0"/>
-                            </a:rPr>
-                            <m:t>+</m:t>
-                          </m:r>
-                          <m:r>
-                            <a:rPr lang="en-US" sz="2800" b="0" i="1" smtClean="0">
-                              <a:latin typeface="Cambria Math" panose="02040503050406030204" pitchFamily="18" charset="0"/>
-                            </a:rPr>
-                            <m:t>3</m:t>
-                          </m:r>
-                          <m:r>
-                            <a:rPr lang="en-US" sz="2800" i="1">
-                              <a:latin typeface="Cambria Math" panose="02040503050406030204" pitchFamily="18" charset="0"/>
-                            </a:rPr>
-                            <m:t>𝑠</m:t>
-                          </m:r>
-                          <m:sSup>
-                            <m:sSupPr>
-                              <m:ctrlPr>
-                                <a:rPr lang="en-US" sz="2800" i="1">
-                                  <a:latin typeface="Cambria Math" panose="02040503050406030204" pitchFamily="18" charset="0"/>
-                                </a:rPr>
-                              </m:ctrlPr>
-                            </m:sSupPr>
-                            <m:e>
-                              <m:r>
-                                <a:rPr lang="en-US" sz="2800" i="1">
-                                  <a:latin typeface="Cambria Math" panose="02040503050406030204" pitchFamily="18" charset="0"/>
-                                </a:rPr>
-                                <m:t>h</m:t>
-                              </m:r>
-                            </m:e>
-                            <m:sup>
-                              <m:r>
-                                <a:rPr lang="en-US" sz="2800" i="1">
-                                  <a:latin typeface="Cambria Math" panose="02040503050406030204" pitchFamily="18" charset="0"/>
-                                </a:rPr>
-                                <m:t>2</m:t>
-                              </m:r>
-                            </m:sup>
-                          </m:sSup>
-                          <m:r>
-                            <a:rPr lang="en-US" sz="2800" i="1">
-                              <a:latin typeface="Cambria Math" panose="02040503050406030204" pitchFamily="18" charset="0"/>
-                            </a:rPr>
-                            <m:t>)</m:t>
-                          </m:r>
-                        </m:e>
-                        <m:e>
-                          <m:r>
-                            <a:rPr lang="en-US" sz="2800" b="0" i="1" smtClean="0">
-                              <a:latin typeface="Cambria Math" panose="02040503050406030204" pitchFamily="18" charset="0"/>
-                            </a:rPr>
-                            <m:t>0</m:t>
-                          </m:r>
-                        </m:e>
-                        <m:e/>
-                      </m:mr>
-                      <m:mr>
-                        <m:e>
-                          <m:r>
-                            <a:rPr lang="en-US" sz="2800" b="0" i="1" smtClean="0">
-                              <a:latin typeface="Cambria Math" panose="02040503050406030204" pitchFamily="18" charset="0"/>
-                            </a:rPr>
-                            <m:t>0</m:t>
-                          </m:r>
-                        </m:e>
-                        <m:e>
-                          <m:r>
-                            <m:rPr>
-                              <m:brk m:alnAt="7"/>
-                            </m:rPr>
-                            <a:rPr lang="en-US" sz="2800" i="1">
-                              <a:latin typeface="Cambria Math" panose="02040503050406030204" pitchFamily="18" charset="0"/>
-                            </a:rPr>
-                            <m:t>𝑠</m:t>
-                          </m:r>
-                          <m:sSup>
-                            <m:sSupPr>
-                              <m:ctrlPr>
-                                <a:rPr lang="en-US" sz="2800" i="1">
-                                  <a:latin typeface="Cambria Math" panose="02040503050406030204" pitchFamily="18" charset="0"/>
-                                </a:rPr>
-                              </m:ctrlPr>
-                            </m:sSupPr>
-                            <m:e>
-                              <m:r>
-                                <a:rPr lang="en-US" sz="2800" i="1">
-                                  <a:latin typeface="Cambria Math" panose="02040503050406030204" pitchFamily="18" charset="0"/>
-                                </a:rPr>
-                                <m:t>h</m:t>
-                              </m:r>
-                            </m:e>
-                            <m:sup>
-                              <m:r>
-                                <a:rPr lang="en-US" sz="2800" i="1">
-                                  <a:latin typeface="Cambria Math" panose="02040503050406030204" pitchFamily="18" charset="0"/>
-                                </a:rPr>
-                                <m:t>2</m:t>
-                              </m:r>
-                            </m:sup>
-                          </m:sSup>
-                          <m:r>
-                            <a:rPr lang="en-US" sz="2800" i="1">
-                              <a:latin typeface="Cambria Math" panose="02040503050406030204" pitchFamily="18" charset="0"/>
-                            </a:rPr>
-                            <m:t>/(1+3</m:t>
-                          </m:r>
-                          <m:r>
-                            <a:rPr lang="en-US" sz="2800" i="1">
-                              <a:latin typeface="Cambria Math" panose="02040503050406030204" pitchFamily="18" charset="0"/>
-                            </a:rPr>
-                            <m:t>𝑠</m:t>
-                          </m:r>
-                          <m:sSup>
-                            <m:sSupPr>
-                              <m:ctrlPr>
-                                <a:rPr lang="en-US" sz="2800" i="1">
-                                  <a:latin typeface="Cambria Math" panose="02040503050406030204" pitchFamily="18" charset="0"/>
-                                </a:rPr>
-                              </m:ctrlPr>
-                            </m:sSupPr>
-                            <m:e>
-                              <m:r>
-                                <a:rPr lang="en-US" sz="2800" i="1">
-                                  <a:latin typeface="Cambria Math" panose="02040503050406030204" pitchFamily="18" charset="0"/>
-                                </a:rPr>
-                                <m:t>h</m:t>
-                              </m:r>
-                            </m:e>
-                            <m:sup>
-                              <m:r>
-                                <a:rPr lang="en-US" sz="2800" i="1">
-                                  <a:latin typeface="Cambria Math" panose="02040503050406030204" pitchFamily="18" charset="0"/>
-                                </a:rPr>
-                                <m:t>2</m:t>
-                              </m:r>
-                            </m:sup>
-                          </m:sSup>
-                          <m:r>
-                            <a:rPr lang="en-US" sz="2800" i="1">
-                              <a:latin typeface="Cambria Math" panose="02040503050406030204" pitchFamily="18" charset="0"/>
-                            </a:rPr>
-                            <m:t>)</m:t>
-                          </m:r>
-                        </m:e>
-                        <m:e/>
-                      </m:mr>
-                      <m:mr>
-                        <m:e/>
-                        <m:e/>
-                        <m:e>
-                          <m:r>
-                            <a:rPr lang="en-US" sz="2800" i="1">
-                              <a:latin typeface="Cambria Math" panose="02040503050406030204" pitchFamily="18" charset="0"/>
-                            </a:rPr>
-                            <m:t>𝑐</m:t>
-                          </m:r>
-                          <m:sSup>
-                            <m:sSupPr>
-                              <m:ctrlPr>
-                                <a:rPr lang="en-US" sz="2800" i="1">
-                                  <a:latin typeface="Cambria Math" panose="02040503050406030204" pitchFamily="18" charset="0"/>
-                                </a:rPr>
-                              </m:ctrlPr>
-                            </m:sSupPr>
-                            <m:e>
-                              <m:r>
-                                <a:rPr lang="en-US" sz="2800" i="1">
-                                  <a:latin typeface="Cambria Math" panose="02040503050406030204" pitchFamily="18" charset="0"/>
-                                </a:rPr>
-                                <m:t>h</m:t>
-                              </m:r>
-                            </m:e>
-                            <m:sup>
-                              <m:r>
-                                <a:rPr lang="en-US" sz="2800" i="1">
-                                  <a:latin typeface="Cambria Math" panose="02040503050406030204" pitchFamily="18" charset="0"/>
-                                </a:rPr>
-                                <m:t>2</m:t>
-                              </m:r>
-                            </m:sup>
-                          </m:sSup>
-                          <m:r>
-                            <a:rPr lang="en-US" sz="2800" i="1">
-                              <a:latin typeface="Cambria Math" panose="02040503050406030204" pitchFamily="18" charset="0"/>
-                            </a:rPr>
-                            <m:t>/(</m:t>
-                          </m:r>
-                          <m:r>
-                            <a:rPr lang="en-US" sz="2800" b="0" i="1" smtClean="0">
-                              <a:latin typeface="Cambria Math" panose="02040503050406030204" pitchFamily="18" charset="0"/>
-                            </a:rPr>
-                            <m:t>1</m:t>
-                          </m:r>
-                          <m:r>
-                            <a:rPr lang="en-US" sz="2800" i="1">
-                              <a:latin typeface="Cambria Math" panose="02040503050406030204" pitchFamily="18" charset="0"/>
-                            </a:rPr>
-                            <m:t>+</m:t>
-                          </m:r>
-                          <m:r>
-                            <a:rPr lang="en-US" sz="2800" b="0" i="1" smtClean="0">
-                              <a:latin typeface="Cambria Math" panose="02040503050406030204" pitchFamily="18" charset="0"/>
-                            </a:rPr>
-                            <m:t>3</m:t>
-                          </m:r>
-                          <m:r>
-                            <a:rPr lang="en-US" sz="2800" i="1">
-                              <a:latin typeface="Cambria Math" panose="02040503050406030204" pitchFamily="18" charset="0"/>
-                            </a:rPr>
-                            <m:t>𝑠</m:t>
-                          </m:r>
-                          <m:sSup>
-                            <m:sSupPr>
-                              <m:ctrlPr>
-                                <a:rPr lang="en-US" sz="2800" i="1">
-                                  <a:latin typeface="Cambria Math" panose="02040503050406030204" pitchFamily="18" charset="0"/>
-                                </a:rPr>
-                              </m:ctrlPr>
-                            </m:sSupPr>
-                            <m:e>
-                              <m:r>
-                                <a:rPr lang="en-US" sz="2800" i="1">
-                                  <a:latin typeface="Cambria Math" panose="02040503050406030204" pitchFamily="18" charset="0"/>
-                                </a:rPr>
-                                <m:t>h</m:t>
-                              </m:r>
-                            </m:e>
-                            <m:sup>
-                              <m:r>
-                                <a:rPr lang="en-US" sz="2800" i="1">
-                                  <a:latin typeface="Cambria Math" panose="02040503050406030204" pitchFamily="18" charset="0"/>
-                                </a:rPr>
-                                <m:t>2</m:t>
-                              </m:r>
-                            </m:sup>
-                          </m:sSup>
-                          <m:r>
-                            <a:rPr lang="en-US" sz="2800" i="1">
-                              <a:latin typeface="Cambria Math" panose="02040503050406030204" pitchFamily="18" charset="0"/>
-                            </a:rPr>
-                            <m:t>)</m:t>
-                          </m:r>
-                        </m:e>
-                      </m:mr>
-                    </m:m>
-                  </m:oMath>
-                </a14:m>
-                <a:endParaRPr lang="en-US" sz="2800" dirty="0"/>
-              </a:p>
-              <a:p>
-                <a:r>
-                  <a:rPr lang="en-US" sz="2800" dirty="0"/>
-                  <a:t>(This is also the result for thermal)</a:t>
-                </a:r>
-              </a:p>
-              <a:p>
-                <a:r>
-                  <a:rPr lang="en-US" sz="2800" dirty="0"/>
-                  <a:t>time evolution: for a-b, the evolution is identical, for ac, </a:t>
-                </a:r>
-                <a:r>
-                  <a:rPr lang="en-US" sz="2800" dirty="0" err="1"/>
-                  <a:t>bc</a:t>
-                </a:r>
-                <a:r>
-                  <a:rPr lang="en-US" sz="2800" dirty="0"/>
-                  <a:t>, the dephasing is faster/slower</a:t>
-                </a:r>
-              </a:p>
-              <a:p>
-                <a:endParaRPr lang="en-US" sz="2800" dirty="0"/>
-              </a:p>
-              <a:p>
-                <a:endParaRPr lang="en-US" sz="2800" dirty="0"/>
-              </a:p>
-              <a:p>
-                <a:r>
-                  <a:rPr lang="en-US" sz="2800" dirty="0"/>
-                  <a:t>equal energy gap: (the same for thermal)</a:t>
-                </a:r>
-              </a:p>
-              <a:p>
-                <a:pPr marL="457200" indent="-457200">
-                  <a:buFont typeface="Arial" panose="020B0604020202020204" pitchFamily="34" charset="0"/>
-                  <a:buChar char="•"/>
-                </a:pPr>
-                <a14:m>
-                  <m:oMath xmlns:m="http://schemas.openxmlformats.org/officeDocument/2006/math">
-                    <m:m>
-                      <m:mPr>
-                        <m:mcs>
-                          <m:mc>
-                            <m:mcPr>
-                              <m:count m:val="3"/>
-                              <m:mcJc m:val="center"/>
-                            </m:mcPr>
-                          </m:mc>
-                        </m:mcs>
-                        <m:ctrlPr>
-                          <a:rPr lang="en-US" sz="2800" i="1" smtClean="0">
-                            <a:latin typeface="Cambria Math" panose="02040503050406030204" pitchFamily="18" charset="0"/>
-                          </a:rPr>
-                        </m:ctrlPr>
-                      </m:mPr>
-                      <m:mr>
-                        <m:e>
-                          <m:r>
-                            <m:rPr>
-                              <m:brk m:alnAt="7"/>
-                            </m:rPr>
-                            <a:rPr lang="en-US" sz="2800" b="0" i="1" smtClean="0">
-                              <a:latin typeface="Cambria Math" panose="02040503050406030204" pitchFamily="18" charset="0"/>
-                            </a:rPr>
-                            <m:t>𝑠</m:t>
-                          </m:r>
-                          <m:sSup>
-                            <m:sSupPr>
-                              <m:ctrlPr>
-                                <a:rPr lang="en-US" sz="2800" i="1">
-                                  <a:latin typeface="Cambria Math" panose="02040503050406030204" pitchFamily="18" charset="0"/>
-                                </a:rPr>
-                              </m:ctrlPr>
-                            </m:sSupPr>
-                            <m:e>
-                              <m:r>
-                                <a:rPr lang="en-US" sz="2800" i="1">
-                                  <a:latin typeface="Cambria Math" panose="02040503050406030204" pitchFamily="18" charset="0"/>
-                                </a:rPr>
-                                <m:t>h</m:t>
-                              </m:r>
-                            </m:e>
-                            <m:sup>
-                              <m:r>
-                                <a:rPr lang="en-US" sz="2800" i="1">
-                                  <a:latin typeface="Cambria Math" panose="02040503050406030204" pitchFamily="18" charset="0"/>
-                                </a:rPr>
-                                <m:t>2</m:t>
-                              </m:r>
-                            </m:sup>
-                          </m:sSup>
-                          <m:r>
-                            <a:rPr lang="en-US" sz="2800" i="1">
-                              <a:latin typeface="Cambria Math" panose="02040503050406030204" pitchFamily="18" charset="0"/>
-                            </a:rPr>
-                            <m:t>/</m:t>
-                          </m:r>
-                          <m:r>
-                            <a:rPr lang="en-US" sz="2800" b="0" i="1" smtClean="0">
-                              <a:latin typeface="Cambria Math" panose="02040503050406030204" pitchFamily="18" charset="0"/>
-                            </a:rPr>
-                            <m:t>2</m:t>
-                          </m:r>
-                          <m:r>
-                            <a:rPr lang="en-US" sz="2800" i="1">
-                              <a:latin typeface="Cambria Math" panose="02040503050406030204" pitchFamily="18" charset="0"/>
-                            </a:rPr>
-                            <m:t>(</m:t>
-                          </m:r>
-                          <m:r>
-                            <a:rPr lang="en-US" sz="2800" i="1">
-                              <a:latin typeface="Cambria Math" panose="02040503050406030204" pitchFamily="18" charset="0"/>
-                            </a:rPr>
-                            <m:t>𝑐</m:t>
-                          </m:r>
-                          <m:sSup>
-                            <m:sSupPr>
-                              <m:ctrlPr>
-                                <a:rPr lang="en-US" sz="2800" i="1">
-                                  <a:latin typeface="Cambria Math" panose="02040503050406030204" pitchFamily="18" charset="0"/>
-                                </a:rPr>
-                              </m:ctrlPr>
-                            </m:sSupPr>
-                            <m:e>
-                              <m:r>
-                                <a:rPr lang="en-US" sz="2800" i="1">
-                                  <a:latin typeface="Cambria Math" panose="02040503050406030204" pitchFamily="18" charset="0"/>
-                                </a:rPr>
-                                <m:t>h</m:t>
-                              </m:r>
-                            </m:e>
-                            <m:sup>
-                              <m:r>
-                                <a:rPr lang="en-US" sz="2800" i="1">
-                                  <a:latin typeface="Cambria Math" panose="02040503050406030204" pitchFamily="18" charset="0"/>
-                                </a:rPr>
-                                <m:t>2</m:t>
-                              </m:r>
-                            </m:sup>
-                          </m:sSup>
-                          <m:r>
-                            <a:rPr lang="en-US" sz="2800" i="1">
-                              <a:latin typeface="Cambria Math" panose="02040503050406030204" pitchFamily="18" charset="0"/>
-                            </a:rPr>
-                            <m:t>+</m:t>
-                          </m:r>
-                          <m:r>
-                            <a:rPr lang="en-US" sz="2800" i="1">
-                              <a:latin typeface="Cambria Math" panose="02040503050406030204" pitchFamily="18" charset="0"/>
-                            </a:rPr>
-                            <m:t>𝑠</m:t>
-                          </m:r>
-                          <m:sSup>
-                            <m:sSupPr>
-                              <m:ctrlPr>
-                                <a:rPr lang="en-US" sz="2800" i="1">
-                                  <a:latin typeface="Cambria Math" panose="02040503050406030204" pitchFamily="18" charset="0"/>
-                                </a:rPr>
-                              </m:ctrlPr>
-                            </m:sSupPr>
-                            <m:e>
-                              <m:r>
-                                <a:rPr lang="en-US" sz="2800" i="1">
-                                  <a:latin typeface="Cambria Math" panose="02040503050406030204" pitchFamily="18" charset="0"/>
-                                </a:rPr>
-                                <m:t>h</m:t>
-                              </m:r>
-                            </m:e>
-                            <m:sup>
-                              <m:r>
-                                <a:rPr lang="en-US" sz="2800" i="1">
-                                  <a:latin typeface="Cambria Math" panose="02040503050406030204" pitchFamily="18" charset="0"/>
-                                </a:rPr>
-                                <m:t>2</m:t>
-                              </m:r>
-                            </m:sup>
-                          </m:sSup>
-                          <m:r>
-                            <a:rPr lang="en-US" sz="2800" b="0" i="1" smtClean="0">
-                              <a:latin typeface="Cambria Math" panose="02040503050406030204" pitchFamily="18" charset="0"/>
-                            </a:rPr>
-                            <m:t>)</m:t>
-                          </m:r>
-                        </m:e>
-                        <m:e>
-                          <m:r>
-                            <m:rPr>
-                              <m:brk m:alnAt="7"/>
-                            </m:rPr>
-                            <a:rPr lang="en-US" sz="2800" i="1">
-                              <a:latin typeface="Cambria Math" panose="02040503050406030204" pitchFamily="18" charset="0"/>
-                            </a:rPr>
-                            <m:t>𝑠</m:t>
-                          </m:r>
-                          <m:sSup>
-                            <m:sSupPr>
-                              <m:ctrlPr>
-                                <a:rPr lang="en-US" sz="2800" i="1">
-                                  <a:latin typeface="Cambria Math" panose="02040503050406030204" pitchFamily="18" charset="0"/>
-                                </a:rPr>
-                              </m:ctrlPr>
-                            </m:sSupPr>
-                            <m:e>
-                              <m:r>
-                                <a:rPr lang="en-US" sz="2800" i="1">
-                                  <a:latin typeface="Cambria Math" panose="02040503050406030204" pitchFamily="18" charset="0"/>
-                                </a:rPr>
-                                <m:t>h</m:t>
-                              </m:r>
-                            </m:e>
-                            <m:sup>
-                              <m:r>
-                                <a:rPr lang="en-US" sz="2800" i="1">
-                                  <a:latin typeface="Cambria Math" panose="02040503050406030204" pitchFamily="18" charset="0"/>
-                                </a:rPr>
-                                <m:t>2</m:t>
-                              </m:r>
-                            </m:sup>
-                          </m:sSup>
-                          <m:r>
-                            <a:rPr lang="en-US" sz="2800" i="1">
-                              <a:latin typeface="Cambria Math" panose="02040503050406030204" pitchFamily="18" charset="0"/>
-                            </a:rPr>
-                            <m:t>/2(</m:t>
-                          </m:r>
-                          <m:r>
-                            <a:rPr lang="en-US" sz="2800" i="1">
-                              <a:latin typeface="Cambria Math" panose="02040503050406030204" pitchFamily="18" charset="0"/>
-                            </a:rPr>
-                            <m:t>𝑐</m:t>
-                          </m:r>
-                          <m:sSup>
-                            <m:sSupPr>
-                              <m:ctrlPr>
-                                <a:rPr lang="en-US" sz="2800" i="1">
-                                  <a:latin typeface="Cambria Math" panose="02040503050406030204" pitchFamily="18" charset="0"/>
-                                </a:rPr>
-                              </m:ctrlPr>
-                            </m:sSupPr>
-                            <m:e>
-                              <m:r>
-                                <a:rPr lang="en-US" sz="2800" i="1">
-                                  <a:latin typeface="Cambria Math" panose="02040503050406030204" pitchFamily="18" charset="0"/>
-                                </a:rPr>
-                                <m:t>h</m:t>
-                              </m:r>
-                            </m:e>
-                            <m:sup>
-                              <m:r>
-                                <a:rPr lang="en-US" sz="2800" i="1">
-                                  <a:latin typeface="Cambria Math" panose="02040503050406030204" pitchFamily="18" charset="0"/>
-                                </a:rPr>
-                                <m:t>2</m:t>
-                              </m:r>
-                            </m:sup>
-                          </m:sSup>
-                          <m:r>
-                            <a:rPr lang="en-US" sz="2800" i="1">
-                              <a:latin typeface="Cambria Math" panose="02040503050406030204" pitchFamily="18" charset="0"/>
-                            </a:rPr>
-                            <m:t>+</m:t>
-                          </m:r>
-                          <m:r>
-                            <a:rPr lang="en-US" sz="2800" i="1">
-                              <a:latin typeface="Cambria Math" panose="02040503050406030204" pitchFamily="18" charset="0"/>
-                            </a:rPr>
-                            <m:t>𝑠</m:t>
-                          </m:r>
-                          <m:sSup>
-                            <m:sSupPr>
-                              <m:ctrlPr>
-                                <a:rPr lang="en-US" sz="2800" i="1">
-                                  <a:latin typeface="Cambria Math" panose="02040503050406030204" pitchFamily="18" charset="0"/>
-                                </a:rPr>
-                              </m:ctrlPr>
-                            </m:sSupPr>
-                            <m:e>
-                              <m:r>
-                                <a:rPr lang="en-US" sz="2800" i="1">
-                                  <a:latin typeface="Cambria Math" panose="02040503050406030204" pitchFamily="18" charset="0"/>
-                                </a:rPr>
-                                <m:t>h</m:t>
-                              </m:r>
-                            </m:e>
-                            <m:sup>
-                              <m:r>
-                                <a:rPr lang="en-US" sz="2800" i="1">
-                                  <a:latin typeface="Cambria Math" panose="02040503050406030204" pitchFamily="18" charset="0"/>
-                                </a:rPr>
-                                <m:t>2</m:t>
-                              </m:r>
-                            </m:sup>
-                          </m:sSup>
-                          <m:r>
-                            <a:rPr lang="en-US" sz="2800" i="1">
-                              <a:latin typeface="Cambria Math" panose="02040503050406030204" pitchFamily="18" charset="0"/>
-                            </a:rPr>
-                            <m:t>)</m:t>
-                          </m:r>
-                        </m:e>
-                        <m:e/>
-                      </m:mr>
-                      <m:mr>
-                        <m:e>
-                          <m:r>
-                            <m:rPr>
-                              <m:brk m:alnAt="7"/>
-                            </m:rPr>
-                            <a:rPr lang="en-US" sz="2800" i="1">
-                              <a:latin typeface="Cambria Math" panose="02040503050406030204" pitchFamily="18" charset="0"/>
-                            </a:rPr>
-                            <m:t>𝑠</m:t>
-                          </m:r>
-                          <m:sSup>
-                            <m:sSupPr>
-                              <m:ctrlPr>
-                                <a:rPr lang="en-US" sz="2800" i="1">
-                                  <a:latin typeface="Cambria Math" panose="02040503050406030204" pitchFamily="18" charset="0"/>
-                                </a:rPr>
-                              </m:ctrlPr>
-                            </m:sSupPr>
-                            <m:e>
-                              <m:r>
-                                <a:rPr lang="en-US" sz="2800" i="1">
-                                  <a:latin typeface="Cambria Math" panose="02040503050406030204" pitchFamily="18" charset="0"/>
-                                </a:rPr>
-                                <m:t>h</m:t>
-                              </m:r>
-                            </m:e>
-                            <m:sup>
-                              <m:r>
-                                <a:rPr lang="en-US" sz="2800" i="1">
-                                  <a:latin typeface="Cambria Math" panose="02040503050406030204" pitchFamily="18" charset="0"/>
-                                </a:rPr>
-                                <m:t>2</m:t>
-                              </m:r>
-                            </m:sup>
-                          </m:sSup>
-                          <m:r>
-                            <a:rPr lang="en-US" sz="2800" i="1">
-                              <a:latin typeface="Cambria Math" panose="02040503050406030204" pitchFamily="18" charset="0"/>
-                            </a:rPr>
-                            <m:t>/2(</m:t>
-                          </m:r>
-                          <m:r>
-                            <a:rPr lang="en-US" sz="2800" i="1">
-                              <a:latin typeface="Cambria Math" panose="02040503050406030204" pitchFamily="18" charset="0"/>
-                            </a:rPr>
-                            <m:t>𝑐</m:t>
-                          </m:r>
-                          <m:sSup>
-                            <m:sSupPr>
-                              <m:ctrlPr>
-                                <a:rPr lang="en-US" sz="2800" i="1">
-                                  <a:latin typeface="Cambria Math" panose="02040503050406030204" pitchFamily="18" charset="0"/>
-                                </a:rPr>
-                              </m:ctrlPr>
-                            </m:sSupPr>
-                            <m:e>
-                              <m:r>
-                                <a:rPr lang="en-US" sz="2800" i="1">
-                                  <a:latin typeface="Cambria Math" panose="02040503050406030204" pitchFamily="18" charset="0"/>
-                                </a:rPr>
-                                <m:t>h</m:t>
-                              </m:r>
-                            </m:e>
-                            <m:sup>
-                              <m:r>
-                                <a:rPr lang="en-US" sz="2800" i="1">
-                                  <a:latin typeface="Cambria Math" panose="02040503050406030204" pitchFamily="18" charset="0"/>
-                                </a:rPr>
-                                <m:t>2</m:t>
-                              </m:r>
-                            </m:sup>
-                          </m:sSup>
-                          <m:r>
-                            <a:rPr lang="en-US" sz="2800" i="1">
-                              <a:latin typeface="Cambria Math" panose="02040503050406030204" pitchFamily="18" charset="0"/>
-                            </a:rPr>
-                            <m:t>+</m:t>
-                          </m:r>
-                          <m:r>
-                            <a:rPr lang="en-US" sz="2800" i="1">
-                              <a:latin typeface="Cambria Math" panose="02040503050406030204" pitchFamily="18" charset="0"/>
-                            </a:rPr>
-                            <m:t>𝑠</m:t>
-                          </m:r>
-                          <m:sSup>
-                            <m:sSupPr>
-                              <m:ctrlPr>
-                                <a:rPr lang="en-US" sz="2800" i="1">
-                                  <a:latin typeface="Cambria Math" panose="02040503050406030204" pitchFamily="18" charset="0"/>
-                                </a:rPr>
-                              </m:ctrlPr>
-                            </m:sSupPr>
-                            <m:e>
-                              <m:r>
-                                <a:rPr lang="en-US" sz="2800" i="1">
-                                  <a:latin typeface="Cambria Math" panose="02040503050406030204" pitchFamily="18" charset="0"/>
-                                </a:rPr>
-                                <m:t>h</m:t>
-                              </m:r>
-                            </m:e>
-                            <m:sup>
-                              <m:r>
-                                <a:rPr lang="en-US" sz="2800" i="1">
-                                  <a:latin typeface="Cambria Math" panose="02040503050406030204" pitchFamily="18" charset="0"/>
-                                </a:rPr>
-                                <m:t>2</m:t>
-                              </m:r>
-                            </m:sup>
-                          </m:sSup>
-                          <m:r>
-                            <a:rPr lang="en-US" sz="2800" i="1">
-                              <a:latin typeface="Cambria Math" panose="02040503050406030204" pitchFamily="18" charset="0"/>
-                            </a:rPr>
-                            <m:t>)</m:t>
-                          </m:r>
-                        </m:e>
-                        <m:e>
-                          <m:r>
-                            <m:rPr>
-                              <m:brk m:alnAt="7"/>
-                            </m:rPr>
-                            <a:rPr lang="en-US" sz="2800" i="1">
-                              <a:latin typeface="Cambria Math" panose="02040503050406030204" pitchFamily="18" charset="0"/>
-                            </a:rPr>
-                            <m:t>𝑠</m:t>
-                          </m:r>
-                          <m:sSup>
-                            <m:sSupPr>
-                              <m:ctrlPr>
-                                <a:rPr lang="en-US" sz="2800" i="1">
-                                  <a:latin typeface="Cambria Math" panose="02040503050406030204" pitchFamily="18" charset="0"/>
-                                </a:rPr>
-                              </m:ctrlPr>
-                            </m:sSupPr>
-                            <m:e>
-                              <m:r>
-                                <a:rPr lang="en-US" sz="2800" i="1">
-                                  <a:latin typeface="Cambria Math" panose="02040503050406030204" pitchFamily="18" charset="0"/>
-                                </a:rPr>
-                                <m:t>h</m:t>
-                              </m:r>
-                            </m:e>
-                            <m:sup>
-                              <m:r>
-                                <a:rPr lang="en-US" sz="2800" i="1">
-                                  <a:latin typeface="Cambria Math" panose="02040503050406030204" pitchFamily="18" charset="0"/>
-                                </a:rPr>
-                                <m:t>2</m:t>
-                              </m:r>
-                            </m:sup>
-                          </m:sSup>
-                          <m:r>
-                            <a:rPr lang="en-US" sz="2800" i="1">
-                              <a:latin typeface="Cambria Math" panose="02040503050406030204" pitchFamily="18" charset="0"/>
-                            </a:rPr>
-                            <m:t>/2(</m:t>
-                          </m:r>
-                          <m:r>
-                            <a:rPr lang="en-US" sz="2800" i="1">
-                              <a:latin typeface="Cambria Math" panose="02040503050406030204" pitchFamily="18" charset="0"/>
-                            </a:rPr>
-                            <m:t>𝑐</m:t>
-                          </m:r>
-                          <m:sSup>
-                            <m:sSupPr>
-                              <m:ctrlPr>
-                                <a:rPr lang="en-US" sz="2800" i="1">
-                                  <a:latin typeface="Cambria Math" panose="02040503050406030204" pitchFamily="18" charset="0"/>
-                                </a:rPr>
-                              </m:ctrlPr>
-                            </m:sSupPr>
-                            <m:e>
-                              <m:r>
-                                <a:rPr lang="en-US" sz="2800" i="1">
-                                  <a:latin typeface="Cambria Math" panose="02040503050406030204" pitchFamily="18" charset="0"/>
-                                </a:rPr>
-                                <m:t>h</m:t>
-                              </m:r>
-                            </m:e>
-                            <m:sup>
-                              <m:r>
-                                <a:rPr lang="en-US" sz="2800" i="1">
-                                  <a:latin typeface="Cambria Math" panose="02040503050406030204" pitchFamily="18" charset="0"/>
-                                </a:rPr>
-                                <m:t>2</m:t>
-                              </m:r>
-                            </m:sup>
-                          </m:sSup>
-                          <m:r>
-                            <a:rPr lang="en-US" sz="2800" i="1">
-                              <a:latin typeface="Cambria Math" panose="02040503050406030204" pitchFamily="18" charset="0"/>
-                            </a:rPr>
-                            <m:t>+</m:t>
-                          </m:r>
-                          <m:r>
-                            <a:rPr lang="en-US" sz="2800" i="1">
-                              <a:latin typeface="Cambria Math" panose="02040503050406030204" pitchFamily="18" charset="0"/>
-                            </a:rPr>
-                            <m:t>𝑠</m:t>
-                          </m:r>
-                          <m:sSup>
-                            <m:sSupPr>
-                              <m:ctrlPr>
-                                <a:rPr lang="en-US" sz="2800" i="1">
-                                  <a:latin typeface="Cambria Math" panose="02040503050406030204" pitchFamily="18" charset="0"/>
-                                </a:rPr>
-                              </m:ctrlPr>
-                            </m:sSupPr>
-                            <m:e>
-                              <m:r>
-                                <a:rPr lang="en-US" sz="2800" i="1">
-                                  <a:latin typeface="Cambria Math" panose="02040503050406030204" pitchFamily="18" charset="0"/>
-                                </a:rPr>
-                                <m:t>h</m:t>
-                              </m:r>
-                            </m:e>
-                            <m:sup>
-                              <m:r>
-                                <a:rPr lang="en-US" sz="2800" i="1">
-                                  <a:latin typeface="Cambria Math" panose="02040503050406030204" pitchFamily="18" charset="0"/>
-                                </a:rPr>
-                                <m:t>2</m:t>
-                              </m:r>
-                            </m:sup>
-                          </m:sSup>
-                          <m:r>
-                            <a:rPr lang="en-US" sz="2800" i="1">
-                              <a:latin typeface="Cambria Math" panose="02040503050406030204" pitchFamily="18" charset="0"/>
-                            </a:rPr>
-                            <m:t>)</m:t>
-                          </m:r>
-                        </m:e>
-                        <m:e/>
-                      </m:mr>
-                      <m:mr>
-                        <m:e/>
-                        <m:e/>
-                        <m:e>
-                          <m:r>
-                            <a:rPr lang="en-US" sz="2800" b="0" i="1" smtClean="0">
-                              <a:latin typeface="Cambria Math" panose="02040503050406030204" pitchFamily="18" charset="0"/>
-                            </a:rPr>
-                            <m:t>𝑐</m:t>
-                          </m:r>
-                          <m:sSup>
-                            <m:sSupPr>
-                              <m:ctrlPr>
-                                <a:rPr lang="en-US" sz="2800" b="0" i="1" smtClean="0">
-                                  <a:latin typeface="Cambria Math" panose="02040503050406030204" pitchFamily="18" charset="0"/>
-                                </a:rPr>
-                              </m:ctrlPr>
-                            </m:sSupPr>
-                            <m:e>
-                              <m:r>
-                                <a:rPr lang="en-US" sz="2800" b="0" i="1" smtClean="0">
-                                  <a:latin typeface="Cambria Math" panose="02040503050406030204" pitchFamily="18" charset="0"/>
-                                </a:rPr>
-                                <m:t>h</m:t>
-                              </m:r>
-                            </m:e>
-                            <m:sup>
-                              <m:r>
-                                <a:rPr lang="en-US" sz="2800" b="0" i="1" smtClean="0">
-                                  <a:latin typeface="Cambria Math" panose="02040503050406030204" pitchFamily="18" charset="0"/>
-                                </a:rPr>
-                                <m:t>2</m:t>
-                              </m:r>
-                            </m:sup>
-                          </m:sSup>
-                          <m:r>
-                            <a:rPr lang="en-US" sz="2800" b="0" i="1" smtClean="0">
-                              <a:latin typeface="Cambria Math" panose="02040503050406030204" pitchFamily="18" charset="0"/>
-                            </a:rPr>
-                            <m:t>/(</m:t>
-                          </m:r>
-                          <m:r>
-                            <a:rPr lang="en-US" sz="2800" b="0" i="1" smtClean="0">
-                              <a:latin typeface="Cambria Math" panose="02040503050406030204" pitchFamily="18" charset="0"/>
-                            </a:rPr>
-                            <m:t>𝑐</m:t>
-                          </m:r>
-                          <m:sSup>
-                            <m:sSupPr>
-                              <m:ctrlPr>
-                                <a:rPr lang="en-US" sz="2800" b="0" i="1" smtClean="0">
-                                  <a:latin typeface="Cambria Math" panose="02040503050406030204" pitchFamily="18" charset="0"/>
-                                </a:rPr>
-                              </m:ctrlPr>
-                            </m:sSupPr>
-                            <m:e>
-                              <m:r>
-                                <a:rPr lang="en-US" sz="2800" b="0" i="1" smtClean="0">
-                                  <a:latin typeface="Cambria Math" panose="02040503050406030204" pitchFamily="18" charset="0"/>
-                                </a:rPr>
-                                <m:t>h</m:t>
-                              </m:r>
-                            </m:e>
-                            <m:sup>
-                              <m:r>
-                                <a:rPr lang="en-US" sz="2800" b="0" i="1" smtClean="0">
-                                  <a:latin typeface="Cambria Math" panose="02040503050406030204" pitchFamily="18" charset="0"/>
-                                </a:rPr>
-                                <m:t>2</m:t>
-                              </m:r>
-                            </m:sup>
-                          </m:sSup>
-                          <m:r>
-                            <a:rPr lang="en-US" sz="2800" b="0" i="1" smtClean="0">
-                              <a:latin typeface="Cambria Math" panose="02040503050406030204" pitchFamily="18" charset="0"/>
-                            </a:rPr>
-                            <m:t>+</m:t>
-                          </m:r>
-                          <m:r>
-                            <a:rPr lang="en-US" sz="2800" b="0" i="1" smtClean="0">
-                              <a:latin typeface="Cambria Math" panose="02040503050406030204" pitchFamily="18" charset="0"/>
-                            </a:rPr>
-                            <m:t>𝑠</m:t>
-                          </m:r>
-                          <m:sSup>
-                            <m:sSupPr>
-                              <m:ctrlPr>
-                                <a:rPr lang="en-US" sz="2800" b="0" i="1" smtClean="0">
-                                  <a:latin typeface="Cambria Math" panose="02040503050406030204" pitchFamily="18" charset="0"/>
-                                </a:rPr>
-                              </m:ctrlPr>
-                            </m:sSupPr>
-                            <m:e>
-                              <m:r>
-                                <a:rPr lang="en-US" sz="2800" b="0" i="1" smtClean="0">
-                                  <a:latin typeface="Cambria Math" panose="02040503050406030204" pitchFamily="18" charset="0"/>
-                                </a:rPr>
-                                <m:t>h</m:t>
-                              </m:r>
-                            </m:e>
-                            <m:sup>
-                              <m:r>
-                                <a:rPr lang="en-US" sz="2800" b="0" i="1" smtClean="0">
-                                  <a:latin typeface="Cambria Math" panose="02040503050406030204" pitchFamily="18" charset="0"/>
-                                </a:rPr>
-                                <m:t>2</m:t>
-                              </m:r>
-                            </m:sup>
-                          </m:sSup>
-                          <m:r>
-                            <a:rPr lang="en-US" sz="2800" b="0" i="1" smtClean="0">
-                              <a:latin typeface="Cambria Math" panose="02040503050406030204" pitchFamily="18" charset="0"/>
-                            </a:rPr>
-                            <m:t>)</m:t>
-                          </m:r>
-                        </m:e>
-                      </m:mr>
-                    </m:m>
-                  </m:oMath>
-                </a14:m>
-                <a:endParaRPr lang="en-US" sz="2800" dirty="0"/>
-              </a:p>
-              <a:p>
-                <a:r>
-                  <a:rPr lang="en-US" sz="2800" dirty="0"/>
-                  <a:t>i.e., mixed state of c and |a&gt;+|b&gt; </a:t>
-                </a:r>
-              </a:p>
-            </p:txBody>
-          </p:sp>
-        </mc:Choice>
-        <mc:Fallback xmlns="">
-          <p:sp>
-            <p:nvSpPr>
-              <p:cNvPr id="3" name="TextBox 2">
-                <a:extLst>
-                  <a:ext uri="{FF2B5EF4-FFF2-40B4-BE49-F238E27FC236}">
-                    <a16:creationId xmlns:a16="http://schemas.microsoft.com/office/drawing/2014/main" id="{E540FA91-4BF6-4A2A-BB3B-5DE238C8AF72}"/>
-                  </a:ext>
-                </a:extLst>
-              </p:cNvPr>
-              <p:cNvSpPr txBox="1">
-                <a:spLocks noRot="1" noChangeAspect="1" noMove="1" noResize="1" noEditPoints="1" noAdjustHandles="1" noChangeArrowheads="1" noChangeShapeType="1" noTextEdit="1"/>
-              </p:cNvSpPr>
-              <p:nvPr/>
-            </p:nvSpPr>
-            <p:spPr>
-              <a:xfrm>
-                <a:off x="515270" y="957862"/>
-                <a:ext cx="10835035" cy="6361485"/>
-              </a:xfrm>
-              <a:prstGeom prst="rect">
-                <a:avLst/>
-              </a:prstGeom>
-              <a:blipFill>
-                <a:blip r:embed="rId2"/>
-                <a:stretch>
-                  <a:fillRect l="-1182" t="-862" r="-1913" b="-1724"/>
-                </a:stretch>
-              </a:blipFill>
-            </p:spPr>
-            <p:txBody>
-              <a:bodyPr/>
-              <a:lstStyle/>
-              <a:p>
-                <a:r>
-                  <a:rPr lang="en-US">
-                    <a:noFill/>
-                  </a:rPr>
-                  <a:t> </a:t>
-                </a:r>
-              </a:p>
-            </p:txBody>
-          </p:sp>
-        </mc:Fallback>
-      </mc:AlternateContent>
-      <p:sp>
-        <p:nvSpPr>
-          <p:cNvPr id="5" name="TextBox 4">
-            <a:extLst>
-              <a:ext uri="{FF2B5EF4-FFF2-40B4-BE49-F238E27FC236}">
-                <a16:creationId xmlns:a16="http://schemas.microsoft.com/office/drawing/2014/main" id="{C6904B07-D254-4960-A5B7-DB69CC717B73}"/>
-              </a:ext>
-            </a:extLst>
-          </p:cNvPr>
-          <p:cNvSpPr txBox="1"/>
-          <p:nvPr/>
-        </p:nvSpPr>
-        <p:spPr>
-          <a:xfrm>
-            <a:off x="4110527" y="196554"/>
-            <a:ext cx="2735557" cy="830997"/>
-          </a:xfrm>
-          <a:prstGeom prst="rect">
-            <a:avLst/>
-          </a:prstGeom>
-          <a:noFill/>
-        </p:spPr>
-        <p:txBody>
-          <a:bodyPr wrap="none" rtlCol="0">
-            <a:spAutoFit/>
-          </a:bodyPr>
-          <a:lstStyle/>
-          <a:p>
-            <a:r>
-              <a:rPr lang="en-US" sz="4800" dirty="0"/>
-              <a:t>Final state</a:t>
-            </a:r>
-          </a:p>
-        </p:txBody>
-      </p:sp>
-    </p:spTree>
-    <p:extLst>
-      <p:ext uri="{BB962C8B-B14F-4D97-AF65-F5344CB8AC3E}">
-        <p14:creationId xmlns:p14="http://schemas.microsoft.com/office/powerpoint/2010/main" val="40500817"/>
       </p:ext>
     </p:extLst>
   </p:cSld>
@@ -16367,6 +15888,1143 @@
           <a:chExt cx="0" cy="0"/>
         </a:xfrm>
       </p:grpSpPr>
+      <mc:AlternateContent xmlns:mc="http://schemas.openxmlformats.org/markup-compatibility/2006" xmlns:a14="http://schemas.microsoft.com/office/drawing/2010/main">
+        <mc:Choice Requires="a14">
+          <p:sp>
+            <p:nvSpPr>
+              <p:cNvPr id="3" name="TextBox 2">
+                <a:extLst>
+                  <a:ext uri="{FF2B5EF4-FFF2-40B4-BE49-F238E27FC236}">
+                    <a16:creationId xmlns:a16="http://schemas.microsoft.com/office/drawing/2014/main" id="{E540FA91-4BF6-4A2A-BB3B-5DE238C8AF72}"/>
+                  </a:ext>
+                </a:extLst>
+              </p:cNvPr>
+              <p:cNvSpPr txBox="1"/>
+              <p:nvPr/>
+            </p:nvSpPr>
+            <p:spPr>
+              <a:xfrm>
+                <a:off x="515270" y="957862"/>
+                <a:ext cx="10835035" cy="6361485"/>
+              </a:xfrm>
+              <a:prstGeom prst="rect">
+                <a:avLst/>
+              </a:prstGeom>
+              <a:noFill/>
+            </p:spPr>
+            <p:txBody>
+              <a:bodyPr wrap="square" rtlCol="0">
+                <a:spAutoFit/>
+              </a:bodyPr>
+              <a:lstStyle/>
+              <a:p>
+                <a:r>
+                  <a:rPr lang="en-US" sz="2800" dirty="0"/>
+                  <a:t>Squeezed vacuum:</a:t>
+                </a:r>
+              </a:p>
+              <a:p>
+                <a:pPr marL="457200" indent="-457200">
+                  <a:buFont typeface="Arial" panose="020B0604020202020204" pitchFamily="34" charset="0"/>
+                  <a:buChar char="•"/>
+                </a:pPr>
+                <a14:m>
+                  <m:oMath xmlns:m="http://schemas.openxmlformats.org/officeDocument/2006/math">
+                    <m:m>
+                      <m:mPr>
+                        <m:mcs>
+                          <m:mc>
+                            <m:mcPr>
+                              <m:count m:val="3"/>
+                              <m:mcJc m:val="center"/>
+                            </m:mcPr>
+                          </m:mc>
+                        </m:mcs>
+                        <m:ctrlPr>
+                          <a:rPr lang="en-US" sz="2800" i="1">
+                            <a:latin typeface="Cambria Math" panose="02040503050406030204" pitchFamily="18" charset="0"/>
+                          </a:rPr>
+                        </m:ctrlPr>
+                      </m:mPr>
+                      <m:mr>
+                        <m:e>
+                          <m:r>
+                            <m:rPr>
+                              <m:brk m:alnAt="7"/>
+                            </m:rPr>
+                            <a:rPr lang="en-US" sz="2800" i="1">
+                              <a:latin typeface="Cambria Math" panose="02040503050406030204" pitchFamily="18" charset="0"/>
+                            </a:rPr>
+                            <m:t>𝑠</m:t>
+                          </m:r>
+                          <m:sSup>
+                            <m:sSupPr>
+                              <m:ctrlPr>
+                                <a:rPr lang="en-US" sz="2800" i="1">
+                                  <a:latin typeface="Cambria Math" panose="02040503050406030204" pitchFamily="18" charset="0"/>
+                                </a:rPr>
+                              </m:ctrlPr>
+                            </m:sSupPr>
+                            <m:e>
+                              <m:r>
+                                <a:rPr lang="en-US" sz="2800" i="1">
+                                  <a:latin typeface="Cambria Math" panose="02040503050406030204" pitchFamily="18" charset="0"/>
+                                </a:rPr>
+                                <m:t>h</m:t>
+                              </m:r>
+                            </m:e>
+                            <m:sup>
+                              <m:r>
+                                <a:rPr lang="en-US" sz="2800" i="1">
+                                  <a:latin typeface="Cambria Math" panose="02040503050406030204" pitchFamily="18" charset="0"/>
+                                </a:rPr>
+                                <m:t>2</m:t>
+                              </m:r>
+                            </m:sup>
+                          </m:sSup>
+                          <m:r>
+                            <a:rPr lang="en-US" sz="2800" i="1">
+                              <a:latin typeface="Cambria Math" panose="02040503050406030204" pitchFamily="18" charset="0"/>
+                            </a:rPr>
+                            <m:t>/(</m:t>
+                          </m:r>
+                          <m:r>
+                            <a:rPr lang="en-US" sz="2800" b="0" i="1" smtClean="0">
+                              <a:latin typeface="Cambria Math" panose="02040503050406030204" pitchFamily="18" charset="0"/>
+                            </a:rPr>
+                            <m:t>1</m:t>
+                          </m:r>
+                          <m:r>
+                            <a:rPr lang="en-US" sz="2800" i="1">
+                              <a:latin typeface="Cambria Math" panose="02040503050406030204" pitchFamily="18" charset="0"/>
+                            </a:rPr>
+                            <m:t>+</m:t>
+                          </m:r>
+                          <m:r>
+                            <a:rPr lang="en-US" sz="2800" b="0" i="1" smtClean="0">
+                              <a:latin typeface="Cambria Math" panose="02040503050406030204" pitchFamily="18" charset="0"/>
+                            </a:rPr>
+                            <m:t>3</m:t>
+                          </m:r>
+                          <m:r>
+                            <a:rPr lang="en-US" sz="2800" i="1">
+                              <a:latin typeface="Cambria Math" panose="02040503050406030204" pitchFamily="18" charset="0"/>
+                            </a:rPr>
+                            <m:t>𝑠</m:t>
+                          </m:r>
+                          <m:sSup>
+                            <m:sSupPr>
+                              <m:ctrlPr>
+                                <a:rPr lang="en-US" sz="2800" i="1">
+                                  <a:latin typeface="Cambria Math" panose="02040503050406030204" pitchFamily="18" charset="0"/>
+                                </a:rPr>
+                              </m:ctrlPr>
+                            </m:sSupPr>
+                            <m:e>
+                              <m:r>
+                                <a:rPr lang="en-US" sz="2800" i="1">
+                                  <a:latin typeface="Cambria Math" panose="02040503050406030204" pitchFamily="18" charset="0"/>
+                                </a:rPr>
+                                <m:t>h</m:t>
+                              </m:r>
+                            </m:e>
+                            <m:sup>
+                              <m:r>
+                                <a:rPr lang="en-US" sz="2800" i="1">
+                                  <a:latin typeface="Cambria Math" panose="02040503050406030204" pitchFamily="18" charset="0"/>
+                                </a:rPr>
+                                <m:t>2</m:t>
+                              </m:r>
+                            </m:sup>
+                          </m:sSup>
+                          <m:r>
+                            <a:rPr lang="en-US" sz="2800" i="1">
+                              <a:latin typeface="Cambria Math" panose="02040503050406030204" pitchFamily="18" charset="0"/>
+                            </a:rPr>
+                            <m:t>)</m:t>
+                          </m:r>
+                        </m:e>
+                        <m:e>
+                          <m:r>
+                            <a:rPr lang="en-US" sz="2800" b="0" i="1" smtClean="0">
+                              <a:latin typeface="Cambria Math" panose="02040503050406030204" pitchFamily="18" charset="0"/>
+                            </a:rPr>
+                            <m:t>0</m:t>
+                          </m:r>
+                        </m:e>
+                        <m:e/>
+                      </m:mr>
+                      <m:mr>
+                        <m:e>
+                          <m:r>
+                            <a:rPr lang="en-US" sz="2800" b="0" i="1" smtClean="0">
+                              <a:latin typeface="Cambria Math" panose="02040503050406030204" pitchFamily="18" charset="0"/>
+                            </a:rPr>
+                            <m:t>0</m:t>
+                          </m:r>
+                        </m:e>
+                        <m:e>
+                          <m:r>
+                            <m:rPr>
+                              <m:brk m:alnAt="7"/>
+                            </m:rPr>
+                            <a:rPr lang="en-US" sz="2800" i="1">
+                              <a:latin typeface="Cambria Math" panose="02040503050406030204" pitchFamily="18" charset="0"/>
+                            </a:rPr>
+                            <m:t>𝑠</m:t>
+                          </m:r>
+                          <m:sSup>
+                            <m:sSupPr>
+                              <m:ctrlPr>
+                                <a:rPr lang="en-US" sz="2800" i="1">
+                                  <a:latin typeface="Cambria Math" panose="02040503050406030204" pitchFamily="18" charset="0"/>
+                                </a:rPr>
+                              </m:ctrlPr>
+                            </m:sSupPr>
+                            <m:e>
+                              <m:r>
+                                <a:rPr lang="en-US" sz="2800" i="1">
+                                  <a:latin typeface="Cambria Math" panose="02040503050406030204" pitchFamily="18" charset="0"/>
+                                </a:rPr>
+                                <m:t>h</m:t>
+                              </m:r>
+                            </m:e>
+                            <m:sup>
+                              <m:r>
+                                <a:rPr lang="en-US" sz="2800" i="1">
+                                  <a:latin typeface="Cambria Math" panose="02040503050406030204" pitchFamily="18" charset="0"/>
+                                </a:rPr>
+                                <m:t>2</m:t>
+                              </m:r>
+                            </m:sup>
+                          </m:sSup>
+                          <m:r>
+                            <a:rPr lang="en-US" sz="2800" i="1">
+                              <a:latin typeface="Cambria Math" panose="02040503050406030204" pitchFamily="18" charset="0"/>
+                            </a:rPr>
+                            <m:t>/(1+3</m:t>
+                          </m:r>
+                          <m:r>
+                            <a:rPr lang="en-US" sz="2800" i="1">
+                              <a:latin typeface="Cambria Math" panose="02040503050406030204" pitchFamily="18" charset="0"/>
+                            </a:rPr>
+                            <m:t>𝑠</m:t>
+                          </m:r>
+                          <m:sSup>
+                            <m:sSupPr>
+                              <m:ctrlPr>
+                                <a:rPr lang="en-US" sz="2800" i="1">
+                                  <a:latin typeface="Cambria Math" panose="02040503050406030204" pitchFamily="18" charset="0"/>
+                                </a:rPr>
+                              </m:ctrlPr>
+                            </m:sSupPr>
+                            <m:e>
+                              <m:r>
+                                <a:rPr lang="en-US" sz="2800" i="1">
+                                  <a:latin typeface="Cambria Math" panose="02040503050406030204" pitchFamily="18" charset="0"/>
+                                </a:rPr>
+                                <m:t>h</m:t>
+                              </m:r>
+                            </m:e>
+                            <m:sup>
+                              <m:r>
+                                <a:rPr lang="en-US" sz="2800" i="1">
+                                  <a:latin typeface="Cambria Math" panose="02040503050406030204" pitchFamily="18" charset="0"/>
+                                </a:rPr>
+                                <m:t>2</m:t>
+                              </m:r>
+                            </m:sup>
+                          </m:sSup>
+                          <m:r>
+                            <a:rPr lang="en-US" sz="2800" i="1">
+                              <a:latin typeface="Cambria Math" panose="02040503050406030204" pitchFamily="18" charset="0"/>
+                            </a:rPr>
+                            <m:t>)</m:t>
+                          </m:r>
+                        </m:e>
+                        <m:e/>
+                      </m:mr>
+                      <m:mr>
+                        <m:e/>
+                        <m:e/>
+                        <m:e>
+                          <m:r>
+                            <a:rPr lang="en-US" sz="2800" i="1">
+                              <a:latin typeface="Cambria Math" panose="02040503050406030204" pitchFamily="18" charset="0"/>
+                            </a:rPr>
+                            <m:t>𝑐</m:t>
+                          </m:r>
+                          <m:sSup>
+                            <m:sSupPr>
+                              <m:ctrlPr>
+                                <a:rPr lang="en-US" sz="2800" i="1">
+                                  <a:latin typeface="Cambria Math" panose="02040503050406030204" pitchFamily="18" charset="0"/>
+                                </a:rPr>
+                              </m:ctrlPr>
+                            </m:sSupPr>
+                            <m:e>
+                              <m:r>
+                                <a:rPr lang="en-US" sz="2800" i="1">
+                                  <a:latin typeface="Cambria Math" panose="02040503050406030204" pitchFamily="18" charset="0"/>
+                                </a:rPr>
+                                <m:t>h</m:t>
+                              </m:r>
+                            </m:e>
+                            <m:sup>
+                              <m:r>
+                                <a:rPr lang="en-US" sz="2800" i="1">
+                                  <a:latin typeface="Cambria Math" panose="02040503050406030204" pitchFamily="18" charset="0"/>
+                                </a:rPr>
+                                <m:t>2</m:t>
+                              </m:r>
+                            </m:sup>
+                          </m:sSup>
+                          <m:r>
+                            <a:rPr lang="en-US" sz="2800" i="1">
+                              <a:latin typeface="Cambria Math" panose="02040503050406030204" pitchFamily="18" charset="0"/>
+                            </a:rPr>
+                            <m:t>/(</m:t>
+                          </m:r>
+                          <m:r>
+                            <a:rPr lang="en-US" sz="2800" b="0" i="1" smtClean="0">
+                              <a:latin typeface="Cambria Math" panose="02040503050406030204" pitchFamily="18" charset="0"/>
+                            </a:rPr>
+                            <m:t>1</m:t>
+                          </m:r>
+                          <m:r>
+                            <a:rPr lang="en-US" sz="2800" i="1">
+                              <a:latin typeface="Cambria Math" panose="02040503050406030204" pitchFamily="18" charset="0"/>
+                            </a:rPr>
+                            <m:t>+</m:t>
+                          </m:r>
+                          <m:r>
+                            <a:rPr lang="en-US" sz="2800" b="0" i="1" smtClean="0">
+                              <a:latin typeface="Cambria Math" panose="02040503050406030204" pitchFamily="18" charset="0"/>
+                            </a:rPr>
+                            <m:t>3</m:t>
+                          </m:r>
+                          <m:r>
+                            <a:rPr lang="en-US" sz="2800" i="1">
+                              <a:latin typeface="Cambria Math" panose="02040503050406030204" pitchFamily="18" charset="0"/>
+                            </a:rPr>
+                            <m:t>𝑠</m:t>
+                          </m:r>
+                          <m:sSup>
+                            <m:sSupPr>
+                              <m:ctrlPr>
+                                <a:rPr lang="en-US" sz="2800" i="1">
+                                  <a:latin typeface="Cambria Math" panose="02040503050406030204" pitchFamily="18" charset="0"/>
+                                </a:rPr>
+                              </m:ctrlPr>
+                            </m:sSupPr>
+                            <m:e>
+                              <m:r>
+                                <a:rPr lang="en-US" sz="2800" i="1">
+                                  <a:latin typeface="Cambria Math" panose="02040503050406030204" pitchFamily="18" charset="0"/>
+                                </a:rPr>
+                                <m:t>h</m:t>
+                              </m:r>
+                            </m:e>
+                            <m:sup>
+                              <m:r>
+                                <a:rPr lang="en-US" sz="2800" i="1">
+                                  <a:latin typeface="Cambria Math" panose="02040503050406030204" pitchFamily="18" charset="0"/>
+                                </a:rPr>
+                                <m:t>2</m:t>
+                              </m:r>
+                            </m:sup>
+                          </m:sSup>
+                          <m:r>
+                            <a:rPr lang="en-US" sz="2800" i="1">
+                              <a:latin typeface="Cambria Math" panose="02040503050406030204" pitchFamily="18" charset="0"/>
+                            </a:rPr>
+                            <m:t>)</m:t>
+                          </m:r>
+                        </m:e>
+                      </m:mr>
+                    </m:m>
+                  </m:oMath>
+                </a14:m>
+                <a:endParaRPr lang="en-US" sz="2800" dirty="0"/>
+              </a:p>
+              <a:p>
+                <a:r>
+                  <a:rPr lang="en-US" sz="2800" dirty="0"/>
+                  <a:t>(This is also the result for thermal)</a:t>
+                </a:r>
+              </a:p>
+              <a:p>
+                <a:r>
+                  <a:rPr lang="en-US" sz="2800" dirty="0"/>
+                  <a:t>time evolution: for a-b, the evolution is identical, for ac, </a:t>
+                </a:r>
+                <a:r>
+                  <a:rPr lang="en-US" sz="2800" dirty="0" err="1"/>
+                  <a:t>bc</a:t>
+                </a:r>
+                <a:r>
+                  <a:rPr lang="en-US" sz="2800" dirty="0"/>
+                  <a:t>, the dephasing is faster/slower</a:t>
+                </a:r>
+              </a:p>
+              <a:p>
+                <a:endParaRPr lang="en-US" sz="2800" dirty="0"/>
+              </a:p>
+              <a:p>
+                <a:endParaRPr lang="en-US" sz="2800" dirty="0"/>
+              </a:p>
+              <a:p>
+                <a:r>
+                  <a:rPr lang="en-US" sz="2800" dirty="0"/>
+                  <a:t>equal energy gap: (the same for thermal)</a:t>
+                </a:r>
+              </a:p>
+              <a:p>
+                <a:pPr marL="457200" indent="-457200">
+                  <a:buFont typeface="Arial" panose="020B0604020202020204" pitchFamily="34" charset="0"/>
+                  <a:buChar char="•"/>
+                </a:pPr>
+                <a14:m>
+                  <m:oMath xmlns:m="http://schemas.openxmlformats.org/officeDocument/2006/math">
+                    <m:m>
+                      <m:mPr>
+                        <m:mcs>
+                          <m:mc>
+                            <m:mcPr>
+                              <m:count m:val="3"/>
+                              <m:mcJc m:val="center"/>
+                            </m:mcPr>
+                          </m:mc>
+                        </m:mcs>
+                        <m:ctrlPr>
+                          <a:rPr lang="en-US" sz="2800" i="1" smtClean="0">
+                            <a:latin typeface="Cambria Math" panose="02040503050406030204" pitchFamily="18" charset="0"/>
+                          </a:rPr>
+                        </m:ctrlPr>
+                      </m:mPr>
+                      <m:mr>
+                        <m:e>
+                          <m:r>
+                            <m:rPr>
+                              <m:brk m:alnAt="7"/>
+                            </m:rPr>
+                            <a:rPr lang="en-US" sz="2800" b="0" i="1" smtClean="0">
+                              <a:latin typeface="Cambria Math" panose="02040503050406030204" pitchFamily="18" charset="0"/>
+                            </a:rPr>
+                            <m:t>𝑠</m:t>
+                          </m:r>
+                          <m:sSup>
+                            <m:sSupPr>
+                              <m:ctrlPr>
+                                <a:rPr lang="en-US" sz="2800" i="1">
+                                  <a:latin typeface="Cambria Math" panose="02040503050406030204" pitchFamily="18" charset="0"/>
+                                </a:rPr>
+                              </m:ctrlPr>
+                            </m:sSupPr>
+                            <m:e>
+                              <m:r>
+                                <a:rPr lang="en-US" sz="2800" i="1">
+                                  <a:latin typeface="Cambria Math" panose="02040503050406030204" pitchFamily="18" charset="0"/>
+                                </a:rPr>
+                                <m:t>h</m:t>
+                              </m:r>
+                            </m:e>
+                            <m:sup>
+                              <m:r>
+                                <a:rPr lang="en-US" sz="2800" i="1">
+                                  <a:latin typeface="Cambria Math" panose="02040503050406030204" pitchFamily="18" charset="0"/>
+                                </a:rPr>
+                                <m:t>2</m:t>
+                              </m:r>
+                            </m:sup>
+                          </m:sSup>
+                          <m:r>
+                            <a:rPr lang="en-US" sz="2800" i="1">
+                              <a:latin typeface="Cambria Math" panose="02040503050406030204" pitchFamily="18" charset="0"/>
+                            </a:rPr>
+                            <m:t>/</m:t>
+                          </m:r>
+                          <m:r>
+                            <a:rPr lang="en-US" sz="2800" b="0" i="1" smtClean="0">
+                              <a:latin typeface="Cambria Math" panose="02040503050406030204" pitchFamily="18" charset="0"/>
+                            </a:rPr>
+                            <m:t>2</m:t>
+                          </m:r>
+                          <m:r>
+                            <a:rPr lang="en-US" sz="2800" i="1">
+                              <a:latin typeface="Cambria Math" panose="02040503050406030204" pitchFamily="18" charset="0"/>
+                            </a:rPr>
+                            <m:t>(</m:t>
+                          </m:r>
+                          <m:r>
+                            <a:rPr lang="en-US" sz="2800" i="1">
+                              <a:latin typeface="Cambria Math" panose="02040503050406030204" pitchFamily="18" charset="0"/>
+                            </a:rPr>
+                            <m:t>𝑐</m:t>
+                          </m:r>
+                          <m:sSup>
+                            <m:sSupPr>
+                              <m:ctrlPr>
+                                <a:rPr lang="en-US" sz="2800" i="1">
+                                  <a:latin typeface="Cambria Math" panose="02040503050406030204" pitchFamily="18" charset="0"/>
+                                </a:rPr>
+                              </m:ctrlPr>
+                            </m:sSupPr>
+                            <m:e>
+                              <m:r>
+                                <a:rPr lang="en-US" sz="2800" i="1">
+                                  <a:latin typeface="Cambria Math" panose="02040503050406030204" pitchFamily="18" charset="0"/>
+                                </a:rPr>
+                                <m:t>h</m:t>
+                              </m:r>
+                            </m:e>
+                            <m:sup>
+                              <m:r>
+                                <a:rPr lang="en-US" sz="2800" i="1">
+                                  <a:latin typeface="Cambria Math" panose="02040503050406030204" pitchFamily="18" charset="0"/>
+                                </a:rPr>
+                                <m:t>2</m:t>
+                              </m:r>
+                            </m:sup>
+                          </m:sSup>
+                          <m:r>
+                            <a:rPr lang="en-US" sz="2800" i="1">
+                              <a:latin typeface="Cambria Math" panose="02040503050406030204" pitchFamily="18" charset="0"/>
+                            </a:rPr>
+                            <m:t>+</m:t>
+                          </m:r>
+                          <m:r>
+                            <a:rPr lang="en-US" sz="2800" i="1">
+                              <a:latin typeface="Cambria Math" panose="02040503050406030204" pitchFamily="18" charset="0"/>
+                            </a:rPr>
+                            <m:t>𝑠</m:t>
+                          </m:r>
+                          <m:sSup>
+                            <m:sSupPr>
+                              <m:ctrlPr>
+                                <a:rPr lang="en-US" sz="2800" i="1">
+                                  <a:latin typeface="Cambria Math" panose="02040503050406030204" pitchFamily="18" charset="0"/>
+                                </a:rPr>
+                              </m:ctrlPr>
+                            </m:sSupPr>
+                            <m:e>
+                              <m:r>
+                                <a:rPr lang="en-US" sz="2800" i="1">
+                                  <a:latin typeface="Cambria Math" panose="02040503050406030204" pitchFamily="18" charset="0"/>
+                                </a:rPr>
+                                <m:t>h</m:t>
+                              </m:r>
+                            </m:e>
+                            <m:sup>
+                              <m:r>
+                                <a:rPr lang="en-US" sz="2800" i="1">
+                                  <a:latin typeface="Cambria Math" panose="02040503050406030204" pitchFamily="18" charset="0"/>
+                                </a:rPr>
+                                <m:t>2</m:t>
+                              </m:r>
+                            </m:sup>
+                          </m:sSup>
+                          <m:r>
+                            <a:rPr lang="en-US" sz="2800" b="0" i="1" smtClean="0">
+                              <a:latin typeface="Cambria Math" panose="02040503050406030204" pitchFamily="18" charset="0"/>
+                            </a:rPr>
+                            <m:t>)</m:t>
+                          </m:r>
+                        </m:e>
+                        <m:e>
+                          <m:r>
+                            <m:rPr>
+                              <m:brk m:alnAt="7"/>
+                            </m:rPr>
+                            <a:rPr lang="en-US" sz="2800" i="1">
+                              <a:latin typeface="Cambria Math" panose="02040503050406030204" pitchFamily="18" charset="0"/>
+                            </a:rPr>
+                            <m:t>𝑠</m:t>
+                          </m:r>
+                          <m:sSup>
+                            <m:sSupPr>
+                              <m:ctrlPr>
+                                <a:rPr lang="en-US" sz="2800" i="1">
+                                  <a:latin typeface="Cambria Math" panose="02040503050406030204" pitchFamily="18" charset="0"/>
+                                </a:rPr>
+                              </m:ctrlPr>
+                            </m:sSupPr>
+                            <m:e>
+                              <m:r>
+                                <a:rPr lang="en-US" sz="2800" i="1">
+                                  <a:latin typeface="Cambria Math" panose="02040503050406030204" pitchFamily="18" charset="0"/>
+                                </a:rPr>
+                                <m:t>h</m:t>
+                              </m:r>
+                            </m:e>
+                            <m:sup>
+                              <m:r>
+                                <a:rPr lang="en-US" sz="2800" i="1">
+                                  <a:latin typeface="Cambria Math" panose="02040503050406030204" pitchFamily="18" charset="0"/>
+                                </a:rPr>
+                                <m:t>2</m:t>
+                              </m:r>
+                            </m:sup>
+                          </m:sSup>
+                          <m:r>
+                            <a:rPr lang="en-US" sz="2800" i="1">
+                              <a:latin typeface="Cambria Math" panose="02040503050406030204" pitchFamily="18" charset="0"/>
+                            </a:rPr>
+                            <m:t>/2(</m:t>
+                          </m:r>
+                          <m:r>
+                            <a:rPr lang="en-US" sz="2800" i="1">
+                              <a:latin typeface="Cambria Math" panose="02040503050406030204" pitchFamily="18" charset="0"/>
+                            </a:rPr>
+                            <m:t>𝑐</m:t>
+                          </m:r>
+                          <m:sSup>
+                            <m:sSupPr>
+                              <m:ctrlPr>
+                                <a:rPr lang="en-US" sz="2800" i="1">
+                                  <a:latin typeface="Cambria Math" panose="02040503050406030204" pitchFamily="18" charset="0"/>
+                                </a:rPr>
+                              </m:ctrlPr>
+                            </m:sSupPr>
+                            <m:e>
+                              <m:r>
+                                <a:rPr lang="en-US" sz="2800" i="1">
+                                  <a:latin typeface="Cambria Math" panose="02040503050406030204" pitchFamily="18" charset="0"/>
+                                </a:rPr>
+                                <m:t>h</m:t>
+                              </m:r>
+                            </m:e>
+                            <m:sup>
+                              <m:r>
+                                <a:rPr lang="en-US" sz="2800" i="1">
+                                  <a:latin typeface="Cambria Math" panose="02040503050406030204" pitchFamily="18" charset="0"/>
+                                </a:rPr>
+                                <m:t>2</m:t>
+                              </m:r>
+                            </m:sup>
+                          </m:sSup>
+                          <m:r>
+                            <a:rPr lang="en-US" sz="2800" i="1">
+                              <a:latin typeface="Cambria Math" panose="02040503050406030204" pitchFamily="18" charset="0"/>
+                            </a:rPr>
+                            <m:t>+</m:t>
+                          </m:r>
+                          <m:r>
+                            <a:rPr lang="en-US" sz="2800" i="1">
+                              <a:latin typeface="Cambria Math" panose="02040503050406030204" pitchFamily="18" charset="0"/>
+                            </a:rPr>
+                            <m:t>𝑠</m:t>
+                          </m:r>
+                          <m:sSup>
+                            <m:sSupPr>
+                              <m:ctrlPr>
+                                <a:rPr lang="en-US" sz="2800" i="1">
+                                  <a:latin typeface="Cambria Math" panose="02040503050406030204" pitchFamily="18" charset="0"/>
+                                </a:rPr>
+                              </m:ctrlPr>
+                            </m:sSupPr>
+                            <m:e>
+                              <m:r>
+                                <a:rPr lang="en-US" sz="2800" i="1">
+                                  <a:latin typeface="Cambria Math" panose="02040503050406030204" pitchFamily="18" charset="0"/>
+                                </a:rPr>
+                                <m:t>h</m:t>
+                              </m:r>
+                            </m:e>
+                            <m:sup>
+                              <m:r>
+                                <a:rPr lang="en-US" sz="2800" i="1">
+                                  <a:latin typeface="Cambria Math" panose="02040503050406030204" pitchFamily="18" charset="0"/>
+                                </a:rPr>
+                                <m:t>2</m:t>
+                              </m:r>
+                            </m:sup>
+                          </m:sSup>
+                          <m:r>
+                            <a:rPr lang="en-US" sz="2800" i="1">
+                              <a:latin typeface="Cambria Math" panose="02040503050406030204" pitchFamily="18" charset="0"/>
+                            </a:rPr>
+                            <m:t>)</m:t>
+                          </m:r>
+                        </m:e>
+                        <m:e/>
+                      </m:mr>
+                      <m:mr>
+                        <m:e>
+                          <m:r>
+                            <m:rPr>
+                              <m:brk m:alnAt="7"/>
+                            </m:rPr>
+                            <a:rPr lang="en-US" sz="2800" i="1">
+                              <a:latin typeface="Cambria Math" panose="02040503050406030204" pitchFamily="18" charset="0"/>
+                            </a:rPr>
+                            <m:t>𝑠</m:t>
+                          </m:r>
+                          <m:sSup>
+                            <m:sSupPr>
+                              <m:ctrlPr>
+                                <a:rPr lang="en-US" sz="2800" i="1">
+                                  <a:latin typeface="Cambria Math" panose="02040503050406030204" pitchFamily="18" charset="0"/>
+                                </a:rPr>
+                              </m:ctrlPr>
+                            </m:sSupPr>
+                            <m:e>
+                              <m:r>
+                                <a:rPr lang="en-US" sz="2800" i="1">
+                                  <a:latin typeface="Cambria Math" panose="02040503050406030204" pitchFamily="18" charset="0"/>
+                                </a:rPr>
+                                <m:t>h</m:t>
+                              </m:r>
+                            </m:e>
+                            <m:sup>
+                              <m:r>
+                                <a:rPr lang="en-US" sz="2800" i="1">
+                                  <a:latin typeface="Cambria Math" panose="02040503050406030204" pitchFamily="18" charset="0"/>
+                                </a:rPr>
+                                <m:t>2</m:t>
+                              </m:r>
+                            </m:sup>
+                          </m:sSup>
+                          <m:r>
+                            <a:rPr lang="en-US" sz="2800" i="1">
+                              <a:latin typeface="Cambria Math" panose="02040503050406030204" pitchFamily="18" charset="0"/>
+                            </a:rPr>
+                            <m:t>/2(</m:t>
+                          </m:r>
+                          <m:r>
+                            <a:rPr lang="en-US" sz="2800" i="1">
+                              <a:latin typeface="Cambria Math" panose="02040503050406030204" pitchFamily="18" charset="0"/>
+                            </a:rPr>
+                            <m:t>𝑐</m:t>
+                          </m:r>
+                          <m:sSup>
+                            <m:sSupPr>
+                              <m:ctrlPr>
+                                <a:rPr lang="en-US" sz="2800" i="1">
+                                  <a:latin typeface="Cambria Math" panose="02040503050406030204" pitchFamily="18" charset="0"/>
+                                </a:rPr>
+                              </m:ctrlPr>
+                            </m:sSupPr>
+                            <m:e>
+                              <m:r>
+                                <a:rPr lang="en-US" sz="2800" i="1">
+                                  <a:latin typeface="Cambria Math" panose="02040503050406030204" pitchFamily="18" charset="0"/>
+                                </a:rPr>
+                                <m:t>h</m:t>
+                              </m:r>
+                            </m:e>
+                            <m:sup>
+                              <m:r>
+                                <a:rPr lang="en-US" sz="2800" i="1">
+                                  <a:latin typeface="Cambria Math" panose="02040503050406030204" pitchFamily="18" charset="0"/>
+                                </a:rPr>
+                                <m:t>2</m:t>
+                              </m:r>
+                            </m:sup>
+                          </m:sSup>
+                          <m:r>
+                            <a:rPr lang="en-US" sz="2800" i="1">
+                              <a:latin typeface="Cambria Math" panose="02040503050406030204" pitchFamily="18" charset="0"/>
+                            </a:rPr>
+                            <m:t>+</m:t>
+                          </m:r>
+                          <m:r>
+                            <a:rPr lang="en-US" sz="2800" i="1">
+                              <a:latin typeface="Cambria Math" panose="02040503050406030204" pitchFamily="18" charset="0"/>
+                            </a:rPr>
+                            <m:t>𝑠</m:t>
+                          </m:r>
+                          <m:sSup>
+                            <m:sSupPr>
+                              <m:ctrlPr>
+                                <a:rPr lang="en-US" sz="2800" i="1">
+                                  <a:latin typeface="Cambria Math" panose="02040503050406030204" pitchFamily="18" charset="0"/>
+                                </a:rPr>
+                              </m:ctrlPr>
+                            </m:sSupPr>
+                            <m:e>
+                              <m:r>
+                                <a:rPr lang="en-US" sz="2800" i="1">
+                                  <a:latin typeface="Cambria Math" panose="02040503050406030204" pitchFamily="18" charset="0"/>
+                                </a:rPr>
+                                <m:t>h</m:t>
+                              </m:r>
+                            </m:e>
+                            <m:sup>
+                              <m:r>
+                                <a:rPr lang="en-US" sz="2800" i="1">
+                                  <a:latin typeface="Cambria Math" panose="02040503050406030204" pitchFamily="18" charset="0"/>
+                                </a:rPr>
+                                <m:t>2</m:t>
+                              </m:r>
+                            </m:sup>
+                          </m:sSup>
+                          <m:r>
+                            <a:rPr lang="en-US" sz="2800" i="1">
+                              <a:latin typeface="Cambria Math" panose="02040503050406030204" pitchFamily="18" charset="0"/>
+                            </a:rPr>
+                            <m:t>)</m:t>
+                          </m:r>
+                        </m:e>
+                        <m:e>
+                          <m:r>
+                            <m:rPr>
+                              <m:brk m:alnAt="7"/>
+                            </m:rPr>
+                            <a:rPr lang="en-US" sz="2800" i="1">
+                              <a:latin typeface="Cambria Math" panose="02040503050406030204" pitchFamily="18" charset="0"/>
+                            </a:rPr>
+                            <m:t>𝑠</m:t>
+                          </m:r>
+                          <m:sSup>
+                            <m:sSupPr>
+                              <m:ctrlPr>
+                                <a:rPr lang="en-US" sz="2800" i="1">
+                                  <a:latin typeface="Cambria Math" panose="02040503050406030204" pitchFamily="18" charset="0"/>
+                                </a:rPr>
+                              </m:ctrlPr>
+                            </m:sSupPr>
+                            <m:e>
+                              <m:r>
+                                <a:rPr lang="en-US" sz="2800" i="1">
+                                  <a:latin typeface="Cambria Math" panose="02040503050406030204" pitchFamily="18" charset="0"/>
+                                </a:rPr>
+                                <m:t>h</m:t>
+                              </m:r>
+                            </m:e>
+                            <m:sup>
+                              <m:r>
+                                <a:rPr lang="en-US" sz="2800" i="1">
+                                  <a:latin typeface="Cambria Math" panose="02040503050406030204" pitchFamily="18" charset="0"/>
+                                </a:rPr>
+                                <m:t>2</m:t>
+                              </m:r>
+                            </m:sup>
+                          </m:sSup>
+                          <m:r>
+                            <a:rPr lang="en-US" sz="2800" i="1">
+                              <a:latin typeface="Cambria Math" panose="02040503050406030204" pitchFamily="18" charset="0"/>
+                            </a:rPr>
+                            <m:t>/2(</m:t>
+                          </m:r>
+                          <m:r>
+                            <a:rPr lang="en-US" sz="2800" i="1">
+                              <a:latin typeface="Cambria Math" panose="02040503050406030204" pitchFamily="18" charset="0"/>
+                            </a:rPr>
+                            <m:t>𝑐</m:t>
+                          </m:r>
+                          <m:sSup>
+                            <m:sSupPr>
+                              <m:ctrlPr>
+                                <a:rPr lang="en-US" sz="2800" i="1">
+                                  <a:latin typeface="Cambria Math" panose="02040503050406030204" pitchFamily="18" charset="0"/>
+                                </a:rPr>
+                              </m:ctrlPr>
+                            </m:sSupPr>
+                            <m:e>
+                              <m:r>
+                                <a:rPr lang="en-US" sz="2800" i="1">
+                                  <a:latin typeface="Cambria Math" panose="02040503050406030204" pitchFamily="18" charset="0"/>
+                                </a:rPr>
+                                <m:t>h</m:t>
+                              </m:r>
+                            </m:e>
+                            <m:sup>
+                              <m:r>
+                                <a:rPr lang="en-US" sz="2800" i="1">
+                                  <a:latin typeface="Cambria Math" panose="02040503050406030204" pitchFamily="18" charset="0"/>
+                                </a:rPr>
+                                <m:t>2</m:t>
+                              </m:r>
+                            </m:sup>
+                          </m:sSup>
+                          <m:r>
+                            <a:rPr lang="en-US" sz="2800" i="1">
+                              <a:latin typeface="Cambria Math" panose="02040503050406030204" pitchFamily="18" charset="0"/>
+                            </a:rPr>
+                            <m:t>+</m:t>
+                          </m:r>
+                          <m:r>
+                            <a:rPr lang="en-US" sz="2800" i="1">
+                              <a:latin typeface="Cambria Math" panose="02040503050406030204" pitchFamily="18" charset="0"/>
+                            </a:rPr>
+                            <m:t>𝑠</m:t>
+                          </m:r>
+                          <m:sSup>
+                            <m:sSupPr>
+                              <m:ctrlPr>
+                                <a:rPr lang="en-US" sz="2800" i="1">
+                                  <a:latin typeface="Cambria Math" panose="02040503050406030204" pitchFamily="18" charset="0"/>
+                                </a:rPr>
+                              </m:ctrlPr>
+                            </m:sSupPr>
+                            <m:e>
+                              <m:r>
+                                <a:rPr lang="en-US" sz="2800" i="1">
+                                  <a:latin typeface="Cambria Math" panose="02040503050406030204" pitchFamily="18" charset="0"/>
+                                </a:rPr>
+                                <m:t>h</m:t>
+                              </m:r>
+                            </m:e>
+                            <m:sup>
+                              <m:r>
+                                <a:rPr lang="en-US" sz="2800" i="1">
+                                  <a:latin typeface="Cambria Math" panose="02040503050406030204" pitchFamily="18" charset="0"/>
+                                </a:rPr>
+                                <m:t>2</m:t>
+                              </m:r>
+                            </m:sup>
+                          </m:sSup>
+                          <m:r>
+                            <a:rPr lang="en-US" sz="2800" i="1">
+                              <a:latin typeface="Cambria Math" panose="02040503050406030204" pitchFamily="18" charset="0"/>
+                            </a:rPr>
+                            <m:t>)</m:t>
+                          </m:r>
+                        </m:e>
+                        <m:e/>
+                      </m:mr>
+                      <m:mr>
+                        <m:e/>
+                        <m:e/>
+                        <m:e>
+                          <m:r>
+                            <a:rPr lang="en-US" sz="2800" b="0" i="1" smtClean="0">
+                              <a:latin typeface="Cambria Math" panose="02040503050406030204" pitchFamily="18" charset="0"/>
+                            </a:rPr>
+                            <m:t>𝑐</m:t>
+                          </m:r>
+                          <m:sSup>
+                            <m:sSupPr>
+                              <m:ctrlPr>
+                                <a:rPr lang="en-US" sz="2800" b="0" i="1" smtClean="0">
+                                  <a:latin typeface="Cambria Math" panose="02040503050406030204" pitchFamily="18" charset="0"/>
+                                </a:rPr>
+                              </m:ctrlPr>
+                            </m:sSupPr>
+                            <m:e>
+                              <m:r>
+                                <a:rPr lang="en-US" sz="2800" b="0" i="1" smtClean="0">
+                                  <a:latin typeface="Cambria Math" panose="02040503050406030204" pitchFamily="18" charset="0"/>
+                                </a:rPr>
+                                <m:t>h</m:t>
+                              </m:r>
+                            </m:e>
+                            <m:sup>
+                              <m:r>
+                                <a:rPr lang="en-US" sz="2800" b="0" i="1" smtClean="0">
+                                  <a:latin typeface="Cambria Math" panose="02040503050406030204" pitchFamily="18" charset="0"/>
+                                </a:rPr>
+                                <m:t>2</m:t>
+                              </m:r>
+                            </m:sup>
+                          </m:sSup>
+                          <m:r>
+                            <a:rPr lang="en-US" sz="2800" b="0" i="1" smtClean="0">
+                              <a:latin typeface="Cambria Math" panose="02040503050406030204" pitchFamily="18" charset="0"/>
+                            </a:rPr>
+                            <m:t>/(</m:t>
+                          </m:r>
+                          <m:r>
+                            <a:rPr lang="en-US" sz="2800" b="0" i="1" smtClean="0">
+                              <a:latin typeface="Cambria Math" panose="02040503050406030204" pitchFamily="18" charset="0"/>
+                            </a:rPr>
+                            <m:t>𝑐</m:t>
+                          </m:r>
+                          <m:sSup>
+                            <m:sSupPr>
+                              <m:ctrlPr>
+                                <a:rPr lang="en-US" sz="2800" b="0" i="1" smtClean="0">
+                                  <a:latin typeface="Cambria Math" panose="02040503050406030204" pitchFamily="18" charset="0"/>
+                                </a:rPr>
+                              </m:ctrlPr>
+                            </m:sSupPr>
+                            <m:e>
+                              <m:r>
+                                <a:rPr lang="en-US" sz="2800" b="0" i="1" smtClean="0">
+                                  <a:latin typeface="Cambria Math" panose="02040503050406030204" pitchFamily="18" charset="0"/>
+                                </a:rPr>
+                                <m:t>h</m:t>
+                              </m:r>
+                            </m:e>
+                            <m:sup>
+                              <m:r>
+                                <a:rPr lang="en-US" sz="2800" b="0" i="1" smtClean="0">
+                                  <a:latin typeface="Cambria Math" panose="02040503050406030204" pitchFamily="18" charset="0"/>
+                                </a:rPr>
+                                <m:t>2</m:t>
+                              </m:r>
+                            </m:sup>
+                          </m:sSup>
+                          <m:r>
+                            <a:rPr lang="en-US" sz="2800" b="0" i="1" smtClean="0">
+                              <a:latin typeface="Cambria Math" panose="02040503050406030204" pitchFamily="18" charset="0"/>
+                            </a:rPr>
+                            <m:t>+</m:t>
+                          </m:r>
+                          <m:r>
+                            <a:rPr lang="en-US" sz="2800" b="0" i="1" smtClean="0">
+                              <a:latin typeface="Cambria Math" panose="02040503050406030204" pitchFamily="18" charset="0"/>
+                            </a:rPr>
+                            <m:t>𝑠</m:t>
+                          </m:r>
+                          <m:sSup>
+                            <m:sSupPr>
+                              <m:ctrlPr>
+                                <a:rPr lang="en-US" sz="2800" b="0" i="1" smtClean="0">
+                                  <a:latin typeface="Cambria Math" panose="02040503050406030204" pitchFamily="18" charset="0"/>
+                                </a:rPr>
+                              </m:ctrlPr>
+                            </m:sSupPr>
+                            <m:e>
+                              <m:r>
+                                <a:rPr lang="en-US" sz="2800" b="0" i="1" smtClean="0">
+                                  <a:latin typeface="Cambria Math" panose="02040503050406030204" pitchFamily="18" charset="0"/>
+                                </a:rPr>
+                                <m:t>h</m:t>
+                              </m:r>
+                            </m:e>
+                            <m:sup>
+                              <m:r>
+                                <a:rPr lang="en-US" sz="2800" b="0" i="1" smtClean="0">
+                                  <a:latin typeface="Cambria Math" panose="02040503050406030204" pitchFamily="18" charset="0"/>
+                                </a:rPr>
+                                <m:t>2</m:t>
+                              </m:r>
+                            </m:sup>
+                          </m:sSup>
+                          <m:r>
+                            <a:rPr lang="en-US" sz="2800" b="0" i="1" smtClean="0">
+                              <a:latin typeface="Cambria Math" panose="02040503050406030204" pitchFamily="18" charset="0"/>
+                            </a:rPr>
+                            <m:t>)</m:t>
+                          </m:r>
+                        </m:e>
+                      </m:mr>
+                    </m:m>
+                  </m:oMath>
+                </a14:m>
+                <a:endParaRPr lang="en-US" sz="2800" dirty="0"/>
+              </a:p>
+              <a:p>
+                <a:r>
+                  <a:rPr lang="en-US" sz="2800" dirty="0"/>
+                  <a:t>i.e., mixed state of c and |a&gt;+|b&gt; </a:t>
+                </a:r>
+              </a:p>
+            </p:txBody>
+          </p:sp>
+        </mc:Choice>
+        <mc:Fallback xmlns="">
+          <p:sp>
+            <p:nvSpPr>
+              <p:cNvPr id="3" name="TextBox 2">
+                <a:extLst>
+                  <a:ext uri="{FF2B5EF4-FFF2-40B4-BE49-F238E27FC236}">
+                    <a16:creationId xmlns:a16="http://schemas.microsoft.com/office/drawing/2014/main" id="{E540FA91-4BF6-4A2A-BB3B-5DE238C8AF72}"/>
+                  </a:ext>
+                </a:extLst>
+              </p:cNvPr>
+              <p:cNvSpPr txBox="1">
+                <a:spLocks noRot="1" noChangeAspect="1" noMove="1" noResize="1" noEditPoints="1" noAdjustHandles="1" noChangeArrowheads="1" noChangeShapeType="1" noTextEdit="1"/>
+              </p:cNvSpPr>
+              <p:nvPr/>
+            </p:nvSpPr>
+            <p:spPr>
+              <a:xfrm>
+                <a:off x="515270" y="957862"/>
+                <a:ext cx="10835035" cy="6361485"/>
+              </a:xfrm>
+              <a:prstGeom prst="rect">
+                <a:avLst/>
+              </a:prstGeom>
+              <a:blipFill>
+                <a:blip r:embed="rId2"/>
+                <a:stretch>
+                  <a:fillRect l="-1182" t="-862" r="-1913" b="-1724"/>
+                </a:stretch>
+              </a:blipFill>
+            </p:spPr>
+            <p:txBody>
+              <a:bodyPr/>
+              <a:lstStyle/>
+              <a:p>
+                <a:r>
+                  <a:rPr lang="en-US">
+                    <a:noFill/>
+                  </a:rPr>
+                  <a:t> </a:t>
+                </a:r>
+              </a:p>
+            </p:txBody>
+          </p:sp>
+        </mc:Fallback>
+      </mc:AlternateContent>
+      <p:sp>
+        <p:nvSpPr>
+          <p:cNvPr id="5" name="TextBox 4">
+            <a:extLst>
+              <a:ext uri="{FF2B5EF4-FFF2-40B4-BE49-F238E27FC236}">
+                <a16:creationId xmlns:a16="http://schemas.microsoft.com/office/drawing/2014/main" id="{C6904B07-D254-4960-A5B7-DB69CC717B73}"/>
+              </a:ext>
+            </a:extLst>
+          </p:cNvPr>
+          <p:cNvSpPr txBox="1"/>
+          <p:nvPr/>
+        </p:nvSpPr>
+        <p:spPr>
+          <a:xfrm>
+            <a:off x="4110527" y="196554"/>
+            <a:ext cx="2735557" cy="830997"/>
+          </a:xfrm>
+          <a:prstGeom prst="rect">
+            <a:avLst/>
+          </a:prstGeom>
+          <a:noFill/>
+        </p:spPr>
+        <p:txBody>
+          <a:bodyPr wrap="none" rtlCol="0">
+            <a:spAutoFit/>
+          </a:bodyPr>
+          <a:lstStyle/>
+          <a:p>
+            <a:r>
+              <a:rPr lang="en-US" sz="4800" dirty="0"/>
+              <a:t>Final state</a:t>
+            </a:r>
+          </a:p>
+        </p:txBody>
+      </p:sp>
+    </p:spTree>
+    <p:extLst>
+      <p:ext uri="{BB962C8B-B14F-4D97-AF65-F5344CB8AC3E}">
+        <p14:creationId xmlns:p14="http://schemas.microsoft.com/office/powerpoint/2010/main" val="40500817"/>
+      </p:ext>
+    </p:extLst>
+  </p:cSld>
+  <p:clrMapOvr>
+    <a:masterClrMapping/>
+  </p:clrMapOvr>
+</p:sld>
+</file>
+
+<file path=ppt/slides/slide21.xml><?xml version="1.0" encoding="utf-8"?>
+<p:sld xmlns:a="http://schemas.openxmlformats.org/drawingml/2006/main" xmlns:r="http://schemas.openxmlformats.org/officeDocument/2006/relationships" xmlns:p="http://schemas.openxmlformats.org/presentationml/2006/main">
+  <p:cSld>
+    <p:spTree>
+      <p:nvGrpSpPr>
+        <p:cNvPr id="1" name=""/>
+        <p:cNvGrpSpPr/>
+        <p:nvPr/>
+      </p:nvGrpSpPr>
+      <p:grpSpPr>
+        <a:xfrm>
+          <a:off x="0" y="0"/>
+          <a:ext cx="0" cy="0"/>
+          <a:chOff x="0" y="0"/>
+          <a:chExt cx="0" cy="0"/>
+        </a:xfrm>
+      </p:grpSpPr>
       <p:sp>
         <p:nvSpPr>
           <p:cNvPr id="2" name="TextBox 1">
@@ -17211,7 +17869,7 @@
 </p:sld>
 </file>
 
-<file path=ppt/slides/slide21.xml><?xml version="1.0" encoding="utf-8"?>
+<file path=ppt/slides/slide22.xml><?xml version="1.0" encoding="utf-8"?>
 <p:sld xmlns:a="http://schemas.openxmlformats.org/drawingml/2006/main" xmlns:r="http://schemas.openxmlformats.org/officeDocument/2006/relationships" xmlns:p="http://schemas.openxmlformats.org/presentationml/2006/main">
   <p:cSld>
     <p:spTree>
@@ -17681,7 +18339,7 @@
 </p:sld>
 </file>
 
-<file path=ppt/slides/slide22.xml><?xml version="1.0" encoding="utf-8"?>
+<file path=ppt/slides/slide23.xml><?xml version="1.0" encoding="utf-8"?>
 <p:sld xmlns:a="http://schemas.openxmlformats.org/drawingml/2006/main" xmlns:r="http://schemas.openxmlformats.org/officeDocument/2006/relationships" xmlns:p="http://schemas.openxmlformats.org/presentationml/2006/main">
   <p:cSld>
     <p:spTree>
@@ -18177,7 +18835,7 @@
 </p:sld>
 </file>
 
-<file path=ppt/slides/slide23.xml><?xml version="1.0" encoding="utf-8"?>
+<file path=ppt/slides/slide24.xml><?xml version="1.0" encoding="utf-8"?>
 <p:sld xmlns:a="http://schemas.openxmlformats.org/drawingml/2006/main" xmlns:r="http://schemas.openxmlformats.org/officeDocument/2006/relationships" xmlns:p="http://schemas.openxmlformats.org/presentationml/2006/main">
   <p:cSld>
     <p:spTree>
@@ -19963,7 +20621,7 @@
 </p:sld>
 </file>
 
-<file path=ppt/slides/slide24.xml><?xml version="1.0" encoding="utf-8"?>
+<file path=ppt/slides/slide25.xml><?xml version="1.0" encoding="utf-8"?>
 <p:sld xmlns:a="http://schemas.openxmlformats.org/drawingml/2006/main" xmlns:r="http://schemas.openxmlformats.org/officeDocument/2006/relationships" xmlns:p="http://schemas.openxmlformats.org/presentationml/2006/main">
   <p:cSld>
     <p:spTree>

--- a/3-level.pptx
+++ b/3-level.pptx
@@ -5,7 +5,7 @@
     <p:sldMasterId id="2147483648" r:id="rId1"/>
   </p:sldMasterIdLst>
   <p:notesMasterIdLst>
-    <p:notesMasterId r:id="rId29"/>
+    <p:notesMasterId r:id="rId35"/>
   </p:notesMasterIdLst>
   <p:sldIdLst>
     <p:sldId id="281" r:id="rId2"/>
@@ -24,17 +24,23 @@
     <p:sldId id="284" r:id="rId15"/>
     <p:sldId id="285" r:id="rId16"/>
     <p:sldId id="286" r:id="rId17"/>
-    <p:sldId id="283" r:id="rId18"/>
-    <p:sldId id="287" r:id="rId19"/>
-    <p:sldId id="279" r:id="rId20"/>
-    <p:sldId id="277" r:id="rId21"/>
-    <p:sldId id="263" r:id="rId22"/>
-    <p:sldId id="264" r:id="rId23"/>
-    <p:sldId id="261" r:id="rId24"/>
-    <p:sldId id="278" r:id="rId25"/>
-    <p:sldId id="266" r:id="rId26"/>
-    <p:sldId id="265" r:id="rId27"/>
-    <p:sldId id="258" r:id="rId28"/>
+    <p:sldId id="289" r:id="rId18"/>
+    <p:sldId id="283" r:id="rId19"/>
+    <p:sldId id="287" r:id="rId20"/>
+    <p:sldId id="292" r:id="rId21"/>
+    <p:sldId id="291" r:id="rId22"/>
+    <p:sldId id="288" r:id="rId23"/>
+    <p:sldId id="290" r:id="rId24"/>
+    <p:sldId id="293" r:id="rId25"/>
+    <p:sldId id="279" r:id="rId26"/>
+    <p:sldId id="277" r:id="rId27"/>
+    <p:sldId id="263" r:id="rId28"/>
+    <p:sldId id="264" r:id="rId29"/>
+    <p:sldId id="261" r:id="rId30"/>
+    <p:sldId id="278" r:id="rId31"/>
+    <p:sldId id="266" r:id="rId32"/>
+    <p:sldId id="265" r:id="rId33"/>
+    <p:sldId id="258" r:id="rId34"/>
   </p:sldIdLst>
   <p:sldSz cx="12192000" cy="6858000"/>
   <p:notesSz cx="6858000" cy="9144000"/>
@@ -235,7 +241,7 @@
           <a:p>
             <a:fld id="{D398D3D8-E180-45F1-973D-9CDE3FC68687}" type="datetimeFigureOut">
               <a:rPr lang="en-US" smtClean="0"/>
-              <a:t>10/20/2018</a:t>
+              <a:t>10/31/2018</a:t>
             </a:fld>
             <a:endParaRPr lang="en-US"/>
           </a:p>
@@ -817,7 +823,7 @@
           <a:p>
             <a:fld id="{540C0B17-285F-4B24-A15E-231AC8C41BCD}" type="datetimeFigureOut">
               <a:rPr lang="en-US" smtClean="0"/>
-              <a:t>10/20/2018</a:t>
+              <a:t>10/31/2018</a:t>
             </a:fld>
             <a:endParaRPr lang="en-US"/>
           </a:p>
@@ -1015,7 +1021,7 @@
           <a:p>
             <a:fld id="{540C0B17-285F-4B24-A15E-231AC8C41BCD}" type="datetimeFigureOut">
               <a:rPr lang="en-US" smtClean="0"/>
-              <a:t>10/20/2018</a:t>
+              <a:t>10/31/2018</a:t>
             </a:fld>
             <a:endParaRPr lang="en-US"/>
           </a:p>
@@ -1223,7 +1229,7 @@
           <a:p>
             <a:fld id="{540C0B17-285F-4B24-A15E-231AC8C41BCD}" type="datetimeFigureOut">
               <a:rPr lang="en-US" smtClean="0"/>
-              <a:t>10/20/2018</a:t>
+              <a:t>10/31/2018</a:t>
             </a:fld>
             <a:endParaRPr lang="en-US"/>
           </a:p>
@@ -1421,7 +1427,7 @@
           <a:p>
             <a:fld id="{540C0B17-285F-4B24-A15E-231AC8C41BCD}" type="datetimeFigureOut">
               <a:rPr lang="en-US" smtClean="0"/>
-              <a:t>10/20/2018</a:t>
+              <a:t>10/31/2018</a:t>
             </a:fld>
             <a:endParaRPr lang="en-US"/>
           </a:p>
@@ -1696,7 +1702,7 @@
           <a:p>
             <a:fld id="{540C0B17-285F-4B24-A15E-231AC8C41BCD}" type="datetimeFigureOut">
               <a:rPr lang="en-US" smtClean="0"/>
-              <a:t>10/20/2018</a:t>
+              <a:t>10/31/2018</a:t>
             </a:fld>
             <a:endParaRPr lang="en-US"/>
           </a:p>
@@ -1961,7 +1967,7 @@
           <a:p>
             <a:fld id="{540C0B17-285F-4B24-A15E-231AC8C41BCD}" type="datetimeFigureOut">
               <a:rPr lang="en-US" smtClean="0"/>
-              <a:t>10/20/2018</a:t>
+              <a:t>10/31/2018</a:t>
             </a:fld>
             <a:endParaRPr lang="en-US"/>
           </a:p>
@@ -2373,7 +2379,7 @@
           <a:p>
             <a:fld id="{540C0B17-285F-4B24-A15E-231AC8C41BCD}" type="datetimeFigureOut">
               <a:rPr lang="en-US" smtClean="0"/>
-              <a:t>10/20/2018</a:t>
+              <a:t>10/31/2018</a:t>
             </a:fld>
             <a:endParaRPr lang="en-US"/>
           </a:p>
@@ -2514,7 +2520,7 @@
           <a:p>
             <a:fld id="{540C0B17-285F-4B24-A15E-231AC8C41BCD}" type="datetimeFigureOut">
               <a:rPr lang="en-US" smtClean="0"/>
-              <a:t>10/20/2018</a:t>
+              <a:t>10/31/2018</a:t>
             </a:fld>
             <a:endParaRPr lang="en-US"/>
           </a:p>
@@ -2627,7 +2633,7 @@
           <a:p>
             <a:fld id="{540C0B17-285F-4B24-A15E-231AC8C41BCD}" type="datetimeFigureOut">
               <a:rPr lang="en-US" smtClean="0"/>
-              <a:t>10/20/2018</a:t>
+              <a:t>10/31/2018</a:t>
             </a:fld>
             <a:endParaRPr lang="en-US"/>
           </a:p>
@@ -2938,7 +2944,7 @@
           <a:p>
             <a:fld id="{540C0B17-285F-4B24-A15E-231AC8C41BCD}" type="datetimeFigureOut">
               <a:rPr lang="en-US" smtClean="0"/>
-              <a:t>10/20/2018</a:t>
+              <a:t>10/31/2018</a:t>
             </a:fld>
             <a:endParaRPr lang="en-US"/>
           </a:p>
@@ -3226,7 +3232,7 @@
           <a:p>
             <a:fld id="{540C0B17-285F-4B24-A15E-231AC8C41BCD}" type="datetimeFigureOut">
               <a:rPr lang="en-US" smtClean="0"/>
-              <a:t>10/20/2018</a:t>
+              <a:t>10/31/2018</a:t>
             </a:fld>
             <a:endParaRPr lang="en-US"/>
           </a:p>
@@ -3467,7 +3473,7 @@
           <a:p>
             <a:fld id="{540C0B17-285F-4B24-A15E-231AC8C41BCD}" type="datetimeFigureOut">
               <a:rPr lang="en-US" smtClean="0"/>
-              <a:t>10/20/2018</a:t>
+              <a:t>10/31/2018</a:t>
             </a:fld>
             <a:endParaRPr lang="en-US"/>
           </a:p>
@@ -11181,8 +11187,8 @@
           </a:prstGeom>
         </p:spPr>
       </p:pic>
-      <mc:AlternateContent xmlns:mc="http://schemas.openxmlformats.org/markup-compatibility/2006">
-        <mc:Choice xmlns:a14="http://schemas.microsoft.com/office/drawing/2010/main" Requires="a14">
+      <mc:AlternateContent xmlns:mc="http://schemas.openxmlformats.org/markup-compatibility/2006" xmlns:a14="http://schemas.microsoft.com/office/drawing/2010/main">
+        <mc:Choice Requires="a14">
           <p:sp>
             <p:nvSpPr>
               <p:cNvPr id="2" name="TextBox 1">
@@ -11420,7 +11426,7 @@
             </p:txBody>
           </p:sp>
         </mc:Choice>
-        <mc:Fallback>
+        <mc:Fallback xmlns="">
           <p:sp>
             <p:nvSpPr>
               <p:cNvPr id="2" name="TextBox 1">
@@ -13543,7 +13549,7 @@
     </p:spTree>
     <p:extLst>
       <p:ext uri="{BB962C8B-B14F-4D97-AF65-F5344CB8AC3E}">
-        <p14:creationId xmlns:p14="http://schemas.microsoft.com/office/powerpoint/2010/main" val="2386698821"/>
+        <p14:creationId xmlns:p14="http://schemas.microsoft.com/office/powerpoint/2010/main" val="249351604"/>
       </p:ext>
     </p:extLst>
   </p:cSld>
@@ -13570,60 +13576,10 @@
           <a:chExt cx="0" cy="0"/>
         </a:xfrm>
       </p:grpSpPr>
-      <p:sp>
-        <p:nvSpPr>
-          <p:cNvPr id="2" name="Title 1">
-            <a:extLst>
-              <a:ext uri="{FF2B5EF4-FFF2-40B4-BE49-F238E27FC236}">
-                <a16:creationId xmlns:a16="http://schemas.microsoft.com/office/drawing/2014/main" id="{53D80827-5469-44D8-B096-595DC5E6F943}"/>
-              </a:ext>
-            </a:extLst>
-          </p:cNvPr>
-          <p:cNvSpPr>
-            <a:spLocks noGrp="1"/>
-          </p:cNvSpPr>
-          <p:nvPr>
-            <p:ph type="title"/>
-          </p:nvPr>
-        </p:nvSpPr>
-        <p:spPr/>
-        <p:txBody>
-          <a:bodyPr/>
-          <a:lstStyle/>
-          <a:p>
-            <a:endParaRPr lang="en-US"/>
-          </a:p>
-        </p:txBody>
-      </p:sp>
-      <p:sp>
-        <p:nvSpPr>
-          <p:cNvPr id="3" name="Content Placeholder 2">
-            <a:extLst>
-              <a:ext uri="{FF2B5EF4-FFF2-40B4-BE49-F238E27FC236}">
-                <a16:creationId xmlns:a16="http://schemas.microsoft.com/office/drawing/2014/main" id="{53F43B4B-CAC8-41F4-9ADC-8AEFB3368D17}"/>
-              </a:ext>
-            </a:extLst>
-          </p:cNvPr>
-          <p:cNvSpPr>
-            <a:spLocks noGrp="1"/>
-          </p:cNvSpPr>
-          <p:nvPr>
-            <p:ph idx="1"/>
-          </p:nvPr>
-        </p:nvSpPr>
-        <p:spPr/>
-        <p:txBody>
-          <a:bodyPr/>
-          <a:lstStyle/>
-          <a:p>
-            <a:endParaRPr lang="en-US"/>
-          </a:p>
-        </p:txBody>
-      </p:sp>
     </p:spTree>
     <p:extLst>
       <p:ext uri="{BB962C8B-B14F-4D97-AF65-F5344CB8AC3E}">
-        <p14:creationId xmlns:p14="http://schemas.microsoft.com/office/powerpoint/2010/main" val="510124597"/>
+        <p14:creationId xmlns:p14="http://schemas.microsoft.com/office/powerpoint/2010/main" val="2386698821"/>
       </p:ext>
     </p:extLst>
   </p:cSld>
@@ -13650,60 +13606,1624 @@
           <a:chExt cx="0" cy="0"/>
         </a:xfrm>
       </p:grpSpPr>
-      <p:sp>
-        <p:nvSpPr>
-          <p:cNvPr id="2" name="Title 1">
+      <p:pic>
+        <p:nvPicPr>
+          <p:cNvPr id="4" name="Picture 3">
             <a:extLst>
               <a:ext uri="{FF2B5EF4-FFF2-40B4-BE49-F238E27FC236}">
-                <a16:creationId xmlns:a16="http://schemas.microsoft.com/office/drawing/2014/main" id="{C4502E88-B665-48CE-B882-E800D25C9F7D}"/>
+                <a16:creationId xmlns:a16="http://schemas.microsoft.com/office/drawing/2014/main" id="{71EBFE9D-D427-43F5-90E8-B25B8F47EFD3}"/>
               </a:ext>
             </a:extLst>
           </p:cNvPr>
-          <p:cNvSpPr>
-            <a:spLocks noGrp="1"/>
-          </p:cNvSpPr>
-          <p:nvPr>
-            <p:ph type="title"/>
-          </p:nvPr>
+          <p:cNvPicPr>
+            <a:picLocks noChangeAspect="1"/>
+          </p:cNvPicPr>
+          <p:nvPr/>
+        </p:nvPicPr>
+        <p:blipFill>
+          <a:blip r:embed="rId2"/>
+          <a:stretch>
+            <a:fillRect/>
+          </a:stretch>
+        </p:blipFill>
+        <p:spPr>
+          <a:xfrm>
+            <a:off x="1265739" y="627364"/>
+            <a:ext cx="7793372" cy="3101729"/>
+          </a:xfrm>
+          <a:prstGeom prst="rect">
+            <a:avLst/>
+          </a:prstGeom>
+        </p:spPr>
+      </p:pic>
+      <p:sp>
+        <p:nvSpPr>
+          <p:cNvPr id="5" name="TextBox 4">
+            <a:extLst>
+              <a:ext uri="{FF2B5EF4-FFF2-40B4-BE49-F238E27FC236}">
+                <a16:creationId xmlns:a16="http://schemas.microsoft.com/office/drawing/2014/main" id="{CA10CA8F-C345-446B-80EA-6BE8F2FF335E}"/>
+              </a:ext>
+            </a:extLst>
+          </p:cNvPr>
+          <p:cNvSpPr txBox="1"/>
+          <p:nvPr/>
         </p:nvSpPr>
-        <p:spPr/>
+        <p:spPr>
+          <a:xfrm>
+            <a:off x="2623138" y="-67390"/>
+            <a:ext cx="5753883" cy="646331"/>
+          </a:xfrm>
+          <a:prstGeom prst="rect">
+            <a:avLst/>
+          </a:prstGeom>
+          <a:noFill/>
+        </p:spPr>
         <p:txBody>
-          <a:bodyPr/>
+          <a:bodyPr wrap="none" rtlCol="0">
+            <a:spAutoFit/>
+          </a:bodyPr>
           <a:lstStyle/>
           <a:p>
-            <a:endParaRPr lang="en-US"/>
+            <a:r>
+              <a:rPr lang="en-US" sz="3600" dirty="0"/>
+              <a:t>General steady state solution:</a:t>
+            </a:r>
           </a:p>
         </p:txBody>
       </p:sp>
-      <p:sp>
-        <p:nvSpPr>
-          <p:cNvPr id="3" name="Content Placeholder 2">
+      <p:grpSp>
+        <p:nvGrpSpPr>
+          <p:cNvPr id="6" name="Group 5">
             <a:extLst>
               <a:ext uri="{FF2B5EF4-FFF2-40B4-BE49-F238E27FC236}">
-                <a16:creationId xmlns:a16="http://schemas.microsoft.com/office/drawing/2014/main" id="{66353345-2868-4043-AB45-E0A73D8F14CB}"/>
+                <a16:creationId xmlns:a16="http://schemas.microsoft.com/office/drawing/2014/main" id="{46D93098-6896-4539-B67F-B6DF54FD8DA2}"/>
               </a:ext>
             </a:extLst>
           </p:cNvPr>
-          <p:cNvSpPr>
-            <a:spLocks noGrp="1"/>
-          </p:cNvSpPr>
-          <p:nvPr>
-            <p:ph idx="1"/>
-          </p:nvPr>
-        </p:nvSpPr>
-        <p:spPr/>
-        <p:txBody>
-          <a:bodyPr/>
-          <a:lstStyle/>
-          <a:p>
-            <a:endParaRPr lang="en-US"/>
-          </a:p>
-        </p:txBody>
-      </p:sp>
+          <p:cNvGrpSpPr/>
+          <p:nvPr/>
+        </p:nvGrpSpPr>
+        <p:grpSpPr>
+          <a:xfrm>
+            <a:off x="388723" y="3972235"/>
+            <a:ext cx="4298760" cy="2885765"/>
+            <a:chOff x="573281" y="3673290"/>
+            <a:chExt cx="4298760" cy="2885765"/>
+          </a:xfrm>
+        </p:grpSpPr>
+        <p:cxnSp>
+          <p:nvCxnSpPr>
+            <p:cNvPr id="7" name="Straight Connector 6">
+              <a:extLst>
+                <a:ext uri="{FF2B5EF4-FFF2-40B4-BE49-F238E27FC236}">
+                  <a16:creationId xmlns:a16="http://schemas.microsoft.com/office/drawing/2014/main" id="{6A3D1F47-B6F8-4333-99D9-8D74815E8B99}"/>
+                </a:ext>
+              </a:extLst>
+            </p:cNvPr>
+            <p:cNvCxnSpPr>
+              <a:cxnSpLocks/>
+            </p:cNvCxnSpPr>
+            <p:nvPr/>
+          </p:nvCxnSpPr>
+          <p:spPr>
+            <a:xfrm>
+              <a:off x="1319041" y="6381760"/>
+              <a:ext cx="1344377" cy="0"/>
+            </a:xfrm>
+            <a:prstGeom prst="line">
+              <a:avLst/>
+            </a:prstGeom>
+            <a:ln w="38100"/>
+          </p:spPr>
+          <p:style>
+            <a:lnRef idx="1">
+              <a:schemeClr val="accent1"/>
+            </a:lnRef>
+            <a:fillRef idx="0">
+              <a:schemeClr val="accent1"/>
+            </a:fillRef>
+            <a:effectRef idx="0">
+              <a:schemeClr val="accent1"/>
+            </a:effectRef>
+            <a:fontRef idx="minor">
+              <a:schemeClr val="tx1"/>
+            </a:fontRef>
+          </p:style>
+        </p:cxnSp>
+        <p:cxnSp>
+          <p:nvCxnSpPr>
+            <p:cNvPr id="8" name="Straight Connector 7">
+              <a:extLst>
+                <a:ext uri="{FF2B5EF4-FFF2-40B4-BE49-F238E27FC236}">
+                  <a16:creationId xmlns:a16="http://schemas.microsoft.com/office/drawing/2014/main" id="{11B8F1AF-81EB-4302-BD5A-FBCD64C4B6BB}"/>
+                </a:ext>
+              </a:extLst>
+            </p:cNvPr>
+            <p:cNvCxnSpPr>
+              <a:cxnSpLocks/>
+            </p:cNvCxnSpPr>
+            <p:nvPr/>
+          </p:nvCxnSpPr>
+          <p:spPr>
+            <a:xfrm>
+              <a:off x="1319041" y="3930423"/>
+              <a:ext cx="1344377" cy="0"/>
+            </a:xfrm>
+            <a:prstGeom prst="line">
+              <a:avLst/>
+            </a:prstGeom>
+            <a:ln w="38100"/>
+          </p:spPr>
+          <p:style>
+            <a:lnRef idx="1">
+              <a:schemeClr val="accent1"/>
+            </a:lnRef>
+            <a:fillRef idx="0">
+              <a:schemeClr val="accent1"/>
+            </a:fillRef>
+            <a:effectRef idx="0">
+              <a:schemeClr val="accent1"/>
+            </a:effectRef>
+            <a:fontRef idx="minor">
+              <a:schemeClr val="tx1"/>
+            </a:fontRef>
+          </p:style>
+        </p:cxnSp>
+        <p:cxnSp>
+          <p:nvCxnSpPr>
+            <p:cNvPr id="9" name="Straight Connector 8">
+              <a:extLst>
+                <a:ext uri="{FF2B5EF4-FFF2-40B4-BE49-F238E27FC236}">
+                  <a16:creationId xmlns:a16="http://schemas.microsoft.com/office/drawing/2014/main" id="{AB49707E-E431-493C-AE19-3A32719B03E6}"/>
+                </a:ext>
+              </a:extLst>
+            </p:cNvPr>
+            <p:cNvCxnSpPr>
+              <a:cxnSpLocks/>
+            </p:cNvCxnSpPr>
+            <p:nvPr/>
+          </p:nvCxnSpPr>
+          <p:spPr>
+            <a:xfrm>
+              <a:off x="1319041" y="5174384"/>
+              <a:ext cx="1400803" cy="0"/>
+            </a:xfrm>
+            <a:prstGeom prst="line">
+              <a:avLst/>
+            </a:prstGeom>
+            <a:ln w="38100"/>
+          </p:spPr>
+          <p:style>
+            <a:lnRef idx="1">
+              <a:schemeClr val="accent1"/>
+            </a:lnRef>
+            <a:fillRef idx="0">
+              <a:schemeClr val="accent1"/>
+            </a:fillRef>
+            <a:effectRef idx="0">
+              <a:schemeClr val="accent1"/>
+            </a:effectRef>
+            <a:fontRef idx="minor">
+              <a:schemeClr val="tx1"/>
+            </a:fontRef>
+          </p:style>
+        </p:cxnSp>
+        <p:sp>
+          <p:nvSpPr>
+            <p:cNvPr id="10" name="Oval 9">
+              <a:extLst>
+                <a:ext uri="{FF2B5EF4-FFF2-40B4-BE49-F238E27FC236}">
+                  <a16:creationId xmlns:a16="http://schemas.microsoft.com/office/drawing/2014/main" id="{E7516D7C-98A5-4C6B-8F48-66C47160808E}"/>
+                </a:ext>
+              </a:extLst>
+            </p:cNvPr>
+            <p:cNvSpPr/>
+            <p:nvPr/>
+          </p:nvSpPr>
+          <p:spPr>
+            <a:xfrm>
+              <a:off x="3504119" y="4673606"/>
+              <a:ext cx="1254555" cy="1122759"/>
+            </a:xfrm>
+            <a:prstGeom prst="ellipse">
+              <a:avLst/>
+            </a:prstGeom>
+            <a:noFill/>
+            <a:ln w="38100"/>
+          </p:spPr>
+          <p:style>
+            <a:lnRef idx="2">
+              <a:schemeClr val="accent1">
+                <a:shade val="50000"/>
+              </a:schemeClr>
+            </a:lnRef>
+            <a:fillRef idx="1">
+              <a:schemeClr val="accent1"/>
+            </a:fillRef>
+            <a:effectRef idx="0">
+              <a:schemeClr val="accent1"/>
+            </a:effectRef>
+            <a:fontRef idx="minor">
+              <a:schemeClr val="lt1"/>
+            </a:fontRef>
+          </p:style>
+          <p:txBody>
+            <a:bodyPr rtlCol="0" anchor="ctr"/>
+            <a:lstStyle/>
+            <a:p>
+              <a:pPr algn="ctr"/>
+              <a:endParaRPr lang="en-US"/>
+            </a:p>
+          </p:txBody>
+        </p:sp>
+        <mc:AlternateContent xmlns:mc="http://schemas.openxmlformats.org/markup-compatibility/2006" xmlns:a14="http://schemas.microsoft.com/office/drawing/2010/main">
+          <mc:Choice Requires="a14">
+            <p:sp>
+              <p:nvSpPr>
+                <p:cNvPr id="11" name="TextBox 10">
+                  <a:extLst>
+                    <a:ext uri="{FF2B5EF4-FFF2-40B4-BE49-F238E27FC236}">
+                      <a16:creationId xmlns:a16="http://schemas.microsoft.com/office/drawing/2014/main" id="{74817FD8-949E-4A24-90C9-E58A5898296E}"/>
+                    </a:ext>
+                  </a:extLst>
+                </p:cNvPr>
+                <p:cNvSpPr txBox="1"/>
+                <p:nvPr/>
+              </p:nvSpPr>
+              <p:spPr>
+                <a:xfrm>
+                  <a:off x="598250" y="3673290"/>
+                  <a:ext cx="720791" cy="514267"/>
+                </a:xfrm>
+                <a:prstGeom prst="rect">
+                  <a:avLst/>
+                </a:prstGeom>
+                <a:noFill/>
+              </p:spPr>
+              <p:txBody>
+                <a:bodyPr wrap="none" rtlCol="0">
+                  <a:spAutoFit/>
+                </a:bodyPr>
+                <a:lstStyle/>
+                <a:p>
+                  <a:pPr/>
+                  <a14:m>
+                    <m:oMathPara xmlns:m="http://schemas.openxmlformats.org/officeDocument/2006/math">
+                      <m:oMathParaPr>
+                        <m:jc m:val="centerGroup"/>
+                      </m:oMathParaPr>
+                      <m:oMath xmlns:m="http://schemas.openxmlformats.org/officeDocument/2006/math">
+                        <m:r>
+                          <a:rPr lang="en-US" b="0" i="1" smtClean="0">
+                            <a:latin typeface="Cambria Math" panose="02040503050406030204" pitchFamily="18" charset="0"/>
+                          </a:rPr>
+                          <m:t>|</m:t>
+                        </m:r>
+                        <m:r>
+                          <a:rPr lang="en-US" b="0" i="1" smtClean="0">
+                            <a:latin typeface="Cambria Math" panose="02040503050406030204" pitchFamily="18" charset="0"/>
+                          </a:rPr>
+                          <m:t>𝑎</m:t>
+                        </m:r>
+                        <m:r>
+                          <a:rPr lang="en-US" b="0" i="1" smtClean="0">
+                            <a:latin typeface="Cambria Math" panose="02040503050406030204" pitchFamily="18" charset="0"/>
+                          </a:rPr>
+                          <m:t>⟩</m:t>
+                        </m:r>
+                      </m:oMath>
+                    </m:oMathPara>
+                  </a14:m>
+                  <a:endParaRPr lang="en-US" dirty="0"/>
+                </a:p>
+              </p:txBody>
+            </p:sp>
+          </mc:Choice>
+          <mc:Fallback xmlns="">
+            <p:sp>
+              <p:nvSpPr>
+                <p:cNvPr id="11" name="TextBox 10">
+                  <a:extLst>
+                    <a:ext uri="{FF2B5EF4-FFF2-40B4-BE49-F238E27FC236}">
+                      <a16:creationId xmlns:a16="http://schemas.microsoft.com/office/drawing/2014/main" id="{F601212D-7FAA-47EC-B241-544D09CD7D68}"/>
+                    </a:ext>
+                  </a:extLst>
+                </p:cNvPr>
+                <p:cNvSpPr txBox="1">
+                  <a:spLocks noRot="1" noChangeAspect="1" noMove="1" noResize="1" noEditPoints="1" noAdjustHandles="1" noChangeArrowheads="1" noChangeShapeType="1" noTextEdit="1"/>
+                </p:cNvSpPr>
+                <p:nvPr/>
+              </p:nvSpPr>
+              <p:spPr>
+                <a:xfrm>
+                  <a:off x="598250" y="3673290"/>
+                  <a:ext cx="720791" cy="514267"/>
+                </a:xfrm>
+                <a:prstGeom prst="rect">
+                  <a:avLst/>
+                </a:prstGeom>
+                <a:blipFill>
+                  <a:blip r:embed="rId4"/>
+                  <a:stretch>
+                    <a:fillRect/>
+                  </a:stretch>
+                </a:blipFill>
+              </p:spPr>
+              <p:txBody>
+                <a:bodyPr/>
+                <a:lstStyle/>
+                <a:p>
+                  <a:r>
+                    <a:rPr lang="en-US">
+                      <a:noFill/>
+                    </a:rPr>
+                    <a:t> </a:t>
+                  </a:r>
+                </a:p>
+              </p:txBody>
+            </p:sp>
+          </mc:Fallback>
+        </mc:AlternateContent>
+        <mc:AlternateContent xmlns:mc="http://schemas.openxmlformats.org/markup-compatibility/2006" xmlns:a14="http://schemas.microsoft.com/office/drawing/2010/main">
+          <mc:Choice Requires="a14">
+            <p:sp>
+              <p:nvSpPr>
+                <p:cNvPr id="12" name="TextBox 11">
+                  <a:extLst>
+                    <a:ext uri="{FF2B5EF4-FFF2-40B4-BE49-F238E27FC236}">
+                      <a16:creationId xmlns:a16="http://schemas.microsoft.com/office/drawing/2014/main" id="{092CB6B3-3A59-4550-AEB0-484EAAAAD17C}"/>
+                    </a:ext>
+                  </a:extLst>
+                </p:cNvPr>
+                <p:cNvSpPr txBox="1"/>
+                <p:nvPr/>
+              </p:nvSpPr>
+              <p:spPr>
+                <a:xfrm>
+                  <a:off x="603054" y="4917251"/>
+                  <a:ext cx="632910" cy="514267"/>
+                </a:xfrm>
+                <a:prstGeom prst="rect">
+                  <a:avLst/>
+                </a:prstGeom>
+                <a:noFill/>
+              </p:spPr>
+              <p:txBody>
+                <a:bodyPr wrap="square" rtlCol="0">
+                  <a:spAutoFit/>
+                </a:bodyPr>
+                <a:lstStyle/>
+                <a:p>
+                  <a:pPr/>
+                  <a14:m>
+                    <m:oMathPara xmlns:m="http://schemas.openxmlformats.org/officeDocument/2006/math">
+                      <m:oMathParaPr>
+                        <m:jc m:val="centerGroup"/>
+                      </m:oMathParaPr>
+                      <m:oMath xmlns:m="http://schemas.openxmlformats.org/officeDocument/2006/math">
+                        <m:r>
+                          <a:rPr lang="en-US" b="0" i="1" smtClean="0">
+                            <a:latin typeface="Cambria Math" panose="02040503050406030204" pitchFamily="18" charset="0"/>
+                          </a:rPr>
+                          <m:t>|</m:t>
+                        </m:r>
+                        <m:r>
+                          <a:rPr lang="en-US" b="0" i="1" smtClean="0">
+                            <a:latin typeface="Cambria Math" panose="02040503050406030204" pitchFamily="18" charset="0"/>
+                          </a:rPr>
+                          <m:t>𝑏</m:t>
+                        </m:r>
+                        <m:r>
+                          <a:rPr lang="en-US" b="0" i="1" smtClean="0">
+                            <a:latin typeface="Cambria Math" panose="02040503050406030204" pitchFamily="18" charset="0"/>
+                          </a:rPr>
+                          <m:t>⟩</m:t>
+                        </m:r>
+                      </m:oMath>
+                    </m:oMathPara>
+                  </a14:m>
+                  <a:endParaRPr lang="en-US" dirty="0"/>
+                </a:p>
+              </p:txBody>
+            </p:sp>
+          </mc:Choice>
+          <mc:Fallback xmlns="">
+            <p:sp>
+              <p:nvSpPr>
+                <p:cNvPr id="12" name="TextBox 11">
+                  <a:extLst>
+                    <a:ext uri="{FF2B5EF4-FFF2-40B4-BE49-F238E27FC236}">
+                      <a16:creationId xmlns:a16="http://schemas.microsoft.com/office/drawing/2014/main" id="{CC3405A2-CEFC-4E8B-A895-477EF73C71DD}"/>
+                    </a:ext>
+                  </a:extLst>
+                </p:cNvPr>
+                <p:cNvSpPr txBox="1">
+                  <a:spLocks noRot="1" noChangeAspect="1" noMove="1" noResize="1" noEditPoints="1" noAdjustHandles="1" noChangeArrowheads="1" noChangeShapeType="1" noTextEdit="1"/>
+                </p:cNvSpPr>
+                <p:nvPr/>
+              </p:nvSpPr>
+              <p:spPr>
+                <a:xfrm>
+                  <a:off x="603054" y="4917251"/>
+                  <a:ext cx="632910" cy="514267"/>
+                </a:xfrm>
+                <a:prstGeom prst="rect">
+                  <a:avLst/>
+                </a:prstGeom>
+                <a:blipFill>
+                  <a:blip r:embed="rId5"/>
+                  <a:stretch>
+                    <a:fillRect/>
+                  </a:stretch>
+                </a:blipFill>
+              </p:spPr>
+              <p:txBody>
+                <a:bodyPr/>
+                <a:lstStyle/>
+                <a:p>
+                  <a:r>
+                    <a:rPr lang="en-US">
+                      <a:noFill/>
+                    </a:rPr>
+                    <a:t> </a:t>
+                  </a:r>
+                </a:p>
+              </p:txBody>
+            </p:sp>
+          </mc:Fallback>
+        </mc:AlternateContent>
+        <mc:AlternateContent xmlns:mc="http://schemas.openxmlformats.org/markup-compatibility/2006" xmlns:a14="http://schemas.microsoft.com/office/drawing/2010/main">
+          <mc:Choice Requires="a14">
+            <p:sp>
+              <p:nvSpPr>
+                <p:cNvPr id="13" name="TextBox 12">
+                  <a:extLst>
+                    <a:ext uri="{FF2B5EF4-FFF2-40B4-BE49-F238E27FC236}">
+                      <a16:creationId xmlns:a16="http://schemas.microsoft.com/office/drawing/2014/main" id="{813DB8F7-5474-43DA-BDC7-AA7CED5A42C3}"/>
+                    </a:ext>
+                  </a:extLst>
+                </p:cNvPr>
+                <p:cNvSpPr txBox="1"/>
+                <p:nvPr/>
+              </p:nvSpPr>
+              <p:spPr>
+                <a:xfrm>
+                  <a:off x="573281" y="6044788"/>
+                  <a:ext cx="692458" cy="514267"/>
+                </a:xfrm>
+                <a:prstGeom prst="rect">
+                  <a:avLst/>
+                </a:prstGeom>
+                <a:noFill/>
+              </p:spPr>
+              <p:txBody>
+                <a:bodyPr wrap="none" rtlCol="0">
+                  <a:spAutoFit/>
+                </a:bodyPr>
+                <a:lstStyle/>
+                <a:p>
+                  <a:pPr/>
+                  <a14:m>
+                    <m:oMathPara xmlns:m="http://schemas.openxmlformats.org/officeDocument/2006/math">
+                      <m:oMathParaPr>
+                        <m:jc m:val="centerGroup"/>
+                      </m:oMathParaPr>
+                      <m:oMath xmlns:m="http://schemas.openxmlformats.org/officeDocument/2006/math">
+                        <m:r>
+                          <a:rPr lang="en-US" b="0" i="1" smtClean="0">
+                            <a:latin typeface="Cambria Math" panose="02040503050406030204" pitchFamily="18" charset="0"/>
+                          </a:rPr>
+                          <m:t>|</m:t>
+                        </m:r>
+                        <m:r>
+                          <a:rPr lang="en-US" b="0" i="1" smtClean="0">
+                            <a:latin typeface="Cambria Math" panose="02040503050406030204" pitchFamily="18" charset="0"/>
+                          </a:rPr>
+                          <m:t>𝑐</m:t>
+                        </m:r>
+                        <m:r>
+                          <a:rPr lang="en-US" b="0" i="1" smtClean="0">
+                            <a:latin typeface="Cambria Math" panose="02040503050406030204" pitchFamily="18" charset="0"/>
+                          </a:rPr>
+                          <m:t>⟩</m:t>
+                        </m:r>
+                      </m:oMath>
+                    </m:oMathPara>
+                  </a14:m>
+                  <a:endParaRPr lang="en-US" dirty="0"/>
+                </a:p>
+              </p:txBody>
+            </p:sp>
+          </mc:Choice>
+          <mc:Fallback xmlns="">
+            <p:sp>
+              <p:nvSpPr>
+                <p:cNvPr id="13" name="TextBox 12">
+                  <a:extLst>
+                    <a:ext uri="{FF2B5EF4-FFF2-40B4-BE49-F238E27FC236}">
+                      <a16:creationId xmlns:a16="http://schemas.microsoft.com/office/drawing/2014/main" id="{CF26BC0A-4E92-4910-A172-CC0C16D81712}"/>
+                    </a:ext>
+                  </a:extLst>
+                </p:cNvPr>
+                <p:cNvSpPr txBox="1">
+                  <a:spLocks noRot="1" noChangeAspect="1" noMove="1" noResize="1" noEditPoints="1" noAdjustHandles="1" noChangeArrowheads="1" noChangeShapeType="1" noTextEdit="1"/>
+                </p:cNvSpPr>
+                <p:nvPr/>
+              </p:nvSpPr>
+              <p:spPr>
+                <a:xfrm>
+                  <a:off x="573281" y="6044788"/>
+                  <a:ext cx="692458" cy="514267"/>
+                </a:xfrm>
+                <a:prstGeom prst="rect">
+                  <a:avLst/>
+                </a:prstGeom>
+                <a:blipFill>
+                  <a:blip r:embed="rId6"/>
+                  <a:stretch>
+                    <a:fillRect/>
+                  </a:stretch>
+                </a:blipFill>
+              </p:spPr>
+              <p:txBody>
+                <a:bodyPr/>
+                <a:lstStyle/>
+                <a:p>
+                  <a:r>
+                    <a:rPr lang="en-US">
+                      <a:noFill/>
+                    </a:rPr>
+                    <a:t> </a:t>
+                  </a:r>
+                </a:p>
+              </p:txBody>
+            </p:sp>
+          </mc:Fallback>
+        </mc:AlternateContent>
+        <mc:AlternateContent xmlns:mc="http://schemas.openxmlformats.org/markup-compatibility/2006" xmlns:a14="http://schemas.microsoft.com/office/drawing/2010/main">
+          <mc:Choice Requires="a14">
+            <p:sp>
+              <p:nvSpPr>
+                <p:cNvPr id="14" name="TextBox 13">
+                  <a:extLst>
+                    <a:ext uri="{FF2B5EF4-FFF2-40B4-BE49-F238E27FC236}">
+                      <a16:creationId xmlns:a16="http://schemas.microsoft.com/office/drawing/2014/main" id="{D48F0AB5-B082-48BE-A0C0-D401D008D46F}"/>
+                    </a:ext>
+                  </a:extLst>
+                </p:cNvPr>
+                <p:cNvSpPr txBox="1"/>
+                <p:nvPr/>
+              </p:nvSpPr>
+              <p:spPr>
+                <a:xfrm>
+                  <a:off x="3521051" y="5005201"/>
+                  <a:ext cx="1350990" cy="369332"/>
+                </a:xfrm>
+                <a:prstGeom prst="rect">
+                  <a:avLst/>
+                </a:prstGeom>
+                <a:noFill/>
+              </p:spPr>
+              <p:txBody>
+                <a:bodyPr wrap="square" rtlCol="0">
+                  <a:spAutoFit/>
+                </a:bodyPr>
+                <a:lstStyle/>
+                <a:p>
+                  <a:pPr/>
+                  <a14:m>
+                    <m:oMathPara xmlns:m="http://schemas.openxmlformats.org/officeDocument/2006/math">
+                      <m:oMathParaPr>
+                        <m:jc m:val="centerGroup"/>
+                      </m:oMathParaPr>
+                      <m:oMath xmlns:m="http://schemas.openxmlformats.org/officeDocument/2006/math">
+                        <m:r>
+                          <a:rPr lang="en-US" b="0" i="1" smtClean="0">
+                            <a:latin typeface="Cambria Math" panose="02040503050406030204" pitchFamily="18" charset="0"/>
+                          </a:rPr>
+                          <m:t>𝑅𝑒</m:t>
+                        </m:r>
+                        <m:r>
+                          <a:rPr lang="en-US" b="0" i="1" smtClean="0">
+                            <a:latin typeface="Cambria Math" panose="02040503050406030204" pitchFamily="18" charset="0"/>
+                          </a:rPr>
+                          <m:t>[</m:t>
+                        </m:r>
+                        <m:sSub>
+                          <m:sSubPr>
+                            <m:ctrlPr>
+                              <a:rPr lang="en-US" b="0" i="1" smtClean="0">
+                                <a:latin typeface="Cambria Math" panose="02040503050406030204" pitchFamily="18" charset="0"/>
+                              </a:rPr>
+                            </m:ctrlPr>
+                          </m:sSubPr>
+                          <m:e>
+                            <m:r>
+                              <a:rPr lang="en-US" b="0" i="1" smtClean="0">
+                                <a:latin typeface="Cambria Math" panose="02040503050406030204" pitchFamily="18" charset="0"/>
+                              </a:rPr>
+                              <m:t>𝜌</m:t>
+                            </m:r>
+                          </m:e>
+                          <m:sub>
+                            <m:r>
+                              <a:rPr lang="en-US" b="0" i="1" smtClean="0">
+                                <a:latin typeface="Cambria Math" panose="02040503050406030204" pitchFamily="18" charset="0"/>
+                              </a:rPr>
+                              <m:t>𝑎𝑐</m:t>
+                            </m:r>
+                          </m:sub>
+                        </m:sSub>
+                        <m:r>
+                          <a:rPr lang="en-US" b="0" i="1" smtClean="0">
+                            <a:latin typeface="Cambria Math" panose="02040503050406030204" pitchFamily="18" charset="0"/>
+                          </a:rPr>
+                          <m:t>]</m:t>
+                        </m:r>
+                      </m:oMath>
+                    </m:oMathPara>
+                  </a14:m>
+                  <a:endParaRPr lang="en-US" b="0" dirty="0"/>
+                </a:p>
+              </p:txBody>
+            </p:sp>
+          </mc:Choice>
+          <mc:Fallback xmlns="">
+            <p:sp>
+              <p:nvSpPr>
+                <p:cNvPr id="14" name="TextBox 13">
+                  <a:extLst>
+                    <a:ext uri="{FF2B5EF4-FFF2-40B4-BE49-F238E27FC236}">
+                      <a16:creationId xmlns:a16="http://schemas.microsoft.com/office/drawing/2014/main" id="{D48F0AB5-B082-48BE-A0C0-D401D008D46F}"/>
+                    </a:ext>
+                  </a:extLst>
+                </p:cNvPr>
+                <p:cNvSpPr txBox="1">
+                  <a:spLocks noRot="1" noChangeAspect="1" noMove="1" noResize="1" noEditPoints="1" noAdjustHandles="1" noChangeArrowheads="1" noChangeShapeType="1" noTextEdit="1"/>
+                </p:cNvSpPr>
+                <p:nvPr/>
+              </p:nvSpPr>
+              <p:spPr>
+                <a:xfrm>
+                  <a:off x="3521051" y="5005201"/>
+                  <a:ext cx="1350990" cy="369332"/>
+                </a:xfrm>
+                <a:prstGeom prst="rect">
+                  <a:avLst/>
+                </a:prstGeom>
+                <a:blipFill>
+                  <a:blip r:embed="rId7"/>
+                  <a:stretch>
+                    <a:fillRect b="-14754"/>
+                  </a:stretch>
+                </a:blipFill>
+              </p:spPr>
+              <p:txBody>
+                <a:bodyPr/>
+                <a:lstStyle/>
+                <a:p>
+                  <a:r>
+                    <a:rPr lang="en-US">
+                      <a:noFill/>
+                    </a:rPr>
+                    <a:t> </a:t>
+                  </a:r>
+                </a:p>
+              </p:txBody>
+            </p:sp>
+          </mc:Fallback>
+        </mc:AlternateContent>
+        <p:cxnSp>
+          <p:nvCxnSpPr>
+            <p:cNvPr id="15" name="Straight Arrow Connector 14">
+              <a:extLst>
+                <a:ext uri="{FF2B5EF4-FFF2-40B4-BE49-F238E27FC236}">
+                  <a16:creationId xmlns:a16="http://schemas.microsoft.com/office/drawing/2014/main" id="{CF1EA333-9090-48DC-869C-87EE69DCE9F5}"/>
+                </a:ext>
+              </a:extLst>
+            </p:cNvPr>
+            <p:cNvCxnSpPr>
+              <a:cxnSpLocks/>
+            </p:cNvCxnSpPr>
+            <p:nvPr/>
+          </p:nvCxnSpPr>
+          <p:spPr>
+            <a:xfrm>
+              <a:off x="1817040" y="3930423"/>
+              <a:ext cx="0" cy="1243961"/>
+            </a:xfrm>
+            <a:prstGeom prst="straightConnector1">
+              <a:avLst/>
+            </a:prstGeom>
+            <a:ln w="19050">
+              <a:solidFill>
+                <a:schemeClr val="tx1"/>
+              </a:solidFill>
+              <a:tailEnd type="triangle"/>
+            </a:ln>
+          </p:spPr>
+          <p:style>
+            <a:lnRef idx="1">
+              <a:schemeClr val="accent1"/>
+            </a:lnRef>
+            <a:fillRef idx="0">
+              <a:schemeClr val="accent1"/>
+            </a:fillRef>
+            <a:effectRef idx="0">
+              <a:schemeClr val="accent1"/>
+            </a:effectRef>
+            <a:fontRef idx="minor">
+              <a:schemeClr val="tx1"/>
+            </a:fontRef>
+          </p:style>
+        </p:cxnSp>
+        <p:cxnSp>
+          <p:nvCxnSpPr>
+            <p:cNvPr id="16" name="Straight Arrow Connector 15">
+              <a:extLst>
+                <a:ext uri="{FF2B5EF4-FFF2-40B4-BE49-F238E27FC236}">
+                  <a16:creationId xmlns:a16="http://schemas.microsoft.com/office/drawing/2014/main" id="{544A905D-0D1A-4284-B526-8D77526BC827}"/>
+                </a:ext>
+              </a:extLst>
+            </p:cNvPr>
+            <p:cNvCxnSpPr>
+              <a:cxnSpLocks/>
+            </p:cNvCxnSpPr>
+            <p:nvPr/>
+          </p:nvCxnSpPr>
+          <p:spPr>
+            <a:xfrm>
+              <a:off x="1928950" y="5174384"/>
+              <a:ext cx="0" cy="1243961"/>
+            </a:xfrm>
+            <a:prstGeom prst="straightConnector1">
+              <a:avLst/>
+            </a:prstGeom>
+            <a:ln w="19050">
+              <a:solidFill>
+                <a:schemeClr val="tx1"/>
+              </a:solidFill>
+              <a:tailEnd type="triangle"/>
+            </a:ln>
+          </p:spPr>
+          <p:style>
+            <a:lnRef idx="1">
+              <a:schemeClr val="accent1"/>
+            </a:lnRef>
+            <a:fillRef idx="0">
+              <a:schemeClr val="accent1"/>
+            </a:fillRef>
+            <a:effectRef idx="0">
+              <a:schemeClr val="accent1"/>
+            </a:effectRef>
+            <a:fontRef idx="minor">
+              <a:schemeClr val="tx1"/>
+            </a:fontRef>
+          </p:style>
+        </p:cxnSp>
+        <p:cxnSp>
+          <p:nvCxnSpPr>
+            <p:cNvPr id="17" name="Straight Arrow Connector 16">
+              <a:extLst>
+                <a:ext uri="{FF2B5EF4-FFF2-40B4-BE49-F238E27FC236}">
+                  <a16:creationId xmlns:a16="http://schemas.microsoft.com/office/drawing/2014/main" id="{FF381B53-86AF-40B6-A4E7-6E1EE9015026}"/>
+                </a:ext>
+              </a:extLst>
+            </p:cNvPr>
+            <p:cNvCxnSpPr>
+              <a:cxnSpLocks/>
+            </p:cNvCxnSpPr>
+            <p:nvPr/>
+          </p:nvCxnSpPr>
+          <p:spPr>
+            <a:xfrm flipV="1">
+              <a:off x="2228309" y="5174384"/>
+              <a:ext cx="0" cy="1207376"/>
+            </a:xfrm>
+            <a:prstGeom prst="straightConnector1">
+              <a:avLst/>
+            </a:prstGeom>
+            <a:ln w="19050">
+              <a:solidFill>
+                <a:schemeClr val="tx1"/>
+              </a:solidFill>
+              <a:tailEnd type="triangle"/>
+            </a:ln>
+          </p:spPr>
+          <p:style>
+            <a:lnRef idx="1">
+              <a:schemeClr val="accent1"/>
+            </a:lnRef>
+            <a:fillRef idx="0">
+              <a:schemeClr val="accent1"/>
+            </a:fillRef>
+            <a:effectRef idx="0">
+              <a:schemeClr val="accent1"/>
+            </a:effectRef>
+            <a:fontRef idx="minor">
+              <a:schemeClr val="tx1"/>
+            </a:fontRef>
+          </p:style>
+        </p:cxnSp>
+        <p:cxnSp>
+          <p:nvCxnSpPr>
+            <p:cNvPr id="18" name="Straight Arrow Connector 17">
+              <a:extLst>
+                <a:ext uri="{FF2B5EF4-FFF2-40B4-BE49-F238E27FC236}">
+                  <a16:creationId xmlns:a16="http://schemas.microsoft.com/office/drawing/2014/main" id="{51AF4505-31DD-4169-825C-9EAA04280281}"/>
+                </a:ext>
+              </a:extLst>
+            </p:cNvPr>
+            <p:cNvCxnSpPr>
+              <a:cxnSpLocks/>
+            </p:cNvCxnSpPr>
+            <p:nvPr/>
+          </p:nvCxnSpPr>
+          <p:spPr>
+            <a:xfrm flipV="1">
+              <a:off x="2024873" y="3930423"/>
+              <a:ext cx="0" cy="1243963"/>
+            </a:xfrm>
+            <a:prstGeom prst="straightConnector1">
+              <a:avLst/>
+            </a:prstGeom>
+            <a:ln w="19050">
+              <a:solidFill>
+                <a:schemeClr val="tx1"/>
+              </a:solidFill>
+              <a:tailEnd type="triangle"/>
+            </a:ln>
+          </p:spPr>
+          <p:style>
+            <a:lnRef idx="1">
+              <a:schemeClr val="accent1"/>
+            </a:lnRef>
+            <a:fillRef idx="0">
+              <a:schemeClr val="accent1"/>
+            </a:fillRef>
+            <a:effectRef idx="0">
+              <a:schemeClr val="accent1"/>
+            </a:effectRef>
+            <a:fontRef idx="minor">
+              <a:schemeClr val="tx1"/>
+            </a:fontRef>
+          </p:style>
+        </p:cxnSp>
+        <p:cxnSp>
+          <p:nvCxnSpPr>
+            <p:cNvPr id="19" name="Straight Arrow Connector 18">
+              <a:extLst>
+                <a:ext uri="{FF2B5EF4-FFF2-40B4-BE49-F238E27FC236}">
+                  <a16:creationId xmlns:a16="http://schemas.microsoft.com/office/drawing/2014/main" id="{135B75EF-EFB3-41D7-9712-5D9B2300D3A0}"/>
+                </a:ext>
+              </a:extLst>
+            </p:cNvPr>
+            <p:cNvCxnSpPr>
+              <a:cxnSpLocks/>
+              <a:stCxn id="10" idx="1"/>
+            </p:cNvCxnSpPr>
+            <p:nvPr/>
+          </p:nvCxnSpPr>
+          <p:spPr>
+            <a:xfrm flipH="1" flipV="1">
+              <a:off x="2623138" y="3962250"/>
+              <a:ext cx="1064706" cy="875780"/>
+            </a:xfrm>
+            <a:prstGeom prst="straightConnector1">
+              <a:avLst/>
+            </a:prstGeom>
+            <a:ln w="19050">
+              <a:solidFill>
+                <a:schemeClr val="tx1"/>
+              </a:solidFill>
+              <a:tailEnd type="triangle"/>
+            </a:ln>
+          </p:spPr>
+          <p:style>
+            <a:lnRef idx="1">
+              <a:schemeClr val="accent1"/>
+            </a:lnRef>
+            <a:fillRef idx="0">
+              <a:schemeClr val="accent1"/>
+            </a:fillRef>
+            <a:effectRef idx="0">
+              <a:schemeClr val="accent1"/>
+            </a:effectRef>
+            <a:fontRef idx="minor">
+              <a:schemeClr val="tx1"/>
+            </a:fontRef>
+          </p:style>
+        </p:cxnSp>
+        <p:cxnSp>
+          <p:nvCxnSpPr>
+            <p:cNvPr id="20" name="Straight Arrow Connector 19">
+              <a:extLst>
+                <a:ext uri="{FF2B5EF4-FFF2-40B4-BE49-F238E27FC236}">
+                  <a16:creationId xmlns:a16="http://schemas.microsoft.com/office/drawing/2014/main" id="{6A400580-872A-449A-B625-65602857E089}"/>
+                </a:ext>
+              </a:extLst>
+            </p:cNvPr>
+            <p:cNvCxnSpPr>
+              <a:cxnSpLocks/>
+              <a:endCxn id="14" idx="1"/>
+            </p:cNvCxnSpPr>
+            <p:nvPr/>
+          </p:nvCxnSpPr>
+          <p:spPr>
+            <a:xfrm>
+              <a:off x="2698022" y="5169625"/>
+              <a:ext cx="823029" cy="92710"/>
+            </a:xfrm>
+            <a:prstGeom prst="straightConnector1">
+              <a:avLst/>
+            </a:prstGeom>
+            <a:ln w="19050">
+              <a:solidFill>
+                <a:schemeClr val="tx1"/>
+              </a:solidFill>
+              <a:tailEnd type="triangle"/>
+            </a:ln>
+          </p:spPr>
+          <p:style>
+            <a:lnRef idx="1">
+              <a:schemeClr val="accent1"/>
+            </a:lnRef>
+            <a:fillRef idx="0">
+              <a:schemeClr val="accent1"/>
+            </a:fillRef>
+            <a:effectRef idx="0">
+              <a:schemeClr val="accent1"/>
+            </a:effectRef>
+            <a:fontRef idx="minor">
+              <a:schemeClr val="tx1"/>
+            </a:fontRef>
+          </p:style>
+        </p:cxnSp>
+        <p:cxnSp>
+          <p:nvCxnSpPr>
+            <p:cNvPr id="21" name="Straight Arrow Connector 20">
+              <a:extLst>
+                <a:ext uri="{FF2B5EF4-FFF2-40B4-BE49-F238E27FC236}">
+                  <a16:creationId xmlns:a16="http://schemas.microsoft.com/office/drawing/2014/main" id="{0EC1533A-22F3-4ABC-8A59-4AD3ED29A82B}"/>
+                </a:ext>
+              </a:extLst>
+            </p:cNvPr>
+            <p:cNvCxnSpPr>
+              <a:cxnSpLocks/>
+              <a:stCxn id="10" idx="3"/>
+            </p:cNvCxnSpPr>
+            <p:nvPr/>
+          </p:nvCxnSpPr>
+          <p:spPr>
+            <a:xfrm flipH="1">
+              <a:off x="2603874" y="5631941"/>
+              <a:ext cx="1083970" cy="786404"/>
+            </a:xfrm>
+            <a:prstGeom prst="straightConnector1">
+              <a:avLst/>
+            </a:prstGeom>
+            <a:ln w="19050">
+              <a:solidFill>
+                <a:schemeClr val="tx1"/>
+              </a:solidFill>
+              <a:tailEnd type="triangle"/>
+            </a:ln>
+          </p:spPr>
+          <p:style>
+            <a:lnRef idx="1">
+              <a:schemeClr val="accent1"/>
+            </a:lnRef>
+            <a:fillRef idx="0">
+              <a:schemeClr val="accent1"/>
+            </a:fillRef>
+            <a:effectRef idx="0">
+              <a:schemeClr val="accent1"/>
+            </a:effectRef>
+            <a:fontRef idx="minor">
+              <a:schemeClr val="tx1"/>
+            </a:fontRef>
+          </p:style>
+        </p:cxnSp>
+        <mc:AlternateContent xmlns:mc="http://schemas.openxmlformats.org/markup-compatibility/2006" xmlns:a14="http://schemas.microsoft.com/office/drawing/2010/main">
+          <mc:Choice Requires="a14">
+            <p:sp>
+              <p:nvSpPr>
+                <p:cNvPr id="22" name="TextBox 21">
+                  <a:extLst>
+                    <a:ext uri="{FF2B5EF4-FFF2-40B4-BE49-F238E27FC236}">
+                      <a16:creationId xmlns:a16="http://schemas.microsoft.com/office/drawing/2014/main" id="{076CA4BA-6C40-484D-82AB-1FE5CD1B8472}"/>
+                    </a:ext>
+                  </a:extLst>
+                </p:cNvPr>
+                <p:cNvSpPr txBox="1"/>
+                <p:nvPr/>
+              </p:nvSpPr>
+              <p:spPr>
+                <a:xfrm>
+                  <a:off x="1218776" y="4339245"/>
+                  <a:ext cx="572528" cy="369332"/>
+                </a:xfrm>
+                <a:prstGeom prst="rect">
+                  <a:avLst/>
+                </a:prstGeom>
+                <a:noFill/>
+              </p:spPr>
+              <p:txBody>
+                <a:bodyPr wrap="none" rtlCol="0">
+                  <a:spAutoFit/>
+                </a:bodyPr>
+                <a:lstStyle/>
+                <a:p>
+                  <a:pPr/>
+                  <a14:m>
+                    <m:oMathPara xmlns:m="http://schemas.openxmlformats.org/officeDocument/2006/math">
+                      <m:oMathParaPr>
+                        <m:jc m:val="centerGroup"/>
+                      </m:oMathParaPr>
+                      <m:oMath xmlns:m="http://schemas.openxmlformats.org/officeDocument/2006/math">
+                        <m:sSub>
+                          <m:sSubPr>
+                            <m:ctrlPr>
+                              <a:rPr lang="en-US" b="0" i="1" smtClean="0">
+                                <a:latin typeface="Cambria Math" panose="02040503050406030204" pitchFamily="18" charset="0"/>
+                              </a:rPr>
+                            </m:ctrlPr>
+                          </m:sSubPr>
+                          <m:e>
+                            <m:r>
+                              <a:rPr lang="en-US" b="0" i="1" smtClean="0">
+                                <a:latin typeface="Cambria Math" panose="02040503050406030204" pitchFamily="18" charset="0"/>
+                              </a:rPr>
+                              <m:t>𝛾</m:t>
+                            </m:r>
+                          </m:e>
+                          <m:sub>
+                            <m:r>
+                              <a:rPr lang="en-US" b="0" i="1" smtClean="0">
+                                <a:latin typeface="Cambria Math" panose="02040503050406030204" pitchFamily="18" charset="0"/>
+                              </a:rPr>
+                              <m:t>𝑎𝑏</m:t>
+                            </m:r>
+                          </m:sub>
+                        </m:sSub>
+                      </m:oMath>
+                    </m:oMathPara>
+                  </a14:m>
+                  <a:endParaRPr lang="en-US" dirty="0"/>
+                </a:p>
+              </p:txBody>
+            </p:sp>
+          </mc:Choice>
+          <mc:Fallback xmlns="">
+            <p:sp>
+              <p:nvSpPr>
+                <p:cNvPr id="18" name="TextBox 17">
+                  <a:extLst>
+                    <a:ext uri="{FF2B5EF4-FFF2-40B4-BE49-F238E27FC236}">
+                      <a16:creationId xmlns:a16="http://schemas.microsoft.com/office/drawing/2014/main" id="{04FC0CD9-8D45-43BA-85BA-6256AC4CEAFF}"/>
+                    </a:ext>
+                  </a:extLst>
+                </p:cNvPr>
+                <p:cNvSpPr txBox="1">
+                  <a:spLocks noRot="1" noChangeAspect="1" noMove="1" noResize="1" noEditPoints="1" noAdjustHandles="1" noChangeArrowheads="1" noChangeShapeType="1" noTextEdit="1"/>
+                </p:cNvSpPr>
+                <p:nvPr/>
+              </p:nvSpPr>
+              <p:spPr>
+                <a:xfrm>
+                  <a:off x="1218776" y="4339245"/>
+                  <a:ext cx="572528" cy="369332"/>
+                </a:xfrm>
+                <a:prstGeom prst="rect">
+                  <a:avLst/>
+                </a:prstGeom>
+                <a:blipFill>
+                  <a:blip r:embed="rId8"/>
+                  <a:stretch>
+                    <a:fillRect b="-5000"/>
+                  </a:stretch>
+                </a:blipFill>
+              </p:spPr>
+              <p:txBody>
+                <a:bodyPr/>
+                <a:lstStyle/>
+                <a:p>
+                  <a:r>
+                    <a:rPr lang="en-US">
+                      <a:noFill/>
+                    </a:rPr>
+                    <a:t> </a:t>
+                  </a:r>
+                </a:p>
+              </p:txBody>
+            </p:sp>
+          </mc:Fallback>
+        </mc:AlternateContent>
+        <mc:AlternateContent xmlns:mc="http://schemas.openxmlformats.org/markup-compatibility/2006" xmlns:a14="http://schemas.microsoft.com/office/drawing/2010/main">
+          <mc:Choice Requires="a14">
+            <p:sp>
+              <p:nvSpPr>
+                <p:cNvPr id="23" name="TextBox 22">
+                  <a:extLst>
+                    <a:ext uri="{FF2B5EF4-FFF2-40B4-BE49-F238E27FC236}">
+                      <a16:creationId xmlns:a16="http://schemas.microsoft.com/office/drawing/2014/main" id="{ADFDF840-22E5-43D5-882B-6389C10E8D4E}"/>
+                    </a:ext>
+                  </a:extLst>
+                </p:cNvPr>
+                <p:cNvSpPr txBox="1"/>
+                <p:nvPr/>
+              </p:nvSpPr>
+              <p:spPr>
+                <a:xfrm>
+                  <a:off x="1246942" y="5546619"/>
+                  <a:ext cx="552524" cy="369332"/>
+                </a:xfrm>
+                <a:prstGeom prst="rect">
+                  <a:avLst/>
+                </a:prstGeom>
+                <a:noFill/>
+              </p:spPr>
+              <p:txBody>
+                <a:bodyPr wrap="none" rtlCol="0">
+                  <a:spAutoFit/>
+                </a:bodyPr>
+                <a:lstStyle/>
+                <a:p>
+                  <a:pPr/>
+                  <a14:m>
+                    <m:oMathPara xmlns:m="http://schemas.openxmlformats.org/officeDocument/2006/math">
+                      <m:oMathParaPr>
+                        <m:jc m:val="centerGroup"/>
+                      </m:oMathParaPr>
+                      <m:oMath xmlns:m="http://schemas.openxmlformats.org/officeDocument/2006/math">
+                        <m:sSub>
+                          <m:sSubPr>
+                            <m:ctrlPr>
+                              <a:rPr lang="en-US" b="0" i="1" smtClean="0">
+                                <a:latin typeface="Cambria Math" panose="02040503050406030204" pitchFamily="18" charset="0"/>
+                              </a:rPr>
+                            </m:ctrlPr>
+                          </m:sSubPr>
+                          <m:e>
+                            <m:r>
+                              <a:rPr lang="en-US" b="0" i="1" smtClean="0">
+                                <a:latin typeface="Cambria Math" panose="02040503050406030204" pitchFamily="18" charset="0"/>
+                              </a:rPr>
+                              <m:t>𝛾</m:t>
+                            </m:r>
+                          </m:e>
+                          <m:sub>
+                            <m:r>
+                              <a:rPr lang="en-US" b="0" i="1" smtClean="0">
+                                <a:latin typeface="Cambria Math" panose="02040503050406030204" pitchFamily="18" charset="0"/>
+                              </a:rPr>
+                              <m:t>𝑏𝑐</m:t>
+                            </m:r>
+                          </m:sub>
+                        </m:sSub>
+                      </m:oMath>
+                    </m:oMathPara>
+                  </a14:m>
+                  <a:endParaRPr lang="en-US" dirty="0"/>
+                </a:p>
+              </p:txBody>
+            </p:sp>
+          </mc:Choice>
+          <mc:Fallback xmlns="">
+            <p:sp>
+              <p:nvSpPr>
+                <p:cNvPr id="28" name="TextBox 27">
+                  <a:extLst>
+                    <a:ext uri="{FF2B5EF4-FFF2-40B4-BE49-F238E27FC236}">
+                      <a16:creationId xmlns:a16="http://schemas.microsoft.com/office/drawing/2014/main" id="{B0E00CAB-EFCF-47ED-AB81-885AEC45D7A0}"/>
+                    </a:ext>
+                  </a:extLst>
+                </p:cNvPr>
+                <p:cNvSpPr txBox="1">
+                  <a:spLocks noRot="1" noChangeAspect="1" noMove="1" noResize="1" noEditPoints="1" noAdjustHandles="1" noChangeArrowheads="1" noChangeShapeType="1" noTextEdit="1"/>
+                </p:cNvSpPr>
+                <p:nvPr/>
+              </p:nvSpPr>
+              <p:spPr>
+                <a:xfrm>
+                  <a:off x="1246942" y="5546619"/>
+                  <a:ext cx="552524" cy="369332"/>
+                </a:xfrm>
+                <a:prstGeom prst="rect">
+                  <a:avLst/>
+                </a:prstGeom>
+                <a:blipFill>
+                  <a:blip r:embed="rId9"/>
+                  <a:stretch>
+                    <a:fillRect b="-5000"/>
+                  </a:stretch>
+                </a:blipFill>
+              </p:spPr>
+              <p:txBody>
+                <a:bodyPr/>
+                <a:lstStyle/>
+                <a:p>
+                  <a:r>
+                    <a:rPr lang="en-US">
+                      <a:noFill/>
+                    </a:rPr>
+                    <a:t> </a:t>
+                  </a:r>
+                </a:p>
+              </p:txBody>
+            </p:sp>
+          </mc:Fallback>
+        </mc:AlternateContent>
+        <mc:AlternateContent xmlns:mc="http://schemas.openxmlformats.org/markup-compatibility/2006" xmlns:a14="http://schemas.microsoft.com/office/drawing/2010/main">
+          <mc:Choice Requires="a14">
+            <p:sp>
+              <p:nvSpPr>
+                <p:cNvPr id="24" name="TextBox 23">
+                  <a:extLst>
+                    <a:ext uri="{FF2B5EF4-FFF2-40B4-BE49-F238E27FC236}">
+                      <a16:creationId xmlns:a16="http://schemas.microsoft.com/office/drawing/2014/main" id="{9DB97236-D3E5-445B-8B32-4DC286CDF0A8}"/>
+                    </a:ext>
+                  </a:extLst>
+                </p:cNvPr>
+                <p:cNvSpPr txBox="1"/>
+                <p:nvPr/>
+              </p:nvSpPr>
+              <p:spPr>
+                <a:xfrm>
+                  <a:off x="2344222" y="4596175"/>
+                  <a:ext cx="1039067" cy="370422"/>
+                </a:xfrm>
+                <a:prstGeom prst="rect">
+                  <a:avLst/>
+                </a:prstGeom>
+                <a:noFill/>
+              </p:spPr>
+              <p:txBody>
+                <a:bodyPr wrap="none" rtlCol="0">
+                  <a:spAutoFit/>
+                </a:bodyPr>
+                <a:lstStyle/>
+                <a:p>
+                  <a:pPr/>
+                  <a14:m>
+                    <m:oMathPara xmlns:m="http://schemas.openxmlformats.org/officeDocument/2006/math">
+                      <m:oMathParaPr>
+                        <m:jc m:val="centerGroup"/>
+                      </m:oMathParaPr>
+                      <m:oMath xmlns:m="http://schemas.openxmlformats.org/officeDocument/2006/math">
+                        <m:rad>
+                          <m:radPr>
+                            <m:degHide m:val="on"/>
+                            <m:ctrlPr>
+                              <a:rPr lang="en-US" b="0" i="1" smtClean="0">
+                                <a:latin typeface="Cambria Math" panose="02040503050406030204" pitchFamily="18" charset="0"/>
+                              </a:rPr>
+                            </m:ctrlPr>
+                          </m:radPr>
+                          <m:deg/>
+                          <m:e>
+                            <m:sSub>
+                              <m:sSubPr>
+                                <m:ctrlPr>
+                                  <a:rPr lang="en-US" i="1">
+                                    <a:latin typeface="Cambria Math" panose="02040503050406030204" pitchFamily="18" charset="0"/>
+                                  </a:rPr>
+                                </m:ctrlPr>
+                              </m:sSubPr>
+                              <m:e>
+                                <m:r>
+                                  <a:rPr lang="en-US" i="1">
+                                    <a:latin typeface="Cambria Math" panose="02040503050406030204" pitchFamily="18" charset="0"/>
+                                  </a:rPr>
+                                  <m:t>𝛾</m:t>
+                                </m:r>
+                              </m:e>
+                              <m:sub>
+                                <m:r>
+                                  <a:rPr lang="en-US" i="1">
+                                    <a:latin typeface="Cambria Math" panose="02040503050406030204" pitchFamily="18" charset="0"/>
+                                  </a:rPr>
+                                  <m:t>𝑎𝑏</m:t>
+                                </m:r>
+                              </m:sub>
+                            </m:sSub>
+                            <m:sSub>
+                              <m:sSubPr>
+                                <m:ctrlPr>
+                                  <a:rPr lang="en-US" i="1">
+                                    <a:latin typeface="Cambria Math" panose="02040503050406030204" pitchFamily="18" charset="0"/>
+                                  </a:rPr>
+                                </m:ctrlPr>
+                              </m:sSubPr>
+                              <m:e>
+                                <m:r>
+                                  <a:rPr lang="en-US" i="1">
+                                    <a:latin typeface="Cambria Math" panose="02040503050406030204" pitchFamily="18" charset="0"/>
+                                  </a:rPr>
+                                  <m:t>𝛾</m:t>
+                                </m:r>
+                              </m:e>
+                              <m:sub>
+                                <m:r>
+                                  <a:rPr lang="en-US" b="0" i="1" smtClean="0">
+                                    <a:latin typeface="Cambria Math" panose="02040503050406030204" pitchFamily="18" charset="0"/>
+                                  </a:rPr>
+                                  <m:t>𝑏𝑐</m:t>
+                                </m:r>
+                              </m:sub>
+                            </m:sSub>
+                          </m:e>
+                        </m:rad>
+                      </m:oMath>
+                    </m:oMathPara>
+                  </a14:m>
+                  <a:endParaRPr lang="en-US" dirty="0"/>
+                </a:p>
+              </p:txBody>
+            </p:sp>
+          </mc:Choice>
+          <mc:Fallback xmlns="">
+            <p:sp>
+              <p:nvSpPr>
+                <p:cNvPr id="29" name="TextBox 28">
+                  <a:extLst>
+                    <a:ext uri="{FF2B5EF4-FFF2-40B4-BE49-F238E27FC236}">
+                      <a16:creationId xmlns:a16="http://schemas.microsoft.com/office/drawing/2014/main" id="{78C3B0BB-7F15-40AC-B5B7-898642D81473}"/>
+                    </a:ext>
+                  </a:extLst>
+                </p:cNvPr>
+                <p:cNvSpPr txBox="1">
+                  <a:spLocks noRot="1" noChangeAspect="1" noMove="1" noResize="1" noEditPoints="1" noAdjustHandles="1" noChangeArrowheads="1" noChangeShapeType="1" noTextEdit="1"/>
+                </p:cNvSpPr>
+                <p:nvPr/>
+              </p:nvSpPr>
+              <p:spPr>
+                <a:xfrm>
+                  <a:off x="2344222" y="4596175"/>
+                  <a:ext cx="1039067" cy="370422"/>
+                </a:xfrm>
+                <a:prstGeom prst="rect">
+                  <a:avLst/>
+                </a:prstGeom>
+                <a:blipFill>
+                  <a:blip r:embed="rId10"/>
+                  <a:stretch>
+                    <a:fillRect b="-3279"/>
+                  </a:stretch>
+                </a:blipFill>
+              </p:spPr>
+              <p:txBody>
+                <a:bodyPr/>
+                <a:lstStyle/>
+                <a:p>
+                  <a:r>
+                    <a:rPr lang="en-US">
+                      <a:noFill/>
+                    </a:rPr>
+                    <a:t> </a:t>
+                  </a:r>
+                </a:p>
+              </p:txBody>
+            </p:sp>
+          </mc:Fallback>
+        </mc:AlternateContent>
+      </p:grpSp>
+      <p:pic>
+        <p:nvPicPr>
+          <p:cNvPr id="27" name="Picture 26">
+            <a:extLst>
+              <a:ext uri="{FF2B5EF4-FFF2-40B4-BE49-F238E27FC236}">
+                <a16:creationId xmlns:a16="http://schemas.microsoft.com/office/drawing/2014/main" id="{6CA9AA81-00A5-4F7F-AA1D-997357622EDD}"/>
+              </a:ext>
+            </a:extLst>
+          </p:cNvPr>
+          <p:cNvPicPr>
+            <a:picLocks noChangeAspect="1"/>
+          </p:cNvPicPr>
+          <p:nvPr/>
+        </p:nvPicPr>
+        <p:blipFill>
+          <a:blip r:embed="rId11"/>
+          <a:stretch>
+            <a:fillRect/>
+          </a:stretch>
+        </p:blipFill>
+        <p:spPr>
+          <a:xfrm>
+            <a:off x="5358391" y="4368130"/>
+            <a:ext cx="5925906" cy="768845"/>
+          </a:xfrm>
+          <a:prstGeom prst="rect">
+            <a:avLst/>
+          </a:prstGeom>
+        </p:spPr>
+      </p:pic>
+      <mc:AlternateContent xmlns:mc="http://schemas.openxmlformats.org/markup-compatibility/2006" xmlns:a14="http://schemas.microsoft.com/office/drawing/2010/main">
+        <mc:Choice Requires="a14">
+          <p:sp>
+            <p:nvSpPr>
+              <p:cNvPr id="28" name="TextBox 27">
+                <a:extLst>
+                  <a:ext uri="{FF2B5EF4-FFF2-40B4-BE49-F238E27FC236}">
+                    <a16:creationId xmlns:a16="http://schemas.microsoft.com/office/drawing/2014/main" id="{A0870E42-6F20-428A-B8EB-2D9B87F99D9B}"/>
+                  </a:ext>
+                </a:extLst>
+              </p:cNvPr>
+              <p:cNvSpPr txBox="1"/>
+              <p:nvPr/>
+            </p:nvSpPr>
+            <p:spPr>
+              <a:xfrm>
+                <a:off x="5223543" y="5561280"/>
+                <a:ext cx="6646879" cy="843885"/>
+              </a:xfrm>
+              <a:prstGeom prst="rect">
+                <a:avLst/>
+              </a:prstGeom>
+              <a:noFill/>
+            </p:spPr>
+            <p:txBody>
+              <a:bodyPr wrap="square" rtlCol="0">
+                <a:spAutoFit/>
+              </a:bodyPr>
+              <a:lstStyle/>
+              <a:p>
+                <a:r>
+                  <a:rPr lang="en-US" sz="2400" dirty="0"/>
+                  <a:t>population inversion condition:</a:t>
+                </a:r>
+                <a14:m>
+                  <m:oMath xmlns:m="http://schemas.openxmlformats.org/officeDocument/2006/math">
+                    <m:rad>
+                      <m:radPr>
+                        <m:degHide m:val="on"/>
+                        <m:ctrlPr>
+                          <a:rPr lang="en-US" sz="2400" b="0" i="1" smtClean="0">
+                            <a:latin typeface="Cambria Math" panose="02040503050406030204" pitchFamily="18" charset="0"/>
+                          </a:rPr>
+                        </m:ctrlPr>
+                      </m:radPr>
+                      <m:deg/>
+                      <m:e>
+                        <m:f>
+                          <m:fPr>
+                            <m:ctrlPr>
+                              <a:rPr lang="en-US" sz="2400" b="0" i="1" smtClean="0">
+                                <a:latin typeface="Cambria Math" panose="02040503050406030204" pitchFamily="18" charset="0"/>
+                              </a:rPr>
+                            </m:ctrlPr>
+                          </m:fPr>
+                          <m:num>
+                            <m:sSub>
+                              <m:sSubPr>
+                                <m:ctrlPr>
+                                  <a:rPr lang="en-US" sz="2400" b="0" i="1" smtClean="0">
+                                    <a:latin typeface="Cambria Math" panose="02040503050406030204" pitchFamily="18" charset="0"/>
+                                  </a:rPr>
+                                </m:ctrlPr>
+                              </m:sSubPr>
+                              <m:e>
+                                <m:r>
+                                  <a:rPr lang="en-US" sz="2400" b="0" i="1" smtClean="0">
+                                    <a:latin typeface="Cambria Math" panose="02040503050406030204" pitchFamily="18" charset="0"/>
+                                  </a:rPr>
+                                  <m:t>𝛾</m:t>
+                                </m:r>
+                              </m:e>
+                              <m:sub>
+                                <m:r>
+                                  <a:rPr lang="en-US" sz="2400" b="0" i="1" smtClean="0">
+                                    <a:latin typeface="Cambria Math" panose="02040503050406030204" pitchFamily="18" charset="0"/>
+                                  </a:rPr>
+                                  <m:t>1</m:t>
+                                </m:r>
+                              </m:sub>
+                            </m:sSub>
+                          </m:num>
+                          <m:den>
+                            <m:sSub>
+                              <m:sSubPr>
+                                <m:ctrlPr>
+                                  <a:rPr lang="en-US" sz="2400" b="0" i="1" smtClean="0">
+                                    <a:latin typeface="Cambria Math" panose="02040503050406030204" pitchFamily="18" charset="0"/>
+                                  </a:rPr>
+                                </m:ctrlPr>
+                              </m:sSubPr>
+                              <m:e>
+                                <m:r>
+                                  <a:rPr lang="en-US" sz="2400" b="0" i="1" smtClean="0">
+                                    <a:latin typeface="Cambria Math" panose="02040503050406030204" pitchFamily="18" charset="0"/>
+                                  </a:rPr>
+                                  <m:t>𝛾</m:t>
+                                </m:r>
+                              </m:e>
+                              <m:sub>
+                                <m:r>
+                                  <a:rPr lang="en-US" sz="2400" b="0" i="1" smtClean="0">
+                                    <a:latin typeface="Cambria Math" panose="02040503050406030204" pitchFamily="18" charset="0"/>
+                                  </a:rPr>
+                                  <m:t>2</m:t>
+                                </m:r>
+                              </m:sub>
+                            </m:sSub>
+                          </m:den>
+                        </m:f>
+                      </m:e>
+                    </m:rad>
+                    <m:r>
+                      <a:rPr lang="en-US" sz="2400" b="0" i="1" smtClean="0">
+                        <a:latin typeface="Cambria Math" panose="02040503050406030204" pitchFamily="18" charset="0"/>
+                      </a:rPr>
+                      <m:t>&lt;</m:t>
+                    </m:r>
+                    <m:r>
+                      <a:rPr lang="en-US" sz="2400" b="0" i="1" smtClean="0">
+                        <a:latin typeface="Cambria Math" panose="02040503050406030204" pitchFamily="18" charset="0"/>
+                      </a:rPr>
+                      <m:t>𝑡𝑎𝑛h𝑟</m:t>
+                    </m:r>
+                    <m:r>
+                      <a:rPr lang="en-US" sz="2400" b="0" i="1" smtClean="0">
+                        <a:latin typeface="Cambria Math" panose="02040503050406030204" pitchFamily="18" charset="0"/>
+                      </a:rPr>
+                      <m:t>&lt;1</m:t>
+                    </m:r>
+                  </m:oMath>
+                </a14:m>
+                <a:endParaRPr lang="en-US" sz="2400" dirty="0"/>
+              </a:p>
+            </p:txBody>
+          </p:sp>
+        </mc:Choice>
+        <mc:Fallback xmlns="">
+          <p:sp>
+            <p:nvSpPr>
+              <p:cNvPr id="28" name="TextBox 27">
+                <a:extLst>
+                  <a:ext uri="{FF2B5EF4-FFF2-40B4-BE49-F238E27FC236}">
+                    <a16:creationId xmlns:a16="http://schemas.microsoft.com/office/drawing/2014/main" id="{A0870E42-6F20-428A-B8EB-2D9B87F99D9B}"/>
+                  </a:ext>
+                </a:extLst>
+              </p:cNvPr>
+              <p:cNvSpPr txBox="1">
+                <a:spLocks noRot="1" noChangeAspect="1" noMove="1" noResize="1" noEditPoints="1" noAdjustHandles="1" noChangeArrowheads="1" noChangeShapeType="1" noTextEdit="1"/>
+              </p:cNvSpPr>
+              <p:nvPr/>
+            </p:nvSpPr>
+            <p:spPr>
+              <a:xfrm>
+                <a:off x="5223543" y="5561280"/>
+                <a:ext cx="6646879" cy="843885"/>
+              </a:xfrm>
+              <a:prstGeom prst="rect">
+                <a:avLst/>
+              </a:prstGeom>
+              <a:blipFill>
+                <a:blip r:embed="rId12"/>
+                <a:stretch>
+                  <a:fillRect l="-1468"/>
+                </a:stretch>
+              </a:blipFill>
+            </p:spPr>
+            <p:txBody>
+              <a:bodyPr/>
+              <a:lstStyle/>
+              <a:p>
+                <a:r>
+                  <a:rPr lang="en-US">
+                    <a:noFill/>
+                  </a:rPr>
+                  <a:t> </a:t>
+                </a:r>
+              </a:p>
+            </p:txBody>
+          </p:sp>
+        </mc:Fallback>
+      </mc:AlternateContent>
     </p:spTree>
     <p:extLst>
       <p:ext uri="{BB962C8B-B14F-4D97-AF65-F5344CB8AC3E}">
-        <p14:creationId xmlns:p14="http://schemas.microsoft.com/office/powerpoint/2010/main" val="3778568974"/>
+        <p14:creationId xmlns:p14="http://schemas.microsoft.com/office/powerpoint/2010/main" val="510124597"/>
       </p:ext>
     </p:extLst>
   </p:cSld>
@@ -14101,6 +15621,1081 @@
           <a:chExt cx="0" cy="0"/>
         </a:xfrm>
       </p:grpSpPr>
+      <p:pic>
+        <p:nvPicPr>
+          <p:cNvPr id="4" name="Picture 3">
+            <a:extLst>
+              <a:ext uri="{FF2B5EF4-FFF2-40B4-BE49-F238E27FC236}">
+                <a16:creationId xmlns:a16="http://schemas.microsoft.com/office/drawing/2014/main" id="{956FB694-AF76-4727-9950-D31A864D5769}"/>
+              </a:ext>
+            </a:extLst>
+          </p:cNvPr>
+          <p:cNvPicPr>
+            <a:picLocks noChangeAspect="1"/>
+          </p:cNvPicPr>
+          <p:nvPr/>
+        </p:nvPicPr>
+        <p:blipFill>
+          <a:blip r:embed="rId2"/>
+          <a:stretch>
+            <a:fillRect/>
+          </a:stretch>
+        </p:blipFill>
+        <p:spPr>
+          <a:xfrm>
+            <a:off x="0" y="551818"/>
+            <a:ext cx="12192000" cy="4311457"/>
+          </a:xfrm>
+          <a:prstGeom prst="rect">
+            <a:avLst/>
+          </a:prstGeom>
+        </p:spPr>
+      </p:pic>
+    </p:spTree>
+    <p:extLst>
+      <p:ext uri="{BB962C8B-B14F-4D97-AF65-F5344CB8AC3E}">
+        <p14:creationId xmlns:p14="http://schemas.microsoft.com/office/powerpoint/2010/main" val="3095865892"/>
+      </p:ext>
+    </p:extLst>
+  </p:cSld>
+  <p:clrMapOvr>
+    <a:masterClrMapping/>
+  </p:clrMapOvr>
+</p:sld>
+</file>
+
+<file path=ppt/slides/slide21.xml><?xml version="1.0" encoding="utf-8"?>
+<p:sld xmlns:a="http://schemas.openxmlformats.org/drawingml/2006/main" xmlns:r="http://schemas.openxmlformats.org/officeDocument/2006/relationships" xmlns:p="http://schemas.openxmlformats.org/presentationml/2006/main">
+  <p:cSld>
+    <p:spTree>
+      <p:nvGrpSpPr>
+        <p:cNvPr id="1" name=""/>
+        <p:cNvGrpSpPr/>
+        <p:nvPr/>
+      </p:nvGrpSpPr>
+      <p:grpSpPr>
+        <a:xfrm>
+          <a:off x="0" y="0"/>
+          <a:ext cx="0" cy="0"/>
+          <a:chOff x="0" y="0"/>
+          <a:chExt cx="0" cy="0"/>
+        </a:xfrm>
+      </p:grpSpPr>
+      <p:sp>
+        <p:nvSpPr>
+          <p:cNvPr id="2" name="Title 1">
+            <a:extLst>
+              <a:ext uri="{FF2B5EF4-FFF2-40B4-BE49-F238E27FC236}">
+                <a16:creationId xmlns:a16="http://schemas.microsoft.com/office/drawing/2014/main" id="{C8F370D8-682C-46E3-AE78-AA00AF051ADB}"/>
+              </a:ext>
+            </a:extLst>
+          </p:cNvPr>
+          <p:cNvSpPr>
+            <a:spLocks noGrp="1"/>
+          </p:cNvSpPr>
+          <p:nvPr>
+            <p:ph type="title"/>
+          </p:nvPr>
+        </p:nvSpPr>
+        <p:spPr/>
+        <p:txBody>
+          <a:bodyPr/>
+          <a:lstStyle/>
+          <a:p>
+            <a:r>
+              <a:rPr lang="en-US" dirty="0"/>
+              <a:t>Questions:	</a:t>
+            </a:r>
+          </a:p>
+        </p:txBody>
+      </p:sp>
+      <mc:AlternateContent xmlns:mc="http://schemas.openxmlformats.org/markup-compatibility/2006" xmlns:a14="http://schemas.microsoft.com/office/drawing/2010/main">
+        <mc:Choice Requires="a14">
+          <p:sp>
+            <p:nvSpPr>
+              <p:cNvPr id="3" name="Content Placeholder 2">
+                <a:extLst>
+                  <a:ext uri="{FF2B5EF4-FFF2-40B4-BE49-F238E27FC236}">
+                    <a16:creationId xmlns:a16="http://schemas.microsoft.com/office/drawing/2014/main" id="{7B732059-C2E4-4D22-9CB0-146572B4F9C0}"/>
+                  </a:ext>
+                </a:extLst>
+              </p:cNvPr>
+              <p:cNvSpPr>
+                <a:spLocks noGrp="1"/>
+              </p:cNvSpPr>
+              <p:nvPr>
+                <p:ph idx="1"/>
+              </p:nvPr>
+            </p:nvSpPr>
+            <p:spPr/>
+            <p:txBody>
+              <a:bodyPr/>
+              <a:lstStyle/>
+              <a:p>
+                <a:pPr marL="514350" indent="-514350">
+                  <a:buFont typeface="+mj-lt"/>
+                  <a:buAutoNum type="arabicPeriod"/>
+                </a:pPr>
+                <a:r>
+                  <a:rPr lang="en-US" dirty="0"/>
+                  <a:t>Why </a:t>
+                </a:r>
+                <a14:m>
+                  <m:oMath xmlns:m="http://schemas.openxmlformats.org/officeDocument/2006/math">
+                    <m:sSub>
+                      <m:sSubPr>
+                        <m:ctrlPr>
+                          <a:rPr lang="en-US" b="0" i="1" smtClean="0">
+                            <a:latin typeface="Cambria Math" panose="02040503050406030204" pitchFamily="18" charset="0"/>
+                          </a:rPr>
+                        </m:ctrlPr>
+                      </m:sSubPr>
+                      <m:e>
+                        <m:r>
+                          <a:rPr lang="en-US" b="0" i="1" smtClean="0">
+                            <a:latin typeface="Cambria Math" panose="02040503050406030204" pitchFamily="18" charset="0"/>
+                          </a:rPr>
+                          <m:t>𝜌</m:t>
+                        </m:r>
+                      </m:e>
+                      <m:sub>
+                        <m:r>
+                          <a:rPr lang="en-US" b="0" i="1" smtClean="0">
+                            <a:latin typeface="Cambria Math" panose="02040503050406030204" pitchFamily="18" charset="0"/>
+                          </a:rPr>
+                          <m:t>𝑏𝑏</m:t>
+                        </m:r>
+                      </m:sub>
+                    </m:sSub>
+                    <m:r>
+                      <a:rPr lang="en-US" b="0" i="1" smtClean="0">
+                        <a:latin typeface="Cambria Math" panose="02040503050406030204" pitchFamily="18" charset="0"/>
+                      </a:rPr>
+                      <m:t>=0?</m:t>
+                    </m:r>
+                  </m:oMath>
+                </a14:m>
+                <a:endParaRPr lang="en-US" dirty="0"/>
+              </a:p>
+              <a:p>
+                <a:pPr marL="514350" indent="-514350">
+                  <a:buFont typeface="+mj-lt"/>
+                  <a:buAutoNum type="arabicPeriod"/>
+                </a:pPr>
+                <a:endParaRPr lang="en-US" dirty="0"/>
+              </a:p>
+              <a:p>
+                <a:pPr marL="514350" indent="-514350">
+                  <a:buFont typeface="+mj-lt"/>
+                  <a:buAutoNum type="arabicPeriod"/>
+                </a:pPr>
+                <a:r>
+                  <a:rPr lang="en-US" dirty="0"/>
+                  <a:t>Why is the steady state a pure state? (For a two-level atom, the steady state is a mixed state)</a:t>
+                </a:r>
+              </a:p>
+              <a:p>
+                <a:pPr marL="514350" indent="-514350">
+                  <a:buFont typeface="+mj-lt"/>
+                  <a:buAutoNum type="arabicPeriod"/>
+                </a:pPr>
+                <a:endParaRPr lang="en-US" dirty="0"/>
+              </a:p>
+              <a:p>
+                <a:pPr marL="514350" indent="-514350">
+                  <a:buFont typeface="+mj-lt"/>
+                  <a:buAutoNum type="arabicPeriod"/>
+                </a:pPr>
+                <a:r>
+                  <a:rPr lang="en-US" dirty="0"/>
+                  <a:t>Can we relate this population inversion to Boltzmann statistics?</a:t>
+                </a:r>
+              </a:p>
+            </p:txBody>
+          </p:sp>
+        </mc:Choice>
+        <mc:Fallback xmlns="">
+          <p:sp>
+            <p:nvSpPr>
+              <p:cNvPr id="3" name="Content Placeholder 2">
+                <a:extLst>
+                  <a:ext uri="{FF2B5EF4-FFF2-40B4-BE49-F238E27FC236}">
+                    <a16:creationId xmlns:a16="http://schemas.microsoft.com/office/drawing/2014/main" id="{7B732059-C2E4-4D22-9CB0-146572B4F9C0}"/>
+                  </a:ext>
+                </a:extLst>
+              </p:cNvPr>
+              <p:cNvSpPr>
+                <a:spLocks noGrp="1" noRot="1" noChangeAspect="1" noMove="1" noResize="1" noEditPoints="1" noAdjustHandles="1" noChangeArrowheads="1" noChangeShapeType="1" noTextEdit="1"/>
+              </p:cNvSpPr>
+              <p:nvPr>
+                <p:ph idx="1"/>
+              </p:nvPr>
+            </p:nvSpPr>
+            <p:spPr>
+              <a:blipFill>
+                <a:blip r:embed="rId2"/>
+                <a:stretch>
+                  <a:fillRect l="-1217" t="-2381"/>
+                </a:stretch>
+              </a:blipFill>
+            </p:spPr>
+            <p:txBody>
+              <a:bodyPr/>
+              <a:lstStyle/>
+              <a:p>
+                <a:r>
+                  <a:rPr lang="en-US">
+                    <a:noFill/>
+                  </a:rPr>
+                  <a:t> </a:t>
+                </a:r>
+              </a:p>
+            </p:txBody>
+          </p:sp>
+        </mc:Fallback>
+      </mc:AlternateContent>
+    </p:spTree>
+    <p:extLst>
+      <p:ext uri="{BB962C8B-B14F-4D97-AF65-F5344CB8AC3E}">
+        <p14:creationId xmlns:p14="http://schemas.microsoft.com/office/powerpoint/2010/main" val="3423731484"/>
+      </p:ext>
+    </p:extLst>
+  </p:cSld>
+  <p:clrMapOvr>
+    <a:masterClrMapping/>
+  </p:clrMapOvr>
+</p:sld>
+</file>
+
+<file path=ppt/slides/slide22.xml><?xml version="1.0" encoding="utf-8"?>
+<p:sld xmlns:a="http://schemas.openxmlformats.org/drawingml/2006/main" xmlns:r="http://schemas.openxmlformats.org/officeDocument/2006/relationships" xmlns:p="http://schemas.openxmlformats.org/presentationml/2006/main">
+  <p:cSld>
+    <p:spTree>
+      <p:nvGrpSpPr>
+        <p:cNvPr id="1" name=""/>
+        <p:cNvGrpSpPr/>
+        <p:nvPr/>
+      </p:nvGrpSpPr>
+      <p:grpSpPr>
+        <a:xfrm>
+          <a:off x="0" y="0"/>
+          <a:ext cx="0" cy="0"/>
+          <a:chOff x="0" y="0"/>
+          <a:chExt cx="0" cy="0"/>
+        </a:xfrm>
+      </p:grpSpPr>
+      <p:sp>
+        <p:nvSpPr>
+          <p:cNvPr id="4" name="TextBox 3">
+            <a:extLst>
+              <a:ext uri="{FF2B5EF4-FFF2-40B4-BE49-F238E27FC236}">
+                <a16:creationId xmlns:a16="http://schemas.microsoft.com/office/drawing/2014/main" id="{C2887403-09AB-4EE9-B666-BC7276F9D7B6}"/>
+              </a:ext>
+            </a:extLst>
+          </p:cNvPr>
+          <p:cNvSpPr txBox="1"/>
+          <p:nvPr/>
+        </p:nvSpPr>
+        <p:spPr>
+          <a:xfrm>
+            <a:off x="4471332" y="159391"/>
+            <a:ext cx="3054041" cy="584775"/>
+          </a:xfrm>
+          <a:prstGeom prst="rect">
+            <a:avLst/>
+          </a:prstGeom>
+          <a:noFill/>
+        </p:spPr>
+        <p:txBody>
+          <a:bodyPr wrap="none" rtlCol="0">
+            <a:spAutoFit/>
+          </a:bodyPr>
+          <a:lstStyle/>
+          <a:p>
+            <a:r>
+              <a:rPr lang="en-US" sz="3200" dirty="0"/>
+              <a:t>A group of atoms</a:t>
+            </a:r>
+          </a:p>
+        </p:txBody>
+      </p:sp>
+      <p:pic>
+        <p:nvPicPr>
+          <p:cNvPr id="5" name="Picture 4">
+            <a:extLst>
+              <a:ext uri="{FF2B5EF4-FFF2-40B4-BE49-F238E27FC236}">
+                <a16:creationId xmlns:a16="http://schemas.microsoft.com/office/drawing/2014/main" id="{A52394E5-BE5A-484D-89E7-F549ABB4F5BE}"/>
+              </a:ext>
+            </a:extLst>
+          </p:cNvPr>
+          <p:cNvPicPr>
+            <a:picLocks noChangeAspect="1"/>
+          </p:cNvPicPr>
+          <p:nvPr/>
+        </p:nvPicPr>
+        <p:blipFill>
+          <a:blip r:embed="rId2"/>
+          <a:stretch>
+            <a:fillRect/>
+          </a:stretch>
+        </p:blipFill>
+        <p:spPr>
+          <a:xfrm>
+            <a:off x="401759" y="4416541"/>
+            <a:ext cx="5495925" cy="2200275"/>
+          </a:xfrm>
+          <a:prstGeom prst="rect">
+            <a:avLst/>
+          </a:prstGeom>
+        </p:spPr>
+      </p:pic>
+      <p:pic>
+        <p:nvPicPr>
+          <p:cNvPr id="6" name="Picture 5">
+            <a:extLst>
+              <a:ext uri="{FF2B5EF4-FFF2-40B4-BE49-F238E27FC236}">
+                <a16:creationId xmlns:a16="http://schemas.microsoft.com/office/drawing/2014/main" id="{182F70F6-44EA-4A8B-B071-9B0699AA6037}"/>
+              </a:ext>
+            </a:extLst>
+          </p:cNvPr>
+          <p:cNvPicPr>
+            <a:picLocks noChangeAspect="1"/>
+          </p:cNvPicPr>
+          <p:nvPr/>
+        </p:nvPicPr>
+        <p:blipFill>
+          <a:blip r:embed="rId3"/>
+          <a:stretch>
+            <a:fillRect/>
+          </a:stretch>
+        </p:blipFill>
+        <p:spPr>
+          <a:xfrm>
+            <a:off x="7285247" y="4148836"/>
+            <a:ext cx="4906753" cy="2467980"/>
+          </a:xfrm>
+          <a:prstGeom prst="rect">
+            <a:avLst/>
+          </a:prstGeom>
+        </p:spPr>
+      </p:pic>
+      <p:pic>
+        <p:nvPicPr>
+          <p:cNvPr id="7" name="Picture 6">
+            <a:extLst>
+              <a:ext uri="{FF2B5EF4-FFF2-40B4-BE49-F238E27FC236}">
+                <a16:creationId xmlns:a16="http://schemas.microsoft.com/office/drawing/2014/main" id="{2D986860-3032-4212-8A75-3EF1C562CEB5}"/>
+              </a:ext>
+            </a:extLst>
+          </p:cNvPr>
+          <p:cNvPicPr>
+            <a:picLocks noChangeAspect="1"/>
+          </p:cNvPicPr>
+          <p:nvPr/>
+        </p:nvPicPr>
+        <p:blipFill>
+          <a:blip r:embed="rId4"/>
+          <a:stretch>
+            <a:fillRect/>
+          </a:stretch>
+        </p:blipFill>
+        <p:spPr>
+          <a:xfrm>
+            <a:off x="5745546" y="1036957"/>
+            <a:ext cx="6267450" cy="2085975"/>
+          </a:xfrm>
+          <a:prstGeom prst="rect">
+            <a:avLst/>
+          </a:prstGeom>
+        </p:spPr>
+      </p:pic>
+      <p:sp>
+        <p:nvSpPr>
+          <p:cNvPr id="8" name="Arrow: Down 7">
+            <a:extLst>
+              <a:ext uri="{FF2B5EF4-FFF2-40B4-BE49-F238E27FC236}">
+                <a16:creationId xmlns:a16="http://schemas.microsoft.com/office/drawing/2014/main" id="{1820F68A-7BAD-4590-A481-8CBA594E0460}"/>
+              </a:ext>
+            </a:extLst>
+          </p:cNvPr>
+          <p:cNvSpPr/>
+          <p:nvPr/>
+        </p:nvSpPr>
+        <p:spPr>
+          <a:xfrm>
+            <a:off x="2281806" y="3221372"/>
+            <a:ext cx="989900" cy="998290"/>
+          </a:xfrm>
+          <a:prstGeom prst="downArrow">
+            <a:avLst/>
+          </a:prstGeom>
+        </p:spPr>
+        <p:style>
+          <a:lnRef idx="2">
+            <a:schemeClr val="accent6"/>
+          </a:lnRef>
+          <a:fillRef idx="1">
+            <a:schemeClr val="lt1"/>
+          </a:fillRef>
+          <a:effectRef idx="0">
+            <a:schemeClr val="accent6"/>
+          </a:effectRef>
+          <a:fontRef idx="minor">
+            <a:schemeClr val="dk1"/>
+          </a:fontRef>
+        </p:style>
+        <p:txBody>
+          <a:bodyPr rtlCol="0" anchor="ctr"/>
+          <a:lstStyle/>
+          <a:p>
+            <a:pPr algn="ctr"/>
+            <a:endParaRPr lang="en-US"/>
+          </a:p>
+        </p:txBody>
+      </p:sp>
+      <p:sp>
+        <p:nvSpPr>
+          <p:cNvPr id="9" name="Arrow: Down 8">
+            <a:extLst>
+              <a:ext uri="{FF2B5EF4-FFF2-40B4-BE49-F238E27FC236}">
+                <a16:creationId xmlns:a16="http://schemas.microsoft.com/office/drawing/2014/main" id="{E869B188-D165-4E56-8345-3CF3B38E1C96}"/>
+              </a:ext>
+            </a:extLst>
+          </p:cNvPr>
+          <p:cNvSpPr/>
+          <p:nvPr/>
+        </p:nvSpPr>
+        <p:spPr>
+          <a:xfrm>
+            <a:off x="8748723" y="3221372"/>
+            <a:ext cx="989900" cy="998290"/>
+          </a:xfrm>
+          <a:prstGeom prst="downArrow">
+            <a:avLst/>
+          </a:prstGeom>
+        </p:spPr>
+        <p:style>
+          <a:lnRef idx="2">
+            <a:schemeClr val="accent6"/>
+          </a:lnRef>
+          <a:fillRef idx="1">
+            <a:schemeClr val="lt1"/>
+          </a:fillRef>
+          <a:effectRef idx="0">
+            <a:schemeClr val="accent6"/>
+          </a:effectRef>
+          <a:fontRef idx="minor">
+            <a:schemeClr val="dk1"/>
+          </a:fontRef>
+        </p:style>
+        <p:txBody>
+          <a:bodyPr rtlCol="0" anchor="ctr"/>
+          <a:lstStyle/>
+          <a:p>
+            <a:pPr algn="ctr"/>
+            <a:endParaRPr lang="en-US"/>
+          </a:p>
+        </p:txBody>
+      </p:sp>
+      <p:pic>
+        <p:nvPicPr>
+          <p:cNvPr id="10" name="Picture 9">
+            <a:extLst>
+              <a:ext uri="{FF2B5EF4-FFF2-40B4-BE49-F238E27FC236}">
+                <a16:creationId xmlns:a16="http://schemas.microsoft.com/office/drawing/2014/main" id="{9A536A52-B8F6-46FF-A53C-383005082A00}"/>
+              </a:ext>
+            </a:extLst>
+          </p:cNvPr>
+          <p:cNvPicPr>
+            <a:picLocks noChangeAspect="1"/>
+          </p:cNvPicPr>
+          <p:nvPr/>
+        </p:nvPicPr>
+        <p:blipFill>
+          <a:blip r:embed="rId5"/>
+          <a:stretch>
+            <a:fillRect/>
+          </a:stretch>
+        </p:blipFill>
+        <p:spPr>
+          <a:xfrm>
+            <a:off x="401759" y="1036957"/>
+            <a:ext cx="5084565" cy="2085976"/>
+          </a:xfrm>
+          <a:prstGeom prst="rect">
+            <a:avLst/>
+          </a:prstGeom>
+        </p:spPr>
+      </p:pic>
+    </p:spTree>
+    <p:extLst>
+      <p:ext uri="{BB962C8B-B14F-4D97-AF65-F5344CB8AC3E}">
+        <p14:creationId xmlns:p14="http://schemas.microsoft.com/office/powerpoint/2010/main" val="1696529490"/>
+      </p:ext>
+    </p:extLst>
+  </p:cSld>
+  <p:clrMapOvr>
+    <a:masterClrMapping/>
+  </p:clrMapOvr>
+</p:sld>
+</file>
+
+<file path=ppt/slides/slide23.xml><?xml version="1.0" encoding="utf-8"?>
+<p:sld xmlns:a="http://schemas.openxmlformats.org/drawingml/2006/main" xmlns:r="http://schemas.openxmlformats.org/officeDocument/2006/relationships" xmlns:p="http://schemas.openxmlformats.org/presentationml/2006/main">
+  <p:cSld>
+    <p:spTree>
+      <p:nvGrpSpPr>
+        <p:cNvPr id="1" name=""/>
+        <p:cNvGrpSpPr/>
+        <p:nvPr/>
+      </p:nvGrpSpPr>
+      <p:grpSpPr>
+        <a:xfrm>
+          <a:off x="0" y="0"/>
+          <a:ext cx="0" cy="0"/>
+          <a:chOff x="0" y="0"/>
+          <a:chExt cx="0" cy="0"/>
+        </a:xfrm>
+      </p:grpSpPr>
+      <p:pic>
+        <p:nvPicPr>
+          <p:cNvPr id="4" name="Picture 3">
+            <a:extLst>
+              <a:ext uri="{FF2B5EF4-FFF2-40B4-BE49-F238E27FC236}">
+                <a16:creationId xmlns:a16="http://schemas.microsoft.com/office/drawing/2014/main" id="{2EFCE7F5-0326-4361-9BAA-191EA1599B05}"/>
+              </a:ext>
+            </a:extLst>
+          </p:cNvPr>
+          <p:cNvPicPr>
+            <a:picLocks noChangeAspect="1"/>
+          </p:cNvPicPr>
+          <p:nvPr/>
+        </p:nvPicPr>
+        <p:blipFill>
+          <a:blip r:embed="rId2"/>
+          <a:stretch>
+            <a:fillRect/>
+          </a:stretch>
+        </p:blipFill>
+        <p:spPr>
+          <a:xfrm>
+            <a:off x="0" y="558230"/>
+            <a:ext cx="12192000" cy="4030185"/>
+          </a:xfrm>
+          <a:prstGeom prst="rect">
+            <a:avLst/>
+          </a:prstGeom>
+        </p:spPr>
+      </p:pic>
+    </p:spTree>
+    <p:extLst>
+      <p:ext uri="{BB962C8B-B14F-4D97-AF65-F5344CB8AC3E}">
+        <p14:creationId xmlns:p14="http://schemas.microsoft.com/office/powerpoint/2010/main" val="1834604684"/>
+      </p:ext>
+    </p:extLst>
+  </p:cSld>
+  <p:clrMapOvr>
+    <a:masterClrMapping/>
+  </p:clrMapOvr>
+</p:sld>
+</file>
+
+<file path=ppt/slides/slide24.xml><?xml version="1.0" encoding="utf-8"?>
+<p:sld xmlns:a="http://schemas.openxmlformats.org/drawingml/2006/main" xmlns:r="http://schemas.openxmlformats.org/officeDocument/2006/relationships" xmlns:p="http://schemas.openxmlformats.org/presentationml/2006/main">
+  <p:cSld>
+    <p:spTree>
+      <p:nvGrpSpPr>
+        <p:cNvPr id="1" name=""/>
+        <p:cNvGrpSpPr/>
+        <p:nvPr/>
+      </p:nvGrpSpPr>
+      <p:grpSpPr>
+        <a:xfrm>
+          <a:off x="0" y="0"/>
+          <a:ext cx="0" cy="0"/>
+          <a:chOff x="0" y="0"/>
+          <a:chExt cx="0" cy="0"/>
+        </a:xfrm>
+      </p:grpSpPr>
+      <p:sp>
+        <p:nvSpPr>
+          <p:cNvPr id="2" name="Title 1">
+            <a:extLst>
+              <a:ext uri="{FF2B5EF4-FFF2-40B4-BE49-F238E27FC236}">
+                <a16:creationId xmlns:a16="http://schemas.microsoft.com/office/drawing/2014/main" id="{B0801097-A007-47F7-B94A-CF3E4F7A2FEA}"/>
+              </a:ext>
+            </a:extLst>
+          </p:cNvPr>
+          <p:cNvSpPr>
+            <a:spLocks noGrp="1"/>
+          </p:cNvSpPr>
+          <p:nvPr>
+            <p:ph type="title"/>
+          </p:nvPr>
+        </p:nvSpPr>
+        <p:spPr/>
+        <p:txBody>
+          <a:bodyPr/>
+          <a:lstStyle/>
+          <a:p>
+            <a:r>
+              <a:rPr lang="en-US" dirty="0"/>
+              <a:t>Questions:	</a:t>
+            </a:r>
+          </a:p>
+        </p:txBody>
+      </p:sp>
+      <mc:AlternateContent xmlns:mc="http://schemas.openxmlformats.org/markup-compatibility/2006">
+        <mc:Choice xmlns:a14="http://schemas.microsoft.com/office/drawing/2010/main" Requires="a14">
+          <p:sp>
+            <p:nvSpPr>
+              <p:cNvPr id="3" name="Content Placeholder 2">
+                <a:extLst>
+                  <a:ext uri="{FF2B5EF4-FFF2-40B4-BE49-F238E27FC236}">
+                    <a16:creationId xmlns:a16="http://schemas.microsoft.com/office/drawing/2014/main" id="{8E261D99-A4A6-4B91-92BF-CE60D7768A85}"/>
+                  </a:ext>
+                </a:extLst>
+              </p:cNvPr>
+              <p:cNvSpPr>
+                <a:spLocks noGrp="1"/>
+              </p:cNvSpPr>
+              <p:nvPr>
+                <p:ph idx="1"/>
+              </p:nvPr>
+            </p:nvSpPr>
+            <p:spPr/>
+            <p:txBody>
+              <a:bodyPr/>
+              <a:lstStyle/>
+              <a:p>
+                <a:pPr marL="514350" indent="-514350">
+                  <a:buFont typeface="+mj-lt"/>
+                  <a:buAutoNum type="arabicPeriod"/>
+                </a:pPr>
+                <a:r>
+                  <a:rPr lang="en-US" dirty="0"/>
+                  <a:t>Why does this population inversion only occur for </a:t>
+                </a:r>
+                <a14:m>
+                  <m:oMath xmlns:m="http://schemas.openxmlformats.org/officeDocument/2006/math">
+                    <m:sSub>
+                      <m:sSubPr>
+                        <m:ctrlPr>
+                          <a:rPr lang="en-US" b="0" i="1" smtClean="0">
+                            <a:latin typeface="Cambria Math" panose="02040503050406030204" pitchFamily="18" charset="0"/>
+                          </a:rPr>
+                        </m:ctrlPr>
+                      </m:sSubPr>
+                      <m:e>
+                        <m:r>
+                          <a:rPr lang="en-US" b="0" i="1" smtClean="0">
+                            <a:latin typeface="Cambria Math" panose="02040503050406030204" pitchFamily="18" charset="0"/>
+                          </a:rPr>
+                          <m:t>𝜔</m:t>
+                        </m:r>
+                      </m:e>
+                      <m:sub>
+                        <m:r>
+                          <a:rPr lang="en-US" b="0" i="1" smtClean="0">
+                            <a:latin typeface="Cambria Math" panose="02040503050406030204" pitchFamily="18" charset="0"/>
+                          </a:rPr>
+                          <m:t>1</m:t>
+                        </m:r>
+                      </m:sub>
+                    </m:sSub>
+                    <m:r>
+                      <a:rPr lang="en-US" b="0" i="1" smtClean="0">
+                        <a:latin typeface="Cambria Math" panose="02040503050406030204" pitchFamily="18" charset="0"/>
+                      </a:rPr>
+                      <m:t>≠</m:t>
+                    </m:r>
+                    <m:sSub>
+                      <m:sSubPr>
+                        <m:ctrlPr>
+                          <a:rPr lang="en-US" b="0" i="1" smtClean="0">
+                            <a:latin typeface="Cambria Math" panose="02040503050406030204" pitchFamily="18" charset="0"/>
+                          </a:rPr>
+                        </m:ctrlPr>
+                      </m:sSubPr>
+                      <m:e>
+                        <m:r>
+                          <a:rPr lang="en-US" b="0" i="1" smtClean="0">
+                            <a:latin typeface="Cambria Math" panose="02040503050406030204" pitchFamily="18" charset="0"/>
+                          </a:rPr>
+                          <m:t>𝜔</m:t>
+                        </m:r>
+                      </m:e>
+                      <m:sub>
+                        <m:r>
+                          <a:rPr lang="en-US" b="0" i="1" smtClean="0">
+                            <a:latin typeface="Cambria Math" panose="02040503050406030204" pitchFamily="18" charset="0"/>
+                          </a:rPr>
+                          <m:t>2</m:t>
+                        </m:r>
+                      </m:sub>
+                    </m:sSub>
+                  </m:oMath>
+                </a14:m>
+                <a:r>
+                  <a:rPr lang="en-US" dirty="0"/>
+                  <a:t>?</a:t>
+                </a:r>
+              </a:p>
+              <a:p>
+                <a:pPr marL="514350" indent="-514350">
+                  <a:buFont typeface="+mj-lt"/>
+                  <a:buAutoNum type="arabicPeriod"/>
+                </a:pPr>
+                <a:endParaRPr lang="en-US" dirty="0"/>
+              </a:p>
+              <a:p>
+                <a:pPr marL="514350" indent="-514350">
+                  <a:buFont typeface="+mj-lt"/>
+                  <a:buAutoNum type="arabicPeriod"/>
+                </a:pPr>
+                <a:r>
+                  <a:rPr lang="en-US" dirty="0"/>
+                  <a:t>what is S for </a:t>
+                </a:r>
+                <a14:m>
+                  <m:oMath xmlns:m="http://schemas.openxmlformats.org/officeDocument/2006/math">
+                    <m:r>
+                      <a:rPr lang="en-US" b="0" i="1" smtClean="0">
+                        <a:latin typeface="Cambria Math" panose="02040503050406030204" pitchFamily="18" charset="0"/>
+                      </a:rPr>
+                      <m:t>𝑆</m:t>
+                    </m:r>
+                    <m:r>
+                      <a:rPr lang="en-US" b="0" i="1" smtClean="0">
+                        <a:latin typeface="Cambria Math" panose="02040503050406030204" pitchFamily="18" charset="0"/>
+                      </a:rPr>
+                      <m:t>|</m:t>
+                    </m:r>
+                    <m:r>
+                      <a:rPr lang="en-US" b="0" i="1" smtClean="0">
+                        <a:latin typeface="Cambria Math" panose="02040503050406030204" pitchFamily="18" charset="0"/>
+                      </a:rPr>
+                      <m:t>𝑎</m:t>
+                    </m:r>
+                    <m:r>
+                      <a:rPr lang="en-US" b="0" i="1" smtClean="0">
+                        <a:latin typeface="Cambria Math" panose="02040503050406030204" pitchFamily="18" charset="0"/>
+                      </a:rPr>
+                      <m:t>⟩⟨</m:t>
+                    </m:r>
+                    <m:r>
+                      <a:rPr lang="en-US" b="0" i="1" smtClean="0">
+                        <a:latin typeface="Cambria Math" panose="02040503050406030204" pitchFamily="18" charset="0"/>
+                      </a:rPr>
+                      <m:t>𝑏</m:t>
+                    </m:r>
+                    <m:r>
+                      <a:rPr lang="en-US" b="0" i="1" smtClean="0">
+                        <a:latin typeface="Cambria Math" panose="02040503050406030204" pitchFamily="18" charset="0"/>
+                      </a:rPr>
+                      <m:t>|</m:t>
+                    </m:r>
+                    <m:sSup>
+                      <m:sSupPr>
+                        <m:ctrlPr>
+                          <a:rPr lang="en-US" b="0" i="1" smtClean="0">
+                            <a:latin typeface="Cambria Math" panose="02040503050406030204" pitchFamily="18" charset="0"/>
+                          </a:rPr>
+                        </m:ctrlPr>
+                      </m:sSupPr>
+                      <m:e>
+                        <m:r>
+                          <a:rPr lang="en-US" b="0" i="1" smtClean="0">
+                            <a:latin typeface="Cambria Math" panose="02040503050406030204" pitchFamily="18" charset="0"/>
+                          </a:rPr>
+                          <m:t>𝑆</m:t>
+                        </m:r>
+                      </m:e>
+                      <m:sup>
+                        <m:r>
+                          <a:rPr lang="en-US" b="0" i="1" smtClean="0">
+                            <a:latin typeface="Cambria Math" panose="02040503050406030204" pitchFamily="18" charset="0"/>
+                          </a:rPr>
+                          <m:t>+</m:t>
+                        </m:r>
+                      </m:sup>
+                    </m:sSup>
+                    <m:r>
+                      <a:rPr lang="en-US" b="0" i="1" smtClean="0">
+                        <a:latin typeface="Cambria Math" panose="02040503050406030204" pitchFamily="18" charset="0"/>
+                      </a:rPr>
+                      <m:t>=</m:t>
+                    </m:r>
+                    <m:sSub>
+                      <m:sSubPr>
+                        <m:ctrlPr>
+                          <a:rPr lang="en-US" b="0" i="1" smtClean="0">
+                            <a:latin typeface="Cambria Math" panose="02040503050406030204" pitchFamily="18" charset="0"/>
+                          </a:rPr>
+                        </m:ctrlPr>
+                      </m:sSubPr>
+                      <m:e>
+                        <m:r>
+                          <a:rPr lang="en-US" b="0" i="1" smtClean="0">
+                            <a:latin typeface="Cambria Math" panose="02040503050406030204" pitchFamily="18" charset="0"/>
+                          </a:rPr>
+                          <m:t>𝑐</m:t>
+                        </m:r>
+                      </m:e>
+                      <m:sub>
+                        <m:r>
+                          <a:rPr lang="en-US" b="0" i="1" smtClean="0">
+                            <a:latin typeface="Cambria Math" panose="02040503050406030204" pitchFamily="18" charset="0"/>
+                          </a:rPr>
+                          <m:t>1</m:t>
+                        </m:r>
+                      </m:sub>
+                    </m:sSub>
+                    <m:r>
+                      <a:rPr lang="en-US" i="1">
+                        <a:latin typeface="Cambria Math" panose="02040503050406030204" pitchFamily="18" charset="0"/>
+                      </a:rPr>
+                      <m:t>|</m:t>
+                    </m:r>
+                    <m:r>
+                      <a:rPr lang="en-US" i="1">
+                        <a:latin typeface="Cambria Math" panose="02040503050406030204" pitchFamily="18" charset="0"/>
+                      </a:rPr>
+                      <m:t>𝑎</m:t>
+                    </m:r>
+                    <m:r>
+                      <a:rPr lang="en-US" i="1">
+                        <a:latin typeface="Cambria Math" panose="02040503050406030204" pitchFamily="18" charset="0"/>
+                      </a:rPr>
+                      <m:t>⟩⟨</m:t>
+                    </m:r>
+                    <m:r>
+                      <a:rPr lang="en-US" i="1">
+                        <a:latin typeface="Cambria Math" panose="02040503050406030204" pitchFamily="18" charset="0"/>
+                      </a:rPr>
+                      <m:t>𝑏</m:t>
+                    </m:r>
+                    <m:r>
+                      <a:rPr lang="en-US" i="1">
+                        <a:latin typeface="Cambria Math" panose="02040503050406030204" pitchFamily="18" charset="0"/>
+                      </a:rPr>
+                      <m:t>|+</m:t>
+                    </m:r>
+                    <m:sSub>
+                      <m:sSubPr>
+                        <m:ctrlPr>
+                          <a:rPr lang="en-US" b="0" i="1" smtClean="0">
+                            <a:latin typeface="Cambria Math" panose="02040503050406030204" pitchFamily="18" charset="0"/>
+                          </a:rPr>
+                        </m:ctrlPr>
+                      </m:sSubPr>
+                      <m:e>
+                        <m:r>
+                          <a:rPr lang="en-US" b="0" i="1" smtClean="0">
+                            <a:latin typeface="Cambria Math" panose="02040503050406030204" pitchFamily="18" charset="0"/>
+                          </a:rPr>
+                          <m:t>𝑐</m:t>
+                        </m:r>
+                      </m:e>
+                      <m:sub>
+                        <m:r>
+                          <a:rPr lang="en-US" b="0" i="1" smtClean="0">
+                            <a:latin typeface="Cambria Math" panose="02040503050406030204" pitchFamily="18" charset="0"/>
+                          </a:rPr>
+                          <m:t>2</m:t>
+                        </m:r>
+                      </m:sub>
+                    </m:sSub>
+                    <m:r>
+                      <a:rPr lang="en-US" i="1">
+                        <a:latin typeface="Cambria Math" panose="02040503050406030204" pitchFamily="18" charset="0"/>
+                      </a:rPr>
+                      <m:t>|</m:t>
+                    </m:r>
+                    <m:r>
+                      <a:rPr lang="en-US" b="0" i="1" smtClean="0">
+                        <a:latin typeface="Cambria Math" panose="02040503050406030204" pitchFamily="18" charset="0"/>
+                      </a:rPr>
+                      <m:t>𝑏</m:t>
+                    </m:r>
+                    <m:r>
+                      <a:rPr lang="en-US" i="1">
+                        <a:latin typeface="Cambria Math" panose="02040503050406030204" pitchFamily="18" charset="0"/>
+                      </a:rPr>
+                      <m:t>⟩⟨</m:t>
+                    </m:r>
+                    <m:r>
+                      <a:rPr lang="en-US" b="0" i="1" smtClean="0">
+                        <a:latin typeface="Cambria Math" panose="02040503050406030204" pitchFamily="18" charset="0"/>
+                      </a:rPr>
+                      <m:t>𝑎</m:t>
+                    </m:r>
+                    <m:r>
+                      <a:rPr lang="en-US" i="1">
+                        <a:latin typeface="Cambria Math" panose="02040503050406030204" pitchFamily="18" charset="0"/>
+                      </a:rPr>
+                      <m:t>|</m:t>
+                    </m:r>
+                  </m:oMath>
+                </a14:m>
+                <a:r>
+                  <a:rPr lang="en-US" dirty="0"/>
+                  <a:t>?</a:t>
+                </a:r>
+              </a:p>
+            </p:txBody>
+          </p:sp>
+        </mc:Choice>
+        <mc:Fallback>
+          <p:sp>
+            <p:nvSpPr>
+              <p:cNvPr id="3" name="Content Placeholder 2">
+                <a:extLst>
+                  <a:ext uri="{FF2B5EF4-FFF2-40B4-BE49-F238E27FC236}">
+                    <a16:creationId xmlns:a16="http://schemas.microsoft.com/office/drawing/2014/main" id="{8E261D99-A4A6-4B91-92BF-CE60D7768A85}"/>
+                  </a:ext>
+                </a:extLst>
+              </p:cNvPr>
+              <p:cNvSpPr>
+                <a:spLocks noGrp="1" noRot="1" noChangeAspect="1" noMove="1" noResize="1" noEditPoints="1" noAdjustHandles="1" noChangeArrowheads="1" noChangeShapeType="1" noTextEdit="1"/>
+              </p:cNvSpPr>
+              <p:nvPr>
+                <p:ph idx="1"/>
+              </p:nvPr>
+            </p:nvSpPr>
+            <p:spPr>
+              <a:blipFill>
+                <a:blip r:embed="rId2"/>
+                <a:stretch>
+                  <a:fillRect l="-1217" t="-2381"/>
+                </a:stretch>
+              </a:blipFill>
+            </p:spPr>
+            <p:txBody>
+              <a:bodyPr/>
+              <a:lstStyle/>
+              <a:p>
+                <a:r>
+                  <a:rPr lang="en-US">
+                    <a:noFill/>
+                  </a:rPr>
+                  <a:t> </a:t>
+                </a:r>
+              </a:p>
+            </p:txBody>
+          </p:sp>
+        </mc:Fallback>
+      </mc:AlternateContent>
+    </p:spTree>
+    <p:extLst>
+      <p:ext uri="{BB962C8B-B14F-4D97-AF65-F5344CB8AC3E}">
+        <p14:creationId xmlns:p14="http://schemas.microsoft.com/office/powerpoint/2010/main" val="2403879192"/>
+      </p:ext>
+    </p:extLst>
+  </p:cSld>
+  <p:clrMapOvr>
+    <a:masterClrMapping/>
+  </p:clrMapOvr>
+</p:sld>
+</file>
+
+<file path=ppt/slides/slide25.xml><?xml version="1.0" encoding="utf-8"?>
+<p:sld xmlns:a="http://schemas.openxmlformats.org/drawingml/2006/main" xmlns:r="http://schemas.openxmlformats.org/officeDocument/2006/relationships" xmlns:p="http://schemas.openxmlformats.org/presentationml/2006/main">
+  <p:cSld>
+    <p:spTree>
+      <p:nvGrpSpPr>
+        <p:cNvPr id="1" name=""/>
+        <p:cNvGrpSpPr/>
+        <p:nvPr/>
+      </p:nvGrpSpPr>
+      <p:grpSpPr>
+        <a:xfrm>
+          <a:off x="0" y="0"/>
+          <a:ext cx="0" cy="0"/>
+          <a:chOff x="0" y="0"/>
+          <a:chExt cx="0" cy="0"/>
+        </a:xfrm>
+      </p:grpSpPr>
+      <p:sp>
+        <p:nvSpPr>
+          <p:cNvPr id="2" name="Title 1">
+            <a:extLst>
+              <a:ext uri="{FF2B5EF4-FFF2-40B4-BE49-F238E27FC236}">
+                <a16:creationId xmlns:a16="http://schemas.microsoft.com/office/drawing/2014/main" id="{C4502E88-B665-48CE-B882-E800D25C9F7D}"/>
+              </a:ext>
+            </a:extLst>
+          </p:cNvPr>
+          <p:cNvSpPr>
+            <a:spLocks noGrp="1"/>
+          </p:cNvSpPr>
+          <p:nvPr>
+            <p:ph type="title"/>
+          </p:nvPr>
+        </p:nvSpPr>
+        <p:spPr/>
+        <p:txBody>
+          <a:bodyPr/>
+          <a:lstStyle/>
+          <a:p>
+            <a:endParaRPr lang="en-US"/>
+          </a:p>
+        </p:txBody>
+      </p:sp>
+      <p:sp>
+        <p:nvSpPr>
+          <p:cNvPr id="3" name="Content Placeholder 2">
+            <a:extLst>
+              <a:ext uri="{FF2B5EF4-FFF2-40B4-BE49-F238E27FC236}">
+                <a16:creationId xmlns:a16="http://schemas.microsoft.com/office/drawing/2014/main" id="{66353345-2868-4043-AB45-E0A73D8F14CB}"/>
+              </a:ext>
+            </a:extLst>
+          </p:cNvPr>
+          <p:cNvSpPr>
+            <a:spLocks noGrp="1"/>
+          </p:cNvSpPr>
+          <p:nvPr>
+            <p:ph idx="1"/>
+          </p:nvPr>
+        </p:nvSpPr>
+        <p:spPr/>
+        <p:txBody>
+          <a:bodyPr/>
+          <a:lstStyle/>
+          <a:p>
+            <a:endParaRPr lang="en-US"/>
+          </a:p>
+        </p:txBody>
+      </p:sp>
+    </p:spTree>
+    <p:extLst>
+      <p:ext uri="{BB962C8B-B14F-4D97-AF65-F5344CB8AC3E}">
+        <p14:creationId xmlns:p14="http://schemas.microsoft.com/office/powerpoint/2010/main" val="3778568974"/>
+      </p:ext>
+    </p:extLst>
+  </p:cSld>
+  <p:clrMapOvr>
+    <a:masterClrMapping/>
+  </p:clrMapOvr>
+</p:sld>
+</file>
+
+<file path=ppt/slides/slide26.xml><?xml version="1.0" encoding="utf-8"?>
+<p:sld xmlns:a="http://schemas.openxmlformats.org/drawingml/2006/main" xmlns:r="http://schemas.openxmlformats.org/officeDocument/2006/relationships" xmlns:p="http://schemas.openxmlformats.org/presentationml/2006/main">
+  <p:cSld>
+    <p:spTree>
+      <p:nvGrpSpPr>
+        <p:cNvPr id="1" name=""/>
+        <p:cNvGrpSpPr/>
+        <p:nvPr/>
+      </p:nvGrpSpPr>
+      <p:grpSpPr>
+        <a:xfrm>
+          <a:off x="0" y="0"/>
+          <a:ext cx="0" cy="0"/>
+          <a:chOff x="0" y="0"/>
+          <a:chExt cx="0" cy="0"/>
+        </a:xfrm>
+      </p:grpSpPr>
       <p:cxnSp>
         <p:nvCxnSpPr>
           <p:cNvPr id="5" name="Straight Connector 4">
@@ -15677,7 +18272,7 @@
 </p:sld>
 </file>
 
-<file path=ppt/slides/slide21.xml><?xml version="1.0" encoding="utf-8"?>
+<file path=ppt/slides/slide27.xml><?xml version="1.0" encoding="utf-8"?>
 <p:sld xmlns:a="http://schemas.openxmlformats.org/drawingml/2006/main" xmlns:r="http://schemas.openxmlformats.org/officeDocument/2006/relationships" xmlns:p="http://schemas.openxmlformats.org/presentationml/2006/main">
   <p:cSld>
     <p:spTree>
@@ -17575,7 +20170,7 @@
 </p:sld>
 </file>
 
-<file path=ppt/slides/slide22.xml><?xml version="1.0" encoding="utf-8"?>
+<file path=ppt/slides/slide28.xml><?xml version="1.0" encoding="utf-8"?>
 <p:sld xmlns:a="http://schemas.openxmlformats.org/drawingml/2006/main" xmlns:r="http://schemas.openxmlformats.org/officeDocument/2006/relationships" xmlns:p="http://schemas.openxmlformats.org/presentationml/2006/main">
   <p:cSld>
     <p:spTree>
@@ -18712,7 +21307,7 @@
 </p:sld>
 </file>
 
-<file path=ppt/slides/slide23.xml><?xml version="1.0" encoding="utf-8"?>
+<file path=ppt/slides/slide29.xml><?xml version="1.0" encoding="utf-8"?>
 <p:sld xmlns:a="http://schemas.openxmlformats.org/drawingml/2006/main" xmlns:r="http://schemas.openxmlformats.org/officeDocument/2006/relationships" xmlns:p="http://schemas.openxmlformats.org/presentationml/2006/main">
   <p:cSld>
     <p:spTree>
@@ -19573,7 +22168,1681 @@
 </p:sld>
 </file>
 
-<file path=ppt/slides/slide24.xml><?xml version="1.0" encoding="utf-8"?>
+<file path=ppt/slides/slide3.xml><?xml version="1.0" encoding="utf-8"?>
+<p:sld xmlns:a="http://schemas.openxmlformats.org/drawingml/2006/main" xmlns:r="http://schemas.openxmlformats.org/officeDocument/2006/relationships" xmlns:p="http://schemas.openxmlformats.org/presentationml/2006/main">
+  <p:cSld>
+    <p:spTree>
+      <p:nvGrpSpPr>
+        <p:cNvPr id="1" name=""/>
+        <p:cNvGrpSpPr/>
+        <p:nvPr/>
+      </p:nvGrpSpPr>
+      <p:grpSpPr>
+        <a:xfrm>
+          <a:off x="0" y="0"/>
+          <a:ext cx="0" cy="0"/>
+          <a:chOff x="0" y="0"/>
+          <a:chExt cx="0" cy="0"/>
+        </a:xfrm>
+      </p:grpSpPr>
+      <p:pic>
+        <p:nvPicPr>
+          <p:cNvPr id="4" name="Picture 3">
+            <a:extLst>
+              <a:ext uri="{FF2B5EF4-FFF2-40B4-BE49-F238E27FC236}">
+                <a16:creationId xmlns:a16="http://schemas.microsoft.com/office/drawing/2014/main" id="{AD587DBD-F594-487A-A952-3CC44A0CD228}"/>
+              </a:ext>
+            </a:extLst>
+          </p:cNvPr>
+          <p:cNvPicPr>
+            <a:picLocks noChangeAspect="1"/>
+          </p:cNvPicPr>
+          <p:nvPr/>
+        </p:nvPicPr>
+        <p:blipFill>
+          <a:blip r:embed="rId2"/>
+          <a:stretch>
+            <a:fillRect/>
+          </a:stretch>
+        </p:blipFill>
+        <p:spPr>
+          <a:xfrm>
+            <a:off x="41484" y="3326196"/>
+            <a:ext cx="12192000" cy="1434684"/>
+          </a:xfrm>
+          <a:prstGeom prst="rect">
+            <a:avLst/>
+          </a:prstGeom>
+        </p:spPr>
+      </p:pic>
+      <p:pic>
+        <p:nvPicPr>
+          <p:cNvPr id="5" name="Picture 4">
+            <a:extLst>
+              <a:ext uri="{FF2B5EF4-FFF2-40B4-BE49-F238E27FC236}">
+                <a16:creationId xmlns:a16="http://schemas.microsoft.com/office/drawing/2014/main" id="{64B947AD-3C20-4225-B763-6E31553982D0}"/>
+              </a:ext>
+            </a:extLst>
+          </p:cNvPr>
+          <p:cNvPicPr>
+            <a:picLocks noChangeAspect="1"/>
+          </p:cNvPicPr>
+          <p:nvPr/>
+        </p:nvPicPr>
+        <p:blipFill>
+          <a:blip r:embed="rId3"/>
+          <a:stretch>
+            <a:fillRect/>
+          </a:stretch>
+        </p:blipFill>
+        <p:spPr>
+          <a:xfrm>
+            <a:off x="631927" y="5102195"/>
+            <a:ext cx="3444662" cy="1434684"/>
+          </a:xfrm>
+          <a:prstGeom prst="rect">
+            <a:avLst/>
+          </a:prstGeom>
+        </p:spPr>
+      </p:pic>
+      <p:sp>
+        <p:nvSpPr>
+          <p:cNvPr id="6" name="Arrow: Down 5">
+            <a:extLst>
+              <a:ext uri="{FF2B5EF4-FFF2-40B4-BE49-F238E27FC236}">
+                <a16:creationId xmlns:a16="http://schemas.microsoft.com/office/drawing/2014/main" id="{9AD312B8-5498-4C50-B758-07663252B06B}"/>
+              </a:ext>
+            </a:extLst>
+          </p:cNvPr>
+          <p:cNvSpPr/>
+          <p:nvPr/>
+        </p:nvSpPr>
+        <p:spPr>
+          <a:xfrm rot="16200000">
+            <a:off x="5383543" y="5083345"/>
+            <a:ext cx="1119981" cy="1157681"/>
+          </a:xfrm>
+          <a:prstGeom prst="downArrow">
+            <a:avLst/>
+          </a:prstGeom>
+          <a:ln>
+            <a:solidFill>
+              <a:schemeClr val="tx1"/>
+            </a:solidFill>
+          </a:ln>
+        </p:spPr>
+        <p:style>
+          <a:lnRef idx="2">
+            <a:schemeClr val="accent6"/>
+          </a:lnRef>
+          <a:fillRef idx="1">
+            <a:schemeClr val="lt1"/>
+          </a:fillRef>
+          <a:effectRef idx="0">
+            <a:schemeClr val="accent6"/>
+          </a:effectRef>
+          <a:fontRef idx="minor">
+            <a:schemeClr val="dk1"/>
+          </a:fontRef>
+        </p:style>
+        <p:txBody>
+          <a:bodyPr rtlCol="0" anchor="ctr"/>
+          <a:lstStyle/>
+          <a:p>
+            <a:pPr algn="ctr"/>
+            <a:endParaRPr lang="en-US" dirty="0"/>
+          </a:p>
+        </p:txBody>
+      </p:sp>
+      <mc:AlternateContent xmlns:mc="http://schemas.openxmlformats.org/markup-compatibility/2006" xmlns:a14="http://schemas.microsoft.com/office/drawing/2010/main">
+        <mc:Choice Requires="a14">
+          <p:sp>
+            <p:nvSpPr>
+              <p:cNvPr id="7" name="TextBox 6">
+                <a:extLst>
+                  <a:ext uri="{FF2B5EF4-FFF2-40B4-BE49-F238E27FC236}">
+                    <a16:creationId xmlns:a16="http://schemas.microsoft.com/office/drawing/2014/main" id="{BC8B6FD8-81DE-43D0-B6FF-F3A1911D8ADF}"/>
+                  </a:ext>
+                </a:extLst>
+              </p:cNvPr>
+              <p:cNvSpPr txBox="1"/>
+              <p:nvPr/>
+            </p:nvSpPr>
+            <p:spPr>
+              <a:xfrm>
+                <a:off x="7810478" y="5341777"/>
+                <a:ext cx="1765803" cy="640816"/>
+              </a:xfrm>
+              <a:prstGeom prst="rect">
+                <a:avLst/>
+              </a:prstGeom>
+              <a:noFill/>
+            </p:spPr>
+            <p:txBody>
+              <a:bodyPr wrap="none" rtlCol="0">
+                <a:spAutoFit/>
+              </a:bodyPr>
+              <a:lstStyle/>
+              <a:p>
+                <a:pPr/>
+                <a14:m>
+                  <m:oMathPara xmlns:m="http://schemas.openxmlformats.org/officeDocument/2006/math">
+                    <m:oMathParaPr>
+                      <m:jc m:val="centerGroup"/>
+                    </m:oMathParaPr>
+                    <m:oMath xmlns:m="http://schemas.openxmlformats.org/officeDocument/2006/math">
+                      <m:sSubSup>
+                        <m:sSubSupPr>
+                          <m:ctrlPr>
+                            <a:rPr lang="en-US" sz="3200" b="0" i="1" smtClean="0">
+                              <a:latin typeface="Cambria Math" panose="02040503050406030204" pitchFamily="18" charset="0"/>
+                            </a:rPr>
+                          </m:ctrlPr>
+                        </m:sSubSupPr>
+                        <m:e>
+                          <m:r>
+                            <a:rPr lang="en-US" sz="3200" b="0" i="1" smtClean="0">
+                              <a:latin typeface="Cambria Math" panose="02040503050406030204" pitchFamily="18" charset="0"/>
+                            </a:rPr>
+                            <m:t>𝛾</m:t>
+                          </m:r>
+                        </m:e>
+                        <m:sub>
+                          <m:r>
+                            <a:rPr lang="en-US" sz="3200" b="0" i="1" smtClean="0">
+                              <a:latin typeface="Cambria Math" panose="02040503050406030204" pitchFamily="18" charset="0"/>
+                            </a:rPr>
+                            <m:t>𝑖𝑗</m:t>
+                          </m:r>
+                        </m:sub>
+                        <m:sup>
+                          <m:r>
+                            <a:rPr lang="en-US" sz="3200" b="0" i="1" smtClean="0">
+                              <a:latin typeface="Cambria Math" panose="02040503050406030204" pitchFamily="18" charset="0"/>
+                            </a:rPr>
+                            <m:t>′</m:t>
+                          </m:r>
+                        </m:sup>
+                      </m:sSubSup>
+                      <m:r>
+                        <a:rPr lang="en-US" sz="3200" b="0" i="1" smtClean="0">
+                          <a:latin typeface="Cambria Math" panose="02040503050406030204" pitchFamily="18" charset="0"/>
+                        </a:rPr>
+                        <m:t>=</m:t>
+                      </m:r>
+                      <m:sSub>
+                        <m:sSubPr>
+                          <m:ctrlPr>
+                            <a:rPr lang="en-US" sz="3200" b="0" i="1" smtClean="0">
+                              <a:latin typeface="Cambria Math" panose="02040503050406030204" pitchFamily="18" charset="0"/>
+                            </a:rPr>
+                          </m:ctrlPr>
+                        </m:sSubPr>
+                        <m:e>
+                          <m:r>
+                            <a:rPr lang="en-US" sz="3200" b="0" i="1" smtClean="0">
+                              <a:latin typeface="Cambria Math" panose="02040503050406030204" pitchFamily="18" charset="0"/>
+                            </a:rPr>
+                            <m:t>𝛾</m:t>
+                          </m:r>
+                        </m:e>
+                        <m:sub>
+                          <m:r>
+                            <a:rPr lang="en-US" sz="3200" b="0" i="1" smtClean="0">
+                              <a:latin typeface="Cambria Math" panose="02040503050406030204" pitchFamily="18" charset="0"/>
+                            </a:rPr>
+                            <m:t>𝑖𝑗</m:t>
+                          </m:r>
+                        </m:sub>
+                      </m:sSub>
+                    </m:oMath>
+                  </m:oMathPara>
+                </a14:m>
+                <a:endParaRPr lang="en-US" sz="3200" dirty="0"/>
+              </a:p>
+            </p:txBody>
+          </p:sp>
+        </mc:Choice>
+        <mc:Fallback xmlns="">
+          <p:sp>
+            <p:nvSpPr>
+              <p:cNvPr id="7" name="TextBox 6">
+                <a:extLst>
+                  <a:ext uri="{FF2B5EF4-FFF2-40B4-BE49-F238E27FC236}">
+                    <a16:creationId xmlns:a16="http://schemas.microsoft.com/office/drawing/2014/main" id="{BC8B6FD8-81DE-43D0-B6FF-F3A1911D8ADF}"/>
+                  </a:ext>
+                </a:extLst>
+              </p:cNvPr>
+              <p:cNvSpPr txBox="1">
+                <a:spLocks noRot="1" noChangeAspect="1" noMove="1" noResize="1" noEditPoints="1" noAdjustHandles="1" noChangeArrowheads="1" noChangeShapeType="1" noTextEdit="1"/>
+              </p:cNvSpPr>
+              <p:nvPr/>
+            </p:nvSpPr>
+            <p:spPr>
+              <a:xfrm>
+                <a:off x="7810478" y="5341777"/>
+                <a:ext cx="1765803" cy="640816"/>
+              </a:xfrm>
+              <a:prstGeom prst="rect">
+                <a:avLst/>
+              </a:prstGeom>
+              <a:blipFill>
+                <a:blip r:embed="rId4"/>
+                <a:stretch>
+                  <a:fillRect/>
+                </a:stretch>
+              </a:blipFill>
+            </p:spPr>
+            <p:txBody>
+              <a:bodyPr/>
+              <a:lstStyle/>
+              <a:p>
+                <a:r>
+                  <a:rPr lang="en-US">
+                    <a:noFill/>
+                  </a:rPr>
+                  <a:t> </a:t>
+                </a:r>
+              </a:p>
+            </p:txBody>
+          </p:sp>
+        </mc:Fallback>
+      </mc:AlternateContent>
+      <p:cxnSp>
+        <p:nvCxnSpPr>
+          <p:cNvPr id="9" name="Straight Arrow Connector 8">
+            <a:extLst>
+              <a:ext uri="{FF2B5EF4-FFF2-40B4-BE49-F238E27FC236}">
+                <a16:creationId xmlns:a16="http://schemas.microsoft.com/office/drawing/2014/main" id="{F56CD528-0D4B-4957-BE2E-590B5CAF350F}"/>
+              </a:ext>
+            </a:extLst>
+          </p:cNvPr>
+          <p:cNvCxnSpPr>
+            <a:cxnSpLocks/>
+          </p:cNvCxnSpPr>
+          <p:nvPr/>
+        </p:nvCxnSpPr>
+        <p:spPr>
+          <a:xfrm>
+            <a:off x="999709" y="1463816"/>
+            <a:ext cx="2133784" cy="0"/>
+          </a:xfrm>
+          <a:prstGeom prst="straightConnector1">
+            <a:avLst/>
+          </a:prstGeom>
+          <a:ln w="38100">
+            <a:solidFill>
+              <a:srgbClr val="00B050"/>
+            </a:solidFill>
+            <a:tailEnd type="triangle"/>
+          </a:ln>
+        </p:spPr>
+        <p:style>
+          <a:lnRef idx="1">
+            <a:schemeClr val="accent1"/>
+          </a:lnRef>
+          <a:fillRef idx="0">
+            <a:schemeClr val="accent1"/>
+          </a:fillRef>
+          <a:effectRef idx="0">
+            <a:schemeClr val="accent1"/>
+          </a:effectRef>
+          <a:fontRef idx="minor">
+            <a:schemeClr val="tx1"/>
+          </a:fontRef>
+        </p:style>
+      </p:cxnSp>
+      <p:cxnSp>
+        <p:nvCxnSpPr>
+          <p:cNvPr id="10" name="Straight Arrow Connector 9">
+            <a:extLst>
+              <a:ext uri="{FF2B5EF4-FFF2-40B4-BE49-F238E27FC236}">
+                <a16:creationId xmlns:a16="http://schemas.microsoft.com/office/drawing/2014/main" id="{9C18DE80-C282-4672-8ED4-7526096F70D8}"/>
+              </a:ext>
+            </a:extLst>
+          </p:cNvPr>
+          <p:cNvCxnSpPr>
+            <a:cxnSpLocks/>
+          </p:cNvCxnSpPr>
+          <p:nvPr/>
+        </p:nvCxnSpPr>
+        <p:spPr>
+          <a:xfrm>
+            <a:off x="999709" y="1081668"/>
+            <a:ext cx="1754642" cy="0"/>
+          </a:xfrm>
+          <a:prstGeom prst="straightConnector1">
+            <a:avLst/>
+          </a:prstGeom>
+          <a:ln w="38100">
+            <a:solidFill>
+              <a:srgbClr val="FF0000"/>
+            </a:solidFill>
+            <a:tailEnd type="triangle"/>
+          </a:ln>
+        </p:spPr>
+        <p:style>
+          <a:lnRef idx="1">
+            <a:schemeClr val="accent1"/>
+          </a:lnRef>
+          <a:fillRef idx="0">
+            <a:schemeClr val="accent1"/>
+          </a:fillRef>
+          <a:effectRef idx="0">
+            <a:schemeClr val="accent1"/>
+          </a:effectRef>
+          <a:fontRef idx="minor">
+            <a:schemeClr val="tx1"/>
+          </a:fontRef>
+        </p:style>
+      </p:cxnSp>
+      <p:sp>
+        <p:nvSpPr>
+          <p:cNvPr id="19" name="Arrow: Down 18">
+            <a:extLst>
+              <a:ext uri="{FF2B5EF4-FFF2-40B4-BE49-F238E27FC236}">
+                <a16:creationId xmlns:a16="http://schemas.microsoft.com/office/drawing/2014/main" id="{FAD84E3A-5C20-46EA-98EA-7B23B446B54E}"/>
+              </a:ext>
+            </a:extLst>
+          </p:cNvPr>
+          <p:cNvSpPr/>
+          <p:nvPr/>
+        </p:nvSpPr>
+        <p:spPr>
+          <a:xfrm rot="16200000">
+            <a:off x="5068463" y="1039265"/>
+            <a:ext cx="1119981" cy="1157681"/>
+          </a:xfrm>
+          <a:prstGeom prst="downArrow">
+            <a:avLst/>
+          </a:prstGeom>
+          <a:ln>
+            <a:solidFill>
+              <a:schemeClr val="tx1"/>
+            </a:solidFill>
+          </a:ln>
+        </p:spPr>
+        <p:style>
+          <a:lnRef idx="2">
+            <a:schemeClr val="accent6"/>
+          </a:lnRef>
+          <a:fillRef idx="1">
+            <a:schemeClr val="lt1"/>
+          </a:fillRef>
+          <a:effectRef idx="0">
+            <a:schemeClr val="accent6"/>
+          </a:effectRef>
+          <a:fontRef idx="minor">
+            <a:schemeClr val="dk1"/>
+          </a:fontRef>
+        </p:style>
+        <p:txBody>
+          <a:bodyPr rtlCol="0" anchor="ctr"/>
+          <a:lstStyle/>
+          <a:p>
+            <a:pPr algn="ctr"/>
+            <a:endParaRPr lang="en-US" dirty="0"/>
+          </a:p>
+        </p:txBody>
+      </p:sp>
+      <p:cxnSp>
+        <p:nvCxnSpPr>
+          <p:cNvPr id="20" name="Straight Arrow Connector 19">
+            <a:extLst>
+              <a:ext uri="{FF2B5EF4-FFF2-40B4-BE49-F238E27FC236}">
+                <a16:creationId xmlns:a16="http://schemas.microsoft.com/office/drawing/2014/main" id="{5B0DF9F8-E252-467C-A10F-9A510AAF1B92}"/>
+              </a:ext>
+            </a:extLst>
+          </p:cNvPr>
+          <p:cNvCxnSpPr>
+            <a:cxnSpLocks/>
+          </p:cNvCxnSpPr>
+          <p:nvPr/>
+        </p:nvCxnSpPr>
+        <p:spPr>
+          <a:xfrm flipH="1">
+            <a:off x="9764752" y="1211765"/>
+            <a:ext cx="1297258" cy="0"/>
+          </a:xfrm>
+          <a:prstGeom prst="straightConnector1">
+            <a:avLst/>
+          </a:prstGeom>
+          <a:ln w="38100">
+            <a:solidFill>
+              <a:srgbClr val="00B050"/>
+            </a:solidFill>
+            <a:tailEnd type="triangle"/>
+          </a:ln>
+        </p:spPr>
+        <p:style>
+          <a:lnRef idx="1">
+            <a:schemeClr val="accent1"/>
+          </a:lnRef>
+          <a:fillRef idx="0">
+            <a:schemeClr val="accent1"/>
+          </a:fillRef>
+          <a:effectRef idx="0">
+            <a:schemeClr val="accent1"/>
+          </a:effectRef>
+          <a:fontRef idx="minor">
+            <a:schemeClr val="tx1"/>
+          </a:fontRef>
+        </p:style>
+      </p:cxnSp>
+      <p:cxnSp>
+        <p:nvCxnSpPr>
+          <p:cNvPr id="21" name="Straight Arrow Connector 20">
+            <a:extLst>
+              <a:ext uri="{FF2B5EF4-FFF2-40B4-BE49-F238E27FC236}">
+                <a16:creationId xmlns:a16="http://schemas.microsoft.com/office/drawing/2014/main" id="{5DF5B664-0A4B-4E14-BE74-E58A8EED0AFD}"/>
+              </a:ext>
+            </a:extLst>
+          </p:cNvPr>
+          <p:cNvCxnSpPr>
+            <a:cxnSpLocks/>
+          </p:cNvCxnSpPr>
+          <p:nvPr/>
+        </p:nvCxnSpPr>
+        <p:spPr>
+          <a:xfrm>
+            <a:off x="7329885" y="1211765"/>
+            <a:ext cx="1754642" cy="0"/>
+          </a:xfrm>
+          <a:prstGeom prst="straightConnector1">
+            <a:avLst/>
+          </a:prstGeom>
+          <a:ln w="38100">
+            <a:solidFill>
+              <a:srgbClr val="FF0000"/>
+            </a:solidFill>
+            <a:tailEnd type="triangle"/>
+          </a:ln>
+        </p:spPr>
+        <p:style>
+          <a:lnRef idx="1">
+            <a:schemeClr val="accent1"/>
+          </a:lnRef>
+          <a:fillRef idx="0">
+            <a:schemeClr val="accent1"/>
+          </a:fillRef>
+          <a:effectRef idx="0">
+            <a:schemeClr val="accent1"/>
+          </a:effectRef>
+          <a:fontRef idx="minor">
+            <a:schemeClr val="tx1"/>
+          </a:fontRef>
+        </p:style>
+      </p:cxnSp>
+      <mc:AlternateContent xmlns:mc="http://schemas.openxmlformats.org/markup-compatibility/2006" xmlns:a14="http://schemas.microsoft.com/office/drawing/2010/main">
+        <mc:Choice Requires="a14">
+          <p:sp>
+            <p:nvSpPr>
+              <p:cNvPr id="23" name="TextBox 22">
+                <a:extLst>
+                  <a:ext uri="{FF2B5EF4-FFF2-40B4-BE49-F238E27FC236}">
+                    <a16:creationId xmlns:a16="http://schemas.microsoft.com/office/drawing/2014/main" id="{B40E61DB-F5A2-4A40-90C0-60FF3F99E7E0}"/>
+                  </a:ext>
+                </a:extLst>
+              </p:cNvPr>
+              <p:cNvSpPr txBox="1"/>
+              <p:nvPr/>
+            </p:nvSpPr>
+            <p:spPr>
+              <a:xfrm>
+                <a:off x="1665838" y="647811"/>
+                <a:ext cx="1013098" cy="410305"/>
+              </a:xfrm>
+              <a:prstGeom prst="rect">
+                <a:avLst/>
+              </a:prstGeom>
+              <a:noFill/>
+            </p:spPr>
+            <p:txBody>
+              <a:bodyPr wrap="none" rtlCol="0">
+                <a:spAutoFit/>
+              </a:bodyPr>
+              <a:lstStyle/>
+              <a:p>
+                <a:pPr/>
+                <a14:m>
+                  <m:oMathPara xmlns:m="http://schemas.openxmlformats.org/officeDocument/2006/math">
+                    <m:oMathParaPr>
+                      <m:jc m:val="centerGroup"/>
+                    </m:oMathParaPr>
+                    <m:oMath xmlns:m="http://schemas.openxmlformats.org/officeDocument/2006/math">
+                      <m:sSub>
+                        <m:sSubPr>
+                          <m:ctrlPr>
+                            <a:rPr lang="en-US" b="0" i="1" smtClean="0">
+                              <a:latin typeface="Cambria Math" panose="02040503050406030204" pitchFamily="18" charset="0"/>
+                            </a:rPr>
+                          </m:ctrlPr>
+                        </m:sSubPr>
+                        <m:e>
+                          <m:acc>
+                            <m:accPr>
+                              <m:chr m:val="⃗"/>
+                              <m:ctrlPr>
+                                <a:rPr lang="en-US" b="0" i="1" smtClean="0">
+                                  <a:latin typeface="Cambria Math" panose="02040503050406030204" pitchFamily="18" charset="0"/>
+                                </a:rPr>
+                              </m:ctrlPr>
+                            </m:accPr>
+                            <m:e>
+                              <m:r>
+                                <a:rPr lang="en-US" b="0" i="1" smtClean="0">
+                                  <a:latin typeface="Cambria Math" panose="02040503050406030204" pitchFamily="18" charset="0"/>
+                                </a:rPr>
+                                <m:t>𝑘</m:t>
+                              </m:r>
+                            </m:e>
+                          </m:acc>
+                        </m:e>
+                        <m:sub>
+                          <m:r>
+                            <a:rPr lang="en-US" b="0" i="1" smtClean="0">
+                              <a:latin typeface="Cambria Math" panose="02040503050406030204" pitchFamily="18" charset="0"/>
+                            </a:rPr>
+                            <m:t>0</m:t>
+                          </m:r>
+                        </m:sub>
+                      </m:sSub>
+                      <m:r>
+                        <a:rPr lang="en-US" b="0" i="1" smtClean="0">
+                          <a:latin typeface="Cambria Math" panose="02040503050406030204" pitchFamily="18" charset="0"/>
+                        </a:rPr>
+                        <m:t>+</m:t>
+                      </m:r>
+                      <m:r>
+                        <a:rPr lang="en-US" b="0" i="1" smtClean="0">
+                          <a:latin typeface="Cambria Math" panose="02040503050406030204" pitchFamily="18" charset="0"/>
+                        </a:rPr>
+                        <m:t>𝛿</m:t>
+                      </m:r>
+                      <m:acc>
+                        <m:accPr>
+                          <m:chr m:val="⃗"/>
+                          <m:ctrlPr>
+                            <a:rPr lang="en-US" b="0" i="1" smtClean="0">
+                              <a:latin typeface="Cambria Math" panose="02040503050406030204" pitchFamily="18" charset="0"/>
+                            </a:rPr>
+                          </m:ctrlPr>
+                        </m:accPr>
+                        <m:e>
+                          <m:r>
+                            <a:rPr lang="en-US" b="0" i="1" smtClean="0">
+                              <a:latin typeface="Cambria Math" panose="02040503050406030204" pitchFamily="18" charset="0"/>
+                            </a:rPr>
+                            <m:t>𝑘</m:t>
+                          </m:r>
+                        </m:e>
+                      </m:acc>
+                    </m:oMath>
+                  </m:oMathPara>
+                </a14:m>
+                <a:endParaRPr lang="en-US" dirty="0"/>
+              </a:p>
+            </p:txBody>
+          </p:sp>
+        </mc:Choice>
+        <mc:Fallback xmlns="">
+          <p:sp>
+            <p:nvSpPr>
+              <p:cNvPr id="23" name="TextBox 22">
+                <a:extLst>
+                  <a:ext uri="{FF2B5EF4-FFF2-40B4-BE49-F238E27FC236}">
+                    <a16:creationId xmlns:a16="http://schemas.microsoft.com/office/drawing/2014/main" id="{B40E61DB-F5A2-4A40-90C0-60FF3F99E7E0}"/>
+                  </a:ext>
+                </a:extLst>
+              </p:cNvPr>
+              <p:cNvSpPr txBox="1">
+                <a:spLocks noRot="1" noChangeAspect="1" noMove="1" noResize="1" noEditPoints="1" noAdjustHandles="1" noChangeArrowheads="1" noChangeShapeType="1" noTextEdit="1"/>
+              </p:cNvSpPr>
+              <p:nvPr/>
+            </p:nvSpPr>
+            <p:spPr>
+              <a:xfrm>
+                <a:off x="1665838" y="647811"/>
+                <a:ext cx="1013098" cy="410305"/>
+              </a:xfrm>
+              <a:prstGeom prst="rect">
+                <a:avLst/>
+              </a:prstGeom>
+              <a:blipFill>
+                <a:blip r:embed="rId5"/>
+                <a:stretch>
+                  <a:fillRect/>
+                </a:stretch>
+              </a:blipFill>
+            </p:spPr>
+            <p:txBody>
+              <a:bodyPr/>
+              <a:lstStyle/>
+              <a:p>
+                <a:r>
+                  <a:rPr lang="en-US">
+                    <a:noFill/>
+                  </a:rPr>
+                  <a:t> </a:t>
+                </a:r>
+              </a:p>
+            </p:txBody>
+          </p:sp>
+        </mc:Fallback>
+      </mc:AlternateContent>
+      <mc:AlternateContent xmlns:mc="http://schemas.openxmlformats.org/markup-compatibility/2006" xmlns:a14="http://schemas.microsoft.com/office/drawing/2010/main">
+        <mc:Choice Requires="a14">
+          <p:sp>
+            <p:nvSpPr>
+              <p:cNvPr id="28" name="TextBox 27">
+                <a:extLst>
+                  <a:ext uri="{FF2B5EF4-FFF2-40B4-BE49-F238E27FC236}">
+                    <a16:creationId xmlns:a16="http://schemas.microsoft.com/office/drawing/2014/main" id="{909249D9-81CF-47C4-A976-E523FBA255A3}"/>
+                  </a:ext>
+                </a:extLst>
+              </p:cNvPr>
+              <p:cNvSpPr txBox="1"/>
+              <p:nvPr/>
+            </p:nvSpPr>
+            <p:spPr>
+              <a:xfrm>
+                <a:off x="1665838" y="1544507"/>
+                <a:ext cx="1013098" cy="410305"/>
+              </a:xfrm>
+              <a:prstGeom prst="rect">
+                <a:avLst/>
+              </a:prstGeom>
+              <a:noFill/>
+            </p:spPr>
+            <p:txBody>
+              <a:bodyPr wrap="none" rtlCol="0">
+                <a:spAutoFit/>
+              </a:bodyPr>
+              <a:lstStyle/>
+              <a:p>
+                <a:pPr/>
+                <a14:m>
+                  <m:oMathPara xmlns:m="http://schemas.openxmlformats.org/officeDocument/2006/math">
+                    <m:oMathParaPr>
+                      <m:jc m:val="centerGroup"/>
+                    </m:oMathParaPr>
+                    <m:oMath xmlns:m="http://schemas.openxmlformats.org/officeDocument/2006/math">
+                      <m:sSub>
+                        <m:sSubPr>
+                          <m:ctrlPr>
+                            <a:rPr lang="en-US" b="0" i="1" smtClean="0">
+                              <a:latin typeface="Cambria Math" panose="02040503050406030204" pitchFamily="18" charset="0"/>
+                            </a:rPr>
+                          </m:ctrlPr>
+                        </m:sSubPr>
+                        <m:e>
+                          <m:acc>
+                            <m:accPr>
+                              <m:chr m:val="⃗"/>
+                              <m:ctrlPr>
+                                <a:rPr lang="en-US" b="0" i="1" smtClean="0">
+                                  <a:latin typeface="Cambria Math" panose="02040503050406030204" pitchFamily="18" charset="0"/>
+                                </a:rPr>
+                              </m:ctrlPr>
+                            </m:accPr>
+                            <m:e>
+                              <m:r>
+                                <a:rPr lang="en-US" b="0" i="1" smtClean="0">
+                                  <a:latin typeface="Cambria Math" panose="02040503050406030204" pitchFamily="18" charset="0"/>
+                                </a:rPr>
+                                <m:t>𝑘</m:t>
+                              </m:r>
+                            </m:e>
+                          </m:acc>
+                        </m:e>
+                        <m:sub>
+                          <m:r>
+                            <a:rPr lang="en-US" b="0" i="1" smtClean="0">
+                              <a:latin typeface="Cambria Math" panose="02040503050406030204" pitchFamily="18" charset="0"/>
+                            </a:rPr>
+                            <m:t>0</m:t>
+                          </m:r>
+                        </m:sub>
+                      </m:sSub>
+                      <m:r>
+                        <a:rPr lang="en-US" b="0" i="1" smtClean="0">
+                          <a:latin typeface="Cambria Math" panose="02040503050406030204" pitchFamily="18" charset="0"/>
+                        </a:rPr>
+                        <m:t>−</m:t>
+                      </m:r>
+                      <m:r>
+                        <a:rPr lang="en-US" b="0" i="1" smtClean="0">
+                          <a:latin typeface="Cambria Math" panose="02040503050406030204" pitchFamily="18" charset="0"/>
+                        </a:rPr>
+                        <m:t>𝛿</m:t>
+                      </m:r>
+                      <m:acc>
+                        <m:accPr>
+                          <m:chr m:val="⃗"/>
+                          <m:ctrlPr>
+                            <a:rPr lang="en-US" b="0" i="1" smtClean="0">
+                              <a:latin typeface="Cambria Math" panose="02040503050406030204" pitchFamily="18" charset="0"/>
+                            </a:rPr>
+                          </m:ctrlPr>
+                        </m:accPr>
+                        <m:e>
+                          <m:r>
+                            <a:rPr lang="en-US" b="0" i="1" smtClean="0">
+                              <a:latin typeface="Cambria Math" panose="02040503050406030204" pitchFamily="18" charset="0"/>
+                            </a:rPr>
+                            <m:t>𝑘</m:t>
+                          </m:r>
+                        </m:e>
+                      </m:acc>
+                    </m:oMath>
+                  </m:oMathPara>
+                </a14:m>
+                <a:endParaRPr lang="en-US" dirty="0"/>
+              </a:p>
+            </p:txBody>
+          </p:sp>
+        </mc:Choice>
+        <mc:Fallback xmlns="">
+          <p:sp>
+            <p:nvSpPr>
+              <p:cNvPr id="28" name="TextBox 27">
+                <a:extLst>
+                  <a:ext uri="{FF2B5EF4-FFF2-40B4-BE49-F238E27FC236}">
+                    <a16:creationId xmlns:a16="http://schemas.microsoft.com/office/drawing/2014/main" id="{909249D9-81CF-47C4-A976-E523FBA255A3}"/>
+                  </a:ext>
+                </a:extLst>
+              </p:cNvPr>
+              <p:cNvSpPr txBox="1">
+                <a:spLocks noRot="1" noChangeAspect="1" noMove="1" noResize="1" noEditPoints="1" noAdjustHandles="1" noChangeArrowheads="1" noChangeShapeType="1" noTextEdit="1"/>
+              </p:cNvSpPr>
+              <p:nvPr/>
+            </p:nvSpPr>
+            <p:spPr>
+              <a:xfrm>
+                <a:off x="1665838" y="1544507"/>
+                <a:ext cx="1013098" cy="410305"/>
+              </a:xfrm>
+              <a:prstGeom prst="rect">
+                <a:avLst/>
+              </a:prstGeom>
+              <a:blipFill>
+                <a:blip r:embed="rId6"/>
+                <a:stretch>
+                  <a:fillRect/>
+                </a:stretch>
+              </a:blipFill>
+            </p:spPr>
+            <p:txBody>
+              <a:bodyPr/>
+              <a:lstStyle/>
+              <a:p>
+                <a:r>
+                  <a:rPr lang="en-US">
+                    <a:noFill/>
+                  </a:rPr>
+                  <a:t> </a:t>
+                </a:r>
+              </a:p>
+            </p:txBody>
+          </p:sp>
+        </mc:Fallback>
+      </mc:AlternateContent>
+      <mc:AlternateContent xmlns:mc="http://schemas.openxmlformats.org/markup-compatibility/2006" xmlns:a14="http://schemas.microsoft.com/office/drawing/2010/main">
+        <mc:Choice Requires="a14">
+          <p:sp>
+            <p:nvSpPr>
+              <p:cNvPr id="29" name="TextBox 28">
+                <a:extLst>
+                  <a:ext uri="{FF2B5EF4-FFF2-40B4-BE49-F238E27FC236}">
+                    <a16:creationId xmlns:a16="http://schemas.microsoft.com/office/drawing/2014/main" id="{7FA91245-14ED-4008-8147-61BC1E1D838C}"/>
+                  </a:ext>
+                </a:extLst>
+              </p:cNvPr>
+              <p:cNvSpPr txBox="1"/>
+              <p:nvPr/>
+            </p:nvSpPr>
+            <p:spPr>
+              <a:xfrm>
+                <a:off x="7668858" y="647810"/>
+                <a:ext cx="1013098" cy="410305"/>
+              </a:xfrm>
+              <a:prstGeom prst="rect">
+                <a:avLst/>
+              </a:prstGeom>
+              <a:noFill/>
+            </p:spPr>
+            <p:txBody>
+              <a:bodyPr wrap="none" rtlCol="0">
+                <a:spAutoFit/>
+              </a:bodyPr>
+              <a:lstStyle/>
+              <a:p>
+                <a:pPr/>
+                <a14:m>
+                  <m:oMathPara xmlns:m="http://schemas.openxmlformats.org/officeDocument/2006/math">
+                    <m:oMathParaPr>
+                      <m:jc m:val="centerGroup"/>
+                    </m:oMathParaPr>
+                    <m:oMath xmlns:m="http://schemas.openxmlformats.org/officeDocument/2006/math">
+                      <m:sSub>
+                        <m:sSubPr>
+                          <m:ctrlPr>
+                            <a:rPr lang="en-US" b="0" i="1" smtClean="0">
+                              <a:latin typeface="Cambria Math" panose="02040503050406030204" pitchFamily="18" charset="0"/>
+                            </a:rPr>
+                          </m:ctrlPr>
+                        </m:sSubPr>
+                        <m:e>
+                          <m:acc>
+                            <m:accPr>
+                              <m:chr m:val="⃗"/>
+                              <m:ctrlPr>
+                                <a:rPr lang="en-US" b="0" i="1" smtClean="0">
+                                  <a:latin typeface="Cambria Math" panose="02040503050406030204" pitchFamily="18" charset="0"/>
+                                </a:rPr>
+                              </m:ctrlPr>
+                            </m:accPr>
+                            <m:e>
+                              <m:r>
+                                <a:rPr lang="en-US" b="0" i="1" smtClean="0">
+                                  <a:latin typeface="Cambria Math" panose="02040503050406030204" pitchFamily="18" charset="0"/>
+                                </a:rPr>
+                                <m:t>𝑘</m:t>
+                              </m:r>
+                            </m:e>
+                          </m:acc>
+                        </m:e>
+                        <m:sub>
+                          <m:r>
+                            <a:rPr lang="en-US" b="0" i="1" smtClean="0">
+                              <a:latin typeface="Cambria Math" panose="02040503050406030204" pitchFamily="18" charset="0"/>
+                            </a:rPr>
+                            <m:t>0</m:t>
+                          </m:r>
+                        </m:sub>
+                      </m:sSub>
+                      <m:r>
+                        <a:rPr lang="en-US" b="0" i="1" smtClean="0">
+                          <a:latin typeface="Cambria Math" panose="02040503050406030204" pitchFamily="18" charset="0"/>
+                        </a:rPr>
+                        <m:t>+</m:t>
+                      </m:r>
+                      <m:r>
+                        <a:rPr lang="en-US" b="0" i="1" smtClean="0">
+                          <a:latin typeface="Cambria Math" panose="02040503050406030204" pitchFamily="18" charset="0"/>
+                        </a:rPr>
+                        <m:t>𝛿</m:t>
+                      </m:r>
+                      <m:acc>
+                        <m:accPr>
+                          <m:chr m:val="⃗"/>
+                          <m:ctrlPr>
+                            <a:rPr lang="en-US" b="0" i="1" smtClean="0">
+                              <a:latin typeface="Cambria Math" panose="02040503050406030204" pitchFamily="18" charset="0"/>
+                            </a:rPr>
+                          </m:ctrlPr>
+                        </m:accPr>
+                        <m:e>
+                          <m:r>
+                            <a:rPr lang="en-US" b="0" i="1" smtClean="0">
+                              <a:latin typeface="Cambria Math" panose="02040503050406030204" pitchFamily="18" charset="0"/>
+                            </a:rPr>
+                            <m:t>𝑘</m:t>
+                          </m:r>
+                        </m:e>
+                      </m:acc>
+                    </m:oMath>
+                  </m:oMathPara>
+                </a14:m>
+                <a:endParaRPr lang="en-US" dirty="0"/>
+              </a:p>
+            </p:txBody>
+          </p:sp>
+        </mc:Choice>
+        <mc:Fallback xmlns="">
+          <p:sp>
+            <p:nvSpPr>
+              <p:cNvPr id="29" name="TextBox 28">
+                <a:extLst>
+                  <a:ext uri="{FF2B5EF4-FFF2-40B4-BE49-F238E27FC236}">
+                    <a16:creationId xmlns:a16="http://schemas.microsoft.com/office/drawing/2014/main" id="{7FA91245-14ED-4008-8147-61BC1E1D838C}"/>
+                  </a:ext>
+                </a:extLst>
+              </p:cNvPr>
+              <p:cNvSpPr txBox="1">
+                <a:spLocks noRot="1" noChangeAspect="1" noMove="1" noResize="1" noEditPoints="1" noAdjustHandles="1" noChangeArrowheads="1" noChangeShapeType="1" noTextEdit="1"/>
+              </p:cNvSpPr>
+              <p:nvPr/>
+            </p:nvSpPr>
+            <p:spPr>
+              <a:xfrm>
+                <a:off x="7668858" y="647810"/>
+                <a:ext cx="1013098" cy="410305"/>
+              </a:xfrm>
+              <a:prstGeom prst="rect">
+                <a:avLst/>
+              </a:prstGeom>
+              <a:blipFill>
+                <a:blip r:embed="rId7"/>
+                <a:stretch>
+                  <a:fillRect/>
+                </a:stretch>
+              </a:blipFill>
+            </p:spPr>
+            <p:txBody>
+              <a:bodyPr/>
+              <a:lstStyle/>
+              <a:p>
+                <a:r>
+                  <a:rPr lang="en-US">
+                    <a:noFill/>
+                  </a:rPr>
+                  <a:t> </a:t>
+                </a:r>
+              </a:p>
+            </p:txBody>
+          </p:sp>
+        </mc:Fallback>
+      </mc:AlternateContent>
+      <mc:AlternateContent xmlns:mc="http://schemas.openxmlformats.org/markup-compatibility/2006" xmlns:a14="http://schemas.microsoft.com/office/drawing/2010/main">
+        <mc:Choice Requires="a14">
+          <p:sp>
+            <p:nvSpPr>
+              <p:cNvPr id="30" name="TextBox 29">
+                <a:extLst>
+                  <a:ext uri="{FF2B5EF4-FFF2-40B4-BE49-F238E27FC236}">
+                    <a16:creationId xmlns:a16="http://schemas.microsoft.com/office/drawing/2014/main" id="{02E39C3A-6A54-4DBE-8800-21EF22AF0B66}"/>
+                  </a:ext>
+                </a:extLst>
+              </p:cNvPr>
+              <p:cNvSpPr txBox="1"/>
+              <p:nvPr/>
+            </p:nvSpPr>
+            <p:spPr>
+              <a:xfrm>
+                <a:off x="9898091" y="668862"/>
+                <a:ext cx="1186222" cy="410305"/>
+              </a:xfrm>
+              <a:prstGeom prst="rect">
+                <a:avLst/>
+              </a:prstGeom>
+              <a:noFill/>
+            </p:spPr>
+            <p:txBody>
+              <a:bodyPr wrap="none" rtlCol="0">
+                <a:spAutoFit/>
+              </a:bodyPr>
+              <a:lstStyle/>
+              <a:p>
+                <a:pPr/>
+                <a14:m>
+                  <m:oMathPara xmlns:m="http://schemas.openxmlformats.org/officeDocument/2006/math">
+                    <m:oMathParaPr>
+                      <m:jc m:val="centerGroup"/>
+                    </m:oMathParaPr>
+                    <m:oMath xmlns:m="http://schemas.openxmlformats.org/officeDocument/2006/math">
+                      <m:r>
+                        <a:rPr lang="en-US" b="0" i="1" smtClean="0">
+                          <a:latin typeface="Cambria Math" panose="02040503050406030204" pitchFamily="18" charset="0"/>
+                        </a:rPr>
+                        <m:t>−</m:t>
+                      </m:r>
+                      <m:sSub>
+                        <m:sSubPr>
+                          <m:ctrlPr>
+                            <a:rPr lang="en-US" b="0" i="1" smtClean="0">
+                              <a:latin typeface="Cambria Math" panose="02040503050406030204" pitchFamily="18" charset="0"/>
+                            </a:rPr>
+                          </m:ctrlPr>
+                        </m:sSubPr>
+                        <m:e>
+                          <m:acc>
+                            <m:accPr>
+                              <m:chr m:val="⃗"/>
+                              <m:ctrlPr>
+                                <a:rPr lang="en-US" b="0" i="1" smtClean="0">
+                                  <a:latin typeface="Cambria Math" panose="02040503050406030204" pitchFamily="18" charset="0"/>
+                                </a:rPr>
+                              </m:ctrlPr>
+                            </m:accPr>
+                            <m:e>
+                              <m:r>
+                                <a:rPr lang="en-US" b="0" i="1" smtClean="0">
+                                  <a:latin typeface="Cambria Math" panose="02040503050406030204" pitchFamily="18" charset="0"/>
+                                </a:rPr>
+                                <m:t>𝑘</m:t>
+                              </m:r>
+                            </m:e>
+                          </m:acc>
+                        </m:e>
+                        <m:sub>
+                          <m:r>
+                            <a:rPr lang="en-US" b="0" i="1" smtClean="0">
+                              <a:latin typeface="Cambria Math" panose="02040503050406030204" pitchFamily="18" charset="0"/>
+                            </a:rPr>
+                            <m:t>0</m:t>
+                          </m:r>
+                        </m:sub>
+                      </m:sSub>
+                      <m:r>
+                        <a:rPr lang="en-US" b="0" i="1" smtClean="0">
+                          <a:latin typeface="Cambria Math" panose="02040503050406030204" pitchFamily="18" charset="0"/>
+                        </a:rPr>
+                        <m:t>+</m:t>
+                      </m:r>
+                      <m:r>
+                        <a:rPr lang="en-US" b="0" i="1" smtClean="0">
+                          <a:latin typeface="Cambria Math" panose="02040503050406030204" pitchFamily="18" charset="0"/>
+                        </a:rPr>
+                        <m:t>𝛿</m:t>
+                      </m:r>
+                      <m:acc>
+                        <m:accPr>
+                          <m:chr m:val="⃗"/>
+                          <m:ctrlPr>
+                            <a:rPr lang="en-US" b="0" i="1" smtClean="0">
+                              <a:latin typeface="Cambria Math" panose="02040503050406030204" pitchFamily="18" charset="0"/>
+                            </a:rPr>
+                          </m:ctrlPr>
+                        </m:accPr>
+                        <m:e>
+                          <m:r>
+                            <a:rPr lang="en-US" b="0" i="1" smtClean="0">
+                              <a:latin typeface="Cambria Math" panose="02040503050406030204" pitchFamily="18" charset="0"/>
+                            </a:rPr>
+                            <m:t>𝑘</m:t>
+                          </m:r>
+                        </m:e>
+                      </m:acc>
+                    </m:oMath>
+                  </m:oMathPara>
+                </a14:m>
+                <a:endParaRPr lang="en-US" dirty="0"/>
+              </a:p>
+            </p:txBody>
+          </p:sp>
+        </mc:Choice>
+        <mc:Fallback xmlns="">
+          <p:sp>
+            <p:nvSpPr>
+              <p:cNvPr id="30" name="TextBox 29">
+                <a:extLst>
+                  <a:ext uri="{FF2B5EF4-FFF2-40B4-BE49-F238E27FC236}">
+                    <a16:creationId xmlns:a16="http://schemas.microsoft.com/office/drawing/2014/main" id="{02E39C3A-6A54-4DBE-8800-21EF22AF0B66}"/>
+                  </a:ext>
+                </a:extLst>
+              </p:cNvPr>
+              <p:cNvSpPr txBox="1">
+                <a:spLocks noRot="1" noChangeAspect="1" noMove="1" noResize="1" noEditPoints="1" noAdjustHandles="1" noChangeArrowheads="1" noChangeShapeType="1" noTextEdit="1"/>
+              </p:cNvSpPr>
+              <p:nvPr/>
+            </p:nvSpPr>
+            <p:spPr>
+              <a:xfrm>
+                <a:off x="9898091" y="668862"/>
+                <a:ext cx="1186222" cy="410305"/>
+              </a:xfrm>
+              <a:prstGeom prst="rect">
+                <a:avLst/>
+              </a:prstGeom>
+              <a:blipFill>
+                <a:blip r:embed="rId8"/>
+                <a:stretch>
+                  <a:fillRect/>
+                </a:stretch>
+              </a:blipFill>
+            </p:spPr>
+            <p:txBody>
+              <a:bodyPr/>
+              <a:lstStyle/>
+              <a:p>
+                <a:r>
+                  <a:rPr lang="en-US">
+                    <a:noFill/>
+                  </a:rPr>
+                  <a:t> </a:t>
+                </a:r>
+              </a:p>
+            </p:txBody>
+          </p:sp>
+        </mc:Fallback>
+      </mc:AlternateContent>
+      <mc:AlternateContent xmlns:mc="http://schemas.openxmlformats.org/markup-compatibility/2006" xmlns:a14="http://schemas.microsoft.com/office/drawing/2010/main">
+        <mc:Choice Requires="a14">
+          <p:sp>
+            <p:nvSpPr>
+              <p:cNvPr id="15" name="TextBox 14">
+                <a:extLst>
+                  <a:ext uri="{FF2B5EF4-FFF2-40B4-BE49-F238E27FC236}">
+                    <a16:creationId xmlns:a16="http://schemas.microsoft.com/office/drawing/2014/main" id="{C8E8AB14-4C20-45B7-AA47-A774C7AB0B81}"/>
+                  </a:ext>
+                </a:extLst>
+              </p:cNvPr>
+              <p:cNvSpPr txBox="1"/>
+              <p:nvPr/>
+            </p:nvSpPr>
+            <p:spPr>
+              <a:xfrm>
+                <a:off x="270763" y="2035502"/>
+                <a:ext cx="3820790" cy="625492"/>
+              </a:xfrm>
+              <a:prstGeom prst="rect">
+                <a:avLst/>
+              </a:prstGeom>
+              <a:noFill/>
+            </p:spPr>
+            <p:txBody>
+              <a:bodyPr wrap="none" rtlCol="0">
+                <a:spAutoFit/>
+              </a:bodyPr>
+              <a:lstStyle/>
+              <a:p>
+                <a:pPr/>
+                <a14:m>
+                  <m:oMathPara xmlns:m="http://schemas.openxmlformats.org/officeDocument/2006/math">
+                    <m:oMathParaPr>
+                      <m:jc m:val="centerGroup"/>
+                    </m:oMathParaPr>
+                    <m:oMath xmlns:m="http://schemas.openxmlformats.org/officeDocument/2006/math">
+                      <m:d>
+                        <m:dPr>
+                          <m:begChr m:val="⟨"/>
+                          <m:endChr m:val="⟩"/>
+                          <m:ctrlPr>
+                            <a:rPr lang="en-US" sz="2000" b="0" i="1" smtClean="0">
+                              <a:latin typeface="Cambria Math" panose="02040503050406030204" pitchFamily="18" charset="0"/>
+                            </a:rPr>
+                          </m:ctrlPr>
+                        </m:dPr>
+                        <m:e>
+                          <m:sSubSup>
+                            <m:sSubSupPr>
+                              <m:ctrlPr>
+                                <a:rPr lang="en-US" sz="2000" b="0" i="1" smtClean="0">
+                                  <a:latin typeface="Cambria Math" panose="02040503050406030204" pitchFamily="18" charset="0"/>
+                                </a:rPr>
+                              </m:ctrlPr>
+                            </m:sSubSupPr>
+                            <m:e>
+                              <m:r>
+                                <a:rPr lang="en-US" sz="2000" b="0" i="1" smtClean="0">
+                                  <a:latin typeface="Cambria Math" panose="02040503050406030204" pitchFamily="18" charset="0"/>
+                                </a:rPr>
+                                <m:t>𝑎</m:t>
+                              </m:r>
+                            </m:e>
+                            <m:sub>
+                              <m:sSub>
+                                <m:sSubPr>
+                                  <m:ctrlPr>
+                                    <a:rPr lang="en-US" sz="2000" b="0" i="1" smtClean="0">
+                                      <a:latin typeface="Cambria Math" panose="02040503050406030204" pitchFamily="18" charset="0"/>
+                                    </a:rPr>
+                                  </m:ctrlPr>
+                                </m:sSubPr>
+                                <m:e>
+                                  <m:r>
+                                    <a:rPr lang="en-US" sz="2000" b="0" i="1" smtClean="0">
+                                      <a:latin typeface="Cambria Math" panose="02040503050406030204" pitchFamily="18" charset="0"/>
+                                    </a:rPr>
+                                    <m:t>𝑘</m:t>
+                                  </m:r>
+                                </m:e>
+                                <m:sub>
+                                  <m:r>
+                                    <a:rPr lang="en-US" sz="2000" b="0" i="1" smtClean="0">
+                                      <a:latin typeface="Cambria Math" panose="02040503050406030204" pitchFamily="18" charset="0"/>
+                                    </a:rPr>
+                                    <m:t>0</m:t>
+                                  </m:r>
+                                </m:sub>
+                              </m:sSub>
+                              <m:r>
+                                <a:rPr lang="en-US" sz="2000" b="0" i="1" smtClean="0">
+                                  <a:latin typeface="Cambria Math" panose="02040503050406030204" pitchFamily="18" charset="0"/>
+                                </a:rPr>
+                                <m:t>+</m:t>
+                              </m:r>
+                              <m:r>
+                                <a:rPr lang="en-US" sz="2000" b="0" i="1" smtClean="0">
+                                  <a:latin typeface="Cambria Math" panose="02040503050406030204" pitchFamily="18" charset="0"/>
+                                </a:rPr>
+                                <m:t>𝛿</m:t>
+                              </m:r>
+                            </m:sub>
+                            <m:sup>
+                              <m:r>
+                                <a:rPr lang="en-US" sz="2000" b="0" i="1" smtClean="0">
+                                  <a:latin typeface="Cambria Math" panose="02040503050406030204" pitchFamily="18" charset="0"/>
+                                </a:rPr>
+                                <m:t>+</m:t>
+                              </m:r>
+                            </m:sup>
+                          </m:sSubSup>
+                          <m:sSubSup>
+                            <m:sSubSupPr>
+                              <m:ctrlPr>
+                                <a:rPr lang="en-US" sz="2000" b="0" i="1" smtClean="0">
+                                  <a:latin typeface="Cambria Math" panose="02040503050406030204" pitchFamily="18" charset="0"/>
+                                </a:rPr>
+                              </m:ctrlPr>
+                            </m:sSubSupPr>
+                            <m:e>
+                              <m:r>
+                                <a:rPr lang="en-US" sz="2000" b="0" i="1" smtClean="0">
+                                  <a:latin typeface="Cambria Math" panose="02040503050406030204" pitchFamily="18" charset="0"/>
+                                </a:rPr>
+                                <m:t>𝑎</m:t>
+                              </m:r>
+                            </m:e>
+                            <m:sub>
+                              <m:sSub>
+                                <m:sSubPr>
+                                  <m:ctrlPr>
+                                    <a:rPr lang="en-US" sz="2000" b="0" i="1" smtClean="0">
+                                      <a:latin typeface="Cambria Math" panose="02040503050406030204" pitchFamily="18" charset="0"/>
+                                    </a:rPr>
+                                  </m:ctrlPr>
+                                </m:sSubPr>
+                                <m:e>
+                                  <m:r>
+                                    <a:rPr lang="en-US" sz="2000" b="0" i="1" smtClean="0">
+                                      <a:latin typeface="Cambria Math" panose="02040503050406030204" pitchFamily="18" charset="0"/>
+                                    </a:rPr>
+                                    <m:t>𝑘</m:t>
+                                  </m:r>
+                                </m:e>
+                                <m:sub>
+                                  <m:r>
+                                    <a:rPr lang="en-US" sz="2000" b="0" i="1" smtClean="0">
+                                      <a:latin typeface="Cambria Math" panose="02040503050406030204" pitchFamily="18" charset="0"/>
+                                    </a:rPr>
+                                    <m:t>0</m:t>
+                                  </m:r>
+                                </m:sub>
+                              </m:sSub>
+                              <m:r>
+                                <a:rPr lang="en-US" sz="2000" b="0" i="1" smtClean="0">
+                                  <a:latin typeface="Cambria Math" panose="02040503050406030204" pitchFamily="18" charset="0"/>
+                                </a:rPr>
+                                <m:t>−</m:t>
+                              </m:r>
+                              <m:r>
+                                <a:rPr lang="en-US" sz="2000" b="0" i="1" smtClean="0">
+                                  <a:latin typeface="Cambria Math" panose="02040503050406030204" pitchFamily="18" charset="0"/>
+                                </a:rPr>
+                                <m:t>𝛿</m:t>
+                              </m:r>
+                            </m:sub>
+                            <m:sup>
+                              <m:r>
+                                <a:rPr lang="en-US" sz="2000" b="0" i="1" smtClean="0">
+                                  <a:latin typeface="Cambria Math" panose="02040503050406030204" pitchFamily="18" charset="0"/>
+                                </a:rPr>
+                                <m:t>+</m:t>
+                              </m:r>
+                            </m:sup>
+                          </m:sSubSup>
+                        </m:e>
+                      </m:d>
+                      <m:r>
+                        <a:rPr lang="en-US" sz="2000" b="0" i="1" smtClean="0">
+                          <a:latin typeface="Cambria Math" panose="02040503050406030204" pitchFamily="18" charset="0"/>
+                        </a:rPr>
+                        <m:t>=</m:t>
+                      </m:r>
+                      <m:r>
+                        <a:rPr lang="en-US" sz="2000" b="0" i="1" smtClean="0">
+                          <a:latin typeface="Cambria Math" panose="02040503050406030204" pitchFamily="18" charset="0"/>
+                        </a:rPr>
+                        <m:t>𝑠𝑖𝑛h𝑟𝑐𝑜𝑠h𝑟</m:t>
+                      </m:r>
+                      <m:r>
+                        <a:rPr lang="en-US" sz="2000" b="0" i="1" smtClean="0">
+                          <a:latin typeface="Cambria Math" panose="02040503050406030204" pitchFamily="18" charset="0"/>
+                        </a:rPr>
+                        <m:t>=</m:t>
+                      </m:r>
+                      <m:r>
+                        <a:rPr lang="en-US" sz="2000" b="0" i="1" smtClean="0">
+                          <a:latin typeface="Cambria Math" panose="02040503050406030204" pitchFamily="18" charset="0"/>
+                        </a:rPr>
+                        <m:t>𝑀</m:t>
+                      </m:r>
+                    </m:oMath>
+                  </m:oMathPara>
+                </a14:m>
+                <a:endParaRPr lang="en-US" sz="2000" dirty="0"/>
+              </a:p>
+            </p:txBody>
+          </p:sp>
+        </mc:Choice>
+        <mc:Fallback xmlns="">
+          <p:sp>
+            <p:nvSpPr>
+              <p:cNvPr id="15" name="TextBox 14">
+                <a:extLst>
+                  <a:ext uri="{FF2B5EF4-FFF2-40B4-BE49-F238E27FC236}">
+                    <a16:creationId xmlns:a16="http://schemas.microsoft.com/office/drawing/2014/main" id="{C8E8AB14-4C20-45B7-AA47-A774C7AB0B81}"/>
+                  </a:ext>
+                </a:extLst>
+              </p:cNvPr>
+              <p:cNvSpPr txBox="1">
+                <a:spLocks noRot="1" noChangeAspect="1" noMove="1" noResize="1" noEditPoints="1" noAdjustHandles="1" noChangeArrowheads="1" noChangeShapeType="1" noTextEdit="1"/>
+              </p:cNvSpPr>
+              <p:nvPr/>
+            </p:nvSpPr>
+            <p:spPr>
+              <a:xfrm>
+                <a:off x="270763" y="2035502"/>
+                <a:ext cx="3820790" cy="625492"/>
+              </a:xfrm>
+              <a:prstGeom prst="rect">
+                <a:avLst/>
+              </a:prstGeom>
+              <a:blipFill>
+                <a:blip r:embed="rId9"/>
+                <a:stretch>
+                  <a:fillRect/>
+                </a:stretch>
+              </a:blipFill>
+            </p:spPr>
+            <p:txBody>
+              <a:bodyPr/>
+              <a:lstStyle/>
+              <a:p>
+                <a:r>
+                  <a:rPr lang="en-US">
+                    <a:noFill/>
+                  </a:rPr>
+                  <a:t> </a:t>
+                </a:r>
+              </a:p>
+            </p:txBody>
+          </p:sp>
+        </mc:Fallback>
+      </mc:AlternateContent>
+      <mc:AlternateContent xmlns:mc="http://schemas.openxmlformats.org/markup-compatibility/2006" xmlns:a14="http://schemas.microsoft.com/office/drawing/2010/main">
+        <mc:Choice Requires="a14">
+          <p:sp>
+            <p:nvSpPr>
+              <p:cNvPr id="16" name="TextBox 15">
+                <a:extLst>
+                  <a:ext uri="{FF2B5EF4-FFF2-40B4-BE49-F238E27FC236}">
+                    <a16:creationId xmlns:a16="http://schemas.microsoft.com/office/drawing/2014/main" id="{FA7BE09D-EB0D-4BE9-BB1D-7E4EE767959A}"/>
+                  </a:ext>
+                </a:extLst>
+              </p:cNvPr>
+              <p:cNvSpPr txBox="1"/>
+              <p:nvPr/>
+            </p:nvSpPr>
+            <p:spPr>
+              <a:xfrm>
+                <a:off x="7329885" y="1954812"/>
+                <a:ext cx="4110934" cy="625492"/>
+              </a:xfrm>
+              <a:prstGeom prst="rect">
+                <a:avLst/>
+              </a:prstGeom>
+              <a:noFill/>
+            </p:spPr>
+            <p:txBody>
+              <a:bodyPr wrap="none" rtlCol="0">
+                <a:spAutoFit/>
+              </a:bodyPr>
+              <a:lstStyle/>
+              <a:p>
+                <a:pPr/>
+                <a14:m>
+                  <m:oMathPara xmlns:m="http://schemas.openxmlformats.org/officeDocument/2006/math">
+                    <m:oMathParaPr>
+                      <m:jc m:val="centerGroup"/>
+                    </m:oMathParaPr>
+                    <m:oMath xmlns:m="http://schemas.openxmlformats.org/officeDocument/2006/math">
+                      <m:d>
+                        <m:dPr>
+                          <m:begChr m:val="⟨"/>
+                          <m:endChr m:val="⟩"/>
+                          <m:ctrlPr>
+                            <a:rPr lang="en-US" sz="2000" b="0" i="1" smtClean="0">
+                              <a:latin typeface="Cambria Math" panose="02040503050406030204" pitchFamily="18" charset="0"/>
+                            </a:rPr>
+                          </m:ctrlPr>
+                        </m:dPr>
+                        <m:e>
+                          <m:sSubSup>
+                            <m:sSubSupPr>
+                              <m:ctrlPr>
+                                <a:rPr lang="en-US" sz="2000" b="0" i="1" smtClean="0">
+                                  <a:latin typeface="Cambria Math" panose="02040503050406030204" pitchFamily="18" charset="0"/>
+                                </a:rPr>
+                              </m:ctrlPr>
+                            </m:sSubSupPr>
+                            <m:e>
+                              <m:r>
+                                <a:rPr lang="en-US" sz="2000" b="0" i="1" smtClean="0">
+                                  <a:latin typeface="Cambria Math" panose="02040503050406030204" pitchFamily="18" charset="0"/>
+                                </a:rPr>
+                                <m:t>𝑎</m:t>
+                              </m:r>
+                            </m:e>
+                            <m:sub>
+                              <m:sSub>
+                                <m:sSubPr>
+                                  <m:ctrlPr>
+                                    <a:rPr lang="en-US" sz="2000" b="0" i="1" smtClean="0">
+                                      <a:latin typeface="Cambria Math" panose="02040503050406030204" pitchFamily="18" charset="0"/>
+                                    </a:rPr>
+                                  </m:ctrlPr>
+                                </m:sSubPr>
+                                <m:e>
+                                  <m:r>
+                                    <a:rPr lang="en-US" sz="2000" b="0" i="1" smtClean="0">
+                                      <a:latin typeface="Cambria Math" panose="02040503050406030204" pitchFamily="18" charset="0"/>
+                                    </a:rPr>
+                                    <m:t>𝑘</m:t>
+                                  </m:r>
+                                </m:e>
+                                <m:sub>
+                                  <m:r>
+                                    <a:rPr lang="en-US" sz="2000" b="0" i="1" smtClean="0">
+                                      <a:latin typeface="Cambria Math" panose="02040503050406030204" pitchFamily="18" charset="0"/>
+                                    </a:rPr>
+                                    <m:t>0</m:t>
+                                  </m:r>
+                                </m:sub>
+                              </m:sSub>
+                              <m:r>
+                                <a:rPr lang="en-US" sz="2000" b="0" i="1" smtClean="0">
+                                  <a:latin typeface="Cambria Math" panose="02040503050406030204" pitchFamily="18" charset="0"/>
+                                </a:rPr>
+                                <m:t>+</m:t>
+                              </m:r>
+                              <m:r>
+                                <a:rPr lang="en-US" sz="2000" b="0" i="1" smtClean="0">
+                                  <a:latin typeface="Cambria Math" panose="02040503050406030204" pitchFamily="18" charset="0"/>
+                                </a:rPr>
+                                <m:t>𝛿</m:t>
+                              </m:r>
+                            </m:sub>
+                            <m:sup>
+                              <m:r>
+                                <a:rPr lang="en-US" sz="2000" b="0" i="1" smtClean="0">
+                                  <a:latin typeface="Cambria Math" panose="02040503050406030204" pitchFamily="18" charset="0"/>
+                                </a:rPr>
+                                <m:t>+</m:t>
+                              </m:r>
+                            </m:sup>
+                          </m:sSubSup>
+                          <m:sSubSup>
+                            <m:sSubSupPr>
+                              <m:ctrlPr>
+                                <a:rPr lang="en-US" sz="2000" b="0" i="1" smtClean="0">
+                                  <a:latin typeface="Cambria Math" panose="02040503050406030204" pitchFamily="18" charset="0"/>
+                                </a:rPr>
+                              </m:ctrlPr>
+                            </m:sSubSupPr>
+                            <m:e>
+                              <m:r>
+                                <a:rPr lang="en-US" sz="2000" b="0" i="1" smtClean="0">
+                                  <a:latin typeface="Cambria Math" panose="02040503050406030204" pitchFamily="18" charset="0"/>
+                                </a:rPr>
+                                <m:t>𝑎</m:t>
+                              </m:r>
+                            </m:e>
+                            <m:sub>
+                              <m:sSub>
+                                <m:sSubPr>
+                                  <m:ctrlPr>
+                                    <a:rPr lang="en-US" sz="2000" b="0" i="1" smtClean="0">
+                                      <a:latin typeface="Cambria Math" panose="02040503050406030204" pitchFamily="18" charset="0"/>
+                                    </a:rPr>
+                                  </m:ctrlPr>
+                                </m:sSubPr>
+                                <m:e>
+                                  <m:r>
+                                    <a:rPr lang="en-US" sz="2000" b="0" i="1" smtClean="0">
+                                      <a:latin typeface="Cambria Math" panose="02040503050406030204" pitchFamily="18" charset="0"/>
+                                    </a:rPr>
+                                    <m:t>−(</m:t>
+                                  </m:r>
+                                  <m:r>
+                                    <a:rPr lang="en-US" sz="2000" b="0" i="1" smtClean="0">
+                                      <a:latin typeface="Cambria Math" panose="02040503050406030204" pitchFamily="18" charset="0"/>
+                                    </a:rPr>
+                                    <m:t>𝑘</m:t>
+                                  </m:r>
+                                </m:e>
+                                <m:sub>
+                                  <m:r>
+                                    <a:rPr lang="en-US" sz="2000" b="0" i="1" smtClean="0">
+                                      <a:latin typeface="Cambria Math" panose="02040503050406030204" pitchFamily="18" charset="0"/>
+                                    </a:rPr>
+                                    <m:t>0</m:t>
+                                  </m:r>
+                                </m:sub>
+                              </m:sSub>
+                              <m:r>
+                                <a:rPr lang="en-US" sz="2000" b="0" i="1" smtClean="0">
+                                  <a:latin typeface="Cambria Math" panose="02040503050406030204" pitchFamily="18" charset="0"/>
+                                </a:rPr>
+                                <m:t>−</m:t>
+                              </m:r>
+                              <m:r>
+                                <a:rPr lang="en-US" sz="2000" b="0" i="1" smtClean="0">
+                                  <a:latin typeface="Cambria Math" panose="02040503050406030204" pitchFamily="18" charset="0"/>
+                                </a:rPr>
+                                <m:t>𝛿</m:t>
+                              </m:r>
+                              <m:r>
+                                <a:rPr lang="en-US" sz="2000" b="0" i="1" smtClean="0">
+                                  <a:latin typeface="Cambria Math" panose="02040503050406030204" pitchFamily="18" charset="0"/>
+                                </a:rPr>
+                                <m:t>)</m:t>
+                              </m:r>
+                            </m:sub>
+                            <m:sup>
+                              <m:r>
+                                <a:rPr lang="en-US" sz="2000" b="0" i="1" smtClean="0">
+                                  <a:latin typeface="Cambria Math" panose="02040503050406030204" pitchFamily="18" charset="0"/>
+                                </a:rPr>
+                                <m:t>+</m:t>
+                              </m:r>
+                            </m:sup>
+                          </m:sSubSup>
+                        </m:e>
+                      </m:d>
+                      <m:r>
+                        <a:rPr lang="en-US" sz="2000" b="0" i="1" smtClean="0">
+                          <a:latin typeface="Cambria Math" panose="02040503050406030204" pitchFamily="18" charset="0"/>
+                        </a:rPr>
+                        <m:t>=</m:t>
+                      </m:r>
+                      <m:r>
+                        <a:rPr lang="en-US" sz="2000" b="0" i="1" smtClean="0">
+                          <a:latin typeface="Cambria Math" panose="02040503050406030204" pitchFamily="18" charset="0"/>
+                        </a:rPr>
+                        <m:t>𝑠𝑖𝑛h𝑟𝑐𝑜𝑠h𝑟</m:t>
+                      </m:r>
+                      <m:r>
+                        <a:rPr lang="en-US" sz="2000" b="0" i="1" smtClean="0">
+                          <a:latin typeface="Cambria Math" panose="02040503050406030204" pitchFamily="18" charset="0"/>
+                        </a:rPr>
+                        <m:t>=</m:t>
+                      </m:r>
+                      <m:r>
+                        <a:rPr lang="en-US" sz="2000" b="0" i="1" smtClean="0">
+                          <a:latin typeface="Cambria Math" panose="02040503050406030204" pitchFamily="18" charset="0"/>
+                        </a:rPr>
+                        <m:t>𝑀</m:t>
+                      </m:r>
+                    </m:oMath>
+                  </m:oMathPara>
+                </a14:m>
+                <a:endParaRPr lang="en-US" sz="2000" dirty="0"/>
+              </a:p>
+            </p:txBody>
+          </p:sp>
+        </mc:Choice>
+        <mc:Fallback xmlns="">
+          <p:sp>
+            <p:nvSpPr>
+              <p:cNvPr id="16" name="TextBox 15">
+                <a:extLst>
+                  <a:ext uri="{FF2B5EF4-FFF2-40B4-BE49-F238E27FC236}">
+                    <a16:creationId xmlns:a16="http://schemas.microsoft.com/office/drawing/2014/main" id="{FA7BE09D-EB0D-4BE9-BB1D-7E4EE767959A}"/>
+                  </a:ext>
+                </a:extLst>
+              </p:cNvPr>
+              <p:cNvSpPr txBox="1">
+                <a:spLocks noRot="1" noChangeAspect="1" noMove="1" noResize="1" noEditPoints="1" noAdjustHandles="1" noChangeArrowheads="1" noChangeShapeType="1" noTextEdit="1"/>
+              </p:cNvSpPr>
+              <p:nvPr/>
+            </p:nvSpPr>
+            <p:spPr>
+              <a:xfrm>
+                <a:off x="7329885" y="1954812"/>
+                <a:ext cx="4110934" cy="625492"/>
+              </a:xfrm>
+              <a:prstGeom prst="rect">
+                <a:avLst/>
+              </a:prstGeom>
+              <a:blipFill>
+                <a:blip r:embed="rId10"/>
+                <a:stretch>
+                  <a:fillRect/>
+                </a:stretch>
+              </a:blipFill>
+            </p:spPr>
+            <p:txBody>
+              <a:bodyPr/>
+              <a:lstStyle/>
+              <a:p>
+                <a:r>
+                  <a:rPr lang="en-US">
+                    <a:noFill/>
+                  </a:rPr>
+                  <a:t> </a:t>
+                </a:r>
+              </a:p>
+            </p:txBody>
+          </p:sp>
+        </mc:Fallback>
+      </mc:AlternateContent>
+    </p:spTree>
+    <p:extLst>
+      <p:ext uri="{BB962C8B-B14F-4D97-AF65-F5344CB8AC3E}">
+        <p14:creationId xmlns:p14="http://schemas.microsoft.com/office/powerpoint/2010/main" val="910147539"/>
+      </p:ext>
+    </p:extLst>
+  </p:cSld>
+  <p:clrMapOvr>
+    <a:masterClrMapping/>
+  </p:clrMapOvr>
+</p:sld>
+</file>
+
+<file path=ppt/slides/slide30.xml><?xml version="1.0" encoding="utf-8"?>
 <p:sld xmlns:a="http://schemas.openxmlformats.org/drawingml/2006/main" xmlns:r="http://schemas.openxmlformats.org/officeDocument/2006/relationships" xmlns:p="http://schemas.openxmlformats.org/presentationml/2006/main">
   <p:cSld>
     <p:spTree>
@@ -20043,7 +24312,7 @@
 </p:sld>
 </file>
 
-<file path=ppt/slides/slide25.xml><?xml version="1.0" encoding="utf-8"?>
+<file path=ppt/slides/slide31.xml><?xml version="1.0" encoding="utf-8"?>
 <p:sld xmlns:a="http://schemas.openxmlformats.org/drawingml/2006/main" xmlns:r="http://schemas.openxmlformats.org/officeDocument/2006/relationships" xmlns:p="http://schemas.openxmlformats.org/presentationml/2006/main">
   <p:cSld>
     <p:spTree>
@@ -20539,7 +24808,7 @@
 </p:sld>
 </file>
 
-<file path=ppt/slides/slide26.xml><?xml version="1.0" encoding="utf-8"?>
+<file path=ppt/slides/slide32.xml><?xml version="1.0" encoding="utf-8"?>
 <p:sld xmlns:a="http://schemas.openxmlformats.org/drawingml/2006/main" xmlns:r="http://schemas.openxmlformats.org/officeDocument/2006/relationships" xmlns:p="http://schemas.openxmlformats.org/presentationml/2006/main">
   <p:cSld>
     <p:spTree>
@@ -22325,7 +26594,7 @@
 </p:sld>
 </file>
 
-<file path=ppt/slides/slide27.xml><?xml version="1.0" encoding="utf-8"?>
+<file path=ppt/slides/slide33.xml><?xml version="1.0" encoding="utf-8"?>
 <p:sld xmlns:a="http://schemas.openxmlformats.org/drawingml/2006/main" xmlns:r="http://schemas.openxmlformats.org/officeDocument/2006/relationships" xmlns:p="http://schemas.openxmlformats.org/presentationml/2006/main">
   <p:cSld>
     <p:spTree>
@@ -22537,1680 +26806,6 @@
     <p:extLst>
       <p:ext uri="{BB962C8B-B14F-4D97-AF65-F5344CB8AC3E}">
         <p14:creationId xmlns:p14="http://schemas.microsoft.com/office/powerpoint/2010/main" val="2227723480"/>
-      </p:ext>
-    </p:extLst>
-  </p:cSld>
-  <p:clrMapOvr>
-    <a:masterClrMapping/>
-  </p:clrMapOvr>
-</p:sld>
-</file>
-
-<file path=ppt/slides/slide3.xml><?xml version="1.0" encoding="utf-8"?>
-<p:sld xmlns:a="http://schemas.openxmlformats.org/drawingml/2006/main" xmlns:r="http://schemas.openxmlformats.org/officeDocument/2006/relationships" xmlns:p="http://schemas.openxmlformats.org/presentationml/2006/main">
-  <p:cSld>
-    <p:spTree>
-      <p:nvGrpSpPr>
-        <p:cNvPr id="1" name=""/>
-        <p:cNvGrpSpPr/>
-        <p:nvPr/>
-      </p:nvGrpSpPr>
-      <p:grpSpPr>
-        <a:xfrm>
-          <a:off x="0" y="0"/>
-          <a:ext cx="0" cy="0"/>
-          <a:chOff x="0" y="0"/>
-          <a:chExt cx="0" cy="0"/>
-        </a:xfrm>
-      </p:grpSpPr>
-      <p:pic>
-        <p:nvPicPr>
-          <p:cNvPr id="4" name="Picture 3">
-            <a:extLst>
-              <a:ext uri="{FF2B5EF4-FFF2-40B4-BE49-F238E27FC236}">
-                <a16:creationId xmlns:a16="http://schemas.microsoft.com/office/drawing/2014/main" id="{AD587DBD-F594-487A-A952-3CC44A0CD228}"/>
-              </a:ext>
-            </a:extLst>
-          </p:cNvPr>
-          <p:cNvPicPr>
-            <a:picLocks noChangeAspect="1"/>
-          </p:cNvPicPr>
-          <p:nvPr/>
-        </p:nvPicPr>
-        <p:blipFill>
-          <a:blip r:embed="rId2"/>
-          <a:stretch>
-            <a:fillRect/>
-          </a:stretch>
-        </p:blipFill>
-        <p:spPr>
-          <a:xfrm>
-            <a:off x="41484" y="3326196"/>
-            <a:ext cx="12192000" cy="1434684"/>
-          </a:xfrm>
-          <a:prstGeom prst="rect">
-            <a:avLst/>
-          </a:prstGeom>
-        </p:spPr>
-      </p:pic>
-      <p:pic>
-        <p:nvPicPr>
-          <p:cNvPr id="5" name="Picture 4">
-            <a:extLst>
-              <a:ext uri="{FF2B5EF4-FFF2-40B4-BE49-F238E27FC236}">
-                <a16:creationId xmlns:a16="http://schemas.microsoft.com/office/drawing/2014/main" id="{64B947AD-3C20-4225-B763-6E31553982D0}"/>
-              </a:ext>
-            </a:extLst>
-          </p:cNvPr>
-          <p:cNvPicPr>
-            <a:picLocks noChangeAspect="1"/>
-          </p:cNvPicPr>
-          <p:nvPr/>
-        </p:nvPicPr>
-        <p:blipFill>
-          <a:blip r:embed="rId3"/>
-          <a:stretch>
-            <a:fillRect/>
-          </a:stretch>
-        </p:blipFill>
-        <p:spPr>
-          <a:xfrm>
-            <a:off x="631927" y="5102195"/>
-            <a:ext cx="3444662" cy="1434684"/>
-          </a:xfrm>
-          <a:prstGeom prst="rect">
-            <a:avLst/>
-          </a:prstGeom>
-        </p:spPr>
-      </p:pic>
-      <p:sp>
-        <p:nvSpPr>
-          <p:cNvPr id="6" name="Arrow: Down 5">
-            <a:extLst>
-              <a:ext uri="{FF2B5EF4-FFF2-40B4-BE49-F238E27FC236}">
-                <a16:creationId xmlns:a16="http://schemas.microsoft.com/office/drawing/2014/main" id="{9AD312B8-5498-4C50-B758-07663252B06B}"/>
-              </a:ext>
-            </a:extLst>
-          </p:cNvPr>
-          <p:cNvSpPr/>
-          <p:nvPr/>
-        </p:nvSpPr>
-        <p:spPr>
-          <a:xfrm rot="16200000">
-            <a:off x="5383543" y="5083345"/>
-            <a:ext cx="1119981" cy="1157681"/>
-          </a:xfrm>
-          <a:prstGeom prst="downArrow">
-            <a:avLst/>
-          </a:prstGeom>
-          <a:ln>
-            <a:solidFill>
-              <a:schemeClr val="tx1"/>
-            </a:solidFill>
-          </a:ln>
-        </p:spPr>
-        <p:style>
-          <a:lnRef idx="2">
-            <a:schemeClr val="accent6"/>
-          </a:lnRef>
-          <a:fillRef idx="1">
-            <a:schemeClr val="lt1"/>
-          </a:fillRef>
-          <a:effectRef idx="0">
-            <a:schemeClr val="accent6"/>
-          </a:effectRef>
-          <a:fontRef idx="minor">
-            <a:schemeClr val="dk1"/>
-          </a:fontRef>
-        </p:style>
-        <p:txBody>
-          <a:bodyPr rtlCol="0" anchor="ctr"/>
-          <a:lstStyle/>
-          <a:p>
-            <a:pPr algn="ctr"/>
-            <a:endParaRPr lang="en-US" dirty="0"/>
-          </a:p>
-        </p:txBody>
-      </p:sp>
-      <mc:AlternateContent xmlns:mc="http://schemas.openxmlformats.org/markup-compatibility/2006" xmlns:a14="http://schemas.microsoft.com/office/drawing/2010/main">
-        <mc:Choice Requires="a14">
-          <p:sp>
-            <p:nvSpPr>
-              <p:cNvPr id="7" name="TextBox 6">
-                <a:extLst>
-                  <a:ext uri="{FF2B5EF4-FFF2-40B4-BE49-F238E27FC236}">
-                    <a16:creationId xmlns:a16="http://schemas.microsoft.com/office/drawing/2014/main" id="{BC8B6FD8-81DE-43D0-B6FF-F3A1911D8ADF}"/>
-                  </a:ext>
-                </a:extLst>
-              </p:cNvPr>
-              <p:cNvSpPr txBox="1"/>
-              <p:nvPr/>
-            </p:nvSpPr>
-            <p:spPr>
-              <a:xfrm>
-                <a:off x="7810478" y="5341777"/>
-                <a:ext cx="1765803" cy="640816"/>
-              </a:xfrm>
-              <a:prstGeom prst="rect">
-                <a:avLst/>
-              </a:prstGeom>
-              <a:noFill/>
-            </p:spPr>
-            <p:txBody>
-              <a:bodyPr wrap="none" rtlCol="0">
-                <a:spAutoFit/>
-              </a:bodyPr>
-              <a:lstStyle/>
-              <a:p>
-                <a:pPr/>
-                <a14:m>
-                  <m:oMathPara xmlns:m="http://schemas.openxmlformats.org/officeDocument/2006/math">
-                    <m:oMathParaPr>
-                      <m:jc m:val="centerGroup"/>
-                    </m:oMathParaPr>
-                    <m:oMath xmlns:m="http://schemas.openxmlformats.org/officeDocument/2006/math">
-                      <m:sSubSup>
-                        <m:sSubSupPr>
-                          <m:ctrlPr>
-                            <a:rPr lang="en-US" sz="3200" b="0" i="1" smtClean="0">
-                              <a:latin typeface="Cambria Math" panose="02040503050406030204" pitchFamily="18" charset="0"/>
-                            </a:rPr>
-                          </m:ctrlPr>
-                        </m:sSubSupPr>
-                        <m:e>
-                          <m:r>
-                            <a:rPr lang="en-US" sz="3200" b="0" i="1" smtClean="0">
-                              <a:latin typeface="Cambria Math" panose="02040503050406030204" pitchFamily="18" charset="0"/>
-                            </a:rPr>
-                            <m:t>𝛾</m:t>
-                          </m:r>
-                        </m:e>
-                        <m:sub>
-                          <m:r>
-                            <a:rPr lang="en-US" sz="3200" b="0" i="1" smtClean="0">
-                              <a:latin typeface="Cambria Math" panose="02040503050406030204" pitchFamily="18" charset="0"/>
-                            </a:rPr>
-                            <m:t>𝑖𝑗</m:t>
-                          </m:r>
-                        </m:sub>
-                        <m:sup>
-                          <m:r>
-                            <a:rPr lang="en-US" sz="3200" b="0" i="1" smtClean="0">
-                              <a:latin typeface="Cambria Math" panose="02040503050406030204" pitchFamily="18" charset="0"/>
-                            </a:rPr>
-                            <m:t>′</m:t>
-                          </m:r>
-                        </m:sup>
-                      </m:sSubSup>
-                      <m:r>
-                        <a:rPr lang="en-US" sz="3200" b="0" i="1" smtClean="0">
-                          <a:latin typeface="Cambria Math" panose="02040503050406030204" pitchFamily="18" charset="0"/>
-                        </a:rPr>
-                        <m:t>=</m:t>
-                      </m:r>
-                      <m:sSub>
-                        <m:sSubPr>
-                          <m:ctrlPr>
-                            <a:rPr lang="en-US" sz="3200" b="0" i="1" smtClean="0">
-                              <a:latin typeface="Cambria Math" panose="02040503050406030204" pitchFamily="18" charset="0"/>
-                            </a:rPr>
-                          </m:ctrlPr>
-                        </m:sSubPr>
-                        <m:e>
-                          <m:r>
-                            <a:rPr lang="en-US" sz="3200" b="0" i="1" smtClean="0">
-                              <a:latin typeface="Cambria Math" panose="02040503050406030204" pitchFamily="18" charset="0"/>
-                            </a:rPr>
-                            <m:t>𝛾</m:t>
-                          </m:r>
-                        </m:e>
-                        <m:sub>
-                          <m:r>
-                            <a:rPr lang="en-US" sz="3200" b="0" i="1" smtClean="0">
-                              <a:latin typeface="Cambria Math" panose="02040503050406030204" pitchFamily="18" charset="0"/>
-                            </a:rPr>
-                            <m:t>𝑖𝑗</m:t>
-                          </m:r>
-                        </m:sub>
-                      </m:sSub>
-                    </m:oMath>
-                  </m:oMathPara>
-                </a14:m>
-                <a:endParaRPr lang="en-US" sz="3200" dirty="0"/>
-              </a:p>
-            </p:txBody>
-          </p:sp>
-        </mc:Choice>
-        <mc:Fallback xmlns="">
-          <p:sp>
-            <p:nvSpPr>
-              <p:cNvPr id="7" name="TextBox 6">
-                <a:extLst>
-                  <a:ext uri="{FF2B5EF4-FFF2-40B4-BE49-F238E27FC236}">
-                    <a16:creationId xmlns:a16="http://schemas.microsoft.com/office/drawing/2014/main" id="{BC8B6FD8-81DE-43D0-B6FF-F3A1911D8ADF}"/>
-                  </a:ext>
-                </a:extLst>
-              </p:cNvPr>
-              <p:cNvSpPr txBox="1">
-                <a:spLocks noRot="1" noChangeAspect="1" noMove="1" noResize="1" noEditPoints="1" noAdjustHandles="1" noChangeArrowheads="1" noChangeShapeType="1" noTextEdit="1"/>
-              </p:cNvSpPr>
-              <p:nvPr/>
-            </p:nvSpPr>
-            <p:spPr>
-              <a:xfrm>
-                <a:off x="7810478" y="5341777"/>
-                <a:ext cx="1765803" cy="640816"/>
-              </a:xfrm>
-              <a:prstGeom prst="rect">
-                <a:avLst/>
-              </a:prstGeom>
-              <a:blipFill>
-                <a:blip r:embed="rId4"/>
-                <a:stretch>
-                  <a:fillRect/>
-                </a:stretch>
-              </a:blipFill>
-            </p:spPr>
-            <p:txBody>
-              <a:bodyPr/>
-              <a:lstStyle/>
-              <a:p>
-                <a:r>
-                  <a:rPr lang="en-US">
-                    <a:noFill/>
-                  </a:rPr>
-                  <a:t> </a:t>
-                </a:r>
-              </a:p>
-            </p:txBody>
-          </p:sp>
-        </mc:Fallback>
-      </mc:AlternateContent>
-      <p:cxnSp>
-        <p:nvCxnSpPr>
-          <p:cNvPr id="9" name="Straight Arrow Connector 8">
-            <a:extLst>
-              <a:ext uri="{FF2B5EF4-FFF2-40B4-BE49-F238E27FC236}">
-                <a16:creationId xmlns:a16="http://schemas.microsoft.com/office/drawing/2014/main" id="{F56CD528-0D4B-4957-BE2E-590B5CAF350F}"/>
-              </a:ext>
-            </a:extLst>
-          </p:cNvPr>
-          <p:cNvCxnSpPr>
-            <a:cxnSpLocks/>
-          </p:cNvCxnSpPr>
-          <p:nvPr/>
-        </p:nvCxnSpPr>
-        <p:spPr>
-          <a:xfrm>
-            <a:off x="999709" y="1463816"/>
-            <a:ext cx="2133784" cy="0"/>
-          </a:xfrm>
-          <a:prstGeom prst="straightConnector1">
-            <a:avLst/>
-          </a:prstGeom>
-          <a:ln w="38100">
-            <a:solidFill>
-              <a:srgbClr val="00B050"/>
-            </a:solidFill>
-            <a:tailEnd type="triangle"/>
-          </a:ln>
-        </p:spPr>
-        <p:style>
-          <a:lnRef idx="1">
-            <a:schemeClr val="accent1"/>
-          </a:lnRef>
-          <a:fillRef idx="0">
-            <a:schemeClr val="accent1"/>
-          </a:fillRef>
-          <a:effectRef idx="0">
-            <a:schemeClr val="accent1"/>
-          </a:effectRef>
-          <a:fontRef idx="minor">
-            <a:schemeClr val="tx1"/>
-          </a:fontRef>
-        </p:style>
-      </p:cxnSp>
-      <p:cxnSp>
-        <p:nvCxnSpPr>
-          <p:cNvPr id="10" name="Straight Arrow Connector 9">
-            <a:extLst>
-              <a:ext uri="{FF2B5EF4-FFF2-40B4-BE49-F238E27FC236}">
-                <a16:creationId xmlns:a16="http://schemas.microsoft.com/office/drawing/2014/main" id="{9C18DE80-C282-4672-8ED4-7526096F70D8}"/>
-              </a:ext>
-            </a:extLst>
-          </p:cNvPr>
-          <p:cNvCxnSpPr>
-            <a:cxnSpLocks/>
-          </p:cNvCxnSpPr>
-          <p:nvPr/>
-        </p:nvCxnSpPr>
-        <p:spPr>
-          <a:xfrm>
-            <a:off x="999709" y="1081668"/>
-            <a:ext cx="1754642" cy="0"/>
-          </a:xfrm>
-          <a:prstGeom prst="straightConnector1">
-            <a:avLst/>
-          </a:prstGeom>
-          <a:ln w="38100">
-            <a:solidFill>
-              <a:srgbClr val="FF0000"/>
-            </a:solidFill>
-            <a:tailEnd type="triangle"/>
-          </a:ln>
-        </p:spPr>
-        <p:style>
-          <a:lnRef idx="1">
-            <a:schemeClr val="accent1"/>
-          </a:lnRef>
-          <a:fillRef idx="0">
-            <a:schemeClr val="accent1"/>
-          </a:fillRef>
-          <a:effectRef idx="0">
-            <a:schemeClr val="accent1"/>
-          </a:effectRef>
-          <a:fontRef idx="minor">
-            <a:schemeClr val="tx1"/>
-          </a:fontRef>
-        </p:style>
-      </p:cxnSp>
-      <p:sp>
-        <p:nvSpPr>
-          <p:cNvPr id="19" name="Arrow: Down 18">
-            <a:extLst>
-              <a:ext uri="{FF2B5EF4-FFF2-40B4-BE49-F238E27FC236}">
-                <a16:creationId xmlns:a16="http://schemas.microsoft.com/office/drawing/2014/main" id="{FAD84E3A-5C20-46EA-98EA-7B23B446B54E}"/>
-              </a:ext>
-            </a:extLst>
-          </p:cNvPr>
-          <p:cNvSpPr/>
-          <p:nvPr/>
-        </p:nvSpPr>
-        <p:spPr>
-          <a:xfrm rot="16200000">
-            <a:off x="5068463" y="1039265"/>
-            <a:ext cx="1119981" cy="1157681"/>
-          </a:xfrm>
-          <a:prstGeom prst="downArrow">
-            <a:avLst/>
-          </a:prstGeom>
-          <a:ln>
-            <a:solidFill>
-              <a:schemeClr val="tx1"/>
-            </a:solidFill>
-          </a:ln>
-        </p:spPr>
-        <p:style>
-          <a:lnRef idx="2">
-            <a:schemeClr val="accent6"/>
-          </a:lnRef>
-          <a:fillRef idx="1">
-            <a:schemeClr val="lt1"/>
-          </a:fillRef>
-          <a:effectRef idx="0">
-            <a:schemeClr val="accent6"/>
-          </a:effectRef>
-          <a:fontRef idx="minor">
-            <a:schemeClr val="dk1"/>
-          </a:fontRef>
-        </p:style>
-        <p:txBody>
-          <a:bodyPr rtlCol="0" anchor="ctr"/>
-          <a:lstStyle/>
-          <a:p>
-            <a:pPr algn="ctr"/>
-            <a:endParaRPr lang="en-US" dirty="0"/>
-          </a:p>
-        </p:txBody>
-      </p:sp>
-      <p:cxnSp>
-        <p:nvCxnSpPr>
-          <p:cNvPr id="20" name="Straight Arrow Connector 19">
-            <a:extLst>
-              <a:ext uri="{FF2B5EF4-FFF2-40B4-BE49-F238E27FC236}">
-                <a16:creationId xmlns:a16="http://schemas.microsoft.com/office/drawing/2014/main" id="{5B0DF9F8-E252-467C-A10F-9A510AAF1B92}"/>
-              </a:ext>
-            </a:extLst>
-          </p:cNvPr>
-          <p:cNvCxnSpPr>
-            <a:cxnSpLocks/>
-          </p:cNvCxnSpPr>
-          <p:nvPr/>
-        </p:nvCxnSpPr>
-        <p:spPr>
-          <a:xfrm flipH="1">
-            <a:off x="9764752" y="1211765"/>
-            <a:ext cx="1297258" cy="0"/>
-          </a:xfrm>
-          <a:prstGeom prst="straightConnector1">
-            <a:avLst/>
-          </a:prstGeom>
-          <a:ln w="38100">
-            <a:solidFill>
-              <a:srgbClr val="00B050"/>
-            </a:solidFill>
-            <a:tailEnd type="triangle"/>
-          </a:ln>
-        </p:spPr>
-        <p:style>
-          <a:lnRef idx="1">
-            <a:schemeClr val="accent1"/>
-          </a:lnRef>
-          <a:fillRef idx="0">
-            <a:schemeClr val="accent1"/>
-          </a:fillRef>
-          <a:effectRef idx="0">
-            <a:schemeClr val="accent1"/>
-          </a:effectRef>
-          <a:fontRef idx="minor">
-            <a:schemeClr val="tx1"/>
-          </a:fontRef>
-        </p:style>
-      </p:cxnSp>
-      <p:cxnSp>
-        <p:nvCxnSpPr>
-          <p:cNvPr id="21" name="Straight Arrow Connector 20">
-            <a:extLst>
-              <a:ext uri="{FF2B5EF4-FFF2-40B4-BE49-F238E27FC236}">
-                <a16:creationId xmlns:a16="http://schemas.microsoft.com/office/drawing/2014/main" id="{5DF5B664-0A4B-4E14-BE74-E58A8EED0AFD}"/>
-              </a:ext>
-            </a:extLst>
-          </p:cNvPr>
-          <p:cNvCxnSpPr>
-            <a:cxnSpLocks/>
-          </p:cNvCxnSpPr>
-          <p:nvPr/>
-        </p:nvCxnSpPr>
-        <p:spPr>
-          <a:xfrm>
-            <a:off x="7329885" y="1211765"/>
-            <a:ext cx="1754642" cy="0"/>
-          </a:xfrm>
-          <a:prstGeom prst="straightConnector1">
-            <a:avLst/>
-          </a:prstGeom>
-          <a:ln w="38100">
-            <a:solidFill>
-              <a:srgbClr val="FF0000"/>
-            </a:solidFill>
-            <a:tailEnd type="triangle"/>
-          </a:ln>
-        </p:spPr>
-        <p:style>
-          <a:lnRef idx="1">
-            <a:schemeClr val="accent1"/>
-          </a:lnRef>
-          <a:fillRef idx="0">
-            <a:schemeClr val="accent1"/>
-          </a:fillRef>
-          <a:effectRef idx="0">
-            <a:schemeClr val="accent1"/>
-          </a:effectRef>
-          <a:fontRef idx="minor">
-            <a:schemeClr val="tx1"/>
-          </a:fontRef>
-        </p:style>
-      </p:cxnSp>
-      <mc:AlternateContent xmlns:mc="http://schemas.openxmlformats.org/markup-compatibility/2006" xmlns:a14="http://schemas.microsoft.com/office/drawing/2010/main">
-        <mc:Choice Requires="a14">
-          <p:sp>
-            <p:nvSpPr>
-              <p:cNvPr id="23" name="TextBox 22">
-                <a:extLst>
-                  <a:ext uri="{FF2B5EF4-FFF2-40B4-BE49-F238E27FC236}">
-                    <a16:creationId xmlns:a16="http://schemas.microsoft.com/office/drawing/2014/main" id="{B40E61DB-F5A2-4A40-90C0-60FF3F99E7E0}"/>
-                  </a:ext>
-                </a:extLst>
-              </p:cNvPr>
-              <p:cNvSpPr txBox="1"/>
-              <p:nvPr/>
-            </p:nvSpPr>
-            <p:spPr>
-              <a:xfrm>
-                <a:off x="1665838" y="647811"/>
-                <a:ext cx="1013098" cy="410305"/>
-              </a:xfrm>
-              <a:prstGeom prst="rect">
-                <a:avLst/>
-              </a:prstGeom>
-              <a:noFill/>
-            </p:spPr>
-            <p:txBody>
-              <a:bodyPr wrap="none" rtlCol="0">
-                <a:spAutoFit/>
-              </a:bodyPr>
-              <a:lstStyle/>
-              <a:p>
-                <a:pPr/>
-                <a14:m>
-                  <m:oMathPara xmlns:m="http://schemas.openxmlformats.org/officeDocument/2006/math">
-                    <m:oMathParaPr>
-                      <m:jc m:val="centerGroup"/>
-                    </m:oMathParaPr>
-                    <m:oMath xmlns:m="http://schemas.openxmlformats.org/officeDocument/2006/math">
-                      <m:sSub>
-                        <m:sSubPr>
-                          <m:ctrlPr>
-                            <a:rPr lang="en-US" b="0" i="1" smtClean="0">
-                              <a:latin typeface="Cambria Math" panose="02040503050406030204" pitchFamily="18" charset="0"/>
-                            </a:rPr>
-                          </m:ctrlPr>
-                        </m:sSubPr>
-                        <m:e>
-                          <m:acc>
-                            <m:accPr>
-                              <m:chr m:val="⃗"/>
-                              <m:ctrlPr>
-                                <a:rPr lang="en-US" b="0" i="1" smtClean="0">
-                                  <a:latin typeface="Cambria Math" panose="02040503050406030204" pitchFamily="18" charset="0"/>
-                                </a:rPr>
-                              </m:ctrlPr>
-                            </m:accPr>
-                            <m:e>
-                              <m:r>
-                                <a:rPr lang="en-US" b="0" i="1" smtClean="0">
-                                  <a:latin typeface="Cambria Math" panose="02040503050406030204" pitchFamily="18" charset="0"/>
-                                </a:rPr>
-                                <m:t>𝑘</m:t>
-                              </m:r>
-                            </m:e>
-                          </m:acc>
-                        </m:e>
-                        <m:sub>
-                          <m:r>
-                            <a:rPr lang="en-US" b="0" i="1" smtClean="0">
-                              <a:latin typeface="Cambria Math" panose="02040503050406030204" pitchFamily="18" charset="0"/>
-                            </a:rPr>
-                            <m:t>0</m:t>
-                          </m:r>
-                        </m:sub>
-                      </m:sSub>
-                      <m:r>
-                        <a:rPr lang="en-US" b="0" i="1" smtClean="0">
-                          <a:latin typeface="Cambria Math" panose="02040503050406030204" pitchFamily="18" charset="0"/>
-                        </a:rPr>
-                        <m:t>+</m:t>
-                      </m:r>
-                      <m:r>
-                        <a:rPr lang="en-US" b="0" i="1" smtClean="0">
-                          <a:latin typeface="Cambria Math" panose="02040503050406030204" pitchFamily="18" charset="0"/>
-                        </a:rPr>
-                        <m:t>𝛿</m:t>
-                      </m:r>
-                      <m:acc>
-                        <m:accPr>
-                          <m:chr m:val="⃗"/>
-                          <m:ctrlPr>
-                            <a:rPr lang="en-US" b="0" i="1" smtClean="0">
-                              <a:latin typeface="Cambria Math" panose="02040503050406030204" pitchFamily="18" charset="0"/>
-                            </a:rPr>
-                          </m:ctrlPr>
-                        </m:accPr>
-                        <m:e>
-                          <m:r>
-                            <a:rPr lang="en-US" b="0" i="1" smtClean="0">
-                              <a:latin typeface="Cambria Math" panose="02040503050406030204" pitchFamily="18" charset="0"/>
-                            </a:rPr>
-                            <m:t>𝑘</m:t>
-                          </m:r>
-                        </m:e>
-                      </m:acc>
-                    </m:oMath>
-                  </m:oMathPara>
-                </a14:m>
-                <a:endParaRPr lang="en-US" dirty="0"/>
-              </a:p>
-            </p:txBody>
-          </p:sp>
-        </mc:Choice>
-        <mc:Fallback xmlns="">
-          <p:sp>
-            <p:nvSpPr>
-              <p:cNvPr id="23" name="TextBox 22">
-                <a:extLst>
-                  <a:ext uri="{FF2B5EF4-FFF2-40B4-BE49-F238E27FC236}">
-                    <a16:creationId xmlns:a16="http://schemas.microsoft.com/office/drawing/2014/main" id="{B40E61DB-F5A2-4A40-90C0-60FF3F99E7E0}"/>
-                  </a:ext>
-                </a:extLst>
-              </p:cNvPr>
-              <p:cNvSpPr txBox="1">
-                <a:spLocks noRot="1" noChangeAspect="1" noMove="1" noResize="1" noEditPoints="1" noAdjustHandles="1" noChangeArrowheads="1" noChangeShapeType="1" noTextEdit="1"/>
-              </p:cNvSpPr>
-              <p:nvPr/>
-            </p:nvSpPr>
-            <p:spPr>
-              <a:xfrm>
-                <a:off x="1665838" y="647811"/>
-                <a:ext cx="1013098" cy="410305"/>
-              </a:xfrm>
-              <a:prstGeom prst="rect">
-                <a:avLst/>
-              </a:prstGeom>
-              <a:blipFill>
-                <a:blip r:embed="rId5"/>
-                <a:stretch>
-                  <a:fillRect/>
-                </a:stretch>
-              </a:blipFill>
-            </p:spPr>
-            <p:txBody>
-              <a:bodyPr/>
-              <a:lstStyle/>
-              <a:p>
-                <a:r>
-                  <a:rPr lang="en-US">
-                    <a:noFill/>
-                  </a:rPr>
-                  <a:t> </a:t>
-                </a:r>
-              </a:p>
-            </p:txBody>
-          </p:sp>
-        </mc:Fallback>
-      </mc:AlternateContent>
-      <mc:AlternateContent xmlns:mc="http://schemas.openxmlformats.org/markup-compatibility/2006" xmlns:a14="http://schemas.microsoft.com/office/drawing/2010/main">
-        <mc:Choice Requires="a14">
-          <p:sp>
-            <p:nvSpPr>
-              <p:cNvPr id="28" name="TextBox 27">
-                <a:extLst>
-                  <a:ext uri="{FF2B5EF4-FFF2-40B4-BE49-F238E27FC236}">
-                    <a16:creationId xmlns:a16="http://schemas.microsoft.com/office/drawing/2014/main" id="{909249D9-81CF-47C4-A976-E523FBA255A3}"/>
-                  </a:ext>
-                </a:extLst>
-              </p:cNvPr>
-              <p:cNvSpPr txBox="1"/>
-              <p:nvPr/>
-            </p:nvSpPr>
-            <p:spPr>
-              <a:xfrm>
-                <a:off x="1665838" y="1544507"/>
-                <a:ext cx="1013098" cy="410305"/>
-              </a:xfrm>
-              <a:prstGeom prst="rect">
-                <a:avLst/>
-              </a:prstGeom>
-              <a:noFill/>
-            </p:spPr>
-            <p:txBody>
-              <a:bodyPr wrap="none" rtlCol="0">
-                <a:spAutoFit/>
-              </a:bodyPr>
-              <a:lstStyle/>
-              <a:p>
-                <a:pPr/>
-                <a14:m>
-                  <m:oMathPara xmlns:m="http://schemas.openxmlformats.org/officeDocument/2006/math">
-                    <m:oMathParaPr>
-                      <m:jc m:val="centerGroup"/>
-                    </m:oMathParaPr>
-                    <m:oMath xmlns:m="http://schemas.openxmlformats.org/officeDocument/2006/math">
-                      <m:sSub>
-                        <m:sSubPr>
-                          <m:ctrlPr>
-                            <a:rPr lang="en-US" b="0" i="1" smtClean="0">
-                              <a:latin typeface="Cambria Math" panose="02040503050406030204" pitchFamily="18" charset="0"/>
-                            </a:rPr>
-                          </m:ctrlPr>
-                        </m:sSubPr>
-                        <m:e>
-                          <m:acc>
-                            <m:accPr>
-                              <m:chr m:val="⃗"/>
-                              <m:ctrlPr>
-                                <a:rPr lang="en-US" b="0" i="1" smtClean="0">
-                                  <a:latin typeface="Cambria Math" panose="02040503050406030204" pitchFamily="18" charset="0"/>
-                                </a:rPr>
-                              </m:ctrlPr>
-                            </m:accPr>
-                            <m:e>
-                              <m:r>
-                                <a:rPr lang="en-US" b="0" i="1" smtClean="0">
-                                  <a:latin typeface="Cambria Math" panose="02040503050406030204" pitchFamily="18" charset="0"/>
-                                </a:rPr>
-                                <m:t>𝑘</m:t>
-                              </m:r>
-                            </m:e>
-                          </m:acc>
-                        </m:e>
-                        <m:sub>
-                          <m:r>
-                            <a:rPr lang="en-US" b="0" i="1" smtClean="0">
-                              <a:latin typeface="Cambria Math" panose="02040503050406030204" pitchFamily="18" charset="0"/>
-                            </a:rPr>
-                            <m:t>0</m:t>
-                          </m:r>
-                        </m:sub>
-                      </m:sSub>
-                      <m:r>
-                        <a:rPr lang="en-US" b="0" i="1" smtClean="0">
-                          <a:latin typeface="Cambria Math" panose="02040503050406030204" pitchFamily="18" charset="0"/>
-                        </a:rPr>
-                        <m:t>−</m:t>
-                      </m:r>
-                      <m:r>
-                        <a:rPr lang="en-US" b="0" i="1" smtClean="0">
-                          <a:latin typeface="Cambria Math" panose="02040503050406030204" pitchFamily="18" charset="0"/>
-                        </a:rPr>
-                        <m:t>𝛿</m:t>
-                      </m:r>
-                      <m:acc>
-                        <m:accPr>
-                          <m:chr m:val="⃗"/>
-                          <m:ctrlPr>
-                            <a:rPr lang="en-US" b="0" i="1" smtClean="0">
-                              <a:latin typeface="Cambria Math" panose="02040503050406030204" pitchFamily="18" charset="0"/>
-                            </a:rPr>
-                          </m:ctrlPr>
-                        </m:accPr>
-                        <m:e>
-                          <m:r>
-                            <a:rPr lang="en-US" b="0" i="1" smtClean="0">
-                              <a:latin typeface="Cambria Math" panose="02040503050406030204" pitchFamily="18" charset="0"/>
-                            </a:rPr>
-                            <m:t>𝑘</m:t>
-                          </m:r>
-                        </m:e>
-                      </m:acc>
-                    </m:oMath>
-                  </m:oMathPara>
-                </a14:m>
-                <a:endParaRPr lang="en-US" dirty="0"/>
-              </a:p>
-            </p:txBody>
-          </p:sp>
-        </mc:Choice>
-        <mc:Fallback xmlns="">
-          <p:sp>
-            <p:nvSpPr>
-              <p:cNvPr id="28" name="TextBox 27">
-                <a:extLst>
-                  <a:ext uri="{FF2B5EF4-FFF2-40B4-BE49-F238E27FC236}">
-                    <a16:creationId xmlns:a16="http://schemas.microsoft.com/office/drawing/2014/main" id="{909249D9-81CF-47C4-A976-E523FBA255A3}"/>
-                  </a:ext>
-                </a:extLst>
-              </p:cNvPr>
-              <p:cNvSpPr txBox="1">
-                <a:spLocks noRot="1" noChangeAspect="1" noMove="1" noResize="1" noEditPoints="1" noAdjustHandles="1" noChangeArrowheads="1" noChangeShapeType="1" noTextEdit="1"/>
-              </p:cNvSpPr>
-              <p:nvPr/>
-            </p:nvSpPr>
-            <p:spPr>
-              <a:xfrm>
-                <a:off x="1665838" y="1544507"/>
-                <a:ext cx="1013098" cy="410305"/>
-              </a:xfrm>
-              <a:prstGeom prst="rect">
-                <a:avLst/>
-              </a:prstGeom>
-              <a:blipFill>
-                <a:blip r:embed="rId6"/>
-                <a:stretch>
-                  <a:fillRect/>
-                </a:stretch>
-              </a:blipFill>
-            </p:spPr>
-            <p:txBody>
-              <a:bodyPr/>
-              <a:lstStyle/>
-              <a:p>
-                <a:r>
-                  <a:rPr lang="en-US">
-                    <a:noFill/>
-                  </a:rPr>
-                  <a:t> </a:t>
-                </a:r>
-              </a:p>
-            </p:txBody>
-          </p:sp>
-        </mc:Fallback>
-      </mc:AlternateContent>
-      <mc:AlternateContent xmlns:mc="http://schemas.openxmlformats.org/markup-compatibility/2006" xmlns:a14="http://schemas.microsoft.com/office/drawing/2010/main">
-        <mc:Choice Requires="a14">
-          <p:sp>
-            <p:nvSpPr>
-              <p:cNvPr id="29" name="TextBox 28">
-                <a:extLst>
-                  <a:ext uri="{FF2B5EF4-FFF2-40B4-BE49-F238E27FC236}">
-                    <a16:creationId xmlns:a16="http://schemas.microsoft.com/office/drawing/2014/main" id="{7FA91245-14ED-4008-8147-61BC1E1D838C}"/>
-                  </a:ext>
-                </a:extLst>
-              </p:cNvPr>
-              <p:cNvSpPr txBox="1"/>
-              <p:nvPr/>
-            </p:nvSpPr>
-            <p:spPr>
-              <a:xfrm>
-                <a:off x="7668858" y="647810"/>
-                <a:ext cx="1013098" cy="410305"/>
-              </a:xfrm>
-              <a:prstGeom prst="rect">
-                <a:avLst/>
-              </a:prstGeom>
-              <a:noFill/>
-            </p:spPr>
-            <p:txBody>
-              <a:bodyPr wrap="none" rtlCol="0">
-                <a:spAutoFit/>
-              </a:bodyPr>
-              <a:lstStyle/>
-              <a:p>
-                <a:pPr/>
-                <a14:m>
-                  <m:oMathPara xmlns:m="http://schemas.openxmlformats.org/officeDocument/2006/math">
-                    <m:oMathParaPr>
-                      <m:jc m:val="centerGroup"/>
-                    </m:oMathParaPr>
-                    <m:oMath xmlns:m="http://schemas.openxmlformats.org/officeDocument/2006/math">
-                      <m:sSub>
-                        <m:sSubPr>
-                          <m:ctrlPr>
-                            <a:rPr lang="en-US" b="0" i="1" smtClean="0">
-                              <a:latin typeface="Cambria Math" panose="02040503050406030204" pitchFamily="18" charset="0"/>
-                            </a:rPr>
-                          </m:ctrlPr>
-                        </m:sSubPr>
-                        <m:e>
-                          <m:acc>
-                            <m:accPr>
-                              <m:chr m:val="⃗"/>
-                              <m:ctrlPr>
-                                <a:rPr lang="en-US" b="0" i="1" smtClean="0">
-                                  <a:latin typeface="Cambria Math" panose="02040503050406030204" pitchFamily="18" charset="0"/>
-                                </a:rPr>
-                              </m:ctrlPr>
-                            </m:accPr>
-                            <m:e>
-                              <m:r>
-                                <a:rPr lang="en-US" b="0" i="1" smtClean="0">
-                                  <a:latin typeface="Cambria Math" panose="02040503050406030204" pitchFamily="18" charset="0"/>
-                                </a:rPr>
-                                <m:t>𝑘</m:t>
-                              </m:r>
-                            </m:e>
-                          </m:acc>
-                        </m:e>
-                        <m:sub>
-                          <m:r>
-                            <a:rPr lang="en-US" b="0" i="1" smtClean="0">
-                              <a:latin typeface="Cambria Math" panose="02040503050406030204" pitchFamily="18" charset="0"/>
-                            </a:rPr>
-                            <m:t>0</m:t>
-                          </m:r>
-                        </m:sub>
-                      </m:sSub>
-                      <m:r>
-                        <a:rPr lang="en-US" b="0" i="1" smtClean="0">
-                          <a:latin typeface="Cambria Math" panose="02040503050406030204" pitchFamily="18" charset="0"/>
-                        </a:rPr>
-                        <m:t>+</m:t>
-                      </m:r>
-                      <m:r>
-                        <a:rPr lang="en-US" b="0" i="1" smtClean="0">
-                          <a:latin typeface="Cambria Math" panose="02040503050406030204" pitchFamily="18" charset="0"/>
-                        </a:rPr>
-                        <m:t>𝛿</m:t>
-                      </m:r>
-                      <m:acc>
-                        <m:accPr>
-                          <m:chr m:val="⃗"/>
-                          <m:ctrlPr>
-                            <a:rPr lang="en-US" b="0" i="1" smtClean="0">
-                              <a:latin typeface="Cambria Math" panose="02040503050406030204" pitchFamily="18" charset="0"/>
-                            </a:rPr>
-                          </m:ctrlPr>
-                        </m:accPr>
-                        <m:e>
-                          <m:r>
-                            <a:rPr lang="en-US" b="0" i="1" smtClean="0">
-                              <a:latin typeface="Cambria Math" panose="02040503050406030204" pitchFamily="18" charset="0"/>
-                            </a:rPr>
-                            <m:t>𝑘</m:t>
-                          </m:r>
-                        </m:e>
-                      </m:acc>
-                    </m:oMath>
-                  </m:oMathPara>
-                </a14:m>
-                <a:endParaRPr lang="en-US" dirty="0"/>
-              </a:p>
-            </p:txBody>
-          </p:sp>
-        </mc:Choice>
-        <mc:Fallback xmlns="">
-          <p:sp>
-            <p:nvSpPr>
-              <p:cNvPr id="29" name="TextBox 28">
-                <a:extLst>
-                  <a:ext uri="{FF2B5EF4-FFF2-40B4-BE49-F238E27FC236}">
-                    <a16:creationId xmlns:a16="http://schemas.microsoft.com/office/drawing/2014/main" id="{7FA91245-14ED-4008-8147-61BC1E1D838C}"/>
-                  </a:ext>
-                </a:extLst>
-              </p:cNvPr>
-              <p:cNvSpPr txBox="1">
-                <a:spLocks noRot="1" noChangeAspect="1" noMove="1" noResize="1" noEditPoints="1" noAdjustHandles="1" noChangeArrowheads="1" noChangeShapeType="1" noTextEdit="1"/>
-              </p:cNvSpPr>
-              <p:nvPr/>
-            </p:nvSpPr>
-            <p:spPr>
-              <a:xfrm>
-                <a:off x="7668858" y="647810"/>
-                <a:ext cx="1013098" cy="410305"/>
-              </a:xfrm>
-              <a:prstGeom prst="rect">
-                <a:avLst/>
-              </a:prstGeom>
-              <a:blipFill>
-                <a:blip r:embed="rId7"/>
-                <a:stretch>
-                  <a:fillRect/>
-                </a:stretch>
-              </a:blipFill>
-            </p:spPr>
-            <p:txBody>
-              <a:bodyPr/>
-              <a:lstStyle/>
-              <a:p>
-                <a:r>
-                  <a:rPr lang="en-US">
-                    <a:noFill/>
-                  </a:rPr>
-                  <a:t> </a:t>
-                </a:r>
-              </a:p>
-            </p:txBody>
-          </p:sp>
-        </mc:Fallback>
-      </mc:AlternateContent>
-      <mc:AlternateContent xmlns:mc="http://schemas.openxmlformats.org/markup-compatibility/2006" xmlns:a14="http://schemas.microsoft.com/office/drawing/2010/main">
-        <mc:Choice Requires="a14">
-          <p:sp>
-            <p:nvSpPr>
-              <p:cNvPr id="30" name="TextBox 29">
-                <a:extLst>
-                  <a:ext uri="{FF2B5EF4-FFF2-40B4-BE49-F238E27FC236}">
-                    <a16:creationId xmlns:a16="http://schemas.microsoft.com/office/drawing/2014/main" id="{02E39C3A-6A54-4DBE-8800-21EF22AF0B66}"/>
-                  </a:ext>
-                </a:extLst>
-              </p:cNvPr>
-              <p:cNvSpPr txBox="1"/>
-              <p:nvPr/>
-            </p:nvSpPr>
-            <p:spPr>
-              <a:xfrm>
-                <a:off x="9898091" y="668862"/>
-                <a:ext cx="1186222" cy="410305"/>
-              </a:xfrm>
-              <a:prstGeom prst="rect">
-                <a:avLst/>
-              </a:prstGeom>
-              <a:noFill/>
-            </p:spPr>
-            <p:txBody>
-              <a:bodyPr wrap="none" rtlCol="0">
-                <a:spAutoFit/>
-              </a:bodyPr>
-              <a:lstStyle/>
-              <a:p>
-                <a:pPr/>
-                <a14:m>
-                  <m:oMathPara xmlns:m="http://schemas.openxmlformats.org/officeDocument/2006/math">
-                    <m:oMathParaPr>
-                      <m:jc m:val="centerGroup"/>
-                    </m:oMathParaPr>
-                    <m:oMath xmlns:m="http://schemas.openxmlformats.org/officeDocument/2006/math">
-                      <m:r>
-                        <a:rPr lang="en-US" b="0" i="1" smtClean="0">
-                          <a:latin typeface="Cambria Math" panose="02040503050406030204" pitchFamily="18" charset="0"/>
-                        </a:rPr>
-                        <m:t>−</m:t>
-                      </m:r>
-                      <m:sSub>
-                        <m:sSubPr>
-                          <m:ctrlPr>
-                            <a:rPr lang="en-US" b="0" i="1" smtClean="0">
-                              <a:latin typeface="Cambria Math" panose="02040503050406030204" pitchFamily="18" charset="0"/>
-                            </a:rPr>
-                          </m:ctrlPr>
-                        </m:sSubPr>
-                        <m:e>
-                          <m:acc>
-                            <m:accPr>
-                              <m:chr m:val="⃗"/>
-                              <m:ctrlPr>
-                                <a:rPr lang="en-US" b="0" i="1" smtClean="0">
-                                  <a:latin typeface="Cambria Math" panose="02040503050406030204" pitchFamily="18" charset="0"/>
-                                </a:rPr>
-                              </m:ctrlPr>
-                            </m:accPr>
-                            <m:e>
-                              <m:r>
-                                <a:rPr lang="en-US" b="0" i="1" smtClean="0">
-                                  <a:latin typeface="Cambria Math" panose="02040503050406030204" pitchFamily="18" charset="0"/>
-                                </a:rPr>
-                                <m:t>𝑘</m:t>
-                              </m:r>
-                            </m:e>
-                          </m:acc>
-                        </m:e>
-                        <m:sub>
-                          <m:r>
-                            <a:rPr lang="en-US" b="0" i="1" smtClean="0">
-                              <a:latin typeface="Cambria Math" panose="02040503050406030204" pitchFamily="18" charset="0"/>
-                            </a:rPr>
-                            <m:t>0</m:t>
-                          </m:r>
-                        </m:sub>
-                      </m:sSub>
-                      <m:r>
-                        <a:rPr lang="en-US" b="0" i="1" smtClean="0">
-                          <a:latin typeface="Cambria Math" panose="02040503050406030204" pitchFamily="18" charset="0"/>
-                        </a:rPr>
-                        <m:t>+</m:t>
-                      </m:r>
-                      <m:r>
-                        <a:rPr lang="en-US" b="0" i="1" smtClean="0">
-                          <a:latin typeface="Cambria Math" panose="02040503050406030204" pitchFamily="18" charset="0"/>
-                        </a:rPr>
-                        <m:t>𝛿</m:t>
-                      </m:r>
-                      <m:acc>
-                        <m:accPr>
-                          <m:chr m:val="⃗"/>
-                          <m:ctrlPr>
-                            <a:rPr lang="en-US" b="0" i="1" smtClean="0">
-                              <a:latin typeface="Cambria Math" panose="02040503050406030204" pitchFamily="18" charset="0"/>
-                            </a:rPr>
-                          </m:ctrlPr>
-                        </m:accPr>
-                        <m:e>
-                          <m:r>
-                            <a:rPr lang="en-US" b="0" i="1" smtClean="0">
-                              <a:latin typeface="Cambria Math" panose="02040503050406030204" pitchFamily="18" charset="0"/>
-                            </a:rPr>
-                            <m:t>𝑘</m:t>
-                          </m:r>
-                        </m:e>
-                      </m:acc>
-                    </m:oMath>
-                  </m:oMathPara>
-                </a14:m>
-                <a:endParaRPr lang="en-US" dirty="0"/>
-              </a:p>
-            </p:txBody>
-          </p:sp>
-        </mc:Choice>
-        <mc:Fallback xmlns="">
-          <p:sp>
-            <p:nvSpPr>
-              <p:cNvPr id="30" name="TextBox 29">
-                <a:extLst>
-                  <a:ext uri="{FF2B5EF4-FFF2-40B4-BE49-F238E27FC236}">
-                    <a16:creationId xmlns:a16="http://schemas.microsoft.com/office/drawing/2014/main" id="{02E39C3A-6A54-4DBE-8800-21EF22AF0B66}"/>
-                  </a:ext>
-                </a:extLst>
-              </p:cNvPr>
-              <p:cNvSpPr txBox="1">
-                <a:spLocks noRot="1" noChangeAspect="1" noMove="1" noResize="1" noEditPoints="1" noAdjustHandles="1" noChangeArrowheads="1" noChangeShapeType="1" noTextEdit="1"/>
-              </p:cNvSpPr>
-              <p:nvPr/>
-            </p:nvSpPr>
-            <p:spPr>
-              <a:xfrm>
-                <a:off x="9898091" y="668862"/>
-                <a:ext cx="1186222" cy="410305"/>
-              </a:xfrm>
-              <a:prstGeom prst="rect">
-                <a:avLst/>
-              </a:prstGeom>
-              <a:blipFill>
-                <a:blip r:embed="rId8"/>
-                <a:stretch>
-                  <a:fillRect/>
-                </a:stretch>
-              </a:blipFill>
-            </p:spPr>
-            <p:txBody>
-              <a:bodyPr/>
-              <a:lstStyle/>
-              <a:p>
-                <a:r>
-                  <a:rPr lang="en-US">
-                    <a:noFill/>
-                  </a:rPr>
-                  <a:t> </a:t>
-                </a:r>
-              </a:p>
-            </p:txBody>
-          </p:sp>
-        </mc:Fallback>
-      </mc:AlternateContent>
-      <mc:AlternateContent xmlns:mc="http://schemas.openxmlformats.org/markup-compatibility/2006" xmlns:a14="http://schemas.microsoft.com/office/drawing/2010/main">
-        <mc:Choice Requires="a14">
-          <p:sp>
-            <p:nvSpPr>
-              <p:cNvPr id="15" name="TextBox 14">
-                <a:extLst>
-                  <a:ext uri="{FF2B5EF4-FFF2-40B4-BE49-F238E27FC236}">
-                    <a16:creationId xmlns:a16="http://schemas.microsoft.com/office/drawing/2014/main" id="{C8E8AB14-4C20-45B7-AA47-A774C7AB0B81}"/>
-                  </a:ext>
-                </a:extLst>
-              </p:cNvPr>
-              <p:cNvSpPr txBox="1"/>
-              <p:nvPr/>
-            </p:nvSpPr>
-            <p:spPr>
-              <a:xfrm>
-                <a:off x="270763" y="2035502"/>
-                <a:ext cx="3820790" cy="625492"/>
-              </a:xfrm>
-              <a:prstGeom prst="rect">
-                <a:avLst/>
-              </a:prstGeom>
-              <a:noFill/>
-            </p:spPr>
-            <p:txBody>
-              <a:bodyPr wrap="none" rtlCol="0">
-                <a:spAutoFit/>
-              </a:bodyPr>
-              <a:lstStyle/>
-              <a:p>
-                <a:pPr/>
-                <a14:m>
-                  <m:oMathPara xmlns:m="http://schemas.openxmlformats.org/officeDocument/2006/math">
-                    <m:oMathParaPr>
-                      <m:jc m:val="centerGroup"/>
-                    </m:oMathParaPr>
-                    <m:oMath xmlns:m="http://schemas.openxmlformats.org/officeDocument/2006/math">
-                      <m:d>
-                        <m:dPr>
-                          <m:begChr m:val="⟨"/>
-                          <m:endChr m:val="⟩"/>
-                          <m:ctrlPr>
-                            <a:rPr lang="en-US" sz="2000" b="0" i="1" smtClean="0">
-                              <a:latin typeface="Cambria Math" panose="02040503050406030204" pitchFamily="18" charset="0"/>
-                            </a:rPr>
-                          </m:ctrlPr>
-                        </m:dPr>
-                        <m:e>
-                          <m:sSubSup>
-                            <m:sSubSupPr>
-                              <m:ctrlPr>
-                                <a:rPr lang="en-US" sz="2000" b="0" i="1" smtClean="0">
-                                  <a:latin typeface="Cambria Math" panose="02040503050406030204" pitchFamily="18" charset="0"/>
-                                </a:rPr>
-                              </m:ctrlPr>
-                            </m:sSubSupPr>
-                            <m:e>
-                              <m:r>
-                                <a:rPr lang="en-US" sz="2000" b="0" i="1" smtClean="0">
-                                  <a:latin typeface="Cambria Math" panose="02040503050406030204" pitchFamily="18" charset="0"/>
-                                </a:rPr>
-                                <m:t>𝑎</m:t>
-                              </m:r>
-                            </m:e>
-                            <m:sub>
-                              <m:sSub>
-                                <m:sSubPr>
-                                  <m:ctrlPr>
-                                    <a:rPr lang="en-US" sz="2000" b="0" i="1" smtClean="0">
-                                      <a:latin typeface="Cambria Math" panose="02040503050406030204" pitchFamily="18" charset="0"/>
-                                    </a:rPr>
-                                  </m:ctrlPr>
-                                </m:sSubPr>
-                                <m:e>
-                                  <m:r>
-                                    <a:rPr lang="en-US" sz="2000" b="0" i="1" smtClean="0">
-                                      <a:latin typeface="Cambria Math" panose="02040503050406030204" pitchFamily="18" charset="0"/>
-                                    </a:rPr>
-                                    <m:t>𝑘</m:t>
-                                  </m:r>
-                                </m:e>
-                                <m:sub>
-                                  <m:r>
-                                    <a:rPr lang="en-US" sz="2000" b="0" i="1" smtClean="0">
-                                      <a:latin typeface="Cambria Math" panose="02040503050406030204" pitchFamily="18" charset="0"/>
-                                    </a:rPr>
-                                    <m:t>0</m:t>
-                                  </m:r>
-                                </m:sub>
-                              </m:sSub>
-                              <m:r>
-                                <a:rPr lang="en-US" sz="2000" b="0" i="1" smtClean="0">
-                                  <a:latin typeface="Cambria Math" panose="02040503050406030204" pitchFamily="18" charset="0"/>
-                                </a:rPr>
-                                <m:t>+</m:t>
-                              </m:r>
-                              <m:r>
-                                <a:rPr lang="en-US" sz="2000" b="0" i="1" smtClean="0">
-                                  <a:latin typeface="Cambria Math" panose="02040503050406030204" pitchFamily="18" charset="0"/>
-                                </a:rPr>
-                                <m:t>𝛿</m:t>
-                              </m:r>
-                            </m:sub>
-                            <m:sup>
-                              <m:r>
-                                <a:rPr lang="en-US" sz="2000" b="0" i="1" smtClean="0">
-                                  <a:latin typeface="Cambria Math" panose="02040503050406030204" pitchFamily="18" charset="0"/>
-                                </a:rPr>
-                                <m:t>+</m:t>
-                              </m:r>
-                            </m:sup>
-                          </m:sSubSup>
-                          <m:sSubSup>
-                            <m:sSubSupPr>
-                              <m:ctrlPr>
-                                <a:rPr lang="en-US" sz="2000" b="0" i="1" smtClean="0">
-                                  <a:latin typeface="Cambria Math" panose="02040503050406030204" pitchFamily="18" charset="0"/>
-                                </a:rPr>
-                              </m:ctrlPr>
-                            </m:sSubSupPr>
-                            <m:e>
-                              <m:r>
-                                <a:rPr lang="en-US" sz="2000" b="0" i="1" smtClean="0">
-                                  <a:latin typeface="Cambria Math" panose="02040503050406030204" pitchFamily="18" charset="0"/>
-                                </a:rPr>
-                                <m:t>𝑎</m:t>
-                              </m:r>
-                            </m:e>
-                            <m:sub>
-                              <m:sSub>
-                                <m:sSubPr>
-                                  <m:ctrlPr>
-                                    <a:rPr lang="en-US" sz="2000" b="0" i="1" smtClean="0">
-                                      <a:latin typeface="Cambria Math" panose="02040503050406030204" pitchFamily="18" charset="0"/>
-                                    </a:rPr>
-                                  </m:ctrlPr>
-                                </m:sSubPr>
-                                <m:e>
-                                  <m:r>
-                                    <a:rPr lang="en-US" sz="2000" b="0" i="1" smtClean="0">
-                                      <a:latin typeface="Cambria Math" panose="02040503050406030204" pitchFamily="18" charset="0"/>
-                                    </a:rPr>
-                                    <m:t>𝑘</m:t>
-                                  </m:r>
-                                </m:e>
-                                <m:sub>
-                                  <m:r>
-                                    <a:rPr lang="en-US" sz="2000" b="0" i="1" smtClean="0">
-                                      <a:latin typeface="Cambria Math" panose="02040503050406030204" pitchFamily="18" charset="0"/>
-                                    </a:rPr>
-                                    <m:t>0</m:t>
-                                  </m:r>
-                                </m:sub>
-                              </m:sSub>
-                              <m:r>
-                                <a:rPr lang="en-US" sz="2000" b="0" i="1" smtClean="0">
-                                  <a:latin typeface="Cambria Math" panose="02040503050406030204" pitchFamily="18" charset="0"/>
-                                </a:rPr>
-                                <m:t>−</m:t>
-                              </m:r>
-                              <m:r>
-                                <a:rPr lang="en-US" sz="2000" b="0" i="1" smtClean="0">
-                                  <a:latin typeface="Cambria Math" panose="02040503050406030204" pitchFamily="18" charset="0"/>
-                                </a:rPr>
-                                <m:t>𝛿</m:t>
-                              </m:r>
-                            </m:sub>
-                            <m:sup>
-                              <m:r>
-                                <a:rPr lang="en-US" sz="2000" b="0" i="1" smtClean="0">
-                                  <a:latin typeface="Cambria Math" panose="02040503050406030204" pitchFamily="18" charset="0"/>
-                                </a:rPr>
-                                <m:t>+</m:t>
-                              </m:r>
-                            </m:sup>
-                          </m:sSubSup>
-                        </m:e>
-                      </m:d>
-                      <m:r>
-                        <a:rPr lang="en-US" sz="2000" b="0" i="1" smtClean="0">
-                          <a:latin typeface="Cambria Math" panose="02040503050406030204" pitchFamily="18" charset="0"/>
-                        </a:rPr>
-                        <m:t>=</m:t>
-                      </m:r>
-                      <m:r>
-                        <a:rPr lang="en-US" sz="2000" b="0" i="1" smtClean="0">
-                          <a:latin typeface="Cambria Math" panose="02040503050406030204" pitchFamily="18" charset="0"/>
-                        </a:rPr>
-                        <m:t>𝑠𝑖𝑛h𝑟𝑐𝑜𝑠h𝑟</m:t>
-                      </m:r>
-                      <m:r>
-                        <a:rPr lang="en-US" sz="2000" b="0" i="1" smtClean="0">
-                          <a:latin typeface="Cambria Math" panose="02040503050406030204" pitchFamily="18" charset="0"/>
-                        </a:rPr>
-                        <m:t>=</m:t>
-                      </m:r>
-                      <m:r>
-                        <a:rPr lang="en-US" sz="2000" b="0" i="1" smtClean="0">
-                          <a:latin typeface="Cambria Math" panose="02040503050406030204" pitchFamily="18" charset="0"/>
-                        </a:rPr>
-                        <m:t>𝑀</m:t>
-                      </m:r>
-                    </m:oMath>
-                  </m:oMathPara>
-                </a14:m>
-                <a:endParaRPr lang="en-US" sz="2000" dirty="0"/>
-              </a:p>
-            </p:txBody>
-          </p:sp>
-        </mc:Choice>
-        <mc:Fallback xmlns="">
-          <p:sp>
-            <p:nvSpPr>
-              <p:cNvPr id="15" name="TextBox 14">
-                <a:extLst>
-                  <a:ext uri="{FF2B5EF4-FFF2-40B4-BE49-F238E27FC236}">
-                    <a16:creationId xmlns:a16="http://schemas.microsoft.com/office/drawing/2014/main" id="{C8E8AB14-4C20-45B7-AA47-A774C7AB0B81}"/>
-                  </a:ext>
-                </a:extLst>
-              </p:cNvPr>
-              <p:cNvSpPr txBox="1">
-                <a:spLocks noRot="1" noChangeAspect="1" noMove="1" noResize="1" noEditPoints="1" noAdjustHandles="1" noChangeArrowheads="1" noChangeShapeType="1" noTextEdit="1"/>
-              </p:cNvSpPr>
-              <p:nvPr/>
-            </p:nvSpPr>
-            <p:spPr>
-              <a:xfrm>
-                <a:off x="270763" y="2035502"/>
-                <a:ext cx="3820790" cy="625492"/>
-              </a:xfrm>
-              <a:prstGeom prst="rect">
-                <a:avLst/>
-              </a:prstGeom>
-              <a:blipFill>
-                <a:blip r:embed="rId9"/>
-                <a:stretch>
-                  <a:fillRect/>
-                </a:stretch>
-              </a:blipFill>
-            </p:spPr>
-            <p:txBody>
-              <a:bodyPr/>
-              <a:lstStyle/>
-              <a:p>
-                <a:r>
-                  <a:rPr lang="en-US">
-                    <a:noFill/>
-                  </a:rPr>
-                  <a:t> </a:t>
-                </a:r>
-              </a:p>
-            </p:txBody>
-          </p:sp>
-        </mc:Fallback>
-      </mc:AlternateContent>
-      <mc:AlternateContent xmlns:mc="http://schemas.openxmlformats.org/markup-compatibility/2006" xmlns:a14="http://schemas.microsoft.com/office/drawing/2010/main">
-        <mc:Choice Requires="a14">
-          <p:sp>
-            <p:nvSpPr>
-              <p:cNvPr id="16" name="TextBox 15">
-                <a:extLst>
-                  <a:ext uri="{FF2B5EF4-FFF2-40B4-BE49-F238E27FC236}">
-                    <a16:creationId xmlns:a16="http://schemas.microsoft.com/office/drawing/2014/main" id="{FA7BE09D-EB0D-4BE9-BB1D-7E4EE767959A}"/>
-                  </a:ext>
-                </a:extLst>
-              </p:cNvPr>
-              <p:cNvSpPr txBox="1"/>
-              <p:nvPr/>
-            </p:nvSpPr>
-            <p:spPr>
-              <a:xfrm>
-                <a:off x="7329885" y="1954812"/>
-                <a:ext cx="4110934" cy="625492"/>
-              </a:xfrm>
-              <a:prstGeom prst="rect">
-                <a:avLst/>
-              </a:prstGeom>
-              <a:noFill/>
-            </p:spPr>
-            <p:txBody>
-              <a:bodyPr wrap="none" rtlCol="0">
-                <a:spAutoFit/>
-              </a:bodyPr>
-              <a:lstStyle/>
-              <a:p>
-                <a:pPr/>
-                <a14:m>
-                  <m:oMathPara xmlns:m="http://schemas.openxmlformats.org/officeDocument/2006/math">
-                    <m:oMathParaPr>
-                      <m:jc m:val="centerGroup"/>
-                    </m:oMathParaPr>
-                    <m:oMath xmlns:m="http://schemas.openxmlformats.org/officeDocument/2006/math">
-                      <m:d>
-                        <m:dPr>
-                          <m:begChr m:val="⟨"/>
-                          <m:endChr m:val="⟩"/>
-                          <m:ctrlPr>
-                            <a:rPr lang="en-US" sz="2000" b="0" i="1" smtClean="0">
-                              <a:latin typeface="Cambria Math" panose="02040503050406030204" pitchFamily="18" charset="0"/>
-                            </a:rPr>
-                          </m:ctrlPr>
-                        </m:dPr>
-                        <m:e>
-                          <m:sSubSup>
-                            <m:sSubSupPr>
-                              <m:ctrlPr>
-                                <a:rPr lang="en-US" sz="2000" b="0" i="1" smtClean="0">
-                                  <a:latin typeface="Cambria Math" panose="02040503050406030204" pitchFamily="18" charset="0"/>
-                                </a:rPr>
-                              </m:ctrlPr>
-                            </m:sSubSupPr>
-                            <m:e>
-                              <m:r>
-                                <a:rPr lang="en-US" sz="2000" b="0" i="1" smtClean="0">
-                                  <a:latin typeface="Cambria Math" panose="02040503050406030204" pitchFamily="18" charset="0"/>
-                                </a:rPr>
-                                <m:t>𝑎</m:t>
-                              </m:r>
-                            </m:e>
-                            <m:sub>
-                              <m:sSub>
-                                <m:sSubPr>
-                                  <m:ctrlPr>
-                                    <a:rPr lang="en-US" sz="2000" b="0" i="1" smtClean="0">
-                                      <a:latin typeface="Cambria Math" panose="02040503050406030204" pitchFamily="18" charset="0"/>
-                                    </a:rPr>
-                                  </m:ctrlPr>
-                                </m:sSubPr>
-                                <m:e>
-                                  <m:r>
-                                    <a:rPr lang="en-US" sz="2000" b="0" i="1" smtClean="0">
-                                      <a:latin typeface="Cambria Math" panose="02040503050406030204" pitchFamily="18" charset="0"/>
-                                    </a:rPr>
-                                    <m:t>𝑘</m:t>
-                                  </m:r>
-                                </m:e>
-                                <m:sub>
-                                  <m:r>
-                                    <a:rPr lang="en-US" sz="2000" b="0" i="1" smtClean="0">
-                                      <a:latin typeface="Cambria Math" panose="02040503050406030204" pitchFamily="18" charset="0"/>
-                                    </a:rPr>
-                                    <m:t>0</m:t>
-                                  </m:r>
-                                </m:sub>
-                              </m:sSub>
-                              <m:r>
-                                <a:rPr lang="en-US" sz="2000" b="0" i="1" smtClean="0">
-                                  <a:latin typeface="Cambria Math" panose="02040503050406030204" pitchFamily="18" charset="0"/>
-                                </a:rPr>
-                                <m:t>+</m:t>
-                              </m:r>
-                              <m:r>
-                                <a:rPr lang="en-US" sz="2000" b="0" i="1" smtClean="0">
-                                  <a:latin typeface="Cambria Math" panose="02040503050406030204" pitchFamily="18" charset="0"/>
-                                </a:rPr>
-                                <m:t>𝛿</m:t>
-                              </m:r>
-                            </m:sub>
-                            <m:sup>
-                              <m:r>
-                                <a:rPr lang="en-US" sz="2000" b="0" i="1" smtClean="0">
-                                  <a:latin typeface="Cambria Math" panose="02040503050406030204" pitchFamily="18" charset="0"/>
-                                </a:rPr>
-                                <m:t>+</m:t>
-                              </m:r>
-                            </m:sup>
-                          </m:sSubSup>
-                          <m:sSubSup>
-                            <m:sSubSupPr>
-                              <m:ctrlPr>
-                                <a:rPr lang="en-US" sz="2000" b="0" i="1" smtClean="0">
-                                  <a:latin typeface="Cambria Math" panose="02040503050406030204" pitchFamily="18" charset="0"/>
-                                </a:rPr>
-                              </m:ctrlPr>
-                            </m:sSubSupPr>
-                            <m:e>
-                              <m:r>
-                                <a:rPr lang="en-US" sz="2000" b="0" i="1" smtClean="0">
-                                  <a:latin typeface="Cambria Math" panose="02040503050406030204" pitchFamily="18" charset="0"/>
-                                </a:rPr>
-                                <m:t>𝑎</m:t>
-                              </m:r>
-                            </m:e>
-                            <m:sub>
-                              <m:sSub>
-                                <m:sSubPr>
-                                  <m:ctrlPr>
-                                    <a:rPr lang="en-US" sz="2000" b="0" i="1" smtClean="0">
-                                      <a:latin typeface="Cambria Math" panose="02040503050406030204" pitchFamily="18" charset="0"/>
-                                    </a:rPr>
-                                  </m:ctrlPr>
-                                </m:sSubPr>
-                                <m:e>
-                                  <m:r>
-                                    <a:rPr lang="en-US" sz="2000" b="0" i="1" smtClean="0">
-                                      <a:latin typeface="Cambria Math" panose="02040503050406030204" pitchFamily="18" charset="0"/>
-                                    </a:rPr>
-                                    <m:t>−(</m:t>
-                                  </m:r>
-                                  <m:r>
-                                    <a:rPr lang="en-US" sz="2000" b="0" i="1" smtClean="0">
-                                      <a:latin typeface="Cambria Math" panose="02040503050406030204" pitchFamily="18" charset="0"/>
-                                    </a:rPr>
-                                    <m:t>𝑘</m:t>
-                                  </m:r>
-                                </m:e>
-                                <m:sub>
-                                  <m:r>
-                                    <a:rPr lang="en-US" sz="2000" b="0" i="1" smtClean="0">
-                                      <a:latin typeface="Cambria Math" panose="02040503050406030204" pitchFamily="18" charset="0"/>
-                                    </a:rPr>
-                                    <m:t>0</m:t>
-                                  </m:r>
-                                </m:sub>
-                              </m:sSub>
-                              <m:r>
-                                <a:rPr lang="en-US" sz="2000" b="0" i="1" smtClean="0">
-                                  <a:latin typeface="Cambria Math" panose="02040503050406030204" pitchFamily="18" charset="0"/>
-                                </a:rPr>
-                                <m:t>−</m:t>
-                              </m:r>
-                              <m:r>
-                                <a:rPr lang="en-US" sz="2000" b="0" i="1" smtClean="0">
-                                  <a:latin typeface="Cambria Math" panose="02040503050406030204" pitchFamily="18" charset="0"/>
-                                </a:rPr>
-                                <m:t>𝛿</m:t>
-                              </m:r>
-                              <m:r>
-                                <a:rPr lang="en-US" sz="2000" b="0" i="1" smtClean="0">
-                                  <a:latin typeface="Cambria Math" panose="02040503050406030204" pitchFamily="18" charset="0"/>
-                                </a:rPr>
-                                <m:t>)</m:t>
-                              </m:r>
-                            </m:sub>
-                            <m:sup>
-                              <m:r>
-                                <a:rPr lang="en-US" sz="2000" b="0" i="1" smtClean="0">
-                                  <a:latin typeface="Cambria Math" panose="02040503050406030204" pitchFamily="18" charset="0"/>
-                                </a:rPr>
-                                <m:t>+</m:t>
-                              </m:r>
-                            </m:sup>
-                          </m:sSubSup>
-                        </m:e>
-                      </m:d>
-                      <m:r>
-                        <a:rPr lang="en-US" sz="2000" b="0" i="1" smtClean="0">
-                          <a:latin typeface="Cambria Math" panose="02040503050406030204" pitchFamily="18" charset="0"/>
-                        </a:rPr>
-                        <m:t>=</m:t>
-                      </m:r>
-                      <m:r>
-                        <a:rPr lang="en-US" sz="2000" b="0" i="1" smtClean="0">
-                          <a:latin typeface="Cambria Math" panose="02040503050406030204" pitchFamily="18" charset="0"/>
-                        </a:rPr>
-                        <m:t>𝑠𝑖𝑛h𝑟𝑐𝑜𝑠h𝑟</m:t>
-                      </m:r>
-                      <m:r>
-                        <a:rPr lang="en-US" sz="2000" b="0" i="1" smtClean="0">
-                          <a:latin typeface="Cambria Math" panose="02040503050406030204" pitchFamily="18" charset="0"/>
-                        </a:rPr>
-                        <m:t>=</m:t>
-                      </m:r>
-                      <m:r>
-                        <a:rPr lang="en-US" sz="2000" b="0" i="1" smtClean="0">
-                          <a:latin typeface="Cambria Math" panose="02040503050406030204" pitchFamily="18" charset="0"/>
-                        </a:rPr>
-                        <m:t>𝑀</m:t>
-                      </m:r>
-                    </m:oMath>
-                  </m:oMathPara>
-                </a14:m>
-                <a:endParaRPr lang="en-US" sz="2000" dirty="0"/>
-              </a:p>
-            </p:txBody>
-          </p:sp>
-        </mc:Choice>
-        <mc:Fallback xmlns="">
-          <p:sp>
-            <p:nvSpPr>
-              <p:cNvPr id="16" name="TextBox 15">
-                <a:extLst>
-                  <a:ext uri="{FF2B5EF4-FFF2-40B4-BE49-F238E27FC236}">
-                    <a16:creationId xmlns:a16="http://schemas.microsoft.com/office/drawing/2014/main" id="{FA7BE09D-EB0D-4BE9-BB1D-7E4EE767959A}"/>
-                  </a:ext>
-                </a:extLst>
-              </p:cNvPr>
-              <p:cNvSpPr txBox="1">
-                <a:spLocks noRot="1" noChangeAspect="1" noMove="1" noResize="1" noEditPoints="1" noAdjustHandles="1" noChangeArrowheads="1" noChangeShapeType="1" noTextEdit="1"/>
-              </p:cNvSpPr>
-              <p:nvPr/>
-            </p:nvSpPr>
-            <p:spPr>
-              <a:xfrm>
-                <a:off x="7329885" y="1954812"/>
-                <a:ext cx="4110934" cy="625492"/>
-              </a:xfrm>
-              <a:prstGeom prst="rect">
-                <a:avLst/>
-              </a:prstGeom>
-              <a:blipFill>
-                <a:blip r:embed="rId10"/>
-                <a:stretch>
-                  <a:fillRect/>
-                </a:stretch>
-              </a:blipFill>
-            </p:spPr>
-            <p:txBody>
-              <a:bodyPr/>
-              <a:lstStyle/>
-              <a:p>
-                <a:r>
-                  <a:rPr lang="en-US">
-                    <a:noFill/>
-                  </a:rPr>
-                  <a:t> </a:t>
-                </a:r>
-              </a:p>
-            </p:txBody>
-          </p:sp>
-        </mc:Fallback>
-      </mc:AlternateContent>
-    </p:spTree>
-    <p:extLst>
-      <p:ext uri="{BB962C8B-B14F-4D97-AF65-F5344CB8AC3E}">
-        <p14:creationId xmlns:p14="http://schemas.microsoft.com/office/powerpoint/2010/main" val="910147539"/>
       </p:ext>
     </p:extLst>
   </p:cSld>

--- a/3-level.pptx
+++ b/3-level.pptx
@@ -241,7 +241,7 @@
           <a:p>
             <a:fld id="{D398D3D8-E180-45F1-973D-9CDE3FC68687}" type="datetimeFigureOut">
               <a:rPr lang="en-US" smtClean="0"/>
-              <a:t>10/31/2018</a:t>
+              <a:t>11/9/2018</a:t>
             </a:fld>
             <a:endParaRPr lang="en-US"/>
           </a:p>
@@ -823,7 +823,7 @@
           <a:p>
             <a:fld id="{540C0B17-285F-4B24-A15E-231AC8C41BCD}" type="datetimeFigureOut">
               <a:rPr lang="en-US" smtClean="0"/>
-              <a:t>10/31/2018</a:t>
+              <a:t>11/9/2018</a:t>
             </a:fld>
             <a:endParaRPr lang="en-US"/>
           </a:p>
@@ -1021,7 +1021,7 @@
           <a:p>
             <a:fld id="{540C0B17-285F-4B24-A15E-231AC8C41BCD}" type="datetimeFigureOut">
               <a:rPr lang="en-US" smtClean="0"/>
-              <a:t>10/31/2018</a:t>
+              <a:t>11/9/2018</a:t>
             </a:fld>
             <a:endParaRPr lang="en-US"/>
           </a:p>
@@ -1229,7 +1229,7 @@
           <a:p>
             <a:fld id="{540C0B17-285F-4B24-A15E-231AC8C41BCD}" type="datetimeFigureOut">
               <a:rPr lang="en-US" smtClean="0"/>
-              <a:t>10/31/2018</a:t>
+              <a:t>11/9/2018</a:t>
             </a:fld>
             <a:endParaRPr lang="en-US"/>
           </a:p>
@@ -1427,7 +1427,7 @@
           <a:p>
             <a:fld id="{540C0B17-285F-4B24-A15E-231AC8C41BCD}" type="datetimeFigureOut">
               <a:rPr lang="en-US" smtClean="0"/>
-              <a:t>10/31/2018</a:t>
+              <a:t>11/9/2018</a:t>
             </a:fld>
             <a:endParaRPr lang="en-US"/>
           </a:p>
@@ -1702,7 +1702,7 @@
           <a:p>
             <a:fld id="{540C0B17-285F-4B24-A15E-231AC8C41BCD}" type="datetimeFigureOut">
               <a:rPr lang="en-US" smtClean="0"/>
-              <a:t>10/31/2018</a:t>
+              <a:t>11/9/2018</a:t>
             </a:fld>
             <a:endParaRPr lang="en-US"/>
           </a:p>
@@ -1967,7 +1967,7 @@
           <a:p>
             <a:fld id="{540C0B17-285F-4B24-A15E-231AC8C41BCD}" type="datetimeFigureOut">
               <a:rPr lang="en-US" smtClean="0"/>
-              <a:t>10/31/2018</a:t>
+              <a:t>11/9/2018</a:t>
             </a:fld>
             <a:endParaRPr lang="en-US"/>
           </a:p>
@@ -2379,7 +2379,7 @@
           <a:p>
             <a:fld id="{540C0B17-285F-4B24-A15E-231AC8C41BCD}" type="datetimeFigureOut">
               <a:rPr lang="en-US" smtClean="0"/>
-              <a:t>10/31/2018</a:t>
+              <a:t>11/9/2018</a:t>
             </a:fld>
             <a:endParaRPr lang="en-US"/>
           </a:p>
@@ -2520,7 +2520,7 @@
           <a:p>
             <a:fld id="{540C0B17-285F-4B24-A15E-231AC8C41BCD}" type="datetimeFigureOut">
               <a:rPr lang="en-US" smtClean="0"/>
-              <a:t>10/31/2018</a:t>
+              <a:t>11/9/2018</a:t>
             </a:fld>
             <a:endParaRPr lang="en-US"/>
           </a:p>
@@ -2633,7 +2633,7 @@
           <a:p>
             <a:fld id="{540C0B17-285F-4B24-A15E-231AC8C41BCD}" type="datetimeFigureOut">
               <a:rPr lang="en-US" smtClean="0"/>
-              <a:t>10/31/2018</a:t>
+              <a:t>11/9/2018</a:t>
             </a:fld>
             <a:endParaRPr lang="en-US"/>
           </a:p>
@@ -2944,7 +2944,7 @@
           <a:p>
             <a:fld id="{540C0B17-285F-4B24-A15E-231AC8C41BCD}" type="datetimeFigureOut">
               <a:rPr lang="en-US" smtClean="0"/>
-              <a:t>10/31/2018</a:t>
+              <a:t>11/9/2018</a:t>
             </a:fld>
             <a:endParaRPr lang="en-US"/>
           </a:p>
@@ -3232,7 +3232,7 @@
           <a:p>
             <a:fld id="{540C0B17-285F-4B24-A15E-231AC8C41BCD}" type="datetimeFigureOut">
               <a:rPr lang="en-US" smtClean="0"/>
-              <a:t>10/31/2018</a:t>
+              <a:t>11/9/2018</a:t>
             </a:fld>
             <a:endParaRPr lang="en-US"/>
           </a:p>
@@ -3473,7 +3473,7 @@
           <a:p>
             <a:fld id="{540C0B17-285F-4B24-A15E-231AC8C41BCD}" type="datetimeFigureOut">
               <a:rPr lang="en-US" smtClean="0"/>
-              <a:t>10/31/2018</a:t>
+              <a:t>11/9/2018</a:t>
             </a:fld>
             <a:endParaRPr lang="en-US"/>
           </a:p>
@@ -16001,7 +16001,7 @@
         </p:blipFill>
         <p:spPr>
           <a:xfrm>
-            <a:off x="5745546" y="1036957"/>
+            <a:off x="5745546" y="1053735"/>
             <a:ext cx="6267450" cy="2085975"/>
           </a:xfrm>
           <a:prstGeom prst="rect">
@@ -16245,8 +16245,8 @@
           </a:p>
         </p:txBody>
       </p:sp>
-      <mc:AlternateContent xmlns:mc="http://schemas.openxmlformats.org/markup-compatibility/2006">
-        <mc:Choice xmlns:a14="http://schemas.microsoft.com/office/drawing/2010/main" Requires="a14">
+      <mc:AlternateContent xmlns:mc="http://schemas.openxmlformats.org/markup-compatibility/2006" xmlns:a14="http://schemas.microsoft.com/office/drawing/2010/main">
+        <mc:Choice Requires="a14">
           <p:sp>
             <p:nvSpPr>
               <p:cNvPr id="3" name="Content Placeholder 2">
@@ -16546,7 +16546,7 @@
             </p:txBody>
           </p:sp>
         </mc:Choice>
-        <mc:Fallback>
+        <mc:Fallback xmlns="">
           <p:sp>
             <p:nvSpPr>
               <p:cNvPr id="3" name="Content Placeholder 2">

--- a/3-level.pptx
+++ b/3-level.pptx
@@ -241,7 +241,7 @@
           <a:p>
             <a:fld id="{D398D3D8-E180-45F1-973D-9CDE3FC68687}" type="datetimeFigureOut">
               <a:rPr lang="en-US" smtClean="0"/>
-              <a:t>11/9/2018</a:t>
+              <a:t>1/18/2019</a:t>
             </a:fld>
             <a:endParaRPr lang="en-US"/>
           </a:p>
@@ -823,7 +823,7 @@
           <a:p>
             <a:fld id="{540C0B17-285F-4B24-A15E-231AC8C41BCD}" type="datetimeFigureOut">
               <a:rPr lang="en-US" smtClean="0"/>
-              <a:t>11/9/2018</a:t>
+              <a:t>1/18/2019</a:t>
             </a:fld>
             <a:endParaRPr lang="en-US"/>
           </a:p>
@@ -1021,7 +1021,7 @@
           <a:p>
             <a:fld id="{540C0B17-285F-4B24-A15E-231AC8C41BCD}" type="datetimeFigureOut">
               <a:rPr lang="en-US" smtClean="0"/>
-              <a:t>11/9/2018</a:t>
+              <a:t>1/18/2019</a:t>
             </a:fld>
             <a:endParaRPr lang="en-US"/>
           </a:p>
@@ -1229,7 +1229,7 @@
           <a:p>
             <a:fld id="{540C0B17-285F-4B24-A15E-231AC8C41BCD}" type="datetimeFigureOut">
               <a:rPr lang="en-US" smtClean="0"/>
-              <a:t>11/9/2018</a:t>
+              <a:t>1/18/2019</a:t>
             </a:fld>
             <a:endParaRPr lang="en-US"/>
           </a:p>
@@ -1427,7 +1427,7 @@
           <a:p>
             <a:fld id="{540C0B17-285F-4B24-A15E-231AC8C41BCD}" type="datetimeFigureOut">
               <a:rPr lang="en-US" smtClean="0"/>
-              <a:t>11/9/2018</a:t>
+              <a:t>1/18/2019</a:t>
             </a:fld>
             <a:endParaRPr lang="en-US"/>
           </a:p>
@@ -1702,7 +1702,7 @@
           <a:p>
             <a:fld id="{540C0B17-285F-4B24-A15E-231AC8C41BCD}" type="datetimeFigureOut">
               <a:rPr lang="en-US" smtClean="0"/>
-              <a:t>11/9/2018</a:t>
+              <a:t>1/18/2019</a:t>
             </a:fld>
             <a:endParaRPr lang="en-US"/>
           </a:p>
@@ -1967,7 +1967,7 @@
           <a:p>
             <a:fld id="{540C0B17-285F-4B24-A15E-231AC8C41BCD}" type="datetimeFigureOut">
               <a:rPr lang="en-US" smtClean="0"/>
-              <a:t>11/9/2018</a:t>
+              <a:t>1/18/2019</a:t>
             </a:fld>
             <a:endParaRPr lang="en-US"/>
           </a:p>
@@ -2379,7 +2379,7 @@
           <a:p>
             <a:fld id="{540C0B17-285F-4B24-A15E-231AC8C41BCD}" type="datetimeFigureOut">
               <a:rPr lang="en-US" smtClean="0"/>
-              <a:t>11/9/2018</a:t>
+              <a:t>1/18/2019</a:t>
             </a:fld>
             <a:endParaRPr lang="en-US"/>
           </a:p>
@@ -2520,7 +2520,7 @@
           <a:p>
             <a:fld id="{540C0B17-285F-4B24-A15E-231AC8C41BCD}" type="datetimeFigureOut">
               <a:rPr lang="en-US" smtClean="0"/>
-              <a:t>11/9/2018</a:t>
+              <a:t>1/18/2019</a:t>
             </a:fld>
             <a:endParaRPr lang="en-US"/>
           </a:p>
@@ -2633,7 +2633,7 @@
           <a:p>
             <a:fld id="{540C0B17-285F-4B24-A15E-231AC8C41BCD}" type="datetimeFigureOut">
               <a:rPr lang="en-US" smtClean="0"/>
-              <a:t>11/9/2018</a:t>
+              <a:t>1/18/2019</a:t>
             </a:fld>
             <a:endParaRPr lang="en-US"/>
           </a:p>
@@ -2944,7 +2944,7 @@
           <a:p>
             <a:fld id="{540C0B17-285F-4B24-A15E-231AC8C41BCD}" type="datetimeFigureOut">
               <a:rPr lang="en-US" smtClean="0"/>
-              <a:t>11/9/2018</a:t>
+              <a:t>1/18/2019</a:t>
             </a:fld>
             <a:endParaRPr lang="en-US"/>
           </a:p>
@@ -3232,7 +3232,7 @@
           <a:p>
             <a:fld id="{540C0B17-285F-4B24-A15E-231AC8C41BCD}" type="datetimeFigureOut">
               <a:rPr lang="en-US" smtClean="0"/>
-              <a:t>11/9/2018</a:t>
+              <a:t>1/18/2019</a:t>
             </a:fld>
             <a:endParaRPr lang="en-US"/>
           </a:p>
@@ -3473,7 +3473,7 @@
           <a:p>
             <a:fld id="{540C0B17-285F-4B24-A15E-231AC8C41BCD}" type="datetimeFigureOut">
               <a:rPr lang="en-US" smtClean="0"/>
-              <a:t>11/9/2018</a:t>
+              <a:t>1/18/2019</a:t>
             </a:fld>
             <a:endParaRPr lang="en-US"/>
           </a:p>
@@ -5126,10 +5126,10 @@
       </mc:AlternateContent>
       <p:grpSp>
         <p:nvGrpSpPr>
-          <p:cNvPr id="4" name="Group 3">
+          <p:cNvPr id="10" name="Group 9">
             <a:extLst>
               <a:ext uri="{FF2B5EF4-FFF2-40B4-BE49-F238E27FC236}">
-                <a16:creationId xmlns:a16="http://schemas.microsoft.com/office/drawing/2014/main" id="{BF8E8910-09EB-45E3-9D08-AEECE6080FE9}"/>
+                <a16:creationId xmlns:a16="http://schemas.microsoft.com/office/drawing/2014/main" id="{EC315754-3D8F-46FA-8AD2-FC3BEA9E6240}"/>
               </a:ext>
             </a:extLst>
           </p:cNvPr>
@@ -5138,133 +5138,18 @@
         </p:nvGrpSpPr>
         <p:grpSpPr>
           <a:xfrm>
-            <a:off x="1620869" y="-176491"/>
-            <a:ext cx="5531775" cy="3172105"/>
-            <a:chOff x="1407509" y="-180094"/>
-            <a:chExt cx="5531775" cy="3172105"/>
+            <a:off x="1413499" y="-176491"/>
+            <a:ext cx="5739145" cy="3172105"/>
+            <a:chOff x="1413499" y="-176491"/>
+            <a:chExt cx="5739145" cy="3172105"/>
           </a:xfrm>
         </p:grpSpPr>
-        <mc:AlternateContent xmlns:mc="http://schemas.openxmlformats.org/markup-compatibility/2006" xmlns:a14="http://schemas.microsoft.com/office/drawing/2010/main">
-          <mc:Choice Requires="a14">
-            <p:sp>
-              <p:nvSpPr>
-                <p:cNvPr id="19" name="TextBox 18">
-                  <a:extLst>
-                    <a:ext uri="{FF2B5EF4-FFF2-40B4-BE49-F238E27FC236}">
-                      <a16:creationId xmlns:a16="http://schemas.microsoft.com/office/drawing/2014/main" id="{90D9BDC6-34C2-44F5-9094-31B1842D47C7}"/>
-                    </a:ext>
-                  </a:extLst>
-                </p:cNvPr>
-                <p:cNvSpPr txBox="1"/>
-                <p:nvPr/>
-              </p:nvSpPr>
-              <p:spPr>
-                <a:xfrm>
-                  <a:off x="3232060" y="-180094"/>
-                  <a:ext cx="771686" cy="584775"/>
-                </a:xfrm>
-                <a:prstGeom prst="rect">
-                  <a:avLst/>
-                </a:prstGeom>
-                <a:noFill/>
-              </p:spPr>
-              <p:txBody>
-                <a:bodyPr wrap="none" rtlCol="0">
-                  <a:spAutoFit/>
-                </a:bodyPr>
-                <a:lstStyle/>
-                <a:p>
-                  <a:pPr/>
-                  <a14:m>
-                    <m:oMathPara xmlns:m="http://schemas.openxmlformats.org/officeDocument/2006/math">
-                      <m:oMathParaPr>
-                        <m:jc m:val="centerGroup"/>
-                      </m:oMathParaPr>
-                      <m:oMath xmlns:m="http://schemas.openxmlformats.org/officeDocument/2006/math">
-                        <m:sSub>
-                          <m:sSubPr>
-                            <m:ctrlPr>
-                              <a:rPr lang="en-US" sz="3200" b="0" i="1" smtClean="0">
-                                <a:latin typeface="Cambria Math" panose="02040503050406030204" pitchFamily="18" charset="0"/>
-                              </a:rPr>
-                            </m:ctrlPr>
-                          </m:sSubPr>
-                          <m:e>
-                            <m:r>
-                              <a:rPr lang="en-US" sz="3200" b="0" i="1" smtClean="0">
-                                <a:latin typeface="Cambria Math" panose="02040503050406030204" pitchFamily="18" charset="0"/>
-                              </a:rPr>
-                              <m:t>𝜔</m:t>
-                            </m:r>
-                          </m:e>
-                          <m:sub>
-                            <m:r>
-                              <a:rPr lang="en-US" sz="3200" b="0" i="1" smtClean="0">
-                                <a:latin typeface="Cambria Math" panose="02040503050406030204" pitchFamily="18" charset="0"/>
-                              </a:rPr>
-                              <m:t>𝑎</m:t>
-                            </m:r>
-                          </m:sub>
-                        </m:sSub>
-                      </m:oMath>
-                    </m:oMathPara>
-                  </a14:m>
-                  <a:endParaRPr lang="en-US" sz="3200" dirty="0"/>
-                </a:p>
-              </p:txBody>
-            </p:sp>
-          </mc:Choice>
-          <mc:Fallback xmlns="">
-            <p:sp>
-              <p:nvSpPr>
-                <p:cNvPr id="19" name="TextBox 18">
-                  <a:extLst>
-                    <a:ext uri="{FF2B5EF4-FFF2-40B4-BE49-F238E27FC236}">
-                      <a16:creationId xmlns:a16="http://schemas.microsoft.com/office/drawing/2014/main" id="{90D9BDC6-34C2-44F5-9094-31B1842D47C7}"/>
-                    </a:ext>
-                  </a:extLst>
-                </p:cNvPr>
-                <p:cNvSpPr txBox="1">
-                  <a:spLocks noRot="1" noChangeAspect="1" noMove="1" noResize="1" noEditPoints="1" noAdjustHandles="1" noChangeArrowheads="1" noChangeShapeType="1" noTextEdit="1"/>
-                </p:cNvSpPr>
-                <p:nvPr/>
-              </p:nvSpPr>
-              <p:spPr>
-                <a:xfrm>
-                  <a:off x="3232060" y="-180094"/>
-                  <a:ext cx="771686" cy="584775"/>
-                </a:xfrm>
-                <a:prstGeom prst="rect">
-                  <a:avLst/>
-                </a:prstGeom>
-                <a:blipFill>
-                  <a:blip r:embed="rId7"/>
-                  <a:stretch>
-                    <a:fillRect/>
-                  </a:stretch>
-                </a:blipFill>
-              </p:spPr>
-              <p:txBody>
-                <a:bodyPr/>
-                <a:lstStyle/>
-                <a:p>
-                  <a:r>
-                    <a:rPr lang="en-US">
-                      <a:noFill/>
-                    </a:rPr>
-                    <a:t> </a:t>
-                  </a:r>
-                </a:p>
-              </p:txBody>
-            </p:sp>
-          </mc:Fallback>
-        </mc:AlternateContent>
         <p:grpSp>
           <p:nvGrpSpPr>
-            <p:cNvPr id="2" name="Group 1">
+            <p:cNvPr id="4" name="Group 3">
               <a:extLst>
                 <a:ext uri="{FF2B5EF4-FFF2-40B4-BE49-F238E27FC236}">
-                  <a16:creationId xmlns:a16="http://schemas.microsoft.com/office/drawing/2014/main" id="{3F331D25-79C9-42F0-A363-F3023CB2D083}"/>
+                  <a16:creationId xmlns:a16="http://schemas.microsoft.com/office/drawing/2014/main" id="{BF8E8910-09EB-45E3-9D08-AEECE6080FE9}"/>
                 </a:ext>
               </a:extLst>
             </p:cNvPr>
@@ -5273,211 +5158,20 @@
           </p:nvGrpSpPr>
           <p:grpSpPr>
             <a:xfrm>
-              <a:off x="1407509" y="219383"/>
-              <a:ext cx="5531775" cy="2772628"/>
-              <a:chOff x="1552911" y="276345"/>
-              <a:chExt cx="5531775" cy="2772628"/>
+              <a:off x="1620869" y="-176491"/>
+              <a:ext cx="5531775" cy="3172105"/>
+              <a:chOff x="1407509" y="-180094"/>
+              <a:chExt cx="5531775" cy="3172105"/>
             </a:xfrm>
           </p:grpSpPr>
-          <p:cxnSp>
-            <p:nvCxnSpPr>
-              <p:cNvPr id="5" name="Straight Connector 4">
-                <a:extLst>
-                  <a:ext uri="{FF2B5EF4-FFF2-40B4-BE49-F238E27FC236}">
-                    <a16:creationId xmlns:a16="http://schemas.microsoft.com/office/drawing/2014/main" id="{CD2DB9A7-CC8B-4AC0-897D-769765A933B8}"/>
-                  </a:ext>
-                </a:extLst>
-              </p:cNvPr>
-              <p:cNvCxnSpPr/>
-              <p:nvPr/>
-            </p:nvCxnSpPr>
-            <p:spPr>
-              <a:xfrm>
-                <a:off x="3570912" y="2843081"/>
-                <a:ext cx="1275348" cy="0"/>
-              </a:xfrm>
-              <a:prstGeom prst="line">
-                <a:avLst/>
-              </a:prstGeom>
-              <a:ln w="38100"/>
-            </p:spPr>
-            <p:style>
-              <a:lnRef idx="1">
-                <a:schemeClr val="dk1"/>
-              </a:lnRef>
-              <a:fillRef idx="0">
-                <a:schemeClr val="dk1"/>
-              </a:fillRef>
-              <a:effectRef idx="0">
-                <a:schemeClr val="dk1"/>
-              </a:effectRef>
-              <a:fontRef idx="minor">
-                <a:schemeClr val="tx1"/>
-              </a:fontRef>
-            </p:style>
-          </p:cxnSp>
-          <p:cxnSp>
-            <p:nvCxnSpPr>
-              <p:cNvPr id="6" name="Straight Connector 5">
-                <a:extLst>
-                  <a:ext uri="{FF2B5EF4-FFF2-40B4-BE49-F238E27FC236}">
-                    <a16:creationId xmlns:a16="http://schemas.microsoft.com/office/drawing/2014/main" id="{26D8791F-94DE-4C8A-97F0-F53A48E67239}"/>
-                  </a:ext>
-                </a:extLst>
-              </p:cNvPr>
-              <p:cNvCxnSpPr/>
-              <p:nvPr/>
-            </p:nvCxnSpPr>
-            <p:spPr>
-              <a:xfrm>
-                <a:off x="2488070" y="1800344"/>
-                <a:ext cx="1275348" cy="0"/>
-              </a:xfrm>
-              <a:prstGeom prst="line">
-                <a:avLst/>
-              </a:prstGeom>
-              <a:ln w="38100"/>
-            </p:spPr>
-            <p:style>
-              <a:lnRef idx="1">
-                <a:schemeClr val="dk1"/>
-              </a:lnRef>
-              <a:fillRef idx="0">
-                <a:schemeClr val="dk1"/>
-              </a:fillRef>
-              <a:effectRef idx="0">
-                <a:schemeClr val="dk1"/>
-              </a:effectRef>
-              <a:fontRef idx="minor">
-                <a:schemeClr val="tx1"/>
-              </a:fontRef>
-            </p:style>
-          </p:cxnSp>
-          <p:cxnSp>
-            <p:nvCxnSpPr>
-              <p:cNvPr id="7" name="Straight Connector 6">
-                <a:extLst>
-                  <a:ext uri="{FF2B5EF4-FFF2-40B4-BE49-F238E27FC236}">
-                    <a16:creationId xmlns:a16="http://schemas.microsoft.com/office/drawing/2014/main" id="{A35008F8-BE7D-42AB-A40C-B2B7EA7B0895}"/>
-                  </a:ext>
-                </a:extLst>
-              </p:cNvPr>
-              <p:cNvCxnSpPr/>
-              <p:nvPr/>
-            </p:nvCxnSpPr>
-            <p:spPr>
-              <a:xfrm>
-                <a:off x="4294442" y="276345"/>
-                <a:ext cx="1275348" cy="0"/>
-              </a:xfrm>
-              <a:prstGeom prst="line">
-                <a:avLst/>
-              </a:prstGeom>
-              <a:ln w="38100"/>
-            </p:spPr>
-            <p:style>
-              <a:lnRef idx="1">
-                <a:schemeClr val="dk1"/>
-              </a:lnRef>
-              <a:fillRef idx="0">
-                <a:schemeClr val="dk1"/>
-              </a:fillRef>
-              <a:effectRef idx="0">
-                <a:schemeClr val="dk1"/>
-              </a:effectRef>
-              <a:fontRef idx="minor">
-                <a:schemeClr val="tx1"/>
-              </a:fontRef>
-            </p:style>
-          </p:cxnSp>
-          <p:cxnSp>
-            <p:nvCxnSpPr>
-              <p:cNvPr id="9" name="Straight Arrow Connector 8">
-                <a:extLst>
-                  <a:ext uri="{FF2B5EF4-FFF2-40B4-BE49-F238E27FC236}">
-                    <a16:creationId xmlns:a16="http://schemas.microsoft.com/office/drawing/2014/main" id="{08C4EA5E-92A7-4F10-8D19-BCCC12A67E7D}"/>
-                  </a:ext>
-                </a:extLst>
-              </p:cNvPr>
-              <p:cNvCxnSpPr/>
-              <p:nvPr/>
-            </p:nvCxnSpPr>
-            <p:spPr>
-              <a:xfrm flipH="1" flipV="1">
-                <a:off x="3185902" y="1800344"/>
-                <a:ext cx="938463" cy="1042737"/>
-              </a:xfrm>
-              <a:prstGeom prst="straightConnector1">
-                <a:avLst/>
-              </a:prstGeom>
-              <a:ln w="28575">
-                <a:tailEnd type="triangle"/>
-              </a:ln>
-            </p:spPr>
-            <p:style>
-              <a:lnRef idx="1">
-                <a:schemeClr val="accent1"/>
-              </a:lnRef>
-              <a:fillRef idx="0">
-                <a:schemeClr val="accent1"/>
-              </a:fillRef>
-              <a:effectRef idx="0">
-                <a:schemeClr val="accent1"/>
-              </a:effectRef>
-              <a:fontRef idx="minor">
-                <a:schemeClr val="tx1"/>
-              </a:fontRef>
-            </p:style>
-          </p:cxnSp>
-          <p:cxnSp>
-            <p:nvCxnSpPr>
-              <p:cNvPr id="11" name="Straight Arrow Connector 10">
-                <a:extLst>
-                  <a:ext uri="{FF2B5EF4-FFF2-40B4-BE49-F238E27FC236}">
-                    <a16:creationId xmlns:a16="http://schemas.microsoft.com/office/drawing/2014/main" id="{F1BC596E-79DB-490F-A48C-19244BF63801}"/>
-                  </a:ext>
-                </a:extLst>
-              </p:cNvPr>
-              <p:cNvCxnSpPr>
-                <a:cxnSpLocks/>
-              </p:cNvCxnSpPr>
-              <p:nvPr/>
-            </p:nvCxnSpPr>
-            <p:spPr>
-              <a:xfrm flipV="1">
-                <a:off x="3185902" y="276345"/>
-                <a:ext cx="1660358" cy="1523999"/>
-              </a:xfrm>
-              <a:prstGeom prst="straightConnector1">
-                <a:avLst/>
-              </a:prstGeom>
-              <a:ln w="28575">
-                <a:tailEnd type="triangle"/>
-              </a:ln>
-            </p:spPr>
-            <p:style>
-              <a:lnRef idx="1">
-                <a:schemeClr val="accent1"/>
-              </a:lnRef>
-              <a:fillRef idx="0">
-                <a:schemeClr val="accent1"/>
-              </a:fillRef>
-              <a:effectRef idx="0">
-                <a:schemeClr val="accent1"/>
-              </a:effectRef>
-              <a:fontRef idx="minor">
-                <a:schemeClr val="tx1"/>
-              </a:fontRef>
-            </p:style>
-          </p:cxnSp>
           <mc:AlternateContent xmlns:mc="http://schemas.openxmlformats.org/markup-compatibility/2006" xmlns:a14="http://schemas.microsoft.com/office/drawing/2010/main">
             <mc:Choice Requires="a14">
               <p:sp>
                 <p:nvSpPr>
-                  <p:cNvPr id="21" name="TextBox 20">
+                  <p:cNvPr id="19" name="TextBox 18">
                     <a:extLst>
                       <a:ext uri="{FF2B5EF4-FFF2-40B4-BE49-F238E27FC236}">
-                        <a16:creationId xmlns:a16="http://schemas.microsoft.com/office/drawing/2014/main" id="{EAC73FA7-462A-4E11-8C51-C726490734EF}"/>
+                        <a16:creationId xmlns:a16="http://schemas.microsoft.com/office/drawing/2014/main" id="{90D9BDC6-34C2-44F5-9094-31B1842D47C7}"/>
                       </a:ext>
                     </a:extLst>
                   </p:cNvPr>
@@ -5486,8 +5180,8 @@
                 </p:nvSpPr>
                 <p:spPr>
                   <a:xfrm>
-                    <a:off x="1552911" y="1425094"/>
-                    <a:ext cx="780405" cy="584775"/>
+                    <a:off x="3232060" y="-180094"/>
+                    <a:ext cx="771686" cy="584775"/>
                   </a:xfrm>
                   <a:prstGeom prst="rect">
                     <a:avLst/>
@@ -5528,7 +5222,7 @@
                                 <a:rPr lang="en-US" sz="3200" b="0" i="1" smtClean="0">
                                   <a:latin typeface="Cambria Math" panose="02040503050406030204" pitchFamily="18" charset="0"/>
                                 </a:rPr>
-                                <m:t>𝑏</m:t>
+                                <m:t>𝑎</m:t>
                               </m:r>
                             </m:sub>
                           </m:sSub>
@@ -5543,10 +5237,10 @@
             <mc:Fallback xmlns="">
               <p:sp>
                 <p:nvSpPr>
-                  <p:cNvPr id="21" name="TextBox 20">
+                  <p:cNvPr id="19" name="TextBox 18">
                     <a:extLst>
                       <a:ext uri="{FF2B5EF4-FFF2-40B4-BE49-F238E27FC236}">
-                        <a16:creationId xmlns:a16="http://schemas.microsoft.com/office/drawing/2014/main" id="{EAC73FA7-462A-4E11-8C51-C726490734EF}"/>
+                        <a16:creationId xmlns:a16="http://schemas.microsoft.com/office/drawing/2014/main" id="{90D9BDC6-34C2-44F5-9094-31B1842D47C7}"/>
                       </a:ext>
                     </a:extLst>
                   </p:cNvPr>
@@ -5557,14 +5251,14 @@
                 </p:nvSpPr>
                 <p:spPr>
                   <a:xfrm>
-                    <a:off x="1552911" y="1425094"/>
-                    <a:ext cx="780405" cy="584775"/>
+                    <a:off x="3232060" y="-180094"/>
+                    <a:ext cx="771686" cy="584775"/>
                   </a:xfrm>
                   <a:prstGeom prst="rect">
                     <a:avLst/>
                   </a:prstGeom>
                   <a:blipFill>
-                    <a:blip r:embed="rId8"/>
+                    <a:blip r:embed="rId7"/>
                     <a:stretch>
                       <a:fillRect/>
                     </a:stretch>
@@ -5585,629 +5279,994 @@
               </p:sp>
             </mc:Fallback>
           </mc:AlternateContent>
-          <mc:AlternateContent xmlns:mc="http://schemas.openxmlformats.org/markup-compatibility/2006" xmlns:a14="http://schemas.microsoft.com/office/drawing/2010/main">
-            <mc:Choice Requires="a14">
-              <p:sp>
-                <p:nvSpPr>
-                  <p:cNvPr id="22" name="TextBox 21">
-                    <a:extLst>
-                      <a:ext uri="{FF2B5EF4-FFF2-40B4-BE49-F238E27FC236}">
-                        <a16:creationId xmlns:a16="http://schemas.microsoft.com/office/drawing/2014/main" id="{1A0E70DE-3EBC-44B1-B159-829EB91F833F}"/>
-                      </a:ext>
-                    </a:extLst>
-                  </p:cNvPr>
-                  <p:cNvSpPr txBox="1"/>
-                  <p:nvPr/>
-                </p:nvSpPr>
-                <p:spPr>
-                  <a:xfrm>
-                    <a:off x="2863562" y="2464198"/>
-                    <a:ext cx="736997" cy="584775"/>
-                  </a:xfrm>
-                  <a:prstGeom prst="rect">
-                    <a:avLst/>
-                  </a:prstGeom>
-                  <a:noFill/>
-                </p:spPr>
-                <p:txBody>
-                  <a:bodyPr wrap="none" rtlCol="0">
-                    <a:spAutoFit/>
-                  </a:bodyPr>
-                  <a:lstStyle/>
-                  <a:p>
-                    <a:pPr/>
-                    <a14:m>
-                      <m:oMathPara xmlns:m="http://schemas.openxmlformats.org/officeDocument/2006/math">
-                        <m:oMathParaPr>
-                          <m:jc m:val="centerGroup"/>
-                        </m:oMathParaPr>
-                        <m:oMath xmlns:m="http://schemas.openxmlformats.org/officeDocument/2006/math">
-                          <m:sSub>
-                            <m:sSubPr>
-                              <m:ctrlPr>
-                                <a:rPr lang="en-US" sz="3200" b="0" i="1" smtClean="0">
-                                  <a:latin typeface="Cambria Math" panose="02040503050406030204" pitchFamily="18" charset="0"/>
-                                </a:rPr>
-                              </m:ctrlPr>
-                            </m:sSubPr>
-                            <m:e>
-                              <m:r>
-                                <a:rPr lang="en-US" sz="3200" b="0" i="1" smtClean="0">
-                                  <a:latin typeface="Cambria Math" panose="02040503050406030204" pitchFamily="18" charset="0"/>
-                                </a:rPr>
-                                <m:t>𝜔</m:t>
-                              </m:r>
-                            </m:e>
-                            <m:sub>
-                              <m:r>
-                                <a:rPr lang="en-US" sz="3200" b="0" i="1" smtClean="0">
-                                  <a:latin typeface="Cambria Math" panose="02040503050406030204" pitchFamily="18" charset="0"/>
-                                </a:rPr>
-                                <m:t>𝑐</m:t>
-                              </m:r>
-                            </m:sub>
-                          </m:sSub>
-                        </m:oMath>
-                      </m:oMathPara>
-                    </a14:m>
-                    <a:endParaRPr lang="en-US" sz="3200" dirty="0"/>
-                  </a:p>
-                </p:txBody>
-              </p:sp>
-            </mc:Choice>
-            <mc:Fallback xmlns="">
-              <p:sp>
-                <p:nvSpPr>
-                  <p:cNvPr id="22" name="TextBox 21">
-                    <a:extLst>
-                      <a:ext uri="{FF2B5EF4-FFF2-40B4-BE49-F238E27FC236}">
-                        <a16:creationId xmlns:a16="http://schemas.microsoft.com/office/drawing/2014/main" id="{1A0E70DE-3EBC-44B1-B159-829EB91F833F}"/>
-                      </a:ext>
-                    </a:extLst>
-                  </p:cNvPr>
-                  <p:cNvSpPr txBox="1">
-                    <a:spLocks noRot="1" noChangeAspect="1" noMove="1" noResize="1" noEditPoints="1" noAdjustHandles="1" noChangeArrowheads="1" noChangeShapeType="1" noTextEdit="1"/>
-                  </p:cNvSpPr>
-                  <p:nvPr/>
-                </p:nvSpPr>
-                <p:spPr>
-                  <a:xfrm>
-                    <a:off x="2863562" y="2464198"/>
-                    <a:ext cx="736997" cy="584775"/>
-                  </a:xfrm>
-                  <a:prstGeom prst="rect">
-                    <a:avLst/>
-                  </a:prstGeom>
-                  <a:blipFill>
-                    <a:blip r:embed="rId9"/>
-                    <a:stretch>
-                      <a:fillRect/>
-                    </a:stretch>
-                  </a:blipFill>
-                </p:spPr>
-                <p:txBody>
-                  <a:bodyPr/>
-                  <a:lstStyle/>
-                  <a:p>
-                    <a:r>
-                      <a:rPr lang="en-US">
-                        <a:noFill/>
-                      </a:rPr>
-                      <a:t> </a:t>
-                    </a:r>
-                  </a:p>
-                </p:txBody>
-              </p:sp>
-            </mc:Fallback>
-          </mc:AlternateContent>
-          <p:cxnSp>
-            <p:nvCxnSpPr>
-              <p:cNvPr id="3" name="Straight Arrow Connector 2">
+          <p:grpSp>
+            <p:nvGrpSpPr>
+              <p:cNvPr id="2" name="Group 1">
                 <a:extLst>
                   <a:ext uri="{FF2B5EF4-FFF2-40B4-BE49-F238E27FC236}">
-                    <a16:creationId xmlns:a16="http://schemas.microsoft.com/office/drawing/2014/main" id="{28CBAA6C-520C-4061-BC6E-2EB142E517AD}"/>
+                    <a16:creationId xmlns:a16="http://schemas.microsoft.com/office/drawing/2014/main" id="{3F331D25-79C9-42F0-A363-F3023CB2D083}"/>
                   </a:ext>
                 </a:extLst>
               </p:cNvPr>
-              <p:cNvCxnSpPr>
-                <a:cxnSpLocks/>
-              </p:cNvCxnSpPr>
+              <p:cNvGrpSpPr/>
               <p:nvPr/>
-            </p:nvCxnSpPr>
-            <p:spPr>
+            </p:nvGrpSpPr>
+            <p:grpSpPr>
               <a:xfrm>
-                <a:off x="5849888" y="276345"/>
-                <a:ext cx="56890" cy="2566736"/>
+                <a:off x="1407509" y="219383"/>
+                <a:ext cx="5531775" cy="2772628"/>
+                <a:chOff x="1552911" y="276345"/>
+                <a:chExt cx="5531775" cy="2772628"/>
               </a:xfrm>
-              <a:prstGeom prst="straightConnector1">
-                <a:avLst/>
-              </a:prstGeom>
-              <a:ln w="38100">
-                <a:headEnd type="triangle"/>
-                <a:tailEnd type="triangle"/>
-              </a:ln>
-            </p:spPr>
-            <p:style>
-              <a:lnRef idx="3">
-                <a:schemeClr val="accent5"/>
-              </a:lnRef>
-              <a:fillRef idx="0">
-                <a:schemeClr val="accent5"/>
-              </a:fillRef>
-              <a:effectRef idx="2">
-                <a:schemeClr val="accent5"/>
-              </a:effectRef>
-              <a:fontRef idx="minor">
-                <a:schemeClr val="tx1"/>
-              </a:fontRef>
-            </p:style>
-          </p:cxnSp>
-          <p:cxnSp>
-            <p:nvCxnSpPr>
-              <p:cNvPr id="17" name="Straight Arrow Connector 16">
-                <a:extLst>
-                  <a:ext uri="{FF2B5EF4-FFF2-40B4-BE49-F238E27FC236}">
-                    <a16:creationId xmlns:a16="http://schemas.microsoft.com/office/drawing/2014/main" id="{78CDC9CA-C015-46EB-A715-915186A62CD4}"/>
-                  </a:ext>
-                </a:extLst>
-              </p:cNvPr>
-              <p:cNvCxnSpPr>
-                <a:cxnSpLocks/>
-              </p:cNvCxnSpPr>
-              <p:nvPr/>
-            </p:nvCxnSpPr>
-            <p:spPr>
-              <a:xfrm>
-                <a:off x="5190214" y="318185"/>
-                <a:ext cx="0" cy="1399296"/>
-              </a:xfrm>
-              <a:prstGeom prst="straightConnector1">
-                <a:avLst/>
-              </a:prstGeom>
-              <a:ln w="38100">
-                <a:solidFill>
-                  <a:srgbClr val="FF0000"/>
-                </a:solidFill>
-                <a:headEnd type="triangle"/>
-                <a:tailEnd type="triangle"/>
-              </a:ln>
-            </p:spPr>
-            <p:style>
-              <a:lnRef idx="3">
-                <a:schemeClr val="accent5"/>
-              </a:lnRef>
-              <a:fillRef idx="0">
-                <a:schemeClr val="accent5"/>
-              </a:fillRef>
-              <a:effectRef idx="2">
-                <a:schemeClr val="accent5"/>
-              </a:effectRef>
-              <a:fontRef idx="minor">
-                <a:schemeClr val="tx1"/>
-              </a:fontRef>
-            </p:style>
-          </p:cxnSp>
-          <p:cxnSp>
-            <p:nvCxnSpPr>
-              <p:cNvPr id="20" name="Straight Arrow Connector 19">
-                <a:extLst>
-                  <a:ext uri="{FF2B5EF4-FFF2-40B4-BE49-F238E27FC236}">
-                    <a16:creationId xmlns:a16="http://schemas.microsoft.com/office/drawing/2014/main" id="{D641F844-A1A3-4043-BAAB-9CF756BD0DA3}"/>
-                  </a:ext>
-                </a:extLst>
-              </p:cNvPr>
-              <p:cNvCxnSpPr>
-                <a:cxnSpLocks/>
-              </p:cNvCxnSpPr>
-              <p:nvPr/>
-            </p:nvCxnSpPr>
-            <p:spPr>
-              <a:xfrm>
-                <a:off x="5203294" y="1717481"/>
-                <a:ext cx="27976" cy="1125600"/>
-              </a:xfrm>
-              <a:prstGeom prst="straightConnector1">
-                <a:avLst/>
-              </a:prstGeom>
-              <a:ln w="38100">
-                <a:solidFill>
-                  <a:srgbClr val="92D050"/>
-                </a:solidFill>
-                <a:headEnd type="triangle"/>
-                <a:tailEnd type="triangle"/>
-              </a:ln>
-            </p:spPr>
-            <p:style>
-              <a:lnRef idx="3">
-                <a:schemeClr val="accent5"/>
-              </a:lnRef>
-              <a:fillRef idx="0">
-                <a:schemeClr val="accent5"/>
-              </a:fillRef>
-              <a:effectRef idx="2">
-                <a:schemeClr val="accent5"/>
-              </a:effectRef>
-              <a:fontRef idx="minor">
-                <a:schemeClr val="tx1"/>
-              </a:fontRef>
-            </p:style>
-          </p:cxnSp>
-          <mc:AlternateContent xmlns:mc="http://schemas.openxmlformats.org/markup-compatibility/2006" xmlns:a14="http://schemas.microsoft.com/office/drawing/2010/main">
-            <mc:Choice Requires="a14">
-              <p:sp>
-                <p:nvSpPr>
-                  <p:cNvPr id="24" name="TextBox 23">
-                    <a:extLst>
-                      <a:ext uri="{FF2B5EF4-FFF2-40B4-BE49-F238E27FC236}">
-                        <a16:creationId xmlns:a16="http://schemas.microsoft.com/office/drawing/2014/main" id="{2165162F-C3FD-4E1E-AD58-FD47956E9302}"/>
-                      </a:ext>
-                    </a:extLst>
-                  </p:cNvPr>
-                  <p:cNvSpPr txBox="1"/>
-                  <p:nvPr/>
-                </p:nvSpPr>
-                <p:spPr>
-                  <a:xfrm>
-                    <a:off x="6091081" y="1017833"/>
-                    <a:ext cx="993605" cy="584775"/>
-                  </a:xfrm>
-                  <a:prstGeom prst="rect">
-                    <a:avLst/>
-                  </a:prstGeom>
-                  <a:noFill/>
-                </p:spPr>
-                <p:txBody>
-                  <a:bodyPr wrap="none" rtlCol="0">
-                    <a:spAutoFit/>
-                  </a:bodyPr>
-                  <a:lstStyle/>
-                  <a:p>
-                    <a:pPr/>
-                    <a14:m>
-                      <m:oMathPara xmlns:m="http://schemas.openxmlformats.org/officeDocument/2006/math">
-                        <m:oMathParaPr>
-                          <m:jc m:val="centerGroup"/>
-                        </m:oMathParaPr>
-                        <m:oMath xmlns:m="http://schemas.openxmlformats.org/officeDocument/2006/math">
-                          <m:sSub>
-                            <m:sSubPr>
-                              <m:ctrlPr>
-                                <a:rPr lang="en-US" sz="3200" b="0" i="1" smtClean="0">
-                                  <a:latin typeface="Cambria Math" panose="02040503050406030204" pitchFamily="18" charset="0"/>
-                                </a:rPr>
-                              </m:ctrlPr>
-                            </m:sSubPr>
-                            <m:e>
-                              <m:r>
-                                <a:rPr lang="en-US" sz="3200" b="0" i="1" smtClean="0">
-                                  <a:latin typeface="Cambria Math" panose="02040503050406030204" pitchFamily="18" charset="0"/>
-                                </a:rPr>
-                                <m:t>2</m:t>
-                              </m:r>
-                              <m:r>
-                                <a:rPr lang="en-US" sz="3200" b="0" i="1" smtClean="0">
-                                  <a:latin typeface="Cambria Math" panose="02040503050406030204" pitchFamily="18" charset="0"/>
-                                </a:rPr>
-                                <m:t>𝜔</m:t>
-                              </m:r>
-                            </m:e>
-                            <m:sub>
-                              <m:r>
-                                <a:rPr lang="en-US" sz="3200" b="0" i="1" smtClean="0">
-                                  <a:latin typeface="Cambria Math" panose="02040503050406030204" pitchFamily="18" charset="0"/>
-                                </a:rPr>
-                                <m:t>0</m:t>
-                              </m:r>
-                            </m:sub>
-                          </m:sSub>
-                        </m:oMath>
-                      </m:oMathPara>
-                    </a14:m>
-                    <a:endParaRPr lang="en-US" sz="3200" dirty="0"/>
-                  </a:p>
-                </p:txBody>
-              </p:sp>
-            </mc:Choice>
-            <mc:Fallback xmlns="">
-              <p:sp>
-                <p:nvSpPr>
-                  <p:cNvPr id="24" name="TextBox 23">
-                    <a:extLst>
-                      <a:ext uri="{FF2B5EF4-FFF2-40B4-BE49-F238E27FC236}">
-                        <a16:creationId xmlns:a16="http://schemas.microsoft.com/office/drawing/2014/main" id="{2165162F-C3FD-4E1E-AD58-FD47956E9302}"/>
-                      </a:ext>
-                    </a:extLst>
-                  </p:cNvPr>
-                  <p:cNvSpPr txBox="1">
-                    <a:spLocks noRot="1" noChangeAspect="1" noMove="1" noResize="1" noEditPoints="1" noAdjustHandles="1" noChangeArrowheads="1" noChangeShapeType="1" noTextEdit="1"/>
-                  </p:cNvSpPr>
-                  <p:nvPr/>
-                </p:nvSpPr>
-                <p:spPr>
-                  <a:xfrm>
-                    <a:off x="6091081" y="1017833"/>
-                    <a:ext cx="993605" cy="584775"/>
-                  </a:xfrm>
-                  <a:prstGeom prst="rect">
-                    <a:avLst/>
-                  </a:prstGeom>
-                  <a:blipFill>
-                    <a:blip r:embed="rId10"/>
-                    <a:stretch>
-                      <a:fillRect/>
-                    </a:stretch>
-                  </a:blipFill>
-                </p:spPr>
-                <p:txBody>
-                  <a:bodyPr/>
-                  <a:lstStyle/>
-                  <a:p>
-                    <a:r>
-                      <a:rPr lang="en-US">
-                        <a:noFill/>
-                      </a:rPr>
-                      <a:t> </a:t>
-                    </a:r>
-                  </a:p>
-                </p:txBody>
-              </p:sp>
-            </mc:Fallback>
-          </mc:AlternateContent>
-          <mc:AlternateContent xmlns:mc="http://schemas.openxmlformats.org/markup-compatibility/2006" xmlns:a14="http://schemas.microsoft.com/office/drawing/2010/main">
-            <mc:Choice Requires="a14">
-              <p:sp>
-                <p:nvSpPr>
-                  <p:cNvPr id="25" name="TextBox 24">
-                    <a:extLst>
-                      <a:ext uri="{FF2B5EF4-FFF2-40B4-BE49-F238E27FC236}">
-                        <a16:creationId xmlns:a16="http://schemas.microsoft.com/office/drawing/2014/main" id="{C8EE8516-6A8F-46BC-A836-BA7C55A9E94D}"/>
-                      </a:ext>
-                    </a:extLst>
-                  </p:cNvPr>
-                  <p:cNvSpPr txBox="1"/>
-                  <p:nvPr/>
-                </p:nvSpPr>
-                <p:spPr>
-                  <a:xfrm>
-                    <a:off x="3938511" y="897789"/>
-                    <a:ext cx="1782924" cy="584775"/>
-                  </a:xfrm>
-                  <a:prstGeom prst="rect">
-                    <a:avLst/>
-                  </a:prstGeom>
-                  <a:noFill/>
-                </p:spPr>
-                <p:txBody>
-                  <a:bodyPr wrap="none" rtlCol="0">
-                    <a:spAutoFit/>
-                  </a:bodyPr>
-                  <a:lstStyle/>
-                  <a:p>
-                    <a:pPr/>
-                    <a14:m>
-                      <m:oMathPara xmlns:m="http://schemas.openxmlformats.org/officeDocument/2006/math">
-                        <m:oMathParaPr>
-                          <m:jc m:val="centerGroup"/>
-                        </m:oMathParaPr>
-                        <m:oMath xmlns:m="http://schemas.openxmlformats.org/officeDocument/2006/math">
-                          <m:sSub>
-                            <m:sSubPr>
-                              <m:ctrlPr>
-                                <a:rPr lang="en-US" sz="3200" b="0" i="1" smtClean="0">
-                                  <a:latin typeface="Cambria Math" panose="02040503050406030204" pitchFamily="18" charset="0"/>
-                                </a:rPr>
-                              </m:ctrlPr>
-                            </m:sSubPr>
-                            <m:e>
-                              <m:r>
-                                <a:rPr lang="en-US" sz="3200" b="0" i="1" smtClean="0">
-                                  <a:latin typeface="Cambria Math" panose="02040503050406030204" pitchFamily="18" charset="0"/>
-                                </a:rPr>
-                                <m:t>𝜔</m:t>
-                              </m:r>
-                            </m:e>
-                            <m:sub>
-                              <m:r>
-                                <a:rPr lang="en-US" sz="3200" b="0" i="1" smtClean="0">
-                                  <a:latin typeface="Cambria Math" panose="02040503050406030204" pitchFamily="18" charset="0"/>
-                                </a:rPr>
-                                <m:t>0</m:t>
-                              </m:r>
-                            </m:sub>
-                          </m:sSub>
-                          <m:r>
-                            <a:rPr lang="en-US" sz="3200" b="0" i="1" smtClean="0">
-                              <a:latin typeface="Cambria Math" panose="02040503050406030204" pitchFamily="18" charset="0"/>
-                            </a:rPr>
-                            <m:t>+</m:t>
-                          </m:r>
-                          <m:r>
-                            <a:rPr lang="en-US" sz="3200" b="0" i="1" smtClean="0">
-                              <a:latin typeface="Cambria Math" panose="02040503050406030204" pitchFamily="18" charset="0"/>
-                            </a:rPr>
-                            <m:t>𝛿𝜔</m:t>
-                          </m:r>
-                        </m:oMath>
-                      </m:oMathPara>
-                    </a14:m>
-                    <a:endParaRPr lang="en-US" sz="3200" dirty="0"/>
-                  </a:p>
-                </p:txBody>
-              </p:sp>
-            </mc:Choice>
-            <mc:Fallback xmlns="">
-              <p:sp>
-                <p:nvSpPr>
-                  <p:cNvPr id="25" name="TextBox 24">
-                    <a:extLst>
-                      <a:ext uri="{FF2B5EF4-FFF2-40B4-BE49-F238E27FC236}">
-                        <a16:creationId xmlns:a16="http://schemas.microsoft.com/office/drawing/2014/main" id="{C8EE8516-6A8F-46BC-A836-BA7C55A9E94D}"/>
-                      </a:ext>
-                    </a:extLst>
-                  </p:cNvPr>
-                  <p:cNvSpPr txBox="1">
-                    <a:spLocks noRot="1" noChangeAspect="1" noMove="1" noResize="1" noEditPoints="1" noAdjustHandles="1" noChangeArrowheads="1" noChangeShapeType="1" noTextEdit="1"/>
-                  </p:cNvSpPr>
-                  <p:nvPr/>
-                </p:nvSpPr>
-                <p:spPr>
-                  <a:xfrm>
-                    <a:off x="3938511" y="897789"/>
-                    <a:ext cx="1782924" cy="584775"/>
-                  </a:xfrm>
-                  <a:prstGeom prst="rect">
-                    <a:avLst/>
-                  </a:prstGeom>
-                  <a:blipFill>
-                    <a:blip r:embed="rId11"/>
-                    <a:stretch>
-                      <a:fillRect/>
-                    </a:stretch>
-                  </a:blipFill>
-                </p:spPr>
-                <p:txBody>
-                  <a:bodyPr/>
-                  <a:lstStyle/>
-                  <a:p>
-                    <a:r>
-                      <a:rPr lang="en-US">
-                        <a:noFill/>
-                      </a:rPr>
-                      <a:t> </a:t>
-                    </a:r>
-                  </a:p>
-                </p:txBody>
-              </p:sp>
-            </mc:Fallback>
-          </mc:AlternateContent>
-          <mc:AlternateContent xmlns:mc="http://schemas.openxmlformats.org/markup-compatibility/2006" xmlns:a14="http://schemas.microsoft.com/office/drawing/2010/main">
-            <mc:Choice Requires="a14">
-              <p:sp>
-                <p:nvSpPr>
-                  <p:cNvPr id="28" name="TextBox 27">
-                    <a:extLst>
-                      <a:ext uri="{FF2B5EF4-FFF2-40B4-BE49-F238E27FC236}">
-                        <a16:creationId xmlns:a16="http://schemas.microsoft.com/office/drawing/2014/main" id="{D27BF16A-42DD-4046-800A-60468DBBC31D}"/>
-                      </a:ext>
-                    </a:extLst>
-                  </p:cNvPr>
-                  <p:cNvSpPr txBox="1"/>
-                  <p:nvPr/>
-                </p:nvSpPr>
-                <p:spPr>
-                  <a:xfrm>
-                    <a:off x="3880657" y="1985807"/>
-                    <a:ext cx="1782924" cy="584775"/>
-                  </a:xfrm>
-                  <a:prstGeom prst="rect">
-                    <a:avLst/>
-                  </a:prstGeom>
-                  <a:noFill/>
-                </p:spPr>
-                <p:txBody>
-                  <a:bodyPr wrap="none" rtlCol="0">
-                    <a:spAutoFit/>
-                  </a:bodyPr>
-                  <a:lstStyle/>
-                  <a:p>
-                    <a:pPr/>
-                    <a14:m>
-                      <m:oMathPara xmlns:m="http://schemas.openxmlformats.org/officeDocument/2006/math">
-                        <m:oMathParaPr>
-                          <m:jc m:val="centerGroup"/>
-                        </m:oMathParaPr>
-                        <m:oMath xmlns:m="http://schemas.openxmlformats.org/officeDocument/2006/math">
-                          <m:sSub>
-                            <m:sSubPr>
-                              <m:ctrlPr>
-                                <a:rPr lang="en-US" sz="3200" b="0" i="1" smtClean="0">
-                                  <a:latin typeface="Cambria Math" panose="02040503050406030204" pitchFamily="18" charset="0"/>
-                                </a:rPr>
-                              </m:ctrlPr>
-                            </m:sSubPr>
-                            <m:e>
-                              <m:r>
-                                <a:rPr lang="en-US" sz="3200" b="0" i="1" smtClean="0">
-                                  <a:latin typeface="Cambria Math" panose="02040503050406030204" pitchFamily="18" charset="0"/>
-                                </a:rPr>
-                                <m:t>𝜔</m:t>
-                              </m:r>
-                            </m:e>
-                            <m:sub>
-                              <m:r>
-                                <a:rPr lang="en-US" sz="3200" b="0" i="1" smtClean="0">
-                                  <a:latin typeface="Cambria Math" panose="02040503050406030204" pitchFamily="18" charset="0"/>
-                                </a:rPr>
-                                <m:t>0</m:t>
-                              </m:r>
-                            </m:sub>
-                          </m:sSub>
-                          <m:r>
-                            <a:rPr lang="en-US" sz="3200" b="0" i="1" smtClean="0">
-                              <a:latin typeface="Cambria Math" panose="02040503050406030204" pitchFamily="18" charset="0"/>
-                            </a:rPr>
-                            <m:t>−</m:t>
-                          </m:r>
-                          <m:r>
-                            <a:rPr lang="en-US" sz="3200" b="0" i="1" smtClean="0">
-                              <a:latin typeface="Cambria Math" panose="02040503050406030204" pitchFamily="18" charset="0"/>
-                            </a:rPr>
-                            <m:t>𝛿𝜔</m:t>
-                          </m:r>
-                        </m:oMath>
-                      </m:oMathPara>
-                    </a14:m>
-                    <a:endParaRPr lang="en-US" sz="3200" dirty="0"/>
-                  </a:p>
-                </p:txBody>
-              </p:sp>
-            </mc:Choice>
-            <mc:Fallback xmlns="">
-              <p:sp>
-                <p:nvSpPr>
-                  <p:cNvPr id="28" name="TextBox 27">
-                    <a:extLst>
-                      <a:ext uri="{FF2B5EF4-FFF2-40B4-BE49-F238E27FC236}">
-                        <a16:creationId xmlns:a16="http://schemas.microsoft.com/office/drawing/2014/main" id="{D27BF16A-42DD-4046-800A-60468DBBC31D}"/>
-                      </a:ext>
-                    </a:extLst>
-                  </p:cNvPr>
-                  <p:cNvSpPr txBox="1">
-                    <a:spLocks noRot="1" noChangeAspect="1" noMove="1" noResize="1" noEditPoints="1" noAdjustHandles="1" noChangeArrowheads="1" noChangeShapeType="1" noTextEdit="1"/>
-                  </p:cNvSpPr>
-                  <p:nvPr/>
-                </p:nvSpPr>
-                <p:spPr>
-                  <a:xfrm>
-                    <a:off x="3880657" y="1985807"/>
-                    <a:ext cx="1782924" cy="584775"/>
-                  </a:xfrm>
-                  <a:prstGeom prst="rect">
-                    <a:avLst/>
-                  </a:prstGeom>
-                  <a:blipFill>
-                    <a:blip r:embed="rId12"/>
-                    <a:stretch>
-                      <a:fillRect/>
-                    </a:stretch>
-                  </a:blipFill>
-                </p:spPr>
-                <p:txBody>
-                  <a:bodyPr/>
-                  <a:lstStyle/>
-                  <a:p>
-                    <a:r>
-                      <a:rPr lang="en-US">
-                        <a:noFill/>
-                      </a:rPr>
-                      <a:t> </a:t>
-                    </a:r>
-                  </a:p>
-                </p:txBody>
-              </p:sp>
-            </mc:Fallback>
-          </mc:AlternateContent>
+            </p:grpSpPr>
+            <p:cxnSp>
+              <p:nvCxnSpPr>
+                <p:cNvPr id="5" name="Straight Connector 4">
+                  <a:extLst>
+                    <a:ext uri="{FF2B5EF4-FFF2-40B4-BE49-F238E27FC236}">
+                      <a16:creationId xmlns:a16="http://schemas.microsoft.com/office/drawing/2014/main" id="{CD2DB9A7-CC8B-4AC0-897D-769765A933B8}"/>
+                    </a:ext>
+                  </a:extLst>
+                </p:cNvPr>
+                <p:cNvCxnSpPr/>
+                <p:nvPr/>
+              </p:nvCxnSpPr>
+              <p:spPr>
+                <a:xfrm>
+                  <a:off x="3570912" y="2843081"/>
+                  <a:ext cx="1275348" cy="0"/>
+                </a:xfrm>
+                <a:prstGeom prst="line">
+                  <a:avLst/>
+                </a:prstGeom>
+                <a:ln w="38100"/>
+              </p:spPr>
+              <p:style>
+                <a:lnRef idx="1">
+                  <a:schemeClr val="dk1"/>
+                </a:lnRef>
+                <a:fillRef idx="0">
+                  <a:schemeClr val="dk1"/>
+                </a:fillRef>
+                <a:effectRef idx="0">
+                  <a:schemeClr val="dk1"/>
+                </a:effectRef>
+                <a:fontRef idx="minor">
+                  <a:schemeClr val="tx1"/>
+                </a:fontRef>
+              </p:style>
+            </p:cxnSp>
+            <p:cxnSp>
+              <p:nvCxnSpPr>
+                <p:cNvPr id="6" name="Straight Connector 5">
+                  <a:extLst>
+                    <a:ext uri="{FF2B5EF4-FFF2-40B4-BE49-F238E27FC236}">
+                      <a16:creationId xmlns:a16="http://schemas.microsoft.com/office/drawing/2014/main" id="{26D8791F-94DE-4C8A-97F0-F53A48E67239}"/>
+                    </a:ext>
+                  </a:extLst>
+                </p:cNvPr>
+                <p:cNvCxnSpPr/>
+                <p:nvPr/>
+              </p:nvCxnSpPr>
+              <p:spPr>
+                <a:xfrm>
+                  <a:off x="2488070" y="1800344"/>
+                  <a:ext cx="1275348" cy="0"/>
+                </a:xfrm>
+                <a:prstGeom prst="line">
+                  <a:avLst/>
+                </a:prstGeom>
+                <a:ln w="38100"/>
+              </p:spPr>
+              <p:style>
+                <a:lnRef idx="1">
+                  <a:schemeClr val="dk1"/>
+                </a:lnRef>
+                <a:fillRef idx="0">
+                  <a:schemeClr val="dk1"/>
+                </a:fillRef>
+                <a:effectRef idx="0">
+                  <a:schemeClr val="dk1"/>
+                </a:effectRef>
+                <a:fontRef idx="minor">
+                  <a:schemeClr val="tx1"/>
+                </a:fontRef>
+              </p:style>
+            </p:cxnSp>
+            <p:cxnSp>
+              <p:nvCxnSpPr>
+                <p:cNvPr id="7" name="Straight Connector 6">
+                  <a:extLst>
+                    <a:ext uri="{FF2B5EF4-FFF2-40B4-BE49-F238E27FC236}">
+                      <a16:creationId xmlns:a16="http://schemas.microsoft.com/office/drawing/2014/main" id="{A35008F8-BE7D-42AB-A40C-B2B7EA7B0895}"/>
+                    </a:ext>
+                  </a:extLst>
+                </p:cNvPr>
+                <p:cNvCxnSpPr/>
+                <p:nvPr/>
+              </p:nvCxnSpPr>
+              <p:spPr>
+                <a:xfrm>
+                  <a:off x="4294442" y="276345"/>
+                  <a:ext cx="1275348" cy="0"/>
+                </a:xfrm>
+                <a:prstGeom prst="line">
+                  <a:avLst/>
+                </a:prstGeom>
+                <a:ln w="38100"/>
+              </p:spPr>
+              <p:style>
+                <a:lnRef idx="1">
+                  <a:schemeClr val="dk1"/>
+                </a:lnRef>
+                <a:fillRef idx="0">
+                  <a:schemeClr val="dk1"/>
+                </a:fillRef>
+                <a:effectRef idx="0">
+                  <a:schemeClr val="dk1"/>
+                </a:effectRef>
+                <a:fontRef idx="minor">
+                  <a:schemeClr val="tx1"/>
+                </a:fontRef>
+              </p:style>
+            </p:cxnSp>
+            <p:cxnSp>
+              <p:nvCxnSpPr>
+                <p:cNvPr id="9" name="Straight Arrow Connector 8">
+                  <a:extLst>
+                    <a:ext uri="{FF2B5EF4-FFF2-40B4-BE49-F238E27FC236}">
+                      <a16:creationId xmlns:a16="http://schemas.microsoft.com/office/drawing/2014/main" id="{08C4EA5E-92A7-4F10-8D19-BCCC12A67E7D}"/>
+                    </a:ext>
+                  </a:extLst>
+                </p:cNvPr>
+                <p:cNvCxnSpPr/>
+                <p:nvPr/>
+              </p:nvCxnSpPr>
+              <p:spPr>
+                <a:xfrm flipH="1" flipV="1">
+                  <a:off x="3185902" y="1800344"/>
+                  <a:ext cx="938463" cy="1042737"/>
+                </a:xfrm>
+                <a:prstGeom prst="straightConnector1">
+                  <a:avLst/>
+                </a:prstGeom>
+                <a:ln w="28575">
+                  <a:tailEnd type="triangle"/>
+                </a:ln>
+              </p:spPr>
+              <p:style>
+                <a:lnRef idx="1">
+                  <a:schemeClr val="accent1"/>
+                </a:lnRef>
+                <a:fillRef idx="0">
+                  <a:schemeClr val="accent1"/>
+                </a:fillRef>
+                <a:effectRef idx="0">
+                  <a:schemeClr val="accent1"/>
+                </a:effectRef>
+                <a:fontRef idx="minor">
+                  <a:schemeClr val="tx1"/>
+                </a:fontRef>
+              </p:style>
+            </p:cxnSp>
+            <p:cxnSp>
+              <p:nvCxnSpPr>
+                <p:cNvPr id="11" name="Straight Arrow Connector 10">
+                  <a:extLst>
+                    <a:ext uri="{FF2B5EF4-FFF2-40B4-BE49-F238E27FC236}">
+                      <a16:creationId xmlns:a16="http://schemas.microsoft.com/office/drawing/2014/main" id="{F1BC596E-79DB-490F-A48C-19244BF63801}"/>
+                    </a:ext>
+                  </a:extLst>
+                </p:cNvPr>
+                <p:cNvCxnSpPr>
+                  <a:cxnSpLocks/>
+                </p:cNvCxnSpPr>
+                <p:nvPr/>
+              </p:nvCxnSpPr>
+              <p:spPr>
+                <a:xfrm flipV="1">
+                  <a:off x="3185902" y="276345"/>
+                  <a:ext cx="1660358" cy="1523999"/>
+                </a:xfrm>
+                <a:prstGeom prst="straightConnector1">
+                  <a:avLst/>
+                </a:prstGeom>
+                <a:ln w="28575">
+                  <a:tailEnd type="triangle"/>
+                </a:ln>
+              </p:spPr>
+              <p:style>
+                <a:lnRef idx="1">
+                  <a:schemeClr val="accent1"/>
+                </a:lnRef>
+                <a:fillRef idx="0">
+                  <a:schemeClr val="accent1"/>
+                </a:fillRef>
+                <a:effectRef idx="0">
+                  <a:schemeClr val="accent1"/>
+                </a:effectRef>
+                <a:fontRef idx="minor">
+                  <a:schemeClr val="tx1"/>
+                </a:fontRef>
+              </p:style>
+            </p:cxnSp>
+            <mc:AlternateContent xmlns:mc="http://schemas.openxmlformats.org/markup-compatibility/2006" xmlns:a14="http://schemas.microsoft.com/office/drawing/2010/main">
+              <mc:Choice Requires="a14">
+                <p:sp>
+                  <p:nvSpPr>
+                    <p:cNvPr id="21" name="TextBox 20">
+                      <a:extLst>
+                        <a:ext uri="{FF2B5EF4-FFF2-40B4-BE49-F238E27FC236}">
+                          <a16:creationId xmlns:a16="http://schemas.microsoft.com/office/drawing/2014/main" id="{EAC73FA7-462A-4E11-8C51-C726490734EF}"/>
+                        </a:ext>
+                      </a:extLst>
+                    </p:cNvPr>
+                    <p:cNvSpPr txBox="1"/>
+                    <p:nvPr/>
+                  </p:nvSpPr>
+                  <p:spPr>
+                    <a:xfrm>
+                      <a:off x="1552911" y="1425094"/>
+                      <a:ext cx="780405" cy="584775"/>
+                    </a:xfrm>
+                    <a:prstGeom prst="rect">
+                      <a:avLst/>
+                    </a:prstGeom>
+                    <a:noFill/>
+                  </p:spPr>
+                  <p:txBody>
+                    <a:bodyPr wrap="none" rtlCol="0">
+                      <a:spAutoFit/>
+                    </a:bodyPr>
+                    <a:lstStyle/>
+                    <a:p>
+                      <a:pPr/>
+                      <a14:m>
+                        <m:oMathPara xmlns:m="http://schemas.openxmlformats.org/officeDocument/2006/math">
+                          <m:oMathParaPr>
+                            <m:jc m:val="centerGroup"/>
+                          </m:oMathParaPr>
+                          <m:oMath xmlns:m="http://schemas.openxmlformats.org/officeDocument/2006/math">
+                            <m:sSub>
+                              <m:sSubPr>
+                                <m:ctrlPr>
+                                  <a:rPr lang="en-US" sz="3200" b="0" i="1" smtClean="0">
+                                    <a:latin typeface="Cambria Math" panose="02040503050406030204" pitchFamily="18" charset="0"/>
+                                  </a:rPr>
+                                </m:ctrlPr>
+                              </m:sSubPr>
+                              <m:e>
+                                <m:r>
+                                  <a:rPr lang="en-US" sz="3200" b="0" i="1" smtClean="0">
+                                    <a:latin typeface="Cambria Math" panose="02040503050406030204" pitchFamily="18" charset="0"/>
+                                  </a:rPr>
+                                  <m:t>𝜔</m:t>
+                                </m:r>
+                              </m:e>
+                              <m:sub>
+                                <m:r>
+                                  <a:rPr lang="en-US" sz="3200" b="0" i="1" smtClean="0">
+                                    <a:latin typeface="Cambria Math" panose="02040503050406030204" pitchFamily="18" charset="0"/>
+                                  </a:rPr>
+                                  <m:t>𝑏</m:t>
+                                </m:r>
+                              </m:sub>
+                            </m:sSub>
+                          </m:oMath>
+                        </m:oMathPara>
+                      </a14:m>
+                      <a:endParaRPr lang="en-US" sz="3200" dirty="0"/>
+                    </a:p>
+                  </p:txBody>
+                </p:sp>
+              </mc:Choice>
+              <mc:Fallback xmlns="">
+                <p:sp>
+                  <p:nvSpPr>
+                    <p:cNvPr id="21" name="TextBox 20">
+                      <a:extLst>
+                        <a:ext uri="{FF2B5EF4-FFF2-40B4-BE49-F238E27FC236}">
+                          <a16:creationId xmlns:a16="http://schemas.microsoft.com/office/drawing/2014/main" id="{EAC73FA7-462A-4E11-8C51-C726490734EF}"/>
+                        </a:ext>
+                      </a:extLst>
+                    </p:cNvPr>
+                    <p:cNvSpPr txBox="1">
+                      <a:spLocks noRot="1" noChangeAspect="1" noMove="1" noResize="1" noEditPoints="1" noAdjustHandles="1" noChangeArrowheads="1" noChangeShapeType="1" noTextEdit="1"/>
+                    </p:cNvSpPr>
+                    <p:nvPr/>
+                  </p:nvSpPr>
+                  <p:spPr>
+                    <a:xfrm>
+                      <a:off x="1552911" y="1425094"/>
+                      <a:ext cx="780405" cy="584775"/>
+                    </a:xfrm>
+                    <a:prstGeom prst="rect">
+                      <a:avLst/>
+                    </a:prstGeom>
+                    <a:blipFill>
+                      <a:blip r:embed="rId8"/>
+                      <a:stretch>
+                        <a:fillRect/>
+                      </a:stretch>
+                    </a:blipFill>
+                  </p:spPr>
+                  <p:txBody>
+                    <a:bodyPr/>
+                    <a:lstStyle/>
+                    <a:p>
+                      <a:r>
+                        <a:rPr lang="en-US">
+                          <a:noFill/>
+                        </a:rPr>
+                        <a:t> </a:t>
+                      </a:r>
+                    </a:p>
+                  </p:txBody>
+                </p:sp>
+              </mc:Fallback>
+            </mc:AlternateContent>
+            <mc:AlternateContent xmlns:mc="http://schemas.openxmlformats.org/markup-compatibility/2006" xmlns:a14="http://schemas.microsoft.com/office/drawing/2010/main">
+              <mc:Choice Requires="a14">
+                <p:sp>
+                  <p:nvSpPr>
+                    <p:cNvPr id="22" name="TextBox 21">
+                      <a:extLst>
+                        <a:ext uri="{FF2B5EF4-FFF2-40B4-BE49-F238E27FC236}">
+                          <a16:creationId xmlns:a16="http://schemas.microsoft.com/office/drawing/2014/main" id="{1A0E70DE-3EBC-44B1-B159-829EB91F833F}"/>
+                        </a:ext>
+                      </a:extLst>
+                    </p:cNvPr>
+                    <p:cNvSpPr txBox="1"/>
+                    <p:nvPr/>
+                  </p:nvSpPr>
+                  <p:spPr>
+                    <a:xfrm>
+                      <a:off x="2863562" y="2464198"/>
+                      <a:ext cx="736997" cy="584775"/>
+                    </a:xfrm>
+                    <a:prstGeom prst="rect">
+                      <a:avLst/>
+                    </a:prstGeom>
+                    <a:noFill/>
+                  </p:spPr>
+                  <p:txBody>
+                    <a:bodyPr wrap="none" rtlCol="0">
+                      <a:spAutoFit/>
+                    </a:bodyPr>
+                    <a:lstStyle/>
+                    <a:p>
+                      <a:pPr/>
+                      <a14:m>
+                        <m:oMathPara xmlns:m="http://schemas.openxmlformats.org/officeDocument/2006/math">
+                          <m:oMathParaPr>
+                            <m:jc m:val="centerGroup"/>
+                          </m:oMathParaPr>
+                          <m:oMath xmlns:m="http://schemas.openxmlformats.org/officeDocument/2006/math">
+                            <m:sSub>
+                              <m:sSubPr>
+                                <m:ctrlPr>
+                                  <a:rPr lang="en-US" sz="3200" b="0" i="1" smtClean="0">
+                                    <a:latin typeface="Cambria Math" panose="02040503050406030204" pitchFamily="18" charset="0"/>
+                                  </a:rPr>
+                                </m:ctrlPr>
+                              </m:sSubPr>
+                              <m:e>
+                                <m:r>
+                                  <a:rPr lang="en-US" sz="3200" b="0" i="1" smtClean="0">
+                                    <a:latin typeface="Cambria Math" panose="02040503050406030204" pitchFamily="18" charset="0"/>
+                                  </a:rPr>
+                                  <m:t>𝜔</m:t>
+                                </m:r>
+                              </m:e>
+                              <m:sub>
+                                <m:r>
+                                  <a:rPr lang="en-US" sz="3200" b="0" i="1" smtClean="0">
+                                    <a:latin typeface="Cambria Math" panose="02040503050406030204" pitchFamily="18" charset="0"/>
+                                  </a:rPr>
+                                  <m:t>𝑐</m:t>
+                                </m:r>
+                              </m:sub>
+                            </m:sSub>
+                          </m:oMath>
+                        </m:oMathPara>
+                      </a14:m>
+                      <a:endParaRPr lang="en-US" sz="3200" dirty="0"/>
+                    </a:p>
+                  </p:txBody>
+                </p:sp>
+              </mc:Choice>
+              <mc:Fallback xmlns="">
+                <p:sp>
+                  <p:nvSpPr>
+                    <p:cNvPr id="22" name="TextBox 21">
+                      <a:extLst>
+                        <a:ext uri="{FF2B5EF4-FFF2-40B4-BE49-F238E27FC236}">
+                          <a16:creationId xmlns:a16="http://schemas.microsoft.com/office/drawing/2014/main" id="{1A0E70DE-3EBC-44B1-B159-829EB91F833F}"/>
+                        </a:ext>
+                      </a:extLst>
+                    </p:cNvPr>
+                    <p:cNvSpPr txBox="1">
+                      <a:spLocks noRot="1" noChangeAspect="1" noMove="1" noResize="1" noEditPoints="1" noAdjustHandles="1" noChangeArrowheads="1" noChangeShapeType="1" noTextEdit="1"/>
+                    </p:cNvSpPr>
+                    <p:nvPr/>
+                  </p:nvSpPr>
+                  <p:spPr>
+                    <a:xfrm>
+                      <a:off x="2863562" y="2464198"/>
+                      <a:ext cx="736997" cy="584775"/>
+                    </a:xfrm>
+                    <a:prstGeom prst="rect">
+                      <a:avLst/>
+                    </a:prstGeom>
+                    <a:blipFill>
+                      <a:blip r:embed="rId9"/>
+                      <a:stretch>
+                        <a:fillRect/>
+                      </a:stretch>
+                    </a:blipFill>
+                  </p:spPr>
+                  <p:txBody>
+                    <a:bodyPr/>
+                    <a:lstStyle/>
+                    <a:p>
+                      <a:r>
+                        <a:rPr lang="en-US">
+                          <a:noFill/>
+                        </a:rPr>
+                        <a:t> </a:t>
+                      </a:r>
+                    </a:p>
+                  </p:txBody>
+                </p:sp>
+              </mc:Fallback>
+            </mc:AlternateContent>
+            <p:cxnSp>
+              <p:nvCxnSpPr>
+                <p:cNvPr id="3" name="Straight Arrow Connector 2">
+                  <a:extLst>
+                    <a:ext uri="{FF2B5EF4-FFF2-40B4-BE49-F238E27FC236}">
+                      <a16:creationId xmlns:a16="http://schemas.microsoft.com/office/drawing/2014/main" id="{28CBAA6C-520C-4061-BC6E-2EB142E517AD}"/>
+                    </a:ext>
+                  </a:extLst>
+                </p:cNvPr>
+                <p:cNvCxnSpPr>
+                  <a:cxnSpLocks/>
+                </p:cNvCxnSpPr>
+                <p:nvPr/>
+              </p:nvCxnSpPr>
+              <p:spPr>
+                <a:xfrm>
+                  <a:off x="5849888" y="276345"/>
+                  <a:ext cx="56890" cy="2566736"/>
+                </a:xfrm>
+                <a:prstGeom prst="straightConnector1">
+                  <a:avLst/>
+                </a:prstGeom>
+                <a:ln w="38100">
+                  <a:headEnd type="triangle"/>
+                  <a:tailEnd type="triangle"/>
+                </a:ln>
+              </p:spPr>
+              <p:style>
+                <a:lnRef idx="3">
+                  <a:schemeClr val="accent5"/>
+                </a:lnRef>
+                <a:fillRef idx="0">
+                  <a:schemeClr val="accent5"/>
+                </a:fillRef>
+                <a:effectRef idx="2">
+                  <a:schemeClr val="accent5"/>
+                </a:effectRef>
+                <a:fontRef idx="minor">
+                  <a:schemeClr val="tx1"/>
+                </a:fontRef>
+              </p:style>
+            </p:cxnSp>
+            <p:cxnSp>
+              <p:nvCxnSpPr>
+                <p:cNvPr id="17" name="Straight Arrow Connector 16">
+                  <a:extLst>
+                    <a:ext uri="{FF2B5EF4-FFF2-40B4-BE49-F238E27FC236}">
+                      <a16:creationId xmlns:a16="http://schemas.microsoft.com/office/drawing/2014/main" id="{78CDC9CA-C015-46EB-A715-915186A62CD4}"/>
+                    </a:ext>
+                  </a:extLst>
+                </p:cNvPr>
+                <p:cNvCxnSpPr>
+                  <a:cxnSpLocks/>
+                </p:cNvCxnSpPr>
+                <p:nvPr/>
+              </p:nvCxnSpPr>
+              <p:spPr>
+                <a:xfrm>
+                  <a:off x="5190214" y="318185"/>
+                  <a:ext cx="0" cy="1399296"/>
+                </a:xfrm>
+                <a:prstGeom prst="straightConnector1">
+                  <a:avLst/>
+                </a:prstGeom>
+                <a:ln w="38100">
+                  <a:solidFill>
+                    <a:srgbClr val="FF0000"/>
+                  </a:solidFill>
+                  <a:headEnd type="triangle"/>
+                  <a:tailEnd type="triangle"/>
+                </a:ln>
+              </p:spPr>
+              <p:style>
+                <a:lnRef idx="3">
+                  <a:schemeClr val="accent5"/>
+                </a:lnRef>
+                <a:fillRef idx="0">
+                  <a:schemeClr val="accent5"/>
+                </a:fillRef>
+                <a:effectRef idx="2">
+                  <a:schemeClr val="accent5"/>
+                </a:effectRef>
+                <a:fontRef idx="minor">
+                  <a:schemeClr val="tx1"/>
+                </a:fontRef>
+              </p:style>
+            </p:cxnSp>
+            <p:cxnSp>
+              <p:nvCxnSpPr>
+                <p:cNvPr id="20" name="Straight Arrow Connector 19">
+                  <a:extLst>
+                    <a:ext uri="{FF2B5EF4-FFF2-40B4-BE49-F238E27FC236}">
+                      <a16:creationId xmlns:a16="http://schemas.microsoft.com/office/drawing/2014/main" id="{D641F844-A1A3-4043-BAAB-9CF756BD0DA3}"/>
+                    </a:ext>
+                  </a:extLst>
+                </p:cNvPr>
+                <p:cNvCxnSpPr>
+                  <a:cxnSpLocks/>
+                </p:cNvCxnSpPr>
+                <p:nvPr/>
+              </p:nvCxnSpPr>
+              <p:spPr>
+                <a:xfrm>
+                  <a:off x="5203294" y="1717481"/>
+                  <a:ext cx="27976" cy="1125600"/>
+                </a:xfrm>
+                <a:prstGeom prst="straightConnector1">
+                  <a:avLst/>
+                </a:prstGeom>
+                <a:ln w="38100">
+                  <a:solidFill>
+                    <a:srgbClr val="92D050"/>
+                  </a:solidFill>
+                  <a:headEnd type="triangle"/>
+                  <a:tailEnd type="triangle"/>
+                </a:ln>
+              </p:spPr>
+              <p:style>
+                <a:lnRef idx="3">
+                  <a:schemeClr val="accent5"/>
+                </a:lnRef>
+                <a:fillRef idx="0">
+                  <a:schemeClr val="accent5"/>
+                </a:fillRef>
+                <a:effectRef idx="2">
+                  <a:schemeClr val="accent5"/>
+                </a:effectRef>
+                <a:fontRef idx="minor">
+                  <a:schemeClr val="tx1"/>
+                </a:fontRef>
+              </p:style>
+            </p:cxnSp>
+            <mc:AlternateContent xmlns:mc="http://schemas.openxmlformats.org/markup-compatibility/2006" xmlns:a14="http://schemas.microsoft.com/office/drawing/2010/main">
+              <mc:Choice Requires="a14">
+                <p:sp>
+                  <p:nvSpPr>
+                    <p:cNvPr id="24" name="TextBox 23">
+                      <a:extLst>
+                        <a:ext uri="{FF2B5EF4-FFF2-40B4-BE49-F238E27FC236}">
+                          <a16:creationId xmlns:a16="http://schemas.microsoft.com/office/drawing/2014/main" id="{2165162F-C3FD-4E1E-AD58-FD47956E9302}"/>
+                        </a:ext>
+                      </a:extLst>
+                    </p:cNvPr>
+                    <p:cNvSpPr txBox="1"/>
+                    <p:nvPr/>
+                  </p:nvSpPr>
+                  <p:spPr>
+                    <a:xfrm>
+                      <a:off x="6091081" y="1017833"/>
+                      <a:ext cx="993605" cy="584775"/>
+                    </a:xfrm>
+                    <a:prstGeom prst="rect">
+                      <a:avLst/>
+                    </a:prstGeom>
+                    <a:noFill/>
+                  </p:spPr>
+                  <p:txBody>
+                    <a:bodyPr wrap="none" rtlCol="0">
+                      <a:spAutoFit/>
+                    </a:bodyPr>
+                    <a:lstStyle/>
+                    <a:p>
+                      <a:pPr/>
+                      <a14:m>
+                        <m:oMathPara xmlns:m="http://schemas.openxmlformats.org/officeDocument/2006/math">
+                          <m:oMathParaPr>
+                            <m:jc m:val="centerGroup"/>
+                          </m:oMathParaPr>
+                          <m:oMath xmlns:m="http://schemas.openxmlformats.org/officeDocument/2006/math">
+                            <m:sSub>
+                              <m:sSubPr>
+                                <m:ctrlPr>
+                                  <a:rPr lang="en-US" sz="3200" b="0" i="1" smtClean="0">
+                                    <a:latin typeface="Cambria Math" panose="02040503050406030204" pitchFamily="18" charset="0"/>
+                                  </a:rPr>
+                                </m:ctrlPr>
+                              </m:sSubPr>
+                              <m:e>
+                                <m:r>
+                                  <a:rPr lang="en-US" sz="3200" b="0" i="1" smtClean="0">
+                                    <a:latin typeface="Cambria Math" panose="02040503050406030204" pitchFamily="18" charset="0"/>
+                                  </a:rPr>
+                                  <m:t>2</m:t>
+                                </m:r>
+                                <m:r>
+                                  <a:rPr lang="en-US" sz="3200" b="0" i="1" smtClean="0">
+                                    <a:latin typeface="Cambria Math" panose="02040503050406030204" pitchFamily="18" charset="0"/>
+                                  </a:rPr>
+                                  <m:t>𝜔</m:t>
+                                </m:r>
+                              </m:e>
+                              <m:sub>
+                                <m:r>
+                                  <a:rPr lang="en-US" sz="3200" b="0" i="1" smtClean="0">
+                                    <a:latin typeface="Cambria Math" panose="02040503050406030204" pitchFamily="18" charset="0"/>
+                                  </a:rPr>
+                                  <m:t>0</m:t>
+                                </m:r>
+                              </m:sub>
+                            </m:sSub>
+                          </m:oMath>
+                        </m:oMathPara>
+                      </a14:m>
+                      <a:endParaRPr lang="en-US" sz="3200" dirty="0"/>
+                    </a:p>
+                  </p:txBody>
+                </p:sp>
+              </mc:Choice>
+              <mc:Fallback xmlns="">
+                <p:sp>
+                  <p:nvSpPr>
+                    <p:cNvPr id="24" name="TextBox 23">
+                      <a:extLst>
+                        <a:ext uri="{FF2B5EF4-FFF2-40B4-BE49-F238E27FC236}">
+                          <a16:creationId xmlns:a16="http://schemas.microsoft.com/office/drawing/2014/main" id="{2165162F-C3FD-4E1E-AD58-FD47956E9302}"/>
+                        </a:ext>
+                      </a:extLst>
+                    </p:cNvPr>
+                    <p:cNvSpPr txBox="1">
+                      <a:spLocks noRot="1" noChangeAspect="1" noMove="1" noResize="1" noEditPoints="1" noAdjustHandles="1" noChangeArrowheads="1" noChangeShapeType="1" noTextEdit="1"/>
+                    </p:cNvSpPr>
+                    <p:nvPr/>
+                  </p:nvSpPr>
+                  <p:spPr>
+                    <a:xfrm>
+                      <a:off x="6091081" y="1017833"/>
+                      <a:ext cx="993605" cy="584775"/>
+                    </a:xfrm>
+                    <a:prstGeom prst="rect">
+                      <a:avLst/>
+                    </a:prstGeom>
+                    <a:blipFill>
+                      <a:blip r:embed="rId10"/>
+                      <a:stretch>
+                        <a:fillRect/>
+                      </a:stretch>
+                    </a:blipFill>
+                  </p:spPr>
+                  <p:txBody>
+                    <a:bodyPr/>
+                    <a:lstStyle/>
+                    <a:p>
+                      <a:r>
+                        <a:rPr lang="en-US">
+                          <a:noFill/>
+                        </a:rPr>
+                        <a:t> </a:t>
+                      </a:r>
+                    </a:p>
+                  </p:txBody>
+                </p:sp>
+              </mc:Fallback>
+            </mc:AlternateContent>
+            <mc:AlternateContent xmlns:mc="http://schemas.openxmlformats.org/markup-compatibility/2006" xmlns:a14="http://schemas.microsoft.com/office/drawing/2010/main">
+              <mc:Choice Requires="a14">
+                <p:sp>
+                  <p:nvSpPr>
+                    <p:cNvPr id="25" name="TextBox 24">
+                      <a:extLst>
+                        <a:ext uri="{FF2B5EF4-FFF2-40B4-BE49-F238E27FC236}">
+                          <a16:creationId xmlns:a16="http://schemas.microsoft.com/office/drawing/2014/main" id="{C8EE8516-6A8F-46BC-A836-BA7C55A9E94D}"/>
+                        </a:ext>
+                      </a:extLst>
+                    </p:cNvPr>
+                    <p:cNvSpPr txBox="1"/>
+                    <p:nvPr/>
+                  </p:nvSpPr>
+                  <p:spPr>
+                    <a:xfrm>
+                      <a:off x="3938511" y="897789"/>
+                      <a:ext cx="1782924" cy="584775"/>
+                    </a:xfrm>
+                    <a:prstGeom prst="rect">
+                      <a:avLst/>
+                    </a:prstGeom>
+                    <a:noFill/>
+                  </p:spPr>
+                  <p:txBody>
+                    <a:bodyPr wrap="none" rtlCol="0">
+                      <a:spAutoFit/>
+                    </a:bodyPr>
+                    <a:lstStyle/>
+                    <a:p>
+                      <a:pPr/>
+                      <a14:m>
+                        <m:oMathPara xmlns:m="http://schemas.openxmlformats.org/officeDocument/2006/math">
+                          <m:oMathParaPr>
+                            <m:jc m:val="centerGroup"/>
+                          </m:oMathParaPr>
+                          <m:oMath xmlns:m="http://schemas.openxmlformats.org/officeDocument/2006/math">
+                            <m:sSub>
+                              <m:sSubPr>
+                                <m:ctrlPr>
+                                  <a:rPr lang="en-US" sz="3200" b="0" i="1" smtClean="0">
+                                    <a:latin typeface="Cambria Math" panose="02040503050406030204" pitchFamily="18" charset="0"/>
+                                  </a:rPr>
+                                </m:ctrlPr>
+                              </m:sSubPr>
+                              <m:e>
+                                <m:r>
+                                  <a:rPr lang="en-US" sz="3200" b="0" i="1" smtClean="0">
+                                    <a:latin typeface="Cambria Math" panose="02040503050406030204" pitchFamily="18" charset="0"/>
+                                  </a:rPr>
+                                  <m:t>𝜔</m:t>
+                                </m:r>
+                              </m:e>
+                              <m:sub>
+                                <m:r>
+                                  <a:rPr lang="en-US" sz="3200" b="0" i="1" smtClean="0">
+                                    <a:latin typeface="Cambria Math" panose="02040503050406030204" pitchFamily="18" charset="0"/>
+                                  </a:rPr>
+                                  <m:t>0</m:t>
+                                </m:r>
+                              </m:sub>
+                            </m:sSub>
+                            <m:r>
+                              <a:rPr lang="en-US" sz="3200" b="0" i="1" smtClean="0">
+                                <a:latin typeface="Cambria Math" panose="02040503050406030204" pitchFamily="18" charset="0"/>
+                              </a:rPr>
+                              <m:t>+</m:t>
+                            </m:r>
+                            <m:r>
+                              <a:rPr lang="en-US" sz="3200" b="0" i="1" smtClean="0">
+                                <a:latin typeface="Cambria Math" panose="02040503050406030204" pitchFamily="18" charset="0"/>
+                              </a:rPr>
+                              <m:t>𝛿𝜔</m:t>
+                            </m:r>
+                          </m:oMath>
+                        </m:oMathPara>
+                      </a14:m>
+                      <a:endParaRPr lang="en-US" sz="3200" dirty="0"/>
+                    </a:p>
+                  </p:txBody>
+                </p:sp>
+              </mc:Choice>
+              <mc:Fallback xmlns="">
+                <p:sp>
+                  <p:nvSpPr>
+                    <p:cNvPr id="25" name="TextBox 24">
+                      <a:extLst>
+                        <a:ext uri="{FF2B5EF4-FFF2-40B4-BE49-F238E27FC236}">
+                          <a16:creationId xmlns:a16="http://schemas.microsoft.com/office/drawing/2014/main" id="{C8EE8516-6A8F-46BC-A836-BA7C55A9E94D}"/>
+                        </a:ext>
+                      </a:extLst>
+                    </p:cNvPr>
+                    <p:cNvSpPr txBox="1">
+                      <a:spLocks noRot="1" noChangeAspect="1" noMove="1" noResize="1" noEditPoints="1" noAdjustHandles="1" noChangeArrowheads="1" noChangeShapeType="1" noTextEdit="1"/>
+                    </p:cNvSpPr>
+                    <p:nvPr/>
+                  </p:nvSpPr>
+                  <p:spPr>
+                    <a:xfrm>
+                      <a:off x="3938511" y="897789"/>
+                      <a:ext cx="1782924" cy="584775"/>
+                    </a:xfrm>
+                    <a:prstGeom prst="rect">
+                      <a:avLst/>
+                    </a:prstGeom>
+                    <a:blipFill>
+                      <a:blip r:embed="rId11"/>
+                      <a:stretch>
+                        <a:fillRect/>
+                      </a:stretch>
+                    </a:blipFill>
+                  </p:spPr>
+                  <p:txBody>
+                    <a:bodyPr/>
+                    <a:lstStyle/>
+                    <a:p>
+                      <a:r>
+                        <a:rPr lang="en-US">
+                          <a:noFill/>
+                        </a:rPr>
+                        <a:t> </a:t>
+                      </a:r>
+                    </a:p>
+                  </p:txBody>
+                </p:sp>
+              </mc:Fallback>
+            </mc:AlternateContent>
+            <mc:AlternateContent xmlns:mc="http://schemas.openxmlformats.org/markup-compatibility/2006" xmlns:a14="http://schemas.microsoft.com/office/drawing/2010/main">
+              <mc:Choice Requires="a14">
+                <p:sp>
+                  <p:nvSpPr>
+                    <p:cNvPr id="28" name="TextBox 27">
+                      <a:extLst>
+                        <a:ext uri="{FF2B5EF4-FFF2-40B4-BE49-F238E27FC236}">
+                          <a16:creationId xmlns:a16="http://schemas.microsoft.com/office/drawing/2014/main" id="{D27BF16A-42DD-4046-800A-60468DBBC31D}"/>
+                        </a:ext>
+                      </a:extLst>
+                    </p:cNvPr>
+                    <p:cNvSpPr txBox="1"/>
+                    <p:nvPr/>
+                  </p:nvSpPr>
+                  <p:spPr>
+                    <a:xfrm>
+                      <a:off x="3880657" y="1985807"/>
+                      <a:ext cx="1782924" cy="584775"/>
+                    </a:xfrm>
+                    <a:prstGeom prst="rect">
+                      <a:avLst/>
+                    </a:prstGeom>
+                    <a:noFill/>
+                  </p:spPr>
+                  <p:txBody>
+                    <a:bodyPr wrap="none" rtlCol="0">
+                      <a:spAutoFit/>
+                    </a:bodyPr>
+                    <a:lstStyle/>
+                    <a:p>
+                      <a:pPr/>
+                      <a14:m>
+                        <m:oMathPara xmlns:m="http://schemas.openxmlformats.org/officeDocument/2006/math">
+                          <m:oMathParaPr>
+                            <m:jc m:val="centerGroup"/>
+                          </m:oMathParaPr>
+                          <m:oMath xmlns:m="http://schemas.openxmlformats.org/officeDocument/2006/math">
+                            <m:sSub>
+                              <m:sSubPr>
+                                <m:ctrlPr>
+                                  <a:rPr lang="en-US" sz="3200" b="0" i="1" smtClean="0">
+                                    <a:latin typeface="Cambria Math" panose="02040503050406030204" pitchFamily="18" charset="0"/>
+                                  </a:rPr>
+                                </m:ctrlPr>
+                              </m:sSubPr>
+                              <m:e>
+                                <m:r>
+                                  <a:rPr lang="en-US" sz="3200" b="0" i="1" smtClean="0">
+                                    <a:latin typeface="Cambria Math" panose="02040503050406030204" pitchFamily="18" charset="0"/>
+                                  </a:rPr>
+                                  <m:t>𝜔</m:t>
+                                </m:r>
+                              </m:e>
+                              <m:sub>
+                                <m:r>
+                                  <a:rPr lang="en-US" sz="3200" b="0" i="1" smtClean="0">
+                                    <a:latin typeface="Cambria Math" panose="02040503050406030204" pitchFamily="18" charset="0"/>
+                                  </a:rPr>
+                                  <m:t>0</m:t>
+                                </m:r>
+                              </m:sub>
+                            </m:sSub>
+                            <m:r>
+                              <a:rPr lang="en-US" sz="3200" b="0" i="1" smtClean="0">
+                                <a:latin typeface="Cambria Math" panose="02040503050406030204" pitchFamily="18" charset="0"/>
+                              </a:rPr>
+                              <m:t>−</m:t>
+                            </m:r>
+                            <m:r>
+                              <a:rPr lang="en-US" sz="3200" b="0" i="1" smtClean="0">
+                                <a:latin typeface="Cambria Math" panose="02040503050406030204" pitchFamily="18" charset="0"/>
+                              </a:rPr>
+                              <m:t>𝛿𝜔</m:t>
+                            </m:r>
+                          </m:oMath>
+                        </m:oMathPara>
+                      </a14:m>
+                      <a:endParaRPr lang="en-US" sz="3200" dirty="0"/>
+                    </a:p>
+                  </p:txBody>
+                </p:sp>
+              </mc:Choice>
+              <mc:Fallback xmlns="">
+                <p:sp>
+                  <p:nvSpPr>
+                    <p:cNvPr id="28" name="TextBox 27">
+                      <a:extLst>
+                        <a:ext uri="{FF2B5EF4-FFF2-40B4-BE49-F238E27FC236}">
+                          <a16:creationId xmlns:a16="http://schemas.microsoft.com/office/drawing/2014/main" id="{D27BF16A-42DD-4046-800A-60468DBBC31D}"/>
+                        </a:ext>
+                      </a:extLst>
+                    </p:cNvPr>
+                    <p:cNvSpPr txBox="1">
+                      <a:spLocks noRot="1" noChangeAspect="1" noMove="1" noResize="1" noEditPoints="1" noAdjustHandles="1" noChangeArrowheads="1" noChangeShapeType="1" noTextEdit="1"/>
+                    </p:cNvSpPr>
+                    <p:nvPr/>
+                  </p:nvSpPr>
+                  <p:spPr>
+                    <a:xfrm>
+                      <a:off x="3880657" y="1985807"/>
+                      <a:ext cx="1782924" cy="584775"/>
+                    </a:xfrm>
+                    <a:prstGeom prst="rect">
+                      <a:avLst/>
+                    </a:prstGeom>
+                    <a:blipFill>
+                      <a:blip r:embed="rId12"/>
+                      <a:stretch>
+                        <a:fillRect/>
+                      </a:stretch>
+                    </a:blipFill>
+                  </p:spPr>
+                  <p:txBody>
+                    <a:bodyPr/>
+                    <a:lstStyle/>
+                    <a:p>
+                      <a:r>
+                        <a:rPr lang="en-US">
+                          <a:noFill/>
+                        </a:rPr>
+                        <a:t> </a:t>
+                      </a:r>
+                    </a:p>
+                  </p:txBody>
+                </p:sp>
+              </mc:Fallback>
+            </mc:AlternateContent>
+          </p:grpSp>
         </p:grpSp>
+        <p:sp>
+          <p:nvSpPr>
+            <p:cNvPr id="8" name="TextBox 7">
+              <a:extLst>
+                <a:ext uri="{FF2B5EF4-FFF2-40B4-BE49-F238E27FC236}">
+                  <a16:creationId xmlns:a16="http://schemas.microsoft.com/office/drawing/2014/main" id="{92ECE8D0-98B8-4BDA-B287-3151B5E4A4F8}"/>
+                </a:ext>
+              </a:extLst>
+            </p:cNvPr>
+            <p:cNvSpPr txBox="1"/>
+            <p:nvPr/>
+          </p:nvSpPr>
+          <p:spPr>
+            <a:xfrm>
+              <a:off x="1413499" y="-75551"/>
+              <a:ext cx="910251" cy="769441"/>
+            </a:xfrm>
+            <a:prstGeom prst="rect">
+              <a:avLst/>
+            </a:prstGeom>
+            <a:noFill/>
+          </p:spPr>
+          <p:txBody>
+            <a:bodyPr wrap="square" rtlCol="0">
+              <a:spAutoFit/>
+            </a:bodyPr>
+            <a:lstStyle/>
+            <a:p>
+              <a:r>
+                <a:rPr lang="en-US" sz="4400" dirty="0">
+                  <a:latin typeface="Times New Roman" panose="02020603050405020304" pitchFamily="18" charset="0"/>
+                  <a:cs typeface="Times New Roman" panose="02020603050405020304" pitchFamily="18" charset="0"/>
+                </a:rPr>
+                <a:t>(b)</a:t>
+              </a:r>
+            </a:p>
+          </p:txBody>
+        </p:sp>
       </p:grpSp>
     </p:spTree>
     <p:extLst>
@@ -31596,10 +31655,10 @@
       </p:grpSpPr>
       <p:grpSp>
         <p:nvGrpSpPr>
-          <p:cNvPr id="6" name="Group 5">
+          <p:cNvPr id="8" name="Group 7">
             <a:extLst>
               <a:ext uri="{FF2B5EF4-FFF2-40B4-BE49-F238E27FC236}">
-                <a16:creationId xmlns:a16="http://schemas.microsoft.com/office/drawing/2014/main" id="{EB38E6E8-5604-4A4C-943E-BA70D1AD1293}"/>
+                <a16:creationId xmlns:a16="http://schemas.microsoft.com/office/drawing/2014/main" id="{F45FC5D4-E2AA-44E3-BF31-F9B1BF9F2035}"/>
               </a:ext>
             </a:extLst>
           </p:cNvPr>
@@ -31608,191 +31667,1394 @@
         </p:nvGrpSpPr>
         <p:grpSpPr>
           <a:xfrm>
-            <a:off x="979029" y="2743823"/>
-            <a:ext cx="9508041" cy="1940259"/>
-            <a:chOff x="979029" y="2743823"/>
-            <a:chExt cx="9508041" cy="1940259"/>
+            <a:off x="620010" y="2576043"/>
+            <a:ext cx="9867060" cy="2108039"/>
+            <a:chOff x="620010" y="2576043"/>
+            <a:chExt cx="9867060" cy="2108039"/>
           </a:xfrm>
         </p:grpSpPr>
-        <p:pic>
-          <p:nvPicPr>
-            <p:cNvPr id="4" name="Picture 3">
+        <p:grpSp>
+          <p:nvGrpSpPr>
+            <p:cNvPr id="6" name="Group 5">
               <a:extLst>
                 <a:ext uri="{FF2B5EF4-FFF2-40B4-BE49-F238E27FC236}">
-                  <a16:creationId xmlns:a16="http://schemas.microsoft.com/office/drawing/2014/main" id="{44B08358-C048-4D81-B296-DF47D311D3CD}"/>
+                  <a16:creationId xmlns:a16="http://schemas.microsoft.com/office/drawing/2014/main" id="{EB38E6E8-5604-4A4C-943E-BA70D1AD1293}"/>
                 </a:ext>
               </a:extLst>
             </p:cNvPr>
-            <p:cNvPicPr>
-              <a:picLocks noChangeAspect="1"/>
-            </p:cNvPicPr>
+            <p:cNvGrpSpPr/>
             <p:nvPr/>
-          </p:nvPicPr>
-          <p:blipFill>
-            <a:blip r:embed="rId2"/>
-            <a:stretch>
-              <a:fillRect/>
-            </a:stretch>
-          </p:blipFill>
-          <p:spPr>
+          </p:nvGrpSpPr>
+          <p:grpSpPr>
             <a:xfrm>
               <a:off x="979029" y="2743823"/>
               <a:ext cx="9508041" cy="1940259"/>
+              <a:chOff x="979029" y="2743823"/>
+              <a:chExt cx="9508041" cy="1940259"/>
             </a:xfrm>
-            <a:prstGeom prst="rect">
-              <a:avLst/>
-            </a:prstGeom>
-          </p:spPr>
-        </p:pic>
+          </p:grpSpPr>
+          <p:pic>
+            <p:nvPicPr>
+              <p:cNvPr id="4" name="Picture 3">
+                <a:extLst>
+                  <a:ext uri="{FF2B5EF4-FFF2-40B4-BE49-F238E27FC236}">
+                    <a16:creationId xmlns:a16="http://schemas.microsoft.com/office/drawing/2014/main" id="{44B08358-C048-4D81-B296-DF47D311D3CD}"/>
+                  </a:ext>
+                </a:extLst>
+              </p:cNvPr>
+              <p:cNvPicPr>
+                <a:picLocks noChangeAspect="1"/>
+              </p:cNvPicPr>
+              <p:nvPr/>
+            </p:nvPicPr>
+            <p:blipFill>
+              <a:blip r:embed="rId2"/>
+              <a:stretch>
+                <a:fillRect/>
+              </a:stretch>
+            </p:blipFill>
+            <p:spPr>
+              <a:xfrm>
+                <a:off x="979029" y="2743823"/>
+                <a:ext cx="9508041" cy="1940259"/>
+              </a:xfrm>
+              <a:prstGeom prst="rect">
+                <a:avLst/>
+              </a:prstGeom>
+            </p:spPr>
+          </p:pic>
+          <p:sp>
+            <p:nvSpPr>
+              <p:cNvPr id="2" name="Rectangle 1">
+                <a:extLst>
+                  <a:ext uri="{FF2B5EF4-FFF2-40B4-BE49-F238E27FC236}">
+                    <a16:creationId xmlns:a16="http://schemas.microsoft.com/office/drawing/2014/main" id="{B6957E1A-B322-412A-8375-E4A93CF46AC7}"/>
+                  </a:ext>
+                </a:extLst>
+              </p:cNvPr>
+              <p:cNvSpPr/>
+              <p:nvPr/>
+            </p:nvSpPr>
+            <p:spPr>
+              <a:xfrm>
+                <a:off x="6408413" y="3797086"/>
+                <a:ext cx="439859" cy="477079"/>
+              </a:xfrm>
+              <a:prstGeom prst="rect">
+                <a:avLst/>
+              </a:prstGeom>
+              <a:noFill/>
+              <a:ln>
+                <a:noFill/>
+              </a:ln>
+            </p:spPr>
+            <p:style>
+              <a:lnRef idx="2">
+                <a:schemeClr val="dk1"/>
+              </a:lnRef>
+              <a:fillRef idx="1">
+                <a:schemeClr val="lt1"/>
+              </a:fillRef>
+              <a:effectRef idx="0">
+                <a:schemeClr val="dk1"/>
+              </a:effectRef>
+              <a:fontRef idx="minor">
+                <a:schemeClr val="dk1"/>
+              </a:fontRef>
+            </p:style>
+            <p:txBody>
+              <a:bodyPr rtlCol="0" anchor="ctr"/>
+              <a:lstStyle/>
+              <a:p>
+                <a:pPr algn="ctr"/>
+                <a:endParaRPr lang="en-US" dirty="0"/>
+              </a:p>
+            </p:txBody>
+          </p:sp>
+          <p:sp>
+            <p:nvSpPr>
+              <p:cNvPr id="3" name="Rectangle 2">
+                <a:extLst>
+                  <a:ext uri="{FF2B5EF4-FFF2-40B4-BE49-F238E27FC236}">
+                    <a16:creationId xmlns:a16="http://schemas.microsoft.com/office/drawing/2014/main" id="{E5F23AE9-A8AC-422D-AD79-336EF443B192}"/>
+                  </a:ext>
+                </a:extLst>
+              </p:cNvPr>
+              <p:cNvSpPr/>
+              <p:nvPr/>
+            </p:nvSpPr>
+            <p:spPr>
+              <a:xfrm>
+                <a:off x="6408413" y="3713952"/>
+                <a:ext cx="612842" cy="632297"/>
+              </a:xfrm>
+              <a:prstGeom prst="rect">
+                <a:avLst/>
+              </a:prstGeom>
+              <a:solidFill>
+                <a:schemeClr val="bg1"/>
+              </a:solidFill>
+              <a:ln>
+                <a:noFill/>
+              </a:ln>
+            </p:spPr>
+            <p:style>
+              <a:lnRef idx="2">
+                <a:schemeClr val="accent1">
+                  <a:shade val="50000"/>
+                </a:schemeClr>
+              </a:lnRef>
+              <a:fillRef idx="1">
+                <a:schemeClr val="accent1"/>
+              </a:fillRef>
+              <a:effectRef idx="0">
+                <a:schemeClr val="accent1"/>
+              </a:effectRef>
+              <a:fontRef idx="minor">
+                <a:schemeClr val="lt1"/>
+              </a:fontRef>
+            </p:style>
+            <p:txBody>
+              <a:bodyPr rtlCol="0" anchor="ctr"/>
+              <a:lstStyle/>
+              <a:p>
+                <a:pPr algn="ctr"/>
+                <a:endParaRPr lang="en-US"/>
+              </a:p>
+            </p:txBody>
+          </p:sp>
+          <p:sp>
+            <p:nvSpPr>
+              <p:cNvPr id="5" name="Rectangle 4">
+                <a:extLst>
+                  <a:ext uri="{FF2B5EF4-FFF2-40B4-BE49-F238E27FC236}">
+                    <a16:creationId xmlns:a16="http://schemas.microsoft.com/office/drawing/2014/main" id="{DB242995-0706-4837-B74B-75FE923FB5E7}"/>
+                  </a:ext>
+                </a:extLst>
+              </p:cNvPr>
+              <p:cNvSpPr/>
+              <p:nvPr/>
+            </p:nvSpPr>
+            <p:spPr>
+              <a:xfrm>
+                <a:off x="3963528" y="3641868"/>
+                <a:ext cx="1026762" cy="704381"/>
+              </a:xfrm>
+              <a:prstGeom prst="rect">
+                <a:avLst/>
+              </a:prstGeom>
+              <a:solidFill>
+                <a:schemeClr val="bg1"/>
+              </a:solidFill>
+              <a:ln>
+                <a:noFill/>
+              </a:ln>
+            </p:spPr>
+            <p:style>
+              <a:lnRef idx="2">
+                <a:schemeClr val="accent1">
+                  <a:shade val="50000"/>
+                </a:schemeClr>
+              </a:lnRef>
+              <a:fillRef idx="1">
+                <a:schemeClr val="accent1"/>
+              </a:fillRef>
+              <a:effectRef idx="0">
+                <a:schemeClr val="accent1"/>
+              </a:effectRef>
+              <a:fontRef idx="minor">
+                <a:schemeClr val="lt1"/>
+              </a:fontRef>
+            </p:style>
+            <p:txBody>
+              <a:bodyPr rtlCol="0" anchor="ctr"/>
+              <a:lstStyle/>
+              <a:p>
+                <a:pPr algn="ctr"/>
+                <a:endParaRPr lang="en-US"/>
+              </a:p>
+            </p:txBody>
+          </p:sp>
+        </p:grpSp>
         <p:sp>
           <p:nvSpPr>
-            <p:cNvPr id="2" name="Rectangle 1">
+            <p:cNvPr id="7" name="TextBox 6">
               <a:extLst>
                 <a:ext uri="{FF2B5EF4-FFF2-40B4-BE49-F238E27FC236}">
-                  <a16:creationId xmlns:a16="http://schemas.microsoft.com/office/drawing/2014/main" id="{B6957E1A-B322-412A-8375-E4A93CF46AC7}"/>
+                  <a16:creationId xmlns:a16="http://schemas.microsoft.com/office/drawing/2014/main" id="{DA5D80EC-3F91-42E9-A368-1E9DFEE1EB3C}"/>
                 </a:ext>
               </a:extLst>
             </p:cNvPr>
-            <p:cNvSpPr/>
+            <p:cNvSpPr txBox="1"/>
             <p:nvPr/>
           </p:nvSpPr>
           <p:spPr>
             <a:xfrm>
-              <a:off x="6408413" y="3797086"/>
-              <a:ext cx="439859" cy="477079"/>
+              <a:off x="620010" y="2576043"/>
+              <a:ext cx="583814" cy="523220"/>
             </a:xfrm>
             <a:prstGeom prst="rect">
               <a:avLst/>
             </a:prstGeom>
             <a:noFill/>
-            <a:ln>
-              <a:noFill/>
-            </a:ln>
           </p:spPr>
-          <p:style>
-            <a:lnRef idx="2">
-              <a:schemeClr val="dk1"/>
-            </a:lnRef>
-            <a:fillRef idx="1">
-              <a:schemeClr val="lt1"/>
-            </a:fillRef>
-            <a:effectRef idx="0">
-              <a:schemeClr val="dk1"/>
-            </a:effectRef>
-            <a:fontRef idx="minor">
-              <a:schemeClr val="dk1"/>
-            </a:fontRef>
-          </p:style>
           <p:txBody>
-            <a:bodyPr rtlCol="0" anchor="ctr"/>
+            <a:bodyPr wrap="none" rtlCol="0">
+              <a:spAutoFit/>
+            </a:bodyPr>
             <a:lstStyle/>
             <a:p>
-              <a:pPr algn="ctr"/>
-              <a:endParaRPr lang="en-US" dirty="0"/>
+              <a:r>
+                <a:rPr lang="en-US" sz="2800" dirty="0">
+                  <a:latin typeface="Times New Roman" panose="02020603050405020304" pitchFamily="18" charset="0"/>
+                  <a:cs typeface="Times New Roman" panose="02020603050405020304" pitchFamily="18" charset="0"/>
+                </a:rPr>
+                <a:t>(a)</a:t>
+              </a:r>
             </a:p>
           </p:txBody>
         </p:sp>
-        <p:sp>
-          <p:nvSpPr>
-            <p:cNvPr id="3" name="Rectangle 2">
+      </p:grpSp>
+      <p:grpSp>
+        <p:nvGrpSpPr>
+          <p:cNvPr id="27" name="Group 26">
+            <a:extLst>
+              <a:ext uri="{FF2B5EF4-FFF2-40B4-BE49-F238E27FC236}">
+                <a16:creationId xmlns:a16="http://schemas.microsoft.com/office/drawing/2014/main" id="{37F74E86-F9F5-4637-B684-050AACAECD18}"/>
+              </a:ext>
+            </a:extLst>
+          </p:cNvPr>
+          <p:cNvGrpSpPr/>
+          <p:nvPr/>
+        </p:nvGrpSpPr>
+        <p:grpSpPr>
+          <a:xfrm>
+            <a:off x="2654903" y="185421"/>
+            <a:ext cx="5596699" cy="3372557"/>
+            <a:chOff x="1555945" y="-376943"/>
+            <a:chExt cx="5596699" cy="3372557"/>
+          </a:xfrm>
+        </p:grpSpPr>
+        <p:grpSp>
+          <p:nvGrpSpPr>
+            <p:cNvPr id="28" name="Group 27">
               <a:extLst>
                 <a:ext uri="{FF2B5EF4-FFF2-40B4-BE49-F238E27FC236}">
-                  <a16:creationId xmlns:a16="http://schemas.microsoft.com/office/drawing/2014/main" id="{E5F23AE9-A8AC-422D-AD79-336EF443B192}"/>
+                  <a16:creationId xmlns:a16="http://schemas.microsoft.com/office/drawing/2014/main" id="{A5709C7F-0120-4DD2-9DC7-58563EF131EA}"/>
                 </a:ext>
               </a:extLst>
             </p:cNvPr>
-            <p:cNvSpPr/>
+            <p:cNvGrpSpPr/>
+            <p:nvPr/>
+          </p:nvGrpSpPr>
+          <p:grpSpPr>
+            <a:xfrm>
+              <a:off x="1620869" y="-176491"/>
+              <a:ext cx="5531775" cy="3172105"/>
+              <a:chOff x="1407509" y="-180094"/>
+              <a:chExt cx="5531775" cy="3172105"/>
+            </a:xfrm>
+          </p:grpSpPr>
+          <mc:AlternateContent xmlns:mc="http://schemas.openxmlformats.org/markup-compatibility/2006" xmlns:a14="http://schemas.microsoft.com/office/drawing/2010/main">
+            <mc:Choice Requires="a14">
+              <p:sp>
+                <p:nvSpPr>
+                  <p:cNvPr id="30" name="TextBox 29">
+                    <a:extLst>
+                      <a:ext uri="{FF2B5EF4-FFF2-40B4-BE49-F238E27FC236}">
+                        <a16:creationId xmlns:a16="http://schemas.microsoft.com/office/drawing/2014/main" id="{46481205-C6AB-4CEC-A988-C074DC9B9BB6}"/>
+                      </a:ext>
+                    </a:extLst>
+                  </p:cNvPr>
+                  <p:cNvSpPr txBox="1"/>
+                  <p:nvPr/>
+                </p:nvSpPr>
+                <p:spPr>
+                  <a:xfrm>
+                    <a:off x="3232060" y="-180094"/>
+                    <a:ext cx="771686" cy="584775"/>
+                  </a:xfrm>
+                  <a:prstGeom prst="rect">
+                    <a:avLst/>
+                  </a:prstGeom>
+                  <a:noFill/>
+                </p:spPr>
+                <p:txBody>
+                  <a:bodyPr wrap="none" rtlCol="0">
+                    <a:spAutoFit/>
+                  </a:bodyPr>
+                  <a:lstStyle/>
+                  <a:p>
+                    <a:pPr/>
+                    <a14:m>
+                      <m:oMathPara xmlns:m="http://schemas.openxmlformats.org/officeDocument/2006/math">
+                        <m:oMathParaPr>
+                          <m:jc m:val="centerGroup"/>
+                        </m:oMathParaPr>
+                        <m:oMath xmlns:m="http://schemas.openxmlformats.org/officeDocument/2006/math">
+                          <m:sSub>
+                            <m:sSubPr>
+                              <m:ctrlPr>
+                                <a:rPr lang="en-US" sz="3200" b="0" i="1" smtClean="0">
+                                  <a:latin typeface="Cambria Math" panose="02040503050406030204" pitchFamily="18" charset="0"/>
+                                </a:rPr>
+                              </m:ctrlPr>
+                            </m:sSubPr>
+                            <m:e>
+                              <m:r>
+                                <a:rPr lang="en-US" sz="3200" b="0" i="1" smtClean="0">
+                                  <a:latin typeface="Cambria Math" panose="02040503050406030204" pitchFamily="18" charset="0"/>
+                                </a:rPr>
+                                <m:t>𝜔</m:t>
+                              </m:r>
+                            </m:e>
+                            <m:sub>
+                              <m:r>
+                                <a:rPr lang="en-US" sz="3200" b="0" i="1" smtClean="0">
+                                  <a:latin typeface="Cambria Math" panose="02040503050406030204" pitchFamily="18" charset="0"/>
+                                </a:rPr>
+                                <m:t>𝑎</m:t>
+                              </m:r>
+                            </m:sub>
+                          </m:sSub>
+                        </m:oMath>
+                      </m:oMathPara>
+                    </a14:m>
+                    <a:endParaRPr lang="en-US" sz="3200" dirty="0"/>
+                  </a:p>
+                </p:txBody>
+              </p:sp>
+            </mc:Choice>
+            <mc:Fallback xmlns="">
+              <p:sp>
+                <p:nvSpPr>
+                  <p:cNvPr id="19" name="TextBox 18">
+                    <a:extLst>
+                      <a:ext uri="{FF2B5EF4-FFF2-40B4-BE49-F238E27FC236}">
+                        <a16:creationId xmlns:a16="http://schemas.microsoft.com/office/drawing/2014/main" id="{90D9BDC6-34C2-44F5-9094-31B1842D47C7}"/>
+                      </a:ext>
+                    </a:extLst>
+                  </p:cNvPr>
+                  <p:cNvSpPr txBox="1">
+                    <a:spLocks noRot="1" noChangeAspect="1" noMove="1" noResize="1" noEditPoints="1" noAdjustHandles="1" noChangeArrowheads="1" noChangeShapeType="1" noTextEdit="1"/>
+                  </p:cNvSpPr>
+                  <p:nvPr/>
+                </p:nvSpPr>
+                <p:spPr>
+                  <a:xfrm>
+                    <a:off x="3232060" y="-180094"/>
+                    <a:ext cx="771686" cy="584775"/>
+                  </a:xfrm>
+                  <a:prstGeom prst="rect">
+                    <a:avLst/>
+                  </a:prstGeom>
+                  <a:blipFill>
+                    <a:blip r:embed="rId7"/>
+                    <a:stretch>
+                      <a:fillRect/>
+                    </a:stretch>
+                  </a:blipFill>
+                </p:spPr>
+                <p:txBody>
+                  <a:bodyPr/>
+                  <a:lstStyle/>
+                  <a:p>
+                    <a:r>
+                      <a:rPr lang="en-US">
+                        <a:noFill/>
+                      </a:rPr>
+                      <a:t> </a:t>
+                    </a:r>
+                  </a:p>
+                </p:txBody>
+              </p:sp>
+            </mc:Fallback>
+          </mc:AlternateContent>
+          <p:grpSp>
+            <p:nvGrpSpPr>
+              <p:cNvPr id="31" name="Group 30">
+                <a:extLst>
+                  <a:ext uri="{FF2B5EF4-FFF2-40B4-BE49-F238E27FC236}">
+                    <a16:creationId xmlns:a16="http://schemas.microsoft.com/office/drawing/2014/main" id="{C3701B0D-6E21-4EDA-BB56-39DAA63925E7}"/>
+                  </a:ext>
+                </a:extLst>
+              </p:cNvPr>
+              <p:cNvGrpSpPr/>
+              <p:nvPr/>
+            </p:nvGrpSpPr>
+            <p:grpSpPr>
+              <a:xfrm>
+                <a:off x="1407509" y="219383"/>
+                <a:ext cx="5531775" cy="2772628"/>
+                <a:chOff x="1552911" y="276345"/>
+                <a:chExt cx="5531775" cy="2772628"/>
+              </a:xfrm>
+            </p:grpSpPr>
+            <p:cxnSp>
+              <p:nvCxnSpPr>
+                <p:cNvPr id="32" name="Straight Connector 31">
+                  <a:extLst>
+                    <a:ext uri="{FF2B5EF4-FFF2-40B4-BE49-F238E27FC236}">
+                      <a16:creationId xmlns:a16="http://schemas.microsoft.com/office/drawing/2014/main" id="{2A609245-643C-4685-BB50-39184EA666C5}"/>
+                    </a:ext>
+                  </a:extLst>
+                </p:cNvPr>
+                <p:cNvCxnSpPr/>
+                <p:nvPr/>
+              </p:nvCxnSpPr>
+              <p:spPr>
+                <a:xfrm>
+                  <a:off x="3570912" y="2843081"/>
+                  <a:ext cx="1275348" cy="0"/>
+                </a:xfrm>
+                <a:prstGeom prst="line">
+                  <a:avLst/>
+                </a:prstGeom>
+                <a:ln w="38100"/>
+              </p:spPr>
+              <p:style>
+                <a:lnRef idx="1">
+                  <a:schemeClr val="dk1"/>
+                </a:lnRef>
+                <a:fillRef idx="0">
+                  <a:schemeClr val="dk1"/>
+                </a:fillRef>
+                <a:effectRef idx="0">
+                  <a:schemeClr val="dk1"/>
+                </a:effectRef>
+                <a:fontRef idx="minor">
+                  <a:schemeClr val="tx1"/>
+                </a:fontRef>
+              </p:style>
+            </p:cxnSp>
+            <p:cxnSp>
+              <p:nvCxnSpPr>
+                <p:cNvPr id="33" name="Straight Connector 32">
+                  <a:extLst>
+                    <a:ext uri="{FF2B5EF4-FFF2-40B4-BE49-F238E27FC236}">
+                      <a16:creationId xmlns:a16="http://schemas.microsoft.com/office/drawing/2014/main" id="{5570BBF4-3D6E-4989-A2E0-F73B988F757D}"/>
+                    </a:ext>
+                  </a:extLst>
+                </p:cNvPr>
+                <p:cNvCxnSpPr/>
+                <p:nvPr/>
+              </p:nvCxnSpPr>
+              <p:spPr>
+                <a:xfrm>
+                  <a:off x="2488070" y="1800344"/>
+                  <a:ext cx="1275348" cy="0"/>
+                </a:xfrm>
+                <a:prstGeom prst="line">
+                  <a:avLst/>
+                </a:prstGeom>
+                <a:ln w="38100"/>
+              </p:spPr>
+              <p:style>
+                <a:lnRef idx="1">
+                  <a:schemeClr val="dk1"/>
+                </a:lnRef>
+                <a:fillRef idx="0">
+                  <a:schemeClr val="dk1"/>
+                </a:fillRef>
+                <a:effectRef idx="0">
+                  <a:schemeClr val="dk1"/>
+                </a:effectRef>
+                <a:fontRef idx="minor">
+                  <a:schemeClr val="tx1"/>
+                </a:fontRef>
+              </p:style>
+            </p:cxnSp>
+            <p:cxnSp>
+              <p:nvCxnSpPr>
+                <p:cNvPr id="34" name="Straight Connector 33">
+                  <a:extLst>
+                    <a:ext uri="{FF2B5EF4-FFF2-40B4-BE49-F238E27FC236}">
+                      <a16:creationId xmlns:a16="http://schemas.microsoft.com/office/drawing/2014/main" id="{6E970CB2-48F7-4B96-BF78-8BDAB1D5D9B2}"/>
+                    </a:ext>
+                  </a:extLst>
+                </p:cNvPr>
+                <p:cNvCxnSpPr/>
+                <p:nvPr/>
+              </p:nvCxnSpPr>
+              <p:spPr>
+                <a:xfrm>
+                  <a:off x="4294442" y="276345"/>
+                  <a:ext cx="1275348" cy="0"/>
+                </a:xfrm>
+                <a:prstGeom prst="line">
+                  <a:avLst/>
+                </a:prstGeom>
+                <a:ln w="38100"/>
+              </p:spPr>
+              <p:style>
+                <a:lnRef idx="1">
+                  <a:schemeClr val="dk1"/>
+                </a:lnRef>
+                <a:fillRef idx="0">
+                  <a:schemeClr val="dk1"/>
+                </a:fillRef>
+                <a:effectRef idx="0">
+                  <a:schemeClr val="dk1"/>
+                </a:effectRef>
+                <a:fontRef idx="minor">
+                  <a:schemeClr val="tx1"/>
+                </a:fontRef>
+              </p:style>
+            </p:cxnSp>
+            <p:cxnSp>
+              <p:nvCxnSpPr>
+                <p:cNvPr id="35" name="Straight Arrow Connector 34">
+                  <a:extLst>
+                    <a:ext uri="{FF2B5EF4-FFF2-40B4-BE49-F238E27FC236}">
+                      <a16:creationId xmlns:a16="http://schemas.microsoft.com/office/drawing/2014/main" id="{E82A392B-F497-4576-82B2-9F259A9E0239}"/>
+                    </a:ext>
+                  </a:extLst>
+                </p:cNvPr>
+                <p:cNvCxnSpPr/>
+                <p:nvPr/>
+              </p:nvCxnSpPr>
+              <p:spPr>
+                <a:xfrm flipH="1" flipV="1">
+                  <a:off x="3185902" y="1800344"/>
+                  <a:ext cx="938463" cy="1042737"/>
+                </a:xfrm>
+                <a:prstGeom prst="straightConnector1">
+                  <a:avLst/>
+                </a:prstGeom>
+                <a:ln w="28575">
+                  <a:tailEnd type="triangle"/>
+                </a:ln>
+              </p:spPr>
+              <p:style>
+                <a:lnRef idx="1">
+                  <a:schemeClr val="accent1"/>
+                </a:lnRef>
+                <a:fillRef idx="0">
+                  <a:schemeClr val="accent1"/>
+                </a:fillRef>
+                <a:effectRef idx="0">
+                  <a:schemeClr val="accent1"/>
+                </a:effectRef>
+                <a:fontRef idx="minor">
+                  <a:schemeClr val="tx1"/>
+                </a:fontRef>
+              </p:style>
+            </p:cxnSp>
+            <p:cxnSp>
+              <p:nvCxnSpPr>
+                <p:cNvPr id="36" name="Straight Arrow Connector 35">
+                  <a:extLst>
+                    <a:ext uri="{FF2B5EF4-FFF2-40B4-BE49-F238E27FC236}">
+                      <a16:creationId xmlns:a16="http://schemas.microsoft.com/office/drawing/2014/main" id="{69760364-D1A6-4040-BF00-F4AFADEA0BA9}"/>
+                    </a:ext>
+                  </a:extLst>
+                </p:cNvPr>
+                <p:cNvCxnSpPr>
+                  <a:cxnSpLocks/>
+                </p:cNvCxnSpPr>
+                <p:nvPr/>
+              </p:nvCxnSpPr>
+              <p:spPr>
+                <a:xfrm flipV="1">
+                  <a:off x="3185902" y="276345"/>
+                  <a:ext cx="1660358" cy="1523999"/>
+                </a:xfrm>
+                <a:prstGeom prst="straightConnector1">
+                  <a:avLst/>
+                </a:prstGeom>
+                <a:ln w="28575">
+                  <a:tailEnd type="triangle"/>
+                </a:ln>
+              </p:spPr>
+              <p:style>
+                <a:lnRef idx="1">
+                  <a:schemeClr val="accent1"/>
+                </a:lnRef>
+                <a:fillRef idx="0">
+                  <a:schemeClr val="accent1"/>
+                </a:fillRef>
+                <a:effectRef idx="0">
+                  <a:schemeClr val="accent1"/>
+                </a:effectRef>
+                <a:fontRef idx="minor">
+                  <a:schemeClr val="tx1"/>
+                </a:fontRef>
+              </p:style>
+            </p:cxnSp>
+            <mc:AlternateContent xmlns:mc="http://schemas.openxmlformats.org/markup-compatibility/2006" xmlns:a14="http://schemas.microsoft.com/office/drawing/2010/main">
+              <mc:Choice Requires="a14">
+                <p:sp>
+                  <p:nvSpPr>
+                    <p:cNvPr id="37" name="TextBox 36">
+                      <a:extLst>
+                        <a:ext uri="{FF2B5EF4-FFF2-40B4-BE49-F238E27FC236}">
+                          <a16:creationId xmlns:a16="http://schemas.microsoft.com/office/drawing/2014/main" id="{6FA2FEFA-C532-4E3A-A5AA-FA85E02B5368}"/>
+                        </a:ext>
+                      </a:extLst>
+                    </p:cNvPr>
+                    <p:cNvSpPr txBox="1"/>
+                    <p:nvPr/>
+                  </p:nvSpPr>
+                  <p:spPr>
+                    <a:xfrm>
+                      <a:off x="1552911" y="1425094"/>
+                      <a:ext cx="780405" cy="584775"/>
+                    </a:xfrm>
+                    <a:prstGeom prst="rect">
+                      <a:avLst/>
+                    </a:prstGeom>
+                    <a:noFill/>
+                  </p:spPr>
+                  <p:txBody>
+                    <a:bodyPr wrap="none" rtlCol="0">
+                      <a:spAutoFit/>
+                    </a:bodyPr>
+                    <a:lstStyle/>
+                    <a:p>
+                      <a:pPr/>
+                      <a14:m>
+                        <m:oMathPara xmlns:m="http://schemas.openxmlformats.org/officeDocument/2006/math">
+                          <m:oMathParaPr>
+                            <m:jc m:val="centerGroup"/>
+                          </m:oMathParaPr>
+                          <m:oMath xmlns:m="http://schemas.openxmlformats.org/officeDocument/2006/math">
+                            <m:sSub>
+                              <m:sSubPr>
+                                <m:ctrlPr>
+                                  <a:rPr lang="en-US" sz="3200" b="0" i="1" smtClean="0">
+                                    <a:latin typeface="Cambria Math" panose="02040503050406030204" pitchFamily="18" charset="0"/>
+                                  </a:rPr>
+                                </m:ctrlPr>
+                              </m:sSubPr>
+                              <m:e>
+                                <m:r>
+                                  <a:rPr lang="en-US" sz="3200" b="0" i="1" smtClean="0">
+                                    <a:latin typeface="Cambria Math" panose="02040503050406030204" pitchFamily="18" charset="0"/>
+                                  </a:rPr>
+                                  <m:t>𝜔</m:t>
+                                </m:r>
+                              </m:e>
+                              <m:sub>
+                                <m:r>
+                                  <a:rPr lang="en-US" sz="3200" b="0" i="1" smtClean="0">
+                                    <a:latin typeface="Cambria Math" panose="02040503050406030204" pitchFamily="18" charset="0"/>
+                                  </a:rPr>
+                                  <m:t>𝑏</m:t>
+                                </m:r>
+                              </m:sub>
+                            </m:sSub>
+                          </m:oMath>
+                        </m:oMathPara>
+                      </a14:m>
+                      <a:endParaRPr lang="en-US" sz="3200" dirty="0"/>
+                    </a:p>
+                  </p:txBody>
+                </p:sp>
+              </mc:Choice>
+              <mc:Fallback xmlns="">
+                <p:sp>
+                  <p:nvSpPr>
+                    <p:cNvPr id="21" name="TextBox 20">
+                      <a:extLst>
+                        <a:ext uri="{FF2B5EF4-FFF2-40B4-BE49-F238E27FC236}">
+                          <a16:creationId xmlns:a16="http://schemas.microsoft.com/office/drawing/2014/main" id="{EAC73FA7-462A-4E11-8C51-C726490734EF}"/>
+                        </a:ext>
+                      </a:extLst>
+                    </p:cNvPr>
+                    <p:cNvSpPr txBox="1">
+                      <a:spLocks noRot="1" noChangeAspect="1" noMove="1" noResize="1" noEditPoints="1" noAdjustHandles="1" noChangeArrowheads="1" noChangeShapeType="1" noTextEdit="1"/>
+                    </p:cNvSpPr>
+                    <p:nvPr/>
+                  </p:nvSpPr>
+                  <p:spPr>
+                    <a:xfrm>
+                      <a:off x="1552911" y="1425094"/>
+                      <a:ext cx="780405" cy="584775"/>
+                    </a:xfrm>
+                    <a:prstGeom prst="rect">
+                      <a:avLst/>
+                    </a:prstGeom>
+                    <a:blipFill>
+                      <a:blip r:embed="rId8"/>
+                      <a:stretch>
+                        <a:fillRect/>
+                      </a:stretch>
+                    </a:blipFill>
+                  </p:spPr>
+                  <p:txBody>
+                    <a:bodyPr/>
+                    <a:lstStyle/>
+                    <a:p>
+                      <a:r>
+                        <a:rPr lang="en-US">
+                          <a:noFill/>
+                        </a:rPr>
+                        <a:t> </a:t>
+                      </a:r>
+                    </a:p>
+                  </p:txBody>
+                </p:sp>
+              </mc:Fallback>
+            </mc:AlternateContent>
+            <mc:AlternateContent xmlns:mc="http://schemas.openxmlformats.org/markup-compatibility/2006" xmlns:a14="http://schemas.microsoft.com/office/drawing/2010/main">
+              <mc:Choice Requires="a14">
+                <p:sp>
+                  <p:nvSpPr>
+                    <p:cNvPr id="38" name="TextBox 37">
+                      <a:extLst>
+                        <a:ext uri="{FF2B5EF4-FFF2-40B4-BE49-F238E27FC236}">
+                          <a16:creationId xmlns:a16="http://schemas.microsoft.com/office/drawing/2014/main" id="{285AB1D4-968E-4F32-A3A2-2EBBC8D587D7}"/>
+                        </a:ext>
+                      </a:extLst>
+                    </p:cNvPr>
+                    <p:cNvSpPr txBox="1"/>
+                    <p:nvPr/>
+                  </p:nvSpPr>
+                  <p:spPr>
+                    <a:xfrm>
+                      <a:off x="2863562" y="2464198"/>
+                      <a:ext cx="736997" cy="584775"/>
+                    </a:xfrm>
+                    <a:prstGeom prst="rect">
+                      <a:avLst/>
+                    </a:prstGeom>
+                    <a:noFill/>
+                  </p:spPr>
+                  <p:txBody>
+                    <a:bodyPr wrap="none" rtlCol="0">
+                      <a:spAutoFit/>
+                    </a:bodyPr>
+                    <a:lstStyle/>
+                    <a:p>
+                      <a:pPr/>
+                      <a14:m>
+                        <m:oMathPara xmlns:m="http://schemas.openxmlformats.org/officeDocument/2006/math">
+                          <m:oMathParaPr>
+                            <m:jc m:val="centerGroup"/>
+                          </m:oMathParaPr>
+                          <m:oMath xmlns:m="http://schemas.openxmlformats.org/officeDocument/2006/math">
+                            <m:sSub>
+                              <m:sSubPr>
+                                <m:ctrlPr>
+                                  <a:rPr lang="en-US" sz="3200" b="0" i="1" smtClean="0">
+                                    <a:latin typeface="Cambria Math" panose="02040503050406030204" pitchFamily="18" charset="0"/>
+                                  </a:rPr>
+                                </m:ctrlPr>
+                              </m:sSubPr>
+                              <m:e>
+                                <m:r>
+                                  <a:rPr lang="en-US" sz="3200" b="0" i="1" smtClean="0">
+                                    <a:latin typeface="Cambria Math" panose="02040503050406030204" pitchFamily="18" charset="0"/>
+                                  </a:rPr>
+                                  <m:t>𝜔</m:t>
+                                </m:r>
+                              </m:e>
+                              <m:sub>
+                                <m:r>
+                                  <a:rPr lang="en-US" sz="3200" b="0" i="1" smtClean="0">
+                                    <a:latin typeface="Cambria Math" panose="02040503050406030204" pitchFamily="18" charset="0"/>
+                                  </a:rPr>
+                                  <m:t>𝑐</m:t>
+                                </m:r>
+                              </m:sub>
+                            </m:sSub>
+                          </m:oMath>
+                        </m:oMathPara>
+                      </a14:m>
+                      <a:endParaRPr lang="en-US" sz="3200" dirty="0"/>
+                    </a:p>
+                  </p:txBody>
+                </p:sp>
+              </mc:Choice>
+              <mc:Fallback xmlns="">
+                <p:sp>
+                  <p:nvSpPr>
+                    <p:cNvPr id="22" name="TextBox 21">
+                      <a:extLst>
+                        <a:ext uri="{FF2B5EF4-FFF2-40B4-BE49-F238E27FC236}">
+                          <a16:creationId xmlns:a16="http://schemas.microsoft.com/office/drawing/2014/main" id="{1A0E70DE-3EBC-44B1-B159-829EB91F833F}"/>
+                        </a:ext>
+                      </a:extLst>
+                    </p:cNvPr>
+                    <p:cNvSpPr txBox="1">
+                      <a:spLocks noRot="1" noChangeAspect="1" noMove="1" noResize="1" noEditPoints="1" noAdjustHandles="1" noChangeArrowheads="1" noChangeShapeType="1" noTextEdit="1"/>
+                    </p:cNvSpPr>
+                    <p:nvPr/>
+                  </p:nvSpPr>
+                  <p:spPr>
+                    <a:xfrm>
+                      <a:off x="2863562" y="2464198"/>
+                      <a:ext cx="736997" cy="584775"/>
+                    </a:xfrm>
+                    <a:prstGeom prst="rect">
+                      <a:avLst/>
+                    </a:prstGeom>
+                    <a:blipFill>
+                      <a:blip r:embed="rId9"/>
+                      <a:stretch>
+                        <a:fillRect/>
+                      </a:stretch>
+                    </a:blipFill>
+                  </p:spPr>
+                  <p:txBody>
+                    <a:bodyPr/>
+                    <a:lstStyle/>
+                    <a:p>
+                      <a:r>
+                        <a:rPr lang="en-US">
+                          <a:noFill/>
+                        </a:rPr>
+                        <a:t> </a:t>
+                      </a:r>
+                    </a:p>
+                  </p:txBody>
+                </p:sp>
+              </mc:Fallback>
+            </mc:AlternateContent>
+            <p:cxnSp>
+              <p:nvCxnSpPr>
+                <p:cNvPr id="39" name="Straight Arrow Connector 38">
+                  <a:extLst>
+                    <a:ext uri="{FF2B5EF4-FFF2-40B4-BE49-F238E27FC236}">
+                      <a16:creationId xmlns:a16="http://schemas.microsoft.com/office/drawing/2014/main" id="{F97C5FFA-BBFD-4224-81D8-33CB2C3D1D87}"/>
+                    </a:ext>
+                  </a:extLst>
+                </p:cNvPr>
+                <p:cNvCxnSpPr>
+                  <a:cxnSpLocks/>
+                </p:cNvCxnSpPr>
+                <p:nvPr/>
+              </p:nvCxnSpPr>
+              <p:spPr>
+                <a:xfrm>
+                  <a:off x="5849888" y="276345"/>
+                  <a:ext cx="56890" cy="2566736"/>
+                </a:xfrm>
+                <a:prstGeom prst="straightConnector1">
+                  <a:avLst/>
+                </a:prstGeom>
+                <a:ln w="38100">
+                  <a:headEnd type="triangle"/>
+                  <a:tailEnd type="triangle"/>
+                </a:ln>
+              </p:spPr>
+              <p:style>
+                <a:lnRef idx="3">
+                  <a:schemeClr val="accent5"/>
+                </a:lnRef>
+                <a:fillRef idx="0">
+                  <a:schemeClr val="accent5"/>
+                </a:fillRef>
+                <a:effectRef idx="2">
+                  <a:schemeClr val="accent5"/>
+                </a:effectRef>
+                <a:fontRef idx="minor">
+                  <a:schemeClr val="tx1"/>
+                </a:fontRef>
+              </p:style>
+            </p:cxnSp>
+            <p:cxnSp>
+              <p:nvCxnSpPr>
+                <p:cNvPr id="40" name="Straight Arrow Connector 39">
+                  <a:extLst>
+                    <a:ext uri="{FF2B5EF4-FFF2-40B4-BE49-F238E27FC236}">
+                      <a16:creationId xmlns:a16="http://schemas.microsoft.com/office/drawing/2014/main" id="{FA1890DB-F6FF-4F2F-87BD-ACE7AE5CA54A}"/>
+                    </a:ext>
+                  </a:extLst>
+                </p:cNvPr>
+                <p:cNvCxnSpPr>
+                  <a:cxnSpLocks/>
+                </p:cNvCxnSpPr>
+                <p:nvPr/>
+              </p:nvCxnSpPr>
+              <p:spPr>
+                <a:xfrm>
+                  <a:off x="5190214" y="318185"/>
+                  <a:ext cx="0" cy="1399296"/>
+                </a:xfrm>
+                <a:prstGeom prst="straightConnector1">
+                  <a:avLst/>
+                </a:prstGeom>
+                <a:ln w="38100">
+                  <a:solidFill>
+                    <a:srgbClr val="FF0000"/>
+                  </a:solidFill>
+                  <a:headEnd type="triangle"/>
+                  <a:tailEnd type="triangle"/>
+                </a:ln>
+              </p:spPr>
+              <p:style>
+                <a:lnRef idx="3">
+                  <a:schemeClr val="accent5"/>
+                </a:lnRef>
+                <a:fillRef idx="0">
+                  <a:schemeClr val="accent5"/>
+                </a:fillRef>
+                <a:effectRef idx="2">
+                  <a:schemeClr val="accent5"/>
+                </a:effectRef>
+                <a:fontRef idx="minor">
+                  <a:schemeClr val="tx1"/>
+                </a:fontRef>
+              </p:style>
+            </p:cxnSp>
+            <p:cxnSp>
+              <p:nvCxnSpPr>
+                <p:cNvPr id="41" name="Straight Arrow Connector 40">
+                  <a:extLst>
+                    <a:ext uri="{FF2B5EF4-FFF2-40B4-BE49-F238E27FC236}">
+                      <a16:creationId xmlns:a16="http://schemas.microsoft.com/office/drawing/2014/main" id="{280B891A-30B5-4002-BE5C-12B8CD0D1DC0}"/>
+                    </a:ext>
+                  </a:extLst>
+                </p:cNvPr>
+                <p:cNvCxnSpPr>
+                  <a:cxnSpLocks/>
+                </p:cNvCxnSpPr>
+                <p:nvPr/>
+              </p:nvCxnSpPr>
+              <p:spPr>
+                <a:xfrm>
+                  <a:off x="5203294" y="1717481"/>
+                  <a:ext cx="27976" cy="1125600"/>
+                </a:xfrm>
+                <a:prstGeom prst="straightConnector1">
+                  <a:avLst/>
+                </a:prstGeom>
+                <a:ln w="38100">
+                  <a:solidFill>
+                    <a:srgbClr val="92D050"/>
+                  </a:solidFill>
+                  <a:headEnd type="triangle"/>
+                  <a:tailEnd type="triangle"/>
+                </a:ln>
+              </p:spPr>
+              <p:style>
+                <a:lnRef idx="3">
+                  <a:schemeClr val="accent5"/>
+                </a:lnRef>
+                <a:fillRef idx="0">
+                  <a:schemeClr val="accent5"/>
+                </a:fillRef>
+                <a:effectRef idx="2">
+                  <a:schemeClr val="accent5"/>
+                </a:effectRef>
+                <a:fontRef idx="minor">
+                  <a:schemeClr val="tx1"/>
+                </a:fontRef>
+              </p:style>
+            </p:cxnSp>
+            <mc:AlternateContent xmlns:mc="http://schemas.openxmlformats.org/markup-compatibility/2006" xmlns:a14="http://schemas.microsoft.com/office/drawing/2010/main">
+              <mc:Choice Requires="a14">
+                <p:sp>
+                  <p:nvSpPr>
+                    <p:cNvPr id="42" name="TextBox 41">
+                      <a:extLst>
+                        <a:ext uri="{FF2B5EF4-FFF2-40B4-BE49-F238E27FC236}">
+                          <a16:creationId xmlns:a16="http://schemas.microsoft.com/office/drawing/2014/main" id="{26DF86C1-AB91-40F3-A80D-27960B9CAEC8}"/>
+                        </a:ext>
+                      </a:extLst>
+                    </p:cNvPr>
+                    <p:cNvSpPr txBox="1"/>
+                    <p:nvPr/>
+                  </p:nvSpPr>
+                  <p:spPr>
+                    <a:xfrm>
+                      <a:off x="6091081" y="1017833"/>
+                      <a:ext cx="993605" cy="584775"/>
+                    </a:xfrm>
+                    <a:prstGeom prst="rect">
+                      <a:avLst/>
+                    </a:prstGeom>
+                    <a:noFill/>
+                  </p:spPr>
+                  <p:txBody>
+                    <a:bodyPr wrap="none" rtlCol="0">
+                      <a:spAutoFit/>
+                    </a:bodyPr>
+                    <a:lstStyle/>
+                    <a:p>
+                      <a:pPr/>
+                      <a14:m>
+                        <m:oMathPara xmlns:m="http://schemas.openxmlformats.org/officeDocument/2006/math">
+                          <m:oMathParaPr>
+                            <m:jc m:val="centerGroup"/>
+                          </m:oMathParaPr>
+                          <m:oMath xmlns:m="http://schemas.openxmlformats.org/officeDocument/2006/math">
+                            <m:sSub>
+                              <m:sSubPr>
+                                <m:ctrlPr>
+                                  <a:rPr lang="en-US" sz="3200" b="0" i="1" smtClean="0">
+                                    <a:latin typeface="Cambria Math" panose="02040503050406030204" pitchFamily="18" charset="0"/>
+                                  </a:rPr>
+                                </m:ctrlPr>
+                              </m:sSubPr>
+                              <m:e>
+                                <m:r>
+                                  <a:rPr lang="en-US" sz="3200" b="0" i="1" smtClean="0">
+                                    <a:latin typeface="Cambria Math" panose="02040503050406030204" pitchFamily="18" charset="0"/>
+                                  </a:rPr>
+                                  <m:t>2</m:t>
+                                </m:r>
+                                <m:r>
+                                  <a:rPr lang="en-US" sz="3200" b="0" i="1" smtClean="0">
+                                    <a:latin typeface="Cambria Math" panose="02040503050406030204" pitchFamily="18" charset="0"/>
+                                  </a:rPr>
+                                  <m:t>𝜔</m:t>
+                                </m:r>
+                              </m:e>
+                              <m:sub>
+                                <m:r>
+                                  <a:rPr lang="en-US" sz="3200" b="0" i="1" smtClean="0">
+                                    <a:latin typeface="Cambria Math" panose="02040503050406030204" pitchFamily="18" charset="0"/>
+                                  </a:rPr>
+                                  <m:t>0</m:t>
+                                </m:r>
+                              </m:sub>
+                            </m:sSub>
+                          </m:oMath>
+                        </m:oMathPara>
+                      </a14:m>
+                      <a:endParaRPr lang="en-US" sz="3200" dirty="0"/>
+                    </a:p>
+                  </p:txBody>
+                </p:sp>
+              </mc:Choice>
+              <mc:Fallback xmlns="">
+                <p:sp>
+                  <p:nvSpPr>
+                    <p:cNvPr id="24" name="TextBox 23">
+                      <a:extLst>
+                        <a:ext uri="{FF2B5EF4-FFF2-40B4-BE49-F238E27FC236}">
+                          <a16:creationId xmlns:a16="http://schemas.microsoft.com/office/drawing/2014/main" id="{2165162F-C3FD-4E1E-AD58-FD47956E9302}"/>
+                        </a:ext>
+                      </a:extLst>
+                    </p:cNvPr>
+                    <p:cNvSpPr txBox="1">
+                      <a:spLocks noRot="1" noChangeAspect="1" noMove="1" noResize="1" noEditPoints="1" noAdjustHandles="1" noChangeArrowheads="1" noChangeShapeType="1" noTextEdit="1"/>
+                    </p:cNvSpPr>
+                    <p:nvPr/>
+                  </p:nvSpPr>
+                  <p:spPr>
+                    <a:xfrm>
+                      <a:off x="6091081" y="1017833"/>
+                      <a:ext cx="993605" cy="584775"/>
+                    </a:xfrm>
+                    <a:prstGeom prst="rect">
+                      <a:avLst/>
+                    </a:prstGeom>
+                    <a:blipFill>
+                      <a:blip r:embed="rId10"/>
+                      <a:stretch>
+                        <a:fillRect/>
+                      </a:stretch>
+                    </a:blipFill>
+                  </p:spPr>
+                  <p:txBody>
+                    <a:bodyPr/>
+                    <a:lstStyle/>
+                    <a:p>
+                      <a:r>
+                        <a:rPr lang="en-US">
+                          <a:noFill/>
+                        </a:rPr>
+                        <a:t> </a:t>
+                      </a:r>
+                    </a:p>
+                  </p:txBody>
+                </p:sp>
+              </mc:Fallback>
+            </mc:AlternateContent>
+            <mc:AlternateContent xmlns:mc="http://schemas.openxmlformats.org/markup-compatibility/2006" xmlns:a14="http://schemas.microsoft.com/office/drawing/2010/main">
+              <mc:Choice Requires="a14">
+                <p:sp>
+                  <p:nvSpPr>
+                    <p:cNvPr id="43" name="TextBox 42">
+                      <a:extLst>
+                        <a:ext uri="{FF2B5EF4-FFF2-40B4-BE49-F238E27FC236}">
+                          <a16:creationId xmlns:a16="http://schemas.microsoft.com/office/drawing/2014/main" id="{2616C474-361A-4612-AD75-E92A939468E1}"/>
+                        </a:ext>
+                      </a:extLst>
+                    </p:cNvPr>
+                    <p:cNvSpPr txBox="1"/>
+                    <p:nvPr/>
+                  </p:nvSpPr>
+                  <p:spPr>
+                    <a:xfrm>
+                      <a:off x="3938511" y="897789"/>
+                      <a:ext cx="1782924" cy="584775"/>
+                    </a:xfrm>
+                    <a:prstGeom prst="rect">
+                      <a:avLst/>
+                    </a:prstGeom>
+                    <a:noFill/>
+                  </p:spPr>
+                  <p:txBody>
+                    <a:bodyPr wrap="none" rtlCol="0">
+                      <a:spAutoFit/>
+                    </a:bodyPr>
+                    <a:lstStyle/>
+                    <a:p>
+                      <a:pPr/>
+                      <a14:m>
+                        <m:oMathPara xmlns:m="http://schemas.openxmlformats.org/officeDocument/2006/math">
+                          <m:oMathParaPr>
+                            <m:jc m:val="centerGroup"/>
+                          </m:oMathParaPr>
+                          <m:oMath xmlns:m="http://schemas.openxmlformats.org/officeDocument/2006/math">
+                            <m:sSub>
+                              <m:sSubPr>
+                                <m:ctrlPr>
+                                  <a:rPr lang="en-US" sz="3200" b="0" i="1" smtClean="0">
+                                    <a:latin typeface="Cambria Math" panose="02040503050406030204" pitchFamily="18" charset="0"/>
+                                  </a:rPr>
+                                </m:ctrlPr>
+                              </m:sSubPr>
+                              <m:e>
+                                <m:r>
+                                  <a:rPr lang="en-US" sz="3200" b="0" i="1" smtClean="0">
+                                    <a:latin typeface="Cambria Math" panose="02040503050406030204" pitchFamily="18" charset="0"/>
+                                  </a:rPr>
+                                  <m:t>𝜔</m:t>
+                                </m:r>
+                              </m:e>
+                              <m:sub>
+                                <m:r>
+                                  <a:rPr lang="en-US" sz="3200" b="0" i="1" smtClean="0">
+                                    <a:latin typeface="Cambria Math" panose="02040503050406030204" pitchFamily="18" charset="0"/>
+                                  </a:rPr>
+                                  <m:t>0</m:t>
+                                </m:r>
+                              </m:sub>
+                            </m:sSub>
+                            <m:r>
+                              <a:rPr lang="en-US" sz="3200" b="0" i="1" smtClean="0">
+                                <a:latin typeface="Cambria Math" panose="02040503050406030204" pitchFamily="18" charset="0"/>
+                              </a:rPr>
+                              <m:t>+</m:t>
+                            </m:r>
+                            <m:r>
+                              <a:rPr lang="en-US" sz="3200" b="0" i="1" smtClean="0">
+                                <a:latin typeface="Cambria Math" panose="02040503050406030204" pitchFamily="18" charset="0"/>
+                              </a:rPr>
+                              <m:t>𝛿𝜔</m:t>
+                            </m:r>
+                          </m:oMath>
+                        </m:oMathPara>
+                      </a14:m>
+                      <a:endParaRPr lang="en-US" sz="3200" dirty="0"/>
+                    </a:p>
+                  </p:txBody>
+                </p:sp>
+              </mc:Choice>
+              <mc:Fallback xmlns="">
+                <p:sp>
+                  <p:nvSpPr>
+                    <p:cNvPr id="25" name="TextBox 24">
+                      <a:extLst>
+                        <a:ext uri="{FF2B5EF4-FFF2-40B4-BE49-F238E27FC236}">
+                          <a16:creationId xmlns:a16="http://schemas.microsoft.com/office/drawing/2014/main" id="{C8EE8516-6A8F-46BC-A836-BA7C55A9E94D}"/>
+                        </a:ext>
+                      </a:extLst>
+                    </p:cNvPr>
+                    <p:cNvSpPr txBox="1">
+                      <a:spLocks noRot="1" noChangeAspect="1" noMove="1" noResize="1" noEditPoints="1" noAdjustHandles="1" noChangeArrowheads="1" noChangeShapeType="1" noTextEdit="1"/>
+                    </p:cNvSpPr>
+                    <p:nvPr/>
+                  </p:nvSpPr>
+                  <p:spPr>
+                    <a:xfrm>
+                      <a:off x="3938511" y="897789"/>
+                      <a:ext cx="1782924" cy="584775"/>
+                    </a:xfrm>
+                    <a:prstGeom prst="rect">
+                      <a:avLst/>
+                    </a:prstGeom>
+                    <a:blipFill>
+                      <a:blip r:embed="rId11"/>
+                      <a:stretch>
+                        <a:fillRect/>
+                      </a:stretch>
+                    </a:blipFill>
+                  </p:spPr>
+                  <p:txBody>
+                    <a:bodyPr/>
+                    <a:lstStyle/>
+                    <a:p>
+                      <a:r>
+                        <a:rPr lang="en-US">
+                          <a:noFill/>
+                        </a:rPr>
+                        <a:t> </a:t>
+                      </a:r>
+                    </a:p>
+                  </p:txBody>
+                </p:sp>
+              </mc:Fallback>
+            </mc:AlternateContent>
+            <mc:AlternateContent xmlns:mc="http://schemas.openxmlformats.org/markup-compatibility/2006" xmlns:a14="http://schemas.microsoft.com/office/drawing/2010/main">
+              <mc:Choice Requires="a14">
+                <p:sp>
+                  <p:nvSpPr>
+                    <p:cNvPr id="44" name="TextBox 43">
+                      <a:extLst>
+                        <a:ext uri="{FF2B5EF4-FFF2-40B4-BE49-F238E27FC236}">
+                          <a16:creationId xmlns:a16="http://schemas.microsoft.com/office/drawing/2014/main" id="{DEBA20BA-A8A2-4001-8FC2-C75636910F2E}"/>
+                        </a:ext>
+                      </a:extLst>
+                    </p:cNvPr>
+                    <p:cNvSpPr txBox="1"/>
+                    <p:nvPr/>
+                  </p:nvSpPr>
+                  <p:spPr>
+                    <a:xfrm>
+                      <a:off x="3880657" y="1985807"/>
+                      <a:ext cx="1782924" cy="584775"/>
+                    </a:xfrm>
+                    <a:prstGeom prst="rect">
+                      <a:avLst/>
+                    </a:prstGeom>
+                    <a:noFill/>
+                  </p:spPr>
+                  <p:txBody>
+                    <a:bodyPr wrap="none" rtlCol="0">
+                      <a:spAutoFit/>
+                    </a:bodyPr>
+                    <a:lstStyle/>
+                    <a:p>
+                      <a:pPr/>
+                      <a14:m>
+                        <m:oMathPara xmlns:m="http://schemas.openxmlformats.org/officeDocument/2006/math">
+                          <m:oMathParaPr>
+                            <m:jc m:val="centerGroup"/>
+                          </m:oMathParaPr>
+                          <m:oMath xmlns:m="http://schemas.openxmlformats.org/officeDocument/2006/math">
+                            <m:sSub>
+                              <m:sSubPr>
+                                <m:ctrlPr>
+                                  <a:rPr lang="en-US" sz="3200" b="0" i="1" smtClean="0">
+                                    <a:latin typeface="Cambria Math" panose="02040503050406030204" pitchFamily="18" charset="0"/>
+                                  </a:rPr>
+                                </m:ctrlPr>
+                              </m:sSubPr>
+                              <m:e>
+                                <m:r>
+                                  <a:rPr lang="en-US" sz="3200" b="0" i="1" smtClean="0">
+                                    <a:latin typeface="Cambria Math" panose="02040503050406030204" pitchFamily="18" charset="0"/>
+                                  </a:rPr>
+                                  <m:t>𝜔</m:t>
+                                </m:r>
+                              </m:e>
+                              <m:sub>
+                                <m:r>
+                                  <a:rPr lang="en-US" sz="3200" b="0" i="1" smtClean="0">
+                                    <a:latin typeface="Cambria Math" panose="02040503050406030204" pitchFamily="18" charset="0"/>
+                                  </a:rPr>
+                                  <m:t>0</m:t>
+                                </m:r>
+                              </m:sub>
+                            </m:sSub>
+                            <m:r>
+                              <a:rPr lang="en-US" sz="3200" b="0" i="1" smtClean="0">
+                                <a:latin typeface="Cambria Math" panose="02040503050406030204" pitchFamily="18" charset="0"/>
+                              </a:rPr>
+                              <m:t>−</m:t>
+                            </m:r>
+                            <m:r>
+                              <a:rPr lang="en-US" sz="3200" b="0" i="1" smtClean="0">
+                                <a:latin typeface="Cambria Math" panose="02040503050406030204" pitchFamily="18" charset="0"/>
+                              </a:rPr>
+                              <m:t>𝛿𝜔</m:t>
+                            </m:r>
+                          </m:oMath>
+                        </m:oMathPara>
+                      </a14:m>
+                      <a:endParaRPr lang="en-US" sz="3200" dirty="0"/>
+                    </a:p>
+                  </p:txBody>
+                </p:sp>
+              </mc:Choice>
+              <mc:Fallback xmlns="">
+                <p:sp>
+                  <p:nvSpPr>
+                    <p:cNvPr id="28" name="TextBox 27">
+                      <a:extLst>
+                        <a:ext uri="{FF2B5EF4-FFF2-40B4-BE49-F238E27FC236}">
+                          <a16:creationId xmlns:a16="http://schemas.microsoft.com/office/drawing/2014/main" id="{D27BF16A-42DD-4046-800A-60468DBBC31D}"/>
+                        </a:ext>
+                      </a:extLst>
+                    </p:cNvPr>
+                    <p:cNvSpPr txBox="1">
+                      <a:spLocks noRot="1" noChangeAspect="1" noMove="1" noResize="1" noEditPoints="1" noAdjustHandles="1" noChangeArrowheads="1" noChangeShapeType="1" noTextEdit="1"/>
+                    </p:cNvSpPr>
+                    <p:nvPr/>
+                  </p:nvSpPr>
+                  <p:spPr>
+                    <a:xfrm>
+                      <a:off x="3880657" y="1985807"/>
+                      <a:ext cx="1782924" cy="584775"/>
+                    </a:xfrm>
+                    <a:prstGeom prst="rect">
+                      <a:avLst/>
+                    </a:prstGeom>
+                    <a:blipFill>
+                      <a:blip r:embed="rId12"/>
+                      <a:stretch>
+                        <a:fillRect/>
+                      </a:stretch>
+                    </a:blipFill>
+                  </p:spPr>
+                  <p:txBody>
+                    <a:bodyPr/>
+                    <a:lstStyle/>
+                    <a:p>
+                      <a:r>
+                        <a:rPr lang="en-US">
+                          <a:noFill/>
+                        </a:rPr>
+                        <a:t> </a:t>
+                      </a:r>
+                    </a:p>
+                  </p:txBody>
+                </p:sp>
+              </mc:Fallback>
+            </mc:AlternateContent>
+          </p:grpSp>
+        </p:grpSp>
+        <p:sp>
+          <p:nvSpPr>
+            <p:cNvPr id="29" name="TextBox 28">
+              <a:extLst>
+                <a:ext uri="{FF2B5EF4-FFF2-40B4-BE49-F238E27FC236}">
+                  <a16:creationId xmlns:a16="http://schemas.microsoft.com/office/drawing/2014/main" id="{08C60805-4C37-4E82-87A9-92FCE4FDAB30}"/>
+                </a:ext>
+              </a:extLst>
+            </p:cNvPr>
+            <p:cNvSpPr txBox="1"/>
             <p:nvPr/>
           </p:nvSpPr>
           <p:spPr>
             <a:xfrm>
-              <a:off x="6408413" y="3713952"/>
-              <a:ext cx="612842" cy="632297"/>
+              <a:off x="1555945" y="-376943"/>
+              <a:ext cx="910251" cy="769441"/>
             </a:xfrm>
             <a:prstGeom prst="rect">
               <a:avLst/>
             </a:prstGeom>
-            <a:solidFill>
-              <a:schemeClr val="bg1"/>
-            </a:solidFill>
-            <a:ln>
-              <a:noFill/>
-            </a:ln>
+            <a:noFill/>
           </p:spPr>
-          <p:style>
-            <a:lnRef idx="2">
-              <a:schemeClr val="accent1">
-                <a:shade val="50000"/>
-              </a:schemeClr>
-            </a:lnRef>
-            <a:fillRef idx="1">
-              <a:schemeClr val="accent1"/>
-            </a:fillRef>
-            <a:effectRef idx="0">
-              <a:schemeClr val="accent1"/>
-            </a:effectRef>
-            <a:fontRef idx="minor">
-              <a:schemeClr val="lt1"/>
-            </a:fontRef>
-          </p:style>
           <p:txBody>
-            <a:bodyPr rtlCol="0" anchor="ctr"/>
+            <a:bodyPr wrap="square" rtlCol="0">
+              <a:spAutoFit/>
+            </a:bodyPr>
             <a:lstStyle/>
             <a:p>
-              <a:pPr algn="ctr"/>
-              <a:endParaRPr lang="en-US"/>
-            </a:p>
-          </p:txBody>
-        </p:sp>
-        <p:sp>
-          <p:nvSpPr>
-            <p:cNvPr id="5" name="Rectangle 4">
-              <a:extLst>
-                <a:ext uri="{FF2B5EF4-FFF2-40B4-BE49-F238E27FC236}">
-                  <a16:creationId xmlns:a16="http://schemas.microsoft.com/office/drawing/2014/main" id="{DB242995-0706-4837-B74B-75FE923FB5E7}"/>
-                </a:ext>
-              </a:extLst>
-            </p:cNvPr>
-            <p:cNvSpPr/>
-            <p:nvPr/>
-          </p:nvSpPr>
-          <p:spPr>
-            <a:xfrm>
-              <a:off x="3963528" y="3641868"/>
-              <a:ext cx="1026762" cy="704381"/>
-            </a:xfrm>
-            <a:prstGeom prst="rect">
-              <a:avLst/>
-            </a:prstGeom>
-            <a:solidFill>
-              <a:schemeClr val="bg1"/>
-            </a:solidFill>
-            <a:ln>
-              <a:noFill/>
-            </a:ln>
-          </p:spPr>
-          <p:style>
-            <a:lnRef idx="2">
-              <a:schemeClr val="accent1">
-                <a:shade val="50000"/>
-              </a:schemeClr>
-            </a:lnRef>
-            <a:fillRef idx="1">
-              <a:schemeClr val="accent1"/>
-            </a:fillRef>
-            <a:effectRef idx="0">
-              <a:schemeClr val="accent1"/>
-            </a:effectRef>
-            <a:fontRef idx="minor">
-              <a:schemeClr val="lt1"/>
-            </a:fontRef>
-          </p:style>
-          <p:txBody>
-            <a:bodyPr rtlCol="0" anchor="ctr"/>
-            <a:lstStyle/>
-            <a:p>
-              <a:pPr algn="ctr"/>
-              <a:endParaRPr lang="en-US"/>
+              <a:r>
+                <a:rPr lang="en-US" sz="4400" dirty="0">
+                  <a:latin typeface="Times New Roman" panose="02020603050405020304" pitchFamily="18" charset="0"/>
+                  <a:cs typeface="Times New Roman" panose="02020603050405020304" pitchFamily="18" charset="0"/>
+                </a:rPr>
+                <a:t>(b)</a:t>
+              </a:r>
             </a:p>
           </p:txBody>
         </p:sp>

--- a/3-level.pptx
+++ b/3-level.pptx
@@ -241,7 +241,7 @@
           <a:p>
             <a:fld id="{D398D3D8-E180-45F1-973D-9CDE3FC68687}" type="datetimeFigureOut">
               <a:rPr lang="en-US" smtClean="0"/>
-              <a:t>1/18/2019</a:t>
+              <a:t>1/21/2019</a:t>
             </a:fld>
             <a:endParaRPr lang="en-US"/>
           </a:p>
@@ -823,7 +823,7 @@
           <a:p>
             <a:fld id="{540C0B17-285F-4B24-A15E-231AC8C41BCD}" type="datetimeFigureOut">
               <a:rPr lang="en-US" smtClean="0"/>
-              <a:t>1/18/2019</a:t>
+              <a:t>1/21/2019</a:t>
             </a:fld>
             <a:endParaRPr lang="en-US"/>
           </a:p>
@@ -1021,7 +1021,7 @@
           <a:p>
             <a:fld id="{540C0B17-285F-4B24-A15E-231AC8C41BCD}" type="datetimeFigureOut">
               <a:rPr lang="en-US" smtClean="0"/>
-              <a:t>1/18/2019</a:t>
+              <a:t>1/21/2019</a:t>
             </a:fld>
             <a:endParaRPr lang="en-US"/>
           </a:p>
@@ -1229,7 +1229,7 @@
           <a:p>
             <a:fld id="{540C0B17-285F-4B24-A15E-231AC8C41BCD}" type="datetimeFigureOut">
               <a:rPr lang="en-US" smtClean="0"/>
-              <a:t>1/18/2019</a:t>
+              <a:t>1/21/2019</a:t>
             </a:fld>
             <a:endParaRPr lang="en-US"/>
           </a:p>
@@ -1427,7 +1427,7 @@
           <a:p>
             <a:fld id="{540C0B17-285F-4B24-A15E-231AC8C41BCD}" type="datetimeFigureOut">
               <a:rPr lang="en-US" smtClean="0"/>
-              <a:t>1/18/2019</a:t>
+              <a:t>1/21/2019</a:t>
             </a:fld>
             <a:endParaRPr lang="en-US"/>
           </a:p>
@@ -1702,7 +1702,7 @@
           <a:p>
             <a:fld id="{540C0B17-285F-4B24-A15E-231AC8C41BCD}" type="datetimeFigureOut">
               <a:rPr lang="en-US" smtClean="0"/>
-              <a:t>1/18/2019</a:t>
+              <a:t>1/21/2019</a:t>
             </a:fld>
             <a:endParaRPr lang="en-US"/>
           </a:p>
@@ -1967,7 +1967,7 @@
           <a:p>
             <a:fld id="{540C0B17-285F-4B24-A15E-231AC8C41BCD}" type="datetimeFigureOut">
               <a:rPr lang="en-US" smtClean="0"/>
-              <a:t>1/18/2019</a:t>
+              <a:t>1/21/2019</a:t>
             </a:fld>
             <a:endParaRPr lang="en-US"/>
           </a:p>
@@ -2379,7 +2379,7 @@
           <a:p>
             <a:fld id="{540C0B17-285F-4B24-A15E-231AC8C41BCD}" type="datetimeFigureOut">
               <a:rPr lang="en-US" smtClean="0"/>
-              <a:t>1/18/2019</a:t>
+              <a:t>1/21/2019</a:t>
             </a:fld>
             <a:endParaRPr lang="en-US"/>
           </a:p>
@@ -2520,7 +2520,7 @@
           <a:p>
             <a:fld id="{540C0B17-285F-4B24-A15E-231AC8C41BCD}" type="datetimeFigureOut">
               <a:rPr lang="en-US" smtClean="0"/>
-              <a:t>1/18/2019</a:t>
+              <a:t>1/21/2019</a:t>
             </a:fld>
             <a:endParaRPr lang="en-US"/>
           </a:p>
@@ -2633,7 +2633,7 @@
           <a:p>
             <a:fld id="{540C0B17-285F-4B24-A15E-231AC8C41BCD}" type="datetimeFigureOut">
               <a:rPr lang="en-US" smtClean="0"/>
-              <a:t>1/18/2019</a:t>
+              <a:t>1/21/2019</a:t>
             </a:fld>
             <a:endParaRPr lang="en-US"/>
           </a:p>
@@ -2944,7 +2944,7 @@
           <a:p>
             <a:fld id="{540C0B17-285F-4B24-A15E-231AC8C41BCD}" type="datetimeFigureOut">
               <a:rPr lang="en-US" smtClean="0"/>
-              <a:t>1/18/2019</a:t>
+              <a:t>1/21/2019</a:t>
             </a:fld>
             <a:endParaRPr lang="en-US"/>
           </a:p>
@@ -3232,7 +3232,7 @@
           <a:p>
             <a:fld id="{540C0B17-285F-4B24-A15E-231AC8C41BCD}" type="datetimeFigureOut">
               <a:rPr lang="en-US" smtClean="0"/>
-              <a:t>1/18/2019</a:t>
+              <a:t>1/21/2019</a:t>
             </a:fld>
             <a:endParaRPr lang="en-US"/>
           </a:p>
@@ -3473,7 +3473,7 @@
           <a:p>
             <a:fld id="{540C0B17-285F-4B24-A15E-231AC8C41BCD}" type="datetimeFigureOut">
               <a:rPr lang="en-US" smtClean="0"/>
-              <a:t>1/18/2019</a:t>
+              <a:t>1/21/2019</a:t>
             </a:fld>
             <a:endParaRPr lang="en-US"/>
           </a:p>
@@ -31655,268 +31655,6 @@
       </p:grpSpPr>
       <p:grpSp>
         <p:nvGrpSpPr>
-          <p:cNvPr id="8" name="Group 7">
-            <a:extLst>
-              <a:ext uri="{FF2B5EF4-FFF2-40B4-BE49-F238E27FC236}">
-                <a16:creationId xmlns:a16="http://schemas.microsoft.com/office/drawing/2014/main" id="{F45FC5D4-E2AA-44E3-BF31-F9B1BF9F2035}"/>
-              </a:ext>
-            </a:extLst>
-          </p:cNvPr>
-          <p:cNvGrpSpPr/>
-          <p:nvPr/>
-        </p:nvGrpSpPr>
-        <p:grpSpPr>
-          <a:xfrm>
-            <a:off x="620010" y="2576043"/>
-            <a:ext cx="9867060" cy="2108039"/>
-            <a:chOff x="620010" y="2576043"/>
-            <a:chExt cx="9867060" cy="2108039"/>
-          </a:xfrm>
-        </p:grpSpPr>
-        <p:grpSp>
-          <p:nvGrpSpPr>
-            <p:cNvPr id="6" name="Group 5">
-              <a:extLst>
-                <a:ext uri="{FF2B5EF4-FFF2-40B4-BE49-F238E27FC236}">
-                  <a16:creationId xmlns:a16="http://schemas.microsoft.com/office/drawing/2014/main" id="{EB38E6E8-5604-4A4C-943E-BA70D1AD1293}"/>
-                </a:ext>
-              </a:extLst>
-            </p:cNvPr>
-            <p:cNvGrpSpPr/>
-            <p:nvPr/>
-          </p:nvGrpSpPr>
-          <p:grpSpPr>
-            <a:xfrm>
-              <a:off x="979029" y="2743823"/>
-              <a:ext cx="9508041" cy="1940259"/>
-              <a:chOff x="979029" y="2743823"/>
-              <a:chExt cx="9508041" cy="1940259"/>
-            </a:xfrm>
-          </p:grpSpPr>
-          <p:pic>
-            <p:nvPicPr>
-              <p:cNvPr id="4" name="Picture 3">
-                <a:extLst>
-                  <a:ext uri="{FF2B5EF4-FFF2-40B4-BE49-F238E27FC236}">
-                    <a16:creationId xmlns:a16="http://schemas.microsoft.com/office/drawing/2014/main" id="{44B08358-C048-4D81-B296-DF47D311D3CD}"/>
-                  </a:ext>
-                </a:extLst>
-              </p:cNvPr>
-              <p:cNvPicPr>
-                <a:picLocks noChangeAspect="1"/>
-              </p:cNvPicPr>
-              <p:nvPr/>
-            </p:nvPicPr>
-            <p:blipFill>
-              <a:blip r:embed="rId2"/>
-              <a:stretch>
-                <a:fillRect/>
-              </a:stretch>
-            </p:blipFill>
-            <p:spPr>
-              <a:xfrm>
-                <a:off x="979029" y="2743823"/>
-                <a:ext cx="9508041" cy="1940259"/>
-              </a:xfrm>
-              <a:prstGeom prst="rect">
-                <a:avLst/>
-              </a:prstGeom>
-            </p:spPr>
-          </p:pic>
-          <p:sp>
-            <p:nvSpPr>
-              <p:cNvPr id="2" name="Rectangle 1">
-                <a:extLst>
-                  <a:ext uri="{FF2B5EF4-FFF2-40B4-BE49-F238E27FC236}">
-                    <a16:creationId xmlns:a16="http://schemas.microsoft.com/office/drawing/2014/main" id="{B6957E1A-B322-412A-8375-E4A93CF46AC7}"/>
-                  </a:ext>
-                </a:extLst>
-              </p:cNvPr>
-              <p:cNvSpPr/>
-              <p:nvPr/>
-            </p:nvSpPr>
-            <p:spPr>
-              <a:xfrm>
-                <a:off x="6408413" y="3797086"/>
-                <a:ext cx="439859" cy="477079"/>
-              </a:xfrm>
-              <a:prstGeom prst="rect">
-                <a:avLst/>
-              </a:prstGeom>
-              <a:noFill/>
-              <a:ln>
-                <a:noFill/>
-              </a:ln>
-            </p:spPr>
-            <p:style>
-              <a:lnRef idx="2">
-                <a:schemeClr val="dk1"/>
-              </a:lnRef>
-              <a:fillRef idx="1">
-                <a:schemeClr val="lt1"/>
-              </a:fillRef>
-              <a:effectRef idx="0">
-                <a:schemeClr val="dk1"/>
-              </a:effectRef>
-              <a:fontRef idx="minor">
-                <a:schemeClr val="dk1"/>
-              </a:fontRef>
-            </p:style>
-            <p:txBody>
-              <a:bodyPr rtlCol="0" anchor="ctr"/>
-              <a:lstStyle/>
-              <a:p>
-                <a:pPr algn="ctr"/>
-                <a:endParaRPr lang="en-US" dirty="0"/>
-              </a:p>
-            </p:txBody>
-          </p:sp>
-          <p:sp>
-            <p:nvSpPr>
-              <p:cNvPr id="3" name="Rectangle 2">
-                <a:extLst>
-                  <a:ext uri="{FF2B5EF4-FFF2-40B4-BE49-F238E27FC236}">
-                    <a16:creationId xmlns:a16="http://schemas.microsoft.com/office/drawing/2014/main" id="{E5F23AE9-A8AC-422D-AD79-336EF443B192}"/>
-                  </a:ext>
-                </a:extLst>
-              </p:cNvPr>
-              <p:cNvSpPr/>
-              <p:nvPr/>
-            </p:nvSpPr>
-            <p:spPr>
-              <a:xfrm>
-                <a:off x="6408413" y="3713952"/>
-                <a:ext cx="612842" cy="632297"/>
-              </a:xfrm>
-              <a:prstGeom prst="rect">
-                <a:avLst/>
-              </a:prstGeom>
-              <a:solidFill>
-                <a:schemeClr val="bg1"/>
-              </a:solidFill>
-              <a:ln>
-                <a:noFill/>
-              </a:ln>
-            </p:spPr>
-            <p:style>
-              <a:lnRef idx="2">
-                <a:schemeClr val="accent1">
-                  <a:shade val="50000"/>
-                </a:schemeClr>
-              </a:lnRef>
-              <a:fillRef idx="1">
-                <a:schemeClr val="accent1"/>
-              </a:fillRef>
-              <a:effectRef idx="0">
-                <a:schemeClr val="accent1"/>
-              </a:effectRef>
-              <a:fontRef idx="minor">
-                <a:schemeClr val="lt1"/>
-              </a:fontRef>
-            </p:style>
-            <p:txBody>
-              <a:bodyPr rtlCol="0" anchor="ctr"/>
-              <a:lstStyle/>
-              <a:p>
-                <a:pPr algn="ctr"/>
-                <a:endParaRPr lang="en-US"/>
-              </a:p>
-            </p:txBody>
-          </p:sp>
-          <p:sp>
-            <p:nvSpPr>
-              <p:cNvPr id="5" name="Rectangle 4">
-                <a:extLst>
-                  <a:ext uri="{FF2B5EF4-FFF2-40B4-BE49-F238E27FC236}">
-                    <a16:creationId xmlns:a16="http://schemas.microsoft.com/office/drawing/2014/main" id="{DB242995-0706-4837-B74B-75FE923FB5E7}"/>
-                  </a:ext>
-                </a:extLst>
-              </p:cNvPr>
-              <p:cNvSpPr/>
-              <p:nvPr/>
-            </p:nvSpPr>
-            <p:spPr>
-              <a:xfrm>
-                <a:off x="3963528" y="3641868"/>
-                <a:ext cx="1026762" cy="704381"/>
-              </a:xfrm>
-              <a:prstGeom prst="rect">
-                <a:avLst/>
-              </a:prstGeom>
-              <a:solidFill>
-                <a:schemeClr val="bg1"/>
-              </a:solidFill>
-              <a:ln>
-                <a:noFill/>
-              </a:ln>
-            </p:spPr>
-            <p:style>
-              <a:lnRef idx="2">
-                <a:schemeClr val="accent1">
-                  <a:shade val="50000"/>
-                </a:schemeClr>
-              </a:lnRef>
-              <a:fillRef idx="1">
-                <a:schemeClr val="accent1"/>
-              </a:fillRef>
-              <a:effectRef idx="0">
-                <a:schemeClr val="accent1"/>
-              </a:effectRef>
-              <a:fontRef idx="minor">
-                <a:schemeClr val="lt1"/>
-              </a:fontRef>
-            </p:style>
-            <p:txBody>
-              <a:bodyPr rtlCol="0" anchor="ctr"/>
-              <a:lstStyle/>
-              <a:p>
-                <a:pPr algn="ctr"/>
-                <a:endParaRPr lang="en-US"/>
-              </a:p>
-            </p:txBody>
-          </p:sp>
-        </p:grpSp>
-        <p:sp>
-          <p:nvSpPr>
-            <p:cNvPr id="7" name="TextBox 6">
-              <a:extLst>
-                <a:ext uri="{FF2B5EF4-FFF2-40B4-BE49-F238E27FC236}">
-                  <a16:creationId xmlns:a16="http://schemas.microsoft.com/office/drawing/2014/main" id="{DA5D80EC-3F91-42E9-A368-1E9DFEE1EB3C}"/>
-                </a:ext>
-              </a:extLst>
-            </p:cNvPr>
-            <p:cNvSpPr txBox="1"/>
-            <p:nvPr/>
-          </p:nvSpPr>
-          <p:spPr>
-            <a:xfrm>
-              <a:off x="620010" y="2576043"/>
-              <a:ext cx="583814" cy="523220"/>
-            </a:xfrm>
-            <a:prstGeom prst="rect">
-              <a:avLst/>
-            </a:prstGeom>
-            <a:noFill/>
-          </p:spPr>
-          <p:txBody>
-            <a:bodyPr wrap="none" rtlCol="0">
-              <a:spAutoFit/>
-            </a:bodyPr>
-            <a:lstStyle/>
-            <a:p>
-              <a:r>
-                <a:rPr lang="en-US" sz="2800" dirty="0">
-                  <a:latin typeface="Times New Roman" panose="02020603050405020304" pitchFamily="18" charset="0"/>
-                  <a:cs typeface="Times New Roman" panose="02020603050405020304" pitchFamily="18" charset="0"/>
-                </a:rPr>
-                <a:t>(a)</a:t>
-              </a:r>
-            </a:p>
-          </p:txBody>
-        </p:sp>
-      </p:grpSp>
-      <p:grpSp>
-        <p:nvGrpSpPr>
           <p:cNvPr id="27" name="Group 26">
             <a:extLst>
               <a:ext uri="{FF2B5EF4-FFF2-40B4-BE49-F238E27FC236}">
@@ -31929,7 +31667,7 @@
         </p:nvGrpSpPr>
         <p:grpSpPr>
           <a:xfrm>
-            <a:off x="2654903" y="185421"/>
+            <a:off x="2348210" y="-628734"/>
             <a:ext cx="5596699" cy="3372557"/>
             <a:chOff x="1555945" y="-376943"/>
             <a:chExt cx="5596699" cy="3372557"/>
@@ -33059,6 +32797,319 @@
           </p:txBody>
         </p:sp>
       </p:grpSp>
+      <p:grpSp>
+        <p:nvGrpSpPr>
+          <p:cNvPr id="10" name="Group 9">
+            <a:extLst>
+              <a:ext uri="{FF2B5EF4-FFF2-40B4-BE49-F238E27FC236}">
+                <a16:creationId xmlns:a16="http://schemas.microsoft.com/office/drawing/2014/main" id="{5D7A32D0-A943-41A1-A291-DE942033252B}"/>
+              </a:ext>
+            </a:extLst>
+          </p:cNvPr>
+          <p:cNvGrpSpPr/>
+          <p:nvPr/>
+        </p:nvGrpSpPr>
+        <p:grpSpPr>
+          <a:xfrm>
+            <a:off x="523458" y="3308168"/>
+            <a:ext cx="9867060" cy="2116546"/>
+            <a:chOff x="523458" y="3308168"/>
+            <a:chExt cx="9867060" cy="2116546"/>
+          </a:xfrm>
+        </p:grpSpPr>
+        <p:grpSp>
+          <p:nvGrpSpPr>
+            <p:cNvPr id="8" name="Group 7">
+              <a:extLst>
+                <a:ext uri="{FF2B5EF4-FFF2-40B4-BE49-F238E27FC236}">
+                  <a16:creationId xmlns:a16="http://schemas.microsoft.com/office/drawing/2014/main" id="{F45FC5D4-E2AA-44E3-BF31-F9B1BF9F2035}"/>
+                </a:ext>
+              </a:extLst>
+            </p:cNvPr>
+            <p:cNvGrpSpPr/>
+            <p:nvPr/>
+          </p:nvGrpSpPr>
+          <p:grpSpPr>
+            <a:xfrm>
+              <a:off x="523458" y="3308168"/>
+              <a:ext cx="9867060" cy="2108039"/>
+              <a:chOff x="620010" y="2576043"/>
+              <a:chExt cx="9867060" cy="2108039"/>
+            </a:xfrm>
+          </p:grpSpPr>
+          <p:grpSp>
+            <p:nvGrpSpPr>
+              <p:cNvPr id="6" name="Group 5">
+                <a:extLst>
+                  <a:ext uri="{FF2B5EF4-FFF2-40B4-BE49-F238E27FC236}">
+                    <a16:creationId xmlns:a16="http://schemas.microsoft.com/office/drawing/2014/main" id="{EB38E6E8-5604-4A4C-943E-BA70D1AD1293}"/>
+                  </a:ext>
+                </a:extLst>
+              </p:cNvPr>
+              <p:cNvGrpSpPr/>
+              <p:nvPr/>
+            </p:nvGrpSpPr>
+            <p:grpSpPr>
+              <a:xfrm>
+                <a:off x="979029" y="2743823"/>
+                <a:ext cx="9508041" cy="1940259"/>
+                <a:chOff x="979029" y="2743823"/>
+                <a:chExt cx="9508041" cy="1940259"/>
+              </a:xfrm>
+            </p:grpSpPr>
+            <p:pic>
+              <p:nvPicPr>
+                <p:cNvPr id="4" name="Picture 3">
+                  <a:extLst>
+                    <a:ext uri="{FF2B5EF4-FFF2-40B4-BE49-F238E27FC236}">
+                      <a16:creationId xmlns:a16="http://schemas.microsoft.com/office/drawing/2014/main" id="{44B08358-C048-4D81-B296-DF47D311D3CD}"/>
+                    </a:ext>
+                  </a:extLst>
+                </p:cNvPr>
+                <p:cNvPicPr>
+                  <a:picLocks noChangeAspect="1"/>
+                </p:cNvPicPr>
+                <p:nvPr/>
+              </p:nvPicPr>
+              <p:blipFill>
+                <a:blip r:embed="rId13"/>
+                <a:stretch>
+                  <a:fillRect/>
+                </a:stretch>
+              </p:blipFill>
+              <p:spPr>
+                <a:xfrm>
+                  <a:off x="979029" y="2743823"/>
+                  <a:ext cx="9508041" cy="1940259"/>
+                </a:xfrm>
+                <a:prstGeom prst="rect">
+                  <a:avLst/>
+                </a:prstGeom>
+              </p:spPr>
+            </p:pic>
+            <p:sp>
+              <p:nvSpPr>
+                <p:cNvPr id="2" name="Rectangle 1">
+                  <a:extLst>
+                    <a:ext uri="{FF2B5EF4-FFF2-40B4-BE49-F238E27FC236}">
+                      <a16:creationId xmlns:a16="http://schemas.microsoft.com/office/drawing/2014/main" id="{B6957E1A-B322-412A-8375-E4A93CF46AC7}"/>
+                    </a:ext>
+                  </a:extLst>
+                </p:cNvPr>
+                <p:cNvSpPr/>
+                <p:nvPr/>
+              </p:nvSpPr>
+              <p:spPr>
+                <a:xfrm>
+                  <a:off x="6408413" y="3797086"/>
+                  <a:ext cx="439859" cy="477079"/>
+                </a:xfrm>
+                <a:prstGeom prst="rect">
+                  <a:avLst/>
+                </a:prstGeom>
+                <a:noFill/>
+                <a:ln>
+                  <a:noFill/>
+                </a:ln>
+              </p:spPr>
+              <p:style>
+                <a:lnRef idx="2">
+                  <a:schemeClr val="dk1"/>
+                </a:lnRef>
+                <a:fillRef idx="1">
+                  <a:schemeClr val="lt1"/>
+                </a:fillRef>
+                <a:effectRef idx="0">
+                  <a:schemeClr val="dk1"/>
+                </a:effectRef>
+                <a:fontRef idx="minor">
+                  <a:schemeClr val="dk1"/>
+                </a:fontRef>
+              </p:style>
+              <p:txBody>
+                <a:bodyPr rtlCol="0" anchor="ctr"/>
+                <a:lstStyle/>
+                <a:p>
+                  <a:pPr algn="ctr"/>
+                  <a:endParaRPr lang="en-US" dirty="0"/>
+                </a:p>
+              </p:txBody>
+            </p:sp>
+            <p:sp>
+              <p:nvSpPr>
+                <p:cNvPr id="3" name="Rectangle 2">
+                  <a:extLst>
+                    <a:ext uri="{FF2B5EF4-FFF2-40B4-BE49-F238E27FC236}">
+                      <a16:creationId xmlns:a16="http://schemas.microsoft.com/office/drawing/2014/main" id="{E5F23AE9-A8AC-422D-AD79-336EF443B192}"/>
+                    </a:ext>
+                  </a:extLst>
+                </p:cNvPr>
+                <p:cNvSpPr/>
+                <p:nvPr/>
+              </p:nvSpPr>
+              <p:spPr>
+                <a:xfrm>
+                  <a:off x="6408413" y="3713952"/>
+                  <a:ext cx="612842" cy="632297"/>
+                </a:xfrm>
+                <a:prstGeom prst="rect">
+                  <a:avLst/>
+                </a:prstGeom>
+                <a:solidFill>
+                  <a:schemeClr val="bg1"/>
+                </a:solidFill>
+                <a:ln>
+                  <a:noFill/>
+                </a:ln>
+              </p:spPr>
+              <p:style>
+                <a:lnRef idx="2">
+                  <a:schemeClr val="accent1">
+                    <a:shade val="50000"/>
+                  </a:schemeClr>
+                </a:lnRef>
+                <a:fillRef idx="1">
+                  <a:schemeClr val="accent1"/>
+                </a:fillRef>
+                <a:effectRef idx="0">
+                  <a:schemeClr val="accent1"/>
+                </a:effectRef>
+                <a:fontRef idx="minor">
+                  <a:schemeClr val="lt1"/>
+                </a:fontRef>
+              </p:style>
+              <p:txBody>
+                <a:bodyPr rtlCol="0" anchor="ctr"/>
+                <a:lstStyle/>
+                <a:p>
+                  <a:pPr algn="ctr"/>
+                  <a:endParaRPr lang="en-US"/>
+                </a:p>
+              </p:txBody>
+            </p:sp>
+            <p:sp>
+              <p:nvSpPr>
+                <p:cNvPr id="5" name="Rectangle 4">
+                  <a:extLst>
+                    <a:ext uri="{FF2B5EF4-FFF2-40B4-BE49-F238E27FC236}">
+                      <a16:creationId xmlns:a16="http://schemas.microsoft.com/office/drawing/2014/main" id="{DB242995-0706-4837-B74B-75FE923FB5E7}"/>
+                    </a:ext>
+                  </a:extLst>
+                </p:cNvPr>
+                <p:cNvSpPr/>
+                <p:nvPr/>
+              </p:nvSpPr>
+              <p:spPr>
+                <a:xfrm>
+                  <a:off x="3963528" y="3641868"/>
+                  <a:ext cx="1026762" cy="704381"/>
+                </a:xfrm>
+                <a:prstGeom prst="rect">
+                  <a:avLst/>
+                </a:prstGeom>
+                <a:solidFill>
+                  <a:schemeClr val="bg1"/>
+                </a:solidFill>
+                <a:ln>
+                  <a:noFill/>
+                </a:ln>
+              </p:spPr>
+              <p:style>
+                <a:lnRef idx="2">
+                  <a:schemeClr val="accent1">
+                    <a:shade val="50000"/>
+                  </a:schemeClr>
+                </a:lnRef>
+                <a:fillRef idx="1">
+                  <a:schemeClr val="accent1"/>
+                </a:fillRef>
+                <a:effectRef idx="0">
+                  <a:schemeClr val="accent1"/>
+                </a:effectRef>
+                <a:fontRef idx="minor">
+                  <a:schemeClr val="lt1"/>
+                </a:fontRef>
+              </p:style>
+              <p:txBody>
+                <a:bodyPr rtlCol="0" anchor="ctr"/>
+                <a:lstStyle/>
+                <a:p>
+                  <a:pPr algn="ctr"/>
+                  <a:endParaRPr lang="en-US"/>
+                </a:p>
+              </p:txBody>
+            </p:sp>
+          </p:grpSp>
+          <p:sp>
+            <p:nvSpPr>
+              <p:cNvPr id="7" name="TextBox 6">
+                <a:extLst>
+                  <a:ext uri="{FF2B5EF4-FFF2-40B4-BE49-F238E27FC236}">
+                    <a16:creationId xmlns:a16="http://schemas.microsoft.com/office/drawing/2014/main" id="{DA5D80EC-3F91-42E9-A368-1E9DFEE1EB3C}"/>
+                  </a:ext>
+                </a:extLst>
+              </p:cNvPr>
+              <p:cNvSpPr txBox="1"/>
+              <p:nvPr/>
+            </p:nvSpPr>
+            <p:spPr>
+              <a:xfrm>
+                <a:off x="620010" y="2576043"/>
+                <a:ext cx="583814" cy="523220"/>
+              </a:xfrm>
+              <a:prstGeom prst="rect">
+                <a:avLst/>
+              </a:prstGeom>
+              <a:noFill/>
+            </p:spPr>
+            <p:txBody>
+              <a:bodyPr wrap="none" rtlCol="0">
+                <a:spAutoFit/>
+              </a:bodyPr>
+              <a:lstStyle/>
+              <a:p>
+                <a:r>
+                  <a:rPr lang="en-US" sz="2800" dirty="0">
+                    <a:latin typeface="Times New Roman" panose="02020603050405020304" pitchFamily="18" charset="0"/>
+                    <a:cs typeface="Times New Roman" panose="02020603050405020304" pitchFamily="18" charset="0"/>
+                  </a:rPr>
+                  <a:t>(a)</a:t>
+                </a:r>
+              </a:p>
+            </p:txBody>
+          </p:sp>
+        </p:grpSp>
+        <p:pic>
+          <p:nvPicPr>
+            <p:cNvPr id="45" name="Picture 44">
+              <a:extLst>
+                <a:ext uri="{FF2B5EF4-FFF2-40B4-BE49-F238E27FC236}">
+                  <a16:creationId xmlns:a16="http://schemas.microsoft.com/office/drawing/2014/main" id="{E7B07CE8-06B0-491D-AA82-1498473A21C6}"/>
+                </a:ext>
+              </a:extLst>
+            </p:cNvPr>
+            <p:cNvPicPr>
+              <a:picLocks noChangeAspect="1"/>
+            </p:cNvPicPr>
+            <p:nvPr/>
+          </p:nvPicPr>
+          <p:blipFill>
+            <a:blip r:embed="rId14"/>
+            <a:stretch>
+              <a:fillRect/>
+            </a:stretch>
+          </p:blipFill>
+          <p:spPr>
+            <a:xfrm>
+              <a:off x="3081200" y="3545424"/>
+              <a:ext cx="4885825" cy="1879290"/>
+            </a:xfrm>
+            <a:prstGeom prst="rect">
+              <a:avLst/>
+            </a:prstGeom>
+          </p:spPr>
+        </p:pic>
+      </p:grpSp>
     </p:spTree>
     <p:extLst>
       <p:ext uri="{BB962C8B-B14F-4D97-AF65-F5344CB8AC3E}">
